--- a/Formation Git.pptx
+++ b/Formation Git.pptx
@@ -5,7 +5,7 @@
     <p:sldMasterId id="2147483648" r:id="rId1"/>
   </p:sldMasterIdLst>
   <p:notesMasterIdLst>
-    <p:notesMasterId r:id="rId17"/>
+    <p:notesMasterId r:id="rId18"/>
   </p:notesMasterIdLst>
   <p:sldIdLst>
     <p:sldId id="257" r:id="rId2"/>
@@ -22,7 +22,8 @@
     <p:sldId id="265" r:id="rId13"/>
     <p:sldId id="269" r:id="rId14"/>
     <p:sldId id="270" r:id="rId15"/>
-    <p:sldId id="271" r:id="rId16"/>
+    <p:sldId id="272" r:id="rId16"/>
+    <p:sldId id="271" r:id="rId17"/>
   </p:sldIdLst>
   <p:sldSz cx="12192000" cy="6858000"/>
   <p:notesSz cx="6858000" cy="9144000"/>
@@ -844,7 +845,15 @@
           <a:p>
             <a:r>
               <a:rPr lang="fr-FR" baseline="0" dirty="0" smtClean="0"/>
-              <a:t>Chaque branche est créer pour l’utilisateur les  modification  serons pas mergé à la branche principale jusqu’à que le code sois analysé et validé , ce qui implique en gagne en productivité.</a:t>
+              <a:t>Chaque branche est créer pour l’utilisateur les  modification  serons pas </a:t>
+            </a:r>
+            <a:r>
+              <a:rPr lang="fr-FR" baseline="0" dirty="0" err="1" smtClean="0"/>
+              <a:t>mergé</a:t>
+            </a:r>
+            <a:r>
+              <a:rPr lang="fr-FR" baseline="0" dirty="0" smtClean="0"/>
+              <a:t> à la branche principale jusqu’à que le code sois analysé et validé , ce qui implique en gagne en productivité.</a:t>
             </a:r>
           </a:p>
           <a:p>
@@ -1263,7 +1272,15 @@
             </a:r>
             <a:r>
               <a:rPr lang="fr-FR" sz="1200" b="0" baseline="0" dirty="0" smtClean="0"/>
-              <a:t> du master avant de mergé leur branch </a:t>
+              <a:t> du master avant de </a:t>
+            </a:r>
+            <a:r>
+              <a:rPr lang="fr-FR" sz="1200" b="0" baseline="0" dirty="0" err="1" smtClean="0"/>
+              <a:t>mergé</a:t>
+            </a:r>
+            <a:r>
+              <a:rPr lang="fr-FR" sz="1200" b="0" baseline="0" dirty="0" smtClean="0"/>
+              <a:t> leur branch </a:t>
             </a:r>
             <a:r>
               <a:rPr lang="fr-FR" sz="1200" b="1" baseline="0" dirty="0" smtClean="0"/>
@@ -1535,19 +1552,7 @@
           <a:p>
             <a:r>
               <a:rPr lang="fr-FR" baseline="0" dirty="0" smtClean="0"/>
-              <a:t>Il y’à une copie de repo </a:t>
-            </a:r>
-            <a:r>
-              <a:rPr lang="fr-FR" baseline="0" dirty="0" smtClean="0"/>
-              <a:t>(projet)pour </a:t>
-            </a:r>
-            <a:r>
-              <a:rPr lang="fr-FR" baseline="0" dirty="0" smtClean="0"/>
-              <a:t>chaque développer (contient </a:t>
-            </a:r>
-            <a:r>
-              <a:rPr lang="fr-FR" baseline="0" dirty="0" smtClean="0"/>
-              <a:t>l’historiques des branches )(plusieurs versions du projet indépendants </a:t>
+              <a:t>Il y’à une copie de repo (projet)pour chaque développer (contient l’historiques des branches )(plusieurs versions du projet indépendants </a:t>
             </a:r>
             <a:r>
               <a:rPr lang="fr-FR" baseline="0" dirty="0" err="1" smtClean="0"/>
@@ -1563,11 +1568,7 @@
             </a:r>
             <a:r>
               <a:rPr lang="fr-FR" baseline="0" dirty="0" smtClean="0"/>
-              <a:t>).</a:t>
-            </a:r>
-            <a:r>
-              <a:rPr lang="fr-FR" baseline="0" dirty="0" smtClean="0"/>
-              <a:t>il peut de déconnecter et travailler localement.</a:t>
+              <a:t>).il peut de déconnecter et travailler localement.</a:t>
             </a:r>
           </a:p>
           <a:p>
@@ -1581,11 +1582,7 @@
             </a:r>
             <a:r>
               <a:rPr lang="fr-FR" baseline="0" dirty="0" smtClean="0"/>
-              <a:t> le disque de dur on le repo distant il y</a:t>
-            </a:r>
-            <a:r>
-              <a:rPr lang="fr-FR" baseline="0" dirty="0" smtClean="0"/>
-              <a:t>’</a:t>
+              <a:t> le disque de dur on le repo distant il y’</a:t>
             </a:r>
             <a:r>
               <a:rPr lang="en-US" sz="1200" b="0" i="0" kern="1200" dirty="0" smtClean="0">
@@ -1601,11 +1598,7 @@
             </a:r>
             <a:r>
               <a:rPr lang="fr-FR" baseline="0" dirty="0" smtClean="0"/>
-              <a:t>à </a:t>
-            </a:r>
-            <a:r>
-              <a:rPr lang="fr-FR" baseline="0" dirty="0" smtClean="0"/>
-              <a:t>toujours un copie de repo avec un autre développeur .encoignent  gestion et utilisation compliqué </a:t>
+              <a:t>à toujours un copie de repo avec un autre développeur .encoignent  gestion et utilisation compliqué </a:t>
             </a:r>
             <a:endParaRPr lang="fr-FR" dirty="0"/>
           </a:p>
@@ -2402,11 +2395,7 @@
             </a:r>
             <a:r>
               <a:rPr lang="fr-FR" baseline="0" dirty="0" smtClean="0"/>
-              <a:t> </a:t>
-            </a:r>
-            <a:r>
-              <a:rPr lang="fr-FR" baseline="0" dirty="0" smtClean="0"/>
-              <a:t>status affiche (non </a:t>
+              <a:t> status affiche (non </a:t>
             </a:r>
             <a:r>
               <a:rPr lang="fr-FR" baseline="0" dirty="0" err="1" smtClean="0"/>
@@ -3098,19 +3087,7 @@
                 <a:ea typeface="+mn-ea"/>
                 <a:cs typeface="+mn-cs"/>
               </a:rPr>
-              <a:t>voir le fichier comment il est avant ce </a:t>
-            </a:r>
-            <a:r>
-              <a:rPr lang="fr-FR" sz="1200" kern="1200" dirty="0" smtClean="0">
-                <a:solidFill>
-                  <a:schemeClr val="tx1"/>
-                </a:solidFill>
-                <a:effectLst/>
-                <a:latin typeface="+mn-lt"/>
-                <a:ea typeface="+mn-ea"/>
-                <a:cs typeface="+mn-cs"/>
-              </a:rPr>
-              <a:t>commit,</a:t>
+              <a:t>voir le fichier comment il est avant ce commit,</a:t>
             </a:r>
             <a:r>
               <a:rPr lang="fr-FR" sz="1200" kern="1200" baseline="0" dirty="0" smtClean="0">
@@ -3206,11 +3183,7 @@
             </a:r>
             <a:r>
               <a:rPr lang="fr-FR" sz="1200" dirty="0" smtClean="0"/>
-              <a:t> et ajouté à </a:t>
-            </a:r>
-            <a:r>
-              <a:rPr lang="fr-FR" sz="1200" dirty="0" smtClean="0"/>
-              <a:t>l’historique</a:t>
+              <a:t> et ajouté à l’historique</a:t>
             </a:r>
           </a:p>
           <a:p>
@@ -7258,11 +7231,7 @@
             </a:r>
             <a:r>
               <a:rPr lang="fr-FR" sz="2600" b="1" i="1" dirty="0" smtClean="0"/>
-              <a:t>» </a:t>
-            </a:r>
-            <a:r>
-              <a:rPr lang="fr-FR" sz="2600" b="1" i="1" dirty="0" smtClean="0"/>
-              <a:t>«</a:t>
+              <a:t>» «</a:t>
             </a:r>
             <a:r>
               <a:rPr lang="fr-FR" sz="2600" b="1" i="1" dirty="0"/>
@@ -7347,11 +7316,7 @@
             </a:pPr>
             <a:r>
               <a:rPr lang="fr-FR" sz="2600" b="1" i="1" dirty="0"/>
-              <a:t>git show </a:t>
-            </a:r>
-            <a:r>
-              <a:rPr lang="fr-FR" sz="2600" b="1" i="1" dirty="0"/>
-              <a:t>« </a:t>
+              <a:t>git show « </a:t>
             </a:r>
             <a:r>
               <a:rPr lang="fr-FR" sz="2600" b="1" i="1" dirty="0" err="1"/>
@@ -7372,23 +7337,38 @@
             </a:pPr>
             <a:r>
               <a:rPr lang="fr-FR" sz="2800" dirty="0" smtClean="0"/>
-              <a:t>21 commande de </a:t>
+              <a:t>21 </a:t>
+            </a:r>
+            <a:r>
+              <a:rPr lang="fr-FR" sz="2800" dirty="0"/>
+              <a:t>qui à changé le </a:t>
             </a:r>
             <a:r>
               <a:rPr lang="fr-FR" sz="2800" dirty="0" err="1" smtClean="0"/>
-              <a:t>débugage</a:t>
-            </a:r>
-            <a:endParaRPr lang="fr-FR" sz="2800" dirty="0"/>
-          </a:p>
-          <a:p>
-            <a:pPr marL="1169988" lvl="1" indent="-358775">
+              <a:t>fichier</a:t>
+            </a:r>
+            <a:r>
+              <a:rPr lang="fr-FR" sz="2800" dirty="0" err="1" smtClean="0"/>
+              <a:t>est</a:t>
+            </a:r>
+            <a:r>
+              <a:rPr lang="fr-FR" sz="2800" dirty="0" smtClean="0"/>
+              <a:t> quand et </a:t>
+            </a:r>
+            <a:r>
+              <a:rPr lang="fr-FR" sz="2800" smtClean="0"/>
+              <a:t>quoi </a:t>
+            </a:r>
+          </a:p>
+          <a:p>
+            <a:pPr marL="1162050" lvl="1" indent="-361950">
               <a:tabLst>
-                <a:tab pos="811213" algn="l"/>
+                <a:tab pos="363538" algn="l"/>
                 <a:tab pos="1163638" algn="l"/>
               </a:tabLst>
             </a:pPr>
             <a:r>
-              <a:rPr lang="fr-FR" sz="2800" b="1" i="1" dirty="0" smtClean="0"/>
+              <a:rPr lang="fr-FR" sz="2800" b="1" i="1" smtClean="0"/>
               <a:t>git </a:t>
             </a:r>
             <a:r>
@@ -7679,7 +7659,6 @@
               <a:rPr lang="fr-FR" b="1" dirty="0"/>
               <a:t>Branches</a:t>
             </a:r>
-            <a:endParaRPr lang="fr-FR" b="1" dirty="0"/>
           </a:p>
         </p:txBody>
       </p:sp>
@@ -8110,174 +8089,14 @@
       </p:grpSpPr>
       <p:sp>
         <p:nvSpPr>
-          <p:cNvPr id="4" name="Rectangle 1"/>
-          <p:cNvSpPr>
-            <a:spLocks noChangeArrowheads="1"/>
-          </p:cNvSpPr>
-          <p:nvPr/>
-        </p:nvSpPr>
-        <p:spPr bwMode="auto">
-          <a:xfrm>
-            <a:off x="316923" y="6301047"/>
-            <a:ext cx="12192000" cy="457200"/>
-          </a:xfrm>
-          <a:prstGeom prst="rect">
-            <a:avLst/>
-          </a:prstGeom>
-          <a:solidFill>
-            <a:srgbClr val="292D3E"/>
-          </a:solidFill>
-          <a:ln>
-            <a:noFill/>
-          </a:ln>
-          <a:effectLst/>
-          <a:extLst>
-            <a:ext uri="{91240B29-F687-4F45-9708-019B960494DF}">
-              <a14:hiddenLine xmlns:a14="http://schemas.microsoft.com/office/drawing/2010/main" w="9525">
-                <a:solidFill>
-                  <a:schemeClr val="tx1"/>
-                </a:solidFill>
-                <a:miter lim="800000"/>
-                <a:headEnd/>
-                <a:tailEnd/>
-              </a14:hiddenLine>
-            </a:ext>
-            <a:ext uri="{AF507438-7753-43E0-B8FC-AC1667EBCBE1}">
-              <a14:hiddenEffects xmlns:a14="http://schemas.microsoft.com/office/drawing/2010/main">
-                <a:effectLst>
-                  <a:outerShdw dist="35921" dir="2700000" algn="ctr" rotWithShape="0">
-                    <a:schemeClr val="bg2"/>
-                  </a:outerShdw>
-                </a:effectLst>
-              </a14:hiddenEffects>
-            </a:ext>
-          </a:extLst>
-        </p:spPr>
-        <p:txBody>
-          <a:bodyPr vert="horz" wrap="none" lIns="91440" tIns="45720" rIns="91440" bIns="45720" numCol="1" anchor="ctr" anchorCtr="0" compatLnSpc="1">
-            <a:prstTxWarp prst="textNoShape">
-              <a:avLst/>
-            </a:prstTxWarp>
-            <a:spAutoFit/>
-          </a:bodyPr>
-          <a:lstStyle/>
-          <a:p>
-            <a:pPr marL="0" marR="0" lvl="0" indent="0" algn="l" defTabSz="914400" rtl="0" eaLnBrk="0" fontAlgn="base" latinLnBrk="0" hangingPunct="0">
-              <a:lnSpc>
-                <a:spcPct val="100000"/>
-              </a:lnSpc>
-              <a:spcBef>
-                <a:spcPct val="0"/>
-              </a:spcBef>
-              <a:spcAft>
-                <a:spcPct val="0"/>
-              </a:spcAft>
-              <a:buClrTx/>
-              <a:buSzTx/>
-              <a:buFontTx/>
-              <a:buNone/>
-              <a:tabLst/>
-            </a:pPr>
-            <a:r>
-              <a:rPr kumimoji="0" lang="fr-FR" altLang="fr-FR" sz="1000" b="0" i="0" u="none" strike="noStrike" cap="none" normalizeH="0" baseline="0" dirty="0" smtClean="0">
-                <a:ln>
-                  <a:noFill/>
-                </a:ln>
-                <a:solidFill>
-                  <a:srgbClr val="BFC7D5"/>
-                </a:solidFill>
-                <a:effectLst/>
-                <a:latin typeface="Consolas" panose="020B0609020204030204" pitchFamily="49" charset="0"/>
-              </a:rPr>
-              <a:t>git log </a:t>
-            </a:r>
-            <a:r>
-              <a:rPr kumimoji="0" lang="fr-FR" altLang="fr-FR" sz="1000" b="0" i="0" u="none" strike="noStrike" cap="none" normalizeH="0" baseline="0" dirty="0" smtClean="0">
-                <a:ln>
-                  <a:noFill/>
-                </a:ln>
-                <a:solidFill>
-                  <a:srgbClr val="89DDFF"/>
-                </a:solidFill>
-                <a:effectLst/>
-                <a:latin typeface="Consolas" panose="020B0609020204030204" pitchFamily="49" charset="0"/>
-              </a:rPr>
-              <a:t>--</a:t>
-            </a:r>
-            <a:r>
-              <a:rPr kumimoji="0" lang="fr-FR" altLang="fr-FR" sz="1000" b="0" i="0" u="none" strike="noStrike" cap="none" normalizeH="0" baseline="0" dirty="0" smtClean="0">
-                <a:ln>
-                  <a:noFill/>
-                </a:ln>
-                <a:solidFill>
-                  <a:srgbClr val="BFC7D5"/>
-                </a:solidFill>
-                <a:effectLst/>
-                <a:latin typeface="Consolas" panose="020B0609020204030204" pitchFamily="49" charset="0"/>
-              </a:rPr>
-              <a:t>graph </a:t>
-            </a:r>
-            <a:r>
-              <a:rPr kumimoji="0" lang="fr-FR" altLang="fr-FR" sz="1000" b="0" i="0" u="none" strike="noStrike" cap="none" normalizeH="0" baseline="0" dirty="0" smtClean="0">
-                <a:ln>
-                  <a:noFill/>
-                </a:ln>
-                <a:solidFill>
-                  <a:srgbClr val="89DDFF"/>
-                </a:solidFill>
-                <a:effectLst/>
-                <a:latin typeface="Consolas" panose="020B0609020204030204" pitchFamily="49" charset="0"/>
-              </a:rPr>
-              <a:t>--</a:t>
-            </a:r>
-            <a:r>
-              <a:rPr kumimoji="0" lang="fr-FR" altLang="fr-FR" sz="1000" b="0" i="0" u="none" strike="noStrike" cap="none" normalizeH="0" baseline="0" dirty="0" smtClean="0">
-                <a:ln>
-                  <a:noFill/>
-                </a:ln>
-                <a:solidFill>
-                  <a:srgbClr val="82AAFF"/>
-                </a:solidFill>
-                <a:effectLst/>
-                <a:latin typeface="Consolas" panose="020B0609020204030204" pitchFamily="49" charset="0"/>
-              </a:rPr>
-              <a:t>all</a:t>
-            </a:r>
-            <a:r>
-              <a:rPr kumimoji="0" lang="fr-FR" altLang="fr-FR" sz="800" b="0" i="0" u="none" strike="noStrike" cap="none" normalizeH="0" baseline="0" dirty="0" smtClean="0">
-                <a:ln>
-                  <a:noFill/>
-                </a:ln>
-                <a:solidFill>
-                  <a:schemeClr val="tx1"/>
-                </a:solidFill>
-                <a:effectLst/>
-              </a:rPr>
-              <a:t> </a:t>
-            </a:r>
-            <a:endParaRPr kumimoji="0" lang="fr-FR" altLang="fr-FR" sz="1800" b="0" i="0" u="none" strike="noStrike" cap="none" normalizeH="0" baseline="0" dirty="0" smtClean="0">
-              <a:ln>
-                <a:noFill/>
-              </a:ln>
-              <a:solidFill>
-                <a:schemeClr val="tx1"/>
-              </a:solidFill>
-              <a:effectLst/>
-              <a:latin typeface="Arial" panose="020B0604020202020204" pitchFamily="34" charset="0"/>
-            </a:endParaRPr>
-          </a:p>
-        </p:txBody>
-      </p:sp>
-      <p:sp>
-        <p:nvSpPr>
           <p:cNvPr id="5" name="Rectangle 4"/>
           <p:cNvSpPr/>
           <p:nvPr/>
         </p:nvSpPr>
         <p:spPr>
           <a:xfrm>
-            <a:off x="422564" y="83128"/>
-            <a:ext cx="11980718" cy="5064976"/>
+            <a:off x="0" y="83128"/>
+            <a:ext cx="12192000" cy="7714933"/>
           </a:xfrm>
           <a:prstGeom prst="rect">
             <a:avLst/>
@@ -8288,13 +8107,6 @@
             <a:spAutoFit/>
           </a:bodyPr>
           <a:lstStyle/>
-          <a:p>
-            <a:pPr marL="514350" indent="-244475">
-              <a:buFont typeface="+mj-lt"/>
-              <a:buAutoNum type="arabicPeriod"/>
-            </a:pPr>
-            <a:endParaRPr lang="fr-FR" dirty="0" smtClean="0"/>
-          </a:p>
           <a:p>
             <a:pPr marL="571500" indent="-571500">
               <a:buFont typeface="+mj-lt"/>
@@ -8401,11 +8213,7 @@
             </a:r>
             <a:r>
               <a:rPr lang="fr-FR" sz="2600" b="1" i="1" dirty="0"/>
-              <a:t>saut </a:t>
-            </a:r>
-            <a:r>
-              <a:rPr lang="fr-FR" sz="2600" b="1" i="1" dirty="0"/>
-              <a:t>),</a:t>
+              <a:t>saut ),</a:t>
             </a:r>
           </a:p>
           <a:p>
@@ -8461,7 +8269,7 @@
             <a:endParaRPr lang="fr-FR" altLang="fr-FR" sz="2400" dirty="0"/>
           </a:p>
           <a:p>
-            <a:pPr marL="820738" lvl="1" indent="-9525">
+            <a:pPr marL="820738" lvl="1" indent="-192088">
               <a:lnSpc>
                 <a:spcPct val="90000"/>
               </a:lnSpc>
@@ -8471,7 +8279,7 @@
               <a:buFont typeface="Arial" panose="020B0604020202020204" pitchFamily="34" charset="0"/>
               <a:buChar char="•"/>
               <a:tabLst>
-                <a:tab pos="811213" algn="l"/>
+                <a:tab pos="628650" algn="l"/>
                 <a:tab pos="1163638" algn="l"/>
               </a:tabLst>
             </a:pPr>
@@ -8483,45 +8291,226 @@
               <a:rPr lang="fr-FR" altLang="fr-FR" sz="2600" b="1" i="1" dirty="0" err="1" smtClean="0"/>
               <a:t>fetch</a:t>
             </a:r>
-            <a:endParaRPr lang="fr-FR" altLang="fr-FR" sz="2600" b="1" i="1" dirty="0" smtClean="0"/>
-          </a:p>
-          <a:p>
-            <a:pPr marL="820738" lvl="1" indent="-9525">
+            <a:endParaRPr lang="fr-FR" altLang="fr-FR" sz="2600" b="1" i="1" dirty="0"/>
+          </a:p>
+          <a:p>
+            <a:pPr marL="533400" lvl="1" indent="-266700">
               <a:lnSpc>
                 <a:spcPct val="90000"/>
               </a:lnSpc>
               <a:spcBef>
                 <a:spcPts val="500"/>
               </a:spcBef>
+              <a:buFont typeface="+mj-lt"/>
+              <a:buAutoNum type="arabicPeriod" startAt="4"/>
+              <a:tabLst>
+                <a:tab pos="361950" algn="l"/>
+                <a:tab pos="1163638" algn="l"/>
+              </a:tabLst>
+            </a:pPr>
+            <a:r>
+              <a:rPr lang="fr-FR" altLang="fr-FR" sz="2400" dirty="0" smtClean="0"/>
+              <a:t>Mergé deux branche</a:t>
+            </a:r>
+            <a:endParaRPr lang="fr-FR" altLang="fr-FR" sz="2400" dirty="0"/>
+          </a:p>
+          <a:p>
+            <a:pPr marL="800100" lvl="1" indent="-171450">
               <a:buFont typeface="Arial" panose="020B0604020202020204" pitchFamily="34" charset="0"/>
               <a:buChar char="•"/>
               <a:tabLst>
-                <a:tab pos="811213" algn="l"/>
-                <a:tab pos="1163638" algn="l"/>
+                <a:tab pos="533400" algn="l"/>
+                <a:tab pos="623888" algn="l"/>
+                <a:tab pos="800100" algn="l"/>
               </a:tabLst>
             </a:pPr>
             <a:r>
-              <a:rPr lang="fr-FR" altLang="fr-FR" sz="2400" dirty="0"/>
-              <a:t>Mergé une branche</a:t>
-            </a:r>
-            <a:endParaRPr lang="fr-FR" altLang="fr-FR" sz="2400" dirty="0"/>
-          </a:p>
-          <a:p>
-            <a:pPr marL="1160462" lvl="1" indent="-342900">
+              <a:rPr lang="fr-FR" sz="2400" b="1" i="1" dirty="0" smtClean="0"/>
+              <a:t>git </a:t>
+            </a:r>
+            <a:r>
+              <a:rPr lang="fr-FR" sz="2400" b="1" i="1" dirty="0" err="1" smtClean="0"/>
+              <a:t>merge</a:t>
+            </a:r>
+            <a:r>
+              <a:rPr lang="fr-FR" sz="2400" b="1" i="1" dirty="0" smtClean="0"/>
+              <a:t> </a:t>
+            </a:r>
+            <a:r>
+              <a:rPr lang="fr-FR" sz="2400" b="1" i="1" dirty="0" smtClean="0"/>
+              <a:t>branch</a:t>
+            </a:r>
+          </a:p>
+          <a:p>
+            <a:pPr marL="533400" lvl="1" indent="-266700">
+              <a:buFont typeface="+mj-lt"/>
+              <a:buAutoNum type="arabicPeriod"/>
+              <a:tabLst>
+                <a:tab pos="363538" algn="l"/>
+                <a:tab pos="533400" algn="l"/>
+              </a:tabLst>
+            </a:pPr>
+            <a:r>
+              <a:rPr lang="fr-FR" sz="2400" dirty="0"/>
+              <a:t>Supprimer une </a:t>
+            </a:r>
+            <a:r>
+              <a:rPr lang="fr-FR" sz="2400" dirty="0" smtClean="0"/>
+              <a:t>branche local</a:t>
+            </a:r>
+          </a:p>
+          <a:p>
+            <a:pPr marL="628650" lvl="1">
+              <a:buFont typeface="Arial" panose="020B0604020202020204" pitchFamily="34" charset="0"/>
+              <a:buChar char="•"/>
+              <a:tabLst>
+                <a:tab pos="457200" algn="l"/>
+                <a:tab pos="533400" algn="l"/>
+              </a:tabLst>
+            </a:pPr>
+            <a:r>
+              <a:rPr lang="fr-FR" sz="2400" b="1" i="1" dirty="0" smtClean="0"/>
+              <a:t>git </a:t>
+            </a:r>
+            <a:r>
+              <a:rPr lang="fr-FR" sz="2400" b="1" i="1" dirty="0"/>
+              <a:t>branch –d « branch </a:t>
+            </a:r>
+            <a:r>
+              <a:rPr lang="fr-FR" sz="2400" b="1" i="1" dirty="0" err="1"/>
+              <a:t>name</a:t>
+            </a:r>
+            <a:r>
+              <a:rPr lang="fr-FR" sz="2400" b="1" i="1" dirty="0"/>
+              <a:t> </a:t>
+            </a:r>
+            <a:r>
+              <a:rPr lang="fr-FR" sz="2400" b="1" i="1" dirty="0" smtClean="0"/>
+              <a:t>»</a:t>
+            </a:r>
+          </a:p>
+          <a:p>
+            <a:pPr marL="533400" lvl="1" indent="-266700">
+              <a:buFont typeface="+mj-lt"/>
+              <a:buAutoNum type="arabicPeriod"/>
+              <a:tabLst>
+                <a:tab pos="363538" algn="l"/>
+                <a:tab pos="533400" algn="l"/>
+              </a:tabLst>
+            </a:pPr>
+            <a:r>
+              <a:rPr lang="fr-FR" sz="2400" dirty="0"/>
+              <a:t>Switcher entre deux </a:t>
+            </a:r>
+            <a:r>
+              <a:rPr lang="fr-FR" sz="2400" dirty="0" smtClean="0"/>
+              <a:t>branches</a:t>
+            </a:r>
+          </a:p>
+          <a:p>
+            <a:pPr marL="628650" lvl="1" indent="-342900">
+              <a:buFont typeface="Arial" panose="020B0604020202020204" pitchFamily="34" charset="0"/>
+              <a:buChar char="•"/>
+              <a:tabLst>
+                <a:tab pos="457200" algn="l"/>
+                <a:tab pos="533400" algn="l"/>
+              </a:tabLst>
+            </a:pPr>
+            <a:r>
+              <a:rPr lang="fr-FR" sz="2400" b="1" i="1" dirty="0"/>
+              <a:t>git </a:t>
+            </a:r>
+            <a:r>
+              <a:rPr lang="fr-FR" sz="2400" b="1" i="1" dirty="0" err="1"/>
+              <a:t>checkout</a:t>
+            </a:r>
+            <a:r>
+              <a:rPr lang="fr-FR" sz="2400" b="1" i="1" dirty="0"/>
+              <a:t> «branch </a:t>
+            </a:r>
+            <a:r>
+              <a:rPr lang="fr-FR" sz="2400" b="1" i="1" dirty="0" err="1"/>
+              <a:t>name</a:t>
+            </a:r>
+            <a:r>
+              <a:rPr lang="fr-FR" sz="2400" b="1" i="1" dirty="0"/>
+              <a:t>  </a:t>
+            </a:r>
+            <a:r>
+              <a:rPr lang="fr-FR" sz="2400" b="1" i="1" dirty="0" smtClean="0"/>
+              <a:t>»</a:t>
+            </a:r>
+          </a:p>
+          <a:p>
+            <a:pPr marL="742950" lvl="1" indent="-457200">
+              <a:buFont typeface="+mj-lt"/>
+              <a:buAutoNum type="arabicPeriod"/>
+              <a:tabLst>
+                <a:tab pos="457200" algn="l"/>
+                <a:tab pos="533400" algn="l"/>
+              </a:tabLst>
+            </a:pPr>
+            <a:r>
+              <a:rPr lang="fr-FR" sz="2400" dirty="0"/>
+              <a:t>Supprimer la </a:t>
+            </a:r>
+            <a:r>
+              <a:rPr lang="fr-FR" sz="2400" dirty="0" smtClean="0"/>
+              <a:t>référence au dépôt distant</a:t>
+            </a:r>
+          </a:p>
+          <a:p>
+            <a:pPr marL="628650" lvl="1" indent="-342900">
+              <a:buFont typeface="Arial" panose="020B0604020202020204" pitchFamily="34" charset="0"/>
+              <a:buChar char="•"/>
+              <a:tabLst>
+                <a:tab pos="457200" algn="l"/>
+                <a:tab pos="533400" algn="l"/>
+              </a:tabLst>
+            </a:pPr>
+            <a:r>
+              <a:rPr lang="fr-FR" sz="2400" b="1" i="1" dirty="0"/>
+              <a:t>git </a:t>
+            </a:r>
+            <a:r>
+              <a:rPr lang="fr-FR" sz="2400" b="1" i="1" dirty="0" err="1"/>
+              <a:t>remote</a:t>
+            </a:r>
+            <a:r>
+              <a:rPr lang="fr-FR" sz="2400" b="1" i="1" dirty="0"/>
+              <a:t> </a:t>
+            </a:r>
+            <a:r>
+              <a:rPr lang="fr-FR" sz="2400" b="1" i="1" dirty="0" err="1"/>
+              <a:t>rm</a:t>
+            </a:r>
+            <a:r>
+              <a:rPr lang="fr-FR" sz="2400" b="1" i="1" dirty="0"/>
+              <a:t> </a:t>
+            </a:r>
+            <a:r>
+              <a:rPr lang="fr-FR" sz="2400" b="1" i="1" dirty="0" err="1"/>
+              <a:t>origin</a:t>
+            </a:r>
+            <a:endParaRPr lang="fr-FR" sz="2400" b="1" i="1" dirty="0"/>
+          </a:p>
+          <a:p>
+            <a:pPr marL="628650" lvl="1">
+              <a:tabLst>
+                <a:tab pos="457200" algn="l"/>
+                <a:tab pos="533400" algn="l"/>
+              </a:tabLst>
+            </a:pPr>
+            <a:endParaRPr lang="fr-FR" sz="2400" b="1" i="1" dirty="0" smtClean="0"/>
+          </a:p>
+          <a:p>
+            <a:pPr marL="817562" lvl="1">
               <a:tabLst>
                 <a:tab pos="363538" algn="l"/>
                 <a:tab pos="623888" algn="l"/>
               </a:tabLst>
             </a:pPr>
-            <a:r>
-              <a:rPr lang="fr-FR" sz="2400" b="1" i="1" dirty="0" smtClean="0"/>
-              <a:t>Git </a:t>
-            </a:r>
-            <a:r>
-              <a:rPr lang="fr-FR" sz="2400" b="1" i="1" smtClean="0"/>
-              <a:t>merge branch</a:t>
-            </a:r>
-            <a:endParaRPr lang="fr-FR" sz="2400" b="1" i="1" dirty="0" smtClean="0"/>
+            <a:endParaRPr lang="fr-FR" sz="2400" b="1" i="1" dirty="0"/>
           </a:p>
           <a:p>
             <a:pPr marL="1160462" lvl="1" indent="-342900">
@@ -8544,10 +8533,113 @@
   <p:clrMapOvr>
     <a:masterClrMapping/>
   </p:clrMapOvr>
+  <p:timing>
+    <p:tnLst>
+      <p:par>
+        <p:cTn id="1" dur="indefinite" restart="never" nodeType="tmRoot"/>
+      </p:par>
+    </p:tnLst>
+  </p:timing>
 </p:sld>
 </file>
 
 <file path=ppt/slides/slide15.xml><?xml version="1.0" encoding="utf-8"?>
+<p:sld xmlns:a="http://schemas.openxmlformats.org/drawingml/2006/main" xmlns:r="http://schemas.openxmlformats.org/officeDocument/2006/relationships" xmlns:p="http://schemas.openxmlformats.org/presentationml/2006/main">
+  <p:cSld>
+    <p:spTree>
+      <p:nvGrpSpPr>
+        <p:cNvPr id="1" name=""/>
+        <p:cNvGrpSpPr/>
+        <p:nvPr/>
+      </p:nvGrpSpPr>
+      <p:grpSpPr>
+        <a:xfrm>
+          <a:off x="0" y="0"/>
+          <a:ext cx="0" cy="0"/>
+          <a:chOff x="0" y="0"/>
+          <a:chExt cx="0" cy="0"/>
+        </a:xfrm>
+      </p:grpSpPr>
+      <p:sp>
+        <p:nvSpPr>
+          <p:cNvPr id="3" name="Espace réservé du contenu 2"/>
+          <p:cNvSpPr>
+            <a:spLocks noGrp="1"/>
+          </p:cNvSpPr>
+          <p:nvPr>
+            <p:ph idx="1"/>
+          </p:nvPr>
+        </p:nvSpPr>
+        <p:spPr>
+          <a:xfrm>
+            <a:off x="171450" y="342900"/>
+            <a:ext cx="11734800" cy="6362700"/>
+          </a:xfrm>
+        </p:spPr>
+        <p:txBody>
+          <a:bodyPr/>
+          <a:lstStyle/>
+          <a:p>
+            <a:pPr marL="514350" indent="-514350">
+              <a:buFont typeface="+mj-lt"/>
+              <a:buAutoNum type="arabicPeriod"/>
+            </a:pPr>
+            <a:r>
+              <a:rPr lang="fr-FR" dirty="0" smtClean="0"/>
+              <a:t>pusher dans une autre branche</a:t>
+            </a:r>
+          </a:p>
+          <a:p>
+            <a:pPr indent="133350"/>
+            <a:r>
+              <a:rPr lang="fr-FR" b="1" i="1" dirty="0"/>
+              <a:t>git push </a:t>
+            </a:r>
+            <a:r>
+              <a:rPr lang="fr-FR" b="1" i="1" dirty="0" err="1"/>
+              <a:t>origin</a:t>
+            </a:r>
+            <a:r>
+              <a:rPr lang="fr-FR" b="1" i="1" dirty="0"/>
+              <a:t> </a:t>
+            </a:r>
+            <a:r>
+              <a:rPr lang="fr-FR" b="1" i="1" dirty="0" err="1"/>
+              <a:t>localbranche</a:t>
+            </a:r>
+            <a:r>
+              <a:rPr lang="fr-FR" b="1" i="1" dirty="0"/>
+              <a:t> :</a:t>
+            </a:r>
+            <a:r>
+              <a:rPr lang="fr-FR" b="1" i="1" dirty="0" err="1"/>
+              <a:t>remotebranche</a:t>
+            </a:r>
+            <a:endParaRPr lang="fr-FR" b="1" i="1" dirty="0"/>
+          </a:p>
+          <a:p>
+            <a:pPr marL="514350" indent="-514350">
+              <a:buFont typeface="+mj-lt"/>
+              <a:buAutoNum type="arabicPeriod"/>
+            </a:pPr>
+            <a:endParaRPr lang="fr-FR" dirty="0"/>
+          </a:p>
+        </p:txBody>
+      </p:sp>
+    </p:spTree>
+    <p:extLst>
+      <p:ext uri="{BB962C8B-B14F-4D97-AF65-F5344CB8AC3E}">
+        <p14:creationId xmlns:p14="http://schemas.microsoft.com/office/powerpoint/2010/main" val="964864392"/>
+      </p:ext>
+    </p:extLst>
+  </p:cSld>
+  <p:clrMapOvr>
+    <a:masterClrMapping/>
+  </p:clrMapOvr>
+</p:sld>
+</file>
+
+<file path=ppt/slides/slide16.xml><?xml version="1.0" encoding="utf-8"?>
 <p:sld xmlns:a="http://schemas.openxmlformats.org/drawingml/2006/main" xmlns:r="http://schemas.openxmlformats.org/officeDocument/2006/relationships" xmlns:p="http://schemas.openxmlformats.org/presentationml/2006/main">
   <p:cSld>
     <p:spTree>
@@ -8588,6 +8680,166 @@
           </a:prstGeom>
         </p:spPr>
       </p:pic>
+      <p:sp>
+        <p:nvSpPr>
+          <p:cNvPr id="3" name="Rectangle 1"/>
+          <p:cNvSpPr>
+            <a:spLocks noChangeArrowheads="1"/>
+          </p:cNvSpPr>
+          <p:nvPr/>
+        </p:nvSpPr>
+        <p:spPr bwMode="auto">
+          <a:xfrm>
+            <a:off x="316923" y="6301047"/>
+            <a:ext cx="12192000" cy="457200"/>
+          </a:xfrm>
+          <a:prstGeom prst="rect">
+            <a:avLst/>
+          </a:prstGeom>
+          <a:solidFill>
+            <a:srgbClr val="292D3E"/>
+          </a:solidFill>
+          <a:ln>
+            <a:noFill/>
+          </a:ln>
+          <a:effectLst/>
+          <a:extLst>
+            <a:ext uri="{91240B29-F687-4F45-9708-019B960494DF}">
+              <a14:hiddenLine xmlns:a14="http://schemas.microsoft.com/office/drawing/2010/main" w="9525">
+                <a:solidFill>
+                  <a:schemeClr val="tx1"/>
+                </a:solidFill>
+                <a:miter lim="800000"/>
+                <a:headEnd/>
+                <a:tailEnd/>
+              </a14:hiddenLine>
+            </a:ext>
+            <a:ext uri="{AF507438-7753-43E0-B8FC-AC1667EBCBE1}">
+              <a14:hiddenEffects xmlns:a14="http://schemas.microsoft.com/office/drawing/2010/main">
+                <a:effectLst>
+                  <a:outerShdw dist="35921" dir="2700000" algn="ctr" rotWithShape="0">
+                    <a:schemeClr val="bg2"/>
+                  </a:outerShdw>
+                </a:effectLst>
+              </a14:hiddenEffects>
+            </a:ext>
+          </a:extLst>
+        </p:spPr>
+        <p:txBody>
+          <a:bodyPr vert="horz" wrap="none" lIns="91440" tIns="45720" rIns="91440" bIns="45720" numCol="1" anchor="ctr" anchorCtr="0" compatLnSpc="1">
+            <a:prstTxWarp prst="textNoShape">
+              <a:avLst/>
+            </a:prstTxWarp>
+            <a:spAutoFit/>
+          </a:bodyPr>
+          <a:lstStyle/>
+          <a:p>
+            <a:pPr marL="0" marR="0" lvl="0" indent="0" algn="l" defTabSz="914400" rtl="0" eaLnBrk="0" fontAlgn="base" latinLnBrk="0" hangingPunct="0">
+              <a:lnSpc>
+                <a:spcPct val="100000"/>
+              </a:lnSpc>
+              <a:spcBef>
+                <a:spcPct val="0"/>
+              </a:spcBef>
+              <a:spcAft>
+                <a:spcPct val="0"/>
+              </a:spcAft>
+              <a:buClrTx/>
+              <a:buSzTx/>
+              <a:buFontTx/>
+              <a:buNone/>
+              <a:tabLst/>
+            </a:pPr>
+            <a:r>
+              <a:rPr kumimoji="0" lang="fr-FR" altLang="fr-FR" sz="1000" b="0" i="0" u="none" strike="noStrike" cap="none" normalizeH="0" baseline="0" dirty="0" smtClean="0">
+                <a:ln>
+                  <a:noFill/>
+                </a:ln>
+                <a:solidFill>
+                  <a:srgbClr val="BFC7D5"/>
+                </a:solidFill>
+                <a:effectLst/>
+                <a:latin typeface="Consolas" panose="020B0609020204030204" pitchFamily="49" charset="0"/>
+              </a:rPr>
+              <a:t>git log </a:t>
+            </a:r>
+            <a:r>
+              <a:rPr kumimoji="0" lang="fr-FR" altLang="fr-FR" sz="1000" b="0" i="0" u="none" strike="noStrike" cap="none" normalizeH="0" baseline="0" dirty="0" smtClean="0">
+                <a:ln>
+                  <a:noFill/>
+                </a:ln>
+                <a:solidFill>
+                  <a:srgbClr val="89DDFF"/>
+                </a:solidFill>
+                <a:effectLst/>
+                <a:latin typeface="Consolas" panose="020B0609020204030204" pitchFamily="49" charset="0"/>
+              </a:rPr>
+              <a:t>--</a:t>
+            </a:r>
+            <a:r>
+              <a:rPr kumimoji="0" lang="fr-FR" altLang="fr-FR" sz="1000" b="0" i="0" u="none" strike="noStrike" cap="none" normalizeH="0" baseline="0" dirty="0" smtClean="0">
+                <a:ln>
+                  <a:noFill/>
+                </a:ln>
+                <a:solidFill>
+                  <a:srgbClr val="BFC7D5"/>
+                </a:solidFill>
+                <a:effectLst/>
+                <a:latin typeface="Consolas" panose="020B0609020204030204" pitchFamily="49" charset="0"/>
+              </a:rPr>
+              <a:t>graph </a:t>
+            </a:r>
+            <a:r>
+              <a:rPr kumimoji="0" lang="fr-FR" altLang="fr-FR" sz="1000" b="0" i="0" u="none" strike="noStrike" cap="none" normalizeH="0" baseline="0" dirty="0" smtClean="0">
+                <a:ln>
+                  <a:noFill/>
+                </a:ln>
+                <a:solidFill>
+                  <a:srgbClr val="89DDFF"/>
+                </a:solidFill>
+                <a:effectLst/>
+                <a:latin typeface="Consolas" panose="020B0609020204030204" pitchFamily="49" charset="0"/>
+              </a:rPr>
+              <a:t>--</a:t>
+            </a:r>
+            <a:r>
+              <a:rPr kumimoji="0" lang="fr-FR" altLang="fr-FR" sz="1000" b="0" i="0" u="none" strike="noStrike" cap="none" normalizeH="0" baseline="0" dirty="0" smtClean="0">
+                <a:ln>
+                  <a:noFill/>
+                </a:ln>
+                <a:solidFill>
+                  <a:srgbClr val="82AAFF"/>
+                </a:solidFill>
+                <a:effectLst/>
+                <a:latin typeface="Consolas" panose="020B0609020204030204" pitchFamily="49" charset="0"/>
+              </a:rPr>
+              <a:t>all</a:t>
+            </a:r>
+            <a:r>
+              <a:rPr kumimoji="0" lang="fr-FR" altLang="fr-FR" sz="800" b="0" i="0" u="none" strike="noStrike" cap="none" normalizeH="0" baseline="0" dirty="0" smtClean="0">
+                <a:ln>
+                  <a:noFill/>
+                </a:ln>
+                <a:solidFill>
+                  <a:schemeClr val="tx1"/>
+                </a:solidFill>
+                <a:effectLst/>
+              </a:rPr>
+              <a:t> </a:t>
+            </a:r>
+            <a:endParaRPr kumimoji="0" lang="fr-FR" altLang="fr-FR" sz="1800" b="0" i="0" u="none" strike="noStrike" cap="none" normalizeH="0" baseline="0" dirty="0" smtClean="0">
+              <a:ln>
+                <a:noFill/>
+              </a:ln>
+              <a:solidFill>
+                <a:schemeClr val="tx1"/>
+              </a:solidFill>
+              <a:effectLst/>
+              <a:latin typeface="Arial" panose="020B0604020202020204" pitchFamily="34" charset="0"/>
+            </a:endParaRPr>
+          </a:p>
+        </p:txBody>
+      </p:sp>
     </p:spTree>
     <p:extLst>
       <p:ext uri="{BB962C8B-B14F-4D97-AF65-F5344CB8AC3E}">
@@ -8598,6 +8850,13 @@
   <p:clrMapOvr>
     <a:masterClrMapping/>
   </p:clrMapOvr>
+  <p:timing>
+    <p:tnLst>
+      <p:par>
+        <p:cTn id="1" dur="indefinite" restart="never" nodeType="tmRoot"/>
+      </p:par>
+    </p:tnLst>
+  </p:timing>
 </p:sld>
 </file>
 
@@ -9744,15 +10003,7 @@
             <a:pPr marL="1160462" lvl="1" indent="-342900"/>
             <a:r>
               <a:rPr lang="fr-FR" sz="2800" b="1" i="1" dirty="0"/>
-              <a:t>git </a:t>
-            </a:r>
-            <a:r>
-              <a:rPr lang="fr-FR" sz="2800" b="1" i="1" dirty="0"/>
-              <a:t>remote </a:t>
-            </a:r>
-            <a:r>
-              <a:rPr lang="fr-FR" sz="2800" b="1" i="1" dirty="0"/>
-              <a:t>add </a:t>
+              <a:t>git remote add </a:t>
             </a:r>
             <a:r>
               <a:rPr lang="fr-FR" sz="2800" b="1" i="1" dirty="0" err="1"/>
@@ -9760,11 +10011,7 @@
             </a:r>
             <a:r>
               <a:rPr lang="fr-FR" sz="2800" b="1" i="1" dirty="0"/>
-              <a:t> </a:t>
-            </a:r>
-            <a:r>
-              <a:rPr lang="fr-FR" sz="2800" b="1" i="1" dirty="0"/>
-              <a:t>url ou bien  </a:t>
+              <a:t> url ou bien  </a:t>
             </a:r>
             <a:endParaRPr lang="fr-FR" sz="2800" b="1" i="1" dirty="0" smtClean="0"/>
           </a:p>
@@ -9776,13 +10023,8 @@
             </a:r>
             <a:r>
               <a:rPr lang="fr-FR" altLang="fr-FR" sz="2800" b="1" i="1" dirty="0"/>
-              <a:t>clone https://</a:t>
-            </a:r>
-            <a:r>
-              <a:rPr lang="fr-FR" altLang="fr-FR" sz="2800" b="1" i="1" dirty="0"/>
-              <a:t>github.com/my_git_project.git </a:t>
-            </a:r>
-            <a:endParaRPr lang="fr-FR" altLang="fr-FR" sz="2800" b="1" i="1" dirty="0"/>
+              <a:t>clone https://github.com/my_git_project.git </a:t>
+            </a:r>
           </a:p>
           <a:p>
             <a:pPr marL="717550" indent="-358775" defTabSz="298450">
@@ -9791,11 +10033,7 @@
             </a:pPr>
             <a:r>
               <a:rPr lang="fr-FR" dirty="0" smtClean="0"/>
-              <a:t>Configuration </a:t>
-            </a:r>
-            <a:r>
-              <a:rPr lang="fr-FR" dirty="0" smtClean="0"/>
-              <a:t>nom utilisateur pour envoyé sur dépôt distant:</a:t>
+              <a:t>Configuration nom utilisateur pour envoyé sur dépôt distant:</a:t>
             </a:r>
           </a:p>
           <a:p>
@@ -9845,11 +10083,7 @@
             </a:r>
             <a:r>
               <a:rPr lang="fr-FR" b="1" i="1" dirty="0"/>
-              <a:t>config –global </a:t>
-            </a:r>
-            <a:r>
-              <a:rPr lang="fr-FR" b="1" i="1" dirty="0"/>
-              <a:t>user. email </a:t>
+              <a:t>config –global user. email </a:t>
             </a:r>
             <a:r>
               <a:rPr lang="fr-FR" b="1" i="1" dirty="0" smtClean="0"/>
@@ -9878,11 +10112,7 @@
             <a:pPr marL="1160462" lvl="1" indent="-342900"/>
             <a:r>
               <a:rPr lang="fr-FR" b="1" i="1" dirty="0" smtClean="0"/>
-              <a:t>git </a:t>
-            </a:r>
-            <a:r>
-              <a:rPr lang="fr-FR" b="1" i="1" dirty="0" smtClean="0"/>
-              <a:t>status</a:t>
+              <a:t>git status</a:t>
             </a:r>
           </a:p>
           <a:p>

--- a/Formation Git.pptx
+++ b/Formation Git.pptx
@@ -10,19 +10,19 @@
   <p:sldIdLst>
     <p:sldId id="257" r:id="rId2"/>
     <p:sldId id="259" r:id="rId3"/>
-    <p:sldId id="258" r:id="rId4"/>
-    <p:sldId id="261" r:id="rId5"/>
-    <p:sldId id="260" r:id="rId6"/>
-    <p:sldId id="262" r:id="rId7"/>
-    <p:sldId id="264" r:id="rId8"/>
-    <p:sldId id="263" r:id="rId9"/>
-    <p:sldId id="268" r:id="rId10"/>
-    <p:sldId id="266" r:id="rId11"/>
-    <p:sldId id="267" r:id="rId12"/>
-    <p:sldId id="265" r:id="rId13"/>
-    <p:sldId id="269" r:id="rId14"/>
-    <p:sldId id="270" r:id="rId15"/>
-    <p:sldId id="272" r:id="rId16"/>
+    <p:sldId id="261" r:id="rId4"/>
+    <p:sldId id="258" r:id="rId5"/>
+    <p:sldId id="274" r:id="rId6"/>
+    <p:sldId id="264" r:id="rId7"/>
+    <p:sldId id="275" r:id="rId8"/>
+    <p:sldId id="276" r:id="rId9"/>
+    <p:sldId id="263" r:id="rId10"/>
+    <p:sldId id="268" r:id="rId11"/>
+    <p:sldId id="266" r:id="rId12"/>
+    <p:sldId id="267" r:id="rId13"/>
+    <p:sldId id="270" r:id="rId14"/>
+    <p:sldId id="272" r:id="rId15"/>
+    <p:sldId id="273" r:id="rId16"/>
     <p:sldId id="271" r:id="rId17"/>
   </p:sldIdLst>
   <p:sldSz cx="12192000" cy="6858000"/>
@@ -212,7 +212,7 @@
           <a:p>
             <a:fld id="{6C11479D-E256-4744-A8DA-17425A14A154}" type="datetimeFigureOut">
               <a:rPr lang="fr-FR" smtClean="0"/>
-              <a:t>15/11/2022</a:t>
+              <a:t>16/11/2022</a:t>
             </a:fld>
             <a:endParaRPr lang="fr-FR"/>
           </a:p>
@@ -1005,91 +1005,252 @@
           <a:bodyPr/>
           <a:lstStyle/>
           <a:p>
-            <a:r>
-              <a:rPr lang="fr-FR" b="1" dirty="0" smtClean="0"/>
-              <a:t>Branche</a:t>
-            </a:r>
+            <a:pPr marL="0" marR="0" lvl="0" indent="0" algn="l" defTabSz="914400" rtl="0" eaLnBrk="1" fontAlgn="auto" latinLnBrk="0" hangingPunct="1">
+              <a:lnSpc>
+                <a:spcPct val="100000"/>
+              </a:lnSpc>
+              <a:spcBef>
+                <a:spcPts val="0"/>
+              </a:spcBef>
+              <a:spcAft>
+                <a:spcPts val="0"/>
+              </a:spcAft>
+              <a:buClrTx/>
+              <a:buSzTx/>
+              <a:buFontTx/>
+              <a:buNone/>
+              <a:tabLst/>
+              <a:defRPr/>
+            </a:pPr>
             <a:r>
               <a:rPr lang="fr-FR" dirty="0" smtClean="0"/>
-              <a:t>: est</a:t>
-            </a:r>
-            <a:r>
-              <a:rPr lang="fr-FR" baseline="0" dirty="0" smtClean="0"/>
-              <a:t> un pointeur vars un objet commit</a:t>
-            </a:r>
-          </a:p>
-          <a:p>
-            <a:r>
-              <a:rPr lang="fr-FR" baseline="0" dirty="0" smtClean="0"/>
-              <a:t>Stratégie (stratégie 0 branch( petit projet  1 </a:t>
-            </a:r>
-            <a:r>
-              <a:rPr lang="fr-FR" baseline="0" dirty="0" err="1" smtClean="0"/>
-              <a:t>devloper</a:t>
-            </a:r>
-            <a:r>
-              <a:rPr lang="fr-FR" baseline="0" dirty="0" smtClean="0"/>
-              <a:t>)</a:t>
-            </a:r>
-          </a:p>
-          <a:p>
-            <a:r>
-              <a:rPr lang="fr-FR" baseline="0" dirty="0" smtClean="0"/>
-              <a:t>-incontinent: bouceaup de conflits, développé d’autre fonctionnalité et réglé les problème</a:t>
-            </a:r>
-          </a:p>
-          <a:p>
-            <a:r>
-              <a:rPr lang="fr-FR" baseline="0" dirty="0" smtClean="0"/>
-              <a:t>-</a:t>
-            </a:r>
-            <a:r>
-              <a:rPr lang="fr-FR" baseline="0" dirty="0" err="1" smtClean="0"/>
-              <a:t>dificile</a:t>
-            </a:r>
-            <a:r>
-              <a:rPr lang="fr-FR" baseline="0" dirty="0" smtClean="0"/>
-              <a:t> de </a:t>
-            </a:r>
-            <a:r>
-              <a:rPr lang="fr-FR" baseline="0" dirty="0" err="1" smtClean="0"/>
-              <a:t>suprimé</a:t>
-            </a:r>
-            <a:r>
-              <a:rPr lang="fr-FR" baseline="0" dirty="0" smtClean="0"/>
-              <a:t> et de </a:t>
-            </a:r>
-            <a:r>
-              <a:rPr lang="fr-FR" baseline="0" dirty="0" err="1" smtClean="0"/>
-              <a:t>resaouré</a:t>
-            </a:r>
-            <a:r>
-              <a:rPr lang="fr-FR" baseline="0" dirty="0" smtClean="0"/>
-              <a:t> des </a:t>
-            </a:r>
-            <a:r>
-              <a:rPr lang="fr-FR" baseline="0" dirty="0" err="1" smtClean="0"/>
-              <a:t>fonctionalite</a:t>
-            </a:r>
-            <a:endParaRPr lang="fr-FR" baseline="0" dirty="0" smtClean="0"/>
-          </a:p>
-          <a:p>
-            <a:r>
-              <a:rPr lang="fr-FR" baseline="0" dirty="0" smtClean="0"/>
-              <a:t>Perte de temps dans le </a:t>
-            </a:r>
-            <a:r>
-              <a:rPr lang="fr-FR" baseline="0" dirty="0" err="1" smtClean="0"/>
-              <a:t>reglage</a:t>
-            </a:r>
-            <a:r>
-              <a:rPr lang="fr-FR" baseline="0" dirty="0" smtClean="0"/>
-              <a:t> de conflit au lieu le </a:t>
-            </a:r>
-            <a:r>
-              <a:rPr lang="fr-FR" baseline="0" dirty="0" err="1" smtClean="0"/>
-              <a:t>developement</a:t>
-            </a:r>
+              <a:t>git checkout « </a:t>
+            </a:r>
+            <a:r>
+              <a:rPr lang="fr-FR" dirty="0" err="1" smtClean="0"/>
+              <a:t>commit_hash</a:t>
+            </a:r>
+            <a:r>
+              <a:rPr lang="fr-FR" dirty="0" smtClean="0"/>
+              <a:t> » :</a:t>
+            </a:r>
+            <a:r>
+              <a:rPr lang="fr-FR" sz="1200" kern="1200" dirty="0" smtClean="0">
+                <a:solidFill>
+                  <a:schemeClr val="tx1"/>
+                </a:solidFill>
+                <a:effectLst/>
+                <a:latin typeface="+mn-lt"/>
+                <a:ea typeface="+mn-ea"/>
+                <a:cs typeface="+mn-cs"/>
+              </a:rPr>
+              <a:t>voir le fichier comment il est avant ce commit,</a:t>
+            </a:r>
+            <a:r>
+              <a:rPr lang="fr-FR" sz="1200" kern="1200" baseline="0" dirty="0" smtClean="0">
+                <a:solidFill>
+                  <a:schemeClr val="tx1"/>
+                </a:solidFill>
+                <a:effectLst/>
+                <a:latin typeface="+mn-lt"/>
+                <a:ea typeface="+mn-ea"/>
+                <a:cs typeface="+mn-cs"/>
+              </a:rPr>
+              <a:t> il va déplacer le </a:t>
+            </a:r>
+            <a:r>
+              <a:rPr lang="fr-FR" sz="1200" kern="1200" baseline="0" dirty="0" err="1" smtClean="0">
+                <a:solidFill>
+                  <a:schemeClr val="tx1"/>
+                </a:solidFill>
+                <a:effectLst/>
+                <a:latin typeface="+mn-lt"/>
+                <a:ea typeface="+mn-ea"/>
+                <a:cs typeface="+mn-cs"/>
+              </a:rPr>
+              <a:t>ponteur</a:t>
+            </a:r>
+            <a:r>
+              <a:rPr lang="fr-FR" sz="1200" kern="1200" baseline="0" dirty="0" smtClean="0">
+                <a:solidFill>
+                  <a:schemeClr val="tx1"/>
+                </a:solidFill>
+                <a:effectLst/>
+                <a:latin typeface="+mn-lt"/>
+                <a:ea typeface="+mn-ea"/>
+                <a:cs typeface="+mn-cs"/>
+              </a:rPr>
+              <a:t> HEAD à cette </a:t>
+            </a:r>
+            <a:r>
+              <a:rPr lang="fr-FR" sz="1200" kern="1200" baseline="0" dirty="0" smtClean="0">
+                <a:solidFill>
+                  <a:schemeClr val="tx1"/>
+                </a:solidFill>
+                <a:effectLst/>
+                <a:latin typeface="+mn-lt"/>
+                <a:ea typeface="+mn-ea"/>
+                <a:cs typeface="+mn-cs"/>
+              </a:rPr>
+              <a:t>commit ()</a:t>
+            </a:r>
+            <a:endParaRPr lang="fr-FR" sz="1200" kern="1200" dirty="0" smtClean="0">
+              <a:solidFill>
+                <a:schemeClr val="tx1"/>
+              </a:solidFill>
+              <a:effectLst/>
+              <a:latin typeface="+mn-lt"/>
+              <a:ea typeface="+mn-ea"/>
+              <a:cs typeface="+mn-cs"/>
+            </a:endParaRPr>
+          </a:p>
+          <a:p>
+            <a:pPr marL="0" marR="0" lvl="0" indent="0" algn="l" defTabSz="914400" rtl="0" eaLnBrk="1" fontAlgn="auto" latinLnBrk="0" hangingPunct="1">
+              <a:lnSpc>
+                <a:spcPct val="100000"/>
+              </a:lnSpc>
+              <a:spcBef>
+                <a:spcPts val="0"/>
+              </a:spcBef>
+              <a:spcAft>
+                <a:spcPts val="0"/>
+              </a:spcAft>
+              <a:buClrTx/>
+              <a:buSzTx/>
+              <a:buFontTx/>
+              <a:buNone/>
+              <a:tabLst/>
+              <a:defRPr/>
+            </a:pPr>
+            <a:r>
+              <a:rPr lang="fr-FR" sz="1200" kern="1200" dirty="0" err="1" smtClean="0">
+                <a:solidFill>
+                  <a:schemeClr val="tx1"/>
+                </a:solidFill>
+                <a:effectLst/>
+                <a:latin typeface="+mn-lt"/>
+                <a:ea typeface="+mn-ea"/>
+                <a:cs typeface="+mn-cs"/>
+              </a:rPr>
+              <a:t>Revert</a:t>
+            </a:r>
+            <a:r>
+              <a:rPr lang="fr-FR" sz="1200" kern="1200" dirty="0" smtClean="0">
+                <a:solidFill>
+                  <a:schemeClr val="tx1"/>
+                </a:solidFill>
+                <a:effectLst/>
+                <a:latin typeface="+mn-lt"/>
+                <a:ea typeface="+mn-ea"/>
+                <a:cs typeface="+mn-cs"/>
+              </a:rPr>
+              <a:t> :</a:t>
+            </a:r>
+            <a:r>
+              <a:rPr lang="fr-FR" sz="1200" dirty="0" err="1" smtClean="0"/>
+              <a:t>revert</a:t>
+            </a:r>
+            <a:r>
+              <a:rPr lang="fr-FR" sz="1200" dirty="0" smtClean="0"/>
+              <a:t> et ajouté à l’historique</a:t>
+            </a:r>
+          </a:p>
+          <a:p>
+            <a:pPr marL="0" marR="0" lvl="0" indent="0" algn="l" defTabSz="914400" rtl="0" eaLnBrk="1" fontAlgn="auto" latinLnBrk="0" hangingPunct="1">
+              <a:lnSpc>
+                <a:spcPct val="100000"/>
+              </a:lnSpc>
+              <a:spcBef>
+                <a:spcPts val="0"/>
+              </a:spcBef>
+              <a:spcAft>
+                <a:spcPts val="0"/>
+              </a:spcAft>
+              <a:buClrTx/>
+              <a:buSzTx/>
+              <a:buFontTx/>
+              <a:buNone/>
+              <a:tabLst/>
+              <a:defRPr/>
+            </a:pPr>
+            <a:r>
+              <a:rPr lang="fr-FR" sz="1200" kern="1200" dirty="0" err="1" smtClean="0">
+                <a:solidFill>
+                  <a:schemeClr val="tx1"/>
+                </a:solidFill>
+                <a:effectLst/>
+                <a:latin typeface="+mn-lt"/>
+                <a:ea typeface="+mn-ea"/>
+                <a:cs typeface="+mn-cs"/>
+              </a:rPr>
+              <a:t>Blame</a:t>
+            </a:r>
+            <a:r>
+              <a:rPr lang="fr-FR" sz="1200" kern="1200" dirty="0" smtClean="0">
+                <a:solidFill>
+                  <a:schemeClr val="tx1"/>
+                </a:solidFill>
+                <a:effectLst/>
+                <a:latin typeface="+mn-lt"/>
+                <a:ea typeface="+mn-ea"/>
+                <a:cs typeface="+mn-cs"/>
+              </a:rPr>
+              <a:t>:</a:t>
+            </a:r>
+            <a:r>
+              <a:rPr lang="fr-FR" sz="1200" kern="1200" baseline="0" dirty="0" smtClean="0">
+                <a:solidFill>
+                  <a:schemeClr val="tx1"/>
+                </a:solidFill>
+                <a:effectLst/>
+                <a:latin typeface="+mn-lt"/>
+                <a:ea typeface="+mn-ea"/>
+                <a:cs typeface="+mn-cs"/>
+              </a:rPr>
+              <a:t> commande de  débogage ajout des annotation a chaque ligne de fichier avec les métadonnées du dénier utilisateur qui modifier la ligne plus  la date de ce commit.</a:t>
+            </a:r>
+          </a:p>
+          <a:p>
+            <a:pPr marL="0" marR="0" lvl="0" indent="0" algn="l" defTabSz="914400" rtl="0" eaLnBrk="1" fontAlgn="auto" latinLnBrk="0" hangingPunct="1">
+              <a:lnSpc>
+                <a:spcPct val="100000"/>
+              </a:lnSpc>
+              <a:spcBef>
+                <a:spcPts val="0"/>
+              </a:spcBef>
+              <a:spcAft>
+                <a:spcPts val="0"/>
+              </a:spcAft>
+              <a:buClrTx/>
+              <a:buSzTx/>
+              <a:buFontTx/>
+              <a:buNone/>
+              <a:tabLst/>
+              <a:defRPr/>
+            </a:pPr>
+            <a:r>
+              <a:rPr lang="fr-FR" sz="1200" kern="1200" baseline="0" dirty="0" smtClean="0">
+                <a:solidFill>
+                  <a:schemeClr val="tx1"/>
+                </a:solidFill>
+                <a:effectLst/>
+                <a:latin typeface="+mn-lt"/>
+                <a:ea typeface="+mn-ea"/>
+                <a:cs typeface="+mn-cs"/>
+              </a:rPr>
+              <a:t>Sans pas en ordre chronologique</a:t>
+            </a:r>
+            <a:endParaRPr lang="fr-FR" sz="1200" kern="1200" dirty="0" smtClean="0">
+              <a:solidFill>
+                <a:schemeClr val="tx1"/>
+              </a:solidFill>
+              <a:effectLst/>
+              <a:latin typeface="+mn-lt"/>
+              <a:ea typeface="+mn-ea"/>
+              <a:cs typeface="+mn-cs"/>
+            </a:endParaRPr>
+          </a:p>
+          <a:p>
             <a:endParaRPr lang="fr-FR" dirty="0"/>
           </a:p>
         </p:txBody>
@@ -1120,7 +1281,7 @@
     </p:spTree>
     <p:extLst>
       <p:ext uri="{BB962C8B-B14F-4D97-AF65-F5344CB8AC3E}">
-        <p14:creationId xmlns:p14="http://schemas.microsoft.com/office/powerpoint/2010/main" val="4209148844"/>
+        <p14:creationId xmlns:p14="http://schemas.microsoft.com/office/powerpoint/2010/main" val="1616214430"/>
       </p:ext>
     </p:extLst>
   </p:cSld>
@@ -1175,136 +1336,126 @@
           <a:lstStyle/>
           <a:p>
             <a:r>
-              <a:rPr lang="fr-FR" sz="1200" b="1" dirty="0" err="1" smtClean="0"/>
-              <a:t>Devlop</a:t>
-            </a:r>
-            <a:r>
-              <a:rPr lang="fr-FR" sz="1200" b="1" dirty="0" smtClean="0"/>
-              <a:t> : </a:t>
-            </a:r>
-            <a:r>
-              <a:rPr lang="fr-FR" sz="1200" b="0" dirty="0" smtClean="0"/>
-              <a:t>on</a:t>
-            </a:r>
-            <a:r>
-              <a:rPr lang="fr-FR" sz="1200" b="0" baseline="0" dirty="0" smtClean="0"/>
-              <a:t> créer une branch </a:t>
-            </a:r>
-            <a:r>
-              <a:rPr lang="fr-FR" b="0" dirty="0" smtClean="0"/>
-              <a:t>pérenne « </a:t>
-            </a:r>
-            <a:r>
-              <a:rPr lang="fr-FR" b="0" dirty="0" err="1" smtClean="0"/>
-              <a:t>develop</a:t>
-            </a:r>
-            <a:r>
-              <a:rPr lang="fr-FR" b="0" dirty="0" smtClean="0"/>
-              <a:t> »</a:t>
-            </a:r>
-            <a:r>
-              <a:rPr lang="fr-FR" b="0" baseline="0" dirty="0" smtClean="0"/>
-              <a:t> à coté de master «  place sur ou introduire du code qui peut cassé notre projet»</a:t>
-            </a:r>
-            <a:r>
-              <a:rPr lang="fr-FR" b="0" dirty="0" smtClean="0"/>
-              <a:t> .on à besoin d’une stratégie de teste pour s’assuré de ne</a:t>
-            </a:r>
-            <a:r>
-              <a:rPr lang="fr-FR" b="0" baseline="0" dirty="0" smtClean="0"/>
-              <a:t> pas introduire de bug à master l’hors des merge (</a:t>
-            </a:r>
-            <a:r>
-              <a:rPr lang="fr-FR" b="0" baseline="0" dirty="0" err="1" smtClean="0"/>
-              <a:t>inconvignent</a:t>
-            </a:r>
-            <a:r>
-              <a:rPr lang="fr-FR" b="0" baseline="0" dirty="0" smtClean="0"/>
-              <a:t> on peut pas développer plusieurs fonctionnalité en parallèle- il y’à qu’un seule ou deux </a:t>
-            </a:r>
-            <a:r>
-              <a:rPr lang="fr-FR" b="0" baseline="0" dirty="0" err="1" smtClean="0"/>
-              <a:t>developer</a:t>
-            </a:r>
-            <a:r>
-              <a:rPr lang="fr-FR" b="0" baseline="0" dirty="0" smtClean="0"/>
-              <a:t> peut travailler activement sur le projet, supprimer ou restore une fonctionnalité est un challenge)</a:t>
-            </a:r>
-          </a:p>
-          <a:p>
-            <a:r>
-              <a:rPr lang="fr-FR" sz="1200" b="1" dirty="0" smtClean="0"/>
-              <a:t>stratégie de branch par fonctionnalité :</a:t>
-            </a:r>
-          </a:p>
-          <a:p>
-            <a:r>
-              <a:rPr lang="fr-FR" sz="1200" b="0" baseline="0" dirty="0" smtClean="0"/>
-              <a:t>On peut applique à n’importe qu’elle moment un </a:t>
-            </a:r>
-            <a:r>
-              <a:rPr lang="en-US" dirty="0" smtClean="0"/>
-              <a:t>hotfix à </a:t>
-            </a:r>
-            <a:r>
-              <a:rPr lang="fr-FR" sz="1200" b="0" baseline="0" dirty="0" smtClean="0"/>
-              <a:t> la branch master en cas de bug, les </a:t>
-            </a:r>
-            <a:r>
-              <a:rPr lang="fr-FR" sz="1200" b="0" baseline="0" dirty="0" err="1" smtClean="0"/>
-              <a:t>developper</a:t>
-            </a:r>
-            <a:r>
-              <a:rPr lang="fr-FR" sz="1200" b="0" baseline="0" dirty="0" smtClean="0"/>
-              <a:t> font le pull de la </a:t>
-            </a:r>
-            <a:r>
-              <a:rPr lang="fr-FR" sz="1200" b="0" baseline="0" dirty="0" err="1" smtClean="0"/>
-              <a:t>dérniére</a:t>
-            </a:r>
-            <a:r>
-              <a:rPr lang="fr-FR" sz="1200" b="0" baseline="0" dirty="0" smtClean="0"/>
+              <a:rPr lang="fr-FR" dirty="0" smtClean="0"/>
+              <a:t>-</a:t>
+            </a:r>
+            <a:r>
+              <a:rPr lang="fr-FR" dirty="0" err="1" smtClean="0"/>
+              <a:t>executé</a:t>
+            </a:r>
+            <a:r>
+              <a:rPr lang="fr-FR" dirty="0" smtClean="0"/>
+              <a:t> git checkout « </a:t>
+            </a:r>
+            <a:r>
+              <a:rPr lang="fr-FR" dirty="0" err="1" smtClean="0"/>
+              <a:t>commit_id</a:t>
+            </a:r>
+            <a:r>
+              <a:rPr lang="fr-FR" dirty="0" smtClean="0"/>
+              <a:t> » pour</a:t>
+            </a:r>
+            <a:r>
+              <a:rPr lang="fr-FR" baseline="0" dirty="0" smtClean="0"/>
+              <a:t> voir </a:t>
+            </a:r>
+            <a:r>
+              <a:rPr lang="fr-FR" baseline="0" dirty="0" err="1" smtClean="0"/>
+              <a:t>detached</a:t>
+            </a:r>
+            <a:r>
+              <a:rPr lang="fr-FR" baseline="0" dirty="0" smtClean="0"/>
+              <a:t> Head  et lire HEAD pour voir commit id dans le fichier qui est utilisé comme référence</a:t>
+            </a:r>
+          </a:p>
+          <a:p>
+            <a:r>
+              <a:rPr lang="fr-FR" baseline="0" dirty="0" smtClean="0"/>
+              <a:t>Explique checkout avec (</a:t>
+            </a:r>
+            <a:r>
+              <a:rPr lang="fr-FR" baseline="0" dirty="0" err="1" smtClean="0"/>
+              <a:t>work</a:t>
+            </a:r>
+            <a:r>
+              <a:rPr lang="fr-FR" baseline="0" dirty="0" smtClean="0"/>
               <a:t> </a:t>
             </a:r>
             <a:r>
-              <a:rPr lang="fr-FR" sz="1200" b="0" baseline="0" dirty="0" err="1" smtClean="0"/>
-              <a:t>versionb</a:t>
-            </a:r>
-            <a:r>
-              <a:rPr lang="fr-FR" sz="1200" b="0" baseline="0" dirty="0" smtClean="0"/>
-              <a:t> du master avant de </a:t>
-            </a:r>
-            <a:r>
-              <a:rPr lang="fr-FR" sz="1200" b="0" baseline="0" dirty="0" err="1" smtClean="0"/>
-              <a:t>mergé</a:t>
-            </a:r>
-            <a:r>
-              <a:rPr lang="fr-FR" sz="1200" b="0" baseline="0" dirty="0" smtClean="0"/>
-              <a:t> leur branch </a:t>
-            </a:r>
-            <a:r>
-              <a:rPr lang="fr-FR" sz="1200" b="1" baseline="0" dirty="0" smtClean="0"/>
-              <a:t>fonctionnalité </a:t>
-            </a:r>
-            <a:r>
-              <a:rPr lang="fr-FR" sz="1200" b="0" baseline="0" dirty="0" smtClean="0"/>
-              <a:t>à la branch master</a:t>
-            </a:r>
-          </a:p>
-          <a:p>
-            <a:r>
-              <a:rPr lang="fr-FR" sz="1200" b="1" baseline="0" dirty="0" err="1" smtClean="0"/>
-              <a:t>Inconvignen</a:t>
-            </a:r>
-            <a:r>
-              <a:rPr lang="fr-FR" sz="1200" b="0" baseline="0" dirty="0" err="1" smtClean="0"/>
-              <a:t>t</a:t>
-            </a:r>
-            <a:r>
-              <a:rPr lang="fr-FR" sz="1200" b="0" baseline="0" dirty="0" smtClean="0"/>
-              <a:t>: le développement de fonctionnalités en parallèle n’est pas toujours faisable (pour les taches interdépendantes)</a:t>
-            </a:r>
-            <a:endParaRPr lang="fr-FR" b="0" baseline="0" dirty="0" smtClean="0"/>
+              <a:rPr lang="fr-FR" baseline="0" dirty="0" err="1" smtClean="0"/>
+              <a:t>tree</a:t>
+            </a:r>
+            <a:r>
+              <a:rPr lang="fr-FR" baseline="0" dirty="0" smtClean="0"/>
+              <a:t> ) et index</a:t>
+            </a:r>
+          </a:p>
+          <a:p>
+            <a:pPr marL="0" marR="0" lvl="0" indent="0" algn="l" defTabSz="914400" rtl="0" eaLnBrk="1" fontAlgn="auto" latinLnBrk="0" hangingPunct="1">
+              <a:lnSpc>
+                <a:spcPct val="100000"/>
+              </a:lnSpc>
+              <a:spcBef>
+                <a:spcPts val="0"/>
+              </a:spcBef>
+              <a:spcAft>
+                <a:spcPts val="0"/>
+              </a:spcAft>
+              <a:buClrTx/>
+              <a:buSzTx/>
+              <a:buFontTx/>
+              <a:buNone/>
+              <a:tabLst/>
+              <a:defRPr/>
+            </a:pPr>
+            <a:r>
+              <a:rPr lang="fr-FR" dirty="0" smtClean="0"/>
+              <a:t>git checkout « </a:t>
+            </a:r>
+            <a:r>
+              <a:rPr lang="fr-FR" dirty="0" err="1" smtClean="0"/>
+              <a:t>commit_hash</a:t>
+            </a:r>
+            <a:r>
+              <a:rPr lang="fr-FR" dirty="0" smtClean="0"/>
+              <a:t> » :</a:t>
+            </a:r>
+            <a:r>
+              <a:rPr lang="fr-FR" sz="1200" kern="1200" dirty="0" smtClean="0">
+                <a:solidFill>
+                  <a:schemeClr val="tx1"/>
+                </a:solidFill>
+                <a:effectLst/>
+                <a:latin typeface="+mn-lt"/>
+                <a:ea typeface="+mn-ea"/>
+                <a:cs typeface="+mn-cs"/>
+              </a:rPr>
+              <a:t>voir le fichier comment il est avant ce commit,</a:t>
+            </a:r>
+            <a:r>
+              <a:rPr lang="fr-FR" sz="1200" kern="1200" baseline="0" dirty="0" smtClean="0">
+                <a:solidFill>
+                  <a:schemeClr val="tx1"/>
+                </a:solidFill>
+                <a:effectLst/>
+                <a:latin typeface="+mn-lt"/>
+                <a:ea typeface="+mn-ea"/>
+                <a:cs typeface="+mn-cs"/>
+              </a:rPr>
+              <a:t> il va déplacer le pointeur HEAD à cette commit (charger l’arbre de ce commit dans l’index )</a:t>
+            </a:r>
+            <a:endParaRPr lang="fr-FR" sz="1200" kern="1200" dirty="0" smtClean="0">
+              <a:solidFill>
+                <a:schemeClr val="tx1"/>
+              </a:solidFill>
+              <a:effectLst/>
+              <a:latin typeface="+mn-lt"/>
+              <a:ea typeface="+mn-ea"/>
+              <a:cs typeface="+mn-cs"/>
+            </a:endParaRPr>
+          </a:p>
+          <a:p>
+            <a:endParaRPr lang="fr-FR" dirty="0"/>
           </a:p>
         </p:txBody>
       </p:sp>
@@ -1325,7 +1476,7 @@
           <a:p>
             <a:fld id="{852BFB1F-A0B8-45F9-8B0C-AE6AABDE724A}" type="slidenum">
               <a:rPr lang="fr-FR" smtClean="0"/>
-              <a:t>13</a:t>
+              <a:t>15</a:t>
             </a:fld>
             <a:endParaRPr lang="fr-FR"/>
           </a:p>
@@ -1334,7 +1485,7 @@
     </p:spTree>
     <p:extLst>
       <p:ext uri="{BB962C8B-B14F-4D97-AF65-F5344CB8AC3E}">
-        <p14:creationId xmlns:p14="http://schemas.microsoft.com/office/powerpoint/2010/main" val="895176357"/>
+        <p14:creationId xmlns:p14="http://schemas.microsoft.com/office/powerpoint/2010/main" val="2123669843"/>
       </p:ext>
     </p:extLst>
   </p:cSld>
@@ -1685,15 +1836,123 @@
           <a:lstStyle/>
           <a:p>
             <a:r>
+              <a:rPr lang="fr-FR" b="1" baseline="0" dirty="0" err="1" smtClean="0"/>
+              <a:t>Hist:</a:t>
+            </a:r>
+            <a:r>
+              <a:rPr lang="fr-FR" baseline="0" dirty="0" err="1" smtClean="0"/>
+              <a:t>Lancer</a:t>
+            </a:r>
+            <a:r>
               <a:rPr lang="fr-FR" baseline="0" dirty="0" smtClean="0"/>
-              <a:t>	</a:t>
-            </a:r>
-          </a:p>
-          <a:p>
+              <a:t> par </a:t>
+            </a:r>
+            <a:r>
+              <a:rPr lang="fr-FR" baseline="0" dirty="0" err="1" smtClean="0"/>
+              <a:t>linus</a:t>
+            </a:r>
+            <a:r>
+              <a:rPr lang="fr-FR" baseline="0" dirty="0" smtClean="0"/>
+              <a:t> </a:t>
+            </a:r>
+            <a:r>
+              <a:rPr lang="fr-FR" baseline="0" dirty="0" err="1" smtClean="0"/>
+              <a:t>torvalds</a:t>
+            </a:r>
+            <a:r>
+              <a:rPr lang="fr-FR" baseline="0" dirty="0" smtClean="0"/>
+              <a:t> pour hébergé linux  à cause de  litige avec </a:t>
+            </a:r>
+            <a:r>
+              <a:rPr lang="fr-FR" baseline="0" dirty="0" err="1" smtClean="0"/>
+              <a:t>BitKeeper</a:t>
+            </a:r>
             <a:endParaRPr lang="fr-FR" baseline="0" dirty="0" smtClean="0"/>
           </a:p>
           <a:p>
-            <a:endParaRPr lang="fr-FR" dirty="0"/>
+            <a:pPr marL="0" marR="0" lvl="0" indent="0" algn="l" defTabSz="914400" rtl="0" eaLnBrk="1" fontAlgn="auto" latinLnBrk="0" hangingPunct="1">
+              <a:lnSpc>
+                <a:spcPct val="100000"/>
+              </a:lnSpc>
+              <a:spcBef>
+                <a:spcPts val="0"/>
+              </a:spcBef>
+              <a:spcAft>
+                <a:spcPts val="0"/>
+              </a:spcAft>
+              <a:buClrTx/>
+              <a:buSzTx/>
+              <a:buFontTx/>
+              <a:buNone/>
+              <a:tabLst/>
+              <a:defRPr/>
+            </a:pPr>
+            <a:r>
+              <a:rPr lang="fr-FR" baseline="0" dirty="0" err="1" smtClean="0"/>
+              <a:t>Def:Rapide</a:t>
+            </a:r>
+            <a:r>
+              <a:rPr lang="fr-FR" baseline="0" dirty="0" smtClean="0"/>
+              <a:t>, open source supporté par tout les système d’exploitation</a:t>
+            </a:r>
+          </a:p>
+          <a:p>
+            <a:endParaRPr lang="fr-FR" baseline="0" dirty="0" smtClean="0"/>
+          </a:p>
+          <a:p>
+            <a:r>
+              <a:rPr lang="fr-FR" b="1" baseline="0" dirty="0" err="1" smtClean="0"/>
+              <a:t>Fonctionement</a:t>
+            </a:r>
+            <a:r>
+              <a:rPr lang="fr-FR" b="1" baseline="0" dirty="0" smtClean="0"/>
+              <a:t>:</a:t>
+            </a:r>
+          </a:p>
+          <a:p>
+            <a:r>
+              <a:rPr lang="fr-FR" b="1" baseline="0" dirty="0" err="1" smtClean="0"/>
+              <a:t>Repo:</a:t>
+            </a:r>
+            <a:r>
+              <a:rPr lang="fr-FR" dirty="0" err="1" smtClean="0"/>
+              <a:t>contient</a:t>
+            </a:r>
+            <a:r>
+              <a:rPr lang="fr-FR" dirty="0" smtClean="0"/>
+              <a:t> les </a:t>
+            </a:r>
+            <a:r>
+              <a:rPr lang="fr-FR" dirty="0" err="1" smtClean="0"/>
+              <a:t>méta-données</a:t>
+            </a:r>
+            <a:r>
+              <a:rPr lang="fr-FR" dirty="0" smtClean="0"/>
+              <a:t> et la base de données des objets du projet</a:t>
+            </a:r>
+          </a:p>
+          <a:p>
+            <a:r>
+              <a:rPr lang="fr-FR" dirty="0" smtClean="0"/>
+              <a:t>La zone de transit/d’index :fichier contenant des informations à propos de ce qui sera pris en compte lors de la prochaine soumission. </a:t>
+            </a:r>
+          </a:p>
+          <a:p>
+            <a:r>
+              <a:rPr lang="fr-FR" b="1" baseline="0" dirty="0" smtClean="0">
+                <a:latin typeface="Andalus" panose="02020603050405020304" pitchFamily="18" charset="-78"/>
+                <a:cs typeface="Andalus" panose="02020603050405020304" pitchFamily="18" charset="-78"/>
+              </a:rPr>
+              <a:t>Staged</a:t>
+            </a:r>
+            <a:r>
+              <a:rPr lang="fr-FR" b="1" baseline="0" dirty="0" smtClean="0"/>
+              <a:t> : </a:t>
+            </a:r>
+            <a:r>
+              <a:rPr lang="fr-FR" baseline="0" dirty="0" smtClean="0"/>
+              <a:t>pris pour le prochaine commit</a:t>
+            </a:r>
           </a:p>
         </p:txBody>
       </p:sp>
@@ -1723,7 +1982,7 @@
     </p:spTree>
     <p:extLst>
       <p:ext uri="{BB962C8B-B14F-4D97-AF65-F5344CB8AC3E}">
-        <p14:creationId xmlns:p14="http://schemas.microsoft.com/office/powerpoint/2010/main" val="3512285482"/>
+        <p14:creationId xmlns:p14="http://schemas.microsoft.com/office/powerpoint/2010/main" val="2019914427"/>
       </p:ext>
     </p:extLst>
   </p:cSld>
@@ -1778,123 +2037,15 @@
           <a:lstStyle/>
           <a:p>
             <a:r>
-              <a:rPr lang="fr-FR" b="1" baseline="0" dirty="0" err="1" smtClean="0"/>
-              <a:t>Hist:</a:t>
-            </a:r>
-            <a:r>
-              <a:rPr lang="fr-FR" baseline="0" dirty="0" err="1" smtClean="0"/>
-              <a:t>Lancer</a:t>
-            </a:r>
-            <a:r>
               <a:rPr lang="fr-FR" baseline="0" dirty="0" smtClean="0"/>
-              <a:t> par </a:t>
-            </a:r>
-            <a:r>
-              <a:rPr lang="fr-FR" baseline="0" dirty="0" err="1" smtClean="0"/>
-              <a:t>linus</a:t>
-            </a:r>
-            <a:r>
-              <a:rPr lang="fr-FR" baseline="0" dirty="0" smtClean="0"/>
-              <a:t> </a:t>
-            </a:r>
-            <a:r>
-              <a:rPr lang="fr-FR" baseline="0" dirty="0" err="1" smtClean="0"/>
-              <a:t>torvalds</a:t>
-            </a:r>
-            <a:r>
-              <a:rPr lang="fr-FR" baseline="0" dirty="0" smtClean="0"/>
-              <a:t> pour hébergé linux  à cause de  litige avec </a:t>
-            </a:r>
-            <a:r>
-              <a:rPr lang="fr-FR" baseline="0" dirty="0" err="1" smtClean="0"/>
-              <a:t>BitKeeper</a:t>
-            </a:r>
+              <a:t>	</a:t>
+            </a:r>
+          </a:p>
+          <a:p>
             <a:endParaRPr lang="fr-FR" baseline="0" dirty="0" smtClean="0"/>
           </a:p>
           <a:p>
-            <a:pPr marL="0" marR="0" lvl="0" indent="0" algn="l" defTabSz="914400" rtl="0" eaLnBrk="1" fontAlgn="auto" latinLnBrk="0" hangingPunct="1">
-              <a:lnSpc>
-                <a:spcPct val="100000"/>
-              </a:lnSpc>
-              <a:spcBef>
-                <a:spcPts val="0"/>
-              </a:spcBef>
-              <a:spcAft>
-                <a:spcPts val="0"/>
-              </a:spcAft>
-              <a:buClrTx/>
-              <a:buSzTx/>
-              <a:buFontTx/>
-              <a:buNone/>
-              <a:tabLst/>
-              <a:defRPr/>
-            </a:pPr>
-            <a:r>
-              <a:rPr lang="fr-FR" baseline="0" dirty="0" err="1" smtClean="0"/>
-              <a:t>Def:Rapide</a:t>
-            </a:r>
-            <a:r>
-              <a:rPr lang="fr-FR" baseline="0" dirty="0" smtClean="0"/>
-              <a:t>, open source supporté par tout les système d’exploitation</a:t>
-            </a:r>
-          </a:p>
-          <a:p>
-            <a:endParaRPr lang="fr-FR" baseline="0" dirty="0" smtClean="0"/>
-          </a:p>
-          <a:p>
-            <a:r>
-              <a:rPr lang="fr-FR" b="1" baseline="0" dirty="0" err="1" smtClean="0"/>
-              <a:t>Fonctionement</a:t>
-            </a:r>
-            <a:r>
-              <a:rPr lang="fr-FR" b="1" baseline="0" dirty="0" smtClean="0"/>
-              <a:t>:</a:t>
-            </a:r>
-          </a:p>
-          <a:p>
-            <a:r>
-              <a:rPr lang="fr-FR" b="1" baseline="0" dirty="0" err="1" smtClean="0"/>
-              <a:t>Repo:</a:t>
-            </a:r>
-            <a:r>
-              <a:rPr lang="fr-FR" dirty="0" err="1" smtClean="0"/>
-              <a:t>contient</a:t>
-            </a:r>
-            <a:r>
-              <a:rPr lang="fr-FR" dirty="0" smtClean="0"/>
-              <a:t> les </a:t>
-            </a:r>
-            <a:r>
-              <a:rPr lang="fr-FR" dirty="0" err="1" smtClean="0"/>
-              <a:t>méta-données</a:t>
-            </a:r>
-            <a:r>
-              <a:rPr lang="fr-FR" dirty="0" smtClean="0"/>
-              <a:t> et la base de données des objets du projet</a:t>
-            </a:r>
-          </a:p>
-          <a:p>
-            <a:r>
-              <a:rPr lang="fr-FR" dirty="0" smtClean="0"/>
-              <a:t>La zone de transit/d’index :fichier contenant des informations à propos de ce qui sera pris en compte lors de la prochaine soumission. </a:t>
-            </a:r>
-          </a:p>
-          <a:p>
-            <a:r>
-              <a:rPr lang="fr-FR" b="1" baseline="0" dirty="0" smtClean="0">
-                <a:latin typeface="Andalus" panose="02020603050405020304" pitchFamily="18" charset="-78"/>
-                <a:cs typeface="Andalus" panose="02020603050405020304" pitchFamily="18" charset="-78"/>
-              </a:rPr>
-              <a:t>Staged</a:t>
-            </a:r>
-            <a:r>
-              <a:rPr lang="fr-FR" b="1" baseline="0" dirty="0" smtClean="0"/>
-              <a:t> : </a:t>
-            </a:r>
-            <a:r>
-              <a:rPr lang="fr-FR" baseline="0" dirty="0" smtClean="0"/>
-              <a:t>pris pour le prochaine commit</a:t>
-            </a:r>
+            <a:endParaRPr lang="fr-FR" dirty="0"/>
           </a:p>
         </p:txBody>
       </p:sp>
@@ -1924,7 +2075,7 @@
     </p:spTree>
     <p:extLst>
       <p:ext uri="{BB962C8B-B14F-4D97-AF65-F5344CB8AC3E}">
-        <p14:creationId xmlns:p14="http://schemas.microsoft.com/office/powerpoint/2010/main" val="2019914427"/>
+        <p14:creationId xmlns:p14="http://schemas.microsoft.com/office/powerpoint/2010/main" val="3512285482"/>
       </p:ext>
     </p:extLst>
   </p:cSld>
@@ -1978,6 +2129,91 @@
           <a:bodyPr/>
           <a:lstStyle/>
           <a:p>
+            <a:r>
+              <a:rPr lang="fr-FR" b="1" dirty="0" smtClean="0"/>
+              <a:t>Branche</a:t>
+            </a:r>
+            <a:r>
+              <a:rPr lang="fr-FR" dirty="0" smtClean="0"/>
+              <a:t>: est</a:t>
+            </a:r>
+            <a:r>
+              <a:rPr lang="fr-FR" baseline="0" dirty="0" smtClean="0"/>
+              <a:t> un pointeur vars un objet commit</a:t>
+            </a:r>
+          </a:p>
+          <a:p>
+            <a:r>
+              <a:rPr lang="fr-FR" baseline="0" dirty="0" smtClean="0"/>
+              <a:t>Stratégie (stratégie 0 branch( petit projet  1 </a:t>
+            </a:r>
+            <a:r>
+              <a:rPr lang="fr-FR" baseline="0" dirty="0" err="1" smtClean="0"/>
+              <a:t>devloper</a:t>
+            </a:r>
+            <a:r>
+              <a:rPr lang="fr-FR" baseline="0" dirty="0" smtClean="0"/>
+              <a:t>)</a:t>
+            </a:r>
+          </a:p>
+          <a:p>
+            <a:r>
+              <a:rPr lang="fr-FR" baseline="0" dirty="0" smtClean="0"/>
+              <a:t>-incontinent: bouceaup de conflits, développé d’autre fonctionnalité et réglé les problème</a:t>
+            </a:r>
+          </a:p>
+          <a:p>
+            <a:r>
+              <a:rPr lang="fr-FR" baseline="0" dirty="0" smtClean="0"/>
+              <a:t>-</a:t>
+            </a:r>
+            <a:r>
+              <a:rPr lang="fr-FR" baseline="0" dirty="0" err="1" smtClean="0"/>
+              <a:t>dificile</a:t>
+            </a:r>
+            <a:r>
+              <a:rPr lang="fr-FR" baseline="0" dirty="0" smtClean="0"/>
+              <a:t> de </a:t>
+            </a:r>
+            <a:r>
+              <a:rPr lang="fr-FR" baseline="0" dirty="0" err="1" smtClean="0"/>
+              <a:t>suprimé</a:t>
+            </a:r>
+            <a:r>
+              <a:rPr lang="fr-FR" baseline="0" dirty="0" smtClean="0"/>
+              <a:t> et de </a:t>
+            </a:r>
+            <a:r>
+              <a:rPr lang="fr-FR" baseline="0" dirty="0" err="1" smtClean="0"/>
+              <a:t>resaouré</a:t>
+            </a:r>
+            <a:r>
+              <a:rPr lang="fr-FR" baseline="0" dirty="0" smtClean="0"/>
+              <a:t> des </a:t>
+            </a:r>
+            <a:r>
+              <a:rPr lang="fr-FR" baseline="0" dirty="0" err="1" smtClean="0"/>
+              <a:t>fonctionalite</a:t>
+            </a:r>
+            <a:endParaRPr lang="fr-FR" baseline="0" dirty="0" smtClean="0"/>
+          </a:p>
+          <a:p>
+            <a:r>
+              <a:rPr lang="fr-FR" baseline="0" dirty="0" smtClean="0"/>
+              <a:t>Perte de temps dans le </a:t>
+            </a:r>
+            <a:r>
+              <a:rPr lang="fr-FR" baseline="0" dirty="0" err="1" smtClean="0"/>
+              <a:t>reglage</a:t>
+            </a:r>
+            <a:r>
+              <a:rPr lang="fr-FR" baseline="0" dirty="0" smtClean="0"/>
+              <a:t> de conflit au lieu le </a:t>
+            </a:r>
+            <a:r>
+              <a:rPr lang="fr-FR" baseline="0" dirty="0" err="1" smtClean="0"/>
+              <a:t>developement</a:t>
+            </a:r>
             <a:endParaRPr lang="fr-FR" dirty="0"/>
           </a:p>
         </p:txBody>
@@ -1999,7 +2235,7 @@
           <a:p>
             <a:fld id="{852BFB1F-A0B8-45F9-8B0C-AE6AABDE724A}" type="slidenum">
               <a:rPr lang="fr-FR" smtClean="0"/>
-              <a:t>6</a:t>
+              <a:t>7</a:t>
             </a:fld>
             <a:endParaRPr lang="fr-FR"/>
           </a:p>
@@ -2008,7 +2244,7 @@
     </p:spTree>
     <p:extLst>
       <p:ext uri="{BB962C8B-B14F-4D97-AF65-F5344CB8AC3E}">
-        <p14:creationId xmlns:p14="http://schemas.microsoft.com/office/powerpoint/2010/main" val="3475136250"/>
+        <p14:creationId xmlns:p14="http://schemas.microsoft.com/office/powerpoint/2010/main" val="4207549232"/>
       </p:ext>
     </p:extLst>
   </p:cSld>
@@ -2062,380 +2298,137 @@
           <a:bodyPr/>
           <a:lstStyle/>
           <a:p>
-            <a:pPr marL="0" marR="0" lvl="0" indent="0" algn="l" defTabSz="914400" rtl="0" eaLnBrk="1" fontAlgn="auto" latinLnBrk="0" hangingPunct="1">
-              <a:lnSpc>
-                <a:spcPct val="100000"/>
-              </a:lnSpc>
-              <a:spcBef>
-                <a:spcPts val="0"/>
-              </a:spcBef>
-              <a:spcAft>
-                <a:spcPts val="0"/>
-              </a:spcAft>
-              <a:buClrTx/>
-              <a:buSzTx/>
-              <a:buFontTx/>
-              <a:buNone/>
-              <a:tabLst/>
-              <a:defRPr/>
-            </a:pPr>
-            <a:r>
-              <a:rPr lang="fr-FR" b="1" dirty="0" smtClean="0"/>
-              <a:t>Avec git clone : </a:t>
+            <a:r>
+              <a:rPr lang="fr-FR" sz="1200" b="1" dirty="0" err="1" smtClean="0"/>
+              <a:t>Devlop</a:t>
+            </a:r>
+            <a:r>
+              <a:rPr lang="fr-FR" sz="1200" b="1" dirty="0" smtClean="0"/>
+              <a:t> : </a:t>
+            </a:r>
+            <a:r>
+              <a:rPr lang="fr-FR" sz="1200" b="0" dirty="0" smtClean="0"/>
+              <a:t>on</a:t>
+            </a:r>
+            <a:r>
+              <a:rPr lang="fr-FR" sz="1200" b="0" baseline="0" dirty="0" smtClean="0"/>
+              <a:t> créer une branch </a:t>
             </a:r>
             <a:r>
               <a:rPr lang="fr-FR" b="0" dirty="0" smtClean="0"/>
-              <a:t>remote va pointer à l’url d’où il été</a:t>
+              <a:t>pérenne « </a:t>
+            </a:r>
+            <a:r>
+              <a:rPr lang="fr-FR" b="0" dirty="0" err="1" smtClean="0"/>
+              <a:t>develop</a:t>
+            </a:r>
+            <a:r>
+              <a:rPr lang="fr-FR" b="0" dirty="0" smtClean="0"/>
+              <a:t> »</a:t>
             </a:r>
             <a:r>
               <a:rPr lang="fr-FR" b="0" baseline="0" dirty="0" smtClean="0"/>
+              <a:t> à coté de master «  place sur ou introduire du code qui peut cassé notre projet»</a:t>
+            </a:r>
+            <a:r>
+              <a:rPr lang="fr-FR" b="0" dirty="0" smtClean="0"/>
+              <a:t> .on à besoin d’une stratégie de teste pour s’assuré de ne</a:t>
+            </a:r>
+            <a:r>
+              <a:rPr lang="fr-FR" b="0" baseline="0" dirty="0" smtClean="0"/>
+              <a:t> pas introduire de bug à master l’hors des merge (</a:t>
+            </a:r>
+            <a:r>
+              <a:rPr lang="fr-FR" b="0" baseline="0" dirty="0" err="1" smtClean="0"/>
+              <a:t>inconvignent</a:t>
+            </a:r>
+            <a:r>
+              <a:rPr lang="fr-FR" b="0" baseline="0" dirty="0" smtClean="0"/>
+              <a:t> on peut pas développer plusieurs fonctionnalité en parallèle- il y’à qu’un seule ou deux </a:t>
+            </a:r>
+            <a:r>
+              <a:rPr lang="fr-FR" b="0" baseline="0" dirty="0" err="1" smtClean="0"/>
+              <a:t>developer</a:t>
+            </a:r>
+            <a:r>
+              <a:rPr lang="fr-FR" b="0" baseline="0" dirty="0" smtClean="0"/>
+              <a:t> peut travailler activement sur le projet, supprimer ou restore une fonctionnalité est un challenge)</a:t>
+            </a:r>
+          </a:p>
+          <a:p>
+            <a:r>
+              <a:rPr lang="fr-FR" sz="1200" b="1" dirty="0" smtClean="0"/>
+              <a:t>stratégie de branch par fonctionnalité :</a:t>
+            </a:r>
+          </a:p>
+          <a:p>
+            <a:r>
+              <a:rPr lang="fr-FR" sz="1200" b="0" baseline="0" dirty="0" smtClean="0"/>
+              <a:t>On peut applique à n’importe qu’elle moment un </a:t>
+            </a:r>
+            <a:r>
+              <a:rPr lang="en-US" dirty="0" smtClean="0"/>
+              <a:t>hotfix à </a:t>
+            </a:r>
+            <a:r>
+              <a:rPr lang="fr-FR" sz="1200" b="0" baseline="0" dirty="0" smtClean="0"/>
+              <a:t> la branch master en cas de bug, les </a:t>
+            </a:r>
+            <a:r>
+              <a:rPr lang="fr-FR" sz="1200" b="0" baseline="0" dirty="0" err="1" smtClean="0"/>
+              <a:t>developper</a:t>
+            </a:r>
+            <a:r>
+              <a:rPr lang="fr-FR" sz="1200" b="0" baseline="0" dirty="0" smtClean="0"/>
+              <a:t> font le pull de la </a:t>
+            </a:r>
+            <a:r>
+              <a:rPr lang="fr-FR" sz="1200" b="0" baseline="0" dirty="0" err="1" smtClean="0"/>
+              <a:t>dérniére</a:t>
+            </a:r>
+            <a:r>
+              <a:rPr lang="fr-FR" sz="1200" b="0" baseline="0" dirty="0" smtClean="0"/>
               <a:t> </a:t>
             </a:r>
             <a:r>
-              <a:rPr lang="fr-FR" b="0" baseline="0" dirty="0" err="1" smtClean="0"/>
-              <a:t>colné</a:t>
-            </a:r>
-            <a:endParaRPr lang="fr-FR" b="0" dirty="0" smtClean="0"/>
-          </a:p>
-          <a:p>
-            <a:pPr marL="0" marR="0" lvl="0" indent="0" algn="l" defTabSz="914400" rtl="0" eaLnBrk="1" fontAlgn="auto" latinLnBrk="0" hangingPunct="1">
-              <a:lnSpc>
-                <a:spcPct val="100000"/>
-              </a:lnSpc>
-              <a:spcBef>
-                <a:spcPts val="0"/>
-              </a:spcBef>
-              <a:spcAft>
-                <a:spcPts val="0"/>
-              </a:spcAft>
-              <a:buClrTx/>
-              <a:buSzTx/>
-              <a:buFontTx/>
-              <a:buNone/>
-              <a:tabLst/>
-              <a:defRPr/>
-            </a:pPr>
-            <a:r>
-              <a:rPr lang="fr-FR" b="1" dirty="0" smtClean="0"/>
-              <a:t>Changer l’url de l’</a:t>
-            </a:r>
-            <a:r>
-              <a:rPr lang="fr-FR" b="1" dirty="0" err="1" smtClean="0"/>
-              <a:t>origin</a:t>
-            </a:r>
-            <a:r>
-              <a:rPr lang="fr-FR" b="1" dirty="0" smtClean="0"/>
-              <a:t> : </a:t>
-            </a:r>
-            <a:r>
-              <a:rPr lang="en-US" sz="1200" kern="1200" dirty="0" err="1" smtClean="0">
-                <a:solidFill>
-                  <a:schemeClr val="tx1"/>
-                </a:solidFill>
-                <a:effectLst/>
-                <a:latin typeface="+mn-lt"/>
-                <a:ea typeface="+mn-ea"/>
-                <a:cs typeface="+mn-cs"/>
-              </a:rPr>
-              <a:t>git</a:t>
-            </a:r>
-            <a:r>
-              <a:rPr lang="en-US" sz="1200" kern="1200" dirty="0" smtClean="0">
-                <a:solidFill>
-                  <a:schemeClr val="tx1"/>
-                </a:solidFill>
-                <a:effectLst/>
-                <a:latin typeface="+mn-lt"/>
-                <a:ea typeface="+mn-ea"/>
-                <a:cs typeface="+mn-cs"/>
-              </a:rPr>
-              <a:t> remote </a:t>
-            </a:r>
-            <a:r>
-              <a:rPr lang="en-US" sz="1200" b="1" kern="1200" dirty="0" smtClean="0">
-                <a:solidFill>
-                  <a:schemeClr val="tx1"/>
-                </a:solidFill>
-                <a:effectLst/>
-                <a:latin typeface="+mn-lt"/>
-                <a:ea typeface="+mn-ea"/>
-                <a:cs typeface="+mn-cs"/>
-              </a:rPr>
-              <a:t>set-</a:t>
-            </a:r>
-            <a:r>
-              <a:rPr lang="en-US" sz="1200" b="1" kern="1200" dirty="0" err="1" smtClean="0">
-                <a:solidFill>
-                  <a:schemeClr val="tx1"/>
-                </a:solidFill>
-                <a:effectLst/>
-                <a:latin typeface="+mn-lt"/>
-                <a:ea typeface="+mn-ea"/>
-                <a:cs typeface="+mn-cs"/>
-              </a:rPr>
-              <a:t>url</a:t>
-            </a:r>
-            <a:r>
-              <a:rPr lang="en-US" sz="1200" kern="1200" dirty="0" smtClean="0">
-                <a:solidFill>
-                  <a:schemeClr val="tx1"/>
-                </a:solidFill>
-                <a:effectLst/>
-                <a:latin typeface="+mn-lt"/>
-                <a:ea typeface="+mn-ea"/>
-                <a:cs typeface="+mn-cs"/>
-              </a:rPr>
-              <a:t> origin url2</a:t>
-            </a:r>
-          </a:p>
-          <a:p>
-            <a:pPr marL="0" marR="0" lvl="0" indent="0" algn="l" defTabSz="914400" rtl="0" eaLnBrk="1" fontAlgn="auto" latinLnBrk="0" hangingPunct="1">
-              <a:lnSpc>
-                <a:spcPct val="100000"/>
-              </a:lnSpc>
-              <a:spcBef>
-                <a:spcPts val="0"/>
-              </a:spcBef>
-              <a:spcAft>
-                <a:spcPts val="0"/>
-              </a:spcAft>
-              <a:buClrTx/>
-              <a:buSzTx/>
-              <a:buFontTx/>
-              <a:buNone/>
-              <a:tabLst/>
-              <a:defRPr/>
-            </a:pPr>
-            <a:r>
-              <a:rPr lang="en-US" sz="1200" b="1" kern="1200" dirty="0" err="1" smtClean="0">
-                <a:solidFill>
-                  <a:schemeClr val="tx1"/>
-                </a:solidFill>
-                <a:effectLst/>
-                <a:latin typeface="+mn-lt"/>
-                <a:ea typeface="+mn-ea"/>
-                <a:cs typeface="+mn-cs"/>
-              </a:rPr>
-              <a:t>Supprimer</a:t>
-            </a:r>
-            <a:r>
-              <a:rPr lang="en-US" sz="1200" b="1" kern="1200" dirty="0" smtClean="0">
-                <a:solidFill>
-                  <a:schemeClr val="tx1"/>
-                </a:solidFill>
-                <a:effectLst/>
-                <a:latin typeface="+mn-lt"/>
-                <a:ea typeface="+mn-ea"/>
-                <a:cs typeface="+mn-cs"/>
-              </a:rPr>
-              <a:t> le remote: </a:t>
-            </a:r>
-            <a:r>
-              <a:rPr lang="en-US" sz="1200" kern="1200" dirty="0" err="1" smtClean="0">
-                <a:solidFill>
-                  <a:schemeClr val="tx1"/>
-                </a:solidFill>
-                <a:effectLst/>
-                <a:latin typeface="+mn-lt"/>
-                <a:ea typeface="+mn-ea"/>
-                <a:cs typeface="+mn-cs"/>
-              </a:rPr>
-              <a:t>git</a:t>
-            </a:r>
-            <a:r>
-              <a:rPr lang="en-US" sz="1200" kern="1200" dirty="0" smtClean="0">
-                <a:solidFill>
-                  <a:schemeClr val="tx1"/>
-                </a:solidFill>
-                <a:effectLst/>
-                <a:latin typeface="+mn-lt"/>
-                <a:ea typeface="+mn-ea"/>
-                <a:cs typeface="+mn-cs"/>
-              </a:rPr>
-              <a:t> remote remove</a:t>
-            </a:r>
-            <a:r>
-              <a:rPr lang="en-US" sz="1200" kern="1200" baseline="0" dirty="0" smtClean="0">
-                <a:solidFill>
-                  <a:schemeClr val="tx1"/>
-                </a:solidFill>
-                <a:effectLst/>
-                <a:latin typeface="+mn-lt"/>
-                <a:ea typeface="+mn-ea"/>
-                <a:cs typeface="+mn-cs"/>
-              </a:rPr>
-              <a:t> origin</a:t>
-            </a:r>
-            <a:endParaRPr lang="fr-FR" dirty="0" smtClean="0"/>
-          </a:p>
-          <a:p>
-            <a:pPr marL="0" marR="0" lvl="0" indent="0" algn="l" defTabSz="914400" rtl="0" eaLnBrk="1" fontAlgn="auto" latinLnBrk="0" hangingPunct="1">
-              <a:lnSpc>
-                <a:spcPct val="100000"/>
-              </a:lnSpc>
-              <a:spcBef>
-                <a:spcPts val="0"/>
-              </a:spcBef>
-              <a:spcAft>
-                <a:spcPts val="0"/>
-              </a:spcAft>
-              <a:buClrTx/>
-              <a:buSzTx/>
-              <a:buFontTx/>
-              <a:buNone/>
-              <a:tabLst/>
-              <a:defRPr/>
-            </a:pPr>
-            <a:r>
-              <a:rPr lang="fr-FR" b="1" dirty="0" smtClean="0"/>
-              <a:t>Afficher le remote url</a:t>
-            </a:r>
-            <a:r>
-              <a:rPr lang="fr-FR" b="1" baseline="0" dirty="0" smtClean="0"/>
-              <a:t> :</a:t>
-            </a:r>
-            <a:r>
-              <a:rPr lang="fr-FR" dirty="0" smtClean="0"/>
-              <a:t>Git remote –v, git remote show </a:t>
-            </a:r>
-            <a:r>
-              <a:rPr lang="fr-FR" dirty="0" err="1" smtClean="0"/>
-              <a:t>orign</a:t>
-            </a:r>
-            <a:r>
-              <a:rPr lang="fr-FR" dirty="0" smtClean="0"/>
-              <a:t>,</a:t>
-            </a:r>
-            <a:r>
-              <a:rPr lang="fr-FR" sz="1200" kern="1200" dirty="0" smtClean="0">
-                <a:solidFill>
-                  <a:schemeClr val="tx1"/>
-                </a:solidFill>
-                <a:latin typeface="+mn-lt"/>
-                <a:ea typeface="+mn-ea"/>
-                <a:cs typeface="+mn-cs"/>
-              </a:rPr>
-              <a:t> git </a:t>
-            </a:r>
-            <a:r>
-              <a:rPr lang="fr-FR" sz="1200" kern="1200" dirty="0" err="1" smtClean="0">
-                <a:solidFill>
-                  <a:schemeClr val="tx1"/>
-                </a:solidFill>
-                <a:latin typeface="+mn-lt"/>
-                <a:ea typeface="+mn-ea"/>
-                <a:cs typeface="+mn-cs"/>
-              </a:rPr>
-              <a:t>ls</a:t>
-            </a:r>
-            <a:r>
-              <a:rPr lang="fr-FR" sz="1200" kern="1200" dirty="0" smtClean="0">
-                <a:solidFill>
-                  <a:schemeClr val="tx1"/>
-                </a:solidFill>
-                <a:latin typeface="+mn-lt"/>
-                <a:ea typeface="+mn-ea"/>
-                <a:cs typeface="+mn-cs"/>
-              </a:rPr>
-              <a:t>-remote</a:t>
-            </a:r>
-            <a:endParaRPr lang="fr-FR" dirty="0" smtClean="0"/>
-          </a:p>
-          <a:p>
-            <a:r>
-              <a:rPr lang="fr-FR" sz="1200" kern="1200" dirty="0" err="1" smtClean="0">
-                <a:solidFill>
-                  <a:schemeClr val="tx1"/>
-                </a:solidFill>
-                <a:latin typeface="+mn-lt"/>
-                <a:ea typeface="+mn-ea"/>
-                <a:cs typeface="+mn-cs"/>
-              </a:rPr>
-              <a:t>Affciher</a:t>
-            </a:r>
-            <a:r>
-              <a:rPr lang="fr-FR" sz="1200" kern="1200" dirty="0" smtClean="0">
-                <a:solidFill>
-                  <a:schemeClr val="tx1"/>
-                </a:solidFill>
-                <a:latin typeface="+mn-lt"/>
-                <a:ea typeface="+mn-ea"/>
-                <a:cs typeface="+mn-cs"/>
-              </a:rPr>
-              <a:t> une variable git config --</a:t>
-            </a:r>
-            <a:r>
-              <a:rPr lang="fr-FR" sz="1200" kern="1200" dirty="0" err="1" smtClean="0">
-                <a:solidFill>
-                  <a:schemeClr val="tx1"/>
-                </a:solidFill>
-                <a:latin typeface="+mn-lt"/>
-                <a:ea typeface="+mn-ea"/>
-                <a:cs typeface="+mn-cs"/>
-              </a:rPr>
-              <a:t>get</a:t>
-            </a:r>
-            <a:r>
-              <a:rPr lang="fr-FR" sz="1200" kern="1200" dirty="0" smtClean="0">
-                <a:solidFill>
-                  <a:schemeClr val="tx1"/>
-                </a:solidFill>
-                <a:latin typeface="+mn-lt"/>
-                <a:ea typeface="+mn-ea"/>
-                <a:cs typeface="+mn-cs"/>
-              </a:rPr>
-              <a:t> user.name</a:t>
-            </a:r>
-            <a:endParaRPr lang="fr-FR" dirty="0" smtClean="0"/>
-          </a:p>
-          <a:p>
-            <a:r>
-              <a:rPr lang="fr-FR" dirty="0" smtClean="0"/>
-              <a:t>Git</a:t>
-            </a:r>
-            <a:r>
-              <a:rPr lang="fr-FR" baseline="0" dirty="0" smtClean="0"/>
-              <a:t> status affiche (non </a:t>
-            </a:r>
-            <a:r>
-              <a:rPr lang="fr-FR" baseline="0" dirty="0" err="1" smtClean="0"/>
-              <a:t>track</a:t>
-            </a:r>
-            <a:r>
-              <a:rPr lang="fr-FR" baseline="0" dirty="0" smtClean="0"/>
-              <a:t> ,indexé ,non indexé)</a:t>
-            </a:r>
-          </a:p>
-          <a:p>
-            <a:r>
-              <a:rPr lang="fr-FR" baseline="0" dirty="0" smtClean="0"/>
-              <a:t>Git </a:t>
-            </a:r>
-            <a:r>
-              <a:rPr lang="fr-FR" baseline="0" dirty="0" err="1" smtClean="0"/>
-              <a:t>checkout</a:t>
-            </a:r>
-            <a:r>
-              <a:rPr lang="fr-FR" baseline="0" dirty="0" smtClean="0"/>
-              <a:t>: on peut pas le faire avec un fichier supprimé, pour supprimer l’indexation d’une suppression on </a:t>
-            </a:r>
-            <a:r>
-              <a:rPr lang="fr-FR" baseline="0" dirty="0" err="1" smtClean="0"/>
-              <a:t>fair</a:t>
-            </a:r>
-            <a:r>
-              <a:rPr lang="fr-FR" baseline="0" dirty="0" smtClean="0"/>
-              <a:t> git restore –</a:t>
-            </a:r>
-            <a:r>
-              <a:rPr lang="fr-FR" baseline="0" dirty="0" err="1" smtClean="0"/>
-              <a:t>stagged</a:t>
-            </a:r>
-            <a:r>
-              <a:rPr lang="fr-FR" baseline="0" dirty="0" smtClean="0"/>
-              <a:t> file</a:t>
-            </a:r>
-            <a:endParaRPr lang="fr-FR" dirty="0"/>
+              <a:rPr lang="fr-FR" sz="1200" b="0" baseline="0" dirty="0" err="1" smtClean="0"/>
+              <a:t>versionb</a:t>
+            </a:r>
+            <a:r>
+              <a:rPr lang="fr-FR" sz="1200" b="0" baseline="0" dirty="0" smtClean="0"/>
+              <a:t> du master avant de </a:t>
+            </a:r>
+            <a:r>
+              <a:rPr lang="fr-FR" sz="1200" b="0" baseline="0" dirty="0" err="1" smtClean="0"/>
+              <a:t>mergé</a:t>
+            </a:r>
+            <a:r>
+              <a:rPr lang="fr-FR" sz="1200" b="0" baseline="0" dirty="0" smtClean="0"/>
+              <a:t> leur branch </a:t>
+            </a:r>
+            <a:r>
+              <a:rPr lang="fr-FR" sz="1200" b="1" baseline="0" dirty="0" smtClean="0"/>
+              <a:t>fonctionnalité </a:t>
+            </a:r>
+            <a:r>
+              <a:rPr lang="fr-FR" sz="1200" b="0" baseline="0" dirty="0" smtClean="0"/>
+              <a:t>à la branch master</a:t>
+            </a:r>
+          </a:p>
+          <a:p>
+            <a:r>
+              <a:rPr lang="fr-FR" sz="1200" b="1" baseline="0" dirty="0" err="1" smtClean="0"/>
+              <a:t>Inconvignen</a:t>
+            </a:r>
+            <a:r>
+              <a:rPr lang="fr-FR" sz="1200" b="0" baseline="0" dirty="0" err="1" smtClean="0"/>
+              <a:t>t</a:t>
+            </a:r>
+            <a:r>
+              <a:rPr lang="fr-FR" sz="1200" b="0" baseline="0" dirty="0" smtClean="0"/>
+              <a:t>: le développement de fonctionnalités en parallèle n’est pas toujours faisable (pour les taches interdépendantes)</a:t>
+            </a:r>
+            <a:endParaRPr lang="fr-FR" b="0" baseline="0" dirty="0" smtClean="0"/>
           </a:p>
         </p:txBody>
       </p:sp>
@@ -2465,7 +2458,7 @@
     </p:spTree>
     <p:extLst>
       <p:ext uri="{BB962C8B-B14F-4D97-AF65-F5344CB8AC3E}">
-        <p14:creationId xmlns:p14="http://schemas.microsoft.com/office/powerpoint/2010/main" val="3890560028"/>
+        <p14:creationId xmlns:p14="http://schemas.microsoft.com/office/powerpoint/2010/main" val="2292228862"/>
       </p:ext>
     </p:extLst>
   </p:cSld>
@@ -2519,6 +2512,333 @@
           <a:bodyPr/>
           <a:lstStyle/>
           <a:p>
+            <a:pPr marL="0" marR="0" lvl="0" indent="0" algn="l" defTabSz="914400" rtl="0" eaLnBrk="1" fontAlgn="auto" latinLnBrk="0" hangingPunct="1">
+              <a:lnSpc>
+                <a:spcPct val="100000"/>
+              </a:lnSpc>
+              <a:spcBef>
+                <a:spcPts val="0"/>
+              </a:spcBef>
+              <a:spcAft>
+                <a:spcPts val="0"/>
+              </a:spcAft>
+              <a:buClrTx/>
+              <a:buSzTx/>
+              <a:buFontTx/>
+              <a:buNone/>
+              <a:tabLst/>
+              <a:defRPr/>
+            </a:pPr>
+            <a:r>
+              <a:rPr lang="fr-FR" b="1" dirty="0" smtClean="0"/>
+              <a:t>Avec git clone : </a:t>
+            </a:r>
+            <a:r>
+              <a:rPr lang="fr-FR" b="0" dirty="0" smtClean="0"/>
+              <a:t>remote va pointer à l’url d’où il été</a:t>
+            </a:r>
+            <a:r>
+              <a:rPr lang="fr-FR" b="0" baseline="0" dirty="0" smtClean="0"/>
+              <a:t> </a:t>
+            </a:r>
+            <a:r>
+              <a:rPr lang="fr-FR" b="0" baseline="0" dirty="0" err="1" smtClean="0"/>
+              <a:t>colné</a:t>
+            </a:r>
+            <a:endParaRPr lang="fr-FR" b="0" dirty="0" smtClean="0"/>
+          </a:p>
+          <a:p>
+            <a:pPr marL="0" marR="0" lvl="0" indent="0" algn="l" defTabSz="914400" rtl="0" eaLnBrk="1" fontAlgn="auto" latinLnBrk="0" hangingPunct="1">
+              <a:lnSpc>
+                <a:spcPct val="100000"/>
+              </a:lnSpc>
+              <a:spcBef>
+                <a:spcPts val="0"/>
+              </a:spcBef>
+              <a:spcAft>
+                <a:spcPts val="0"/>
+              </a:spcAft>
+              <a:buClrTx/>
+              <a:buSzTx/>
+              <a:buFontTx/>
+              <a:buNone/>
+              <a:tabLst/>
+              <a:defRPr/>
+            </a:pPr>
+            <a:r>
+              <a:rPr lang="fr-FR" b="1" dirty="0" smtClean="0"/>
+              <a:t>Changer l’url de l’</a:t>
+            </a:r>
+            <a:r>
+              <a:rPr lang="fr-FR" b="1" dirty="0" err="1" smtClean="0"/>
+              <a:t>origin</a:t>
+            </a:r>
+            <a:r>
+              <a:rPr lang="fr-FR" b="1" dirty="0" smtClean="0"/>
+              <a:t> : </a:t>
+            </a:r>
+            <a:r>
+              <a:rPr lang="en-US" sz="1200" kern="1200" dirty="0" err="1" smtClean="0">
+                <a:solidFill>
+                  <a:schemeClr val="tx1"/>
+                </a:solidFill>
+                <a:effectLst/>
+                <a:latin typeface="+mn-lt"/>
+                <a:ea typeface="+mn-ea"/>
+                <a:cs typeface="+mn-cs"/>
+              </a:rPr>
+              <a:t>git</a:t>
+            </a:r>
+            <a:r>
+              <a:rPr lang="en-US" sz="1200" kern="1200" dirty="0" smtClean="0">
+                <a:solidFill>
+                  <a:schemeClr val="tx1"/>
+                </a:solidFill>
+                <a:effectLst/>
+                <a:latin typeface="+mn-lt"/>
+                <a:ea typeface="+mn-ea"/>
+                <a:cs typeface="+mn-cs"/>
+              </a:rPr>
+              <a:t> remote </a:t>
+            </a:r>
+            <a:r>
+              <a:rPr lang="en-US" sz="1200" b="1" kern="1200" dirty="0" smtClean="0">
+                <a:solidFill>
+                  <a:schemeClr val="tx1"/>
+                </a:solidFill>
+                <a:effectLst/>
+                <a:latin typeface="+mn-lt"/>
+                <a:ea typeface="+mn-ea"/>
+                <a:cs typeface="+mn-cs"/>
+              </a:rPr>
+              <a:t>set-</a:t>
+            </a:r>
+            <a:r>
+              <a:rPr lang="en-US" sz="1200" b="1" kern="1200" dirty="0" err="1" smtClean="0">
+                <a:solidFill>
+                  <a:schemeClr val="tx1"/>
+                </a:solidFill>
+                <a:effectLst/>
+                <a:latin typeface="+mn-lt"/>
+                <a:ea typeface="+mn-ea"/>
+                <a:cs typeface="+mn-cs"/>
+              </a:rPr>
+              <a:t>url</a:t>
+            </a:r>
+            <a:r>
+              <a:rPr lang="en-US" sz="1200" kern="1200" dirty="0" smtClean="0">
+                <a:solidFill>
+                  <a:schemeClr val="tx1"/>
+                </a:solidFill>
+                <a:effectLst/>
+                <a:latin typeface="+mn-lt"/>
+                <a:ea typeface="+mn-ea"/>
+                <a:cs typeface="+mn-cs"/>
+              </a:rPr>
+              <a:t> origin url2</a:t>
+            </a:r>
+          </a:p>
+          <a:p>
+            <a:pPr marL="0" marR="0" lvl="0" indent="0" algn="l" defTabSz="914400" rtl="0" eaLnBrk="1" fontAlgn="auto" latinLnBrk="0" hangingPunct="1">
+              <a:lnSpc>
+                <a:spcPct val="100000"/>
+              </a:lnSpc>
+              <a:spcBef>
+                <a:spcPts val="0"/>
+              </a:spcBef>
+              <a:spcAft>
+                <a:spcPts val="0"/>
+              </a:spcAft>
+              <a:buClrTx/>
+              <a:buSzTx/>
+              <a:buFontTx/>
+              <a:buNone/>
+              <a:tabLst/>
+              <a:defRPr/>
+            </a:pPr>
+            <a:r>
+              <a:rPr lang="en-US" sz="1200" b="1" kern="1200" dirty="0" err="1" smtClean="0">
+                <a:solidFill>
+                  <a:schemeClr val="tx1"/>
+                </a:solidFill>
+                <a:effectLst/>
+                <a:latin typeface="+mn-lt"/>
+                <a:ea typeface="+mn-ea"/>
+                <a:cs typeface="+mn-cs"/>
+              </a:rPr>
+              <a:t>Supprimer</a:t>
+            </a:r>
+            <a:r>
+              <a:rPr lang="en-US" sz="1200" b="1" kern="1200" dirty="0" smtClean="0">
+                <a:solidFill>
+                  <a:schemeClr val="tx1"/>
+                </a:solidFill>
+                <a:effectLst/>
+                <a:latin typeface="+mn-lt"/>
+                <a:ea typeface="+mn-ea"/>
+                <a:cs typeface="+mn-cs"/>
+              </a:rPr>
+              <a:t> le remote: </a:t>
+            </a:r>
+            <a:r>
+              <a:rPr lang="en-US" sz="1200" kern="1200" dirty="0" err="1" smtClean="0">
+                <a:solidFill>
+                  <a:schemeClr val="tx1"/>
+                </a:solidFill>
+                <a:effectLst/>
+                <a:latin typeface="+mn-lt"/>
+                <a:ea typeface="+mn-ea"/>
+                <a:cs typeface="+mn-cs"/>
+              </a:rPr>
+              <a:t>git</a:t>
+            </a:r>
+            <a:r>
+              <a:rPr lang="en-US" sz="1200" kern="1200" dirty="0" smtClean="0">
+                <a:solidFill>
+                  <a:schemeClr val="tx1"/>
+                </a:solidFill>
+                <a:effectLst/>
+                <a:latin typeface="+mn-lt"/>
+                <a:ea typeface="+mn-ea"/>
+                <a:cs typeface="+mn-cs"/>
+              </a:rPr>
+              <a:t> remote remove</a:t>
+            </a:r>
+            <a:r>
+              <a:rPr lang="en-US" sz="1200" kern="1200" baseline="0" dirty="0" smtClean="0">
+                <a:solidFill>
+                  <a:schemeClr val="tx1"/>
+                </a:solidFill>
+                <a:effectLst/>
+                <a:latin typeface="+mn-lt"/>
+                <a:ea typeface="+mn-ea"/>
+                <a:cs typeface="+mn-cs"/>
+              </a:rPr>
+              <a:t> origin</a:t>
+            </a:r>
+            <a:endParaRPr lang="fr-FR" dirty="0" smtClean="0"/>
+          </a:p>
+          <a:p>
+            <a:pPr marL="0" marR="0" lvl="0" indent="0" algn="l" defTabSz="914400" rtl="0" eaLnBrk="1" fontAlgn="auto" latinLnBrk="0" hangingPunct="1">
+              <a:lnSpc>
+                <a:spcPct val="100000"/>
+              </a:lnSpc>
+              <a:spcBef>
+                <a:spcPts val="0"/>
+              </a:spcBef>
+              <a:spcAft>
+                <a:spcPts val="0"/>
+              </a:spcAft>
+              <a:buClrTx/>
+              <a:buSzTx/>
+              <a:buFontTx/>
+              <a:buNone/>
+              <a:tabLst/>
+              <a:defRPr/>
+            </a:pPr>
+            <a:r>
+              <a:rPr lang="fr-FR" b="1" dirty="0" smtClean="0"/>
+              <a:t>Afficher le remote url</a:t>
+            </a:r>
+            <a:r>
+              <a:rPr lang="fr-FR" b="1" baseline="0" dirty="0" smtClean="0"/>
+              <a:t> :</a:t>
+            </a:r>
+            <a:r>
+              <a:rPr lang="fr-FR" dirty="0" smtClean="0"/>
+              <a:t>Git remote –v, git remote show </a:t>
+            </a:r>
+            <a:r>
+              <a:rPr lang="fr-FR" dirty="0" err="1" smtClean="0"/>
+              <a:t>orign</a:t>
+            </a:r>
+            <a:r>
+              <a:rPr lang="fr-FR" dirty="0" smtClean="0"/>
+              <a:t>,</a:t>
+            </a:r>
+            <a:r>
+              <a:rPr lang="fr-FR" sz="1200" kern="1200" dirty="0" smtClean="0">
+                <a:solidFill>
+                  <a:schemeClr val="tx1"/>
+                </a:solidFill>
+                <a:latin typeface="+mn-lt"/>
+                <a:ea typeface="+mn-ea"/>
+                <a:cs typeface="+mn-cs"/>
+              </a:rPr>
+              <a:t> git </a:t>
+            </a:r>
+            <a:r>
+              <a:rPr lang="fr-FR" sz="1200" kern="1200" dirty="0" err="1" smtClean="0">
+                <a:solidFill>
+                  <a:schemeClr val="tx1"/>
+                </a:solidFill>
+                <a:latin typeface="+mn-lt"/>
+                <a:ea typeface="+mn-ea"/>
+                <a:cs typeface="+mn-cs"/>
+              </a:rPr>
+              <a:t>ls</a:t>
+            </a:r>
+            <a:r>
+              <a:rPr lang="fr-FR" sz="1200" kern="1200" dirty="0" smtClean="0">
+                <a:solidFill>
+                  <a:schemeClr val="tx1"/>
+                </a:solidFill>
+                <a:latin typeface="+mn-lt"/>
+                <a:ea typeface="+mn-ea"/>
+                <a:cs typeface="+mn-cs"/>
+              </a:rPr>
+              <a:t>-remote</a:t>
+            </a:r>
+            <a:endParaRPr lang="fr-FR" dirty="0" smtClean="0"/>
+          </a:p>
+          <a:p>
+            <a:r>
+              <a:rPr lang="fr-FR" sz="1200" kern="1200" dirty="0" err="1" smtClean="0">
+                <a:solidFill>
+                  <a:schemeClr val="tx1"/>
+                </a:solidFill>
+                <a:latin typeface="+mn-lt"/>
+                <a:ea typeface="+mn-ea"/>
+                <a:cs typeface="+mn-cs"/>
+              </a:rPr>
+              <a:t>Affciher</a:t>
+            </a:r>
+            <a:r>
+              <a:rPr lang="fr-FR" sz="1200" kern="1200" dirty="0" smtClean="0">
+                <a:solidFill>
+                  <a:schemeClr val="tx1"/>
+                </a:solidFill>
+                <a:latin typeface="+mn-lt"/>
+                <a:ea typeface="+mn-ea"/>
+                <a:cs typeface="+mn-cs"/>
+              </a:rPr>
+              <a:t> une variable git config --</a:t>
+            </a:r>
+            <a:r>
+              <a:rPr lang="fr-FR" sz="1200" kern="1200" dirty="0" err="1" smtClean="0">
+                <a:solidFill>
+                  <a:schemeClr val="tx1"/>
+                </a:solidFill>
+                <a:latin typeface="+mn-lt"/>
+                <a:ea typeface="+mn-ea"/>
+                <a:cs typeface="+mn-cs"/>
+              </a:rPr>
+              <a:t>get</a:t>
+            </a:r>
+            <a:r>
+              <a:rPr lang="fr-FR" sz="1200" kern="1200" dirty="0" smtClean="0">
+                <a:solidFill>
+                  <a:schemeClr val="tx1"/>
+                </a:solidFill>
+                <a:latin typeface="+mn-lt"/>
+                <a:ea typeface="+mn-ea"/>
+                <a:cs typeface="+mn-cs"/>
+              </a:rPr>
+              <a:t> user.name</a:t>
+            </a:r>
+            <a:endParaRPr lang="fr-FR" dirty="0" smtClean="0"/>
+          </a:p>
+          <a:p>
             <a:r>
               <a:rPr lang="fr-FR" dirty="0" smtClean="0"/>
               <a:t>Git</a:t>
@@ -2539,15 +2859,7 @@
           <a:p>
             <a:r>
               <a:rPr lang="fr-FR" baseline="0" dirty="0" smtClean="0"/>
-              <a:t>Git </a:t>
-            </a:r>
-            <a:r>
-              <a:rPr lang="fr-FR" baseline="0" dirty="0" err="1" smtClean="0"/>
-              <a:t>checkout</a:t>
-            </a:r>
-            <a:r>
-              <a:rPr lang="fr-FR" baseline="0" dirty="0" smtClean="0"/>
-              <a:t>: on peut pas le faire avec un fichier supprimé, pour supprimer l’indexation d’une suppression on </a:t>
+              <a:t>Git checkout: on peut pas le faire avec un fichier supprimé, pour supprimer l’indexation d’une suppression on </a:t>
             </a:r>
             <a:r>
               <a:rPr lang="fr-FR" baseline="0" dirty="0" err="1" smtClean="0"/>
@@ -2555,19 +2867,8 @@
             </a:r>
             <a:r>
               <a:rPr lang="fr-FR" baseline="0" dirty="0" smtClean="0"/>
-              <a:t> git restore –</a:t>
-            </a:r>
-            <a:r>
-              <a:rPr lang="fr-FR" baseline="0" dirty="0" err="1" smtClean="0"/>
-              <a:t>stagged</a:t>
-            </a:r>
-            <a:r>
-              <a:rPr lang="fr-FR" baseline="0" dirty="0" smtClean="0"/>
-              <a:t> file</a:t>
-            </a:r>
-            <a:endParaRPr lang="fr-FR" dirty="0" smtClean="0"/>
-          </a:p>
-          <a:p>
+              <a:t> git restore –stagged file</a:t>
+            </a:r>
             <a:endParaRPr lang="fr-FR" dirty="0"/>
           </a:p>
         </p:txBody>
@@ -2598,7 +2899,7 @@
     </p:spTree>
     <p:extLst>
       <p:ext uri="{BB962C8B-B14F-4D97-AF65-F5344CB8AC3E}">
-        <p14:creationId xmlns:p14="http://schemas.microsoft.com/office/powerpoint/2010/main" val="2126714689"/>
+        <p14:creationId xmlns:p14="http://schemas.microsoft.com/office/powerpoint/2010/main" val="3890560028"/>
       </p:ext>
     </p:extLst>
   </p:cSld>
@@ -2671,291 +2972,20 @@
           </a:p>
           <a:p>
             <a:r>
-              <a:rPr lang="fr-FR" dirty="0" smtClean="0"/>
-              <a:t>Git reset –soft</a:t>
-            </a:r>
-            <a:r>
               <a:rPr lang="fr-FR" baseline="0" dirty="0" smtClean="0"/>
-              <a:t> </a:t>
-            </a:r>
-            <a:r>
-              <a:rPr lang="fr-FR" sz="1200" b="1" kern="1200" dirty="0" smtClean="0">
-                <a:solidFill>
-                  <a:schemeClr val="tx1"/>
-                </a:solidFill>
-                <a:effectLst/>
-                <a:latin typeface="+mn-lt"/>
-                <a:ea typeface="+mn-ea"/>
-                <a:cs typeface="+mn-cs"/>
-              </a:rPr>
-              <a:t>HEAD^ : </a:t>
-            </a:r>
-            <a:r>
-              <a:rPr lang="fr-FR" sz="1200" b="1" kern="1200" dirty="0" err="1" smtClean="0">
-                <a:solidFill>
-                  <a:schemeClr val="tx1"/>
-                </a:solidFill>
-                <a:effectLst/>
-                <a:latin typeface="+mn-lt"/>
-                <a:ea typeface="+mn-ea"/>
-                <a:cs typeface="+mn-cs"/>
-              </a:rPr>
-              <a:t>suprime</a:t>
-            </a:r>
-            <a:r>
-              <a:rPr lang="fr-FR" sz="1200" b="1" kern="1200" baseline="0" dirty="0" smtClean="0">
-                <a:solidFill>
-                  <a:schemeClr val="tx1"/>
-                </a:solidFill>
-                <a:effectLst/>
-                <a:latin typeface="+mn-lt"/>
-                <a:ea typeface="+mn-ea"/>
-                <a:cs typeface="+mn-cs"/>
-              </a:rPr>
-              <a:t> le dernier commit et </a:t>
-            </a:r>
-            <a:r>
-              <a:rPr lang="fr-FR" sz="1200" b="1" kern="1200" baseline="0" dirty="0" err="1" smtClean="0">
-                <a:solidFill>
-                  <a:schemeClr val="tx1"/>
-                </a:solidFill>
-                <a:effectLst/>
-                <a:latin typeface="+mn-lt"/>
-                <a:ea typeface="+mn-ea"/>
-                <a:cs typeface="+mn-cs"/>
-              </a:rPr>
-              <a:t>retourn</a:t>
-            </a:r>
-            <a:r>
-              <a:rPr lang="fr-FR" sz="1200" b="1" kern="1200" baseline="0" dirty="0" smtClean="0">
-                <a:solidFill>
-                  <a:schemeClr val="tx1"/>
-                </a:solidFill>
-                <a:effectLst/>
-                <a:latin typeface="+mn-lt"/>
-                <a:ea typeface="+mn-ea"/>
-                <a:cs typeface="+mn-cs"/>
-              </a:rPr>
-              <a:t> a </a:t>
-            </a:r>
-            <a:r>
-              <a:rPr lang="fr-FR" sz="1200" b="1" kern="1200" baseline="0" dirty="0" err="1" smtClean="0">
-                <a:solidFill>
-                  <a:schemeClr val="tx1"/>
-                </a:solidFill>
-                <a:effectLst/>
-                <a:latin typeface="+mn-lt"/>
-                <a:ea typeface="+mn-ea"/>
-                <a:cs typeface="+mn-cs"/>
-              </a:rPr>
-              <a:t>etat</a:t>
-            </a:r>
-            <a:r>
-              <a:rPr lang="fr-FR" sz="1200" b="1" kern="1200" baseline="0" dirty="0" smtClean="0">
-                <a:solidFill>
-                  <a:schemeClr val="tx1"/>
-                </a:solidFill>
-                <a:effectLst/>
-                <a:latin typeface="+mn-lt"/>
-                <a:ea typeface="+mn-ea"/>
-                <a:cs typeface="+mn-cs"/>
-              </a:rPr>
-              <a:t> staged </a:t>
-            </a:r>
-          </a:p>
-          <a:p>
-            <a:r>
-              <a:rPr lang="fr-FR" dirty="0" smtClean="0"/>
-              <a:t>Git reset </a:t>
-            </a:r>
-            <a:r>
-              <a:rPr lang="fr-FR" sz="1200" b="1" kern="1200" dirty="0" smtClean="0">
-                <a:solidFill>
-                  <a:schemeClr val="tx1"/>
-                </a:solidFill>
-                <a:effectLst/>
-                <a:latin typeface="+mn-lt"/>
-                <a:ea typeface="+mn-ea"/>
-                <a:cs typeface="+mn-cs"/>
-              </a:rPr>
-              <a:t>HEAD^:</a:t>
-            </a:r>
-            <a:r>
-              <a:rPr lang="fr-FR" sz="1200" b="1" kern="1200" baseline="0" dirty="0" smtClean="0">
-                <a:solidFill>
-                  <a:schemeClr val="tx1"/>
-                </a:solidFill>
-                <a:effectLst/>
-                <a:latin typeface="+mn-lt"/>
-                <a:ea typeface="+mn-ea"/>
-                <a:cs typeface="+mn-cs"/>
-              </a:rPr>
-              <a:t> mixed par </a:t>
-            </a:r>
-            <a:r>
-              <a:rPr lang="fr-FR" sz="1200" b="1" kern="1200" baseline="0" dirty="0" err="1" smtClean="0">
-                <a:solidFill>
-                  <a:schemeClr val="tx1"/>
-                </a:solidFill>
-                <a:effectLst/>
-                <a:latin typeface="+mn-lt"/>
-                <a:ea typeface="+mn-ea"/>
-                <a:cs typeface="+mn-cs"/>
-              </a:rPr>
-              <a:t>defaut</a:t>
-            </a:r>
-            <a:r>
-              <a:rPr lang="fr-FR" sz="1200" b="1" kern="1200" baseline="0" dirty="0" smtClean="0">
-                <a:solidFill>
-                  <a:schemeClr val="tx1"/>
-                </a:solidFill>
-                <a:effectLst/>
-                <a:latin typeface="+mn-lt"/>
-                <a:ea typeface="+mn-ea"/>
-                <a:cs typeface="+mn-cs"/>
-              </a:rPr>
-              <a:t> </a:t>
-            </a:r>
-            <a:r>
-              <a:rPr lang="fr-FR" sz="1200" b="1" kern="1200" dirty="0" err="1" smtClean="0">
-                <a:solidFill>
-                  <a:schemeClr val="tx1"/>
-                </a:solidFill>
-                <a:effectLst/>
-                <a:latin typeface="+mn-lt"/>
-                <a:ea typeface="+mn-ea"/>
-                <a:cs typeface="+mn-cs"/>
-              </a:rPr>
-              <a:t>suprime</a:t>
-            </a:r>
-            <a:r>
-              <a:rPr lang="fr-FR" sz="1200" b="1" kern="1200" baseline="0" dirty="0" smtClean="0">
-                <a:solidFill>
-                  <a:schemeClr val="tx1"/>
-                </a:solidFill>
-                <a:effectLst/>
-                <a:latin typeface="+mn-lt"/>
-                <a:ea typeface="+mn-ea"/>
-                <a:cs typeface="+mn-cs"/>
-              </a:rPr>
-              <a:t> le dernier commit  et retourne à l’</a:t>
-            </a:r>
-            <a:r>
-              <a:rPr lang="fr-FR" sz="1200" b="1" kern="1200" baseline="0" dirty="0" err="1" smtClean="0">
-                <a:solidFill>
-                  <a:schemeClr val="tx1"/>
-                </a:solidFill>
-                <a:effectLst/>
-                <a:latin typeface="+mn-lt"/>
-                <a:ea typeface="+mn-ea"/>
-                <a:cs typeface="+mn-cs"/>
-              </a:rPr>
-              <a:t>etat</a:t>
-            </a:r>
-            <a:r>
-              <a:rPr lang="fr-FR" sz="1200" b="1" kern="1200" baseline="0" dirty="0" smtClean="0">
-                <a:solidFill>
-                  <a:schemeClr val="tx1"/>
-                </a:solidFill>
-                <a:effectLst/>
-                <a:latin typeface="+mn-lt"/>
-                <a:ea typeface="+mn-ea"/>
-                <a:cs typeface="+mn-cs"/>
-              </a:rPr>
-              <a:t> </a:t>
-            </a:r>
-            <a:r>
-              <a:rPr lang="fr-FR" sz="1200" b="1" kern="1200" baseline="0" dirty="0" err="1" smtClean="0">
-                <a:solidFill>
-                  <a:schemeClr val="tx1"/>
-                </a:solidFill>
-                <a:effectLst/>
-                <a:latin typeface="+mn-lt"/>
-                <a:ea typeface="+mn-ea"/>
-                <a:cs typeface="+mn-cs"/>
-              </a:rPr>
-              <a:t>unsatagé</a:t>
+              <a:t>Git checkout: on peut pas le faire avec un fichier supprimé, pour supprimer l’indexation d’une suppression on </a:t>
+            </a:r>
+            <a:r>
+              <a:rPr lang="fr-FR" baseline="0" dirty="0" err="1" smtClean="0"/>
+              <a:t>fair</a:t>
+            </a:r>
+            <a:r>
+              <a:rPr lang="fr-FR" baseline="0" dirty="0" smtClean="0"/>
+              <a:t> git restore –stagged file</a:t>
             </a:r>
             <a:endParaRPr lang="fr-FR" dirty="0" smtClean="0"/>
           </a:p>
           <a:p>
-            <a:pPr marL="0" marR="0" lvl="0" indent="0" algn="l" defTabSz="914400" rtl="0" eaLnBrk="1" fontAlgn="auto" latinLnBrk="0" hangingPunct="1">
-              <a:lnSpc>
-                <a:spcPct val="100000"/>
-              </a:lnSpc>
-              <a:spcBef>
-                <a:spcPts val="0"/>
-              </a:spcBef>
-              <a:spcAft>
-                <a:spcPts val="0"/>
-              </a:spcAft>
-              <a:buClrTx/>
-              <a:buSzTx/>
-              <a:buFontTx/>
-              <a:buNone/>
-              <a:tabLst/>
-              <a:defRPr/>
-            </a:pPr>
-            <a:r>
-              <a:rPr lang="fr-FR" dirty="0" smtClean="0"/>
-              <a:t>Git reset –hard  </a:t>
-            </a:r>
-            <a:r>
-              <a:rPr lang="fr-FR" sz="1200" b="1" kern="1200" dirty="0" smtClean="0">
-                <a:solidFill>
-                  <a:schemeClr val="tx1"/>
-                </a:solidFill>
-                <a:effectLst/>
-                <a:latin typeface="+mn-lt"/>
-                <a:ea typeface="+mn-ea"/>
-                <a:cs typeface="+mn-cs"/>
-              </a:rPr>
-              <a:t>HEAD^: </a:t>
-            </a:r>
-            <a:r>
-              <a:rPr lang="fr-FR" sz="1200" b="1" kern="1200" dirty="0" err="1" smtClean="0">
-                <a:solidFill>
-                  <a:schemeClr val="tx1"/>
-                </a:solidFill>
-                <a:effectLst/>
-                <a:latin typeface="+mn-lt"/>
-                <a:ea typeface="+mn-ea"/>
-                <a:cs typeface="+mn-cs"/>
-              </a:rPr>
-              <a:t>suprime</a:t>
-            </a:r>
-            <a:r>
-              <a:rPr lang="fr-FR" sz="1200" b="1" kern="1200" baseline="0" dirty="0" smtClean="0">
-                <a:solidFill>
-                  <a:schemeClr val="tx1"/>
-                </a:solidFill>
-                <a:effectLst/>
-                <a:latin typeface="+mn-lt"/>
-                <a:ea typeface="+mn-ea"/>
-                <a:cs typeface="+mn-cs"/>
-              </a:rPr>
-              <a:t> le dernier commit  et supprime les modification</a:t>
-            </a:r>
-            <a:endParaRPr lang="fr-FR" dirty="0" smtClean="0"/>
-          </a:p>
-          <a:p>
-            <a:pPr marL="0" marR="0" lvl="0" indent="0" algn="l" defTabSz="914400" rtl="0" eaLnBrk="1" fontAlgn="auto" latinLnBrk="0" hangingPunct="1">
-              <a:lnSpc>
-                <a:spcPct val="100000"/>
-              </a:lnSpc>
-              <a:spcBef>
-                <a:spcPts val="0"/>
-              </a:spcBef>
-              <a:spcAft>
-                <a:spcPts val="0"/>
-              </a:spcAft>
-              <a:buClrTx/>
-              <a:buSzTx/>
-              <a:buFontTx/>
-              <a:buNone/>
-              <a:tabLst/>
-              <a:defRPr/>
-            </a:pPr>
             <a:endParaRPr lang="fr-FR" dirty="0"/>
           </a:p>
         </p:txBody>
@@ -2986,7 +3016,7 @@
     </p:spTree>
     <p:extLst>
       <p:ext uri="{BB962C8B-B14F-4D97-AF65-F5344CB8AC3E}">
-        <p14:creationId xmlns:p14="http://schemas.microsoft.com/office/powerpoint/2010/main" val="809342340"/>
+        <p14:creationId xmlns:p14="http://schemas.microsoft.com/office/powerpoint/2010/main" val="2126714689"/>
       </p:ext>
     </p:extLst>
   </p:cSld>
@@ -3040,6 +3070,233 @@
           <a:bodyPr/>
           <a:lstStyle/>
           <a:p>
+            <a:r>
+              <a:rPr lang="fr-FR" dirty="0" smtClean="0"/>
+              <a:t>Git</a:t>
+            </a:r>
+            <a:r>
+              <a:rPr lang="fr-FR" baseline="0" dirty="0" smtClean="0"/>
+              <a:t> status affiche (non </a:t>
+            </a:r>
+            <a:r>
+              <a:rPr lang="fr-FR" baseline="0" dirty="0" err="1" smtClean="0"/>
+              <a:t>track</a:t>
+            </a:r>
+            <a:r>
+              <a:rPr lang="fr-FR" baseline="0" dirty="0" smtClean="0"/>
+              <a:t> ,indexé ,non indexé)</a:t>
+            </a:r>
+          </a:p>
+          <a:p>
+            <a:r>
+              <a:rPr lang="fr-FR" dirty="0" smtClean="0"/>
+              <a:t>Git reset –soft</a:t>
+            </a:r>
+            <a:r>
+              <a:rPr lang="fr-FR" baseline="0" dirty="0" smtClean="0"/>
+              <a:t> </a:t>
+            </a:r>
+            <a:r>
+              <a:rPr lang="fr-FR" sz="1200" b="1" kern="1200" dirty="0" smtClean="0">
+                <a:solidFill>
+                  <a:schemeClr val="tx1"/>
+                </a:solidFill>
+                <a:effectLst/>
+                <a:latin typeface="+mn-lt"/>
+                <a:ea typeface="+mn-ea"/>
+                <a:cs typeface="+mn-cs"/>
+              </a:rPr>
+              <a:t>HEAD^ : </a:t>
+            </a:r>
+            <a:r>
+              <a:rPr lang="fr-FR" sz="1200" b="1" kern="1200" dirty="0" err="1" smtClean="0">
+                <a:solidFill>
+                  <a:schemeClr val="tx1"/>
+                </a:solidFill>
+                <a:effectLst/>
+                <a:latin typeface="+mn-lt"/>
+                <a:ea typeface="+mn-ea"/>
+                <a:cs typeface="+mn-cs"/>
+              </a:rPr>
+              <a:t>suprime</a:t>
+            </a:r>
+            <a:r>
+              <a:rPr lang="fr-FR" sz="1200" b="1" kern="1200" baseline="0" dirty="0" smtClean="0">
+                <a:solidFill>
+                  <a:schemeClr val="tx1"/>
+                </a:solidFill>
+                <a:effectLst/>
+                <a:latin typeface="+mn-lt"/>
+                <a:ea typeface="+mn-ea"/>
+                <a:cs typeface="+mn-cs"/>
+              </a:rPr>
+              <a:t> le dernier commit et </a:t>
+            </a:r>
+            <a:r>
+              <a:rPr lang="fr-FR" sz="1200" b="1" kern="1200" baseline="0" dirty="0" err="1" smtClean="0">
+                <a:solidFill>
+                  <a:schemeClr val="tx1"/>
+                </a:solidFill>
+                <a:effectLst/>
+                <a:latin typeface="+mn-lt"/>
+                <a:ea typeface="+mn-ea"/>
+                <a:cs typeface="+mn-cs"/>
+              </a:rPr>
+              <a:t>retourn</a:t>
+            </a:r>
+            <a:r>
+              <a:rPr lang="fr-FR" sz="1200" b="1" kern="1200" baseline="0" dirty="0" smtClean="0">
+                <a:solidFill>
+                  <a:schemeClr val="tx1"/>
+                </a:solidFill>
+                <a:effectLst/>
+                <a:latin typeface="+mn-lt"/>
+                <a:ea typeface="+mn-ea"/>
+                <a:cs typeface="+mn-cs"/>
+              </a:rPr>
+              <a:t> a </a:t>
+            </a:r>
+            <a:r>
+              <a:rPr lang="fr-FR" sz="1200" b="1" kern="1200" baseline="0" dirty="0" err="1" smtClean="0">
+                <a:solidFill>
+                  <a:schemeClr val="tx1"/>
+                </a:solidFill>
+                <a:effectLst/>
+                <a:latin typeface="+mn-lt"/>
+                <a:ea typeface="+mn-ea"/>
+                <a:cs typeface="+mn-cs"/>
+              </a:rPr>
+              <a:t>etat</a:t>
+            </a:r>
+            <a:r>
+              <a:rPr lang="fr-FR" sz="1200" b="1" kern="1200" baseline="0" dirty="0" smtClean="0">
+                <a:solidFill>
+                  <a:schemeClr val="tx1"/>
+                </a:solidFill>
+                <a:effectLst/>
+                <a:latin typeface="+mn-lt"/>
+                <a:ea typeface="+mn-ea"/>
+                <a:cs typeface="+mn-cs"/>
+              </a:rPr>
+              <a:t> staged </a:t>
+            </a:r>
+          </a:p>
+          <a:p>
+            <a:r>
+              <a:rPr lang="fr-FR" dirty="0" smtClean="0"/>
+              <a:t>Git reset </a:t>
+            </a:r>
+            <a:r>
+              <a:rPr lang="fr-FR" sz="1200" b="1" kern="1200" dirty="0" smtClean="0">
+                <a:solidFill>
+                  <a:schemeClr val="tx1"/>
+                </a:solidFill>
+                <a:effectLst/>
+                <a:latin typeface="+mn-lt"/>
+                <a:ea typeface="+mn-ea"/>
+                <a:cs typeface="+mn-cs"/>
+              </a:rPr>
+              <a:t>HEAD^:</a:t>
+            </a:r>
+            <a:r>
+              <a:rPr lang="fr-FR" sz="1200" b="1" kern="1200" baseline="0" dirty="0" smtClean="0">
+                <a:solidFill>
+                  <a:schemeClr val="tx1"/>
+                </a:solidFill>
+                <a:effectLst/>
+                <a:latin typeface="+mn-lt"/>
+                <a:ea typeface="+mn-ea"/>
+                <a:cs typeface="+mn-cs"/>
+              </a:rPr>
+              <a:t> mixed par </a:t>
+            </a:r>
+            <a:r>
+              <a:rPr lang="fr-FR" sz="1200" b="1" kern="1200" baseline="0" dirty="0" err="1" smtClean="0">
+                <a:solidFill>
+                  <a:schemeClr val="tx1"/>
+                </a:solidFill>
+                <a:effectLst/>
+                <a:latin typeface="+mn-lt"/>
+                <a:ea typeface="+mn-ea"/>
+                <a:cs typeface="+mn-cs"/>
+              </a:rPr>
+              <a:t>defaut</a:t>
+            </a:r>
+            <a:r>
+              <a:rPr lang="fr-FR" sz="1200" b="1" kern="1200" baseline="0" dirty="0" smtClean="0">
+                <a:solidFill>
+                  <a:schemeClr val="tx1"/>
+                </a:solidFill>
+                <a:effectLst/>
+                <a:latin typeface="+mn-lt"/>
+                <a:ea typeface="+mn-ea"/>
+                <a:cs typeface="+mn-cs"/>
+              </a:rPr>
+              <a:t> </a:t>
+            </a:r>
+            <a:r>
+              <a:rPr lang="fr-FR" sz="1200" b="1" kern="1200" dirty="0" err="1" smtClean="0">
+                <a:solidFill>
+                  <a:schemeClr val="tx1"/>
+                </a:solidFill>
+                <a:effectLst/>
+                <a:latin typeface="+mn-lt"/>
+                <a:ea typeface="+mn-ea"/>
+                <a:cs typeface="+mn-cs"/>
+              </a:rPr>
+              <a:t>suprime</a:t>
+            </a:r>
+            <a:r>
+              <a:rPr lang="fr-FR" sz="1200" b="1" kern="1200" baseline="0" dirty="0" smtClean="0">
+                <a:solidFill>
+                  <a:schemeClr val="tx1"/>
+                </a:solidFill>
+                <a:effectLst/>
+                <a:latin typeface="+mn-lt"/>
+                <a:ea typeface="+mn-ea"/>
+                <a:cs typeface="+mn-cs"/>
+              </a:rPr>
+              <a:t> le dernier commit  et retourne à l’</a:t>
+            </a:r>
+            <a:r>
+              <a:rPr lang="fr-FR" sz="1200" b="1" kern="1200" baseline="0" dirty="0" err="1" smtClean="0">
+                <a:solidFill>
+                  <a:schemeClr val="tx1"/>
+                </a:solidFill>
+                <a:effectLst/>
+                <a:latin typeface="+mn-lt"/>
+                <a:ea typeface="+mn-ea"/>
+                <a:cs typeface="+mn-cs"/>
+              </a:rPr>
+              <a:t>etat</a:t>
+            </a:r>
+            <a:r>
+              <a:rPr lang="fr-FR" sz="1200" b="1" kern="1200" baseline="0" dirty="0" smtClean="0">
+                <a:solidFill>
+                  <a:schemeClr val="tx1"/>
+                </a:solidFill>
+                <a:effectLst/>
+                <a:latin typeface="+mn-lt"/>
+                <a:ea typeface="+mn-ea"/>
+                <a:cs typeface="+mn-cs"/>
+              </a:rPr>
+              <a:t> </a:t>
+            </a:r>
+            <a:r>
+              <a:rPr lang="fr-FR" sz="1200" b="1" kern="1200" baseline="0" dirty="0" err="1" smtClean="0">
+                <a:solidFill>
+                  <a:schemeClr val="tx1"/>
+                </a:solidFill>
+                <a:effectLst/>
+                <a:latin typeface="+mn-lt"/>
+                <a:ea typeface="+mn-ea"/>
+                <a:cs typeface="+mn-cs"/>
+              </a:rPr>
+              <a:t>unsatagé</a:t>
+            </a:r>
+            <a:endParaRPr lang="fr-FR" dirty="0" smtClean="0"/>
+          </a:p>
+          <a:p>
             <a:pPr marL="0" marR="0" lvl="0" indent="0" algn="l" defTabSz="914400" rtl="0" eaLnBrk="1" fontAlgn="auto" latinLnBrk="0" hangingPunct="1">
               <a:lnSpc>
                 <a:spcPct val="100000"/>
@@ -3059,26 +3316,10 @@
             </a:pPr>
             <a:r>
               <a:rPr lang="fr-FR" dirty="0" smtClean="0"/>
-              <a:t>git </a:t>
-            </a:r>
-            <a:r>
-              <a:rPr lang="fr-FR" dirty="0" err="1" smtClean="0"/>
-              <a:t>checkout</a:t>
-            </a:r>
-            <a:r>
-              <a:rPr lang="fr-FR" dirty="0" smtClean="0"/>
-              <a:t> « </a:t>
-            </a:r>
-            <a:r>
-              <a:rPr lang="fr-FR" dirty="0" err="1" smtClean="0"/>
-              <a:t>commit_hash</a:t>
-            </a:r>
-            <a:r>
-              <a:rPr lang="fr-FR" dirty="0" smtClean="0"/>
-              <a:t> » :</a:t>
-            </a:r>
-            <a:r>
-              <a:rPr lang="fr-FR" sz="1200" kern="1200" dirty="0" smtClean="0">
+              <a:t>Git reset –hard  </a:t>
+            </a:r>
+            <a:r>
+              <a:rPr lang="fr-FR" sz="1200" b="1" kern="1200" dirty="0" smtClean="0">
                 <a:solidFill>
                   <a:schemeClr val="tx1"/>
                 </a:solidFill>
@@ -3087,10 +3328,10 @@
                 <a:ea typeface="+mn-ea"/>
                 <a:cs typeface="+mn-cs"/>
               </a:rPr>
-              <a:t>voir le fichier comment il est avant ce commit,</a:t>
-            </a:r>
-            <a:r>
-              <a:rPr lang="fr-FR" sz="1200" kern="1200" baseline="0" dirty="0" smtClean="0">
+              <a:t>HEAD^: </a:t>
+            </a:r>
+            <a:r>
+              <a:rPr lang="fr-FR" sz="1200" b="1" kern="1200" dirty="0" err="1" smtClean="0">
                 <a:solidFill>
                   <a:schemeClr val="tx1"/>
                 </a:solidFill>
@@ -3099,10 +3340,10 @@
                 <a:ea typeface="+mn-ea"/>
                 <a:cs typeface="+mn-cs"/>
               </a:rPr>
-              <a:t> il va déplacer le </a:t>
-            </a:r>
-            <a:r>
-              <a:rPr lang="fr-FR" sz="1200" kern="1200" baseline="0" dirty="0" err="1" smtClean="0">
+              <a:t>suprime</a:t>
+            </a:r>
+            <a:r>
+              <a:rPr lang="fr-FR" sz="1200" b="1" kern="1200" baseline="0" dirty="0" smtClean="0">
                 <a:solidFill>
                   <a:schemeClr val="tx1"/>
                 </a:solidFill>
@@ -3111,29 +3352,9 @@
                 <a:ea typeface="+mn-ea"/>
                 <a:cs typeface="+mn-cs"/>
               </a:rPr>
-              <a:t>ponteur</a:t>
-            </a:r>
-            <a:r>
-              <a:rPr lang="fr-FR" sz="1200" kern="1200" baseline="0" dirty="0" smtClean="0">
-                <a:solidFill>
-                  <a:schemeClr val="tx1"/>
-                </a:solidFill>
-                <a:effectLst/>
-                <a:latin typeface="+mn-lt"/>
-                <a:ea typeface="+mn-ea"/>
-                <a:cs typeface="+mn-cs"/>
-              </a:rPr>
-              <a:t> HEAD à cette commit</a:t>
-            </a:r>
-            <a:endParaRPr lang="fr-FR" sz="1200" kern="1200" dirty="0" smtClean="0">
-              <a:solidFill>
-                <a:schemeClr val="tx1"/>
-              </a:solidFill>
-              <a:effectLst/>
-              <a:latin typeface="+mn-lt"/>
-              <a:ea typeface="+mn-ea"/>
-              <a:cs typeface="+mn-cs"/>
-            </a:endParaRPr>
+              <a:t> le dernier commit  et supprime les modification</a:t>
+            </a:r>
+            <a:endParaRPr lang="fr-FR" dirty="0" smtClean="0"/>
           </a:p>
           <a:p>
             <a:pPr marL="0" marR="0" lvl="0" indent="0" algn="l" defTabSz="914400" rtl="0" eaLnBrk="1" fontAlgn="auto" latinLnBrk="0" hangingPunct="1">
@@ -3153,135 +3374,6 @@
               <a:tabLst/>
               <a:defRPr/>
             </a:pPr>
-            <a:r>
-              <a:rPr lang="fr-FR" sz="1200" kern="1200" dirty="0" err="1" smtClean="0">
-                <a:solidFill>
-                  <a:schemeClr val="tx1"/>
-                </a:solidFill>
-                <a:effectLst/>
-                <a:latin typeface="+mn-lt"/>
-                <a:ea typeface="+mn-ea"/>
-                <a:cs typeface="+mn-cs"/>
-              </a:rPr>
-              <a:t>Revert</a:t>
-            </a:r>
-            <a:r>
-              <a:rPr lang="fr-FR" sz="1200" kern="1200" dirty="0" smtClean="0">
-                <a:solidFill>
-                  <a:schemeClr val="tx1"/>
-                </a:solidFill>
-                <a:effectLst/>
-                <a:latin typeface="+mn-lt"/>
-                <a:ea typeface="+mn-ea"/>
-                <a:cs typeface="+mn-cs"/>
-              </a:rPr>
-              <a:t> :</a:t>
-            </a:r>
-            <a:r>
-              <a:rPr lang="fr-FR" sz="1200" dirty="0" err="1" smtClean="0"/>
-              <a:t>revert</a:t>
-            </a:r>
-            <a:r>
-              <a:rPr lang="fr-FR" sz="1200" dirty="0" smtClean="0"/>
-              <a:t> et ajouté à l’historique</a:t>
-            </a:r>
-          </a:p>
-          <a:p>
-            <a:pPr marL="0" marR="0" lvl="0" indent="0" algn="l" defTabSz="914400" rtl="0" eaLnBrk="1" fontAlgn="auto" latinLnBrk="0" hangingPunct="1">
-              <a:lnSpc>
-                <a:spcPct val="100000"/>
-              </a:lnSpc>
-              <a:spcBef>
-                <a:spcPts val="0"/>
-              </a:spcBef>
-              <a:spcAft>
-                <a:spcPts val="0"/>
-              </a:spcAft>
-              <a:buClrTx/>
-              <a:buSzTx/>
-              <a:buFontTx/>
-              <a:buNone/>
-              <a:tabLst/>
-              <a:defRPr/>
-            </a:pPr>
-            <a:r>
-              <a:rPr lang="fr-FR" sz="1200" kern="1200" dirty="0" err="1" smtClean="0">
-                <a:solidFill>
-                  <a:schemeClr val="tx1"/>
-                </a:solidFill>
-                <a:effectLst/>
-                <a:latin typeface="+mn-lt"/>
-                <a:ea typeface="+mn-ea"/>
-                <a:cs typeface="+mn-cs"/>
-              </a:rPr>
-              <a:t>Blame</a:t>
-            </a:r>
-            <a:r>
-              <a:rPr lang="fr-FR" sz="1200" kern="1200" dirty="0" smtClean="0">
-                <a:solidFill>
-                  <a:schemeClr val="tx1"/>
-                </a:solidFill>
-                <a:effectLst/>
-                <a:latin typeface="+mn-lt"/>
-                <a:ea typeface="+mn-ea"/>
-                <a:cs typeface="+mn-cs"/>
-              </a:rPr>
-              <a:t>:</a:t>
-            </a:r>
-            <a:r>
-              <a:rPr lang="fr-FR" sz="1200" kern="1200" baseline="0" dirty="0" smtClean="0">
-                <a:solidFill>
-                  <a:schemeClr val="tx1"/>
-                </a:solidFill>
-                <a:effectLst/>
-                <a:latin typeface="+mn-lt"/>
-                <a:ea typeface="+mn-ea"/>
-                <a:cs typeface="+mn-cs"/>
-              </a:rPr>
-              <a:t> commande de  débogage ajout des annotation a chaque ligne de fichier avec les métadonnées du dénier utilisateur qui modifier la ligne plus  la date de ce commit.</a:t>
-            </a:r>
-          </a:p>
-          <a:p>
-            <a:pPr marL="0" marR="0" lvl="0" indent="0" algn="l" defTabSz="914400" rtl="0" eaLnBrk="1" fontAlgn="auto" latinLnBrk="0" hangingPunct="1">
-              <a:lnSpc>
-                <a:spcPct val="100000"/>
-              </a:lnSpc>
-              <a:spcBef>
-                <a:spcPts val="0"/>
-              </a:spcBef>
-              <a:spcAft>
-                <a:spcPts val="0"/>
-              </a:spcAft>
-              <a:buClrTx/>
-              <a:buSzTx/>
-              <a:buFontTx/>
-              <a:buNone/>
-              <a:tabLst/>
-              <a:defRPr/>
-            </a:pPr>
-            <a:r>
-              <a:rPr lang="fr-FR" sz="1200" kern="1200" baseline="0" dirty="0" smtClean="0">
-                <a:solidFill>
-                  <a:schemeClr val="tx1"/>
-                </a:solidFill>
-                <a:effectLst/>
-                <a:latin typeface="+mn-lt"/>
-                <a:ea typeface="+mn-ea"/>
-                <a:cs typeface="+mn-cs"/>
-              </a:rPr>
-              <a:t>Sans pas en ordre chronologique</a:t>
-            </a:r>
-            <a:endParaRPr lang="fr-FR" sz="1200" kern="1200" dirty="0" smtClean="0">
-              <a:solidFill>
-                <a:schemeClr val="tx1"/>
-              </a:solidFill>
-              <a:effectLst/>
-              <a:latin typeface="+mn-lt"/>
-              <a:ea typeface="+mn-ea"/>
-              <a:cs typeface="+mn-cs"/>
-            </a:endParaRPr>
-          </a:p>
-          <a:p>
             <a:endParaRPr lang="fr-FR" dirty="0"/>
           </a:p>
         </p:txBody>
@@ -3312,7 +3404,7 @@
     </p:spTree>
     <p:extLst>
       <p:ext uri="{BB962C8B-B14F-4D97-AF65-F5344CB8AC3E}">
-        <p14:creationId xmlns:p14="http://schemas.microsoft.com/office/powerpoint/2010/main" val="1616214430"/>
+        <p14:creationId xmlns:p14="http://schemas.microsoft.com/office/powerpoint/2010/main" val="809342340"/>
       </p:ext>
     </p:extLst>
   </p:cSld>
@@ -3453,7 +3545,7 @@
           <a:p>
             <a:fld id="{0A206D1B-E756-4A82-9838-551DE185C738}" type="datetimeFigureOut">
               <a:rPr lang="fr-FR" smtClean="0"/>
-              <a:t>15/11/2022</a:t>
+              <a:t>16/11/2022</a:t>
             </a:fld>
             <a:endParaRPr lang="fr-FR"/>
           </a:p>
@@ -3623,7 +3715,7 @@
           <a:p>
             <a:fld id="{0A206D1B-E756-4A82-9838-551DE185C738}" type="datetimeFigureOut">
               <a:rPr lang="fr-FR" smtClean="0"/>
-              <a:t>15/11/2022</a:t>
+              <a:t>16/11/2022</a:t>
             </a:fld>
             <a:endParaRPr lang="fr-FR"/>
           </a:p>
@@ -3803,7 +3895,7 @@
           <a:p>
             <a:fld id="{0A206D1B-E756-4A82-9838-551DE185C738}" type="datetimeFigureOut">
               <a:rPr lang="fr-FR" smtClean="0"/>
-              <a:t>15/11/2022</a:t>
+              <a:t>16/11/2022</a:t>
             </a:fld>
             <a:endParaRPr lang="fr-FR"/>
           </a:p>
@@ -3973,7 +4065,7 @@
           <a:p>
             <a:fld id="{0A206D1B-E756-4A82-9838-551DE185C738}" type="datetimeFigureOut">
               <a:rPr lang="fr-FR" smtClean="0"/>
-              <a:t>15/11/2022</a:t>
+              <a:t>16/11/2022</a:t>
             </a:fld>
             <a:endParaRPr lang="fr-FR"/>
           </a:p>
@@ -4219,7 +4311,7 @@
           <a:p>
             <a:fld id="{0A206D1B-E756-4A82-9838-551DE185C738}" type="datetimeFigureOut">
               <a:rPr lang="fr-FR" smtClean="0"/>
-              <a:t>15/11/2022</a:t>
+              <a:t>16/11/2022</a:t>
             </a:fld>
             <a:endParaRPr lang="fr-FR"/>
           </a:p>
@@ -4451,7 +4543,7 @@
           <a:p>
             <a:fld id="{0A206D1B-E756-4A82-9838-551DE185C738}" type="datetimeFigureOut">
               <a:rPr lang="fr-FR" smtClean="0"/>
-              <a:t>15/11/2022</a:t>
+              <a:t>16/11/2022</a:t>
             </a:fld>
             <a:endParaRPr lang="fr-FR"/>
           </a:p>
@@ -4818,7 +4910,7 @@
           <a:p>
             <a:fld id="{0A206D1B-E756-4A82-9838-551DE185C738}" type="datetimeFigureOut">
               <a:rPr lang="fr-FR" smtClean="0"/>
-              <a:t>15/11/2022</a:t>
+              <a:t>16/11/2022</a:t>
             </a:fld>
             <a:endParaRPr lang="fr-FR"/>
           </a:p>
@@ -4936,7 +5028,7 @@
           <a:p>
             <a:fld id="{0A206D1B-E756-4A82-9838-551DE185C738}" type="datetimeFigureOut">
               <a:rPr lang="fr-FR" smtClean="0"/>
-              <a:t>15/11/2022</a:t>
+              <a:t>16/11/2022</a:t>
             </a:fld>
             <a:endParaRPr lang="fr-FR"/>
           </a:p>
@@ -5031,7 +5123,7 @@
           <a:p>
             <a:fld id="{0A206D1B-E756-4A82-9838-551DE185C738}" type="datetimeFigureOut">
               <a:rPr lang="fr-FR" smtClean="0"/>
-              <a:t>15/11/2022</a:t>
+              <a:t>16/11/2022</a:t>
             </a:fld>
             <a:endParaRPr lang="fr-FR"/>
           </a:p>
@@ -5308,7 +5400,7 @@
           <a:p>
             <a:fld id="{0A206D1B-E756-4A82-9838-551DE185C738}" type="datetimeFigureOut">
               <a:rPr lang="fr-FR" smtClean="0"/>
-              <a:t>15/11/2022</a:t>
+              <a:t>16/11/2022</a:t>
             </a:fld>
             <a:endParaRPr lang="fr-FR"/>
           </a:p>
@@ -5561,7 +5653,7 @@
           <a:p>
             <a:fld id="{0A206D1B-E756-4A82-9838-551DE185C738}" type="datetimeFigureOut">
               <a:rPr lang="fr-FR" smtClean="0"/>
-              <a:t>15/11/2022</a:t>
+              <a:t>16/11/2022</a:t>
             </a:fld>
             <a:endParaRPr lang="fr-FR"/>
           </a:p>
@@ -5774,7 +5866,7 @@
           <a:p>
             <a:fld id="{0A206D1B-E756-4A82-9838-551DE185C738}" type="datetimeFigureOut">
               <a:rPr lang="fr-FR" smtClean="0"/>
-              <a:t>15/11/2022</a:t>
+              <a:t>16/11/2022</a:t>
             </a:fld>
             <a:endParaRPr lang="fr-FR"/>
           </a:p>
@@ -6220,7 +6312,7 @@
         </p:nvSpPr>
         <p:spPr>
           <a:xfrm>
-            <a:off x="279634" y="1168523"/>
+            <a:off x="244008" y="1168523"/>
             <a:ext cx="11807687" cy="5689477"/>
           </a:xfrm>
         </p:spPr>
@@ -6257,14 +6349,12 @@
             </a:r>
             <a:r>
               <a:rPr lang="fr-FR" dirty="0"/>
-              <a:t>une catégorie de logiciel(outils)  qui aident à enregistrer les modifications  apportées aux fichiers sur une période de temps en gardant une trace des modifications  apportées  au code,</a:t>
-            </a:r>
-          </a:p>
-          <a:p>
-            <a:pPr marL="571500" indent="-571500">
-              <a:buFont typeface="+mj-lt"/>
-              <a:buAutoNum type="romanUcPeriod"/>
-            </a:pPr>
+              <a:t>une catégorie de logiciel(outils)  qui aident à enregistrer les modifications  apportées aux fichiers sur une période de temps en gardant une trace des modifications  apportées  au code</a:t>
+            </a:r>
+            <a:r>
+              <a:rPr lang="fr-FR" dirty="0" smtClean="0"/>
+              <a:t>,</a:t>
+            </a:r>
             <a:endParaRPr lang="fr-FR" dirty="0" smtClean="0"/>
           </a:p>
           <a:p>
@@ -6289,8 +6379,17 @@
             </a:r>
             <a:r>
               <a:rPr lang="fr-FR" dirty="0"/>
-              <a:t>e travailler en équipe(travail en parallèle)</a:t>
-            </a:r>
+              <a:t>e travailler en équipe(travail en parallèle</a:t>
+            </a:r>
+            <a:r>
+              <a:rPr lang="fr-FR" dirty="0"/>
+              <a:t>) sur des  parties disjointes du projet et gérer les modifications concurrentes</a:t>
+            </a:r>
+            <a:r>
+              <a:rPr lang="fr-FR" dirty="0" smtClean="0"/>
+              <a:t>.</a:t>
+            </a:r>
+            <a:endParaRPr lang="fr-FR" dirty="0"/>
           </a:p>
           <a:p>
             <a:pPr lvl="0"/>
@@ -6660,6 +6759,340 @@
 </file>
 
 <file path=ppt/slides/slide10.xml><?xml version="1.0" encoding="utf-8"?>
+<p:sld xmlns:a="http://schemas.openxmlformats.org/drawingml/2006/main" xmlns:r="http://schemas.openxmlformats.org/officeDocument/2006/relationships" xmlns:p="http://schemas.openxmlformats.org/presentationml/2006/main">
+  <p:cSld>
+    <p:spTree>
+      <p:nvGrpSpPr>
+        <p:cNvPr id="1" name=""/>
+        <p:cNvGrpSpPr/>
+        <p:nvPr/>
+      </p:nvGrpSpPr>
+      <p:grpSpPr>
+        <a:xfrm>
+          <a:off x="0" y="0"/>
+          <a:ext cx="0" cy="0"/>
+          <a:chOff x="0" y="0"/>
+          <a:chExt cx="0" cy="0"/>
+        </a:xfrm>
+      </p:grpSpPr>
+      <p:sp>
+        <p:nvSpPr>
+          <p:cNvPr id="4" name="Titre 1"/>
+          <p:cNvSpPr txBox="1">
+            <a:spLocks/>
+          </p:cNvSpPr>
+          <p:nvPr/>
+        </p:nvSpPr>
+        <p:spPr>
+          <a:xfrm>
+            <a:off x="838200" y="59272"/>
+            <a:ext cx="10515600" cy="795855"/>
+          </a:xfrm>
+          <a:prstGeom prst="rect">
+            <a:avLst/>
+          </a:prstGeom>
+        </p:spPr>
+        <p:txBody>
+          <a:bodyPr vert="horz" lIns="91440" tIns="45720" rIns="91440" bIns="45720" rtlCol="0" anchor="ctr">
+            <a:normAutofit/>
+          </a:bodyPr>
+          <a:lstStyle>
+            <a:lvl1pPr algn="l" defTabSz="914400" rtl="0" eaLnBrk="1" latinLnBrk="0" hangingPunct="1">
+              <a:lnSpc>
+                <a:spcPct val="90000"/>
+              </a:lnSpc>
+              <a:spcBef>
+                <a:spcPct val="0"/>
+              </a:spcBef>
+              <a:buNone/>
+              <a:defRPr sz="4400" kern="1200">
+                <a:solidFill>
+                  <a:schemeClr val="tx1"/>
+                </a:solidFill>
+                <a:latin typeface="+mj-lt"/>
+                <a:ea typeface="+mj-ea"/>
+                <a:cs typeface="+mj-cs"/>
+              </a:defRPr>
+            </a:lvl1pPr>
+          </a:lstStyle>
+          <a:p>
+            <a:pPr algn="ctr"/>
+            <a:r>
+              <a:rPr lang="fr-FR" b="1" smtClean="0"/>
+              <a:t>Les commandes de base (Suite)</a:t>
+            </a:r>
+            <a:endParaRPr lang="fr-FR" b="1" dirty="0"/>
+          </a:p>
+        </p:txBody>
+      </p:sp>
+      <p:sp>
+        <p:nvSpPr>
+          <p:cNvPr id="6" name="Espace réservé du contenu 2"/>
+          <p:cNvSpPr>
+            <a:spLocks noGrp="1"/>
+          </p:cNvSpPr>
+          <p:nvPr>
+            <p:ph idx="1"/>
+          </p:nvPr>
+        </p:nvSpPr>
+        <p:spPr>
+          <a:xfrm>
+            <a:off x="164620" y="1153391"/>
+            <a:ext cx="12027380" cy="5704609"/>
+          </a:xfrm>
+        </p:spPr>
+        <p:txBody>
+          <a:bodyPr>
+            <a:normAutofit lnSpcReduction="10000"/>
+          </a:bodyPr>
+          <a:lstStyle/>
+          <a:p>
+            <a:pPr marL="361950" lvl="1" indent="0">
+              <a:buNone/>
+            </a:pPr>
+            <a:endParaRPr lang="fr-FR" b="1" i="1" dirty="0" smtClean="0"/>
+          </a:p>
+          <a:p>
+            <a:pPr marL="877887" lvl="1" indent="-514350">
+              <a:buFont typeface="+mj-lt"/>
+              <a:buAutoNum type="arabicPeriod" startAt="7"/>
+            </a:pPr>
+            <a:endParaRPr lang="fr-FR" dirty="0" smtClean="0"/>
+          </a:p>
+          <a:p>
+            <a:pPr marL="876300" lvl="1" indent="-514350">
+              <a:buFont typeface="+mj-lt"/>
+              <a:buAutoNum type="arabicPeriod" startAt="7"/>
+            </a:pPr>
+            <a:r>
+              <a:rPr lang="fr-FR" sz="2800" dirty="0"/>
+              <a:t>Indexé l’ajout ou la modification d’un fichier:</a:t>
+            </a:r>
+          </a:p>
+          <a:p>
+            <a:pPr marL="1160462" lvl="1" indent="-342900"/>
+            <a:r>
+              <a:rPr lang="fr-FR" b="1" i="1" dirty="0"/>
+              <a:t>git </a:t>
+            </a:r>
+            <a:r>
+              <a:rPr lang="fr-FR" b="1" i="1" dirty="0" err="1"/>
+              <a:t>add</a:t>
+            </a:r>
+            <a:r>
+              <a:rPr lang="fr-FR" b="1" i="1" dirty="0"/>
+              <a:t> « fichier », git </a:t>
+            </a:r>
+            <a:r>
+              <a:rPr lang="fr-FR" b="1" i="1" dirty="0" err="1"/>
+              <a:t>add</a:t>
+            </a:r>
+            <a:r>
+              <a:rPr lang="fr-FR" b="1" i="1" dirty="0"/>
+              <a:t> .,  git </a:t>
+            </a:r>
+            <a:r>
+              <a:rPr lang="fr-FR" b="1" i="1" dirty="0" err="1"/>
+              <a:t>add</a:t>
+            </a:r>
+            <a:r>
+              <a:rPr lang="fr-FR" b="1" i="1" dirty="0"/>
+              <a:t>  « *.</a:t>
+            </a:r>
+            <a:r>
+              <a:rPr lang="fr-FR" b="1" i="1" dirty="0" err="1"/>
+              <a:t>ext</a:t>
+            </a:r>
+            <a:r>
+              <a:rPr lang="fr-FR" b="1" i="1" dirty="0"/>
+              <a:t> »</a:t>
+            </a:r>
+          </a:p>
+          <a:p>
+            <a:pPr marL="363537" lvl="1" indent="0">
+              <a:buNone/>
+            </a:pPr>
+            <a:endParaRPr lang="fr-FR" dirty="0"/>
+          </a:p>
+          <a:p>
+            <a:pPr marL="877887" lvl="1" indent="-514350">
+              <a:buFont typeface="+mj-lt"/>
+              <a:buAutoNum type="arabicPeriod" startAt="7"/>
+            </a:pPr>
+            <a:r>
+              <a:rPr lang="fr-FR" dirty="0" smtClean="0"/>
+              <a:t>Annuler </a:t>
+            </a:r>
+            <a:r>
+              <a:rPr lang="fr-FR" dirty="0"/>
+              <a:t>les modification dans le Répertoire de travail (non indexe):</a:t>
+            </a:r>
+          </a:p>
+          <a:p>
+            <a:pPr marL="1160462" lvl="1" indent="-342900"/>
+            <a:r>
+              <a:rPr lang="fr-FR" b="1" i="1" dirty="0"/>
+              <a:t>git checkout « fichier », git restore « fichier </a:t>
+            </a:r>
+            <a:r>
+              <a:rPr lang="fr-FR" b="1" i="1" dirty="0" smtClean="0"/>
+              <a:t>»</a:t>
+            </a:r>
+            <a:endParaRPr lang="fr-FR" b="1" i="1" dirty="0"/>
+          </a:p>
+          <a:p>
+            <a:pPr marL="877887" lvl="1" indent="-514350">
+              <a:buFont typeface="+mj-lt"/>
+              <a:buAutoNum type="arabicPeriod" startAt="8"/>
+            </a:pPr>
+            <a:r>
+              <a:rPr lang="fr-FR" sz="2800" dirty="0"/>
+              <a:t>Supprimer un fichier de versionning (untracked state):</a:t>
+            </a:r>
+          </a:p>
+          <a:p>
+            <a:pPr marL="1160462" lvl="1" indent="-342900"/>
+            <a:r>
+              <a:rPr lang="fr-FR" b="1" i="1" dirty="0"/>
+              <a:t>git </a:t>
+            </a:r>
+            <a:r>
+              <a:rPr lang="fr-FR" b="1" i="1" dirty="0" err="1"/>
+              <a:t>rm</a:t>
+            </a:r>
+            <a:r>
+              <a:rPr lang="fr-FR" b="1" i="1" dirty="0"/>
+              <a:t> –cached « fichier</a:t>
+            </a:r>
+            <a:r>
+              <a:rPr lang="fr-FR" b="1" i="1" dirty="0" smtClean="0"/>
+              <a:t>»</a:t>
+            </a:r>
+          </a:p>
+          <a:p>
+            <a:pPr marL="1160462" lvl="1" indent="-342900"/>
+            <a:endParaRPr lang="fr-FR" b="1" i="1" dirty="0"/>
+          </a:p>
+          <a:p>
+            <a:pPr marL="877887" lvl="1" indent="-514350">
+              <a:buFont typeface="+mj-lt"/>
+              <a:buAutoNum type="arabicPeriod" startAt="9"/>
+            </a:pPr>
+            <a:r>
+              <a:rPr lang="fr-FR" sz="2800" dirty="0" smtClean="0"/>
+              <a:t>Supprimer </a:t>
+            </a:r>
+            <a:r>
+              <a:rPr lang="fr-FR" sz="2800" dirty="0"/>
+              <a:t>un fichier de versionning (untracked state</a:t>
+            </a:r>
+            <a:r>
+              <a:rPr lang="fr-FR" sz="2800" dirty="0" smtClean="0"/>
+              <a:t>):</a:t>
+            </a:r>
+          </a:p>
+          <a:p>
+            <a:pPr marL="1160462" lvl="1" indent="-342900"/>
+            <a:r>
+              <a:rPr lang="fr-FR" b="1" i="1" dirty="0" smtClean="0"/>
+              <a:t>git </a:t>
+            </a:r>
+            <a:r>
+              <a:rPr lang="fr-FR" b="1" i="1" dirty="0" err="1"/>
+              <a:t>rm</a:t>
+            </a:r>
+            <a:r>
+              <a:rPr lang="fr-FR" b="1" i="1" dirty="0"/>
+              <a:t> –cached « fichier</a:t>
+            </a:r>
+            <a:r>
+              <a:rPr lang="fr-FR" b="1" i="1" dirty="0" smtClean="0"/>
+              <a:t>»</a:t>
+            </a:r>
+            <a:endParaRPr lang="fr-FR" b="1" i="1" dirty="0"/>
+          </a:p>
+          <a:p>
+            <a:pPr marL="877887" lvl="1" indent="-514350">
+              <a:buFont typeface="+mj-lt"/>
+              <a:buAutoNum type="arabicPeriod" startAt="10"/>
+            </a:pPr>
+            <a:r>
+              <a:rPr lang="fr-FR" sz="2800" dirty="0"/>
+              <a:t>Annuler les </a:t>
+            </a:r>
+            <a:r>
+              <a:rPr lang="fr-FR" sz="2800" dirty="0" smtClean="0"/>
+              <a:t>modification dans </a:t>
+            </a:r>
+            <a:r>
+              <a:rPr lang="fr-FR" sz="2800" dirty="0"/>
+              <a:t>le Répertoire de travail </a:t>
+            </a:r>
+            <a:r>
+              <a:rPr lang="fr-FR" sz="2800" dirty="0" smtClean="0"/>
+              <a:t>(non </a:t>
+            </a:r>
+            <a:r>
+              <a:rPr lang="fr-FR" sz="2800" dirty="0"/>
+              <a:t>indexe</a:t>
+            </a:r>
+            <a:r>
+              <a:rPr lang="fr-FR" sz="2800" dirty="0" smtClean="0"/>
+              <a:t>):</a:t>
+            </a:r>
+            <a:endParaRPr lang="fr-FR" sz="2800" dirty="0"/>
+          </a:p>
+          <a:p>
+            <a:pPr marL="1160462" lvl="1" indent="-342900"/>
+            <a:r>
+              <a:rPr lang="fr-FR" b="1" i="1" dirty="0"/>
+              <a:t>git checkout </a:t>
+            </a:r>
+            <a:r>
+              <a:rPr lang="fr-FR" b="1" i="1" dirty="0" smtClean="0"/>
+              <a:t>« fichier », git restore « fichier »</a:t>
+            </a:r>
+          </a:p>
+          <a:p>
+            <a:pPr marL="811213" lvl="1" indent="-447675">
+              <a:buFont typeface="+mj-lt"/>
+              <a:buAutoNum type="arabicPeriod"/>
+            </a:pPr>
+            <a:endParaRPr lang="fr-FR" sz="2800" dirty="0"/>
+          </a:p>
+          <a:p>
+            <a:pPr marL="1160462" lvl="1" indent="-342900"/>
+            <a:endParaRPr lang="fr-FR" sz="2800" dirty="0"/>
+          </a:p>
+          <a:p>
+            <a:pPr marL="817562" lvl="1" indent="0">
+              <a:buNone/>
+            </a:pPr>
+            <a:endParaRPr lang="fr-FR" b="1" i="1" dirty="0" smtClean="0"/>
+          </a:p>
+        </p:txBody>
+      </p:sp>
+    </p:spTree>
+    <p:extLst>
+      <p:ext uri="{BB962C8B-B14F-4D97-AF65-F5344CB8AC3E}">
+        <p14:creationId xmlns:p14="http://schemas.microsoft.com/office/powerpoint/2010/main" val="673011006"/>
+      </p:ext>
+    </p:extLst>
+  </p:cSld>
+  <p:clrMapOvr>
+    <a:masterClrMapping/>
+  </p:clrMapOvr>
+  <p:timing>
+    <p:tnLst>
+      <p:par>
+        <p:cTn id="1" dur="indefinite" restart="never" nodeType="tmRoot"/>
+      </p:par>
+    </p:tnLst>
+  </p:timing>
+</p:sld>
+</file>
+
+<file path=ppt/slides/slide11.xml><?xml version="1.0" encoding="utf-8"?>
 <p:sld xmlns:a="http://schemas.openxmlformats.org/drawingml/2006/main" xmlns:r="http://schemas.openxmlformats.org/officeDocument/2006/relationships" xmlns:p="http://schemas.openxmlformats.org/presentationml/2006/main">
   <p:cSld>
     <p:spTree>
@@ -7098,7 +7531,7 @@
 </p:sld>
 </file>
 
-<file path=ppt/slides/slide11.xml><?xml version="1.0" encoding="utf-8"?>
+<file path=ppt/slides/slide12.xml><?xml version="1.0" encoding="utf-8"?>
 <p:sld xmlns:a="http://schemas.openxmlformats.org/drawingml/2006/main" xmlns:r="http://schemas.openxmlformats.org/officeDocument/2006/relationships" xmlns:p="http://schemas.openxmlformats.org/presentationml/2006/main">
   <p:cSld>
     <p:spTree>
@@ -7195,15 +7628,7 @@
             </a:pPr>
             <a:r>
               <a:rPr lang="fr-FR" sz="2600" b="1" i="1" dirty="0"/>
-              <a:t>git </a:t>
-            </a:r>
-            <a:r>
-              <a:rPr lang="fr-FR" sz="2600" b="1" i="1" dirty="0" err="1"/>
-              <a:t>checkout</a:t>
-            </a:r>
-            <a:r>
-              <a:rPr lang="fr-FR" sz="2600" b="1" i="1" dirty="0"/>
-              <a:t> « </a:t>
+              <a:t>git checkout « </a:t>
             </a:r>
             <a:r>
               <a:rPr lang="fr-FR" sz="2600" b="1" i="1" dirty="0" err="1" smtClean="0"/>
@@ -7215,15 +7640,7 @@
             </a:r>
             <a:r>
               <a:rPr lang="fr-FR" sz="2600" b="1" i="1" dirty="0" smtClean="0"/>
-              <a:t>git </a:t>
-            </a:r>
-            <a:r>
-              <a:rPr lang="fr-FR" sz="2600" b="1" i="1" dirty="0" err="1" smtClean="0"/>
-              <a:t>checkout</a:t>
-            </a:r>
-            <a:r>
-              <a:rPr lang="fr-FR" sz="2600" b="1" i="1" dirty="0" smtClean="0"/>
-              <a:t> «  </a:t>
+              <a:t>git checkout «  </a:t>
             </a:r>
             <a:r>
               <a:rPr lang="fr-FR" sz="2600" b="1" i="1" dirty="0" err="1" smtClean="0"/>
@@ -7345,19 +7762,11 @@
             </a:r>
             <a:r>
               <a:rPr lang="fr-FR" sz="2800" dirty="0" err="1" smtClean="0"/>
-              <a:t>fichier</a:t>
-            </a:r>
-            <a:r>
-              <a:rPr lang="fr-FR" sz="2800" dirty="0" err="1" smtClean="0"/>
-              <a:t>est</a:t>
+              <a:t>fichierest</a:t>
             </a:r>
             <a:r>
               <a:rPr lang="fr-FR" sz="2800" dirty="0" smtClean="0"/>
-              <a:t> quand et </a:t>
-            </a:r>
-            <a:r>
-              <a:rPr lang="fr-FR" sz="2800" smtClean="0"/>
-              <a:t>quoi </a:t>
+              <a:t> quand et quoi </a:t>
             </a:r>
           </a:p>
           <a:p>
@@ -7368,7 +7777,7 @@
               </a:tabLst>
             </a:pPr>
             <a:r>
-              <a:rPr lang="fr-FR" sz="2800" b="1" i="1" smtClean="0"/>
+              <a:rPr lang="fr-FR" sz="2800" b="1" i="1" dirty="0" smtClean="0"/>
               <a:t>git </a:t>
             </a:r>
             <a:r>
@@ -7615,221 +8024,6 @@
 </p:sld>
 </file>
 
-<file path=ppt/slides/slide12.xml><?xml version="1.0" encoding="utf-8"?>
-<p:sld xmlns:a="http://schemas.openxmlformats.org/drawingml/2006/main" xmlns:r="http://schemas.openxmlformats.org/officeDocument/2006/relationships" xmlns:p="http://schemas.openxmlformats.org/presentationml/2006/main">
-  <p:cSld>
-    <p:spTree>
-      <p:nvGrpSpPr>
-        <p:cNvPr id="1" name=""/>
-        <p:cNvGrpSpPr/>
-        <p:nvPr/>
-      </p:nvGrpSpPr>
-      <p:grpSpPr>
-        <a:xfrm>
-          <a:off x="0" y="0"/>
-          <a:ext cx="0" cy="0"/>
-          <a:chOff x="0" y="0"/>
-          <a:chExt cx="0" cy="0"/>
-        </a:xfrm>
-      </p:grpSpPr>
-      <p:sp>
-        <p:nvSpPr>
-          <p:cNvPr id="2" name="Titre 1"/>
-          <p:cNvSpPr>
-            <a:spLocks noGrp="1"/>
-          </p:cNvSpPr>
-          <p:nvPr>
-            <p:ph type="title"/>
-          </p:nvPr>
-        </p:nvSpPr>
-        <p:spPr>
-          <a:xfrm>
-            <a:off x="4904509" y="0"/>
-            <a:ext cx="2382982" cy="850611"/>
-          </a:xfrm>
-        </p:spPr>
-        <p:txBody>
-          <a:bodyPr>
-            <a:normAutofit/>
-          </a:bodyPr>
-          <a:lstStyle/>
-          <a:p>
-            <a:pPr algn="ctr"/>
-            <a:r>
-              <a:rPr lang="fr-FR" b="1" dirty="0"/>
-              <a:t>Branches</a:t>
-            </a:r>
-          </a:p>
-        </p:txBody>
-      </p:sp>
-      <p:sp>
-        <p:nvSpPr>
-          <p:cNvPr id="3" name="Espace réservé du contenu 2"/>
-          <p:cNvSpPr>
-            <a:spLocks noGrp="1"/>
-          </p:cNvSpPr>
-          <p:nvPr>
-            <p:ph idx="1"/>
-          </p:nvPr>
-        </p:nvSpPr>
-        <p:spPr>
-          <a:xfrm>
-            <a:off x="178130" y="850611"/>
-            <a:ext cx="12013870" cy="6007389"/>
-          </a:xfrm>
-        </p:spPr>
-        <p:txBody>
-          <a:bodyPr/>
-          <a:lstStyle/>
-          <a:p>
-            <a:pPr marL="571500" indent="-571500">
-              <a:buFont typeface="+mj-lt"/>
-              <a:buAutoNum type="romanUcPeriod" startAt="7"/>
-            </a:pPr>
-            <a:r>
-              <a:rPr lang="fr-FR" b="1" dirty="0" smtClean="0"/>
-              <a:t>Branches:</a:t>
-            </a:r>
-            <a:endParaRPr lang="fr-FR" b="1" dirty="0"/>
-          </a:p>
-          <a:p>
-            <a:pPr marL="0" indent="0">
-              <a:buNone/>
-            </a:pPr>
-            <a:r>
-              <a:rPr lang="fr-FR" dirty="0" smtClean="0"/>
-              <a:t>	Une autre versions de projet, une ligne de vie indépendante. Ici la notion distribués et met en valeur.(il </a:t>
-            </a:r>
-            <a:r>
-              <a:rPr lang="fr-FR" dirty="0" err="1" smtClean="0"/>
-              <a:t>éxiste</a:t>
-            </a:r>
-            <a:r>
-              <a:rPr lang="fr-FR" dirty="0" smtClean="0"/>
-              <a:t> plusieurs stratégie)</a:t>
-            </a:r>
-          </a:p>
-          <a:p>
-            <a:pPr marL="571500" indent="-571500">
-              <a:buFont typeface="+mj-lt"/>
-              <a:buAutoNum type="romanUcPeriod" startAt="8"/>
-            </a:pPr>
-            <a:r>
-              <a:rPr lang="fr-FR" b="1" dirty="0"/>
-              <a:t>Avantages</a:t>
-            </a:r>
-            <a:r>
-              <a:rPr lang="fr-FR" dirty="0" smtClean="0"/>
-              <a:t>: </a:t>
-            </a:r>
-          </a:p>
-          <a:p>
-            <a:pPr marL="514350" indent="-244475">
-              <a:buFont typeface="+mj-lt"/>
-              <a:buAutoNum type="arabicPeriod"/>
-            </a:pPr>
-            <a:r>
-              <a:rPr lang="fr-FR" dirty="0" smtClean="0"/>
-              <a:t>Lancer d’autre version on ayant toujours une </a:t>
-            </a:r>
-            <a:r>
-              <a:rPr lang="fr-FR" dirty="0"/>
-              <a:t>v</a:t>
-            </a:r>
-            <a:r>
-              <a:rPr lang="fr-FR" dirty="0" smtClean="0"/>
-              <a:t>ersion stable.</a:t>
-            </a:r>
-          </a:p>
-          <a:p>
-            <a:pPr marL="514350" indent="-244475">
-              <a:buFont typeface="+mj-lt"/>
-              <a:buAutoNum type="arabicPeriod"/>
-            </a:pPr>
-            <a:r>
-              <a:rPr lang="fr-FR" dirty="0" smtClean="0"/>
-              <a:t>Tester d’autre implémentions d’une fonctionnalité existante</a:t>
-            </a:r>
-          </a:p>
-          <a:p>
-            <a:pPr marL="514350" indent="-244475">
-              <a:buFont typeface="+mj-lt"/>
-              <a:buAutoNum type="arabicPeriod"/>
-            </a:pPr>
-            <a:r>
-              <a:rPr lang="fr-FR" dirty="0" smtClean="0"/>
-              <a:t>Possibilité de travailler en Independence et push les changement sans affecté les collègues</a:t>
-            </a:r>
-          </a:p>
-          <a:p>
-            <a:pPr marL="514350" indent="-244475">
-              <a:buFont typeface="+mj-lt"/>
-              <a:buAutoNum type="arabicPeriod"/>
-            </a:pPr>
-            <a:r>
-              <a:rPr lang="fr-FR" dirty="0" smtClean="0"/>
-              <a:t>Possibilité de marger le code des collèges avec notre  changement et de résoudre rapidement les conflits</a:t>
-            </a:r>
-          </a:p>
-          <a:p>
-            <a:pPr marL="514350" indent="-244475">
-              <a:buFont typeface="+mj-lt"/>
-              <a:buAutoNum type="arabicPeriod"/>
-            </a:pPr>
-            <a:r>
-              <a:rPr lang="fr-FR" dirty="0" smtClean="0"/>
-              <a:t>Assuré que les normes de codage sont maintenue, et facilite la collaboration quelque soit la taille	 de l’équipe  </a:t>
-            </a:r>
-            <a:endParaRPr lang="fr-FR" dirty="0"/>
-          </a:p>
-        </p:txBody>
-      </p:sp>
-      <p:sp>
-        <p:nvSpPr>
-          <p:cNvPr id="4" name="Rectangle 3"/>
-          <p:cNvSpPr/>
-          <p:nvPr/>
-        </p:nvSpPr>
-        <p:spPr>
-          <a:xfrm>
-            <a:off x="4787148" y="3244334"/>
-            <a:ext cx="1009892" cy="369332"/>
-          </a:xfrm>
-          <a:prstGeom prst="rect">
-            <a:avLst/>
-          </a:prstGeom>
-        </p:spPr>
-        <p:txBody>
-          <a:bodyPr wrap="none">
-            <a:spAutoFit/>
-          </a:bodyPr>
-          <a:lstStyle/>
-          <a:p>
-            <a:pPr marL="1160462" lvl="1" indent="-342900"/>
-            <a:endParaRPr lang="fr-FR" b="1" i="1" dirty="0"/>
-          </a:p>
-        </p:txBody>
-      </p:sp>
-    </p:spTree>
-    <p:extLst>
-      <p:ext uri="{BB962C8B-B14F-4D97-AF65-F5344CB8AC3E}">
-        <p14:creationId xmlns:p14="http://schemas.microsoft.com/office/powerpoint/2010/main" val="3397798041"/>
-      </p:ext>
-    </p:extLst>
-  </p:cSld>
-  <p:clrMapOvr>
-    <a:masterClrMapping/>
-  </p:clrMapOvr>
-  <p:timing>
-    <p:tnLst>
-      <p:par>
-        <p:cTn id="1" dur="indefinite" restart="never" nodeType="tmRoot"/>
-      </p:par>
-    </p:tnLst>
-  </p:timing>
-</p:sld>
-</file>
-
 <file path=ppt/slides/slide13.xml><?xml version="1.0" encoding="utf-8"?>
 <p:sld xmlns:a="http://schemas.openxmlformats.org/drawingml/2006/main" xmlns:r="http://schemas.openxmlformats.org/officeDocument/2006/relationships" xmlns:p="http://schemas.openxmlformats.org/presentationml/2006/main">
   <p:cSld>
@@ -7849,211 +8043,416 @@
       </p:grpSpPr>
       <p:sp>
         <p:nvSpPr>
-          <p:cNvPr id="5" name="Rectangle 1"/>
-          <p:cNvSpPr>
-            <a:spLocks noChangeArrowheads="1"/>
-          </p:cNvSpPr>
+          <p:cNvPr id="5" name="Rectangle 4"/>
+          <p:cNvSpPr/>
           <p:nvPr/>
         </p:nvSpPr>
-        <p:spPr bwMode="auto">
-          <a:xfrm>
-            <a:off x="0" y="43934"/>
-            <a:ext cx="184731" cy="369332"/>
-          </a:xfrm>
-          <a:prstGeom prst="rect">
-            <a:avLst/>
-          </a:prstGeom>
-          <a:solidFill>
-            <a:srgbClr val="292D3E"/>
-          </a:solidFill>
-          <a:ln>
-            <a:noFill/>
-          </a:ln>
-          <a:effectLst/>
-          <a:extLst>
-            <a:ext uri="{91240B29-F687-4F45-9708-019B960494DF}">
-              <a14:hiddenLine xmlns:a14="http://schemas.microsoft.com/office/drawing/2010/main" w="9525">
-                <a:solidFill>
-                  <a:schemeClr val="tx1"/>
-                </a:solidFill>
-                <a:miter lim="800000"/>
-                <a:headEnd/>
-                <a:tailEnd/>
-              </a14:hiddenLine>
-            </a:ext>
-            <a:ext uri="{AF507438-7753-43E0-B8FC-AC1667EBCBE1}">
-              <a14:hiddenEffects xmlns:a14="http://schemas.microsoft.com/office/drawing/2010/main">
-                <a:effectLst>
-                  <a:outerShdw dist="35921" dir="2700000" algn="ctr" rotWithShape="0">
-                    <a:schemeClr val="bg2"/>
-                  </a:outerShdw>
-                </a:effectLst>
-              </a14:hiddenEffects>
-            </a:ext>
-          </a:extLst>
-        </p:spPr>
-        <p:txBody>
-          <a:bodyPr vert="horz" wrap="none" lIns="91440" tIns="45720" rIns="91440" bIns="45720" numCol="1" anchor="ctr" anchorCtr="0" compatLnSpc="1">
-            <a:prstTxWarp prst="textNoShape">
-              <a:avLst/>
-            </a:prstTxWarp>
-            <a:spAutoFit/>
-          </a:bodyPr>
-          <a:lstStyle/>
-          <a:p>
-            <a:pPr marL="0" marR="0" lvl="0" indent="0" algn="l" defTabSz="914400" rtl="0" eaLnBrk="0" fontAlgn="base" latinLnBrk="0" hangingPunct="0">
-              <a:lnSpc>
-                <a:spcPct val="100000"/>
-              </a:lnSpc>
-              <a:spcBef>
-                <a:spcPct val="0"/>
-              </a:spcBef>
-              <a:spcAft>
-                <a:spcPct val="0"/>
-              </a:spcAft>
-              <a:buClrTx/>
-              <a:buSzTx/>
-              <a:buFontTx/>
-              <a:buNone/>
-              <a:tabLst/>
-            </a:pPr>
-            <a:endParaRPr kumimoji="0" lang="fr-FR" altLang="fr-FR" sz="1800" b="0" i="0" u="none" strike="noStrike" cap="none" normalizeH="0" baseline="0" dirty="0" smtClean="0">
-              <a:ln>
-                <a:noFill/>
-              </a:ln>
-              <a:solidFill>
-                <a:schemeClr val="tx1"/>
-              </a:solidFill>
-              <a:effectLst/>
-              <a:latin typeface="Arial" panose="020B0604020202020204" pitchFamily="34" charset="0"/>
-            </a:endParaRPr>
-          </a:p>
-        </p:txBody>
-      </p:sp>
-      <p:pic>
-        <p:nvPicPr>
-          <p:cNvPr id="6" name="Image 5"/>
-          <p:cNvPicPr>
-            <a:picLocks noChangeAspect="1"/>
-          </p:cNvPicPr>
-          <p:nvPr/>
-        </p:nvPicPr>
-        <p:blipFill>
-          <a:blip r:embed="rId3"/>
-          <a:stretch>
-            <a:fillRect/>
-          </a:stretch>
-        </p:blipFill>
         <p:spPr>
           <a:xfrm>
-            <a:off x="979678" y="3883230"/>
-            <a:ext cx="10195003" cy="2687805"/>
+            <a:off x="0" y="83128"/>
+            <a:ext cx="12192000" cy="7714933"/>
           </a:xfrm>
           <a:prstGeom prst="rect">
             <a:avLst/>
           </a:prstGeom>
         </p:spPr>
-      </p:pic>
-      <p:sp>
-        <p:nvSpPr>
-          <p:cNvPr id="7" name="ZoneTexte 6"/>
-          <p:cNvSpPr txBox="1"/>
-          <p:nvPr/>
-        </p:nvSpPr>
-        <p:spPr>
-          <a:xfrm>
-            <a:off x="118388" y="413266"/>
-            <a:ext cx="12007269" cy="2677656"/>
-          </a:xfrm>
-          <a:prstGeom prst="rect">
-            <a:avLst/>
-          </a:prstGeom>
-          <a:noFill/>
-        </p:spPr>
-        <p:txBody>
-          <a:bodyPr wrap="square" rtlCol="0">
+        <p:txBody>
+          <a:bodyPr wrap="square">
             <a:spAutoFit/>
           </a:bodyPr>
           <a:lstStyle/>
           <a:p>
-            <a:r>
-              <a:rPr lang="fr-FR" sz="2800" dirty="0"/>
-              <a:t>Il y’à plusieurs </a:t>
-            </a:r>
-            <a:r>
-              <a:rPr lang="fr-FR" sz="2800" dirty="0" smtClean="0"/>
-              <a:t>stratégie de workflow de branche on peut choisir une parmi elle ou bien crées  un workflow de branch personnalisé</a:t>
-            </a:r>
-          </a:p>
-          <a:p>
-            <a:pPr marL="514350" indent="-514350">
+            <a:pPr marL="571500" indent="-571500">
+              <a:buFont typeface="+mj-lt"/>
+              <a:buAutoNum type="romanUcPeriod" startAt="9"/>
+            </a:pPr>
+            <a:r>
+              <a:rPr lang="fr-FR" sz="2800" b="1" dirty="0" smtClean="0"/>
+              <a:t>Commandes</a:t>
+            </a:r>
+            <a:r>
+              <a:rPr lang="fr-FR" sz="2800" b="1" dirty="0"/>
+              <a:t>:</a:t>
+            </a:r>
+          </a:p>
+          <a:p>
+            <a:pPr marL="514350" indent="-244475">
               <a:buFont typeface="+mj-lt"/>
               <a:buAutoNum type="arabicPeriod"/>
-            </a:pPr>
-            <a:r>
-              <a:rPr lang="fr-FR" sz="2800" dirty="0" smtClean="0"/>
-              <a:t>stratégie de branch « </a:t>
-            </a:r>
-            <a:r>
-              <a:rPr lang="fr-FR" sz="2800" dirty="0" err="1" smtClean="0"/>
-              <a:t>devlop</a:t>
-            </a:r>
-            <a:r>
-              <a:rPr lang="fr-FR" sz="2800" dirty="0" smtClean="0"/>
-              <a:t> »</a:t>
-            </a:r>
-          </a:p>
-          <a:p>
-            <a:pPr marL="514350" indent="-514350">
+              <a:tabLst>
+                <a:tab pos="363538" algn="l"/>
+                <a:tab pos="623888" algn="l"/>
+              </a:tabLst>
+            </a:pPr>
+            <a:r>
+              <a:rPr lang="fr-FR" dirty="0"/>
+              <a:t>	</a:t>
+            </a:r>
+            <a:r>
+              <a:rPr lang="fr-FR" sz="2400" dirty="0"/>
+              <a:t>Lister les branches du projet</a:t>
+            </a:r>
+          </a:p>
+          <a:p>
+            <a:pPr marL="804863" indent="-182563">
+              <a:buFont typeface="Arial" panose="020B0604020202020204" pitchFamily="34" charset="0"/>
+              <a:buChar char="•"/>
+              <a:tabLst>
+                <a:tab pos="901700" algn="l"/>
+              </a:tabLst>
+            </a:pPr>
+            <a:r>
+              <a:rPr lang="fr-FR" sz="2600" b="1" i="1" dirty="0"/>
+              <a:t> git branch</a:t>
+            </a:r>
+          </a:p>
+          <a:p>
+            <a:pPr marL="514350" indent="-244475">
               <a:buFont typeface="+mj-lt"/>
               <a:buAutoNum type="arabicPeriod"/>
-            </a:pPr>
-            <a:r>
-              <a:rPr lang="fr-FR" sz="2800" dirty="0"/>
-              <a:t>stratégie de branch </a:t>
-            </a:r>
-            <a:r>
-              <a:rPr lang="fr-FR" sz="2800" dirty="0" smtClean="0"/>
-              <a:t>par fonctionnalité</a:t>
-            </a:r>
-            <a:r>
-              <a:rPr lang="fr-FR" sz="2800" dirty="0"/>
-              <a:t> </a:t>
-            </a:r>
-            <a:r>
-              <a:rPr lang="fr-FR" sz="2800" dirty="0" smtClean="0"/>
-              <a:t>(branch master +branch par fonctionnalité).</a:t>
-            </a:r>
-          </a:p>
-          <a:p>
-            <a:pPr marL="514350" indent="-514350">
+              <a:tabLst>
+                <a:tab pos="363538" algn="l"/>
+                <a:tab pos="623888" algn="l"/>
+              </a:tabLst>
+            </a:pPr>
+            <a:r>
+              <a:rPr lang="fr-FR" sz="2400" dirty="0" smtClean="0"/>
+              <a:t> Ajouter </a:t>
+            </a:r>
+            <a:r>
+              <a:rPr lang="fr-FR" sz="2400" dirty="0"/>
+              <a:t>une branch</a:t>
+            </a:r>
+          </a:p>
+          <a:p>
+            <a:pPr marL="804863" lvl="1" indent="-182563">
+              <a:buFont typeface="Arial" panose="020B0604020202020204" pitchFamily="34" charset="0"/>
+              <a:buChar char="•"/>
+              <a:tabLst>
+                <a:tab pos="363538" algn="l"/>
+                <a:tab pos="623888" algn="l"/>
+              </a:tabLst>
+            </a:pPr>
+            <a:r>
+              <a:rPr lang="fr-FR" sz="2600" b="1" i="1" dirty="0"/>
+              <a:t>git branch «branch </a:t>
+            </a:r>
+            <a:r>
+              <a:rPr lang="fr-FR" sz="2600" b="1" i="1" dirty="0" err="1"/>
+              <a:t>name</a:t>
+            </a:r>
+            <a:r>
+              <a:rPr lang="fr-FR" sz="2600" b="1" i="1" dirty="0"/>
+              <a:t> », git checkout –b «branch </a:t>
+            </a:r>
+            <a:r>
+              <a:rPr lang="fr-FR" sz="2600" b="1" i="1" dirty="0" err="1"/>
+              <a:t>name</a:t>
+            </a:r>
+            <a:r>
+              <a:rPr lang="fr-FR" sz="2600" b="1" i="1" dirty="0"/>
+              <a:t> » </a:t>
+            </a:r>
+            <a:r>
+              <a:rPr lang="fr-FR" sz="2600" b="1" i="1" dirty="0" smtClean="0"/>
+              <a:t>(avec </a:t>
+            </a:r>
+            <a:r>
+              <a:rPr lang="fr-FR" sz="2600" b="1" i="1" dirty="0"/>
+              <a:t>saut ),</a:t>
+            </a:r>
+          </a:p>
+          <a:p>
+            <a:pPr marL="804863" lvl="1" indent="-182563">
+              <a:buFont typeface="Arial" panose="020B0604020202020204" pitchFamily="34" charset="0"/>
+              <a:buChar char="•"/>
+              <a:tabLst>
+                <a:tab pos="363538" algn="l"/>
+                <a:tab pos="623888" algn="l"/>
+                <a:tab pos="804863" algn="l"/>
+              </a:tabLst>
+            </a:pPr>
+            <a:r>
+              <a:rPr lang="fr-FR" altLang="fr-FR" sz="2600" b="1" i="1" dirty="0"/>
+              <a:t>git checkout -b [</a:t>
+            </a:r>
+            <a:r>
+              <a:rPr lang="fr-FR" altLang="fr-FR" sz="2600" b="1" i="1" dirty="0" err="1"/>
+              <a:t>branch_name</a:t>
+            </a:r>
+            <a:r>
+              <a:rPr lang="fr-FR" altLang="fr-FR" sz="2600" b="1" i="1" dirty="0"/>
+              <a:t>] [</a:t>
+            </a:r>
+            <a:r>
+              <a:rPr lang="fr-FR" altLang="fr-FR" sz="2600" b="1" i="1" dirty="0" err="1"/>
+              <a:t>commit_hash</a:t>
+            </a:r>
+            <a:r>
+              <a:rPr lang="fr-FR" altLang="fr-FR" sz="2600" b="1" i="1" dirty="0"/>
+              <a:t>] </a:t>
+            </a:r>
+          </a:p>
+          <a:p>
+            <a:pPr marL="1158875" lvl="1" indent="-890588">
+              <a:tabLst>
+                <a:tab pos="363538" algn="l"/>
+                <a:tab pos="623888" algn="l"/>
+              </a:tabLst>
+            </a:pPr>
+            <a:r>
+              <a:rPr lang="fr-FR" altLang="fr-FR" sz="2400" dirty="0" smtClean="0"/>
+              <a:t>3.Téléchargeles les changement de dépôt distant dans le dépôt locale sans écrasé le code de la branch courent (évité la divergence local remote)</a:t>
+            </a:r>
+            <a:endParaRPr lang="fr-FR" altLang="fr-FR" sz="2400" dirty="0"/>
+          </a:p>
+          <a:p>
+            <a:pPr marL="820738" lvl="1" indent="-192088">
+              <a:lnSpc>
+                <a:spcPct val="90000"/>
+              </a:lnSpc>
+              <a:spcBef>
+                <a:spcPts val="500"/>
+              </a:spcBef>
+              <a:buFont typeface="Arial" panose="020B0604020202020204" pitchFamily="34" charset="0"/>
+              <a:buChar char="•"/>
+              <a:tabLst>
+                <a:tab pos="628650" algn="l"/>
+                <a:tab pos="1163638" algn="l"/>
+              </a:tabLst>
+            </a:pPr>
+            <a:r>
+              <a:rPr lang="fr-FR" altLang="fr-FR" sz="2600" b="1" i="1" dirty="0" smtClean="0"/>
+              <a:t>git </a:t>
+            </a:r>
+            <a:r>
+              <a:rPr lang="fr-FR" altLang="fr-FR" sz="2600" b="1" i="1" dirty="0" err="1" smtClean="0"/>
+              <a:t>fetch</a:t>
+            </a:r>
+            <a:endParaRPr lang="fr-FR" altLang="fr-FR" sz="2600" b="1" i="1" dirty="0"/>
+          </a:p>
+          <a:p>
+            <a:pPr marL="533400" lvl="1" indent="-266700">
+              <a:lnSpc>
+                <a:spcPct val="90000"/>
+              </a:lnSpc>
+              <a:spcBef>
+                <a:spcPts val="500"/>
+              </a:spcBef>
+              <a:buFont typeface="+mj-lt"/>
+              <a:buAutoNum type="arabicPeriod" startAt="4"/>
+              <a:tabLst>
+                <a:tab pos="361950" algn="l"/>
+                <a:tab pos="1163638" algn="l"/>
+              </a:tabLst>
+            </a:pPr>
+            <a:r>
+              <a:rPr lang="fr-FR" altLang="fr-FR" sz="2400" dirty="0" smtClean="0"/>
+              <a:t>Mergé deux branche</a:t>
+            </a:r>
+            <a:endParaRPr lang="fr-FR" altLang="fr-FR" sz="2400" dirty="0"/>
+          </a:p>
+          <a:p>
+            <a:pPr marL="800100" lvl="1" indent="-171450">
+              <a:buFont typeface="Arial" panose="020B0604020202020204" pitchFamily="34" charset="0"/>
+              <a:buChar char="•"/>
+              <a:tabLst>
+                <a:tab pos="533400" algn="l"/>
+                <a:tab pos="623888" algn="l"/>
+                <a:tab pos="800100" algn="l"/>
+              </a:tabLst>
+            </a:pPr>
+            <a:r>
+              <a:rPr lang="fr-FR" sz="2400" b="1" i="1" dirty="0" smtClean="0"/>
+              <a:t>git </a:t>
+            </a:r>
+            <a:r>
+              <a:rPr lang="fr-FR" sz="2400" b="1" i="1" dirty="0" err="1" smtClean="0"/>
+              <a:t>merge</a:t>
+            </a:r>
+            <a:r>
+              <a:rPr lang="fr-FR" sz="2400" b="1" i="1" dirty="0" smtClean="0"/>
+              <a:t> branch</a:t>
+            </a:r>
+          </a:p>
+          <a:p>
+            <a:pPr marL="533400" lvl="1" indent="-266700">
               <a:buFont typeface="+mj-lt"/>
               <a:buAutoNum type="arabicPeriod"/>
-            </a:pPr>
-            <a:r>
-              <a:rPr lang="en-US" sz="2800" dirty="0"/>
+              <a:tabLst>
+                <a:tab pos="363538" algn="l"/>
+                <a:tab pos="533400" algn="l"/>
+              </a:tabLst>
+            </a:pPr>
+            <a:r>
+              <a:rPr lang="fr-FR" sz="2400" dirty="0"/>
+              <a:t>Supprimer une </a:t>
+            </a:r>
+            <a:r>
+              <a:rPr lang="fr-FR" sz="2400" dirty="0" smtClean="0"/>
+              <a:t>branche local</a:t>
+            </a:r>
+          </a:p>
+          <a:p>
+            <a:pPr marL="628650" lvl="1">
+              <a:buFont typeface="Arial" panose="020B0604020202020204" pitchFamily="34" charset="0"/>
+              <a:buChar char="•"/>
+              <a:tabLst>
+                <a:tab pos="457200" algn="l"/>
+                <a:tab pos="533400" algn="l"/>
+              </a:tabLst>
+            </a:pPr>
+            <a:r>
+              <a:rPr lang="fr-FR" sz="2400" b="1" i="1" dirty="0" smtClean="0"/>
+              <a:t>git </a:t>
+            </a:r>
+            <a:r>
+              <a:rPr lang="fr-FR" sz="2400" b="1" i="1" dirty="0"/>
+              <a:t>branch –d « branch </a:t>
+            </a:r>
+            <a:r>
+              <a:rPr lang="fr-FR" sz="2400" b="1" i="1" dirty="0" err="1"/>
+              <a:t>name</a:t>
+            </a:r>
+            <a:r>
+              <a:rPr lang="fr-FR" sz="2400" b="1" i="1" dirty="0"/>
               <a:t> </a:t>
             </a:r>
             <a:r>
-              <a:rPr lang="fr-FR" sz="2800" dirty="0"/>
-              <a:t> stratégie de branch </a:t>
-            </a:r>
-            <a:r>
-              <a:rPr lang="fr-FR" sz="2800" dirty="0" err="1" smtClean="0"/>
-              <a:t>GitFlow</a:t>
-            </a:r>
-            <a:r>
-              <a:rPr lang="fr-FR" sz="2800" dirty="0" smtClean="0"/>
-              <a:t> (non adapté pour les petit projet)</a:t>
-            </a:r>
-            <a:endParaRPr lang="fr-FR" sz="2800" dirty="0"/>
+              <a:rPr lang="fr-FR" sz="2400" b="1" i="1" dirty="0" smtClean="0"/>
+              <a:t>»</a:t>
+            </a:r>
+          </a:p>
+          <a:p>
+            <a:pPr marL="533400" lvl="1" indent="-266700">
+              <a:buFont typeface="+mj-lt"/>
+              <a:buAutoNum type="arabicPeriod"/>
+              <a:tabLst>
+                <a:tab pos="363538" algn="l"/>
+                <a:tab pos="533400" algn="l"/>
+              </a:tabLst>
+            </a:pPr>
+            <a:r>
+              <a:rPr lang="fr-FR" sz="2400" dirty="0"/>
+              <a:t>Switcher entre deux </a:t>
+            </a:r>
+            <a:r>
+              <a:rPr lang="fr-FR" sz="2400" dirty="0" smtClean="0"/>
+              <a:t>branches</a:t>
+            </a:r>
+          </a:p>
+          <a:p>
+            <a:pPr marL="628650" lvl="1" indent="-342900">
+              <a:buFont typeface="Arial" panose="020B0604020202020204" pitchFamily="34" charset="0"/>
+              <a:buChar char="•"/>
+              <a:tabLst>
+                <a:tab pos="457200" algn="l"/>
+                <a:tab pos="533400" algn="l"/>
+              </a:tabLst>
+            </a:pPr>
+            <a:r>
+              <a:rPr lang="fr-FR" sz="2400" b="1" i="1" dirty="0"/>
+              <a:t>git checkout «branch </a:t>
+            </a:r>
+            <a:r>
+              <a:rPr lang="fr-FR" sz="2400" b="1" i="1" dirty="0" err="1"/>
+              <a:t>name</a:t>
+            </a:r>
+            <a:r>
+              <a:rPr lang="fr-FR" sz="2400" b="1" i="1" dirty="0"/>
+              <a:t>  </a:t>
+            </a:r>
+            <a:r>
+              <a:rPr lang="fr-FR" sz="2400" b="1" i="1" dirty="0" smtClean="0"/>
+              <a:t>»</a:t>
+            </a:r>
+          </a:p>
+          <a:p>
+            <a:pPr marL="742950" lvl="1" indent="-457200">
+              <a:buFont typeface="+mj-lt"/>
+              <a:buAutoNum type="arabicPeriod"/>
+              <a:tabLst>
+                <a:tab pos="457200" algn="l"/>
+                <a:tab pos="533400" algn="l"/>
+              </a:tabLst>
+            </a:pPr>
+            <a:r>
+              <a:rPr lang="fr-FR" sz="2400" dirty="0"/>
+              <a:t>Supprimer la </a:t>
+            </a:r>
+            <a:r>
+              <a:rPr lang="fr-FR" sz="2400" dirty="0" smtClean="0"/>
+              <a:t>référence au dépôt distant</a:t>
+            </a:r>
+          </a:p>
+          <a:p>
+            <a:pPr marL="628650" lvl="1" indent="-342900">
+              <a:buFont typeface="Arial" panose="020B0604020202020204" pitchFamily="34" charset="0"/>
+              <a:buChar char="•"/>
+              <a:tabLst>
+                <a:tab pos="457200" algn="l"/>
+                <a:tab pos="533400" algn="l"/>
+              </a:tabLst>
+            </a:pPr>
+            <a:r>
+              <a:rPr lang="fr-FR" sz="2400" b="1" i="1" dirty="0"/>
+              <a:t>git </a:t>
+            </a:r>
+            <a:r>
+              <a:rPr lang="fr-FR" sz="2400" b="1" i="1" dirty="0" err="1"/>
+              <a:t>remote</a:t>
+            </a:r>
+            <a:r>
+              <a:rPr lang="fr-FR" sz="2400" b="1" i="1" dirty="0"/>
+              <a:t> </a:t>
+            </a:r>
+            <a:r>
+              <a:rPr lang="fr-FR" sz="2400" b="1" i="1" dirty="0" err="1"/>
+              <a:t>rm</a:t>
+            </a:r>
+            <a:r>
+              <a:rPr lang="fr-FR" sz="2400" b="1" i="1" dirty="0"/>
+              <a:t> </a:t>
+            </a:r>
+            <a:r>
+              <a:rPr lang="fr-FR" sz="2400" b="1" i="1" dirty="0" err="1"/>
+              <a:t>origin</a:t>
+            </a:r>
+            <a:endParaRPr lang="fr-FR" sz="2400" b="1" i="1" dirty="0"/>
+          </a:p>
+          <a:p>
+            <a:pPr marL="628650" lvl="1">
+              <a:tabLst>
+                <a:tab pos="457200" algn="l"/>
+                <a:tab pos="533400" algn="l"/>
+              </a:tabLst>
+            </a:pPr>
+            <a:endParaRPr lang="fr-FR" sz="2400" b="1" i="1" dirty="0" smtClean="0"/>
+          </a:p>
+          <a:p>
+            <a:pPr marL="817562" lvl="1">
+              <a:tabLst>
+                <a:tab pos="363538" algn="l"/>
+                <a:tab pos="623888" algn="l"/>
+              </a:tabLst>
+            </a:pPr>
+            <a:endParaRPr lang="fr-FR" sz="2400" b="1" i="1" dirty="0"/>
+          </a:p>
+          <a:p>
+            <a:pPr marL="1160462" lvl="1" indent="-342900">
+              <a:tabLst>
+                <a:tab pos="363538" algn="l"/>
+                <a:tab pos="623888" algn="l"/>
+              </a:tabLst>
+            </a:pPr>
+            <a:endParaRPr lang="fr-FR" sz="2400" b="1" i="1" dirty="0"/>
           </a:p>
         </p:txBody>
       </p:sp>
     </p:spTree>
     <p:extLst>
       <p:ext uri="{BB962C8B-B14F-4D97-AF65-F5344CB8AC3E}">
-        <p14:creationId xmlns:p14="http://schemas.microsoft.com/office/powerpoint/2010/main" val="2022506833"/>
+        <p14:creationId xmlns:p14="http://schemas.microsoft.com/office/powerpoint/2010/main" val="3235517478"/>
       </p:ext>
     </p:extLst>
   </p:cSld>
@@ -8089,457 +8488,75 @@
       </p:grpSpPr>
       <p:sp>
         <p:nvSpPr>
-          <p:cNvPr id="5" name="Rectangle 4"/>
-          <p:cNvSpPr/>
-          <p:nvPr/>
+          <p:cNvPr id="3" name="Espace réservé du contenu 2"/>
+          <p:cNvSpPr>
+            <a:spLocks noGrp="1"/>
+          </p:cNvSpPr>
+          <p:nvPr>
+            <p:ph idx="1"/>
+          </p:nvPr>
         </p:nvSpPr>
         <p:spPr>
           <a:xfrm>
-            <a:off x="0" y="83128"/>
-            <a:ext cx="12192000" cy="7714933"/>
+            <a:off x="171450" y="342900"/>
+            <a:ext cx="11734800" cy="6362700"/>
           </a:xfrm>
-          <a:prstGeom prst="rect">
-            <a:avLst/>
-          </a:prstGeom>
         </p:spPr>
         <p:txBody>
-          <a:bodyPr wrap="square">
-            <a:spAutoFit/>
-          </a:bodyPr>
+          <a:bodyPr/>
           <a:lstStyle/>
           <a:p>
-            <a:pPr marL="571500" indent="-571500">
-              <a:buFont typeface="+mj-lt"/>
-              <a:buAutoNum type="romanUcPeriod" startAt="9"/>
-            </a:pPr>
-            <a:r>
-              <a:rPr lang="fr-FR" sz="2800" b="1" dirty="0" smtClean="0"/>
-              <a:t>Commandes</a:t>
-            </a:r>
-            <a:r>
-              <a:rPr lang="fr-FR" sz="2800" b="1" dirty="0"/>
-              <a:t>:</a:t>
-            </a:r>
-          </a:p>
-          <a:p>
-            <a:pPr marL="514350" indent="-244475">
+            <a:pPr marL="514350" indent="-514350">
               <a:buFont typeface="+mj-lt"/>
               <a:buAutoNum type="arabicPeriod"/>
-              <a:tabLst>
-                <a:tab pos="363538" algn="l"/>
-                <a:tab pos="623888" algn="l"/>
-              </a:tabLst>
-            </a:pPr>
-            <a:r>
-              <a:rPr lang="fr-FR" dirty="0"/>
-              <a:t>	</a:t>
-            </a:r>
-            <a:r>
-              <a:rPr lang="fr-FR" sz="2400" dirty="0"/>
-              <a:t>Lister les branches du projet</a:t>
-            </a:r>
-          </a:p>
-          <a:p>
-            <a:pPr marL="804863" indent="-182563">
-              <a:buFont typeface="Arial" panose="020B0604020202020204" pitchFamily="34" charset="0"/>
-              <a:buChar char="•"/>
-              <a:tabLst>
-                <a:tab pos="901700" algn="l"/>
-              </a:tabLst>
-            </a:pPr>
-            <a:r>
-              <a:rPr lang="fr-FR" sz="2600" b="1" i="1" dirty="0"/>
-              <a:t> git branch</a:t>
-            </a:r>
-          </a:p>
-          <a:p>
-            <a:pPr marL="514350" indent="-244475">
+            </a:pPr>
+            <a:r>
+              <a:rPr lang="fr-FR" dirty="0" smtClean="0"/>
+              <a:t>pusher dans une autre branche</a:t>
+            </a:r>
+          </a:p>
+          <a:p>
+            <a:pPr indent="133350"/>
+            <a:r>
+              <a:rPr lang="fr-FR" b="1" i="1" dirty="0"/>
+              <a:t>git push </a:t>
+            </a:r>
+            <a:r>
+              <a:rPr lang="fr-FR" b="1" i="1" dirty="0" err="1"/>
+              <a:t>origin</a:t>
+            </a:r>
+            <a:r>
+              <a:rPr lang="fr-FR" b="1" i="1" dirty="0"/>
+              <a:t> </a:t>
+            </a:r>
+            <a:r>
+              <a:rPr lang="fr-FR" b="1" i="1" dirty="0" err="1"/>
+              <a:t>localbranche</a:t>
+            </a:r>
+            <a:r>
+              <a:rPr lang="fr-FR" b="1" i="1" dirty="0"/>
+              <a:t> :remotebranche</a:t>
+            </a:r>
+          </a:p>
+          <a:p>
+            <a:pPr marL="514350" indent="-514350">
               <a:buFont typeface="+mj-lt"/>
               <a:buAutoNum type="arabicPeriod"/>
-              <a:tabLst>
-                <a:tab pos="363538" algn="l"/>
-                <a:tab pos="623888" algn="l"/>
-              </a:tabLst>
-            </a:pPr>
-            <a:r>
-              <a:rPr lang="fr-FR" sz="2400" dirty="0" smtClean="0"/>
-              <a:t> Ajouter </a:t>
-            </a:r>
-            <a:r>
-              <a:rPr lang="fr-FR" sz="2400" dirty="0"/>
-              <a:t>une branch</a:t>
-            </a:r>
-          </a:p>
-          <a:p>
-            <a:pPr marL="804863" lvl="1" indent="-182563">
-              <a:buFont typeface="Arial" panose="020B0604020202020204" pitchFamily="34" charset="0"/>
-              <a:buChar char="•"/>
-              <a:tabLst>
-                <a:tab pos="363538" algn="l"/>
-                <a:tab pos="623888" algn="l"/>
-              </a:tabLst>
-            </a:pPr>
-            <a:r>
-              <a:rPr lang="fr-FR" sz="2600" b="1" i="1" dirty="0"/>
-              <a:t>git branch «branch </a:t>
-            </a:r>
-            <a:r>
-              <a:rPr lang="fr-FR" sz="2600" b="1" i="1" dirty="0" err="1"/>
-              <a:t>name</a:t>
-            </a:r>
-            <a:r>
-              <a:rPr lang="fr-FR" sz="2600" b="1" i="1" dirty="0"/>
-              <a:t> », git </a:t>
-            </a:r>
-            <a:r>
-              <a:rPr lang="fr-FR" sz="2600" b="1" i="1" dirty="0" err="1"/>
-              <a:t>checkout</a:t>
-            </a:r>
-            <a:r>
-              <a:rPr lang="fr-FR" sz="2600" b="1" i="1" dirty="0"/>
-              <a:t> –b «branch </a:t>
-            </a:r>
-            <a:r>
-              <a:rPr lang="fr-FR" sz="2600" b="1" i="1" dirty="0" err="1"/>
-              <a:t>name</a:t>
-            </a:r>
-            <a:r>
-              <a:rPr lang="fr-FR" sz="2600" b="1" i="1" dirty="0"/>
-              <a:t> » </a:t>
-            </a:r>
-            <a:r>
-              <a:rPr lang="fr-FR" sz="2600" b="1" i="1" dirty="0" smtClean="0"/>
-              <a:t>(avec </a:t>
-            </a:r>
-            <a:r>
-              <a:rPr lang="fr-FR" sz="2600" b="1" i="1" dirty="0"/>
-              <a:t>saut ),</a:t>
-            </a:r>
-          </a:p>
-          <a:p>
-            <a:pPr marL="804863" lvl="1" indent="-182563">
-              <a:buFont typeface="Arial" panose="020B0604020202020204" pitchFamily="34" charset="0"/>
-              <a:buChar char="•"/>
-              <a:tabLst>
-                <a:tab pos="363538" algn="l"/>
-                <a:tab pos="623888" algn="l"/>
-                <a:tab pos="804863" algn="l"/>
-              </a:tabLst>
-            </a:pPr>
-            <a:r>
-              <a:rPr lang="fr-FR" altLang="fr-FR" sz="2600" b="1" i="1" dirty="0"/>
-              <a:t>git </a:t>
-            </a:r>
-            <a:r>
-              <a:rPr lang="fr-FR" altLang="fr-FR" sz="2600" b="1" i="1" dirty="0" err="1"/>
-              <a:t>checkout</a:t>
-            </a:r>
-            <a:r>
-              <a:rPr lang="fr-FR" altLang="fr-FR" sz="2600" b="1" i="1" dirty="0"/>
-              <a:t> -b [</a:t>
-            </a:r>
-            <a:r>
-              <a:rPr lang="fr-FR" altLang="fr-FR" sz="2600" b="1" i="1" dirty="0" err="1"/>
-              <a:t>branch_name</a:t>
-            </a:r>
-            <a:r>
-              <a:rPr lang="fr-FR" altLang="fr-FR" sz="2600" b="1" i="1" dirty="0"/>
-              <a:t>] [</a:t>
-            </a:r>
-            <a:r>
-              <a:rPr lang="fr-FR" altLang="fr-FR" sz="2600" b="1" i="1" dirty="0" err="1"/>
-              <a:t>commit_hash</a:t>
-            </a:r>
-            <a:r>
-              <a:rPr lang="fr-FR" altLang="fr-FR" sz="2600" b="1" i="1" dirty="0"/>
-              <a:t>] </a:t>
-            </a:r>
-          </a:p>
-          <a:p>
-            <a:pPr marL="1158875" lvl="1" indent="-890588">
-              <a:tabLst>
-                <a:tab pos="363538" algn="l"/>
-                <a:tab pos="623888" algn="l"/>
-              </a:tabLst>
-            </a:pPr>
-            <a:r>
-              <a:rPr lang="fr-FR" altLang="fr-FR" sz="2400" dirty="0" smtClean="0"/>
-              <a:t>3.Téléchargeles les changement de dépôt distant dans le dépôt locale sans écrasé le code de la branch courent (évité la divergence local remote)</a:t>
-            </a:r>
-            <a:endParaRPr lang="fr-FR" altLang="fr-FR" sz="2400" dirty="0"/>
-          </a:p>
-          <a:p>
-            <a:pPr marL="820738" lvl="1" indent="-192088">
-              <a:lnSpc>
-                <a:spcPct val="90000"/>
-              </a:lnSpc>
-              <a:spcBef>
-                <a:spcPts val="500"/>
-              </a:spcBef>
-              <a:buFont typeface="Arial" panose="020B0604020202020204" pitchFamily="34" charset="0"/>
-              <a:buChar char="•"/>
-              <a:tabLst>
-                <a:tab pos="628650" algn="l"/>
-                <a:tab pos="1163638" algn="l"/>
-              </a:tabLst>
-            </a:pPr>
-            <a:r>
-              <a:rPr lang="fr-FR" altLang="fr-FR" sz="2600" b="1" i="1" dirty="0" smtClean="0"/>
-              <a:t>git </a:t>
-            </a:r>
-            <a:r>
-              <a:rPr lang="fr-FR" altLang="fr-FR" sz="2600" b="1" i="1" dirty="0" err="1" smtClean="0"/>
-              <a:t>fetch</a:t>
-            </a:r>
-            <a:endParaRPr lang="fr-FR" altLang="fr-FR" sz="2600" b="1" i="1" dirty="0"/>
-          </a:p>
-          <a:p>
-            <a:pPr marL="533400" lvl="1" indent="-266700">
-              <a:lnSpc>
-                <a:spcPct val="90000"/>
-              </a:lnSpc>
-              <a:spcBef>
-                <a:spcPts val="500"/>
-              </a:spcBef>
-              <a:buFont typeface="+mj-lt"/>
-              <a:buAutoNum type="arabicPeriod" startAt="4"/>
-              <a:tabLst>
-                <a:tab pos="361950" algn="l"/>
-                <a:tab pos="1163638" algn="l"/>
-              </a:tabLst>
-            </a:pPr>
-            <a:r>
-              <a:rPr lang="fr-FR" altLang="fr-FR" sz="2400" dirty="0" smtClean="0"/>
-              <a:t>Mergé deux branche</a:t>
-            </a:r>
-            <a:endParaRPr lang="fr-FR" altLang="fr-FR" sz="2400" dirty="0"/>
-          </a:p>
-          <a:p>
-            <a:pPr marL="800100" lvl="1" indent="-171450">
-              <a:buFont typeface="Arial" panose="020B0604020202020204" pitchFamily="34" charset="0"/>
-              <a:buChar char="•"/>
-              <a:tabLst>
-                <a:tab pos="533400" algn="l"/>
-                <a:tab pos="623888" algn="l"/>
-                <a:tab pos="800100" algn="l"/>
-              </a:tabLst>
-            </a:pPr>
-            <a:r>
-              <a:rPr lang="fr-FR" sz="2400" b="1" i="1" dirty="0" smtClean="0"/>
-              <a:t>git </a:t>
-            </a:r>
-            <a:r>
-              <a:rPr lang="fr-FR" sz="2400" b="1" i="1" dirty="0" err="1" smtClean="0"/>
-              <a:t>merge</a:t>
-            </a:r>
-            <a:r>
-              <a:rPr lang="fr-FR" sz="2400" b="1" i="1" dirty="0" smtClean="0"/>
-              <a:t> </a:t>
-            </a:r>
-            <a:r>
-              <a:rPr lang="fr-FR" sz="2400" b="1" i="1" dirty="0" smtClean="0"/>
-              <a:t>branch</a:t>
-            </a:r>
-          </a:p>
-          <a:p>
-            <a:pPr marL="533400" lvl="1" indent="-266700">
-              <a:buFont typeface="+mj-lt"/>
-              <a:buAutoNum type="arabicPeriod"/>
-              <a:tabLst>
-                <a:tab pos="363538" algn="l"/>
-                <a:tab pos="533400" algn="l"/>
-              </a:tabLst>
-            </a:pPr>
-            <a:r>
-              <a:rPr lang="fr-FR" sz="2400" dirty="0"/>
-              <a:t>Supprimer une </a:t>
-            </a:r>
-            <a:r>
-              <a:rPr lang="fr-FR" sz="2400" dirty="0" smtClean="0"/>
-              <a:t>branche local</a:t>
-            </a:r>
-          </a:p>
-          <a:p>
-            <a:pPr marL="628650" lvl="1">
-              <a:buFont typeface="Arial" panose="020B0604020202020204" pitchFamily="34" charset="0"/>
-              <a:buChar char="•"/>
-              <a:tabLst>
-                <a:tab pos="457200" algn="l"/>
-                <a:tab pos="533400" algn="l"/>
-              </a:tabLst>
-            </a:pPr>
-            <a:r>
-              <a:rPr lang="fr-FR" sz="2400" b="1" i="1" dirty="0" smtClean="0"/>
-              <a:t>git </a:t>
-            </a:r>
-            <a:r>
-              <a:rPr lang="fr-FR" sz="2400" b="1" i="1" dirty="0"/>
-              <a:t>branch –d « branch </a:t>
-            </a:r>
-            <a:r>
-              <a:rPr lang="fr-FR" sz="2400" b="1" i="1" dirty="0" err="1"/>
-              <a:t>name</a:t>
-            </a:r>
-            <a:r>
-              <a:rPr lang="fr-FR" sz="2400" b="1" i="1" dirty="0"/>
-              <a:t> </a:t>
-            </a:r>
-            <a:r>
-              <a:rPr lang="fr-FR" sz="2400" b="1" i="1" dirty="0" smtClean="0"/>
-              <a:t>»</a:t>
-            </a:r>
-          </a:p>
-          <a:p>
-            <a:pPr marL="533400" lvl="1" indent="-266700">
-              <a:buFont typeface="+mj-lt"/>
-              <a:buAutoNum type="arabicPeriod"/>
-              <a:tabLst>
-                <a:tab pos="363538" algn="l"/>
-                <a:tab pos="533400" algn="l"/>
-              </a:tabLst>
-            </a:pPr>
-            <a:r>
-              <a:rPr lang="fr-FR" sz="2400" dirty="0"/>
-              <a:t>Switcher entre deux </a:t>
-            </a:r>
-            <a:r>
-              <a:rPr lang="fr-FR" sz="2400" dirty="0" smtClean="0"/>
-              <a:t>branches</a:t>
-            </a:r>
-          </a:p>
-          <a:p>
-            <a:pPr marL="628650" lvl="1" indent="-342900">
-              <a:buFont typeface="Arial" panose="020B0604020202020204" pitchFamily="34" charset="0"/>
-              <a:buChar char="•"/>
-              <a:tabLst>
-                <a:tab pos="457200" algn="l"/>
-                <a:tab pos="533400" algn="l"/>
-              </a:tabLst>
-            </a:pPr>
-            <a:r>
-              <a:rPr lang="fr-FR" sz="2400" b="1" i="1" dirty="0"/>
-              <a:t>git </a:t>
-            </a:r>
-            <a:r>
-              <a:rPr lang="fr-FR" sz="2400" b="1" i="1" dirty="0" err="1"/>
-              <a:t>checkout</a:t>
-            </a:r>
-            <a:r>
-              <a:rPr lang="fr-FR" sz="2400" b="1" i="1" dirty="0"/>
-              <a:t> «branch </a:t>
-            </a:r>
-            <a:r>
-              <a:rPr lang="fr-FR" sz="2400" b="1" i="1" dirty="0" err="1"/>
-              <a:t>name</a:t>
-            </a:r>
-            <a:r>
-              <a:rPr lang="fr-FR" sz="2400" b="1" i="1" dirty="0"/>
-              <a:t>  </a:t>
-            </a:r>
-            <a:r>
-              <a:rPr lang="fr-FR" sz="2400" b="1" i="1" dirty="0" smtClean="0"/>
-              <a:t>»</a:t>
-            </a:r>
-          </a:p>
-          <a:p>
-            <a:pPr marL="742950" lvl="1" indent="-457200">
-              <a:buFont typeface="+mj-lt"/>
-              <a:buAutoNum type="arabicPeriod"/>
-              <a:tabLst>
-                <a:tab pos="457200" algn="l"/>
-                <a:tab pos="533400" algn="l"/>
-              </a:tabLst>
-            </a:pPr>
-            <a:r>
-              <a:rPr lang="fr-FR" sz="2400" dirty="0"/>
-              <a:t>Supprimer la </a:t>
-            </a:r>
-            <a:r>
-              <a:rPr lang="fr-FR" sz="2400" dirty="0" smtClean="0"/>
-              <a:t>référence au dépôt distant</a:t>
-            </a:r>
-          </a:p>
-          <a:p>
-            <a:pPr marL="628650" lvl="1" indent="-342900">
-              <a:buFont typeface="Arial" panose="020B0604020202020204" pitchFamily="34" charset="0"/>
-              <a:buChar char="•"/>
-              <a:tabLst>
-                <a:tab pos="457200" algn="l"/>
-                <a:tab pos="533400" algn="l"/>
-              </a:tabLst>
-            </a:pPr>
-            <a:r>
-              <a:rPr lang="fr-FR" sz="2400" b="1" i="1" dirty="0"/>
-              <a:t>git </a:t>
-            </a:r>
-            <a:r>
-              <a:rPr lang="fr-FR" sz="2400" b="1" i="1" dirty="0" err="1"/>
-              <a:t>remote</a:t>
-            </a:r>
-            <a:r>
-              <a:rPr lang="fr-FR" sz="2400" b="1" i="1" dirty="0"/>
-              <a:t> </a:t>
-            </a:r>
-            <a:r>
-              <a:rPr lang="fr-FR" sz="2400" b="1" i="1" dirty="0" err="1"/>
-              <a:t>rm</a:t>
-            </a:r>
-            <a:r>
-              <a:rPr lang="fr-FR" sz="2400" b="1" i="1" dirty="0"/>
-              <a:t> </a:t>
-            </a:r>
-            <a:r>
-              <a:rPr lang="fr-FR" sz="2400" b="1" i="1" dirty="0" err="1"/>
-              <a:t>origin</a:t>
-            </a:r>
-            <a:endParaRPr lang="fr-FR" sz="2400" b="1" i="1" dirty="0"/>
-          </a:p>
-          <a:p>
-            <a:pPr marL="628650" lvl="1">
-              <a:tabLst>
-                <a:tab pos="457200" algn="l"/>
-                <a:tab pos="533400" algn="l"/>
-              </a:tabLst>
-            </a:pPr>
-            <a:endParaRPr lang="fr-FR" sz="2400" b="1" i="1" dirty="0" smtClean="0"/>
-          </a:p>
-          <a:p>
-            <a:pPr marL="817562" lvl="1">
-              <a:tabLst>
-                <a:tab pos="363538" algn="l"/>
-                <a:tab pos="623888" algn="l"/>
-              </a:tabLst>
-            </a:pPr>
-            <a:endParaRPr lang="fr-FR" sz="2400" b="1" i="1" dirty="0"/>
-          </a:p>
-          <a:p>
-            <a:pPr marL="1160462" lvl="1" indent="-342900">
-              <a:tabLst>
-                <a:tab pos="363538" algn="l"/>
-                <a:tab pos="623888" algn="l"/>
-              </a:tabLst>
-            </a:pPr>
-            <a:endParaRPr lang="fr-FR" sz="2400" b="1" i="1" dirty="0"/>
+            </a:pPr>
+            <a:endParaRPr lang="fr-FR" dirty="0"/>
           </a:p>
         </p:txBody>
       </p:sp>
     </p:spTree>
     <p:extLst>
       <p:ext uri="{BB962C8B-B14F-4D97-AF65-F5344CB8AC3E}">
-        <p14:creationId xmlns:p14="http://schemas.microsoft.com/office/powerpoint/2010/main" val="3235517478"/>
+        <p14:creationId xmlns:p14="http://schemas.microsoft.com/office/powerpoint/2010/main" val="964864392"/>
       </p:ext>
     </p:extLst>
   </p:cSld>
   <p:clrMapOvr>
     <a:masterClrMapping/>
   </p:clrMapOvr>
-  <p:timing>
-    <p:tnLst>
-      <p:par>
-        <p:cTn id="1" dur="indefinite" restart="never" nodeType="tmRoot"/>
-      </p:par>
-    </p:tnLst>
-  </p:timing>
 </p:sld>
 </file>
 
@@ -8562,23 +8579,88 @@
       </p:grpSpPr>
       <p:sp>
         <p:nvSpPr>
-          <p:cNvPr id="3" name="Espace réservé du contenu 2"/>
+          <p:cNvPr id="2" name="Titre 1"/>
           <p:cNvSpPr>
             <a:spLocks noGrp="1"/>
           </p:cNvSpPr>
           <p:nvPr>
-            <p:ph idx="1"/>
+            <p:ph type="title"/>
           </p:nvPr>
         </p:nvSpPr>
         <p:spPr>
           <a:xfrm>
-            <a:off x="171450" y="342900"/>
-            <a:ext cx="11734800" cy="6362700"/>
+            <a:off x="5042559" y="103868"/>
+            <a:ext cx="3222667" cy="584901"/>
           </a:xfrm>
         </p:spPr>
         <p:txBody>
+          <a:bodyPr>
+            <a:normAutofit fontScale="90000"/>
+          </a:bodyPr>
+          <a:lstStyle/>
+          <a:p>
+            <a:pPr algn="ctr"/>
+            <a:r>
+              <a:rPr lang="fr-FR" b="1" dirty="0" smtClean="0"/>
+              <a:t>HEAD &amp; Index</a:t>
+            </a:r>
+            <a:endParaRPr lang="fr-FR" b="1" dirty="0"/>
+          </a:p>
+        </p:txBody>
+      </p:sp>
+      <p:sp>
+        <p:nvSpPr>
+          <p:cNvPr id="3" name="Espace réservé du contenu 2"/>
+          <p:cNvSpPr>
+            <a:spLocks noGrp="1"/>
+          </p:cNvSpPr>
+          <p:nvPr>
+            <p:ph idx="1"/>
+          </p:nvPr>
+        </p:nvSpPr>
+        <p:spPr>
+          <a:xfrm>
+            <a:off x="410689" y="973778"/>
+            <a:ext cx="11595264" cy="5723905"/>
+          </a:xfrm>
+        </p:spPr>
+        <p:txBody>
           <a:bodyPr/>
           <a:lstStyle/>
+          <a:p>
+            <a:r>
+              <a:rPr lang="fr-FR" dirty="0" smtClean="0"/>
+              <a:t>Fichier texte  pointe vers le dernier commit référencé par le nom de la branche.</a:t>
+            </a:r>
+          </a:p>
+          <a:p>
+            <a:r>
+              <a:rPr lang="fr-FR" dirty="0" smtClean="0"/>
+              <a:t>Index fichier qui représente le stagged area (sous forme d’un arbre)</a:t>
+            </a:r>
+          </a:p>
+          <a:p>
+            <a:endParaRPr lang="fr-FR" dirty="0" smtClean="0"/>
+          </a:p>
+          <a:p>
+            <a:endParaRPr lang="fr-FR" dirty="0"/>
+          </a:p>
+          <a:p>
+            <a:endParaRPr lang="fr-FR" dirty="0" smtClean="0"/>
+          </a:p>
+          <a:p>
+            <a:endParaRPr lang="fr-FR" dirty="0"/>
+          </a:p>
+          <a:p>
+            <a:pPr marL="571500" indent="-571500">
+              <a:buFont typeface="+mj-lt"/>
+              <a:buAutoNum type="romanUcPeriod"/>
+            </a:pPr>
+            <a:r>
+              <a:rPr lang="fr-FR" dirty="0" smtClean="0"/>
+              <a:t>git checkout HASH commit:</a:t>
+            </a:r>
+          </a:p>
           <a:p>
             <a:pPr marL="514350" indent="-514350">
               <a:buFont typeface="+mj-lt"/>
@@ -8586,50 +8668,72 @@
             </a:pPr>
             <a:r>
               <a:rPr lang="fr-FR" dirty="0" smtClean="0"/>
-              <a:t>pusher dans une autre branche</a:t>
-            </a:r>
-          </a:p>
-          <a:p>
-            <a:pPr indent="133350"/>
-            <a:r>
-              <a:rPr lang="fr-FR" b="1" i="1" dirty="0"/>
-              <a:t>git push </a:t>
-            </a:r>
-            <a:r>
-              <a:rPr lang="fr-FR" b="1" i="1" dirty="0" err="1"/>
-              <a:t>origin</a:t>
-            </a:r>
-            <a:r>
-              <a:rPr lang="fr-FR" b="1" i="1" dirty="0"/>
-              <a:t> </a:t>
-            </a:r>
-            <a:r>
-              <a:rPr lang="fr-FR" b="1" i="1" dirty="0" err="1"/>
-              <a:t>localbranche</a:t>
-            </a:r>
-            <a:r>
-              <a:rPr lang="fr-FR" b="1" i="1" dirty="0"/>
-              <a:t> :</a:t>
-            </a:r>
-            <a:r>
-              <a:rPr lang="fr-FR" b="1" i="1" dirty="0" err="1"/>
-              <a:t>remotebranche</a:t>
-            </a:r>
-            <a:endParaRPr lang="fr-FR" b="1" i="1" dirty="0"/>
+              <a:t>Va charger l’arbre de commit dans le répertoire de travail.</a:t>
+            </a:r>
           </a:p>
           <a:p>
             <a:pPr marL="514350" indent="-514350">
               <a:buFont typeface="+mj-lt"/>
               <a:buAutoNum type="arabicPeriod"/>
             </a:pPr>
+            <a:r>
+              <a:rPr lang="fr-FR" dirty="0" smtClean="0"/>
+              <a:t>Ecrire dans le fichier index(stagged area)</a:t>
+            </a:r>
+          </a:p>
+          <a:p>
+            <a:pPr marL="514350" indent="-514350">
+              <a:buFont typeface="+mj-lt"/>
+              <a:buAutoNum type="arabicPeriod"/>
+            </a:pPr>
+            <a:r>
+              <a:rPr lang="fr-FR" dirty="0" smtClean="0"/>
+              <a:t>Mettre à jour le fichier HEAD à cette commit</a:t>
+            </a:r>
+          </a:p>
+          <a:p>
+            <a:pPr marL="514350" indent="-514350">
+              <a:buFont typeface="+mj-lt"/>
+              <a:buAutoNum type="arabicPeriod"/>
+            </a:pPr>
+            <a:endParaRPr lang="fr-FR" dirty="0" smtClean="0"/>
+          </a:p>
+          <a:p>
+            <a:endParaRPr lang="fr-FR" dirty="0" smtClean="0"/>
+          </a:p>
+          <a:p>
             <a:endParaRPr lang="fr-FR" dirty="0"/>
           </a:p>
         </p:txBody>
       </p:sp>
+      <p:pic>
+        <p:nvPicPr>
+          <p:cNvPr id="13" name="Image 12"/>
+          <p:cNvPicPr>
+            <a:picLocks noChangeAspect="1"/>
+          </p:cNvPicPr>
+          <p:nvPr/>
+        </p:nvPicPr>
+        <p:blipFill>
+          <a:blip r:embed="rId3"/>
+          <a:stretch>
+            <a:fillRect/>
+          </a:stretch>
+        </p:blipFill>
+        <p:spPr>
+          <a:xfrm>
+            <a:off x="3333750" y="2538412"/>
+            <a:ext cx="5524500" cy="1781175"/>
+          </a:xfrm>
+          <a:prstGeom prst="rect">
+            <a:avLst/>
+          </a:prstGeom>
+        </p:spPr>
+      </p:pic>
     </p:spTree>
     <p:extLst>
       <p:ext uri="{BB962C8B-B14F-4D97-AF65-F5344CB8AC3E}">
-        <p14:creationId xmlns:p14="http://schemas.microsoft.com/office/powerpoint/2010/main" val="964864392"/>
+        <p14:creationId xmlns:p14="http://schemas.microsoft.com/office/powerpoint/2010/main" val="85500214"/>
       </p:ext>
     </p:extLst>
   </p:cSld>
@@ -9053,6 +9157,274 @@
 <file path=ppt/slides/slide3.xml><?xml version="1.0" encoding="utf-8"?>
 <p:sld xmlns:a="http://schemas.openxmlformats.org/drawingml/2006/main" xmlns:r="http://schemas.openxmlformats.org/officeDocument/2006/relationships" xmlns:p="http://schemas.openxmlformats.org/presentationml/2006/main">
   <p:cSld>
+    <p:spTree>
+      <p:nvGrpSpPr>
+        <p:cNvPr id="1" name=""/>
+        <p:cNvGrpSpPr/>
+        <p:nvPr/>
+      </p:nvGrpSpPr>
+      <p:grpSpPr>
+        <a:xfrm>
+          <a:off x="0" y="0"/>
+          <a:ext cx="0" cy="0"/>
+          <a:chOff x="0" y="0"/>
+          <a:chExt cx="0" cy="0"/>
+        </a:xfrm>
+      </p:grpSpPr>
+      <p:sp>
+        <p:nvSpPr>
+          <p:cNvPr id="2" name="Titre 1"/>
+          <p:cNvSpPr>
+            <a:spLocks noGrp="1"/>
+          </p:cNvSpPr>
+          <p:nvPr>
+            <p:ph type="ctrTitle"/>
+          </p:nvPr>
+        </p:nvSpPr>
+        <p:spPr>
+          <a:xfrm>
+            <a:off x="5256944" y="10274"/>
+            <a:ext cx="1678112" cy="577648"/>
+          </a:xfrm>
+        </p:spPr>
+        <p:txBody>
+          <a:bodyPr>
+            <a:noAutofit/>
+          </a:bodyPr>
+          <a:lstStyle/>
+          <a:p>
+            <a:r>
+              <a:rPr lang="fr-FR" sz="4000" b="1" dirty="0" smtClean="0"/>
+              <a:t>Git</a:t>
+            </a:r>
+            <a:r>
+              <a:rPr lang="fr-FR" sz="3600" dirty="0" smtClean="0"/>
+              <a:t>	</a:t>
+            </a:r>
+            <a:endParaRPr lang="fr-FR" sz="3600" dirty="0"/>
+          </a:p>
+        </p:txBody>
+      </p:sp>
+      <p:sp>
+        <p:nvSpPr>
+          <p:cNvPr id="3" name="Sous-titre 2"/>
+          <p:cNvSpPr>
+            <a:spLocks noGrp="1"/>
+          </p:cNvSpPr>
+          <p:nvPr>
+            <p:ph type="subTitle" idx="1"/>
+          </p:nvPr>
+        </p:nvSpPr>
+        <p:spPr>
+          <a:xfrm>
+            <a:off x="321972" y="929640"/>
+            <a:ext cx="11548056" cy="5928359"/>
+          </a:xfrm>
+        </p:spPr>
+        <p:txBody>
+          <a:bodyPr>
+            <a:normAutofit/>
+          </a:bodyPr>
+          <a:lstStyle/>
+          <a:p>
+            <a:pPr marL="514350" indent="-514350" algn="l">
+              <a:buFont typeface="+mj-lt"/>
+              <a:buAutoNum type="romanUcPeriod"/>
+            </a:pPr>
+            <a:r>
+              <a:rPr lang="fr-FR" b="1" dirty="0" smtClean="0"/>
+              <a:t>Historique:</a:t>
+            </a:r>
+          </a:p>
+          <a:p>
+            <a:pPr marL="514350" indent="-514350" algn="l">
+              <a:buFont typeface="+mj-lt"/>
+              <a:buAutoNum type="romanUcPeriod"/>
+            </a:pPr>
+            <a:r>
+              <a:rPr lang="fr-FR" b="1" dirty="0" smtClean="0"/>
+              <a:t>Définition: </a:t>
+            </a:r>
+            <a:r>
+              <a:rPr lang="fr-FR" dirty="0" smtClean="0"/>
+              <a:t>système de fichier enregistrant les versions des fichiers d’un projet à des moments précis.</a:t>
+            </a:r>
+          </a:p>
+          <a:p>
+            <a:pPr marL="514350" indent="-514350" algn="l">
+              <a:buFont typeface="+mj-lt"/>
+              <a:buAutoNum type="romanUcPeriod"/>
+            </a:pPr>
+            <a:r>
+              <a:rPr lang="fr-FR" b="1" dirty="0" smtClean="0"/>
+              <a:t>Fonctionnemen</a:t>
+            </a:r>
+            <a:r>
+              <a:rPr lang="fr-FR" dirty="0" smtClean="0"/>
+              <a:t>t:</a:t>
+            </a:r>
+          </a:p>
+          <a:p>
+            <a:pPr marL="342900" indent="17463" algn="l">
+              <a:buFont typeface="Arial" panose="020B0604020202020204" pitchFamily="34" charset="0"/>
+              <a:buChar char="•"/>
+            </a:pPr>
+            <a:r>
+              <a:rPr lang="fr-FR" dirty="0" smtClean="0"/>
+              <a:t> Répertoire Git ( Repository).</a:t>
+            </a:r>
+          </a:p>
+          <a:p>
+            <a:pPr marL="342900" indent="17463" algn="l">
+              <a:buFont typeface="Arial" panose="020B0604020202020204" pitchFamily="34" charset="0"/>
+              <a:buChar char="•"/>
+            </a:pPr>
+            <a:r>
+              <a:rPr lang="fr-FR" sz="2500" dirty="0" smtClean="0"/>
+              <a:t> </a:t>
+            </a:r>
+            <a:r>
+              <a:rPr lang="fr-FR" dirty="0"/>
+              <a:t>Répertoire</a:t>
+            </a:r>
+            <a:r>
+              <a:rPr lang="fr-FR" dirty="0" smtClean="0"/>
+              <a:t> de travail (Work Directory).</a:t>
+            </a:r>
+          </a:p>
+          <a:p>
+            <a:pPr marL="342900" indent="17463" algn="l">
+              <a:buFont typeface="Arial" panose="020B0604020202020204" pitchFamily="34" charset="0"/>
+              <a:buChar char="•"/>
+            </a:pPr>
+            <a:r>
+              <a:rPr lang="fr-FR" sz="2500" dirty="0" smtClean="0"/>
+              <a:t> </a:t>
+            </a:r>
+            <a:r>
+              <a:rPr lang="fr-FR" dirty="0"/>
+              <a:t>La zone de </a:t>
+            </a:r>
+            <a:r>
+              <a:rPr lang="fr-FR" dirty="0" smtClean="0"/>
+              <a:t>transit/d’index</a:t>
+            </a:r>
+          </a:p>
+          <a:p>
+            <a:pPr marL="342900" indent="17463" algn="l">
+              <a:buFont typeface="Arial" panose="020B0604020202020204" pitchFamily="34" charset="0"/>
+              <a:buChar char="•"/>
+            </a:pPr>
+            <a:r>
+              <a:rPr lang="fr-FR" dirty="0" smtClean="0"/>
+              <a:t>ignorer des fichier(.gitignore) </a:t>
+            </a:r>
+            <a:endParaRPr lang="fr-FR" dirty="0"/>
+          </a:p>
+          <a:p>
+            <a:pPr marL="534988" indent="-534988" algn="l">
+              <a:buFont typeface="+mj-lt"/>
+              <a:buAutoNum type="romanUcPeriod" startAt="4"/>
+            </a:pPr>
+            <a:r>
+              <a:rPr lang="fr-FR" b="1" dirty="0" smtClean="0"/>
+              <a:t>Différentes Etats d’un fichier:</a:t>
+            </a:r>
+            <a:endParaRPr lang="fr-FR" b="1" dirty="0"/>
+          </a:p>
+          <a:p>
+            <a:pPr marL="685800" indent="-342900" algn="l">
+              <a:buFont typeface="Arial" panose="020B0604020202020204" pitchFamily="34" charset="0"/>
+              <a:buChar char="•"/>
+            </a:pPr>
+            <a:r>
+              <a:rPr lang="fr-FR" sz="2500" dirty="0" smtClean="0"/>
+              <a:t>Non versionnés (untracked)</a:t>
+            </a:r>
+          </a:p>
+          <a:p>
+            <a:pPr marL="685800" indent="-342900" algn="l">
+              <a:buFont typeface="Arial" panose="020B0604020202020204" pitchFamily="34" charset="0"/>
+              <a:buChar char="•"/>
+            </a:pPr>
+            <a:r>
+              <a:rPr lang="fr-FR" sz="2500" dirty="0"/>
+              <a:t>versionnés </a:t>
+            </a:r>
+            <a:r>
+              <a:rPr lang="fr-FR" sz="2500" dirty="0" smtClean="0"/>
+              <a:t>non modifié (commit contient ce qui a été changé)</a:t>
+            </a:r>
+          </a:p>
+          <a:p>
+            <a:pPr marL="685800" indent="-342900" algn="l">
+              <a:buFont typeface="Arial" panose="020B0604020202020204" pitchFamily="34" charset="0"/>
+              <a:buChar char="•"/>
+            </a:pPr>
+            <a:r>
+              <a:rPr lang="fr-FR" sz="2500" dirty="0"/>
+              <a:t>versionnés </a:t>
+            </a:r>
+            <a:r>
+              <a:rPr lang="fr-FR" sz="2500" dirty="0" smtClean="0"/>
+              <a:t>modifié  (non prêt </a:t>
+            </a:r>
+            <a:r>
+              <a:rPr lang="fr-FR" sz="2500" dirty="0"/>
+              <a:t>pour le prochaine </a:t>
+            </a:r>
+            <a:r>
+              <a:rPr lang="fr-FR" sz="2500" dirty="0" smtClean="0"/>
+              <a:t>commit)</a:t>
+            </a:r>
+            <a:endParaRPr lang="fr-FR" sz="2500" dirty="0"/>
+          </a:p>
+          <a:p>
+            <a:pPr marL="685800" indent="-342900" algn="l">
+              <a:buFont typeface="Arial" panose="020B0604020202020204" pitchFamily="34" charset="0"/>
+              <a:buChar char="•"/>
+            </a:pPr>
+            <a:r>
+              <a:rPr lang="fr-FR" sz="2500" dirty="0" smtClean="0"/>
+              <a:t>Indexé (staged)  (prêt pour le prochaine commit)</a:t>
+            </a:r>
+          </a:p>
+          <a:p>
+            <a:pPr marL="685800" indent="-342900" algn="l">
+              <a:buFont typeface="Arial" panose="020B0604020202020204" pitchFamily="34" charset="0"/>
+              <a:buChar char="•"/>
+            </a:pPr>
+            <a:endParaRPr lang="fr-FR" sz="2500" dirty="0" smtClean="0"/>
+          </a:p>
+          <a:p>
+            <a:pPr marL="342900" algn="l"/>
+            <a:endParaRPr lang="fr-FR" sz="2500" b="1" dirty="0"/>
+          </a:p>
+        </p:txBody>
+      </p:sp>
+    </p:spTree>
+    <p:extLst>
+      <p:ext uri="{BB962C8B-B14F-4D97-AF65-F5344CB8AC3E}">
+        <p14:creationId xmlns:p14="http://schemas.microsoft.com/office/powerpoint/2010/main" val="3886133043"/>
+      </p:ext>
+    </p:extLst>
+  </p:cSld>
+  <p:clrMapOvr>
+    <a:masterClrMapping/>
+  </p:clrMapOvr>
+  <p:timing>
+    <p:tnLst>
+      <p:par>
+        <p:cTn id="1" dur="indefinite" restart="never" nodeType="tmRoot"/>
+      </p:par>
+    </p:tnLst>
+  </p:timing>
+</p:sld>
+</file>
+
+<file path=ppt/slides/slide4.xml><?xml version="1.0" encoding="utf-8"?>
+<p:sld xmlns:a="http://schemas.openxmlformats.org/drawingml/2006/main" xmlns:r="http://schemas.openxmlformats.org/officeDocument/2006/relationships" xmlns:p="http://schemas.openxmlformats.org/presentationml/2006/main">
+  <p:cSld>
     <p:bg>
       <p:bgRef idx="1001">
         <a:schemeClr val="bg1"/>
@@ -9097,7 +9469,11 @@
             <a:pPr algn="ctr"/>
             <a:r>
               <a:rPr lang="fr-FR" b="1" dirty="0" smtClean="0"/>
-              <a:t>Utilisation de SCV</a:t>
+              <a:t>Utilisation de </a:t>
+            </a:r>
+            <a:r>
+              <a:rPr lang="fr-FR" b="1" dirty="0" smtClean="0"/>
+              <a:t>Git</a:t>
             </a:r>
             <a:endParaRPr lang="fr-FR" b="1" dirty="0"/>
           </a:p>
@@ -9201,274 +9577,6 @@
   </p:cSld>
   <p:clrMapOvr>
     <a:overrideClrMapping bg1="lt1" tx1="dk1" bg2="lt2" tx2="dk2" accent1="accent1" accent2="accent2" accent3="accent3" accent4="accent4" accent5="accent5" accent6="accent6" hlink="hlink" folHlink="folHlink"/>
-  </p:clrMapOvr>
-  <p:timing>
-    <p:tnLst>
-      <p:par>
-        <p:cTn id="1" dur="indefinite" restart="never" nodeType="tmRoot"/>
-      </p:par>
-    </p:tnLst>
-  </p:timing>
-</p:sld>
-</file>
-
-<file path=ppt/slides/slide4.xml><?xml version="1.0" encoding="utf-8"?>
-<p:sld xmlns:a="http://schemas.openxmlformats.org/drawingml/2006/main" xmlns:r="http://schemas.openxmlformats.org/officeDocument/2006/relationships" xmlns:p="http://schemas.openxmlformats.org/presentationml/2006/main">
-  <p:cSld>
-    <p:spTree>
-      <p:nvGrpSpPr>
-        <p:cNvPr id="1" name=""/>
-        <p:cNvGrpSpPr/>
-        <p:nvPr/>
-      </p:nvGrpSpPr>
-      <p:grpSpPr>
-        <a:xfrm>
-          <a:off x="0" y="0"/>
-          <a:ext cx="0" cy="0"/>
-          <a:chOff x="0" y="0"/>
-          <a:chExt cx="0" cy="0"/>
-        </a:xfrm>
-      </p:grpSpPr>
-      <p:sp>
-        <p:nvSpPr>
-          <p:cNvPr id="2" name="Titre 1"/>
-          <p:cNvSpPr>
-            <a:spLocks noGrp="1"/>
-          </p:cNvSpPr>
-          <p:nvPr>
-            <p:ph type="ctrTitle"/>
-          </p:nvPr>
-        </p:nvSpPr>
-        <p:spPr>
-          <a:xfrm>
-            <a:off x="5256944" y="10274"/>
-            <a:ext cx="1678112" cy="577648"/>
-          </a:xfrm>
-        </p:spPr>
-        <p:txBody>
-          <a:bodyPr>
-            <a:noAutofit/>
-          </a:bodyPr>
-          <a:lstStyle/>
-          <a:p>
-            <a:r>
-              <a:rPr lang="fr-FR" sz="4000" b="1" dirty="0" smtClean="0"/>
-              <a:t>Git</a:t>
-            </a:r>
-            <a:r>
-              <a:rPr lang="fr-FR" sz="3600" dirty="0" smtClean="0"/>
-              <a:t>	</a:t>
-            </a:r>
-            <a:endParaRPr lang="fr-FR" sz="3600" dirty="0"/>
-          </a:p>
-        </p:txBody>
-      </p:sp>
-      <p:sp>
-        <p:nvSpPr>
-          <p:cNvPr id="3" name="Sous-titre 2"/>
-          <p:cNvSpPr>
-            <a:spLocks noGrp="1"/>
-          </p:cNvSpPr>
-          <p:nvPr>
-            <p:ph type="subTitle" idx="1"/>
-          </p:nvPr>
-        </p:nvSpPr>
-        <p:spPr>
-          <a:xfrm>
-            <a:off x="321972" y="929640"/>
-            <a:ext cx="11548056" cy="5928359"/>
-          </a:xfrm>
-        </p:spPr>
-        <p:txBody>
-          <a:bodyPr>
-            <a:normAutofit/>
-          </a:bodyPr>
-          <a:lstStyle/>
-          <a:p>
-            <a:pPr marL="514350" indent="-514350" algn="l">
-              <a:buFont typeface="+mj-lt"/>
-              <a:buAutoNum type="romanUcPeriod"/>
-            </a:pPr>
-            <a:r>
-              <a:rPr lang="fr-FR" b="1" dirty="0" smtClean="0"/>
-              <a:t>Historique:</a:t>
-            </a:r>
-          </a:p>
-          <a:p>
-            <a:pPr marL="514350" indent="-514350" algn="l">
-              <a:buFont typeface="+mj-lt"/>
-              <a:buAutoNum type="romanUcPeriod"/>
-            </a:pPr>
-            <a:r>
-              <a:rPr lang="fr-FR" b="1" dirty="0" smtClean="0"/>
-              <a:t>Définition: </a:t>
-            </a:r>
-            <a:r>
-              <a:rPr lang="fr-FR" dirty="0" smtClean="0"/>
-              <a:t>système de fichier enregistrant les versions des fichiers d’un projet à des moments précis.</a:t>
-            </a:r>
-          </a:p>
-          <a:p>
-            <a:pPr marL="514350" indent="-514350" algn="l">
-              <a:buFont typeface="+mj-lt"/>
-              <a:buAutoNum type="romanUcPeriod"/>
-            </a:pPr>
-            <a:r>
-              <a:rPr lang="fr-FR" b="1" dirty="0" smtClean="0"/>
-              <a:t>Fonctionnemen</a:t>
-            </a:r>
-            <a:r>
-              <a:rPr lang="fr-FR" dirty="0" smtClean="0"/>
-              <a:t>t:</a:t>
-            </a:r>
-          </a:p>
-          <a:p>
-            <a:pPr marL="342900" indent="17463" algn="l">
-              <a:buFont typeface="Arial" panose="020B0604020202020204" pitchFamily="34" charset="0"/>
-              <a:buChar char="•"/>
-            </a:pPr>
-            <a:r>
-              <a:rPr lang="fr-FR" dirty="0" smtClean="0"/>
-              <a:t> Répertoire Git ( Repository).</a:t>
-            </a:r>
-          </a:p>
-          <a:p>
-            <a:pPr marL="342900" indent="17463" algn="l">
-              <a:buFont typeface="Arial" panose="020B0604020202020204" pitchFamily="34" charset="0"/>
-              <a:buChar char="•"/>
-            </a:pPr>
-            <a:r>
-              <a:rPr lang="fr-FR" sz="2500" dirty="0" smtClean="0"/>
-              <a:t> </a:t>
-            </a:r>
-            <a:r>
-              <a:rPr lang="fr-FR" dirty="0"/>
-              <a:t>Répertoire</a:t>
-            </a:r>
-            <a:r>
-              <a:rPr lang="fr-FR" dirty="0" smtClean="0"/>
-              <a:t> de travail (Work Directory).</a:t>
-            </a:r>
-          </a:p>
-          <a:p>
-            <a:pPr marL="342900" indent="17463" algn="l">
-              <a:buFont typeface="Arial" panose="020B0604020202020204" pitchFamily="34" charset="0"/>
-              <a:buChar char="•"/>
-            </a:pPr>
-            <a:r>
-              <a:rPr lang="fr-FR" sz="2500" dirty="0" smtClean="0"/>
-              <a:t> </a:t>
-            </a:r>
-            <a:r>
-              <a:rPr lang="fr-FR" dirty="0"/>
-              <a:t>La zone de </a:t>
-            </a:r>
-            <a:r>
-              <a:rPr lang="fr-FR" dirty="0" smtClean="0"/>
-              <a:t>transit/d’index</a:t>
-            </a:r>
-          </a:p>
-          <a:p>
-            <a:pPr marL="342900" indent="17463" algn="l">
-              <a:buFont typeface="Arial" panose="020B0604020202020204" pitchFamily="34" charset="0"/>
-              <a:buChar char="•"/>
-            </a:pPr>
-            <a:r>
-              <a:rPr lang="fr-FR" dirty="0" smtClean="0"/>
-              <a:t>ignorer des fichier(.gitignore) </a:t>
-            </a:r>
-            <a:endParaRPr lang="fr-FR" dirty="0"/>
-          </a:p>
-          <a:p>
-            <a:pPr marL="534988" indent="-534988" algn="l">
-              <a:buFont typeface="+mj-lt"/>
-              <a:buAutoNum type="romanUcPeriod" startAt="4"/>
-            </a:pPr>
-            <a:r>
-              <a:rPr lang="fr-FR" b="1" dirty="0" smtClean="0"/>
-              <a:t>Différentes Etats d’un fichier:</a:t>
-            </a:r>
-            <a:endParaRPr lang="fr-FR" b="1" dirty="0"/>
-          </a:p>
-          <a:p>
-            <a:pPr marL="685800" indent="-342900" algn="l">
-              <a:buFont typeface="Arial" panose="020B0604020202020204" pitchFamily="34" charset="0"/>
-              <a:buChar char="•"/>
-            </a:pPr>
-            <a:r>
-              <a:rPr lang="fr-FR" sz="2500" dirty="0" smtClean="0"/>
-              <a:t>Non versionnés (untracked)</a:t>
-            </a:r>
-          </a:p>
-          <a:p>
-            <a:pPr marL="685800" indent="-342900" algn="l">
-              <a:buFont typeface="Arial" panose="020B0604020202020204" pitchFamily="34" charset="0"/>
-              <a:buChar char="•"/>
-            </a:pPr>
-            <a:r>
-              <a:rPr lang="fr-FR" sz="2500" dirty="0"/>
-              <a:t>versionnés </a:t>
-            </a:r>
-            <a:r>
-              <a:rPr lang="fr-FR" sz="2500" dirty="0" smtClean="0"/>
-              <a:t>non modifié (commit contient ce qui a été changé)</a:t>
-            </a:r>
-          </a:p>
-          <a:p>
-            <a:pPr marL="685800" indent="-342900" algn="l">
-              <a:buFont typeface="Arial" panose="020B0604020202020204" pitchFamily="34" charset="0"/>
-              <a:buChar char="•"/>
-            </a:pPr>
-            <a:r>
-              <a:rPr lang="fr-FR" sz="2500" dirty="0"/>
-              <a:t>versionnés </a:t>
-            </a:r>
-            <a:r>
-              <a:rPr lang="fr-FR" sz="2500" dirty="0" smtClean="0"/>
-              <a:t>modifié  (non prêt </a:t>
-            </a:r>
-            <a:r>
-              <a:rPr lang="fr-FR" sz="2500" dirty="0"/>
-              <a:t>pour le prochaine </a:t>
-            </a:r>
-            <a:r>
-              <a:rPr lang="fr-FR" sz="2500" dirty="0" smtClean="0"/>
-              <a:t>commit)</a:t>
-            </a:r>
-            <a:endParaRPr lang="fr-FR" sz="2500" dirty="0"/>
-          </a:p>
-          <a:p>
-            <a:pPr marL="685800" indent="-342900" algn="l">
-              <a:buFont typeface="Arial" panose="020B0604020202020204" pitchFamily="34" charset="0"/>
-              <a:buChar char="•"/>
-            </a:pPr>
-            <a:r>
-              <a:rPr lang="fr-FR" sz="2500" dirty="0" smtClean="0"/>
-              <a:t>Indexé (staged)  (prêt pour le prochaine commit)</a:t>
-            </a:r>
-          </a:p>
-          <a:p>
-            <a:pPr marL="685800" indent="-342900" algn="l">
-              <a:buFont typeface="Arial" panose="020B0604020202020204" pitchFamily="34" charset="0"/>
-              <a:buChar char="•"/>
-            </a:pPr>
-            <a:endParaRPr lang="fr-FR" sz="2500" dirty="0" smtClean="0"/>
-          </a:p>
-          <a:p>
-            <a:pPr marL="342900" algn="l"/>
-            <a:endParaRPr lang="fr-FR" sz="2500" b="1" dirty="0"/>
-          </a:p>
-        </p:txBody>
-      </p:sp>
-    </p:spTree>
-    <p:extLst>
-      <p:ext uri="{BB962C8B-B14F-4D97-AF65-F5344CB8AC3E}">
-        <p14:creationId xmlns:p14="http://schemas.microsoft.com/office/powerpoint/2010/main" val="3886133043"/>
-      </p:ext>
-    </p:extLst>
-  </p:cSld>
-  <p:clrMapOvr>
-    <a:masterClrMapping/>
   </p:clrMapOvr>
   <p:timing>
     <p:tnLst>
@@ -9499,85 +9607,69 @@
       </p:grpSpPr>
       <p:sp>
         <p:nvSpPr>
-          <p:cNvPr id="2" name="Espace réservé du contenu 1"/>
+          <p:cNvPr id="2" name="Titre 1"/>
           <p:cNvSpPr>
             <a:spLocks noGrp="1"/>
           </p:cNvSpPr>
           <p:nvPr>
-            <p:ph idx="1"/>
+            <p:ph type="title"/>
           </p:nvPr>
         </p:nvSpPr>
         <p:spPr>
           <a:xfrm>
-            <a:off x="869022" y="1568771"/>
-            <a:ext cx="10515600" cy="4351338"/>
+            <a:off x="3712029" y="0"/>
+            <a:ext cx="5158839" cy="668028"/>
           </a:xfrm>
         </p:spPr>
         <p:txBody>
-          <a:bodyPr/>
+          <a:bodyPr>
+            <a:normAutofit fontScale="90000"/>
+          </a:bodyPr>
           <a:lstStyle/>
           <a:p>
-            <a:r>
-              <a:rPr lang="fr-FR" dirty="0" err="1" smtClean="0"/>
-              <a:t>shéma</a:t>
-            </a:r>
-            <a:endParaRPr lang="fr-FR" dirty="0"/>
-          </a:p>
-        </p:txBody>
-      </p:sp>
-      <p:sp>
-        <p:nvSpPr>
-          <p:cNvPr id="3" name="ZoneTexte 2"/>
-          <p:cNvSpPr txBox="1"/>
+            <a:pPr algn="ctr"/>
+            <a:r>
+              <a:rPr lang="fr-FR" b="1" dirty="0" smtClean="0"/>
+              <a:t>Architecture de Git</a:t>
+            </a:r>
+            <a:endParaRPr lang="fr-FR" b="1" dirty="0"/>
+          </a:p>
+        </p:txBody>
+      </p:sp>
+      <p:pic>
+        <p:nvPicPr>
+          <p:cNvPr id="4" name="Image 3"/>
+          <p:cNvPicPr>
+            <a:picLocks noChangeAspect="1"/>
+          </p:cNvPicPr>
           <p:nvPr/>
-        </p:nvSpPr>
+        </p:nvPicPr>
+        <p:blipFill>
+          <a:blip r:embed="rId2"/>
+          <a:stretch>
+            <a:fillRect/>
+          </a:stretch>
+        </p:blipFill>
         <p:spPr>
           <a:xfrm>
-            <a:off x="4554876" y="0"/>
-            <a:ext cx="3965825" cy="984885"/>
+            <a:off x="451262" y="1338262"/>
+            <a:ext cx="11139055" cy="5026912"/>
           </a:xfrm>
           <a:prstGeom prst="rect">
             <a:avLst/>
           </a:prstGeom>
-          <a:noFill/>
         </p:spPr>
-        <p:txBody>
-          <a:bodyPr wrap="square" rtlCol="0">
-            <a:spAutoFit/>
-          </a:bodyPr>
-          <a:lstStyle/>
-          <a:p>
-            <a:r>
-              <a:rPr lang="fr-FR" sz="4000" b="1" dirty="0">
-                <a:latin typeface="+mj-lt"/>
-                <a:ea typeface="+mj-ea"/>
-                <a:cs typeface="+mj-cs"/>
-              </a:rPr>
-              <a:t>Fonctionnement:</a:t>
-            </a:r>
-          </a:p>
-          <a:p>
-            <a:endParaRPr lang="fr-FR" dirty="0"/>
-          </a:p>
-        </p:txBody>
-      </p:sp>
+      </p:pic>
     </p:spTree>
     <p:extLst>
       <p:ext uri="{BB962C8B-B14F-4D97-AF65-F5344CB8AC3E}">
-        <p14:creationId xmlns:p14="http://schemas.microsoft.com/office/powerpoint/2010/main" val="4126267492"/>
+        <p14:creationId xmlns:p14="http://schemas.microsoft.com/office/powerpoint/2010/main" val="3816600838"/>
       </p:ext>
     </p:extLst>
   </p:cSld>
   <p:clrMapOvr>
     <a:masterClrMapping/>
   </p:clrMapOvr>
-  <p:timing>
-    <p:tnLst>
-      <p:par>
-        <p:cTn id="1" dur="indefinite" restart="never" nodeType="tmRoot"/>
-      </p:par>
-    </p:tnLst>
-  </p:timing>
 </p:sld>
 </file>
 
@@ -9600,136 +9692,108 @@
       </p:grpSpPr>
       <p:sp>
         <p:nvSpPr>
-          <p:cNvPr id="3" name="Espace réservé du contenu 2"/>
+          <p:cNvPr id="2" name="Titre 1"/>
           <p:cNvSpPr>
             <a:spLocks noGrp="1"/>
           </p:cNvSpPr>
           <p:nvPr>
-            <p:ph idx="1"/>
+            <p:ph type="title"/>
           </p:nvPr>
         </p:nvSpPr>
         <p:spPr>
           <a:xfrm>
-            <a:off x="283395" y="1019103"/>
-            <a:ext cx="11829835" cy="5746429"/>
+            <a:off x="3542444" y="0"/>
+            <a:ext cx="5147352" cy="729465"/>
           </a:xfrm>
         </p:spPr>
         <p:txBody>
           <a:bodyPr/>
           <a:lstStyle/>
           <a:p>
+            <a:pPr algn="ctr"/>
+            <a:r>
+              <a:rPr lang="fr-FR" b="1" dirty="0"/>
+              <a:t>Utilisation</a:t>
+            </a:r>
+            <a:endParaRPr lang="fr-FR" dirty="0"/>
+          </a:p>
+        </p:txBody>
+      </p:sp>
+      <p:sp>
+        <p:nvSpPr>
+          <p:cNvPr id="3" name="Espace réservé du contenu 2"/>
+          <p:cNvSpPr>
+            <a:spLocks noGrp="1"/>
+          </p:cNvSpPr>
+          <p:nvPr>
+            <p:ph idx="1"/>
+          </p:nvPr>
+        </p:nvSpPr>
+        <p:spPr>
+          <a:xfrm>
+            <a:off x="160105" y="1229724"/>
+            <a:ext cx="11912030" cy="5540946"/>
+          </a:xfrm>
+        </p:spPr>
+        <p:txBody>
+          <a:bodyPr/>
+          <a:lstStyle/>
+          <a:p>
             <a:pPr marL="571500" indent="-571500">
               <a:buFont typeface="+mj-lt"/>
-              <a:buAutoNum type="romanUcPeriod" startAt="4"/>
+              <a:buAutoNum type="romanUcPeriod" startAt="5"/>
             </a:pPr>
             <a:r>
               <a:rPr lang="fr-FR" b="1" dirty="0" smtClean="0"/>
-              <a:t>Avantages</a:t>
-            </a:r>
-            <a:r>
-              <a:rPr lang="fr-FR" b="1" dirty="0"/>
-              <a:t>:</a:t>
-            </a:r>
-          </a:p>
-          <a:p>
-            <a:pPr marL="457200" indent="-93663">
-              <a:buFont typeface="+mj-lt"/>
-              <a:buAutoNum type="arabicPeriod"/>
-            </a:pPr>
-            <a:r>
-              <a:rPr lang="fr-FR" dirty="0"/>
-              <a:t>Revenir à une version précédentes,</a:t>
-            </a:r>
-          </a:p>
-          <a:p>
-            <a:pPr marL="457200" indent="-93663">
-              <a:buFont typeface="+mj-lt"/>
-              <a:buAutoNum type="arabicPeriod"/>
-            </a:pPr>
-            <a:r>
-              <a:rPr lang="fr-FR" dirty="0"/>
-              <a:t>Suivre l’évolution du projet au cours du temps.</a:t>
-            </a:r>
-          </a:p>
-          <a:p>
-            <a:pPr marL="457200" indent="-93663">
-              <a:buFont typeface="+mj-lt"/>
-              <a:buAutoNum type="arabicPeriod"/>
-            </a:pPr>
-            <a:r>
-              <a:rPr lang="fr-FR" dirty="0"/>
-              <a:t>Permettre le travail parallèle sur des  parties disjointes du projet et gérer les modifications concurrentes.</a:t>
-            </a:r>
-          </a:p>
-          <a:p>
-            <a:pPr marL="457200" indent="-93663">
-              <a:buFont typeface="+mj-lt"/>
-              <a:buAutoNum type="arabicPeriod"/>
-            </a:pPr>
-            <a:r>
-              <a:rPr lang="fr-FR" dirty="0"/>
-              <a:t>Faciliter la détection des erreurs et la correction.</a:t>
-            </a:r>
-          </a:p>
-          <a:p>
+              <a:t>Utilisation:</a:t>
+            </a:r>
+          </a:p>
+          <a:p>
+            <a:r>
+              <a:rPr lang="fr-FR" dirty="0" smtClean="0"/>
+              <a:t>Téléchargé et Installer git (</a:t>
+            </a:r>
+            <a:r>
+              <a:rPr lang="fr-FR" dirty="0" smtClean="0">
+                <a:hlinkClick r:id="rId2"/>
+              </a:rPr>
+              <a:t>https://git-scm.com/downloads</a:t>
+            </a:r>
+            <a:r>
+              <a:rPr lang="fr-FR" dirty="0" smtClean="0"/>
+              <a:t>)</a:t>
+            </a:r>
+            <a:endParaRPr lang="fr-FR" dirty="0" smtClean="0"/>
+          </a:p>
+          <a:p>
+            <a:r>
+              <a:rPr lang="fr-FR" dirty="0" smtClean="0"/>
+              <a:t>Créer un </a:t>
+            </a:r>
+            <a:r>
+              <a:rPr lang="fr-FR" u="sng" dirty="0" smtClean="0"/>
+              <a:t>dépôt ( repository )</a:t>
+            </a:r>
+            <a:r>
+              <a:rPr lang="fr-FR" dirty="0" smtClean="0"/>
+              <a:t> distant(</a:t>
+            </a:r>
+            <a:r>
+              <a:rPr lang="fr-FR" dirty="0" err="1" smtClean="0"/>
+              <a:t>github</a:t>
+            </a:r>
+            <a:r>
+              <a:rPr lang="fr-FR" dirty="0" smtClean="0"/>
+              <a:t>, bitbucket, gitlab,...)</a:t>
+            </a:r>
             <a:endParaRPr lang="fr-FR" dirty="0"/>
-          </a:p>
-        </p:txBody>
-      </p:sp>
-      <p:sp>
-        <p:nvSpPr>
-          <p:cNvPr id="4" name="Titre 1"/>
-          <p:cNvSpPr txBox="1">
-            <a:spLocks/>
-          </p:cNvSpPr>
-          <p:nvPr/>
-        </p:nvSpPr>
-        <p:spPr>
-          <a:xfrm>
-            <a:off x="4506501" y="0"/>
-            <a:ext cx="3383622" cy="577648"/>
-          </a:xfrm>
-          <a:prstGeom prst="rect">
-            <a:avLst/>
-          </a:prstGeom>
-        </p:spPr>
-        <p:txBody>
-          <a:bodyPr vert="horz" lIns="91440" tIns="45720" rIns="91440" bIns="45720" rtlCol="0" anchor="ctr">
-            <a:noAutofit/>
-          </a:bodyPr>
-          <a:lstStyle>
-            <a:lvl1pPr algn="l" defTabSz="914400" rtl="0" eaLnBrk="1" latinLnBrk="0" hangingPunct="1">
-              <a:lnSpc>
-                <a:spcPct val="90000"/>
-              </a:lnSpc>
-              <a:spcBef>
-                <a:spcPct val="0"/>
-              </a:spcBef>
-              <a:buNone/>
-              <a:defRPr sz="4400" kern="1200">
-                <a:solidFill>
-                  <a:schemeClr val="tx1"/>
-                </a:solidFill>
-                <a:latin typeface="+mj-lt"/>
-                <a:ea typeface="+mj-ea"/>
-                <a:cs typeface="+mj-cs"/>
-              </a:defRPr>
-            </a:lvl1pPr>
-          </a:lstStyle>
-          <a:p>
-            <a:pPr algn="ctr"/>
-            <a:r>
-              <a:rPr lang="fr-FR" sz="4000" b="1" dirty="0" smtClean="0"/>
-              <a:t>Avantages</a:t>
-            </a:r>
-            <a:endParaRPr lang="fr-FR" sz="3600" dirty="0"/>
           </a:p>
         </p:txBody>
       </p:sp>
     </p:spTree>
     <p:extLst>
       <p:ext uri="{BB962C8B-B14F-4D97-AF65-F5344CB8AC3E}">
-        <p14:creationId xmlns:p14="http://schemas.microsoft.com/office/powerpoint/2010/main" val="3957191685"/>
+        <p14:creationId xmlns:p14="http://schemas.microsoft.com/office/powerpoint/2010/main" val="3973618560"/>
       </p:ext>
     </p:extLst>
   </p:cSld>
@@ -9775,18 +9839,141 @@
         </p:nvSpPr>
         <p:spPr>
           <a:xfrm>
-            <a:off x="3542444" y="0"/>
-            <a:ext cx="5147352" cy="729465"/>
+            <a:off x="4904509" y="0"/>
+            <a:ext cx="2382982" cy="850611"/>
           </a:xfrm>
         </p:spPr>
         <p:txBody>
+          <a:bodyPr>
+            <a:normAutofit/>
+          </a:bodyPr>
+          <a:lstStyle/>
+          <a:p>
+            <a:pPr algn="ctr"/>
+            <a:r>
+              <a:rPr lang="fr-FR" b="1" dirty="0"/>
+              <a:t>Branches</a:t>
+            </a:r>
+          </a:p>
+        </p:txBody>
+      </p:sp>
+      <p:sp>
+        <p:nvSpPr>
+          <p:cNvPr id="3" name="Espace réservé du contenu 2"/>
+          <p:cNvSpPr>
+            <a:spLocks noGrp="1"/>
+          </p:cNvSpPr>
+          <p:nvPr>
+            <p:ph idx="1"/>
+          </p:nvPr>
+        </p:nvSpPr>
+        <p:spPr>
+          <a:xfrm>
+            <a:off x="178130" y="850611"/>
+            <a:ext cx="12013870" cy="6007389"/>
+          </a:xfrm>
+        </p:spPr>
+        <p:txBody>
           <a:bodyPr/>
           <a:lstStyle/>
           <a:p>
-            <a:pPr algn="ctr"/>
+            <a:pPr marL="571500" indent="-571500">
+              <a:buFont typeface="+mj-lt"/>
+              <a:buAutoNum type="romanUcPeriod" startAt="7"/>
+            </a:pPr>
+            <a:r>
+              <a:rPr lang="fr-FR" b="1" dirty="0" smtClean="0"/>
+              <a:t>Branches:</a:t>
+            </a:r>
+            <a:endParaRPr lang="fr-FR" b="1" dirty="0"/>
+          </a:p>
+          <a:p>
+            <a:pPr marL="0" indent="0">
+              <a:buNone/>
+            </a:pPr>
+            <a:r>
+              <a:rPr lang="fr-FR" dirty="0" smtClean="0"/>
+              <a:t>	Une autre versions de projet, une ligne de vie indépendante. Ici la notion distribués et met en valeur.(il </a:t>
+            </a:r>
+            <a:r>
+              <a:rPr lang="fr-FR" dirty="0" smtClean="0"/>
+              <a:t>existe </a:t>
+            </a:r>
+            <a:r>
+              <a:rPr lang="fr-FR" dirty="0" smtClean="0"/>
+              <a:t>plusieurs stratégie)</a:t>
+            </a:r>
+          </a:p>
+          <a:p>
+            <a:pPr marL="571500" indent="-571500">
+              <a:buFont typeface="+mj-lt"/>
+              <a:buAutoNum type="romanUcPeriod" startAt="8"/>
+            </a:pPr>
             <a:r>
               <a:rPr lang="fr-FR" b="1" dirty="0"/>
-              <a:t>Utilisation</a:t>
+              <a:t>Avantages</a:t>
+            </a:r>
+            <a:r>
+              <a:rPr lang="fr-FR" dirty="0" smtClean="0"/>
+              <a:t>: </a:t>
+            </a:r>
+          </a:p>
+          <a:p>
+            <a:pPr marL="514350" indent="-244475">
+              <a:buFont typeface="+mj-lt"/>
+              <a:buAutoNum type="arabicPeriod"/>
+            </a:pPr>
+            <a:r>
+              <a:rPr lang="fr-FR" dirty="0" smtClean="0"/>
+              <a:t>Lancer d’autre version on ayant toujours une </a:t>
+            </a:r>
+            <a:r>
+              <a:rPr lang="fr-FR" dirty="0"/>
+              <a:t>v</a:t>
+            </a:r>
+            <a:r>
+              <a:rPr lang="fr-FR" dirty="0" smtClean="0"/>
+              <a:t>ersion stable.</a:t>
+            </a:r>
+          </a:p>
+          <a:p>
+            <a:pPr marL="514350" indent="-244475">
+              <a:buFont typeface="+mj-lt"/>
+              <a:buAutoNum type="arabicPeriod"/>
+            </a:pPr>
+            <a:r>
+              <a:rPr lang="fr-FR" dirty="0" smtClean="0"/>
+              <a:t>Tester d’autre implémentions d’une fonctionnalité existante</a:t>
+            </a:r>
+          </a:p>
+          <a:p>
+            <a:pPr marL="514350" indent="-244475">
+              <a:buFont typeface="+mj-lt"/>
+              <a:buAutoNum type="arabicPeriod"/>
+            </a:pPr>
+            <a:r>
+              <a:rPr lang="fr-FR" dirty="0" smtClean="0"/>
+              <a:t>Possibilité de travailler en Independence et push les changement sans affecté les collègues</a:t>
+            </a:r>
+          </a:p>
+          <a:p>
+            <a:pPr marL="514350" indent="-244475">
+              <a:buFont typeface="+mj-lt"/>
+              <a:buAutoNum type="arabicPeriod"/>
+            </a:pPr>
+            <a:r>
+              <a:rPr lang="fr-FR" dirty="0" smtClean="0"/>
+              <a:t>Possibilité de marger le code des collèges avec notre  changement et de résoudre rapidement les conflits</a:t>
+            </a:r>
+          </a:p>
+          <a:p>
+            <a:pPr marL="514350" indent="-244475">
+              <a:buFont typeface="+mj-lt"/>
+              <a:buAutoNum type="arabicPeriod"/>
+            </a:pPr>
+            <a:r>
+              <a:rPr lang="fr-FR" dirty="0" smtClean="0"/>
+              <a:t>Assuré que les normes de codage sont maintenue, et facilite la collaboration quelque soit la taille	 de l’équipe  </a:t>
             </a:r>
             <a:endParaRPr lang="fr-FR" dirty="0"/>
           </a:p>
@@ -9794,78 +9981,34 @@
       </p:sp>
       <p:sp>
         <p:nvSpPr>
-          <p:cNvPr id="3" name="Espace réservé du contenu 2"/>
-          <p:cNvSpPr>
-            <a:spLocks noGrp="1"/>
-          </p:cNvSpPr>
-          <p:nvPr>
-            <p:ph idx="1"/>
-          </p:nvPr>
+          <p:cNvPr id="4" name="Rectangle 3"/>
+          <p:cNvSpPr/>
+          <p:nvPr/>
         </p:nvSpPr>
         <p:spPr>
           <a:xfrm>
-            <a:off x="160105" y="1229724"/>
-            <a:ext cx="11912030" cy="5540946"/>
+            <a:off x="4787148" y="3244334"/>
+            <a:ext cx="1009892" cy="369332"/>
           </a:xfrm>
+          <a:prstGeom prst="rect">
+            <a:avLst/>
+          </a:prstGeom>
         </p:spPr>
         <p:txBody>
-          <a:bodyPr/>
+          <a:bodyPr wrap="none">
+            <a:spAutoFit/>
+          </a:bodyPr>
           <a:lstStyle/>
           <a:p>
-            <a:pPr marL="571500" indent="-571500">
-              <a:buFont typeface="+mj-lt"/>
-              <a:buAutoNum type="romanUcPeriod" startAt="5"/>
-            </a:pPr>
-            <a:r>
-              <a:rPr lang="fr-FR" b="1" dirty="0" smtClean="0"/>
-              <a:t>Utilisation:</a:t>
-            </a:r>
-          </a:p>
-          <a:p>
-            <a:r>
-              <a:rPr lang="fr-FR" dirty="0" smtClean="0"/>
-              <a:t>Téléchargé et Installer git (</a:t>
-            </a:r>
-            <a:r>
-              <a:rPr lang="fr-FR" dirty="0" smtClean="0">
-                <a:hlinkClick r:id="rId2"/>
-              </a:rPr>
-              <a:t>https://git-scm.com/downloads</a:t>
-            </a:r>
-            <a:r>
-              <a:rPr lang="fr-FR" dirty="0" smtClean="0"/>
-              <a:t>)</a:t>
-            </a:r>
-          </a:p>
-          <a:p>
-            <a:r>
-              <a:rPr lang="fr-FR" dirty="0" smtClean="0"/>
-              <a:t>Créer un </a:t>
-            </a:r>
-            <a:r>
-              <a:rPr lang="fr-FR" u="sng" dirty="0" smtClean="0"/>
-              <a:t>dépôt ( repository )</a:t>
-            </a:r>
-            <a:r>
-              <a:rPr lang="fr-FR" dirty="0" smtClean="0"/>
-              <a:t> distant(</a:t>
-            </a:r>
-            <a:r>
-              <a:rPr lang="fr-FR" dirty="0" err="1" smtClean="0"/>
-              <a:t>github</a:t>
-            </a:r>
-            <a:r>
-              <a:rPr lang="fr-FR" dirty="0" smtClean="0"/>
-              <a:t>, bitbucket, gitlab,...)</a:t>
-            </a:r>
-            <a:endParaRPr lang="fr-FR" dirty="0"/>
+            <a:pPr marL="1160462" lvl="1" indent="-342900"/>
+            <a:endParaRPr lang="fr-FR" b="1" i="1" dirty="0"/>
           </a:p>
         </p:txBody>
       </p:sp>
     </p:spTree>
     <p:extLst>
       <p:ext uri="{BB962C8B-B14F-4D97-AF65-F5344CB8AC3E}">
-        <p14:creationId xmlns:p14="http://schemas.microsoft.com/office/powerpoint/2010/main" val="3973618560"/>
+        <p14:creationId xmlns:p14="http://schemas.microsoft.com/office/powerpoint/2010/main" val="2865287282"/>
       </p:ext>
     </p:extLst>
   </p:cSld>
@@ -9883,6 +10026,246 @@
 </file>
 
 <file path=ppt/slides/slide8.xml><?xml version="1.0" encoding="utf-8"?>
+<p:sld xmlns:a="http://schemas.openxmlformats.org/drawingml/2006/main" xmlns:r="http://schemas.openxmlformats.org/officeDocument/2006/relationships" xmlns:p="http://schemas.openxmlformats.org/presentationml/2006/main">
+  <p:cSld>
+    <p:spTree>
+      <p:nvGrpSpPr>
+        <p:cNvPr id="1" name=""/>
+        <p:cNvGrpSpPr/>
+        <p:nvPr/>
+      </p:nvGrpSpPr>
+      <p:grpSpPr>
+        <a:xfrm>
+          <a:off x="0" y="0"/>
+          <a:ext cx="0" cy="0"/>
+          <a:chOff x="0" y="0"/>
+          <a:chExt cx="0" cy="0"/>
+        </a:xfrm>
+      </p:grpSpPr>
+      <p:sp>
+        <p:nvSpPr>
+          <p:cNvPr id="5" name="Rectangle 1"/>
+          <p:cNvSpPr>
+            <a:spLocks noChangeArrowheads="1"/>
+          </p:cNvSpPr>
+          <p:nvPr/>
+        </p:nvSpPr>
+        <p:spPr bwMode="auto">
+          <a:xfrm>
+            <a:off x="0" y="43934"/>
+            <a:ext cx="184731" cy="369332"/>
+          </a:xfrm>
+          <a:prstGeom prst="rect">
+            <a:avLst/>
+          </a:prstGeom>
+          <a:solidFill>
+            <a:srgbClr val="292D3E"/>
+          </a:solidFill>
+          <a:ln>
+            <a:noFill/>
+          </a:ln>
+          <a:effectLst/>
+          <a:extLst>
+            <a:ext uri="{91240B29-F687-4F45-9708-019B960494DF}">
+              <a14:hiddenLine xmlns:a14="http://schemas.microsoft.com/office/drawing/2010/main" w="9525">
+                <a:solidFill>
+                  <a:schemeClr val="tx1"/>
+                </a:solidFill>
+                <a:miter lim="800000"/>
+                <a:headEnd/>
+                <a:tailEnd/>
+              </a14:hiddenLine>
+            </a:ext>
+            <a:ext uri="{AF507438-7753-43E0-B8FC-AC1667EBCBE1}">
+              <a14:hiddenEffects xmlns:a14="http://schemas.microsoft.com/office/drawing/2010/main">
+                <a:effectLst>
+                  <a:outerShdw dist="35921" dir="2700000" algn="ctr" rotWithShape="0">
+                    <a:schemeClr val="bg2"/>
+                  </a:outerShdw>
+                </a:effectLst>
+              </a14:hiddenEffects>
+            </a:ext>
+          </a:extLst>
+        </p:spPr>
+        <p:txBody>
+          <a:bodyPr vert="horz" wrap="none" lIns="91440" tIns="45720" rIns="91440" bIns="45720" numCol="1" anchor="ctr" anchorCtr="0" compatLnSpc="1">
+            <a:prstTxWarp prst="textNoShape">
+              <a:avLst/>
+            </a:prstTxWarp>
+            <a:spAutoFit/>
+          </a:bodyPr>
+          <a:lstStyle/>
+          <a:p>
+            <a:pPr marL="0" marR="0" lvl="0" indent="0" algn="l" defTabSz="914400" rtl="0" eaLnBrk="0" fontAlgn="base" latinLnBrk="0" hangingPunct="0">
+              <a:lnSpc>
+                <a:spcPct val="100000"/>
+              </a:lnSpc>
+              <a:spcBef>
+                <a:spcPct val="0"/>
+              </a:spcBef>
+              <a:spcAft>
+                <a:spcPct val="0"/>
+              </a:spcAft>
+              <a:buClrTx/>
+              <a:buSzTx/>
+              <a:buFontTx/>
+              <a:buNone/>
+              <a:tabLst/>
+            </a:pPr>
+            <a:endParaRPr kumimoji="0" lang="fr-FR" altLang="fr-FR" sz="1800" b="0" i="0" u="none" strike="noStrike" cap="none" normalizeH="0" baseline="0" dirty="0" smtClean="0">
+              <a:ln>
+                <a:noFill/>
+              </a:ln>
+              <a:solidFill>
+                <a:schemeClr val="tx1"/>
+              </a:solidFill>
+              <a:effectLst/>
+              <a:latin typeface="Arial" panose="020B0604020202020204" pitchFamily="34" charset="0"/>
+            </a:endParaRPr>
+          </a:p>
+        </p:txBody>
+      </p:sp>
+      <p:pic>
+        <p:nvPicPr>
+          <p:cNvPr id="6" name="Image 5"/>
+          <p:cNvPicPr>
+            <a:picLocks noChangeAspect="1"/>
+          </p:cNvPicPr>
+          <p:nvPr/>
+        </p:nvPicPr>
+        <p:blipFill>
+          <a:blip r:embed="rId3"/>
+          <a:stretch>
+            <a:fillRect/>
+          </a:stretch>
+        </p:blipFill>
+        <p:spPr>
+          <a:xfrm>
+            <a:off x="908426" y="4170195"/>
+            <a:ext cx="10195003" cy="2687805"/>
+          </a:xfrm>
+          <a:prstGeom prst="rect">
+            <a:avLst/>
+          </a:prstGeom>
+        </p:spPr>
+      </p:pic>
+      <p:sp>
+        <p:nvSpPr>
+          <p:cNvPr id="7" name="ZoneTexte 6"/>
+          <p:cNvSpPr txBox="1"/>
+          <p:nvPr/>
+        </p:nvSpPr>
+        <p:spPr>
+          <a:xfrm>
+            <a:off x="184731" y="1105004"/>
+            <a:ext cx="12007269" cy="2677656"/>
+          </a:xfrm>
+          <a:prstGeom prst="rect">
+            <a:avLst/>
+          </a:prstGeom>
+          <a:noFill/>
+        </p:spPr>
+        <p:txBody>
+          <a:bodyPr wrap="square" rtlCol="0">
+            <a:spAutoFit/>
+          </a:bodyPr>
+          <a:lstStyle/>
+          <a:p>
+            <a:r>
+              <a:rPr lang="fr-FR" sz="2800" dirty="0"/>
+              <a:t>Il y’à plusieurs </a:t>
+            </a:r>
+            <a:r>
+              <a:rPr lang="fr-FR" sz="2800" dirty="0" smtClean="0"/>
+              <a:t>stratégie de workflow de branche on peut choisir une parmi elle ou bien crées  un workflow de branch personnalisé</a:t>
+            </a:r>
+          </a:p>
+          <a:p>
+            <a:pPr marL="514350" indent="-514350">
+              <a:buFont typeface="+mj-lt"/>
+              <a:buAutoNum type="arabicPeriod"/>
+            </a:pPr>
+            <a:r>
+              <a:rPr lang="fr-FR" sz="2800" dirty="0" smtClean="0"/>
+              <a:t>stratégie de branch « </a:t>
+            </a:r>
+            <a:r>
+              <a:rPr lang="fr-FR" sz="2800" dirty="0" err="1" smtClean="0"/>
+              <a:t>devlop</a:t>
+            </a:r>
+            <a:r>
+              <a:rPr lang="fr-FR" sz="2800" dirty="0" smtClean="0"/>
+              <a:t> »</a:t>
+            </a:r>
+          </a:p>
+          <a:p>
+            <a:pPr marL="514350" indent="-514350">
+              <a:buFont typeface="+mj-lt"/>
+              <a:buAutoNum type="arabicPeriod"/>
+            </a:pPr>
+            <a:r>
+              <a:rPr lang="fr-FR" sz="2800" dirty="0"/>
+              <a:t>stratégie de branch </a:t>
+            </a:r>
+            <a:r>
+              <a:rPr lang="fr-FR" sz="2800" dirty="0" smtClean="0"/>
+              <a:t>par fonctionnalité</a:t>
+            </a:r>
+            <a:r>
+              <a:rPr lang="fr-FR" sz="2800" dirty="0"/>
+              <a:t> </a:t>
+            </a:r>
+            <a:r>
+              <a:rPr lang="fr-FR" sz="2800" dirty="0" smtClean="0"/>
+              <a:t>(branch master +branch par fonctionnalité).</a:t>
+            </a:r>
+          </a:p>
+          <a:p>
+            <a:pPr marL="514350" indent="-514350">
+              <a:buFont typeface="+mj-lt"/>
+              <a:buAutoNum type="arabicPeriod"/>
+            </a:pPr>
+            <a:r>
+              <a:rPr lang="en-US" sz="2800" dirty="0"/>
+              <a:t> </a:t>
+            </a:r>
+            <a:r>
+              <a:rPr lang="fr-FR" sz="2800" dirty="0"/>
+              <a:t> stratégie de branch </a:t>
+            </a:r>
+            <a:r>
+              <a:rPr lang="fr-FR" sz="2800" dirty="0" err="1" smtClean="0"/>
+              <a:t>GitFlow</a:t>
+            </a:r>
+            <a:r>
+              <a:rPr lang="fr-FR" sz="2800" dirty="0" smtClean="0"/>
+              <a:t> (non adapté pour les petit projet)</a:t>
+            </a:r>
+            <a:endParaRPr lang="fr-FR" sz="2800" dirty="0"/>
+          </a:p>
+        </p:txBody>
+      </p:sp>
+    </p:spTree>
+    <p:extLst>
+      <p:ext uri="{BB962C8B-B14F-4D97-AF65-F5344CB8AC3E}">
+        <p14:creationId xmlns:p14="http://schemas.microsoft.com/office/powerpoint/2010/main" val="2234959639"/>
+      </p:ext>
+    </p:extLst>
+  </p:cSld>
+  <p:clrMapOvr>
+    <a:masterClrMapping/>
+  </p:clrMapOvr>
+  <p:timing>
+    <p:tnLst>
+      <p:par>
+        <p:cTn id="1" dur="indefinite" restart="never" nodeType="tmRoot"/>
+      </p:par>
+    </p:tnLst>
+  </p:timing>
+</p:sld>
+</file>
+
+<file path=ppt/slides/slide9.xml><?xml version="1.0" encoding="utf-8"?>
 <p:sld xmlns:a="http://schemas.openxmlformats.org/drawingml/2006/main" xmlns:r="http://schemas.openxmlformats.org/officeDocument/2006/relationships" xmlns:p="http://schemas.openxmlformats.org/presentationml/2006/main">
   <p:cSld>
     <p:spTree>
@@ -10278,356 +10661,6 @@
     <p:extLst>
       <p:ext uri="{BB962C8B-B14F-4D97-AF65-F5344CB8AC3E}">
         <p14:creationId xmlns:p14="http://schemas.microsoft.com/office/powerpoint/2010/main" val="3377039439"/>
-      </p:ext>
-    </p:extLst>
-  </p:cSld>
-  <p:clrMapOvr>
-    <a:masterClrMapping/>
-  </p:clrMapOvr>
-  <p:timing>
-    <p:tnLst>
-      <p:par>
-        <p:cTn id="1" dur="indefinite" restart="never" nodeType="tmRoot"/>
-      </p:par>
-    </p:tnLst>
-  </p:timing>
-</p:sld>
-</file>
-
-<file path=ppt/slides/slide9.xml><?xml version="1.0" encoding="utf-8"?>
-<p:sld xmlns:a="http://schemas.openxmlformats.org/drawingml/2006/main" xmlns:r="http://schemas.openxmlformats.org/officeDocument/2006/relationships" xmlns:p="http://schemas.openxmlformats.org/presentationml/2006/main">
-  <p:cSld>
-    <p:spTree>
-      <p:nvGrpSpPr>
-        <p:cNvPr id="1" name=""/>
-        <p:cNvGrpSpPr/>
-        <p:nvPr/>
-      </p:nvGrpSpPr>
-      <p:grpSpPr>
-        <a:xfrm>
-          <a:off x="0" y="0"/>
-          <a:ext cx="0" cy="0"/>
-          <a:chOff x="0" y="0"/>
-          <a:chExt cx="0" cy="0"/>
-        </a:xfrm>
-      </p:grpSpPr>
-      <p:sp>
-        <p:nvSpPr>
-          <p:cNvPr id="4" name="Titre 1"/>
-          <p:cNvSpPr txBox="1">
-            <a:spLocks/>
-          </p:cNvSpPr>
-          <p:nvPr/>
-        </p:nvSpPr>
-        <p:spPr>
-          <a:xfrm>
-            <a:off x="838200" y="59272"/>
-            <a:ext cx="10515600" cy="795855"/>
-          </a:xfrm>
-          <a:prstGeom prst="rect">
-            <a:avLst/>
-          </a:prstGeom>
-        </p:spPr>
-        <p:txBody>
-          <a:bodyPr vert="horz" lIns="91440" tIns="45720" rIns="91440" bIns="45720" rtlCol="0" anchor="ctr">
-            <a:normAutofit/>
-          </a:bodyPr>
-          <a:lstStyle>
-            <a:lvl1pPr algn="l" defTabSz="914400" rtl="0" eaLnBrk="1" latinLnBrk="0" hangingPunct="1">
-              <a:lnSpc>
-                <a:spcPct val="90000"/>
-              </a:lnSpc>
-              <a:spcBef>
-                <a:spcPct val="0"/>
-              </a:spcBef>
-              <a:buNone/>
-              <a:defRPr sz="4400" kern="1200">
-                <a:solidFill>
-                  <a:schemeClr val="tx1"/>
-                </a:solidFill>
-                <a:latin typeface="+mj-lt"/>
-                <a:ea typeface="+mj-ea"/>
-                <a:cs typeface="+mj-cs"/>
-              </a:defRPr>
-            </a:lvl1pPr>
-          </a:lstStyle>
-          <a:p>
-            <a:pPr algn="ctr"/>
-            <a:r>
-              <a:rPr lang="fr-FR" b="1" smtClean="0"/>
-              <a:t>Les commandes de base (Suite)</a:t>
-            </a:r>
-            <a:endParaRPr lang="fr-FR" b="1" dirty="0"/>
-          </a:p>
-        </p:txBody>
-      </p:sp>
-      <p:sp>
-        <p:nvSpPr>
-          <p:cNvPr id="6" name="Espace réservé du contenu 2"/>
-          <p:cNvSpPr>
-            <a:spLocks noGrp="1"/>
-          </p:cNvSpPr>
-          <p:nvPr>
-            <p:ph idx="1"/>
-          </p:nvPr>
-        </p:nvSpPr>
-        <p:spPr>
-          <a:xfrm>
-            <a:off x="164620" y="1153391"/>
-            <a:ext cx="12027380" cy="5704609"/>
-          </a:xfrm>
-        </p:spPr>
-        <p:txBody>
-          <a:bodyPr>
-            <a:normAutofit lnSpcReduction="10000"/>
-          </a:bodyPr>
-          <a:lstStyle/>
-          <a:p>
-            <a:pPr marL="361950" lvl="1" indent="0">
-              <a:buNone/>
-            </a:pPr>
-            <a:endParaRPr lang="fr-FR" b="1" i="1" dirty="0" smtClean="0"/>
-          </a:p>
-          <a:p>
-            <a:pPr marL="877887" lvl="1" indent="-514350">
-              <a:buFont typeface="+mj-lt"/>
-              <a:buAutoNum type="arabicPeriod" startAt="7"/>
-            </a:pPr>
-            <a:endParaRPr lang="fr-FR" dirty="0" smtClean="0"/>
-          </a:p>
-          <a:p>
-            <a:pPr marL="876300" lvl="1" indent="-514350">
-              <a:buFont typeface="+mj-lt"/>
-              <a:buAutoNum type="arabicPeriod" startAt="7"/>
-            </a:pPr>
-            <a:r>
-              <a:rPr lang="fr-FR" sz="2800" dirty="0"/>
-              <a:t>Indexé l’ajout ou la modification d’un fichier:</a:t>
-            </a:r>
-          </a:p>
-          <a:p>
-            <a:pPr marL="1160462" lvl="1" indent="-342900"/>
-            <a:r>
-              <a:rPr lang="fr-FR" b="1" i="1" dirty="0"/>
-              <a:t>git </a:t>
-            </a:r>
-            <a:r>
-              <a:rPr lang="fr-FR" b="1" i="1" dirty="0" err="1"/>
-              <a:t>add</a:t>
-            </a:r>
-            <a:r>
-              <a:rPr lang="fr-FR" b="1" i="1" dirty="0"/>
-              <a:t> « fichier », git </a:t>
-            </a:r>
-            <a:r>
-              <a:rPr lang="fr-FR" b="1" i="1" dirty="0" err="1"/>
-              <a:t>add</a:t>
-            </a:r>
-            <a:r>
-              <a:rPr lang="fr-FR" b="1" i="1" dirty="0"/>
-              <a:t> .,  git </a:t>
-            </a:r>
-            <a:r>
-              <a:rPr lang="fr-FR" b="1" i="1" dirty="0" err="1"/>
-              <a:t>add</a:t>
-            </a:r>
-            <a:r>
-              <a:rPr lang="fr-FR" b="1" i="1" dirty="0"/>
-              <a:t>  « *.</a:t>
-            </a:r>
-            <a:r>
-              <a:rPr lang="fr-FR" b="1" i="1" dirty="0" err="1"/>
-              <a:t>ext</a:t>
-            </a:r>
-            <a:r>
-              <a:rPr lang="fr-FR" b="1" i="1" dirty="0"/>
-              <a:t> »</a:t>
-            </a:r>
-          </a:p>
-          <a:p>
-            <a:pPr marL="363537" lvl="1" indent="0">
-              <a:buNone/>
-            </a:pPr>
-            <a:endParaRPr lang="fr-FR" dirty="0"/>
-          </a:p>
-          <a:p>
-            <a:pPr marL="877887" lvl="1" indent="-514350">
-              <a:buFont typeface="+mj-lt"/>
-              <a:buAutoNum type="arabicPeriod" startAt="7"/>
-            </a:pPr>
-            <a:r>
-              <a:rPr lang="fr-FR" dirty="0" smtClean="0"/>
-              <a:t>Annuler </a:t>
-            </a:r>
-            <a:r>
-              <a:rPr lang="fr-FR" dirty="0"/>
-              <a:t>les modification dans le Répertoire de travail (non indexe):</a:t>
-            </a:r>
-          </a:p>
-          <a:p>
-            <a:pPr marL="1160462" lvl="1" indent="-342900"/>
-            <a:r>
-              <a:rPr lang="fr-FR" b="1" i="1" dirty="0"/>
-              <a:t>git </a:t>
-            </a:r>
-            <a:r>
-              <a:rPr lang="fr-FR" b="1" i="1" dirty="0" err="1"/>
-              <a:t>checkout</a:t>
-            </a:r>
-            <a:r>
-              <a:rPr lang="fr-FR" b="1" i="1" dirty="0"/>
-              <a:t> « fichier », git restore « fichier </a:t>
-            </a:r>
-            <a:r>
-              <a:rPr lang="fr-FR" b="1" i="1" dirty="0" smtClean="0"/>
-              <a:t>»</a:t>
-            </a:r>
-            <a:endParaRPr lang="fr-FR" b="1" i="1" dirty="0"/>
-          </a:p>
-          <a:p>
-            <a:pPr marL="877887" lvl="1" indent="-514350">
-              <a:buFont typeface="+mj-lt"/>
-              <a:buAutoNum type="arabicPeriod" startAt="8"/>
-            </a:pPr>
-            <a:r>
-              <a:rPr lang="fr-FR" sz="2800" dirty="0"/>
-              <a:t>Supprimer un fichier de versionning (untracked state):</a:t>
-            </a:r>
-          </a:p>
-          <a:p>
-            <a:pPr marL="1160462" lvl="1" indent="-342900"/>
-            <a:r>
-              <a:rPr lang="fr-FR" b="1" i="1" dirty="0"/>
-              <a:t>git </a:t>
-            </a:r>
-            <a:r>
-              <a:rPr lang="fr-FR" b="1" i="1" dirty="0" err="1"/>
-              <a:t>rm</a:t>
-            </a:r>
-            <a:r>
-              <a:rPr lang="fr-FR" b="1" i="1" dirty="0"/>
-              <a:t> –cached « fichier</a:t>
-            </a:r>
-            <a:r>
-              <a:rPr lang="fr-FR" b="1" i="1" dirty="0" smtClean="0"/>
-              <a:t>»</a:t>
-            </a:r>
-          </a:p>
-          <a:p>
-            <a:pPr marL="1160462" lvl="1" indent="-342900"/>
-            <a:endParaRPr lang="fr-FR" b="1" i="1" dirty="0"/>
-          </a:p>
-          <a:p>
-            <a:pPr marL="877887" lvl="1" indent="-514350">
-              <a:buFont typeface="+mj-lt"/>
-              <a:buAutoNum type="arabicPeriod" startAt="9"/>
-            </a:pPr>
-            <a:r>
-              <a:rPr lang="fr-FR" sz="2800" dirty="0" smtClean="0"/>
-              <a:t>Supprimer </a:t>
-            </a:r>
-            <a:r>
-              <a:rPr lang="fr-FR" sz="2800" dirty="0"/>
-              <a:t>un fichier de versionning (untracked state</a:t>
-            </a:r>
-            <a:r>
-              <a:rPr lang="fr-FR" sz="2800" dirty="0" smtClean="0"/>
-              <a:t>):</a:t>
-            </a:r>
-          </a:p>
-          <a:p>
-            <a:pPr marL="1160462" lvl="1" indent="-342900"/>
-            <a:r>
-              <a:rPr lang="fr-FR" b="1" i="1" dirty="0" smtClean="0"/>
-              <a:t>git </a:t>
-            </a:r>
-            <a:r>
-              <a:rPr lang="fr-FR" b="1" i="1" dirty="0" err="1"/>
-              <a:t>rm</a:t>
-            </a:r>
-            <a:r>
-              <a:rPr lang="fr-FR" b="1" i="1" dirty="0"/>
-              <a:t> –cached « fichier</a:t>
-            </a:r>
-            <a:r>
-              <a:rPr lang="fr-FR" b="1" i="1" dirty="0" smtClean="0"/>
-              <a:t>»</a:t>
-            </a:r>
-            <a:endParaRPr lang="fr-FR" b="1" i="1" dirty="0"/>
-          </a:p>
-          <a:p>
-            <a:pPr marL="877887" lvl="1" indent="-514350">
-              <a:buFont typeface="+mj-lt"/>
-              <a:buAutoNum type="arabicPeriod" startAt="10"/>
-            </a:pPr>
-            <a:r>
-              <a:rPr lang="fr-FR" sz="2800" dirty="0"/>
-              <a:t>Annuler les </a:t>
-            </a:r>
-            <a:r>
-              <a:rPr lang="fr-FR" sz="2800" dirty="0" smtClean="0"/>
-              <a:t>modification dans </a:t>
-            </a:r>
-            <a:r>
-              <a:rPr lang="fr-FR" sz="2800" dirty="0"/>
-              <a:t>le Répertoire de travail </a:t>
-            </a:r>
-            <a:r>
-              <a:rPr lang="fr-FR" sz="2800" dirty="0" smtClean="0"/>
-              <a:t>(non </a:t>
-            </a:r>
-            <a:r>
-              <a:rPr lang="fr-FR" sz="2800" dirty="0"/>
-              <a:t>indexe</a:t>
-            </a:r>
-            <a:r>
-              <a:rPr lang="fr-FR" sz="2800" dirty="0" smtClean="0"/>
-              <a:t>):</a:t>
-            </a:r>
-            <a:endParaRPr lang="fr-FR" sz="2800" dirty="0"/>
-          </a:p>
-          <a:p>
-            <a:pPr marL="1160462" lvl="1" indent="-342900"/>
-            <a:r>
-              <a:rPr lang="fr-FR" b="1" i="1" dirty="0"/>
-              <a:t>git </a:t>
-            </a:r>
-            <a:r>
-              <a:rPr lang="fr-FR" b="1" i="1" dirty="0" err="1"/>
-              <a:t>checkout</a:t>
-            </a:r>
-            <a:r>
-              <a:rPr lang="fr-FR" b="1" i="1" dirty="0"/>
-              <a:t> </a:t>
-            </a:r>
-            <a:r>
-              <a:rPr lang="fr-FR" b="1" i="1" dirty="0" smtClean="0"/>
-              <a:t>« fichier », git restore « fichier »</a:t>
-            </a:r>
-          </a:p>
-          <a:p>
-            <a:pPr marL="811213" lvl="1" indent="-447675">
-              <a:buFont typeface="+mj-lt"/>
-              <a:buAutoNum type="arabicPeriod"/>
-            </a:pPr>
-            <a:endParaRPr lang="fr-FR" sz="2800" dirty="0"/>
-          </a:p>
-          <a:p>
-            <a:pPr marL="1160462" lvl="1" indent="-342900"/>
-            <a:endParaRPr lang="fr-FR" sz="2800" dirty="0"/>
-          </a:p>
-          <a:p>
-            <a:pPr marL="817562" lvl="1" indent="0">
-              <a:buNone/>
-            </a:pPr>
-            <a:endParaRPr lang="fr-FR" b="1" i="1" dirty="0" smtClean="0"/>
-          </a:p>
-        </p:txBody>
-      </p:sp>
-    </p:spTree>
-    <p:extLst>
-      <p:ext uri="{BB962C8B-B14F-4D97-AF65-F5344CB8AC3E}">
-        <p14:creationId xmlns:p14="http://schemas.microsoft.com/office/powerpoint/2010/main" val="673011006"/>
       </p:ext>
     </p:extLst>
   </p:cSld>

--- a/Formation Git.pptx
+++ b/Formation Git.pptx
@@ -11,15 +11,15 @@
     <p:sldId id="257" r:id="rId2"/>
     <p:sldId id="259" r:id="rId3"/>
     <p:sldId id="261" r:id="rId4"/>
-    <p:sldId id="258" r:id="rId5"/>
-    <p:sldId id="274" r:id="rId6"/>
-    <p:sldId id="264" r:id="rId7"/>
-    <p:sldId id="275" r:id="rId8"/>
-    <p:sldId id="276" r:id="rId9"/>
-    <p:sldId id="263" r:id="rId10"/>
-    <p:sldId id="268" r:id="rId11"/>
-    <p:sldId id="266" r:id="rId12"/>
-    <p:sldId id="267" r:id="rId13"/>
+    <p:sldId id="274" r:id="rId5"/>
+    <p:sldId id="264" r:id="rId6"/>
+    <p:sldId id="263" r:id="rId7"/>
+    <p:sldId id="268" r:id="rId8"/>
+    <p:sldId id="266" r:id="rId9"/>
+    <p:sldId id="267" r:id="rId10"/>
+    <p:sldId id="277" r:id="rId11"/>
+    <p:sldId id="278" r:id="rId12"/>
+    <p:sldId id="279" r:id="rId13"/>
     <p:sldId id="270" r:id="rId14"/>
     <p:sldId id="272" r:id="rId15"/>
     <p:sldId id="273" r:id="rId16"/>
@@ -212,7 +212,7 @@
           <a:p>
             <a:fld id="{6C11479D-E256-4744-A8DA-17425A14A154}" type="datetimeFigureOut">
               <a:rPr lang="fr-FR" smtClean="0"/>
-              <a:t>16/11/2022</a:t>
+              <a:t>17/11/2022</a:t>
             </a:fld>
             <a:endParaRPr lang="fr-FR"/>
           </a:p>
@@ -1005,252 +1005,6 @@
           <a:bodyPr/>
           <a:lstStyle/>
           <a:p>
-            <a:pPr marL="0" marR="0" lvl="0" indent="0" algn="l" defTabSz="914400" rtl="0" eaLnBrk="1" fontAlgn="auto" latinLnBrk="0" hangingPunct="1">
-              <a:lnSpc>
-                <a:spcPct val="100000"/>
-              </a:lnSpc>
-              <a:spcBef>
-                <a:spcPts val="0"/>
-              </a:spcBef>
-              <a:spcAft>
-                <a:spcPts val="0"/>
-              </a:spcAft>
-              <a:buClrTx/>
-              <a:buSzTx/>
-              <a:buFontTx/>
-              <a:buNone/>
-              <a:tabLst/>
-              <a:defRPr/>
-            </a:pPr>
-            <a:r>
-              <a:rPr lang="fr-FR" dirty="0" smtClean="0"/>
-              <a:t>git checkout « </a:t>
-            </a:r>
-            <a:r>
-              <a:rPr lang="fr-FR" dirty="0" err="1" smtClean="0"/>
-              <a:t>commit_hash</a:t>
-            </a:r>
-            <a:r>
-              <a:rPr lang="fr-FR" dirty="0" smtClean="0"/>
-              <a:t> » :</a:t>
-            </a:r>
-            <a:r>
-              <a:rPr lang="fr-FR" sz="1200" kern="1200" dirty="0" smtClean="0">
-                <a:solidFill>
-                  <a:schemeClr val="tx1"/>
-                </a:solidFill>
-                <a:effectLst/>
-                <a:latin typeface="+mn-lt"/>
-                <a:ea typeface="+mn-ea"/>
-                <a:cs typeface="+mn-cs"/>
-              </a:rPr>
-              <a:t>voir le fichier comment il est avant ce commit,</a:t>
-            </a:r>
-            <a:r>
-              <a:rPr lang="fr-FR" sz="1200" kern="1200" baseline="0" dirty="0" smtClean="0">
-                <a:solidFill>
-                  <a:schemeClr val="tx1"/>
-                </a:solidFill>
-                <a:effectLst/>
-                <a:latin typeface="+mn-lt"/>
-                <a:ea typeface="+mn-ea"/>
-                <a:cs typeface="+mn-cs"/>
-              </a:rPr>
-              <a:t> il va déplacer le </a:t>
-            </a:r>
-            <a:r>
-              <a:rPr lang="fr-FR" sz="1200" kern="1200" baseline="0" dirty="0" err="1" smtClean="0">
-                <a:solidFill>
-                  <a:schemeClr val="tx1"/>
-                </a:solidFill>
-                <a:effectLst/>
-                <a:latin typeface="+mn-lt"/>
-                <a:ea typeface="+mn-ea"/>
-                <a:cs typeface="+mn-cs"/>
-              </a:rPr>
-              <a:t>ponteur</a:t>
-            </a:r>
-            <a:r>
-              <a:rPr lang="fr-FR" sz="1200" kern="1200" baseline="0" dirty="0" smtClean="0">
-                <a:solidFill>
-                  <a:schemeClr val="tx1"/>
-                </a:solidFill>
-                <a:effectLst/>
-                <a:latin typeface="+mn-lt"/>
-                <a:ea typeface="+mn-ea"/>
-                <a:cs typeface="+mn-cs"/>
-              </a:rPr>
-              <a:t> HEAD à cette </a:t>
-            </a:r>
-            <a:r>
-              <a:rPr lang="fr-FR" sz="1200" kern="1200" baseline="0" dirty="0" smtClean="0">
-                <a:solidFill>
-                  <a:schemeClr val="tx1"/>
-                </a:solidFill>
-                <a:effectLst/>
-                <a:latin typeface="+mn-lt"/>
-                <a:ea typeface="+mn-ea"/>
-                <a:cs typeface="+mn-cs"/>
-              </a:rPr>
-              <a:t>commit ()</a:t>
-            </a:r>
-            <a:endParaRPr lang="fr-FR" sz="1200" kern="1200" dirty="0" smtClean="0">
-              <a:solidFill>
-                <a:schemeClr val="tx1"/>
-              </a:solidFill>
-              <a:effectLst/>
-              <a:latin typeface="+mn-lt"/>
-              <a:ea typeface="+mn-ea"/>
-              <a:cs typeface="+mn-cs"/>
-            </a:endParaRPr>
-          </a:p>
-          <a:p>
-            <a:pPr marL="0" marR="0" lvl="0" indent="0" algn="l" defTabSz="914400" rtl="0" eaLnBrk="1" fontAlgn="auto" latinLnBrk="0" hangingPunct="1">
-              <a:lnSpc>
-                <a:spcPct val="100000"/>
-              </a:lnSpc>
-              <a:spcBef>
-                <a:spcPts val="0"/>
-              </a:spcBef>
-              <a:spcAft>
-                <a:spcPts val="0"/>
-              </a:spcAft>
-              <a:buClrTx/>
-              <a:buSzTx/>
-              <a:buFontTx/>
-              <a:buNone/>
-              <a:tabLst/>
-              <a:defRPr/>
-            </a:pPr>
-            <a:r>
-              <a:rPr lang="fr-FR" sz="1200" kern="1200" dirty="0" err="1" smtClean="0">
-                <a:solidFill>
-                  <a:schemeClr val="tx1"/>
-                </a:solidFill>
-                <a:effectLst/>
-                <a:latin typeface="+mn-lt"/>
-                <a:ea typeface="+mn-ea"/>
-                <a:cs typeface="+mn-cs"/>
-              </a:rPr>
-              <a:t>Revert</a:t>
-            </a:r>
-            <a:r>
-              <a:rPr lang="fr-FR" sz="1200" kern="1200" dirty="0" smtClean="0">
-                <a:solidFill>
-                  <a:schemeClr val="tx1"/>
-                </a:solidFill>
-                <a:effectLst/>
-                <a:latin typeface="+mn-lt"/>
-                <a:ea typeface="+mn-ea"/>
-                <a:cs typeface="+mn-cs"/>
-              </a:rPr>
-              <a:t> :</a:t>
-            </a:r>
-            <a:r>
-              <a:rPr lang="fr-FR" sz="1200" dirty="0" err="1" smtClean="0"/>
-              <a:t>revert</a:t>
-            </a:r>
-            <a:r>
-              <a:rPr lang="fr-FR" sz="1200" dirty="0" smtClean="0"/>
-              <a:t> et ajouté à l’historique</a:t>
-            </a:r>
-          </a:p>
-          <a:p>
-            <a:pPr marL="0" marR="0" lvl="0" indent="0" algn="l" defTabSz="914400" rtl="0" eaLnBrk="1" fontAlgn="auto" latinLnBrk="0" hangingPunct="1">
-              <a:lnSpc>
-                <a:spcPct val="100000"/>
-              </a:lnSpc>
-              <a:spcBef>
-                <a:spcPts val="0"/>
-              </a:spcBef>
-              <a:spcAft>
-                <a:spcPts val="0"/>
-              </a:spcAft>
-              <a:buClrTx/>
-              <a:buSzTx/>
-              <a:buFontTx/>
-              <a:buNone/>
-              <a:tabLst/>
-              <a:defRPr/>
-            </a:pPr>
-            <a:r>
-              <a:rPr lang="fr-FR" sz="1200" kern="1200" dirty="0" err="1" smtClean="0">
-                <a:solidFill>
-                  <a:schemeClr val="tx1"/>
-                </a:solidFill>
-                <a:effectLst/>
-                <a:latin typeface="+mn-lt"/>
-                <a:ea typeface="+mn-ea"/>
-                <a:cs typeface="+mn-cs"/>
-              </a:rPr>
-              <a:t>Blame</a:t>
-            </a:r>
-            <a:r>
-              <a:rPr lang="fr-FR" sz="1200" kern="1200" dirty="0" smtClean="0">
-                <a:solidFill>
-                  <a:schemeClr val="tx1"/>
-                </a:solidFill>
-                <a:effectLst/>
-                <a:latin typeface="+mn-lt"/>
-                <a:ea typeface="+mn-ea"/>
-                <a:cs typeface="+mn-cs"/>
-              </a:rPr>
-              <a:t>:</a:t>
-            </a:r>
-            <a:r>
-              <a:rPr lang="fr-FR" sz="1200" kern="1200" baseline="0" dirty="0" smtClean="0">
-                <a:solidFill>
-                  <a:schemeClr val="tx1"/>
-                </a:solidFill>
-                <a:effectLst/>
-                <a:latin typeface="+mn-lt"/>
-                <a:ea typeface="+mn-ea"/>
-                <a:cs typeface="+mn-cs"/>
-              </a:rPr>
-              <a:t> commande de  débogage ajout des annotation a chaque ligne de fichier avec les métadonnées du dénier utilisateur qui modifier la ligne plus  la date de ce commit.</a:t>
-            </a:r>
-          </a:p>
-          <a:p>
-            <a:pPr marL="0" marR="0" lvl="0" indent="0" algn="l" defTabSz="914400" rtl="0" eaLnBrk="1" fontAlgn="auto" latinLnBrk="0" hangingPunct="1">
-              <a:lnSpc>
-                <a:spcPct val="100000"/>
-              </a:lnSpc>
-              <a:spcBef>
-                <a:spcPts val="0"/>
-              </a:spcBef>
-              <a:spcAft>
-                <a:spcPts val="0"/>
-              </a:spcAft>
-              <a:buClrTx/>
-              <a:buSzTx/>
-              <a:buFontTx/>
-              <a:buNone/>
-              <a:tabLst/>
-              <a:defRPr/>
-            </a:pPr>
-            <a:r>
-              <a:rPr lang="fr-FR" sz="1200" kern="1200" baseline="0" dirty="0" smtClean="0">
-                <a:solidFill>
-                  <a:schemeClr val="tx1"/>
-                </a:solidFill>
-                <a:effectLst/>
-                <a:latin typeface="+mn-lt"/>
-                <a:ea typeface="+mn-ea"/>
-                <a:cs typeface="+mn-cs"/>
-              </a:rPr>
-              <a:t>Sans pas en ordre chronologique</a:t>
-            </a:r>
-            <a:endParaRPr lang="fr-FR" sz="1200" kern="1200" dirty="0" smtClean="0">
-              <a:solidFill>
-                <a:schemeClr val="tx1"/>
-              </a:solidFill>
-              <a:effectLst/>
-              <a:latin typeface="+mn-lt"/>
-              <a:ea typeface="+mn-ea"/>
-              <a:cs typeface="+mn-cs"/>
-            </a:endParaRPr>
-          </a:p>
-          <a:p>
             <a:endParaRPr lang="fr-FR" dirty="0"/>
           </a:p>
         </p:txBody>
@@ -1281,7 +1035,7 @@
     </p:spTree>
     <p:extLst>
       <p:ext uri="{BB962C8B-B14F-4D97-AF65-F5344CB8AC3E}">
-        <p14:creationId xmlns:p14="http://schemas.microsoft.com/office/powerpoint/2010/main" val="1616214430"/>
+        <p14:creationId xmlns:p14="http://schemas.microsoft.com/office/powerpoint/2010/main" val="3661544572"/>
       </p:ext>
     </p:extLst>
   </p:cSld>
@@ -1337,15 +1091,11 @@
           <a:p>
             <a:r>
               <a:rPr lang="fr-FR" dirty="0" smtClean="0"/>
-              <a:t>-</a:t>
-            </a:r>
-            <a:r>
-              <a:rPr lang="fr-FR" dirty="0" err="1" smtClean="0"/>
-              <a:t>executé</a:t>
+              <a:t>-exécuté </a:t>
             </a:r>
             <a:r>
               <a:rPr lang="fr-FR" dirty="0" smtClean="0"/>
-              <a:t> git checkout « </a:t>
+              <a:t>git checkout « </a:t>
             </a:r>
             <a:r>
               <a:rPr lang="fr-FR" dirty="0" err="1" smtClean="0"/>
@@ -1365,29 +1115,28 @@
             </a:r>
             <a:r>
               <a:rPr lang="fr-FR" baseline="0" dirty="0" smtClean="0"/>
-              <a:t> Head  et lire HEAD pour voir commit id dans le fichier qui est utilisé comme référence</a:t>
-            </a:r>
-          </a:p>
-          <a:p>
+              <a:t> Head  et lire HEAD pour voir commit id dans le fichier qui est utilisé comme </a:t>
+            </a:r>
             <a:r>
               <a:rPr lang="fr-FR" baseline="0" dirty="0" smtClean="0"/>
-              <a:t>Explique checkout avec (</a:t>
-            </a:r>
-            <a:r>
-              <a:rPr lang="fr-FR" baseline="0" dirty="0" err="1" smtClean="0"/>
-              <a:t>work</a:t>
-            </a:r>
+              <a:t>référence</a:t>
+            </a:r>
+          </a:p>
+          <a:p>
             <a:r>
               <a:rPr lang="fr-FR" baseline="0" dirty="0" smtClean="0"/>
-              <a:t> </a:t>
-            </a:r>
-            <a:r>
-              <a:rPr lang="fr-FR" baseline="0" dirty="0" err="1" smtClean="0"/>
-              <a:t>tree</a:t>
-            </a:r>
+              <a:t>HEAD ne pointe pas vers la branch mais vers </a:t>
+            </a:r>
+            <a:r>
+              <a:rPr lang="fr-FR" baseline="0" smtClean="0"/>
+              <a:t>le commit </a:t>
+            </a:r>
+            <a:endParaRPr lang="fr-FR" baseline="0" dirty="0" smtClean="0"/>
+          </a:p>
+          <a:p>
             <a:r>
               <a:rPr lang="fr-FR" baseline="0" dirty="0" smtClean="0"/>
-              <a:t> ) et index</a:t>
+              <a:t>Explique checkout avec (work tree ) et index</a:t>
             </a:r>
           </a:p>
           <a:p>
@@ -1897,9 +1646,6 @@
             </a:r>
           </a:p>
           <a:p>
-            <a:endParaRPr lang="fr-FR" baseline="0" dirty="0" smtClean="0"/>
-          </a:p>
-          <a:p>
             <a:r>
               <a:rPr lang="fr-FR" b="1" baseline="0" dirty="0" err="1" smtClean="0"/>
               <a:t>Fonctionement</a:t>
@@ -1911,16 +1657,16 @@
           </a:p>
           <a:p>
             <a:r>
-              <a:rPr lang="fr-FR" b="1" baseline="0" dirty="0" err="1" smtClean="0"/>
-              <a:t>Repo:</a:t>
-            </a:r>
-            <a:r>
-              <a:rPr lang="fr-FR" dirty="0" err="1" smtClean="0"/>
-              <a:t>contient</a:t>
+              <a:rPr lang="fr-FR" b="1" baseline="0" dirty="0" smtClean="0"/>
+              <a:t>1.Repo locale :</a:t>
             </a:r>
             <a:r>
               <a:rPr lang="fr-FR" dirty="0" smtClean="0"/>
-              <a:t> les </a:t>
+              <a:t>contient </a:t>
+            </a:r>
+            <a:r>
+              <a:rPr lang="fr-FR" dirty="0" smtClean="0"/>
+              <a:t>les </a:t>
             </a:r>
             <a:r>
               <a:rPr lang="fr-FR" dirty="0" err="1" smtClean="0"/>
@@ -1933,26 +1679,117 @@
           </a:p>
           <a:p>
             <a:r>
+              <a:rPr lang="fr-FR" b="1" dirty="0" smtClean="0"/>
+              <a:t>2.La </a:t>
+            </a:r>
+            <a:r>
+              <a:rPr lang="fr-FR" b="1" dirty="0" smtClean="0"/>
+              <a:t>zone de transit/d’index </a:t>
+            </a:r>
+            <a:r>
               <a:rPr lang="fr-FR" dirty="0" smtClean="0"/>
-              <a:t>La zone de transit/d’index :fichier contenant des informations à propos de ce qui sera pris en compte lors de la prochaine soumission. </a:t>
-            </a:r>
-          </a:p>
-          <a:p>
-            <a:r>
-              <a:rPr lang="fr-FR" b="1" baseline="0" dirty="0" smtClean="0">
-                <a:latin typeface="Andalus" panose="02020603050405020304" pitchFamily="18" charset="-78"/>
-                <a:cs typeface="Andalus" panose="02020603050405020304" pitchFamily="18" charset="-78"/>
-              </a:rPr>
-              <a:t>Staged</a:t>
-            </a:r>
+              <a:t>:fichier contenant des informations à propos de ce qui sera pris en compte lors de la </a:t>
+            </a:r>
+            <a:r>
+              <a:rPr lang="fr-FR" dirty="0" smtClean="0"/>
+              <a:t>prochaine</a:t>
+            </a:r>
+            <a:r>
+              <a:rPr lang="fr-FR" baseline="0" dirty="0" smtClean="0"/>
+              <a:t> </a:t>
+            </a:r>
+            <a:r>
+              <a:rPr lang="fr-FR" baseline="0" dirty="0" smtClean="0"/>
+              <a:t>commit (espace ou en peut éditer notre changement avant de </a:t>
+            </a:r>
+            <a:r>
+              <a:rPr lang="fr-FR" baseline="0" dirty="0" smtClean="0"/>
+              <a:t>l’intégrer dans le nouveau commit (commit par sujet)et les </a:t>
+            </a:r>
+            <a:r>
+              <a:rPr lang="fr-FR" baseline="0" dirty="0" smtClean="0"/>
+              <a:t>stocké dans le dépôt </a:t>
+            </a:r>
+            <a:r>
+              <a:rPr lang="fr-FR" baseline="0" dirty="0" smtClean="0"/>
+              <a:t>git). On fait des commit par sujet pour bien comprendre les modification au futur</a:t>
+            </a:r>
+          </a:p>
+          <a:p>
             <a:r>
               <a:rPr lang="fr-FR" b="1" baseline="0" dirty="0" smtClean="0"/>
-              <a:t> : </a:t>
-            </a:r>
-            <a:r>
-              <a:rPr lang="fr-FR" baseline="0" dirty="0" smtClean="0"/>
-              <a:t>pris pour le prochaine commit</a:t>
-            </a:r>
+              <a:t>3.Work </a:t>
+            </a:r>
+            <a:r>
+              <a:rPr lang="fr-FR" b="1" baseline="0" dirty="0" err="1" smtClean="0"/>
+              <a:t>tree</a:t>
+            </a:r>
+            <a:r>
+              <a:rPr lang="fr-FR" b="1" baseline="0" dirty="0" smtClean="0"/>
+              <a:t> , </a:t>
+            </a:r>
+            <a:r>
+              <a:rPr lang="fr-FR" b="1" baseline="0" dirty="0" err="1" smtClean="0"/>
+              <a:t>workspace</a:t>
+            </a:r>
+            <a:r>
+              <a:rPr lang="fr-FR" b="1" baseline="0" dirty="0" smtClean="0"/>
+              <a:t>, </a:t>
+            </a:r>
+            <a:r>
+              <a:rPr lang="fr-FR" b="1" baseline="0" dirty="0" err="1" smtClean="0"/>
+              <a:t>reperoire</a:t>
+            </a:r>
+            <a:r>
+              <a:rPr lang="fr-FR" b="1" baseline="0" dirty="0" smtClean="0"/>
+              <a:t> de travail : </a:t>
+            </a:r>
+            <a:r>
+              <a:rPr lang="fr-FR" dirty="0" smtClean="0"/>
+              <a:t>est une copie personnel de tout les fichiers du projet. on peut modifier sans affecté le travail des autres</a:t>
+            </a:r>
+            <a:endParaRPr lang="fr-FR" b="1" baseline="0" dirty="0" smtClean="0"/>
+          </a:p>
+          <a:p>
+            <a:endParaRPr lang="fr-FR" baseline="0" dirty="0" smtClean="0"/>
+          </a:p>
+          <a:p>
+            <a:pPr marL="0" marR="0" lvl="0" indent="0" algn="l" defTabSz="914400" rtl="0" eaLnBrk="1" fontAlgn="auto" latinLnBrk="0" hangingPunct="1">
+              <a:lnSpc>
+                <a:spcPct val="100000"/>
+              </a:lnSpc>
+              <a:spcBef>
+                <a:spcPts val="0"/>
+              </a:spcBef>
+              <a:spcAft>
+                <a:spcPts val="0"/>
+              </a:spcAft>
+              <a:buClrTx/>
+              <a:buSzTx/>
+              <a:buFontTx/>
+              <a:buNone/>
+              <a:tabLst/>
+              <a:defRPr/>
+            </a:pPr>
+            <a:r>
+              <a:rPr lang="fr-FR" b="1" dirty="0" smtClean="0"/>
+              <a:t>Conflits</a:t>
+            </a:r>
+            <a:r>
+              <a:rPr lang="fr-FR" dirty="0" smtClean="0"/>
+              <a:t>: il intègre le travail qui à été  fait simultanément par différents développeur. dans des cas rare des conflits  </a:t>
+            </a:r>
+            <a:r>
+              <a:rPr lang="fr-FR" dirty="0" err="1" smtClean="0"/>
+              <a:t>d’edition</a:t>
+            </a:r>
+            <a:r>
+              <a:rPr lang="fr-FR" dirty="0" smtClean="0"/>
+              <a:t> survient par deux personnes dans une même ligne de même fichier, une assistance humain est demandé par ce SCV  pour réglé le conflit 	</a:t>
+            </a:r>
+          </a:p>
+          <a:p>
+            <a:endParaRPr lang="fr-FR" baseline="0" dirty="0" smtClean="0"/>
           </a:p>
         </p:txBody>
       </p:sp>
@@ -2036,15 +1873,470 @@
           <a:bodyPr/>
           <a:lstStyle/>
           <a:p>
+            <a:pPr marL="0" marR="0" lvl="0" indent="0" algn="l" defTabSz="914400" rtl="0" eaLnBrk="1" fontAlgn="auto" latinLnBrk="0" hangingPunct="1">
+              <a:lnSpc>
+                <a:spcPct val="100000"/>
+              </a:lnSpc>
+              <a:spcBef>
+                <a:spcPts val="0"/>
+              </a:spcBef>
+              <a:spcAft>
+                <a:spcPts val="0"/>
+              </a:spcAft>
+              <a:buClrTx/>
+              <a:buSzTx/>
+              <a:buFontTx/>
+              <a:buNone/>
+              <a:tabLst/>
+              <a:defRPr/>
+            </a:pPr>
+            <a:r>
+              <a:rPr lang="fr-FR" b="1" dirty="0" smtClean="0"/>
+              <a:t>Contenu de .git</a:t>
+            </a:r>
+          </a:p>
+          <a:p>
+            <a:pPr marL="0" marR="0" lvl="0" indent="0" algn="l" defTabSz="914400" rtl="0" eaLnBrk="1" fontAlgn="auto" latinLnBrk="0" hangingPunct="1">
+              <a:lnSpc>
+                <a:spcPct val="100000"/>
+              </a:lnSpc>
+              <a:spcBef>
+                <a:spcPts val="0"/>
+              </a:spcBef>
+              <a:spcAft>
+                <a:spcPts val="0"/>
+              </a:spcAft>
+              <a:buClrTx/>
+              <a:buSzTx/>
+              <a:buFontTx/>
+              <a:buNone/>
+              <a:tabLst/>
+              <a:defRPr/>
+            </a:pPr>
+            <a:r>
+              <a:rPr lang="fr-FR" b="0" dirty="0" smtClean="0"/>
+              <a:t>1.HEAD:</a:t>
+            </a:r>
+            <a:r>
+              <a:rPr lang="fr-FR" b="0" baseline="0" dirty="0" smtClean="0"/>
+              <a:t> un </a:t>
+            </a:r>
+            <a:r>
+              <a:rPr lang="fr-FR" b="0" baseline="0" dirty="0" err="1" smtClean="0"/>
+              <a:t>poineteur</a:t>
+            </a:r>
+            <a:r>
+              <a:rPr lang="fr-FR" b="0" baseline="0" dirty="0" smtClean="0"/>
+              <a:t> vers le dernier commit</a:t>
+            </a:r>
+            <a:endParaRPr lang="fr-FR" b="0" dirty="0" smtClean="0"/>
+          </a:p>
+          <a:p>
+            <a:pPr marL="0" marR="0" lvl="0" indent="0" algn="l" defTabSz="914400" rtl="0" eaLnBrk="1" fontAlgn="auto" latinLnBrk="0" hangingPunct="1">
+              <a:lnSpc>
+                <a:spcPct val="100000"/>
+              </a:lnSpc>
+              <a:spcBef>
+                <a:spcPts val="0"/>
+              </a:spcBef>
+              <a:spcAft>
+                <a:spcPts val="0"/>
+              </a:spcAft>
+              <a:buClrTx/>
+              <a:buSzTx/>
+              <a:buFontTx/>
+              <a:buNone/>
+              <a:tabLst/>
+              <a:defRPr/>
+            </a:pPr>
+            <a:endParaRPr lang="fr-FR" b="1" dirty="0" smtClean="0"/>
+          </a:p>
+          <a:p>
+            <a:pPr marL="0" marR="0" lvl="0" indent="0" algn="l" defTabSz="914400" rtl="0" eaLnBrk="1" fontAlgn="auto" latinLnBrk="0" hangingPunct="1">
+              <a:lnSpc>
+                <a:spcPct val="100000"/>
+              </a:lnSpc>
+              <a:spcBef>
+                <a:spcPts val="0"/>
+              </a:spcBef>
+              <a:spcAft>
+                <a:spcPts val="0"/>
+              </a:spcAft>
+              <a:buClrTx/>
+              <a:buSzTx/>
+              <a:buFontTx/>
+              <a:buNone/>
+              <a:tabLst/>
+              <a:defRPr/>
+            </a:pPr>
+            <a:r>
+              <a:rPr lang="fr-FR" b="1" dirty="0" smtClean="0"/>
+              <a:t>Avec </a:t>
+            </a:r>
+            <a:r>
+              <a:rPr lang="fr-FR" b="1" dirty="0" smtClean="0"/>
+              <a:t>git clone : </a:t>
+            </a:r>
+            <a:r>
+              <a:rPr lang="fr-FR" b="0" dirty="0" smtClean="0"/>
+              <a:t>remote va pointer à l’url d’où il été</a:t>
+            </a:r>
+            <a:r>
+              <a:rPr lang="fr-FR" b="0" baseline="0" dirty="0" smtClean="0"/>
+              <a:t> </a:t>
+            </a:r>
+            <a:r>
+              <a:rPr lang="fr-FR" b="0" baseline="0" dirty="0" err="1" smtClean="0"/>
+              <a:t>colné</a:t>
+            </a:r>
+            <a:endParaRPr lang="fr-FR" b="0" dirty="0" smtClean="0"/>
+          </a:p>
+          <a:p>
+            <a:pPr marL="0" marR="0" lvl="0" indent="0" algn="l" defTabSz="914400" rtl="0" eaLnBrk="1" fontAlgn="auto" latinLnBrk="0" hangingPunct="1">
+              <a:lnSpc>
+                <a:spcPct val="100000"/>
+              </a:lnSpc>
+              <a:spcBef>
+                <a:spcPts val="0"/>
+              </a:spcBef>
+              <a:spcAft>
+                <a:spcPts val="0"/>
+              </a:spcAft>
+              <a:buClrTx/>
+              <a:buSzTx/>
+              <a:buFontTx/>
+              <a:buNone/>
+              <a:tabLst/>
+              <a:defRPr/>
+            </a:pPr>
+            <a:r>
+              <a:rPr lang="fr-FR" b="1" dirty="0" smtClean="0"/>
+              <a:t>Changer l’url de l’</a:t>
+            </a:r>
+            <a:r>
+              <a:rPr lang="fr-FR" b="1" dirty="0" err="1" smtClean="0"/>
+              <a:t>origin</a:t>
+            </a:r>
+            <a:r>
+              <a:rPr lang="fr-FR" b="1" dirty="0" smtClean="0"/>
+              <a:t> : </a:t>
+            </a:r>
+            <a:r>
+              <a:rPr lang="en-US" sz="1200" kern="1200" dirty="0" err="1" smtClean="0">
+                <a:solidFill>
+                  <a:schemeClr val="tx1"/>
+                </a:solidFill>
+                <a:effectLst/>
+                <a:latin typeface="+mn-lt"/>
+                <a:ea typeface="+mn-ea"/>
+                <a:cs typeface="+mn-cs"/>
+              </a:rPr>
+              <a:t>git</a:t>
+            </a:r>
+            <a:r>
+              <a:rPr lang="en-US" sz="1200" kern="1200" dirty="0" smtClean="0">
+                <a:solidFill>
+                  <a:schemeClr val="tx1"/>
+                </a:solidFill>
+                <a:effectLst/>
+                <a:latin typeface="+mn-lt"/>
+                <a:ea typeface="+mn-ea"/>
+                <a:cs typeface="+mn-cs"/>
+              </a:rPr>
+              <a:t> remote </a:t>
+            </a:r>
+            <a:r>
+              <a:rPr lang="en-US" sz="1200" b="1" kern="1200" dirty="0" smtClean="0">
+                <a:solidFill>
+                  <a:schemeClr val="tx1"/>
+                </a:solidFill>
+                <a:effectLst/>
+                <a:latin typeface="+mn-lt"/>
+                <a:ea typeface="+mn-ea"/>
+                <a:cs typeface="+mn-cs"/>
+              </a:rPr>
+              <a:t>set-</a:t>
+            </a:r>
+            <a:r>
+              <a:rPr lang="en-US" sz="1200" b="1" kern="1200" dirty="0" err="1" smtClean="0">
+                <a:solidFill>
+                  <a:schemeClr val="tx1"/>
+                </a:solidFill>
+                <a:effectLst/>
+                <a:latin typeface="+mn-lt"/>
+                <a:ea typeface="+mn-ea"/>
+                <a:cs typeface="+mn-cs"/>
+              </a:rPr>
+              <a:t>url</a:t>
+            </a:r>
+            <a:r>
+              <a:rPr lang="en-US" sz="1200" kern="1200" dirty="0" smtClean="0">
+                <a:solidFill>
+                  <a:schemeClr val="tx1"/>
+                </a:solidFill>
+                <a:effectLst/>
+                <a:latin typeface="+mn-lt"/>
+                <a:ea typeface="+mn-ea"/>
+                <a:cs typeface="+mn-cs"/>
+              </a:rPr>
+              <a:t> origin url2</a:t>
+            </a:r>
+          </a:p>
+          <a:p>
+            <a:pPr marL="0" marR="0" lvl="0" indent="0" algn="l" defTabSz="914400" rtl="0" eaLnBrk="1" fontAlgn="auto" latinLnBrk="0" hangingPunct="1">
+              <a:lnSpc>
+                <a:spcPct val="100000"/>
+              </a:lnSpc>
+              <a:spcBef>
+                <a:spcPts val="0"/>
+              </a:spcBef>
+              <a:spcAft>
+                <a:spcPts val="0"/>
+              </a:spcAft>
+              <a:buClrTx/>
+              <a:buSzTx/>
+              <a:buFontTx/>
+              <a:buNone/>
+              <a:tabLst/>
+              <a:defRPr/>
+            </a:pPr>
+            <a:r>
+              <a:rPr lang="en-US" sz="1200" b="1" kern="1200" dirty="0" err="1" smtClean="0">
+                <a:solidFill>
+                  <a:schemeClr val="tx1"/>
+                </a:solidFill>
+                <a:effectLst/>
+                <a:latin typeface="+mn-lt"/>
+                <a:ea typeface="+mn-ea"/>
+                <a:cs typeface="+mn-cs"/>
+              </a:rPr>
+              <a:t>Supprimer</a:t>
+            </a:r>
+            <a:r>
+              <a:rPr lang="en-US" sz="1200" b="1" kern="1200" dirty="0" smtClean="0">
+                <a:solidFill>
+                  <a:schemeClr val="tx1"/>
+                </a:solidFill>
+                <a:effectLst/>
+                <a:latin typeface="+mn-lt"/>
+                <a:ea typeface="+mn-ea"/>
+                <a:cs typeface="+mn-cs"/>
+              </a:rPr>
+              <a:t> le remote: </a:t>
+            </a:r>
+            <a:r>
+              <a:rPr lang="en-US" sz="1200" kern="1200" dirty="0" err="1" smtClean="0">
+                <a:solidFill>
+                  <a:schemeClr val="tx1"/>
+                </a:solidFill>
+                <a:effectLst/>
+                <a:latin typeface="+mn-lt"/>
+                <a:ea typeface="+mn-ea"/>
+                <a:cs typeface="+mn-cs"/>
+              </a:rPr>
+              <a:t>git</a:t>
+            </a:r>
+            <a:r>
+              <a:rPr lang="en-US" sz="1200" kern="1200" dirty="0" smtClean="0">
+                <a:solidFill>
+                  <a:schemeClr val="tx1"/>
+                </a:solidFill>
+                <a:effectLst/>
+                <a:latin typeface="+mn-lt"/>
+                <a:ea typeface="+mn-ea"/>
+                <a:cs typeface="+mn-cs"/>
+              </a:rPr>
+              <a:t> remote remove</a:t>
+            </a:r>
+            <a:r>
+              <a:rPr lang="en-US" sz="1200" kern="1200" baseline="0" dirty="0" smtClean="0">
+                <a:solidFill>
+                  <a:schemeClr val="tx1"/>
+                </a:solidFill>
+                <a:effectLst/>
+                <a:latin typeface="+mn-lt"/>
+                <a:ea typeface="+mn-ea"/>
+                <a:cs typeface="+mn-cs"/>
+              </a:rPr>
+              <a:t> origin</a:t>
+            </a:r>
+            <a:endParaRPr lang="fr-FR" dirty="0" smtClean="0"/>
+          </a:p>
+          <a:p>
+            <a:pPr marL="0" marR="0" lvl="0" indent="0" algn="l" defTabSz="914400" rtl="0" eaLnBrk="1" fontAlgn="auto" latinLnBrk="0" hangingPunct="1">
+              <a:lnSpc>
+                <a:spcPct val="100000"/>
+              </a:lnSpc>
+              <a:spcBef>
+                <a:spcPts val="0"/>
+              </a:spcBef>
+              <a:spcAft>
+                <a:spcPts val="0"/>
+              </a:spcAft>
+              <a:buClrTx/>
+              <a:buSzTx/>
+              <a:buFontTx/>
+              <a:buNone/>
+              <a:tabLst/>
+              <a:defRPr/>
+            </a:pPr>
+            <a:r>
+              <a:rPr lang="fr-FR" b="1" dirty="0" smtClean="0"/>
+              <a:t>Afficher le remote url</a:t>
+            </a:r>
+            <a:r>
+              <a:rPr lang="fr-FR" b="1" baseline="0" dirty="0" smtClean="0"/>
+              <a:t> :</a:t>
+            </a:r>
+            <a:r>
+              <a:rPr lang="fr-FR" dirty="0" smtClean="0"/>
+              <a:t>Git remote –v, git remote show </a:t>
+            </a:r>
+            <a:r>
+              <a:rPr lang="fr-FR" dirty="0" err="1" smtClean="0"/>
+              <a:t>orign</a:t>
+            </a:r>
+            <a:r>
+              <a:rPr lang="fr-FR" dirty="0" smtClean="0"/>
+              <a:t>,</a:t>
+            </a:r>
+            <a:r>
+              <a:rPr lang="fr-FR" sz="1200" kern="1200" dirty="0" smtClean="0">
+                <a:solidFill>
+                  <a:schemeClr val="tx1"/>
+                </a:solidFill>
+                <a:latin typeface="+mn-lt"/>
+                <a:ea typeface="+mn-ea"/>
+                <a:cs typeface="+mn-cs"/>
+              </a:rPr>
+              <a:t> git </a:t>
+            </a:r>
+            <a:r>
+              <a:rPr lang="fr-FR" sz="1200" kern="1200" dirty="0" err="1" smtClean="0">
+                <a:solidFill>
+                  <a:schemeClr val="tx1"/>
+                </a:solidFill>
+                <a:latin typeface="+mn-lt"/>
+                <a:ea typeface="+mn-ea"/>
+                <a:cs typeface="+mn-cs"/>
+              </a:rPr>
+              <a:t>ls</a:t>
+            </a:r>
+            <a:r>
+              <a:rPr lang="fr-FR" sz="1200" kern="1200" dirty="0" smtClean="0">
+                <a:solidFill>
+                  <a:schemeClr val="tx1"/>
+                </a:solidFill>
+                <a:latin typeface="+mn-lt"/>
+                <a:ea typeface="+mn-ea"/>
+                <a:cs typeface="+mn-cs"/>
+              </a:rPr>
+              <a:t>-remote</a:t>
+            </a:r>
+            <a:endParaRPr lang="fr-FR" dirty="0" smtClean="0"/>
+          </a:p>
+          <a:p>
+            <a:r>
+              <a:rPr lang="fr-FR" sz="1200" kern="1200" dirty="0" err="1" smtClean="0">
+                <a:solidFill>
+                  <a:schemeClr val="tx1"/>
+                </a:solidFill>
+                <a:latin typeface="+mn-lt"/>
+                <a:ea typeface="+mn-ea"/>
+                <a:cs typeface="+mn-cs"/>
+              </a:rPr>
+              <a:t>Affciher</a:t>
+            </a:r>
+            <a:r>
+              <a:rPr lang="fr-FR" sz="1200" kern="1200" dirty="0" smtClean="0">
+                <a:solidFill>
+                  <a:schemeClr val="tx1"/>
+                </a:solidFill>
+                <a:latin typeface="+mn-lt"/>
+                <a:ea typeface="+mn-ea"/>
+                <a:cs typeface="+mn-cs"/>
+              </a:rPr>
+              <a:t> une variable git config --</a:t>
+            </a:r>
+            <a:r>
+              <a:rPr lang="fr-FR" sz="1200" kern="1200" dirty="0" err="1" smtClean="0">
+                <a:solidFill>
+                  <a:schemeClr val="tx1"/>
+                </a:solidFill>
+                <a:latin typeface="+mn-lt"/>
+                <a:ea typeface="+mn-ea"/>
+                <a:cs typeface="+mn-cs"/>
+              </a:rPr>
+              <a:t>get</a:t>
+            </a:r>
+            <a:r>
+              <a:rPr lang="fr-FR" sz="1200" kern="1200" dirty="0" smtClean="0">
+                <a:solidFill>
+                  <a:schemeClr val="tx1"/>
+                </a:solidFill>
+                <a:latin typeface="+mn-lt"/>
+                <a:ea typeface="+mn-ea"/>
+                <a:cs typeface="+mn-cs"/>
+              </a:rPr>
+              <a:t> user.name</a:t>
+            </a:r>
+            <a:endParaRPr lang="fr-FR" dirty="0" smtClean="0"/>
+          </a:p>
+          <a:p>
+            <a:r>
+              <a:rPr lang="fr-FR" dirty="0" smtClean="0"/>
+              <a:t>Git</a:t>
+            </a:r>
             <a:r>
               <a:rPr lang="fr-FR" baseline="0" dirty="0" smtClean="0"/>
-              <a:t>	</a:t>
-            </a:r>
-          </a:p>
-          <a:p>
-            <a:endParaRPr lang="fr-FR" baseline="0" dirty="0" smtClean="0"/>
-          </a:p>
-          <a:p>
+              <a:t> status affiche (non </a:t>
+            </a:r>
+            <a:r>
+              <a:rPr lang="fr-FR" baseline="0" dirty="0" err="1" smtClean="0"/>
+              <a:t>track</a:t>
+            </a:r>
+            <a:r>
+              <a:rPr lang="fr-FR" baseline="0" dirty="0" smtClean="0"/>
+              <a:t> ,indexé ,non indexé) utilisé </a:t>
+            </a:r>
+            <a:r>
+              <a:rPr lang="fr-FR" baseline="0" dirty="0" err="1" smtClean="0"/>
+              <a:t>gs</a:t>
+            </a:r>
+            <a:r>
+              <a:rPr lang="fr-FR" baseline="0" dirty="0" smtClean="0"/>
+              <a:t> –s  (pour montrer les fichier qui sont dans </a:t>
+            </a:r>
+            <a:r>
+              <a:rPr lang="fr-FR" baseline="0" dirty="0" err="1" smtClean="0"/>
+              <a:t>stagged</a:t>
+            </a:r>
+            <a:r>
+              <a:rPr lang="fr-FR" baseline="0" dirty="0" smtClean="0"/>
+              <a:t> </a:t>
+            </a:r>
+            <a:r>
+              <a:rPr lang="fr-FR" baseline="0" dirty="0" err="1" smtClean="0"/>
+              <a:t>arrea</a:t>
+            </a:r>
+            <a:r>
+              <a:rPr lang="fr-FR" baseline="0" dirty="0" smtClean="0"/>
+              <a:t> &amp; et les fichiers dans work directory)</a:t>
+            </a:r>
+          </a:p>
+          <a:p>
+            <a:r>
+              <a:rPr lang="fr-FR" baseline="0" dirty="0" smtClean="0"/>
+              <a:t>Git checkout: on peut pas le faire avec un fichier supprimé, pour supprimer l’indexation d’une suppression on </a:t>
+            </a:r>
+            <a:r>
+              <a:rPr lang="fr-FR" baseline="0" dirty="0" err="1" smtClean="0"/>
+              <a:t>fair</a:t>
+            </a:r>
+            <a:r>
+              <a:rPr lang="fr-FR" baseline="0" dirty="0" smtClean="0"/>
+              <a:t> git restore –stagged file</a:t>
+            </a:r>
             <a:endParaRPr lang="fr-FR" dirty="0"/>
           </a:p>
         </p:txBody>
@@ -2066,7 +2358,7 @@
           <a:p>
             <a:fld id="{852BFB1F-A0B8-45F9-8B0C-AE6AABDE724A}" type="slidenum">
               <a:rPr lang="fr-FR" smtClean="0"/>
-              <a:t>4</a:t>
+              <a:t>6</a:t>
             </a:fld>
             <a:endParaRPr lang="fr-FR"/>
           </a:p>
@@ -2075,7 +2367,7 @@
     </p:spTree>
     <p:extLst>
       <p:ext uri="{BB962C8B-B14F-4D97-AF65-F5344CB8AC3E}">
-        <p14:creationId xmlns:p14="http://schemas.microsoft.com/office/powerpoint/2010/main" val="3512285482"/>
+        <p14:creationId xmlns:p14="http://schemas.microsoft.com/office/powerpoint/2010/main" val="3890560028"/>
       </p:ext>
     </p:extLst>
   </p:cSld>
@@ -2130,90 +2422,84 @@
           <a:lstStyle/>
           <a:p>
             <a:r>
-              <a:rPr lang="fr-FR" b="1" dirty="0" smtClean="0"/>
-              <a:t>Branche</a:t>
-            </a:r>
-            <a:r>
               <a:rPr lang="fr-FR" dirty="0" smtClean="0"/>
-              <a:t>: est</a:t>
+              <a:t>Git </a:t>
+            </a:r>
+            <a:r>
+              <a:rPr lang="fr-FR" dirty="0" err="1" smtClean="0"/>
+              <a:t>add</a:t>
             </a:r>
             <a:r>
               <a:rPr lang="fr-FR" baseline="0" dirty="0" smtClean="0"/>
-              <a:t> un pointeur vars un objet commit</a:t>
-            </a:r>
+              <a:t> mettre à jour l’index </a:t>
+            </a:r>
+            <a:endParaRPr lang="fr-FR" baseline="0" dirty="0" smtClean="0"/>
           </a:p>
           <a:p>
             <a:r>
               <a:rPr lang="fr-FR" baseline="0" dirty="0" smtClean="0"/>
-              <a:t>Stratégie (stratégie 0 branch( petit projet  1 </a:t>
+              <a:t>Git </a:t>
             </a:r>
             <a:r>
               <a:rPr lang="fr-FR" baseline="0" dirty="0" err="1" smtClean="0"/>
-              <a:t>devloper</a:t>
+              <a:t>add</a:t>
             </a:r>
             <a:r>
               <a:rPr lang="fr-FR" baseline="0" dirty="0" smtClean="0"/>
-              <a:t>)</a:t>
-            </a:r>
-          </a:p>
-          <a:p>
+              <a:t> –p « </a:t>
+            </a:r>
+            <a:r>
+              <a:rPr lang="fr-FR" baseline="0" dirty="0" err="1" smtClean="0"/>
+              <a:t>filename</a:t>
+            </a:r>
             <a:r>
               <a:rPr lang="fr-FR" baseline="0" dirty="0" smtClean="0"/>
-              <a:t>-incontinent: bouceaup de conflits, développé d’autre fonctionnalité et réglé les problème</a:t>
-            </a:r>
-          </a:p>
-          <a:p>
+              <a:t> » qu’elle partie va </a:t>
+            </a:r>
+            <a:r>
+              <a:rPr lang="fr-FR" baseline="0" dirty="0" err="1" smtClean="0"/>
+              <a:t>étre</a:t>
+            </a:r>
             <a:r>
               <a:rPr lang="fr-FR" baseline="0" dirty="0" smtClean="0"/>
-              <a:t>-</a:t>
+              <a:t> intégré à la prochaine commit</a:t>
+            </a:r>
+            <a:endParaRPr lang="fr-FR" dirty="0" smtClean="0"/>
+          </a:p>
+          <a:p>
+            <a:r>
+              <a:rPr lang="fr-FR" dirty="0" smtClean="0"/>
+              <a:t>Git</a:t>
+            </a:r>
+            <a:r>
+              <a:rPr lang="fr-FR" baseline="0" dirty="0" smtClean="0"/>
+              <a:t> status affiche (non </a:t>
             </a:r>
             <a:r>
               <a:rPr lang="fr-FR" baseline="0" dirty="0" err="1" smtClean="0"/>
-              <a:t>dificile</a:t>
+              <a:t>track</a:t>
             </a:r>
             <a:r>
               <a:rPr lang="fr-FR" baseline="0" dirty="0" smtClean="0"/>
-              <a:t> de </a:t>
+              <a:t> ,indexé ,non indexé)</a:t>
+            </a:r>
+          </a:p>
+          <a:p>
+            <a:r>
+              <a:rPr lang="fr-FR" baseline="0" dirty="0" smtClean="0"/>
+              <a:t>Git checkout: on peut pas le faire avec un fichier supprimé, pour supprimer l’indexation d’une suppression on </a:t>
             </a:r>
             <a:r>
               <a:rPr lang="fr-FR" baseline="0" dirty="0" err="1" smtClean="0"/>
-              <a:t>suprimé</a:t>
+              <a:t>fair</a:t>
             </a:r>
             <a:r>
               <a:rPr lang="fr-FR" baseline="0" dirty="0" smtClean="0"/>
-              <a:t> et de </a:t>
-            </a:r>
-            <a:r>
-              <a:rPr lang="fr-FR" baseline="0" dirty="0" err="1" smtClean="0"/>
-              <a:t>resaouré</a:t>
-            </a:r>
-            <a:r>
-              <a:rPr lang="fr-FR" baseline="0" dirty="0" smtClean="0"/>
-              <a:t> des </a:t>
-            </a:r>
-            <a:r>
-              <a:rPr lang="fr-FR" baseline="0" dirty="0" err="1" smtClean="0"/>
-              <a:t>fonctionalite</a:t>
-            </a:r>
-            <a:endParaRPr lang="fr-FR" baseline="0" dirty="0" smtClean="0"/>
-          </a:p>
-          <a:p>
-            <a:r>
-              <a:rPr lang="fr-FR" baseline="0" dirty="0" smtClean="0"/>
-              <a:t>Perte de temps dans le </a:t>
-            </a:r>
-            <a:r>
-              <a:rPr lang="fr-FR" baseline="0" dirty="0" err="1" smtClean="0"/>
-              <a:t>reglage</a:t>
-            </a:r>
-            <a:r>
-              <a:rPr lang="fr-FR" baseline="0" dirty="0" smtClean="0"/>
-              <a:t> de conflit au lieu le </a:t>
-            </a:r>
-            <a:r>
-              <a:rPr lang="fr-FR" baseline="0" dirty="0" err="1" smtClean="0"/>
-              <a:t>developement</a:t>
-            </a:r>
+              <a:t> git restore –stagged file</a:t>
+            </a:r>
+            <a:endParaRPr lang="fr-FR" dirty="0" smtClean="0"/>
+          </a:p>
+          <a:p>
             <a:endParaRPr lang="fr-FR" dirty="0"/>
           </a:p>
         </p:txBody>
@@ -2244,7 +2530,7 @@
     </p:spTree>
     <p:extLst>
       <p:ext uri="{BB962C8B-B14F-4D97-AF65-F5344CB8AC3E}">
-        <p14:creationId xmlns:p14="http://schemas.microsoft.com/office/powerpoint/2010/main" val="4207549232"/>
+        <p14:creationId xmlns:p14="http://schemas.microsoft.com/office/powerpoint/2010/main" val="2126714689"/>
       </p:ext>
     </p:extLst>
   </p:cSld>
@@ -2299,136 +2585,521 @@
           <a:lstStyle/>
           <a:p>
             <a:r>
-              <a:rPr lang="fr-FR" sz="1200" b="1" dirty="0" err="1" smtClean="0"/>
-              <a:t>Devlop</a:t>
-            </a:r>
-            <a:r>
-              <a:rPr lang="fr-FR" sz="1200" b="1" dirty="0" smtClean="0"/>
-              <a:t> : </a:t>
-            </a:r>
-            <a:r>
-              <a:rPr lang="fr-FR" sz="1200" b="0" dirty="0" smtClean="0"/>
-              <a:t>on</a:t>
-            </a:r>
-            <a:r>
-              <a:rPr lang="fr-FR" sz="1200" b="0" baseline="0" dirty="0" smtClean="0"/>
-              <a:t> créer une branch </a:t>
-            </a:r>
-            <a:r>
-              <a:rPr lang="fr-FR" b="0" dirty="0" smtClean="0"/>
-              <a:t>pérenne « </a:t>
-            </a:r>
-            <a:r>
-              <a:rPr lang="fr-FR" b="0" dirty="0" err="1" smtClean="0"/>
-              <a:t>develop</a:t>
-            </a:r>
-            <a:r>
-              <a:rPr lang="fr-FR" b="0" dirty="0" smtClean="0"/>
-              <a:t> »</a:t>
-            </a:r>
-            <a:r>
-              <a:rPr lang="fr-FR" b="0" baseline="0" dirty="0" smtClean="0"/>
-              <a:t> à coté de master «  place sur ou introduire du code qui peut cassé notre projet»</a:t>
-            </a:r>
-            <a:r>
-              <a:rPr lang="fr-FR" b="0" dirty="0" smtClean="0"/>
-              <a:t> .on à besoin d’une stratégie de teste pour s’assuré de ne</a:t>
-            </a:r>
-            <a:r>
-              <a:rPr lang="fr-FR" b="0" baseline="0" dirty="0" smtClean="0"/>
-              <a:t> pas introduire de bug à master l’hors des merge (</a:t>
-            </a:r>
-            <a:r>
-              <a:rPr lang="fr-FR" b="0" baseline="0" dirty="0" err="1" smtClean="0"/>
-              <a:t>inconvignent</a:t>
-            </a:r>
-            <a:r>
-              <a:rPr lang="fr-FR" b="0" baseline="0" dirty="0" smtClean="0"/>
-              <a:t> on peut pas développer plusieurs fonctionnalité en parallèle- il y’à qu’un seule ou deux </a:t>
-            </a:r>
-            <a:r>
-              <a:rPr lang="fr-FR" b="0" baseline="0" dirty="0" err="1" smtClean="0"/>
-              <a:t>developer</a:t>
-            </a:r>
-            <a:r>
-              <a:rPr lang="fr-FR" b="0" baseline="0" dirty="0" smtClean="0"/>
-              <a:t> peut travailler activement sur le projet, supprimer ou restore une fonctionnalité est un challenge)</a:t>
-            </a:r>
-          </a:p>
-          <a:p>
-            <a:r>
-              <a:rPr lang="fr-FR" sz="1200" b="1" dirty="0" smtClean="0"/>
-              <a:t>stratégie de branch par fonctionnalité :</a:t>
-            </a:r>
-          </a:p>
-          <a:p>
-            <a:r>
-              <a:rPr lang="fr-FR" sz="1200" b="0" baseline="0" dirty="0" smtClean="0"/>
-              <a:t>On peut applique à n’importe qu’elle moment un </a:t>
-            </a:r>
-            <a:r>
-              <a:rPr lang="en-US" dirty="0" smtClean="0"/>
-              <a:t>hotfix à </a:t>
-            </a:r>
-            <a:r>
-              <a:rPr lang="fr-FR" sz="1200" b="0" baseline="0" dirty="0" smtClean="0"/>
-              <a:t> la branch master en cas de bug, les </a:t>
-            </a:r>
-            <a:r>
-              <a:rPr lang="fr-FR" sz="1200" b="0" baseline="0" dirty="0" err="1" smtClean="0"/>
-              <a:t>developper</a:t>
-            </a:r>
-            <a:r>
-              <a:rPr lang="fr-FR" sz="1200" b="0" baseline="0" dirty="0" smtClean="0"/>
-              <a:t> font le pull de la </a:t>
-            </a:r>
-            <a:r>
-              <a:rPr lang="fr-FR" sz="1200" b="0" baseline="0" dirty="0" err="1" smtClean="0"/>
-              <a:t>dérniére</a:t>
-            </a:r>
-            <a:r>
-              <a:rPr lang="fr-FR" sz="1200" b="0" baseline="0" dirty="0" smtClean="0"/>
+              <a:rPr lang="fr-FR" dirty="0" smtClean="0"/>
+              <a:t>Git </a:t>
+            </a:r>
+            <a:r>
+              <a:rPr lang="fr-FR" dirty="0" err="1" smtClean="0"/>
+              <a:t>diff</a:t>
+            </a:r>
+            <a:r>
+              <a:rPr lang="fr-FR" dirty="0" smtClean="0"/>
+              <a:t> –</a:t>
+            </a:r>
+            <a:r>
+              <a:rPr lang="fr-FR" dirty="0" err="1" smtClean="0"/>
+              <a:t>cached</a:t>
+            </a:r>
+            <a:r>
+              <a:rPr lang="fr-FR" baseline="0" dirty="0" smtClean="0"/>
+              <a:t> (index – commit pointé par </a:t>
+            </a:r>
+            <a:r>
+              <a:rPr lang="fr-FR" baseline="0" dirty="0" err="1" smtClean="0"/>
+              <a:t>head</a:t>
+            </a:r>
+            <a:r>
+              <a:rPr lang="fr-FR" baseline="0" dirty="0" smtClean="0"/>
+              <a:t>) </a:t>
+            </a:r>
+            <a:endParaRPr lang="fr-FR" dirty="0" smtClean="0"/>
+          </a:p>
+          <a:p>
+            <a:r>
+              <a:rPr lang="fr-FR" dirty="0" smtClean="0"/>
+              <a:t>Git</a:t>
+            </a:r>
+            <a:r>
+              <a:rPr lang="fr-FR" baseline="0" dirty="0" smtClean="0"/>
+              <a:t> status affiche (non </a:t>
+            </a:r>
+            <a:r>
+              <a:rPr lang="fr-FR" baseline="0" dirty="0" err="1" smtClean="0"/>
+              <a:t>track</a:t>
+            </a:r>
+            <a:r>
+              <a:rPr lang="fr-FR" baseline="0" dirty="0" smtClean="0"/>
+              <a:t> ,indexé ,non indexé)</a:t>
+            </a:r>
+          </a:p>
+          <a:p>
+            <a:r>
+              <a:rPr lang="fr-FR" dirty="0" smtClean="0"/>
+              <a:t>Git reset –soft</a:t>
+            </a:r>
+            <a:r>
+              <a:rPr lang="fr-FR" baseline="0" dirty="0" smtClean="0"/>
               <a:t> </a:t>
             </a:r>
             <a:r>
-              <a:rPr lang="fr-FR" sz="1200" b="0" baseline="0" dirty="0" err="1" smtClean="0"/>
-              <a:t>versionb</a:t>
-            </a:r>
-            <a:r>
-              <a:rPr lang="fr-FR" sz="1200" b="0" baseline="0" dirty="0" smtClean="0"/>
-              <a:t> du master avant de </a:t>
-            </a:r>
-            <a:r>
-              <a:rPr lang="fr-FR" sz="1200" b="0" baseline="0" dirty="0" err="1" smtClean="0"/>
-              <a:t>mergé</a:t>
-            </a:r>
-            <a:r>
-              <a:rPr lang="fr-FR" sz="1200" b="0" baseline="0" dirty="0" smtClean="0"/>
-              <a:t> leur branch </a:t>
-            </a:r>
-            <a:r>
-              <a:rPr lang="fr-FR" sz="1200" b="1" baseline="0" dirty="0" smtClean="0"/>
-              <a:t>fonctionnalité </a:t>
-            </a:r>
-            <a:r>
-              <a:rPr lang="fr-FR" sz="1200" b="0" baseline="0" dirty="0" smtClean="0"/>
-              <a:t>à la branch master</a:t>
-            </a:r>
-          </a:p>
-          <a:p>
-            <a:r>
-              <a:rPr lang="fr-FR" sz="1200" b="1" baseline="0" dirty="0" err="1" smtClean="0"/>
-              <a:t>Inconvignen</a:t>
-            </a:r>
-            <a:r>
-              <a:rPr lang="fr-FR" sz="1200" b="0" baseline="0" dirty="0" err="1" smtClean="0"/>
-              <a:t>t</a:t>
-            </a:r>
-            <a:r>
-              <a:rPr lang="fr-FR" sz="1200" b="0" baseline="0" dirty="0" smtClean="0"/>
-              <a:t>: le développement de fonctionnalités en parallèle n’est pas toujours faisable (pour les taches interdépendantes)</a:t>
-            </a:r>
-            <a:endParaRPr lang="fr-FR" b="0" baseline="0" dirty="0" smtClean="0"/>
+              <a:rPr lang="fr-FR" sz="1200" b="1" kern="1200" dirty="0" smtClean="0">
+                <a:solidFill>
+                  <a:schemeClr val="tx1"/>
+                </a:solidFill>
+                <a:effectLst/>
+                <a:latin typeface="+mn-lt"/>
+                <a:ea typeface="+mn-ea"/>
+                <a:cs typeface="+mn-cs"/>
+              </a:rPr>
+              <a:t>HEAD^ : </a:t>
+            </a:r>
+            <a:r>
+              <a:rPr lang="fr-FR" sz="1200" b="1" kern="1200" dirty="0" err="1" smtClean="0">
+                <a:solidFill>
+                  <a:schemeClr val="tx1"/>
+                </a:solidFill>
+                <a:effectLst/>
+                <a:latin typeface="+mn-lt"/>
+                <a:ea typeface="+mn-ea"/>
+                <a:cs typeface="+mn-cs"/>
+              </a:rPr>
+              <a:t>suprime</a:t>
+            </a:r>
+            <a:r>
+              <a:rPr lang="fr-FR" sz="1200" b="1" kern="1200" baseline="0" dirty="0" smtClean="0">
+                <a:solidFill>
+                  <a:schemeClr val="tx1"/>
+                </a:solidFill>
+                <a:effectLst/>
+                <a:latin typeface="+mn-lt"/>
+                <a:ea typeface="+mn-ea"/>
+                <a:cs typeface="+mn-cs"/>
+              </a:rPr>
+              <a:t> le dernier commit et </a:t>
+            </a:r>
+            <a:r>
+              <a:rPr lang="fr-FR" sz="1200" b="1" kern="1200" baseline="0" dirty="0" err="1" smtClean="0">
+                <a:solidFill>
+                  <a:schemeClr val="tx1"/>
+                </a:solidFill>
+                <a:effectLst/>
+                <a:latin typeface="+mn-lt"/>
+                <a:ea typeface="+mn-ea"/>
+                <a:cs typeface="+mn-cs"/>
+              </a:rPr>
+              <a:t>retourn</a:t>
+            </a:r>
+            <a:r>
+              <a:rPr lang="fr-FR" sz="1200" b="1" kern="1200" baseline="0" dirty="0" smtClean="0">
+                <a:solidFill>
+                  <a:schemeClr val="tx1"/>
+                </a:solidFill>
+                <a:effectLst/>
+                <a:latin typeface="+mn-lt"/>
+                <a:ea typeface="+mn-ea"/>
+                <a:cs typeface="+mn-cs"/>
+              </a:rPr>
+              <a:t> a </a:t>
+            </a:r>
+            <a:r>
+              <a:rPr lang="fr-FR" sz="1200" b="1" kern="1200" baseline="0" dirty="0" err="1" smtClean="0">
+                <a:solidFill>
+                  <a:schemeClr val="tx1"/>
+                </a:solidFill>
+                <a:effectLst/>
+                <a:latin typeface="+mn-lt"/>
+                <a:ea typeface="+mn-ea"/>
+                <a:cs typeface="+mn-cs"/>
+              </a:rPr>
+              <a:t>etat</a:t>
+            </a:r>
+            <a:r>
+              <a:rPr lang="fr-FR" sz="1200" b="1" kern="1200" baseline="0" dirty="0" smtClean="0">
+                <a:solidFill>
+                  <a:schemeClr val="tx1"/>
+                </a:solidFill>
+                <a:effectLst/>
+                <a:latin typeface="+mn-lt"/>
+                <a:ea typeface="+mn-ea"/>
+                <a:cs typeface="+mn-cs"/>
+              </a:rPr>
+              <a:t> staged </a:t>
+            </a:r>
+          </a:p>
+          <a:p>
+            <a:r>
+              <a:rPr lang="fr-FR" dirty="0" smtClean="0"/>
+              <a:t>Git reset </a:t>
+            </a:r>
+            <a:r>
+              <a:rPr lang="fr-FR" sz="1200" b="1" kern="1200" dirty="0" smtClean="0">
+                <a:solidFill>
+                  <a:schemeClr val="tx1"/>
+                </a:solidFill>
+                <a:effectLst/>
+                <a:latin typeface="+mn-lt"/>
+                <a:ea typeface="+mn-ea"/>
+                <a:cs typeface="+mn-cs"/>
+              </a:rPr>
+              <a:t>HEAD^:</a:t>
+            </a:r>
+            <a:r>
+              <a:rPr lang="fr-FR" sz="1200" b="1" kern="1200" baseline="0" dirty="0" smtClean="0">
+                <a:solidFill>
+                  <a:schemeClr val="tx1"/>
+                </a:solidFill>
+                <a:effectLst/>
+                <a:latin typeface="+mn-lt"/>
+                <a:ea typeface="+mn-ea"/>
+                <a:cs typeface="+mn-cs"/>
+              </a:rPr>
+              <a:t> mixed par </a:t>
+            </a:r>
+            <a:r>
+              <a:rPr lang="fr-FR" sz="1200" b="1" kern="1200" baseline="0" dirty="0" err="1" smtClean="0">
+                <a:solidFill>
+                  <a:schemeClr val="tx1"/>
+                </a:solidFill>
+                <a:effectLst/>
+                <a:latin typeface="+mn-lt"/>
+                <a:ea typeface="+mn-ea"/>
+                <a:cs typeface="+mn-cs"/>
+              </a:rPr>
+              <a:t>defaut</a:t>
+            </a:r>
+            <a:r>
+              <a:rPr lang="fr-FR" sz="1200" b="1" kern="1200" baseline="0" dirty="0" smtClean="0">
+                <a:solidFill>
+                  <a:schemeClr val="tx1"/>
+                </a:solidFill>
+                <a:effectLst/>
+                <a:latin typeface="+mn-lt"/>
+                <a:ea typeface="+mn-ea"/>
+                <a:cs typeface="+mn-cs"/>
+              </a:rPr>
+              <a:t> </a:t>
+            </a:r>
+            <a:r>
+              <a:rPr lang="fr-FR" sz="1200" b="1" kern="1200" dirty="0" err="1" smtClean="0">
+                <a:solidFill>
+                  <a:schemeClr val="tx1"/>
+                </a:solidFill>
+                <a:effectLst/>
+                <a:latin typeface="+mn-lt"/>
+                <a:ea typeface="+mn-ea"/>
+                <a:cs typeface="+mn-cs"/>
+              </a:rPr>
+              <a:t>suprime</a:t>
+            </a:r>
+            <a:r>
+              <a:rPr lang="fr-FR" sz="1200" b="1" kern="1200" baseline="0" dirty="0" smtClean="0">
+                <a:solidFill>
+                  <a:schemeClr val="tx1"/>
+                </a:solidFill>
+                <a:effectLst/>
+                <a:latin typeface="+mn-lt"/>
+                <a:ea typeface="+mn-ea"/>
+                <a:cs typeface="+mn-cs"/>
+              </a:rPr>
+              <a:t> le dernier commit  et retourne à l’</a:t>
+            </a:r>
+            <a:r>
+              <a:rPr lang="fr-FR" sz="1200" b="1" kern="1200" baseline="0" dirty="0" err="1" smtClean="0">
+                <a:solidFill>
+                  <a:schemeClr val="tx1"/>
+                </a:solidFill>
+                <a:effectLst/>
+                <a:latin typeface="+mn-lt"/>
+                <a:ea typeface="+mn-ea"/>
+                <a:cs typeface="+mn-cs"/>
+              </a:rPr>
+              <a:t>etat</a:t>
+            </a:r>
+            <a:r>
+              <a:rPr lang="fr-FR" sz="1200" b="1" kern="1200" baseline="0" dirty="0" smtClean="0">
+                <a:solidFill>
+                  <a:schemeClr val="tx1"/>
+                </a:solidFill>
+                <a:effectLst/>
+                <a:latin typeface="+mn-lt"/>
+                <a:ea typeface="+mn-ea"/>
+                <a:cs typeface="+mn-cs"/>
+              </a:rPr>
+              <a:t> </a:t>
+            </a:r>
+            <a:r>
+              <a:rPr lang="fr-FR" sz="1200" b="1" kern="1200" baseline="0" dirty="0" err="1" smtClean="0">
+                <a:solidFill>
+                  <a:schemeClr val="tx1"/>
+                </a:solidFill>
+                <a:effectLst/>
+                <a:latin typeface="+mn-lt"/>
+                <a:ea typeface="+mn-ea"/>
+                <a:cs typeface="+mn-cs"/>
+              </a:rPr>
+              <a:t>unsatagé</a:t>
+            </a:r>
+            <a:endParaRPr lang="fr-FR" dirty="0" smtClean="0"/>
+          </a:p>
+          <a:p>
+            <a:pPr marL="0" marR="0" lvl="0" indent="0" algn="l" defTabSz="914400" rtl="0" eaLnBrk="1" fontAlgn="auto" latinLnBrk="0" hangingPunct="1">
+              <a:lnSpc>
+                <a:spcPct val="100000"/>
+              </a:lnSpc>
+              <a:spcBef>
+                <a:spcPts val="0"/>
+              </a:spcBef>
+              <a:spcAft>
+                <a:spcPts val="0"/>
+              </a:spcAft>
+              <a:buClrTx/>
+              <a:buSzTx/>
+              <a:buFontTx/>
+              <a:buNone/>
+              <a:tabLst/>
+              <a:defRPr/>
+            </a:pPr>
+            <a:r>
+              <a:rPr lang="fr-FR" dirty="0" smtClean="0"/>
+              <a:t>Git reset –hard  </a:t>
+            </a:r>
+            <a:r>
+              <a:rPr lang="fr-FR" sz="1200" b="1" kern="1200" dirty="0" smtClean="0">
+                <a:solidFill>
+                  <a:schemeClr val="tx1"/>
+                </a:solidFill>
+                <a:effectLst/>
+                <a:latin typeface="+mn-lt"/>
+                <a:ea typeface="+mn-ea"/>
+                <a:cs typeface="+mn-cs"/>
+              </a:rPr>
+              <a:t>HEAD^: </a:t>
+            </a:r>
+            <a:r>
+              <a:rPr lang="fr-FR" sz="1200" b="1" kern="1200" dirty="0" err="1" smtClean="0">
+                <a:solidFill>
+                  <a:schemeClr val="tx1"/>
+                </a:solidFill>
+                <a:effectLst/>
+                <a:latin typeface="+mn-lt"/>
+                <a:ea typeface="+mn-ea"/>
+                <a:cs typeface="+mn-cs"/>
+              </a:rPr>
+              <a:t>suprime</a:t>
+            </a:r>
+            <a:r>
+              <a:rPr lang="fr-FR" sz="1200" b="1" kern="1200" baseline="0" dirty="0" smtClean="0">
+                <a:solidFill>
+                  <a:schemeClr val="tx1"/>
+                </a:solidFill>
+                <a:effectLst/>
+                <a:latin typeface="+mn-lt"/>
+                <a:ea typeface="+mn-ea"/>
+                <a:cs typeface="+mn-cs"/>
+              </a:rPr>
+              <a:t> le dernier commit  et supprime les </a:t>
+            </a:r>
+            <a:r>
+              <a:rPr lang="fr-FR" sz="1200" b="1" kern="1200" baseline="0" dirty="0" smtClean="0">
+                <a:solidFill>
+                  <a:schemeClr val="tx1"/>
+                </a:solidFill>
+                <a:effectLst/>
+                <a:latin typeface="+mn-lt"/>
+                <a:ea typeface="+mn-ea"/>
+                <a:cs typeface="+mn-cs"/>
+              </a:rPr>
+              <a:t>modification</a:t>
+            </a:r>
+          </a:p>
+          <a:p>
+            <a:pPr marL="0" marR="0" lvl="0" indent="0" algn="l" defTabSz="914400" rtl="0" eaLnBrk="1" fontAlgn="auto" latinLnBrk="0" hangingPunct="1">
+              <a:lnSpc>
+                <a:spcPct val="100000"/>
+              </a:lnSpc>
+              <a:spcBef>
+                <a:spcPts val="0"/>
+              </a:spcBef>
+              <a:spcAft>
+                <a:spcPts val="0"/>
+              </a:spcAft>
+              <a:buClrTx/>
+              <a:buSzTx/>
+              <a:buFontTx/>
+              <a:buNone/>
+              <a:tabLst/>
+              <a:defRPr/>
+            </a:pPr>
+            <a:endParaRPr lang="fr-FR" sz="1200" b="1" kern="1200" baseline="0" dirty="0" smtClean="0">
+              <a:solidFill>
+                <a:schemeClr val="tx1"/>
+              </a:solidFill>
+              <a:effectLst/>
+              <a:latin typeface="+mn-lt"/>
+              <a:ea typeface="+mn-ea"/>
+              <a:cs typeface="+mn-cs"/>
+            </a:endParaRPr>
+          </a:p>
+          <a:p>
+            <a:pPr marL="0" marR="0" lvl="0" indent="0" algn="l" defTabSz="914400" rtl="0" eaLnBrk="1" fontAlgn="auto" latinLnBrk="0" hangingPunct="1">
+              <a:lnSpc>
+                <a:spcPct val="100000"/>
+              </a:lnSpc>
+              <a:spcBef>
+                <a:spcPts val="0"/>
+              </a:spcBef>
+              <a:spcAft>
+                <a:spcPts val="0"/>
+              </a:spcAft>
+              <a:buClrTx/>
+              <a:buSzTx/>
+              <a:buFontTx/>
+              <a:buNone/>
+              <a:tabLst/>
+              <a:defRPr/>
+            </a:pPr>
+            <a:r>
+              <a:rPr lang="fr-FR" sz="1200" b="1" kern="1200" baseline="0" dirty="0" smtClean="0">
+                <a:solidFill>
+                  <a:schemeClr val="tx1"/>
+                </a:solidFill>
+                <a:effectLst/>
+                <a:latin typeface="+mn-lt"/>
+                <a:ea typeface="+mn-ea"/>
+                <a:cs typeface="+mn-cs"/>
+              </a:rPr>
+              <a:t>-Le message de commit peut contenir les infos suivantes:</a:t>
+            </a:r>
+          </a:p>
+          <a:p>
+            <a:pPr marL="0" marR="0" lvl="0" indent="0" algn="l" defTabSz="914400" rtl="0" eaLnBrk="1" fontAlgn="auto" latinLnBrk="0" hangingPunct="1">
+              <a:lnSpc>
+                <a:spcPct val="100000"/>
+              </a:lnSpc>
+              <a:spcBef>
+                <a:spcPts val="0"/>
+              </a:spcBef>
+              <a:spcAft>
+                <a:spcPts val="0"/>
+              </a:spcAft>
+              <a:buClrTx/>
+              <a:buSzTx/>
+              <a:buFontTx/>
+              <a:buNone/>
+              <a:tabLst/>
+              <a:defRPr/>
+            </a:pPr>
+            <a:r>
+              <a:rPr lang="fr-FR" sz="1200" b="0" kern="1200" baseline="0" dirty="0" smtClean="0">
+                <a:solidFill>
+                  <a:schemeClr val="tx1"/>
+                </a:solidFill>
+                <a:effectLst/>
+                <a:latin typeface="+mn-lt"/>
+                <a:ea typeface="+mn-ea"/>
+                <a:cs typeface="+mn-cs"/>
+              </a:rPr>
+              <a:t>1.Ce qui est nouveau</a:t>
+            </a:r>
+          </a:p>
+          <a:p>
+            <a:pPr marL="0" marR="0" lvl="0" indent="0" algn="l" defTabSz="914400" rtl="0" eaLnBrk="1" fontAlgn="auto" latinLnBrk="0" hangingPunct="1">
+              <a:lnSpc>
+                <a:spcPct val="100000"/>
+              </a:lnSpc>
+              <a:spcBef>
+                <a:spcPts val="0"/>
+              </a:spcBef>
+              <a:spcAft>
+                <a:spcPts val="0"/>
+              </a:spcAft>
+              <a:buClrTx/>
+              <a:buSzTx/>
+              <a:buFontTx/>
+              <a:buNone/>
+              <a:tabLst/>
+              <a:defRPr/>
+            </a:pPr>
+            <a:r>
+              <a:rPr lang="fr-FR" sz="1200" b="0" kern="1200" baseline="0" dirty="0" smtClean="0">
+                <a:solidFill>
+                  <a:schemeClr val="tx1"/>
+                </a:solidFill>
+                <a:effectLst/>
+                <a:latin typeface="+mn-lt"/>
+                <a:ea typeface="+mn-ea"/>
+                <a:cs typeface="+mn-cs"/>
+              </a:rPr>
+              <a:t>2.Les raisons de changements</a:t>
+            </a:r>
+          </a:p>
+          <a:p>
+            <a:pPr marL="0" marR="0" lvl="0" indent="0" algn="l" defTabSz="914400" rtl="0" eaLnBrk="1" fontAlgn="auto" latinLnBrk="0" hangingPunct="1">
+              <a:lnSpc>
+                <a:spcPct val="100000"/>
+              </a:lnSpc>
+              <a:spcBef>
+                <a:spcPts val="0"/>
+              </a:spcBef>
+              <a:spcAft>
+                <a:spcPts val="0"/>
+              </a:spcAft>
+              <a:buClrTx/>
+              <a:buSzTx/>
+              <a:buFontTx/>
+              <a:buNone/>
+              <a:tabLst/>
+              <a:defRPr/>
+            </a:pPr>
+            <a:endParaRPr lang="fr-FR" sz="1200" b="0" kern="1200" baseline="0" dirty="0" smtClean="0">
+              <a:solidFill>
+                <a:schemeClr val="tx1"/>
+              </a:solidFill>
+              <a:effectLst/>
+              <a:latin typeface="+mn-lt"/>
+              <a:ea typeface="+mn-ea"/>
+              <a:cs typeface="+mn-cs"/>
+            </a:endParaRPr>
+          </a:p>
+          <a:p>
+            <a:pPr marL="0" marR="0" lvl="0" indent="0" algn="l" defTabSz="914400" rtl="0" eaLnBrk="1" fontAlgn="auto" latinLnBrk="0" hangingPunct="1">
+              <a:lnSpc>
+                <a:spcPct val="100000"/>
+              </a:lnSpc>
+              <a:spcBef>
+                <a:spcPts val="0"/>
+              </a:spcBef>
+              <a:spcAft>
+                <a:spcPts val="0"/>
+              </a:spcAft>
+              <a:buClrTx/>
+              <a:buSzTx/>
+              <a:buFontTx/>
+              <a:buNone/>
+              <a:tabLst/>
+              <a:defRPr/>
+            </a:pPr>
+            <a:endParaRPr lang="fr-FR" dirty="0" smtClean="0"/>
+          </a:p>
+          <a:p>
+            <a:pPr marL="0" marR="0" lvl="0" indent="0" algn="l" defTabSz="914400" rtl="0" eaLnBrk="1" fontAlgn="auto" latinLnBrk="0" hangingPunct="1">
+              <a:lnSpc>
+                <a:spcPct val="100000"/>
+              </a:lnSpc>
+              <a:spcBef>
+                <a:spcPts val="0"/>
+              </a:spcBef>
+              <a:spcAft>
+                <a:spcPts val="0"/>
+              </a:spcAft>
+              <a:buClrTx/>
+              <a:buSzTx/>
+              <a:buFontTx/>
+              <a:buNone/>
+              <a:tabLst/>
+              <a:defRPr/>
+            </a:pPr>
+            <a:endParaRPr lang="fr-FR" dirty="0"/>
           </a:p>
         </p:txBody>
       </p:sp>
@@ -2458,7 +3129,7 @@
     </p:spTree>
     <p:extLst>
       <p:ext uri="{BB962C8B-B14F-4D97-AF65-F5344CB8AC3E}">
-        <p14:creationId xmlns:p14="http://schemas.microsoft.com/office/powerpoint/2010/main" val="2292228862"/>
+        <p14:creationId xmlns:p14="http://schemas.microsoft.com/office/powerpoint/2010/main" val="809342340"/>
       </p:ext>
     </p:extLst>
   </p:cSld>
@@ -2530,22 +3201,74 @@
               <a:defRPr/>
             </a:pPr>
             <a:r>
-              <a:rPr lang="fr-FR" b="1" dirty="0" smtClean="0"/>
-              <a:t>Avec git clone : </a:t>
-            </a:r>
-            <a:r>
-              <a:rPr lang="fr-FR" b="0" dirty="0" smtClean="0"/>
-              <a:t>remote va pointer à l’url d’où il été</a:t>
-            </a:r>
-            <a:r>
-              <a:rPr lang="fr-FR" b="0" baseline="0" dirty="0" smtClean="0"/>
-              <a:t> </a:t>
-            </a:r>
-            <a:r>
-              <a:rPr lang="fr-FR" b="0" baseline="0" dirty="0" err="1" smtClean="0"/>
-              <a:t>colné</a:t>
-            </a:r>
-            <a:endParaRPr lang="fr-FR" b="0" dirty="0" smtClean="0"/>
+              <a:rPr lang="fr-FR" dirty="0" smtClean="0"/>
+              <a:t>git checkout « </a:t>
+            </a:r>
+            <a:r>
+              <a:rPr lang="fr-FR" dirty="0" err="1" smtClean="0"/>
+              <a:t>commit_hash</a:t>
+            </a:r>
+            <a:r>
+              <a:rPr lang="fr-FR" dirty="0" smtClean="0"/>
+              <a:t> » :</a:t>
+            </a:r>
+            <a:r>
+              <a:rPr lang="fr-FR" sz="1200" kern="1200" dirty="0" smtClean="0">
+                <a:solidFill>
+                  <a:schemeClr val="tx1"/>
+                </a:solidFill>
+                <a:effectLst/>
+                <a:latin typeface="+mn-lt"/>
+                <a:ea typeface="+mn-ea"/>
+                <a:cs typeface="+mn-cs"/>
+              </a:rPr>
+              <a:t>voir le fichier comment il est avant ce commit,</a:t>
+            </a:r>
+            <a:r>
+              <a:rPr lang="fr-FR" sz="1200" kern="1200" baseline="0" dirty="0" smtClean="0">
+                <a:solidFill>
+                  <a:schemeClr val="tx1"/>
+                </a:solidFill>
+                <a:effectLst/>
+                <a:latin typeface="+mn-lt"/>
+                <a:ea typeface="+mn-ea"/>
+                <a:cs typeface="+mn-cs"/>
+              </a:rPr>
+              <a:t> il va déplacer le </a:t>
+            </a:r>
+            <a:r>
+              <a:rPr lang="fr-FR" sz="1200" kern="1200" baseline="0" dirty="0" err="1" smtClean="0">
+                <a:solidFill>
+                  <a:schemeClr val="tx1"/>
+                </a:solidFill>
+                <a:effectLst/>
+                <a:latin typeface="+mn-lt"/>
+                <a:ea typeface="+mn-ea"/>
+                <a:cs typeface="+mn-cs"/>
+              </a:rPr>
+              <a:t>ponteur</a:t>
+            </a:r>
+            <a:r>
+              <a:rPr lang="fr-FR" sz="1200" kern="1200" baseline="0" dirty="0" smtClean="0">
+                <a:solidFill>
+                  <a:schemeClr val="tx1"/>
+                </a:solidFill>
+                <a:effectLst/>
+                <a:latin typeface="+mn-lt"/>
+                <a:ea typeface="+mn-ea"/>
+                <a:cs typeface="+mn-cs"/>
+              </a:rPr>
+              <a:t> HEAD à cette commit ()</a:t>
+            </a:r>
+            <a:endParaRPr lang="fr-FR" sz="1200" kern="1200" dirty="0" smtClean="0">
+              <a:solidFill>
+                <a:schemeClr val="tx1"/>
+              </a:solidFill>
+              <a:effectLst/>
+              <a:latin typeface="+mn-lt"/>
+              <a:ea typeface="+mn-ea"/>
+              <a:cs typeface="+mn-cs"/>
+            </a:endParaRPr>
           </a:p>
           <a:p>
             <a:pPr marL="0" marR="0" lvl="0" indent="0" algn="l" defTabSz="914400" rtl="0" eaLnBrk="1" fontAlgn="auto" latinLnBrk="0" hangingPunct="1">
@@ -2566,19 +3289,7 @@
               <a:defRPr/>
             </a:pPr>
             <a:r>
-              <a:rPr lang="fr-FR" b="1" dirty="0" smtClean="0"/>
-              <a:t>Changer l’url de l’</a:t>
-            </a:r>
-            <a:r>
-              <a:rPr lang="fr-FR" b="1" dirty="0" err="1" smtClean="0"/>
-              <a:t>origin</a:t>
-            </a:r>
-            <a:r>
-              <a:rPr lang="fr-FR" b="1" dirty="0" smtClean="0"/>
-              <a:t> : </a:t>
-            </a:r>
-            <a:r>
-              <a:rPr lang="en-US" sz="1200" kern="1200" dirty="0" err="1" smtClean="0">
+              <a:rPr lang="fr-FR" sz="1200" kern="1200" dirty="0" err="1" smtClean="0">
                 <a:solidFill>
                   <a:schemeClr val="tx1"/>
                 </a:solidFill>
@@ -2587,10 +3298,10 @@
                 <a:ea typeface="+mn-ea"/>
                 <a:cs typeface="+mn-cs"/>
               </a:rPr>
-              <a:t>git</a:t>
-            </a:r>
-            <a:r>
-              <a:rPr lang="en-US" sz="1200" kern="1200" dirty="0" smtClean="0">
+              <a:t>Revert</a:t>
+            </a:r>
+            <a:r>
+              <a:rPr lang="fr-FR" sz="1200" kern="1200" dirty="0" smtClean="0">
                 <a:solidFill>
                   <a:schemeClr val="tx1"/>
                 </a:solidFill>
@@ -2599,43 +3310,15 @@
                 <a:ea typeface="+mn-ea"/>
                 <a:cs typeface="+mn-cs"/>
               </a:rPr>
-              <a:t> remote </a:t>
-            </a:r>
-            <a:r>
-              <a:rPr lang="en-US" sz="1200" b="1" kern="1200" dirty="0" smtClean="0">
-                <a:solidFill>
-                  <a:schemeClr val="tx1"/>
-                </a:solidFill>
-                <a:effectLst/>
-                <a:latin typeface="+mn-lt"/>
-                <a:ea typeface="+mn-ea"/>
-                <a:cs typeface="+mn-cs"/>
-              </a:rPr>
-              <a:t>set-</a:t>
-            </a:r>
-            <a:r>
-              <a:rPr lang="en-US" sz="1200" b="1" kern="1200" dirty="0" err="1" smtClean="0">
-                <a:solidFill>
-                  <a:schemeClr val="tx1"/>
-                </a:solidFill>
-                <a:effectLst/>
-                <a:latin typeface="+mn-lt"/>
-                <a:ea typeface="+mn-ea"/>
-                <a:cs typeface="+mn-cs"/>
-              </a:rPr>
-              <a:t>url</a:t>
-            </a:r>
-            <a:r>
-              <a:rPr lang="en-US" sz="1200" kern="1200" dirty="0" smtClean="0">
-                <a:solidFill>
-                  <a:schemeClr val="tx1"/>
-                </a:solidFill>
-                <a:effectLst/>
-                <a:latin typeface="+mn-lt"/>
-                <a:ea typeface="+mn-ea"/>
-                <a:cs typeface="+mn-cs"/>
-              </a:rPr>
-              <a:t> origin url2</a:t>
+              <a:t> :</a:t>
+            </a:r>
+            <a:r>
+              <a:rPr lang="fr-FR" sz="1200" dirty="0" err="1" smtClean="0"/>
+              <a:t>revert</a:t>
+            </a:r>
+            <a:r>
+              <a:rPr lang="fr-FR" sz="1200" dirty="0" smtClean="0"/>
+              <a:t> et ajouté à l’historique</a:t>
             </a:r>
           </a:p>
           <a:p>
@@ -2657,7 +3340,7 @@
               <a:defRPr/>
             </a:pPr>
             <a:r>
-              <a:rPr lang="en-US" sz="1200" b="1" kern="1200" dirty="0" err="1" smtClean="0">
+              <a:rPr lang="fr-FR" sz="1200" kern="1200" dirty="0" err="1" smtClean="0">
                 <a:solidFill>
                   <a:schemeClr val="tx1"/>
                 </a:solidFill>
@@ -2666,10 +3349,10 @@
                 <a:ea typeface="+mn-ea"/>
                 <a:cs typeface="+mn-cs"/>
               </a:rPr>
-              <a:t>Supprimer</a:t>
-            </a:r>
-            <a:r>
-              <a:rPr lang="en-US" sz="1200" b="1" kern="1200" dirty="0" smtClean="0">
+              <a:t>Blame</a:t>
+            </a:r>
+            <a:r>
+              <a:rPr lang="fr-FR" sz="1200" kern="1200" dirty="0" smtClean="0">
                 <a:solidFill>
                   <a:schemeClr val="tx1"/>
                 </a:solidFill>
@@ -2678,10 +3361,10 @@
                 <a:ea typeface="+mn-ea"/>
                 <a:cs typeface="+mn-cs"/>
               </a:rPr>
-              <a:t> le remote: </a:t>
-            </a:r>
-            <a:r>
-              <a:rPr lang="en-US" sz="1200" kern="1200" dirty="0" err="1" smtClean="0">
+              <a:t>:</a:t>
+            </a:r>
+            <a:r>
+              <a:rPr lang="fr-FR" sz="1200" kern="1200" baseline="0" dirty="0" smtClean="0">
                 <a:solidFill>
                   <a:schemeClr val="tx1"/>
                 </a:solidFill>
@@ -2690,33 +3373,8 @@
                 <a:ea typeface="+mn-ea"/>
                 <a:cs typeface="+mn-cs"/>
               </a:rPr>
-              <a:t>git</a:t>
-            </a:r>
-            <a:r>
-              <a:rPr lang="en-US" sz="1200" kern="1200" dirty="0" smtClean="0">
-                <a:solidFill>
-                  <a:schemeClr val="tx1"/>
-                </a:solidFill>
-                <a:effectLst/>
-                <a:latin typeface="+mn-lt"/>
-                <a:ea typeface="+mn-ea"/>
-                <a:cs typeface="+mn-cs"/>
-              </a:rPr>
-              <a:t> remote remove</a:t>
-            </a:r>
-            <a:r>
-              <a:rPr lang="en-US" sz="1200" kern="1200" baseline="0" dirty="0" smtClean="0">
-                <a:solidFill>
-                  <a:schemeClr val="tx1"/>
-                </a:solidFill>
-                <a:effectLst/>
-                <a:latin typeface="+mn-lt"/>
-                <a:ea typeface="+mn-ea"/>
-                <a:cs typeface="+mn-cs"/>
-              </a:rPr>
-              <a:t> origin</a:t>
-            </a:r>
-            <a:endParaRPr lang="fr-FR" dirty="0" smtClean="0"/>
+              <a:t> commande de  débogage ajout des annotation a chaque ligne de fichier avec les métadonnées du dénier utilisateur qui modifier la ligne plus  la date de ce commit.</a:t>
+            </a:r>
           </a:p>
           <a:p>
             <a:pPr marL="0" marR="0" lvl="0" indent="0" algn="l" defTabSz="914400" rtl="0" eaLnBrk="1" fontAlgn="auto" latinLnBrk="0" hangingPunct="1">
@@ -2737,138 +3395,28 @@
               <a:defRPr/>
             </a:pPr>
             <a:r>
-              <a:rPr lang="fr-FR" b="1" dirty="0" smtClean="0"/>
-              <a:t>Afficher le remote url</a:t>
-            </a:r>
-            <a:r>
-              <a:rPr lang="fr-FR" b="1" baseline="0" dirty="0" smtClean="0"/>
-              <a:t> :</a:t>
-            </a:r>
-            <a:r>
-              <a:rPr lang="fr-FR" dirty="0" smtClean="0"/>
-              <a:t>Git remote –v, git remote show </a:t>
-            </a:r>
-            <a:r>
-              <a:rPr lang="fr-FR" dirty="0" err="1" smtClean="0"/>
-              <a:t>orign</a:t>
-            </a:r>
-            <a:r>
-              <a:rPr lang="fr-FR" dirty="0" smtClean="0"/>
-              <a:t>,</a:t>
-            </a:r>
-            <a:r>
-              <a:rPr lang="fr-FR" sz="1200" kern="1200" dirty="0" smtClean="0">
+              <a:rPr lang="fr-FR" sz="1200" kern="1200" baseline="0" dirty="0" smtClean="0">
                 <a:solidFill>
                   <a:schemeClr val="tx1"/>
                 </a:solidFill>
+                <a:effectLst/>
                 <a:latin typeface="+mn-lt"/>
                 <a:ea typeface="+mn-ea"/>
                 <a:cs typeface="+mn-cs"/>
               </a:rPr>
-              <a:t> git </a:t>
-            </a:r>
-            <a:r>
-              <a:rPr lang="fr-FR" sz="1200" kern="1200" dirty="0" err="1" smtClean="0">
-                <a:solidFill>
-                  <a:schemeClr val="tx1"/>
-                </a:solidFill>
-                <a:latin typeface="+mn-lt"/>
-                <a:ea typeface="+mn-ea"/>
-                <a:cs typeface="+mn-cs"/>
-              </a:rPr>
-              <a:t>ls</a:t>
-            </a:r>
-            <a:r>
-              <a:rPr lang="fr-FR" sz="1200" kern="1200" dirty="0" smtClean="0">
-                <a:solidFill>
-                  <a:schemeClr val="tx1"/>
-                </a:solidFill>
-                <a:latin typeface="+mn-lt"/>
-                <a:ea typeface="+mn-ea"/>
-                <a:cs typeface="+mn-cs"/>
-              </a:rPr>
-              <a:t>-remote</a:t>
-            </a:r>
-            <a:endParaRPr lang="fr-FR" dirty="0" smtClean="0"/>
-          </a:p>
-          <a:p>
-            <a:r>
-              <a:rPr lang="fr-FR" sz="1200" kern="1200" dirty="0" err="1" smtClean="0">
-                <a:solidFill>
-                  <a:schemeClr val="tx1"/>
-                </a:solidFill>
-                <a:latin typeface="+mn-lt"/>
-                <a:ea typeface="+mn-ea"/>
-                <a:cs typeface="+mn-cs"/>
-              </a:rPr>
-              <a:t>Affciher</a:t>
-            </a:r>
-            <a:r>
-              <a:rPr lang="fr-FR" sz="1200" kern="1200" dirty="0" smtClean="0">
-                <a:solidFill>
-                  <a:schemeClr val="tx1"/>
-                </a:solidFill>
-                <a:latin typeface="+mn-lt"/>
-                <a:ea typeface="+mn-ea"/>
-                <a:cs typeface="+mn-cs"/>
-              </a:rPr>
-              <a:t> une variable git config --</a:t>
-            </a:r>
-            <a:r>
-              <a:rPr lang="fr-FR" sz="1200" kern="1200" dirty="0" err="1" smtClean="0">
-                <a:solidFill>
-                  <a:schemeClr val="tx1"/>
-                </a:solidFill>
-                <a:latin typeface="+mn-lt"/>
-                <a:ea typeface="+mn-ea"/>
-                <a:cs typeface="+mn-cs"/>
-              </a:rPr>
-              <a:t>get</a:t>
-            </a:r>
-            <a:r>
-              <a:rPr lang="fr-FR" sz="1200" kern="1200" dirty="0" smtClean="0">
-                <a:solidFill>
-                  <a:schemeClr val="tx1"/>
-                </a:solidFill>
-                <a:latin typeface="+mn-lt"/>
-                <a:ea typeface="+mn-ea"/>
-                <a:cs typeface="+mn-cs"/>
-              </a:rPr>
-              <a:t> user.name</a:t>
-            </a:r>
-            <a:endParaRPr lang="fr-FR" dirty="0" smtClean="0"/>
-          </a:p>
-          <a:p>
-            <a:r>
-              <a:rPr lang="fr-FR" dirty="0" smtClean="0"/>
-              <a:t>Git</a:t>
-            </a:r>
-            <a:r>
-              <a:rPr lang="fr-FR" baseline="0" dirty="0" smtClean="0"/>
-              <a:t> status affiche (non </a:t>
-            </a:r>
-            <a:r>
-              <a:rPr lang="fr-FR" baseline="0" dirty="0" err="1" smtClean="0"/>
-              <a:t>track</a:t>
-            </a:r>
-            <a:r>
-              <a:rPr lang="fr-FR" baseline="0" dirty="0" smtClean="0"/>
-              <a:t> ,indexé ,non indexé)</a:t>
-            </a:r>
-          </a:p>
-          <a:p>
-            <a:r>
-              <a:rPr lang="fr-FR" baseline="0" dirty="0" smtClean="0"/>
-              <a:t>Git checkout: on peut pas le faire avec un fichier supprimé, pour supprimer l’indexation d’une suppression on </a:t>
-            </a:r>
-            <a:r>
-              <a:rPr lang="fr-FR" baseline="0" dirty="0" err="1" smtClean="0"/>
-              <a:t>fair</a:t>
-            </a:r>
-            <a:r>
-              <a:rPr lang="fr-FR" baseline="0" dirty="0" smtClean="0"/>
-              <a:t> git restore –stagged file</a:t>
-            </a:r>
+              <a:t>Sans pas en ordre chronologique</a:t>
+            </a:r>
+            <a:endParaRPr lang="fr-FR" sz="1200" kern="1200" dirty="0" smtClean="0">
+              <a:solidFill>
+                <a:schemeClr val="tx1"/>
+              </a:solidFill>
+              <a:effectLst/>
+              <a:latin typeface="+mn-lt"/>
+              <a:ea typeface="+mn-ea"/>
+              <a:cs typeface="+mn-cs"/>
+            </a:endParaRPr>
+          </a:p>
+          <a:p>
             <a:endParaRPr lang="fr-FR" dirty="0"/>
           </a:p>
         </p:txBody>
@@ -2899,7 +3447,7 @@
     </p:spTree>
     <p:extLst>
       <p:ext uri="{BB962C8B-B14F-4D97-AF65-F5344CB8AC3E}">
-        <p14:creationId xmlns:p14="http://schemas.microsoft.com/office/powerpoint/2010/main" val="3890560028"/>
+        <p14:creationId xmlns:p14="http://schemas.microsoft.com/office/powerpoint/2010/main" val="1616214430"/>
       </p:ext>
     </p:extLst>
   </p:cSld>
@@ -2954,38 +3502,90 @@
           <a:lstStyle/>
           <a:p>
             <a:r>
+              <a:rPr lang="fr-FR" b="1" dirty="0" smtClean="0"/>
+              <a:t>Branche</a:t>
+            </a:r>
+            <a:r>
               <a:rPr lang="fr-FR" dirty="0" smtClean="0"/>
-              <a:t>Git</a:t>
+              <a:t>: est</a:t>
             </a:r>
             <a:r>
               <a:rPr lang="fr-FR" baseline="0" dirty="0" smtClean="0"/>
-              <a:t> status affiche (non </a:t>
+              <a:t> un pointeur vars un objet commit</a:t>
+            </a:r>
+          </a:p>
+          <a:p>
+            <a:r>
+              <a:rPr lang="fr-FR" baseline="0" dirty="0" smtClean="0"/>
+              <a:t>Stratégie (stratégie 0 branch( petit projet  1 </a:t>
             </a:r>
             <a:r>
               <a:rPr lang="fr-FR" baseline="0" dirty="0" err="1" smtClean="0"/>
-              <a:t>track</a:t>
+              <a:t>devloper</a:t>
             </a:r>
             <a:r>
               <a:rPr lang="fr-FR" baseline="0" dirty="0" smtClean="0"/>
-              <a:t> ,indexé ,non indexé)</a:t>
+              <a:t>)</a:t>
             </a:r>
           </a:p>
           <a:p>
             <a:r>
               <a:rPr lang="fr-FR" baseline="0" dirty="0" smtClean="0"/>
-              <a:t>Git checkout: on peut pas le faire avec un fichier supprimé, pour supprimer l’indexation d’une suppression on </a:t>
+              <a:t>-incontinent: bouceaup de conflits, développé d’autre fonctionnalité et réglé les problème</a:t>
+            </a:r>
+          </a:p>
+          <a:p>
+            <a:r>
+              <a:rPr lang="fr-FR" baseline="0" dirty="0" smtClean="0"/>
+              <a:t>-</a:t>
             </a:r>
             <a:r>
               <a:rPr lang="fr-FR" baseline="0" dirty="0" err="1" smtClean="0"/>
-              <a:t>fair</a:t>
+              <a:t>dificile</a:t>
             </a:r>
             <a:r>
               <a:rPr lang="fr-FR" baseline="0" dirty="0" smtClean="0"/>
-              <a:t> git restore –stagged file</a:t>
-            </a:r>
-            <a:endParaRPr lang="fr-FR" dirty="0" smtClean="0"/>
-          </a:p>
-          <a:p>
+              <a:t> de </a:t>
+            </a:r>
+            <a:r>
+              <a:rPr lang="fr-FR" baseline="0" dirty="0" err="1" smtClean="0"/>
+              <a:t>suprimé</a:t>
+            </a:r>
+            <a:r>
+              <a:rPr lang="fr-FR" baseline="0" dirty="0" smtClean="0"/>
+              <a:t> et de </a:t>
+            </a:r>
+            <a:r>
+              <a:rPr lang="fr-FR" baseline="0" dirty="0" err="1" smtClean="0"/>
+              <a:t>resaouré</a:t>
+            </a:r>
+            <a:r>
+              <a:rPr lang="fr-FR" baseline="0" dirty="0" smtClean="0"/>
+              <a:t> des </a:t>
+            </a:r>
+            <a:r>
+              <a:rPr lang="fr-FR" baseline="0" dirty="0" err="1" smtClean="0"/>
+              <a:t>fonctionalite</a:t>
+            </a:r>
+            <a:endParaRPr lang="fr-FR" baseline="0" dirty="0" smtClean="0"/>
+          </a:p>
+          <a:p>
+            <a:r>
+              <a:rPr lang="fr-FR" baseline="0" dirty="0" smtClean="0"/>
+              <a:t>Perte de temps dans le </a:t>
+            </a:r>
+            <a:r>
+              <a:rPr lang="fr-FR" baseline="0" dirty="0" err="1" smtClean="0"/>
+              <a:t>reglage</a:t>
+            </a:r>
+            <a:r>
+              <a:rPr lang="fr-FR" baseline="0" dirty="0" smtClean="0"/>
+              <a:t> de conflit au lieu le </a:t>
+            </a:r>
+            <a:r>
+              <a:rPr lang="fr-FR" baseline="0" dirty="0" err="1" smtClean="0"/>
+              <a:t>developement</a:t>
+            </a:r>
             <a:endParaRPr lang="fr-FR" dirty="0"/>
           </a:p>
         </p:txBody>
@@ -3016,7 +3616,7 @@
     </p:spTree>
     <p:extLst>
       <p:ext uri="{BB962C8B-B14F-4D97-AF65-F5344CB8AC3E}">
-        <p14:creationId xmlns:p14="http://schemas.microsoft.com/office/powerpoint/2010/main" val="2126714689"/>
+        <p14:creationId xmlns:p14="http://schemas.microsoft.com/office/powerpoint/2010/main" val="370746490"/>
       </p:ext>
     </p:extLst>
   </p:cSld>
@@ -3071,310 +3671,185 @@
           <a:lstStyle/>
           <a:p>
             <a:r>
-              <a:rPr lang="fr-FR" dirty="0" smtClean="0"/>
-              <a:t>Git</a:t>
-            </a:r>
-            <a:r>
-              <a:rPr lang="fr-FR" baseline="0" dirty="0" smtClean="0"/>
-              <a:t> status affiche (non </a:t>
-            </a:r>
-            <a:r>
-              <a:rPr lang="fr-FR" baseline="0" dirty="0" err="1" smtClean="0"/>
-              <a:t>track</a:t>
-            </a:r>
-            <a:r>
-              <a:rPr lang="fr-FR" baseline="0" dirty="0" smtClean="0"/>
-              <a:t> ,indexé ,non indexé)</a:t>
-            </a:r>
-          </a:p>
-          <a:p>
-            <a:r>
-              <a:rPr lang="fr-FR" dirty="0" smtClean="0"/>
-              <a:t>Git reset –soft</a:t>
-            </a:r>
-            <a:r>
-              <a:rPr lang="fr-FR" baseline="0" dirty="0" smtClean="0"/>
+              <a:rPr lang="fr-FR" sz="1200" b="0" dirty="0" smtClean="0"/>
+              <a:t>-La branche </a:t>
+            </a:r>
+            <a:r>
+              <a:rPr lang="fr-FR" sz="1200" b="0" dirty="0" err="1" smtClean="0"/>
+              <a:t>mester</a:t>
+            </a:r>
+            <a:r>
+              <a:rPr lang="fr-FR" sz="1200" b="0" dirty="0" smtClean="0"/>
+              <a:t> et la branch </a:t>
+            </a:r>
+            <a:r>
+              <a:rPr lang="fr-FR" sz="1200" b="0" dirty="0" err="1" smtClean="0"/>
+              <a:t>devlop</a:t>
+            </a:r>
+            <a:r>
+              <a:rPr lang="fr-FR" sz="1200" b="0" dirty="0" smtClean="0"/>
+              <a:t> ont une existence long jusqu’à la fin de projet</a:t>
+            </a:r>
+          </a:p>
+          <a:p>
+            <a:r>
+              <a:rPr lang="fr-FR" sz="1200" b="1" dirty="0" smtClean="0"/>
+              <a:t>-</a:t>
+            </a:r>
+            <a:r>
+              <a:rPr lang="fr-FR" sz="1200" b="0" dirty="0" smtClean="0"/>
+              <a:t>on</a:t>
+            </a:r>
+            <a:r>
+              <a:rPr lang="fr-FR" sz="1200" b="0" baseline="0" dirty="0" smtClean="0"/>
+              <a:t> fait jamais de commit à la branche master(branche de production) l’ajout se fait par l’intégration (</a:t>
+            </a:r>
+            <a:r>
+              <a:rPr lang="fr-FR" sz="1200" b="0" baseline="0" dirty="0" err="1" smtClean="0"/>
+              <a:t>merge</a:t>
+            </a:r>
+            <a:r>
+              <a:rPr lang="fr-FR" sz="1200" b="0" baseline="0" dirty="0" smtClean="0"/>
+              <a:t>)</a:t>
+            </a:r>
+            <a:endParaRPr lang="fr-FR" sz="1200" b="0" dirty="0" smtClean="0"/>
+          </a:p>
+          <a:p>
+            <a:r>
+              <a:rPr lang="fr-FR" sz="1200" b="1" dirty="0" err="1" smtClean="0"/>
+              <a:t>Devlop</a:t>
+            </a:r>
+            <a:r>
+              <a:rPr lang="fr-FR" sz="1200" b="1" dirty="0" smtClean="0"/>
               <a:t> </a:t>
             </a:r>
             <a:r>
-              <a:rPr lang="fr-FR" sz="1200" b="1" kern="1200" dirty="0" smtClean="0">
-                <a:solidFill>
-                  <a:schemeClr val="tx1"/>
-                </a:solidFill>
-                <a:effectLst/>
-                <a:latin typeface="+mn-lt"/>
-                <a:ea typeface="+mn-ea"/>
-                <a:cs typeface="+mn-cs"/>
-              </a:rPr>
-              <a:t>HEAD^ : </a:t>
-            </a:r>
-            <a:r>
-              <a:rPr lang="fr-FR" sz="1200" b="1" kern="1200" dirty="0" err="1" smtClean="0">
-                <a:solidFill>
-                  <a:schemeClr val="tx1"/>
-                </a:solidFill>
-                <a:effectLst/>
-                <a:latin typeface="+mn-lt"/>
-                <a:ea typeface="+mn-ea"/>
-                <a:cs typeface="+mn-cs"/>
-              </a:rPr>
-              <a:t>suprime</a:t>
-            </a:r>
-            <a:r>
-              <a:rPr lang="fr-FR" sz="1200" b="1" kern="1200" baseline="0" dirty="0" smtClean="0">
-                <a:solidFill>
-                  <a:schemeClr val="tx1"/>
-                </a:solidFill>
-                <a:effectLst/>
-                <a:latin typeface="+mn-lt"/>
-                <a:ea typeface="+mn-ea"/>
-                <a:cs typeface="+mn-cs"/>
-              </a:rPr>
-              <a:t> le dernier commit et </a:t>
-            </a:r>
-            <a:r>
-              <a:rPr lang="fr-FR" sz="1200" b="1" kern="1200" baseline="0" dirty="0" err="1" smtClean="0">
-                <a:solidFill>
-                  <a:schemeClr val="tx1"/>
-                </a:solidFill>
-                <a:effectLst/>
-                <a:latin typeface="+mn-lt"/>
-                <a:ea typeface="+mn-ea"/>
-                <a:cs typeface="+mn-cs"/>
-              </a:rPr>
-              <a:t>retourn</a:t>
-            </a:r>
-            <a:r>
-              <a:rPr lang="fr-FR" sz="1200" b="1" kern="1200" baseline="0" dirty="0" smtClean="0">
-                <a:solidFill>
-                  <a:schemeClr val="tx1"/>
-                </a:solidFill>
-                <a:effectLst/>
-                <a:latin typeface="+mn-lt"/>
-                <a:ea typeface="+mn-ea"/>
-                <a:cs typeface="+mn-cs"/>
-              </a:rPr>
-              <a:t> a </a:t>
-            </a:r>
-            <a:r>
-              <a:rPr lang="fr-FR" sz="1200" b="1" kern="1200" baseline="0" dirty="0" err="1" smtClean="0">
-                <a:solidFill>
-                  <a:schemeClr val="tx1"/>
-                </a:solidFill>
-                <a:effectLst/>
-                <a:latin typeface="+mn-lt"/>
-                <a:ea typeface="+mn-ea"/>
-                <a:cs typeface="+mn-cs"/>
-              </a:rPr>
-              <a:t>etat</a:t>
-            </a:r>
-            <a:r>
-              <a:rPr lang="fr-FR" sz="1200" b="1" kern="1200" baseline="0" dirty="0" smtClean="0">
-                <a:solidFill>
-                  <a:schemeClr val="tx1"/>
-                </a:solidFill>
-                <a:effectLst/>
-                <a:latin typeface="+mn-lt"/>
-                <a:ea typeface="+mn-ea"/>
-                <a:cs typeface="+mn-cs"/>
-              </a:rPr>
-              <a:t> staged </a:t>
-            </a:r>
-          </a:p>
-          <a:p>
-            <a:r>
-              <a:rPr lang="fr-FR" dirty="0" smtClean="0"/>
-              <a:t>Git reset </a:t>
-            </a:r>
-            <a:r>
-              <a:rPr lang="fr-FR" sz="1200" b="1" kern="1200" dirty="0" smtClean="0">
-                <a:solidFill>
-                  <a:schemeClr val="tx1"/>
-                </a:solidFill>
-                <a:effectLst/>
-                <a:latin typeface="+mn-lt"/>
-                <a:ea typeface="+mn-ea"/>
-                <a:cs typeface="+mn-cs"/>
-              </a:rPr>
-              <a:t>HEAD^:</a:t>
-            </a:r>
-            <a:r>
-              <a:rPr lang="fr-FR" sz="1200" b="1" kern="1200" baseline="0" dirty="0" smtClean="0">
-                <a:solidFill>
-                  <a:schemeClr val="tx1"/>
-                </a:solidFill>
-                <a:effectLst/>
-                <a:latin typeface="+mn-lt"/>
-                <a:ea typeface="+mn-ea"/>
-                <a:cs typeface="+mn-cs"/>
-              </a:rPr>
-              <a:t> mixed par </a:t>
-            </a:r>
-            <a:r>
-              <a:rPr lang="fr-FR" sz="1200" b="1" kern="1200" baseline="0" dirty="0" err="1" smtClean="0">
-                <a:solidFill>
-                  <a:schemeClr val="tx1"/>
-                </a:solidFill>
-                <a:effectLst/>
-                <a:latin typeface="+mn-lt"/>
-                <a:ea typeface="+mn-ea"/>
-                <a:cs typeface="+mn-cs"/>
-              </a:rPr>
-              <a:t>defaut</a:t>
-            </a:r>
-            <a:r>
-              <a:rPr lang="fr-FR" sz="1200" b="1" kern="1200" baseline="0" dirty="0" smtClean="0">
-                <a:solidFill>
-                  <a:schemeClr val="tx1"/>
-                </a:solidFill>
-                <a:effectLst/>
-                <a:latin typeface="+mn-lt"/>
-                <a:ea typeface="+mn-ea"/>
-                <a:cs typeface="+mn-cs"/>
-              </a:rPr>
+              <a:rPr lang="fr-FR" sz="1200" b="1" dirty="0" smtClean="0"/>
+              <a:t>: </a:t>
+            </a:r>
+            <a:r>
+              <a:rPr lang="fr-FR" sz="1200" b="0" dirty="0" smtClean="0"/>
+              <a:t>on</a:t>
+            </a:r>
+            <a:r>
+              <a:rPr lang="fr-FR" sz="1200" b="0" baseline="0" dirty="0" smtClean="0"/>
+              <a:t> créer une branch </a:t>
+            </a:r>
+            <a:r>
+              <a:rPr lang="fr-FR" b="0" dirty="0" smtClean="0"/>
+              <a:t>pérenne « </a:t>
+            </a:r>
+            <a:r>
+              <a:rPr lang="fr-FR" b="0" dirty="0" err="1" smtClean="0"/>
+              <a:t>develop</a:t>
+            </a:r>
+            <a:r>
+              <a:rPr lang="fr-FR" b="0" dirty="0" smtClean="0"/>
+              <a:t> »</a:t>
+            </a:r>
+            <a:r>
+              <a:rPr lang="fr-FR" b="0" baseline="0" dirty="0" smtClean="0"/>
+              <a:t> à coté de master «  place sur ou introduire du code qui peut cassé notre projet»</a:t>
+            </a:r>
+            <a:r>
+              <a:rPr lang="fr-FR" b="0" dirty="0" smtClean="0"/>
+              <a:t> .on à besoin d’une stratégie de teste pour s’assuré de ne</a:t>
+            </a:r>
+            <a:r>
+              <a:rPr lang="fr-FR" b="0" baseline="0" dirty="0" smtClean="0"/>
+              <a:t> pas introduire de bug à master l’hors des merge (</a:t>
+            </a:r>
+            <a:r>
+              <a:rPr lang="fr-FR" b="0" baseline="0" dirty="0" err="1" smtClean="0"/>
+              <a:t>inconvignent</a:t>
+            </a:r>
+            <a:r>
+              <a:rPr lang="fr-FR" b="0" baseline="0" dirty="0" smtClean="0"/>
+              <a:t> on peut pas développer plusieurs fonctionnalité en parallèle- il y’à qu’un seule ou deux </a:t>
+            </a:r>
+            <a:r>
+              <a:rPr lang="fr-FR" b="0" baseline="0" dirty="0" err="1" smtClean="0"/>
+              <a:t>developer</a:t>
+            </a:r>
+            <a:r>
+              <a:rPr lang="fr-FR" b="0" baseline="0" dirty="0" smtClean="0"/>
+              <a:t> peut travailler activement sur le projet, supprimer ou restore une fonctionnalité est un challenge)</a:t>
+            </a:r>
+          </a:p>
+          <a:p>
+            <a:r>
+              <a:rPr lang="fr-FR" sz="1200" b="1" dirty="0" smtClean="0"/>
+              <a:t>stratégie de branch par fonctionnalité :</a:t>
+            </a:r>
+          </a:p>
+          <a:p>
+            <a:r>
+              <a:rPr lang="fr-FR" sz="1200" b="0" baseline="0" dirty="0" smtClean="0"/>
+              <a:t>On peut applique à n’importe qu’elle moment un </a:t>
+            </a:r>
+            <a:r>
+              <a:rPr lang="en-US" dirty="0" smtClean="0"/>
+              <a:t>hotfix à </a:t>
+            </a:r>
+            <a:r>
+              <a:rPr lang="fr-FR" sz="1200" b="0" baseline="0" dirty="0" smtClean="0"/>
+              <a:t> la branch master en cas de bug, les </a:t>
+            </a:r>
+            <a:r>
+              <a:rPr lang="fr-FR" sz="1200" b="0" baseline="0" dirty="0" err="1" smtClean="0"/>
+              <a:t>developper</a:t>
+            </a:r>
+            <a:r>
+              <a:rPr lang="fr-FR" sz="1200" b="0" baseline="0" dirty="0" smtClean="0"/>
+              <a:t> font le pull de la </a:t>
+            </a:r>
+            <a:r>
+              <a:rPr lang="fr-FR" sz="1200" b="0" baseline="0" dirty="0" err="1" smtClean="0"/>
+              <a:t>dérniére</a:t>
+            </a:r>
+            <a:r>
+              <a:rPr lang="fr-FR" sz="1200" b="0" baseline="0" dirty="0" smtClean="0"/>
               <a:t> </a:t>
             </a:r>
             <a:r>
-              <a:rPr lang="fr-FR" sz="1200" b="1" kern="1200" dirty="0" err="1" smtClean="0">
-                <a:solidFill>
-                  <a:schemeClr val="tx1"/>
-                </a:solidFill>
-                <a:effectLst/>
-                <a:latin typeface="+mn-lt"/>
-                <a:ea typeface="+mn-ea"/>
-                <a:cs typeface="+mn-cs"/>
-              </a:rPr>
-              <a:t>suprime</a:t>
-            </a:r>
-            <a:r>
-              <a:rPr lang="fr-FR" sz="1200" b="1" kern="1200" baseline="0" dirty="0" smtClean="0">
-                <a:solidFill>
-                  <a:schemeClr val="tx1"/>
-                </a:solidFill>
-                <a:effectLst/>
-                <a:latin typeface="+mn-lt"/>
-                <a:ea typeface="+mn-ea"/>
-                <a:cs typeface="+mn-cs"/>
-              </a:rPr>
-              <a:t> le dernier commit  et retourne à l’</a:t>
-            </a:r>
-            <a:r>
-              <a:rPr lang="fr-FR" sz="1200" b="1" kern="1200" baseline="0" dirty="0" err="1" smtClean="0">
-                <a:solidFill>
-                  <a:schemeClr val="tx1"/>
-                </a:solidFill>
-                <a:effectLst/>
-                <a:latin typeface="+mn-lt"/>
-                <a:ea typeface="+mn-ea"/>
-                <a:cs typeface="+mn-cs"/>
-              </a:rPr>
-              <a:t>etat</a:t>
-            </a:r>
-            <a:r>
-              <a:rPr lang="fr-FR" sz="1200" b="1" kern="1200" baseline="0" dirty="0" smtClean="0">
-                <a:solidFill>
-                  <a:schemeClr val="tx1"/>
-                </a:solidFill>
-                <a:effectLst/>
-                <a:latin typeface="+mn-lt"/>
-                <a:ea typeface="+mn-ea"/>
-                <a:cs typeface="+mn-cs"/>
-              </a:rPr>
-              <a:t> </a:t>
-            </a:r>
-            <a:r>
-              <a:rPr lang="fr-FR" sz="1200" b="1" kern="1200" baseline="0" dirty="0" err="1" smtClean="0">
-                <a:solidFill>
-                  <a:schemeClr val="tx1"/>
-                </a:solidFill>
-                <a:effectLst/>
-                <a:latin typeface="+mn-lt"/>
-                <a:ea typeface="+mn-ea"/>
-                <a:cs typeface="+mn-cs"/>
-              </a:rPr>
-              <a:t>unsatagé</a:t>
-            </a:r>
-            <a:endParaRPr lang="fr-FR" dirty="0" smtClean="0"/>
-          </a:p>
-          <a:p>
-            <a:pPr marL="0" marR="0" lvl="0" indent="0" algn="l" defTabSz="914400" rtl="0" eaLnBrk="1" fontAlgn="auto" latinLnBrk="0" hangingPunct="1">
-              <a:lnSpc>
-                <a:spcPct val="100000"/>
-              </a:lnSpc>
-              <a:spcBef>
-                <a:spcPts val="0"/>
-              </a:spcBef>
-              <a:spcAft>
-                <a:spcPts val="0"/>
-              </a:spcAft>
-              <a:buClrTx/>
-              <a:buSzTx/>
-              <a:buFontTx/>
-              <a:buNone/>
-              <a:tabLst/>
-              <a:defRPr/>
-            </a:pPr>
-            <a:r>
-              <a:rPr lang="fr-FR" dirty="0" smtClean="0"/>
-              <a:t>Git reset –hard  </a:t>
-            </a:r>
-            <a:r>
-              <a:rPr lang="fr-FR" sz="1200" b="1" kern="1200" dirty="0" smtClean="0">
-                <a:solidFill>
-                  <a:schemeClr val="tx1"/>
-                </a:solidFill>
-                <a:effectLst/>
-                <a:latin typeface="+mn-lt"/>
-                <a:ea typeface="+mn-ea"/>
-                <a:cs typeface="+mn-cs"/>
-              </a:rPr>
-              <a:t>HEAD^: </a:t>
-            </a:r>
-            <a:r>
-              <a:rPr lang="fr-FR" sz="1200" b="1" kern="1200" dirty="0" err="1" smtClean="0">
-                <a:solidFill>
-                  <a:schemeClr val="tx1"/>
-                </a:solidFill>
-                <a:effectLst/>
-                <a:latin typeface="+mn-lt"/>
-                <a:ea typeface="+mn-ea"/>
-                <a:cs typeface="+mn-cs"/>
-              </a:rPr>
-              <a:t>suprime</a:t>
-            </a:r>
-            <a:r>
-              <a:rPr lang="fr-FR" sz="1200" b="1" kern="1200" baseline="0" dirty="0" smtClean="0">
-                <a:solidFill>
-                  <a:schemeClr val="tx1"/>
-                </a:solidFill>
-                <a:effectLst/>
-                <a:latin typeface="+mn-lt"/>
-                <a:ea typeface="+mn-ea"/>
-                <a:cs typeface="+mn-cs"/>
-              </a:rPr>
-              <a:t> le dernier commit  et supprime les modification</a:t>
-            </a:r>
-            <a:endParaRPr lang="fr-FR" dirty="0" smtClean="0"/>
-          </a:p>
-          <a:p>
-            <a:pPr marL="0" marR="0" lvl="0" indent="0" algn="l" defTabSz="914400" rtl="0" eaLnBrk="1" fontAlgn="auto" latinLnBrk="0" hangingPunct="1">
-              <a:lnSpc>
-                <a:spcPct val="100000"/>
-              </a:lnSpc>
-              <a:spcBef>
-                <a:spcPts val="0"/>
-              </a:spcBef>
-              <a:spcAft>
-                <a:spcPts val="0"/>
-              </a:spcAft>
-              <a:buClrTx/>
-              <a:buSzTx/>
-              <a:buFontTx/>
-              <a:buNone/>
-              <a:tabLst/>
-              <a:defRPr/>
-            </a:pPr>
-            <a:endParaRPr lang="fr-FR" dirty="0"/>
+              <a:rPr lang="fr-FR" sz="1200" b="0" baseline="0" dirty="0" err="1" smtClean="0"/>
+              <a:t>versionb</a:t>
+            </a:r>
+            <a:r>
+              <a:rPr lang="fr-FR" sz="1200" b="0" baseline="0" dirty="0" smtClean="0"/>
+              <a:t> du master avant de </a:t>
+            </a:r>
+            <a:r>
+              <a:rPr lang="fr-FR" sz="1200" b="0" baseline="0" dirty="0" err="1" smtClean="0"/>
+              <a:t>mergé</a:t>
+            </a:r>
+            <a:r>
+              <a:rPr lang="fr-FR" sz="1200" b="0" baseline="0" dirty="0" smtClean="0"/>
+              <a:t> leur branch </a:t>
+            </a:r>
+            <a:r>
+              <a:rPr lang="fr-FR" sz="1200" b="1" baseline="0" dirty="0" smtClean="0"/>
+              <a:t>fonctionnalité </a:t>
+            </a:r>
+            <a:r>
+              <a:rPr lang="fr-FR" sz="1200" b="0" baseline="0" dirty="0" smtClean="0"/>
+              <a:t>à la branch master</a:t>
+            </a:r>
+          </a:p>
+          <a:p>
+            <a:r>
+              <a:rPr lang="fr-FR" sz="1200" b="1" baseline="0" dirty="0" err="1" smtClean="0"/>
+              <a:t>Inconvignen</a:t>
+            </a:r>
+            <a:r>
+              <a:rPr lang="fr-FR" sz="1200" b="0" baseline="0" dirty="0" err="1" smtClean="0"/>
+              <a:t>t</a:t>
+            </a:r>
+            <a:r>
+              <a:rPr lang="fr-FR" sz="1200" b="0" baseline="0" dirty="0" smtClean="0"/>
+              <a:t>: le développement de fonctionnalités en parallèle n’est pas toujours faisable (pour les taches interdépendantes)</a:t>
+            </a:r>
+            <a:endParaRPr lang="fr-FR" b="0" baseline="0" dirty="0" smtClean="0"/>
           </a:p>
         </p:txBody>
       </p:sp>
@@ -3404,7 +3879,7 @@
     </p:spTree>
     <p:extLst>
       <p:ext uri="{BB962C8B-B14F-4D97-AF65-F5344CB8AC3E}">
-        <p14:creationId xmlns:p14="http://schemas.microsoft.com/office/powerpoint/2010/main" val="809342340"/>
+        <p14:creationId xmlns:p14="http://schemas.microsoft.com/office/powerpoint/2010/main" val="1338252774"/>
       </p:ext>
     </p:extLst>
   </p:cSld>
@@ -3545,7 +4020,7 @@
           <a:p>
             <a:fld id="{0A206D1B-E756-4A82-9838-551DE185C738}" type="datetimeFigureOut">
               <a:rPr lang="fr-FR" smtClean="0"/>
-              <a:t>16/11/2022</a:t>
+              <a:t>17/11/2022</a:t>
             </a:fld>
             <a:endParaRPr lang="fr-FR"/>
           </a:p>
@@ -3715,7 +4190,7 @@
           <a:p>
             <a:fld id="{0A206D1B-E756-4A82-9838-551DE185C738}" type="datetimeFigureOut">
               <a:rPr lang="fr-FR" smtClean="0"/>
-              <a:t>16/11/2022</a:t>
+              <a:t>17/11/2022</a:t>
             </a:fld>
             <a:endParaRPr lang="fr-FR"/>
           </a:p>
@@ -3895,7 +4370,7 @@
           <a:p>
             <a:fld id="{0A206D1B-E756-4A82-9838-551DE185C738}" type="datetimeFigureOut">
               <a:rPr lang="fr-FR" smtClean="0"/>
-              <a:t>16/11/2022</a:t>
+              <a:t>17/11/2022</a:t>
             </a:fld>
             <a:endParaRPr lang="fr-FR"/>
           </a:p>
@@ -4065,7 +4540,7 @@
           <a:p>
             <a:fld id="{0A206D1B-E756-4A82-9838-551DE185C738}" type="datetimeFigureOut">
               <a:rPr lang="fr-FR" smtClean="0"/>
-              <a:t>16/11/2022</a:t>
+              <a:t>17/11/2022</a:t>
             </a:fld>
             <a:endParaRPr lang="fr-FR"/>
           </a:p>
@@ -4311,7 +4786,7 @@
           <a:p>
             <a:fld id="{0A206D1B-E756-4A82-9838-551DE185C738}" type="datetimeFigureOut">
               <a:rPr lang="fr-FR" smtClean="0"/>
-              <a:t>16/11/2022</a:t>
+              <a:t>17/11/2022</a:t>
             </a:fld>
             <a:endParaRPr lang="fr-FR"/>
           </a:p>
@@ -4543,7 +5018,7 @@
           <a:p>
             <a:fld id="{0A206D1B-E756-4A82-9838-551DE185C738}" type="datetimeFigureOut">
               <a:rPr lang="fr-FR" smtClean="0"/>
-              <a:t>16/11/2022</a:t>
+              <a:t>17/11/2022</a:t>
             </a:fld>
             <a:endParaRPr lang="fr-FR"/>
           </a:p>
@@ -4910,7 +5385,7 @@
           <a:p>
             <a:fld id="{0A206D1B-E756-4A82-9838-551DE185C738}" type="datetimeFigureOut">
               <a:rPr lang="fr-FR" smtClean="0"/>
-              <a:t>16/11/2022</a:t>
+              <a:t>17/11/2022</a:t>
             </a:fld>
             <a:endParaRPr lang="fr-FR"/>
           </a:p>
@@ -5028,7 +5503,7 @@
           <a:p>
             <a:fld id="{0A206D1B-E756-4A82-9838-551DE185C738}" type="datetimeFigureOut">
               <a:rPr lang="fr-FR" smtClean="0"/>
-              <a:t>16/11/2022</a:t>
+              <a:t>17/11/2022</a:t>
             </a:fld>
             <a:endParaRPr lang="fr-FR"/>
           </a:p>
@@ -5123,7 +5598,7 @@
           <a:p>
             <a:fld id="{0A206D1B-E756-4A82-9838-551DE185C738}" type="datetimeFigureOut">
               <a:rPr lang="fr-FR" smtClean="0"/>
-              <a:t>16/11/2022</a:t>
+              <a:t>17/11/2022</a:t>
             </a:fld>
             <a:endParaRPr lang="fr-FR"/>
           </a:p>
@@ -5400,7 +5875,7 @@
           <a:p>
             <a:fld id="{0A206D1B-E756-4A82-9838-551DE185C738}" type="datetimeFigureOut">
               <a:rPr lang="fr-FR" smtClean="0"/>
-              <a:t>16/11/2022</a:t>
+              <a:t>17/11/2022</a:t>
             </a:fld>
             <a:endParaRPr lang="fr-FR"/>
           </a:p>
@@ -5653,7 +6128,7 @@
           <a:p>
             <a:fld id="{0A206D1B-E756-4A82-9838-551DE185C738}" type="datetimeFigureOut">
               <a:rPr lang="fr-FR" smtClean="0"/>
-              <a:t>16/11/2022</a:t>
+              <a:t>17/11/2022</a:t>
             </a:fld>
             <a:endParaRPr lang="fr-FR"/>
           </a:p>
@@ -5866,7 +6341,7 @@
           <a:p>
             <a:fld id="{0A206D1B-E756-4A82-9838-551DE185C738}" type="datetimeFigureOut">
               <a:rPr lang="fr-FR" smtClean="0"/>
-              <a:t>16/11/2022</a:t>
+              <a:t>17/11/2022</a:t>
             </a:fld>
             <a:endParaRPr lang="fr-FR"/>
           </a:p>
@@ -6355,7 +6830,6 @@
               <a:rPr lang="fr-FR" dirty="0" smtClean="0"/>
               <a:t>,</a:t>
             </a:r>
-            <a:endParaRPr lang="fr-FR" dirty="0" smtClean="0"/>
           </a:p>
           <a:p>
             <a:pPr marL="571500" indent="-571500">
@@ -6379,11 +6853,7 @@
             </a:r>
             <a:r>
               <a:rPr lang="fr-FR" dirty="0"/>
-              <a:t>e travailler en équipe(travail en parallèle</a:t>
-            </a:r>
-            <a:r>
-              <a:rPr lang="fr-FR" dirty="0"/>
-              <a:t>) sur des  parties disjointes du projet et gérer les modifications concurrentes</a:t>
+              <a:t>e travailler en équipe(travail en parallèle) sur des  parties disjointes du projet et gérer les modifications concurrentes</a:t>
             </a:r>
             <a:r>
               <a:rPr lang="fr-FR" dirty="0" smtClean="0"/>
@@ -6777,305 +7247,200 @@
       </p:grpSpPr>
       <p:sp>
         <p:nvSpPr>
-          <p:cNvPr id="4" name="Titre 1"/>
-          <p:cNvSpPr txBox="1">
-            <a:spLocks/>
-          </p:cNvSpPr>
-          <p:nvPr/>
+          <p:cNvPr id="2" name="Titre 1"/>
+          <p:cNvSpPr>
+            <a:spLocks noGrp="1"/>
+          </p:cNvSpPr>
+          <p:nvPr>
+            <p:ph type="title"/>
+          </p:nvPr>
         </p:nvSpPr>
         <p:spPr>
           <a:xfrm>
-            <a:off x="838200" y="59272"/>
-            <a:ext cx="10515600" cy="795855"/>
+            <a:off x="4904509" y="1"/>
+            <a:ext cx="2382982" cy="570016"/>
+          </a:xfrm>
+        </p:spPr>
+        <p:txBody>
+          <a:bodyPr>
+            <a:normAutofit fontScale="90000"/>
+          </a:bodyPr>
+          <a:lstStyle/>
+          <a:p>
+            <a:pPr algn="ctr"/>
+            <a:r>
+              <a:rPr lang="fr-FR" b="1" dirty="0"/>
+              <a:t>Branches</a:t>
+            </a:r>
+          </a:p>
+        </p:txBody>
+      </p:sp>
+      <p:sp>
+        <p:nvSpPr>
+          <p:cNvPr id="3" name="Espace réservé du contenu 2"/>
+          <p:cNvSpPr>
+            <a:spLocks noGrp="1"/>
+          </p:cNvSpPr>
+          <p:nvPr>
+            <p:ph idx="1"/>
+          </p:nvPr>
+        </p:nvSpPr>
+        <p:spPr>
+          <a:xfrm>
+            <a:off x="95002" y="743733"/>
+            <a:ext cx="11994079" cy="6007389"/>
+          </a:xfrm>
+        </p:spPr>
+        <p:txBody>
+          <a:bodyPr>
+            <a:normAutofit/>
+          </a:bodyPr>
+          <a:lstStyle/>
+          <a:p>
+            <a:pPr marL="571500" indent="-571500">
+              <a:buFont typeface="+mj-lt"/>
+              <a:buAutoNum type="romanUcPeriod" startAt="7"/>
+            </a:pPr>
+            <a:r>
+              <a:rPr lang="fr-FR" b="1" dirty="0" smtClean="0"/>
+              <a:t>Branches:</a:t>
+            </a:r>
+            <a:endParaRPr lang="fr-FR" b="1" dirty="0"/>
+          </a:p>
+          <a:p>
+            <a:pPr marL="0" indent="0">
+              <a:buNone/>
+            </a:pPr>
+            <a:r>
+              <a:rPr lang="fr-FR" dirty="0" smtClean="0"/>
+              <a:t>	Une autre versions de projet, une ligne de vie indépendante. </a:t>
+            </a:r>
+            <a:endParaRPr lang="fr-FR" dirty="0" smtClean="0"/>
+          </a:p>
+          <a:p>
+            <a:pPr marL="571500" indent="-571500">
+              <a:buFont typeface="+mj-lt"/>
+              <a:buAutoNum type="romanUcPeriod" startAt="8"/>
+            </a:pPr>
+            <a:r>
+              <a:rPr lang="fr-FR" b="1" dirty="0" smtClean="0"/>
+              <a:t>Avantages</a:t>
+            </a:r>
+            <a:r>
+              <a:rPr lang="fr-FR" dirty="0" smtClean="0"/>
+              <a:t>: </a:t>
+            </a:r>
+          </a:p>
+          <a:p>
+            <a:pPr marL="514350" indent="-244475">
+              <a:buFont typeface="+mj-lt"/>
+              <a:buAutoNum type="arabicPeriod"/>
+            </a:pPr>
+            <a:r>
+              <a:rPr lang="fr-FR" dirty="0" smtClean="0"/>
+              <a:t>Lancer d’autre version on ayant toujours une </a:t>
+            </a:r>
+            <a:r>
+              <a:rPr lang="fr-FR" dirty="0"/>
+              <a:t>v</a:t>
+            </a:r>
+            <a:r>
+              <a:rPr lang="fr-FR" dirty="0" smtClean="0"/>
+              <a:t>ersion stable.</a:t>
+            </a:r>
+          </a:p>
+          <a:p>
+            <a:pPr marL="514350" indent="-244475">
+              <a:buFont typeface="+mj-lt"/>
+              <a:buAutoNum type="arabicPeriod"/>
+            </a:pPr>
+            <a:r>
+              <a:rPr lang="fr-FR" dirty="0" smtClean="0"/>
+              <a:t>Tester d’autre implémentions d’une fonctionnalité existante</a:t>
+            </a:r>
+          </a:p>
+          <a:p>
+            <a:pPr marL="514350" indent="-244475">
+              <a:buFont typeface="+mj-lt"/>
+              <a:buAutoNum type="arabicPeriod"/>
+            </a:pPr>
+            <a:r>
+              <a:rPr lang="fr-FR" dirty="0" smtClean="0"/>
+              <a:t>Possibilité de travailler en Independence et push les changement sans affecté les collègues</a:t>
+            </a:r>
+          </a:p>
+          <a:p>
+            <a:pPr marL="514350" indent="-244475">
+              <a:buFont typeface="+mj-lt"/>
+              <a:buAutoNum type="arabicPeriod"/>
+            </a:pPr>
+            <a:r>
+              <a:rPr lang="fr-FR" dirty="0" smtClean="0"/>
+              <a:t>Possibilité de marger le code des collèges avec notre  changement et de résoudre rapidement les conflits</a:t>
+            </a:r>
+          </a:p>
+          <a:p>
+            <a:pPr marL="514350" indent="-244475">
+              <a:buFont typeface="+mj-lt"/>
+              <a:buAutoNum type="arabicPeriod"/>
+            </a:pPr>
+            <a:r>
+              <a:rPr lang="fr-FR" dirty="0" smtClean="0"/>
+              <a:t>Assuré que les normes de codage sont maintenue, et facilite la collaboration quelque soit la taille	 de </a:t>
+            </a:r>
+            <a:r>
+              <a:rPr lang="fr-FR" dirty="0" smtClean="0"/>
+              <a:t>l’équipe.</a:t>
+            </a:r>
+          </a:p>
+          <a:p>
+            <a:pPr marL="514350" indent="-244475">
+              <a:buFont typeface="+mj-lt"/>
+              <a:buAutoNum type="arabicPeriod"/>
+            </a:pPr>
+            <a:r>
+              <a:rPr lang="fr-FR" dirty="0" smtClean="0"/>
+              <a:t>Facilite l’intégration de nouveau membres dans l’équipe.</a:t>
+            </a:r>
+          </a:p>
+          <a:p>
+            <a:pPr marL="269875" indent="0">
+              <a:buNone/>
+            </a:pPr>
+            <a:endParaRPr lang="fr-FR" dirty="0"/>
+          </a:p>
+        </p:txBody>
+      </p:sp>
+      <p:sp>
+        <p:nvSpPr>
+          <p:cNvPr id="4" name="Rectangle 3"/>
+          <p:cNvSpPr/>
+          <p:nvPr/>
+        </p:nvSpPr>
+        <p:spPr>
+          <a:xfrm>
+            <a:off x="4787148" y="3244334"/>
+            <a:ext cx="1009892" cy="369332"/>
           </a:xfrm>
           <a:prstGeom prst="rect">
             <a:avLst/>
           </a:prstGeom>
         </p:spPr>
         <p:txBody>
-          <a:bodyPr vert="horz" lIns="91440" tIns="45720" rIns="91440" bIns="45720" rtlCol="0" anchor="ctr">
-            <a:normAutofit/>
-          </a:bodyPr>
-          <a:lstStyle>
-            <a:lvl1pPr algn="l" defTabSz="914400" rtl="0" eaLnBrk="1" latinLnBrk="0" hangingPunct="1">
-              <a:lnSpc>
-                <a:spcPct val="90000"/>
-              </a:lnSpc>
-              <a:spcBef>
-                <a:spcPct val="0"/>
-              </a:spcBef>
-              <a:buNone/>
-              <a:defRPr sz="4400" kern="1200">
-                <a:solidFill>
-                  <a:schemeClr val="tx1"/>
-                </a:solidFill>
-                <a:latin typeface="+mj-lt"/>
-                <a:ea typeface="+mj-ea"/>
-                <a:cs typeface="+mj-cs"/>
-              </a:defRPr>
-            </a:lvl1pPr>
-          </a:lstStyle>
-          <a:p>
-            <a:pPr algn="ctr"/>
-            <a:r>
-              <a:rPr lang="fr-FR" b="1" smtClean="0"/>
-              <a:t>Les commandes de base (Suite)</a:t>
-            </a:r>
-            <a:endParaRPr lang="fr-FR" b="1" dirty="0"/>
-          </a:p>
-        </p:txBody>
-      </p:sp>
-      <p:sp>
-        <p:nvSpPr>
-          <p:cNvPr id="6" name="Espace réservé du contenu 2"/>
-          <p:cNvSpPr>
-            <a:spLocks noGrp="1"/>
-          </p:cNvSpPr>
-          <p:nvPr>
-            <p:ph idx="1"/>
-          </p:nvPr>
-        </p:nvSpPr>
-        <p:spPr>
-          <a:xfrm>
-            <a:off x="164620" y="1153391"/>
-            <a:ext cx="12027380" cy="5704609"/>
-          </a:xfrm>
-        </p:spPr>
-        <p:txBody>
-          <a:bodyPr>
-            <a:normAutofit lnSpcReduction="10000"/>
+          <a:bodyPr wrap="none">
+            <a:spAutoFit/>
           </a:bodyPr>
           <a:lstStyle/>
           <a:p>
-            <a:pPr marL="361950" lvl="1" indent="0">
-              <a:buNone/>
-            </a:pPr>
-            <a:endParaRPr lang="fr-FR" b="1" i="1" dirty="0" smtClean="0"/>
-          </a:p>
-          <a:p>
-            <a:pPr marL="877887" lvl="1" indent="-514350">
-              <a:buFont typeface="+mj-lt"/>
-              <a:buAutoNum type="arabicPeriod" startAt="7"/>
-            </a:pPr>
-            <a:endParaRPr lang="fr-FR" dirty="0" smtClean="0"/>
-          </a:p>
-          <a:p>
-            <a:pPr marL="876300" lvl="1" indent="-514350">
-              <a:buFont typeface="+mj-lt"/>
-              <a:buAutoNum type="arabicPeriod" startAt="7"/>
-            </a:pPr>
-            <a:r>
-              <a:rPr lang="fr-FR" sz="2800" dirty="0"/>
-              <a:t>Indexé l’ajout ou la modification d’un fichier:</a:t>
-            </a:r>
-          </a:p>
-          <a:p>
-            <a:pPr marL="1160462" lvl="1" indent="-342900"/>
-            <a:r>
-              <a:rPr lang="fr-FR" b="1" i="1" dirty="0"/>
-              <a:t>git </a:t>
-            </a:r>
-            <a:r>
-              <a:rPr lang="fr-FR" b="1" i="1" dirty="0" err="1"/>
-              <a:t>add</a:t>
-            </a:r>
-            <a:r>
-              <a:rPr lang="fr-FR" b="1" i="1" dirty="0"/>
-              <a:t> « fichier », git </a:t>
-            </a:r>
-            <a:r>
-              <a:rPr lang="fr-FR" b="1" i="1" dirty="0" err="1"/>
-              <a:t>add</a:t>
-            </a:r>
-            <a:r>
-              <a:rPr lang="fr-FR" b="1" i="1" dirty="0"/>
-              <a:t> .,  git </a:t>
-            </a:r>
-            <a:r>
-              <a:rPr lang="fr-FR" b="1" i="1" dirty="0" err="1"/>
-              <a:t>add</a:t>
-            </a:r>
-            <a:r>
-              <a:rPr lang="fr-FR" b="1" i="1" dirty="0"/>
-              <a:t>  « *.</a:t>
-            </a:r>
-            <a:r>
-              <a:rPr lang="fr-FR" b="1" i="1" dirty="0" err="1"/>
-              <a:t>ext</a:t>
-            </a:r>
-            <a:r>
-              <a:rPr lang="fr-FR" b="1" i="1" dirty="0"/>
-              <a:t> »</a:t>
-            </a:r>
-          </a:p>
-          <a:p>
-            <a:pPr marL="363537" lvl="1" indent="0">
-              <a:buNone/>
-            </a:pPr>
-            <a:endParaRPr lang="fr-FR" dirty="0"/>
-          </a:p>
-          <a:p>
-            <a:pPr marL="877887" lvl="1" indent="-514350">
-              <a:buFont typeface="+mj-lt"/>
-              <a:buAutoNum type="arabicPeriod" startAt="7"/>
-            </a:pPr>
-            <a:r>
-              <a:rPr lang="fr-FR" dirty="0" smtClean="0"/>
-              <a:t>Annuler </a:t>
-            </a:r>
-            <a:r>
-              <a:rPr lang="fr-FR" dirty="0"/>
-              <a:t>les modification dans le Répertoire de travail (non indexe):</a:t>
-            </a:r>
-          </a:p>
-          <a:p>
-            <a:pPr marL="1160462" lvl="1" indent="-342900"/>
-            <a:r>
-              <a:rPr lang="fr-FR" b="1" i="1" dirty="0"/>
-              <a:t>git checkout « fichier », git restore « fichier </a:t>
-            </a:r>
-            <a:r>
-              <a:rPr lang="fr-FR" b="1" i="1" dirty="0" smtClean="0"/>
-              <a:t>»</a:t>
-            </a:r>
-            <a:endParaRPr lang="fr-FR" b="1" i="1" dirty="0"/>
-          </a:p>
-          <a:p>
-            <a:pPr marL="877887" lvl="1" indent="-514350">
-              <a:buFont typeface="+mj-lt"/>
-              <a:buAutoNum type="arabicPeriod" startAt="8"/>
-            </a:pPr>
-            <a:r>
-              <a:rPr lang="fr-FR" sz="2800" dirty="0"/>
-              <a:t>Supprimer un fichier de versionning (untracked state):</a:t>
-            </a:r>
-          </a:p>
-          <a:p>
-            <a:pPr marL="1160462" lvl="1" indent="-342900"/>
-            <a:r>
-              <a:rPr lang="fr-FR" b="1" i="1" dirty="0"/>
-              <a:t>git </a:t>
-            </a:r>
-            <a:r>
-              <a:rPr lang="fr-FR" b="1" i="1" dirty="0" err="1"/>
-              <a:t>rm</a:t>
-            </a:r>
-            <a:r>
-              <a:rPr lang="fr-FR" b="1" i="1" dirty="0"/>
-              <a:t> –cached « fichier</a:t>
-            </a:r>
-            <a:r>
-              <a:rPr lang="fr-FR" b="1" i="1" dirty="0" smtClean="0"/>
-              <a:t>»</a:t>
-            </a:r>
-          </a:p>
-          <a:p>
             <a:pPr marL="1160462" lvl="1" indent="-342900"/>
             <a:endParaRPr lang="fr-FR" b="1" i="1" dirty="0"/>
-          </a:p>
-          <a:p>
-            <a:pPr marL="877887" lvl="1" indent="-514350">
-              <a:buFont typeface="+mj-lt"/>
-              <a:buAutoNum type="arabicPeriod" startAt="9"/>
-            </a:pPr>
-            <a:r>
-              <a:rPr lang="fr-FR" sz="2800" dirty="0" smtClean="0"/>
-              <a:t>Supprimer </a:t>
-            </a:r>
-            <a:r>
-              <a:rPr lang="fr-FR" sz="2800" dirty="0"/>
-              <a:t>un fichier de versionning (untracked state</a:t>
-            </a:r>
-            <a:r>
-              <a:rPr lang="fr-FR" sz="2800" dirty="0" smtClean="0"/>
-              <a:t>):</a:t>
-            </a:r>
-          </a:p>
-          <a:p>
-            <a:pPr marL="1160462" lvl="1" indent="-342900"/>
-            <a:r>
-              <a:rPr lang="fr-FR" b="1" i="1" dirty="0" smtClean="0"/>
-              <a:t>git </a:t>
-            </a:r>
-            <a:r>
-              <a:rPr lang="fr-FR" b="1" i="1" dirty="0" err="1"/>
-              <a:t>rm</a:t>
-            </a:r>
-            <a:r>
-              <a:rPr lang="fr-FR" b="1" i="1" dirty="0"/>
-              <a:t> –cached « fichier</a:t>
-            </a:r>
-            <a:r>
-              <a:rPr lang="fr-FR" b="1" i="1" dirty="0" smtClean="0"/>
-              <a:t>»</a:t>
-            </a:r>
-            <a:endParaRPr lang="fr-FR" b="1" i="1" dirty="0"/>
-          </a:p>
-          <a:p>
-            <a:pPr marL="877887" lvl="1" indent="-514350">
-              <a:buFont typeface="+mj-lt"/>
-              <a:buAutoNum type="arabicPeriod" startAt="10"/>
-            </a:pPr>
-            <a:r>
-              <a:rPr lang="fr-FR" sz="2800" dirty="0"/>
-              <a:t>Annuler les </a:t>
-            </a:r>
-            <a:r>
-              <a:rPr lang="fr-FR" sz="2800" dirty="0" smtClean="0"/>
-              <a:t>modification dans </a:t>
-            </a:r>
-            <a:r>
-              <a:rPr lang="fr-FR" sz="2800" dirty="0"/>
-              <a:t>le Répertoire de travail </a:t>
-            </a:r>
-            <a:r>
-              <a:rPr lang="fr-FR" sz="2800" dirty="0" smtClean="0"/>
-              <a:t>(non </a:t>
-            </a:r>
-            <a:r>
-              <a:rPr lang="fr-FR" sz="2800" dirty="0"/>
-              <a:t>indexe</a:t>
-            </a:r>
-            <a:r>
-              <a:rPr lang="fr-FR" sz="2800" dirty="0" smtClean="0"/>
-              <a:t>):</a:t>
-            </a:r>
-            <a:endParaRPr lang="fr-FR" sz="2800" dirty="0"/>
-          </a:p>
-          <a:p>
-            <a:pPr marL="1160462" lvl="1" indent="-342900"/>
-            <a:r>
-              <a:rPr lang="fr-FR" b="1" i="1" dirty="0"/>
-              <a:t>git checkout </a:t>
-            </a:r>
-            <a:r>
-              <a:rPr lang="fr-FR" b="1" i="1" dirty="0" smtClean="0"/>
-              <a:t>« fichier », git restore « fichier »</a:t>
-            </a:r>
-          </a:p>
-          <a:p>
-            <a:pPr marL="811213" lvl="1" indent="-447675">
-              <a:buFont typeface="+mj-lt"/>
-              <a:buAutoNum type="arabicPeriod"/>
-            </a:pPr>
-            <a:endParaRPr lang="fr-FR" sz="2800" dirty="0"/>
-          </a:p>
-          <a:p>
-            <a:pPr marL="1160462" lvl="1" indent="-342900"/>
-            <a:endParaRPr lang="fr-FR" sz="2800" dirty="0"/>
-          </a:p>
-          <a:p>
-            <a:pPr marL="817562" lvl="1" indent="0">
-              <a:buNone/>
-            </a:pPr>
-            <a:endParaRPr lang="fr-FR" b="1" i="1" dirty="0" smtClean="0"/>
           </a:p>
         </p:txBody>
       </p:sp>
     </p:spTree>
     <p:extLst>
       <p:ext uri="{BB962C8B-B14F-4D97-AF65-F5344CB8AC3E}">
-        <p14:creationId xmlns:p14="http://schemas.microsoft.com/office/powerpoint/2010/main" val="673011006"/>
+        <p14:creationId xmlns:p14="http://schemas.microsoft.com/office/powerpoint/2010/main" val="3097175950"/>
       </p:ext>
     </p:extLst>
   </p:cSld>
@@ -7111,410 +7476,211 @@
       </p:grpSpPr>
       <p:sp>
         <p:nvSpPr>
-          <p:cNvPr id="2" name="Titre 1"/>
-          <p:cNvSpPr>
-            <a:spLocks noGrp="1"/>
-          </p:cNvSpPr>
-          <p:nvPr>
-            <p:ph type="title"/>
-          </p:nvPr>
+          <p:cNvPr id="7" name="ZoneTexte 6"/>
+          <p:cNvSpPr txBox="1"/>
+          <p:nvPr/>
         </p:nvSpPr>
         <p:spPr>
           <a:xfrm>
-            <a:off x="838200" y="59272"/>
-            <a:ext cx="10515600" cy="795855"/>
-          </a:xfrm>
-        </p:spPr>
-        <p:txBody>
-          <a:bodyPr/>
-          <a:lstStyle/>
-          <a:p>
-            <a:pPr algn="ctr"/>
-            <a:r>
-              <a:rPr lang="fr-FR" b="1" dirty="0"/>
-              <a:t>Les commandes de </a:t>
-            </a:r>
-            <a:r>
-              <a:rPr lang="fr-FR" b="1" dirty="0" smtClean="0"/>
-              <a:t>base (Suite)</a:t>
-            </a:r>
-            <a:endParaRPr lang="fr-FR" b="1" dirty="0"/>
-          </a:p>
-        </p:txBody>
-      </p:sp>
-      <p:sp>
-        <p:nvSpPr>
-          <p:cNvPr id="3" name="Espace réservé du contenu 2"/>
-          <p:cNvSpPr>
-            <a:spLocks noGrp="1"/>
-          </p:cNvSpPr>
-          <p:nvPr>
-            <p:ph idx="1"/>
-          </p:nvPr>
-        </p:nvSpPr>
-        <p:spPr>
-          <a:xfrm>
-            <a:off x="0" y="1153391"/>
-            <a:ext cx="12192000" cy="5704609"/>
-          </a:xfrm>
-        </p:spPr>
-        <p:txBody>
-          <a:bodyPr>
-            <a:normAutofit fontScale="92500" lnSpcReduction="20000"/>
-          </a:bodyPr>
-          <a:lstStyle/>
-          <a:p>
-            <a:pPr marL="877888" lvl="1" indent="-514350">
-              <a:lnSpc>
-                <a:spcPct val="110000"/>
-              </a:lnSpc>
-              <a:buFont typeface="+mj-lt"/>
-              <a:buAutoNum type="arabicPeriod" startAt="11"/>
-            </a:pPr>
-            <a:r>
-              <a:rPr lang="fr-FR" sz="3000" dirty="0" smtClean="0"/>
-              <a:t>indexer </a:t>
-            </a:r>
-            <a:r>
-              <a:rPr lang="fr-FR" sz="3000" dirty="0"/>
-              <a:t>la suppression d’un fichier:</a:t>
-            </a:r>
-          </a:p>
-          <a:p>
-            <a:pPr marL="1158875" lvl="1" indent="-347663"/>
-            <a:r>
-              <a:rPr lang="fr-FR" sz="2800" b="1" i="1" dirty="0"/>
-              <a:t>git </a:t>
-            </a:r>
-            <a:r>
-              <a:rPr lang="fr-FR" sz="2800" b="1" i="1" dirty="0" err="1"/>
-              <a:t>rm</a:t>
-            </a:r>
-            <a:r>
-              <a:rPr lang="fr-FR" sz="2800" b="1" i="1" dirty="0"/>
-              <a:t> «  fichier»</a:t>
-            </a:r>
-          </a:p>
-          <a:p>
-            <a:pPr marL="877887" lvl="1" indent="-514350">
-              <a:lnSpc>
-                <a:spcPct val="110000"/>
-              </a:lnSpc>
-              <a:buFont typeface="+mj-lt"/>
-              <a:buAutoNum type="arabicPeriod" startAt="12"/>
-            </a:pPr>
-            <a:r>
-              <a:rPr lang="fr-FR" sz="3000" dirty="0"/>
-              <a:t>Annuler les modifications indexes ( le contraire de git add file):</a:t>
-            </a:r>
-          </a:p>
-          <a:p>
-            <a:pPr marL="1158875" lvl="1" indent="-347663"/>
-            <a:r>
-              <a:rPr lang="fr-FR" sz="2800" b="1" i="1" dirty="0"/>
-              <a:t>git reset --  « fichier »</a:t>
-            </a:r>
-          </a:p>
-          <a:p>
-            <a:pPr marL="874712" indent="-514350" defTabSz="447675">
-              <a:buFont typeface="+mj-lt"/>
-              <a:buAutoNum type="arabicPeriod" startAt="13"/>
-              <a:tabLst>
-                <a:tab pos="811213" algn="l"/>
-              </a:tabLst>
-            </a:pPr>
-            <a:r>
-              <a:rPr lang="fr-FR" dirty="0"/>
-              <a:t>	Afficher le détail des modifications non indexées:</a:t>
-            </a:r>
-            <a:endParaRPr lang="fr-FR" dirty="0" smtClean="0"/>
-          </a:p>
-          <a:p>
-            <a:pPr marL="1158875" lvl="1" indent="-347663"/>
-            <a:r>
-              <a:rPr lang="fr-FR" sz="2800" b="1" i="1" dirty="0"/>
-              <a:t>git </a:t>
-            </a:r>
-            <a:r>
-              <a:rPr lang="fr-FR" sz="2800" b="1" i="1" dirty="0" err="1"/>
-              <a:t>diff</a:t>
-            </a:r>
-            <a:endParaRPr lang="fr-FR" sz="2800" b="1" i="1" dirty="0"/>
-          </a:p>
-          <a:p>
-            <a:pPr marL="877888" lvl="1" indent="-514350">
-              <a:buFont typeface="+mj-lt"/>
-              <a:buAutoNum type="arabicPeriod" startAt="14"/>
-              <a:tabLst>
-                <a:tab pos="811213" algn="l"/>
-              </a:tabLst>
-            </a:pPr>
-            <a:r>
-              <a:rPr lang="fr-FR" sz="3000" dirty="0"/>
-              <a:t>Afficher le détail des modifications indexées:</a:t>
-            </a:r>
-          </a:p>
-          <a:p>
-            <a:pPr marL="1158875" lvl="1" indent="-347663"/>
-            <a:r>
-              <a:rPr lang="fr-FR" sz="2800" b="1" i="1" dirty="0"/>
-              <a:t>git </a:t>
-            </a:r>
-            <a:r>
-              <a:rPr lang="fr-FR" sz="2800" b="1" i="1" dirty="0" err="1"/>
-              <a:t>diff</a:t>
-            </a:r>
-            <a:r>
-              <a:rPr lang="fr-FR" sz="2800" b="1" i="1" dirty="0"/>
-              <a:t> --cached</a:t>
-            </a:r>
-          </a:p>
-          <a:p>
-            <a:pPr marL="877887" lvl="1" indent="-514350">
-              <a:buFont typeface="+mj-lt"/>
-              <a:buAutoNum type="arabicPeriod" startAt="15"/>
-            </a:pPr>
-            <a:r>
-              <a:rPr lang="fr-FR" sz="3000" dirty="0"/>
-              <a:t>Envoyer les modification indexés en zone de </a:t>
-            </a:r>
-            <a:r>
-              <a:rPr lang="fr-FR" sz="3000" dirty="0" smtClean="0"/>
-              <a:t>transit(backup):</a:t>
-            </a:r>
-            <a:endParaRPr lang="fr-FR" sz="3000" dirty="0"/>
-          </a:p>
-          <a:p>
-            <a:pPr marL="1160462" lvl="1" indent="-342900"/>
-            <a:r>
-              <a:rPr lang="fr-FR" sz="2800" b="1" i="1" dirty="0"/>
-              <a:t>git commit</a:t>
-            </a:r>
-          </a:p>
-          <a:p>
-            <a:pPr marL="877887" lvl="1" indent="-514350">
-              <a:buFont typeface="+mj-lt"/>
-              <a:buAutoNum type="arabicPeriod" startAt="16"/>
-            </a:pPr>
-            <a:r>
-              <a:rPr lang="fr-FR" sz="3000" dirty="0"/>
-              <a:t>Afficher l’historique des commits:</a:t>
-            </a:r>
-          </a:p>
-          <a:p>
-            <a:pPr marL="1158875" lvl="1" indent="-347663"/>
-            <a:r>
-              <a:rPr lang="fr-FR" sz="2800" b="1" i="1" dirty="0"/>
-              <a:t>git log, git log –n 2 </a:t>
-            </a:r>
-            <a:r>
-              <a:rPr lang="fr-FR" sz="2800" b="1" i="1" dirty="0" smtClean="0"/>
-              <a:t>,</a:t>
-            </a:r>
-            <a:r>
-              <a:rPr lang="fr-FR" dirty="0"/>
-              <a:t> </a:t>
-            </a:r>
-            <a:r>
-              <a:rPr lang="fr-FR" sz="2800" b="1" i="1" dirty="0"/>
-              <a:t>git log –</a:t>
-            </a:r>
-            <a:r>
-              <a:rPr lang="fr-FR" sz="2800" b="1" i="1" dirty="0" err="1"/>
-              <a:t>oneline</a:t>
-            </a:r>
-            <a:r>
-              <a:rPr lang="fr-FR" sz="2800" b="1" i="1" dirty="0" smtClean="0"/>
-              <a:t>,</a:t>
-            </a:r>
-            <a:r>
-              <a:rPr lang="fr-FR" dirty="0"/>
-              <a:t> </a:t>
-            </a:r>
-            <a:r>
-              <a:rPr lang="fr-FR" sz="2800" b="1" i="1" dirty="0"/>
-              <a:t>« git log –p fichier »</a:t>
-            </a:r>
-          </a:p>
-          <a:p>
-            <a:pPr marL="877887" lvl="1" indent="-514350">
-              <a:buFont typeface="+mj-lt"/>
-              <a:buAutoNum type="arabicPeriod" startAt="17"/>
-            </a:pPr>
-            <a:r>
-              <a:rPr lang="fr-FR" sz="3000" dirty="0"/>
-              <a:t>supprimer toutes les </a:t>
-            </a:r>
-            <a:r>
-              <a:rPr lang="fr-FR" sz="3000" dirty="0" smtClean="0"/>
-              <a:t>commites (historique) </a:t>
-            </a:r>
-            <a:r>
-              <a:rPr lang="fr-FR" sz="3000" dirty="0"/>
-              <a:t>postérieurs à « </a:t>
-            </a:r>
-            <a:r>
-              <a:rPr lang="fr-FR" sz="3000" dirty="0" err="1" smtClean="0"/>
-              <a:t>commit_hash</a:t>
-            </a:r>
-            <a:r>
-              <a:rPr lang="fr-FR" sz="3000" dirty="0"/>
-              <a:t> » mais garde l’espace de travail </a:t>
-            </a:r>
-            <a:r>
-              <a:rPr lang="fr-FR" sz="3000" dirty="0" smtClean="0"/>
-              <a:t>intacte(</a:t>
-            </a:r>
-            <a:r>
-              <a:rPr lang="fr-FR" sz="3000" dirty="0" smtClean="0">
-                <a:solidFill>
-                  <a:srgbClr val="FF0000"/>
-                </a:solidFill>
-              </a:rPr>
-              <a:t>danger</a:t>
-            </a:r>
-            <a:r>
-              <a:rPr lang="fr-FR" sz="3000" dirty="0" smtClean="0"/>
-              <a:t>).</a:t>
-            </a:r>
-            <a:endParaRPr lang="fr-FR" sz="3000" dirty="0"/>
-          </a:p>
-          <a:p>
-            <a:pPr marL="1158875" lvl="1" indent="-347663"/>
-            <a:r>
-              <a:rPr lang="fr-FR" sz="2800" b="1" i="1" dirty="0"/>
-              <a:t>git reset </a:t>
-            </a:r>
-            <a:r>
-              <a:rPr lang="fr-FR" sz="2800" b="1" i="1" dirty="0" err="1" smtClean="0"/>
-              <a:t>commit_hash</a:t>
-            </a:r>
-            <a:r>
-              <a:rPr lang="fr-FR" sz="2800" b="1" i="1" dirty="0" smtClean="0"/>
-              <a:t> </a:t>
-            </a:r>
-            <a:r>
-              <a:rPr lang="fr-FR" sz="2800" b="1" i="1" dirty="0"/>
-              <a:t>,git reset HEAD^</a:t>
-            </a:r>
-            <a:r>
-              <a:rPr lang="fr-FR" b="1" i="1" dirty="0" smtClean="0"/>
-              <a:t> (</a:t>
-            </a:r>
-            <a:r>
-              <a:rPr lang="fr-FR" b="1" i="1" dirty="0" err="1" smtClean="0"/>
-              <a:t>soft,mixes,hard</a:t>
-            </a:r>
-            <a:r>
-              <a:rPr lang="fr-FR" b="1" i="1" dirty="0" smtClean="0"/>
-              <a:t>)</a:t>
-            </a:r>
-            <a:endParaRPr lang="fr-FR" sz="2800" b="1" i="1" dirty="0"/>
-          </a:p>
-          <a:p>
-            <a:pPr marL="1160462" lvl="1" indent="-342900"/>
-            <a:endParaRPr lang="fr-FR" sz="2800" dirty="0"/>
-          </a:p>
-          <a:p>
-            <a:pPr marL="817562" lvl="1" indent="0">
-              <a:buNone/>
-            </a:pPr>
-            <a:endParaRPr lang="fr-FR" b="1" i="1" dirty="0" smtClean="0"/>
-          </a:p>
-        </p:txBody>
-      </p:sp>
-      <p:sp>
-        <p:nvSpPr>
-          <p:cNvPr id="4" name="Rectangle 2"/>
-          <p:cNvSpPr>
-            <a:spLocks noChangeArrowheads="1"/>
-          </p:cNvSpPr>
-          <p:nvPr/>
-        </p:nvSpPr>
-        <p:spPr bwMode="auto">
-          <a:xfrm>
-            <a:off x="0" y="0"/>
-            <a:ext cx="12192000" cy="457200"/>
+            <a:off x="190005" y="201880"/>
+            <a:ext cx="12001995" cy="6555641"/>
           </a:xfrm>
           <a:prstGeom prst="rect">
             <a:avLst/>
           </a:prstGeom>
           <a:noFill/>
-          <a:ln>
-            <a:noFill/>
-          </a:ln>
-          <a:effectLst/>
-          <a:extLst>
-            <a:ext uri="{909E8E84-426E-40DD-AFC4-6F175D3DCCD1}">
-              <a14:hiddenFill xmlns:a14="http://schemas.microsoft.com/office/drawing/2010/main">
-                <a:solidFill>
-                  <a:schemeClr val="accent1"/>
-                </a:solidFill>
-              </a14:hiddenFill>
-            </a:ext>
-            <a:ext uri="{91240B29-F687-4F45-9708-019B960494DF}">
-              <a14:hiddenLine xmlns:a14="http://schemas.microsoft.com/office/drawing/2010/main" w="9525">
-                <a:solidFill>
-                  <a:schemeClr val="tx1"/>
-                </a:solidFill>
-                <a:miter lim="800000"/>
-                <a:headEnd/>
-                <a:tailEnd/>
-              </a14:hiddenLine>
-            </a:ext>
-            <a:ext uri="{AF507438-7753-43E0-B8FC-AC1667EBCBE1}">
-              <a14:hiddenEffects xmlns:a14="http://schemas.microsoft.com/office/drawing/2010/main">
-                <a:effectLst>
-                  <a:outerShdw dist="35921" dir="2700000" algn="ctr" rotWithShape="0">
-                    <a:schemeClr val="bg2"/>
-                  </a:outerShdw>
-                </a:effectLst>
-              </a14:hiddenEffects>
-            </a:ext>
-          </a:extLst>
         </p:spPr>
         <p:txBody>
-          <a:bodyPr vert="horz" wrap="none" lIns="91440" tIns="45720" rIns="91440" bIns="45720" numCol="1" anchor="ctr" anchorCtr="0" compatLnSpc="1">
-            <a:prstTxWarp prst="textNoShape">
-              <a:avLst/>
-            </a:prstTxWarp>
+          <a:bodyPr wrap="square" rtlCol="0">
             <a:spAutoFit/>
           </a:bodyPr>
           <a:lstStyle/>
           <a:p>
-            <a:pPr marL="0" marR="0" lvl="0" indent="0" algn="l" defTabSz="914400" rtl="0" eaLnBrk="0" fontAlgn="base" latinLnBrk="0" hangingPunct="0">
-              <a:lnSpc>
-                <a:spcPct val="100000"/>
-              </a:lnSpc>
+            <a:pPr marL="571500" indent="-571500">
               <a:spcBef>
-                <a:spcPct val="0"/>
+                <a:spcPts val="1000"/>
               </a:spcBef>
-              <a:spcAft>
-                <a:spcPct val="0"/>
-              </a:spcAft>
-              <a:buClrTx/>
-              <a:buSzTx/>
-              <a:buFontTx/>
-              <a:buNone/>
-              <a:tabLst/>
-            </a:pPr>
-            <a:endParaRPr kumimoji="0" lang="fr-FR" altLang="fr-FR" sz="1800" b="0" i="0" u="none" strike="noStrike" cap="none" normalizeH="0" baseline="0" smtClean="0">
-              <a:ln>
-                <a:noFill/>
-              </a:ln>
-              <a:solidFill>
-                <a:schemeClr val="tx1"/>
-              </a:solidFill>
-              <a:effectLst/>
-              <a:latin typeface="Arial" panose="020B0604020202020204" pitchFamily="34" charset="0"/>
-            </a:endParaRPr>
+              <a:buFont typeface="+mj-lt"/>
+              <a:buAutoNum type="romanUcPeriod" startAt="9"/>
+            </a:pPr>
+            <a:r>
+              <a:rPr lang="fr-FR" sz="2800" b="1" dirty="0"/>
+              <a:t>Stratégies de workflow de </a:t>
+            </a:r>
+            <a:r>
+              <a:rPr lang="fr-FR" sz="2800" b="1" dirty="0" smtClean="0"/>
+              <a:t>branches:</a:t>
+            </a:r>
+          </a:p>
+          <a:p>
+            <a:r>
+              <a:rPr lang="fr-FR" sz="2800" dirty="0"/>
+              <a:t>	</a:t>
+            </a:r>
+            <a:r>
+              <a:rPr lang="fr-FR" sz="2800" dirty="0" smtClean="0"/>
+              <a:t>Il </a:t>
+            </a:r>
+            <a:r>
+              <a:rPr lang="fr-FR" sz="2800" dirty="0"/>
+              <a:t>y’à plusieurs </a:t>
+            </a:r>
+            <a:r>
+              <a:rPr lang="fr-FR" sz="2800" dirty="0" smtClean="0"/>
+              <a:t>stratégie de workflow de branche on peut choisir une </a:t>
+            </a:r>
+            <a:r>
+              <a:rPr lang="fr-FR" sz="2800" dirty="0" smtClean="0"/>
+              <a:t>parmi elles </a:t>
+            </a:r>
+            <a:r>
+              <a:rPr lang="fr-FR" sz="2800" dirty="0" smtClean="0"/>
+              <a:t>ou bien crées  un workflow de </a:t>
+            </a:r>
+            <a:r>
+              <a:rPr lang="fr-FR" sz="2800" dirty="0" smtClean="0"/>
+              <a:t>branche personnalisé.</a:t>
+            </a:r>
+          </a:p>
+          <a:p>
+            <a:pPr marL="514350" indent="-514350">
+              <a:buFont typeface="+mj-lt"/>
+              <a:buAutoNum type="arabicPeriod" startAt="10"/>
+            </a:pPr>
+            <a:r>
+              <a:rPr lang="fr-FR" sz="2800" b="1" dirty="0"/>
+              <a:t>Choix d’une stratégie:</a:t>
+            </a:r>
+            <a:endParaRPr lang="fr-FR" sz="2800" dirty="0"/>
+          </a:p>
+          <a:p>
+            <a:r>
+              <a:rPr lang="fr-FR" sz="2800" dirty="0"/>
+              <a:t>	Le choix d’une stratégie doit dépendre de  quelques paramètres</a:t>
+            </a:r>
+          </a:p>
+          <a:p>
+            <a:pPr marL="514350" indent="20638">
+              <a:buFont typeface="+mj-lt"/>
+              <a:buAutoNum type="arabicPeriod"/>
+            </a:pPr>
+            <a:r>
+              <a:rPr lang="fr-FR" sz="2800" dirty="0"/>
+              <a:t>La taille de l’équipe</a:t>
+            </a:r>
+          </a:p>
+          <a:p>
+            <a:pPr marL="514350" indent="20638">
+              <a:buFont typeface="+mj-lt"/>
+              <a:buAutoNum type="arabicPeriod"/>
+            </a:pPr>
+            <a:r>
+              <a:rPr lang="fr-FR" sz="2800" dirty="0"/>
+              <a:t>Type de projet</a:t>
+            </a:r>
+          </a:p>
+          <a:p>
+            <a:pPr marL="514350" indent="20638">
+              <a:buFont typeface="+mj-lt"/>
+              <a:buAutoNum type="arabicPeriod"/>
+            </a:pPr>
+            <a:r>
+              <a:rPr lang="fr-FR" sz="2800" dirty="0"/>
+              <a:t>Comment  l’équipe gère les releases du logiciel.</a:t>
+            </a:r>
+          </a:p>
+          <a:p>
+            <a:r>
+              <a:rPr lang="fr-FR" sz="2800" b="1" dirty="0" smtClean="0"/>
+              <a:t>2.Exemple </a:t>
+            </a:r>
+            <a:r>
+              <a:rPr lang="fr-FR" sz="2800" b="1" dirty="0"/>
+              <a:t>de quelque stratégie</a:t>
+            </a:r>
+          </a:p>
+          <a:p>
+            <a:pPr marL="514350" indent="-514350">
+              <a:buFont typeface="+mj-lt"/>
+              <a:buAutoNum type="arabicPeriod"/>
+            </a:pPr>
+            <a:r>
+              <a:rPr lang="fr-FR" sz="2800" dirty="0" smtClean="0"/>
+              <a:t>stratégie de branch « </a:t>
+            </a:r>
+            <a:r>
+              <a:rPr lang="fr-FR" sz="2800" b="1" dirty="0" err="1" smtClean="0"/>
+              <a:t>devlop</a:t>
+            </a:r>
+            <a:r>
+              <a:rPr lang="fr-FR" sz="2800" dirty="0" smtClean="0"/>
+              <a:t> »</a:t>
+            </a:r>
+          </a:p>
+          <a:p>
+            <a:pPr marL="514350" indent="-514350">
+              <a:buFont typeface="+mj-lt"/>
+              <a:buAutoNum type="arabicPeriod"/>
+            </a:pPr>
+            <a:r>
+              <a:rPr lang="fr-FR" sz="2800" dirty="0"/>
+              <a:t>stratégie de branch </a:t>
+            </a:r>
+            <a:r>
+              <a:rPr lang="fr-FR" sz="2800" dirty="0" smtClean="0"/>
+              <a:t>par fonctionnalité</a:t>
+            </a:r>
+            <a:r>
+              <a:rPr lang="fr-FR" sz="2800" dirty="0"/>
+              <a:t> </a:t>
+            </a:r>
+            <a:r>
+              <a:rPr lang="fr-FR" sz="2800" dirty="0" smtClean="0"/>
+              <a:t>(branch master +branch par fonctionnalité).</a:t>
+            </a:r>
+          </a:p>
+          <a:p>
+            <a:pPr marL="514350" indent="-514350">
+              <a:buFont typeface="+mj-lt"/>
+              <a:buAutoNum type="arabicPeriod"/>
+            </a:pPr>
+            <a:r>
+              <a:rPr lang="en-US" sz="2800" dirty="0"/>
+              <a:t> </a:t>
+            </a:r>
+            <a:r>
+              <a:rPr lang="fr-FR" sz="2800" dirty="0"/>
+              <a:t> stratégie de branch </a:t>
+            </a:r>
+            <a:r>
+              <a:rPr lang="fr-FR" sz="2800" b="1" dirty="0" err="1" smtClean="0"/>
+              <a:t>GitFlow</a:t>
+            </a:r>
+            <a:r>
+              <a:rPr lang="fr-FR" sz="2800" dirty="0" smtClean="0"/>
+              <a:t> (non adapté pour les petit projet</a:t>
+            </a:r>
+            <a:r>
+              <a:rPr lang="fr-FR" sz="2800" dirty="0" smtClean="0"/>
+              <a:t>).</a:t>
+            </a:r>
+          </a:p>
+          <a:p>
+            <a:endParaRPr lang="fr-FR" sz="2800" dirty="0" smtClean="0"/>
+          </a:p>
+          <a:p>
+            <a:pPr marL="514350" indent="-514350">
+              <a:buFont typeface="+mj-lt"/>
+              <a:buAutoNum type="arabicPeriod"/>
+            </a:pPr>
+            <a:endParaRPr lang="fr-FR" sz="2800" dirty="0"/>
           </a:p>
         </p:txBody>
       </p:sp>
     </p:spTree>
     <p:extLst>
       <p:ext uri="{BB962C8B-B14F-4D97-AF65-F5344CB8AC3E}">
-        <p14:creationId xmlns:p14="http://schemas.microsoft.com/office/powerpoint/2010/main" val="3375970332"/>
+        <p14:creationId xmlns:p14="http://schemas.microsoft.com/office/powerpoint/2010/main" val="835880797"/>
       </p:ext>
     </p:extLst>
   </p:cSld>
@@ -7548,466 +7714,34 @@
           <a:chExt cx="0" cy="0"/>
         </a:xfrm>
       </p:grpSpPr>
-      <p:sp>
-        <p:nvSpPr>
-          <p:cNvPr id="2" name="Titre 1"/>
-          <p:cNvSpPr>
-            <a:spLocks noGrp="1"/>
-          </p:cNvSpPr>
-          <p:nvPr>
-            <p:ph type="title"/>
-          </p:nvPr>
-        </p:nvSpPr>
+      <p:pic>
+        <p:nvPicPr>
+          <p:cNvPr id="5" name="Image 4"/>
+          <p:cNvPicPr>
+            <a:picLocks noChangeAspect="1"/>
+          </p:cNvPicPr>
+          <p:nvPr/>
+        </p:nvPicPr>
+        <p:blipFill>
+          <a:blip r:embed="rId3"/>
+          <a:stretch>
+            <a:fillRect/>
+          </a:stretch>
+        </p:blipFill>
         <p:spPr>
           <a:xfrm>
-            <a:off x="838200" y="59272"/>
-            <a:ext cx="10515600" cy="795855"/>
-          </a:xfrm>
-        </p:spPr>
-        <p:txBody>
-          <a:bodyPr/>
-          <a:lstStyle/>
-          <a:p>
-            <a:pPr algn="ctr"/>
-            <a:r>
-              <a:rPr lang="fr-FR" b="1" dirty="0"/>
-              <a:t>Les commandes de </a:t>
-            </a:r>
-            <a:r>
-              <a:rPr lang="fr-FR" b="1" dirty="0" smtClean="0"/>
-              <a:t>base (Suite)</a:t>
-            </a:r>
-            <a:endParaRPr lang="fr-FR" b="1" dirty="0"/>
-          </a:p>
-        </p:txBody>
-      </p:sp>
-      <p:sp>
-        <p:nvSpPr>
-          <p:cNvPr id="3" name="Espace réservé du contenu 2"/>
-          <p:cNvSpPr>
-            <a:spLocks noGrp="1"/>
-          </p:cNvSpPr>
-          <p:nvPr>
-            <p:ph idx="1"/>
-          </p:nvPr>
-        </p:nvSpPr>
-        <p:spPr>
-          <a:xfrm>
-            <a:off x="0" y="1116280"/>
-            <a:ext cx="12192000" cy="5533902"/>
-          </a:xfrm>
-        </p:spPr>
-        <p:txBody>
-          <a:bodyPr>
-            <a:normAutofit lnSpcReduction="10000"/>
-          </a:bodyPr>
-          <a:lstStyle/>
-          <a:p>
-            <a:pPr marL="877887" lvl="1" indent="-514350">
-              <a:lnSpc>
-                <a:spcPct val="70000"/>
-              </a:lnSpc>
-              <a:buFont typeface="+mj-lt"/>
-              <a:buAutoNum type="arabicPeriod" startAt="18"/>
-            </a:pPr>
-            <a:r>
-              <a:rPr lang="fr-FR" sz="2800" dirty="0"/>
-              <a:t>navigué dans l’historique des </a:t>
-            </a:r>
-            <a:r>
-              <a:rPr lang="fr-FR" sz="2800" dirty="0" smtClean="0"/>
-              <a:t>commit (voir le contenu avent un commit ):</a:t>
-            </a:r>
-            <a:endParaRPr lang="fr-FR" sz="2800" dirty="0"/>
-          </a:p>
-          <a:p>
-            <a:pPr marL="1158875" lvl="1" indent="-347663">
-              <a:lnSpc>
-                <a:spcPct val="70000"/>
-              </a:lnSpc>
-            </a:pPr>
-            <a:r>
-              <a:rPr lang="fr-FR" sz="2600" b="1" i="1" dirty="0"/>
-              <a:t>git checkout « </a:t>
-            </a:r>
-            <a:r>
-              <a:rPr lang="fr-FR" sz="2600" b="1" i="1" dirty="0" err="1" smtClean="0"/>
-              <a:t>commit_hash</a:t>
-            </a:r>
-            <a:r>
-              <a:rPr lang="fr-FR" sz="2600" b="1" i="1" dirty="0"/>
-              <a:t> », </a:t>
-            </a:r>
-            <a:r>
-              <a:rPr lang="fr-FR" sz="2600" b="1" i="1" dirty="0" smtClean="0"/>
-              <a:t>git checkout «  </a:t>
-            </a:r>
-            <a:r>
-              <a:rPr lang="fr-FR" sz="2600" b="1" i="1" dirty="0" err="1" smtClean="0"/>
-              <a:t>commit_hash</a:t>
-            </a:r>
-            <a:r>
-              <a:rPr lang="fr-FR" sz="2600" b="1" i="1" dirty="0" smtClean="0"/>
-              <a:t>» «</a:t>
-            </a:r>
-            <a:r>
-              <a:rPr lang="fr-FR" sz="2600" b="1" i="1" dirty="0"/>
-              <a:t> </a:t>
-            </a:r>
-            <a:r>
-              <a:rPr lang="fr-FR" sz="2600" b="1" i="1" dirty="0" smtClean="0"/>
-              <a:t>fichier</a:t>
-            </a:r>
-            <a:r>
-              <a:rPr lang="fr-FR" sz="2600" b="1" i="1" dirty="0"/>
-              <a:t> »</a:t>
-            </a:r>
-          </a:p>
-          <a:p>
-            <a:pPr marL="893763" lvl="1" indent="-530225">
-              <a:buFont typeface="+mj-lt"/>
-              <a:buAutoNum type="arabicPeriod" startAt="19"/>
-            </a:pPr>
-            <a:r>
-              <a:rPr lang="fr-FR" sz="2800" dirty="0"/>
-              <a:t>défit un commit (supprimer les changements de ce commit</a:t>
-            </a:r>
-            <a:r>
-              <a:rPr lang="fr-FR" sz="2800" dirty="0" smtClean="0"/>
-              <a:t>)</a:t>
-            </a:r>
-          </a:p>
-          <a:p>
-            <a:pPr marL="820738" lvl="1" indent="-9525">
-              <a:tabLst>
-                <a:tab pos="811213" algn="l"/>
-                <a:tab pos="1163638" algn="l"/>
-              </a:tabLst>
-            </a:pPr>
-            <a:r>
-              <a:rPr lang="fr-FR" sz="2800" dirty="0" smtClean="0"/>
-              <a:t>	</a:t>
-            </a:r>
-            <a:r>
-              <a:rPr lang="fr-FR" sz="2600" b="1" i="1" dirty="0"/>
-              <a:t>git </a:t>
-            </a:r>
-            <a:r>
-              <a:rPr lang="fr-FR" sz="2600" b="1" i="1" dirty="0" err="1"/>
-              <a:t>revert</a:t>
-            </a:r>
-            <a:r>
-              <a:rPr lang="fr-FR" sz="2600" b="1" i="1" dirty="0"/>
-              <a:t> </a:t>
-            </a:r>
-            <a:r>
-              <a:rPr lang="fr-FR" sz="2600" b="1" i="1" dirty="0" err="1" smtClean="0"/>
-              <a:t>commit_hash</a:t>
-            </a:r>
-            <a:r>
-              <a:rPr lang="fr-FR" sz="2600" b="1" i="1" dirty="0"/>
-              <a:t> </a:t>
-            </a:r>
-            <a:endParaRPr lang="fr-FR" sz="2600" b="1" i="1" dirty="0" smtClean="0"/>
-          </a:p>
-          <a:p>
-            <a:pPr marL="962025" lvl="1" indent="-598488">
-              <a:buFont typeface="+mj-lt"/>
-              <a:buAutoNum type="arabicPeriod" startAt="20"/>
-              <a:tabLst>
-                <a:tab pos="811213" algn="l"/>
-                <a:tab pos="1163638" algn="l"/>
-              </a:tabLst>
-            </a:pPr>
-            <a:r>
-              <a:rPr lang="fr-FR" sz="2800" dirty="0"/>
-              <a:t>Voir les détails d’un commit(contribution)</a:t>
-            </a:r>
-          </a:p>
-          <a:p>
-            <a:pPr marL="1169988" lvl="1" indent="-365125">
-              <a:tabLst>
-                <a:tab pos="811213" algn="l"/>
-                <a:tab pos="1169988" algn="l"/>
-              </a:tabLst>
-            </a:pPr>
-            <a:r>
-              <a:rPr lang="fr-FR" sz="2600" b="1" i="1" dirty="0"/>
-              <a:t>git show « </a:t>
-            </a:r>
-            <a:r>
-              <a:rPr lang="fr-FR" sz="2600" b="1" i="1" dirty="0" err="1"/>
-              <a:t>commit_hash</a:t>
-            </a:r>
-            <a:r>
-              <a:rPr lang="fr-FR" sz="2600" b="1" i="1" dirty="0"/>
-              <a:t> »</a:t>
-            </a:r>
-          </a:p>
-          <a:p>
-            <a:pPr marL="811213" lvl="1" indent="-447675">
-              <a:buNone/>
-              <a:tabLst>
-                <a:tab pos="363538" algn="l"/>
-                <a:tab pos="1163638" algn="l"/>
-              </a:tabLst>
-            </a:pPr>
-            <a:r>
-              <a:rPr lang="fr-FR" sz="2800" dirty="0" smtClean="0"/>
-              <a:t>21 </a:t>
-            </a:r>
-            <a:r>
-              <a:rPr lang="fr-FR" sz="2800" dirty="0"/>
-              <a:t>qui à changé le </a:t>
-            </a:r>
-            <a:r>
-              <a:rPr lang="fr-FR" sz="2800" dirty="0" err="1" smtClean="0"/>
-              <a:t>fichierest</a:t>
-            </a:r>
-            <a:r>
-              <a:rPr lang="fr-FR" sz="2800" dirty="0" smtClean="0"/>
-              <a:t> quand et quoi </a:t>
-            </a:r>
-          </a:p>
-          <a:p>
-            <a:pPr marL="1162050" lvl="1" indent="-361950">
-              <a:tabLst>
-                <a:tab pos="363538" algn="l"/>
-                <a:tab pos="1163638" algn="l"/>
-              </a:tabLst>
-            </a:pPr>
-            <a:r>
-              <a:rPr lang="fr-FR" sz="2800" b="1" i="1" dirty="0" smtClean="0"/>
-              <a:t>git </a:t>
-            </a:r>
-            <a:r>
-              <a:rPr lang="fr-FR" sz="2800" b="1" i="1" dirty="0" err="1" smtClean="0"/>
-              <a:t>blame</a:t>
-            </a:r>
-            <a:r>
-              <a:rPr lang="fr-FR" sz="2800" b="1" i="1" dirty="0" smtClean="0"/>
-              <a:t> « file »</a:t>
-            </a:r>
-            <a:endParaRPr lang="fr-FR" sz="2600" b="1" i="1" dirty="0" smtClean="0"/>
-          </a:p>
-          <a:p>
-            <a:pPr marL="962025" lvl="1" indent="-598488">
-              <a:buFont typeface="+mj-lt"/>
-              <a:buAutoNum type="arabicPeriod" startAt="20"/>
-              <a:tabLst>
-                <a:tab pos="363538" algn="l"/>
-                <a:tab pos="811213" algn="l"/>
-                <a:tab pos="1163638" algn="l"/>
-              </a:tabLst>
-            </a:pPr>
-            <a:r>
-              <a:rPr lang="fr-FR" sz="2800" dirty="0" smtClean="0"/>
-              <a:t>Sauvegardé </a:t>
-            </a:r>
-            <a:r>
-              <a:rPr lang="fr-FR" sz="2800" dirty="0"/>
-              <a:t>un travail puis le </a:t>
-            </a:r>
-            <a:r>
-              <a:rPr lang="fr-FR" sz="2800" dirty="0" smtClean="0"/>
-              <a:t>reprendre</a:t>
-            </a:r>
-          </a:p>
-          <a:p>
-            <a:pPr marL="819150" lvl="1" indent="-7938">
-              <a:tabLst>
-                <a:tab pos="363538" algn="l"/>
-                <a:tab pos="811213" algn="l"/>
-                <a:tab pos="1163638" algn="l"/>
-              </a:tabLst>
-            </a:pPr>
-            <a:r>
-              <a:rPr lang="fr-FR" sz="2600" b="1" i="1" dirty="0"/>
-              <a:t>	git </a:t>
-            </a:r>
-            <a:r>
-              <a:rPr lang="fr-FR" sz="2600" b="1" i="1" dirty="0" err="1" smtClean="0"/>
-              <a:t>stash</a:t>
-            </a:r>
-            <a:endParaRPr lang="fr-FR" sz="2600" b="1" i="1" dirty="0" smtClean="0"/>
-          </a:p>
-          <a:p>
-            <a:pPr marL="962025" lvl="1" indent="-598488">
-              <a:buFont typeface="+mj-lt"/>
-              <a:buAutoNum type="arabicPeriod" startAt="20"/>
-              <a:tabLst>
-                <a:tab pos="363538" algn="l"/>
-                <a:tab pos="811213" algn="l"/>
-                <a:tab pos="1163638" algn="l"/>
-              </a:tabLst>
-            </a:pPr>
-            <a:r>
-              <a:rPr lang="fr-FR" sz="2800" dirty="0"/>
-              <a:t>Reprendre un travail qui à été suspendu</a:t>
-            </a:r>
-          </a:p>
-          <a:p>
-            <a:pPr marL="819150" lvl="1" indent="-7938">
-              <a:tabLst>
-                <a:tab pos="363538" algn="l"/>
-                <a:tab pos="811213" algn="l"/>
-                <a:tab pos="1163638" algn="l"/>
-              </a:tabLst>
-            </a:pPr>
-            <a:r>
-              <a:rPr lang="fr-FR" sz="2600" b="1" i="1" dirty="0" smtClean="0"/>
-              <a:t>git </a:t>
-            </a:r>
-            <a:r>
-              <a:rPr lang="fr-FR" sz="2600" b="1" i="1" dirty="0" err="1" smtClean="0"/>
-              <a:t>stash</a:t>
-            </a:r>
-            <a:r>
-              <a:rPr lang="fr-FR" sz="2600" b="1" i="1" dirty="0" smtClean="0"/>
-              <a:t> pop</a:t>
-            </a:r>
-          </a:p>
-          <a:p>
-            <a:pPr marL="962025" lvl="1" indent="-598488">
-              <a:lnSpc>
-                <a:spcPct val="100000"/>
-              </a:lnSpc>
-              <a:buFont typeface="+mj-lt"/>
-              <a:buAutoNum type="arabicPeriod" startAt="20"/>
-              <a:tabLst>
-                <a:tab pos="363538" algn="l"/>
-                <a:tab pos="811213" algn="l"/>
-                <a:tab pos="1163638" algn="l"/>
-              </a:tabLst>
-            </a:pPr>
-            <a:r>
-              <a:rPr lang="fr-FR" sz="2800" dirty="0"/>
-              <a:t>Supprimé un </a:t>
-            </a:r>
-            <a:r>
-              <a:rPr lang="fr-FR" sz="2800" dirty="0" err="1"/>
-              <a:t>stash</a:t>
-            </a:r>
-            <a:r>
-              <a:rPr lang="fr-FR" sz="2800" dirty="0"/>
-              <a:t> </a:t>
-            </a:r>
-          </a:p>
-          <a:p>
-            <a:pPr marL="819150" lvl="1" indent="-7938">
-              <a:tabLst>
-                <a:tab pos="363538" algn="l"/>
-                <a:tab pos="811213" algn="l"/>
-                <a:tab pos="1163638" algn="l"/>
-              </a:tabLst>
-            </a:pPr>
-            <a:r>
-              <a:rPr lang="fr-FR" sz="2600" b="1" i="1" dirty="0" smtClean="0"/>
-              <a:t>Git </a:t>
-            </a:r>
-            <a:r>
-              <a:rPr lang="fr-FR" sz="2600" b="1" i="1" dirty="0" err="1" smtClean="0"/>
-              <a:t>stash</a:t>
-            </a:r>
-            <a:r>
-              <a:rPr lang="fr-FR" sz="2600" b="1" i="1" dirty="0" smtClean="0"/>
-              <a:t> drop</a:t>
-            </a:r>
-          </a:p>
-        </p:txBody>
-      </p:sp>
-      <p:sp>
-        <p:nvSpPr>
-          <p:cNvPr id="4" name="Rectangle 2"/>
-          <p:cNvSpPr>
-            <a:spLocks noChangeArrowheads="1"/>
-          </p:cNvSpPr>
-          <p:nvPr/>
-        </p:nvSpPr>
-        <p:spPr bwMode="auto">
-          <a:xfrm>
-            <a:off x="0" y="0"/>
-            <a:ext cx="12192000" cy="457200"/>
+            <a:off x="327543" y="2129644"/>
+            <a:ext cx="10800644" cy="3439883"/>
           </a:xfrm>
           <a:prstGeom prst="rect">
             <a:avLst/>
           </a:prstGeom>
-          <a:noFill/>
-          <a:ln>
-            <a:noFill/>
-          </a:ln>
-          <a:effectLst/>
-          <a:extLst>
-            <a:ext uri="{909E8E84-426E-40DD-AFC4-6F175D3DCCD1}">
-              <a14:hiddenFill xmlns:a14="http://schemas.microsoft.com/office/drawing/2010/main">
-                <a:solidFill>
-                  <a:schemeClr val="accent1"/>
-                </a:solidFill>
-              </a14:hiddenFill>
-            </a:ext>
-            <a:ext uri="{91240B29-F687-4F45-9708-019B960494DF}">
-              <a14:hiddenLine xmlns:a14="http://schemas.microsoft.com/office/drawing/2010/main" w="9525">
-                <a:solidFill>
-                  <a:schemeClr val="tx1"/>
-                </a:solidFill>
-                <a:miter lim="800000"/>
-                <a:headEnd/>
-                <a:tailEnd/>
-              </a14:hiddenLine>
-            </a:ext>
-            <a:ext uri="{AF507438-7753-43E0-B8FC-AC1667EBCBE1}">
-              <a14:hiddenEffects xmlns:a14="http://schemas.microsoft.com/office/drawing/2010/main">
-                <a:effectLst>
-                  <a:outerShdw dist="35921" dir="2700000" algn="ctr" rotWithShape="0">
-                    <a:schemeClr val="bg2"/>
-                  </a:outerShdw>
-                </a:effectLst>
-              </a14:hiddenEffects>
-            </a:ext>
-          </a:extLst>
         </p:spPr>
-        <p:txBody>
-          <a:bodyPr vert="horz" wrap="none" lIns="91440" tIns="45720" rIns="91440" bIns="45720" numCol="1" anchor="ctr" anchorCtr="0" compatLnSpc="1">
-            <a:prstTxWarp prst="textNoShape">
-              <a:avLst/>
-            </a:prstTxWarp>
-            <a:spAutoFit/>
-          </a:bodyPr>
-          <a:lstStyle/>
-          <a:p>
-            <a:pPr marL="0" marR="0" lvl="0" indent="0" algn="l" defTabSz="914400" rtl="0" eaLnBrk="0" fontAlgn="base" latinLnBrk="0" hangingPunct="0">
-              <a:lnSpc>
-                <a:spcPct val="100000"/>
-              </a:lnSpc>
-              <a:spcBef>
-                <a:spcPct val="0"/>
-              </a:spcBef>
-              <a:spcAft>
-                <a:spcPct val="0"/>
-              </a:spcAft>
-              <a:buClrTx/>
-              <a:buSzTx/>
-              <a:buFontTx/>
-              <a:buNone/>
-              <a:tabLst/>
-            </a:pPr>
-            <a:endParaRPr kumimoji="0" lang="fr-FR" altLang="fr-FR" sz="1800" b="0" i="0" u="none" strike="noStrike" cap="none" normalizeH="0" baseline="0" smtClean="0">
-              <a:ln>
-                <a:noFill/>
-              </a:ln>
-              <a:solidFill>
-                <a:schemeClr val="tx1"/>
-              </a:solidFill>
-              <a:effectLst/>
-              <a:latin typeface="Arial" panose="020B0604020202020204" pitchFamily="34" charset="0"/>
-            </a:endParaRPr>
-          </a:p>
-        </p:txBody>
-      </p:sp>
+      </p:pic>
     </p:spTree>
     <p:extLst>
       <p:ext uri="{BB962C8B-B14F-4D97-AF65-F5344CB8AC3E}">
-        <p14:creationId xmlns:p14="http://schemas.microsoft.com/office/powerpoint/2010/main" val="3328790107"/>
+        <p14:creationId xmlns:p14="http://schemas.microsoft.com/office/powerpoint/2010/main" val="3306142910"/>
       </p:ext>
     </p:extLst>
   </p:cSld>
@@ -8543,6 +8277,10 @@
               <a:buFont typeface="+mj-lt"/>
               <a:buAutoNum type="arabicPeriod"/>
             </a:pPr>
+            <a:r>
+              <a:rPr lang="fr-FR" dirty="0" smtClean="0"/>
+              <a:t>Intégrations des changement</a:t>
+            </a:r>
             <a:endParaRPr lang="fr-FR" dirty="0"/>
           </a:p>
         </p:txBody>
@@ -8636,7 +8374,7 @@
           <a:p>
             <a:r>
               <a:rPr lang="fr-FR" dirty="0" smtClean="0"/>
-              <a:t>Index fichier qui représente le stagged area (sous forme d’un arbre)</a:t>
+              <a:t>Index fichier binaire qui représente le stagged area (sous forme d’un arbre)</a:t>
             </a:r>
           </a:p>
           <a:p>
@@ -8688,8 +8426,29 @@
             </a:pPr>
             <a:r>
               <a:rPr lang="fr-FR" dirty="0" smtClean="0"/>
-              <a:t>Mettre à jour le fichier HEAD à cette commit</a:t>
-            </a:r>
+              <a:t>Mettre à jour le fichier HEAD à cette </a:t>
+            </a:r>
+            <a:r>
+              <a:rPr lang="fr-FR" dirty="0" smtClean="0"/>
+              <a:t>commit (</a:t>
+            </a:r>
+            <a:r>
+              <a:rPr lang="fr-FR" dirty="0" err="1"/>
+              <a:t>detached</a:t>
+            </a:r>
+            <a:r>
+              <a:rPr lang="fr-FR" dirty="0"/>
+              <a:t> </a:t>
+            </a:r>
+            <a:r>
+              <a:rPr lang="fr-FR" dirty="0" err="1"/>
+              <a:t>head</a:t>
+            </a:r>
+            <a:r>
+              <a:rPr lang="fr-FR" dirty="0" smtClean="0"/>
+              <a:t>)</a:t>
+            </a:r>
+            <a:endParaRPr lang="fr-FR" dirty="0" smtClean="0"/>
           </a:p>
           <a:p>
             <a:pPr marL="514350" indent="-514350">
@@ -8776,8 +8535,8 @@
         </p:blipFill>
         <p:spPr>
           <a:xfrm>
-            <a:off x="3324225" y="1862137"/>
-            <a:ext cx="5543550" cy="3133725"/>
+            <a:off x="0" y="-148949"/>
+            <a:ext cx="4254901" cy="2405262"/>
           </a:xfrm>
           <a:prstGeom prst="rect">
             <a:avLst/>
@@ -8944,6 +8703,30 @@
           </a:p>
         </p:txBody>
       </p:sp>
+      <p:pic>
+        <p:nvPicPr>
+          <p:cNvPr id="26" name="Image 25"/>
+          <p:cNvPicPr>
+            <a:picLocks noChangeAspect="1"/>
+          </p:cNvPicPr>
+          <p:nvPr/>
+        </p:nvPicPr>
+        <p:blipFill>
+          <a:blip r:embed="rId3"/>
+          <a:stretch>
+            <a:fillRect/>
+          </a:stretch>
+        </p:blipFill>
+        <p:spPr>
+          <a:xfrm>
+            <a:off x="593148" y="3668795"/>
+            <a:ext cx="10177771" cy="1666875"/>
+          </a:xfrm>
+          <a:prstGeom prst="rect">
+            <a:avLst/>
+          </a:prstGeom>
+        </p:spPr>
+      </p:pic>
     </p:spTree>
     <p:extLst>
       <p:ext uri="{BB962C8B-B14F-4D97-AF65-F5344CB8AC3E}">
@@ -9217,8 +9000,8 @@
         </p:nvSpPr>
         <p:spPr>
           <a:xfrm>
-            <a:off x="321972" y="929640"/>
-            <a:ext cx="11548056" cy="5928359"/>
+            <a:off x="154379" y="890649"/>
+            <a:ext cx="12037621" cy="6192981"/>
           </a:xfrm>
         </p:spPr>
         <p:txBody>
@@ -9271,7 +9054,23 @@
             </a:pPr>
             <a:r>
               <a:rPr lang="fr-FR" dirty="0" smtClean="0"/>
-              <a:t> Répertoire Git ( Repository).</a:t>
+              <a:t>Répertoire de travail (</a:t>
+            </a:r>
+            <a:r>
+              <a:rPr lang="fr-FR" dirty="0" err="1" smtClean="0"/>
+              <a:t>Workspace</a:t>
+            </a:r>
+            <a:r>
+              <a:rPr lang="fr-FR" dirty="0" smtClean="0"/>
+              <a:t>, </a:t>
+            </a:r>
+            <a:r>
+              <a:rPr lang="fr-FR" dirty="0"/>
+              <a:t>w</a:t>
+            </a:r>
+            <a:r>
+              <a:rPr lang="fr-FR" dirty="0" smtClean="0"/>
+              <a:t>ork tree).</a:t>
             </a:r>
           </a:p>
           <a:p>
@@ -9285,11 +9084,19 @@
             </a:r>
             <a:r>
               <a:rPr lang="fr-FR" dirty="0"/>
-              <a:t>Répertoire</a:t>
+              <a:t>La zone de </a:t>
             </a:r>
             <a:r>
               <a:rPr lang="fr-FR" dirty="0" smtClean="0"/>
-              <a:t> de travail (Work Directory).</a:t>
+              <a:t>transit/d’index (</a:t>
+            </a:r>
+            <a:r>
+              <a:rPr lang="fr-FR" dirty="0" err="1" smtClean="0"/>
+              <a:t>stagged</a:t>
+            </a:r>
+            <a:r>
+              <a:rPr lang="fr-FR" dirty="0" smtClean="0"/>
+              <a:t> area )</a:t>
             </a:r>
           </a:p>
           <a:p>
@@ -9298,28 +9105,17 @@
               <a:buChar char="•"/>
             </a:pPr>
             <a:r>
-              <a:rPr lang="fr-FR" sz="2500" dirty="0" smtClean="0"/>
-              <a:t> </a:t>
-            </a:r>
-            <a:r>
               <a:rPr lang="fr-FR" dirty="0"/>
-              <a:t>La zone de </a:t>
+              <a:t>Répertoire Git ( </a:t>
+            </a:r>
+            <a:r>
+              <a:rPr lang="fr-FR" dirty="0" err="1"/>
+              <a:t>Repository</a:t>
             </a:r>
             <a:r>
               <a:rPr lang="fr-FR" dirty="0" smtClean="0"/>
-              <a:t>transit/d’index</a:t>
-            </a:r>
-          </a:p>
-          <a:p>
-            <a:pPr marL="342900" indent="17463" algn="l">
-              <a:buFont typeface="Arial" panose="020B0604020202020204" pitchFamily="34" charset="0"/>
-              <a:buChar char="•"/>
-            </a:pPr>
-            <a:r>
-              <a:rPr lang="fr-FR" dirty="0" smtClean="0"/>
-              <a:t>ignorer des fichier(.gitignore) </a:t>
-            </a:r>
-            <a:endParaRPr lang="fr-FR" dirty="0"/>
+              <a:t>).</a:t>
+            </a:r>
           </a:p>
           <a:p>
             <a:pPr marL="534988" indent="-534988" algn="l">
@@ -9425,11 +9221,6 @@
 <file path=ppt/slides/slide4.xml><?xml version="1.0" encoding="utf-8"?>
 <p:sld xmlns:a="http://schemas.openxmlformats.org/drawingml/2006/main" xmlns:r="http://schemas.openxmlformats.org/officeDocument/2006/relationships" xmlns:p="http://schemas.openxmlformats.org/presentationml/2006/main">
   <p:cSld>
-    <p:bg>
-      <p:bgRef idx="1001">
-        <a:schemeClr val="bg1"/>
-      </p:bgRef>
-    </p:bg>
     <p:spTree>
       <p:nvGrpSpPr>
         <p:cNvPr id="1" name=""/>
@@ -9456,8 +9247,8 @@
         </p:nvSpPr>
         <p:spPr>
           <a:xfrm>
-            <a:off x="3708803" y="61644"/>
-            <a:ext cx="4946672" cy="636998"/>
+            <a:off x="3712029" y="0"/>
+            <a:ext cx="5158839" cy="668028"/>
           </a:xfrm>
         </p:spPr>
         <p:txBody>
@@ -9469,122 +9260,46 @@
             <a:pPr algn="ctr"/>
             <a:r>
               <a:rPr lang="fr-FR" b="1" dirty="0" smtClean="0"/>
-              <a:t>Utilisation de </a:t>
-            </a:r>
-            <a:r>
-              <a:rPr lang="fr-FR" b="1" dirty="0" smtClean="0"/>
-              <a:t>Git</a:t>
+              <a:t>Architecture de Git</a:t>
             </a:r>
             <a:endParaRPr lang="fr-FR" b="1" dirty="0"/>
           </a:p>
         </p:txBody>
       </p:sp>
-      <p:sp>
-        <p:nvSpPr>
-          <p:cNvPr id="3" name="Espace réservé du contenu 2"/>
-          <p:cNvSpPr>
-            <a:spLocks noGrp="1"/>
-          </p:cNvSpPr>
-          <p:nvPr>
-            <p:ph idx="1"/>
-          </p:nvPr>
-        </p:nvSpPr>
+      <p:pic>
+        <p:nvPicPr>
+          <p:cNvPr id="3" name="Image 2"/>
+          <p:cNvPicPr>
+            <a:picLocks noChangeAspect="1"/>
+          </p:cNvPicPr>
+          <p:nvPr/>
+        </p:nvPicPr>
+        <p:blipFill>
+          <a:blip r:embed="rId2"/>
+          <a:stretch>
+            <a:fillRect/>
+          </a:stretch>
+        </p:blipFill>
         <p:spPr>
           <a:xfrm>
-            <a:off x="337930" y="748058"/>
-            <a:ext cx="11688418" cy="5970794"/>
+            <a:off x="2214562" y="57150"/>
+            <a:ext cx="7762875" cy="6743700"/>
           </a:xfrm>
+          <a:prstGeom prst="rect">
+            <a:avLst/>
+          </a:prstGeom>
         </p:spPr>
-        <p:txBody>
-          <a:bodyPr>
-            <a:normAutofit/>
-          </a:bodyPr>
-          <a:lstStyle/>
-          <a:p>
-            <a:pPr marL="571500" indent="-571500">
-              <a:buFont typeface="+mj-lt"/>
-              <a:buAutoNum type="romanUcPeriod" startAt="4"/>
-            </a:pPr>
-            <a:r>
-              <a:rPr lang="fr-FR" b="1" dirty="0"/>
-              <a:t>Utilisation</a:t>
-            </a:r>
-            <a:endParaRPr lang="fr-FR" b="1" dirty="0" smtClean="0"/>
-          </a:p>
-          <a:p>
-            <a:r>
-              <a:rPr lang="fr-FR" b="1" dirty="0" smtClean="0"/>
-              <a:t>Entrepôt </a:t>
-            </a:r>
-            <a:r>
-              <a:rPr lang="fr-FR" b="1" dirty="0"/>
-              <a:t>(repository</a:t>
-            </a:r>
-            <a:r>
-              <a:rPr lang="fr-FR" b="1" dirty="0" smtClean="0"/>
-              <a:t>): </a:t>
-            </a:r>
-            <a:r>
-              <a:rPr lang="fr-FR" dirty="0" smtClean="0"/>
-              <a:t>est une base de données de changements.il contient toutes les versions (snapshot) du code. Est </a:t>
-            </a:r>
-            <a:r>
-              <a:rPr lang="fr-FR" dirty="0"/>
-              <a:t>le cœur de CSV, est une place centrale ou le programmeur stockent son code.au delà de stockage le repo stockent l’historique. le repo jour le rôle de serveur on accède avec le réseau et l’outil de contrôle de version est un client</a:t>
-            </a:r>
-            <a:r>
-              <a:rPr lang="fr-FR" dirty="0" smtClean="0"/>
-              <a:t>.</a:t>
-            </a:r>
-          </a:p>
-          <a:p>
-            <a:r>
-              <a:rPr lang="fr-FR" b="1" dirty="0"/>
-              <a:t>Copie du travail: </a:t>
-            </a:r>
-            <a:r>
-              <a:rPr lang="fr-FR" dirty="0" smtClean="0"/>
-              <a:t>est une copie personnel de tout les fichiers du projet. on peut modifier sans affecté le travail des autres. À la fin des changement on peut faire les commits.</a:t>
-            </a:r>
-          </a:p>
-          <a:p>
-            <a:r>
-              <a:rPr lang="fr-FR" b="1" dirty="0"/>
-              <a:t>Conflits</a:t>
-            </a:r>
-            <a:r>
-              <a:rPr lang="fr-FR" dirty="0" smtClean="0"/>
-              <a:t>: il intègre le travail qui à été  fait simultanément par différents développeur. dans des cas rare des conflits  </a:t>
-            </a:r>
-            <a:r>
-              <a:rPr lang="fr-FR" dirty="0" err="1" smtClean="0"/>
-              <a:t>d’edition</a:t>
-            </a:r>
-            <a:r>
-              <a:rPr lang="fr-FR" dirty="0" smtClean="0"/>
-              <a:t> survient par deux personnes dans une même ligne de même fichier, une assistance humain est demandé par ce SCV  pour réglé le conflit 	 </a:t>
-            </a:r>
-            <a:endParaRPr lang="fr-FR" dirty="0"/>
-          </a:p>
-        </p:txBody>
-      </p:sp>
+      </p:pic>
     </p:spTree>
     <p:extLst>
       <p:ext uri="{BB962C8B-B14F-4D97-AF65-F5344CB8AC3E}">
-        <p14:creationId xmlns:p14="http://schemas.microsoft.com/office/powerpoint/2010/main" val="1358796945"/>
+        <p14:creationId xmlns:p14="http://schemas.microsoft.com/office/powerpoint/2010/main" val="3816600838"/>
       </p:ext>
     </p:extLst>
   </p:cSld>
   <p:clrMapOvr>
-    <a:overrideClrMapping bg1="lt1" tx1="dk1" bg2="lt2" tx2="dk2" accent1="accent1" accent2="accent2" accent3="accent3" accent4="accent4" accent5="accent5" accent6="accent6" hlink="hlink" folHlink="folHlink"/>
+    <a:masterClrMapping/>
   </p:clrMapOvr>
-  <p:timing>
-    <p:tnLst>
-      <p:par>
-        <p:cTn id="1" dur="indefinite" restart="never" nodeType="tmRoot"/>
-      </p:par>
-    </p:tnLst>
-  </p:timing>
 </p:sld>
 </file>
 
@@ -9617,91 +9332,6 @@
         </p:nvSpPr>
         <p:spPr>
           <a:xfrm>
-            <a:off x="3712029" y="0"/>
-            <a:ext cx="5158839" cy="668028"/>
-          </a:xfrm>
-        </p:spPr>
-        <p:txBody>
-          <a:bodyPr>
-            <a:normAutofit fontScale="90000"/>
-          </a:bodyPr>
-          <a:lstStyle/>
-          <a:p>
-            <a:pPr algn="ctr"/>
-            <a:r>
-              <a:rPr lang="fr-FR" b="1" dirty="0" smtClean="0"/>
-              <a:t>Architecture de Git</a:t>
-            </a:r>
-            <a:endParaRPr lang="fr-FR" b="1" dirty="0"/>
-          </a:p>
-        </p:txBody>
-      </p:sp>
-      <p:pic>
-        <p:nvPicPr>
-          <p:cNvPr id="4" name="Image 3"/>
-          <p:cNvPicPr>
-            <a:picLocks noChangeAspect="1"/>
-          </p:cNvPicPr>
-          <p:nvPr/>
-        </p:nvPicPr>
-        <p:blipFill>
-          <a:blip r:embed="rId2"/>
-          <a:stretch>
-            <a:fillRect/>
-          </a:stretch>
-        </p:blipFill>
-        <p:spPr>
-          <a:xfrm>
-            <a:off x="451262" y="1338262"/>
-            <a:ext cx="11139055" cy="5026912"/>
-          </a:xfrm>
-          <a:prstGeom prst="rect">
-            <a:avLst/>
-          </a:prstGeom>
-        </p:spPr>
-      </p:pic>
-    </p:spTree>
-    <p:extLst>
-      <p:ext uri="{BB962C8B-B14F-4D97-AF65-F5344CB8AC3E}">
-        <p14:creationId xmlns:p14="http://schemas.microsoft.com/office/powerpoint/2010/main" val="3816600838"/>
-      </p:ext>
-    </p:extLst>
-  </p:cSld>
-  <p:clrMapOvr>
-    <a:masterClrMapping/>
-  </p:clrMapOvr>
-</p:sld>
-</file>
-
-<file path=ppt/slides/slide6.xml><?xml version="1.0" encoding="utf-8"?>
-<p:sld xmlns:a="http://schemas.openxmlformats.org/drawingml/2006/main" xmlns:r="http://schemas.openxmlformats.org/officeDocument/2006/relationships" xmlns:p="http://schemas.openxmlformats.org/presentationml/2006/main">
-  <p:cSld>
-    <p:spTree>
-      <p:nvGrpSpPr>
-        <p:cNvPr id="1" name=""/>
-        <p:cNvGrpSpPr/>
-        <p:nvPr/>
-      </p:nvGrpSpPr>
-      <p:grpSpPr>
-        <a:xfrm>
-          <a:off x="0" y="0"/>
-          <a:ext cx="0" cy="0"/>
-          <a:chOff x="0" y="0"/>
-          <a:chExt cx="0" cy="0"/>
-        </a:xfrm>
-      </p:grpSpPr>
-      <p:sp>
-        <p:nvSpPr>
-          <p:cNvPr id="2" name="Titre 1"/>
-          <p:cNvSpPr>
-            <a:spLocks noGrp="1"/>
-          </p:cNvSpPr>
-          <p:nvPr>
-            <p:ph type="title"/>
-          </p:nvPr>
-        </p:nvSpPr>
-        <p:spPr>
-          <a:xfrm>
             <a:off x="3542444" y="0"/>
             <a:ext cx="5147352" cy="729465"/>
           </a:xfrm>
@@ -9763,7 +9393,6 @@
               <a:rPr lang="fr-FR" dirty="0" smtClean="0"/>
               <a:t>)</a:t>
             </a:r>
-            <a:endParaRPr lang="fr-FR" dirty="0" smtClean="0"/>
           </a:p>
           <a:p>
             <a:r>
@@ -9810,462 +9439,7 @@
 </p:sld>
 </file>
 
-<file path=ppt/slides/slide7.xml><?xml version="1.0" encoding="utf-8"?>
-<p:sld xmlns:a="http://schemas.openxmlformats.org/drawingml/2006/main" xmlns:r="http://schemas.openxmlformats.org/officeDocument/2006/relationships" xmlns:p="http://schemas.openxmlformats.org/presentationml/2006/main">
-  <p:cSld>
-    <p:spTree>
-      <p:nvGrpSpPr>
-        <p:cNvPr id="1" name=""/>
-        <p:cNvGrpSpPr/>
-        <p:nvPr/>
-      </p:nvGrpSpPr>
-      <p:grpSpPr>
-        <a:xfrm>
-          <a:off x="0" y="0"/>
-          <a:ext cx="0" cy="0"/>
-          <a:chOff x="0" y="0"/>
-          <a:chExt cx="0" cy="0"/>
-        </a:xfrm>
-      </p:grpSpPr>
-      <p:sp>
-        <p:nvSpPr>
-          <p:cNvPr id="2" name="Titre 1"/>
-          <p:cNvSpPr>
-            <a:spLocks noGrp="1"/>
-          </p:cNvSpPr>
-          <p:nvPr>
-            <p:ph type="title"/>
-          </p:nvPr>
-        </p:nvSpPr>
-        <p:spPr>
-          <a:xfrm>
-            <a:off x="4904509" y="0"/>
-            <a:ext cx="2382982" cy="850611"/>
-          </a:xfrm>
-        </p:spPr>
-        <p:txBody>
-          <a:bodyPr>
-            <a:normAutofit/>
-          </a:bodyPr>
-          <a:lstStyle/>
-          <a:p>
-            <a:pPr algn="ctr"/>
-            <a:r>
-              <a:rPr lang="fr-FR" b="1" dirty="0"/>
-              <a:t>Branches</a:t>
-            </a:r>
-          </a:p>
-        </p:txBody>
-      </p:sp>
-      <p:sp>
-        <p:nvSpPr>
-          <p:cNvPr id="3" name="Espace réservé du contenu 2"/>
-          <p:cNvSpPr>
-            <a:spLocks noGrp="1"/>
-          </p:cNvSpPr>
-          <p:nvPr>
-            <p:ph idx="1"/>
-          </p:nvPr>
-        </p:nvSpPr>
-        <p:spPr>
-          <a:xfrm>
-            <a:off x="178130" y="850611"/>
-            <a:ext cx="12013870" cy="6007389"/>
-          </a:xfrm>
-        </p:spPr>
-        <p:txBody>
-          <a:bodyPr/>
-          <a:lstStyle/>
-          <a:p>
-            <a:pPr marL="571500" indent="-571500">
-              <a:buFont typeface="+mj-lt"/>
-              <a:buAutoNum type="romanUcPeriod" startAt="7"/>
-            </a:pPr>
-            <a:r>
-              <a:rPr lang="fr-FR" b="1" dirty="0" smtClean="0"/>
-              <a:t>Branches:</a:t>
-            </a:r>
-            <a:endParaRPr lang="fr-FR" b="1" dirty="0"/>
-          </a:p>
-          <a:p>
-            <a:pPr marL="0" indent="0">
-              <a:buNone/>
-            </a:pPr>
-            <a:r>
-              <a:rPr lang="fr-FR" dirty="0" smtClean="0"/>
-              <a:t>	Une autre versions de projet, une ligne de vie indépendante. Ici la notion distribués et met en valeur.(il </a:t>
-            </a:r>
-            <a:r>
-              <a:rPr lang="fr-FR" dirty="0" smtClean="0"/>
-              <a:t>existe </a:t>
-            </a:r>
-            <a:r>
-              <a:rPr lang="fr-FR" dirty="0" smtClean="0"/>
-              <a:t>plusieurs stratégie)</a:t>
-            </a:r>
-          </a:p>
-          <a:p>
-            <a:pPr marL="571500" indent="-571500">
-              <a:buFont typeface="+mj-lt"/>
-              <a:buAutoNum type="romanUcPeriod" startAt="8"/>
-            </a:pPr>
-            <a:r>
-              <a:rPr lang="fr-FR" b="1" dirty="0"/>
-              <a:t>Avantages</a:t>
-            </a:r>
-            <a:r>
-              <a:rPr lang="fr-FR" dirty="0" smtClean="0"/>
-              <a:t>: </a:t>
-            </a:r>
-          </a:p>
-          <a:p>
-            <a:pPr marL="514350" indent="-244475">
-              <a:buFont typeface="+mj-lt"/>
-              <a:buAutoNum type="arabicPeriod"/>
-            </a:pPr>
-            <a:r>
-              <a:rPr lang="fr-FR" dirty="0" smtClean="0"/>
-              <a:t>Lancer d’autre version on ayant toujours une </a:t>
-            </a:r>
-            <a:r>
-              <a:rPr lang="fr-FR" dirty="0"/>
-              <a:t>v</a:t>
-            </a:r>
-            <a:r>
-              <a:rPr lang="fr-FR" dirty="0" smtClean="0"/>
-              <a:t>ersion stable.</a:t>
-            </a:r>
-          </a:p>
-          <a:p>
-            <a:pPr marL="514350" indent="-244475">
-              <a:buFont typeface="+mj-lt"/>
-              <a:buAutoNum type="arabicPeriod"/>
-            </a:pPr>
-            <a:r>
-              <a:rPr lang="fr-FR" dirty="0" smtClean="0"/>
-              <a:t>Tester d’autre implémentions d’une fonctionnalité existante</a:t>
-            </a:r>
-          </a:p>
-          <a:p>
-            <a:pPr marL="514350" indent="-244475">
-              <a:buFont typeface="+mj-lt"/>
-              <a:buAutoNum type="arabicPeriod"/>
-            </a:pPr>
-            <a:r>
-              <a:rPr lang="fr-FR" dirty="0" smtClean="0"/>
-              <a:t>Possibilité de travailler en Independence et push les changement sans affecté les collègues</a:t>
-            </a:r>
-          </a:p>
-          <a:p>
-            <a:pPr marL="514350" indent="-244475">
-              <a:buFont typeface="+mj-lt"/>
-              <a:buAutoNum type="arabicPeriod"/>
-            </a:pPr>
-            <a:r>
-              <a:rPr lang="fr-FR" dirty="0" smtClean="0"/>
-              <a:t>Possibilité de marger le code des collèges avec notre  changement et de résoudre rapidement les conflits</a:t>
-            </a:r>
-          </a:p>
-          <a:p>
-            <a:pPr marL="514350" indent="-244475">
-              <a:buFont typeface="+mj-lt"/>
-              <a:buAutoNum type="arabicPeriod"/>
-            </a:pPr>
-            <a:r>
-              <a:rPr lang="fr-FR" dirty="0" smtClean="0"/>
-              <a:t>Assuré que les normes de codage sont maintenue, et facilite la collaboration quelque soit la taille	 de l’équipe  </a:t>
-            </a:r>
-            <a:endParaRPr lang="fr-FR" dirty="0"/>
-          </a:p>
-        </p:txBody>
-      </p:sp>
-      <p:sp>
-        <p:nvSpPr>
-          <p:cNvPr id="4" name="Rectangle 3"/>
-          <p:cNvSpPr/>
-          <p:nvPr/>
-        </p:nvSpPr>
-        <p:spPr>
-          <a:xfrm>
-            <a:off x="4787148" y="3244334"/>
-            <a:ext cx="1009892" cy="369332"/>
-          </a:xfrm>
-          <a:prstGeom prst="rect">
-            <a:avLst/>
-          </a:prstGeom>
-        </p:spPr>
-        <p:txBody>
-          <a:bodyPr wrap="none">
-            <a:spAutoFit/>
-          </a:bodyPr>
-          <a:lstStyle/>
-          <a:p>
-            <a:pPr marL="1160462" lvl="1" indent="-342900"/>
-            <a:endParaRPr lang="fr-FR" b="1" i="1" dirty="0"/>
-          </a:p>
-        </p:txBody>
-      </p:sp>
-    </p:spTree>
-    <p:extLst>
-      <p:ext uri="{BB962C8B-B14F-4D97-AF65-F5344CB8AC3E}">
-        <p14:creationId xmlns:p14="http://schemas.microsoft.com/office/powerpoint/2010/main" val="2865287282"/>
-      </p:ext>
-    </p:extLst>
-  </p:cSld>
-  <p:clrMapOvr>
-    <a:masterClrMapping/>
-  </p:clrMapOvr>
-  <p:timing>
-    <p:tnLst>
-      <p:par>
-        <p:cTn id="1" dur="indefinite" restart="never" nodeType="tmRoot"/>
-      </p:par>
-    </p:tnLst>
-  </p:timing>
-</p:sld>
-</file>
-
-<file path=ppt/slides/slide8.xml><?xml version="1.0" encoding="utf-8"?>
-<p:sld xmlns:a="http://schemas.openxmlformats.org/drawingml/2006/main" xmlns:r="http://schemas.openxmlformats.org/officeDocument/2006/relationships" xmlns:p="http://schemas.openxmlformats.org/presentationml/2006/main">
-  <p:cSld>
-    <p:spTree>
-      <p:nvGrpSpPr>
-        <p:cNvPr id="1" name=""/>
-        <p:cNvGrpSpPr/>
-        <p:nvPr/>
-      </p:nvGrpSpPr>
-      <p:grpSpPr>
-        <a:xfrm>
-          <a:off x="0" y="0"/>
-          <a:ext cx="0" cy="0"/>
-          <a:chOff x="0" y="0"/>
-          <a:chExt cx="0" cy="0"/>
-        </a:xfrm>
-      </p:grpSpPr>
-      <p:sp>
-        <p:nvSpPr>
-          <p:cNvPr id="5" name="Rectangle 1"/>
-          <p:cNvSpPr>
-            <a:spLocks noChangeArrowheads="1"/>
-          </p:cNvSpPr>
-          <p:nvPr/>
-        </p:nvSpPr>
-        <p:spPr bwMode="auto">
-          <a:xfrm>
-            <a:off x="0" y="43934"/>
-            <a:ext cx="184731" cy="369332"/>
-          </a:xfrm>
-          <a:prstGeom prst="rect">
-            <a:avLst/>
-          </a:prstGeom>
-          <a:solidFill>
-            <a:srgbClr val="292D3E"/>
-          </a:solidFill>
-          <a:ln>
-            <a:noFill/>
-          </a:ln>
-          <a:effectLst/>
-          <a:extLst>
-            <a:ext uri="{91240B29-F687-4F45-9708-019B960494DF}">
-              <a14:hiddenLine xmlns:a14="http://schemas.microsoft.com/office/drawing/2010/main" w="9525">
-                <a:solidFill>
-                  <a:schemeClr val="tx1"/>
-                </a:solidFill>
-                <a:miter lim="800000"/>
-                <a:headEnd/>
-                <a:tailEnd/>
-              </a14:hiddenLine>
-            </a:ext>
-            <a:ext uri="{AF507438-7753-43E0-B8FC-AC1667EBCBE1}">
-              <a14:hiddenEffects xmlns:a14="http://schemas.microsoft.com/office/drawing/2010/main">
-                <a:effectLst>
-                  <a:outerShdw dist="35921" dir="2700000" algn="ctr" rotWithShape="0">
-                    <a:schemeClr val="bg2"/>
-                  </a:outerShdw>
-                </a:effectLst>
-              </a14:hiddenEffects>
-            </a:ext>
-          </a:extLst>
-        </p:spPr>
-        <p:txBody>
-          <a:bodyPr vert="horz" wrap="none" lIns="91440" tIns="45720" rIns="91440" bIns="45720" numCol="1" anchor="ctr" anchorCtr="0" compatLnSpc="1">
-            <a:prstTxWarp prst="textNoShape">
-              <a:avLst/>
-            </a:prstTxWarp>
-            <a:spAutoFit/>
-          </a:bodyPr>
-          <a:lstStyle/>
-          <a:p>
-            <a:pPr marL="0" marR="0" lvl="0" indent="0" algn="l" defTabSz="914400" rtl="0" eaLnBrk="0" fontAlgn="base" latinLnBrk="0" hangingPunct="0">
-              <a:lnSpc>
-                <a:spcPct val="100000"/>
-              </a:lnSpc>
-              <a:spcBef>
-                <a:spcPct val="0"/>
-              </a:spcBef>
-              <a:spcAft>
-                <a:spcPct val="0"/>
-              </a:spcAft>
-              <a:buClrTx/>
-              <a:buSzTx/>
-              <a:buFontTx/>
-              <a:buNone/>
-              <a:tabLst/>
-            </a:pPr>
-            <a:endParaRPr kumimoji="0" lang="fr-FR" altLang="fr-FR" sz="1800" b="0" i="0" u="none" strike="noStrike" cap="none" normalizeH="0" baseline="0" dirty="0" smtClean="0">
-              <a:ln>
-                <a:noFill/>
-              </a:ln>
-              <a:solidFill>
-                <a:schemeClr val="tx1"/>
-              </a:solidFill>
-              <a:effectLst/>
-              <a:latin typeface="Arial" panose="020B0604020202020204" pitchFamily="34" charset="0"/>
-            </a:endParaRPr>
-          </a:p>
-        </p:txBody>
-      </p:sp>
-      <p:pic>
-        <p:nvPicPr>
-          <p:cNvPr id="6" name="Image 5"/>
-          <p:cNvPicPr>
-            <a:picLocks noChangeAspect="1"/>
-          </p:cNvPicPr>
-          <p:nvPr/>
-        </p:nvPicPr>
-        <p:blipFill>
-          <a:blip r:embed="rId3"/>
-          <a:stretch>
-            <a:fillRect/>
-          </a:stretch>
-        </p:blipFill>
-        <p:spPr>
-          <a:xfrm>
-            <a:off x="908426" y="4170195"/>
-            <a:ext cx="10195003" cy="2687805"/>
-          </a:xfrm>
-          <a:prstGeom prst="rect">
-            <a:avLst/>
-          </a:prstGeom>
-        </p:spPr>
-      </p:pic>
-      <p:sp>
-        <p:nvSpPr>
-          <p:cNvPr id="7" name="ZoneTexte 6"/>
-          <p:cNvSpPr txBox="1"/>
-          <p:nvPr/>
-        </p:nvSpPr>
-        <p:spPr>
-          <a:xfrm>
-            <a:off x="184731" y="1105004"/>
-            <a:ext cx="12007269" cy="2677656"/>
-          </a:xfrm>
-          <a:prstGeom prst="rect">
-            <a:avLst/>
-          </a:prstGeom>
-          <a:noFill/>
-        </p:spPr>
-        <p:txBody>
-          <a:bodyPr wrap="square" rtlCol="0">
-            <a:spAutoFit/>
-          </a:bodyPr>
-          <a:lstStyle/>
-          <a:p>
-            <a:r>
-              <a:rPr lang="fr-FR" sz="2800" dirty="0"/>
-              <a:t>Il y’à plusieurs </a:t>
-            </a:r>
-            <a:r>
-              <a:rPr lang="fr-FR" sz="2800" dirty="0" smtClean="0"/>
-              <a:t>stratégie de workflow de branche on peut choisir une parmi elle ou bien crées  un workflow de branch personnalisé</a:t>
-            </a:r>
-          </a:p>
-          <a:p>
-            <a:pPr marL="514350" indent="-514350">
-              <a:buFont typeface="+mj-lt"/>
-              <a:buAutoNum type="arabicPeriod"/>
-            </a:pPr>
-            <a:r>
-              <a:rPr lang="fr-FR" sz="2800" dirty="0" smtClean="0"/>
-              <a:t>stratégie de branch « </a:t>
-            </a:r>
-            <a:r>
-              <a:rPr lang="fr-FR" sz="2800" dirty="0" err="1" smtClean="0"/>
-              <a:t>devlop</a:t>
-            </a:r>
-            <a:r>
-              <a:rPr lang="fr-FR" sz="2800" dirty="0" smtClean="0"/>
-              <a:t> »</a:t>
-            </a:r>
-          </a:p>
-          <a:p>
-            <a:pPr marL="514350" indent="-514350">
-              <a:buFont typeface="+mj-lt"/>
-              <a:buAutoNum type="arabicPeriod"/>
-            </a:pPr>
-            <a:r>
-              <a:rPr lang="fr-FR" sz="2800" dirty="0"/>
-              <a:t>stratégie de branch </a:t>
-            </a:r>
-            <a:r>
-              <a:rPr lang="fr-FR" sz="2800" dirty="0" smtClean="0"/>
-              <a:t>par fonctionnalité</a:t>
-            </a:r>
-            <a:r>
-              <a:rPr lang="fr-FR" sz="2800" dirty="0"/>
-              <a:t> </a:t>
-            </a:r>
-            <a:r>
-              <a:rPr lang="fr-FR" sz="2800" dirty="0" smtClean="0"/>
-              <a:t>(branch master +branch par fonctionnalité).</a:t>
-            </a:r>
-          </a:p>
-          <a:p>
-            <a:pPr marL="514350" indent="-514350">
-              <a:buFont typeface="+mj-lt"/>
-              <a:buAutoNum type="arabicPeriod"/>
-            </a:pPr>
-            <a:r>
-              <a:rPr lang="en-US" sz="2800" dirty="0"/>
-              <a:t> </a:t>
-            </a:r>
-            <a:r>
-              <a:rPr lang="fr-FR" sz="2800" dirty="0"/>
-              <a:t> stratégie de branch </a:t>
-            </a:r>
-            <a:r>
-              <a:rPr lang="fr-FR" sz="2800" dirty="0" err="1" smtClean="0"/>
-              <a:t>GitFlow</a:t>
-            </a:r>
-            <a:r>
-              <a:rPr lang="fr-FR" sz="2800" dirty="0" smtClean="0"/>
-              <a:t> (non adapté pour les petit projet)</a:t>
-            </a:r>
-            <a:endParaRPr lang="fr-FR" sz="2800" dirty="0"/>
-          </a:p>
-        </p:txBody>
-      </p:sp>
-    </p:spTree>
-    <p:extLst>
-      <p:ext uri="{BB962C8B-B14F-4D97-AF65-F5344CB8AC3E}">
-        <p14:creationId xmlns:p14="http://schemas.microsoft.com/office/powerpoint/2010/main" val="2234959639"/>
-      </p:ext>
-    </p:extLst>
-  </p:cSld>
-  <p:clrMapOvr>
-    <a:masterClrMapping/>
-  </p:clrMapOvr>
-  <p:timing>
-    <p:tnLst>
-      <p:par>
-        <p:cTn id="1" dur="indefinite" restart="never" nodeType="tmRoot"/>
-      </p:par>
-    </p:tnLst>
-  </p:timing>
-</p:sld>
-</file>
-
-<file path=ppt/slides/slide9.xml><?xml version="1.0" encoding="utf-8"?>
+<file path=ppt/slides/slide6.xml><?xml version="1.0" encoding="utf-8"?>
 <p:sld xmlns:a="http://schemas.openxmlformats.org/drawingml/2006/main" xmlns:r="http://schemas.openxmlformats.org/officeDocument/2006/relationships" xmlns:p="http://schemas.openxmlformats.org/presentationml/2006/main">
   <p:cSld>
     <p:spTree>
@@ -10661,6 +9835,1297 @@
     <p:extLst>
       <p:ext uri="{BB962C8B-B14F-4D97-AF65-F5344CB8AC3E}">
         <p14:creationId xmlns:p14="http://schemas.microsoft.com/office/powerpoint/2010/main" val="3377039439"/>
+      </p:ext>
+    </p:extLst>
+  </p:cSld>
+  <p:clrMapOvr>
+    <a:masterClrMapping/>
+  </p:clrMapOvr>
+  <p:timing>
+    <p:tnLst>
+      <p:par>
+        <p:cTn id="1" dur="indefinite" restart="never" nodeType="tmRoot"/>
+      </p:par>
+    </p:tnLst>
+  </p:timing>
+</p:sld>
+</file>
+
+<file path=ppt/slides/slide7.xml><?xml version="1.0" encoding="utf-8"?>
+<p:sld xmlns:a="http://schemas.openxmlformats.org/drawingml/2006/main" xmlns:r="http://schemas.openxmlformats.org/officeDocument/2006/relationships" xmlns:p="http://schemas.openxmlformats.org/presentationml/2006/main">
+  <p:cSld>
+    <p:spTree>
+      <p:nvGrpSpPr>
+        <p:cNvPr id="1" name=""/>
+        <p:cNvGrpSpPr/>
+        <p:nvPr/>
+      </p:nvGrpSpPr>
+      <p:grpSpPr>
+        <a:xfrm>
+          <a:off x="0" y="0"/>
+          <a:ext cx="0" cy="0"/>
+          <a:chOff x="0" y="0"/>
+          <a:chExt cx="0" cy="0"/>
+        </a:xfrm>
+      </p:grpSpPr>
+      <p:sp>
+        <p:nvSpPr>
+          <p:cNvPr id="4" name="Titre 1"/>
+          <p:cNvSpPr txBox="1">
+            <a:spLocks/>
+          </p:cNvSpPr>
+          <p:nvPr/>
+        </p:nvSpPr>
+        <p:spPr>
+          <a:xfrm>
+            <a:off x="838200" y="59272"/>
+            <a:ext cx="10515600" cy="795855"/>
+          </a:xfrm>
+          <a:prstGeom prst="rect">
+            <a:avLst/>
+          </a:prstGeom>
+        </p:spPr>
+        <p:txBody>
+          <a:bodyPr vert="horz" lIns="91440" tIns="45720" rIns="91440" bIns="45720" rtlCol="0" anchor="ctr">
+            <a:normAutofit/>
+          </a:bodyPr>
+          <a:lstStyle>
+            <a:lvl1pPr algn="l" defTabSz="914400" rtl="0" eaLnBrk="1" latinLnBrk="0" hangingPunct="1">
+              <a:lnSpc>
+                <a:spcPct val="90000"/>
+              </a:lnSpc>
+              <a:spcBef>
+                <a:spcPct val="0"/>
+              </a:spcBef>
+              <a:buNone/>
+              <a:defRPr sz="4400" kern="1200">
+                <a:solidFill>
+                  <a:schemeClr val="tx1"/>
+                </a:solidFill>
+                <a:latin typeface="+mj-lt"/>
+                <a:ea typeface="+mj-ea"/>
+                <a:cs typeface="+mj-cs"/>
+              </a:defRPr>
+            </a:lvl1pPr>
+          </a:lstStyle>
+          <a:p>
+            <a:pPr algn="ctr"/>
+            <a:r>
+              <a:rPr lang="fr-FR" b="1" smtClean="0"/>
+              <a:t>Les commandes de base (Suite)</a:t>
+            </a:r>
+            <a:endParaRPr lang="fr-FR" b="1" dirty="0"/>
+          </a:p>
+        </p:txBody>
+      </p:sp>
+      <p:sp>
+        <p:nvSpPr>
+          <p:cNvPr id="6" name="Espace réservé du contenu 2"/>
+          <p:cNvSpPr>
+            <a:spLocks noGrp="1"/>
+          </p:cNvSpPr>
+          <p:nvPr>
+            <p:ph idx="1"/>
+          </p:nvPr>
+        </p:nvSpPr>
+        <p:spPr>
+          <a:xfrm>
+            <a:off x="164620" y="1045133"/>
+            <a:ext cx="11928768" cy="5687361"/>
+          </a:xfrm>
+        </p:spPr>
+        <p:txBody>
+          <a:bodyPr>
+            <a:normAutofit/>
+          </a:bodyPr>
+          <a:lstStyle/>
+          <a:p>
+            <a:pPr marL="876300" lvl="1" indent="-514350">
+              <a:buFont typeface="+mj-lt"/>
+              <a:buAutoNum type="arabicPeriod" startAt="7"/>
+            </a:pPr>
+            <a:r>
+              <a:rPr lang="fr-FR" sz="2800" dirty="0" smtClean="0"/>
+              <a:t>Indexé </a:t>
+            </a:r>
+            <a:r>
+              <a:rPr lang="fr-FR" sz="2800" dirty="0"/>
+              <a:t>l’ajout ou la modification d’un fichier:</a:t>
+            </a:r>
+          </a:p>
+          <a:p>
+            <a:pPr marL="1160462" lvl="1" indent="-342900"/>
+            <a:r>
+              <a:rPr lang="fr-FR" b="1" i="1" dirty="0"/>
+              <a:t>git </a:t>
+            </a:r>
+            <a:r>
+              <a:rPr lang="fr-FR" b="1" i="1" dirty="0" err="1"/>
+              <a:t>add</a:t>
+            </a:r>
+            <a:r>
+              <a:rPr lang="fr-FR" b="1" i="1" dirty="0"/>
+              <a:t> « fichier », git </a:t>
+            </a:r>
+            <a:r>
+              <a:rPr lang="fr-FR" b="1" i="1" dirty="0" err="1"/>
+              <a:t>add</a:t>
+            </a:r>
+            <a:r>
+              <a:rPr lang="fr-FR" b="1" i="1" dirty="0"/>
+              <a:t> .,  git </a:t>
+            </a:r>
+            <a:r>
+              <a:rPr lang="fr-FR" b="1" i="1" dirty="0" err="1"/>
+              <a:t>add</a:t>
+            </a:r>
+            <a:r>
+              <a:rPr lang="fr-FR" b="1" i="1" dirty="0"/>
+              <a:t>  « *.</a:t>
+            </a:r>
+            <a:r>
+              <a:rPr lang="fr-FR" b="1" i="1" dirty="0" err="1"/>
+              <a:t>ext</a:t>
+            </a:r>
+            <a:r>
+              <a:rPr lang="fr-FR" b="1" i="1" dirty="0"/>
+              <a:t> </a:t>
+            </a:r>
+            <a:r>
+              <a:rPr lang="fr-FR" b="1" i="1" dirty="0" smtClean="0"/>
+              <a:t>», git </a:t>
+            </a:r>
+            <a:r>
+              <a:rPr lang="fr-FR" b="1" i="1" dirty="0" err="1" smtClean="0"/>
+              <a:t>add</a:t>
+            </a:r>
+            <a:r>
+              <a:rPr lang="fr-FR" b="1" i="1" dirty="0" smtClean="0"/>
+              <a:t> –p</a:t>
+            </a:r>
+          </a:p>
+          <a:p>
+            <a:pPr marL="1160462" lvl="1" indent="-342900"/>
+            <a:endParaRPr lang="fr-FR" b="1" i="1" dirty="0"/>
+          </a:p>
+          <a:p>
+            <a:pPr marL="877887" lvl="1" indent="-514350">
+              <a:buFont typeface="+mj-lt"/>
+              <a:buAutoNum type="arabicPeriod" startAt="7"/>
+            </a:pPr>
+            <a:r>
+              <a:rPr lang="fr-FR" dirty="0" smtClean="0"/>
+              <a:t>Annuler </a:t>
+            </a:r>
+            <a:r>
+              <a:rPr lang="fr-FR" dirty="0"/>
+              <a:t>les modification dans le Répertoire de travail (non indexe):</a:t>
+            </a:r>
+          </a:p>
+          <a:p>
+            <a:pPr marL="1160462" lvl="1" indent="-342900"/>
+            <a:r>
+              <a:rPr lang="fr-FR" b="1" i="1" dirty="0"/>
+              <a:t>git checkout « fichier », git restore « fichier </a:t>
+            </a:r>
+            <a:r>
+              <a:rPr lang="fr-FR" b="1" i="1" dirty="0" smtClean="0"/>
+              <a:t>»</a:t>
+            </a:r>
+            <a:endParaRPr lang="fr-FR" b="1" i="1" dirty="0"/>
+          </a:p>
+          <a:p>
+            <a:pPr marL="877887" lvl="1" indent="-514350">
+              <a:buFont typeface="+mj-lt"/>
+              <a:buAutoNum type="arabicPeriod" startAt="8"/>
+            </a:pPr>
+            <a:r>
+              <a:rPr lang="fr-FR" sz="2800" dirty="0"/>
+              <a:t>Supprimer un fichier de versionning (untracked state):</a:t>
+            </a:r>
+          </a:p>
+          <a:p>
+            <a:pPr marL="1160462" lvl="1" indent="-342900"/>
+            <a:r>
+              <a:rPr lang="fr-FR" b="1" i="1" dirty="0"/>
+              <a:t>git </a:t>
+            </a:r>
+            <a:r>
+              <a:rPr lang="fr-FR" b="1" i="1" dirty="0" err="1"/>
+              <a:t>rm</a:t>
+            </a:r>
+            <a:r>
+              <a:rPr lang="fr-FR" b="1" i="1" dirty="0"/>
+              <a:t> –cached « fichier</a:t>
+            </a:r>
+            <a:r>
+              <a:rPr lang="fr-FR" b="1" i="1" dirty="0" smtClean="0"/>
+              <a:t>»</a:t>
+            </a:r>
+          </a:p>
+          <a:p>
+            <a:pPr marL="1160462" lvl="1" indent="-342900"/>
+            <a:endParaRPr lang="fr-FR" b="1" i="1" dirty="0"/>
+          </a:p>
+          <a:p>
+            <a:pPr marL="877887" lvl="1" indent="-514350">
+              <a:buFont typeface="+mj-lt"/>
+              <a:buAutoNum type="arabicPeriod" startAt="9"/>
+            </a:pPr>
+            <a:r>
+              <a:rPr lang="fr-FR" sz="2800" dirty="0" smtClean="0"/>
+              <a:t>Supprimer </a:t>
+            </a:r>
+            <a:r>
+              <a:rPr lang="fr-FR" sz="2800" dirty="0"/>
+              <a:t>un fichier de versionning (untracked state</a:t>
+            </a:r>
+            <a:r>
+              <a:rPr lang="fr-FR" sz="2800" dirty="0" smtClean="0"/>
+              <a:t>):</a:t>
+            </a:r>
+          </a:p>
+          <a:p>
+            <a:pPr marL="1160462" lvl="1" indent="-342900"/>
+            <a:r>
+              <a:rPr lang="fr-FR" b="1" i="1" dirty="0" smtClean="0"/>
+              <a:t>git </a:t>
+            </a:r>
+            <a:r>
+              <a:rPr lang="fr-FR" b="1" i="1" dirty="0" err="1"/>
+              <a:t>rm</a:t>
+            </a:r>
+            <a:r>
+              <a:rPr lang="fr-FR" b="1" i="1" dirty="0"/>
+              <a:t> –cached « fichier</a:t>
+            </a:r>
+            <a:r>
+              <a:rPr lang="fr-FR" b="1" i="1" dirty="0" smtClean="0"/>
+              <a:t>»</a:t>
+            </a:r>
+            <a:endParaRPr lang="fr-FR" b="1" i="1" dirty="0"/>
+          </a:p>
+          <a:p>
+            <a:pPr marL="877887" lvl="1" indent="-514350">
+              <a:buFont typeface="+mj-lt"/>
+              <a:buAutoNum type="arabicPeriod" startAt="10"/>
+            </a:pPr>
+            <a:r>
+              <a:rPr lang="fr-FR" sz="2800" dirty="0"/>
+              <a:t>Annuler les </a:t>
+            </a:r>
+            <a:r>
+              <a:rPr lang="fr-FR" sz="2800" dirty="0" smtClean="0"/>
+              <a:t>modification dans </a:t>
+            </a:r>
+            <a:r>
+              <a:rPr lang="fr-FR" sz="2800" dirty="0"/>
+              <a:t>le Répertoire de travail </a:t>
+            </a:r>
+            <a:r>
+              <a:rPr lang="fr-FR" sz="2800" dirty="0" smtClean="0"/>
+              <a:t>(non </a:t>
+            </a:r>
+            <a:r>
+              <a:rPr lang="fr-FR" sz="2800" dirty="0"/>
+              <a:t>indexe</a:t>
+            </a:r>
+            <a:r>
+              <a:rPr lang="fr-FR" sz="2800" dirty="0" smtClean="0"/>
+              <a:t>):</a:t>
+            </a:r>
+            <a:endParaRPr lang="fr-FR" sz="2800" dirty="0"/>
+          </a:p>
+          <a:p>
+            <a:pPr marL="1160462" lvl="1" indent="-342900"/>
+            <a:r>
+              <a:rPr lang="fr-FR" b="1" i="1" dirty="0"/>
+              <a:t>git checkout </a:t>
+            </a:r>
+            <a:r>
+              <a:rPr lang="fr-FR" b="1" i="1" dirty="0" smtClean="0"/>
+              <a:t>« fichier », git restore « fichier »</a:t>
+            </a:r>
+          </a:p>
+          <a:p>
+            <a:pPr marL="1160462" lvl="1" indent="-342900"/>
+            <a:r>
+              <a:rPr lang="fr-FR" b="1" i="1" dirty="0" smtClean="0">
+                <a:solidFill>
+                  <a:srgbClr val="FFFF00"/>
+                </a:solidFill>
+              </a:rPr>
+              <a:t>Git clean</a:t>
+            </a:r>
+          </a:p>
+          <a:p>
+            <a:pPr marL="811213" lvl="1" indent="-447675">
+              <a:buFont typeface="+mj-lt"/>
+              <a:buAutoNum type="arabicPeriod"/>
+            </a:pPr>
+            <a:endParaRPr lang="fr-FR" sz="2800" dirty="0"/>
+          </a:p>
+          <a:p>
+            <a:pPr marL="1160462" lvl="1" indent="-342900"/>
+            <a:endParaRPr lang="fr-FR" sz="2800" dirty="0"/>
+          </a:p>
+          <a:p>
+            <a:pPr marL="817562" lvl="1" indent="0">
+              <a:buNone/>
+            </a:pPr>
+            <a:endParaRPr lang="fr-FR" b="1" i="1" dirty="0" smtClean="0"/>
+          </a:p>
+        </p:txBody>
+      </p:sp>
+    </p:spTree>
+    <p:extLst>
+      <p:ext uri="{BB962C8B-B14F-4D97-AF65-F5344CB8AC3E}">
+        <p14:creationId xmlns:p14="http://schemas.microsoft.com/office/powerpoint/2010/main" val="673011006"/>
+      </p:ext>
+    </p:extLst>
+  </p:cSld>
+  <p:clrMapOvr>
+    <a:masterClrMapping/>
+  </p:clrMapOvr>
+  <p:timing>
+    <p:tnLst>
+      <p:par>
+        <p:cTn id="1" dur="indefinite" restart="never" nodeType="tmRoot"/>
+      </p:par>
+    </p:tnLst>
+  </p:timing>
+</p:sld>
+</file>
+
+<file path=ppt/slides/slide8.xml><?xml version="1.0" encoding="utf-8"?>
+<p:sld xmlns:a="http://schemas.openxmlformats.org/drawingml/2006/main" xmlns:r="http://schemas.openxmlformats.org/officeDocument/2006/relationships" xmlns:p="http://schemas.openxmlformats.org/presentationml/2006/main">
+  <p:cSld>
+    <p:spTree>
+      <p:nvGrpSpPr>
+        <p:cNvPr id="1" name=""/>
+        <p:cNvGrpSpPr/>
+        <p:nvPr/>
+      </p:nvGrpSpPr>
+      <p:grpSpPr>
+        <a:xfrm>
+          <a:off x="0" y="0"/>
+          <a:ext cx="0" cy="0"/>
+          <a:chOff x="0" y="0"/>
+          <a:chExt cx="0" cy="0"/>
+        </a:xfrm>
+      </p:grpSpPr>
+      <p:sp>
+        <p:nvSpPr>
+          <p:cNvPr id="2" name="Titre 1"/>
+          <p:cNvSpPr>
+            <a:spLocks noGrp="1"/>
+          </p:cNvSpPr>
+          <p:nvPr>
+            <p:ph type="title"/>
+          </p:nvPr>
+        </p:nvSpPr>
+        <p:spPr>
+          <a:xfrm>
+            <a:off x="838200" y="59272"/>
+            <a:ext cx="10515600" cy="795855"/>
+          </a:xfrm>
+        </p:spPr>
+        <p:txBody>
+          <a:bodyPr/>
+          <a:lstStyle/>
+          <a:p>
+            <a:pPr algn="ctr"/>
+            <a:r>
+              <a:rPr lang="fr-FR" b="1" dirty="0"/>
+              <a:t>Les commandes de </a:t>
+            </a:r>
+            <a:r>
+              <a:rPr lang="fr-FR" b="1" dirty="0" smtClean="0"/>
+              <a:t>base (Suite)</a:t>
+            </a:r>
+            <a:endParaRPr lang="fr-FR" b="1" dirty="0"/>
+          </a:p>
+        </p:txBody>
+      </p:sp>
+      <p:sp>
+        <p:nvSpPr>
+          <p:cNvPr id="3" name="Espace réservé du contenu 2"/>
+          <p:cNvSpPr>
+            <a:spLocks noGrp="1"/>
+          </p:cNvSpPr>
+          <p:nvPr>
+            <p:ph idx="1"/>
+          </p:nvPr>
+        </p:nvSpPr>
+        <p:spPr>
+          <a:xfrm>
+            <a:off x="0" y="1153391"/>
+            <a:ext cx="12192000" cy="5704609"/>
+          </a:xfrm>
+        </p:spPr>
+        <p:txBody>
+          <a:bodyPr>
+            <a:normAutofit fontScale="92500" lnSpcReduction="20000"/>
+          </a:bodyPr>
+          <a:lstStyle/>
+          <a:p>
+            <a:pPr marL="877888" lvl="1" indent="-514350">
+              <a:lnSpc>
+                <a:spcPct val="110000"/>
+              </a:lnSpc>
+              <a:buFont typeface="+mj-lt"/>
+              <a:buAutoNum type="arabicPeriod" startAt="11"/>
+            </a:pPr>
+            <a:r>
+              <a:rPr lang="fr-FR" sz="3000" dirty="0" smtClean="0"/>
+              <a:t>indexer </a:t>
+            </a:r>
+            <a:r>
+              <a:rPr lang="fr-FR" sz="3000" dirty="0"/>
+              <a:t>la suppression d’un fichier:</a:t>
+            </a:r>
+          </a:p>
+          <a:p>
+            <a:pPr marL="1158875" lvl="1" indent="-347663"/>
+            <a:r>
+              <a:rPr lang="fr-FR" sz="2800" b="1" i="1" dirty="0"/>
+              <a:t>git </a:t>
+            </a:r>
+            <a:r>
+              <a:rPr lang="fr-FR" sz="2800" b="1" i="1" dirty="0" err="1"/>
+              <a:t>rm</a:t>
+            </a:r>
+            <a:r>
+              <a:rPr lang="fr-FR" sz="2800" b="1" i="1" dirty="0"/>
+              <a:t> «  fichier»</a:t>
+            </a:r>
+          </a:p>
+          <a:p>
+            <a:pPr marL="877887" lvl="1" indent="-514350">
+              <a:lnSpc>
+                <a:spcPct val="110000"/>
+              </a:lnSpc>
+              <a:buFont typeface="+mj-lt"/>
+              <a:buAutoNum type="arabicPeriod" startAt="12"/>
+            </a:pPr>
+            <a:r>
+              <a:rPr lang="fr-FR" sz="3000" dirty="0"/>
+              <a:t>Annuler les modifications indexes ( le contraire de git add file):</a:t>
+            </a:r>
+          </a:p>
+          <a:p>
+            <a:pPr marL="1158875" lvl="1" indent="-347663"/>
+            <a:r>
+              <a:rPr lang="fr-FR" sz="2800" b="1" i="1" dirty="0"/>
+              <a:t>git reset --  « fichier »</a:t>
+            </a:r>
+          </a:p>
+          <a:p>
+            <a:pPr marL="874712" indent="-514350" defTabSz="447675">
+              <a:buFont typeface="+mj-lt"/>
+              <a:buAutoNum type="arabicPeriod" startAt="13"/>
+              <a:tabLst>
+                <a:tab pos="811213" algn="l"/>
+              </a:tabLst>
+            </a:pPr>
+            <a:r>
+              <a:rPr lang="fr-FR" dirty="0"/>
+              <a:t>	Afficher le détail des modifications non </a:t>
+            </a:r>
+            <a:r>
+              <a:rPr lang="fr-FR" dirty="0" smtClean="0"/>
+              <a:t>indexées (work directory-index):</a:t>
+            </a:r>
+          </a:p>
+          <a:p>
+            <a:pPr marL="1158875" lvl="1" indent="-347663"/>
+            <a:r>
+              <a:rPr lang="fr-FR" sz="2800" b="1" i="1" dirty="0"/>
+              <a:t>git </a:t>
+            </a:r>
+            <a:r>
+              <a:rPr lang="fr-FR" sz="2800" b="1" i="1" dirty="0" err="1" smtClean="0"/>
+              <a:t>diff</a:t>
+            </a:r>
+            <a:endParaRPr lang="fr-FR" sz="2800" b="1" i="1" dirty="0"/>
+          </a:p>
+          <a:p>
+            <a:pPr marL="877888" lvl="1" indent="-514350">
+              <a:buFont typeface="+mj-lt"/>
+              <a:buAutoNum type="arabicPeriod" startAt="14"/>
+              <a:tabLst>
+                <a:tab pos="811213" algn="l"/>
+              </a:tabLst>
+            </a:pPr>
+            <a:r>
+              <a:rPr lang="fr-FR" sz="3000" dirty="0"/>
+              <a:t>Afficher le détail des modifications </a:t>
+            </a:r>
+            <a:r>
+              <a:rPr lang="fr-FR" sz="3000" dirty="0" smtClean="0"/>
+              <a:t>indexées(index-HEAD):</a:t>
+            </a:r>
+            <a:endParaRPr lang="fr-FR" sz="3000" dirty="0"/>
+          </a:p>
+          <a:p>
+            <a:pPr marL="1158875" lvl="1" indent="-347663"/>
+            <a:r>
+              <a:rPr lang="fr-FR" sz="2800" b="1" i="1" dirty="0"/>
+              <a:t>git </a:t>
+            </a:r>
+            <a:r>
+              <a:rPr lang="fr-FR" sz="2800" b="1" i="1" dirty="0" err="1"/>
+              <a:t>diff</a:t>
+            </a:r>
+            <a:r>
+              <a:rPr lang="fr-FR" sz="2800" b="1" i="1" dirty="0"/>
+              <a:t> --cached</a:t>
+            </a:r>
+          </a:p>
+          <a:p>
+            <a:pPr marL="877887" lvl="1" indent="-514350">
+              <a:buFont typeface="+mj-lt"/>
+              <a:buAutoNum type="arabicPeriod" startAt="15"/>
+            </a:pPr>
+            <a:r>
+              <a:rPr lang="fr-FR" sz="3000" dirty="0"/>
+              <a:t>Envoyer les modification indexés en zone de </a:t>
+            </a:r>
+            <a:r>
+              <a:rPr lang="fr-FR" sz="3000" dirty="0" smtClean="0"/>
+              <a:t>transit(backup):</a:t>
+            </a:r>
+            <a:endParaRPr lang="fr-FR" sz="3000" dirty="0"/>
+          </a:p>
+          <a:p>
+            <a:pPr marL="1160462" lvl="1" indent="-342900"/>
+            <a:r>
+              <a:rPr lang="fr-FR" sz="2800" b="1" i="1" dirty="0"/>
+              <a:t>git </a:t>
+            </a:r>
+            <a:r>
+              <a:rPr lang="fr-FR" sz="2800" b="1" i="1" dirty="0" smtClean="0"/>
+              <a:t>commit –m «  message»</a:t>
+            </a:r>
+            <a:endParaRPr lang="fr-FR" sz="2800" b="1" i="1" dirty="0"/>
+          </a:p>
+          <a:p>
+            <a:pPr marL="877887" lvl="1" indent="-514350">
+              <a:buFont typeface="+mj-lt"/>
+              <a:buAutoNum type="arabicPeriod" startAt="16"/>
+            </a:pPr>
+            <a:r>
+              <a:rPr lang="fr-FR" sz="3000" dirty="0"/>
+              <a:t>Afficher l’historique des commits:</a:t>
+            </a:r>
+          </a:p>
+          <a:p>
+            <a:pPr marL="1158875" lvl="1" indent="-347663"/>
+            <a:r>
+              <a:rPr lang="fr-FR" sz="2800" b="1" i="1" dirty="0"/>
+              <a:t>git log, git log –n 2 </a:t>
+            </a:r>
+            <a:r>
+              <a:rPr lang="fr-FR" sz="2800" b="1" i="1" dirty="0" smtClean="0"/>
+              <a:t>,</a:t>
+            </a:r>
+            <a:r>
+              <a:rPr lang="fr-FR" dirty="0"/>
+              <a:t> </a:t>
+            </a:r>
+            <a:r>
+              <a:rPr lang="fr-FR" sz="2800" b="1" i="1" dirty="0"/>
+              <a:t>git log –</a:t>
+            </a:r>
+            <a:r>
+              <a:rPr lang="fr-FR" sz="2800" b="1" i="1" dirty="0" err="1"/>
+              <a:t>oneline</a:t>
+            </a:r>
+            <a:r>
+              <a:rPr lang="fr-FR" sz="2800" b="1" i="1" dirty="0" smtClean="0"/>
+              <a:t>,</a:t>
+            </a:r>
+            <a:r>
+              <a:rPr lang="fr-FR" dirty="0"/>
+              <a:t> </a:t>
+            </a:r>
+            <a:r>
+              <a:rPr lang="fr-FR" sz="2800" b="1" i="1" dirty="0"/>
+              <a:t>« git log –p fichier »</a:t>
+            </a:r>
+          </a:p>
+          <a:p>
+            <a:pPr marL="877887" lvl="1" indent="-514350">
+              <a:buFont typeface="+mj-lt"/>
+              <a:buAutoNum type="arabicPeriod" startAt="17"/>
+            </a:pPr>
+            <a:r>
+              <a:rPr lang="fr-FR" sz="3000" dirty="0"/>
+              <a:t>supprimer toutes les </a:t>
+            </a:r>
+            <a:r>
+              <a:rPr lang="fr-FR" sz="3000" dirty="0" smtClean="0"/>
+              <a:t>commites (historique) </a:t>
+            </a:r>
+            <a:r>
+              <a:rPr lang="fr-FR" sz="3000" dirty="0"/>
+              <a:t>postérieurs à « </a:t>
+            </a:r>
+            <a:r>
+              <a:rPr lang="fr-FR" sz="3000" dirty="0" err="1" smtClean="0"/>
+              <a:t>commit_hash</a:t>
+            </a:r>
+            <a:r>
+              <a:rPr lang="fr-FR" sz="3000" dirty="0"/>
+              <a:t> » mais garde l’espace de travail </a:t>
+            </a:r>
+            <a:r>
+              <a:rPr lang="fr-FR" sz="3000" dirty="0" smtClean="0"/>
+              <a:t>intacte(</a:t>
+            </a:r>
+            <a:r>
+              <a:rPr lang="fr-FR" sz="3000" dirty="0" smtClean="0">
+                <a:solidFill>
+                  <a:srgbClr val="FF0000"/>
+                </a:solidFill>
+              </a:rPr>
+              <a:t>danger</a:t>
+            </a:r>
+            <a:r>
+              <a:rPr lang="fr-FR" sz="3000" dirty="0" smtClean="0"/>
+              <a:t>).</a:t>
+            </a:r>
+            <a:endParaRPr lang="fr-FR" sz="3000" dirty="0"/>
+          </a:p>
+          <a:p>
+            <a:pPr marL="1158875" lvl="1" indent="-347663"/>
+            <a:r>
+              <a:rPr lang="fr-FR" sz="2800" b="1" i="1" dirty="0"/>
+              <a:t>git reset </a:t>
+            </a:r>
+            <a:r>
+              <a:rPr lang="fr-FR" sz="2800" b="1" i="1" dirty="0" err="1" smtClean="0"/>
+              <a:t>commit_hash</a:t>
+            </a:r>
+            <a:r>
+              <a:rPr lang="fr-FR" sz="2800" b="1" i="1" dirty="0" smtClean="0"/>
+              <a:t> </a:t>
+            </a:r>
+            <a:r>
+              <a:rPr lang="fr-FR" sz="2800" b="1" i="1" dirty="0"/>
+              <a:t>,git reset HEAD^</a:t>
+            </a:r>
+            <a:r>
+              <a:rPr lang="fr-FR" b="1" i="1" dirty="0" smtClean="0"/>
+              <a:t> (</a:t>
+            </a:r>
+            <a:r>
+              <a:rPr lang="fr-FR" b="1" i="1" dirty="0" err="1" smtClean="0"/>
+              <a:t>soft,mixes,hard</a:t>
+            </a:r>
+            <a:r>
+              <a:rPr lang="fr-FR" b="1" i="1" dirty="0" smtClean="0"/>
+              <a:t>)</a:t>
+            </a:r>
+            <a:endParaRPr lang="fr-FR" sz="2800" b="1" i="1" dirty="0"/>
+          </a:p>
+          <a:p>
+            <a:pPr marL="1160462" lvl="1" indent="-342900"/>
+            <a:endParaRPr lang="fr-FR" sz="2800" dirty="0"/>
+          </a:p>
+          <a:p>
+            <a:pPr marL="817562" lvl="1" indent="0">
+              <a:buNone/>
+            </a:pPr>
+            <a:endParaRPr lang="fr-FR" b="1" i="1" dirty="0" smtClean="0"/>
+          </a:p>
+        </p:txBody>
+      </p:sp>
+      <p:sp>
+        <p:nvSpPr>
+          <p:cNvPr id="4" name="Rectangle 2"/>
+          <p:cNvSpPr>
+            <a:spLocks noChangeArrowheads="1"/>
+          </p:cNvSpPr>
+          <p:nvPr/>
+        </p:nvSpPr>
+        <p:spPr bwMode="auto">
+          <a:xfrm>
+            <a:off x="0" y="0"/>
+            <a:ext cx="12192000" cy="457200"/>
+          </a:xfrm>
+          <a:prstGeom prst="rect">
+            <a:avLst/>
+          </a:prstGeom>
+          <a:noFill/>
+          <a:ln>
+            <a:noFill/>
+          </a:ln>
+          <a:effectLst/>
+          <a:extLst>
+            <a:ext uri="{909E8E84-426E-40DD-AFC4-6F175D3DCCD1}">
+              <a14:hiddenFill xmlns:a14="http://schemas.microsoft.com/office/drawing/2010/main">
+                <a:solidFill>
+                  <a:schemeClr val="accent1"/>
+                </a:solidFill>
+              </a14:hiddenFill>
+            </a:ext>
+            <a:ext uri="{91240B29-F687-4F45-9708-019B960494DF}">
+              <a14:hiddenLine xmlns:a14="http://schemas.microsoft.com/office/drawing/2010/main" w="9525">
+                <a:solidFill>
+                  <a:schemeClr val="tx1"/>
+                </a:solidFill>
+                <a:miter lim="800000"/>
+                <a:headEnd/>
+                <a:tailEnd/>
+              </a14:hiddenLine>
+            </a:ext>
+            <a:ext uri="{AF507438-7753-43E0-B8FC-AC1667EBCBE1}">
+              <a14:hiddenEffects xmlns:a14="http://schemas.microsoft.com/office/drawing/2010/main">
+                <a:effectLst>
+                  <a:outerShdw dist="35921" dir="2700000" algn="ctr" rotWithShape="0">
+                    <a:schemeClr val="bg2"/>
+                  </a:outerShdw>
+                </a:effectLst>
+              </a14:hiddenEffects>
+            </a:ext>
+          </a:extLst>
+        </p:spPr>
+        <p:txBody>
+          <a:bodyPr vert="horz" wrap="none" lIns="91440" tIns="45720" rIns="91440" bIns="45720" numCol="1" anchor="ctr" anchorCtr="0" compatLnSpc="1">
+            <a:prstTxWarp prst="textNoShape">
+              <a:avLst/>
+            </a:prstTxWarp>
+            <a:spAutoFit/>
+          </a:bodyPr>
+          <a:lstStyle/>
+          <a:p>
+            <a:pPr marL="0" marR="0" lvl="0" indent="0" algn="l" defTabSz="914400" rtl="0" eaLnBrk="0" fontAlgn="base" latinLnBrk="0" hangingPunct="0">
+              <a:lnSpc>
+                <a:spcPct val="100000"/>
+              </a:lnSpc>
+              <a:spcBef>
+                <a:spcPct val="0"/>
+              </a:spcBef>
+              <a:spcAft>
+                <a:spcPct val="0"/>
+              </a:spcAft>
+              <a:buClrTx/>
+              <a:buSzTx/>
+              <a:buFontTx/>
+              <a:buNone/>
+              <a:tabLst/>
+            </a:pPr>
+            <a:endParaRPr kumimoji="0" lang="fr-FR" altLang="fr-FR" sz="1800" b="0" i="0" u="none" strike="noStrike" cap="none" normalizeH="0" baseline="0" smtClean="0">
+              <a:ln>
+                <a:noFill/>
+              </a:ln>
+              <a:solidFill>
+                <a:schemeClr val="tx1"/>
+              </a:solidFill>
+              <a:effectLst/>
+              <a:latin typeface="Arial" panose="020B0604020202020204" pitchFamily="34" charset="0"/>
+            </a:endParaRPr>
+          </a:p>
+        </p:txBody>
+      </p:sp>
+    </p:spTree>
+    <p:extLst>
+      <p:ext uri="{BB962C8B-B14F-4D97-AF65-F5344CB8AC3E}">
+        <p14:creationId xmlns:p14="http://schemas.microsoft.com/office/powerpoint/2010/main" val="3375970332"/>
+      </p:ext>
+    </p:extLst>
+  </p:cSld>
+  <p:clrMapOvr>
+    <a:masterClrMapping/>
+  </p:clrMapOvr>
+  <p:timing>
+    <p:tnLst>
+      <p:par>
+        <p:cTn id="1" dur="indefinite" restart="never" nodeType="tmRoot"/>
+      </p:par>
+    </p:tnLst>
+  </p:timing>
+</p:sld>
+</file>
+
+<file path=ppt/slides/slide9.xml><?xml version="1.0" encoding="utf-8"?>
+<p:sld xmlns:a="http://schemas.openxmlformats.org/drawingml/2006/main" xmlns:r="http://schemas.openxmlformats.org/officeDocument/2006/relationships" xmlns:p="http://schemas.openxmlformats.org/presentationml/2006/main">
+  <p:cSld>
+    <p:spTree>
+      <p:nvGrpSpPr>
+        <p:cNvPr id="1" name=""/>
+        <p:cNvGrpSpPr/>
+        <p:nvPr/>
+      </p:nvGrpSpPr>
+      <p:grpSpPr>
+        <a:xfrm>
+          <a:off x="0" y="0"/>
+          <a:ext cx="0" cy="0"/>
+          <a:chOff x="0" y="0"/>
+          <a:chExt cx="0" cy="0"/>
+        </a:xfrm>
+      </p:grpSpPr>
+      <p:sp>
+        <p:nvSpPr>
+          <p:cNvPr id="2" name="Titre 1"/>
+          <p:cNvSpPr>
+            <a:spLocks noGrp="1"/>
+          </p:cNvSpPr>
+          <p:nvPr>
+            <p:ph type="title"/>
+          </p:nvPr>
+        </p:nvSpPr>
+        <p:spPr>
+          <a:xfrm>
+            <a:off x="838200" y="59272"/>
+            <a:ext cx="10515600" cy="795855"/>
+          </a:xfrm>
+        </p:spPr>
+        <p:txBody>
+          <a:bodyPr/>
+          <a:lstStyle/>
+          <a:p>
+            <a:pPr algn="ctr"/>
+            <a:r>
+              <a:rPr lang="fr-FR" b="1" dirty="0"/>
+              <a:t>Les commandes de </a:t>
+            </a:r>
+            <a:r>
+              <a:rPr lang="fr-FR" b="1" dirty="0" smtClean="0"/>
+              <a:t>base (Suite)</a:t>
+            </a:r>
+            <a:endParaRPr lang="fr-FR" b="1" dirty="0"/>
+          </a:p>
+        </p:txBody>
+      </p:sp>
+      <p:sp>
+        <p:nvSpPr>
+          <p:cNvPr id="3" name="Espace réservé du contenu 2"/>
+          <p:cNvSpPr>
+            <a:spLocks noGrp="1"/>
+          </p:cNvSpPr>
+          <p:nvPr>
+            <p:ph idx="1"/>
+          </p:nvPr>
+        </p:nvSpPr>
+        <p:spPr>
+          <a:xfrm>
+            <a:off x="0" y="1116280"/>
+            <a:ext cx="12192000" cy="5533902"/>
+          </a:xfrm>
+        </p:spPr>
+        <p:txBody>
+          <a:bodyPr>
+            <a:normAutofit lnSpcReduction="10000"/>
+          </a:bodyPr>
+          <a:lstStyle/>
+          <a:p>
+            <a:pPr marL="877887" lvl="1" indent="-514350">
+              <a:lnSpc>
+                <a:spcPct val="70000"/>
+              </a:lnSpc>
+              <a:buFont typeface="+mj-lt"/>
+              <a:buAutoNum type="arabicPeriod" startAt="18"/>
+            </a:pPr>
+            <a:r>
+              <a:rPr lang="fr-FR" sz="2800" dirty="0"/>
+              <a:t>navigué dans l’historique des </a:t>
+            </a:r>
+            <a:r>
+              <a:rPr lang="fr-FR" sz="2800" dirty="0" smtClean="0"/>
+              <a:t>commit (voir le contenu avent un commit ):</a:t>
+            </a:r>
+            <a:endParaRPr lang="fr-FR" sz="2800" dirty="0"/>
+          </a:p>
+          <a:p>
+            <a:pPr marL="1158875" lvl="1" indent="-347663">
+              <a:lnSpc>
+                <a:spcPct val="70000"/>
+              </a:lnSpc>
+            </a:pPr>
+            <a:r>
+              <a:rPr lang="fr-FR" sz="2600" b="1" i="1" dirty="0"/>
+              <a:t>git checkout « </a:t>
+            </a:r>
+            <a:r>
+              <a:rPr lang="fr-FR" sz="2600" b="1" i="1" dirty="0" err="1" smtClean="0"/>
+              <a:t>commit_hash</a:t>
+            </a:r>
+            <a:r>
+              <a:rPr lang="fr-FR" sz="2600" b="1" i="1" dirty="0"/>
+              <a:t> », </a:t>
+            </a:r>
+            <a:r>
+              <a:rPr lang="fr-FR" sz="2600" b="1" i="1" dirty="0" smtClean="0"/>
+              <a:t>git checkout «  </a:t>
+            </a:r>
+            <a:r>
+              <a:rPr lang="fr-FR" sz="2600" b="1" i="1" dirty="0" err="1" smtClean="0"/>
+              <a:t>commit_hash</a:t>
+            </a:r>
+            <a:r>
+              <a:rPr lang="fr-FR" sz="2600" b="1" i="1" dirty="0" smtClean="0"/>
+              <a:t>» «</a:t>
+            </a:r>
+            <a:r>
+              <a:rPr lang="fr-FR" sz="2600" b="1" i="1" dirty="0"/>
+              <a:t> </a:t>
+            </a:r>
+            <a:r>
+              <a:rPr lang="fr-FR" sz="2600" b="1" i="1" dirty="0" smtClean="0"/>
+              <a:t>fichier</a:t>
+            </a:r>
+            <a:r>
+              <a:rPr lang="fr-FR" sz="2600" b="1" i="1" dirty="0"/>
+              <a:t> »</a:t>
+            </a:r>
+          </a:p>
+          <a:p>
+            <a:pPr marL="893763" lvl="1" indent="-530225">
+              <a:buFont typeface="+mj-lt"/>
+              <a:buAutoNum type="arabicPeriod" startAt="19"/>
+            </a:pPr>
+            <a:r>
+              <a:rPr lang="fr-FR" sz="2800" dirty="0"/>
+              <a:t>défit un commit (supprimer les changements de ce commit</a:t>
+            </a:r>
+            <a:r>
+              <a:rPr lang="fr-FR" sz="2800" dirty="0" smtClean="0"/>
+              <a:t>)</a:t>
+            </a:r>
+          </a:p>
+          <a:p>
+            <a:pPr marL="820738" lvl="1" indent="-9525">
+              <a:tabLst>
+                <a:tab pos="811213" algn="l"/>
+                <a:tab pos="1163638" algn="l"/>
+              </a:tabLst>
+            </a:pPr>
+            <a:r>
+              <a:rPr lang="fr-FR" sz="2800" dirty="0" smtClean="0"/>
+              <a:t>	</a:t>
+            </a:r>
+            <a:r>
+              <a:rPr lang="fr-FR" sz="2600" b="1" i="1" dirty="0"/>
+              <a:t>git </a:t>
+            </a:r>
+            <a:r>
+              <a:rPr lang="fr-FR" sz="2600" b="1" i="1" dirty="0" err="1"/>
+              <a:t>revert</a:t>
+            </a:r>
+            <a:r>
+              <a:rPr lang="fr-FR" sz="2600" b="1" i="1" dirty="0"/>
+              <a:t> </a:t>
+            </a:r>
+            <a:r>
+              <a:rPr lang="fr-FR" sz="2600" b="1" i="1" dirty="0" err="1" smtClean="0"/>
+              <a:t>commit_hash</a:t>
+            </a:r>
+            <a:r>
+              <a:rPr lang="fr-FR" sz="2600" b="1" i="1" dirty="0"/>
+              <a:t> </a:t>
+            </a:r>
+            <a:endParaRPr lang="fr-FR" sz="2600" b="1" i="1" dirty="0" smtClean="0"/>
+          </a:p>
+          <a:p>
+            <a:pPr marL="962025" lvl="1" indent="-598488">
+              <a:buFont typeface="+mj-lt"/>
+              <a:buAutoNum type="arabicPeriod" startAt="20"/>
+              <a:tabLst>
+                <a:tab pos="811213" algn="l"/>
+                <a:tab pos="1163638" algn="l"/>
+              </a:tabLst>
+            </a:pPr>
+            <a:r>
+              <a:rPr lang="fr-FR" sz="2800" dirty="0"/>
+              <a:t>Voir les détails d’un commit(contribution)</a:t>
+            </a:r>
+          </a:p>
+          <a:p>
+            <a:pPr marL="1169988" lvl="1" indent="-365125">
+              <a:tabLst>
+                <a:tab pos="811213" algn="l"/>
+                <a:tab pos="1169988" algn="l"/>
+              </a:tabLst>
+            </a:pPr>
+            <a:r>
+              <a:rPr lang="fr-FR" sz="2600" b="1" i="1" dirty="0"/>
+              <a:t>git show « </a:t>
+            </a:r>
+            <a:r>
+              <a:rPr lang="fr-FR" sz="2600" b="1" i="1" dirty="0" err="1"/>
+              <a:t>commit_hash</a:t>
+            </a:r>
+            <a:r>
+              <a:rPr lang="fr-FR" sz="2600" b="1" i="1" dirty="0"/>
+              <a:t> »</a:t>
+            </a:r>
+          </a:p>
+          <a:p>
+            <a:pPr marL="811213" lvl="1" indent="-447675">
+              <a:buNone/>
+              <a:tabLst>
+                <a:tab pos="363538" algn="l"/>
+                <a:tab pos="1163638" algn="l"/>
+              </a:tabLst>
+            </a:pPr>
+            <a:r>
+              <a:rPr lang="fr-FR" sz="2800" dirty="0" smtClean="0"/>
+              <a:t>21 </a:t>
+            </a:r>
+            <a:r>
+              <a:rPr lang="fr-FR" sz="2800" dirty="0"/>
+              <a:t>qui à changé le </a:t>
+            </a:r>
+            <a:r>
+              <a:rPr lang="fr-FR" sz="2800" dirty="0" err="1" smtClean="0"/>
+              <a:t>fichierest</a:t>
+            </a:r>
+            <a:r>
+              <a:rPr lang="fr-FR" sz="2800" dirty="0" smtClean="0"/>
+              <a:t> quand et quoi </a:t>
+            </a:r>
+          </a:p>
+          <a:p>
+            <a:pPr marL="1162050" lvl="1" indent="-361950">
+              <a:tabLst>
+                <a:tab pos="363538" algn="l"/>
+                <a:tab pos="1163638" algn="l"/>
+              </a:tabLst>
+            </a:pPr>
+            <a:r>
+              <a:rPr lang="fr-FR" sz="2800" b="1" i="1" dirty="0" smtClean="0"/>
+              <a:t>git </a:t>
+            </a:r>
+            <a:r>
+              <a:rPr lang="fr-FR" sz="2800" b="1" i="1" dirty="0" err="1" smtClean="0"/>
+              <a:t>blame</a:t>
+            </a:r>
+            <a:r>
+              <a:rPr lang="fr-FR" sz="2800" b="1" i="1" dirty="0" smtClean="0"/>
+              <a:t> « file »</a:t>
+            </a:r>
+            <a:endParaRPr lang="fr-FR" sz="2600" b="1" i="1" dirty="0" smtClean="0"/>
+          </a:p>
+          <a:p>
+            <a:pPr marL="962025" lvl="1" indent="-598488">
+              <a:buFont typeface="+mj-lt"/>
+              <a:buAutoNum type="arabicPeriod" startAt="20"/>
+              <a:tabLst>
+                <a:tab pos="363538" algn="l"/>
+                <a:tab pos="811213" algn="l"/>
+                <a:tab pos="1163638" algn="l"/>
+              </a:tabLst>
+            </a:pPr>
+            <a:r>
+              <a:rPr lang="fr-FR" sz="2800" dirty="0" smtClean="0"/>
+              <a:t>Sauvegardé </a:t>
+            </a:r>
+            <a:r>
+              <a:rPr lang="fr-FR" sz="2800" dirty="0"/>
+              <a:t>un travail puis le </a:t>
+            </a:r>
+            <a:r>
+              <a:rPr lang="fr-FR" sz="2800" dirty="0" smtClean="0"/>
+              <a:t>reprendre</a:t>
+            </a:r>
+          </a:p>
+          <a:p>
+            <a:pPr marL="819150" lvl="1" indent="-7938">
+              <a:tabLst>
+                <a:tab pos="363538" algn="l"/>
+                <a:tab pos="811213" algn="l"/>
+                <a:tab pos="1163638" algn="l"/>
+              </a:tabLst>
+            </a:pPr>
+            <a:r>
+              <a:rPr lang="fr-FR" sz="2600" b="1" i="1" dirty="0"/>
+              <a:t>	git </a:t>
+            </a:r>
+            <a:r>
+              <a:rPr lang="fr-FR" sz="2600" b="1" i="1" dirty="0" err="1" smtClean="0"/>
+              <a:t>stash</a:t>
+            </a:r>
+            <a:endParaRPr lang="fr-FR" sz="2600" b="1" i="1" dirty="0" smtClean="0"/>
+          </a:p>
+          <a:p>
+            <a:pPr marL="962025" lvl="1" indent="-598488">
+              <a:buFont typeface="+mj-lt"/>
+              <a:buAutoNum type="arabicPeriod" startAt="20"/>
+              <a:tabLst>
+                <a:tab pos="363538" algn="l"/>
+                <a:tab pos="811213" algn="l"/>
+                <a:tab pos="1163638" algn="l"/>
+              </a:tabLst>
+            </a:pPr>
+            <a:r>
+              <a:rPr lang="fr-FR" sz="2800" dirty="0"/>
+              <a:t>Reprendre un travail qui à été suspendu</a:t>
+            </a:r>
+          </a:p>
+          <a:p>
+            <a:pPr marL="819150" lvl="1" indent="-7938">
+              <a:tabLst>
+                <a:tab pos="363538" algn="l"/>
+                <a:tab pos="811213" algn="l"/>
+                <a:tab pos="1163638" algn="l"/>
+              </a:tabLst>
+            </a:pPr>
+            <a:r>
+              <a:rPr lang="fr-FR" sz="2600" b="1" i="1" dirty="0" smtClean="0"/>
+              <a:t>git </a:t>
+            </a:r>
+            <a:r>
+              <a:rPr lang="fr-FR" sz="2600" b="1" i="1" dirty="0" err="1" smtClean="0"/>
+              <a:t>stash</a:t>
+            </a:r>
+            <a:r>
+              <a:rPr lang="fr-FR" sz="2600" b="1" i="1" dirty="0" smtClean="0"/>
+              <a:t> pop</a:t>
+            </a:r>
+          </a:p>
+          <a:p>
+            <a:pPr marL="962025" lvl="1" indent="-598488">
+              <a:lnSpc>
+                <a:spcPct val="100000"/>
+              </a:lnSpc>
+              <a:buFont typeface="+mj-lt"/>
+              <a:buAutoNum type="arabicPeriod" startAt="20"/>
+              <a:tabLst>
+                <a:tab pos="363538" algn="l"/>
+                <a:tab pos="811213" algn="l"/>
+                <a:tab pos="1163638" algn="l"/>
+              </a:tabLst>
+            </a:pPr>
+            <a:r>
+              <a:rPr lang="fr-FR" sz="2800" dirty="0"/>
+              <a:t>Supprimé un </a:t>
+            </a:r>
+            <a:r>
+              <a:rPr lang="fr-FR" sz="2800" dirty="0" err="1"/>
+              <a:t>stash</a:t>
+            </a:r>
+            <a:r>
+              <a:rPr lang="fr-FR" sz="2800" dirty="0"/>
+              <a:t> </a:t>
+            </a:r>
+          </a:p>
+          <a:p>
+            <a:pPr marL="819150" lvl="1" indent="-7938">
+              <a:tabLst>
+                <a:tab pos="363538" algn="l"/>
+                <a:tab pos="811213" algn="l"/>
+                <a:tab pos="1163638" algn="l"/>
+              </a:tabLst>
+            </a:pPr>
+            <a:r>
+              <a:rPr lang="fr-FR" sz="2600" b="1" i="1" dirty="0" smtClean="0"/>
+              <a:t>Git </a:t>
+            </a:r>
+            <a:r>
+              <a:rPr lang="fr-FR" sz="2600" b="1" i="1" dirty="0" err="1" smtClean="0"/>
+              <a:t>stash</a:t>
+            </a:r>
+            <a:r>
+              <a:rPr lang="fr-FR" sz="2600" b="1" i="1" dirty="0" smtClean="0"/>
+              <a:t> drop</a:t>
+            </a:r>
+          </a:p>
+        </p:txBody>
+      </p:sp>
+      <p:sp>
+        <p:nvSpPr>
+          <p:cNvPr id="4" name="Rectangle 2"/>
+          <p:cNvSpPr>
+            <a:spLocks noChangeArrowheads="1"/>
+          </p:cNvSpPr>
+          <p:nvPr/>
+        </p:nvSpPr>
+        <p:spPr bwMode="auto">
+          <a:xfrm>
+            <a:off x="0" y="0"/>
+            <a:ext cx="12192000" cy="457200"/>
+          </a:xfrm>
+          <a:prstGeom prst="rect">
+            <a:avLst/>
+          </a:prstGeom>
+          <a:noFill/>
+          <a:ln>
+            <a:noFill/>
+          </a:ln>
+          <a:effectLst/>
+          <a:extLst>
+            <a:ext uri="{909E8E84-426E-40DD-AFC4-6F175D3DCCD1}">
+              <a14:hiddenFill xmlns:a14="http://schemas.microsoft.com/office/drawing/2010/main">
+                <a:solidFill>
+                  <a:schemeClr val="accent1"/>
+                </a:solidFill>
+              </a14:hiddenFill>
+            </a:ext>
+            <a:ext uri="{91240B29-F687-4F45-9708-019B960494DF}">
+              <a14:hiddenLine xmlns:a14="http://schemas.microsoft.com/office/drawing/2010/main" w="9525">
+                <a:solidFill>
+                  <a:schemeClr val="tx1"/>
+                </a:solidFill>
+                <a:miter lim="800000"/>
+                <a:headEnd/>
+                <a:tailEnd/>
+              </a14:hiddenLine>
+            </a:ext>
+            <a:ext uri="{AF507438-7753-43E0-B8FC-AC1667EBCBE1}">
+              <a14:hiddenEffects xmlns:a14="http://schemas.microsoft.com/office/drawing/2010/main">
+                <a:effectLst>
+                  <a:outerShdw dist="35921" dir="2700000" algn="ctr" rotWithShape="0">
+                    <a:schemeClr val="bg2"/>
+                  </a:outerShdw>
+                </a:effectLst>
+              </a14:hiddenEffects>
+            </a:ext>
+          </a:extLst>
+        </p:spPr>
+        <p:txBody>
+          <a:bodyPr vert="horz" wrap="none" lIns="91440" tIns="45720" rIns="91440" bIns="45720" numCol="1" anchor="ctr" anchorCtr="0" compatLnSpc="1">
+            <a:prstTxWarp prst="textNoShape">
+              <a:avLst/>
+            </a:prstTxWarp>
+            <a:spAutoFit/>
+          </a:bodyPr>
+          <a:lstStyle/>
+          <a:p>
+            <a:pPr marL="0" marR="0" lvl="0" indent="0" algn="l" defTabSz="914400" rtl="0" eaLnBrk="0" fontAlgn="base" latinLnBrk="0" hangingPunct="0">
+              <a:lnSpc>
+                <a:spcPct val="100000"/>
+              </a:lnSpc>
+              <a:spcBef>
+                <a:spcPct val="0"/>
+              </a:spcBef>
+              <a:spcAft>
+                <a:spcPct val="0"/>
+              </a:spcAft>
+              <a:buClrTx/>
+              <a:buSzTx/>
+              <a:buFontTx/>
+              <a:buNone/>
+              <a:tabLst/>
+            </a:pPr>
+            <a:endParaRPr kumimoji="0" lang="fr-FR" altLang="fr-FR" sz="1800" b="0" i="0" u="none" strike="noStrike" cap="none" normalizeH="0" baseline="0" smtClean="0">
+              <a:ln>
+                <a:noFill/>
+              </a:ln>
+              <a:solidFill>
+                <a:schemeClr val="tx1"/>
+              </a:solidFill>
+              <a:effectLst/>
+              <a:latin typeface="Arial" panose="020B0604020202020204" pitchFamily="34" charset="0"/>
+            </a:endParaRPr>
+          </a:p>
+        </p:txBody>
+      </p:sp>
+    </p:spTree>
+    <p:extLst>
+      <p:ext uri="{BB962C8B-B14F-4D97-AF65-F5344CB8AC3E}">
+        <p14:creationId xmlns:p14="http://schemas.microsoft.com/office/powerpoint/2010/main" val="3328790107"/>
       </p:ext>
     </p:extLst>
   </p:cSld>
@@ -11197,47 +11662,4 @@
     </a:ext>
   </a:extLst>
 </a:theme>
-</file>
-
-<file path=ppt/theme/themeOverride1.xml><?xml version="1.0" encoding="utf-8"?>
-<a:themeOverride xmlns:a="http://schemas.openxmlformats.org/drawingml/2006/main">
-  <a:clrScheme name="Office">
-    <a:dk1>
-      <a:sysClr val="windowText" lastClr="000000"/>
-    </a:dk1>
-    <a:lt1>
-      <a:sysClr val="window" lastClr="FFFFFF"/>
-    </a:lt1>
-    <a:dk2>
-      <a:srgbClr val="44546A"/>
-    </a:dk2>
-    <a:lt2>
-      <a:srgbClr val="E7E6E6"/>
-    </a:lt2>
-    <a:accent1>
-      <a:srgbClr val="5B9BD5"/>
-    </a:accent1>
-    <a:accent2>
-      <a:srgbClr val="ED7D31"/>
-    </a:accent2>
-    <a:accent3>
-      <a:srgbClr val="A5A5A5"/>
-    </a:accent3>
-    <a:accent4>
-      <a:srgbClr val="FFC000"/>
-    </a:accent4>
-    <a:accent5>
-      <a:srgbClr val="4472C4"/>
-    </a:accent5>
-    <a:accent6>
-      <a:srgbClr val="70AD47"/>
-    </a:accent6>
-    <a:hlink>
-      <a:srgbClr val="0563C1"/>
-    </a:hlink>
-    <a:folHlink>
-      <a:srgbClr val="954F72"/>
-    </a:folHlink>
-  </a:clrScheme>
-</a:themeOverride>
 </file>
--- a/Formation Git.pptx
+++ b/Formation Git.pptx
@@ -5,7 +5,7 @@
     <p:sldMasterId id="2147483648" r:id="rId1"/>
   </p:sldMasterIdLst>
   <p:notesMasterIdLst>
-    <p:notesMasterId r:id="rId18"/>
+    <p:notesMasterId r:id="rId22"/>
   </p:notesMasterIdLst>
   <p:sldIdLst>
     <p:sldId id="257" r:id="rId2"/>
@@ -22,8 +22,12 @@
     <p:sldId id="279" r:id="rId13"/>
     <p:sldId id="270" r:id="rId14"/>
     <p:sldId id="272" r:id="rId15"/>
-    <p:sldId id="273" r:id="rId16"/>
-    <p:sldId id="271" r:id="rId17"/>
+    <p:sldId id="282" r:id="rId16"/>
+    <p:sldId id="280" r:id="rId17"/>
+    <p:sldId id="281" r:id="rId18"/>
+    <p:sldId id="273" r:id="rId19"/>
+    <p:sldId id="283" r:id="rId20"/>
+    <p:sldId id="271" r:id="rId21"/>
   </p:sldIdLst>
   <p:sldSz cx="12192000" cy="6858000"/>
   <p:notesSz cx="6858000" cy="9144000"/>
@@ -212,7 +216,7 @@
           <a:p>
             <a:fld id="{6C11479D-E256-4744-A8DA-17425A14A154}" type="datetimeFigureOut">
               <a:rPr lang="fr-FR" smtClean="0"/>
-              <a:t>17/11/2022</a:t>
+              <a:t>20/11/2022</a:t>
             </a:fld>
             <a:endParaRPr lang="fr-FR"/>
           </a:p>
@@ -845,15 +849,7 @@
           <a:p>
             <a:r>
               <a:rPr lang="fr-FR" baseline="0" dirty="0" smtClean="0"/>
-              <a:t>Chaque branche est créer pour l’utilisateur les  modification  serons pas </a:t>
-            </a:r>
-            <a:r>
-              <a:rPr lang="fr-FR" baseline="0" dirty="0" err="1" smtClean="0"/>
-              <a:t>mergé</a:t>
-            </a:r>
-            <a:r>
-              <a:rPr lang="fr-FR" baseline="0" dirty="0" smtClean="0"/>
-              <a:t> à la branche principale jusqu’à que le code sois analysé et validé , ce qui implique en gagne en productivité.</a:t>
+              <a:t>Chaque branche est créer pour l’utilisateur les  modification  serons pas mergé à la branche principale jusqu’à que le code sois analysé et validé , ce qui implique en gagne en productivité.</a:t>
             </a:r>
           </a:p>
           <a:p>
@@ -1090,12 +1086,468 @@
           <a:lstStyle/>
           <a:p>
             <a:r>
+              <a:rPr lang="fr-FR" dirty="0" err="1" smtClean="0"/>
+              <a:t>Fetch</a:t>
+            </a:r>
+            <a:r>
               <a:rPr lang="fr-FR" dirty="0" smtClean="0"/>
-              <a:t>-exécuté </a:t>
+              <a:t> est inoffensive on doit faire merge pour </a:t>
+            </a:r>
+            <a:r>
+              <a:rPr lang="fr-FR" dirty="0" err="1" smtClean="0"/>
+              <a:t>répurqueté</a:t>
+            </a:r>
+            <a:r>
+              <a:rPr lang="fr-FR" baseline="0" dirty="0" smtClean="0"/>
+              <a:t> les changement dans le  répertoire de travail</a:t>
+            </a:r>
+            <a:endParaRPr lang="fr-FR" dirty="0"/>
+          </a:p>
+        </p:txBody>
+      </p:sp>
+      <p:sp>
+        <p:nvSpPr>
+          <p:cNvPr id="4" name="Espace réservé du numéro de diapositive 3"/>
+          <p:cNvSpPr>
+            <a:spLocks noGrp="1"/>
+          </p:cNvSpPr>
+          <p:nvPr>
+            <p:ph type="sldNum" sz="quarter" idx="10"/>
+          </p:nvPr>
+        </p:nvSpPr>
+        <p:spPr/>
+        <p:txBody>
+          <a:bodyPr/>
+          <a:lstStyle/>
+          <a:p>
+            <a:fld id="{852BFB1F-A0B8-45F9-8B0C-AE6AABDE724A}" type="slidenum">
+              <a:rPr lang="fr-FR" smtClean="0"/>
+              <a:t>13</a:t>
+            </a:fld>
+            <a:endParaRPr lang="fr-FR"/>
+          </a:p>
+        </p:txBody>
+      </p:sp>
+    </p:spTree>
+    <p:extLst>
+      <p:ext uri="{BB962C8B-B14F-4D97-AF65-F5344CB8AC3E}">
+        <p14:creationId xmlns:p14="http://schemas.microsoft.com/office/powerpoint/2010/main" val="1181975170"/>
+      </p:ext>
+    </p:extLst>
+  </p:cSld>
+  <p:clrMapOvr>
+    <a:masterClrMapping/>
+  </p:clrMapOvr>
+</p:notes>
+</file>
+
+<file path=ppt/notesSlides/notesSlide12.xml><?xml version="1.0" encoding="utf-8"?>
+<p:notes xmlns:a="http://schemas.openxmlformats.org/drawingml/2006/main" xmlns:r="http://schemas.openxmlformats.org/officeDocument/2006/relationships" xmlns:p="http://schemas.openxmlformats.org/presentationml/2006/main">
+  <p:cSld>
+    <p:spTree>
+      <p:nvGrpSpPr>
+        <p:cNvPr id="1" name=""/>
+        <p:cNvGrpSpPr/>
+        <p:nvPr/>
+      </p:nvGrpSpPr>
+      <p:grpSpPr>
+        <a:xfrm>
+          <a:off x="0" y="0"/>
+          <a:ext cx="0" cy="0"/>
+          <a:chOff x="0" y="0"/>
+          <a:chExt cx="0" cy="0"/>
+        </a:xfrm>
+      </p:grpSpPr>
+      <p:sp>
+        <p:nvSpPr>
+          <p:cNvPr id="2" name="Espace réservé de l'image des diapositives 1"/>
+          <p:cNvSpPr>
+            <a:spLocks noGrp="1" noRot="1" noChangeAspect="1"/>
+          </p:cNvSpPr>
+          <p:nvPr>
+            <p:ph type="sldImg"/>
+          </p:nvPr>
+        </p:nvSpPr>
+        <p:spPr/>
+      </p:sp>
+      <p:sp>
+        <p:nvSpPr>
+          <p:cNvPr id="3" name="Espace réservé des commentaires 2"/>
+          <p:cNvSpPr>
+            <a:spLocks noGrp="1"/>
+          </p:cNvSpPr>
+          <p:nvPr>
+            <p:ph type="body" idx="1"/>
+          </p:nvPr>
+        </p:nvSpPr>
+        <p:spPr/>
+        <p:txBody>
+          <a:bodyPr/>
+          <a:lstStyle/>
+          <a:p>
+            <a:r>
+              <a:rPr lang="fr-FR" dirty="0" err="1" smtClean="0"/>
+              <a:t>Fetch:ous</a:t>
             </a:r>
             <a:r>
               <a:rPr lang="fr-FR" dirty="0" smtClean="0"/>
-              <a:t>git checkout « </a:t>
+              <a:t> pouvez être assuré : </a:t>
+            </a:r>
+            <a:r>
+              <a:rPr lang="fr-FR" dirty="0" err="1" smtClean="0"/>
+              <a:t>fetch</a:t>
+            </a:r>
+            <a:r>
+              <a:rPr lang="fr-FR" dirty="0" smtClean="0"/>
+              <a:t> ne manipulera, ne détruira ou ne bousillera jamais quoi que ce soit.</a:t>
+            </a:r>
+          </a:p>
+          <a:p>
+            <a:pPr rtl="0"/>
+            <a:r>
+              <a:rPr lang="fr-FR" dirty="0" smtClean="0"/>
+              <a:t>Pull ; </a:t>
+            </a:r>
+            <a:r>
+              <a:rPr lang="fr-FR" dirty="0" err="1" smtClean="0"/>
+              <a:t>modifé</a:t>
+            </a:r>
+            <a:r>
+              <a:rPr lang="fr-FR" dirty="0" smtClean="0"/>
+              <a:t> le HEAD on</a:t>
+            </a:r>
+            <a:r>
+              <a:rPr lang="fr-FR" baseline="0" dirty="0" smtClean="0"/>
+              <a:t> plus de téléchargement il </a:t>
+            </a:r>
+            <a:r>
+              <a:rPr lang="fr-FR" baseline="0" dirty="0" err="1" smtClean="0"/>
+              <a:t>intégre</a:t>
+            </a:r>
+            <a:r>
+              <a:rPr lang="fr-FR" baseline="0" dirty="0" smtClean="0"/>
+              <a:t> les changement dans l’espace de travail (peut généré des conflits)(pull doit </a:t>
+            </a:r>
+            <a:r>
+              <a:rPr lang="fr-FR" baseline="0" dirty="0" err="1" smtClean="0"/>
+              <a:t>étre</a:t>
+            </a:r>
+            <a:r>
+              <a:rPr lang="fr-FR" baseline="0" dirty="0" smtClean="0"/>
+              <a:t> utilisé avec une copie local propre </a:t>
+            </a:r>
+            <a:r>
+              <a:rPr lang="fr-FR" baseline="0" dirty="0" err="1" smtClean="0"/>
+              <a:t>san</a:t>
+            </a:r>
+            <a:r>
+              <a:rPr lang="fr-FR" baseline="0" dirty="0" smtClean="0"/>
+              <a:t> changement </a:t>
+            </a:r>
+            <a:r>
+              <a:rPr lang="fr-FR" baseline="0" dirty="0" err="1" smtClean="0"/>
+              <a:t>uncommité</a:t>
+            </a:r>
+            <a:r>
+              <a:rPr lang="fr-FR" baseline="0" dirty="0" smtClean="0"/>
+              <a:t>) </a:t>
+            </a:r>
+            <a:endParaRPr lang="fr-FR" dirty="0"/>
+          </a:p>
+        </p:txBody>
+      </p:sp>
+      <p:sp>
+        <p:nvSpPr>
+          <p:cNvPr id="4" name="Espace réservé du numéro de diapositive 3"/>
+          <p:cNvSpPr>
+            <a:spLocks noGrp="1"/>
+          </p:cNvSpPr>
+          <p:nvPr>
+            <p:ph type="sldNum" sz="quarter" idx="10"/>
+          </p:nvPr>
+        </p:nvSpPr>
+        <p:spPr/>
+        <p:txBody>
+          <a:bodyPr/>
+          <a:lstStyle/>
+          <a:p>
+            <a:fld id="{852BFB1F-A0B8-45F9-8B0C-AE6AABDE724A}" type="slidenum">
+              <a:rPr lang="fr-FR" smtClean="0"/>
+              <a:t>14</a:t>
+            </a:fld>
+            <a:endParaRPr lang="fr-FR"/>
+          </a:p>
+        </p:txBody>
+      </p:sp>
+    </p:spTree>
+    <p:extLst>
+      <p:ext uri="{BB962C8B-B14F-4D97-AF65-F5344CB8AC3E}">
+        <p14:creationId xmlns:p14="http://schemas.microsoft.com/office/powerpoint/2010/main" val="2878979009"/>
+      </p:ext>
+    </p:extLst>
+  </p:cSld>
+  <p:clrMapOvr>
+    <a:masterClrMapping/>
+  </p:clrMapOvr>
+</p:notes>
+</file>
+
+<file path=ppt/notesSlides/notesSlide13.xml><?xml version="1.0" encoding="utf-8"?>
+<p:notes xmlns:a="http://schemas.openxmlformats.org/drawingml/2006/main" xmlns:r="http://schemas.openxmlformats.org/officeDocument/2006/relationships" xmlns:p="http://schemas.openxmlformats.org/presentationml/2006/main">
+  <p:cSld>
+    <p:spTree>
+      <p:nvGrpSpPr>
+        <p:cNvPr id="1" name=""/>
+        <p:cNvGrpSpPr/>
+        <p:nvPr/>
+      </p:nvGrpSpPr>
+      <p:grpSpPr>
+        <a:xfrm>
+          <a:off x="0" y="0"/>
+          <a:ext cx="0" cy="0"/>
+          <a:chOff x="0" y="0"/>
+          <a:chExt cx="0" cy="0"/>
+        </a:xfrm>
+      </p:grpSpPr>
+      <p:sp>
+        <p:nvSpPr>
+          <p:cNvPr id="2" name="Espace réservé de l'image des diapositives 1"/>
+          <p:cNvSpPr>
+            <a:spLocks noGrp="1" noRot="1" noChangeAspect="1"/>
+          </p:cNvSpPr>
+          <p:nvPr>
+            <p:ph type="sldImg"/>
+          </p:nvPr>
+        </p:nvSpPr>
+        <p:spPr/>
+      </p:sp>
+      <p:sp>
+        <p:nvSpPr>
+          <p:cNvPr id="3" name="Espace réservé des commentaires 2"/>
+          <p:cNvSpPr>
+            <a:spLocks noGrp="1"/>
+          </p:cNvSpPr>
+          <p:nvPr>
+            <p:ph type="body" idx="1"/>
+          </p:nvPr>
+        </p:nvSpPr>
+        <p:spPr/>
+        <p:txBody>
+          <a:bodyPr/>
+          <a:lstStyle/>
+          <a:p>
+            <a:r>
+              <a:rPr lang="fr-FR" dirty="0" smtClean="0"/>
+              <a:t>Deux branches distinctes  modifie</a:t>
+            </a:r>
+            <a:r>
+              <a:rPr lang="fr-FR" baseline="0" dirty="0" smtClean="0"/>
+              <a:t> le me fichier</a:t>
+            </a:r>
+          </a:p>
+          <a:p>
+            <a:r>
+              <a:rPr lang="fr-FR" baseline="0" dirty="0" smtClean="0"/>
+              <a:t>Les conflits sont couteux et prend de temps</a:t>
+            </a:r>
+          </a:p>
+          <a:p>
+            <a:r>
+              <a:rPr lang="fr-FR" baseline="0" dirty="0" smtClean="0"/>
+              <a:t>Les conflits affecte la personne qui à fait le merge </a:t>
+            </a:r>
+            <a:endParaRPr lang="fr-FR" dirty="0"/>
+          </a:p>
+        </p:txBody>
+      </p:sp>
+      <p:sp>
+        <p:nvSpPr>
+          <p:cNvPr id="4" name="Espace réservé du numéro de diapositive 3"/>
+          <p:cNvSpPr>
+            <a:spLocks noGrp="1"/>
+          </p:cNvSpPr>
+          <p:nvPr>
+            <p:ph type="sldNum" sz="quarter" idx="10"/>
+          </p:nvPr>
+        </p:nvSpPr>
+        <p:spPr/>
+        <p:txBody>
+          <a:bodyPr/>
+          <a:lstStyle/>
+          <a:p>
+            <a:fld id="{852BFB1F-A0B8-45F9-8B0C-AE6AABDE724A}" type="slidenum">
+              <a:rPr lang="fr-FR" smtClean="0"/>
+              <a:t>16</a:t>
+            </a:fld>
+            <a:endParaRPr lang="fr-FR"/>
+          </a:p>
+        </p:txBody>
+      </p:sp>
+    </p:spTree>
+    <p:extLst>
+      <p:ext uri="{BB962C8B-B14F-4D97-AF65-F5344CB8AC3E}">
+        <p14:creationId xmlns:p14="http://schemas.microsoft.com/office/powerpoint/2010/main" val="1501855701"/>
+      </p:ext>
+    </p:extLst>
+  </p:cSld>
+  <p:clrMapOvr>
+    <a:masterClrMapping/>
+  </p:clrMapOvr>
+</p:notes>
+</file>
+
+<file path=ppt/notesSlides/notesSlide14.xml><?xml version="1.0" encoding="utf-8"?>
+<p:notes xmlns:a="http://schemas.openxmlformats.org/drawingml/2006/main" xmlns:r="http://schemas.openxmlformats.org/officeDocument/2006/relationships" xmlns:p="http://schemas.openxmlformats.org/presentationml/2006/main">
+  <p:cSld>
+    <p:spTree>
+      <p:nvGrpSpPr>
+        <p:cNvPr id="1" name=""/>
+        <p:cNvGrpSpPr/>
+        <p:nvPr/>
+      </p:nvGrpSpPr>
+      <p:grpSpPr>
+        <a:xfrm>
+          <a:off x="0" y="0"/>
+          <a:ext cx="0" cy="0"/>
+          <a:chOff x="0" y="0"/>
+          <a:chExt cx="0" cy="0"/>
+        </a:xfrm>
+      </p:grpSpPr>
+      <p:sp>
+        <p:nvSpPr>
+          <p:cNvPr id="2" name="Espace réservé de l'image des diapositives 1"/>
+          <p:cNvSpPr>
+            <a:spLocks noGrp="1" noRot="1" noChangeAspect="1"/>
+          </p:cNvSpPr>
+          <p:nvPr>
+            <p:ph type="sldImg"/>
+          </p:nvPr>
+        </p:nvSpPr>
+        <p:spPr/>
+      </p:sp>
+      <p:sp>
+        <p:nvSpPr>
+          <p:cNvPr id="3" name="Espace réservé des commentaires 2"/>
+          <p:cNvSpPr>
+            <a:spLocks noGrp="1"/>
+          </p:cNvSpPr>
+          <p:nvPr>
+            <p:ph type="body" idx="1"/>
+          </p:nvPr>
+        </p:nvSpPr>
+        <p:spPr/>
+        <p:txBody>
+          <a:bodyPr/>
+          <a:lstStyle/>
+          <a:p>
+            <a:r>
+              <a:rPr lang="fr-FR" dirty="0" smtClean="0"/>
+              <a:t>On peut toujours retourné à l’état avent le merge avec la commande « git merge –</a:t>
+            </a:r>
+            <a:r>
+              <a:rPr lang="fr-FR" dirty="0" err="1" smtClean="0"/>
+              <a:t>abort</a:t>
+            </a:r>
+            <a:r>
+              <a:rPr lang="fr-FR" dirty="0" smtClean="0"/>
+              <a:t> »</a:t>
+            </a:r>
+          </a:p>
+          <a:p>
+            <a:endParaRPr lang="fr-FR" dirty="0" smtClean="0"/>
+          </a:p>
+          <a:p>
+            <a:r>
+              <a:rPr lang="fr-FR" dirty="0" smtClean="0"/>
+              <a:t>si</a:t>
+            </a:r>
+            <a:endParaRPr lang="fr-FR" dirty="0"/>
+          </a:p>
+        </p:txBody>
+      </p:sp>
+      <p:sp>
+        <p:nvSpPr>
+          <p:cNvPr id="4" name="Espace réservé du numéro de diapositive 3"/>
+          <p:cNvSpPr>
+            <a:spLocks noGrp="1"/>
+          </p:cNvSpPr>
+          <p:nvPr>
+            <p:ph type="sldNum" sz="quarter" idx="10"/>
+          </p:nvPr>
+        </p:nvSpPr>
+        <p:spPr/>
+        <p:txBody>
+          <a:bodyPr/>
+          <a:lstStyle/>
+          <a:p>
+            <a:fld id="{852BFB1F-A0B8-45F9-8B0C-AE6AABDE724A}" type="slidenum">
+              <a:rPr lang="fr-FR" smtClean="0"/>
+              <a:t>17</a:t>
+            </a:fld>
+            <a:endParaRPr lang="fr-FR"/>
+          </a:p>
+        </p:txBody>
+      </p:sp>
+    </p:spTree>
+    <p:extLst>
+      <p:ext uri="{BB962C8B-B14F-4D97-AF65-F5344CB8AC3E}">
+        <p14:creationId xmlns:p14="http://schemas.microsoft.com/office/powerpoint/2010/main" val="1139691195"/>
+      </p:ext>
+    </p:extLst>
+  </p:cSld>
+  <p:clrMapOvr>
+    <a:masterClrMapping/>
+  </p:clrMapOvr>
+</p:notes>
+</file>
+
+<file path=ppt/notesSlides/notesSlide15.xml><?xml version="1.0" encoding="utf-8"?>
+<p:notes xmlns:a="http://schemas.openxmlformats.org/drawingml/2006/main" xmlns:r="http://schemas.openxmlformats.org/officeDocument/2006/relationships" xmlns:p="http://schemas.openxmlformats.org/presentationml/2006/main">
+  <p:cSld>
+    <p:spTree>
+      <p:nvGrpSpPr>
+        <p:cNvPr id="1" name=""/>
+        <p:cNvGrpSpPr/>
+        <p:nvPr/>
+      </p:nvGrpSpPr>
+      <p:grpSpPr>
+        <a:xfrm>
+          <a:off x="0" y="0"/>
+          <a:ext cx="0" cy="0"/>
+          <a:chOff x="0" y="0"/>
+          <a:chExt cx="0" cy="0"/>
+        </a:xfrm>
+      </p:grpSpPr>
+      <p:sp>
+        <p:nvSpPr>
+          <p:cNvPr id="2" name="Espace réservé de l'image des diapositives 1"/>
+          <p:cNvSpPr>
+            <a:spLocks noGrp="1" noRot="1" noChangeAspect="1"/>
+          </p:cNvSpPr>
+          <p:nvPr>
+            <p:ph type="sldImg"/>
+          </p:nvPr>
+        </p:nvSpPr>
+        <p:spPr/>
+      </p:sp>
+      <p:sp>
+        <p:nvSpPr>
+          <p:cNvPr id="3" name="Espace réservé des commentaires 2"/>
+          <p:cNvSpPr>
+            <a:spLocks noGrp="1"/>
+          </p:cNvSpPr>
+          <p:nvPr>
+            <p:ph type="body" idx="1"/>
+          </p:nvPr>
+        </p:nvSpPr>
+        <p:spPr/>
+        <p:txBody>
+          <a:bodyPr/>
+          <a:lstStyle/>
+          <a:p>
+            <a:r>
+              <a:rPr lang="fr-FR" dirty="0" smtClean="0"/>
+              <a:t>-exécuté git checkout « </a:t>
             </a:r>
             <a:r>
               <a:rPr lang="fr-FR" dirty="0" err="1" smtClean="0"/>
@@ -1115,23 +1567,14 @@
             </a:r>
             <a:r>
               <a:rPr lang="fr-FR" baseline="0" dirty="0" smtClean="0"/>
-              <a:t> Head  et lire HEAD pour voir commit id dans le fichier qui est utilisé comme </a:t>
-            </a:r>
+              <a:t> Head  et lire HEAD pour voir commit id dans le fichier qui est utilisé comme référence</a:t>
+            </a:r>
+          </a:p>
+          <a:p>
             <a:r>
               <a:rPr lang="fr-FR" baseline="0" dirty="0" smtClean="0"/>
-              <a:t>référence</a:t>
-            </a:r>
-          </a:p>
-          <a:p>
-            <a:r>
-              <a:rPr lang="fr-FR" baseline="0" dirty="0" smtClean="0"/>
-              <a:t>HEAD ne pointe pas vers la branch mais vers </a:t>
-            </a:r>
-            <a:r>
-              <a:rPr lang="fr-FR" baseline="0" smtClean="0"/>
-              <a:t>le commit </a:t>
-            </a:r>
-            <a:endParaRPr lang="fr-FR" baseline="0" dirty="0" smtClean="0"/>
+              <a:t>HEAD ne pointe pas vers la branch mais vers le commit </a:t>
+            </a:r>
           </a:p>
           <a:p>
             <a:r>
@@ -1225,7 +1668,7 @@
           <a:p>
             <a:fld id="{852BFB1F-A0B8-45F9-8B0C-AE6AABDE724A}" type="slidenum">
               <a:rPr lang="fr-FR" smtClean="0"/>
-              <a:t>15</a:t>
+              <a:t>18</a:t>
             </a:fld>
             <a:endParaRPr lang="fr-FR"/>
           </a:p>
@@ -1235,6 +1678,122 @@
     <p:extLst>
       <p:ext uri="{BB962C8B-B14F-4D97-AF65-F5344CB8AC3E}">
         <p14:creationId xmlns:p14="http://schemas.microsoft.com/office/powerpoint/2010/main" val="2123669843"/>
+      </p:ext>
+    </p:extLst>
+  </p:cSld>
+  <p:clrMapOvr>
+    <a:masterClrMapping/>
+  </p:clrMapOvr>
+</p:notes>
+</file>
+
+<file path=ppt/notesSlides/notesSlide16.xml><?xml version="1.0" encoding="utf-8"?>
+<p:notes xmlns:a="http://schemas.openxmlformats.org/drawingml/2006/main" xmlns:r="http://schemas.openxmlformats.org/officeDocument/2006/relationships" xmlns:p="http://schemas.openxmlformats.org/presentationml/2006/main">
+  <p:cSld>
+    <p:spTree>
+      <p:nvGrpSpPr>
+        <p:cNvPr id="1" name=""/>
+        <p:cNvGrpSpPr/>
+        <p:nvPr/>
+      </p:nvGrpSpPr>
+      <p:grpSpPr>
+        <a:xfrm>
+          <a:off x="0" y="0"/>
+          <a:ext cx="0" cy="0"/>
+          <a:chOff x="0" y="0"/>
+          <a:chExt cx="0" cy="0"/>
+        </a:xfrm>
+      </p:grpSpPr>
+      <p:sp>
+        <p:nvSpPr>
+          <p:cNvPr id="2" name="Espace réservé de l'image des diapositives 1"/>
+          <p:cNvSpPr>
+            <a:spLocks noGrp="1" noRot="1" noChangeAspect="1"/>
+          </p:cNvSpPr>
+          <p:nvPr>
+            <p:ph type="sldImg"/>
+          </p:nvPr>
+        </p:nvSpPr>
+        <p:spPr/>
+      </p:sp>
+      <p:sp>
+        <p:nvSpPr>
+          <p:cNvPr id="3" name="Espace réservé des commentaires 2"/>
+          <p:cNvSpPr>
+            <a:spLocks noGrp="1"/>
+          </p:cNvSpPr>
+          <p:nvPr>
+            <p:ph type="body" idx="1"/>
+          </p:nvPr>
+        </p:nvSpPr>
+        <p:spPr/>
+        <p:txBody>
+          <a:bodyPr/>
+          <a:lstStyle/>
+          <a:p>
+            <a:r>
+              <a:rPr lang="fr-FR" dirty="0" smtClean="0"/>
+              <a:t>Quand</a:t>
+            </a:r>
+            <a:r>
+              <a:rPr lang="fr-FR" baseline="0" dirty="0" smtClean="0"/>
+              <a:t> on fait un fork il apparait dans la liste des dépôt dans </a:t>
+            </a:r>
+            <a:r>
+              <a:rPr lang="fr-FR" baseline="0" dirty="0" err="1" smtClean="0"/>
+              <a:t>github</a:t>
+            </a:r>
+            <a:r>
+              <a:rPr lang="fr-FR" baseline="0" dirty="0" smtClean="0"/>
+              <a:t> et on peut le cloné dans la machine locale et modifie puis </a:t>
+            </a:r>
+            <a:r>
+              <a:rPr lang="fr-FR" baseline="0" dirty="0" err="1" smtClean="0"/>
+              <a:t>pusher</a:t>
+            </a:r>
+            <a:r>
+              <a:rPr lang="fr-FR" baseline="0" dirty="0" smtClean="0"/>
+              <a:t> dans le fork dans </a:t>
+            </a:r>
+            <a:r>
+              <a:rPr lang="fr-FR" baseline="0" dirty="0" err="1" smtClean="0"/>
+              <a:t>github</a:t>
+            </a:r>
+            <a:r>
+              <a:rPr lang="fr-FR" baseline="0" dirty="0" smtClean="0"/>
+              <a:t> </a:t>
+            </a:r>
+            <a:endParaRPr lang="fr-FR" dirty="0"/>
+          </a:p>
+        </p:txBody>
+      </p:sp>
+      <p:sp>
+        <p:nvSpPr>
+          <p:cNvPr id="4" name="Espace réservé du numéro de diapositive 3"/>
+          <p:cNvSpPr>
+            <a:spLocks noGrp="1"/>
+          </p:cNvSpPr>
+          <p:nvPr>
+            <p:ph type="sldNum" sz="quarter" idx="10"/>
+          </p:nvPr>
+        </p:nvSpPr>
+        <p:spPr/>
+        <p:txBody>
+          <a:bodyPr/>
+          <a:lstStyle/>
+          <a:p>
+            <a:fld id="{852BFB1F-A0B8-45F9-8B0C-AE6AABDE724A}" type="slidenum">
+              <a:rPr lang="fr-FR" smtClean="0"/>
+              <a:t>19</a:t>
+            </a:fld>
+            <a:endParaRPr lang="fr-FR"/>
+          </a:p>
+        </p:txBody>
+      </p:sp>
+    </p:spTree>
+    <p:extLst>
+      <p:ext uri="{BB962C8B-B14F-4D97-AF65-F5344CB8AC3E}">
+        <p14:creationId xmlns:p14="http://schemas.microsoft.com/office/powerpoint/2010/main" val="3087535905"/>
       </p:ext>
     </p:extLst>
   </p:cSld>
@@ -1662,11 +2221,7 @@
             </a:r>
             <a:r>
               <a:rPr lang="fr-FR" dirty="0" smtClean="0"/>
-              <a:t>contient </a:t>
-            </a:r>
-            <a:r>
-              <a:rPr lang="fr-FR" dirty="0" smtClean="0"/>
-              <a:t>les </a:t>
+              <a:t>contient les </a:t>
             </a:r>
             <a:r>
               <a:rPr lang="fr-FR" dirty="0" err="1" smtClean="0"/>
@@ -1680,39 +2235,15 @@
           <a:p>
             <a:r>
               <a:rPr lang="fr-FR" b="1" dirty="0" smtClean="0"/>
-              <a:t>2.La </a:t>
-            </a:r>
-            <a:r>
-              <a:rPr lang="fr-FR" b="1" dirty="0" smtClean="0"/>
-              <a:t>zone de transit/d’index </a:t>
+              <a:t>2.La zone de transit/d’index </a:t>
             </a:r>
             <a:r>
               <a:rPr lang="fr-FR" dirty="0" smtClean="0"/>
-              <a:t>:fichier contenant des informations à propos de ce qui sera pris en compte lors de la </a:t>
-            </a:r>
-            <a:r>
-              <a:rPr lang="fr-FR" dirty="0" smtClean="0"/>
-              <a:t>prochaine</a:t>
+              <a:t>:fichier contenant des informations à propos de ce qui sera pris en compte lors de la prochaine</a:t>
             </a:r>
             <a:r>
               <a:rPr lang="fr-FR" baseline="0" dirty="0" smtClean="0"/>
-              <a:t> </a:t>
-            </a:r>
-            <a:r>
-              <a:rPr lang="fr-FR" baseline="0" dirty="0" smtClean="0"/>
-              <a:t>commit (espace ou en peut éditer notre changement avant de </a:t>
-            </a:r>
-            <a:r>
-              <a:rPr lang="fr-FR" baseline="0" dirty="0" smtClean="0"/>
-              <a:t>l’intégrer dans le nouveau commit (commit par sujet)et les </a:t>
-            </a:r>
-            <a:r>
-              <a:rPr lang="fr-FR" baseline="0" dirty="0" smtClean="0"/>
-              <a:t>stocké dans le dépôt </a:t>
-            </a:r>
-            <a:r>
-              <a:rPr lang="fr-FR" baseline="0" dirty="0" smtClean="0"/>
-              <a:t>git). On fait des commit par sujet pour bien comprendre les modification au futur</a:t>
+              <a:t> commit (espace ou en peut éditer notre changement avant de l’intégrer dans le nouveau commit (commit par sujet)et les stocké dans le dépôt git). On fait des commit par sujet pour bien comprendre les modification au futur</a:t>
             </a:r>
           </a:p>
           <a:p>
@@ -1971,11 +2502,7 @@
             </a:pPr>
             <a:r>
               <a:rPr lang="fr-FR" b="1" dirty="0" smtClean="0"/>
-              <a:t>Avec </a:t>
-            </a:r>
-            <a:r>
-              <a:rPr lang="fr-FR" b="1" dirty="0" smtClean="0"/>
-              <a:t>git clone : </a:t>
+              <a:t>Avec git clone : </a:t>
             </a:r>
             <a:r>
               <a:rPr lang="fr-FR" b="0" dirty="0" smtClean="0"/>
@@ -2433,7 +2960,6 @@
               <a:rPr lang="fr-FR" baseline="0" dirty="0" smtClean="0"/>
               <a:t> mettre à jour l’index </a:t>
             </a:r>
-            <a:endParaRPr lang="fr-FR" baseline="0" dirty="0" smtClean="0"/>
           </a:p>
           <a:p>
             <a:r>
@@ -2446,15 +2972,7 @@
             </a:r>
             <a:r>
               <a:rPr lang="fr-FR" baseline="0" dirty="0" smtClean="0"/>
-              <a:t> –p « </a:t>
-            </a:r>
-            <a:r>
-              <a:rPr lang="fr-FR" baseline="0" dirty="0" err="1" smtClean="0"/>
-              <a:t>filename</a:t>
-            </a:r>
-            <a:r>
-              <a:rPr lang="fr-FR" baseline="0" dirty="0" smtClean="0"/>
-              <a:t> » qu’elle partie va </a:t>
+              <a:t> –p « filename » qu’elle partie va </a:t>
             </a:r>
             <a:r>
               <a:rPr lang="fr-FR" baseline="0" dirty="0" err="1" smtClean="0"/>
@@ -2897,19 +3415,7 @@
                 <a:ea typeface="+mn-ea"/>
                 <a:cs typeface="+mn-cs"/>
               </a:rPr>
-              <a:t> le dernier commit  et supprime les </a:t>
-            </a:r>
-            <a:r>
-              <a:rPr lang="fr-FR" sz="1200" b="1" kern="1200" baseline="0" dirty="0" smtClean="0">
-                <a:solidFill>
-                  <a:schemeClr val="tx1"/>
-                </a:solidFill>
-                <a:effectLst/>
-                <a:latin typeface="+mn-lt"/>
-                <a:ea typeface="+mn-ea"/>
-                <a:cs typeface="+mn-cs"/>
-              </a:rPr>
-              <a:t>modification</a:t>
+              <a:t> le dernier commit  et supprime les modification</a:t>
             </a:r>
           </a:p>
           <a:p>
@@ -3702,15 +4208,7 @@
             </a:r>
             <a:r>
               <a:rPr lang="fr-FR" sz="1200" b="0" baseline="0" dirty="0" smtClean="0"/>
-              <a:t> fait jamais de commit à la branche master(branche de production) l’ajout se fait par l’intégration (</a:t>
-            </a:r>
-            <a:r>
-              <a:rPr lang="fr-FR" sz="1200" b="0" baseline="0" dirty="0" err="1" smtClean="0"/>
-              <a:t>merge</a:t>
-            </a:r>
-            <a:r>
-              <a:rPr lang="fr-FR" sz="1200" b="0" baseline="0" dirty="0" smtClean="0"/>
-              <a:t>)</a:t>
+              <a:t> fait jamais de commit à la branche master(branche de production) l’ajout se fait par l’intégration (merge)</a:t>
             </a:r>
             <a:endParaRPr lang="fr-FR" sz="1200" b="0" dirty="0" smtClean="0"/>
           </a:p>
@@ -3721,11 +4219,7 @@
             </a:r>
             <a:r>
               <a:rPr lang="fr-FR" sz="1200" b="1" dirty="0" smtClean="0"/>
-              <a:t> </a:t>
-            </a:r>
-            <a:r>
-              <a:rPr lang="fr-FR" sz="1200" b="1" dirty="0" smtClean="0"/>
-              <a:t>: </a:t>
+              <a:t> : </a:t>
             </a:r>
             <a:r>
               <a:rPr lang="fr-FR" sz="1200" b="0" dirty="0" smtClean="0"/>
@@ -3817,15 +4311,7 @@
             </a:r>
             <a:r>
               <a:rPr lang="fr-FR" sz="1200" b="0" baseline="0" dirty="0" smtClean="0"/>
-              <a:t> du master avant de </a:t>
-            </a:r>
-            <a:r>
-              <a:rPr lang="fr-FR" sz="1200" b="0" baseline="0" dirty="0" err="1" smtClean="0"/>
-              <a:t>mergé</a:t>
-            </a:r>
-            <a:r>
-              <a:rPr lang="fr-FR" sz="1200" b="0" baseline="0" dirty="0" smtClean="0"/>
-              <a:t> leur branch </a:t>
+              <a:t> du master avant de mergé leur branch </a:t>
             </a:r>
             <a:r>
               <a:rPr lang="fr-FR" sz="1200" b="1" baseline="0" dirty="0" smtClean="0"/>
@@ -4020,7 +4506,7 @@
           <a:p>
             <a:fld id="{0A206D1B-E756-4A82-9838-551DE185C738}" type="datetimeFigureOut">
               <a:rPr lang="fr-FR" smtClean="0"/>
-              <a:t>17/11/2022</a:t>
+              <a:t>20/11/2022</a:t>
             </a:fld>
             <a:endParaRPr lang="fr-FR"/>
           </a:p>
@@ -4190,7 +4676,7 @@
           <a:p>
             <a:fld id="{0A206D1B-E756-4A82-9838-551DE185C738}" type="datetimeFigureOut">
               <a:rPr lang="fr-FR" smtClean="0"/>
-              <a:t>17/11/2022</a:t>
+              <a:t>20/11/2022</a:t>
             </a:fld>
             <a:endParaRPr lang="fr-FR"/>
           </a:p>
@@ -4370,7 +4856,7 @@
           <a:p>
             <a:fld id="{0A206D1B-E756-4A82-9838-551DE185C738}" type="datetimeFigureOut">
               <a:rPr lang="fr-FR" smtClean="0"/>
-              <a:t>17/11/2022</a:t>
+              <a:t>20/11/2022</a:t>
             </a:fld>
             <a:endParaRPr lang="fr-FR"/>
           </a:p>
@@ -4540,7 +5026,7 @@
           <a:p>
             <a:fld id="{0A206D1B-E756-4A82-9838-551DE185C738}" type="datetimeFigureOut">
               <a:rPr lang="fr-FR" smtClean="0"/>
-              <a:t>17/11/2022</a:t>
+              <a:t>20/11/2022</a:t>
             </a:fld>
             <a:endParaRPr lang="fr-FR"/>
           </a:p>
@@ -4786,7 +5272,7 @@
           <a:p>
             <a:fld id="{0A206D1B-E756-4A82-9838-551DE185C738}" type="datetimeFigureOut">
               <a:rPr lang="fr-FR" smtClean="0"/>
-              <a:t>17/11/2022</a:t>
+              <a:t>20/11/2022</a:t>
             </a:fld>
             <a:endParaRPr lang="fr-FR"/>
           </a:p>
@@ -5018,7 +5504,7 @@
           <a:p>
             <a:fld id="{0A206D1B-E756-4A82-9838-551DE185C738}" type="datetimeFigureOut">
               <a:rPr lang="fr-FR" smtClean="0"/>
-              <a:t>17/11/2022</a:t>
+              <a:t>20/11/2022</a:t>
             </a:fld>
             <a:endParaRPr lang="fr-FR"/>
           </a:p>
@@ -5385,7 +5871,7 @@
           <a:p>
             <a:fld id="{0A206D1B-E756-4A82-9838-551DE185C738}" type="datetimeFigureOut">
               <a:rPr lang="fr-FR" smtClean="0"/>
-              <a:t>17/11/2022</a:t>
+              <a:t>20/11/2022</a:t>
             </a:fld>
             <a:endParaRPr lang="fr-FR"/>
           </a:p>
@@ -5503,7 +5989,7 @@
           <a:p>
             <a:fld id="{0A206D1B-E756-4A82-9838-551DE185C738}" type="datetimeFigureOut">
               <a:rPr lang="fr-FR" smtClean="0"/>
-              <a:t>17/11/2022</a:t>
+              <a:t>20/11/2022</a:t>
             </a:fld>
             <a:endParaRPr lang="fr-FR"/>
           </a:p>
@@ -5598,7 +6084,7 @@
           <a:p>
             <a:fld id="{0A206D1B-E756-4A82-9838-551DE185C738}" type="datetimeFigureOut">
               <a:rPr lang="fr-FR" smtClean="0"/>
-              <a:t>17/11/2022</a:t>
+              <a:t>20/11/2022</a:t>
             </a:fld>
             <a:endParaRPr lang="fr-FR"/>
           </a:p>
@@ -5875,7 +6361,7 @@
           <a:p>
             <a:fld id="{0A206D1B-E756-4A82-9838-551DE185C738}" type="datetimeFigureOut">
               <a:rPr lang="fr-FR" smtClean="0"/>
-              <a:t>17/11/2022</a:t>
+              <a:t>20/11/2022</a:t>
             </a:fld>
             <a:endParaRPr lang="fr-FR"/>
           </a:p>
@@ -6128,7 +6614,7 @@
           <a:p>
             <a:fld id="{0A206D1B-E756-4A82-9838-551DE185C738}" type="datetimeFigureOut">
               <a:rPr lang="fr-FR" smtClean="0"/>
-              <a:t>17/11/2022</a:t>
+              <a:t>20/11/2022</a:t>
             </a:fld>
             <a:endParaRPr lang="fr-FR"/>
           </a:p>
@@ -6341,7 +6827,7 @@
           <a:p>
             <a:fld id="{0A206D1B-E756-4A82-9838-551DE185C738}" type="datetimeFigureOut">
               <a:rPr lang="fr-FR" smtClean="0"/>
-              <a:t>17/11/2022</a:t>
+              <a:t>20/11/2022</a:t>
             </a:fld>
             <a:endParaRPr lang="fr-FR"/>
           </a:p>
@@ -6869,7 +7355,7 @@
             </a:r>
             <a:r>
               <a:rPr lang="fr-FR" dirty="0" smtClean="0"/>
-              <a:t>et suivre </a:t>
+              <a:t>(conflits,..)et suivre </a:t>
             </a:r>
             <a:r>
               <a:rPr lang="fr-FR" dirty="0"/>
@@ -7315,7 +7801,6 @@
               <a:rPr lang="fr-FR" dirty="0" smtClean="0"/>
               <a:t>	Une autre versions de projet, une ligne de vie indépendante. </a:t>
             </a:r>
-            <a:endParaRPr lang="fr-FR" dirty="0" smtClean="0"/>
           </a:p>
           <a:p>
             <a:pPr marL="571500" indent="-571500">
@@ -7386,11 +7871,7 @@
             </a:pPr>
             <a:r>
               <a:rPr lang="fr-FR" dirty="0" smtClean="0"/>
-              <a:t>Assuré que les normes de codage sont maintenue, et facilite la collaboration quelque soit la taille	 de </a:t>
-            </a:r>
-            <a:r>
-              <a:rPr lang="fr-FR" dirty="0" smtClean="0"/>
-              <a:t>l’équipe.</a:t>
+              <a:t>Assuré que les normes de codage sont maintenue, et facilite la collaboration quelque soit la taille	 de l’équipe.</a:t>
             </a:r>
           </a:p>
           <a:p>
@@ -7527,25 +8008,13 @@
             </a:r>
             <a:r>
               <a:rPr lang="fr-FR" sz="2800" dirty="0" smtClean="0"/>
-              <a:t>stratégie de workflow de branche on peut choisir une </a:t>
-            </a:r>
-            <a:r>
-              <a:rPr lang="fr-FR" sz="2800" dirty="0" smtClean="0"/>
-              <a:t>parmi elles </a:t>
-            </a:r>
-            <a:r>
-              <a:rPr lang="fr-FR" sz="2800" dirty="0" smtClean="0"/>
-              <a:t>ou bien crées  un workflow de </a:t>
-            </a:r>
-            <a:r>
-              <a:rPr lang="fr-FR" sz="2800" dirty="0" smtClean="0"/>
-              <a:t>branche personnalisé.</a:t>
-            </a:r>
-          </a:p>
-          <a:p>
-            <a:pPr marL="514350" indent="-514350">
+              <a:t>stratégie de workflow de branche on peut choisir une parmi elles ou bien crées  un workflow de branche personnalisé.</a:t>
+            </a:r>
+          </a:p>
+          <a:p>
+            <a:pPr marL="571500" indent="-571500">
               <a:buFont typeface="+mj-lt"/>
-              <a:buAutoNum type="arabicPeriod" startAt="10"/>
+              <a:buAutoNum type="romanUcPeriod" startAt="10"/>
             </a:pPr>
             <a:r>
               <a:rPr lang="fr-FR" sz="2800" b="1" dirty="0"/>
@@ -7590,9 +8059,13 @@
             </a:r>
           </a:p>
           <a:p>
+            <a:pPr marL="571500" indent="-571500">
+              <a:buFont typeface="+mj-lt"/>
+              <a:buAutoNum type="romanUcPeriod" startAt="11"/>
+            </a:pPr>
             <a:r>
               <a:rPr lang="fr-FR" sz="2800" b="1" dirty="0" smtClean="0"/>
-              <a:t>2.Exemple </a:t>
+              <a:t>Exemple </a:t>
             </a:r>
             <a:r>
               <a:rPr lang="fr-FR" sz="2800" b="1" dirty="0"/>
@@ -7658,11 +8131,7 @@
             </a:r>
             <a:r>
               <a:rPr lang="fr-FR" sz="2800" dirty="0" smtClean="0"/>
-              <a:t> (non adapté pour les petit projet</a:t>
-            </a:r>
-            <a:r>
-              <a:rPr lang="fr-FR" sz="2800" dirty="0" smtClean="0"/>
-              <a:t>).</a:t>
+              <a:t> (non adapté pour les petit projet).</a:t>
             </a:r>
           </a:p>
           <a:p>
@@ -7784,7 +8253,7 @@
         <p:spPr>
           <a:xfrm>
             <a:off x="0" y="83128"/>
-            <a:ext cx="12192000" cy="7714933"/>
+            <a:ext cx="12192000" cy="6618735"/>
           </a:xfrm>
           <a:prstGeom prst="rect">
             <a:avLst/>
@@ -7802,12 +8271,12 @@
             </a:pPr>
             <a:r>
               <a:rPr lang="fr-FR" sz="2800" b="1" dirty="0" smtClean="0"/>
-              <a:t>Commandes</a:t>
-            </a:r>
-            <a:r>
-              <a:rPr lang="fr-FR" sz="2800" b="1" dirty="0"/>
-              <a:t>:</a:t>
-            </a:r>
+              <a:t>Commandes sur les branches:</a:t>
+            </a:r>
+            <a:endParaRPr lang="fr-FR" sz="2800" b="1" dirty="0" smtClean="0"/>
+          </a:p>
+          <a:p>
+            <a:endParaRPr lang="fr-FR" sz="2800" b="1" dirty="0"/>
           </a:p>
           <a:p>
             <a:pPr marL="514350" indent="-244475">
@@ -7819,11 +8288,11 @@
               </a:tabLst>
             </a:pPr>
             <a:r>
-              <a:rPr lang="fr-FR" dirty="0"/>
+              <a:rPr lang="fr-FR" b="1" dirty="0"/>
               <a:t>	</a:t>
             </a:r>
             <a:r>
-              <a:rPr lang="fr-FR" sz="2400" dirty="0"/>
+              <a:rPr lang="fr-FR" sz="2800" dirty="0"/>
               <a:t>Lister les branches du projet</a:t>
             </a:r>
           </a:p>
@@ -7841,9 +8310,9 @@
             </a:r>
           </a:p>
           <a:p>
-            <a:pPr marL="514350" indent="-244475">
+            <a:pPr marL="622300" indent="-357188">
               <a:buFont typeface="+mj-lt"/>
-              <a:buAutoNum type="arabicPeriod"/>
+              <a:buAutoNum type="arabicPeriod" startAt="2"/>
               <a:tabLst>
                 <a:tab pos="363538" algn="l"/>
                 <a:tab pos="623888" algn="l"/>
@@ -7851,11 +8320,11 @@
             </a:pPr>
             <a:r>
               <a:rPr lang="fr-FR" sz="2400" dirty="0" smtClean="0"/>
-              <a:t> Ajouter </a:t>
-            </a:r>
-            <a:r>
-              <a:rPr lang="fr-FR" sz="2400" dirty="0"/>
-              <a:t>une branch</a:t>
+              <a:t> </a:t>
+            </a:r>
+            <a:r>
+              <a:rPr lang="fr-FR" sz="2800" dirty="0"/>
+              <a:t>Ajouter une branch</a:t>
             </a:r>
           </a:p>
           <a:p>
@@ -7928,45 +8397,7 @@
             </a:r>
           </a:p>
           <a:p>
-            <a:pPr marL="1158875" lvl="1" indent="-890588">
-              <a:tabLst>
-                <a:tab pos="363538" algn="l"/>
-                <a:tab pos="623888" algn="l"/>
-              </a:tabLst>
-            </a:pPr>
-            <a:r>
-              <a:rPr lang="fr-FR" altLang="fr-FR" sz="2400" dirty="0" smtClean="0"/>
-              <a:t>3.Téléchargeles les changement de dépôt distant dans le dépôt locale sans écrasé le code de la branch courent (évité la divergence local remote)</a:t>
-            </a:r>
-            <a:endParaRPr lang="fr-FR" altLang="fr-FR" sz="2400" dirty="0"/>
-          </a:p>
-          <a:p>
-            <a:pPr marL="820738" lvl="1" indent="-192088">
-              <a:lnSpc>
-                <a:spcPct val="90000"/>
-              </a:lnSpc>
-              <a:spcBef>
-                <a:spcPts val="500"/>
-              </a:spcBef>
-              <a:buFont typeface="Arial" panose="020B0604020202020204" pitchFamily="34" charset="0"/>
-              <a:buChar char="•"/>
-              <a:tabLst>
-                <a:tab pos="628650" algn="l"/>
-                <a:tab pos="1163638" algn="l"/>
-              </a:tabLst>
-            </a:pPr>
-            <a:r>
-              <a:rPr lang="fr-FR" altLang="fr-FR" sz="2600" b="1" i="1" dirty="0" smtClean="0"/>
-              <a:t>git </a:t>
-            </a:r>
-            <a:r>
-              <a:rPr lang="fr-FR" altLang="fr-FR" sz="2600" b="1" i="1" dirty="0" err="1" smtClean="0"/>
-              <a:t>fetch</a:t>
-            </a:r>
-            <a:endParaRPr lang="fr-FR" altLang="fr-FR" sz="2600" b="1" i="1" dirty="0"/>
-          </a:p>
-          <a:p>
-            <a:pPr marL="533400" lvl="1" indent="-266700">
+            <a:pPr marL="622300" lvl="1" indent="-352425">
               <a:lnSpc>
                 <a:spcPct val="90000"/>
               </a:lnSpc>
@@ -7976,55 +8407,17 @@
               <a:buFont typeface="+mj-lt"/>
               <a:buAutoNum type="arabicPeriod" startAt="4"/>
               <a:tabLst>
-                <a:tab pos="361950" algn="l"/>
-                <a:tab pos="1163638" algn="l"/>
+                <a:tab pos="363538" algn="l"/>
+                <a:tab pos="623888" algn="l"/>
               </a:tabLst>
             </a:pPr>
             <a:r>
-              <a:rPr lang="fr-FR" altLang="fr-FR" sz="2400" dirty="0" smtClean="0"/>
-              <a:t>Mergé deux branche</a:t>
-            </a:r>
-            <a:endParaRPr lang="fr-FR" altLang="fr-FR" sz="2400" dirty="0"/>
-          </a:p>
-          <a:p>
-            <a:pPr marL="800100" lvl="1" indent="-171450">
-              <a:buFont typeface="Arial" panose="020B0604020202020204" pitchFamily="34" charset="0"/>
-              <a:buChar char="•"/>
-              <a:tabLst>
-                <a:tab pos="533400" algn="l"/>
-                <a:tab pos="623888" algn="l"/>
-                <a:tab pos="800100" algn="l"/>
-              </a:tabLst>
-            </a:pPr>
-            <a:r>
-              <a:rPr lang="fr-FR" sz="2400" b="1" i="1" dirty="0" smtClean="0"/>
-              <a:t>git </a:t>
-            </a:r>
-            <a:r>
-              <a:rPr lang="fr-FR" sz="2400" b="1" i="1" dirty="0" err="1" smtClean="0"/>
-              <a:t>merge</a:t>
-            </a:r>
-            <a:r>
-              <a:rPr lang="fr-FR" sz="2400" b="1" i="1" dirty="0" smtClean="0"/>
-              <a:t> branch</a:t>
-            </a:r>
-          </a:p>
-          <a:p>
-            <a:pPr marL="533400" lvl="1" indent="-266700">
-              <a:buFont typeface="+mj-lt"/>
-              <a:buAutoNum type="arabicPeriod"/>
-              <a:tabLst>
-                <a:tab pos="363538" algn="l"/>
-                <a:tab pos="533400" algn="l"/>
-              </a:tabLst>
-            </a:pPr>
-            <a:r>
-              <a:rPr lang="fr-FR" sz="2400" dirty="0"/>
-              <a:t>Supprimer une </a:t>
-            </a:r>
-            <a:r>
-              <a:rPr lang="fr-FR" sz="2400" dirty="0" smtClean="0"/>
-              <a:t>branche local</a:t>
+              <a:rPr lang="fr-FR" sz="2800" dirty="0" smtClean="0"/>
+              <a:t>Supprimer </a:t>
+            </a:r>
+            <a:r>
+              <a:rPr lang="fr-FR" sz="2800" dirty="0"/>
+              <a:t>une branche local</a:t>
             </a:r>
           </a:p>
           <a:p>
@@ -8037,8 +8430,12 @@
               </a:tabLst>
             </a:pPr>
             <a:r>
+              <a:rPr lang="fr-FR" sz="2600" dirty="0"/>
+              <a:t>git</a:t>
+            </a:r>
+            <a:r>
               <a:rPr lang="fr-FR" sz="2400" b="1" i="1" dirty="0" smtClean="0"/>
-              <a:t>git </a:t>
+              <a:t> </a:t>
             </a:r>
             <a:r>
               <a:rPr lang="fr-FR" sz="2400" b="1" i="1" dirty="0"/>
@@ -8058,21 +8455,23 @@
             </a:r>
           </a:p>
           <a:p>
-            <a:pPr marL="533400" lvl="1" indent="-266700">
+            <a:pPr marL="622300" lvl="1" indent="-352425">
+              <a:lnSpc>
+                <a:spcPct val="90000"/>
+              </a:lnSpc>
+              <a:spcBef>
+                <a:spcPts val="500"/>
+              </a:spcBef>
               <a:buFont typeface="+mj-lt"/>
-              <a:buAutoNum type="arabicPeriod"/>
+              <a:buAutoNum type="arabicPeriod" startAt="5"/>
               <a:tabLst>
                 <a:tab pos="363538" algn="l"/>
-                <a:tab pos="533400" algn="l"/>
+                <a:tab pos="623888" algn="l"/>
               </a:tabLst>
             </a:pPr>
             <a:r>
-              <a:rPr lang="fr-FR" sz="2400" dirty="0"/>
-              <a:t>Switcher entre deux </a:t>
-            </a:r>
-            <a:r>
-              <a:rPr lang="fr-FR" sz="2400" dirty="0" smtClean="0"/>
-              <a:t>branches</a:t>
+              <a:rPr lang="fr-FR" sz="2800" dirty="0"/>
+              <a:t>Switcher entre deux branches</a:t>
             </a:r>
           </a:p>
           <a:p>
@@ -8102,25 +8501,27 @@
             </a:r>
           </a:p>
           <a:p>
-            <a:pPr marL="742950" lvl="1" indent="-457200">
+            <a:pPr marL="784225" lvl="1" indent="-514350">
+              <a:lnSpc>
+                <a:spcPct val="90000"/>
+              </a:lnSpc>
+              <a:spcBef>
+                <a:spcPts val="500"/>
+              </a:spcBef>
               <a:buFont typeface="+mj-lt"/>
-              <a:buAutoNum type="arabicPeriod"/>
+              <a:buAutoNum type="arabicPeriod" startAt="6"/>
               <a:tabLst>
-                <a:tab pos="457200" algn="l"/>
-                <a:tab pos="533400" algn="l"/>
+                <a:tab pos="363538" algn="l"/>
+                <a:tab pos="623888" algn="l"/>
               </a:tabLst>
             </a:pPr>
             <a:r>
-              <a:rPr lang="fr-FR" sz="2400" dirty="0"/>
-              <a:t>Supprimer la </a:t>
-            </a:r>
-            <a:r>
-              <a:rPr lang="fr-FR" sz="2400" dirty="0" smtClean="0"/>
-              <a:t>référence au dépôt distant</a:t>
-            </a:r>
-          </a:p>
-          <a:p>
-            <a:pPr marL="628650" lvl="1" indent="-342900">
+              <a:rPr lang="fr-FR" sz="2800" dirty="0"/>
+              <a:t>Supprimer la référence au dépôt distant</a:t>
+            </a:r>
+          </a:p>
+          <a:p>
+            <a:pPr marL="628650" lvl="1" indent="-6350">
               <a:buFont typeface="Arial" panose="020B0604020202020204" pitchFamily="34" charset="0"/>
               <a:buChar char="•"/>
               <a:tabLst>
@@ -8232,8 +8633,8 @@
         </p:nvSpPr>
         <p:spPr>
           <a:xfrm>
-            <a:off x="171450" y="342900"/>
-            <a:ext cx="11734800" cy="6362700"/>
+            <a:off x="0" y="0"/>
+            <a:ext cx="11906250" cy="6705600"/>
           </a:xfrm>
         </p:spPr>
         <p:txBody>
@@ -8244,16 +8645,47 @@
               <a:buFont typeface="+mj-lt"/>
               <a:buAutoNum type="arabicPeriod"/>
             </a:pPr>
-            <a:r>
-              <a:rPr lang="fr-FR" dirty="0" smtClean="0"/>
-              <a:t>pusher dans une autre branche</a:t>
+            <a:endParaRPr lang="fr-FR" dirty="0" smtClean="0"/>
+          </a:p>
+          <a:p>
+            <a:pPr marL="622300" lvl="1" indent="-352425">
+              <a:buFont typeface="+mj-lt"/>
+              <a:buAutoNum type="arabicPeriod" startAt="3"/>
+              <a:tabLst>
+                <a:tab pos="363538" algn="l"/>
+                <a:tab pos="623888" algn="l"/>
+              </a:tabLst>
+            </a:pPr>
+            <a:r>
+              <a:rPr lang="fr-FR" sz="2800" dirty="0"/>
+              <a:t>Uploader (pusher) les changement dans une autre branche</a:t>
             </a:r>
           </a:p>
           <a:p>
             <a:pPr indent="133350"/>
             <a:r>
+              <a:rPr lang="fr-FR" b="1" i="1" dirty="0" smtClean="0"/>
+              <a:t>git push </a:t>
+            </a:r>
+            <a:r>
+              <a:rPr lang="fr-FR" b="1" i="1" dirty="0" err="1" smtClean="0"/>
+              <a:t>origin</a:t>
+            </a:r>
+            <a:r>
+              <a:rPr lang="fr-FR" b="1" i="1" dirty="0" smtClean="0"/>
+              <a:t> «  </a:t>
+            </a:r>
+            <a:r>
+              <a:rPr lang="fr-FR" b="1" i="1" dirty="0" err="1" smtClean="0"/>
+              <a:t>brancheName</a:t>
+            </a:r>
+            <a:r>
+              <a:rPr lang="fr-FR" b="1" i="1" dirty="0" smtClean="0"/>
+              <a:t>»,git </a:t>
+            </a:r>
+            <a:r>
               <a:rPr lang="fr-FR" b="1" i="1" dirty="0"/>
-              <a:t>git push </a:t>
+              <a:t>push </a:t>
             </a:r>
             <a:r>
               <a:rPr lang="fr-FR" b="1" i="1" dirty="0" err="1"/>
@@ -8269,18 +8701,141 @@
             </a:r>
             <a:r>
               <a:rPr lang="fr-FR" b="1" i="1" dirty="0"/>
-              <a:t> :remotebranche</a:t>
-            </a:r>
+              <a:t> :</a:t>
+            </a:r>
+            <a:r>
+              <a:rPr lang="fr-FR" b="1" i="1" dirty="0" err="1" smtClean="0"/>
+              <a:t>rembranche</a:t>
+            </a:r>
+            <a:endParaRPr lang="fr-FR" b="1" i="1" dirty="0"/>
+          </a:p>
+          <a:p>
+            <a:pPr marL="514350" indent="-249238">
+              <a:buFont typeface="+mj-lt"/>
+              <a:buAutoNum type="arabicPeriod" startAt="2"/>
+            </a:pPr>
+            <a:r>
+              <a:rPr lang="fr-FR" altLang="fr-FR" dirty="0"/>
+              <a:t>Télécharger les changement de dépôt distant dans le dépôt </a:t>
+            </a:r>
+            <a:r>
+              <a:rPr lang="fr-FR" altLang="fr-FR" dirty="0" smtClean="0"/>
+              <a:t>locale avec</a:t>
+            </a:r>
+          </a:p>
+          <a:p>
+            <a:r>
+              <a:rPr lang="fr-FR" altLang="fr-FR" sz="2600" b="1" i="1" dirty="0"/>
+              <a:t>	</a:t>
+            </a:r>
+            <a:r>
+              <a:rPr lang="fr-FR" altLang="fr-FR" b="1" i="1" dirty="0"/>
+              <a:t>git pull</a:t>
+            </a:r>
+          </a:p>
+          <a:p>
+            <a:pPr marL="514350" lvl="1" indent="-249238">
+              <a:buFont typeface="+mj-lt"/>
+              <a:buAutoNum type="arabicPeriod"/>
+              <a:tabLst>
+                <a:tab pos="363538" algn="l"/>
+                <a:tab pos="623888" algn="l"/>
+              </a:tabLst>
+            </a:pPr>
+            <a:r>
+              <a:rPr lang="fr-FR" altLang="fr-FR" sz="2800" dirty="0"/>
+              <a:t>Télécharger les </a:t>
+            </a:r>
+            <a:r>
+              <a:rPr lang="fr-FR" altLang="fr-FR" sz="2800" dirty="0" smtClean="0"/>
+              <a:t>changement </a:t>
+            </a:r>
+            <a:r>
+              <a:rPr lang="fr-FR" altLang="fr-FR" sz="2800" dirty="0"/>
+              <a:t>de dépôt distant dans le dépôt locale sans </a:t>
+            </a:r>
+            <a:r>
+              <a:rPr lang="fr-FR" altLang="fr-FR" sz="2800" dirty="0" smtClean="0"/>
+              <a:t>intégration de ces nouvelle données dans le repo locale(</a:t>
+            </a:r>
+            <a:r>
+              <a:rPr lang="fr-FR" altLang="fr-FR" sz="2800" dirty="0" err="1" smtClean="0"/>
+              <a:t>iniffensive</a:t>
+            </a:r>
+            <a:r>
+              <a:rPr lang="fr-FR" altLang="fr-FR" sz="2800" dirty="0" smtClean="0"/>
+              <a:t>)</a:t>
+            </a:r>
+            <a:endParaRPr lang="fr-FR" altLang="fr-FR" sz="2800" dirty="0"/>
+          </a:p>
+          <a:p>
+            <a:pPr marL="820738" lvl="1" indent="-192088">
+              <a:tabLst>
+                <a:tab pos="628650" algn="l"/>
+                <a:tab pos="1163638" algn="l"/>
+              </a:tabLst>
+            </a:pPr>
+            <a:r>
+              <a:rPr lang="fr-FR" altLang="fr-FR" sz="2600" b="1" i="1" dirty="0"/>
+              <a:t>git </a:t>
+            </a:r>
+            <a:r>
+              <a:rPr lang="fr-FR" altLang="fr-FR" sz="2600" b="1" i="1" dirty="0" err="1" smtClean="0"/>
+              <a:t>fetch</a:t>
+            </a:r>
+            <a:endParaRPr lang="fr-FR" altLang="fr-FR" sz="2600" b="1" i="1" dirty="0" smtClean="0"/>
+          </a:p>
+          <a:p>
+            <a:pPr marL="622300" lvl="1" indent="-357188">
+              <a:buFont typeface="+mj-lt"/>
+              <a:buAutoNum type="arabicPeriod" startAt="3"/>
+              <a:tabLst>
+                <a:tab pos="363538" algn="l"/>
+                <a:tab pos="622300" algn="l"/>
+                <a:tab pos="623888" algn="l"/>
+              </a:tabLst>
+            </a:pPr>
+            <a:r>
+              <a:rPr lang="fr-FR" altLang="fr-FR" sz="2800" dirty="0"/>
+              <a:t> Intégrer une autre branche à la branche locale </a:t>
+            </a:r>
+            <a:r>
+              <a:rPr lang="fr-FR" altLang="fr-FR" sz="2800" dirty="0" smtClean="0"/>
+              <a:t>courante </a:t>
+            </a:r>
+            <a:endParaRPr lang="fr-FR" altLang="fr-FR" sz="2800" dirty="0"/>
+          </a:p>
+          <a:p>
+            <a:pPr marL="800100" lvl="1" indent="-171450">
+              <a:tabLst>
+                <a:tab pos="533400" algn="l"/>
+                <a:tab pos="623888" algn="l"/>
+                <a:tab pos="800100" algn="l"/>
+              </a:tabLst>
+            </a:pPr>
+            <a:r>
+              <a:rPr lang="fr-FR" sz="2000" b="1" i="1" dirty="0"/>
+              <a:t>git merge </a:t>
+            </a:r>
+            <a:r>
+              <a:rPr lang="fr-FR" sz="2000" b="1" i="1" dirty="0" smtClean="0"/>
+              <a:t>branch</a:t>
+            </a:r>
+          </a:p>
+          <a:p>
+            <a:pPr marL="820738" lvl="1" indent="-192088">
+              <a:tabLst>
+                <a:tab pos="628650" algn="l"/>
+                <a:tab pos="1163638" algn="l"/>
+              </a:tabLst>
+            </a:pPr>
+            <a:endParaRPr lang="fr-FR" altLang="fr-FR" sz="2600" dirty="0"/>
           </a:p>
           <a:p>
             <a:pPr marL="514350" indent="-514350">
               <a:buFont typeface="+mj-lt"/>
-              <a:buAutoNum type="arabicPeriod"/>
-            </a:pPr>
-            <a:r>
-              <a:rPr lang="fr-FR" dirty="0" smtClean="0"/>
-              <a:t>Intégrations des changement</a:t>
-            </a:r>
+              <a:buAutoNum type="arabicPeriod" startAt="2"/>
+            </a:pPr>
             <a:endParaRPr lang="fr-FR" dirty="0"/>
           </a:p>
         </p:txBody>
@@ -8295,6 +8850,13 @@
   <p:clrMapOvr>
     <a:masterClrMapping/>
   </p:clrMapOvr>
+  <p:timing>
+    <p:tnLst>
+      <p:par>
+        <p:cTn id="1" dur="indefinite" restart="never" nodeType="tmRoot"/>
+      </p:par>
+    </p:tnLst>
+  </p:timing>
 </p:sld>
 </file>
 
@@ -8317,6 +8879,699 @@
       </p:grpSpPr>
       <p:sp>
         <p:nvSpPr>
+          <p:cNvPr id="4" name="Titre 1"/>
+          <p:cNvSpPr txBox="1">
+            <a:spLocks/>
+          </p:cNvSpPr>
+          <p:nvPr/>
+        </p:nvSpPr>
+        <p:spPr>
+          <a:xfrm>
+            <a:off x="4639917" y="0"/>
+            <a:ext cx="2912165" cy="628788"/>
+          </a:xfrm>
+          <a:prstGeom prst="rect">
+            <a:avLst/>
+          </a:prstGeom>
+        </p:spPr>
+        <p:txBody>
+          <a:bodyPr vert="horz" lIns="91440" tIns="45720" rIns="91440" bIns="45720" rtlCol="0" anchor="ctr">
+            <a:normAutofit fontScale="90000" lnSpcReduction="10000"/>
+          </a:bodyPr>
+          <a:lstStyle>
+            <a:lvl1pPr algn="l" defTabSz="914400" rtl="0" eaLnBrk="1" latinLnBrk="0" hangingPunct="1">
+              <a:lnSpc>
+                <a:spcPct val="90000"/>
+              </a:lnSpc>
+              <a:spcBef>
+                <a:spcPct val="0"/>
+              </a:spcBef>
+              <a:buNone/>
+              <a:defRPr sz="4400" kern="1200">
+                <a:solidFill>
+                  <a:schemeClr val="tx1"/>
+                </a:solidFill>
+                <a:latin typeface="+mj-lt"/>
+                <a:ea typeface="+mj-ea"/>
+                <a:cs typeface="+mj-cs"/>
+              </a:defRPr>
+            </a:lvl1pPr>
+          </a:lstStyle>
+          <a:p>
+            <a:r>
+              <a:rPr lang="fr-FR" b="1" smtClean="0"/>
+              <a:t>Conflits</a:t>
+            </a:r>
+            <a:endParaRPr lang="fr-FR" b="1" dirty="0"/>
+          </a:p>
+        </p:txBody>
+      </p:sp>
+      <p:sp>
+        <p:nvSpPr>
+          <p:cNvPr id="5" name="Rectangle 4"/>
+          <p:cNvSpPr/>
+          <p:nvPr/>
+        </p:nvSpPr>
+        <p:spPr>
+          <a:xfrm>
+            <a:off x="198783" y="1336021"/>
+            <a:ext cx="11993217" cy="3816429"/>
+          </a:xfrm>
+          <a:prstGeom prst="rect">
+            <a:avLst/>
+          </a:prstGeom>
+        </p:spPr>
+        <p:txBody>
+          <a:bodyPr wrap="square">
+            <a:spAutoFit/>
+          </a:bodyPr>
+          <a:lstStyle/>
+          <a:p>
+            <a:r>
+              <a:rPr lang="fr-FR" sz="2800" b="1" dirty="0" smtClean="0"/>
+              <a:t>Définition</a:t>
+            </a:r>
+            <a:r>
+              <a:rPr lang="fr-FR" sz="2800" dirty="0" smtClean="0"/>
+              <a:t>:	</a:t>
+            </a:r>
+          </a:p>
+          <a:p>
+            <a:r>
+              <a:rPr lang="fr-FR" sz="2800" dirty="0"/>
+              <a:t>	</a:t>
+            </a:r>
+            <a:r>
+              <a:rPr lang="fr-FR" sz="2800" dirty="0" smtClean="0"/>
+              <a:t>Deux </a:t>
+            </a:r>
+            <a:r>
+              <a:rPr lang="fr-FR" sz="2800" dirty="0"/>
+              <a:t>branches distinctes  modifie le me </a:t>
+            </a:r>
+            <a:r>
+              <a:rPr lang="fr-FR" sz="2800" dirty="0" smtClean="0"/>
+              <a:t>fichier</a:t>
+            </a:r>
+          </a:p>
+          <a:p>
+            <a:pPr marL="457200" indent="-457200">
+              <a:buFont typeface="Arial" panose="020B0604020202020204" pitchFamily="34" charset="0"/>
+              <a:buChar char="•"/>
+            </a:pPr>
+            <a:r>
+              <a:rPr lang="fr-FR" sz="2800" dirty="0"/>
+              <a:t>Les conflits sont couteux et prend de temps</a:t>
+            </a:r>
+          </a:p>
+          <a:p>
+            <a:pPr marL="457200" indent="-457200">
+              <a:buFont typeface="Arial" panose="020B0604020202020204" pitchFamily="34" charset="0"/>
+              <a:buChar char="•"/>
+            </a:pPr>
+            <a:r>
+              <a:rPr lang="fr-FR" sz="2800" dirty="0"/>
+              <a:t>Les conflits affecte la personne qui à fait le </a:t>
+            </a:r>
+            <a:r>
+              <a:rPr lang="fr-FR" sz="2800" dirty="0" smtClean="0"/>
+              <a:t>merge</a:t>
+            </a:r>
+          </a:p>
+          <a:p>
+            <a:pPr marL="457200" indent="-457200">
+              <a:buFont typeface="Arial" panose="020B0604020202020204" pitchFamily="34" charset="0"/>
+              <a:buChar char="•"/>
+            </a:pPr>
+            <a:r>
+              <a:rPr lang="fr-FR" sz="2800" dirty="0" smtClean="0"/>
+              <a:t>Les autres membres de l’équipe ignore le conflit(vont pas le percevoir)</a:t>
+            </a:r>
+          </a:p>
+          <a:p>
+            <a:pPr marL="457200" indent="-457200">
+              <a:buFont typeface="Arial" panose="020B0604020202020204" pitchFamily="34" charset="0"/>
+              <a:buChar char="•"/>
+            </a:pPr>
+            <a:r>
+              <a:rPr lang="fr-FR" sz="2800" dirty="0" smtClean="0"/>
+              <a:t>Git marque le fichier en confit et arrête le processus de merge et au développeur de résoudre le conflit</a:t>
+            </a:r>
+          </a:p>
+          <a:p>
+            <a:pPr marL="457200" indent="-457200">
+              <a:buFont typeface="Arial" panose="020B0604020202020204" pitchFamily="34" charset="0"/>
+              <a:buChar char="•"/>
+            </a:pPr>
+            <a:r>
+              <a:rPr lang="fr-FR" sz="2800" dirty="0" smtClean="0"/>
+              <a:t>Deux types de conflits au démarrage ou bien pendant le processus de merge</a:t>
+            </a:r>
+            <a:endParaRPr lang="fr-FR" sz="2800" dirty="0"/>
+          </a:p>
+          <a:p>
+            <a:endParaRPr lang="fr-FR" dirty="0"/>
+          </a:p>
+        </p:txBody>
+      </p:sp>
+    </p:spTree>
+    <p:extLst>
+      <p:ext uri="{BB962C8B-B14F-4D97-AF65-F5344CB8AC3E}">
+        <p14:creationId xmlns:p14="http://schemas.microsoft.com/office/powerpoint/2010/main" val="2060433316"/>
+      </p:ext>
+    </p:extLst>
+  </p:cSld>
+  <p:clrMapOvr>
+    <a:masterClrMapping/>
+  </p:clrMapOvr>
+</p:sld>
+</file>
+
+<file path=ppt/slides/slide16.xml><?xml version="1.0" encoding="utf-8"?>
+<p:sld xmlns:a="http://schemas.openxmlformats.org/drawingml/2006/main" xmlns:r="http://schemas.openxmlformats.org/officeDocument/2006/relationships" xmlns:p="http://schemas.openxmlformats.org/presentationml/2006/main">
+  <p:cSld>
+    <p:spTree>
+      <p:nvGrpSpPr>
+        <p:cNvPr id="1" name=""/>
+        <p:cNvGrpSpPr/>
+        <p:nvPr/>
+      </p:nvGrpSpPr>
+      <p:grpSpPr>
+        <a:xfrm>
+          <a:off x="0" y="0"/>
+          <a:ext cx="0" cy="0"/>
+          <a:chOff x="0" y="0"/>
+          <a:chExt cx="0" cy="0"/>
+        </a:xfrm>
+      </p:grpSpPr>
+      <p:sp>
+        <p:nvSpPr>
+          <p:cNvPr id="2" name="Titre 1"/>
+          <p:cNvSpPr>
+            <a:spLocks noGrp="1"/>
+          </p:cNvSpPr>
+          <p:nvPr>
+            <p:ph type="title"/>
+          </p:nvPr>
+        </p:nvSpPr>
+        <p:spPr>
+          <a:xfrm>
+            <a:off x="4639917" y="0"/>
+            <a:ext cx="3245126" cy="628788"/>
+          </a:xfrm>
+        </p:spPr>
+        <p:txBody>
+          <a:bodyPr>
+            <a:normAutofit fontScale="90000"/>
+          </a:bodyPr>
+          <a:lstStyle/>
+          <a:p>
+            <a:r>
+              <a:rPr lang="fr-FR" b="1" dirty="0" smtClean="0"/>
+              <a:t>Conflits(Suite)</a:t>
+            </a:r>
+            <a:endParaRPr lang="fr-FR" b="1" dirty="0"/>
+          </a:p>
+        </p:txBody>
+      </p:sp>
+      <p:sp>
+        <p:nvSpPr>
+          <p:cNvPr id="4" name="Rectangle 3"/>
+          <p:cNvSpPr/>
+          <p:nvPr/>
+        </p:nvSpPr>
+        <p:spPr>
+          <a:xfrm>
+            <a:off x="0" y="648257"/>
+            <a:ext cx="12192000" cy="3539430"/>
+          </a:xfrm>
+          <a:prstGeom prst="rect">
+            <a:avLst/>
+          </a:prstGeom>
+        </p:spPr>
+        <p:txBody>
+          <a:bodyPr wrap="square">
+            <a:spAutoFit/>
+          </a:bodyPr>
+          <a:lstStyle/>
+          <a:p>
+            <a:pPr marL="542925" lvl="1" indent="-357188" defTabSz="622300">
+              <a:buFont typeface="+mj-lt"/>
+              <a:buAutoNum type="arabicPeriod"/>
+              <a:tabLst>
+                <a:tab pos="265113" algn="l"/>
+                <a:tab pos="542925" algn="l"/>
+              </a:tabLst>
+            </a:pPr>
+            <a:r>
+              <a:rPr lang="fr-FR" sz="2800" b="1" dirty="0" smtClean="0"/>
+              <a:t>Conflits</a:t>
+            </a:r>
+            <a:endParaRPr lang="fr-FR" sz="2800" b="1" dirty="0"/>
+          </a:p>
+          <a:p>
+            <a:pPr marL="450850" lvl="1">
+              <a:tabLst>
+                <a:tab pos="628650" algn="l"/>
+                <a:tab pos="1163638" algn="l"/>
+              </a:tabLst>
+            </a:pPr>
+            <a:r>
+              <a:rPr lang="fr-FR" altLang="fr-FR" sz="2800" dirty="0"/>
+              <a:t>Pour réglé le conflit on doit comprendre ce que votre collègue à fait</a:t>
+            </a:r>
+          </a:p>
+          <a:p>
+            <a:pPr marL="728663" lvl="1" indent="-277813">
+              <a:buFont typeface="Arial" panose="020B0604020202020204" pitchFamily="34" charset="0"/>
+              <a:buChar char="•"/>
+              <a:tabLst>
+                <a:tab pos="628650" algn="l"/>
+                <a:tab pos="1163638" algn="l"/>
+              </a:tabLst>
+            </a:pPr>
+            <a:r>
+              <a:rPr lang="fr-FR" altLang="fr-FR" sz="2800" dirty="0"/>
+              <a:t>À t’il édité le même fichier à la même ligne(plus courant)?</a:t>
+            </a:r>
+          </a:p>
+          <a:p>
+            <a:pPr marL="728663" lvl="1" indent="-277813">
+              <a:buFont typeface="Arial" panose="020B0604020202020204" pitchFamily="34" charset="0"/>
+              <a:buChar char="•"/>
+              <a:tabLst>
+                <a:tab pos="628650" algn="l"/>
+                <a:tab pos="1163638" algn="l"/>
+              </a:tabLst>
+            </a:pPr>
+            <a:r>
+              <a:rPr lang="fr-FR" altLang="fr-FR" sz="2800" dirty="0" err="1"/>
+              <a:t>A-t-il</a:t>
+            </a:r>
+            <a:r>
+              <a:rPr lang="fr-FR" altLang="fr-FR" sz="2800" dirty="0"/>
+              <a:t> supprimé un le fichier qu’on à modifié?</a:t>
+            </a:r>
+          </a:p>
+          <a:p>
+            <a:pPr marL="728663" lvl="1" indent="-277813">
+              <a:buFont typeface="Arial" panose="020B0604020202020204" pitchFamily="34" charset="0"/>
+              <a:buChar char="•"/>
+              <a:tabLst>
+                <a:tab pos="628650" algn="l"/>
+                <a:tab pos="1163638" algn="l"/>
+              </a:tabLst>
+            </a:pPr>
+            <a:r>
+              <a:rPr lang="fr-FR" altLang="fr-FR" sz="2800" dirty="0"/>
+              <a:t>Est-ce que on à jouté (tout les deux) un fichier avec même nom</a:t>
+            </a:r>
+            <a:r>
+              <a:rPr lang="fr-FR" altLang="fr-FR" sz="2800" dirty="0" smtClean="0"/>
+              <a:t>?</a:t>
+            </a:r>
+          </a:p>
+          <a:p>
+            <a:pPr marL="542925" lvl="1" indent="-357188">
+              <a:buFont typeface="+mj-lt"/>
+              <a:buAutoNum type="arabicPeriod"/>
+              <a:tabLst>
+                <a:tab pos="265113" algn="l"/>
+                <a:tab pos="542925" algn="l"/>
+                <a:tab pos="623888" algn="l"/>
+              </a:tabLst>
+            </a:pPr>
+            <a:r>
+              <a:rPr lang="fr-FR" altLang="fr-FR" sz="2800" b="1" dirty="0" smtClean="0"/>
+              <a:t>Réglé un conflit en allons on avant:</a:t>
+            </a:r>
+            <a:endParaRPr lang="fr-FR" altLang="fr-FR" sz="2800" b="1" dirty="0"/>
+          </a:p>
+          <a:p>
+            <a:pPr marL="820738" lvl="1" indent="-192088">
+              <a:tabLst>
+                <a:tab pos="628650" algn="l"/>
+                <a:tab pos="1163638" algn="l"/>
+              </a:tabLst>
+            </a:pPr>
+            <a:endParaRPr lang="fr-FR" altLang="fr-FR" sz="2800" dirty="0" smtClean="0"/>
+          </a:p>
+          <a:p>
+            <a:pPr marL="820738" lvl="1" indent="-192088">
+              <a:tabLst>
+                <a:tab pos="628650" algn="l"/>
+                <a:tab pos="1163638" algn="l"/>
+              </a:tabLst>
+            </a:pPr>
+            <a:endParaRPr lang="fr-FR" altLang="fr-FR" sz="2800" dirty="0" smtClean="0"/>
+          </a:p>
+        </p:txBody>
+      </p:sp>
+      <p:pic>
+        <p:nvPicPr>
+          <p:cNvPr id="6" name="Image 5"/>
+          <p:cNvPicPr>
+            <a:picLocks noChangeAspect="1"/>
+          </p:cNvPicPr>
+          <p:nvPr/>
+        </p:nvPicPr>
+        <p:blipFill>
+          <a:blip r:embed="rId3"/>
+          <a:stretch>
+            <a:fillRect/>
+          </a:stretch>
+        </p:blipFill>
+        <p:spPr>
+          <a:xfrm>
+            <a:off x="387315" y="3351350"/>
+            <a:ext cx="8001618" cy="836337"/>
+          </a:xfrm>
+          <a:prstGeom prst="rect">
+            <a:avLst/>
+          </a:prstGeom>
+        </p:spPr>
+      </p:pic>
+      <p:pic>
+        <p:nvPicPr>
+          <p:cNvPr id="7" name="Image 6"/>
+          <p:cNvPicPr>
+            <a:picLocks noChangeAspect="1"/>
+          </p:cNvPicPr>
+          <p:nvPr/>
+        </p:nvPicPr>
+        <p:blipFill>
+          <a:blip r:embed="rId4"/>
+          <a:stretch>
+            <a:fillRect/>
+          </a:stretch>
+        </p:blipFill>
+        <p:spPr>
+          <a:xfrm>
+            <a:off x="8550652" y="3351350"/>
+            <a:ext cx="3479629" cy="3405458"/>
+          </a:xfrm>
+          <a:prstGeom prst="rect">
+            <a:avLst/>
+          </a:prstGeom>
+        </p:spPr>
+      </p:pic>
+      <p:sp>
+        <p:nvSpPr>
+          <p:cNvPr id="8" name="ZoneTexte 7"/>
+          <p:cNvSpPr txBox="1"/>
+          <p:nvPr/>
+        </p:nvSpPr>
+        <p:spPr>
+          <a:xfrm>
+            <a:off x="0" y="4320209"/>
+            <a:ext cx="8550652" cy="2769989"/>
+          </a:xfrm>
+          <a:prstGeom prst="rect">
+            <a:avLst/>
+          </a:prstGeom>
+          <a:noFill/>
+        </p:spPr>
+        <p:txBody>
+          <a:bodyPr wrap="square" rtlCol="0">
+            <a:spAutoFit/>
+          </a:bodyPr>
+          <a:lstStyle/>
+          <a:p>
+            <a:pPr marL="728663" lvl="1" indent="-277813">
+              <a:buFont typeface="Arial" panose="020B0604020202020204" pitchFamily="34" charset="0"/>
+              <a:buChar char="•"/>
+              <a:tabLst>
+                <a:tab pos="628650" algn="l"/>
+                <a:tab pos="1163638" algn="l"/>
+              </a:tabLst>
+            </a:pPr>
+            <a:r>
+              <a:rPr lang="fr-FR" altLang="fr-FR" sz="2700" dirty="0"/>
+              <a:t>Git nous entoure la zone de </a:t>
+            </a:r>
+            <a:r>
+              <a:rPr lang="fr-FR" altLang="fr-FR" sz="2700" dirty="0" err="1"/>
+              <a:t>coflit</a:t>
+            </a:r>
+            <a:r>
+              <a:rPr lang="fr-FR" altLang="fr-FR" sz="2700" dirty="0"/>
+              <a:t> avec deux marqueurs ‘’&lt;&lt;&lt;&lt;&lt;&lt;HEAD’’ Et ‘’&gt;&gt;&gt;autre_nom_branche  </a:t>
+            </a:r>
+          </a:p>
+          <a:p>
+            <a:pPr marL="715963" lvl="1" indent="-265113">
+              <a:buFont typeface="Arial" panose="020B0604020202020204" pitchFamily="34" charset="0"/>
+              <a:buChar char="•"/>
+              <a:tabLst>
+                <a:tab pos="628650" algn="l"/>
+                <a:tab pos="1163638" algn="l"/>
+              </a:tabLst>
+            </a:pPr>
+            <a:r>
+              <a:rPr lang="fr-FR" altLang="fr-FR" sz="2700" dirty="0"/>
+              <a:t>Le contenue après le premier marqueurs vient de notre branche locale courante</a:t>
+            </a:r>
+          </a:p>
+          <a:p>
+            <a:pPr marL="1085850" lvl="1" indent="-457200">
+              <a:tabLst>
+                <a:tab pos="628650" algn="l"/>
+                <a:tab pos="1163638" algn="l"/>
+              </a:tabLst>
+            </a:pPr>
+            <a:r>
+              <a:rPr lang="fr-FR" altLang="fr-FR" sz="2700" dirty="0"/>
+              <a:t>Git utilise ’’=====‘’ pour séparé les deux contenues</a:t>
+            </a:r>
+          </a:p>
+          <a:p>
+            <a:endParaRPr lang="fr-FR" sz="1200" dirty="0"/>
+          </a:p>
+        </p:txBody>
+      </p:sp>
+    </p:spTree>
+    <p:extLst>
+      <p:ext uri="{BB962C8B-B14F-4D97-AF65-F5344CB8AC3E}">
+        <p14:creationId xmlns:p14="http://schemas.microsoft.com/office/powerpoint/2010/main" val="1910735598"/>
+      </p:ext>
+    </p:extLst>
+  </p:cSld>
+  <p:clrMapOvr>
+    <a:masterClrMapping/>
+  </p:clrMapOvr>
+  <p:timing>
+    <p:tnLst>
+      <p:par>
+        <p:cTn id="1" dur="indefinite" restart="never" nodeType="tmRoot"/>
+      </p:par>
+    </p:tnLst>
+  </p:timing>
+</p:sld>
+</file>
+
+<file path=ppt/slides/slide17.xml><?xml version="1.0" encoding="utf-8"?>
+<p:sld xmlns:a="http://schemas.openxmlformats.org/drawingml/2006/main" xmlns:r="http://schemas.openxmlformats.org/officeDocument/2006/relationships" xmlns:p="http://schemas.openxmlformats.org/presentationml/2006/main">
+  <p:cSld>
+    <p:spTree>
+      <p:nvGrpSpPr>
+        <p:cNvPr id="1" name=""/>
+        <p:cNvGrpSpPr/>
+        <p:nvPr/>
+      </p:nvGrpSpPr>
+      <p:grpSpPr>
+        <a:xfrm>
+          <a:off x="0" y="0"/>
+          <a:ext cx="0" cy="0"/>
+          <a:chOff x="0" y="0"/>
+          <a:chExt cx="0" cy="0"/>
+        </a:xfrm>
+      </p:grpSpPr>
+      <p:sp>
+        <p:nvSpPr>
+          <p:cNvPr id="3" name="Espace réservé du contenu 2"/>
+          <p:cNvSpPr>
+            <a:spLocks noGrp="1"/>
+          </p:cNvSpPr>
+          <p:nvPr>
+            <p:ph idx="1"/>
+          </p:nvPr>
+        </p:nvSpPr>
+        <p:spPr>
+          <a:xfrm>
+            <a:off x="106017" y="821635"/>
+            <a:ext cx="12085983" cy="6036365"/>
+          </a:xfrm>
+        </p:spPr>
+        <p:txBody>
+          <a:bodyPr>
+            <a:normAutofit/>
+          </a:bodyPr>
+          <a:lstStyle/>
+          <a:p>
+            <a:r>
+              <a:rPr lang="fr-FR" altLang="fr-FR" dirty="0" smtClean="0"/>
+              <a:t>Cette marque ‘’&gt;&gt;&gt;autre_nom_branche’’ pour indiqué de qu’elle </a:t>
+            </a:r>
+            <a:r>
+              <a:rPr lang="fr-FR" altLang="fr-FR" dirty="0" err="1" smtClean="0"/>
+              <a:t>branch</a:t>
+            </a:r>
+            <a:r>
+              <a:rPr lang="fr-FR" altLang="fr-FR" dirty="0" smtClean="0"/>
+              <a:t> vient  </a:t>
+            </a:r>
+            <a:r>
+              <a:rPr lang="fr-FR" dirty="0" smtClean="0"/>
+              <a:t> le changement</a:t>
+            </a:r>
+          </a:p>
+          <a:p>
+            <a:r>
+              <a:rPr lang="fr-FR" dirty="0" smtClean="0"/>
+              <a:t>Il faut nettoyé les lignes pour ce la </a:t>
+            </a:r>
+          </a:p>
+          <a:p>
+            <a:r>
+              <a:rPr lang="fr-FR" dirty="0" smtClean="0"/>
+              <a:t>Consulté le collègue qui à écrit le code qui à généré le conflit pour décédé quel code est correcte (peut être son code ou bien notre code peut être une mixture des deux)</a:t>
+            </a:r>
+          </a:p>
+          <a:p>
+            <a:r>
+              <a:rPr lang="fr-FR" dirty="0" smtClean="0"/>
+              <a:t>Une fois nettoyé il faut sauvegardé le fichier puis l’indexé (</a:t>
+            </a:r>
+            <a:r>
+              <a:rPr lang="fr-FR" dirty="0" err="1" smtClean="0"/>
+              <a:t>stagged</a:t>
+            </a:r>
+            <a:r>
+              <a:rPr lang="fr-FR" dirty="0" smtClean="0"/>
+              <a:t> )et faire un commit.</a:t>
+            </a:r>
+          </a:p>
+          <a:p>
+            <a:pPr marL="514350" indent="-514350">
+              <a:buFont typeface="+mj-lt"/>
+              <a:buAutoNum type="arabicPeriod"/>
+            </a:pPr>
+            <a:r>
+              <a:rPr lang="fr-FR" altLang="fr-FR" b="1" dirty="0"/>
+              <a:t>Réglé un conflit </a:t>
+            </a:r>
+            <a:r>
+              <a:rPr lang="fr-FR" altLang="fr-FR" b="1" dirty="0" smtClean="0"/>
+              <a:t>avec retour en arrière :</a:t>
+            </a:r>
+            <a:endParaRPr lang="fr-FR" altLang="fr-FR" b="1" dirty="0"/>
+          </a:p>
+          <a:p>
+            <a:pPr marL="542925" indent="-92075"/>
+            <a:r>
+              <a:rPr lang="fr-FR" dirty="0"/>
+              <a:t>git merge </a:t>
+            </a:r>
+            <a:r>
+              <a:rPr lang="fr-FR" dirty="0" smtClean="0"/>
+              <a:t>--</a:t>
+            </a:r>
+            <a:r>
+              <a:rPr lang="fr-FR" dirty="0" err="1" smtClean="0"/>
+              <a:t>abort</a:t>
+            </a:r>
+            <a:endParaRPr lang="fr-FR" dirty="0" smtClean="0"/>
+          </a:p>
+          <a:p>
+            <a:pPr marL="542925" indent="-92075"/>
+            <a:r>
+              <a:rPr lang="fr-FR" dirty="0" smtClean="0"/>
+              <a:t>Si on commit une erreur l’hors de la résolution d’un conflit</a:t>
+            </a:r>
+          </a:p>
+          <a:p>
+            <a:pPr marL="542925" indent="-92075"/>
+            <a:endParaRPr lang="fr-FR" dirty="0"/>
+          </a:p>
+        </p:txBody>
+      </p:sp>
+      <p:sp>
+        <p:nvSpPr>
+          <p:cNvPr id="4" name="Titre 1"/>
+          <p:cNvSpPr>
+            <a:spLocks noGrp="1"/>
+          </p:cNvSpPr>
+          <p:nvPr>
+            <p:ph type="title"/>
+          </p:nvPr>
+        </p:nvSpPr>
+        <p:spPr>
+          <a:xfrm>
+            <a:off x="4268858" y="0"/>
+            <a:ext cx="3680790" cy="628788"/>
+          </a:xfrm>
+        </p:spPr>
+        <p:txBody>
+          <a:bodyPr>
+            <a:normAutofit fontScale="90000"/>
+          </a:bodyPr>
+          <a:lstStyle/>
+          <a:p>
+            <a:r>
+              <a:rPr lang="fr-FR" b="1" dirty="0" smtClean="0"/>
+              <a:t>Conflits </a:t>
+            </a:r>
+            <a:r>
+              <a:rPr lang="fr-FR" dirty="0" smtClean="0"/>
+              <a:t>«</a:t>
+            </a:r>
+            <a:r>
+              <a:rPr lang="fr-FR" b="1" dirty="0" smtClean="0"/>
+              <a:t>suite »</a:t>
+            </a:r>
+            <a:endParaRPr lang="fr-FR" b="1" dirty="0"/>
+          </a:p>
+        </p:txBody>
+      </p:sp>
+    </p:spTree>
+    <p:extLst>
+      <p:ext uri="{BB962C8B-B14F-4D97-AF65-F5344CB8AC3E}">
+        <p14:creationId xmlns:p14="http://schemas.microsoft.com/office/powerpoint/2010/main" val="2879360514"/>
+      </p:ext>
+    </p:extLst>
+  </p:cSld>
+  <p:clrMapOvr>
+    <a:masterClrMapping/>
+  </p:clrMapOvr>
+  <p:timing>
+    <p:tnLst>
+      <p:par>
+        <p:cTn id="1" dur="indefinite" restart="never" nodeType="tmRoot"/>
+      </p:par>
+    </p:tnLst>
+  </p:timing>
+</p:sld>
+</file>
+
+<file path=ppt/slides/slide18.xml><?xml version="1.0" encoding="utf-8"?>
+<p:sld xmlns:a="http://schemas.openxmlformats.org/drawingml/2006/main" xmlns:r="http://schemas.openxmlformats.org/officeDocument/2006/relationships" xmlns:p="http://schemas.openxmlformats.org/presentationml/2006/main">
+  <p:cSld>
+    <p:spTree>
+      <p:nvGrpSpPr>
+        <p:cNvPr id="1" name=""/>
+        <p:cNvGrpSpPr/>
+        <p:nvPr/>
+      </p:nvGrpSpPr>
+      <p:grpSpPr>
+        <a:xfrm>
+          <a:off x="0" y="0"/>
+          <a:ext cx="0" cy="0"/>
+          <a:chOff x="0" y="0"/>
+          <a:chExt cx="0" cy="0"/>
+        </a:xfrm>
+      </p:grpSpPr>
+      <p:sp>
+        <p:nvSpPr>
           <p:cNvPr id="2" name="Titre 1"/>
           <p:cNvSpPr>
             <a:spLocks noGrp="1"/>
@@ -8426,11 +9681,7 @@
             </a:pPr>
             <a:r>
               <a:rPr lang="fr-FR" dirty="0" smtClean="0"/>
-              <a:t>Mettre à jour le fichier HEAD à cette </a:t>
-            </a:r>
-            <a:r>
-              <a:rPr lang="fr-FR" dirty="0" smtClean="0"/>
-              <a:t>commit (</a:t>
+              <a:t>Mettre à jour le fichier HEAD à cette commit (</a:t>
             </a:r>
             <a:r>
               <a:rPr lang="fr-FR" dirty="0" err="1"/>
@@ -8448,7 +9699,6 @@
               <a:rPr lang="fr-FR" dirty="0" smtClean="0"/>
               <a:t>)</a:t>
             </a:r>
-            <a:endParaRPr lang="fr-FR" dirty="0" smtClean="0"/>
           </a:p>
           <a:p>
             <a:pPr marL="514350" indent="-514350">
@@ -8499,10 +9749,477 @@
   <p:clrMapOvr>
     <a:masterClrMapping/>
   </p:clrMapOvr>
+  <p:timing>
+    <p:tnLst>
+      <p:par>
+        <p:cTn id="1" dur="indefinite" restart="never" nodeType="tmRoot"/>
+      </p:par>
+    </p:tnLst>
+  </p:timing>
 </p:sld>
 </file>
 
-<file path=ppt/slides/slide16.xml><?xml version="1.0" encoding="utf-8"?>
+<file path=ppt/slides/slide19.xml><?xml version="1.0" encoding="utf-8"?>
+<p:sld xmlns:a="http://schemas.openxmlformats.org/drawingml/2006/main" xmlns:r="http://schemas.openxmlformats.org/officeDocument/2006/relationships" xmlns:p="http://schemas.openxmlformats.org/presentationml/2006/main">
+  <p:cSld>
+    <p:spTree>
+      <p:nvGrpSpPr>
+        <p:cNvPr id="1" name=""/>
+        <p:cNvGrpSpPr/>
+        <p:nvPr/>
+      </p:nvGrpSpPr>
+      <p:grpSpPr>
+        <a:xfrm>
+          <a:off x="0" y="0"/>
+          <a:ext cx="0" cy="0"/>
+          <a:chOff x="0" y="0"/>
+          <a:chExt cx="0" cy="0"/>
+        </a:xfrm>
+      </p:grpSpPr>
+      <p:sp>
+        <p:nvSpPr>
+          <p:cNvPr id="2" name="Titre 1"/>
+          <p:cNvSpPr>
+            <a:spLocks noGrp="1"/>
+          </p:cNvSpPr>
+          <p:nvPr>
+            <p:ph type="title"/>
+          </p:nvPr>
+        </p:nvSpPr>
+        <p:spPr>
+          <a:xfrm>
+            <a:off x="962439" y="0"/>
+            <a:ext cx="10267122" cy="954156"/>
+          </a:xfrm>
+        </p:spPr>
+        <p:txBody>
+          <a:bodyPr/>
+          <a:lstStyle/>
+          <a:p>
+            <a:r>
+              <a:rPr lang="fr-FR" dirty="0" smtClean="0"/>
+              <a:t>Collaboration est model de développement</a:t>
+            </a:r>
+            <a:endParaRPr lang="fr-FR" dirty="0"/>
+          </a:p>
+        </p:txBody>
+      </p:sp>
+      <p:sp>
+        <p:nvSpPr>
+          <p:cNvPr id="3" name="Espace réservé du contenu 2"/>
+          <p:cNvSpPr>
+            <a:spLocks noGrp="1"/>
+          </p:cNvSpPr>
+          <p:nvPr>
+            <p:ph idx="1"/>
+          </p:nvPr>
+        </p:nvSpPr>
+        <p:spPr>
+          <a:xfrm>
+            <a:off x="1" y="954156"/>
+            <a:ext cx="12192000" cy="4679468"/>
+          </a:xfrm>
+        </p:spPr>
+        <p:txBody>
+          <a:bodyPr>
+            <a:normAutofit lnSpcReduction="10000"/>
+          </a:bodyPr>
+          <a:lstStyle/>
+          <a:p>
+            <a:pPr marL="0" indent="0">
+              <a:buNone/>
+            </a:pPr>
+            <a:r>
+              <a:rPr lang="fr-FR" b="1" dirty="0" smtClean="0"/>
+              <a:t>La Requête Pull (pull request):</a:t>
+            </a:r>
+          </a:p>
+          <a:p>
+            <a:pPr marL="0" indent="0">
+              <a:buNone/>
+            </a:pPr>
+            <a:r>
+              <a:rPr lang="fr-FR" dirty="0" smtClean="0"/>
+              <a:t>	La manière d’utilisé les requêtes pull dépend de modèle de développement utilisé dans le projet</a:t>
+            </a:r>
+          </a:p>
+          <a:p>
+            <a:pPr marL="514350" indent="-514350">
+              <a:buFont typeface="+mj-lt"/>
+              <a:buAutoNum type="arabicPeriod"/>
+            </a:pPr>
+            <a:r>
+              <a:rPr lang="fr-FR" b="1" dirty="0" smtClean="0"/>
+              <a:t>Bifurquer le dépôt (fork): </a:t>
+            </a:r>
+            <a:r>
+              <a:rPr lang="fr-FR" dirty="0" smtClean="0"/>
+              <a:t>le collaborateur bifurque </a:t>
+            </a:r>
+            <a:r>
+              <a:rPr lang="fr-FR" dirty="0"/>
+              <a:t>un dépôt  </a:t>
+            </a:r>
+            <a:r>
+              <a:rPr lang="fr-FR" dirty="0" smtClean="0"/>
+              <a:t>existant et fait des PUSHs à son dépôt personnel(sans permission).les changement peuvent être intégré au dépôt source que par le mainteneur de projet(populaire en projet open source).les requêtes pull est utilisé pour informe le </a:t>
+            </a:r>
+            <a:r>
+              <a:rPr lang="fr-FR" dirty="0"/>
+              <a:t>mainteneur </a:t>
+            </a:r>
+            <a:r>
+              <a:rPr lang="fr-FR" dirty="0" smtClean="0"/>
+              <a:t>des changement des changements (à mergé si des changements significatif). </a:t>
+            </a:r>
+          </a:p>
+          <a:p>
+            <a:pPr marL="514350" indent="-514350">
+              <a:buFont typeface="+mj-lt"/>
+              <a:buAutoNum type="arabicPeriod" startAt="2"/>
+            </a:pPr>
+            <a:r>
+              <a:rPr lang="fr-FR" b="1" dirty="0"/>
+              <a:t>Dépôt </a:t>
+            </a:r>
+            <a:r>
+              <a:rPr lang="fr-FR" b="1" dirty="0" smtClean="0"/>
+              <a:t>partagé:</a:t>
+            </a:r>
+            <a:r>
+              <a:rPr lang="fr-FR" dirty="0" smtClean="0"/>
+              <a:t>	les collaborateurs on un accès à un dépôt partagé. Les requêtes pull sont utiles puisque elles  inities la revue de code avant que les changements soit mergé dans la branches principale de </a:t>
+            </a:r>
+            <a:r>
+              <a:rPr lang="fr-FR" dirty="0" err="1" smtClean="0"/>
+              <a:t>développement.utilisé</a:t>
+            </a:r>
+            <a:r>
+              <a:rPr lang="fr-FR" dirty="0" smtClean="0"/>
+              <a:t> dans les petites équipes et organisations et collabore sur des projets privés.</a:t>
+            </a:r>
+            <a:endParaRPr lang="fr-FR" dirty="0"/>
+          </a:p>
+          <a:p>
+            <a:pPr marL="0" indent="0">
+              <a:buNone/>
+            </a:pPr>
+            <a:endParaRPr lang="fr-FR" b="1" dirty="0"/>
+          </a:p>
+        </p:txBody>
+      </p:sp>
+      <p:sp>
+        <p:nvSpPr>
+          <p:cNvPr id="4" name="Rectangle 1"/>
+          <p:cNvSpPr>
+            <a:spLocks noChangeArrowheads="1"/>
+          </p:cNvSpPr>
+          <p:nvPr/>
+        </p:nvSpPr>
+        <p:spPr bwMode="auto">
+          <a:xfrm>
+            <a:off x="0" y="0"/>
+            <a:ext cx="12192000" cy="457200"/>
+          </a:xfrm>
+          <a:prstGeom prst="rect">
+            <a:avLst/>
+          </a:prstGeom>
+          <a:solidFill>
+            <a:srgbClr val="F8F9FA"/>
+          </a:solidFill>
+          <a:ln>
+            <a:noFill/>
+          </a:ln>
+          <a:effectLst/>
+          <a:extLst>
+            <a:ext uri="{91240B29-F687-4F45-9708-019B960494DF}">
+              <a14:hiddenLine xmlns:a14="http://schemas.microsoft.com/office/drawing/2010/main" w="9525">
+                <a:solidFill>
+                  <a:schemeClr val="tx1"/>
+                </a:solidFill>
+                <a:miter lim="800000"/>
+                <a:headEnd/>
+                <a:tailEnd/>
+              </a14:hiddenLine>
+            </a:ext>
+            <a:ext uri="{AF507438-7753-43E0-B8FC-AC1667EBCBE1}">
+              <a14:hiddenEffects xmlns:a14="http://schemas.microsoft.com/office/drawing/2010/main">
+                <a:effectLst>
+                  <a:outerShdw dist="35921" dir="2700000" algn="ctr" rotWithShape="0">
+                    <a:schemeClr val="bg2"/>
+                  </a:outerShdw>
+                </a:effectLst>
+              </a14:hiddenEffects>
+            </a:ext>
+          </a:extLst>
+        </p:spPr>
+        <p:txBody>
+          <a:bodyPr vert="horz" wrap="none" lIns="0" tIns="-12696" rIns="0" bIns="-12696" numCol="1" anchor="ctr" anchorCtr="0" compatLnSpc="1">
+            <a:prstTxWarp prst="textNoShape">
+              <a:avLst/>
+            </a:prstTxWarp>
+            <a:spAutoFit/>
+          </a:bodyPr>
+          <a:lstStyle/>
+          <a:p>
+            <a:pPr marL="0" marR="0" lvl="0" indent="0" algn="l" defTabSz="914400" rtl="0" eaLnBrk="0" fontAlgn="base" latinLnBrk="0" hangingPunct="0">
+              <a:lnSpc>
+                <a:spcPct val="100000"/>
+              </a:lnSpc>
+              <a:spcBef>
+                <a:spcPct val="0"/>
+              </a:spcBef>
+              <a:spcAft>
+                <a:spcPct val="0"/>
+              </a:spcAft>
+              <a:buClrTx/>
+              <a:buSzTx/>
+              <a:buFontTx/>
+              <a:buNone/>
+              <a:tabLst/>
+            </a:pPr>
+            <a:r>
+              <a:rPr kumimoji="0" lang="fr-FR" altLang="fr-FR" sz="2100" b="0" i="0" u="none" strike="noStrike" cap="none" normalizeH="0" baseline="0" smtClean="0">
+                <a:ln>
+                  <a:noFill/>
+                </a:ln>
+                <a:solidFill>
+                  <a:srgbClr val="202124"/>
+                </a:solidFill>
+                <a:effectLst/>
+                <a:latin typeface="inherit"/>
+              </a:rPr>
+              <a:t>bifurquer</a:t>
+            </a:r>
+            <a:r>
+              <a:rPr kumimoji="0" lang="fr-FR" altLang="fr-FR" sz="800" b="0" i="0" u="none" strike="noStrike" cap="none" normalizeH="0" baseline="0" smtClean="0">
+                <a:ln>
+                  <a:noFill/>
+                </a:ln>
+                <a:solidFill>
+                  <a:schemeClr val="tx1"/>
+                </a:solidFill>
+                <a:effectLst/>
+              </a:rPr>
+              <a:t> </a:t>
+            </a:r>
+            <a:endParaRPr kumimoji="0" lang="fr-FR" altLang="fr-FR" sz="1800" b="0" i="0" u="none" strike="noStrike" cap="none" normalizeH="0" baseline="0" smtClean="0">
+              <a:ln>
+                <a:noFill/>
+              </a:ln>
+              <a:solidFill>
+                <a:schemeClr val="tx1"/>
+              </a:solidFill>
+              <a:effectLst/>
+              <a:latin typeface="Arial" panose="020B0604020202020204" pitchFamily="34" charset="0"/>
+            </a:endParaRPr>
+          </a:p>
+        </p:txBody>
+      </p:sp>
+    </p:spTree>
+    <p:extLst>
+      <p:ext uri="{BB962C8B-B14F-4D97-AF65-F5344CB8AC3E}">
+        <p14:creationId xmlns:p14="http://schemas.microsoft.com/office/powerpoint/2010/main" val="156296265"/>
+      </p:ext>
+    </p:extLst>
+  </p:cSld>
+  <p:clrMapOvr>
+    <a:masterClrMapping/>
+  </p:clrMapOvr>
+</p:sld>
+</file>
+
+<file path=ppt/slides/slide2.xml><?xml version="1.0" encoding="utf-8"?>
+<p:sld xmlns:a="http://schemas.openxmlformats.org/drawingml/2006/main" xmlns:r="http://schemas.openxmlformats.org/officeDocument/2006/relationships" xmlns:p="http://schemas.openxmlformats.org/presentationml/2006/main">
+  <p:cSld>
+    <p:spTree>
+      <p:nvGrpSpPr>
+        <p:cNvPr id="1" name=""/>
+        <p:cNvGrpSpPr/>
+        <p:nvPr/>
+      </p:nvGrpSpPr>
+      <p:grpSpPr>
+        <a:xfrm>
+          <a:off x="0" y="0"/>
+          <a:ext cx="0" cy="0"/>
+          <a:chOff x="0" y="0"/>
+          <a:chExt cx="0" cy="0"/>
+        </a:xfrm>
+      </p:grpSpPr>
+      <p:sp>
+        <p:nvSpPr>
+          <p:cNvPr id="2" name="Titre 1"/>
+          <p:cNvSpPr>
+            <a:spLocks noGrp="1"/>
+          </p:cNvSpPr>
+          <p:nvPr>
+            <p:ph type="title"/>
+          </p:nvPr>
+        </p:nvSpPr>
+        <p:spPr>
+          <a:xfrm>
+            <a:off x="3524036" y="410967"/>
+            <a:ext cx="3976099" cy="287677"/>
+          </a:xfrm>
+        </p:spPr>
+        <p:txBody>
+          <a:bodyPr>
+            <a:normAutofit fontScale="90000"/>
+          </a:bodyPr>
+          <a:lstStyle/>
+          <a:p>
+            <a:pPr algn="ctr"/>
+            <a:r>
+              <a:rPr lang="fr-FR" b="1" dirty="0"/>
+              <a:t>Type de </a:t>
+            </a:r>
+            <a:r>
+              <a:rPr lang="fr-FR" b="1" dirty="0" smtClean="0"/>
+              <a:t>SCV</a:t>
+            </a:r>
+            <a:r>
+              <a:rPr lang="fr-FR" b="1" dirty="0"/>
+              <a:t/>
+            </a:r>
+            <a:br>
+              <a:rPr lang="fr-FR" b="1" dirty="0"/>
+            </a:br>
+            <a:endParaRPr lang="fr-FR" dirty="0"/>
+          </a:p>
+        </p:txBody>
+      </p:sp>
+      <p:sp>
+        <p:nvSpPr>
+          <p:cNvPr id="3" name="Espace réservé du contenu 2"/>
+          <p:cNvSpPr>
+            <a:spLocks noGrp="1"/>
+          </p:cNvSpPr>
+          <p:nvPr>
+            <p:ph idx="1"/>
+          </p:nvPr>
+        </p:nvSpPr>
+        <p:spPr>
+          <a:xfrm>
+            <a:off x="92467" y="924674"/>
+            <a:ext cx="11887200" cy="5845995"/>
+          </a:xfrm>
+        </p:spPr>
+        <p:txBody>
+          <a:bodyPr>
+            <a:normAutofit/>
+          </a:bodyPr>
+          <a:lstStyle/>
+          <a:p>
+            <a:pPr marL="571500" indent="-571500">
+              <a:buFont typeface="+mj-lt"/>
+              <a:buAutoNum type="romanUcPeriod" startAt="3"/>
+            </a:pPr>
+            <a:r>
+              <a:rPr lang="fr-FR" b="1" dirty="0" smtClean="0"/>
+              <a:t>Types de SCV</a:t>
+            </a:r>
+          </a:p>
+          <a:p>
+            <a:pPr marL="514350" indent="-247650">
+              <a:buFont typeface="+mj-lt"/>
+              <a:buAutoNum type="arabicPeriod"/>
+            </a:pPr>
+            <a:r>
+              <a:rPr lang="fr-FR" b="1" dirty="0" smtClean="0"/>
+              <a:t>Local</a:t>
+            </a:r>
+            <a:r>
+              <a:rPr lang="fr-FR" dirty="0"/>
+              <a:t>: ancien versions le  partage ce fait par copie physique de code , pas de repo distant appelé aussi système e control </a:t>
+            </a:r>
+            <a:r>
+              <a:rPr lang="fr-FR" dirty="0" smtClean="0"/>
+              <a:t>répéter(gestion et utilisations simple, sensible au panne, permet pas la collaboration).</a:t>
+            </a:r>
+            <a:endParaRPr lang="fr-FR" dirty="0"/>
+          </a:p>
+          <a:p>
+            <a:pPr marL="514350" indent="-247650">
+              <a:buFont typeface="+mj-lt"/>
+              <a:buAutoNum type="arabicPeriod"/>
+            </a:pPr>
+            <a:r>
+              <a:rPr lang="fr-FR" b="1" dirty="0"/>
+              <a:t>Centralisé</a:t>
+            </a:r>
+            <a:r>
+              <a:rPr lang="fr-FR" dirty="0"/>
+              <a:t> : avec entrepôt centrale qui contient le code et l’historique des </a:t>
+            </a:r>
+            <a:r>
+              <a:rPr lang="fr-FR" dirty="0" smtClean="0"/>
+              <a:t>changement </a:t>
+            </a:r>
+            <a:r>
+              <a:rPr lang="fr-FR" dirty="0"/>
+              <a:t>on </a:t>
+            </a:r>
+            <a:r>
+              <a:rPr lang="fr-FR" dirty="0" smtClean="0"/>
+              <a:t>à </a:t>
+            </a:r>
+            <a:r>
+              <a:rPr lang="fr-FR" dirty="0"/>
+              <a:t>besoin de connexion pour commuter nos </a:t>
+            </a:r>
+            <a:r>
+              <a:rPr lang="fr-FR" dirty="0" smtClean="0"/>
+              <a:t>changement(</a:t>
+            </a:r>
+            <a:r>
+              <a:rPr lang="fr-FR" b="1" dirty="0" smtClean="0"/>
+              <a:t>SVN</a:t>
+            </a:r>
+            <a:r>
+              <a:rPr lang="fr-FR" dirty="0" smtClean="0"/>
+              <a:t>) et pour n’importe qu’elle commande et plus de conflits inadapté	 au grand projets.</a:t>
+            </a:r>
+          </a:p>
+          <a:p>
+            <a:pPr marL="514350" indent="-247650">
+              <a:buFont typeface="+mj-lt"/>
+              <a:buAutoNum type="arabicPeriod"/>
+            </a:pPr>
+            <a:r>
+              <a:rPr lang="fr-FR" b="1" dirty="0"/>
+              <a:t>Distribué</a:t>
+            </a:r>
+            <a:r>
+              <a:rPr lang="fr-FR" dirty="0" smtClean="0"/>
+              <a:t> : le client clone le repo distant et travaillé en offline(pas besoin de connexion pour faire les changement en repo locale).si le serveur meure n’importe qu’elle dépôt client peut copier être copier au serveur(Git, Mercurial).</a:t>
+            </a:r>
+          </a:p>
+          <a:p>
+            <a:endParaRPr lang="fr-FR" dirty="0"/>
+          </a:p>
+        </p:txBody>
+      </p:sp>
+    </p:spTree>
+    <p:extLst>
+      <p:ext uri="{BB962C8B-B14F-4D97-AF65-F5344CB8AC3E}">
+        <p14:creationId xmlns:p14="http://schemas.microsoft.com/office/powerpoint/2010/main" val="4255405954"/>
+      </p:ext>
+    </p:extLst>
+  </p:cSld>
+  <p:clrMapOvr>
+    <a:masterClrMapping/>
+  </p:clrMapOvr>
+  <p:timing>
+    <p:tnLst>
+      <p:par>
+        <p:cTn id="1" dur="indefinite" restart="never" nodeType="tmRoot"/>
+      </p:par>
+    </p:tnLst>
+  </p:timing>
+</p:sld>
+</file>
+
+<file path=ppt/slides/slide20.xml><?xml version="1.0" encoding="utf-8"?>
 <p:sld xmlns:a="http://schemas.openxmlformats.org/drawingml/2006/main" xmlns:r="http://schemas.openxmlformats.org/officeDocument/2006/relationships" xmlns:p="http://schemas.openxmlformats.org/presentationml/2006/main">
   <p:cSld>
     <p:spTree>
@@ -8731,196 +10448,6 @@
     <p:extLst>
       <p:ext uri="{BB962C8B-B14F-4D97-AF65-F5344CB8AC3E}">
         <p14:creationId xmlns:p14="http://schemas.microsoft.com/office/powerpoint/2010/main" val="2321251716"/>
-      </p:ext>
-    </p:extLst>
-  </p:cSld>
-  <p:clrMapOvr>
-    <a:masterClrMapping/>
-  </p:clrMapOvr>
-  <p:timing>
-    <p:tnLst>
-      <p:par>
-        <p:cTn id="1" dur="indefinite" restart="never" nodeType="tmRoot"/>
-      </p:par>
-    </p:tnLst>
-  </p:timing>
-</p:sld>
-</file>
-
-<file path=ppt/slides/slide2.xml><?xml version="1.0" encoding="utf-8"?>
-<p:sld xmlns:a="http://schemas.openxmlformats.org/drawingml/2006/main" xmlns:r="http://schemas.openxmlformats.org/officeDocument/2006/relationships" xmlns:p="http://schemas.openxmlformats.org/presentationml/2006/main">
-  <p:cSld>
-    <p:spTree>
-      <p:nvGrpSpPr>
-        <p:cNvPr id="1" name=""/>
-        <p:cNvGrpSpPr/>
-        <p:nvPr/>
-      </p:nvGrpSpPr>
-      <p:grpSpPr>
-        <a:xfrm>
-          <a:off x="0" y="0"/>
-          <a:ext cx="0" cy="0"/>
-          <a:chOff x="0" y="0"/>
-          <a:chExt cx="0" cy="0"/>
-        </a:xfrm>
-      </p:grpSpPr>
-      <p:sp>
-        <p:nvSpPr>
-          <p:cNvPr id="2" name="Titre 1"/>
-          <p:cNvSpPr>
-            <a:spLocks noGrp="1"/>
-          </p:cNvSpPr>
-          <p:nvPr>
-            <p:ph type="title"/>
-          </p:nvPr>
-        </p:nvSpPr>
-        <p:spPr>
-          <a:xfrm>
-            <a:off x="3524036" y="410967"/>
-            <a:ext cx="3976099" cy="287677"/>
-          </a:xfrm>
-        </p:spPr>
-        <p:txBody>
-          <a:bodyPr>
-            <a:normAutofit fontScale="90000"/>
-          </a:bodyPr>
-          <a:lstStyle/>
-          <a:p>
-            <a:pPr algn="ctr"/>
-            <a:r>
-              <a:rPr lang="fr-FR" b="1" dirty="0"/>
-              <a:t>Type de </a:t>
-            </a:r>
-            <a:r>
-              <a:rPr lang="fr-FR" b="1" dirty="0" smtClean="0"/>
-              <a:t>SCV</a:t>
-            </a:r>
-            <a:r>
-              <a:rPr lang="fr-FR" b="1" dirty="0"/>
-              <a:t/>
-            </a:r>
-            <a:br>
-              <a:rPr lang="fr-FR" b="1" dirty="0"/>
-            </a:br>
-            <a:endParaRPr lang="fr-FR" dirty="0"/>
-          </a:p>
-        </p:txBody>
-      </p:sp>
-      <p:sp>
-        <p:nvSpPr>
-          <p:cNvPr id="3" name="Espace réservé du contenu 2"/>
-          <p:cNvSpPr>
-            <a:spLocks noGrp="1"/>
-          </p:cNvSpPr>
-          <p:nvPr>
-            <p:ph idx="1"/>
-          </p:nvPr>
-        </p:nvSpPr>
-        <p:spPr>
-          <a:xfrm>
-            <a:off x="92467" y="924674"/>
-            <a:ext cx="11887200" cy="5845995"/>
-          </a:xfrm>
-        </p:spPr>
-        <p:txBody>
-          <a:bodyPr>
-            <a:normAutofit/>
-          </a:bodyPr>
-          <a:lstStyle/>
-          <a:p>
-            <a:pPr marL="571500" indent="-571500">
-              <a:buFont typeface="+mj-lt"/>
-              <a:buAutoNum type="romanUcPeriod" startAt="3"/>
-            </a:pPr>
-            <a:r>
-              <a:rPr lang="fr-FR" b="1" dirty="0" smtClean="0"/>
-              <a:t>Types de SCV</a:t>
-            </a:r>
-          </a:p>
-          <a:p>
-            <a:pPr marL="514350" indent="-247650">
-              <a:buFont typeface="+mj-lt"/>
-              <a:buAutoNum type="arabicPeriod"/>
-            </a:pPr>
-            <a:r>
-              <a:rPr lang="fr-FR" b="1" dirty="0" smtClean="0"/>
-              <a:t>Local</a:t>
-            </a:r>
-            <a:r>
-              <a:rPr lang="fr-FR" dirty="0"/>
-              <a:t>: ancien versions le  partage ce fait par copie physique de code , pas de repo distant appelé aussi système e control </a:t>
-            </a:r>
-            <a:r>
-              <a:rPr lang="fr-FR" dirty="0" smtClean="0"/>
-              <a:t>répéter(gestion et utilisations simple, sensible au panne, permet pas la collaboration).</a:t>
-            </a:r>
-            <a:endParaRPr lang="fr-FR" dirty="0"/>
-          </a:p>
-          <a:p>
-            <a:pPr marL="514350" indent="-247650">
-              <a:buFont typeface="+mj-lt"/>
-              <a:buAutoNum type="arabicPeriod"/>
-            </a:pPr>
-            <a:r>
-              <a:rPr lang="fr-FR" b="1" dirty="0"/>
-              <a:t>Centralisé</a:t>
-            </a:r>
-            <a:r>
-              <a:rPr lang="fr-FR" dirty="0"/>
-              <a:t> : avec entrepôt centrale qui contient le code et l’historique des </a:t>
-            </a:r>
-            <a:r>
-              <a:rPr lang="fr-FR" dirty="0" smtClean="0"/>
-              <a:t>changement </a:t>
-            </a:r>
-            <a:r>
-              <a:rPr lang="fr-FR" dirty="0"/>
-              <a:t>on </a:t>
-            </a:r>
-            <a:r>
-              <a:rPr lang="fr-FR" dirty="0" smtClean="0"/>
-              <a:t>à </a:t>
-            </a:r>
-            <a:r>
-              <a:rPr lang="fr-FR" dirty="0"/>
-              <a:t>besoin de connexion pour commuter nos </a:t>
-            </a:r>
-            <a:r>
-              <a:rPr lang="fr-FR" dirty="0" smtClean="0"/>
-              <a:t>changement(</a:t>
-            </a:r>
-            <a:r>
-              <a:rPr lang="fr-FR" b="1" dirty="0" smtClean="0"/>
-              <a:t>SVN</a:t>
-            </a:r>
-            <a:r>
-              <a:rPr lang="fr-FR" dirty="0" smtClean="0"/>
-              <a:t>) et pour n’importe qu’elle commande et plus de conflits inadapté	 au grand projets.</a:t>
-            </a:r>
-          </a:p>
-          <a:p>
-            <a:pPr marL="514350" indent="-247650">
-              <a:buFont typeface="+mj-lt"/>
-              <a:buAutoNum type="arabicPeriod"/>
-            </a:pPr>
-            <a:r>
-              <a:rPr lang="fr-FR" b="1" dirty="0"/>
-              <a:t>Distribué</a:t>
-            </a:r>
-            <a:r>
-              <a:rPr lang="fr-FR" dirty="0" smtClean="0"/>
-              <a:t> : le client clone le repo distant et travaillé en offline(pas besoin de connexion pour faire les changement en repo locale).si le serveur meure n’importe qu’elle dépôt client peut copier être copier au serveur(Git, Mercurial).</a:t>
-            </a:r>
-          </a:p>
-          <a:p>
-            <a:endParaRPr lang="fr-FR" dirty="0"/>
-          </a:p>
-        </p:txBody>
-      </p:sp>
-    </p:spTree>
-    <p:extLst>
-      <p:ext uri="{BB962C8B-B14F-4D97-AF65-F5344CB8AC3E}">
-        <p14:creationId xmlns:p14="http://schemas.microsoft.com/office/powerpoint/2010/main" val="4255405954"/>
       </p:ext>
     </p:extLst>
   </p:cSld>
@@ -10729,8 +12256,12 @@
               <a:buAutoNum type="arabicPeriod" startAt="18"/>
             </a:pPr>
             <a:r>
+              <a:rPr lang="fr-FR" sz="2800" dirty="0" smtClean="0"/>
+              <a:t>Navigué </a:t>
+            </a:r>
+            <a:r>
               <a:rPr lang="fr-FR" sz="2800" dirty="0"/>
-              <a:t>navigué dans l’historique des </a:t>
+              <a:t>dans l’historique des </a:t>
             </a:r>
             <a:r>
               <a:rPr lang="fr-FR" sz="2800" dirty="0" smtClean="0"/>

--- a/Formation Git.pptx
+++ b/Formation Git.pptx
@@ -8273,7 +8273,6 @@
               <a:rPr lang="fr-FR" sz="2800" b="1" dirty="0" smtClean="0"/>
               <a:t>Commandes sur les branches:</a:t>
             </a:r>
-            <a:endParaRPr lang="fr-FR" sz="2800" b="1" dirty="0" smtClean="0"/>
           </a:p>
           <a:p>
             <a:endParaRPr lang="fr-FR" sz="2800" b="1" dirty="0"/>
@@ -9788,7 +9787,7 @@
         </p:nvSpPr>
         <p:spPr>
           <a:xfrm>
-            <a:off x="962439" y="0"/>
+            <a:off x="1161221" y="-1"/>
             <a:ext cx="10267122" cy="954156"/>
           </a:xfrm>
         </p:spPr>
@@ -9797,10 +9796,10 @@
           <a:lstStyle/>
           <a:p>
             <a:r>
-              <a:rPr lang="fr-FR" dirty="0" smtClean="0"/>
+              <a:rPr lang="fr-FR" b="1" dirty="0" smtClean="0"/>
               <a:t>Collaboration est model de développement</a:t>
             </a:r>
-            <a:endParaRPr lang="fr-FR" dirty="0"/>
+            <a:endParaRPr lang="fr-FR" b="1" dirty="0"/>
           </a:p>
         </p:txBody>
       </p:sp>
@@ -9905,114 +9904,6 @@
               <a:buNone/>
             </a:pPr>
             <a:endParaRPr lang="fr-FR" b="1" dirty="0"/>
-          </a:p>
-        </p:txBody>
-      </p:sp>
-      <p:sp>
-        <p:nvSpPr>
-          <p:cNvPr id="4" name="Rectangle 1"/>
-          <p:cNvSpPr>
-            <a:spLocks noChangeArrowheads="1"/>
-          </p:cNvSpPr>
-          <p:nvPr/>
-        </p:nvSpPr>
-        <p:spPr bwMode="auto">
-          <a:xfrm>
-            <a:off x="0" y="0"/>
-            <a:ext cx="12192000" cy="457200"/>
-          </a:xfrm>
-          <a:prstGeom prst="rect">
-            <a:avLst/>
-          </a:prstGeom>
-          <a:solidFill>
-            <a:srgbClr val="F8F9FA"/>
-          </a:solidFill>
-          <a:ln>
-            <a:noFill/>
-          </a:ln>
-          <a:effectLst/>
-          <a:extLst>
-            <a:ext uri="{91240B29-F687-4F45-9708-019B960494DF}">
-              <a14:hiddenLine xmlns:a14="http://schemas.microsoft.com/office/drawing/2010/main" w="9525">
-                <a:solidFill>
-                  <a:schemeClr val="tx1"/>
-                </a:solidFill>
-                <a:miter lim="800000"/>
-                <a:headEnd/>
-                <a:tailEnd/>
-              </a14:hiddenLine>
-            </a:ext>
-            <a:ext uri="{AF507438-7753-43E0-B8FC-AC1667EBCBE1}">
-              <a14:hiddenEffects xmlns:a14="http://schemas.microsoft.com/office/drawing/2010/main">
-                <a:effectLst>
-                  <a:outerShdw dist="35921" dir="2700000" algn="ctr" rotWithShape="0">
-                    <a:schemeClr val="bg2"/>
-                  </a:outerShdw>
-                </a:effectLst>
-              </a14:hiddenEffects>
-            </a:ext>
-          </a:extLst>
-        </p:spPr>
-        <p:txBody>
-          <a:bodyPr vert="horz" wrap="none" lIns="0" tIns="-12696" rIns="0" bIns="-12696" numCol="1" anchor="ctr" anchorCtr="0" compatLnSpc="1">
-            <a:prstTxWarp prst="textNoShape">
-              <a:avLst/>
-            </a:prstTxWarp>
-            <a:spAutoFit/>
-          </a:bodyPr>
-          <a:lstStyle/>
-          <a:p>
-            <a:pPr marL="0" marR="0" lvl="0" indent="0" algn="l" defTabSz="914400" rtl="0" eaLnBrk="0" fontAlgn="base" latinLnBrk="0" hangingPunct="0">
-              <a:lnSpc>
-                <a:spcPct val="100000"/>
-              </a:lnSpc>
-              <a:spcBef>
-                <a:spcPct val="0"/>
-              </a:spcBef>
-              <a:spcAft>
-                <a:spcPct val="0"/>
-              </a:spcAft>
-              <a:buClrTx/>
-              <a:buSzTx/>
-              <a:buFontTx/>
-              <a:buNone/>
-              <a:tabLst/>
-            </a:pPr>
-            <a:r>
-              <a:rPr kumimoji="0" lang="fr-FR" altLang="fr-FR" sz="2100" b="0" i="0" u="none" strike="noStrike" cap="none" normalizeH="0" baseline="0" smtClean="0">
-                <a:ln>
-                  <a:noFill/>
-                </a:ln>
-                <a:solidFill>
-                  <a:srgbClr val="202124"/>
-                </a:solidFill>
-                <a:effectLst/>
-                <a:latin typeface="inherit"/>
-              </a:rPr>
-              <a:t>bifurquer</a:t>
-            </a:r>
-            <a:r>
-              <a:rPr kumimoji="0" lang="fr-FR" altLang="fr-FR" sz="800" b="0" i="0" u="none" strike="noStrike" cap="none" normalizeH="0" baseline="0" smtClean="0">
-                <a:ln>
-                  <a:noFill/>
-                </a:ln>
-                <a:solidFill>
-                  <a:schemeClr val="tx1"/>
-                </a:solidFill>
-                <a:effectLst/>
-              </a:rPr>
-              <a:t> </a:t>
-            </a:r>
-            <a:endParaRPr kumimoji="0" lang="fr-FR" altLang="fr-FR" sz="1800" b="0" i="0" u="none" strike="noStrike" cap="none" normalizeH="0" baseline="0" smtClean="0">
-              <a:ln>
-                <a:noFill/>
-              </a:ln>
-              <a:solidFill>
-                <a:schemeClr val="tx1"/>
-              </a:solidFill>
-              <a:effectLst/>
-              <a:latin typeface="Arial" panose="020B0604020202020204" pitchFamily="34" charset="0"/>
-            </a:endParaRPr>
           </a:p>
         </p:txBody>
       </p:sp>

--- a/Formation Git.pptx
+++ b/Formation Git.pptx
@@ -5,7 +5,7 @@
     <p:sldMasterId id="2147483648" r:id="rId1"/>
   </p:sldMasterIdLst>
   <p:notesMasterIdLst>
-    <p:notesMasterId r:id="rId22"/>
+    <p:notesMasterId r:id="rId23"/>
   </p:notesMasterIdLst>
   <p:sldIdLst>
     <p:sldId id="257" r:id="rId2"/>
@@ -13,21 +13,22 @@
     <p:sldId id="261" r:id="rId4"/>
     <p:sldId id="274" r:id="rId5"/>
     <p:sldId id="264" r:id="rId6"/>
-    <p:sldId id="263" r:id="rId7"/>
-    <p:sldId id="268" r:id="rId8"/>
-    <p:sldId id="266" r:id="rId9"/>
-    <p:sldId id="267" r:id="rId10"/>
-    <p:sldId id="277" r:id="rId11"/>
-    <p:sldId id="278" r:id="rId12"/>
-    <p:sldId id="279" r:id="rId13"/>
-    <p:sldId id="270" r:id="rId14"/>
-    <p:sldId id="272" r:id="rId15"/>
-    <p:sldId id="282" r:id="rId16"/>
-    <p:sldId id="280" r:id="rId17"/>
-    <p:sldId id="281" r:id="rId18"/>
-    <p:sldId id="273" r:id="rId19"/>
-    <p:sldId id="283" r:id="rId20"/>
-    <p:sldId id="271" r:id="rId21"/>
+    <p:sldId id="284" r:id="rId7"/>
+    <p:sldId id="263" r:id="rId8"/>
+    <p:sldId id="268" r:id="rId9"/>
+    <p:sldId id="266" r:id="rId10"/>
+    <p:sldId id="267" r:id="rId11"/>
+    <p:sldId id="277" r:id="rId12"/>
+    <p:sldId id="278" r:id="rId13"/>
+    <p:sldId id="279" r:id="rId14"/>
+    <p:sldId id="270" r:id="rId15"/>
+    <p:sldId id="272" r:id="rId16"/>
+    <p:sldId id="282" r:id="rId17"/>
+    <p:sldId id="280" r:id="rId18"/>
+    <p:sldId id="281" r:id="rId19"/>
+    <p:sldId id="273" r:id="rId20"/>
+    <p:sldId id="283" r:id="rId21"/>
+    <p:sldId id="271" r:id="rId22"/>
   </p:sldIdLst>
   <p:sldSz cx="12192000" cy="6858000"/>
   <p:notesSz cx="6858000" cy="9144000"/>
@@ -216,7 +217,7 @@
           <a:p>
             <a:fld id="{6C11479D-E256-4744-A8DA-17425A14A154}" type="datetimeFigureOut">
               <a:rPr lang="fr-FR" smtClean="0"/>
-              <a:t>20/11/2022</a:t>
+              <a:t>21/11/2022</a:t>
             </a:fld>
             <a:endParaRPr lang="fr-FR"/>
           </a:p>
@@ -1022,7 +1023,7 @@
           <a:p>
             <a:fld id="{852BFB1F-A0B8-45F9-8B0C-AE6AABDE724A}" type="slidenum">
               <a:rPr lang="fr-FR" smtClean="0"/>
-              <a:t>12</a:t>
+              <a:t>13</a:t>
             </a:fld>
             <a:endParaRPr lang="fr-FR"/>
           </a:p>
@@ -1122,7 +1123,7 @@
           <a:p>
             <a:fld id="{852BFB1F-A0B8-45F9-8B0C-AE6AABDE724A}" type="slidenum">
               <a:rPr lang="fr-FR" smtClean="0"/>
-              <a:t>13</a:t>
+              <a:t>14</a:t>
             </a:fld>
             <a:endParaRPr lang="fr-FR"/>
           </a:p>
@@ -1273,7 +1274,7 @@
           <a:p>
             <a:fld id="{852BFB1F-A0B8-45F9-8B0C-AE6AABDE724A}" type="slidenum">
               <a:rPr lang="fr-FR" smtClean="0"/>
-              <a:t>14</a:t>
+              <a:t>15</a:t>
             </a:fld>
             <a:endParaRPr lang="fr-FR"/>
           </a:p>
@@ -1377,7 +1378,7 @@
           <a:p>
             <a:fld id="{852BFB1F-A0B8-45F9-8B0C-AE6AABDE724A}" type="slidenum">
               <a:rPr lang="fr-FR" smtClean="0"/>
-              <a:t>16</a:t>
+              <a:t>17</a:t>
             </a:fld>
             <a:endParaRPr lang="fr-FR"/>
           </a:p>
@@ -1482,7 +1483,7 @@
           <a:p>
             <a:fld id="{852BFB1F-A0B8-45F9-8B0C-AE6AABDE724A}" type="slidenum">
               <a:rPr lang="fr-FR" smtClean="0"/>
-              <a:t>17</a:t>
+              <a:t>18</a:t>
             </a:fld>
             <a:endParaRPr lang="fr-FR"/>
           </a:p>
@@ -1668,7 +1669,7 @@
           <a:p>
             <a:fld id="{852BFB1F-A0B8-45F9-8B0C-AE6AABDE724A}" type="slidenum">
               <a:rPr lang="fr-FR" smtClean="0"/>
-              <a:t>18</a:t>
+              <a:t>19</a:t>
             </a:fld>
             <a:endParaRPr lang="fr-FR"/>
           </a:p>
@@ -1784,7 +1785,7 @@
           <a:p>
             <a:fld id="{852BFB1F-A0B8-45F9-8B0C-AE6AABDE724A}" type="slidenum">
               <a:rPr lang="fr-FR" smtClean="0"/>
-              <a:t>19</a:t>
+              <a:t>20</a:t>
             </a:fld>
             <a:endParaRPr lang="fr-FR"/>
           </a:p>
@@ -2885,7 +2886,7 @@
           <a:p>
             <a:fld id="{852BFB1F-A0B8-45F9-8B0C-AE6AABDE724A}" type="slidenum">
               <a:rPr lang="fr-FR" smtClean="0"/>
-              <a:t>6</a:t>
+              <a:t>7</a:t>
             </a:fld>
             <a:endParaRPr lang="fr-FR"/>
           </a:p>
@@ -3039,7 +3040,7 @@
           <a:p>
             <a:fld id="{852BFB1F-A0B8-45F9-8B0C-AE6AABDE724A}" type="slidenum">
               <a:rPr lang="fr-FR" smtClean="0"/>
-              <a:t>7</a:t>
+              <a:t>8</a:t>
             </a:fld>
             <a:endParaRPr lang="fr-FR"/>
           </a:p>
@@ -3626,7 +3627,7 @@
           <a:p>
             <a:fld id="{852BFB1F-A0B8-45F9-8B0C-AE6AABDE724A}" type="slidenum">
               <a:rPr lang="fr-FR" smtClean="0"/>
-              <a:t>8</a:t>
+              <a:t>9</a:t>
             </a:fld>
             <a:endParaRPr lang="fr-FR"/>
           </a:p>
@@ -3944,7 +3945,7 @@
           <a:p>
             <a:fld id="{852BFB1F-A0B8-45F9-8B0C-AE6AABDE724A}" type="slidenum">
               <a:rPr lang="fr-FR" smtClean="0"/>
-              <a:t>9</a:t>
+              <a:t>10</a:t>
             </a:fld>
             <a:endParaRPr lang="fr-FR"/>
           </a:p>
@@ -4113,7 +4114,7 @@
           <a:p>
             <a:fld id="{852BFB1F-A0B8-45F9-8B0C-AE6AABDE724A}" type="slidenum">
               <a:rPr lang="fr-FR" smtClean="0"/>
-              <a:t>10</a:t>
+              <a:t>11</a:t>
             </a:fld>
             <a:endParaRPr lang="fr-FR"/>
           </a:p>
@@ -4356,7 +4357,7 @@
           <a:p>
             <a:fld id="{852BFB1F-A0B8-45F9-8B0C-AE6AABDE724A}" type="slidenum">
               <a:rPr lang="fr-FR" smtClean="0"/>
-              <a:t>11</a:t>
+              <a:t>12</a:t>
             </a:fld>
             <a:endParaRPr lang="fr-FR"/>
           </a:p>
@@ -4506,7 +4507,7 @@
           <a:p>
             <a:fld id="{0A206D1B-E756-4A82-9838-551DE185C738}" type="datetimeFigureOut">
               <a:rPr lang="fr-FR" smtClean="0"/>
-              <a:t>20/11/2022</a:t>
+              <a:t>21/11/2022</a:t>
             </a:fld>
             <a:endParaRPr lang="fr-FR"/>
           </a:p>
@@ -4676,7 +4677,7 @@
           <a:p>
             <a:fld id="{0A206D1B-E756-4A82-9838-551DE185C738}" type="datetimeFigureOut">
               <a:rPr lang="fr-FR" smtClean="0"/>
-              <a:t>20/11/2022</a:t>
+              <a:t>21/11/2022</a:t>
             </a:fld>
             <a:endParaRPr lang="fr-FR"/>
           </a:p>
@@ -4856,7 +4857,7 @@
           <a:p>
             <a:fld id="{0A206D1B-E756-4A82-9838-551DE185C738}" type="datetimeFigureOut">
               <a:rPr lang="fr-FR" smtClean="0"/>
-              <a:t>20/11/2022</a:t>
+              <a:t>21/11/2022</a:t>
             </a:fld>
             <a:endParaRPr lang="fr-FR"/>
           </a:p>
@@ -5026,7 +5027,7 @@
           <a:p>
             <a:fld id="{0A206D1B-E756-4A82-9838-551DE185C738}" type="datetimeFigureOut">
               <a:rPr lang="fr-FR" smtClean="0"/>
-              <a:t>20/11/2022</a:t>
+              <a:t>21/11/2022</a:t>
             </a:fld>
             <a:endParaRPr lang="fr-FR"/>
           </a:p>
@@ -5272,7 +5273,7 @@
           <a:p>
             <a:fld id="{0A206D1B-E756-4A82-9838-551DE185C738}" type="datetimeFigureOut">
               <a:rPr lang="fr-FR" smtClean="0"/>
-              <a:t>20/11/2022</a:t>
+              <a:t>21/11/2022</a:t>
             </a:fld>
             <a:endParaRPr lang="fr-FR"/>
           </a:p>
@@ -5504,7 +5505,7 @@
           <a:p>
             <a:fld id="{0A206D1B-E756-4A82-9838-551DE185C738}" type="datetimeFigureOut">
               <a:rPr lang="fr-FR" smtClean="0"/>
-              <a:t>20/11/2022</a:t>
+              <a:t>21/11/2022</a:t>
             </a:fld>
             <a:endParaRPr lang="fr-FR"/>
           </a:p>
@@ -5871,7 +5872,7 @@
           <a:p>
             <a:fld id="{0A206D1B-E756-4A82-9838-551DE185C738}" type="datetimeFigureOut">
               <a:rPr lang="fr-FR" smtClean="0"/>
-              <a:t>20/11/2022</a:t>
+              <a:t>21/11/2022</a:t>
             </a:fld>
             <a:endParaRPr lang="fr-FR"/>
           </a:p>
@@ -5989,7 +5990,7 @@
           <a:p>
             <a:fld id="{0A206D1B-E756-4A82-9838-551DE185C738}" type="datetimeFigureOut">
               <a:rPr lang="fr-FR" smtClean="0"/>
-              <a:t>20/11/2022</a:t>
+              <a:t>21/11/2022</a:t>
             </a:fld>
             <a:endParaRPr lang="fr-FR"/>
           </a:p>
@@ -6084,7 +6085,7 @@
           <a:p>
             <a:fld id="{0A206D1B-E756-4A82-9838-551DE185C738}" type="datetimeFigureOut">
               <a:rPr lang="fr-FR" smtClean="0"/>
-              <a:t>20/11/2022</a:t>
+              <a:t>21/11/2022</a:t>
             </a:fld>
             <a:endParaRPr lang="fr-FR"/>
           </a:p>
@@ -6361,7 +6362,7 @@
           <a:p>
             <a:fld id="{0A206D1B-E756-4A82-9838-551DE185C738}" type="datetimeFigureOut">
               <a:rPr lang="fr-FR" smtClean="0"/>
-              <a:t>20/11/2022</a:t>
+              <a:t>21/11/2022</a:t>
             </a:fld>
             <a:endParaRPr lang="fr-FR"/>
           </a:p>
@@ -6614,7 +6615,7 @@
           <a:p>
             <a:fld id="{0A206D1B-E756-4A82-9838-551DE185C738}" type="datetimeFigureOut">
               <a:rPr lang="fr-FR" smtClean="0"/>
-              <a:t>20/11/2022</a:t>
+              <a:t>21/11/2022</a:t>
             </a:fld>
             <a:endParaRPr lang="fr-FR"/>
           </a:p>
@@ -6827,7 +6828,7 @@
           <a:p>
             <a:fld id="{0A206D1B-E756-4A82-9838-551DE185C738}" type="datetimeFigureOut">
               <a:rPr lang="fr-FR" smtClean="0"/>
-              <a:t>20/11/2022</a:t>
+              <a:t>21/11/2022</a:t>
             </a:fld>
             <a:endParaRPr lang="fr-FR"/>
           </a:p>
@@ -7743,185 +7744,458 @@
         </p:nvSpPr>
         <p:spPr>
           <a:xfrm>
-            <a:off x="4904509" y="1"/>
-            <a:ext cx="2382982" cy="570016"/>
+            <a:off x="838200" y="59272"/>
+            <a:ext cx="10515600" cy="795855"/>
           </a:xfrm>
         </p:spPr>
         <p:txBody>
+          <a:bodyPr/>
+          <a:lstStyle/>
+          <a:p>
+            <a:pPr algn="ctr"/>
+            <a:r>
+              <a:rPr lang="fr-FR" b="1" dirty="0"/>
+              <a:t>Les commandes de </a:t>
+            </a:r>
+            <a:r>
+              <a:rPr lang="fr-FR" b="1" dirty="0" smtClean="0"/>
+              <a:t>base (Suite)</a:t>
+            </a:r>
+            <a:endParaRPr lang="fr-FR" b="1" dirty="0"/>
+          </a:p>
+        </p:txBody>
+      </p:sp>
+      <p:sp>
+        <p:nvSpPr>
+          <p:cNvPr id="3" name="Espace réservé du contenu 2"/>
+          <p:cNvSpPr>
+            <a:spLocks noGrp="1"/>
+          </p:cNvSpPr>
+          <p:nvPr>
+            <p:ph idx="1"/>
+          </p:nvPr>
+        </p:nvSpPr>
+        <p:spPr>
+          <a:xfrm>
+            <a:off x="0" y="1116280"/>
+            <a:ext cx="12192000" cy="5533902"/>
+          </a:xfrm>
+        </p:spPr>
+        <p:txBody>
           <a:bodyPr>
-            <a:normAutofit fontScale="90000"/>
+            <a:normAutofit lnSpcReduction="10000"/>
           </a:bodyPr>
           <a:lstStyle/>
           <a:p>
-            <a:pPr algn="ctr"/>
-            <a:r>
-              <a:rPr lang="fr-FR" b="1" dirty="0"/>
-              <a:t>Branches</a:t>
-            </a:r>
-          </a:p>
-        </p:txBody>
-      </p:sp>
-      <p:sp>
-        <p:nvSpPr>
-          <p:cNvPr id="3" name="Espace réservé du contenu 2"/>
-          <p:cNvSpPr>
-            <a:spLocks noGrp="1"/>
-          </p:cNvSpPr>
-          <p:nvPr>
-            <p:ph idx="1"/>
-          </p:nvPr>
-        </p:nvSpPr>
-        <p:spPr>
+            <a:pPr marL="877887" lvl="1" indent="-514350">
+              <a:lnSpc>
+                <a:spcPct val="70000"/>
+              </a:lnSpc>
+              <a:buFont typeface="+mj-lt"/>
+              <a:buAutoNum type="arabicPeriod" startAt="18"/>
+            </a:pPr>
+            <a:r>
+              <a:rPr lang="fr-FR" sz="2800" dirty="0" smtClean="0"/>
+              <a:t>Navigué </a:t>
+            </a:r>
+            <a:r>
+              <a:rPr lang="fr-FR" sz="2800" dirty="0"/>
+              <a:t>dans l’historique des </a:t>
+            </a:r>
+            <a:r>
+              <a:rPr lang="fr-FR" sz="2800" dirty="0" smtClean="0"/>
+              <a:t>commit (voir le contenu avent un commit ):</a:t>
+            </a:r>
+            <a:endParaRPr lang="fr-FR" sz="2800" dirty="0"/>
+          </a:p>
+          <a:p>
+            <a:pPr marL="1158875" lvl="1" indent="-347663">
+              <a:lnSpc>
+                <a:spcPct val="70000"/>
+              </a:lnSpc>
+            </a:pPr>
+            <a:r>
+              <a:rPr lang="fr-FR" sz="2600" b="1" i="1" dirty="0"/>
+              <a:t>git checkout « </a:t>
+            </a:r>
+            <a:r>
+              <a:rPr lang="fr-FR" sz="2600" b="1" i="1" dirty="0" err="1" smtClean="0"/>
+              <a:t>commit_hash</a:t>
+            </a:r>
+            <a:r>
+              <a:rPr lang="fr-FR" sz="2600" b="1" i="1" dirty="0"/>
+              <a:t> », </a:t>
+            </a:r>
+            <a:r>
+              <a:rPr lang="fr-FR" sz="2600" b="1" i="1" dirty="0" smtClean="0"/>
+              <a:t>git checkout «  </a:t>
+            </a:r>
+            <a:r>
+              <a:rPr lang="fr-FR" sz="2600" b="1" i="1" dirty="0" err="1" smtClean="0"/>
+              <a:t>commit_hash</a:t>
+            </a:r>
+            <a:r>
+              <a:rPr lang="fr-FR" sz="2600" b="1" i="1" dirty="0" smtClean="0"/>
+              <a:t>» «</a:t>
+            </a:r>
+            <a:r>
+              <a:rPr lang="fr-FR" sz="2600" b="1" i="1" dirty="0"/>
+              <a:t> </a:t>
+            </a:r>
+            <a:r>
+              <a:rPr lang="fr-FR" sz="2600" b="1" i="1" dirty="0" smtClean="0"/>
+              <a:t>fichier</a:t>
+            </a:r>
+            <a:r>
+              <a:rPr lang="fr-FR" sz="2600" b="1" i="1" dirty="0"/>
+              <a:t> »</a:t>
+            </a:r>
+          </a:p>
+          <a:p>
+            <a:pPr marL="893763" lvl="1" indent="-530225">
+              <a:buFont typeface="+mj-lt"/>
+              <a:buAutoNum type="arabicPeriod" startAt="19"/>
+            </a:pPr>
+            <a:r>
+              <a:rPr lang="fr-FR" sz="2800" dirty="0"/>
+              <a:t>défit un commit (supprimer les changements de ce commit</a:t>
+            </a:r>
+            <a:r>
+              <a:rPr lang="fr-FR" sz="2800" dirty="0" smtClean="0"/>
+              <a:t>)</a:t>
+            </a:r>
+          </a:p>
+          <a:p>
+            <a:pPr marL="820738" lvl="1" indent="-9525">
+              <a:tabLst>
+                <a:tab pos="811213" algn="l"/>
+                <a:tab pos="1163638" algn="l"/>
+              </a:tabLst>
+            </a:pPr>
+            <a:r>
+              <a:rPr lang="fr-FR" sz="2800" dirty="0" smtClean="0"/>
+              <a:t>	</a:t>
+            </a:r>
+            <a:r>
+              <a:rPr lang="fr-FR" sz="2600" b="1" i="1" dirty="0"/>
+              <a:t>git </a:t>
+            </a:r>
+            <a:r>
+              <a:rPr lang="fr-FR" sz="2600" b="1" i="1" dirty="0" err="1"/>
+              <a:t>revert</a:t>
+            </a:r>
+            <a:r>
+              <a:rPr lang="fr-FR" sz="2600" b="1" i="1" dirty="0"/>
+              <a:t> </a:t>
+            </a:r>
+            <a:r>
+              <a:rPr lang="fr-FR" sz="2600" b="1" i="1" dirty="0" err="1" smtClean="0"/>
+              <a:t>commit_hash</a:t>
+            </a:r>
+            <a:r>
+              <a:rPr lang="fr-FR" sz="2600" b="1" i="1" dirty="0"/>
+              <a:t> </a:t>
+            </a:r>
+            <a:endParaRPr lang="fr-FR" sz="2600" b="1" i="1" dirty="0" smtClean="0"/>
+          </a:p>
+          <a:p>
+            <a:pPr marL="962025" lvl="1" indent="-598488">
+              <a:buFont typeface="+mj-lt"/>
+              <a:buAutoNum type="arabicPeriod" startAt="20"/>
+              <a:tabLst>
+                <a:tab pos="811213" algn="l"/>
+                <a:tab pos="1163638" algn="l"/>
+              </a:tabLst>
+            </a:pPr>
+            <a:r>
+              <a:rPr lang="fr-FR" sz="2800" dirty="0"/>
+              <a:t>Voir les détails d’un commit(contribution)</a:t>
+            </a:r>
+          </a:p>
+          <a:p>
+            <a:pPr marL="1169988" lvl="1" indent="-365125">
+              <a:tabLst>
+                <a:tab pos="811213" algn="l"/>
+                <a:tab pos="1169988" algn="l"/>
+              </a:tabLst>
+            </a:pPr>
+            <a:r>
+              <a:rPr lang="fr-FR" sz="2600" b="1" i="1" dirty="0"/>
+              <a:t>git show « </a:t>
+            </a:r>
+            <a:r>
+              <a:rPr lang="fr-FR" sz="2600" b="1" i="1" dirty="0" err="1"/>
+              <a:t>commit_hash</a:t>
+            </a:r>
+            <a:r>
+              <a:rPr lang="fr-FR" sz="2600" b="1" i="1" dirty="0"/>
+              <a:t> »</a:t>
+            </a:r>
+          </a:p>
+          <a:p>
+            <a:pPr marL="811213" lvl="1" indent="-447675">
+              <a:buNone/>
+              <a:tabLst>
+                <a:tab pos="363538" algn="l"/>
+                <a:tab pos="1163638" algn="l"/>
+              </a:tabLst>
+            </a:pPr>
+            <a:r>
+              <a:rPr lang="fr-FR" sz="2800" dirty="0" smtClean="0"/>
+              <a:t>21 </a:t>
+            </a:r>
+            <a:r>
+              <a:rPr lang="fr-FR" sz="2800" dirty="0"/>
+              <a:t>qui à changé le </a:t>
+            </a:r>
+            <a:r>
+              <a:rPr lang="fr-FR" sz="2800" dirty="0" err="1" smtClean="0"/>
+              <a:t>fichierest</a:t>
+            </a:r>
+            <a:r>
+              <a:rPr lang="fr-FR" sz="2800" dirty="0" smtClean="0"/>
+              <a:t> quand et quoi </a:t>
+            </a:r>
+          </a:p>
+          <a:p>
+            <a:pPr marL="1162050" lvl="1" indent="-361950">
+              <a:tabLst>
+                <a:tab pos="363538" algn="l"/>
+                <a:tab pos="1163638" algn="l"/>
+              </a:tabLst>
+            </a:pPr>
+            <a:r>
+              <a:rPr lang="fr-FR" sz="2800" b="1" i="1" dirty="0" smtClean="0"/>
+              <a:t>git </a:t>
+            </a:r>
+            <a:r>
+              <a:rPr lang="fr-FR" sz="2800" b="1" i="1" dirty="0" err="1" smtClean="0"/>
+              <a:t>blame</a:t>
+            </a:r>
+            <a:r>
+              <a:rPr lang="fr-FR" sz="2800" b="1" i="1" dirty="0" smtClean="0"/>
+              <a:t> « file »</a:t>
+            </a:r>
+            <a:endParaRPr lang="fr-FR" sz="2600" b="1" i="1" dirty="0" smtClean="0"/>
+          </a:p>
+          <a:p>
+            <a:pPr marL="962025" lvl="1" indent="-598488">
+              <a:buFont typeface="+mj-lt"/>
+              <a:buAutoNum type="arabicPeriod" startAt="20"/>
+              <a:tabLst>
+                <a:tab pos="363538" algn="l"/>
+                <a:tab pos="811213" algn="l"/>
+                <a:tab pos="1163638" algn="l"/>
+              </a:tabLst>
+            </a:pPr>
+            <a:r>
+              <a:rPr lang="fr-FR" sz="2800" dirty="0" smtClean="0"/>
+              <a:t>Sauvegardé </a:t>
+            </a:r>
+            <a:r>
+              <a:rPr lang="fr-FR" sz="2800" dirty="0"/>
+              <a:t>un travail puis le </a:t>
+            </a:r>
+            <a:r>
+              <a:rPr lang="fr-FR" sz="2800" dirty="0" smtClean="0"/>
+              <a:t>reprendre</a:t>
+            </a:r>
+          </a:p>
+          <a:p>
+            <a:pPr marL="819150" lvl="1" indent="-7938">
+              <a:tabLst>
+                <a:tab pos="363538" algn="l"/>
+                <a:tab pos="811213" algn="l"/>
+                <a:tab pos="1163638" algn="l"/>
+              </a:tabLst>
+            </a:pPr>
+            <a:r>
+              <a:rPr lang="fr-FR" sz="2600" b="1" i="1" dirty="0"/>
+              <a:t>	git </a:t>
+            </a:r>
+            <a:r>
+              <a:rPr lang="fr-FR" sz="2600" b="1" i="1" dirty="0" err="1" smtClean="0"/>
+              <a:t>stash</a:t>
+            </a:r>
+            <a:endParaRPr lang="fr-FR" sz="2600" b="1" i="1" dirty="0" smtClean="0"/>
+          </a:p>
+          <a:p>
+            <a:pPr marL="962025" lvl="1" indent="-598488">
+              <a:buFont typeface="+mj-lt"/>
+              <a:buAutoNum type="arabicPeriod" startAt="20"/>
+              <a:tabLst>
+                <a:tab pos="363538" algn="l"/>
+                <a:tab pos="811213" algn="l"/>
+                <a:tab pos="1163638" algn="l"/>
+              </a:tabLst>
+            </a:pPr>
+            <a:r>
+              <a:rPr lang="fr-FR" sz="2800" dirty="0"/>
+              <a:t>Reprendre un travail qui à été suspendu</a:t>
+            </a:r>
+          </a:p>
+          <a:p>
+            <a:pPr marL="819150" lvl="1" indent="-7938">
+              <a:tabLst>
+                <a:tab pos="363538" algn="l"/>
+                <a:tab pos="811213" algn="l"/>
+                <a:tab pos="1163638" algn="l"/>
+              </a:tabLst>
+            </a:pPr>
+            <a:r>
+              <a:rPr lang="fr-FR" sz="2600" b="1" i="1" dirty="0" smtClean="0"/>
+              <a:t>git </a:t>
+            </a:r>
+            <a:r>
+              <a:rPr lang="fr-FR" sz="2600" b="1" i="1" dirty="0" err="1" smtClean="0"/>
+              <a:t>stash</a:t>
+            </a:r>
+            <a:r>
+              <a:rPr lang="fr-FR" sz="2600" b="1" i="1" dirty="0" smtClean="0"/>
+              <a:t> pop</a:t>
+            </a:r>
+          </a:p>
+          <a:p>
+            <a:pPr marL="962025" lvl="1" indent="-598488">
+              <a:lnSpc>
+                <a:spcPct val="100000"/>
+              </a:lnSpc>
+              <a:buFont typeface="+mj-lt"/>
+              <a:buAutoNum type="arabicPeriod" startAt="20"/>
+              <a:tabLst>
+                <a:tab pos="363538" algn="l"/>
+                <a:tab pos="811213" algn="l"/>
+                <a:tab pos="1163638" algn="l"/>
+              </a:tabLst>
+            </a:pPr>
+            <a:r>
+              <a:rPr lang="fr-FR" sz="2800" dirty="0"/>
+              <a:t>Supprimé un </a:t>
+            </a:r>
+            <a:r>
+              <a:rPr lang="fr-FR" sz="2800" dirty="0" err="1"/>
+              <a:t>stash</a:t>
+            </a:r>
+            <a:r>
+              <a:rPr lang="fr-FR" sz="2800" dirty="0"/>
+              <a:t> </a:t>
+            </a:r>
+          </a:p>
+          <a:p>
+            <a:pPr marL="819150" lvl="1" indent="-7938">
+              <a:tabLst>
+                <a:tab pos="363538" algn="l"/>
+                <a:tab pos="811213" algn="l"/>
+                <a:tab pos="1163638" algn="l"/>
+              </a:tabLst>
+            </a:pPr>
+            <a:r>
+              <a:rPr lang="fr-FR" sz="2600" b="1" i="1" dirty="0" smtClean="0"/>
+              <a:t>Git </a:t>
+            </a:r>
+            <a:r>
+              <a:rPr lang="fr-FR" sz="2600" b="1" i="1" dirty="0" err="1" smtClean="0"/>
+              <a:t>stash</a:t>
+            </a:r>
+            <a:r>
+              <a:rPr lang="fr-FR" sz="2600" b="1" i="1" dirty="0" smtClean="0"/>
+              <a:t> drop</a:t>
+            </a:r>
+          </a:p>
+        </p:txBody>
+      </p:sp>
+      <p:sp>
+        <p:nvSpPr>
+          <p:cNvPr id="4" name="Rectangle 2"/>
+          <p:cNvSpPr>
+            <a:spLocks noChangeArrowheads="1"/>
+          </p:cNvSpPr>
+          <p:nvPr/>
+        </p:nvSpPr>
+        <p:spPr bwMode="auto">
           <a:xfrm>
-            <a:off x="95002" y="743733"/>
-            <a:ext cx="11994079" cy="6007389"/>
-          </a:xfrm>
-        </p:spPr>
-        <p:txBody>
-          <a:bodyPr>
-            <a:normAutofit/>
-          </a:bodyPr>
-          <a:lstStyle/>
-          <a:p>
-            <a:pPr marL="571500" indent="-571500">
-              <a:buFont typeface="+mj-lt"/>
-              <a:buAutoNum type="romanUcPeriod" startAt="7"/>
-            </a:pPr>
-            <a:r>
-              <a:rPr lang="fr-FR" b="1" dirty="0" smtClean="0"/>
-              <a:t>Branches:</a:t>
-            </a:r>
-            <a:endParaRPr lang="fr-FR" b="1" dirty="0"/>
-          </a:p>
-          <a:p>
-            <a:pPr marL="0" indent="0">
-              <a:buNone/>
-            </a:pPr>
-            <a:r>
-              <a:rPr lang="fr-FR" dirty="0" smtClean="0"/>
-              <a:t>	Une autre versions de projet, une ligne de vie indépendante. </a:t>
-            </a:r>
-          </a:p>
-          <a:p>
-            <a:pPr marL="571500" indent="-571500">
-              <a:buFont typeface="+mj-lt"/>
-              <a:buAutoNum type="romanUcPeriod" startAt="8"/>
-            </a:pPr>
-            <a:r>
-              <a:rPr lang="fr-FR" b="1" dirty="0" smtClean="0"/>
-              <a:t>Avantages</a:t>
-            </a:r>
-            <a:r>
-              <a:rPr lang="fr-FR" dirty="0" smtClean="0"/>
-              <a:t>: </a:t>
-            </a:r>
-          </a:p>
-          <a:p>
-            <a:pPr marL="514350" indent="-244475">
-              <a:buFont typeface="+mj-lt"/>
-              <a:buAutoNum type="arabicPeriod"/>
-            </a:pPr>
-            <a:r>
-              <a:rPr lang="fr-FR" dirty="0" smtClean="0"/>
-              <a:t>Lancer d’autre version on ayant toujours une </a:t>
-            </a:r>
-            <a:r>
-              <a:rPr lang="fr-FR" dirty="0"/>
-              <a:t>v</a:t>
-            </a:r>
-            <a:r>
-              <a:rPr lang="fr-FR" dirty="0" smtClean="0"/>
-              <a:t>ersion stable.</a:t>
-            </a:r>
-          </a:p>
-          <a:p>
-            <a:pPr marL="514350" indent="-244475">
-              <a:buFont typeface="+mj-lt"/>
-              <a:buAutoNum type="arabicPeriod"/>
-            </a:pPr>
-            <a:r>
-              <a:rPr lang="fr-FR" dirty="0" smtClean="0"/>
-              <a:t>Tester d’autre implémentions d’une fonctionnalité existante</a:t>
-            </a:r>
-          </a:p>
-          <a:p>
-            <a:pPr marL="514350" indent="-244475">
-              <a:buFont typeface="+mj-lt"/>
-              <a:buAutoNum type="arabicPeriod"/>
-            </a:pPr>
-            <a:r>
-              <a:rPr lang="fr-FR" dirty="0" smtClean="0"/>
-              <a:t>Possibilité de travailler en Independence et push les changement sans affecté les collègues</a:t>
-            </a:r>
-          </a:p>
-          <a:p>
-            <a:pPr marL="514350" indent="-244475">
-              <a:buFont typeface="+mj-lt"/>
-              <a:buAutoNum type="arabicPeriod"/>
-            </a:pPr>
-            <a:r>
-              <a:rPr lang="fr-FR" dirty="0" smtClean="0"/>
-              <a:t>Possibilité de marger le code des collèges avec notre  changement et de résoudre rapidement les conflits</a:t>
-            </a:r>
-          </a:p>
-          <a:p>
-            <a:pPr marL="514350" indent="-244475">
-              <a:buFont typeface="+mj-lt"/>
-              <a:buAutoNum type="arabicPeriod"/>
-            </a:pPr>
-            <a:r>
-              <a:rPr lang="fr-FR" dirty="0" smtClean="0"/>
-              <a:t>Assuré que les normes de codage sont maintenue, et facilite la collaboration quelque soit la taille	 de l’équipe.</a:t>
-            </a:r>
-          </a:p>
-          <a:p>
-            <a:pPr marL="514350" indent="-244475">
-              <a:buFont typeface="+mj-lt"/>
-              <a:buAutoNum type="arabicPeriod"/>
-            </a:pPr>
-            <a:r>
-              <a:rPr lang="fr-FR" dirty="0" smtClean="0"/>
-              <a:t>Facilite l’intégration de nouveau membres dans l’équipe.</a:t>
-            </a:r>
-          </a:p>
-          <a:p>
-            <a:pPr marL="269875" indent="0">
-              <a:buNone/>
-            </a:pPr>
-            <a:endParaRPr lang="fr-FR" dirty="0"/>
-          </a:p>
-        </p:txBody>
-      </p:sp>
-      <p:sp>
-        <p:nvSpPr>
-          <p:cNvPr id="4" name="Rectangle 3"/>
-          <p:cNvSpPr/>
-          <p:nvPr/>
-        </p:nvSpPr>
-        <p:spPr>
-          <a:xfrm>
-            <a:off x="4787148" y="3244334"/>
-            <a:ext cx="1009892" cy="369332"/>
+            <a:off x="0" y="0"/>
+            <a:ext cx="12192000" cy="457200"/>
           </a:xfrm>
           <a:prstGeom prst="rect">
             <a:avLst/>
           </a:prstGeom>
+          <a:noFill/>
+          <a:ln>
+            <a:noFill/>
+          </a:ln>
+          <a:effectLst/>
+          <a:extLst>
+            <a:ext uri="{909E8E84-426E-40DD-AFC4-6F175D3DCCD1}">
+              <a14:hiddenFill xmlns:a14="http://schemas.microsoft.com/office/drawing/2010/main">
+                <a:solidFill>
+                  <a:schemeClr val="accent1"/>
+                </a:solidFill>
+              </a14:hiddenFill>
+            </a:ext>
+            <a:ext uri="{91240B29-F687-4F45-9708-019B960494DF}">
+              <a14:hiddenLine xmlns:a14="http://schemas.microsoft.com/office/drawing/2010/main" w="9525">
+                <a:solidFill>
+                  <a:schemeClr val="tx1"/>
+                </a:solidFill>
+                <a:miter lim="800000"/>
+                <a:headEnd/>
+                <a:tailEnd/>
+              </a14:hiddenLine>
+            </a:ext>
+            <a:ext uri="{AF507438-7753-43E0-B8FC-AC1667EBCBE1}">
+              <a14:hiddenEffects xmlns:a14="http://schemas.microsoft.com/office/drawing/2010/main">
+                <a:effectLst>
+                  <a:outerShdw dist="35921" dir="2700000" algn="ctr" rotWithShape="0">
+                    <a:schemeClr val="bg2"/>
+                  </a:outerShdw>
+                </a:effectLst>
+              </a14:hiddenEffects>
+            </a:ext>
+          </a:extLst>
         </p:spPr>
         <p:txBody>
-          <a:bodyPr wrap="none">
+          <a:bodyPr vert="horz" wrap="none" lIns="91440" tIns="45720" rIns="91440" bIns="45720" numCol="1" anchor="ctr" anchorCtr="0" compatLnSpc="1">
+            <a:prstTxWarp prst="textNoShape">
+              <a:avLst/>
+            </a:prstTxWarp>
             <a:spAutoFit/>
           </a:bodyPr>
           <a:lstStyle/>
           <a:p>
-            <a:pPr marL="1160462" lvl="1" indent="-342900"/>
-            <a:endParaRPr lang="fr-FR" b="1" i="1" dirty="0"/>
+            <a:pPr marL="0" marR="0" lvl="0" indent="0" algn="l" defTabSz="914400" rtl="0" eaLnBrk="0" fontAlgn="base" latinLnBrk="0" hangingPunct="0">
+              <a:lnSpc>
+                <a:spcPct val="100000"/>
+              </a:lnSpc>
+              <a:spcBef>
+                <a:spcPct val="0"/>
+              </a:spcBef>
+              <a:spcAft>
+                <a:spcPct val="0"/>
+              </a:spcAft>
+              <a:buClrTx/>
+              <a:buSzTx/>
+              <a:buFontTx/>
+              <a:buNone/>
+              <a:tabLst/>
+            </a:pPr>
+            <a:endParaRPr kumimoji="0" lang="fr-FR" altLang="fr-FR" sz="1800" b="0" i="0" u="none" strike="noStrike" cap="none" normalizeH="0" baseline="0" smtClean="0">
+              <a:ln>
+                <a:noFill/>
+              </a:ln>
+              <a:solidFill>
+                <a:schemeClr val="tx1"/>
+              </a:solidFill>
+              <a:effectLst/>
+              <a:latin typeface="Arial" panose="020B0604020202020204" pitchFamily="34" charset="0"/>
+            </a:endParaRPr>
           </a:p>
         </p:txBody>
       </p:sp>
     </p:spTree>
     <p:extLst>
       <p:ext uri="{BB962C8B-B14F-4D97-AF65-F5344CB8AC3E}">
-        <p14:creationId xmlns:p14="http://schemas.microsoft.com/office/powerpoint/2010/main" val="3097175950"/>
+        <p14:creationId xmlns:p14="http://schemas.microsoft.com/office/powerpoint/2010/main" val="3328790107"/>
       </p:ext>
     </p:extLst>
   </p:cSld>
@@ -7957,6 +8231,230 @@
       </p:grpSpPr>
       <p:sp>
         <p:nvSpPr>
+          <p:cNvPr id="2" name="Titre 1"/>
+          <p:cNvSpPr>
+            <a:spLocks noGrp="1"/>
+          </p:cNvSpPr>
+          <p:nvPr>
+            <p:ph type="title"/>
+          </p:nvPr>
+        </p:nvSpPr>
+        <p:spPr>
+          <a:xfrm>
+            <a:off x="4904509" y="1"/>
+            <a:ext cx="2382982" cy="570016"/>
+          </a:xfrm>
+        </p:spPr>
+        <p:txBody>
+          <a:bodyPr>
+            <a:normAutofit fontScale="90000"/>
+          </a:bodyPr>
+          <a:lstStyle/>
+          <a:p>
+            <a:pPr algn="ctr"/>
+            <a:r>
+              <a:rPr lang="fr-FR" b="1" dirty="0"/>
+              <a:t>Branches</a:t>
+            </a:r>
+          </a:p>
+        </p:txBody>
+      </p:sp>
+      <p:sp>
+        <p:nvSpPr>
+          <p:cNvPr id="3" name="Espace réservé du contenu 2"/>
+          <p:cNvSpPr>
+            <a:spLocks noGrp="1"/>
+          </p:cNvSpPr>
+          <p:nvPr>
+            <p:ph idx="1"/>
+          </p:nvPr>
+        </p:nvSpPr>
+        <p:spPr>
+          <a:xfrm>
+            <a:off x="95002" y="743733"/>
+            <a:ext cx="11994079" cy="6007389"/>
+          </a:xfrm>
+        </p:spPr>
+        <p:txBody>
+          <a:bodyPr>
+            <a:normAutofit/>
+          </a:bodyPr>
+          <a:lstStyle/>
+          <a:p>
+            <a:pPr marL="571500" indent="-571500">
+              <a:buFont typeface="+mj-lt"/>
+              <a:buAutoNum type="romanUcPeriod" startAt="7"/>
+            </a:pPr>
+            <a:r>
+              <a:rPr lang="fr-FR" b="1" dirty="0" smtClean="0"/>
+              <a:t>Branches:</a:t>
+            </a:r>
+            <a:endParaRPr lang="fr-FR" b="1" dirty="0"/>
+          </a:p>
+          <a:p>
+            <a:pPr marL="0" indent="0">
+              <a:buNone/>
+            </a:pPr>
+            <a:r>
+              <a:rPr lang="fr-FR" dirty="0" smtClean="0"/>
+              <a:t>	Une autre versions de projet, une ligne de vie indépendante. </a:t>
+            </a:r>
+          </a:p>
+          <a:p>
+            <a:pPr marL="571500" indent="-571500">
+              <a:buFont typeface="+mj-lt"/>
+              <a:buAutoNum type="romanUcPeriod" startAt="8"/>
+            </a:pPr>
+            <a:r>
+              <a:rPr lang="fr-FR" b="1" dirty="0" smtClean="0"/>
+              <a:t>Avantages</a:t>
+            </a:r>
+            <a:r>
+              <a:rPr lang="fr-FR" dirty="0" smtClean="0"/>
+              <a:t>: </a:t>
+            </a:r>
+          </a:p>
+          <a:p>
+            <a:pPr marL="514350" indent="-244475">
+              <a:buFont typeface="+mj-lt"/>
+              <a:buAutoNum type="arabicPeriod"/>
+            </a:pPr>
+            <a:r>
+              <a:rPr lang="fr-FR" dirty="0" smtClean="0"/>
+              <a:t>Lancer d’autre version on ayant toujours une </a:t>
+            </a:r>
+            <a:r>
+              <a:rPr lang="fr-FR" dirty="0"/>
+              <a:t>v</a:t>
+            </a:r>
+            <a:r>
+              <a:rPr lang="fr-FR" dirty="0" smtClean="0"/>
+              <a:t>ersion stable.</a:t>
+            </a:r>
+          </a:p>
+          <a:p>
+            <a:pPr marL="514350" indent="-244475">
+              <a:buFont typeface="+mj-lt"/>
+              <a:buAutoNum type="arabicPeriod"/>
+            </a:pPr>
+            <a:r>
+              <a:rPr lang="fr-FR" dirty="0" smtClean="0"/>
+              <a:t>Tester d’autre implémentions d’une fonctionnalité existante</a:t>
+            </a:r>
+          </a:p>
+          <a:p>
+            <a:pPr marL="514350" indent="-244475">
+              <a:buFont typeface="+mj-lt"/>
+              <a:buAutoNum type="arabicPeriod"/>
+            </a:pPr>
+            <a:r>
+              <a:rPr lang="fr-FR" dirty="0" smtClean="0"/>
+              <a:t>Possibilité de travailler en Independence et push les changement sans affecté les collègues</a:t>
+            </a:r>
+          </a:p>
+          <a:p>
+            <a:pPr marL="514350" indent="-244475">
+              <a:buFont typeface="+mj-lt"/>
+              <a:buAutoNum type="arabicPeriod"/>
+            </a:pPr>
+            <a:r>
+              <a:rPr lang="fr-FR" dirty="0" smtClean="0"/>
+              <a:t>Possibilité de marger le code des collèges avec notre  changement et de résoudre rapidement les conflits</a:t>
+            </a:r>
+          </a:p>
+          <a:p>
+            <a:pPr marL="514350" indent="-244475">
+              <a:buFont typeface="+mj-lt"/>
+              <a:buAutoNum type="arabicPeriod"/>
+            </a:pPr>
+            <a:r>
+              <a:rPr lang="fr-FR" dirty="0" smtClean="0"/>
+              <a:t>Assuré que les normes de codage sont maintenue, et facilite la collaboration quelque soit la taille	 de l’équipe.</a:t>
+            </a:r>
+          </a:p>
+          <a:p>
+            <a:pPr marL="514350" indent="-244475">
+              <a:buFont typeface="+mj-lt"/>
+              <a:buAutoNum type="arabicPeriod"/>
+            </a:pPr>
+            <a:r>
+              <a:rPr lang="fr-FR" dirty="0" smtClean="0"/>
+              <a:t>Facilite l’intégration de nouveau membres dans l’équipe.</a:t>
+            </a:r>
+          </a:p>
+          <a:p>
+            <a:pPr marL="269875" indent="0">
+              <a:buNone/>
+            </a:pPr>
+            <a:endParaRPr lang="fr-FR" dirty="0"/>
+          </a:p>
+        </p:txBody>
+      </p:sp>
+      <p:sp>
+        <p:nvSpPr>
+          <p:cNvPr id="4" name="Rectangle 3"/>
+          <p:cNvSpPr/>
+          <p:nvPr/>
+        </p:nvSpPr>
+        <p:spPr>
+          <a:xfrm>
+            <a:off x="4787148" y="3244334"/>
+            <a:ext cx="1009892" cy="369332"/>
+          </a:xfrm>
+          <a:prstGeom prst="rect">
+            <a:avLst/>
+          </a:prstGeom>
+        </p:spPr>
+        <p:txBody>
+          <a:bodyPr wrap="none">
+            <a:spAutoFit/>
+          </a:bodyPr>
+          <a:lstStyle/>
+          <a:p>
+            <a:pPr marL="1160462" lvl="1" indent="-342900"/>
+            <a:endParaRPr lang="fr-FR" b="1" i="1" dirty="0"/>
+          </a:p>
+        </p:txBody>
+      </p:sp>
+    </p:spTree>
+    <p:extLst>
+      <p:ext uri="{BB962C8B-B14F-4D97-AF65-F5344CB8AC3E}">
+        <p14:creationId xmlns:p14="http://schemas.microsoft.com/office/powerpoint/2010/main" val="3097175950"/>
+      </p:ext>
+    </p:extLst>
+  </p:cSld>
+  <p:clrMapOvr>
+    <a:masterClrMapping/>
+  </p:clrMapOvr>
+  <p:timing>
+    <p:tnLst>
+      <p:par>
+        <p:cTn id="1" dur="indefinite" restart="never" nodeType="tmRoot"/>
+      </p:par>
+    </p:tnLst>
+  </p:timing>
+</p:sld>
+</file>
+
+<file path=ppt/slides/slide12.xml><?xml version="1.0" encoding="utf-8"?>
+<p:sld xmlns:a="http://schemas.openxmlformats.org/drawingml/2006/main" xmlns:r="http://schemas.openxmlformats.org/officeDocument/2006/relationships" xmlns:p="http://schemas.openxmlformats.org/presentationml/2006/main">
+  <p:cSld>
+    <p:spTree>
+      <p:nvGrpSpPr>
+        <p:cNvPr id="1" name=""/>
+        <p:cNvGrpSpPr/>
+        <p:nvPr/>
+      </p:nvGrpSpPr>
+      <p:grpSpPr>
+        <a:xfrm>
+          <a:off x="0" y="0"/>
+          <a:ext cx="0" cy="0"/>
+          <a:chOff x="0" y="0"/>
+          <a:chExt cx="0" cy="0"/>
+        </a:xfrm>
+      </p:grpSpPr>
+      <p:sp>
+        <p:nvSpPr>
           <p:cNvPr id="7" name="ZoneTexte 6"/>
           <p:cNvSpPr txBox="1"/>
           <p:nvPr/>
@@ -8166,7 +8664,7 @@
 </p:sld>
 </file>
 
-<file path=ppt/slides/slide12.xml><?xml version="1.0" encoding="utf-8"?>
+<file path=ppt/slides/slide13.xml><?xml version="1.0" encoding="utf-8"?>
 <p:sld xmlns:a="http://schemas.openxmlformats.org/drawingml/2006/main" xmlns:r="http://schemas.openxmlformats.org/officeDocument/2006/relationships" xmlns:p="http://schemas.openxmlformats.org/presentationml/2006/main">
   <p:cSld>
     <p:spTree>
@@ -8227,382 +8725,6 @@
 </p:sld>
 </file>
 
-<file path=ppt/slides/slide13.xml><?xml version="1.0" encoding="utf-8"?>
-<p:sld xmlns:a="http://schemas.openxmlformats.org/drawingml/2006/main" xmlns:r="http://schemas.openxmlformats.org/officeDocument/2006/relationships" xmlns:p="http://schemas.openxmlformats.org/presentationml/2006/main">
-  <p:cSld>
-    <p:spTree>
-      <p:nvGrpSpPr>
-        <p:cNvPr id="1" name=""/>
-        <p:cNvGrpSpPr/>
-        <p:nvPr/>
-      </p:nvGrpSpPr>
-      <p:grpSpPr>
-        <a:xfrm>
-          <a:off x="0" y="0"/>
-          <a:ext cx="0" cy="0"/>
-          <a:chOff x="0" y="0"/>
-          <a:chExt cx="0" cy="0"/>
-        </a:xfrm>
-      </p:grpSpPr>
-      <p:sp>
-        <p:nvSpPr>
-          <p:cNvPr id="5" name="Rectangle 4"/>
-          <p:cNvSpPr/>
-          <p:nvPr/>
-        </p:nvSpPr>
-        <p:spPr>
-          <a:xfrm>
-            <a:off x="0" y="83128"/>
-            <a:ext cx="12192000" cy="6618735"/>
-          </a:xfrm>
-          <a:prstGeom prst="rect">
-            <a:avLst/>
-          </a:prstGeom>
-        </p:spPr>
-        <p:txBody>
-          <a:bodyPr wrap="square">
-            <a:spAutoFit/>
-          </a:bodyPr>
-          <a:lstStyle/>
-          <a:p>
-            <a:pPr marL="571500" indent="-571500">
-              <a:buFont typeface="+mj-lt"/>
-              <a:buAutoNum type="romanUcPeriod" startAt="9"/>
-            </a:pPr>
-            <a:r>
-              <a:rPr lang="fr-FR" sz="2800" b="1" dirty="0" smtClean="0"/>
-              <a:t>Commandes sur les branches:</a:t>
-            </a:r>
-          </a:p>
-          <a:p>
-            <a:endParaRPr lang="fr-FR" sz="2800" b="1" dirty="0"/>
-          </a:p>
-          <a:p>
-            <a:pPr marL="514350" indent="-244475">
-              <a:buFont typeface="+mj-lt"/>
-              <a:buAutoNum type="arabicPeriod"/>
-              <a:tabLst>
-                <a:tab pos="363538" algn="l"/>
-                <a:tab pos="623888" algn="l"/>
-              </a:tabLst>
-            </a:pPr>
-            <a:r>
-              <a:rPr lang="fr-FR" b="1" dirty="0"/>
-              <a:t>	</a:t>
-            </a:r>
-            <a:r>
-              <a:rPr lang="fr-FR" sz="2800" dirty="0"/>
-              <a:t>Lister les branches du projet</a:t>
-            </a:r>
-          </a:p>
-          <a:p>
-            <a:pPr marL="804863" indent="-182563">
-              <a:buFont typeface="Arial" panose="020B0604020202020204" pitchFamily="34" charset="0"/>
-              <a:buChar char="•"/>
-              <a:tabLst>
-                <a:tab pos="901700" algn="l"/>
-              </a:tabLst>
-            </a:pPr>
-            <a:r>
-              <a:rPr lang="fr-FR" sz="2600" b="1" i="1" dirty="0"/>
-              <a:t> git branch</a:t>
-            </a:r>
-          </a:p>
-          <a:p>
-            <a:pPr marL="622300" indent="-357188">
-              <a:buFont typeface="+mj-lt"/>
-              <a:buAutoNum type="arabicPeriod" startAt="2"/>
-              <a:tabLst>
-                <a:tab pos="363538" algn="l"/>
-                <a:tab pos="623888" algn="l"/>
-              </a:tabLst>
-            </a:pPr>
-            <a:r>
-              <a:rPr lang="fr-FR" sz="2400" dirty="0" smtClean="0"/>
-              <a:t> </a:t>
-            </a:r>
-            <a:r>
-              <a:rPr lang="fr-FR" sz="2800" dirty="0"/>
-              <a:t>Ajouter une branch</a:t>
-            </a:r>
-          </a:p>
-          <a:p>
-            <a:pPr marL="804863" lvl="1" indent="-182563">
-              <a:buFont typeface="Arial" panose="020B0604020202020204" pitchFamily="34" charset="0"/>
-              <a:buChar char="•"/>
-              <a:tabLst>
-                <a:tab pos="363538" algn="l"/>
-                <a:tab pos="623888" algn="l"/>
-              </a:tabLst>
-            </a:pPr>
-            <a:r>
-              <a:rPr lang="fr-FR" sz="2600" b="1" i="1" dirty="0"/>
-              <a:t>git branch «branch </a:t>
-            </a:r>
-            <a:r>
-              <a:rPr lang="fr-FR" sz="2600" b="1" i="1" dirty="0" err="1"/>
-              <a:t>name</a:t>
-            </a:r>
-            <a:r>
-              <a:rPr lang="fr-FR" sz="2600" b="1" i="1" dirty="0"/>
-              <a:t> », git checkout –b «branch </a:t>
-            </a:r>
-            <a:r>
-              <a:rPr lang="fr-FR" sz="2600" b="1" i="1" dirty="0" err="1"/>
-              <a:t>name</a:t>
-            </a:r>
-            <a:r>
-              <a:rPr lang="fr-FR" sz="2600" b="1" i="1" dirty="0"/>
-              <a:t> » </a:t>
-            </a:r>
-            <a:r>
-              <a:rPr lang="fr-FR" sz="2600" b="1" i="1" dirty="0" smtClean="0"/>
-              <a:t>(avec </a:t>
-            </a:r>
-            <a:r>
-              <a:rPr lang="fr-FR" sz="2600" b="1" i="1" dirty="0"/>
-              <a:t>saut ),</a:t>
-            </a:r>
-          </a:p>
-          <a:p>
-            <a:pPr marL="804863" lvl="1" indent="-182563">
-              <a:buFont typeface="Arial" panose="020B0604020202020204" pitchFamily="34" charset="0"/>
-              <a:buChar char="•"/>
-              <a:tabLst>
-                <a:tab pos="363538" algn="l"/>
-                <a:tab pos="623888" algn="l"/>
-                <a:tab pos="804863" algn="l"/>
-              </a:tabLst>
-            </a:pPr>
-            <a:r>
-              <a:rPr lang="fr-FR" altLang="fr-FR" sz="2600" b="1" i="1" dirty="0"/>
-              <a:t>git checkout -b [</a:t>
-            </a:r>
-            <a:r>
-              <a:rPr lang="fr-FR" altLang="fr-FR" sz="2600" b="1" i="1" dirty="0" err="1"/>
-              <a:t>branch_name</a:t>
-            </a:r>
-            <a:r>
-              <a:rPr lang="fr-FR" altLang="fr-FR" sz="2600" b="1" i="1" dirty="0"/>
-              <a:t>] [</a:t>
-            </a:r>
-            <a:r>
-              <a:rPr lang="fr-FR" altLang="fr-FR" sz="2600" b="1" i="1" dirty="0" err="1"/>
-              <a:t>commit_hash</a:t>
-            </a:r>
-            <a:r>
-              <a:rPr lang="fr-FR" altLang="fr-FR" sz="2600" b="1" i="1" dirty="0"/>
-              <a:t>] </a:t>
-            </a:r>
-          </a:p>
-          <a:p>
-            <a:pPr marL="622300" lvl="1" indent="-352425">
-              <a:lnSpc>
-                <a:spcPct val="90000"/>
-              </a:lnSpc>
-              <a:spcBef>
-                <a:spcPts val="500"/>
-              </a:spcBef>
-              <a:buFont typeface="+mj-lt"/>
-              <a:buAutoNum type="arabicPeriod" startAt="4"/>
-              <a:tabLst>
-                <a:tab pos="363538" algn="l"/>
-                <a:tab pos="623888" algn="l"/>
-              </a:tabLst>
-            </a:pPr>
-            <a:r>
-              <a:rPr lang="fr-FR" sz="2800" dirty="0" smtClean="0"/>
-              <a:t>Supprimer </a:t>
-            </a:r>
-            <a:r>
-              <a:rPr lang="fr-FR" sz="2800" dirty="0"/>
-              <a:t>une branche local</a:t>
-            </a:r>
-          </a:p>
-          <a:p>
-            <a:pPr marL="628650" lvl="1">
-              <a:buFont typeface="Arial" panose="020B0604020202020204" pitchFamily="34" charset="0"/>
-              <a:buChar char="•"/>
-              <a:tabLst>
-                <a:tab pos="457200" algn="l"/>
-                <a:tab pos="533400" algn="l"/>
-              </a:tabLst>
-            </a:pPr>
-            <a:r>
-              <a:rPr lang="fr-FR" sz="2600" dirty="0"/>
-              <a:t>git</a:t>
-            </a:r>
-            <a:r>
-              <a:rPr lang="fr-FR" sz="2400" b="1" i="1" dirty="0" smtClean="0"/>
-              <a:t> </a:t>
-            </a:r>
-            <a:r>
-              <a:rPr lang="fr-FR" sz="2400" b="1" i="1" dirty="0"/>
-              <a:t>branch –d « branch </a:t>
-            </a:r>
-            <a:r>
-              <a:rPr lang="fr-FR" sz="2400" b="1" i="1" dirty="0" err="1"/>
-              <a:t>name</a:t>
-            </a:r>
-            <a:r>
-              <a:rPr lang="fr-FR" sz="2400" b="1" i="1" dirty="0"/>
-              <a:t> </a:t>
-            </a:r>
-            <a:r>
-              <a:rPr lang="fr-FR" sz="2400" b="1" i="1" dirty="0" smtClean="0"/>
-              <a:t>»</a:t>
-            </a:r>
-          </a:p>
-          <a:p>
-            <a:pPr marL="622300" lvl="1" indent="-352425">
-              <a:lnSpc>
-                <a:spcPct val="90000"/>
-              </a:lnSpc>
-              <a:spcBef>
-                <a:spcPts val="500"/>
-              </a:spcBef>
-              <a:buFont typeface="+mj-lt"/>
-              <a:buAutoNum type="arabicPeriod" startAt="5"/>
-              <a:tabLst>
-                <a:tab pos="363538" algn="l"/>
-                <a:tab pos="623888" algn="l"/>
-              </a:tabLst>
-            </a:pPr>
-            <a:r>
-              <a:rPr lang="fr-FR" sz="2800" dirty="0"/>
-              <a:t>Switcher entre deux branches</a:t>
-            </a:r>
-          </a:p>
-          <a:p>
-            <a:pPr marL="628650" lvl="1" indent="-342900">
-              <a:buFont typeface="Arial" panose="020B0604020202020204" pitchFamily="34" charset="0"/>
-              <a:buChar char="•"/>
-              <a:tabLst>
-                <a:tab pos="457200" algn="l"/>
-                <a:tab pos="533400" algn="l"/>
-              </a:tabLst>
-            </a:pPr>
-            <a:r>
-              <a:rPr lang="fr-FR" sz="2400" b="1" i="1" dirty="0"/>
-              <a:t>git checkout «branch </a:t>
-            </a:r>
-            <a:r>
-              <a:rPr lang="fr-FR" sz="2400" b="1" i="1" dirty="0" err="1"/>
-              <a:t>name</a:t>
-            </a:r>
-            <a:r>
-              <a:rPr lang="fr-FR" sz="2400" b="1" i="1" dirty="0"/>
-              <a:t>  </a:t>
-            </a:r>
-            <a:r>
-              <a:rPr lang="fr-FR" sz="2400" b="1" i="1" dirty="0" smtClean="0"/>
-              <a:t>»</a:t>
-            </a:r>
-          </a:p>
-          <a:p>
-            <a:pPr marL="784225" lvl="1" indent="-514350">
-              <a:lnSpc>
-                <a:spcPct val="90000"/>
-              </a:lnSpc>
-              <a:spcBef>
-                <a:spcPts val="500"/>
-              </a:spcBef>
-              <a:buFont typeface="+mj-lt"/>
-              <a:buAutoNum type="arabicPeriod" startAt="6"/>
-              <a:tabLst>
-                <a:tab pos="363538" algn="l"/>
-                <a:tab pos="623888" algn="l"/>
-              </a:tabLst>
-            </a:pPr>
-            <a:r>
-              <a:rPr lang="fr-FR" sz="2800" dirty="0"/>
-              <a:t>Supprimer la référence au dépôt distant</a:t>
-            </a:r>
-          </a:p>
-          <a:p>
-            <a:pPr marL="628650" lvl="1" indent="-6350">
-              <a:buFont typeface="Arial" panose="020B0604020202020204" pitchFamily="34" charset="0"/>
-              <a:buChar char="•"/>
-              <a:tabLst>
-                <a:tab pos="457200" algn="l"/>
-                <a:tab pos="533400" algn="l"/>
-              </a:tabLst>
-            </a:pPr>
-            <a:r>
-              <a:rPr lang="fr-FR" sz="2400" b="1" i="1" dirty="0"/>
-              <a:t>git </a:t>
-            </a:r>
-            <a:r>
-              <a:rPr lang="fr-FR" sz="2400" b="1" i="1" dirty="0" err="1"/>
-              <a:t>remote</a:t>
-            </a:r>
-            <a:r>
-              <a:rPr lang="fr-FR" sz="2400" b="1" i="1" dirty="0"/>
-              <a:t> </a:t>
-            </a:r>
-            <a:r>
-              <a:rPr lang="fr-FR" sz="2400" b="1" i="1" dirty="0" err="1"/>
-              <a:t>rm</a:t>
-            </a:r>
-            <a:r>
-              <a:rPr lang="fr-FR" sz="2400" b="1" i="1" dirty="0"/>
-              <a:t> </a:t>
-            </a:r>
-            <a:r>
-              <a:rPr lang="fr-FR" sz="2400" b="1" i="1" dirty="0" err="1"/>
-              <a:t>origin</a:t>
-            </a:r>
-            <a:endParaRPr lang="fr-FR" sz="2400" b="1" i="1" dirty="0"/>
-          </a:p>
-          <a:p>
-            <a:pPr marL="628650" lvl="1">
-              <a:tabLst>
-                <a:tab pos="457200" algn="l"/>
-                <a:tab pos="533400" algn="l"/>
-              </a:tabLst>
-            </a:pPr>
-            <a:endParaRPr lang="fr-FR" sz="2400" b="1" i="1" dirty="0" smtClean="0"/>
-          </a:p>
-          <a:p>
-            <a:pPr marL="817562" lvl="1">
-              <a:tabLst>
-                <a:tab pos="363538" algn="l"/>
-                <a:tab pos="623888" algn="l"/>
-              </a:tabLst>
-            </a:pPr>
-            <a:endParaRPr lang="fr-FR" sz="2400" b="1" i="1" dirty="0"/>
-          </a:p>
-          <a:p>
-            <a:pPr marL="1160462" lvl="1" indent="-342900">
-              <a:tabLst>
-                <a:tab pos="363538" algn="l"/>
-                <a:tab pos="623888" algn="l"/>
-              </a:tabLst>
-            </a:pPr>
-            <a:endParaRPr lang="fr-FR" sz="2400" b="1" i="1" dirty="0"/>
-          </a:p>
-        </p:txBody>
-      </p:sp>
-    </p:spTree>
-    <p:extLst>
-      <p:ext uri="{BB962C8B-B14F-4D97-AF65-F5344CB8AC3E}">
-        <p14:creationId xmlns:p14="http://schemas.microsoft.com/office/powerpoint/2010/main" val="3235517478"/>
-      </p:ext>
-    </p:extLst>
-  </p:cSld>
-  <p:clrMapOvr>
-    <a:masterClrMapping/>
-  </p:clrMapOvr>
-  <p:timing>
-    <p:tnLst>
-      <p:par>
-        <p:cTn id="1" dur="indefinite" restart="never" nodeType="tmRoot"/>
-      </p:par>
-    </p:tnLst>
-  </p:timing>
-</p:sld>
-</file>
-
 <file path=ppt/slides/slide14.xml><?xml version="1.0" encoding="utf-8"?>
 <p:sld xmlns:a="http://schemas.openxmlformats.org/drawingml/2006/main" xmlns:r="http://schemas.openxmlformats.org/officeDocument/2006/relationships" xmlns:p="http://schemas.openxmlformats.org/presentationml/2006/main">
   <p:cSld>
@@ -8622,118 +8744,39 @@
       </p:grpSpPr>
       <p:sp>
         <p:nvSpPr>
-          <p:cNvPr id="3" name="Espace réservé du contenu 2"/>
-          <p:cNvSpPr>
-            <a:spLocks noGrp="1"/>
-          </p:cNvSpPr>
-          <p:nvPr>
-            <p:ph idx="1"/>
-          </p:nvPr>
+          <p:cNvPr id="5" name="Rectangle 4"/>
+          <p:cNvSpPr/>
+          <p:nvPr/>
         </p:nvSpPr>
         <p:spPr>
           <a:xfrm>
-            <a:off x="0" y="0"/>
-            <a:ext cx="11906250" cy="6705600"/>
+            <a:off x="0" y="83128"/>
+            <a:ext cx="12192000" cy="6618735"/>
           </a:xfrm>
+          <a:prstGeom prst="rect">
+            <a:avLst/>
+          </a:prstGeom>
         </p:spPr>
         <p:txBody>
-          <a:bodyPr/>
+          <a:bodyPr wrap="square">
+            <a:spAutoFit/>
+          </a:bodyPr>
           <a:lstStyle/>
           <a:p>
-            <a:pPr marL="514350" indent="-514350">
+            <a:pPr marL="571500" indent="-571500">
               <a:buFont typeface="+mj-lt"/>
-              <a:buAutoNum type="arabicPeriod"/>
-            </a:pPr>
-            <a:endParaRPr lang="fr-FR" dirty="0" smtClean="0"/>
-          </a:p>
-          <a:p>
-            <a:pPr marL="622300" lvl="1" indent="-352425">
-              <a:buFont typeface="+mj-lt"/>
-              <a:buAutoNum type="arabicPeriod" startAt="3"/>
-              <a:tabLst>
-                <a:tab pos="363538" algn="l"/>
-                <a:tab pos="623888" algn="l"/>
-              </a:tabLst>
-            </a:pPr>
-            <a:r>
-              <a:rPr lang="fr-FR" sz="2800" dirty="0"/>
-              <a:t>Uploader (pusher) les changement dans une autre branche</a:t>
-            </a:r>
-          </a:p>
-          <a:p>
-            <a:pPr indent="133350"/>
-            <a:r>
-              <a:rPr lang="fr-FR" b="1" i="1" dirty="0" smtClean="0"/>
-              <a:t>git push </a:t>
-            </a:r>
-            <a:r>
-              <a:rPr lang="fr-FR" b="1" i="1" dirty="0" err="1" smtClean="0"/>
-              <a:t>origin</a:t>
-            </a:r>
-            <a:r>
-              <a:rPr lang="fr-FR" b="1" i="1" dirty="0" smtClean="0"/>
-              <a:t> «  </a:t>
-            </a:r>
-            <a:r>
-              <a:rPr lang="fr-FR" b="1" i="1" dirty="0" err="1" smtClean="0"/>
-              <a:t>brancheName</a:t>
-            </a:r>
-            <a:r>
-              <a:rPr lang="fr-FR" b="1" i="1" dirty="0" smtClean="0"/>
-              <a:t>»,git </a:t>
-            </a:r>
-            <a:r>
-              <a:rPr lang="fr-FR" b="1" i="1" dirty="0"/>
-              <a:t>push </a:t>
-            </a:r>
-            <a:r>
-              <a:rPr lang="fr-FR" b="1" i="1" dirty="0" err="1"/>
-              <a:t>origin</a:t>
-            </a:r>
-            <a:r>
-              <a:rPr lang="fr-FR" b="1" i="1" dirty="0"/>
-              <a:t> </a:t>
-            </a:r>
-            <a:r>
-              <a:rPr lang="fr-FR" b="1" i="1" dirty="0" err="1"/>
-              <a:t>localbranche</a:t>
-            </a:r>
-            <a:r>
-              <a:rPr lang="fr-FR" b="1" i="1" dirty="0"/>
-              <a:t> :</a:t>
-            </a:r>
-            <a:r>
-              <a:rPr lang="fr-FR" b="1" i="1" dirty="0" err="1" smtClean="0"/>
-              <a:t>rembranche</a:t>
-            </a:r>
-            <a:endParaRPr lang="fr-FR" b="1" i="1" dirty="0"/>
-          </a:p>
-          <a:p>
-            <a:pPr marL="514350" indent="-249238">
-              <a:buFont typeface="+mj-lt"/>
-              <a:buAutoNum type="arabicPeriod" startAt="2"/>
-            </a:pPr>
-            <a:r>
-              <a:rPr lang="fr-FR" altLang="fr-FR" dirty="0"/>
-              <a:t>Télécharger les changement de dépôt distant dans le dépôt </a:t>
-            </a:r>
-            <a:r>
-              <a:rPr lang="fr-FR" altLang="fr-FR" dirty="0" smtClean="0"/>
-              <a:t>locale avec</a:t>
-            </a:r>
-          </a:p>
-          <a:p>
-            <a:r>
-              <a:rPr lang="fr-FR" altLang="fr-FR" sz="2600" b="1" i="1" dirty="0"/>
-              <a:t>	</a:t>
-            </a:r>
-            <a:r>
-              <a:rPr lang="fr-FR" altLang="fr-FR" b="1" i="1" dirty="0"/>
-              <a:t>git pull</a:t>
-            </a:r>
-          </a:p>
-          <a:p>
-            <a:pPr marL="514350" lvl="1" indent="-249238">
+              <a:buAutoNum type="romanUcPeriod" startAt="9"/>
+            </a:pPr>
+            <a:r>
+              <a:rPr lang="fr-FR" sz="2800" b="1" dirty="0" smtClean="0"/>
+              <a:t>Commandes sur les branches:</a:t>
+            </a:r>
+          </a:p>
+          <a:p>
+            <a:endParaRPr lang="fr-FR" sz="2800" b="1" dirty="0"/>
+          </a:p>
+          <a:p>
+            <a:pPr marL="514350" indent="-244475">
               <a:buFont typeface="+mj-lt"/>
               <a:buAutoNum type="arabicPeriod"/>
               <a:tabLst>
@@ -8742,107 +8785,306 @@
               </a:tabLst>
             </a:pPr>
             <a:r>
-              <a:rPr lang="fr-FR" altLang="fr-FR" sz="2800" dirty="0"/>
-              <a:t>Télécharger les </a:t>
-            </a:r>
-            <a:r>
-              <a:rPr lang="fr-FR" altLang="fr-FR" sz="2800" dirty="0" smtClean="0"/>
-              <a:t>changement </a:t>
-            </a:r>
-            <a:r>
-              <a:rPr lang="fr-FR" altLang="fr-FR" sz="2800" dirty="0"/>
-              <a:t>de dépôt distant dans le dépôt locale sans </a:t>
-            </a:r>
-            <a:r>
-              <a:rPr lang="fr-FR" altLang="fr-FR" sz="2800" dirty="0" smtClean="0"/>
-              <a:t>intégration de ces nouvelle données dans le repo locale(</a:t>
-            </a:r>
-            <a:r>
-              <a:rPr lang="fr-FR" altLang="fr-FR" sz="2800" dirty="0" err="1" smtClean="0"/>
-              <a:t>iniffensive</a:t>
-            </a:r>
-            <a:r>
-              <a:rPr lang="fr-FR" altLang="fr-FR" sz="2800" dirty="0" smtClean="0"/>
-              <a:t>)</a:t>
-            </a:r>
-            <a:endParaRPr lang="fr-FR" altLang="fr-FR" sz="2800" dirty="0"/>
-          </a:p>
-          <a:p>
-            <a:pPr marL="820738" lvl="1" indent="-192088">
+              <a:rPr lang="fr-FR" b="1" dirty="0"/>
+              <a:t>	</a:t>
+            </a:r>
+            <a:r>
+              <a:rPr lang="fr-FR" sz="2800" dirty="0"/>
+              <a:t>Lister les branches du projet</a:t>
+            </a:r>
+          </a:p>
+          <a:p>
+            <a:pPr marL="804863" indent="-182563">
+              <a:buFont typeface="Arial" panose="020B0604020202020204" pitchFamily="34" charset="0"/>
+              <a:buChar char="•"/>
               <a:tabLst>
-                <a:tab pos="628650" algn="l"/>
-                <a:tab pos="1163638" algn="l"/>
+                <a:tab pos="901700" algn="l"/>
               </a:tabLst>
             </a:pPr>
             <a:r>
-              <a:rPr lang="fr-FR" altLang="fr-FR" sz="2600" b="1" i="1" dirty="0"/>
-              <a:t>git </a:t>
-            </a:r>
-            <a:r>
-              <a:rPr lang="fr-FR" altLang="fr-FR" sz="2600" b="1" i="1" dirty="0" err="1" smtClean="0"/>
-              <a:t>fetch</a:t>
-            </a:r>
-            <a:endParaRPr lang="fr-FR" altLang="fr-FR" sz="2600" b="1" i="1" dirty="0" smtClean="0"/>
-          </a:p>
-          <a:p>
-            <a:pPr marL="622300" lvl="1" indent="-357188">
+              <a:rPr lang="fr-FR" sz="2600" b="1" i="1" dirty="0"/>
+              <a:t> git branch</a:t>
+            </a:r>
+          </a:p>
+          <a:p>
+            <a:pPr marL="622300" indent="-357188">
               <a:buFont typeface="+mj-lt"/>
-              <a:buAutoNum type="arabicPeriod" startAt="3"/>
+              <a:buAutoNum type="arabicPeriod" startAt="2"/>
               <a:tabLst>
                 <a:tab pos="363538" algn="l"/>
-                <a:tab pos="622300" algn="l"/>
                 <a:tab pos="623888" algn="l"/>
               </a:tabLst>
             </a:pPr>
             <a:r>
-              <a:rPr lang="fr-FR" altLang="fr-FR" sz="2800" dirty="0"/>
-              <a:t> Intégrer une autre branche à la branche locale </a:t>
-            </a:r>
-            <a:r>
-              <a:rPr lang="fr-FR" altLang="fr-FR" sz="2800" dirty="0" smtClean="0"/>
-              <a:t>courante </a:t>
-            </a:r>
-            <a:endParaRPr lang="fr-FR" altLang="fr-FR" sz="2800" dirty="0"/>
-          </a:p>
-          <a:p>
-            <a:pPr marL="800100" lvl="1" indent="-171450">
+              <a:rPr lang="fr-FR" sz="2400" dirty="0" smtClean="0"/>
+              <a:t> </a:t>
+            </a:r>
+            <a:r>
+              <a:rPr lang="fr-FR" sz="2800" dirty="0"/>
+              <a:t>Ajouter une branch</a:t>
+            </a:r>
+          </a:p>
+          <a:p>
+            <a:pPr marL="804863" lvl="1" indent="-182563">
+              <a:buFont typeface="Arial" panose="020B0604020202020204" pitchFamily="34" charset="0"/>
+              <a:buChar char="•"/>
               <a:tabLst>
+                <a:tab pos="363538" algn="l"/>
+                <a:tab pos="623888" algn="l"/>
+              </a:tabLst>
+            </a:pPr>
+            <a:r>
+              <a:rPr lang="fr-FR" sz="2600" b="1" i="1" dirty="0"/>
+              <a:t>git branch «branch </a:t>
+            </a:r>
+            <a:r>
+              <a:rPr lang="fr-FR" sz="2600" b="1" i="1" dirty="0" err="1"/>
+              <a:t>name</a:t>
+            </a:r>
+            <a:r>
+              <a:rPr lang="fr-FR" sz="2600" b="1" i="1" dirty="0"/>
+              <a:t> », git checkout –b «branch </a:t>
+            </a:r>
+            <a:r>
+              <a:rPr lang="fr-FR" sz="2600" b="1" i="1" dirty="0" err="1"/>
+              <a:t>name</a:t>
+            </a:r>
+            <a:r>
+              <a:rPr lang="fr-FR" sz="2600" b="1" i="1" dirty="0"/>
+              <a:t> » </a:t>
+            </a:r>
+            <a:r>
+              <a:rPr lang="fr-FR" sz="2600" b="1" i="1" dirty="0" smtClean="0"/>
+              <a:t>(avec </a:t>
+            </a:r>
+            <a:r>
+              <a:rPr lang="fr-FR" sz="2600" b="1" i="1" dirty="0"/>
+              <a:t>saut ),</a:t>
+            </a:r>
+          </a:p>
+          <a:p>
+            <a:pPr marL="804863" lvl="1" indent="-182563">
+              <a:buFont typeface="Arial" panose="020B0604020202020204" pitchFamily="34" charset="0"/>
+              <a:buChar char="•"/>
+              <a:tabLst>
+                <a:tab pos="363538" algn="l"/>
+                <a:tab pos="623888" algn="l"/>
+                <a:tab pos="804863" algn="l"/>
+              </a:tabLst>
+            </a:pPr>
+            <a:r>
+              <a:rPr lang="fr-FR" altLang="fr-FR" sz="2600" b="1" i="1" dirty="0"/>
+              <a:t>git checkout -b [</a:t>
+            </a:r>
+            <a:r>
+              <a:rPr lang="fr-FR" altLang="fr-FR" sz="2600" b="1" i="1" dirty="0" err="1"/>
+              <a:t>branch_name</a:t>
+            </a:r>
+            <a:r>
+              <a:rPr lang="fr-FR" altLang="fr-FR" sz="2600" b="1" i="1" dirty="0"/>
+              <a:t>] [</a:t>
+            </a:r>
+            <a:r>
+              <a:rPr lang="fr-FR" altLang="fr-FR" sz="2600" b="1" i="1" dirty="0" err="1"/>
+              <a:t>commit_hash</a:t>
+            </a:r>
+            <a:r>
+              <a:rPr lang="fr-FR" altLang="fr-FR" sz="2600" b="1" i="1" dirty="0"/>
+              <a:t>] </a:t>
+            </a:r>
+          </a:p>
+          <a:p>
+            <a:pPr marL="622300" lvl="1" indent="-352425">
+              <a:lnSpc>
+                <a:spcPct val="90000"/>
+              </a:lnSpc>
+              <a:spcBef>
+                <a:spcPts val="500"/>
+              </a:spcBef>
+              <a:buFont typeface="+mj-lt"/>
+              <a:buAutoNum type="arabicPeriod" startAt="4"/>
+              <a:tabLst>
+                <a:tab pos="363538" algn="l"/>
+                <a:tab pos="623888" algn="l"/>
+              </a:tabLst>
+            </a:pPr>
+            <a:r>
+              <a:rPr lang="fr-FR" sz="2800" dirty="0" smtClean="0"/>
+              <a:t>Supprimer </a:t>
+            </a:r>
+            <a:r>
+              <a:rPr lang="fr-FR" sz="2800" dirty="0"/>
+              <a:t>une branche local</a:t>
+            </a:r>
+          </a:p>
+          <a:p>
+            <a:pPr marL="628650" lvl="1">
+              <a:buFont typeface="Arial" panose="020B0604020202020204" pitchFamily="34" charset="0"/>
+              <a:buChar char="•"/>
+              <a:tabLst>
+                <a:tab pos="457200" algn="l"/>
                 <a:tab pos="533400" algn="l"/>
+              </a:tabLst>
+            </a:pPr>
+            <a:r>
+              <a:rPr lang="fr-FR" sz="2600" dirty="0"/>
+              <a:t>git</a:t>
+            </a:r>
+            <a:r>
+              <a:rPr lang="fr-FR" sz="2400" b="1" i="1" dirty="0" smtClean="0"/>
+              <a:t> </a:t>
+            </a:r>
+            <a:r>
+              <a:rPr lang="fr-FR" sz="2400" b="1" i="1" dirty="0"/>
+              <a:t>branch –d « branch </a:t>
+            </a:r>
+            <a:r>
+              <a:rPr lang="fr-FR" sz="2400" b="1" i="1" dirty="0" err="1"/>
+              <a:t>name</a:t>
+            </a:r>
+            <a:r>
+              <a:rPr lang="fr-FR" sz="2400" b="1" i="1" dirty="0"/>
+              <a:t> </a:t>
+            </a:r>
+            <a:r>
+              <a:rPr lang="fr-FR" sz="2400" b="1" i="1" dirty="0" smtClean="0"/>
+              <a:t>»</a:t>
+            </a:r>
+          </a:p>
+          <a:p>
+            <a:pPr marL="622300" lvl="1" indent="-352425">
+              <a:lnSpc>
+                <a:spcPct val="90000"/>
+              </a:lnSpc>
+              <a:spcBef>
+                <a:spcPts val="500"/>
+              </a:spcBef>
+              <a:buFont typeface="+mj-lt"/>
+              <a:buAutoNum type="arabicPeriod" startAt="5"/>
+              <a:tabLst>
+                <a:tab pos="363538" algn="l"/>
                 <a:tab pos="623888" algn="l"/>
-                <a:tab pos="800100" algn="l"/>
               </a:tabLst>
             </a:pPr>
             <a:r>
-              <a:rPr lang="fr-FR" sz="2000" b="1" i="1" dirty="0"/>
-              <a:t>git merge </a:t>
-            </a:r>
-            <a:r>
-              <a:rPr lang="fr-FR" sz="2000" b="1" i="1" dirty="0" smtClean="0"/>
-              <a:t>branch</a:t>
-            </a:r>
-          </a:p>
-          <a:p>
-            <a:pPr marL="820738" lvl="1" indent="-192088">
+              <a:rPr lang="fr-FR" sz="2800" dirty="0"/>
+              <a:t>Switcher entre deux branches</a:t>
+            </a:r>
+          </a:p>
+          <a:p>
+            <a:pPr marL="628650" lvl="1" indent="-342900">
+              <a:buFont typeface="Arial" panose="020B0604020202020204" pitchFamily="34" charset="0"/>
+              <a:buChar char="•"/>
               <a:tabLst>
-                <a:tab pos="628650" algn="l"/>
-                <a:tab pos="1163638" algn="l"/>
+                <a:tab pos="457200" algn="l"/>
+                <a:tab pos="533400" algn="l"/>
               </a:tabLst>
             </a:pPr>
-            <a:endParaRPr lang="fr-FR" altLang="fr-FR" sz="2600" dirty="0"/>
-          </a:p>
-          <a:p>
-            <a:pPr marL="514350" indent="-514350">
+            <a:r>
+              <a:rPr lang="fr-FR" sz="2400" b="1" i="1" dirty="0"/>
+              <a:t>git checkout «branch </a:t>
+            </a:r>
+            <a:r>
+              <a:rPr lang="fr-FR" sz="2400" b="1" i="1" dirty="0" err="1"/>
+              <a:t>name</a:t>
+            </a:r>
+            <a:r>
+              <a:rPr lang="fr-FR" sz="2400" b="1" i="1" dirty="0"/>
+              <a:t>  </a:t>
+            </a:r>
+            <a:r>
+              <a:rPr lang="fr-FR" sz="2400" b="1" i="1" dirty="0" smtClean="0"/>
+              <a:t>»</a:t>
+            </a:r>
+          </a:p>
+          <a:p>
+            <a:pPr marL="784225" lvl="1" indent="-514350">
+              <a:lnSpc>
+                <a:spcPct val="90000"/>
+              </a:lnSpc>
+              <a:spcBef>
+                <a:spcPts val="500"/>
+              </a:spcBef>
               <a:buFont typeface="+mj-lt"/>
-              <a:buAutoNum type="arabicPeriod" startAt="2"/>
-            </a:pPr>
-            <a:endParaRPr lang="fr-FR" dirty="0"/>
+              <a:buAutoNum type="arabicPeriod" startAt="6"/>
+              <a:tabLst>
+                <a:tab pos="363538" algn="l"/>
+                <a:tab pos="623888" algn="l"/>
+              </a:tabLst>
+            </a:pPr>
+            <a:r>
+              <a:rPr lang="fr-FR" sz="2800" dirty="0"/>
+              <a:t>Supprimer la référence au dépôt distant</a:t>
+            </a:r>
+          </a:p>
+          <a:p>
+            <a:pPr marL="628650" lvl="1" indent="-6350">
+              <a:buFont typeface="Arial" panose="020B0604020202020204" pitchFamily="34" charset="0"/>
+              <a:buChar char="•"/>
+              <a:tabLst>
+                <a:tab pos="457200" algn="l"/>
+                <a:tab pos="533400" algn="l"/>
+              </a:tabLst>
+            </a:pPr>
+            <a:r>
+              <a:rPr lang="fr-FR" sz="2400" b="1" i="1" dirty="0"/>
+              <a:t>git </a:t>
+            </a:r>
+            <a:r>
+              <a:rPr lang="fr-FR" sz="2400" b="1" i="1" dirty="0" err="1"/>
+              <a:t>remote</a:t>
+            </a:r>
+            <a:r>
+              <a:rPr lang="fr-FR" sz="2400" b="1" i="1" dirty="0"/>
+              <a:t> </a:t>
+            </a:r>
+            <a:r>
+              <a:rPr lang="fr-FR" sz="2400" b="1" i="1" dirty="0" err="1"/>
+              <a:t>rm</a:t>
+            </a:r>
+            <a:r>
+              <a:rPr lang="fr-FR" sz="2400" b="1" i="1" dirty="0"/>
+              <a:t> </a:t>
+            </a:r>
+            <a:r>
+              <a:rPr lang="fr-FR" sz="2400" b="1" i="1" dirty="0" err="1"/>
+              <a:t>origin</a:t>
+            </a:r>
+            <a:endParaRPr lang="fr-FR" sz="2400" b="1" i="1" dirty="0"/>
+          </a:p>
+          <a:p>
+            <a:pPr marL="628650" lvl="1">
+              <a:tabLst>
+                <a:tab pos="457200" algn="l"/>
+                <a:tab pos="533400" algn="l"/>
+              </a:tabLst>
+            </a:pPr>
+            <a:endParaRPr lang="fr-FR" sz="2400" b="1" i="1" dirty="0" smtClean="0"/>
+          </a:p>
+          <a:p>
+            <a:pPr marL="817562" lvl="1">
+              <a:tabLst>
+                <a:tab pos="363538" algn="l"/>
+                <a:tab pos="623888" algn="l"/>
+              </a:tabLst>
+            </a:pPr>
+            <a:endParaRPr lang="fr-FR" sz="2400" b="1" i="1" dirty="0"/>
+          </a:p>
+          <a:p>
+            <a:pPr marL="1160462" lvl="1" indent="-342900">
+              <a:tabLst>
+                <a:tab pos="363538" algn="l"/>
+                <a:tab pos="623888" algn="l"/>
+              </a:tabLst>
+            </a:pPr>
+            <a:endParaRPr lang="fr-FR" sz="2400" b="1" i="1" dirty="0"/>
           </a:p>
         </p:txBody>
       </p:sp>
     </p:spTree>
     <p:extLst>
       <p:ext uri="{BB962C8B-B14F-4D97-AF65-F5344CB8AC3E}">
-        <p14:creationId xmlns:p14="http://schemas.microsoft.com/office/powerpoint/2010/main" val="964864392"/>
+        <p14:creationId xmlns:p14="http://schemas.microsoft.com/office/powerpoint/2010/main" val="3235517478"/>
       </p:ext>
     </p:extLst>
   </p:cSld>
@@ -8878,6 +9120,262 @@
       </p:grpSpPr>
       <p:sp>
         <p:nvSpPr>
+          <p:cNvPr id="3" name="Espace réservé du contenu 2"/>
+          <p:cNvSpPr>
+            <a:spLocks noGrp="1"/>
+          </p:cNvSpPr>
+          <p:nvPr>
+            <p:ph idx="1"/>
+          </p:nvPr>
+        </p:nvSpPr>
+        <p:spPr>
+          <a:xfrm>
+            <a:off x="0" y="0"/>
+            <a:ext cx="11906250" cy="6705600"/>
+          </a:xfrm>
+        </p:spPr>
+        <p:txBody>
+          <a:bodyPr/>
+          <a:lstStyle/>
+          <a:p>
+            <a:pPr marL="514350" indent="-514350">
+              <a:buFont typeface="+mj-lt"/>
+              <a:buAutoNum type="arabicPeriod"/>
+            </a:pPr>
+            <a:endParaRPr lang="fr-FR" dirty="0" smtClean="0"/>
+          </a:p>
+          <a:p>
+            <a:pPr marL="622300" lvl="1" indent="-352425">
+              <a:buFont typeface="+mj-lt"/>
+              <a:buAutoNum type="arabicPeriod" startAt="3"/>
+              <a:tabLst>
+                <a:tab pos="363538" algn="l"/>
+                <a:tab pos="623888" algn="l"/>
+              </a:tabLst>
+            </a:pPr>
+            <a:r>
+              <a:rPr lang="fr-FR" sz="2800" dirty="0"/>
+              <a:t>Uploader (pusher) les changement dans une autre branche</a:t>
+            </a:r>
+          </a:p>
+          <a:p>
+            <a:pPr indent="133350"/>
+            <a:r>
+              <a:rPr lang="fr-FR" b="1" i="1" dirty="0" smtClean="0"/>
+              <a:t>git push </a:t>
+            </a:r>
+            <a:r>
+              <a:rPr lang="fr-FR" b="1" i="1" dirty="0" err="1" smtClean="0"/>
+              <a:t>origin</a:t>
+            </a:r>
+            <a:r>
+              <a:rPr lang="fr-FR" b="1" i="1" dirty="0" smtClean="0"/>
+              <a:t> «  </a:t>
+            </a:r>
+            <a:r>
+              <a:rPr lang="fr-FR" b="1" i="1" dirty="0" err="1" smtClean="0"/>
+              <a:t>brancheName</a:t>
+            </a:r>
+            <a:r>
+              <a:rPr lang="fr-FR" b="1" i="1" dirty="0" smtClean="0"/>
+              <a:t>»,git </a:t>
+            </a:r>
+            <a:r>
+              <a:rPr lang="fr-FR" b="1" i="1" dirty="0"/>
+              <a:t>push </a:t>
+            </a:r>
+            <a:r>
+              <a:rPr lang="fr-FR" b="1" i="1" dirty="0" err="1"/>
+              <a:t>origin</a:t>
+            </a:r>
+            <a:r>
+              <a:rPr lang="fr-FR" b="1" i="1" dirty="0"/>
+              <a:t> </a:t>
+            </a:r>
+            <a:r>
+              <a:rPr lang="fr-FR" b="1" i="1" dirty="0" err="1"/>
+              <a:t>localbranche</a:t>
+            </a:r>
+            <a:r>
+              <a:rPr lang="fr-FR" b="1" i="1" dirty="0"/>
+              <a:t> :</a:t>
+            </a:r>
+            <a:r>
+              <a:rPr lang="fr-FR" b="1" i="1" dirty="0" err="1" smtClean="0"/>
+              <a:t>rembranche</a:t>
+            </a:r>
+            <a:endParaRPr lang="fr-FR" b="1" i="1" dirty="0"/>
+          </a:p>
+          <a:p>
+            <a:pPr marL="514350" indent="-249238">
+              <a:buFont typeface="+mj-lt"/>
+              <a:buAutoNum type="arabicPeriod" startAt="2"/>
+            </a:pPr>
+            <a:r>
+              <a:rPr lang="fr-FR" altLang="fr-FR" dirty="0"/>
+              <a:t>Télécharger les changement de dépôt distant dans le dépôt </a:t>
+            </a:r>
+            <a:r>
+              <a:rPr lang="fr-FR" altLang="fr-FR" dirty="0" smtClean="0"/>
+              <a:t>locale avec</a:t>
+            </a:r>
+          </a:p>
+          <a:p>
+            <a:r>
+              <a:rPr lang="fr-FR" altLang="fr-FR" sz="2600" b="1" i="1" dirty="0"/>
+              <a:t>	</a:t>
+            </a:r>
+            <a:r>
+              <a:rPr lang="fr-FR" altLang="fr-FR" b="1" i="1" dirty="0"/>
+              <a:t>git pull</a:t>
+            </a:r>
+          </a:p>
+          <a:p>
+            <a:pPr marL="514350" lvl="1" indent="-249238">
+              <a:buFont typeface="+mj-lt"/>
+              <a:buAutoNum type="arabicPeriod"/>
+              <a:tabLst>
+                <a:tab pos="363538" algn="l"/>
+                <a:tab pos="623888" algn="l"/>
+              </a:tabLst>
+            </a:pPr>
+            <a:r>
+              <a:rPr lang="fr-FR" altLang="fr-FR" sz="2800" dirty="0"/>
+              <a:t>Télécharger les </a:t>
+            </a:r>
+            <a:r>
+              <a:rPr lang="fr-FR" altLang="fr-FR" sz="2800" dirty="0" smtClean="0"/>
+              <a:t>changement </a:t>
+            </a:r>
+            <a:r>
+              <a:rPr lang="fr-FR" altLang="fr-FR" sz="2800" dirty="0"/>
+              <a:t>de dépôt distant dans le dépôt locale sans </a:t>
+            </a:r>
+            <a:r>
+              <a:rPr lang="fr-FR" altLang="fr-FR" sz="2800" dirty="0" smtClean="0"/>
+              <a:t>intégration de ces nouvelle données dans le repo locale(</a:t>
+            </a:r>
+            <a:r>
+              <a:rPr lang="fr-FR" altLang="fr-FR" sz="2800" dirty="0" err="1" smtClean="0"/>
+              <a:t>iniffensive</a:t>
+            </a:r>
+            <a:r>
+              <a:rPr lang="fr-FR" altLang="fr-FR" sz="2800" dirty="0" smtClean="0"/>
+              <a:t>)</a:t>
+            </a:r>
+            <a:endParaRPr lang="fr-FR" altLang="fr-FR" sz="2800" dirty="0"/>
+          </a:p>
+          <a:p>
+            <a:pPr marL="820738" lvl="1" indent="-192088">
+              <a:tabLst>
+                <a:tab pos="628650" algn="l"/>
+                <a:tab pos="1163638" algn="l"/>
+              </a:tabLst>
+            </a:pPr>
+            <a:r>
+              <a:rPr lang="fr-FR" altLang="fr-FR" sz="2600" b="1" i="1" dirty="0"/>
+              <a:t>git </a:t>
+            </a:r>
+            <a:r>
+              <a:rPr lang="fr-FR" altLang="fr-FR" sz="2600" b="1" i="1" dirty="0" err="1" smtClean="0"/>
+              <a:t>fetch</a:t>
+            </a:r>
+            <a:endParaRPr lang="fr-FR" altLang="fr-FR" sz="2600" b="1" i="1" dirty="0" smtClean="0"/>
+          </a:p>
+          <a:p>
+            <a:pPr marL="622300" lvl="1" indent="-357188">
+              <a:buFont typeface="+mj-lt"/>
+              <a:buAutoNum type="arabicPeriod" startAt="3"/>
+              <a:tabLst>
+                <a:tab pos="363538" algn="l"/>
+                <a:tab pos="622300" algn="l"/>
+                <a:tab pos="623888" algn="l"/>
+              </a:tabLst>
+            </a:pPr>
+            <a:r>
+              <a:rPr lang="fr-FR" altLang="fr-FR" sz="2800" dirty="0"/>
+              <a:t> Intégrer une autre branche à la branche locale </a:t>
+            </a:r>
+            <a:r>
+              <a:rPr lang="fr-FR" altLang="fr-FR" sz="2800" dirty="0" smtClean="0"/>
+              <a:t>courante </a:t>
+            </a:r>
+            <a:endParaRPr lang="fr-FR" altLang="fr-FR" sz="2800" dirty="0"/>
+          </a:p>
+          <a:p>
+            <a:pPr marL="800100" lvl="1" indent="-171450">
+              <a:tabLst>
+                <a:tab pos="533400" algn="l"/>
+                <a:tab pos="623888" algn="l"/>
+                <a:tab pos="800100" algn="l"/>
+              </a:tabLst>
+            </a:pPr>
+            <a:r>
+              <a:rPr lang="fr-FR" sz="2000" b="1" i="1" dirty="0"/>
+              <a:t>git merge </a:t>
+            </a:r>
+            <a:r>
+              <a:rPr lang="fr-FR" sz="2000" b="1" i="1" dirty="0" smtClean="0"/>
+              <a:t>branch</a:t>
+            </a:r>
+          </a:p>
+          <a:p>
+            <a:pPr marL="820738" lvl="1" indent="-192088">
+              <a:tabLst>
+                <a:tab pos="628650" algn="l"/>
+                <a:tab pos="1163638" algn="l"/>
+              </a:tabLst>
+            </a:pPr>
+            <a:endParaRPr lang="fr-FR" altLang="fr-FR" sz="2600" dirty="0"/>
+          </a:p>
+          <a:p>
+            <a:pPr marL="514350" indent="-514350">
+              <a:buFont typeface="+mj-lt"/>
+              <a:buAutoNum type="arabicPeriod" startAt="2"/>
+            </a:pPr>
+            <a:endParaRPr lang="fr-FR" dirty="0"/>
+          </a:p>
+        </p:txBody>
+      </p:sp>
+    </p:spTree>
+    <p:extLst>
+      <p:ext uri="{BB962C8B-B14F-4D97-AF65-F5344CB8AC3E}">
+        <p14:creationId xmlns:p14="http://schemas.microsoft.com/office/powerpoint/2010/main" val="964864392"/>
+      </p:ext>
+    </p:extLst>
+  </p:cSld>
+  <p:clrMapOvr>
+    <a:masterClrMapping/>
+  </p:clrMapOvr>
+  <p:timing>
+    <p:tnLst>
+      <p:par>
+        <p:cTn id="1" dur="indefinite" restart="never" nodeType="tmRoot"/>
+      </p:par>
+    </p:tnLst>
+  </p:timing>
+</p:sld>
+</file>
+
+<file path=ppt/slides/slide16.xml><?xml version="1.0" encoding="utf-8"?>
+<p:sld xmlns:a="http://schemas.openxmlformats.org/drawingml/2006/main" xmlns:r="http://schemas.openxmlformats.org/officeDocument/2006/relationships" xmlns:p="http://schemas.openxmlformats.org/presentationml/2006/main">
+  <p:cSld>
+    <p:spTree>
+      <p:nvGrpSpPr>
+        <p:cNvPr id="1" name=""/>
+        <p:cNvGrpSpPr/>
+        <p:nvPr/>
+      </p:nvGrpSpPr>
+      <p:grpSpPr>
+        <a:xfrm>
+          <a:off x="0" y="0"/>
+          <a:ext cx="0" cy="0"/>
+          <a:chOff x="0" y="0"/>
+          <a:chExt cx="0" cy="0"/>
+        </a:xfrm>
+      </p:grpSpPr>
+      <p:sp>
+        <p:nvSpPr>
           <p:cNvPr id="4" name="Titre 1"/>
           <p:cNvSpPr txBox="1">
             <a:spLocks/>
@@ -9046,7 +9544,7 @@
 </p:sld>
 </file>
 
-<file path=ppt/slides/slide16.xml><?xml version="1.0" encoding="utf-8"?>
+<file path=ppt/slides/slide17.xml><?xml version="1.0" encoding="utf-8"?>
 <p:sld xmlns:a="http://schemas.openxmlformats.org/drawingml/2006/main" xmlns:r="http://schemas.openxmlformats.org/officeDocument/2006/relationships" xmlns:p="http://schemas.openxmlformats.org/presentationml/2006/main">
   <p:cSld>
     <p:spTree>
@@ -9368,7 +9866,7 @@
 </p:sld>
 </file>
 
-<file path=ppt/slides/slide17.xml><?xml version="1.0" encoding="utf-8"?>
+<file path=ppt/slides/slide18.xml><?xml version="1.0" encoding="utf-8"?>
 <p:sld xmlns:a="http://schemas.openxmlformats.org/drawingml/2006/main" xmlns:r="http://schemas.openxmlformats.org/officeDocument/2006/relationships" xmlns:p="http://schemas.openxmlformats.org/presentationml/2006/main">
   <p:cSld>
     <p:spTree>
@@ -9552,7 +10050,7 @@
 </p:sld>
 </file>
 
-<file path=ppt/slides/slide18.xml><?xml version="1.0" encoding="utf-8"?>
+<file path=ppt/slides/slide19.xml><?xml version="1.0" encoding="utf-8"?>
 <p:sld xmlns:a="http://schemas.openxmlformats.org/drawingml/2006/main" xmlns:r="http://schemas.openxmlformats.org/officeDocument/2006/relationships" xmlns:p="http://schemas.openxmlformats.org/presentationml/2006/main">
   <p:cSld>
     <p:spTree>
@@ -9758,168 +10256,6 @@
 </p:sld>
 </file>
 
-<file path=ppt/slides/slide19.xml><?xml version="1.0" encoding="utf-8"?>
-<p:sld xmlns:a="http://schemas.openxmlformats.org/drawingml/2006/main" xmlns:r="http://schemas.openxmlformats.org/officeDocument/2006/relationships" xmlns:p="http://schemas.openxmlformats.org/presentationml/2006/main">
-  <p:cSld>
-    <p:spTree>
-      <p:nvGrpSpPr>
-        <p:cNvPr id="1" name=""/>
-        <p:cNvGrpSpPr/>
-        <p:nvPr/>
-      </p:nvGrpSpPr>
-      <p:grpSpPr>
-        <a:xfrm>
-          <a:off x="0" y="0"/>
-          <a:ext cx="0" cy="0"/>
-          <a:chOff x="0" y="0"/>
-          <a:chExt cx="0" cy="0"/>
-        </a:xfrm>
-      </p:grpSpPr>
-      <p:sp>
-        <p:nvSpPr>
-          <p:cNvPr id="2" name="Titre 1"/>
-          <p:cNvSpPr>
-            <a:spLocks noGrp="1"/>
-          </p:cNvSpPr>
-          <p:nvPr>
-            <p:ph type="title"/>
-          </p:nvPr>
-        </p:nvSpPr>
-        <p:spPr>
-          <a:xfrm>
-            <a:off x="1161221" y="-1"/>
-            <a:ext cx="10267122" cy="954156"/>
-          </a:xfrm>
-        </p:spPr>
-        <p:txBody>
-          <a:bodyPr/>
-          <a:lstStyle/>
-          <a:p>
-            <a:r>
-              <a:rPr lang="fr-FR" b="1" dirty="0" smtClean="0"/>
-              <a:t>Collaboration est model de développement</a:t>
-            </a:r>
-            <a:endParaRPr lang="fr-FR" b="1" dirty="0"/>
-          </a:p>
-        </p:txBody>
-      </p:sp>
-      <p:sp>
-        <p:nvSpPr>
-          <p:cNvPr id="3" name="Espace réservé du contenu 2"/>
-          <p:cNvSpPr>
-            <a:spLocks noGrp="1"/>
-          </p:cNvSpPr>
-          <p:nvPr>
-            <p:ph idx="1"/>
-          </p:nvPr>
-        </p:nvSpPr>
-        <p:spPr>
-          <a:xfrm>
-            <a:off x="1" y="954156"/>
-            <a:ext cx="12192000" cy="4679468"/>
-          </a:xfrm>
-        </p:spPr>
-        <p:txBody>
-          <a:bodyPr>
-            <a:normAutofit lnSpcReduction="10000"/>
-          </a:bodyPr>
-          <a:lstStyle/>
-          <a:p>
-            <a:pPr marL="0" indent="0">
-              <a:buNone/>
-            </a:pPr>
-            <a:r>
-              <a:rPr lang="fr-FR" b="1" dirty="0" smtClean="0"/>
-              <a:t>La Requête Pull (pull request):</a:t>
-            </a:r>
-          </a:p>
-          <a:p>
-            <a:pPr marL="0" indent="0">
-              <a:buNone/>
-            </a:pPr>
-            <a:r>
-              <a:rPr lang="fr-FR" dirty="0" smtClean="0"/>
-              <a:t>	La manière d’utilisé les requêtes pull dépend de modèle de développement utilisé dans le projet</a:t>
-            </a:r>
-          </a:p>
-          <a:p>
-            <a:pPr marL="514350" indent="-514350">
-              <a:buFont typeface="+mj-lt"/>
-              <a:buAutoNum type="arabicPeriod"/>
-            </a:pPr>
-            <a:r>
-              <a:rPr lang="fr-FR" b="1" dirty="0" smtClean="0"/>
-              <a:t>Bifurquer le dépôt (fork): </a:t>
-            </a:r>
-            <a:r>
-              <a:rPr lang="fr-FR" dirty="0" smtClean="0"/>
-              <a:t>le collaborateur bifurque </a:t>
-            </a:r>
-            <a:r>
-              <a:rPr lang="fr-FR" dirty="0"/>
-              <a:t>un dépôt  </a:t>
-            </a:r>
-            <a:r>
-              <a:rPr lang="fr-FR" dirty="0" smtClean="0"/>
-              <a:t>existant et fait des PUSHs à son dépôt personnel(sans permission).les changement peuvent être intégré au dépôt source que par le mainteneur de projet(populaire en projet open source).les requêtes pull est utilisé pour informe le </a:t>
-            </a:r>
-            <a:r>
-              <a:rPr lang="fr-FR" dirty="0"/>
-              <a:t>mainteneur </a:t>
-            </a:r>
-            <a:r>
-              <a:rPr lang="fr-FR" dirty="0" smtClean="0"/>
-              <a:t>des changement des changements (à mergé si des changements significatif). </a:t>
-            </a:r>
-          </a:p>
-          <a:p>
-            <a:pPr marL="514350" indent="-514350">
-              <a:buFont typeface="+mj-lt"/>
-              <a:buAutoNum type="arabicPeriod" startAt="2"/>
-            </a:pPr>
-            <a:r>
-              <a:rPr lang="fr-FR" b="1" dirty="0"/>
-              <a:t>Dépôt </a:t>
-            </a:r>
-            <a:r>
-              <a:rPr lang="fr-FR" b="1" dirty="0" smtClean="0"/>
-              <a:t>partagé:</a:t>
-            </a:r>
-            <a:r>
-              <a:rPr lang="fr-FR" dirty="0" smtClean="0"/>
-              <a:t>	les collaborateurs on un accès à un dépôt partagé. Les requêtes pull sont utiles puisque elles  inities la revue de code avant que les changements soit mergé dans la branches principale de </a:t>
-            </a:r>
-            <a:r>
-              <a:rPr lang="fr-FR" dirty="0" err="1" smtClean="0"/>
-              <a:t>développement.utilisé</a:t>
-            </a:r>
-            <a:r>
-              <a:rPr lang="fr-FR" dirty="0" smtClean="0"/>
-              <a:t> dans les petites équipes et organisations et collabore sur des projets privés.</a:t>
-            </a:r>
-            <a:endParaRPr lang="fr-FR" dirty="0"/>
-          </a:p>
-          <a:p>
-            <a:pPr marL="0" indent="0">
-              <a:buNone/>
-            </a:pPr>
-            <a:endParaRPr lang="fr-FR" b="1" dirty="0"/>
-          </a:p>
-        </p:txBody>
-      </p:sp>
-    </p:spTree>
-    <p:extLst>
-      <p:ext uri="{BB962C8B-B14F-4D97-AF65-F5344CB8AC3E}">
-        <p14:creationId xmlns:p14="http://schemas.microsoft.com/office/powerpoint/2010/main" val="156296265"/>
-      </p:ext>
-    </p:extLst>
-  </p:cSld>
-  <p:clrMapOvr>
-    <a:masterClrMapping/>
-  </p:clrMapOvr>
-</p:sld>
-</file>
-
 <file path=ppt/slides/slide2.xml><?xml version="1.0" encoding="utf-8"?>
 <p:sld xmlns:a="http://schemas.openxmlformats.org/drawingml/2006/main" xmlns:r="http://schemas.openxmlformats.org/officeDocument/2006/relationships" xmlns:p="http://schemas.openxmlformats.org/presentationml/2006/main">
   <p:cSld>
@@ -10111,6 +10447,168 @@
 </file>
 
 <file path=ppt/slides/slide20.xml><?xml version="1.0" encoding="utf-8"?>
+<p:sld xmlns:a="http://schemas.openxmlformats.org/drawingml/2006/main" xmlns:r="http://schemas.openxmlformats.org/officeDocument/2006/relationships" xmlns:p="http://schemas.openxmlformats.org/presentationml/2006/main">
+  <p:cSld>
+    <p:spTree>
+      <p:nvGrpSpPr>
+        <p:cNvPr id="1" name=""/>
+        <p:cNvGrpSpPr/>
+        <p:nvPr/>
+      </p:nvGrpSpPr>
+      <p:grpSpPr>
+        <a:xfrm>
+          <a:off x="0" y="0"/>
+          <a:ext cx="0" cy="0"/>
+          <a:chOff x="0" y="0"/>
+          <a:chExt cx="0" cy="0"/>
+        </a:xfrm>
+      </p:grpSpPr>
+      <p:sp>
+        <p:nvSpPr>
+          <p:cNvPr id="2" name="Titre 1"/>
+          <p:cNvSpPr>
+            <a:spLocks noGrp="1"/>
+          </p:cNvSpPr>
+          <p:nvPr>
+            <p:ph type="title"/>
+          </p:nvPr>
+        </p:nvSpPr>
+        <p:spPr>
+          <a:xfrm>
+            <a:off x="1161221" y="-1"/>
+            <a:ext cx="10267122" cy="954156"/>
+          </a:xfrm>
+        </p:spPr>
+        <p:txBody>
+          <a:bodyPr/>
+          <a:lstStyle/>
+          <a:p>
+            <a:r>
+              <a:rPr lang="fr-FR" b="1" dirty="0" smtClean="0"/>
+              <a:t>Collaboration est model de développement</a:t>
+            </a:r>
+            <a:endParaRPr lang="fr-FR" b="1" dirty="0"/>
+          </a:p>
+        </p:txBody>
+      </p:sp>
+      <p:sp>
+        <p:nvSpPr>
+          <p:cNvPr id="3" name="Espace réservé du contenu 2"/>
+          <p:cNvSpPr>
+            <a:spLocks noGrp="1"/>
+          </p:cNvSpPr>
+          <p:nvPr>
+            <p:ph idx="1"/>
+          </p:nvPr>
+        </p:nvSpPr>
+        <p:spPr>
+          <a:xfrm>
+            <a:off x="1" y="954156"/>
+            <a:ext cx="12192000" cy="4679468"/>
+          </a:xfrm>
+        </p:spPr>
+        <p:txBody>
+          <a:bodyPr>
+            <a:normAutofit lnSpcReduction="10000"/>
+          </a:bodyPr>
+          <a:lstStyle/>
+          <a:p>
+            <a:pPr marL="0" indent="0">
+              <a:buNone/>
+            </a:pPr>
+            <a:r>
+              <a:rPr lang="fr-FR" b="1" dirty="0" smtClean="0"/>
+              <a:t>La Requête Pull (pull request):</a:t>
+            </a:r>
+          </a:p>
+          <a:p>
+            <a:pPr marL="0" indent="0">
+              <a:buNone/>
+            </a:pPr>
+            <a:r>
+              <a:rPr lang="fr-FR" dirty="0" smtClean="0"/>
+              <a:t>	La manière d’utilisé les requêtes pull dépend de modèle de développement utilisé dans le projet</a:t>
+            </a:r>
+          </a:p>
+          <a:p>
+            <a:pPr marL="514350" indent="-514350">
+              <a:buFont typeface="+mj-lt"/>
+              <a:buAutoNum type="arabicPeriod"/>
+            </a:pPr>
+            <a:r>
+              <a:rPr lang="fr-FR" b="1" dirty="0" smtClean="0"/>
+              <a:t>Bifurquer le dépôt (fork): </a:t>
+            </a:r>
+            <a:r>
+              <a:rPr lang="fr-FR" dirty="0" smtClean="0"/>
+              <a:t>le collaborateur bifurque </a:t>
+            </a:r>
+            <a:r>
+              <a:rPr lang="fr-FR" dirty="0"/>
+              <a:t>un dépôt  </a:t>
+            </a:r>
+            <a:r>
+              <a:rPr lang="fr-FR" dirty="0" smtClean="0"/>
+              <a:t>existant et fait des PUSHs à son dépôt personnel(sans permission).les changement peuvent être intégré au dépôt source que par le mainteneur de projet(populaire en projet open source).les requêtes pull est utilisé pour informe le </a:t>
+            </a:r>
+            <a:r>
+              <a:rPr lang="fr-FR" dirty="0"/>
+              <a:t>mainteneur </a:t>
+            </a:r>
+            <a:r>
+              <a:rPr lang="fr-FR" dirty="0" smtClean="0"/>
+              <a:t>des changement des changements (à mergé si des changements significatif). </a:t>
+            </a:r>
+          </a:p>
+          <a:p>
+            <a:pPr marL="514350" indent="-514350">
+              <a:buFont typeface="+mj-lt"/>
+              <a:buAutoNum type="arabicPeriod" startAt="2"/>
+            </a:pPr>
+            <a:r>
+              <a:rPr lang="fr-FR" b="1" dirty="0"/>
+              <a:t>Dépôt </a:t>
+            </a:r>
+            <a:r>
+              <a:rPr lang="fr-FR" b="1" dirty="0" smtClean="0"/>
+              <a:t>partagé:</a:t>
+            </a:r>
+            <a:r>
+              <a:rPr lang="fr-FR" dirty="0" smtClean="0"/>
+              <a:t>	les collaborateurs on un accès à un dépôt partagé. Les requêtes pull sont utiles puisque elles  inities la revue de code avant que les changements soit mergé dans la branches principale de </a:t>
+            </a:r>
+            <a:r>
+              <a:rPr lang="fr-FR" dirty="0" err="1" smtClean="0"/>
+              <a:t>développement.utilisé</a:t>
+            </a:r>
+            <a:r>
+              <a:rPr lang="fr-FR" dirty="0" smtClean="0"/>
+              <a:t> dans les petites équipes et organisations et collabore sur des projets privés.</a:t>
+            </a:r>
+            <a:endParaRPr lang="fr-FR" dirty="0"/>
+          </a:p>
+          <a:p>
+            <a:pPr marL="0" indent="0">
+              <a:buNone/>
+            </a:pPr>
+            <a:endParaRPr lang="fr-FR" b="1" dirty="0"/>
+          </a:p>
+        </p:txBody>
+      </p:sp>
+    </p:spTree>
+    <p:extLst>
+      <p:ext uri="{BB962C8B-B14F-4D97-AF65-F5344CB8AC3E}">
+        <p14:creationId xmlns:p14="http://schemas.microsoft.com/office/powerpoint/2010/main" val="156296265"/>
+      </p:ext>
+    </p:extLst>
+  </p:cSld>
+  <p:clrMapOvr>
+    <a:masterClrMapping/>
+  </p:clrMapOvr>
+</p:sld>
+</file>
+
+<file path=ppt/slides/slide21.xml><?xml version="1.0" encoding="utf-8"?>
 <p:sld xmlns:a="http://schemas.openxmlformats.org/drawingml/2006/main" xmlns:r="http://schemas.openxmlformats.org/officeDocument/2006/relationships" xmlns:p="http://schemas.openxmlformats.org/presentationml/2006/main">
   <p:cSld>
     <p:spTree>
@@ -10831,8 +11329,21 @@
             </a:r>
             <a:r>
               <a:rPr lang="fr-FR" dirty="0" smtClean="0"/>
-              <a:t>, bitbucket, gitlab,...)</a:t>
-            </a:r>
+              <a:t>, bitbucket, </a:t>
+            </a:r>
+            <a:r>
+              <a:rPr lang="fr-FR" dirty="0" err="1" smtClean="0"/>
+              <a:t>gitlab</a:t>
+            </a:r>
+            <a:r>
+              <a:rPr lang="fr-FR" dirty="0" smtClean="0"/>
+              <a:t>,...)</a:t>
+            </a:r>
+          </a:p>
+          <a:p>
+            <a:pPr marL="0" indent="0">
+              <a:buNone/>
+            </a:pPr>
             <a:endParaRPr lang="fr-FR" dirty="0"/>
           </a:p>
         </p:txBody>
@@ -10876,7 +11387,26 @@
       </p:grpSpPr>
       <p:sp>
         <p:nvSpPr>
-          <p:cNvPr id="2" name="Titre 1"/>
+          <p:cNvPr id="3" name="Espace réservé du contenu 2"/>
+          <p:cNvSpPr>
+            <a:spLocks noGrp="1"/>
+          </p:cNvSpPr>
+          <p:nvPr>
+            <p:ph idx="1"/>
+          </p:nvPr>
+        </p:nvSpPr>
+        <p:spPr/>
+        <p:txBody>
+          <a:bodyPr/>
+          <a:lstStyle/>
+          <a:p>
+            <a:endParaRPr lang="fr-FR"/>
+          </a:p>
+        </p:txBody>
+      </p:sp>
+      <p:sp>
+        <p:nvSpPr>
+          <p:cNvPr id="4" name="Titre 1"/>
           <p:cNvSpPr>
             <a:spLocks noGrp="1"/>
           </p:cNvSpPr>
@@ -10886,8 +11416,66 @@
         </p:nvSpPr>
         <p:spPr>
           <a:xfrm>
-            <a:off x="838200" y="169916"/>
-            <a:ext cx="10515600" cy="795855"/>
+            <a:off x="3134935" y="588"/>
+            <a:ext cx="6052930" cy="795855"/>
+          </a:xfrm>
+        </p:spPr>
+        <p:txBody>
+          <a:bodyPr/>
+          <a:lstStyle/>
+          <a:p>
+            <a:pPr lvl="0"/>
+            <a:r>
+              <a:rPr lang="fr-FR" b="1" dirty="0"/>
+              <a:t>Génération des clés SSH</a:t>
+            </a:r>
+          </a:p>
+        </p:txBody>
+      </p:sp>
+    </p:spTree>
+    <p:extLst>
+      <p:ext uri="{BB962C8B-B14F-4D97-AF65-F5344CB8AC3E}">
+        <p14:creationId xmlns:p14="http://schemas.microsoft.com/office/powerpoint/2010/main" val="2696297847"/>
+      </p:ext>
+    </p:extLst>
+  </p:cSld>
+  <p:clrMapOvr>
+    <a:masterClrMapping/>
+  </p:clrMapOvr>
+</p:sld>
+</file>
+
+<file path=ppt/slides/slide7.xml><?xml version="1.0" encoding="utf-8"?>
+<p:sld xmlns:a="http://schemas.openxmlformats.org/drawingml/2006/main" xmlns:r="http://schemas.openxmlformats.org/officeDocument/2006/relationships" xmlns:p="http://schemas.openxmlformats.org/presentationml/2006/main">
+  <p:cSld>
+    <p:spTree>
+      <p:nvGrpSpPr>
+        <p:cNvPr id="1" name=""/>
+        <p:cNvGrpSpPr/>
+        <p:nvPr/>
+      </p:nvGrpSpPr>
+      <p:grpSpPr>
+        <a:xfrm>
+          <a:off x="0" y="0"/>
+          <a:ext cx="0" cy="0"/>
+          <a:chOff x="0" y="0"/>
+          <a:chExt cx="0" cy="0"/>
+        </a:xfrm>
+      </p:grpSpPr>
+      <p:sp>
+        <p:nvSpPr>
+          <p:cNvPr id="2" name="Titre 1"/>
+          <p:cNvSpPr>
+            <a:spLocks noGrp="1"/>
+          </p:cNvSpPr>
+          <p:nvPr>
+            <p:ph type="title"/>
+          </p:nvPr>
+        </p:nvSpPr>
+        <p:spPr>
+          <a:xfrm>
+            <a:off x="3134935" y="588"/>
+            <a:ext cx="6052930" cy="795855"/>
           </a:xfrm>
         </p:spPr>
         <p:txBody>
@@ -11269,7 +11857,7 @@
 </p:sld>
 </file>
 
-<file path=ppt/slides/slide7.xml><?xml version="1.0" encoding="utf-8"?>
+<file path=ppt/slides/slide8.xml><?xml version="1.0" encoding="utf-8"?>
 <p:sld xmlns:a="http://schemas.openxmlformats.org/drawingml/2006/main" xmlns:r="http://schemas.openxmlformats.org/officeDocument/2006/relationships" xmlns:p="http://schemas.openxmlformats.org/presentationml/2006/main">
   <p:cSld>
     <p:spTree>
@@ -11615,7 +12203,7 @@
 </p:sld>
 </file>
 
-<file path=ppt/slides/slide8.xml><?xml version="1.0" encoding="utf-8"?>
+<file path=ppt/slides/slide9.xml><?xml version="1.0" encoding="utf-8"?>
 <p:sld xmlns:a="http://schemas.openxmlformats.org/drawingml/2006/main" xmlns:r="http://schemas.openxmlformats.org/officeDocument/2006/relationships" xmlns:p="http://schemas.openxmlformats.org/presentationml/2006/main">
   <p:cSld>
     <p:spTree>
@@ -12051,503 +12639,6 @@
     <p:extLst>
       <p:ext uri="{BB962C8B-B14F-4D97-AF65-F5344CB8AC3E}">
         <p14:creationId xmlns:p14="http://schemas.microsoft.com/office/powerpoint/2010/main" val="3375970332"/>
-      </p:ext>
-    </p:extLst>
-  </p:cSld>
-  <p:clrMapOvr>
-    <a:masterClrMapping/>
-  </p:clrMapOvr>
-  <p:timing>
-    <p:tnLst>
-      <p:par>
-        <p:cTn id="1" dur="indefinite" restart="never" nodeType="tmRoot"/>
-      </p:par>
-    </p:tnLst>
-  </p:timing>
-</p:sld>
-</file>
-
-<file path=ppt/slides/slide9.xml><?xml version="1.0" encoding="utf-8"?>
-<p:sld xmlns:a="http://schemas.openxmlformats.org/drawingml/2006/main" xmlns:r="http://schemas.openxmlformats.org/officeDocument/2006/relationships" xmlns:p="http://schemas.openxmlformats.org/presentationml/2006/main">
-  <p:cSld>
-    <p:spTree>
-      <p:nvGrpSpPr>
-        <p:cNvPr id="1" name=""/>
-        <p:cNvGrpSpPr/>
-        <p:nvPr/>
-      </p:nvGrpSpPr>
-      <p:grpSpPr>
-        <a:xfrm>
-          <a:off x="0" y="0"/>
-          <a:ext cx="0" cy="0"/>
-          <a:chOff x="0" y="0"/>
-          <a:chExt cx="0" cy="0"/>
-        </a:xfrm>
-      </p:grpSpPr>
-      <p:sp>
-        <p:nvSpPr>
-          <p:cNvPr id="2" name="Titre 1"/>
-          <p:cNvSpPr>
-            <a:spLocks noGrp="1"/>
-          </p:cNvSpPr>
-          <p:nvPr>
-            <p:ph type="title"/>
-          </p:nvPr>
-        </p:nvSpPr>
-        <p:spPr>
-          <a:xfrm>
-            <a:off x="838200" y="59272"/>
-            <a:ext cx="10515600" cy="795855"/>
-          </a:xfrm>
-        </p:spPr>
-        <p:txBody>
-          <a:bodyPr/>
-          <a:lstStyle/>
-          <a:p>
-            <a:pPr algn="ctr"/>
-            <a:r>
-              <a:rPr lang="fr-FR" b="1" dirty="0"/>
-              <a:t>Les commandes de </a:t>
-            </a:r>
-            <a:r>
-              <a:rPr lang="fr-FR" b="1" dirty="0" smtClean="0"/>
-              <a:t>base (Suite)</a:t>
-            </a:r>
-            <a:endParaRPr lang="fr-FR" b="1" dirty="0"/>
-          </a:p>
-        </p:txBody>
-      </p:sp>
-      <p:sp>
-        <p:nvSpPr>
-          <p:cNvPr id="3" name="Espace réservé du contenu 2"/>
-          <p:cNvSpPr>
-            <a:spLocks noGrp="1"/>
-          </p:cNvSpPr>
-          <p:nvPr>
-            <p:ph idx="1"/>
-          </p:nvPr>
-        </p:nvSpPr>
-        <p:spPr>
-          <a:xfrm>
-            <a:off x="0" y="1116280"/>
-            <a:ext cx="12192000" cy="5533902"/>
-          </a:xfrm>
-        </p:spPr>
-        <p:txBody>
-          <a:bodyPr>
-            <a:normAutofit lnSpcReduction="10000"/>
-          </a:bodyPr>
-          <a:lstStyle/>
-          <a:p>
-            <a:pPr marL="877887" lvl="1" indent="-514350">
-              <a:lnSpc>
-                <a:spcPct val="70000"/>
-              </a:lnSpc>
-              <a:buFont typeface="+mj-lt"/>
-              <a:buAutoNum type="arabicPeriod" startAt="18"/>
-            </a:pPr>
-            <a:r>
-              <a:rPr lang="fr-FR" sz="2800" dirty="0" smtClean="0"/>
-              <a:t>Navigué </a:t>
-            </a:r>
-            <a:r>
-              <a:rPr lang="fr-FR" sz="2800" dirty="0"/>
-              <a:t>dans l’historique des </a:t>
-            </a:r>
-            <a:r>
-              <a:rPr lang="fr-FR" sz="2800" dirty="0" smtClean="0"/>
-              <a:t>commit (voir le contenu avent un commit ):</a:t>
-            </a:r>
-            <a:endParaRPr lang="fr-FR" sz="2800" dirty="0"/>
-          </a:p>
-          <a:p>
-            <a:pPr marL="1158875" lvl="1" indent="-347663">
-              <a:lnSpc>
-                <a:spcPct val="70000"/>
-              </a:lnSpc>
-            </a:pPr>
-            <a:r>
-              <a:rPr lang="fr-FR" sz="2600" b="1" i="1" dirty="0"/>
-              <a:t>git checkout « </a:t>
-            </a:r>
-            <a:r>
-              <a:rPr lang="fr-FR" sz="2600" b="1" i="1" dirty="0" err="1" smtClean="0"/>
-              <a:t>commit_hash</a:t>
-            </a:r>
-            <a:r>
-              <a:rPr lang="fr-FR" sz="2600" b="1" i="1" dirty="0"/>
-              <a:t> », </a:t>
-            </a:r>
-            <a:r>
-              <a:rPr lang="fr-FR" sz="2600" b="1" i="1" dirty="0" smtClean="0"/>
-              <a:t>git checkout «  </a:t>
-            </a:r>
-            <a:r>
-              <a:rPr lang="fr-FR" sz="2600" b="1" i="1" dirty="0" err="1" smtClean="0"/>
-              <a:t>commit_hash</a:t>
-            </a:r>
-            <a:r>
-              <a:rPr lang="fr-FR" sz="2600" b="1" i="1" dirty="0" smtClean="0"/>
-              <a:t>» «</a:t>
-            </a:r>
-            <a:r>
-              <a:rPr lang="fr-FR" sz="2600" b="1" i="1" dirty="0"/>
-              <a:t> </a:t>
-            </a:r>
-            <a:r>
-              <a:rPr lang="fr-FR" sz="2600" b="1" i="1" dirty="0" smtClean="0"/>
-              <a:t>fichier</a:t>
-            </a:r>
-            <a:r>
-              <a:rPr lang="fr-FR" sz="2600" b="1" i="1" dirty="0"/>
-              <a:t> »</a:t>
-            </a:r>
-          </a:p>
-          <a:p>
-            <a:pPr marL="893763" lvl="1" indent="-530225">
-              <a:buFont typeface="+mj-lt"/>
-              <a:buAutoNum type="arabicPeriod" startAt="19"/>
-            </a:pPr>
-            <a:r>
-              <a:rPr lang="fr-FR" sz="2800" dirty="0"/>
-              <a:t>défit un commit (supprimer les changements de ce commit</a:t>
-            </a:r>
-            <a:r>
-              <a:rPr lang="fr-FR" sz="2800" dirty="0" smtClean="0"/>
-              <a:t>)</a:t>
-            </a:r>
-          </a:p>
-          <a:p>
-            <a:pPr marL="820738" lvl="1" indent="-9525">
-              <a:tabLst>
-                <a:tab pos="811213" algn="l"/>
-                <a:tab pos="1163638" algn="l"/>
-              </a:tabLst>
-            </a:pPr>
-            <a:r>
-              <a:rPr lang="fr-FR" sz="2800" dirty="0" smtClean="0"/>
-              <a:t>	</a:t>
-            </a:r>
-            <a:r>
-              <a:rPr lang="fr-FR" sz="2600" b="1" i="1" dirty="0"/>
-              <a:t>git </a:t>
-            </a:r>
-            <a:r>
-              <a:rPr lang="fr-FR" sz="2600" b="1" i="1" dirty="0" err="1"/>
-              <a:t>revert</a:t>
-            </a:r>
-            <a:r>
-              <a:rPr lang="fr-FR" sz="2600" b="1" i="1" dirty="0"/>
-              <a:t> </a:t>
-            </a:r>
-            <a:r>
-              <a:rPr lang="fr-FR" sz="2600" b="1" i="1" dirty="0" err="1" smtClean="0"/>
-              <a:t>commit_hash</a:t>
-            </a:r>
-            <a:r>
-              <a:rPr lang="fr-FR" sz="2600" b="1" i="1" dirty="0"/>
-              <a:t> </a:t>
-            </a:r>
-            <a:endParaRPr lang="fr-FR" sz="2600" b="1" i="1" dirty="0" smtClean="0"/>
-          </a:p>
-          <a:p>
-            <a:pPr marL="962025" lvl="1" indent="-598488">
-              <a:buFont typeface="+mj-lt"/>
-              <a:buAutoNum type="arabicPeriod" startAt="20"/>
-              <a:tabLst>
-                <a:tab pos="811213" algn="l"/>
-                <a:tab pos="1163638" algn="l"/>
-              </a:tabLst>
-            </a:pPr>
-            <a:r>
-              <a:rPr lang="fr-FR" sz="2800" dirty="0"/>
-              <a:t>Voir les détails d’un commit(contribution)</a:t>
-            </a:r>
-          </a:p>
-          <a:p>
-            <a:pPr marL="1169988" lvl="1" indent="-365125">
-              <a:tabLst>
-                <a:tab pos="811213" algn="l"/>
-                <a:tab pos="1169988" algn="l"/>
-              </a:tabLst>
-            </a:pPr>
-            <a:r>
-              <a:rPr lang="fr-FR" sz="2600" b="1" i="1" dirty="0"/>
-              <a:t>git show « </a:t>
-            </a:r>
-            <a:r>
-              <a:rPr lang="fr-FR" sz="2600" b="1" i="1" dirty="0" err="1"/>
-              <a:t>commit_hash</a:t>
-            </a:r>
-            <a:r>
-              <a:rPr lang="fr-FR" sz="2600" b="1" i="1" dirty="0"/>
-              <a:t> »</a:t>
-            </a:r>
-          </a:p>
-          <a:p>
-            <a:pPr marL="811213" lvl="1" indent="-447675">
-              <a:buNone/>
-              <a:tabLst>
-                <a:tab pos="363538" algn="l"/>
-                <a:tab pos="1163638" algn="l"/>
-              </a:tabLst>
-            </a:pPr>
-            <a:r>
-              <a:rPr lang="fr-FR" sz="2800" dirty="0" smtClean="0"/>
-              <a:t>21 </a:t>
-            </a:r>
-            <a:r>
-              <a:rPr lang="fr-FR" sz="2800" dirty="0"/>
-              <a:t>qui à changé le </a:t>
-            </a:r>
-            <a:r>
-              <a:rPr lang="fr-FR" sz="2800" dirty="0" err="1" smtClean="0"/>
-              <a:t>fichierest</a:t>
-            </a:r>
-            <a:r>
-              <a:rPr lang="fr-FR" sz="2800" dirty="0" smtClean="0"/>
-              <a:t> quand et quoi </a:t>
-            </a:r>
-          </a:p>
-          <a:p>
-            <a:pPr marL="1162050" lvl="1" indent="-361950">
-              <a:tabLst>
-                <a:tab pos="363538" algn="l"/>
-                <a:tab pos="1163638" algn="l"/>
-              </a:tabLst>
-            </a:pPr>
-            <a:r>
-              <a:rPr lang="fr-FR" sz="2800" b="1" i="1" dirty="0" smtClean="0"/>
-              <a:t>git </a:t>
-            </a:r>
-            <a:r>
-              <a:rPr lang="fr-FR" sz="2800" b="1" i="1" dirty="0" err="1" smtClean="0"/>
-              <a:t>blame</a:t>
-            </a:r>
-            <a:r>
-              <a:rPr lang="fr-FR" sz="2800" b="1" i="1" dirty="0" smtClean="0"/>
-              <a:t> « file »</a:t>
-            </a:r>
-            <a:endParaRPr lang="fr-FR" sz="2600" b="1" i="1" dirty="0" smtClean="0"/>
-          </a:p>
-          <a:p>
-            <a:pPr marL="962025" lvl="1" indent="-598488">
-              <a:buFont typeface="+mj-lt"/>
-              <a:buAutoNum type="arabicPeriod" startAt="20"/>
-              <a:tabLst>
-                <a:tab pos="363538" algn="l"/>
-                <a:tab pos="811213" algn="l"/>
-                <a:tab pos="1163638" algn="l"/>
-              </a:tabLst>
-            </a:pPr>
-            <a:r>
-              <a:rPr lang="fr-FR" sz="2800" dirty="0" smtClean="0"/>
-              <a:t>Sauvegardé </a:t>
-            </a:r>
-            <a:r>
-              <a:rPr lang="fr-FR" sz="2800" dirty="0"/>
-              <a:t>un travail puis le </a:t>
-            </a:r>
-            <a:r>
-              <a:rPr lang="fr-FR" sz="2800" dirty="0" smtClean="0"/>
-              <a:t>reprendre</a:t>
-            </a:r>
-          </a:p>
-          <a:p>
-            <a:pPr marL="819150" lvl="1" indent="-7938">
-              <a:tabLst>
-                <a:tab pos="363538" algn="l"/>
-                <a:tab pos="811213" algn="l"/>
-                <a:tab pos="1163638" algn="l"/>
-              </a:tabLst>
-            </a:pPr>
-            <a:r>
-              <a:rPr lang="fr-FR" sz="2600" b="1" i="1" dirty="0"/>
-              <a:t>	git </a:t>
-            </a:r>
-            <a:r>
-              <a:rPr lang="fr-FR" sz="2600" b="1" i="1" dirty="0" err="1" smtClean="0"/>
-              <a:t>stash</a:t>
-            </a:r>
-            <a:endParaRPr lang="fr-FR" sz="2600" b="1" i="1" dirty="0" smtClean="0"/>
-          </a:p>
-          <a:p>
-            <a:pPr marL="962025" lvl="1" indent="-598488">
-              <a:buFont typeface="+mj-lt"/>
-              <a:buAutoNum type="arabicPeriod" startAt="20"/>
-              <a:tabLst>
-                <a:tab pos="363538" algn="l"/>
-                <a:tab pos="811213" algn="l"/>
-                <a:tab pos="1163638" algn="l"/>
-              </a:tabLst>
-            </a:pPr>
-            <a:r>
-              <a:rPr lang="fr-FR" sz="2800" dirty="0"/>
-              <a:t>Reprendre un travail qui à été suspendu</a:t>
-            </a:r>
-          </a:p>
-          <a:p>
-            <a:pPr marL="819150" lvl="1" indent="-7938">
-              <a:tabLst>
-                <a:tab pos="363538" algn="l"/>
-                <a:tab pos="811213" algn="l"/>
-                <a:tab pos="1163638" algn="l"/>
-              </a:tabLst>
-            </a:pPr>
-            <a:r>
-              <a:rPr lang="fr-FR" sz="2600" b="1" i="1" dirty="0" smtClean="0"/>
-              <a:t>git </a:t>
-            </a:r>
-            <a:r>
-              <a:rPr lang="fr-FR" sz="2600" b="1" i="1" dirty="0" err="1" smtClean="0"/>
-              <a:t>stash</a:t>
-            </a:r>
-            <a:r>
-              <a:rPr lang="fr-FR" sz="2600" b="1" i="1" dirty="0" smtClean="0"/>
-              <a:t> pop</a:t>
-            </a:r>
-          </a:p>
-          <a:p>
-            <a:pPr marL="962025" lvl="1" indent="-598488">
-              <a:lnSpc>
-                <a:spcPct val="100000"/>
-              </a:lnSpc>
-              <a:buFont typeface="+mj-lt"/>
-              <a:buAutoNum type="arabicPeriod" startAt="20"/>
-              <a:tabLst>
-                <a:tab pos="363538" algn="l"/>
-                <a:tab pos="811213" algn="l"/>
-                <a:tab pos="1163638" algn="l"/>
-              </a:tabLst>
-            </a:pPr>
-            <a:r>
-              <a:rPr lang="fr-FR" sz="2800" dirty="0"/>
-              <a:t>Supprimé un </a:t>
-            </a:r>
-            <a:r>
-              <a:rPr lang="fr-FR" sz="2800" dirty="0" err="1"/>
-              <a:t>stash</a:t>
-            </a:r>
-            <a:r>
-              <a:rPr lang="fr-FR" sz="2800" dirty="0"/>
-              <a:t> </a:t>
-            </a:r>
-          </a:p>
-          <a:p>
-            <a:pPr marL="819150" lvl="1" indent="-7938">
-              <a:tabLst>
-                <a:tab pos="363538" algn="l"/>
-                <a:tab pos="811213" algn="l"/>
-                <a:tab pos="1163638" algn="l"/>
-              </a:tabLst>
-            </a:pPr>
-            <a:r>
-              <a:rPr lang="fr-FR" sz="2600" b="1" i="1" dirty="0" smtClean="0"/>
-              <a:t>Git </a:t>
-            </a:r>
-            <a:r>
-              <a:rPr lang="fr-FR" sz="2600" b="1" i="1" dirty="0" err="1" smtClean="0"/>
-              <a:t>stash</a:t>
-            </a:r>
-            <a:r>
-              <a:rPr lang="fr-FR" sz="2600" b="1" i="1" dirty="0" smtClean="0"/>
-              <a:t> drop</a:t>
-            </a:r>
-          </a:p>
-        </p:txBody>
-      </p:sp>
-      <p:sp>
-        <p:nvSpPr>
-          <p:cNvPr id="4" name="Rectangle 2"/>
-          <p:cNvSpPr>
-            <a:spLocks noChangeArrowheads="1"/>
-          </p:cNvSpPr>
-          <p:nvPr/>
-        </p:nvSpPr>
-        <p:spPr bwMode="auto">
-          <a:xfrm>
-            <a:off x="0" y="0"/>
-            <a:ext cx="12192000" cy="457200"/>
-          </a:xfrm>
-          <a:prstGeom prst="rect">
-            <a:avLst/>
-          </a:prstGeom>
-          <a:noFill/>
-          <a:ln>
-            <a:noFill/>
-          </a:ln>
-          <a:effectLst/>
-          <a:extLst>
-            <a:ext uri="{909E8E84-426E-40DD-AFC4-6F175D3DCCD1}">
-              <a14:hiddenFill xmlns:a14="http://schemas.microsoft.com/office/drawing/2010/main">
-                <a:solidFill>
-                  <a:schemeClr val="accent1"/>
-                </a:solidFill>
-              </a14:hiddenFill>
-            </a:ext>
-            <a:ext uri="{91240B29-F687-4F45-9708-019B960494DF}">
-              <a14:hiddenLine xmlns:a14="http://schemas.microsoft.com/office/drawing/2010/main" w="9525">
-                <a:solidFill>
-                  <a:schemeClr val="tx1"/>
-                </a:solidFill>
-                <a:miter lim="800000"/>
-                <a:headEnd/>
-                <a:tailEnd/>
-              </a14:hiddenLine>
-            </a:ext>
-            <a:ext uri="{AF507438-7753-43E0-B8FC-AC1667EBCBE1}">
-              <a14:hiddenEffects xmlns:a14="http://schemas.microsoft.com/office/drawing/2010/main">
-                <a:effectLst>
-                  <a:outerShdw dist="35921" dir="2700000" algn="ctr" rotWithShape="0">
-                    <a:schemeClr val="bg2"/>
-                  </a:outerShdw>
-                </a:effectLst>
-              </a14:hiddenEffects>
-            </a:ext>
-          </a:extLst>
-        </p:spPr>
-        <p:txBody>
-          <a:bodyPr vert="horz" wrap="none" lIns="91440" tIns="45720" rIns="91440" bIns="45720" numCol="1" anchor="ctr" anchorCtr="0" compatLnSpc="1">
-            <a:prstTxWarp prst="textNoShape">
-              <a:avLst/>
-            </a:prstTxWarp>
-            <a:spAutoFit/>
-          </a:bodyPr>
-          <a:lstStyle/>
-          <a:p>
-            <a:pPr marL="0" marR="0" lvl="0" indent="0" algn="l" defTabSz="914400" rtl="0" eaLnBrk="0" fontAlgn="base" latinLnBrk="0" hangingPunct="0">
-              <a:lnSpc>
-                <a:spcPct val="100000"/>
-              </a:lnSpc>
-              <a:spcBef>
-                <a:spcPct val="0"/>
-              </a:spcBef>
-              <a:spcAft>
-                <a:spcPct val="0"/>
-              </a:spcAft>
-              <a:buClrTx/>
-              <a:buSzTx/>
-              <a:buFontTx/>
-              <a:buNone/>
-              <a:tabLst/>
-            </a:pPr>
-            <a:endParaRPr kumimoji="0" lang="fr-FR" altLang="fr-FR" sz="1800" b="0" i="0" u="none" strike="noStrike" cap="none" normalizeH="0" baseline="0" smtClean="0">
-              <a:ln>
-                <a:noFill/>
-              </a:ln>
-              <a:solidFill>
-                <a:schemeClr val="tx1"/>
-              </a:solidFill>
-              <a:effectLst/>
-              <a:latin typeface="Arial" panose="020B0604020202020204" pitchFamily="34" charset="0"/>
-            </a:endParaRPr>
-          </a:p>
-        </p:txBody>
-      </p:sp>
-    </p:spTree>
-    <p:extLst>
-      <p:ext uri="{BB962C8B-B14F-4D97-AF65-F5344CB8AC3E}">
-        <p14:creationId xmlns:p14="http://schemas.microsoft.com/office/powerpoint/2010/main" val="3328790107"/>
       </p:ext>
     </p:extLst>
   </p:cSld>

--- a/Formation Git.pptx
+++ b/Formation Git.pptx
@@ -5,7 +5,7 @@
     <p:sldMasterId id="2147483648" r:id="rId1"/>
   </p:sldMasterIdLst>
   <p:notesMasterIdLst>
-    <p:notesMasterId r:id="rId23"/>
+    <p:notesMasterId r:id="rId26"/>
   </p:notesMasterIdLst>
   <p:sldIdLst>
     <p:sldId id="257" r:id="rId2"/>
@@ -28,7 +28,10 @@
     <p:sldId id="281" r:id="rId19"/>
     <p:sldId id="273" r:id="rId20"/>
     <p:sldId id="283" r:id="rId21"/>
-    <p:sldId id="271" r:id="rId22"/>
+    <p:sldId id="286" r:id="rId22"/>
+    <p:sldId id="287" r:id="rId23"/>
+    <p:sldId id="285" r:id="rId24"/>
+    <p:sldId id="271" r:id="rId25"/>
   </p:sldIdLst>
   <p:sldSz cx="12192000" cy="6858000"/>
   <p:notesSz cx="6858000" cy="9144000"/>
@@ -217,7 +220,7 @@
           <a:p>
             <a:fld id="{6C11479D-E256-4744-A8DA-17425A14A154}" type="datetimeFigureOut">
               <a:rPr lang="fr-FR" smtClean="0"/>
-              <a:t>21/11/2022</a:t>
+              <a:t>22/11/2022</a:t>
             </a:fld>
             <a:endParaRPr lang="fr-FR"/>
           </a:p>
@@ -1087,12 +1090,8 @@
           <a:lstStyle/>
           <a:p>
             <a:r>
-              <a:rPr lang="fr-FR" dirty="0" err="1" smtClean="0"/>
-              <a:t>Fetch</a:t>
-            </a:r>
-            <a:r>
               <a:rPr lang="fr-FR" dirty="0" smtClean="0"/>
-              <a:t> est inoffensive on doit faire merge pour </a:t>
+              <a:t>Fetch est inoffensive on doit faire merge pour </a:t>
             </a:r>
             <a:r>
               <a:rPr lang="fr-FR" dirty="0" err="1" smtClean="0"/>
@@ -1192,15 +1191,7 @@
             </a:r>
             <a:r>
               <a:rPr lang="fr-FR" dirty="0" smtClean="0"/>
-              <a:t> pouvez être assuré : </a:t>
-            </a:r>
-            <a:r>
-              <a:rPr lang="fr-FR" dirty="0" err="1" smtClean="0"/>
-              <a:t>fetch</a:t>
-            </a:r>
-            <a:r>
-              <a:rPr lang="fr-FR" dirty="0" smtClean="0"/>
-              <a:t> ne manipulera, ne détruira ou ne bousillera jamais quoi que ce soit.</a:t>
+              <a:t> pouvez être assuré : fetch ne manipulera, ne détruira ou ne bousillera jamais quoi que ce soit.</a:t>
             </a:r>
           </a:p>
           <a:p>
@@ -1738,31 +1729,7 @@
             </a:r>
             <a:r>
               <a:rPr lang="fr-FR" baseline="0" dirty="0" smtClean="0"/>
-              <a:t> on fait un fork il apparait dans la liste des dépôt dans </a:t>
-            </a:r>
-            <a:r>
-              <a:rPr lang="fr-FR" baseline="0" dirty="0" err="1" smtClean="0"/>
-              <a:t>github</a:t>
-            </a:r>
-            <a:r>
-              <a:rPr lang="fr-FR" baseline="0" dirty="0" smtClean="0"/>
-              <a:t> et on peut le cloné dans la machine locale et modifie puis </a:t>
-            </a:r>
-            <a:r>
-              <a:rPr lang="fr-FR" baseline="0" dirty="0" err="1" smtClean="0"/>
-              <a:t>pusher</a:t>
-            </a:r>
-            <a:r>
-              <a:rPr lang="fr-FR" baseline="0" dirty="0" smtClean="0"/>
-              <a:t> dans le fork dans </a:t>
-            </a:r>
-            <a:r>
-              <a:rPr lang="fr-FR" baseline="0" dirty="0" err="1" smtClean="0"/>
-              <a:t>github</a:t>
-            </a:r>
-            <a:r>
-              <a:rPr lang="fr-FR" baseline="0" dirty="0" smtClean="0"/>
-              <a:t> </a:t>
+              <a:t> on fait un fork il apparait dans la liste des dépôt dans github et on peut le cloné dans la machine locale et modifie puis pusher dans le fork dans github </a:t>
             </a:r>
             <a:endParaRPr lang="fr-FR" dirty="0"/>
           </a:p>
@@ -1795,6 +1762,477 @@
     <p:extLst>
       <p:ext uri="{BB962C8B-B14F-4D97-AF65-F5344CB8AC3E}">
         <p14:creationId xmlns:p14="http://schemas.microsoft.com/office/powerpoint/2010/main" val="3087535905"/>
+      </p:ext>
+    </p:extLst>
+  </p:cSld>
+  <p:clrMapOvr>
+    <a:masterClrMapping/>
+  </p:clrMapOvr>
+</p:notes>
+</file>
+
+<file path=ppt/notesSlides/notesSlide17.xml><?xml version="1.0" encoding="utf-8"?>
+<p:notes xmlns:a="http://schemas.openxmlformats.org/drawingml/2006/main" xmlns:r="http://schemas.openxmlformats.org/officeDocument/2006/relationships" xmlns:p="http://schemas.openxmlformats.org/presentationml/2006/main">
+  <p:cSld>
+    <p:spTree>
+      <p:nvGrpSpPr>
+        <p:cNvPr id="1" name=""/>
+        <p:cNvGrpSpPr/>
+        <p:nvPr/>
+      </p:nvGrpSpPr>
+      <p:grpSpPr>
+        <a:xfrm>
+          <a:off x="0" y="0"/>
+          <a:ext cx="0" cy="0"/>
+          <a:chOff x="0" y="0"/>
+          <a:chExt cx="0" cy="0"/>
+        </a:xfrm>
+      </p:grpSpPr>
+      <p:sp>
+        <p:nvSpPr>
+          <p:cNvPr id="2" name="Espace réservé de l'image des diapositives 1"/>
+          <p:cNvSpPr>
+            <a:spLocks noGrp="1" noRot="1" noChangeAspect="1"/>
+          </p:cNvSpPr>
+          <p:nvPr>
+            <p:ph type="sldImg"/>
+          </p:nvPr>
+        </p:nvSpPr>
+        <p:spPr/>
+      </p:sp>
+      <p:sp>
+        <p:nvSpPr>
+          <p:cNvPr id="3" name="Espace réservé des commentaires 2"/>
+          <p:cNvSpPr>
+            <a:spLocks noGrp="1"/>
+          </p:cNvSpPr>
+          <p:nvPr>
+            <p:ph type="body" idx="1"/>
+          </p:nvPr>
+        </p:nvSpPr>
+        <p:spPr/>
+        <p:txBody>
+          <a:bodyPr/>
+          <a:lstStyle/>
+          <a:p>
+            <a:r>
+              <a:rPr lang="fr-FR" dirty="0" smtClean="0"/>
+              <a:t>Quand</a:t>
+            </a:r>
+            <a:r>
+              <a:rPr lang="fr-FR" baseline="0" dirty="0" smtClean="0"/>
+              <a:t> on fait un fork il apparait dans la liste des dépôt dans github et on peut le cloné dans la machine locale et modifie puis pusher dans le fork dans github </a:t>
+            </a:r>
+            <a:endParaRPr lang="fr-FR" baseline="0" dirty="0" smtClean="0"/>
+          </a:p>
+          <a:p>
+            <a:r>
+              <a:rPr lang="fr-FR" baseline="0" dirty="0" smtClean="0"/>
+              <a:t>Deux solution </a:t>
+            </a:r>
+          </a:p>
+          <a:p>
+            <a:r>
+              <a:rPr lang="fr-FR" baseline="0" dirty="0" smtClean="0"/>
+              <a:t>Solution 2 </a:t>
+            </a:r>
+          </a:p>
+          <a:p>
+            <a:r>
+              <a:rPr lang="fr-FR" baseline="0" dirty="0" smtClean="0"/>
+              <a:t>1.avec github le </a:t>
+            </a:r>
+            <a:r>
+              <a:rPr lang="fr-FR" baseline="0" dirty="0" err="1" smtClean="0"/>
+              <a:t>boutton</a:t>
+            </a:r>
+            <a:r>
+              <a:rPr lang="fr-FR" baseline="0" dirty="0" smtClean="0"/>
+              <a:t> (</a:t>
+            </a:r>
+            <a:r>
+              <a:rPr lang="fr-FR" baseline="0" dirty="0" err="1" smtClean="0"/>
+              <a:t>sync</a:t>
+            </a:r>
+            <a:r>
+              <a:rPr lang="fr-FR" baseline="0" dirty="0" smtClean="0"/>
+              <a:t> fork)	</a:t>
+            </a:r>
+          </a:p>
+          <a:p>
+            <a:r>
+              <a:rPr lang="fr-FR" baseline="0" dirty="0" smtClean="0"/>
+              <a:t>2.git fetch</a:t>
+            </a:r>
+          </a:p>
+          <a:p>
+            <a:r>
+              <a:rPr lang="fr-FR" baseline="0" dirty="0" smtClean="0"/>
+              <a:t>3.git </a:t>
+            </a:r>
+            <a:r>
+              <a:rPr lang="fr-FR" baseline="0" dirty="0" err="1" smtClean="0"/>
+              <a:t>merge</a:t>
+            </a:r>
+            <a:r>
+              <a:rPr lang="fr-FR" baseline="0" dirty="0" smtClean="0"/>
+              <a:t> </a:t>
+            </a:r>
+            <a:r>
+              <a:rPr lang="fr-FR" baseline="0" dirty="0" err="1" smtClean="0"/>
+              <a:t>origin</a:t>
+            </a:r>
+            <a:r>
+              <a:rPr lang="fr-FR" baseline="0" dirty="0" smtClean="0"/>
+              <a:t>/master</a:t>
+            </a:r>
+          </a:p>
+          <a:p>
+            <a:endParaRPr lang="fr-FR" dirty="0"/>
+          </a:p>
+        </p:txBody>
+      </p:sp>
+      <p:sp>
+        <p:nvSpPr>
+          <p:cNvPr id="4" name="Espace réservé du numéro de diapositive 3"/>
+          <p:cNvSpPr>
+            <a:spLocks noGrp="1"/>
+          </p:cNvSpPr>
+          <p:nvPr>
+            <p:ph type="sldNum" sz="quarter" idx="10"/>
+          </p:nvPr>
+        </p:nvSpPr>
+        <p:spPr/>
+        <p:txBody>
+          <a:bodyPr/>
+          <a:lstStyle/>
+          <a:p>
+            <a:fld id="{852BFB1F-A0B8-45F9-8B0C-AE6AABDE724A}" type="slidenum">
+              <a:rPr lang="fr-FR" smtClean="0"/>
+              <a:t>21</a:t>
+            </a:fld>
+            <a:endParaRPr lang="fr-FR"/>
+          </a:p>
+        </p:txBody>
+      </p:sp>
+    </p:spTree>
+    <p:extLst>
+      <p:ext uri="{BB962C8B-B14F-4D97-AF65-F5344CB8AC3E}">
+        <p14:creationId xmlns:p14="http://schemas.microsoft.com/office/powerpoint/2010/main" val="4075139296"/>
+      </p:ext>
+    </p:extLst>
+  </p:cSld>
+  <p:clrMapOvr>
+    <a:masterClrMapping/>
+  </p:clrMapOvr>
+</p:notes>
+</file>
+
+<file path=ppt/notesSlides/notesSlide18.xml><?xml version="1.0" encoding="utf-8"?>
+<p:notes xmlns:a="http://schemas.openxmlformats.org/drawingml/2006/main" xmlns:r="http://schemas.openxmlformats.org/officeDocument/2006/relationships" xmlns:p="http://schemas.openxmlformats.org/presentationml/2006/main">
+  <p:cSld>
+    <p:spTree>
+      <p:nvGrpSpPr>
+        <p:cNvPr id="1" name=""/>
+        <p:cNvGrpSpPr/>
+        <p:nvPr/>
+      </p:nvGrpSpPr>
+      <p:grpSpPr>
+        <a:xfrm>
+          <a:off x="0" y="0"/>
+          <a:ext cx="0" cy="0"/>
+          <a:chOff x="0" y="0"/>
+          <a:chExt cx="0" cy="0"/>
+        </a:xfrm>
+      </p:grpSpPr>
+      <p:sp>
+        <p:nvSpPr>
+          <p:cNvPr id="2" name="Espace réservé de l'image des diapositives 1"/>
+          <p:cNvSpPr>
+            <a:spLocks noGrp="1" noRot="1" noChangeAspect="1"/>
+          </p:cNvSpPr>
+          <p:nvPr>
+            <p:ph type="sldImg"/>
+          </p:nvPr>
+        </p:nvSpPr>
+        <p:spPr/>
+      </p:sp>
+      <p:sp>
+        <p:nvSpPr>
+          <p:cNvPr id="3" name="Espace réservé des commentaires 2"/>
+          <p:cNvSpPr>
+            <a:spLocks noGrp="1"/>
+          </p:cNvSpPr>
+          <p:nvPr>
+            <p:ph type="body" idx="1"/>
+          </p:nvPr>
+        </p:nvSpPr>
+        <p:spPr/>
+        <p:txBody>
+          <a:bodyPr/>
+          <a:lstStyle/>
+          <a:p>
+            <a:r>
+              <a:rPr lang="fr-FR" dirty="0" smtClean="0"/>
+              <a:t>Quand</a:t>
+            </a:r>
+            <a:r>
+              <a:rPr lang="fr-FR" baseline="0" dirty="0" smtClean="0"/>
+              <a:t> on fait un fork il apparait dans la liste des dépôt dans github et on peut le cloné dans la machine locale et modifie puis pusher dans le fork dans github </a:t>
+            </a:r>
+            <a:endParaRPr lang="fr-FR" baseline="0" dirty="0" smtClean="0"/>
+          </a:p>
+          <a:p>
+            <a:r>
+              <a:rPr lang="fr-FR" baseline="0" dirty="0" smtClean="0"/>
+              <a:t>Deux solution </a:t>
+            </a:r>
+          </a:p>
+          <a:p>
+            <a:r>
+              <a:rPr lang="fr-FR" baseline="0" dirty="0" smtClean="0"/>
+              <a:t>Solution 2 </a:t>
+            </a:r>
+          </a:p>
+          <a:p>
+            <a:r>
+              <a:rPr lang="fr-FR" baseline="0" dirty="0" smtClean="0"/>
+              <a:t>1.avec github le </a:t>
+            </a:r>
+            <a:r>
+              <a:rPr lang="fr-FR" baseline="0" dirty="0" err="1" smtClean="0"/>
+              <a:t>boutton</a:t>
+            </a:r>
+            <a:r>
+              <a:rPr lang="fr-FR" baseline="0" dirty="0" smtClean="0"/>
+              <a:t> (</a:t>
+            </a:r>
+            <a:r>
+              <a:rPr lang="fr-FR" baseline="0" dirty="0" err="1" smtClean="0"/>
+              <a:t>sync</a:t>
+            </a:r>
+            <a:r>
+              <a:rPr lang="fr-FR" baseline="0" dirty="0" smtClean="0"/>
+              <a:t> fork)	</a:t>
+            </a:r>
+          </a:p>
+          <a:p>
+            <a:r>
+              <a:rPr lang="fr-FR" baseline="0" dirty="0" smtClean="0"/>
+              <a:t>2.git fetch</a:t>
+            </a:r>
+          </a:p>
+          <a:p>
+            <a:r>
+              <a:rPr lang="fr-FR" baseline="0" dirty="0" smtClean="0"/>
+              <a:t>3.git </a:t>
+            </a:r>
+            <a:r>
+              <a:rPr lang="fr-FR" baseline="0" dirty="0" err="1" smtClean="0"/>
+              <a:t>merge</a:t>
+            </a:r>
+            <a:r>
+              <a:rPr lang="fr-FR" baseline="0" dirty="0" smtClean="0"/>
+              <a:t> </a:t>
+            </a:r>
+            <a:r>
+              <a:rPr lang="fr-FR" baseline="0" dirty="0" err="1" smtClean="0"/>
+              <a:t>origin</a:t>
+            </a:r>
+            <a:r>
+              <a:rPr lang="fr-FR" baseline="0" dirty="0" smtClean="0"/>
+              <a:t>/master</a:t>
+            </a:r>
+          </a:p>
+          <a:p>
+            <a:endParaRPr lang="fr-FR" dirty="0"/>
+          </a:p>
+        </p:txBody>
+      </p:sp>
+      <p:sp>
+        <p:nvSpPr>
+          <p:cNvPr id="4" name="Espace réservé du numéro de diapositive 3"/>
+          <p:cNvSpPr>
+            <a:spLocks noGrp="1"/>
+          </p:cNvSpPr>
+          <p:nvPr>
+            <p:ph type="sldNum" sz="quarter" idx="10"/>
+          </p:nvPr>
+        </p:nvSpPr>
+        <p:spPr/>
+        <p:txBody>
+          <a:bodyPr/>
+          <a:lstStyle/>
+          <a:p>
+            <a:fld id="{852BFB1F-A0B8-45F9-8B0C-AE6AABDE724A}" type="slidenum">
+              <a:rPr lang="fr-FR" smtClean="0"/>
+              <a:t>22</a:t>
+            </a:fld>
+            <a:endParaRPr lang="fr-FR"/>
+          </a:p>
+        </p:txBody>
+      </p:sp>
+    </p:spTree>
+    <p:extLst>
+      <p:ext uri="{BB962C8B-B14F-4D97-AF65-F5344CB8AC3E}">
+        <p14:creationId xmlns:p14="http://schemas.microsoft.com/office/powerpoint/2010/main" val="3479172898"/>
+      </p:ext>
+    </p:extLst>
+  </p:cSld>
+  <p:clrMapOvr>
+    <a:masterClrMapping/>
+  </p:clrMapOvr>
+</p:notes>
+</file>
+
+<file path=ppt/notesSlides/notesSlide19.xml><?xml version="1.0" encoding="utf-8"?>
+<p:notes xmlns:a="http://schemas.openxmlformats.org/drawingml/2006/main" xmlns:r="http://schemas.openxmlformats.org/officeDocument/2006/relationships" xmlns:p="http://schemas.openxmlformats.org/presentationml/2006/main">
+  <p:cSld>
+    <p:spTree>
+      <p:nvGrpSpPr>
+        <p:cNvPr id="1" name=""/>
+        <p:cNvGrpSpPr/>
+        <p:nvPr/>
+      </p:nvGrpSpPr>
+      <p:grpSpPr>
+        <a:xfrm>
+          <a:off x="0" y="0"/>
+          <a:ext cx="0" cy="0"/>
+          <a:chOff x="0" y="0"/>
+          <a:chExt cx="0" cy="0"/>
+        </a:xfrm>
+      </p:grpSpPr>
+      <p:sp>
+        <p:nvSpPr>
+          <p:cNvPr id="2" name="Espace réservé de l'image des diapositives 1"/>
+          <p:cNvSpPr>
+            <a:spLocks noGrp="1" noRot="1" noChangeAspect="1"/>
+          </p:cNvSpPr>
+          <p:nvPr>
+            <p:ph type="sldImg"/>
+          </p:nvPr>
+        </p:nvSpPr>
+        <p:spPr/>
+      </p:sp>
+      <p:sp>
+        <p:nvSpPr>
+          <p:cNvPr id="3" name="Espace réservé des commentaires 2"/>
+          <p:cNvSpPr>
+            <a:spLocks noGrp="1"/>
+          </p:cNvSpPr>
+          <p:nvPr>
+            <p:ph type="body" idx="1"/>
+          </p:nvPr>
+        </p:nvSpPr>
+        <p:spPr/>
+        <p:txBody>
+          <a:bodyPr/>
+          <a:lstStyle/>
+          <a:p>
+            <a:r>
+              <a:rPr lang="fr-FR" dirty="0" smtClean="0"/>
+              <a:t>Quand</a:t>
+            </a:r>
+            <a:r>
+              <a:rPr lang="fr-FR" baseline="0" dirty="0" smtClean="0"/>
+              <a:t> on fait un fork il apparait dans la liste des dépôt dans github et on peut le cloné dans la machine locale et modifie puis pusher dans le fork dans github </a:t>
+            </a:r>
+            <a:endParaRPr lang="fr-FR" baseline="0" dirty="0" smtClean="0"/>
+          </a:p>
+          <a:p>
+            <a:r>
+              <a:rPr lang="fr-FR" baseline="0" dirty="0" smtClean="0"/>
+              <a:t>Deux solution </a:t>
+            </a:r>
+          </a:p>
+          <a:p>
+            <a:r>
+              <a:rPr lang="fr-FR" baseline="0" dirty="0" smtClean="0"/>
+              <a:t>Solution 2 </a:t>
+            </a:r>
+          </a:p>
+          <a:p>
+            <a:r>
+              <a:rPr lang="fr-FR" baseline="0" dirty="0" smtClean="0"/>
+              <a:t>1.avec github le </a:t>
+            </a:r>
+            <a:r>
+              <a:rPr lang="fr-FR" baseline="0" dirty="0" err="1" smtClean="0"/>
+              <a:t>boutton</a:t>
+            </a:r>
+            <a:r>
+              <a:rPr lang="fr-FR" baseline="0" dirty="0" smtClean="0"/>
+              <a:t> (</a:t>
+            </a:r>
+            <a:r>
+              <a:rPr lang="fr-FR" baseline="0" dirty="0" err="1" smtClean="0"/>
+              <a:t>sync</a:t>
+            </a:r>
+            <a:r>
+              <a:rPr lang="fr-FR" baseline="0" dirty="0" smtClean="0"/>
+              <a:t> fork)	</a:t>
+            </a:r>
+          </a:p>
+          <a:p>
+            <a:r>
+              <a:rPr lang="fr-FR" baseline="0" dirty="0" smtClean="0"/>
+              <a:t>2.git fetch</a:t>
+            </a:r>
+          </a:p>
+          <a:p>
+            <a:r>
+              <a:rPr lang="fr-FR" baseline="0" dirty="0" smtClean="0"/>
+              <a:t>3.git </a:t>
+            </a:r>
+            <a:r>
+              <a:rPr lang="fr-FR" baseline="0" dirty="0" err="1" smtClean="0"/>
+              <a:t>merge</a:t>
+            </a:r>
+            <a:r>
+              <a:rPr lang="fr-FR" baseline="0" dirty="0" smtClean="0"/>
+              <a:t> </a:t>
+            </a:r>
+            <a:r>
+              <a:rPr lang="fr-FR" baseline="0" dirty="0" err="1" smtClean="0"/>
+              <a:t>origin</a:t>
+            </a:r>
+            <a:r>
+              <a:rPr lang="fr-FR" baseline="0" dirty="0" smtClean="0"/>
+              <a:t>/master</a:t>
+            </a:r>
+          </a:p>
+          <a:p>
+            <a:endParaRPr lang="fr-FR" dirty="0"/>
+          </a:p>
+        </p:txBody>
+      </p:sp>
+      <p:sp>
+        <p:nvSpPr>
+          <p:cNvPr id="4" name="Espace réservé du numéro de diapositive 3"/>
+          <p:cNvSpPr>
+            <a:spLocks noGrp="1"/>
+          </p:cNvSpPr>
+          <p:nvPr>
+            <p:ph type="sldNum" sz="quarter" idx="10"/>
+          </p:nvPr>
+        </p:nvSpPr>
+        <p:spPr/>
+        <p:txBody>
+          <a:bodyPr/>
+          <a:lstStyle/>
+          <a:p>
+            <a:fld id="{852BFB1F-A0B8-45F9-8B0C-AE6AABDE724A}" type="slidenum">
+              <a:rPr lang="fr-FR" smtClean="0"/>
+              <a:t>23</a:t>
+            </a:fld>
+            <a:endParaRPr lang="fr-FR"/>
+          </a:p>
+        </p:txBody>
+      </p:sp>
+    </p:spTree>
+    <p:extLst>
+      <p:ext uri="{BB962C8B-B14F-4D97-AF65-F5344CB8AC3E}">
+        <p14:creationId xmlns:p14="http://schemas.microsoft.com/office/powerpoint/2010/main" val="2852578274"/>
       </p:ext>
     </p:extLst>
   </p:cSld>
@@ -2833,15 +3271,7 @@
             </a:r>
             <a:r>
               <a:rPr lang="fr-FR" baseline="0" dirty="0" smtClean="0"/>
-              <a:t> –s  (pour montrer les fichier qui sont dans </a:t>
-            </a:r>
-            <a:r>
-              <a:rPr lang="fr-FR" baseline="0" dirty="0" err="1" smtClean="0"/>
-              <a:t>stagged</a:t>
-            </a:r>
-            <a:r>
-              <a:rPr lang="fr-FR" baseline="0" dirty="0" smtClean="0"/>
-              <a:t> </a:t>
+              <a:t> –s  (pour montrer les fichier qui sont dans stagged </a:t>
             </a:r>
             <a:r>
               <a:rPr lang="fr-FR" baseline="0" dirty="0" err="1" smtClean="0"/>
@@ -4507,7 +4937,7 @@
           <a:p>
             <a:fld id="{0A206D1B-E756-4A82-9838-551DE185C738}" type="datetimeFigureOut">
               <a:rPr lang="fr-FR" smtClean="0"/>
-              <a:t>21/11/2022</a:t>
+              <a:t>22/11/2022</a:t>
             </a:fld>
             <a:endParaRPr lang="fr-FR"/>
           </a:p>
@@ -4677,7 +5107,7 @@
           <a:p>
             <a:fld id="{0A206D1B-E756-4A82-9838-551DE185C738}" type="datetimeFigureOut">
               <a:rPr lang="fr-FR" smtClean="0"/>
-              <a:t>21/11/2022</a:t>
+              <a:t>22/11/2022</a:t>
             </a:fld>
             <a:endParaRPr lang="fr-FR"/>
           </a:p>
@@ -4857,7 +5287,7 @@
           <a:p>
             <a:fld id="{0A206D1B-E756-4A82-9838-551DE185C738}" type="datetimeFigureOut">
               <a:rPr lang="fr-FR" smtClean="0"/>
-              <a:t>21/11/2022</a:t>
+              <a:t>22/11/2022</a:t>
             </a:fld>
             <a:endParaRPr lang="fr-FR"/>
           </a:p>
@@ -5027,7 +5457,7 @@
           <a:p>
             <a:fld id="{0A206D1B-E756-4A82-9838-551DE185C738}" type="datetimeFigureOut">
               <a:rPr lang="fr-FR" smtClean="0"/>
-              <a:t>21/11/2022</a:t>
+              <a:t>22/11/2022</a:t>
             </a:fld>
             <a:endParaRPr lang="fr-FR"/>
           </a:p>
@@ -5273,7 +5703,7 @@
           <a:p>
             <a:fld id="{0A206D1B-E756-4A82-9838-551DE185C738}" type="datetimeFigureOut">
               <a:rPr lang="fr-FR" smtClean="0"/>
-              <a:t>21/11/2022</a:t>
+              <a:t>22/11/2022</a:t>
             </a:fld>
             <a:endParaRPr lang="fr-FR"/>
           </a:p>
@@ -5505,7 +5935,7 @@
           <a:p>
             <a:fld id="{0A206D1B-E756-4A82-9838-551DE185C738}" type="datetimeFigureOut">
               <a:rPr lang="fr-FR" smtClean="0"/>
-              <a:t>21/11/2022</a:t>
+              <a:t>22/11/2022</a:t>
             </a:fld>
             <a:endParaRPr lang="fr-FR"/>
           </a:p>
@@ -5872,7 +6302,7 @@
           <a:p>
             <a:fld id="{0A206D1B-E756-4A82-9838-551DE185C738}" type="datetimeFigureOut">
               <a:rPr lang="fr-FR" smtClean="0"/>
-              <a:t>21/11/2022</a:t>
+              <a:t>22/11/2022</a:t>
             </a:fld>
             <a:endParaRPr lang="fr-FR"/>
           </a:p>
@@ -5990,7 +6420,7 @@
           <a:p>
             <a:fld id="{0A206D1B-E756-4A82-9838-551DE185C738}" type="datetimeFigureOut">
               <a:rPr lang="fr-FR" smtClean="0"/>
-              <a:t>21/11/2022</a:t>
+              <a:t>22/11/2022</a:t>
             </a:fld>
             <a:endParaRPr lang="fr-FR"/>
           </a:p>
@@ -6085,7 +6515,7 @@
           <a:p>
             <a:fld id="{0A206D1B-E756-4A82-9838-551DE185C738}" type="datetimeFigureOut">
               <a:rPr lang="fr-FR" smtClean="0"/>
-              <a:t>21/11/2022</a:t>
+              <a:t>22/11/2022</a:t>
             </a:fld>
             <a:endParaRPr lang="fr-FR"/>
           </a:p>
@@ -6362,7 +6792,7 @@
           <a:p>
             <a:fld id="{0A206D1B-E756-4A82-9838-551DE185C738}" type="datetimeFigureOut">
               <a:rPr lang="fr-FR" smtClean="0"/>
-              <a:t>21/11/2022</a:t>
+              <a:t>22/11/2022</a:t>
             </a:fld>
             <a:endParaRPr lang="fr-FR"/>
           </a:p>
@@ -6615,7 +7045,7 @@
           <a:p>
             <a:fld id="{0A206D1B-E756-4A82-9838-551DE185C738}" type="datetimeFigureOut">
               <a:rPr lang="fr-FR" smtClean="0"/>
-              <a:t>21/11/2022</a:t>
+              <a:t>22/11/2022</a:t>
             </a:fld>
             <a:endParaRPr lang="fr-FR"/>
           </a:p>
@@ -6828,7 +7258,7 @@
           <a:p>
             <a:fld id="{0A206D1B-E756-4A82-9838-551DE185C738}" type="datetimeFigureOut">
               <a:rPr lang="fr-FR" smtClean="0"/>
-              <a:t>21/11/2022</a:t>
+              <a:t>22/11/2022</a:t>
             </a:fld>
             <a:endParaRPr lang="fr-FR"/>
           </a:p>
@@ -8825,7 +9255,7 @@
             </a:r>
           </a:p>
           <a:p>
-            <a:pPr marL="804863" lvl="1" indent="-182563">
+            <a:pPr marL="901700" lvl="1" indent="-279400">
               <a:buFont typeface="Arial" panose="020B0604020202020204" pitchFamily="34" charset="0"/>
               <a:buChar char="•"/>
               <a:tabLst>
@@ -8863,7 +9293,7 @@
             </a:r>
           </a:p>
           <a:p>
-            <a:pPr marL="804863" lvl="1" indent="-182563">
+            <a:pPr marL="901700" lvl="1" indent="-279400">
               <a:buFont typeface="Arial" panose="020B0604020202020204" pitchFamily="34" charset="0"/>
               <a:buChar char="•"/>
               <a:tabLst>
@@ -8918,12 +9348,12 @@
             </a:r>
           </a:p>
           <a:p>
-            <a:pPr marL="628650" lvl="1">
+            <a:pPr marL="901700" lvl="1" indent="-358775">
               <a:buFont typeface="Arial" panose="020B0604020202020204" pitchFamily="34" charset="0"/>
               <a:buChar char="•"/>
               <a:tabLst>
                 <a:tab pos="457200" algn="l"/>
-                <a:tab pos="533400" algn="l"/>
+                <a:tab pos="808038" algn="l"/>
               </a:tabLst>
             </a:pPr>
             <a:r>
@@ -9277,10 +9707,9 @@
               <a:t>git </a:t>
             </a:r>
             <a:r>
-              <a:rPr lang="fr-FR" altLang="fr-FR" sz="2600" b="1" i="1" dirty="0" err="1" smtClean="0"/>
+              <a:rPr lang="fr-FR" altLang="fr-FR" sz="2600" b="1" i="1" dirty="0" smtClean="0"/>
               <a:t>fetch</a:t>
             </a:r>
-            <a:endParaRPr lang="fr-FR" altLang="fr-FR" sz="2600" b="1" i="1" dirty="0" smtClean="0"/>
           </a:p>
           <a:p>
             <a:pPr marL="622300" lvl="1" indent="-357188">
@@ -9303,19 +9732,22 @@
             <a:endParaRPr lang="fr-FR" altLang="fr-FR" sz="2800" dirty="0"/>
           </a:p>
           <a:p>
-            <a:pPr marL="800100" lvl="1" indent="-171450">
+            <a:pPr marL="820738" lvl="1" indent="-192088">
               <a:tabLst>
-                <a:tab pos="533400" algn="l"/>
-                <a:tab pos="623888" algn="l"/>
-                <a:tab pos="800100" algn="l"/>
+                <a:tab pos="628650" algn="l"/>
+                <a:tab pos="1163638" algn="l"/>
               </a:tabLst>
             </a:pPr>
             <a:r>
-              <a:rPr lang="fr-FR" sz="2000" b="1" i="1" dirty="0"/>
-              <a:t>git merge </a:t>
-            </a:r>
-            <a:r>
-              <a:rPr lang="fr-FR" sz="2000" b="1" i="1" dirty="0" smtClean="0"/>
+              <a:rPr lang="fr-FR" sz="2600" b="1" i="1" dirty="0"/>
+              <a:t>git merge</a:t>
+            </a:r>
+            <a:r>
+              <a:rPr lang="fr-FR" sz="2600" b="1" i="1" dirty="0"/>
+              <a:t> </a:t>
+            </a:r>
+            <a:r>
+              <a:rPr lang="fr-FR" sz="2600" b="1" i="1" dirty="0"/>
               <a:t>branch</a:t>
             </a:r>
           </a:p>
@@ -9907,15 +10339,7 @@
           <a:p>
             <a:r>
               <a:rPr lang="fr-FR" altLang="fr-FR" dirty="0" smtClean="0"/>
-              <a:t>Cette marque ‘’&gt;&gt;&gt;autre_nom_branche’’ pour indiqué de qu’elle </a:t>
-            </a:r>
-            <a:r>
-              <a:rPr lang="fr-FR" altLang="fr-FR" dirty="0" err="1" smtClean="0"/>
-              <a:t>branch</a:t>
-            </a:r>
-            <a:r>
-              <a:rPr lang="fr-FR" altLang="fr-FR" dirty="0" smtClean="0"/>
-              <a:t> vient  </a:t>
+              <a:t>Cette marque ‘’&gt;&gt;&gt;autre_nom_branche’’ pour indiqué de qu’elle branch vient  </a:t>
             </a:r>
             <a:r>
               <a:rPr lang="fr-FR" dirty="0" smtClean="0"/>
@@ -9937,15 +10361,7 @@
           <a:p>
             <a:r>
               <a:rPr lang="fr-FR" dirty="0" smtClean="0"/>
-              <a:t>Une fois nettoyé il faut sauvegardé le fichier puis l’indexé (</a:t>
-            </a:r>
-            <a:r>
-              <a:rPr lang="fr-FR" dirty="0" err="1" smtClean="0"/>
-              <a:t>stagged</a:t>
-            </a:r>
-            <a:r>
-              <a:rPr lang="fr-FR" dirty="0" smtClean="0"/>
-              <a:t> )et faire un commit.</a:t>
+              <a:t>Une fois nettoyé il faut sauvegardé le fichier puis l’indexé (stagged )et faire un commit.</a:t>
             </a:r>
           </a:p>
           <a:p>
@@ -9964,23 +10380,30 @@
             <a:endParaRPr lang="fr-FR" altLang="fr-FR" b="1" dirty="0"/>
           </a:p>
           <a:p>
-            <a:pPr marL="542925" indent="-92075"/>
-            <a:r>
-              <a:rPr lang="fr-FR" dirty="0"/>
+            <a:pPr marL="820738" lvl="1" indent="-192088">
+              <a:tabLst>
+                <a:tab pos="628650" algn="l"/>
+                <a:tab pos="1163638" algn="l"/>
+              </a:tabLst>
+            </a:pPr>
+            <a:r>
+              <a:rPr lang="fr-FR" sz="2600" b="1" i="1" dirty="0"/>
               <a:t>git merge </a:t>
             </a:r>
             <a:r>
-              <a:rPr lang="fr-FR" dirty="0" smtClean="0"/>
+              <a:rPr lang="fr-FR" sz="2600" b="1" i="1" dirty="0"/>
               <a:t>--</a:t>
             </a:r>
             <a:r>
-              <a:rPr lang="fr-FR" dirty="0" err="1" smtClean="0"/>
+              <a:rPr lang="fr-FR" sz="2600" b="1" i="1" dirty="0" err="1"/>
               <a:t>abort</a:t>
             </a:r>
-            <a:endParaRPr lang="fr-FR" dirty="0" smtClean="0"/>
-          </a:p>
-          <a:p>
-            <a:pPr marL="542925" indent="-92075"/>
+            <a:endParaRPr lang="fr-FR" sz="2600" b="1" i="1" dirty="0"/>
+          </a:p>
+          <a:p>
+            <a:pPr marL="450850" indent="0">
+              <a:buNone/>
+            </a:pPr>
             <a:r>
               <a:rPr lang="fr-FR" dirty="0" smtClean="0"/>
               <a:t>Si on commit une erreur l’hors de la résolution d’un conflit</a:t>
@@ -10485,7 +10908,15 @@
           <a:p>
             <a:r>
               <a:rPr lang="fr-FR" b="1" dirty="0" smtClean="0"/>
-              <a:t>Collaboration est model de développement</a:t>
+              <a:t>Collaboration </a:t>
+            </a:r>
+            <a:r>
+              <a:rPr lang="fr-FR" b="1" dirty="0" smtClean="0"/>
+              <a:t>et </a:t>
+            </a:r>
+            <a:r>
+              <a:rPr lang="fr-FR" b="1" dirty="0" smtClean="0"/>
+              <a:t>model de développement</a:t>
             </a:r>
             <a:endParaRPr lang="fr-FR" b="1" dirty="0"/>
           </a:p>
@@ -10578,12 +11009,12 @@
               <a:t>	les collaborateurs on un accès à un dépôt partagé. Les requêtes pull sont utiles puisque elles  inities la revue de code avant que les changements soit mergé dans la branches principale de </a:t>
             </a:r>
             <a:r>
-              <a:rPr lang="fr-FR" dirty="0" err="1" smtClean="0"/>
-              <a:t>développement.utilisé</a:t>
-            </a:r>
-            <a:r>
               <a:rPr lang="fr-FR" dirty="0" smtClean="0"/>
-              <a:t> dans les petites équipes et organisations et collabore sur des projets privés.</a:t>
+              <a:t>développement. Utilisé </a:t>
+            </a:r>
+            <a:r>
+              <a:rPr lang="fr-FR" dirty="0" smtClean="0"/>
+              <a:t>dans les petites équipes et organisations et collabore sur des projets privés.</a:t>
             </a:r>
             <a:endParaRPr lang="fr-FR" dirty="0"/>
           </a:p>
@@ -10605,10 +11036,1129 @@
   <p:clrMapOvr>
     <a:masterClrMapping/>
   </p:clrMapOvr>
+  <p:timing>
+    <p:tnLst>
+      <p:par>
+        <p:cTn id="1" dur="indefinite" restart="never" nodeType="tmRoot"/>
+      </p:par>
+    </p:tnLst>
+  </p:timing>
 </p:sld>
 </file>
 
 <file path=ppt/slides/slide21.xml><?xml version="1.0" encoding="utf-8"?>
+<p:sld xmlns:a="http://schemas.openxmlformats.org/drawingml/2006/main" xmlns:r="http://schemas.openxmlformats.org/officeDocument/2006/relationships" xmlns:p="http://schemas.openxmlformats.org/presentationml/2006/main">
+  <p:cSld>
+    <p:spTree>
+      <p:nvGrpSpPr>
+        <p:cNvPr id="1" name=""/>
+        <p:cNvGrpSpPr/>
+        <p:nvPr/>
+      </p:nvGrpSpPr>
+      <p:grpSpPr>
+        <a:xfrm>
+          <a:off x="0" y="0"/>
+          <a:ext cx="0" cy="0"/>
+          <a:chOff x="0" y="0"/>
+          <a:chExt cx="0" cy="0"/>
+        </a:xfrm>
+      </p:grpSpPr>
+      <p:sp>
+        <p:nvSpPr>
+          <p:cNvPr id="2" name="Titre 1"/>
+          <p:cNvSpPr>
+            <a:spLocks noGrp="1"/>
+          </p:cNvSpPr>
+          <p:nvPr>
+            <p:ph type="title"/>
+          </p:nvPr>
+        </p:nvSpPr>
+        <p:spPr>
+          <a:xfrm>
+            <a:off x="2031724" y="-1"/>
+            <a:ext cx="8128553" cy="954156"/>
+          </a:xfrm>
+        </p:spPr>
+        <p:txBody>
+          <a:bodyPr>
+            <a:normAutofit/>
+          </a:bodyPr>
+          <a:lstStyle/>
+          <a:p>
+            <a:r>
+              <a:rPr lang="fr-FR" b="1" dirty="0" smtClean="0"/>
+              <a:t>Collaboration </a:t>
+            </a:r>
+            <a:r>
+              <a:rPr lang="fr-FR" b="1" dirty="0" smtClean="0"/>
+              <a:t>dans un open source</a:t>
+            </a:r>
+            <a:endParaRPr lang="fr-FR" b="1" dirty="0"/>
+          </a:p>
+        </p:txBody>
+      </p:sp>
+      <p:sp>
+        <p:nvSpPr>
+          <p:cNvPr id="3" name="Espace réservé du contenu 2"/>
+          <p:cNvSpPr>
+            <a:spLocks noGrp="1"/>
+          </p:cNvSpPr>
+          <p:nvPr>
+            <p:ph idx="1"/>
+          </p:nvPr>
+        </p:nvSpPr>
+        <p:spPr>
+          <a:xfrm>
+            <a:off x="1" y="954155"/>
+            <a:ext cx="12192000" cy="5903845"/>
+          </a:xfrm>
+        </p:spPr>
+        <p:txBody>
+          <a:bodyPr>
+            <a:normAutofit/>
+          </a:bodyPr>
+          <a:lstStyle/>
+          <a:p>
+            <a:pPr marL="265113" lvl="1" indent="0">
+              <a:lnSpc>
+                <a:spcPct val="100000"/>
+              </a:lnSpc>
+              <a:buNone/>
+              <a:tabLst>
+                <a:tab pos="265113" algn="l"/>
+                <a:tab pos="1163638" algn="l"/>
+              </a:tabLst>
+            </a:pPr>
+            <a:r>
+              <a:rPr lang="fr-FR" sz="2600" dirty="0" smtClean="0"/>
+              <a:t>On veut contribué dans un open source bifurque le dépôt et ajouté </a:t>
+            </a:r>
+            <a:r>
+              <a:rPr lang="fr-FR" sz="2800" dirty="0" smtClean="0"/>
+              <a:t>une fonctionnalité ou une mis à jours n faire une requête pull(pull request) mas la question comment  gardé à jour le dépôt bifurqué avec le dépôt principale(ou on à </a:t>
+            </a:r>
+            <a:r>
+              <a:rPr lang="fr-FR" sz="2800" dirty="0"/>
+              <a:t>bifurqué </a:t>
+            </a:r>
+            <a:r>
+              <a:rPr lang="fr-FR" sz="2800" dirty="0" smtClean="0"/>
+              <a:t>) donc on à trois étapes.</a:t>
+            </a:r>
+          </a:p>
+          <a:p>
+            <a:pPr marL="1085850" lvl="1" indent="-457200">
+              <a:lnSpc>
+                <a:spcPct val="100000"/>
+              </a:lnSpc>
+              <a:tabLst>
+                <a:tab pos="628650" algn="l"/>
+                <a:tab pos="1163638" algn="l"/>
+              </a:tabLst>
+            </a:pPr>
+            <a:r>
+              <a:rPr lang="fr-FR" sz="2800" dirty="0" smtClean="0"/>
+              <a:t>Bifurqué le dépôt </a:t>
+            </a:r>
+          </a:p>
+          <a:p>
+            <a:pPr marL="1085850" lvl="1" indent="-457200">
+              <a:lnSpc>
+                <a:spcPct val="100000"/>
+              </a:lnSpc>
+              <a:tabLst>
+                <a:tab pos="628650" algn="l"/>
+                <a:tab pos="1163638" algn="l"/>
+              </a:tabLst>
+            </a:pPr>
+            <a:r>
+              <a:rPr lang="fr-FR" sz="2800" dirty="0" smtClean="0"/>
+              <a:t>Faire un changement et </a:t>
+            </a:r>
+            <a:r>
+              <a:rPr lang="fr-FR" sz="2800" dirty="0"/>
+              <a:t>faire un requête  pull(pull request</a:t>
+            </a:r>
+            <a:r>
+              <a:rPr lang="fr-FR" sz="2800" dirty="0" smtClean="0"/>
+              <a:t>)</a:t>
+            </a:r>
+          </a:p>
+          <a:p>
+            <a:pPr marL="1085850" lvl="1" indent="-457200">
+              <a:lnSpc>
+                <a:spcPct val="100000"/>
+              </a:lnSpc>
+              <a:tabLst>
+                <a:tab pos="628650" algn="l"/>
+                <a:tab pos="1163638" algn="l"/>
+              </a:tabLst>
+            </a:pPr>
+            <a:r>
+              <a:rPr lang="fr-FR" sz="2800" dirty="0" smtClean="0"/>
+              <a:t>Gardé le dépôt bifurqué à jour avec dépôt principale</a:t>
+            </a:r>
+            <a:endParaRPr lang="fr-FR" sz="2800" dirty="0"/>
+          </a:p>
+          <a:p>
+            <a:pPr marL="715963" lvl="1" indent="-530225">
+              <a:lnSpc>
+                <a:spcPct val="100000"/>
+              </a:lnSpc>
+              <a:buFont typeface="+mj-lt"/>
+              <a:buAutoNum type="arabicPeriod"/>
+              <a:tabLst>
+                <a:tab pos="622300" algn="l"/>
+                <a:tab pos="628650" algn="l"/>
+              </a:tabLst>
+            </a:pPr>
+            <a:r>
+              <a:rPr lang="fr-FR" sz="2800" b="1" dirty="0"/>
+              <a:t>Bifurqué le dépôt:</a:t>
+            </a:r>
+          </a:p>
+          <a:p>
+            <a:pPr marL="901700" lvl="1" indent="0">
+              <a:lnSpc>
+                <a:spcPct val="100000"/>
+              </a:lnSpc>
+              <a:buFont typeface="+mj-lt"/>
+              <a:buAutoNum type="alphaLcPeriod"/>
+              <a:tabLst>
+                <a:tab pos="628650" algn="l"/>
+                <a:tab pos="1163638" algn="l"/>
+              </a:tabLst>
+            </a:pPr>
+            <a:r>
+              <a:rPr lang="fr-FR" sz="2800" dirty="0" smtClean="0"/>
+              <a:t>Depuis github cherché le projet puis bifurqué.</a:t>
+            </a:r>
+          </a:p>
+          <a:p>
+            <a:pPr marL="1143000" lvl="1" indent="-241300">
+              <a:lnSpc>
+                <a:spcPct val="100000"/>
+              </a:lnSpc>
+              <a:buFont typeface="+mj-lt"/>
+              <a:buAutoNum type="alphaLcPeriod"/>
+              <a:tabLst>
+                <a:tab pos="628650" algn="l"/>
+                <a:tab pos="1163638" algn="l"/>
+              </a:tabLst>
+            </a:pPr>
+            <a:r>
+              <a:rPr lang="fr-FR" sz="2800" dirty="0" smtClean="0"/>
+              <a:t>Cloné le dépôt bifurqué puis faire les changements  avec ’’git clone «  </a:t>
+            </a:r>
+            <a:r>
+              <a:rPr lang="fr-FR" sz="2800" b="1" dirty="0" smtClean="0"/>
+              <a:t>url</a:t>
+            </a:r>
+            <a:r>
+              <a:rPr lang="fr-FR" sz="2800" dirty="0" smtClean="0"/>
+              <a:t> » </a:t>
+            </a:r>
+          </a:p>
+          <a:p>
+            <a:pPr marL="1143000" lvl="1" indent="-241300">
+              <a:lnSpc>
+                <a:spcPct val="100000"/>
+              </a:lnSpc>
+              <a:buFont typeface="+mj-lt"/>
+              <a:buAutoNum type="alphaLcPeriod"/>
+              <a:tabLst>
+                <a:tab pos="628650" algn="l"/>
+                <a:tab pos="1163638" algn="l"/>
+              </a:tabLst>
+            </a:pPr>
+            <a:r>
+              <a:rPr lang="fr-FR" sz="2800" dirty="0"/>
+              <a:t>	</a:t>
+            </a:r>
+            <a:r>
+              <a:rPr lang="fr-FR" sz="2800" dirty="0" smtClean="0"/>
+              <a:t>ajoute un autre </a:t>
+            </a:r>
+            <a:r>
+              <a:rPr lang="fr-FR" sz="2800" dirty="0" err="1" smtClean="0"/>
+              <a:t>remote</a:t>
+            </a:r>
+            <a:r>
+              <a:rPr lang="fr-FR" sz="2800" dirty="0" smtClean="0"/>
+              <a:t>  « </a:t>
+            </a:r>
+            <a:r>
+              <a:rPr lang="fr-FR" sz="2800" b="1" dirty="0" err="1" smtClean="0"/>
+              <a:t>upstream</a:t>
+            </a:r>
+            <a:r>
+              <a:rPr lang="fr-FR" sz="2800" dirty="0" smtClean="0"/>
+              <a:t> » qui pointe vers le dépôt principale</a:t>
+            </a:r>
+            <a:endParaRPr lang="fr-FR" sz="2800" dirty="0"/>
+          </a:p>
+          <a:p>
+            <a:pPr marL="628650" lvl="1" indent="0">
+              <a:lnSpc>
+                <a:spcPct val="100000"/>
+              </a:lnSpc>
+              <a:buNone/>
+              <a:tabLst>
+                <a:tab pos="628650" algn="l"/>
+                <a:tab pos="1163638" algn="l"/>
+              </a:tabLst>
+            </a:pPr>
+            <a:endParaRPr lang="fr-FR" sz="2800" dirty="0"/>
+          </a:p>
+          <a:p>
+            <a:pPr marL="628650" lvl="1" indent="0">
+              <a:lnSpc>
+                <a:spcPct val="100000"/>
+              </a:lnSpc>
+              <a:buNone/>
+              <a:tabLst>
+                <a:tab pos="628650" algn="l"/>
+                <a:tab pos="1163638" algn="l"/>
+              </a:tabLst>
+            </a:pPr>
+            <a:endParaRPr lang="fr-FR" sz="2600" dirty="0"/>
+          </a:p>
+          <a:p>
+            <a:pPr marL="514350" lvl="1" indent="-514350">
+              <a:buFont typeface="+mj-lt"/>
+              <a:buAutoNum type="arabicPeriod" startAt="4"/>
+              <a:tabLst>
+                <a:tab pos="628650" algn="l"/>
+                <a:tab pos="1163638" algn="l"/>
+              </a:tabLst>
+            </a:pPr>
+            <a:endParaRPr lang="fr-FR" sz="2800" dirty="0"/>
+          </a:p>
+        </p:txBody>
+      </p:sp>
+    </p:spTree>
+    <p:extLst>
+      <p:ext uri="{BB962C8B-B14F-4D97-AF65-F5344CB8AC3E}">
+        <p14:creationId xmlns:p14="http://schemas.microsoft.com/office/powerpoint/2010/main" val="1280823834"/>
+      </p:ext>
+    </p:extLst>
+  </p:cSld>
+  <p:clrMapOvr>
+    <a:masterClrMapping/>
+  </p:clrMapOvr>
+  <p:timing>
+    <p:tnLst>
+      <p:par>
+        <p:cTn id="1" dur="indefinite" restart="never" nodeType="tmRoot"/>
+      </p:par>
+    </p:tnLst>
+  </p:timing>
+</p:sld>
+</file>
+
+<file path=ppt/slides/slide22.xml><?xml version="1.0" encoding="utf-8"?>
+<p:sld xmlns:a="http://schemas.openxmlformats.org/drawingml/2006/main" xmlns:r="http://schemas.openxmlformats.org/officeDocument/2006/relationships" xmlns:p="http://schemas.openxmlformats.org/presentationml/2006/main">
+  <p:cSld>
+    <p:spTree>
+      <p:nvGrpSpPr>
+        <p:cNvPr id="1" name=""/>
+        <p:cNvGrpSpPr/>
+        <p:nvPr/>
+      </p:nvGrpSpPr>
+      <p:grpSpPr>
+        <a:xfrm>
+          <a:off x="0" y="0"/>
+          <a:ext cx="0" cy="0"/>
+          <a:chOff x="0" y="0"/>
+          <a:chExt cx="0" cy="0"/>
+        </a:xfrm>
+      </p:grpSpPr>
+      <p:sp>
+        <p:nvSpPr>
+          <p:cNvPr id="2" name="Titre 1"/>
+          <p:cNvSpPr>
+            <a:spLocks noGrp="1"/>
+          </p:cNvSpPr>
+          <p:nvPr>
+            <p:ph type="title"/>
+          </p:nvPr>
+        </p:nvSpPr>
+        <p:spPr>
+          <a:xfrm>
+            <a:off x="2104611" y="13252"/>
+            <a:ext cx="7982779" cy="954156"/>
+          </a:xfrm>
+        </p:spPr>
+        <p:txBody>
+          <a:bodyPr>
+            <a:normAutofit/>
+          </a:bodyPr>
+          <a:lstStyle/>
+          <a:p>
+            <a:r>
+              <a:rPr lang="fr-FR" b="1" dirty="0"/>
+              <a:t>Collaboration dans un open source</a:t>
+            </a:r>
+            <a:endParaRPr lang="fr-FR" b="1" dirty="0"/>
+          </a:p>
+        </p:txBody>
+      </p:sp>
+      <p:sp>
+        <p:nvSpPr>
+          <p:cNvPr id="3" name="Espace réservé du contenu 2"/>
+          <p:cNvSpPr>
+            <a:spLocks noGrp="1"/>
+          </p:cNvSpPr>
+          <p:nvPr>
+            <p:ph idx="1"/>
+          </p:nvPr>
+        </p:nvSpPr>
+        <p:spPr>
+          <a:xfrm>
+            <a:off x="1" y="954155"/>
+            <a:ext cx="12192000" cy="5903845"/>
+          </a:xfrm>
+        </p:spPr>
+        <p:txBody>
+          <a:bodyPr>
+            <a:normAutofit/>
+          </a:bodyPr>
+          <a:lstStyle/>
+          <a:p>
+            <a:pPr marL="628650" lvl="1" indent="0">
+              <a:lnSpc>
+                <a:spcPct val="100000"/>
+              </a:lnSpc>
+              <a:buNone/>
+              <a:tabLst>
+                <a:tab pos="628650" algn="l"/>
+                <a:tab pos="1163638" algn="l"/>
+              </a:tabLst>
+            </a:pPr>
+            <a:endParaRPr lang="fr-FR" sz="2800" dirty="0"/>
+          </a:p>
+          <a:p>
+            <a:pPr marL="628650" lvl="1" indent="0">
+              <a:lnSpc>
+                <a:spcPct val="100000"/>
+              </a:lnSpc>
+              <a:buNone/>
+              <a:tabLst>
+                <a:tab pos="628650" algn="l"/>
+                <a:tab pos="1163638" algn="l"/>
+              </a:tabLst>
+            </a:pPr>
+            <a:endParaRPr lang="fr-FR" sz="2600" dirty="0"/>
+          </a:p>
+          <a:p>
+            <a:pPr marL="700088" lvl="1" indent="-514350">
+              <a:lnSpc>
+                <a:spcPct val="100000"/>
+              </a:lnSpc>
+              <a:buFont typeface="+mj-lt"/>
+              <a:buAutoNum type="alphaLcPeriod"/>
+              <a:tabLst>
+                <a:tab pos="628650" algn="l"/>
+                <a:tab pos="1163638" algn="l"/>
+              </a:tabLst>
+            </a:pPr>
+            <a:endParaRPr lang="fr-FR" sz="2800" dirty="0"/>
+          </a:p>
+        </p:txBody>
+      </p:sp>
+      <p:sp>
+        <p:nvSpPr>
+          <p:cNvPr id="4" name="Rectangle 3"/>
+          <p:cNvSpPr/>
+          <p:nvPr/>
+        </p:nvSpPr>
+        <p:spPr>
+          <a:xfrm>
+            <a:off x="0" y="1093543"/>
+            <a:ext cx="12192000" cy="6588983"/>
+          </a:xfrm>
+          <a:prstGeom prst="rect">
+            <a:avLst/>
+          </a:prstGeom>
+        </p:spPr>
+        <p:txBody>
+          <a:bodyPr wrap="square">
+            <a:spAutoFit/>
+          </a:bodyPr>
+          <a:lstStyle/>
+          <a:p>
+            <a:pPr marL="715963" lvl="1" indent="-530225">
+              <a:spcBef>
+                <a:spcPts val="500"/>
+              </a:spcBef>
+              <a:buFont typeface="+mj-lt"/>
+              <a:buAutoNum type="arabicPeriod" startAt="2"/>
+              <a:tabLst>
+                <a:tab pos="622300" algn="l"/>
+                <a:tab pos="628650" algn="l"/>
+              </a:tabLst>
+            </a:pPr>
+            <a:r>
+              <a:rPr lang="fr-FR" sz="2800" b="1" dirty="0"/>
+              <a:t>Faire un changement et faire un requête  pull(pull request</a:t>
+            </a:r>
+            <a:r>
+              <a:rPr lang="fr-FR" sz="2800" b="1" dirty="0"/>
+              <a:t>):</a:t>
+            </a:r>
+          </a:p>
+          <a:p>
+            <a:pPr marL="185738" lvl="1">
+              <a:lnSpc>
+                <a:spcPct val="100000"/>
+              </a:lnSpc>
+              <a:tabLst>
+                <a:tab pos="628650" algn="l"/>
+                <a:tab pos="1163638" algn="l"/>
+              </a:tabLst>
+            </a:pPr>
+            <a:r>
+              <a:rPr lang="fr-FR" sz="2800" dirty="0" smtClean="0"/>
+              <a:t>master de dépôt bifurqué et le miroir du master du dépôt principale</a:t>
+            </a:r>
+          </a:p>
+          <a:p>
+            <a:pPr marL="700088" lvl="1" indent="-514350">
+              <a:lnSpc>
+                <a:spcPct val="100000"/>
+              </a:lnSpc>
+              <a:buFont typeface="+mj-lt"/>
+              <a:buAutoNum type="alphaLcPeriod"/>
+              <a:tabLst>
+                <a:tab pos="628650" algn="l"/>
+                <a:tab pos="1163638" algn="l"/>
+              </a:tabLst>
+            </a:pPr>
+            <a:r>
+              <a:rPr lang="fr-FR" sz="2800" dirty="0" smtClean="0"/>
+              <a:t>Créer une nouvelle  branche (git branch  </a:t>
+            </a:r>
+            <a:r>
+              <a:rPr lang="fr-FR" sz="2800" dirty="0"/>
+              <a:t>« newFeature </a:t>
+            </a:r>
+            <a:r>
+              <a:rPr lang="fr-FR" sz="2800" dirty="0" smtClean="0"/>
+              <a:t>») </a:t>
+            </a:r>
+          </a:p>
+          <a:p>
+            <a:pPr marL="700088" lvl="1" indent="-514350">
+              <a:lnSpc>
+                <a:spcPct val="100000"/>
+              </a:lnSpc>
+              <a:buFont typeface="+mj-lt"/>
+              <a:buAutoNum type="alphaLcPeriod"/>
+              <a:tabLst>
+                <a:tab pos="628650" algn="l"/>
+                <a:tab pos="1163638" algn="l"/>
+              </a:tabLst>
+            </a:pPr>
+            <a:r>
+              <a:rPr lang="fr-FR" sz="2800" dirty="0" smtClean="0"/>
+              <a:t>Ajouté notre nouvelle fonctionnalité.</a:t>
+            </a:r>
+          </a:p>
+          <a:p>
+            <a:pPr marL="700088" lvl="1" indent="-514350">
+              <a:buFont typeface="+mj-lt"/>
+              <a:buAutoNum type="alphaLcPeriod"/>
+              <a:tabLst>
+                <a:tab pos="628650" algn="l"/>
+                <a:tab pos="1163638" algn="l"/>
+              </a:tabLst>
+            </a:pPr>
+            <a:r>
+              <a:rPr lang="fr-FR" sz="2800" dirty="0"/>
+              <a:t>Commit et pusher </a:t>
+            </a:r>
+            <a:r>
+              <a:rPr lang="fr-FR" sz="2800" dirty="0" smtClean="0"/>
+              <a:t>vers </a:t>
+            </a:r>
+            <a:r>
+              <a:rPr lang="fr-FR" sz="2800" dirty="0"/>
+              <a:t>le dépôt bifurqué (dans la </a:t>
+            </a:r>
+            <a:r>
+              <a:rPr lang="fr-FR" sz="2800" dirty="0" smtClean="0"/>
+              <a:t>branche </a:t>
+            </a:r>
+            <a:r>
+              <a:rPr lang="fr-FR" sz="2800" dirty="0"/>
+              <a:t>« newFeature </a:t>
+            </a:r>
+            <a:r>
+              <a:rPr lang="fr-FR" sz="2800" dirty="0" smtClean="0"/>
+              <a:t>»)</a:t>
+            </a:r>
+          </a:p>
+          <a:p>
+            <a:pPr marL="700088" lvl="1" indent="-514350">
+              <a:buFont typeface="+mj-lt"/>
+              <a:buAutoNum type="alphaLcPeriod"/>
+              <a:tabLst>
+                <a:tab pos="628650" algn="l"/>
+                <a:tab pos="1163638" algn="l"/>
+              </a:tabLst>
+            </a:pPr>
+            <a:r>
+              <a:rPr lang="fr-FR" sz="2800" dirty="0" smtClean="0"/>
+              <a:t>Dans github apparait un bouton « </a:t>
+            </a:r>
+            <a:r>
+              <a:rPr lang="fr-FR" sz="2800" b="1" dirty="0" smtClean="0"/>
+              <a:t>	</a:t>
+            </a:r>
+            <a:r>
+              <a:rPr lang="fr-FR" sz="2800" dirty="0" smtClean="0"/>
+              <a:t> »</a:t>
+            </a:r>
+          </a:p>
+          <a:p>
+            <a:pPr marL="700088" lvl="1" indent="-514350">
+              <a:buFont typeface="+mj-lt"/>
+              <a:buAutoNum type="alphaLcPeriod"/>
+              <a:tabLst>
+                <a:tab pos="628650" algn="l"/>
+                <a:tab pos="1163638" algn="l"/>
+              </a:tabLst>
+            </a:pPr>
+            <a:r>
+              <a:rPr lang="fr-FR" sz="2800" dirty="0" smtClean="0"/>
+              <a:t>Une foie accepté par le propriétaire du dépôt on voit quelle(PR</a:t>
+            </a:r>
+            <a:r>
+              <a:rPr lang="fr-FR" sz="2800" dirty="0"/>
+              <a:t>) </a:t>
+            </a:r>
+            <a:r>
+              <a:rPr lang="fr-FR" sz="2800" dirty="0" smtClean="0"/>
+              <a:t> à changé de statut à accepté et fermé.</a:t>
+            </a:r>
+          </a:p>
+          <a:p>
+            <a:pPr marL="700088" lvl="1" indent="-514350">
+              <a:spcBef>
+                <a:spcPts val="500"/>
+              </a:spcBef>
+              <a:buFont typeface="+mj-lt"/>
+              <a:buAutoNum type="arabicPeriod" startAt="3"/>
+              <a:tabLst>
+                <a:tab pos="622300" algn="l"/>
+                <a:tab pos="628650" algn="l"/>
+              </a:tabLst>
+            </a:pPr>
+            <a:r>
+              <a:rPr lang="fr-FR" sz="2800" b="1" dirty="0"/>
+              <a:t>Mettre </a:t>
+            </a:r>
+            <a:r>
+              <a:rPr lang="fr-FR" sz="2800" b="1" dirty="0"/>
+              <a:t>à jour le dépôt bifurqué en locale:</a:t>
+            </a:r>
+          </a:p>
+          <a:p>
+            <a:pPr marL="715963" indent="-450850">
+              <a:buFont typeface="+mj-lt"/>
+              <a:buAutoNum type="alphaLcPeriod"/>
+              <a:tabLst>
+                <a:tab pos="185738" algn="l"/>
+              </a:tabLst>
+            </a:pPr>
+            <a:r>
+              <a:rPr lang="fr-FR" sz="2800" dirty="0"/>
+              <a:t>Ajouté </a:t>
+            </a:r>
+            <a:r>
+              <a:rPr lang="fr-FR" sz="2800" dirty="0"/>
+              <a:t>un autre remonte à notre dépôt locale qui va pointé vers le dépôt d’origine(la on à bifurqué)	</a:t>
+            </a:r>
+          </a:p>
+          <a:p>
+            <a:pPr marL="820738" lvl="1" indent="-192088">
+              <a:lnSpc>
+                <a:spcPct val="90000"/>
+              </a:lnSpc>
+              <a:spcBef>
+                <a:spcPts val="500"/>
+              </a:spcBef>
+              <a:buFont typeface="Arial" panose="020B0604020202020204" pitchFamily="34" charset="0"/>
+              <a:buChar char="•"/>
+              <a:tabLst>
+                <a:tab pos="628650" algn="l"/>
+                <a:tab pos="1163638" algn="l"/>
+              </a:tabLst>
+            </a:pPr>
+            <a:r>
+              <a:rPr lang="fr-FR" sz="2600" b="1" i="1" dirty="0"/>
+              <a:t>git </a:t>
+            </a:r>
+            <a:r>
+              <a:rPr lang="fr-FR" sz="2600" b="1" i="1" dirty="0" err="1"/>
+              <a:t>add</a:t>
+            </a:r>
+            <a:r>
+              <a:rPr lang="fr-FR" sz="2600" b="1" i="1" dirty="0"/>
+              <a:t> upstrem « url de repo d’</a:t>
+            </a:r>
+            <a:r>
+              <a:rPr lang="fr-FR" sz="2600" b="1" i="1" dirty="0" err="1"/>
+              <a:t>origin</a:t>
+            </a:r>
+            <a:r>
+              <a:rPr lang="fr-FR" sz="2600" b="1" i="1" dirty="0"/>
+              <a:t> ou on à </a:t>
+            </a:r>
+            <a:r>
+              <a:rPr lang="fr-FR" sz="2600" b="1" i="1" dirty="0" err="1"/>
+              <a:t>forker</a:t>
+            </a:r>
+            <a:r>
+              <a:rPr lang="fr-FR" sz="2600" b="1" i="1" dirty="0"/>
+              <a:t> »</a:t>
+            </a:r>
+          </a:p>
+          <a:p>
+            <a:pPr marL="700088" lvl="1" indent="-514350">
+              <a:buFont typeface="+mj-lt"/>
+              <a:buAutoNum type="alphaLcPeriod"/>
+              <a:tabLst>
+                <a:tab pos="628650" algn="l"/>
+                <a:tab pos="1163638" algn="l"/>
+              </a:tabLst>
+            </a:pPr>
+            <a:endParaRPr lang="fr-FR" sz="2800" dirty="0"/>
+          </a:p>
+          <a:p>
+            <a:pPr marL="700088" lvl="1" indent="-514350">
+              <a:lnSpc>
+                <a:spcPct val="100000"/>
+              </a:lnSpc>
+              <a:buFont typeface="+mj-lt"/>
+              <a:buAutoNum type="alphaLcPeriod"/>
+              <a:tabLst>
+                <a:tab pos="628650" algn="l"/>
+                <a:tab pos="1163638" algn="l"/>
+              </a:tabLst>
+            </a:pPr>
+            <a:endParaRPr lang="fr-FR" sz="2800" dirty="0"/>
+          </a:p>
+          <a:p>
+            <a:pPr marL="185738" lvl="1">
+              <a:lnSpc>
+                <a:spcPct val="100000"/>
+              </a:lnSpc>
+              <a:tabLst>
+                <a:tab pos="628650" algn="l"/>
+                <a:tab pos="1163638" algn="l"/>
+              </a:tabLst>
+            </a:pPr>
+            <a:endParaRPr lang="fr-FR" sz="2800" dirty="0"/>
+          </a:p>
+        </p:txBody>
+      </p:sp>
+    </p:spTree>
+    <p:extLst>
+      <p:ext uri="{BB962C8B-B14F-4D97-AF65-F5344CB8AC3E}">
+        <p14:creationId xmlns:p14="http://schemas.microsoft.com/office/powerpoint/2010/main" val="1396076491"/>
+      </p:ext>
+    </p:extLst>
+  </p:cSld>
+  <p:clrMapOvr>
+    <a:masterClrMapping/>
+  </p:clrMapOvr>
+  <p:timing>
+    <p:tnLst>
+      <p:par>
+        <p:cTn id="1" dur="indefinite" restart="never" nodeType="tmRoot"/>
+      </p:par>
+    </p:tnLst>
+  </p:timing>
+</p:sld>
+</file>
+
+<file path=ppt/slides/slide23.xml><?xml version="1.0" encoding="utf-8"?>
+<p:sld xmlns:a="http://schemas.openxmlformats.org/drawingml/2006/main" xmlns:r="http://schemas.openxmlformats.org/officeDocument/2006/relationships" xmlns:p="http://schemas.openxmlformats.org/presentationml/2006/main">
+  <p:cSld>
+    <p:spTree>
+      <p:nvGrpSpPr>
+        <p:cNvPr id="1" name=""/>
+        <p:cNvGrpSpPr/>
+        <p:nvPr/>
+      </p:nvGrpSpPr>
+      <p:grpSpPr>
+        <a:xfrm>
+          <a:off x="0" y="0"/>
+          <a:ext cx="0" cy="0"/>
+          <a:chOff x="0" y="0"/>
+          <a:chExt cx="0" cy="0"/>
+        </a:xfrm>
+      </p:grpSpPr>
+      <p:sp>
+        <p:nvSpPr>
+          <p:cNvPr id="2" name="Titre 1"/>
+          <p:cNvSpPr>
+            <a:spLocks noGrp="1"/>
+          </p:cNvSpPr>
+          <p:nvPr>
+            <p:ph type="title"/>
+          </p:nvPr>
+        </p:nvSpPr>
+        <p:spPr>
+          <a:xfrm>
+            <a:off x="1161221" y="-1"/>
+            <a:ext cx="7890014" cy="954156"/>
+          </a:xfrm>
+        </p:spPr>
+        <p:txBody>
+          <a:bodyPr>
+            <a:normAutofit/>
+          </a:bodyPr>
+          <a:lstStyle/>
+          <a:p>
+            <a:r>
+              <a:rPr lang="fr-FR" b="1" dirty="0"/>
+              <a:t>Collaboration dans un open source</a:t>
+            </a:r>
+            <a:endParaRPr lang="fr-FR" b="1" dirty="0"/>
+          </a:p>
+        </p:txBody>
+      </p:sp>
+      <p:sp>
+        <p:nvSpPr>
+          <p:cNvPr id="3" name="Espace réservé du contenu 2"/>
+          <p:cNvSpPr>
+            <a:spLocks noGrp="1"/>
+          </p:cNvSpPr>
+          <p:nvPr>
+            <p:ph idx="1"/>
+          </p:nvPr>
+        </p:nvSpPr>
+        <p:spPr>
+          <a:xfrm>
+            <a:off x="1" y="954155"/>
+            <a:ext cx="12192000" cy="5903845"/>
+          </a:xfrm>
+        </p:spPr>
+        <p:txBody>
+          <a:bodyPr>
+            <a:normAutofit/>
+          </a:bodyPr>
+          <a:lstStyle/>
+          <a:p>
+            <a:pPr marL="514350" indent="-514350">
+              <a:buFont typeface="+mj-lt"/>
+              <a:buAutoNum type="alphaLcPeriod" startAt="2"/>
+            </a:pPr>
+            <a:r>
+              <a:rPr lang="fr-FR" dirty="0" smtClean="0"/>
+              <a:t>Récupéré depuis le dépôt distant  les branches et leurs commis dans le dépôt locale avec la commande </a:t>
+            </a:r>
+            <a:r>
+              <a:rPr lang="fr-FR" b="1" dirty="0" smtClean="0"/>
+              <a:t>fetch</a:t>
+            </a:r>
+            <a:r>
+              <a:rPr lang="fr-FR" dirty="0" smtClean="0"/>
+              <a:t>.</a:t>
+            </a:r>
+          </a:p>
+          <a:p>
+            <a:pPr marL="820738" lvl="1" indent="-192088">
+              <a:tabLst>
+                <a:tab pos="628650" algn="l"/>
+                <a:tab pos="1163638" algn="l"/>
+              </a:tabLst>
+            </a:pPr>
+            <a:r>
+              <a:rPr lang="fr-FR" sz="2600" b="1" i="1" dirty="0" smtClean="0"/>
+              <a:t>git </a:t>
+            </a:r>
+            <a:r>
+              <a:rPr lang="fr-FR" sz="2600" b="1" i="1" dirty="0"/>
+              <a:t>fetch </a:t>
+            </a:r>
+            <a:r>
+              <a:rPr lang="fr-FR" sz="2600" b="1" i="1" dirty="0" err="1" smtClean="0"/>
+              <a:t>upstream</a:t>
+            </a:r>
+            <a:endParaRPr lang="fr-FR" sz="2600" b="1" i="1" dirty="0" smtClean="0"/>
+          </a:p>
+          <a:p>
+            <a:pPr marL="514350" indent="-514350">
+              <a:buFont typeface="+mj-lt"/>
+              <a:buAutoNum type="alphaLcPeriod" startAt="2"/>
+            </a:pPr>
+            <a:r>
+              <a:rPr lang="fr-FR" dirty="0"/>
+              <a:t>Cacher </a:t>
+            </a:r>
+            <a:r>
+              <a:rPr lang="fr-FR" dirty="0"/>
+              <a:t>les changements </a:t>
+            </a:r>
+            <a:r>
+              <a:rPr lang="fr-FR" dirty="0"/>
+              <a:t> et </a:t>
+            </a:r>
+            <a:r>
+              <a:rPr lang="fr-FR" dirty="0" err="1"/>
+              <a:t>merger</a:t>
+            </a:r>
+            <a:r>
+              <a:rPr lang="fr-FR" dirty="0"/>
+              <a:t> les changement vers note dépôt </a:t>
+            </a:r>
+            <a:r>
+              <a:rPr lang="fr-FR" dirty="0" smtClean="0"/>
+              <a:t>locale</a:t>
+            </a:r>
+            <a:endParaRPr lang="fr-FR" dirty="0"/>
+          </a:p>
+          <a:p>
+            <a:pPr marL="820738" lvl="1" indent="-192088">
+              <a:lnSpc>
+                <a:spcPct val="100000"/>
+              </a:lnSpc>
+              <a:tabLst>
+                <a:tab pos="628650" algn="l"/>
+                <a:tab pos="1163638" algn="l"/>
+              </a:tabLst>
+            </a:pPr>
+            <a:r>
+              <a:rPr lang="fr-FR" sz="2600" b="1" i="1" dirty="0"/>
+              <a:t>g</a:t>
+            </a:r>
+            <a:r>
+              <a:rPr lang="fr-FR" sz="2600" b="1" i="1" dirty="0"/>
+              <a:t>it </a:t>
+            </a:r>
+            <a:r>
+              <a:rPr lang="fr-FR" sz="2600" b="1" i="1" dirty="0" err="1"/>
+              <a:t>stash</a:t>
+            </a:r>
+            <a:r>
+              <a:rPr lang="fr-FR" sz="2600" b="1" i="1" dirty="0"/>
+              <a:t>, git </a:t>
+            </a:r>
+            <a:r>
+              <a:rPr lang="fr-FR" sz="2600" b="1" i="1" dirty="0" err="1"/>
+              <a:t>merge</a:t>
+            </a:r>
+            <a:r>
+              <a:rPr lang="fr-FR" sz="2600" b="1" i="1" dirty="0"/>
+              <a:t> </a:t>
+            </a:r>
+            <a:r>
+              <a:rPr lang="fr-FR" sz="2600" b="1" i="1" dirty="0" err="1"/>
+              <a:t>upstream</a:t>
+            </a:r>
+            <a:r>
+              <a:rPr lang="fr-FR" sz="2600" b="1" i="1" dirty="0"/>
+              <a:t>/master </a:t>
+            </a:r>
+          </a:p>
+          <a:p>
+            <a:pPr marL="628650" lvl="1" indent="0">
+              <a:buNone/>
+              <a:tabLst>
+                <a:tab pos="628650" algn="l"/>
+                <a:tab pos="1163638" algn="l"/>
+              </a:tabLst>
+            </a:pPr>
+            <a:r>
+              <a:rPr lang="fr-FR" sz="2800" dirty="0" smtClean="0"/>
+              <a:t>Ou bien </a:t>
+            </a:r>
+          </a:p>
+          <a:p>
+            <a:pPr marL="820738" lvl="1" indent="-192088">
+              <a:lnSpc>
+                <a:spcPct val="100000"/>
+              </a:lnSpc>
+              <a:tabLst>
+                <a:tab pos="628650" algn="l"/>
+                <a:tab pos="1163638" algn="l"/>
+              </a:tabLst>
+            </a:pPr>
+            <a:r>
+              <a:rPr lang="fr-FR" sz="2600" b="1" i="1" dirty="0" smtClean="0"/>
+              <a:t>git </a:t>
+            </a:r>
+            <a:r>
+              <a:rPr lang="fr-FR" sz="2600" b="1" i="1" dirty="0" err="1" smtClean="0"/>
+              <a:t>rebase</a:t>
+            </a:r>
+            <a:r>
+              <a:rPr lang="fr-FR" sz="2600" b="1" i="1" dirty="0" smtClean="0"/>
+              <a:t> </a:t>
+            </a:r>
+            <a:r>
+              <a:rPr lang="fr-FR" sz="2600" b="1" i="1" dirty="0" err="1" smtClean="0"/>
+              <a:t>upstream</a:t>
+            </a:r>
+            <a:r>
+              <a:rPr lang="fr-FR" sz="2600" b="1" i="1" dirty="0" smtClean="0"/>
+              <a:t>/master</a:t>
+            </a:r>
+          </a:p>
+          <a:p>
+            <a:pPr marL="514350" lvl="1" indent="-514350">
+              <a:buFont typeface="+mj-lt"/>
+              <a:buAutoNum type="alphaLcPeriod" startAt="4"/>
+              <a:tabLst>
+                <a:tab pos="628650" algn="l"/>
+                <a:tab pos="1163638" algn="l"/>
+              </a:tabLst>
+            </a:pPr>
+            <a:r>
+              <a:rPr lang="fr-FR" sz="2800" dirty="0" smtClean="0"/>
+              <a:t>Commiter </a:t>
+            </a:r>
+            <a:r>
+              <a:rPr lang="fr-FR" sz="2800" dirty="0"/>
+              <a:t>les </a:t>
+            </a:r>
+            <a:r>
+              <a:rPr lang="fr-FR" sz="2800" dirty="0" smtClean="0"/>
+              <a:t>changements et pusher les changement vers le dépôt bifurqué</a:t>
+            </a:r>
+          </a:p>
+          <a:p>
+            <a:pPr marL="820738" lvl="1" indent="-192088">
+              <a:lnSpc>
+                <a:spcPct val="100000"/>
+              </a:lnSpc>
+              <a:tabLst>
+                <a:tab pos="628650" algn="l"/>
+                <a:tab pos="1163638" algn="l"/>
+              </a:tabLst>
+            </a:pPr>
+            <a:r>
+              <a:rPr lang="fr-FR" sz="2600" b="1" i="1" dirty="0"/>
+              <a:t>git commit –</a:t>
+            </a:r>
+            <a:r>
+              <a:rPr lang="fr-FR" sz="2600" b="1" i="1" dirty="0" err="1"/>
+              <a:t>am</a:t>
+            </a:r>
+            <a:r>
+              <a:rPr lang="fr-FR" sz="2600" b="1" i="1" dirty="0"/>
+              <a:t> ‘’</a:t>
+            </a:r>
+            <a:r>
+              <a:rPr lang="fr-FR" sz="2600" b="1" i="1" dirty="0" err="1"/>
+              <a:t>mergé</a:t>
+            </a:r>
+            <a:r>
+              <a:rPr lang="fr-FR" sz="2600" b="1" i="1" dirty="0"/>
+              <a:t> depuis </a:t>
+            </a:r>
+            <a:r>
+              <a:rPr lang="fr-FR" sz="2600" b="1" i="1" dirty="0" err="1"/>
+              <a:t>upstream</a:t>
+            </a:r>
+            <a:r>
+              <a:rPr lang="fr-FR" sz="2600" b="1" i="1" dirty="0" smtClean="0"/>
+              <a:t>’’, git push </a:t>
+            </a:r>
+            <a:r>
+              <a:rPr lang="fr-FR" sz="2600" b="1" i="1" dirty="0" err="1" smtClean="0"/>
+              <a:t>origin</a:t>
+            </a:r>
+            <a:r>
+              <a:rPr lang="fr-FR" sz="2600" b="1" i="1" dirty="0" smtClean="0"/>
+              <a:t> master</a:t>
+            </a:r>
+          </a:p>
+          <a:p>
+            <a:pPr marL="514350" lvl="1" indent="-514350">
+              <a:lnSpc>
+                <a:spcPct val="100000"/>
+              </a:lnSpc>
+              <a:buFont typeface="+mj-lt"/>
+              <a:buAutoNum type="alphaLcPeriod" startAt="5"/>
+              <a:tabLst>
+                <a:tab pos="628650" algn="l"/>
+                <a:tab pos="1163638" algn="l"/>
+              </a:tabLst>
+            </a:pPr>
+            <a:r>
+              <a:rPr lang="fr-FR" sz="2800" dirty="0" smtClean="0"/>
+              <a:t>Récupéré </a:t>
+            </a:r>
+            <a:r>
+              <a:rPr lang="fr-FR" sz="2800" dirty="0"/>
+              <a:t>les changement cachés</a:t>
+            </a:r>
+          </a:p>
+          <a:p>
+            <a:pPr marL="820738" lvl="1" indent="-192088">
+              <a:lnSpc>
+                <a:spcPct val="100000"/>
+              </a:lnSpc>
+              <a:tabLst>
+                <a:tab pos="628650" algn="l"/>
+                <a:tab pos="1163638" algn="l"/>
+              </a:tabLst>
+            </a:pPr>
+            <a:r>
+              <a:rPr lang="fr-FR" sz="2600" b="1" i="1" dirty="0" smtClean="0"/>
+              <a:t>git pop</a:t>
+            </a:r>
+          </a:p>
+          <a:p>
+            <a:pPr marL="820738" lvl="1" indent="-192088">
+              <a:lnSpc>
+                <a:spcPct val="100000"/>
+              </a:lnSpc>
+              <a:tabLst>
+                <a:tab pos="628650" algn="l"/>
+                <a:tab pos="1163638" algn="l"/>
+              </a:tabLst>
+            </a:pPr>
+            <a:endParaRPr lang="fr-FR" sz="2600" b="1" i="1" dirty="0"/>
+          </a:p>
+          <a:p>
+            <a:pPr marL="514350" lvl="1" indent="-514350">
+              <a:buFont typeface="+mj-lt"/>
+              <a:buAutoNum type="arabicPeriod" startAt="4"/>
+              <a:tabLst>
+                <a:tab pos="628650" algn="l"/>
+                <a:tab pos="1163638" algn="l"/>
+              </a:tabLst>
+            </a:pPr>
+            <a:endParaRPr lang="fr-FR" sz="2800" dirty="0"/>
+          </a:p>
+        </p:txBody>
+      </p:sp>
+    </p:spTree>
+    <p:extLst>
+      <p:ext uri="{BB962C8B-B14F-4D97-AF65-F5344CB8AC3E}">
+        <p14:creationId xmlns:p14="http://schemas.microsoft.com/office/powerpoint/2010/main" val="3076655882"/>
+      </p:ext>
+    </p:extLst>
+  </p:cSld>
+  <p:clrMapOvr>
+    <a:masterClrMapping/>
+  </p:clrMapOvr>
+  <p:timing>
+    <p:tnLst>
+      <p:par>
+        <p:cTn id="1" dur="indefinite" restart="never" nodeType="tmRoot"/>
+      </p:par>
+    </p:tnLst>
+  </p:timing>
+</p:sld>
+</file>
+
+<file path=ppt/slides/slide24.xml><?xml version="1.0" encoding="utf-8"?>
 <p:sld xmlns:a="http://schemas.openxmlformats.org/drawingml/2006/main" xmlns:r="http://schemas.openxmlformats.org/officeDocument/2006/relationships" xmlns:p="http://schemas.openxmlformats.org/presentationml/2006/main">
   <p:cSld>
     <p:spTree>
@@ -11004,15 +12554,7 @@
             </a:r>
             <a:r>
               <a:rPr lang="fr-FR" dirty="0" smtClean="0"/>
-              <a:t>transit/d’index (</a:t>
-            </a:r>
-            <a:r>
-              <a:rPr lang="fr-FR" dirty="0" err="1" smtClean="0"/>
-              <a:t>stagged</a:t>
-            </a:r>
-            <a:r>
-              <a:rPr lang="fr-FR" dirty="0" smtClean="0"/>
-              <a:t> area )</a:t>
+              <a:t>transit/d’index (stagged area )</a:t>
             </a:r>
           </a:p>
           <a:p>
@@ -11395,12 +12937,360 @@
             <p:ph idx="1"/>
           </p:nvPr>
         </p:nvSpPr>
-        <p:spPr/>
-        <p:txBody>
-          <a:bodyPr/>
+        <p:spPr>
+          <a:xfrm>
+            <a:off x="0" y="1061486"/>
+            <a:ext cx="12192000" cy="6061557"/>
+          </a:xfrm>
+        </p:spPr>
+        <p:txBody>
+          <a:bodyPr>
+            <a:normAutofit lnSpcReduction="10000"/>
+          </a:bodyPr>
           <a:lstStyle/>
           <a:p>
-            <a:endParaRPr lang="fr-FR"/>
+            <a:pPr marL="514350" indent="-514350">
+              <a:buFont typeface="+mj-lt"/>
+              <a:buAutoNum type="arabicPeriod"/>
+            </a:pPr>
+            <a:r>
+              <a:rPr lang="fr-FR" dirty="0" smtClean="0"/>
+              <a:t>Git utilise SSH pour communiqué avec dépôt distant </a:t>
+            </a:r>
+          </a:p>
+          <a:p>
+            <a:pPr marL="514350" lvl="0" indent="-514350">
+              <a:buFont typeface="+mj-lt"/>
+              <a:buAutoNum type="arabicPeriod"/>
+            </a:pPr>
+            <a:r>
+              <a:rPr lang="fr-FR" dirty="0"/>
+              <a:t>Vérifié si les </a:t>
+            </a:r>
+            <a:r>
+              <a:rPr lang="fr-FR" dirty="0" smtClean="0"/>
+              <a:t>Clés SSH(public et privé) existantes dans le PC</a:t>
+            </a:r>
+            <a:endParaRPr lang="fr-FR" dirty="0"/>
+          </a:p>
+          <a:p>
+            <a:pPr marL="622300" lvl="0" indent="314325" fontAlgn="base">
+              <a:tabLst>
+                <a:tab pos="622300" algn="l"/>
+              </a:tabLst>
+            </a:pPr>
+            <a:r>
+              <a:rPr lang="fr-FR" b="1" i="1" dirty="0" err="1"/>
+              <a:t>ls</a:t>
+            </a:r>
+            <a:r>
+              <a:rPr lang="fr-FR" b="1" i="1" dirty="0"/>
+              <a:t> -al ~/.</a:t>
+            </a:r>
+            <a:r>
+              <a:rPr lang="fr-FR" b="1" i="1" dirty="0" err="1"/>
+              <a:t>ssh</a:t>
+            </a:r>
+            <a:endParaRPr lang="fr-FR" b="1" i="1" dirty="0"/>
+          </a:p>
+          <a:p>
+            <a:pPr marL="514350" indent="-514350">
+              <a:buFont typeface="+mj-lt"/>
+              <a:buAutoNum type="arabicPeriod"/>
+            </a:pPr>
+            <a:r>
+              <a:rPr lang="fr-FR" dirty="0"/>
+              <a:t>Savoir quelle clé public </a:t>
+            </a:r>
+            <a:r>
+              <a:rPr lang="fr-FR" dirty="0" smtClean="0"/>
+              <a:t>utilise on exécute une des commandes</a:t>
+            </a:r>
+          </a:p>
+          <a:p>
+            <a:pPr marL="901700" indent="-279400" fontAlgn="base">
+              <a:tabLst>
+                <a:tab pos="622300" algn="l"/>
+              </a:tabLst>
+            </a:pPr>
+            <a:r>
+              <a:rPr lang="en-US" b="1" i="1" dirty="0" err="1"/>
+              <a:t>ssh</a:t>
+            </a:r>
+            <a:r>
+              <a:rPr lang="en-US" b="1" i="1" dirty="0"/>
+              <a:t> -v </a:t>
+            </a:r>
+            <a:r>
+              <a:rPr lang="en-US" b="1" i="1" dirty="0" smtClean="0">
+                <a:hlinkClick r:id="rId2"/>
+              </a:rPr>
+              <a:t>git@github.com</a:t>
+            </a:r>
+            <a:r>
+              <a:rPr lang="en-US" b="1" i="1" dirty="0" smtClean="0"/>
+              <a:t>,</a:t>
+            </a:r>
+            <a:r>
+              <a:rPr lang="en-US" altLang="fr-FR" dirty="0">
+                <a:latin typeface="var(--ff-mono)"/>
+                <a:ea typeface="Calibri" panose="020F0502020204030204" pitchFamily="34" charset="0"/>
+                <a:cs typeface="Courier New" panose="02070309020205020404" pitchFamily="49" charset="0"/>
+              </a:rPr>
+              <a:t> </a:t>
+            </a:r>
+            <a:r>
+              <a:rPr lang="en-US" altLang="fr-FR" b="1" i="1" dirty="0" err="1"/>
+              <a:t>git-gui</a:t>
+            </a:r>
+            <a:r>
+              <a:rPr lang="fr-FR" altLang="fr-FR" b="1" i="1" dirty="0"/>
+              <a:t> </a:t>
+            </a:r>
+            <a:r>
+              <a:rPr lang="fr-FR" altLang="fr-FR" b="1" i="1" dirty="0" smtClean="0"/>
+              <a:t>,</a:t>
+            </a:r>
+          </a:p>
+          <a:p>
+            <a:pPr marL="514350" indent="-514350" fontAlgn="base">
+              <a:buFont typeface="+mj-lt"/>
+              <a:buAutoNum type="arabicPeriod"/>
+              <a:tabLst>
+                <a:tab pos="622300" algn="l"/>
+              </a:tabLst>
+            </a:pPr>
+            <a:r>
+              <a:rPr lang="fr-FR" dirty="0"/>
+              <a:t>Créer la paire de </a:t>
+            </a:r>
+            <a:r>
+              <a:rPr lang="fr-FR" dirty="0" smtClean="0"/>
+              <a:t>clé(</a:t>
+            </a:r>
+            <a:r>
+              <a:rPr lang="en-US" dirty="0" smtClean="0"/>
+              <a:t>id_rsa.pub,</a:t>
+            </a:r>
+            <a:r>
+              <a:rPr lang="en-US" dirty="0"/>
+              <a:t> </a:t>
+            </a:r>
+            <a:r>
+              <a:rPr lang="en-US" dirty="0" err="1" smtClean="0"/>
+              <a:t>id_rsa</a:t>
+            </a:r>
+            <a:r>
+              <a:rPr lang="fr-FR" dirty="0" smtClean="0"/>
+              <a:t>)</a:t>
+            </a:r>
+          </a:p>
+          <a:p>
+            <a:pPr marL="715963" indent="-358775" fontAlgn="base">
+              <a:buFont typeface="+mj-lt"/>
+              <a:buAutoNum type="alphaLcPeriod"/>
+              <a:tabLst>
+                <a:tab pos="715963" algn="l"/>
+              </a:tabLst>
+            </a:pPr>
+            <a:r>
+              <a:rPr lang="fr-FR" dirty="0"/>
+              <a:t>Créer un répertoire « .</a:t>
+            </a:r>
+            <a:r>
+              <a:rPr lang="fr-FR" dirty="0" err="1"/>
+              <a:t>ssh</a:t>
+            </a:r>
+            <a:r>
+              <a:rPr lang="fr-FR" dirty="0"/>
+              <a:t> » dans  </a:t>
+            </a:r>
+            <a:r>
+              <a:rPr lang="fr-FR" dirty="0" smtClean="0"/>
+              <a:t>~</a:t>
+            </a:r>
+          </a:p>
+          <a:p>
+            <a:pPr marL="715963" indent="-358775" fontAlgn="base">
+              <a:buFont typeface="+mj-lt"/>
+              <a:buAutoNum type="alphaLcPeriod"/>
+              <a:tabLst>
+                <a:tab pos="715963" algn="l"/>
+              </a:tabLst>
+            </a:pPr>
+            <a:r>
+              <a:rPr lang="fr-FR" dirty="0" smtClean="0"/>
+              <a:t>Exécuter la commande  </a:t>
+            </a:r>
+          </a:p>
+          <a:p>
+            <a:pPr marL="901700" indent="-279400" fontAlgn="base">
+              <a:tabLst>
+                <a:tab pos="981075" algn="l"/>
+              </a:tabLst>
+            </a:pPr>
+            <a:r>
+              <a:rPr lang="fr-FR" b="1" i="1" dirty="0" err="1"/>
+              <a:t>ssh-keygen</a:t>
+            </a:r>
+            <a:r>
+              <a:rPr lang="fr-FR" b="1" i="1" dirty="0"/>
+              <a:t> -t </a:t>
+            </a:r>
+            <a:r>
+              <a:rPr lang="fr-FR" b="1" i="1" dirty="0" err="1"/>
+              <a:t>rsa</a:t>
+            </a:r>
+            <a:r>
+              <a:rPr lang="fr-FR" b="1" i="1" dirty="0"/>
+              <a:t> -b 4096 -C </a:t>
+            </a:r>
+            <a:r>
+              <a:rPr lang="fr-FR" b="1" i="1" dirty="0" smtClean="0">
+                <a:hlinkClick r:id="rId3"/>
+              </a:rPr>
+              <a:t>your@email.com</a:t>
+            </a:r>
+            <a:endParaRPr lang="fr-FR" b="1" i="1" dirty="0" smtClean="0"/>
+          </a:p>
+          <a:p>
+            <a:pPr marL="514350" indent="-514350" fontAlgn="base">
+              <a:buFont typeface="+mj-lt"/>
+              <a:buAutoNum type="arabicPeriod"/>
+              <a:tabLst>
+                <a:tab pos="622300" algn="l"/>
+              </a:tabLst>
+            </a:pPr>
+            <a:r>
+              <a:rPr lang="fr-FR" dirty="0"/>
+              <a:t>Ajouter les clés </a:t>
+            </a:r>
+            <a:r>
+              <a:rPr lang="fr-FR" dirty="0" err="1"/>
+              <a:t>ssh</a:t>
+            </a:r>
+            <a:r>
+              <a:rPr lang="fr-FR" dirty="0"/>
+              <a:t> à </a:t>
+            </a:r>
+            <a:r>
+              <a:rPr lang="fr-FR" dirty="0" err="1" smtClean="0"/>
+              <a:t>ssh</a:t>
+            </a:r>
+            <a:r>
+              <a:rPr lang="fr-FR" dirty="0" smtClean="0"/>
+              <a:t>-agent comme suit</a:t>
+            </a:r>
+          </a:p>
+          <a:p>
+            <a:pPr marL="622300" indent="314325" fontAlgn="base">
+              <a:tabLst>
+                <a:tab pos="622300" algn="l"/>
+              </a:tabLst>
+            </a:pPr>
+            <a:r>
+              <a:rPr lang="fr-FR" b="1" i="1" dirty="0" err="1"/>
+              <a:t>e</a:t>
+            </a:r>
+            <a:r>
+              <a:rPr lang="fr-FR" b="1" i="1" dirty="0" err="1"/>
+              <a:t>val</a:t>
+            </a:r>
+            <a:r>
+              <a:rPr lang="fr-FR" b="1" i="1" dirty="0"/>
+              <a:t> ‘</a:t>
+            </a:r>
+            <a:r>
+              <a:rPr lang="fr-FR" b="1" i="1" dirty="0" err="1"/>
+              <a:t>ssh</a:t>
+            </a:r>
+            <a:r>
+              <a:rPr lang="fr-FR" b="1" i="1" dirty="0"/>
+              <a:t>-agent </a:t>
+            </a:r>
+            <a:r>
+              <a:rPr lang="fr-FR" b="1" i="1" dirty="0" smtClean="0"/>
+              <a:t>–s’</a:t>
+            </a:r>
+          </a:p>
+          <a:p>
+            <a:pPr marL="622300" indent="314325" fontAlgn="base">
+              <a:tabLst>
+                <a:tab pos="622300" algn="l"/>
+              </a:tabLst>
+            </a:pPr>
+            <a:r>
+              <a:rPr lang="fr-FR" b="1" dirty="0" err="1"/>
+              <a:t>ssh-add</a:t>
+            </a:r>
+            <a:r>
+              <a:rPr lang="fr-FR" b="1" dirty="0"/>
+              <a:t> ~/.</a:t>
+            </a:r>
+            <a:r>
+              <a:rPr lang="fr-FR" b="1" dirty="0" err="1" smtClean="0"/>
+              <a:t>ssh</a:t>
+            </a:r>
+            <a:r>
+              <a:rPr lang="fr-FR" b="1" dirty="0" smtClean="0"/>
+              <a:t>/</a:t>
+            </a:r>
+            <a:r>
+              <a:rPr lang="fr-FR" b="1" dirty="0" err="1" smtClean="0"/>
+              <a:t>id_rsa</a:t>
+            </a:r>
+            <a:endParaRPr lang="fr-FR" b="1" i="1" dirty="0" smtClean="0"/>
+          </a:p>
+          <a:p>
+            <a:pPr marL="622300" indent="314325" fontAlgn="base">
+              <a:tabLst>
+                <a:tab pos="622300" algn="l"/>
+              </a:tabLst>
+            </a:pPr>
+            <a:endParaRPr lang="fr-FR" b="1" i="1" dirty="0"/>
+          </a:p>
+          <a:p>
+            <a:pPr marL="901700" indent="-279400" fontAlgn="base">
+              <a:tabLst>
+                <a:tab pos="981075" algn="l"/>
+              </a:tabLst>
+            </a:pPr>
+            <a:endParaRPr lang="fr-FR" b="1" i="1" dirty="0"/>
+          </a:p>
+          <a:p>
+            <a:pPr marL="715963" indent="-358775" fontAlgn="base">
+              <a:buFont typeface="+mj-lt"/>
+              <a:buAutoNum type="alphaLcPeriod"/>
+              <a:tabLst>
+                <a:tab pos="715963" algn="l"/>
+              </a:tabLst>
+            </a:pPr>
+            <a:endParaRPr lang="fr-FR" dirty="0"/>
+          </a:p>
+          <a:p>
+            <a:pPr marL="622300" indent="0" fontAlgn="base">
+              <a:buNone/>
+              <a:tabLst>
+                <a:tab pos="622300" algn="l"/>
+              </a:tabLst>
+            </a:pPr>
+            <a:endParaRPr lang="fr-FR" b="1" i="1" dirty="0"/>
+          </a:p>
+          <a:p>
+            <a:pPr marL="514350" indent="-514350">
+              <a:buFont typeface="+mj-lt"/>
+              <a:buAutoNum type="arabicPeriod"/>
+            </a:pPr>
+            <a:endParaRPr lang="fr-FR" dirty="0"/>
+          </a:p>
+          <a:p>
+            <a:pPr marL="0" indent="0">
+              <a:buNone/>
+            </a:pPr>
+            <a:endParaRPr lang="fr-FR" dirty="0" smtClean="0"/>
+          </a:p>
+          <a:p>
+            <a:endParaRPr lang="fr-FR" dirty="0"/>
           </a:p>
         </p:txBody>
       </p:sp>

--- a/Formation Git.pptx
+++ b/Formation Git.pptx
@@ -5,7 +5,7 @@
     <p:sldMasterId id="2147483648" r:id="rId1"/>
   </p:sldMasterIdLst>
   <p:notesMasterIdLst>
-    <p:notesMasterId r:id="rId29"/>
+    <p:notesMasterId r:id="rId31"/>
   </p:notesMasterIdLst>
   <p:sldIdLst>
     <p:sldId id="257" r:id="rId2"/>
@@ -35,6 +35,8 @@
     <p:sldId id="287" r:id="rId26"/>
     <p:sldId id="285" r:id="rId27"/>
     <p:sldId id="271" r:id="rId28"/>
+    <p:sldId id="292" r:id="rId29"/>
+    <p:sldId id="293" r:id="rId30"/>
   </p:sldIdLst>
   <p:sldSz cx="12192000" cy="6858000"/>
   <p:notesSz cx="6858000" cy="9144000"/>
@@ -223,7 +225,7 @@
           <a:p>
             <a:fld id="{6C11479D-E256-4744-A8DA-17425A14A154}" type="datetimeFigureOut">
               <a:rPr lang="fr-FR" smtClean="0"/>
-              <a:t>27/11/2022</a:t>
+              <a:t>29/11/2022</a:t>
             </a:fld>
             <a:endParaRPr lang="fr-FR"/>
           </a:p>
@@ -1215,19 +1217,35 @@
           <a:lstStyle/>
           <a:p>
             <a:r>
-              <a:rPr lang="fr-FR" dirty="0" err="1" smtClean="0"/>
-              <a:t>Fetch:ous</a:t>
+              <a:rPr lang="fr-FR" b="1" dirty="0" err="1" smtClean="0"/>
+              <a:t>fetch</a:t>
+            </a:r>
+            <a:r>
+              <a:rPr lang="fr-FR" b="1" dirty="0" smtClean="0"/>
+              <a:t>: </a:t>
             </a:r>
             <a:r>
               <a:rPr lang="fr-FR" dirty="0" smtClean="0"/>
-              <a:t> pouvez être assuré : fetch ne manipulera, ne détruira ou ne bousillera jamais quoi que ce soit.</a:t>
+              <a:t>vous </a:t>
+            </a:r>
+            <a:r>
+              <a:rPr lang="fr-FR" dirty="0" smtClean="0"/>
+              <a:t>pouvez être assuré : fetch ne manipulera, ne détruira ou ne bousillera jamais quoi que ce soit.</a:t>
             </a:r>
           </a:p>
           <a:p>
             <a:pPr rtl="0"/>
             <a:r>
+              <a:rPr lang="fr-FR" b="1" dirty="0" smtClean="0"/>
+              <a:t>Pull</a:t>
+            </a:r>
+            <a:r>
               <a:rPr lang="fr-FR" dirty="0" smtClean="0"/>
-              <a:t>Pull ; </a:t>
+              <a:t> </a:t>
+            </a:r>
+            <a:r>
+              <a:rPr lang="fr-FR" dirty="0" smtClean="0"/>
+              <a:t>: </a:t>
             </a:r>
             <a:r>
               <a:rPr lang="fr-FR" dirty="0" err="1" smtClean="0"/>
@@ -1242,37 +1260,168 @@
               <a:t> plus de téléchargement il </a:t>
             </a:r>
             <a:r>
+              <a:rPr lang="fr-FR" baseline="0" dirty="0" smtClean="0"/>
+              <a:t>intègre </a:t>
+            </a:r>
+            <a:r>
+              <a:rPr lang="fr-FR" baseline="0" dirty="0" smtClean="0"/>
+              <a:t>les changement dans l’espace de travail (peut généré des conflits)(pull doit </a:t>
+            </a:r>
+            <a:r>
+              <a:rPr lang="fr-FR" baseline="0" dirty="0" smtClean="0"/>
+              <a:t>être </a:t>
+            </a:r>
+            <a:r>
+              <a:rPr lang="fr-FR" baseline="0" dirty="0" smtClean="0"/>
+              <a:t>utilisé avec une copie local propre </a:t>
+            </a:r>
+            <a:r>
+              <a:rPr lang="fr-FR" baseline="0" dirty="0" smtClean="0"/>
+              <a:t>son </a:t>
+            </a:r>
+            <a:r>
+              <a:rPr lang="fr-FR" baseline="0" dirty="0" smtClean="0"/>
+              <a:t>changement </a:t>
+            </a:r>
+            <a:r>
+              <a:rPr lang="fr-FR" baseline="0" dirty="0" smtClean="0"/>
+              <a:t>un </a:t>
+            </a:r>
+            <a:r>
               <a:rPr lang="fr-FR" baseline="0" dirty="0" err="1" smtClean="0"/>
-              <a:t>intégre</a:t>
-            </a:r>
-            <a:r>
-              <a:rPr lang="fr-FR" baseline="0" dirty="0" smtClean="0"/>
-              <a:t> les changement dans l’espace de travail (peut généré des conflits)(pull doit </a:t>
-            </a:r>
-            <a:r>
-              <a:rPr lang="fr-FR" baseline="0" dirty="0" err="1" smtClean="0"/>
-              <a:t>étre</a:t>
-            </a:r>
-            <a:r>
-              <a:rPr lang="fr-FR" baseline="0" dirty="0" smtClean="0"/>
-              <a:t> utilisé avec une copie local propre </a:t>
-            </a:r>
-            <a:r>
-              <a:rPr lang="fr-FR" baseline="0" dirty="0" err="1" smtClean="0"/>
-              <a:t>san</a:t>
-            </a:r>
-            <a:r>
-              <a:rPr lang="fr-FR" baseline="0" dirty="0" smtClean="0"/>
-              <a:t> changement </a:t>
-            </a:r>
-            <a:r>
-              <a:rPr lang="fr-FR" baseline="0" dirty="0" err="1" smtClean="0"/>
-              <a:t>uncommité</a:t>
+              <a:t>commité</a:t>
             </a:r>
             <a:r>
               <a:rPr lang="fr-FR" baseline="0" dirty="0" smtClean="0"/>
               <a:t>) </a:t>
             </a:r>
+            <a:endParaRPr lang="fr-FR" baseline="0" dirty="0" smtClean="0"/>
+          </a:p>
+          <a:p>
+            <a:pPr rtl="0"/>
+            <a:r>
+              <a:rPr lang="fr-FR" b="1" baseline="0" dirty="0" err="1" smtClean="0"/>
+              <a:t>rebase</a:t>
+            </a:r>
+            <a:r>
+              <a:rPr lang="fr-FR" b="0" baseline="0" dirty="0" smtClean="0"/>
+              <a:t> :</a:t>
+            </a:r>
+            <a:r>
+              <a:rPr lang="fr-FR" baseline="0" dirty="0" smtClean="0"/>
+              <a:t>applique chaque commit de manière individuel pour avoir un historique propre(créer pas de commit on sait pas quand est ce que le merge à été effectué)</a:t>
+            </a:r>
+          </a:p>
+          <a:p>
+            <a:pPr rtl="0"/>
+            <a:r>
+              <a:rPr lang="fr-FR" baseline="0" dirty="0" smtClean="0"/>
+              <a:t>O, peut pas faire de suivit</a:t>
+            </a:r>
+          </a:p>
+          <a:p>
+            <a:pPr rtl="0"/>
+            <a:r>
+              <a:rPr lang="fr-FR" b="1" baseline="0" dirty="0" smtClean="0"/>
+              <a:t>merge: </a:t>
+            </a:r>
+          </a:p>
+          <a:p>
+            <a:pPr rtl="0"/>
+            <a:r>
+              <a:rPr lang="fr-FR" baseline="0" dirty="0" smtClean="0"/>
+              <a:t>1.applique toutes les commit de la </a:t>
+            </a:r>
+            <a:r>
+              <a:rPr lang="fr-FR" baseline="0" dirty="0" err="1" smtClean="0"/>
+              <a:t>branch</a:t>
+            </a:r>
+            <a:r>
+              <a:rPr lang="fr-FR" baseline="0" dirty="0" smtClean="0"/>
+              <a:t> mergé dans un seule commit ajouté à la fin.</a:t>
+            </a:r>
+          </a:p>
+          <a:p>
+            <a:pPr rtl="0"/>
+            <a:r>
+              <a:rPr lang="fr-FR" baseline="0" dirty="0" smtClean="0"/>
+              <a:t>2. Ne change pas l’historique du projet il ajoute juste un commit</a:t>
+            </a:r>
+          </a:p>
+          <a:p>
+            <a:pPr rtl="0"/>
+            <a:r>
+              <a:rPr lang="fr-FR" b="1" baseline="0" dirty="0" err="1" smtClean="0"/>
+              <a:t>Rebase</a:t>
+            </a:r>
+            <a:r>
+              <a:rPr lang="fr-FR" b="1" baseline="0" dirty="0" smtClean="0"/>
+              <a:t>: </a:t>
+            </a:r>
+          </a:p>
+          <a:p>
+            <a:pPr rtl="0"/>
+            <a:r>
+              <a:rPr lang="fr-FR" b="0" baseline="0" dirty="0" smtClean="0"/>
+              <a:t>1.Trouve toutes les </a:t>
+            </a:r>
+            <a:r>
+              <a:rPr lang="fr-FR" b="0" baseline="0" dirty="0" err="1" smtClean="0"/>
+              <a:t>ommits</a:t>
+            </a:r>
+            <a:r>
+              <a:rPr lang="fr-FR" b="0" baseline="0" dirty="0" smtClean="0"/>
+              <a:t> des </a:t>
+            </a:r>
+            <a:r>
+              <a:rPr lang="fr-FR" b="0" baseline="0" dirty="0" err="1" smtClean="0"/>
+              <a:t>dux</a:t>
+            </a:r>
+            <a:r>
+              <a:rPr lang="fr-FR" b="0" baseline="0" dirty="0" smtClean="0"/>
+              <a:t> branches et les applique une à une</a:t>
+            </a:r>
+          </a:p>
+          <a:p>
+            <a:pPr marL="0" marR="0" lvl="0" indent="0" algn="l" defTabSz="914400" rtl="0" eaLnBrk="1" fontAlgn="auto" latinLnBrk="0" hangingPunct="1">
+              <a:lnSpc>
+                <a:spcPct val="100000"/>
+              </a:lnSpc>
+              <a:spcBef>
+                <a:spcPts val="0"/>
+              </a:spcBef>
+              <a:spcAft>
+                <a:spcPts val="0"/>
+              </a:spcAft>
+              <a:buClrTx/>
+              <a:buSzTx/>
+              <a:buFontTx/>
+              <a:buNone/>
+              <a:tabLst/>
+              <a:defRPr/>
+            </a:pPr>
+            <a:r>
+              <a:rPr lang="fr-FR" baseline="0" dirty="0" smtClean="0"/>
+              <a:t>2. Change l’historique du projet il ne crée pas un nouveau commit pour mergé</a:t>
+            </a:r>
+          </a:p>
+          <a:p>
+            <a:pPr rtl="0"/>
+            <a:r>
+              <a:rPr lang="fr-FR" b="0" baseline="0" dirty="0" smtClean="0"/>
+              <a:t> </a:t>
+            </a:r>
+          </a:p>
+          <a:p>
+            <a:pPr rtl="0"/>
+            <a:endParaRPr lang="fr-FR" baseline="0" dirty="0" smtClean="0"/>
+          </a:p>
+          <a:p>
+            <a:pPr rtl="0"/>
+            <a:endParaRPr lang="fr-FR" baseline="0" dirty="0" smtClean="0"/>
+          </a:p>
+          <a:p>
+            <a:pPr rtl="0"/>
             <a:endParaRPr lang="fr-FR" dirty="0"/>
           </a:p>
         </p:txBody>
@@ -1362,11 +1511,7 @@
           <a:p>
             <a:r>
               <a:rPr lang="fr-FR" sz="1200" b="0" dirty="0" smtClean="0"/>
-              <a:t>-</a:t>
-            </a:r>
-            <a:r>
-              <a:rPr lang="fr-FR" sz="1200" b="0" dirty="0" smtClean="0"/>
-              <a:t>La branche </a:t>
+              <a:t>-La branche </a:t>
             </a:r>
             <a:r>
               <a:rPr lang="fr-FR" sz="1200" b="0" dirty="0" err="1" smtClean="0"/>
@@ -1439,15 +1584,7 @@
             </a:r>
             <a:r>
               <a:rPr lang="fr-FR" b="0" baseline="0" dirty="0" smtClean="0"/>
-              <a:t> pas introduire de bug à master l’hors des merge </a:t>
-            </a:r>
-            <a:r>
-              <a:rPr lang="fr-FR" b="0" baseline="0" dirty="0" smtClean="0"/>
-              <a:t>(inconvénient </a:t>
-            </a:r>
-            <a:r>
-              <a:rPr lang="fr-FR" b="0" baseline="0" dirty="0" smtClean="0"/>
-              <a:t>on peut pas développer plusieurs fonctionnalité en parallèle- il y’à qu’un seule ou deux </a:t>
+              <a:t> pas introduire de bug à master l’hors des merge (inconvénient on peut pas développer plusieurs fonctionnalité en parallèle- il y’à qu’un seule ou deux </a:t>
             </a:r>
             <a:r>
               <a:rPr lang="fr-FR" b="0" baseline="0" dirty="0" err="1" smtClean="0"/>
@@ -1455,11 +1592,7 @@
             </a:r>
             <a:r>
               <a:rPr lang="fr-FR" b="0" baseline="0" dirty="0" smtClean="0"/>
-              <a:t> peut travailler activement sur le projet, supprimer ou restore une fonctionnalité est un challenge</a:t>
-            </a:r>
-            <a:r>
-              <a:rPr lang="fr-FR" b="0" baseline="0" dirty="0" smtClean="0"/>
-              <a:t>)</a:t>
+              <a:t> peut travailler activement sur le projet, supprimer ou restore une fonctionnalité est un challenge)</a:t>
             </a:r>
           </a:p>
           <a:p>
@@ -1540,11 +1673,7 @@
           <a:p>
             <a:r>
               <a:rPr lang="fr-FR" baseline="0" dirty="0" smtClean="0"/>
-              <a:t>Stratégie </a:t>
-            </a:r>
-            <a:r>
-              <a:rPr lang="fr-FR" baseline="0" dirty="0" smtClean="0"/>
-              <a:t>(stratégie 0 branch( petit projet  1 </a:t>
+              <a:t>Stratégie (stratégie 0 branch( petit projet  1 </a:t>
             </a:r>
             <a:r>
               <a:rPr lang="fr-FR" baseline="0" dirty="0" err="1" smtClean="0"/>
@@ -1845,11 +1974,7 @@
             </a:r>
             <a:r>
               <a:rPr lang="fr-FR" baseline="0" dirty="0" smtClean="0"/>
-              <a:t> la fonctionnalité avec les autres développeurs sans touche au </a:t>
-            </a:r>
-            <a:r>
-              <a:rPr lang="fr-FR" baseline="0" smtClean="0"/>
-              <a:t>code officiel</a:t>
+              <a:t> la fonctionnalité avec les autres développeurs sans touche au code officiel</a:t>
             </a:r>
             <a:endParaRPr lang="fr-FR" dirty="0" smtClean="0"/>
           </a:p>
@@ -2290,11 +2415,7 @@
             </a:r>
             <a:r>
               <a:rPr lang="fr-FR" baseline="0" dirty="0" smtClean="0"/>
-              <a:t> </a:t>
-            </a:r>
-            <a:r>
-              <a:rPr lang="fr-FR" baseline="0" dirty="0" smtClean="0"/>
-              <a:t>on fait un fork il apparait dans la liste des dépôt dans github et on peut le cloné dans la machine locale et modifie puis pusher dans le fork dans github</a:t>
+              <a:t> on fait un fork il apparait dans la liste des dépôt dans github et on peut le cloné dans la machine locale et modifie puis pusher dans le fork dans github</a:t>
             </a:r>
           </a:p>
           <a:p>
@@ -2326,15 +2447,7 @@
           <a:p>
             <a:r>
               <a:rPr lang="fr-FR" baseline="0" dirty="0" smtClean="0"/>
-              <a:t>2.Ajouter des Commentaires </a:t>
-            </a:r>
-            <a:r>
-              <a:rPr lang="fr-FR" baseline="0" dirty="0" smtClean="0"/>
-              <a:t>sur toute les </a:t>
-            </a:r>
-            <a:r>
-              <a:rPr lang="fr-FR" baseline="0" dirty="0" smtClean="0"/>
-              <a:t>choses(dans un fichier a part ou bien dans le code)</a:t>
+              <a:t>2.Ajouter des Commentaires sur toute les choses(dans un fichier a part ou bien dans le code)</a:t>
             </a:r>
           </a:p>
           <a:p>
@@ -3261,6 +3374,126 @@
     <p:extLst>
       <p:ext uri="{BB962C8B-B14F-4D97-AF65-F5344CB8AC3E}">
         <p14:creationId xmlns:p14="http://schemas.microsoft.com/office/powerpoint/2010/main" val="2852578274"/>
+      </p:ext>
+    </p:extLst>
+  </p:cSld>
+  <p:clrMapOvr>
+    <a:masterClrMapping/>
+  </p:clrMapOvr>
+</p:notes>
+</file>
+
+<file path=ppt/notesSlides/notesSlide23.xml><?xml version="1.0" encoding="utf-8"?>
+<p:notes xmlns:a="http://schemas.openxmlformats.org/drawingml/2006/main" xmlns:r="http://schemas.openxmlformats.org/officeDocument/2006/relationships" xmlns:p="http://schemas.openxmlformats.org/presentationml/2006/main">
+  <p:cSld>
+    <p:spTree>
+      <p:nvGrpSpPr>
+        <p:cNvPr id="1" name=""/>
+        <p:cNvGrpSpPr/>
+        <p:nvPr/>
+      </p:nvGrpSpPr>
+      <p:grpSpPr>
+        <a:xfrm>
+          <a:off x="0" y="0"/>
+          <a:ext cx="0" cy="0"/>
+          <a:chOff x="0" y="0"/>
+          <a:chExt cx="0" cy="0"/>
+        </a:xfrm>
+      </p:grpSpPr>
+      <p:sp>
+        <p:nvSpPr>
+          <p:cNvPr id="2" name="Espace réservé de l'image des diapositives 1"/>
+          <p:cNvSpPr>
+            <a:spLocks noGrp="1" noRot="1" noChangeAspect="1"/>
+          </p:cNvSpPr>
+          <p:nvPr>
+            <p:ph type="sldImg"/>
+          </p:nvPr>
+        </p:nvSpPr>
+        <p:spPr/>
+      </p:sp>
+      <p:sp>
+        <p:nvSpPr>
+          <p:cNvPr id="3" name="Espace réservé des commentaires 2"/>
+          <p:cNvSpPr>
+            <a:spLocks noGrp="1"/>
+          </p:cNvSpPr>
+          <p:nvPr>
+            <p:ph type="body" idx="1"/>
+          </p:nvPr>
+        </p:nvSpPr>
+        <p:spPr/>
+        <p:txBody>
+          <a:bodyPr/>
+          <a:lstStyle/>
+          <a:p>
+            <a:pPr marL="0" marR="0" lvl="0" indent="0" algn="l" defTabSz="914400" rtl="0" eaLnBrk="1" fontAlgn="auto" latinLnBrk="0" hangingPunct="1">
+              <a:lnSpc>
+                <a:spcPct val="100000"/>
+              </a:lnSpc>
+              <a:spcBef>
+                <a:spcPts val="0"/>
+              </a:spcBef>
+              <a:spcAft>
+                <a:spcPts val="0"/>
+              </a:spcAft>
+              <a:buClrTx/>
+              <a:buSzTx/>
+              <a:buFontTx/>
+              <a:buNone/>
+              <a:tabLst/>
+              <a:defRPr/>
+            </a:pPr>
+            <a:r>
+              <a:rPr lang="fr-FR" dirty="0" smtClean="0"/>
+              <a:t>https://www.theserverside.com/blog/Coffee-Talk-Java-News-Stories-and-Opinions/</a:t>
+            </a:r>
+          </a:p>
+          <a:p>
+            <a:pPr rtl="0"/>
+            <a:r>
+              <a:rPr lang="fr-FR" dirty="0" smtClean="0"/>
+              <a:t>Git log –graph –</a:t>
+            </a:r>
+            <a:r>
+              <a:rPr lang="fr-FR" baseline="0" dirty="0" smtClean="0"/>
+              <a:t>branches --</a:t>
+            </a:r>
+            <a:r>
+              <a:rPr lang="fr-FR" baseline="0" dirty="0" err="1" smtClean="0"/>
+              <a:t>oneline</a:t>
+            </a:r>
+            <a:endParaRPr lang="fr-FR" dirty="0"/>
+          </a:p>
+        </p:txBody>
+      </p:sp>
+      <p:sp>
+        <p:nvSpPr>
+          <p:cNvPr id="4" name="Espace réservé du numéro de diapositive 3"/>
+          <p:cNvSpPr>
+            <a:spLocks noGrp="1"/>
+          </p:cNvSpPr>
+          <p:nvPr>
+            <p:ph type="sldNum" sz="quarter" idx="10"/>
+          </p:nvPr>
+        </p:nvSpPr>
+        <p:spPr/>
+        <p:txBody>
+          <a:bodyPr/>
+          <a:lstStyle/>
+          <a:p>
+            <a:fld id="{852BFB1F-A0B8-45F9-8B0C-AE6AABDE724A}" type="slidenum">
+              <a:rPr lang="fr-FR" smtClean="0"/>
+              <a:t>29</a:t>
+            </a:fld>
+            <a:endParaRPr lang="fr-FR"/>
+          </a:p>
+        </p:txBody>
+      </p:sp>
+    </p:spTree>
+    <p:extLst>
+      <p:ext uri="{BB962C8B-B14F-4D97-AF65-F5344CB8AC3E}">
+        <p14:creationId xmlns:p14="http://schemas.microsoft.com/office/powerpoint/2010/main" val="627533737"/>
       </p:ext>
     </p:extLst>
   </p:cSld>
@@ -5559,7 +5792,7 @@
           <a:p>
             <a:fld id="{0A206D1B-E756-4A82-9838-551DE185C738}" type="datetimeFigureOut">
               <a:rPr lang="fr-FR" smtClean="0"/>
-              <a:t>27/11/2022</a:t>
+              <a:t>29/11/2022</a:t>
             </a:fld>
             <a:endParaRPr lang="fr-FR"/>
           </a:p>
@@ -5729,7 +5962,7 @@
           <a:p>
             <a:fld id="{0A206D1B-E756-4A82-9838-551DE185C738}" type="datetimeFigureOut">
               <a:rPr lang="fr-FR" smtClean="0"/>
-              <a:t>27/11/2022</a:t>
+              <a:t>29/11/2022</a:t>
             </a:fld>
             <a:endParaRPr lang="fr-FR"/>
           </a:p>
@@ -5909,7 +6142,7 @@
           <a:p>
             <a:fld id="{0A206D1B-E756-4A82-9838-551DE185C738}" type="datetimeFigureOut">
               <a:rPr lang="fr-FR" smtClean="0"/>
-              <a:t>27/11/2022</a:t>
+              <a:t>29/11/2022</a:t>
             </a:fld>
             <a:endParaRPr lang="fr-FR"/>
           </a:p>
@@ -6079,7 +6312,7 @@
           <a:p>
             <a:fld id="{0A206D1B-E756-4A82-9838-551DE185C738}" type="datetimeFigureOut">
               <a:rPr lang="fr-FR" smtClean="0"/>
-              <a:t>27/11/2022</a:t>
+              <a:t>29/11/2022</a:t>
             </a:fld>
             <a:endParaRPr lang="fr-FR"/>
           </a:p>
@@ -6325,7 +6558,7 @@
           <a:p>
             <a:fld id="{0A206D1B-E756-4A82-9838-551DE185C738}" type="datetimeFigureOut">
               <a:rPr lang="fr-FR" smtClean="0"/>
-              <a:t>27/11/2022</a:t>
+              <a:t>29/11/2022</a:t>
             </a:fld>
             <a:endParaRPr lang="fr-FR"/>
           </a:p>
@@ -6557,7 +6790,7 @@
           <a:p>
             <a:fld id="{0A206D1B-E756-4A82-9838-551DE185C738}" type="datetimeFigureOut">
               <a:rPr lang="fr-FR" smtClean="0"/>
-              <a:t>27/11/2022</a:t>
+              <a:t>29/11/2022</a:t>
             </a:fld>
             <a:endParaRPr lang="fr-FR"/>
           </a:p>
@@ -6924,7 +7157,7 @@
           <a:p>
             <a:fld id="{0A206D1B-E756-4A82-9838-551DE185C738}" type="datetimeFigureOut">
               <a:rPr lang="fr-FR" smtClean="0"/>
-              <a:t>27/11/2022</a:t>
+              <a:t>29/11/2022</a:t>
             </a:fld>
             <a:endParaRPr lang="fr-FR"/>
           </a:p>
@@ -7042,7 +7275,7 @@
           <a:p>
             <a:fld id="{0A206D1B-E756-4A82-9838-551DE185C738}" type="datetimeFigureOut">
               <a:rPr lang="fr-FR" smtClean="0"/>
-              <a:t>27/11/2022</a:t>
+              <a:t>29/11/2022</a:t>
             </a:fld>
             <a:endParaRPr lang="fr-FR"/>
           </a:p>
@@ -7137,7 +7370,7 @@
           <a:p>
             <a:fld id="{0A206D1B-E756-4A82-9838-551DE185C738}" type="datetimeFigureOut">
               <a:rPr lang="fr-FR" smtClean="0"/>
-              <a:t>27/11/2022</a:t>
+              <a:t>29/11/2022</a:t>
             </a:fld>
             <a:endParaRPr lang="fr-FR"/>
           </a:p>
@@ -7414,7 +7647,7 @@
           <a:p>
             <a:fld id="{0A206D1B-E756-4A82-9838-551DE185C738}" type="datetimeFigureOut">
               <a:rPr lang="fr-FR" smtClean="0"/>
-              <a:t>27/11/2022</a:t>
+              <a:t>29/11/2022</a:t>
             </a:fld>
             <a:endParaRPr lang="fr-FR"/>
           </a:p>
@@ -7667,7 +7900,7 @@
           <a:p>
             <a:fld id="{0A206D1B-E756-4A82-9838-551DE185C738}" type="datetimeFigureOut">
               <a:rPr lang="fr-FR" smtClean="0"/>
-              <a:t>27/11/2022</a:t>
+              <a:t>29/11/2022</a:t>
             </a:fld>
             <a:endParaRPr lang="fr-FR"/>
           </a:p>
@@ -7880,7 +8113,7 @@
           <a:p>
             <a:fld id="{0A206D1B-E756-4A82-9838-551DE185C738}" type="datetimeFigureOut">
               <a:rPr lang="fr-FR" smtClean="0"/>
-              <a:t>27/11/2022</a:t>
+              <a:t>29/11/2022</a:t>
             </a:fld>
             <a:endParaRPr lang="fr-FR"/>
           </a:p>
@@ -8837,61 +9070,9 @@
         </p:spPr>
         <p:txBody>
           <a:bodyPr>
-            <a:normAutofit fontScale="92500" lnSpcReduction="20000"/>
+            <a:normAutofit/>
           </a:bodyPr>
           <a:lstStyle/>
-          <a:p>
-            <a:pPr marL="877888" lvl="1" indent="-514350">
-              <a:lnSpc>
-                <a:spcPct val="110000"/>
-              </a:lnSpc>
-              <a:buFont typeface="+mj-lt"/>
-              <a:buAutoNum type="arabicPeriod" startAt="11"/>
-            </a:pPr>
-            <a:r>
-              <a:rPr lang="fr-FR" sz="3000" dirty="0" smtClean="0"/>
-              <a:t>indexer </a:t>
-            </a:r>
-            <a:r>
-              <a:rPr lang="fr-FR" sz="3000" dirty="0"/>
-              <a:t>la suppression d’un fichier:</a:t>
-            </a:r>
-          </a:p>
-          <a:p>
-            <a:pPr marL="1158875" lvl="1" indent="-347663"/>
-            <a:r>
-              <a:rPr lang="fr-FR" sz="3000" b="1" i="1" dirty="0"/>
-              <a:t>git </a:t>
-            </a:r>
-            <a:r>
-              <a:rPr lang="fr-FR" sz="3000" b="1" i="1" dirty="0" err="1"/>
-              <a:t>rm</a:t>
-            </a:r>
-            <a:r>
-              <a:rPr lang="fr-FR" sz="3000" b="1" i="1" dirty="0"/>
-              <a:t> «  fichier»</a:t>
-            </a:r>
-          </a:p>
-          <a:p>
-            <a:pPr marL="877887" lvl="1" indent="-514350">
-              <a:lnSpc>
-                <a:spcPct val="110000"/>
-              </a:lnSpc>
-              <a:buFont typeface="+mj-lt"/>
-              <a:buAutoNum type="arabicPeriod" startAt="12"/>
-            </a:pPr>
-            <a:r>
-              <a:rPr lang="fr-FR" sz="3000" dirty="0"/>
-              <a:t>Annuler les modifications indexes ( le contraire de git add file):</a:t>
-            </a:r>
-          </a:p>
-          <a:p>
-            <a:pPr marL="1158875" lvl="1" indent="-347663"/>
-            <a:r>
-              <a:rPr lang="fr-FR" sz="3000" b="1" i="1" dirty="0"/>
-              <a:t>git reset --  « fichier »</a:t>
-            </a:r>
-          </a:p>
           <a:p>
             <a:pPr marL="874712" indent="-514350" defTabSz="447675">
               <a:buFont typeface="+mj-lt"/>
@@ -8988,9 +9169,12 @@
           <a:p>
             <a:pPr marL="1158875" lvl="1" indent="-347663"/>
             <a:r>
-              <a:rPr lang="fr-FR" sz="3000" b="1" i="1" dirty="0"/>
+              <a:rPr lang="fr-FR" sz="3000" b="1" i="1" dirty="0">
+                <a:hlinkClick r:id="rId3" action="ppaction://hlinksldjump"/>
+              </a:rPr>
               <a:t>git commit –m «  message»</a:t>
             </a:r>
+            <a:endParaRPr lang="fr-FR" sz="3000" b="1" i="1" dirty="0"/>
           </a:p>
           <a:p>
             <a:pPr marL="877887" lvl="1" indent="-514350">
@@ -9009,13 +9193,22 @@
               <a:t>git log, git log –n 2 , git log –</a:t>
             </a:r>
             <a:r>
-              <a:rPr lang="fr-FR" sz="3000" b="1" i="1" dirty="0" err="1"/>
-              <a:t>oneline</a:t>
+              <a:rPr lang="fr-FR" sz="3000" b="1" i="1" dirty="0" err="1" smtClean="0"/>
+              <a:t>oneline,git</a:t>
+            </a:r>
+            <a:r>
+              <a:rPr lang="fr-FR" sz="3000" b="1" i="1" dirty="0" smtClean="0"/>
+              <a:t> log --graph, git </a:t>
             </a:r>
             <a:r>
               <a:rPr lang="fr-FR" sz="3000" b="1" i="1" dirty="0"/>
-              <a:t>, « git log –p fichier »</a:t>
-            </a:r>
+              <a:t>log –p </a:t>
+            </a:r>
+            <a:r>
+              <a:rPr lang="fr-FR" sz="3000" b="1" i="1" dirty="0" smtClean="0"/>
+              <a:t>fichier</a:t>
+            </a:r>
+            <a:endParaRPr lang="fr-FR" sz="3000" b="1" i="1" dirty="0"/>
           </a:p>
           <a:p>
             <a:pPr marL="877887" lvl="1" indent="-514350">
@@ -9970,13 +10163,8 @@
             </a:pPr>
             <a:r>
               <a:rPr lang="fr-FR" sz="2800" b="1" dirty="0" smtClean="0"/>
-              <a:t>Commandes sur les branches</a:t>
-            </a:r>
-            <a:r>
-              <a:rPr lang="fr-FR" sz="2800" b="1" dirty="0" smtClean="0"/>
-              <a:t>:</a:t>
-            </a:r>
-            <a:endParaRPr lang="fr-FR" sz="2800" b="1" dirty="0" smtClean="0"/>
+              <a:t>Commandes sur les branches:</a:t>
+            </a:r>
           </a:p>
           <a:p>
             <a:pPr marL="715963" indent="-450850">
@@ -10030,7 +10218,6 @@
               <a:rPr lang="fr-FR" sz="2800" dirty="0"/>
               <a:t>(distantes)</a:t>
             </a:r>
-            <a:endParaRPr lang="fr-FR" sz="2800" dirty="0"/>
           </a:p>
           <a:p>
             <a:pPr marL="622300" indent="-357188">
@@ -10335,20 +10522,15 @@
         </p:nvSpPr>
         <p:spPr>
           <a:xfrm>
-            <a:off x="0" y="1409700"/>
-            <a:ext cx="12192000" cy="5257800"/>
+            <a:off x="0" y="819397"/>
+            <a:ext cx="12192000" cy="6038603"/>
           </a:xfrm>
         </p:spPr>
         <p:txBody>
-          <a:bodyPr/>
+          <a:bodyPr>
+            <a:normAutofit/>
+          </a:bodyPr>
           <a:lstStyle/>
-          <a:p>
-            <a:pPr marL="514350" indent="-514350">
-              <a:buFont typeface="+mj-lt"/>
-              <a:buAutoNum type="arabicPeriod"/>
-            </a:pPr>
-            <a:endParaRPr lang="fr-FR" dirty="0" smtClean="0"/>
-          </a:p>
           <a:p>
             <a:pPr marL="784225" lvl="1" indent="-514350">
               <a:buFont typeface="+mj-lt"/>
@@ -10359,8 +10541,12 @@
               </a:tabLst>
             </a:pPr>
             <a:r>
+              <a:rPr lang="fr-FR" sz="2800" dirty="0" smtClean="0"/>
+              <a:t>Uploader </a:t>
+            </a:r>
+            <a:r>
               <a:rPr lang="fr-FR" sz="2800" dirty="0"/>
-              <a:t>Uploader (pusher) les changement dans une autre branche</a:t>
+              <a:t>(pusher) les changement dans une autre branche</a:t>
             </a:r>
           </a:p>
           <a:p>
@@ -10379,16 +10565,25 @@
             </a:r>
             <a:r>
               <a:rPr lang="fr-FR" b="1" i="1" dirty="0"/>
-              <a:t> «  </a:t>
+              <a:t> </a:t>
+            </a:r>
+            <a:r>
+              <a:rPr lang="fr-FR" b="1" i="1" dirty="0" smtClean="0"/>
+              <a:t>«</a:t>
+            </a:r>
+            <a:r>
+              <a:rPr lang="fr-FR" b="1" i="1" dirty="0"/>
+              <a:t> </a:t>
             </a:r>
             <a:r>
               <a:rPr lang="fr-FR" b="1" i="1" dirty="0" err="1"/>
               <a:t>brancheName</a:t>
             </a:r>
             <a:r>
-              <a:rPr lang="fr-FR" b="1" i="1" dirty="0"/>
-              <a:t>»,</a:t>
-            </a:r>
+              <a:rPr lang="fr-FR" b="1" i="1" dirty="0" smtClean="0"/>
+              <a:t>»</a:t>
+            </a:r>
+            <a:endParaRPr lang="fr-FR" b="1" i="1" dirty="0"/>
           </a:p>
           <a:p>
             <a:pPr marL="804863" indent="-182563">
@@ -10500,7 +10695,11 @@
             </a:pPr>
             <a:r>
               <a:rPr lang="fr-FR" altLang="fr-FR" sz="2800" dirty="0"/>
-              <a:t> Intégrer une autre branche à la branche locale courante </a:t>
+              <a:t> Intégrer une autre branche à la branche locale </a:t>
+            </a:r>
+            <a:r>
+              <a:rPr lang="fr-FR" altLang="fr-FR" sz="2800" dirty="0" smtClean="0"/>
+              <a:t>courante deux cas </a:t>
             </a:r>
           </a:p>
           <a:p>
@@ -10513,14 +10712,142 @@
               </a:tabLst>
             </a:pPr>
             <a:r>
+              <a:rPr lang="fr-FR" sz="2800" b="1" i="1" dirty="0" smtClean="0">
+                <a:hlinkClick r:id="rId3" action="ppaction://hlinksldjump"/>
+              </a:rPr>
+              <a:t>git merge </a:t>
+            </a:r>
+            <a:r>
+              <a:rPr lang="fr-FR" sz="2800" b="1" i="1" dirty="0" err="1" smtClean="0">
+                <a:hlinkClick r:id="rId3" action="ppaction://hlinksldjump"/>
+              </a:rPr>
+              <a:t>branch</a:t>
+            </a:r>
+            <a:r>
+              <a:rPr lang="fr-FR" sz="2800" b="1" i="1" dirty="0" smtClean="0">
+                <a:hlinkClick r:id="rId3" action="ppaction://hlinksldjump"/>
+              </a:rPr>
+              <a:t> </a:t>
+            </a:r>
+            <a:r>
+              <a:rPr lang="fr-FR" sz="2800" dirty="0" smtClean="0"/>
+              <a:t>(pas de conflit il fait un fast forward = </a:t>
+            </a:r>
+            <a:r>
+              <a:rPr lang="fr-FR" sz="2800" dirty="0" err="1" smtClean="0"/>
+              <a:t>rebase</a:t>
+            </a:r>
+            <a:r>
+              <a:rPr lang="fr-FR" sz="2800" dirty="0" smtClean="0"/>
+              <a:t>) </a:t>
+            </a:r>
+            <a:endParaRPr lang="fr-FR" sz="2800" dirty="0"/>
+          </a:p>
+          <a:p>
+            <a:pPr marL="804863" lvl="1" indent="-182563">
+              <a:spcBef>
+                <a:spcPts val="1000"/>
+              </a:spcBef>
+              <a:tabLst>
+                <a:tab pos="901700" algn="l"/>
+              </a:tabLst>
+            </a:pPr>
+            <a:r>
+              <a:rPr lang="fr-FR" sz="2800" b="1" i="1" dirty="0" smtClean="0"/>
+              <a:t>git merge –no-</a:t>
+            </a:r>
+            <a:r>
+              <a:rPr lang="fr-FR" sz="2800" b="1" i="1" dirty="0" err="1" smtClean="0"/>
+              <a:t>ff</a:t>
+            </a:r>
+            <a:r>
+              <a:rPr lang="fr-FR" sz="2800" b="1" i="1" dirty="0" smtClean="0"/>
+              <a:t>  </a:t>
+            </a:r>
+            <a:r>
+              <a:rPr lang="fr-FR" sz="2800" b="1" i="1" dirty="0" err="1" smtClean="0"/>
+              <a:t>branch</a:t>
+            </a:r>
+            <a:r>
+              <a:rPr lang="fr-FR" sz="2800" b="1" i="1" dirty="0" smtClean="0"/>
+              <a:t> (</a:t>
+            </a:r>
+            <a:r>
+              <a:rPr lang="fr-FR" sz="2800" dirty="0"/>
+              <a:t>créer un commit pour marqué le merge</a:t>
+            </a:r>
+            <a:r>
+              <a:rPr lang="fr-FR" sz="2800" b="1" i="1" dirty="0" smtClean="0"/>
+              <a:t>)</a:t>
+            </a:r>
+          </a:p>
+          <a:p>
+            <a:pPr marL="804863" lvl="1" indent="-182563">
+              <a:spcBef>
+                <a:spcPts val="1000"/>
+              </a:spcBef>
+              <a:tabLst>
+                <a:tab pos="901700" algn="l"/>
+              </a:tabLst>
+            </a:pPr>
+            <a:r>
+              <a:rPr lang="fr-FR" sz="2800" b="1" i="1" dirty="0" smtClean="0"/>
+              <a:t>git </a:t>
+            </a:r>
+            <a:r>
+              <a:rPr lang="fr-FR" sz="2800" b="1" i="1" dirty="0" err="1" smtClean="0"/>
+              <a:t>reb</a:t>
+            </a:r>
+            <a:r>
+              <a:rPr lang="fr-FR" sz="2800" b="1" i="1" dirty="0" err="1" smtClean="0"/>
+              <a:t>ase</a:t>
+            </a:r>
+            <a:r>
+              <a:rPr lang="fr-FR" sz="2800" b="1" i="1" dirty="0" smtClean="0"/>
+              <a:t> </a:t>
+            </a:r>
+            <a:r>
               <a:rPr lang="fr-FR" sz="2800" b="1" i="1" dirty="0"/>
-              <a:t>git merge </a:t>
-            </a:r>
-            <a:r>
-              <a:rPr lang="fr-FR" sz="2800" b="1" i="1" dirty="0" smtClean="0"/>
-              <a:t>branch</a:t>
-            </a:r>
-            <a:endParaRPr lang="fr-FR" sz="2800" b="1" i="1" dirty="0"/>
+              <a:t>« </a:t>
+            </a:r>
+            <a:r>
+              <a:rPr lang="fr-FR" sz="2800" b="1" i="1" dirty="0" err="1"/>
+              <a:t>brancheName</a:t>
+            </a:r>
+            <a:r>
+              <a:rPr lang="fr-FR" sz="2800" dirty="0"/>
+              <a:t>»(modifie l’historique de projet </a:t>
+            </a:r>
+            <a:r>
+              <a:rPr lang="fr-FR" sz="2800" dirty="0" smtClean="0"/>
+              <a:t>)</a:t>
+            </a:r>
+            <a:r>
+              <a:rPr lang="fr-FR" sz="2800" dirty="0" smtClean="0">
+                <a:sym typeface="Wingdings" panose="05000000000000000000" pitchFamily="2" charset="2"/>
+              </a:rPr>
+              <a:t></a:t>
+            </a:r>
+            <a:r>
+              <a:rPr lang="fr-FR" sz="2800" dirty="0" smtClean="0">
+                <a:sym typeface="Wingdings" panose="05000000000000000000" pitchFamily="2" charset="2"/>
+                <a:hlinkClick r:id="rId4" action="ppaction://hlinksldjump"/>
+              </a:rPr>
+              <a:t>Exo</a:t>
+            </a:r>
+            <a:endParaRPr lang="fr-FR" sz="2800" dirty="0"/>
+          </a:p>
+          <a:p>
+            <a:pPr marL="622300" lvl="1" indent="0">
+              <a:spcBef>
+                <a:spcPts val="1000"/>
+              </a:spcBef>
+              <a:buNone/>
+              <a:tabLst>
+                <a:tab pos="901700" algn="l"/>
+              </a:tabLst>
+            </a:pPr>
+            <a:endParaRPr lang="fr-FR" sz="2800" b="1" i="1" dirty="0" smtClean="0"/>
           </a:p>
         </p:txBody>
       </p:sp>
@@ -10791,7 +11118,6 @@
               <a:rPr lang="fr-FR" sz="2800" dirty="0" smtClean="0"/>
               <a:t>).</a:t>
             </a:r>
-            <a:endParaRPr lang="fr-FR" sz="2800" dirty="0" smtClean="0"/>
           </a:p>
         </p:txBody>
       </p:sp>
@@ -10935,7 +11261,6 @@
               <a:rPr lang="fr-FR" dirty="0"/>
               <a:t>On veut livré rapidement</a:t>
             </a:r>
-            <a:endParaRPr lang="fr-FR" dirty="0"/>
           </a:p>
           <a:p>
             <a:pPr marL="514350" indent="-514350">
@@ -10969,11 +11294,7 @@
             </a:r>
             <a:r>
               <a:rPr lang="fr-FR" dirty="0"/>
-              <a:t>développeur </a:t>
-            </a:r>
-            <a:r>
-              <a:rPr lang="fr-FR" dirty="0"/>
-              <a:t>créer une </a:t>
+              <a:t>développeur créer une </a:t>
             </a:r>
             <a:r>
               <a:rPr lang="fr-FR" dirty="0" smtClean="0"/>
@@ -12166,13 +12487,7 @@
               <a:rPr lang="fr-FR" dirty="0" smtClean="0">
                 <a:sym typeface="Wingdings" panose="05000000000000000000" pitchFamily="2" charset="2"/>
               </a:rPr>
-              <a:t>Ralentis </a:t>
-            </a:r>
-            <a:r>
-              <a:rPr lang="fr-FR" dirty="0" smtClean="0">
-                <a:sym typeface="Wingdings" panose="05000000000000000000" pitchFamily="2" charset="2"/>
-              </a:rPr>
-              <a:t>pas le projet et augmente la vitesse de développement.</a:t>
+              <a:t>Ralentis pas le projet et augmente la vitesse de développement.</a:t>
             </a:r>
             <a:endParaRPr lang="fr-FR" b="1" dirty="0" smtClean="0">
               <a:sym typeface="Wingdings" panose="05000000000000000000" pitchFamily="2" charset="2"/>
@@ -12195,9 +12510,6 @@
               </a:rPr>
               <a:t>qualité à cause de revue itérative du code.</a:t>
             </a:r>
-            <a:endParaRPr lang="fr-FR" dirty="0" smtClean="0">
-              <a:sym typeface="Wingdings" panose="05000000000000000000" pitchFamily="2" charset="2"/>
-            </a:endParaRPr>
           </a:p>
           <a:p>
             <a:pPr marL="514350" indent="-63500">
@@ -12208,13 +12520,7 @@
               <a:rPr lang="fr-FR" dirty="0" smtClean="0">
                 <a:sym typeface="Wingdings" panose="05000000000000000000" pitchFamily="2" charset="2"/>
               </a:rPr>
-              <a:t>Partage de savoir entre  les membre de l’équipe</a:t>
-            </a:r>
-            <a:r>
-              <a:rPr lang="fr-FR" dirty="0" smtClean="0">
-                <a:sym typeface="Wingdings" panose="05000000000000000000" pitchFamily="2" charset="2"/>
-              </a:rPr>
-              <a:t>.</a:t>
+              <a:t>Partage de savoir entre  les membre de l’équipe.</a:t>
             </a:r>
             <a:endParaRPr lang="fr-FR" dirty="0">
               <a:sym typeface="Wingdings" panose="05000000000000000000" pitchFamily="2" charset="2"/>
@@ -12231,9 +12537,6 @@
               </a:rPr>
               <a:t>Opportunité d’approuvé  ou non une fonctionnalité avant qu'elle soit intégré dans le projet officiel.</a:t>
             </a:r>
-            <a:endParaRPr lang="fr-FR" dirty="0" smtClean="0">
-              <a:sym typeface="Wingdings" panose="05000000000000000000" pitchFamily="2" charset="2"/>
-            </a:endParaRPr>
           </a:p>
           <a:p>
             <a:pPr marL="514350" indent="-63500">
@@ -12244,13 +12547,7 @@
               <a:rPr lang="fr-FR" dirty="0" smtClean="0">
                 <a:sym typeface="Wingdings" panose="05000000000000000000" pitchFamily="2" charset="2"/>
               </a:rPr>
-              <a:t>partage du sentiment </a:t>
-            </a:r>
-            <a:r>
-              <a:rPr lang="fr-FR" dirty="0" smtClean="0">
-                <a:sym typeface="Wingdings" panose="05000000000000000000" pitchFamily="2" charset="2"/>
-              </a:rPr>
-              <a:t>appartenance.</a:t>
+              <a:t>partage du sentiment appartenance.</a:t>
             </a:r>
           </a:p>
           <a:p>
@@ -12282,13 +12579,8 @@
             </a:r>
             <a:r>
               <a:rPr lang="fr-FR" dirty="0" smtClean="0"/>
-              <a:t>La manière d’utilisé les requêtes pull dépend de modèle de développement utilisé dans le </a:t>
-            </a:r>
-            <a:r>
-              <a:rPr lang="fr-FR" dirty="0" smtClean="0"/>
-              <a:t>projet mais le processus en général est comme suit.</a:t>
-            </a:r>
-            <a:endParaRPr lang="fr-FR" dirty="0" smtClean="0"/>
+              <a:t>La manière d’utilisé les requêtes pull dépend de modèle de développement utilisé dans le projet mais le processus en général est comme suit.</a:t>
+            </a:r>
           </a:p>
           <a:p>
             <a:pPr marL="0" indent="0">
@@ -12801,11 +13093,7 @@
             </a:pPr>
             <a:r>
               <a:rPr lang="fr-FR" sz="2800" dirty="0" smtClean="0"/>
-              <a:t>Ajoute </a:t>
-            </a:r>
-            <a:r>
-              <a:rPr lang="fr-FR" sz="2800" dirty="0" smtClean="0"/>
-              <a:t>un autre </a:t>
+              <a:t>Ajoute un autre </a:t>
             </a:r>
             <a:r>
               <a:rPr lang="fr-FR" sz="2800" dirty="0" err="1" smtClean="0"/>
@@ -13033,19 +13321,7 @@
             </a:pPr>
             <a:r>
               <a:rPr lang="fr-FR" sz="2800" dirty="0"/>
-              <a:t>Créer une nouvelle  branche (git branch  </a:t>
-            </a:r>
-            <a:r>
-              <a:rPr lang="fr-FR" sz="2800" dirty="0"/>
-              <a:t>« </a:t>
-            </a:r>
-            <a:r>
-              <a:rPr lang="fr-FR" sz="2800" dirty="0"/>
-              <a:t>newFeature </a:t>
-            </a:r>
-            <a:r>
-              <a:rPr lang="fr-FR" sz="2800" dirty="0"/>
-              <a:t>») </a:t>
+              <a:t>Créer une nouvelle  branche (git branch  « newFeature ») </a:t>
             </a:r>
           </a:p>
           <a:p>
@@ -13079,31 +13355,7 @@
             </a:pPr>
             <a:r>
               <a:rPr lang="fr-FR" sz="2800" dirty="0"/>
-              <a:t>Commit et pusher </a:t>
-            </a:r>
-            <a:r>
-              <a:rPr lang="fr-FR" sz="2800" dirty="0"/>
-              <a:t>vers </a:t>
-            </a:r>
-            <a:r>
-              <a:rPr lang="fr-FR" sz="2800" dirty="0"/>
-              <a:t>le dépôt bifurqué (dans la </a:t>
-            </a:r>
-            <a:r>
-              <a:rPr lang="fr-FR" sz="2800" dirty="0"/>
-              <a:t>branche </a:t>
-            </a:r>
-            <a:r>
-              <a:rPr lang="fr-FR" sz="2800" dirty="0"/>
-              <a:t>« </a:t>
-            </a:r>
-            <a:r>
-              <a:rPr lang="fr-FR" sz="2800" dirty="0"/>
-              <a:t>newFeature </a:t>
-            </a:r>
-            <a:r>
-              <a:rPr lang="fr-FR" sz="2800" dirty="0"/>
-              <a:t>»)</a:t>
+              <a:t>Commit et pusher vers le dépôt bifurqué (dans la branche « newFeature »)</a:t>
             </a:r>
           </a:p>
           <a:p>
@@ -13137,15 +13389,7 @@
             </a:pPr>
             <a:r>
               <a:rPr lang="fr-FR" sz="2800" dirty="0"/>
-              <a:t>Une foie accepté par le propriétaire du dépôt on voit quelle(PR</a:t>
-            </a:r>
-            <a:r>
-              <a:rPr lang="fr-FR" sz="2800" dirty="0"/>
-              <a:t>) </a:t>
-            </a:r>
-            <a:r>
-              <a:rPr lang="fr-FR" sz="2800" dirty="0"/>
-              <a:t> à changé de statut à accepté et fermé.</a:t>
+              <a:t>Une foie accepté par le propriétaire du dépôt on voit quelle(PR)  à changé de statut à accepté et fermé.</a:t>
             </a:r>
           </a:p>
           <a:p>
@@ -13672,192 +13916,34 @@
         </p:blipFill>
         <p:spPr>
           <a:xfrm>
-            <a:off x="0" y="-148949"/>
-            <a:ext cx="4254901" cy="2405262"/>
+            <a:off x="0" y="-148950"/>
+            <a:ext cx="5830784" cy="4922831"/>
           </a:xfrm>
           <a:prstGeom prst="rect">
             <a:avLst/>
           </a:prstGeom>
         </p:spPr>
       </p:pic>
-      <p:sp>
-        <p:nvSpPr>
-          <p:cNvPr id="3" name="Rectangle 1"/>
-          <p:cNvSpPr>
-            <a:spLocks noChangeArrowheads="1"/>
-          </p:cNvSpPr>
-          <p:nvPr/>
-        </p:nvSpPr>
-        <p:spPr bwMode="auto">
-          <a:xfrm>
-            <a:off x="316923" y="6301047"/>
-            <a:ext cx="12192000" cy="457200"/>
-          </a:xfrm>
-          <a:prstGeom prst="rect">
-            <a:avLst/>
-          </a:prstGeom>
-          <a:solidFill>
-            <a:srgbClr val="292D3E"/>
-          </a:solidFill>
-          <a:ln>
-            <a:noFill/>
-          </a:ln>
-          <a:effectLst/>
-          <a:extLst>
-            <a:ext uri="{91240B29-F687-4F45-9708-019B960494DF}">
-              <a14:hiddenLine xmlns:a14="http://schemas.microsoft.com/office/drawing/2010/main" w="9525">
-                <a:solidFill>
-                  <a:schemeClr val="tx1"/>
-                </a:solidFill>
-                <a:miter lim="800000"/>
-                <a:headEnd/>
-                <a:tailEnd/>
-              </a14:hiddenLine>
-            </a:ext>
-            <a:ext uri="{AF507438-7753-43E0-B8FC-AC1667EBCBE1}">
-              <a14:hiddenEffects xmlns:a14="http://schemas.microsoft.com/office/drawing/2010/main">
-                <a:effectLst>
-                  <a:outerShdw dist="35921" dir="2700000" algn="ctr" rotWithShape="0">
-                    <a:schemeClr val="bg2"/>
-                  </a:outerShdw>
-                </a:effectLst>
-              </a14:hiddenEffects>
-            </a:ext>
-          </a:extLst>
-        </p:spPr>
-        <p:txBody>
-          <a:bodyPr vert="horz" wrap="none" lIns="91440" tIns="45720" rIns="91440" bIns="45720" numCol="1" anchor="ctr" anchorCtr="0" compatLnSpc="1">
-            <a:prstTxWarp prst="textNoShape">
-              <a:avLst/>
-            </a:prstTxWarp>
-            <a:spAutoFit/>
-          </a:bodyPr>
-          <a:lstStyle/>
-          <a:p>
-            <a:pPr marL="0" marR="0" lvl="0" indent="0" algn="l" defTabSz="914400" rtl="0" eaLnBrk="0" fontAlgn="base" latinLnBrk="0" hangingPunct="0">
-              <a:lnSpc>
-                <a:spcPct val="100000"/>
-              </a:lnSpc>
-              <a:spcBef>
-                <a:spcPct val="0"/>
-              </a:spcBef>
-              <a:spcAft>
-                <a:spcPct val="0"/>
-              </a:spcAft>
-              <a:buClrTx/>
-              <a:buSzTx/>
-              <a:buFontTx/>
-              <a:buNone/>
-              <a:tabLst/>
-            </a:pPr>
-            <a:r>
-              <a:rPr kumimoji="0" lang="fr-FR" altLang="fr-FR" sz="1000" b="0" i="0" u="none" strike="noStrike" cap="none" normalizeH="0" baseline="0" dirty="0" smtClean="0">
-                <a:ln>
-                  <a:noFill/>
-                </a:ln>
-                <a:solidFill>
-                  <a:srgbClr val="BFC7D5"/>
-                </a:solidFill>
-                <a:effectLst/>
-                <a:latin typeface="Consolas" panose="020B0609020204030204" pitchFamily="49" charset="0"/>
-              </a:rPr>
-              <a:t>git log </a:t>
-            </a:r>
-            <a:r>
-              <a:rPr kumimoji="0" lang="fr-FR" altLang="fr-FR" sz="1000" b="0" i="0" u="none" strike="noStrike" cap="none" normalizeH="0" baseline="0" dirty="0" smtClean="0">
-                <a:ln>
-                  <a:noFill/>
-                </a:ln>
-                <a:solidFill>
-                  <a:srgbClr val="89DDFF"/>
-                </a:solidFill>
-                <a:effectLst/>
-                <a:latin typeface="Consolas" panose="020B0609020204030204" pitchFamily="49" charset="0"/>
-              </a:rPr>
-              <a:t>--</a:t>
-            </a:r>
-            <a:r>
-              <a:rPr kumimoji="0" lang="fr-FR" altLang="fr-FR" sz="1000" b="0" i="0" u="none" strike="noStrike" cap="none" normalizeH="0" baseline="0" dirty="0" smtClean="0">
-                <a:ln>
-                  <a:noFill/>
-                </a:ln>
-                <a:solidFill>
-                  <a:srgbClr val="BFC7D5"/>
-                </a:solidFill>
-                <a:effectLst/>
-                <a:latin typeface="Consolas" panose="020B0609020204030204" pitchFamily="49" charset="0"/>
-              </a:rPr>
-              <a:t>graph </a:t>
-            </a:r>
-            <a:r>
-              <a:rPr kumimoji="0" lang="fr-FR" altLang="fr-FR" sz="1000" b="0" i="0" u="none" strike="noStrike" cap="none" normalizeH="0" baseline="0" dirty="0" smtClean="0">
-                <a:ln>
-                  <a:noFill/>
-                </a:ln>
-                <a:solidFill>
-                  <a:srgbClr val="89DDFF"/>
-                </a:solidFill>
-                <a:effectLst/>
-                <a:latin typeface="Consolas" panose="020B0609020204030204" pitchFamily="49" charset="0"/>
-              </a:rPr>
-              <a:t>--</a:t>
-            </a:r>
-            <a:r>
-              <a:rPr kumimoji="0" lang="fr-FR" altLang="fr-FR" sz="1000" b="0" i="0" u="none" strike="noStrike" cap="none" normalizeH="0" baseline="0" dirty="0" smtClean="0">
-                <a:ln>
-                  <a:noFill/>
-                </a:ln>
-                <a:solidFill>
-                  <a:srgbClr val="82AAFF"/>
-                </a:solidFill>
-                <a:effectLst/>
-                <a:latin typeface="Consolas" panose="020B0609020204030204" pitchFamily="49" charset="0"/>
-              </a:rPr>
-              <a:t>all</a:t>
-            </a:r>
-            <a:r>
-              <a:rPr kumimoji="0" lang="fr-FR" altLang="fr-FR" sz="800" b="0" i="0" u="none" strike="noStrike" cap="none" normalizeH="0" baseline="0" dirty="0" smtClean="0">
-                <a:ln>
-                  <a:noFill/>
-                </a:ln>
-                <a:solidFill>
-                  <a:schemeClr val="tx1"/>
-                </a:solidFill>
-                <a:effectLst/>
-              </a:rPr>
-              <a:t> </a:t>
-            </a:r>
-            <a:endParaRPr kumimoji="0" lang="fr-FR" altLang="fr-FR" sz="1800" b="0" i="0" u="none" strike="noStrike" cap="none" normalizeH="0" baseline="0" dirty="0" smtClean="0">
-              <a:ln>
-                <a:noFill/>
-              </a:ln>
-              <a:solidFill>
-                <a:schemeClr val="tx1"/>
-              </a:solidFill>
-              <a:effectLst/>
-              <a:latin typeface="Arial" panose="020B0604020202020204" pitchFamily="34" charset="0"/>
-            </a:endParaRPr>
-          </a:p>
-        </p:txBody>
-      </p:sp>
       <p:pic>
         <p:nvPicPr>
-          <p:cNvPr id="26" name="Image 25"/>
+          <p:cNvPr id="26" name="Image 25">
+            <a:hlinkClick r:id="rId3" action="ppaction://hlinksldjump"/>
+          </p:cNvPr>
           <p:cNvPicPr>
             <a:picLocks noChangeAspect="1"/>
           </p:cNvPicPr>
           <p:nvPr/>
         </p:nvPicPr>
         <p:blipFill>
-          <a:blip r:embed="rId3"/>
+          <a:blip r:embed="rId4"/>
           <a:stretch>
             <a:fillRect/>
           </a:stretch>
         </p:blipFill>
         <p:spPr>
           <a:xfrm>
-            <a:off x="593148" y="3668795"/>
-            <a:ext cx="10177771" cy="1666875"/>
+            <a:off x="5973288" y="58945"/>
+            <a:ext cx="6115792" cy="2126115"/>
           </a:xfrm>
           <a:prstGeom prst="rect">
             <a:avLst/>
@@ -13881,6 +13967,275 @@
       </p:par>
     </p:tnLst>
   </p:timing>
+</p:sld>
+</file>
+
+<file path=ppt/slides/slide28.xml><?xml version="1.0" encoding="utf-8"?>
+<p:sld xmlns:a="http://schemas.openxmlformats.org/drawingml/2006/main" xmlns:r="http://schemas.openxmlformats.org/officeDocument/2006/relationships" xmlns:p="http://schemas.openxmlformats.org/presentationml/2006/main">
+  <p:cSld>
+    <p:spTree>
+      <p:nvGrpSpPr>
+        <p:cNvPr id="1" name=""/>
+        <p:cNvGrpSpPr/>
+        <p:nvPr/>
+      </p:nvGrpSpPr>
+      <p:grpSpPr>
+        <a:xfrm>
+          <a:off x="0" y="0"/>
+          <a:ext cx="0" cy="0"/>
+          <a:chOff x="0" y="0"/>
+          <a:chExt cx="0" cy="0"/>
+        </a:xfrm>
+      </p:grpSpPr>
+      <p:pic>
+        <p:nvPicPr>
+          <p:cNvPr id="4" name="Image 3">
+            <a:hlinkClick r:id="rId2" action="ppaction://hlinksldjump"/>
+          </p:cNvPr>
+          <p:cNvPicPr>
+            <a:picLocks noChangeAspect="1"/>
+          </p:cNvPicPr>
+          <p:nvPr/>
+        </p:nvPicPr>
+        <p:blipFill>
+          <a:blip r:embed="rId3">
+            <a:extLst>
+              <a:ext uri="{28A0092B-C50C-407E-A947-70E740481C1C}">
+                <a14:useLocalDpi xmlns:a14="http://schemas.microsoft.com/office/drawing/2010/main" val="0"/>
+              </a:ext>
+            </a:extLst>
+          </a:blip>
+          <a:stretch>
+            <a:fillRect/>
+          </a:stretch>
+        </p:blipFill>
+        <p:spPr>
+          <a:xfrm>
+            <a:off x="344385" y="570016"/>
+            <a:ext cx="11483438" cy="5807035"/>
+          </a:xfrm>
+          <a:prstGeom prst="rect">
+            <a:avLst/>
+          </a:prstGeom>
+        </p:spPr>
+      </p:pic>
+    </p:spTree>
+    <p:extLst>
+      <p:ext uri="{BB962C8B-B14F-4D97-AF65-F5344CB8AC3E}">
+        <p14:creationId xmlns:p14="http://schemas.microsoft.com/office/powerpoint/2010/main" val="3271210447"/>
+      </p:ext>
+    </p:extLst>
+  </p:cSld>
+  <p:clrMapOvr>
+    <a:masterClrMapping/>
+  </p:clrMapOvr>
+  <p:timing>
+    <p:tnLst>
+      <p:par>
+        <p:cTn id="1" dur="indefinite" restart="never" nodeType="tmRoot"/>
+      </p:par>
+    </p:tnLst>
+  </p:timing>
+</p:sld>
+</file>
+
+<file path=ppt/slides/slide29.xml><?xml version="1.0" encoding="utf-8"?>
+<p:sld xmlns:a="http://schemas.openxmlformats.org/drawingml/2006/main" xmlns:r="http://schemas.openxmlformats.org/officeDocument/2006/relationships" xmlns:p="http://schemas.openxmlformats.org/presentationml/2006/main">
+  <p:cSld>
+    <p:spTree>
+      <p:nvGrpSpPr>
+        <p:cNvPr id="1" name=""/>
+        <p:cNvGrpSpPr/>
+        <p:nvPr/>
+      </p:nvGrpSpPr>
+      <p:grpSpPr>
+        <a:xfrm>
+          <a:off x="0" y="0"/>
+          <a:ext cx="0" cy="0"/>
+          <a:chOff x="0" y="0"/>
+          <a:chExt cx="0" cy="0"/>
+        </a:xfrm>
+      </p:grpSpPr>
+      <p:sp>
+        <p:nvSpPr>
+          <p:cNvPr id="2" name="Titre 1"/>
+          <p:cNvSpPr>
+            <a:spLocks noGrp="1"/>
+          </p:cNvSpPr>
+          <p:nvPr>
+            <p:ph type="title"/>
+          </p:nvPr>
+        </p:nvSpPr>
+        <p:spPr>
+          <a:xfrm>
+            <a:off x="4958938" y="0"/>
+            <a:ext cx="2534392" cy="605642"/>
+          </a:xfrm>
+        </p:spPr>
+        <p:txBody>
+          <a:bodyPr>
+            <a:normAutofit fontScale="90000"/>
+          </a:bodyPr>
+          <a:lstStyle/>
+          <a:p>
+            <a:pPr algn="ctr"/>
+            <a:r>
+              <a:rPr lang="fr-FR" b="1" dirty="0" smtClean="0"/>
+              <a:t>exercice</a:t>
+            </a:r>
+            <a:endParaRPr lang="fr-FR" b="1" dirty="0"/>
+          </a:p>
+        </p:txBody>
+      </p:sp>
+      <p:sp>
+        <p:nvSpPr>
+          <p:cNvPr id="3" name="Espace réservé du contenu 2"/>
+          <p:cNvSpPr>
+            <a:spLocks noGrp="1"/>
+          </p:cNvSpPr>
+          <p:nvPr>
+            <p:ph idx="1"/>
+          </p:nvPr>
+        </p:nvSpPr>
+        <p:spPr>
+          <a:xfrm>
+            <a:off x="0" y="866899"/>
+            <a:ext cx="12192000" cy="5310064"/>
+          </a:xfrm>
+        </p:spPr>
+        <p:txBody>
+          <a:bodyPr/>
+          <a:lstStyle/>
+          <a:p>
+            <a:pPr marL="514350" indent="-514350">
+              <a:buFont typeface="+mj-lt"/>
+              <a:buAutoNum type="arabicPeriod"/>
+            </a:pPr>
+            <a:r>
+              <a:rPr lang="fr-FR" dirty="0" smtClean="0"/>
+              <a:t>cloner </a:t>
+            </a:r>
+            <a:r>
+              <a:rPr lang="fr-FR" dirty="0" err="1" smtClean="0">
+                <a:hlinkClick r:id="rId3"/>
+              </a:rPr>
+              <a:t>git@github.com:cameronmcnz</a:t>
+            </a:r>
+            <a:r>
+              <a:rPr lang="fr-FR" dirty="0" smtClean="0">
+                <a:hlinkClick r:id="rId3"/>
+              </a:rPr>
+              <a:t>/</a:t>
+            </a:r>
+            <a:r>
+              <a:rPr lang="fr-FR" dirty="0" err="1" smtClean="0">
+                <a:hlinkClick r:id="rId3"/>
+              </a:rPr>
+              <a:t>rebase-github.git</a:t>
+            </a:r>
+            <a:endParaRPr lang="fr-FR" dirty="0" smtClean="0"/>
+          </a:p>
+          <a:p>
+            <a:pPr marL="514350" indent="-514350">
+              <a:buFont typeface="+mj-lt"/>
+              <a:buAutoNum type="arabicPeriod"/>
+            </a:pPr>
+            <a:r>
+              <a:rPr lang="fr-FR" dirty="0"/>
+              <a:t>Switcher vers la </a:t>
+            </a:r>
+            <a:r>
+              <a:rPr lang="fr-FR" dirty="0" smtClean="0"/>
+              <a:t>branche </a:t>
+            </a:r>
+            <a:r>
+              <a:rPr lang="fr-FR" dirty="0" err="1" smtClean="0"/>
+              <a:t>feature</a:t>
+            </a:r>
+            <a:endParaRPr lang="fr-FR" dirty="0"/>
+          </a:p>
+          <a:p>
+            <a:pPr marL="514350" indent="-514350">
+              <a:buFont typeface="+mj-lt"/>
+              <a:buAutoNum type="arabicPeriod"/>
+            </a:pPr>
+            <a:r>
+              <a:rPr lang="fr-FR" dirty="0"/>
+              <a:t>Afficher le </a:t>
+            </a:r>
+            <a:r>
+              <a:rPr lang="fr-FR" dirty="0" smtClean="0"/>
+              <a:t>log</a:t>
+            </a:r>
+          </a:p>
+          <a:p>
+            <a:pPr marL="514350" indent="-514350">
+              <a:buFont typeface="+mj-lt"/>
+              <a:buAutoNum type="arabicPeriod"/>
+            </a:pPr>
+            <a:r>
+              <a:rPr lang="fr-FR" dirty="0" err="1" smtClean="0"/>
+              <a:t>Ls</a:t>
+            </a:r>
+            <a:r>
+              <a:rPr lang="fr-FR" dirty="0" smtClean="0"/>
+              <a:t> voir les fichier</a:t>
+            </a:r>
+          </a:p>
+          <a:p>
+            <a:pPr marL="514350" indent="-514350">
+              <a:buFont typeface="+mj-lt"/>
+              <a:buAutoNum type="arabicPeriod"/>
+            </a:pPr>
+            <a:r>
+              <a:rPr lang="fr-FR" dirty="0" err="1"/>
+              <a:t>Rebase</a:t>
+            </a:r>
+            <a:r>
+              <a:rPr lang="fr-FR" dirty="0"/>
+              <a:t> master dans </a:t>
+            </a:r>
+            <a:r>
+              <a:rPr lang="fr-FR" dirty="0" err="1" smtClean="0"/>
+              <a:t>feature</a:t>
+            </a:r>
+            <a:endParaRPr lang="fr-FR" dirty="0" smtClean="0"/>
+          </a:p>
+          <a:p>
+            <a:pPr marL="514350" indent="-514350">
+              <a:buFont typeface="+mj-lt"/>
+              <a:buAutoNum type="arabicPeriod"/>
+            </a:pPr>
+            <a:r>
+              <a:rPr lang="fr-FR" dirty="0" err="1"/>
+              <a:t>Rebase</a:t>
+            </a:r>
+            <a:r>
+              <a:rPr lang="fr-FR" dirty="0"/>
+              <a:t> </a:t>
+            </a:r>
+            <a:r>
+              <a:rPr lang="fr-FR" dirty="0" err="1" smtClean="0"/>
+              <a:t>feature</a:t>
+            </a:r>
+            <a:r>
+              <a:rPr lang="fr-FR" dirty="0" smtClean="0"/>
+              <a:t> Dans master</a:t>
+            </a:r>
+            <a:endParaRPr lang="fr-FR" dirty="0"/>
+          </a:p>
+        </p:txBody>
+      </p:sp>
+    </p:spTree>
+    <p:extLst>
+      <p:ext uri="{BB962C8B-B14F-4D97-AF65-F5344CB8AC3E}">
+        <p14:creationId xmlns:p14="http://schemas.microsoft.com/office/powerpoint/2010/main" val="2420021955"/>
+      </p:ext>
+    </p:extLst>
+  </p:cSld>
+  <p:clrMapOvr>
+    <a:masterClrMapping/>
+  </p:clrMapOvr>
 </p:sld>
 </file>
 
@@ -14423,6 +14778,13 @@
   <p:clrMapOvr>
     <a:masterClrMapping/>
   </p:clrMapOvr>
+  <p:timing>
+    <p:tnLst>
+      <p:par>
+        <p:cTn id="1" dur="indefinite" restart="never" nodeType="tmRoot"/>
+      </p:par>
+    </p:tnLst>
+  </p:timing>
 </p:sld>
 </file>
 
@@ -15064,6 +15426,13 @@
   <p:clrMapOvr>
     <a:masterClrMapping/>
   </p:clrMapOvr>
+  <p:timing>
+    <p:tnLst>
+      <p:par>
+        <p:cTn id="1" dur="indefinite" restart="never" nodeType="tmRoot"/>
+      </p:par>
+    </p:tnLst>
+  </p:timing>
 </p:sld>
 </file>
 
@@ -15534,13 +15903,13 @@
         </p:nvSpPr>
         <p:spPr>
           <a:xfrm>
-            <a:off x="164620" y="1045133"/>
-            <a:ext cx="11928768" cy="5687361"/>
+            <a:off x="0" y="926379"/>
+            <a:ext cx="12192000" cy="5931621"/>
           </a:xfrm>
         </p:spPr>
         <p:txBody>
           <a:bodyPr>
-            <a:normAutofit/>
+            <a:normAutofit lnSpcReduction="10000"/>
           </a:bodyPr>
           <a:lstStyle/>
           <a:p>
@@ -15659,11 +16028,12 @@
             </a:r>
             <a:r>
               <a:rPr lang="fr-FR" sz="2800" b="1" i="1" dirty="0"/>
-              <a:t> –cached « fichier»</a:t>
-            </a:r>
-          </a:p>
-          <a:p>
-            <a:pPr marL="1160462" lvl="1" indent="-342900"/>
+              <a:t> –cached « fichier</a:t>
+            </a:r>
+            <a:r>
+              <a:rPr lang="fr-FR" sz="2800" b="1" i="1" dirty="0" smtClean="0"/>
+              <a:t>»</a:t>
+            </a:r>
             <a:endParaRPr lang="fr-FR" sz="2800" b="1" i="1" dirty="0"/>
           </a:p>
           <a:p>
@@ -15753,8 +16123,77 @@
             </a:pPr>
             <a:r>
               <a:rPr lang="fr-FR" sz="2800" b="1" i="1" dirty="0"/>
-              <a:t>Git clean</a:t>
-            </a:r>
+              <a:t>Git </a:t>
+            </a:r>
+            <a:r>
+              <a:rPr lang="fr-FR" sz="2800" b="1" i="1" dirty="0" smtClean="0"/>
+              <a:t>clean</a:t>
+            </a:r>
+          </a:p>
+          <a:p>
+            <a:pPr marL="877888" lvl="1" indent="-514350">
+              <a:lnSpc>
+                <a:spcPct val="110000"/>
+              </a:lnSpc>
+              <a:buFont typeface="+mj-lt"/>
+              <a:buAutoNum type="arabicPeriod" startAt="11"/>
+            </a:pPr>
+            <a:r>
+              <a:rPr lang="fr-FR" sz="2800" dirty="0"/>
+              <a:t>indexer la suppression d’un fichier:</a:t>
+            </a:r>
+          </a:p>
+          <a:p>
+            <a:pPr marL="1158875" lvl="1" indent="-347663"/>
+            <a:r>
+              <a:rPr lang="fr-FR" sz="2800" b="1" i="1" dirty="0"/>
+              <a:t>git </a:t>
+            </a:r>
+            <a:r>
+              <a:rPr lang="fr-FR" sz="2800" b="1" i="1" dirty="0" err="1"/>
+              <a:t>rm</a:t>
+            </a:r>
+            <a:r>
+              <a:rPr lang="fr-FR" sz="2800" b="1" i="1" dirty="0"/>
+              <a:t> «  fichier»</a:t>
+            </a:r>
+          </a:p>
+          <a:p>
+            <a:pPr marL="877887" lvl="1" indent="-514350">
+              <a:lnSpc>
+                <a:spcPct val="110000"/>
+              </a:lnSpc>
+              <a:buFont typeface="+mj-lt"/>
+              <a:buAutoNum type="arabicPeriod" startAt="12"/>
+            </a:pPr>
+            <a:r>
+              <a:rPr lang="fr-FR" sz="2800" dirty="0"/>
+              <a:t>Annuler les modifications indexes ( le contraire de git </a:t>
+            </a:r>
+            <a:r>
+              <a:rPr lang="fr-FR" sz="2800" dirty="0" err="1"/>
+              <a:t>add</a:t>
+            </a:r>
+            <a:r>
+              <a:rPr lang="fr-FR" sz="2800" dirty="0"/>
+              <a:t> file):</a:t>
+            </a:r>
+          </a:p>
+          <a:p>
+            <a:pPr marL="1158875" lvl="1" indent="-347663"/>
+            <a:r>
+              <a:rPr lang="fr-FR" sz="2800" b="1" i="1" dirty="0"/>
+              <a:t>git reset --  « fichier »</a:t>
+            </a:r>
+          </a:p>
+          <a:p>
+            <a:pPr marL="817562" lvl="1" indent="0">
+              <a:lnSpc>
+                <a:spcPct val="70000"/>
+              </a:lnSpc>
+              <a:buNone/>
+            </a:pPr>
+            <a:endParaRPr lang="fr-FR" sz="2800" b="1" i="1" dirty="0"/>
           </a:p>
           <a:p>
             <a:pPr marL="811213" lvl="1" indent="-447675">

--- a/Formation Git.pptx
+++ b/Formation Git.pptx
@@ -5,7 +5,7 @@
     <p:sldMasterId id="2147483648" r:id="rId1"/>
   </p:sldMasterIdLst>
   <p:notesMasterIdLst>
-    <p:notesMasterId r:id="rId31"/>
+    <p:notesMasterId r:id="rId32"/>
   </p:notesMasterIdLst>
   <p:sldIdLst>
     <p:sldId id="257" r:id="rId2"/>
@@ -36,7 +36,8 @@
     <p:sldId id="285" r:id="rId27"/>
     <p:sldId id="271" r:id="rId28"/>
     <p:sldId id="292" r:id="rId29"/>
-    <p:sldId id="293" r:id="rId30"/>
+    <p:sldId id="294" r:id="rId30"/>
+    <p:sldId id="293" r:id="rId31"/>
   </p:sldIdLst>
   <p:sldSz cx="12192000" cy="6858000"/>
   <p:notesSz cx="6858000" cy="9144000"/>
@@ -225,7 +226,7 @@
           <a:p>
             <a:fld id="{6C11479D-E256-4744-A8DA-17425A14A154}" type="datetimeFigureOut">
               <a:rPr lang="fr-FR" smtClean="0"/>
-              <a:t>29/11/2022</a:t>
+              <a:t>30/11/2022</a:t>
             </a:fld>
             <a:endParaRPr lang="fr-FR"/>
           </a:p>
@@ -1226,11 +1227,7 @@
             </a:r>
             <a:r>
               <a:rPr lang="fr-FR" dirty="0" smtClean="0"/>
-              <a:t>vous </a:t>
-            </a:r>
-            <a:r>
-              <a:rPr lang="fr-FR" dirty="0" smtClean="0"/>
-              <a:t>pouvez être assuré : fetch ne manipulera, ne détruira ou ne bousillera jamais quoi que ce soit.</a:t>
+              <a:t>vous pouvez être assuré : fetch ne manipulera, ne détruira ou ne bousillera jamais quoi que ce soit.</a:t>
             </a:r>
           </a:p>
           <a:p>
@@ -1241,11 +1238,7 @@
             </a:r>
             <a:r>
               <a:rPr lang="fr-FR" dirty="0" smtClean="0"/>
-              <a:t> </a:t>
-            </a:r>
-            <a:r>
-              <a:rPr lang="fr-FR" dirty="0" smtClean="0"/>
-              <a:t>: </a:t>
+              <a:t> : </a:t>
             </a:r>
             <a:r>
               <a:rPr lang="fr-FR" dirty="0" err="1" smtClean="0"/>
@@ -1257,35 +1250,7 @@
             </a:r>
             <a:r>
               <a:rPr lang="fr-FR" baseline="0" dirty="0" smtClean="0"/>
-              <a:t> plus de téléchargement il </a:t>
-            </a:r>
-            <a:r>
-              <a:rPr lang="fr-FR" baseline="0" dirty="0" smtClean="0"/>
-              <a:t>intègre </a:t>
-            </a:r>
-            <a:r>
-              <a:rPr lang="fr-FR" baseline="0" dirty="0" smtClean="0"/>
-              <a:t>les changement dans l’espace de travail (peut généré des conflits)(pull doit </a:t>
-            </a:r>
-            <a:r>
-              <a:rPr lang="fr-FR" baseline="0" dirty="0" smtClean="0"/>
-              <a:t>être </a:t>
-            </a:r>
-            <a:r>
-              <a:rPr lang="fr-FR" baseline="0" dirty="0" smtClean="0"/>
-              <a:t>utilisé avec une copie local propre </a:t>
-            </a:r>
-            <a:r>
-              <a:rPr lang="fr-FR" baseline="0" dirty="0" smtClean="0"/>
-              <a:t>son </a:t>
-            </a:r>
-            <a:r>
-              <a:rPr lang="fr-FR" baseline="0" dirty="0" smtClean="0"/>
-              <a:t>changement </a:t>
-            </a:r>
-            <a:r>
-              <a:rPr lang="fr-FR" baseline="0" dirty="0" smtClean="0"/>
-              <a:t>un </a:t>
+              <a:t> plus de téléchargement il intègre les changement dans l’espace de travail (peut généré des conflits)(pull doit être utilisé avec une copie local propre son changement un </a:t>
             </a:r>
             <a:r>
               <a:rPr lang="fr-FR" baseline="0" dirty="0" err="1" smtClean="0"/>
@@ -1295,7 +1260,6 @@
               <a:rPr lang="fr-FR" baseline="0" dirty="0" smtClean="0"/>
               <a:t>) </a:t>
             </a:r>
-            <a:endParaRPr lang="fr-FR" baseline="0" dirty="0" smtClean="0"/>
           </a:p>
           <a:p>
             <a:pPr rtl="0"/>
@@ -1316,8 +1280,21 @@
             <a:pPr rtl="0"/>
             <a:r>
               <a:rPr lang="fr-FR" baseline="0" dirty="0" smtClean="0"/>
-              <a:t>O, peut pas faire de suivit</a:t>
-            </a:r>
+              <a:t>O, peut pas faire de </a:t>
+            </a:r>
+            <a:r>
+              <a:rPr lang="fr-FR" baseline="0" dirty="0" smtClean="0"/>
+              <a:t>suivit(à ne jamais utilisé dans un </a:t>
+            </a:r>
+            <a:r>
+              <a:rPr lang="fr-FR" baseline="0" dirty="0" err="1" smtClean="0"/>
+              <a:t>dépo</a:t>
+            </a:r>
+            <a:r>
+              <a:rPr lang="fr-FR" baseline="0" smtClean="0"/>
+              <a:t> public)</a:t>
+            </a:r>
+            <a:endParaRPr lang="fr-FR" baseline="0" dirty="0" smtClean="0"/>
           </a:p>
           <a:p>
             <a:pPr rtl="0"/>
@@ -3484,7 +3461,7 @@
           <a:p>
             <a:fld id="{852BFB1F-A0B8-45F9-8B0C-AE6AABDE724A}" type="slidenum">
               <a:rPr lang="fr-FR" smtClean="0"/>
-              <a:t>29</a:t>
+              <a:t>30</a:t>
             </a:fld>
             <a:endParaRPr lang="fr-FR"/>
           </a:p>
@@ -5792,7 +5769,7 @@
           <a:p>
             <a:fld id="{0A206D1B-E756-4A82-9838-551DE185C738}" type="datetimeFigureOut">
               <a:rPr lang="fr-FR" smtClean="0"/>
-              <a:t>29/11/2022</a:t>
+              <a:t>30/11/2022</a:t>
             </a:fld>
             <a:endParaRPr lang="fr-FR"/>
           </a:p>
@@ -5962,7 +5939,7 @@
           <a:p>
             <a:fld id="{0A206D1B-E756-4A82-9838-551DE185C738}" type="datetimeFigureOut">
               <a:rPr lang="fr-FR" smtClean="0"/>
-              <a:t>29/11/2022</a:t>
+              <a:t>30/11/2022</a:t>
             </a:fld>
             <a:endParaRPr lang="fr-FR"/>
           </a:p>
@@ -6142,7 +6119,7 @@
           <a:p>
             <a:fld id="{0A206D1B-E756-4A82-9838-551DE185C738}" type="datetimeFigureOut">
               <a:rPr lang="fr-FR" smtClean="0"/>
-              <a:t>29/11/2022</a:t>
+              <a:t>30/11/2022</a:t>
             </a:fld>
             <a:endParaRPr lang="fr-FR"/>
           </a:p>
@@ -6312,7 +6289,7 @@
           <a:p>
             <a:fld id="{0A206D1B-E756-4A82-9838-551DE185C738}" type="datetimeFigureOut">
               <a:rPr lang="fr-FR" smtClean="0"/>
-              <a:t>29/11/2022</a:t>
+              <a:t>30/11/2022</a:t>
             </a:fld>
             <a:endParaRPr lang="fr-FR"/>
           </a:p>
@@ -6558,7 +6535,7 @@
           <a:p>
             <a:fld id="{0A206D1B-E756-4A82-9838-551DE185C738}" type="datetimeFigureOut">
               <a:rPr lang="fr-FR" smtClean="0"/>
-              <a:t>29/11/2022</a:t>
+              <a:t>30/11/2022</a:t>
             </a:fld>
             <a:endParaRPr lang="fr-FR"/>
           </a:p>
@@ -6790,7 +6767,7 @@
           <a:p>
             <a:fld id="{0A206D1B-E756-4A82-9838-551DE185C738}" type="datetimeFigureOut">
               <a:rPr lang="fr-FR" smtClean="0"/>
-              <a:t>29/11/2022</a:t>
+              <a:t>30/11/2022</a:t>
             </a:fld>
             <a:endParaRPr lang="fr-FR"/>
           </a:p>
@@ -7157,7 +7134,7 @@
           <a:p>
             <a:fld id="{0A206D1B-E756-4A82-9838-551DE185C738}" type="datetimeFigureOut">
               <a:rPr lang="fr-FR" smtClean="0"/>
-              <a:t>29/11/2022</a:t>
+              <a:t>30/11/2022</a:t>
             </a:fld>
             <a:endParaRPr lang="fr-FR"/>
           </a:p>
@@ -7275,7 +7252,7 @@
           <a:p>
             <a:fld id="{0A206D1B-E756-4A82-9838-551DE185C738}" type="datetimeFigureOut">
               <a:rPr lang="fr-FR" smtClean="0"/>
-              <a:t>29/11/2022</a:t>
+              <a:t>30/11/2022</a:t>
             </a:fld>
             <a:endParaRPr lang="fr-FR"/>
           </a:p>
@@ -7370,7 +7347,7 @@
           <a:p>
             <a:fld id="{0A206D1B-E756-4A82-9838-551DE185C738}" type="datetimeFigureOut">
               <a:rPr lang="fr-FR" smtClean="0"/>
-              <a:t>29/11/2022</a:t>
+              <a:t>30/11/2022</a:t>
             </a:fld>
             <a:endParaRPr lang="fr-FR"/>
           </a:p>
@@ -7647,7 +7624,7 @@
           <a:p>
             <a:fld id="{0A206D1B-E756-4A82-9838-551DE185C738}" type="datetimeFigureOut">
               <a:rPr lang="fr-FR" smtClean="0"/>
-              <a:t>29/11/2022</a:t>
+              <a:t>30/11/2022</a:t>
             </a:fld>
             <a:endParaRPr lang="fr-FR"/>
           </a:p>
@@ -7900,7 +7877,7 @@
           <a:p>
             <a:fld id="{0A206D1B-E756-4A82-9838-551DE185C738}" type="datetimeFigureOut">
               <a:rPr lang="fr-FR" smtClean="0"/>
-              <a:t>29/11/2022</a:t>
+              <a:t>30/11/2022</a:t>
             </a:fld>
             <a:endParaRPr lang="fr-FR"/>
           </a:p>
@@ -8113,7 +8090,7 @@
           <a:p>
             <a:fld id="{0A206D1B-E756-4A82-9838-551DE185C738}" type="datetimeFigureOut">
               <a:rPr lang="fr-FR" smtClean="0"/>
-              <a:t>29/11/2022</a:t>
+              <a:t>30/11/2022</a:t>
             </a:fld>
             <a:endParaRPr lang="fr-FR"/>
           </a:p>
@@ -10796,11 +10773,7 @@
             </a:r>
             <a:r>
               <a:rPr lang="fr-FR" sz="2800" b="1" i="1" dirty="0" err="1" smtClean="0"/>
-              <a:t>reb</a:t>
-            </a:r>
-            <a:r>
-              <a:rPr lang="fr-FR" sz="2800" b="1" i="1" dirty="0" err="1" smtClean="0"/>
-              <a:t>ase</a:t>
+              <a:t>rebase</a:t>
             </a:r>
             <a:r>
               <a:rPr lang="fr-FR" sz="2800" b="1" i="1" dirty="0" smtClean="0"/>
@@ -13950,6 +13923,109 @@
           </a:prstGeom>
         </p:spPr>
       </p:pic>
+      <p:pic>
+        <p:nvPicPr>
+          <p:cNvPr id="2" name="Image 1"/>
+          <p:cNvPicPr>
+            <a:picLocks noChangeAspect="1"/>
+          </p:cNvPicPr>
+          <p:nvPr/>
+        </p:nvPicPr>
+        <p:blipFill>
+          <a:blip r:embed="rId5"/>
+          <a:stretch>
+            <a:fillRect/>
+          </a:stretch>
+        </p:blipFill>
+        <p:spPr>
+          <a:xfrm>
+            <a:off x="6282171" y="3513240"/>
+            <a:ext cx="4781550" cy="2800350"/>
+          </a:xfrm>
+          <a:prstGeom prst="rect">
+            <a:avLst/>
+          </a:prstGeom>
+        </p:spPr>
+      </p:pic>
+      <p:sp>
+        <p:nvSpPr>
+          <p:cNvPr id="3" name="Rectangle 2"/>
+          <p:cNvSpPr/>
+          <p:nvPr/>
+        </p:nvSpPr>
+        <p:spPr>
+          <a:xfrm>
+            <a:off x="3621973" y="5035138"/>
+            <a:ext cx="1318161" cy="570015"/>
+          </a:xfrm>
+          <a:prstGeom prst="rect">
+            <a:avLst/>
+          </a:prstGeom>
+        </p:spPr>
+        <p:style>
+          <a:lnRef idx="2">
+            <a:schemeClr val="accent1">
+              <a:shade val="50000"/>
+            </a:schemeClr>
+          </a:lnRef>
+          <a:fillRef idx="1">
+            <a:schemeClr val="accent1"/>
+          </a:fillRef>
+          <a:effectRef idx="0">
+            <a:schemeClr val="accent1"/>
+          </a:effectRef>
+          <a:fontRef idx="minor">
+            <a:schemeClr val="lt1"/>
+          </a:fontRef>
+        </p:style>
+        <p:txBody>
+          <a:bodyPr rtlCol="0" anchor="ctr"/>
+          <a:lstStyle/>
+          <a:p>
+            <a:pPr algn="ctr"/>
+            <a:r>
+              <a:rPr lang="fr-FR" dirty="0" err="1" smtClean="0"/>
+              <a:t>rebase</a:t>
+            </a:r>
+            <a:endParaRPr lang="fr-FR" dirty="0"/>
+          </a:p>
+        </p:txBody>
+      </p:sp>
+      <p:cxnSp>
+        <p:nvCxnSpPr>
+          <p:cNvPr id="6" name="Connecteur droit avec flèche 5"/>
+          <p:cNvCxnSpPr>
+            <a:stCxn id="3" idx="3"/>
+          </p:cNvCxnSpPr>
+          <p:nvPr/>
+        </p:nvCxnSpPr>
+        <p:spPr>
+          <a:xfrm>
+            <a:off x="4940134" y="5320146"/>
+            <a:ext cx="1816926" cy="23750"/>
+          </a:xfrm>
+          <a:prstGeom prst="straightConnector1">
+            <a:avLst/>
+          </a:prstGeom>
+          <a:ln>
+            <a:tailEnd type="triangle"/>
+          </a:ln>
+        </p:spPr>
+        <p:style>
+          <a:lnRef idx="1">
+            <a:schemeClr val="accent1"/>
+          </a:lnRef>
+          <a:fillRef idx="0">
+            <a:schemeClr val="accent1"/>
+          </a:fillRef>
+          <a:effectRef idx="0">
+            <a:schemeClr val="accent1"/>
+          </a:effectRef>
+          <a:fontRef idx="minor">
+            <a:schemeClr val="tx1"/>
+          </a:fontRef>
+        </p:style>
+      </p:cxnSp>
     </p:spTree>
     <p:extLst>
       <p:ext uri="{BB962C8B-B14F-4D97-AF65-F5344CB8AC3E}">
@@ -14056,180 +14132,58 @@
           <a:chExt cx="0" cy="0"/>
         </a:xfrm>
       </p:grpSpPr>
-      <p:sp>
-        <p:nvSpPr>
-          <p:cNvPr id="2" name="Titre 1"/>
-          <p:cNvSpPr>
-            <a:spLocks noGrp="1"/>
-          </p:cNvSpPr>
-          <p:nvPr>
-            <p:ph type="title"/>
-          </p:nvPr>
-        </p:nvSpPr>
+      <p:pic>
+        <p:nvPicPr>
+          <p:cNvPr id="6" name="Image 5"/>
+          <p:cNvPicPr>
+            <a:picLocks noChangeAspect="1"/>
+          </p:cNvPicPr>
+          <p:nvPr/>
+        </p:nvPicPr>
+        <p:blipFill>
+          <a:blip r:embed="rId2"/>
+          <a:stretch>
+            <a:fillRect/>
+          </a:stretch>
+        </p:blipFill>
         <p:spPr>
           <a:xfrm>
-            <a:off x="4958938" y="0"/>
-            <a:ext cx="2534392" cy="605642"/>
+            <a:off x="6317673" y="213756"/>
+            <a:ext cx="5542745" cy="6644244"/>
           </a:xfrm>
+          <a:prstGeom prst="rect">
+            <a:avLst/>
+          </a:prstGeom>
         </p:spPr>
-        <p:txBody>
-          <a:bodyPr>
-            <a:normAutofit fontScale="90000"/>
-          </a:bodyPr>
-          <a:lstStyle/>
-          <a:p>
-            <a:pPr algn="ctr"/>
-            <a:r>
-              <a:rPr lang="fr-FR" b="1" dirty="0" smtClean="0"/>
-              <a:t>exercice</a:t>
-            </a:r>
-            <a:endParaRPr lang="fr-FR" b="1" dirty="0"/>
-          </a:p>
-        </p:txBody>
-      </p:sp>
-      <p:sp>
-        <p:nvSpPr>
-          <p:cNvPr id="3" name="Espace réservé du contenu 2"/>
-          <p:cNvSpPr>
-            <a:spLocks noGrp="1"/>
-          </p:cNvSpPr>
-          <p:nvPr>
-            <p:ph idx="1"/>
-          </p:nvPr>
-        </p:nvSpPr>
+      </p:pic>
+      <p:pic>
+        <p:nvPicPr>
+          <p:cNvPr id="8" name="Image 7"/>
+          <p:cNvPicPr>
+            <a:picLocks noChangeAspect="1"/>
+          </p:cNvPicPr>
+          <p:nvPr/>
+        </p:nvPicPr>
+        <p:blipFill>
+          <a:blip r:embed="rId3"/>
+          <a:stretch>
+            <a:fillRect/>
+          </a:stretch>
+        </p:blipFill>
         <p:spPr>
           <a:xfrm>
-            <a:off x="0" y="866899"/>
-            <a:ext cx="12192000" cy="5310064"/>
+            <a:off x="90673" y="356260"/>
+            <a:ext cx="6001369" cy="6305797"/>
           </a:xfrm>
+          <a:prstGeom prst="rect">
+            <a:avLst/>
+          </a:prstGeom>
         </p:spPr>
-        <p:txBody>
-          <a:bodyPr/>
-          <a:lstStyle/>
-          <a:p>
-            <a:pPr marL="514350" indent="-514350">
-              <a:buFont typeface="+mj-lt"/>
-              <a:buAutoNum type="arabicPeriod"/>
-            </a:pPr>
-            <a:r>
-              <a:rPr lang="fr-FR" dirty="0" smtClean="0"/>
-              <a:t>cloner </a:t>
-            </a:r>
-            <a:r>
-              <a:rPr lang="fr-FR" dirty="0" err="1" smtClean="0">
-                <a:hlinkClick r:id="rId3"/>
-              </a:rPr>
-              <a:t>git@github.com:cameronmcnz</a:t>
-            </a:r>
-            <a:r>
-              <a:rPr lang="fr-FR" dirty="0" smtClean="0">
-                <a:hlinkClick r:id="rId3"/>
-              </a:rPr>
-              <a:t>/</a:t>
-            </a:r>
-            <a:r>
-              <a:rPr lang="fr-FR" dirty="0" err="1" smtClean="0">
-                <a:hlinkClick r:id="rId3"/>
-              </a:rPr>
-              <a:t>rebase-github.git</a:t>
-            </a:r>
-            <a:endParaRPr lang="fr-FR" dirty="0" smtClean="0"/>
-          </a:p>
-          <a:p>
-            <a:pPr marL="514350" indent="-514350">
-              <a:buFont typeface="+mj-lt"/>
-              <a:buAutoNum type="arabicPeriod"/>
-            </a:pPr>
-            <a:r>
-              <a:rPr lang="fr-FR" dirty="0"/>
-              <a:t>Switcher vers la </a:t>
-            </a:r>
-            <a:r>
-              <a:rPr lang="fr-FR" dirty="0" smtClean="0"/>
-              <a:t>branche </a:t>
-            </a:r>
-            <a:r>
-              <a:rPr lang="fr-FR" dirty="0" err="1" smtClean="0"/>
-              <a:t>feature</a:t>
-            </a:r>
-            <a:endParaRPr lang="fr-FR" dirty="0"/>
-          </a:p>
-          <a:p>
-            <a:pPr marL="514350" indent="-514350">
-              <a:buFont typeface="+mj-lt"/>
-              <a:buAutoNum type="arabicPeriod"/>
-            </a:pPr>
-            <a:r>
-              <a:rPr lang="fr-FR" dirty="0"/>
-              <a:t>Afficher le </a:t>
-            </a:r>
-            <a:r>
-              <a:rPr lang="fr-FR" dirty="0" smtClean="0"/>
-              <a:t>log</a:t>
-            </a:r>
-          </a:p>
-          <a:p>
-            <a:pPr marL="514350" indent="-514350">
-              <a:buFont typeface="+mj-lt"/>
-              <a:buAutoNum type="arabicPeriod"/>
-            </a:pPr>
-            <a:r>
-              <a:rPr lang="fr-FR" dirty="0" err="1" smtClean="0"/>
-              <a:t>Ls</a:t>
-            </a:r>
-            <a:r>
-              <a:rPr lang="fr-FR" dirty="0" smtClean="0"/>
-              <a:t> voir les fichier</a:t>
-            </a:r>
-          </a:p>
-          <a:p>
-            <a:pPr marL="514350" indent="-514350">
-              <a:buFont typeface="+mj-lt"/>
-              <a:buAutoNum type="arabicPeriod"/>
-            </a:pPr>
-            <a:r>
-              <a:rPr lang="fr-FR" dirty="0" err="1"/>
-              <a:t>Rebase</a:t>
-            </a:r>
-            <a:r>
-              <a:rPr lang="fr-FR" dirty="0"/>
-              <a:t> master dans </a:t>
-            </a:r>
-            <a:r>
-              <a:rPr lang="fr-FR" dirty="0" err="1" smtClean="0"/>
-              <a:t>feature</a:t>
-            </a:r>
-            <a:endParaRPr lang="fr-FR" dirty="0" smtClean="0"/>
-          </a:p>
-          <a:p>
-            <a:pPr marL="514350" indent="-514350">
-              <a:buFont typeface="+mj-lt"/>
-              <a:buAutoNum type="arabicPeriod"/>
-            </a:pPr>
-            <a:r>
-              <a:rPr lang="fr-FR" dirty="0" err="1"/>
-              <a:t>Rebase</a:t>
-            </a:r>
-            <a:r>
-              <a:rPr lang="fr-FR" dirty="0"/>
-              <a:t> </a:t>
-            </a:r>
-            <a:r>
-              <a:rPr lang="fr-FR" dirty="0" err="1" smtClean="0"/>
-              <a:t>feature</a:t>
-            </a:r>
-            <a:r>
-              <a:rPr lang="fr-FR" dirty="0" smtClean="0"/>
-              <a:t> Dans master</a:t>
-            </a:r>
-            <a:endParaRPr lang="fr-FR" dirty="0"/>
-          </a:p>
-        </p:txBody>
-      </p:sp>
+      </p:pic>
     </p:spTree>
     <p:extLst>
       <p:ext uri="{BB962C8B-B14F-4D97-AF65-F5344CB8AC3E}">
-        <p14:creationId xmlns:p14="http://schemas.microsoft.com/office/powerpoint/2010/main" val="2420021955"/>
+        <p14:creationId xmlns:p14="http://schemas.microsoft.com/office/powerpoint/2010/main" val="2675622958"/>
       </p:ext>
     </p:extLst>
   </p:cSld>
@@ -14487,6 +14441,206 @@
       </p:par>
     </p:tnLst>
   </p:timing>
+</p:sld>
+</file>
+
+<file path=ppt/slides/slide30.xml><?xml version="1.0" encoding="utf-8"?>
+<p:sld xmlns:a="http://schemas.openxmlformats.org/drawingml/2006/main" xmlns:r="http://schemas.openxmlformats.org/officeDocument/2006/relationships" xmlns:p="http://schemas.openxmlformats.org/presentationml/2006/main">
+  <p:cSld>
+    <p:spTree>
+      <p:nvGrpSpPr>
+        <p:cNvPr id="1" name=""/>
+        <p:cNvGrpSpPr/>
+        <p:nvPr/>
+      </p:nvGrpSpPr>
+      <p:grpSpPr>
+        <a:xfrm>
+          <a:off x="0" y="0"/>
+          <a:ext cx="0" cy="0"/>
+          <a:chOff x="0" y="0"/>
+          <a:chExt cx="0" cy="0"/>
+        </a:xfrm>
+      </p:grpSpPr>
+      <p:sp>
+        <p:nvSpPr>
+          <p:cNvPr id="2" name="Titre 1"/>
+          <p:cNvSpPr>
+            <a:spLocks noGrp="1"/>
+          </p:cNvSpPr>
+          <p:nvPr>
+            <p:ph type="title"/>
+          </p:nvPr>
+        </p:nvSpPr>
+        <p:spPr>
+          <a:xfrm>
+            <a:off x="4958938" y="0"/>
+            <a:ext cx="2534392" cy="605642"/>
+          </a:xfrm>
+        </p:spPr>
+        <p:txBody>
+          <a:bodyPr>
+            <a:normAutofit fontScale="90000"/>
+          </a:bodyPr>
+          <a:lstStyle/>
+          <a:p>
+            <a:pPr algn="ctr"/>
+            <a:r>
+              <a:rPr lang="fr-FR" b="1" dirty="0" smtClean="0"/>
+              <a:t>exercice</a:t>
+            </a:r>
+            <a:endParaRPr lang="fr-FR" b="1" dirty="0"/>
+          </a:p>
+        </p:txBody>
+      </p:sp>
+      <p:sp>
+        <p:nvSpPr>
+          <p:cNvPr id="3" name="Espace réservé du contenu 2"/>
+          <p:cNvSpPr>
+            <a:spLocks noGrp="1"/>
+          </p:cNvSpPr>
+          <p:nvPr>
+            <p:ph idx="1"/>
+          </p:nvPr>
+        </p:nvSpPr>
+        <p:spPr>
+          <a:xfrm>
+            <a:off x="0" y="866899"/>
+            <a:ext cx="12192000" cy="5310064"/>
+          </a:xfrm>
+        </p:spPr>
+        <p:txBody>
+          <a:bodyPr/>
+          <a:lstStyle/>
+          <a:p>
+            <a:pPr marL="514350" indent="-514350">
+              <a:buFont typeface="+mj-lt"/>
+              <a:buAutoNum type="arabicPeriod"/>
+            </a:pPr>
+            <a:r>
+              <a:rPr lang="fr-FR" dirty="0" smtClean="0"/>
+              <a:t>cloner </a:t>
+            </a:r>
+            <a:r>
+              <a:rPr lang="fr-FR" dirty="0" err="1" smtClean="0">
+                <a:hlinkClick r:id="rId3"/>
+              </a:rPr>
+              <a:t>git@github.com:cameronmcnz</a:t>
+            </a:r>
+            <a:r>
+              <a:rPr lang="fr-FR" dirty="0" smtClean="0">
+                <a:hlinkClick r:id="rId3"/>
+              </a:rPr>
+              <a:t>/</a:t>
+            </a:r>
+            <a:r>
+              <a:rPr lang="fr-FR" dirty="0" err="1" smtClean="0">
+                <a:hlinkClick r:id="rId3"/>
+              </a:rPr>
+              <a:t>rebase-github.git</a:t>
+            </a:r>
+            <a:endParaRPr lang="fr-FR" dirty="0" smtClean="0"/>
+          </a:p>
+          <a:p>
+            <a:pPr marL="514350" indent="-514350">
+              <a:buFont typeface="+mj-lt"/>
+              <a:buAutoNum type="arabicPeriod"/>
+            </a:pPr>
+            <a:r>
+              <a:rPr lang="fr-FR" dirty="0"/>
+              <a:t>Switcher vers la </a:t>
+            </a:r>
+            <a:r>
+              <a:rPr lang="fr-FR" dirty="0" smtClean="0"/>
+              <a:t>branche </a:t>
+            </a:r>
+            <a:r>
+              <a:rPr lang="fr-FR" dirty="0" err="1" smtClean="0"/>
+              <a:t>feature</a:t>
+            </a:r>
+            <a:endParaRPr lang="fr-FR" dirty="0"/>
+          </a:p>
+          <a:p>
+            <a:pPr marL="514350" indent="-514350">
+              <a:buFont typeface="+mj-lt"/>
+              <a:buAutoNum type="arabicPeriod"/>
+            </a:pPr>
+            <a:r>
+              <a:rPr lang="fr-FR" dirty="0"/>
+              <a:t>Afficher le </a:t>
+            </a:r>
+            <a:r>
+              <a:rPr lang="fr-FR" dirty="0" smtClean="0"/>
+              <a:t>log</a:t>
+            </a:r>
+          </a:p>
+          <a:p>
+            <a:pPr marL="514350" indent="-514350">
+              <a:buFont typeface="+mj-lt"/>
+              <a:buAutoNum type="arabicPeriod"/>
+            </a:pPr>
+            <a:r>
+              <a:rPr lang="fr-FR" dirty="0" err="1" smtClean="0"/>
+              <a:t>Ls</a:t>
+            </a:r>
+            <a:r>
+              <a:rPr lang="fr-FR" dirty="0" smtClean="0"/>
+              <a:t> voir les fichier</a:t>
+            </a:r>
+          </a:p>
+          <a:p>
+            <a:pPr marL="514350" indent="-514350">
+              <a:buFont typeface="+mj-lt"/>
+              <a:buAutoNum type="arabicPeriod"/>
+            </a:pPr>
+            <a:r>
+              <a:rPr lang="fr-FR" dirty="0" err="1"/>
+              <a:t>Rebase</a:t>
+            </a:r>
+            <a:r>
+              <a:rPr lang="fr-FR" dirty="0"/>
+              <a:t> master dans </a:t>
+            </a:r>
+            <a:r>
+              <a:rPr lang="fr-FR" dirty="0" err="1" smtClean="0"/>
+              <a:t>feature</a:t>
+            </a:r>
+            <a:endParaRPr lang="fr-FR" dirty="0" smtClean="0"/>
+          </a:p>
+          <a:p>
+            <a:pPr marL="514350" indent="-514350">
+              <a:buFont typeface="+mj-lt"/>
+              <a:buAutoNum type="arabicPeriod"/>
+            </a:pPr>
+            <a:r>
+              <a:rPr lang="fr-FR" dirty="0" err="1"/>
+              <a:t>Rebase</a:t>
+            </a:r>
+            <a:r>
+              <a:rPr lang="fr-FR" dirty="0"/>
+              <a:t> </a:t>
+            </a:r>
+            <a:r>
+              <a:rPr lang="fr-FR" dirty="0" err="1" smtClean="0"/>
+              <a:t>feature</a:t>
+            </a:r>
+            <a:r>
+              <a:rPr lang="fr-FR" dirty="0" smtClean="0"/>
+              <a:t> Dans master</a:t>
+            </a:r>
+            <a:endParaRPr lang="fr-FR" dirty="0"/>
+          </a:p>
+        </p:txBody>
+      </p:sp>
+    </p:spTree>
+    <p:extLst>
+      <p:ext uri="{BB962C8B-B14F-4D97-AF65-F5344CB8AC3E}">
+        <p14:creationId xmlns:p14="http://schemas.microsoft.com/office/powerpoint/2010/main" val="2420021955"/>
+      </p:ext>
+    </p:extLst>
+  </p:cSld>
+  <p:clrMapOvr>
+    <a:masterClrMapping/>
+  </p:clrMapOvr>
 </p:sld>
 </file>
 

--- a/Formation Git.pptx
+++ b/Formation Git.pptx
@@ -226,7 +226,7 @@
           <a:p>
             <a:fld id="{6C11479D-E256-4744-A8DA-17425A14A154}" type="datetimeFigureOut">
               <a:rPr lang="fr-FR" smtClean="0"/>
-              <a:t>30/11/2022</a:t>
+              <a:t>05/12/2022</a:t>
             </a:fld>
             <a:endParaRPr lang="fr-FR"/>
           </a:p>
@@ -1280,11 +1280,7 @@
             <a:pPr rtl="0"/>
             <a:r>
               <a:rPr lang="fr-FR" baseline="0" dirty="0" smtClean="0"/>
-              <a:t>O, peut pas faire de </a:t>
-            </a:r>
-            <a:r>
-              <a:rPr lang="fr-FR" baseline="0" dirty="0" smtClean="0"/>
-              <a:t>suivit(à ne jamais utilisé dans un </a:t>
+              <a:t>O, peut pas faire de suivit(à ne jamais utilisé dans un </a:t>
             </a:r>
             <a:r>
               <a:rPr lang="fr-FR" baseline="0" dirty="0" err="1" smtClean="0"/>
@@ -5769,7 +5765,7 @@
           <a:p>
             <a:fld id="{0A206D1B-E756-4A82-9838-551DE185C738}" type="datetimeFigureOut">
               <a:rPr lang="fr-FR" smtClean="0"/>
-              <a:t>30/11/2022</a:t>
+              <a:t>05/12/2022</a:t>
             </a:fld>
             <a:endParaRPr lang="fr-FR"/>
           </a:p>
@@ -5939,7 +5935,7 @@
           <a:p>
             <a:fld id="{0A206D1B-E756-4A82-9838-551DE185C738}" type="datetimeFigureOut">
               <a:rPr lang="fr-FR" smtClean="0"/>
-              <a:t>30/11/2022</a:t>
+              <a:t>05/12/2022</a:t>
             </a:fld>
             <a:endParaRPr lang="fr-FR"/>
           </a:p>
@@ -6119,7 +6115,7 @@
           <a:p>
             <a:fld id="{0A206D1B-E756-4A82-9838-551DE185C738}" type="datetimeFigureOut">
               <a:rPr lang="fr-FR" smtClean="0"/>
-              <a:t>30/11/2022</a:t>
+              <a:t>05/12/2022</a:t>
             </a:fld>
             <a:endParaRPr lang="fr-FR"/>
           </a:p>
@@ -6289,7 +6285,7 @@
           <a:p>
             <a:fld id="{0A206D1B-E756-4A82-9838-551DE185C738}" type="datetimeFigureOut">
               <a:rPr lang="fr-FR" smtClean="0"/>
-              <a:t>30/11/2022</a:t>
+              <a:t>05/12/2022</a:t>
             </a:fld>
             <a:endParaRPr lang="fr-FR"/>
           </a:p>
@@ -6535,7 +6531,7 @@
           <a:p>
             <a:fld id="{0A206D1B-E756-4A82-9838-551DE185C738}" type="datetimeFigureOut">
               <a:rPr lang="fr-FR" smtClean="0"/>
-              <a:t>30/11/2022</a:t>
+              <a:t>05/12/2022</a:t>
             </a:fld>
             <a:endParaRPr lang="fr-FR"/>
           </a:p>
@@ -6767,7 +6763,7 @@
           <a:p>
             <a:fld id="{0A206D1B-E756-4A82-9838-551DE185C738}" type="datetimeFigureOut">
               <a:rPr lang="fr-FR" smtClean="0"/>
-              <a:t>30/11/2022</a:t>
+              <a:t>05/12/2022</a:t>
             </a:fld>
             <a:endParaRPr lang="fr-FR"/>
           </a:p>
@@ -7134,7 +7130,7 @@
           <a:p>
             <a:fld id="{0A206D1B-E756-4A82-9838-551DE185C738}" type="datetimeFigureOut">
               <a:rPr lang="fr-FR" smtClean="0"/>
-              <a:t>30/11/2022</a:t>
+              <a:t>05/12/2022</a:t>
             </a:fld>
             <a:endParaRPr lang="fr-FR"/>
           </a:p>
@@ -7252,7 +7248,7 @@
           <a:p>
             <a:fld id="{0A206D1B-E756-4A82-9838-551DE185C738}" type="datetimeFigureOut">
               <a:rPr lang="fr-FR" smtClean="0"/>
-              <a:t>30/11/2022</a:t>
+              <a:t>05/12/2022</a:t>
             </a:fld>
             <a:endParaRPr lang="fr-FR"/>
           </a:p>
@@ -7347,7 +7343,7 @@
           <a:p>
             <a:fld id="{0A206D1B-E756-4A82-9838-551DE185C738}" type="datetimeFigureOut">
               <a:rPr lang="fr-FR" smtClean="0"/>
-              <a:t>30/11/2022</a:t>
+              <a:t>05/12/2022</a:t>
             </a:fld>
             <a:endParaRPr lang="fr-FR"/>
           </a:p>
@@ -7624,7 +7620,7 @@
           <a:p>
             <a:fld id="{0A206D1B-E756-4A82-9838-551DE185C738}" type="datetimeFigureOut">
               <a:rPr lang="fr-FR" smtClean="0"/>
-              <a:t>30/11/2022</a:t>
+              <a:t>05/12/2022</a:t>
             </a:fld>
             <a:endParaRPr lang="fr-FR"/>
           </a:p>
@@ -7877,7 +7873,7 @@
           <a:p>
             <a:fld id="{0A206D1B-E756-4A82-9838-551DE185C738}" type="datetimeFigureOut">
               <a:rPr lang="fr-FR" smtClean="0"/>
-              <a:t>30/11/2022</a:t>
+              <a:t>05/12/2022</a:t>
             </a:fld>
             <a:endParaRPr lang="fr-FR"/>
           </a:p>
@@ -8090,7 +8086,7 @@
           <a:p>
             <a:fld id="{0A206D1B-E756-4A82-9838-551DE185C738}" type="datetimeFigureOut">
               <a:rPr lang="fr-FR" smtClean="0"/>
-              <a:t>30/11/2022</a:t>
+              <a:t>05/12/2022</a:t>
             </a:fld>
             <a:endParaRPr lang="fr-FR"/>
           </a:p>
@@ -8644,15 +8640,25 @@
             <a:pPr lvl="0"/>
             <a:r>
               <a:rPr lang="fr-FR" dirty="0"/>
-              <a:t>Amélioré les compétences des employés,</a:t>
-            </a:r>
+              <a:t>Amélioré les compétences des </a:t>
+            </a:r>
+            <a:r>
+              <a:rPr lang="fr-FR" dirty="0" smtClean="0"/>
+              <a:t>développeurs.</a:t>
+            </a:r>
+            <a:endParaRPr lang="fr-FR" dirty="0"/>
           </a:p>
           <a:p>
             <a:pPr lvl="0"/>
             <a:r>
               <a:rPr lang="fr-FR" dirty="0" smtClean="0"/>
-              <a:t>Facilite le télétravail( différents zone géographique des développeurs),</a:t>
-            </a:r>
+              <a:t>Facilite le </a:t>
+            </a:r>
+            <a:r>
+              <a:rPr lang="fr-FR" dirty="0" smtClean="0"/>
+              <a:t>télétravail.</a:t>
+            </a:r>
+            <a:endParaRPr lang="fr-FR" dirty="0" smtClean="0"/>
           </a:p>
           <a:p>
             <a:r>
@@ -12083,7 +12089,15 @@
             </a:r>
             <a:r>
               <a:rPr lang="fr-FR" dirty="0" smtClean="0"/>
-              <a:t>répéter(gestion et utilisations simple, sensible au panne, permet pas la collaboration).</a:t>
+              <a:t>répéter(gestion et </a:t>
+            </a:r>
+            <a:r>
+              <a:rPr lang="fr-FR" dirty="0" smtClean="0"/>
+              <a:t>utilisation simple</a:t>
+            </a:r>
+            <a:r>
+              <a:rPr lang="fr-FR" dirty="0" smtClean="0"/>
+              <a:t>, sensible au panne, permet pas la collaboration).</a:t>
             </a:r>
             <a:endParaRPr lang="fr-FR" dirty="0"/>
           </a:p>
@@ -12140,7 +12154,15 @@
             </a:r>
             <a:r>
               <a:rPr lang="fr-FR" dirty="0" smtClean="0"/>
-              <a:t> : le client clone le repo distant et travaillé en offline(pas besoin de connexion pour faire les changement en repo locale).si le serveur meure n’importe qu’elle dépôt client peut copier être copier au serveur(Git, Mercurial).</a:t>
+              <a:t> : le client clone le repo distant et travaillé en offline(pas besoin de connexion pour faire les changement en repo locale).si le serveur </a:t>
+            </a:r>
+            <a:r>
+              <a:rPr lang="fr-FR" dirty="0" smtClean="0"/>
+              <a:t>crashe n’importe </a:t>
+            </a:r>
+            <a:r>
+              <a:rPr lang="fr-FR" dirty="0" smtClean="0"/>
+              <a:t>qu’elle dépôt client peut copier être copier au serveur(Git, Mercurial).</a:t>
             </a:r>
           </a:p>
           <a:p>
@@ -14310,15 +14332,7 @@
             </a:pPr>
             <a:r>
               <a:rPr lang="fr-FR" sz="2800" dirty="0" smtClean="0"/>
-              <a:t>Répertoire de travail (</a:t>
-            </a:r>
-            <a:r>
-              <a:rPr lang="fr-FR" sz="2800" dirty="0" err="1" smtClean="0"/>
-              <a:t>Workspace</a:t>
-            </a:r>
-            <a:r>
-              <a:rPr lang="fr-FR" sz="2800" dirty="0" smtClean="0"/>
-              <a:t>, </a:t>
+              <a:t>Répertoire de travail (Workspace, </a:t>
             </a:r>
             <a:r>
               <a:rPr lang="fr-FR" sz="2800" dirty="0"/>
@@ -14349,8 +14363,16 @@
               <a:buChar char="•"/>
             </a:pPr>
             <a:r>
+              <a:rPr lang="fr-FR" sz="2800" dirty="0" smtClean="0"/>
+              <a:t>Repo </a:t>
+            </a:r>
+            <a:r>
               <a:rPr lang="fr-FR" sz="2800" dirty="0"/>
-              <a:t>Répertoire Git ( </a:t>
+              <a:t>Git </a:t>
+            </a:r>
+            <a:r>
+              <a:rPr lang="fr-FR" sz="2800" dirty="0" smtClean="0"/>
+              <a:t>locale( </a:t>
             </a:r>
             <a:r>
               <a:rPr lang="fr-FR" sz="2800" dirty="0" err="1"/>
@@ -14387,8 +14409,16 @@
               <a:buChar char="•"/>
             </a:pPr>
             <a:r>
+              <a:rPr lang="fr-FR" sz="2800" dirty="0" err="1" smtClean="0"/>
+              <a:t>versionnés</a:t>
+            </a:r>
+            <a:r>
+              <a:rPr lang="fr-FR" sz="2800" dirty="0" smtClean="0"/>
+              <a:t> </a:t>
+            </a:r>
+            <a:r>
               <a:rPr lang="fr-FR" sz="2800" dirty="0"/>
-              <a:t>versionnés non modifié (commit contient ce qui a été changé)</a:t>
+              <a:t>non modifié (commit contient ce qui a été changé)</a:t>
             </a:r>
           </a:p>
           <a:p>

--- a/Formation Git.pptx
+++ b/Formation Git.pptx
@@ -23,8 +23,8 @@
     <p:sldId id="270" r:id="rId14"/>
     <p:sldId id="272" r:id="rId15"/>
     <p:sldId id="278" r:id="rId16"/>
-    <p:sldId id="291" r:id="rId17"/>
-    <p:sldId id="279" r:id="rId18"/>
+    <p:sldId id="279" r:id="rId17"/>
+    <p:sldId id="291" r:id="rId18"/>
     <p:sldId id="282" r:id="rId19"/>
     <p:sldId id="280" r:id="rId20"/>
     <p:sldId id="281" r:id="rId21"/>
@@ -226,7 +226,7 @@
           <a:p>
             <a:fld id="{6C11479D-E256-4744-A8DA-17425A14A154}" type="datetimeFigureOut">
               <a:rPr lang="fr-FR" smtClean="0"/>
-              <a:t>05/12/2022</a:t>
+              <a:t>06/12/2022</a:t>
             </a:fld>
             <a:endParaRPr lang="fr-FR"/>
           </a:p>
@@ -1271,6 +1271,9 @@
               <a:rPr lang="fr-FR" b="0" baseline="0" dirty="0" smtClean="0"/>
               <a:t> :</a:t>
             </a:r>
+          </a:p>
+          <a:p>
+            <a:pPr rtl="0"/>
             <a:r>
               <a:rPr lang="fr-FR" baseline="0" dirty="0" smtClean="0"/>
               <a:t>applique chaque commit de manière individuel pour avoir un historique propre(créer pas de commit on sait pas quand est ce que le merge à été effectué)</a:t>
@@ -1280,15 +1283,11 @@
             <a:pPr rtl="0"/>
             <a:r>
               <a:rPr lang="fr-FR" baseline="0" dirty="0" smtClean="0"/>
-              <a:t>O, peut pas faire de suivit(à ne jamais utilisé dans un </a:t>
+              <a:t>O, peut pas faire de suivit(à ne jamais utilisé dans un dépôt public).—skip pour retour en </a:t>
             </a:r>
             <a:r>
               <a:rPr lang="fr-FR" baseline="0" dirty="0" err="1" smtClean="0"/>
-              <a:t>dépo</a:t>
-            </a:r>
-            <a:r>
-              <a:rPr lang="fr-FR" baseline="0" smtClean="0"/>
-              <a:t> public)</a:t>
+              <a:t>arriére</a:t>
             </a:r>
             <a:endParaRPr lang="fr-FR" baseline="0" dirty="0" smtClean="0"/>
           </a:p>
@@ -1302,16 +1301,31 @@
           <a:p>
             <a:pPr rtl="0"/>
             <a:r>
+              <a:rPr lang="fr-FR" b="0" baseline="0" dirty="0" smtClean="0"/>
+              <a:t>Par default </a:t>
+            </a:r>
+            <a:r>
+              <a:rPr lang="fr-FR" b="0" baseline="0" dirty="0" err="1" smtClean="0"/>
+              <a:t>fast</a:t>
+            </a:r>
+            <a:r>
+              <a:rPr lang="fr-FR" b="0" baseline="0" dirty="0" smtClean="0"/>
+              <a:t> </a:t>
+            </a:r>
+            <a:r>
+              <a:rPr lang="fr-FR" b="0" baseline="0" dirty="0" err="1" smtClean="0"/>
+              <a:t>farword</a:t>
+            </a:r>
+            <a:r>
+              <a:rPr lang="fr-FR" b="0" baseline="0" dirty="0" smtClean="0"/>
+              <a:t> quand la branche de base n’à pas été modifié pas de création d’un nouveau commit.</a:t>
+            </a:r>
+          </a:p>
+          <a:p>
+            <a:pPr rtl="0"/>
+            <a:r>
               <a:rPr lang="fr-FR" baseline="0" dirty="0" smtClean="0"/>
-              <a:t>1.applique toutes les commit de la </a:t>
-            </a:r>
-            <a:r>
-              <a:rPr lang="fr-FR" baseline="0" dirty="0" err="1" smtClean="0"/>
-              <a:t>branch</a:t>
-            </a:r>
-            <a:r>
-              <a:rPr lang="fr-FR" baseline="0" dirty="0" smtClean="0"/>
-              <a:t> mergé dans un seule commit ajouté à la fin.</a:t>
+              <a:t>1.applique toutes les commit de la branch mergé dans un seule commit ajouté à la fin.</a:t>
             </a:r>
           </a:p>
           <a:p>
@@ -1482,25 +1496,58 @@
             <a:endParaRPr lang="fr-FR" sz="1200" b="0" dirty="0" smtClean="0"/>
           </a:p>
           <a:p>
+            <a:pPr marL="0" marR="0" lvl="0" indent="0" algn="l" defTabSz="914400" rtl="0" eaLnBrk="1" fontAlgn="auto" latinLnBrk="0" hangingPunct="1">
+              <a:lnSpc>
+                <a:spcPct val="100000"/>
+              </a:lnSpc>
+              <a:spcBef>
+                <a:spcPts val="0"/>
+              </a:spcBef>
+              <a:spcAft>
+                <a:spcPts val="0"/>
+              </a:spcAft>
+              <a:buClrTx/>
+              <a:buSzTx/>
+              <a:buFontTx/>
+              <a:buNone/>
+              <a:tabLst/>
+              <a:defRPr/>
+            </a:pPr>
+            <a:r>
+              <a:rPr lang="fr-FR" sz="1200" b="0" baseline="0" dirty="0" smtClean="0"/>
+              <a:t>Le nommage des branches dépend de l’équipe</a:t>
+            </a:r>
+            <a:endParaRPr lang="fr-FR" sz="1200" b="0" dirty="0" smtClean="0"/>
+          </a:p>
+          <a:p>
+            <a:pPr marL="0" marR="0" lvl="0" indent="0" algn="l" defTabSz="914400" rtl="0" eaLnBrk="1" fontAlgn="auto" latinLnBrk="0" hangingPunct="1">
+              <a:lnSpc>
+                <a:spcPct val="100000"/>
+              </a:lnSpc>
+              <a:spcBef>
+                <a:spcPts val="0"/>
+              </a:spcBef>
+              <a:spcAft>
+                <a:spcPts val="0"/>
+              </a:spcAft>
+              <a:buClrTx/>
+              <a:buSzTx/>
+              <a:buFontTx/>
+              <a:buNone/>
+              <a:tabLst/>
+              <a:defRPr/>
+            </a:pPr>
             <a:r>
               <a:rPr lang="fr-FR" sz="1200" b="0" dirty="0" smtClean="0"/>
-              <a:t>-La branche </a:t>
-            </a:r>
-            <a:r>
-              <a:rPr lang="fr-FR" sz="1200" b="0" dirty="0" err="1" smtClean="0"/>
-              <a:t>mester</a:t>
+              <a:t>-</a:t>
+            </a:r>
+            <a:r>
+              <a:rPr lang="fr-FR" sz="1200" b="1" dirty="0" smtClean="0"/>
+              <a:t>Branches de longue durée:</a:t>
             </a:r>
             <a:r>
               <a:rPr lang="fr-FR" sz="1200" b="0" dirty="0" smtClean="0"/>
-              <a:t> et la branch </a:t>
-            </a:r>
-            <a:r>
-              <a:rPr lang="fr-FR" sz="1200" b="0" dirty="0" err="1" smtClean="0"/>
-              <a:t>devlop</a:t>
-            </a:r>
-            <a:r>
-              <a:rPr lang="fr-FR" sz="1200" b="0" dirty="0" smtClean="0"/>
-              <a:t> ont une existence long jusqu’à la fin de projet</a:t>
+              <a:t> utile pour les grands et complexe projets la branche master et la branch develop ont une existence long jusqu’à la fin de projet le code plus au moins stable les commit sont moins fréquentes (une fois qu’on à bien testé) .</a:t>
             </a:r>
           </a:p>
           <a:p>
@@ -1537,15 +1584,7 @@
             </a:r>
             <a:r>
               <a:rPr lang="fr-FR" b="0" dirty="0" smtClean="0"/>
-              <a:t>pérenne « </a:t>
-            </a:r>
-            <a:r>
-              <a:rPr lang="fr-FR" b="0" dirty="0" err="1" smtClean="0"/>
-              <a:t>develop</a:t>
-            </a:r>
-            <a:r>
-              <a:rPr lang="fr-FR" b="0" dirty="0" smtClean="0"/>
-              <a:t> »</a:t>
+              <a:t>pérenne « develop »</a:t>
             </a:r>
             <a:r>
               <a:rPr lang="fr-FR" b="0" baseline="0" dirty="0" smtClean="0"/>
@@ -1557,15 +1596,42 @@
             </a:r>
             <a:r>
               <a:rPr lang="fr-FR" b="0" baseline="0" dirty="0" smtClean="0"/>
-              <a:t> pas introduire de bug à master l’hors des merge (inconvénient on peut pas développer plusieurs fonctionnalité en parallèle- il y’à qu’un seule ou deux </a:t>
-            </a:r>
-            <a:r>
-              <a:rPr lang="fr-FR" b="0" baseline="0" dirty="0" err="1" smtClean="0"/>
-              <a:t>developer</a:t>
-            </a:r>
-            <a:r>
-              <a:rPr lang="fr-FR" b="0" baseline="0" dirty="0" smtClean="0"/>
-              <a:t> peut travailler activement sur le projet, supprimer ou restore une fonctionnalité est un challenge)</a:t>
+              <a:t> pas introduire de bug à master l’hors des merge (inconvénient on peut pas développer plusieurs fonctionnalité en parallèle- il y’à qu’un seule ou deux développer peut travailler activement sur le projet, supprimer ou restore une fonctionnalité est un challenge)</a:t>
+            </a:r>
+          </a:p>
+          <a:p>
+            <a:pPr marL="0" marR="0" lvl="0" indent="0" algn="l" defTabSz="914400" rtl="0" eaLnBrk="1" fontAlgn="auto" latinLnBrk="0" hangingPunct="1">
+              <a:lnSpc>
+                <a:spcPct val="100000"/>
+              </a:lnSpc>
+              <a:spcBef>
+                <a:spcPts val="0"/>
+              </a:spcBef>
+              <a:spcAft>
+                <a:spcPts val="0"/>
+              </a:spcAft>
+              <a:buClrTx/>
+              <a:buSzTx/>
+              <a:buFontTx/>
+              <a:buNone/>
+              <a:tabLst/>
+              <a:defRPr/>
+            </a:pPr>
+            <a:r>
+              <a:rPr lang="fr-FR" sz="1200" b="1" dirty="0" smtClean="0"/>
+              <a:t>Branches de courte durée: </a:t>
+            </a:r>
+            <a:r>
+              <a:rPr lang="fr-FR" sz="1200" b="0" dirty="0" smtClean="0"/>
+              <a:t>utile pour les petit</a:t>
+            </a:r>
+            <a:r>
+              <a:rPr lang="fr-FR" sz="1200" b="0" baseline="0" dirty="0" smtClean="0"/>
+              <a:t> et grand projet généralement créer pour une fonctionnalité particulière. Dans un projet on créer fréquemment ce genre de branche on travail dessus et on les merge puis on les supprime.</a:t>
+            </a:r>
+            <a:r>
+              <a:rPr lang="fr-FR" sz="1200" b="1" dirty="0" smtClean="0"/>
+              <a:t>	</a:t>
             </a:r>
           </a:p>
           <a:p>
@@ -1785,194 +1851,756 @@
           <a:bodyPr/>
           <a:lstStyle/>
           <a:p>
+            <a:pPr marL="228600" indent="-228600">
+              <a:buFont typeface="+mj-lt"/>
+              <a:buAutoNum type="arabicPeriod"/>
+            </a:pPr>
+            <a:r>
+              <a:rPr lang="fr-FR" sz="1200" b="1" dirty="0" smtClean="0"/>
+              <a:t>Master:</a:t>
+            </a:r>
             <a:r>
               <a:rPr lang="fr-FR" sz="1200" b="0" dirty="0" smtClean="0"/>
-              <a:t>Centralisé</a:t>
+              <a:t> </a:t>
+            </a:r>
+            <a:r>
+              <a:rPr lang="fr-FR" sz="1200" b="0" dirty="0" smtClean="0"/>
+              <a:t>et stable est un avantage en</a:t>
             </a:r>
             <a:r>
               <a:rPr lang="fr-FR" sz="1200" b="0" baseline="0" dirty="0" smtClean="0"/>
-              <a:t> : travail sur master au lieu de travailler sur une autre branche puis la mergé une fois </a:t>
-            </a:r>
-            <a:r>
-              <a:rPr lang="fr-FR" sz="1200" b="0" baseline="0" dirty="0" err="1" smtClean="0"/>
-              <a:t>terminé.les</a:t>
-            </a:r>
-            <a:r>
-              <a:rPr lang="fr-FR" sz="1200" b="0" baseline="0" dirty="0" smtClean="0"/>
-              <a:t> cas de figure ou il est adapté</a:t>
-            </a:r>
-          </a:p>
-          <a:p>
-            <a:r>
-              <a:rPr lang="fr-FR" sz="1200" b="0" baseline="0" dirty="0" smtClean="0"/>
-              <a:t>1.Le code n’à pas besoin d’</a:t>
-            </a:r>
-            <a:r>
-              <a:rPr lang="fr-FR" sz="1200" b="0" baseline="0" dirty="0" err="1" smtClean="0"/>
-              <a:t>etre</a:t>
-            </a:r>
-            <a:r>
-              <a:rPr lang="fr-FR" sz="1200" b="0" baseline="0" dirty="0" smtClean="0"/>
-              <a:t> contrôlé (on travail </a:t>
-            </a:r>
-            <a:r>
-              <a:rPr lang="fr-FR" sz="1200" b="0" baseline="0" dirty="0" err="1" smtClean="0"/>
-              <a:t>seule,une</a:t>
-            </a:r>
-            <a:r>
-              <a:rPr lang="fr-FR" sz="1200" b="0" baseline="0" dirty="0" smtClean="0"/>
-              <a:t> petite </a:t>
-            </a:r>
-            <a:r>
-              <a:rPr lang="fr-FR" sz="1200" b="0" baseline="0" dirty="0" err="1" smtClean="0"/>
-              <a:t>equipe</a:t>
-            </a:r>
-            <a:r>
-              <a:rPr lang="fr-FR" sz="1200" b="0" baseline="0" dirty="0" smtClean="0"/>
+              <a:t> cas de problème dans les autre branches. souvent utilisé comme branche d’intégration pour la branche develop.</a:t>
+            </a:r>
+          </a:p>
+          <a:p>
+            <a:pPr marL="228600" indent="-228600">
+              <a:buFont typeface="+mj-lt"/>
+              <a:buAutoNum type="arabicPeriod"/>
+            </a:pPr>
+            <a:r>
+              <a:rPr lang="en-US" sz="1200" b="1" i="0" kern="1200" dirty="0" smtClean="0">
+                <a:solidFill>
+                  <a:schemeClr val="tx1"/>
+                </a:solidFill>
+                <a:effectLst/>
+                <a:latin typeface="+mn-lt"/>
+                <a:ea typeface="+mn-ea"/>
+                <a:cs typeface="+mn-cs"/>
+              </a:rPr>
+              <a:t>La branch </a:t>
+            </a:r>
+            <a:r>
+              <a:rPr lang="en-US" sz="1200" b="1" i="0" kern="1200" dirty="0" smtClean="0">
+                <a:solidFill>
+                  <a:schemeClr val="tx1"/>
+                </a:solidFill>
+                <a:effectLst/>
+                <a:latin typeface="+mn-lt"/>
+                <a:ea typeface="+mn-ea"/>
+                <a:cs typeface="+mn-cs"/>
+              </a:rPr>
+              <a:t>develop: </a:t>
+            </a:r>
+            <a:r>
+              <a:rPr lang="en-US" sz="1200" b="0" i="0" kern="1200" dirty="0" smtClean="0">
+                <a:solidFill>
+                  <a:schemeClr val="tx1"/>
+                </a:solidFill>
+                <a:effectLst/>
+                <a:latin typeface="+mn-lt"/>
+                <a:ea typeface="+mn-ea"/>
+                <a:cs typeface="+mn-cs"/>
+              </a:rPr>
+              <a:t>est </a:t>
+            </a:r>
+            <a:r>
+              <a:rPr lang="fr-FR" sz="1200" b="0" i="0" kern="1200" noProof="0" dirty="0" smtClean="0">
+                <a:solidFill>
+                  <a:schemeClr val="tx1"/>
+                </a:solidFill>
+                <a:effectLst/>
+                <a:latin typeface="+mn-lt"/>
+                <a:ea typeface="+mn-ea"/>
+                <a:cs typeface="+mn-cs"/>
+              </a:rPr>
+              <a:t>souvent</a:t>
+            </a:r>
+            <a:r>
+              <a:rPr lang="en-US" sz="1200" b="0" i="0" kern="1200" dirty="0" smtClean="0">
+                <a:solidFill>
+                  <a:schemeClr val="tx1"/>
+                </a:solidFill>
+                <a:effectLst/>
+                <a:latin typeface="+mn-lt"/>
+                <a:ea typeface="+mn-ea"/>
+                <a:cs typeface="+mn-cs"/>
+              </a:rPr>
               <a:t> </a:t>
             </a:r>
             <a:r>
-              <a:rPr lang="fr-FR" sz="1200" b="0" baseline="0" dirty="0" err="1" smtClean="0"/>
-              <a:t>chaq’un</a:t>
-            </a:r>
-            <a:r>
-              <a:rPr lang="fr-FR" sz="1200" b="0" baseline="0" dirty="0" smtClean="0"/>
+              <a:rPr lang="fr-FR" sz="1200" b="0" i="0" kern="1200" noProof="0" dirty="0" smtClean="0">
+                <a:solidFill>
+                  <a:schemeClr val="tx1"/>
+                </a:solidFill>
+                <a:effectLst/>
+                <a:latin typeface="+mn-lt"/>
+                <a:ea typeface="+mn-ea"/>
+                <a:cs typeface="+mn-cs"/>
+              </a:rPr>
+              <a:t>utilisé</a:t>
+            </a:r>
+            <a:r>
+              <a:rPr lang="en-US" sz="1200" b="0" i="0" kern="1200" dirty="0" smtClean="0">
+                <a:solidFill>
+                  <a:schemeClr val="tx1"/>
+                </a:solidFill>
+                <a:effectLst/>
+                <a:latin typeface="+mn-lt"/>
+                <a:ea typeface="+mn-ea"/>
+                <a:cs typeface="+mn-cs"/>
+              </a:rPr>
               <a:t> </a:t>
             </a:r>
             <a:r>
-              <a:rPr lang="fr-FR" sz="1200" b="0" baseline="0" dirty="0" err="1" smtClean="0"/>
-              <a:t>specialisé</a:t>
-            </a:r>
-            <a:r>
-              <a:rPr lang="fr-FR" sz="1200" b="0" baseline="0" dirty="0" smtClean="0"/>
-              <a:t> dans un </a:t>
-            </a:r>
-            <a:r>
-              <a:rPr lang="fr-FR" sz="1200" b="0" baseline="0" dirty="0" err="1" smtClean="0"/>
-              <a:t>dommun</a:t>
-            </a:r>
-            <a:r>
-              <a:rPr lang="fr-FR" sz="1200" b="0" baseline="0" dirty="0" smtClean="0"/>
-              <a:t> (back-end, front -end),qu’on veut livré rapidement parce que </a:t>
-            </a:r>
-          </a:p>
-          <a:p>
-            <a:r>
-              <a:rPr lang="fr-FR" sz="1200" b="0" baseline="0" dirty="0" smtClean="0"/>
-              <a:t>La revue de code prend du temps)</a:t>
-            </a:r>
-          </a:p>
-          <a:p>
-            <a:r>
-              <a:rPr lang="fr-FR" dirty="0" smtClean="0"/>
-              <a:t>////</a:t>
-            </a:r>
-          </a:p>
-          <a:p>
-            <a:pPr marL="0" marR="0" lvl="0" indent="0" algn="l" defTabSz="914400" rtl="0" eaLnBrk="1" fontAlgn="auto" latinLnBrk="0" hangingPunct="1">
-              <a:lnSpc>
-                <a:spcPct val="100000"/>
-              </a:lnSpc>
-              <a:spcBef>
-                <a:spcPts val="0"/>
-              </a:spcBef>
-              <a:spcAft>
-                <a:spcPts val="0"/>
-              </a:spcAft>
-              <a:buClrTx/>
-              <a:buSzTx/>
-              <a:buFontTx/>
-              <a:buNone/>
-              <a:tabLst/>
-              <a:defRPr/>
-            </a:pPr>
-            <a:r>
-              <a:rPr lang="fr-FR" b="1" dirty="0" smtClean="0"/>
-              <a:t>Workflow de branch par fonctionnalité:</a:t>
-            </a:r>
-            <a:endParaRPr lang="fr-FR" dirty="0" smtClean="0"/>
-          </a:p>
-          <a:p>
-            <a:pPr marL="0" marR="0" lvl="0" indent="0" algn="l" defTabSz="914400" rtl="0" eaLnBrk="1" fontAlgn="auto" latinLnBrk="0" hangingPunct="1">
-              <a:lnSpc>
-                <a:spcPct val="100000"/>
-              </a:lnSpc>
-              <a:spcBef>
-                <a:spcPts val="0"/>
-              </a:spcBef>
-              <a:spcAft>
-                <a:spcPts val="0"/>
-              </a:spcAft>
-              <a:buClrTx/>
-              <a:buSzTx/>
-              <a:buFontTx/>
-              <a:buNone/>
-              <a:tabLst/>
-              <a:defRPr/>
-            </a:pPr>
-            <a:r>
-              <a:rPr lang="fr-FR" dirty="0" smtClean="0"/>
-              <a:t>permet de travailler sans perturbé le code de base et la branche principale ne contient pas d’erreur.</a:t>
-            </a:r>
-          </a:p>
-          <a:p>
-            <a:pPr marL="0" marR="0" lvl="0" indent="0" algn="l" defTabSz="914400" rtl="0" eaLnBrk="1" fontAlgn="auto" latinLnBrk="0" hangingPunct="1">
-              <a:lnSpc>
-                <a:spcPct val="100000"/>
-              </a:lnSpc>
-              <a:spcBef>
-                <a:spcPts val="0"/>
-              </a:spcBef>
-              <a:spcAft>
-                <a:spcPts val="0"/>
-              </a:spcAft>
-              <a:buClrTx/>
-              <a:buSzTx/>
-              <a:buFontTx/>
-              <a:buNone/>
-              <a:tabLst/>
-              <a:defRPr/>
-            </a:pPr>
-            <a:r>
-              <a:rPr lang="fr-FR" dirty="0" smtClean="0"/>
-              <a:t>Pusher au </a:t>
-            </a:r>
-            <a:r>
-              <a:rPr lang="fr-FR" dirty="0" err="1" smtClean="0"/>
-              <a:t>depo</a:t>
-            </a:r>
-            <a:r>
-              <a:rPr lang="fr-FR" dirty="0" smtClean="0"/>
-              <a:t> distant pour partagé</a:t>
-            </a:r>
-            <a:r>
-              <a:rPr lang="fr-FR" baseline="0" dirty="0" smtClean="0"/>
-              <a:t> la fonctionnalité avec les autres développeurs sans touche au code officiel</a:t>
-            </a:r>
-            <a:endParaRPr lang="fr-FR" dirty="0" smtClean="0"/>
-          </a:p>
-          <a:p>
-            <a:pPr marL="0" marR="0" lvl="0" indent="0" algn="l" defTabSz="914400" rtl="0" eaLnBrk="1" fontAlgn="auto" latinLnBrk="0" hangingPunct="1">
-              <a:lnSpc>
-                <a:spcPct val="100000"/>
-              </a:lnSpc>
-              <a:spcBef>
-                <a:spcPts val="0"/>
-              </a:spcBef>
-              <a:spcAft>
-                <a:spcPts val="0"/>
-              </a:spcAft>
-              <a:buClrTx/>
-              <a:buSzTx/>
-              <a:buFontTx/>
-              <a:buNone/>
-              <a:tabLst/>
-              <a:defRPr/>
-            </a:pPr>
-            <a:endParaRPr lang="fr-FR" dirty="0" smtClean="0"/>
-          </a:p>
-          <a:p>
-            <a:endParaRPr lang="fr-FR" dirty="0"/>
+              <a:rPr lang="fr-FR" sz="1200" b="0" i="0" kern="1200" noProof="0" dirty="0" smtClean="0">
+                <a:solidFill>
+                  <a:schemeClr val="tx1"/>
+                </a:solidFill>
+                <a:effectLst/>
+                <a:latin typeface="+mn-lt"/>
+                <a:ea typeface="+mn-ea"/>
+                <a:cs typeface="+mn-cs"/>
+              </a:rPr>
+              <a:t>comme</a:t>
+            </a:r>
+            <a:r>
+              <a:rPr lang="en-US" sz="1200" b="0" i="0" kern="1200" baseline="0" dirty="0" smtClean="0">
+                <a:solidFill>
+                  <a:schemeClr val="tx1"/>
+                </a:solidFill>
+                <a:effectLst/>
+                <a:latin typeface="+mn-lt"/>
+                <a:ea typeface="+mn-ea"/>
+                <a:cs typeface="+mn-cs"/>
+              </a:rPr>
+              <a:t> </a:t>
+            </a:r>
+            <a:r>
+              <a:rPr lang="fr-FR" sz="1200" b="0" i="0" kern="1200" baseline="0" noProof="0" dirty="0" smtClean="0">
+                <a:solidFill>
+                  <a:schemeClr val="tx1"/>
+                </a:solidFill>
+                <a:effectLst/>
+                <a:latin typeface="+mn-lt"/>
+                <a:ea typeface="+mn-ea"/>
+                <a:cs typeface="+mn-cs"/>
+              </a:rPr>
+              <a:t>branche</a:t>
+            </a:r>
+            <a:r>
+              <a:rPr lang="en-US" sz="1200" b="0" i="0" kern="1200" baseline="0" dirty="0" smtClean="0">
+                <a:solidFill>
+                  <a:schemeClr val="tx1"/>
+                </a:solidFill>
+                <a:effectLst/>
+                <a:latin typeface="+mn-lt"/>
+                <a:ea typeface="+mn-ea"/>
+                <a:cs typeface="+mn-cs"/>
+              </a:rPr>
+              <a:t> </a:t>
+            </a:r>
+            <a:r>
+              <a:rPr lang="fr-FR" sz="1200" b="0" i="0" kern="1200" baseline="0" noProof="0" dirty="0" smtClean="0">
+                <a:solidFill>
+                  <a:schemeClr val="tx1"/>
+                </a:solidFill>
+                <a:effectLst/>
+                <a:latin typeface="+mn-lt"/>
+                <a:ea typeface="+mn-ea"/>
+                <a:cs typeface="+mn-cs"/>
+              </a:rPr>
+              <a:t>d’</a:t>
+            </a:r>
+            <a:r>
+              <a:rPr lang="fr-FR" sz="1200" b="0" i="0" kern="1200" baseline="0" noProof="0" dirty="0" err="1" smtClean="0">
+                <a:solidFill>
+                  <a:schemeClr val="tx1"/>
+                </a:solidFill>
+                <a:effectLst/>
+                <a:latin typeface="+mn-lt"/>
+                <a:ea typeface="+mn-ea"/>
+                <a:cs typeface="+mn-cs"/>
+              </a:rPr>
+              <a:t>integration</a:t>
+            </a:r>
+            <a:r>
+              <a:rPr lang="en-US" sz="1200" b="0" i="0" kern="1200" baseline="0" dirty="0" smtClean="0">
+                <a:solidFill>
+                  <a:schemeClr val="tx1"/>
+                </a:solidFill>
+                <a:effectLst/>
+                <a:latin typeface="+mn-lt"/>
+                <a:ea typeface="+mn-ea"/>
+                <a:cs typeface="+mn-cs"/>
+              </a:rPr>
+              <a:t> pour les branches de </a:t>
+            </a:r>
+            <a:r>
+              <a:rPr lang="fr-FR" sz="1200" b="0" i="0" kern="1200" baseline="0" noProof="0" dirty="0" smtClean="0">
+                <a:solidFill>
+                  <a:schemeClr val="tx1"/>
+                </a:solidFill>
+                <a:effectLst/>
+                <a:latin typeface="+mn-lt"/>
+                <a:ea typeface="+mn-ea"/>
+                <a:cs typeface="+mn-cs"/>
+              </a:rPr>
+              <a:t>fonction</a:t>
+            </a:r>
+            <a:endParaRPr lang="fr-FR" sz="1200" b="0" i="0" kern="1200" noProof="0" dirty="0" smtClean="0">
+              <a:solidFill>
+                <a:schemeClr val="tx1"/>
+              </a:solidFill>
+              <a:effectLst/>
+              <a:latin typeface="+mn-lt"/>
+              <a:ea typeface="+mn-ea"/>
+              <a:cs typeface="+mn-cs"/>
+            </a:endParaRPr>
+          </a:p>
+          <a:p>
+            <a:pPr marL="228600" indent="-228600">
+              <a:buFont typeface="+mj-lt"/>
+              <a:buAutoNum type="arabicPeriod"/>
+            </a:pPr>
+            <a:r>
+              <a:rPr lang="fr-FR" sz="1200" b="1" i="0" kern="1200" baseline="0" noProof="0" dirty="0" smtClean="0">
+                <a:solidFill>
+                  <a:schemeClr val="tx1"/>
+                </a:solidFill>
+                <a:effectLst/>
+                <a:latin typeface="+mn-lt"/>
+                <a:ea typeface="+mn-ea"/>
+                <a:cs typeface="+mn-cs"/>
+              </a:rPr>
+              <a:t>Branche  de fonction: </a:t>
+            </a:r>
+            <a:r>
+              <a:rPr lang="en-US" sz="1200" b="0" i="0" kern="1200" baseline="0" dirty="0" smtClean="0">
+                <a:solidFill>
+                  <a:schemeClr val="tx1"/>
+                </a:solidFill>
+                <a:effectLst/>
+                <a:latin typeface="+mn-lt"/>
+                <a:ea typeface="+mn-ea"/>
+                <a:cs typeface="+mn-cs"/>
+              </a:rPr>
+              <a:t>et </a:t>
+            </a:r>
+            <a:r>
+              <a:rPr lang="fr-FR" sz="1200" b="0" i="0" kern="1200" baseline="0" noProof="0" dirty="0" smtClean="0">
+                <a:solidFill>
+                  <a:schemeClr val="tx1"/>
+                </a:solidFill>
+                <a:effectLst/>
+                <a:latin typeface="+mn-lt"/>
+                <a:ea typeface="+mn-ea"/>
+                <a:cs typeface="+mn-cs"/>
+              </a:rPr>
+              <a:t>bifurqué </a:t>
+            </a:r>
+            <a:r>
+              <a:rPr lang="en-US" sz="1200" b="0" i="0" kern="1200" baseline="0" dirty="0" smtClean="0">
+                <a:solidFill>
+                  <a:schemeClr val="tx1"/>
+                </a:solidFill>
+                <a:effectLst/>
+                <a:latin typeface="+mn-lt"/>
+                <a:ea typeface="+mn-ea"/>
+                <a:cs typeface="+mn-cs"/>
+              </a:rPr>
+              <a:t>depuis </a:t>
+            </a:r>
+            <a:r>
+              <a:rPr lang="en-US" sz="1200" b="1" i="0" kern="1200" baseline="0" dirty="0" smtClean="0">
+                <a:solidFill>
+                  <a:schemeClr val="tx1"/>
+                </a:solidFill>
+                <a:effectLst/>
+                <a:latin typeface="+mn-lt"/>
+                <a:ea typeface="+mn-ea"/>
+                <a:cs typeface="+mn-cs"/>
+              </a:rPr>
+              <a:t>develop (le parent).</a:t>
+            </a:r>
+            <a:r>
+              <a:rPr lang="en-US" sz="1200" b="0" i="0" kern="1200" baseline="0" dirty="0" smtClean="0">
+                <a:solidFill>
+                  <a:schemeClr val="tx1"/>
+                </a:solidFill>
+                <a:effectLst/>
+                <a:latin typeface="+mn-lt"/>
+                <a:ea typeface="+mn-ea"/>
+                <a:cs typeface="+mn-cs"/>
+              </a:rPr>
+              <a:t>quant on </a:t>
+            </a:r>
+            <a:r>
+              <a:rPr lang="fr-FR" sz="1200" b="0" i="0" kern="1200" baseline="0" noProof="0" dirty="0" smtClean="0">
+                <a:solidFill>
+                  <a:schemeClr val="tx1"/>
+                </a:solidFill>
+                <a:effectLst/>
+                <a:latin typeface="+mn-lt"/>
+                <a:ea typeface="+mn-ea"/>
+                <a:cs typeface="+mn-cs"/>
+              </a:rPr>
+              <a:t>termine</a:t>
+            </a:r>
+            <a:r>
+              <a:rPr lang="en-US" sz="1200" b="0" i="0" kern="1200" baseline="0" dirty="0" smtClean="0">
+                <a:solidFill>
+                  <a:schemeClr val="tx1"/>
+                </a:solidFill>
+                <a:effectLst/>
+                <a:latin typeface="+mn-lt"/>
+                <a:ea typeface="+mn-ea"/>
+                <a:cs typeface="+mn-cs"/>
+              </a:rPr>
+              <a:t> de implementation de la fonction on l’intègre a </a:t>
+            </a:r>
+            <a:r>
+              <a:rPr lang="en-US" sz="1200" b="1" i="0" kern="1200" baseline="0" dirty="0" smtClean="0">
+                <a:solidFill>
+                  <a:schemeClr val="tx1"/>
+                </a:solidFill>
+                <a:effectLst/>
+                <a:latin typeface="+mn-lt"/>
+                <a:ea typeface="+mn-ea"/>
+                <a:cs typeface="+mn-cs"/>
+              </a:rPr>
+              <a:t>develop</a:t>
+            </a:r>
+            <a:r>
+              <a:rPr lang="en-US" sz="1200" b="0" i="0" kern="1200" baseline="0" dirty="0" smtClean="0">
+                <a:solidFill>
+                  <a:schemeClr val="tx1"/>
+                </a:solidFill>
+                <a:effectLst/>
+                <a:latin typeface="+mn-lt"/>
+                <a:ea typeface="+mn-ea"/>
+                <a:cs typeface="+mn-cs"/>
+              </a:rPr>
+              <a:t>. Les branches fonction </a:t>
+            </a:r>
+            <a:r>
+              <a:rPr lang="en-US" sz="1200" b="0" i="0" kern="1200" baseline="0" dirty="0" err="1" smtClean="0">
+                <a:solidFill>
+                  <a:schemeClr val="tx1"/>
+                </a:solidFill>
+                <a:effectLst/>
+                <a:latin typeface="+mn-lt"/>
+                <a:ea typeface="+mn-ea"/>
+                <a:cs typeface="+mn-cs"/>
+              </a:rPr>
+              <a:t>n’interacte</a:t>
+            </a:r>
+            <a:r>
+              <a:rPr lang="en-US" sz="1200" b="0" i="0" kern="1200" baseline="0" dirty="0" smtClean="0">
+                <a:solidFill>
+                  <a:schemeClr val="tx1"/>
+                </a:solidFill>
+                <a:effectLst/>
+                <a:latin typeface="+mn-lt"/>
+                <a:ea typeface="+mn-ea"/>
+                <a:cs typeface="+mn-cs"/>
+              </a:rPr>
+              <a:t> jamais avec le master</a:t>
+            </a:r>
+          </a:p>
+          <a:p>
+            <a:pPr marL="228600" indent="-228600">
+              <a:buFont typeface="+mj-lt"/>
+              <a:buAutoNum type="arabicPeriod"/>
+            </a:pPr>
+            <a:r>
+              <a:rPr lang="en-US" sz="1200" b="1" i="0" kern="1200" baseline="0" dirty="0" err="1" smtClean="0">
+                <a:solidFill>
+                  <a:schemeClr val="tx1"/>
+                </a:solidFill>
+                <a:effectLst/>
+                <a:latin typeface="+mn-lt"/>
+                <a:ea typeface="+mn-ea"/>
+                <a:cs typeface="+mn-cs"/>
+              </a:rPr>
+              <a:t>Branche</a:t>
+            </a:r>
+            <a:r>
+              <a:rPr lang="en-US" sz="1200" b="1" i="0" kern="1200" baseline="0" dirty="0" smtClean="0">
+                <a:solidFill>
+                  <a:schemeClr val="tx1"/>
+                </a:solidFill>
+                <a:effectLst/>
+                <a:latin typeface="+mn-lt"/>
+                <a:ea typeface="+mn-ea"/>
+                <a:cs typeface="+mn-cs"/>
+              </a:rPr>
+              <a:t> release:</a:t>
+            </a:r>
+            <a:r>
+              <a:rPr lang="fr-FR" sz="1200" b="0" i="0" kern="1200" baseline="0" noProof="0" dirty="0" smtClean="0">
+                <a:solidFill>
+                  <a:schemeClr val="tx1"/>
+                </a:solidFill>
+                <a:effectLst/>
+                <a:latin typeface="+mn-lt"/>
+                <a:ea typeface="+mn-ea"/>
+                <a:cs typeface="+mn-cs"/>
+              </a:rPr>
+              <a:t>une fois la branche develop contient suffisamment de fonctionnalités une branche release est bifurque de develop. une fois créer pour un cycle de release aucune fonction ne peut êtres ajouté  a partir de ce point juste la tache de fixation de bug et d’autre taches relatives au release peuvent ajouté à cette branche une fois le release est fait on doit </a:t>
+            </a:r>
+            <a:r>
+              <a:rPr lang="fr-FR" sz="1200" b="0" i="0" kern="1200" baseline="0" noProof="0" dirty="0" err="1" smtClean="0">
+                <a:solidFill>
+                  <a:schemeClr val="tx1"/>
+                </a:solidFill>
+                <a:effectLst/>
+                <a:latin typeface="+mn-lt"/>
+                <a:ea typeface="+mn-ea"/>
+                <a:cs typeface="+mn-cs"/>
+              </a:rPr>
+              <a:t>mergé</a:t>
+            </a:r>
+            <a:r>
+              <a:rPr lang="fr-FR" sz="1200" b="0" i="0" kern="1200" baseline="0" noProof="0" dirty="0" smtClean="0">
+                <a:solidFill>
+                  <a:schemeClr val="tx1"/>
+                </a:solidFill>
+                <a:effectLst/>
+                <a:latin typeface="+mn-lt"/>
+                <a:ea typeface="+mn-ea"/>
+                <a:cs typeface="+mn-cs"/>
+              </a:rPr>
+              <a:t> ce release à la branche master avec un tag d’une nouvelle versions. aussi il  faut </a:t>
+            </a:r>
+            <a:r>
+              <a:rPr lang="fr-FR" sz="1200" b="0" i="0" kern="1200" baseline="0" noProof="0" dirty="0" err="1" smtClean="0">
+                <a:solidFill>
+                  <a:schemeClr val="tx1"/>
+                </a:solidFill>
+                <a:effectLst/>
+                <a:latin typeface="+mn-lt"/>
+                <a:ea typeface="+mn-ea"/>
+                <a:cs typeface="+mn-cs"/>
+              </a:rPr>
+              <a:t>mergé</a:t>
+            </a:r>
+            <a:r>
+              <a:rPr lang="fr-FR" sz="1200" b="0" i="0" kern="1200" baseline="0" noProof="0" dirty="0" smtClean="0">
+                <a:solidFill>
+                  <a:schemeClr val="tx1"/>
+                </a:solidFill>
+                <a:effectLst/>
+                <a:latin typeface="+mn-lt"/>
+                <a:ea typeface="+mn-ea"/>
+                <a:cs typeface="+mn-cs"/>
+              </a:rPr>
+              <a:t> le release vers la branche develop car il peut avoir des changement(progressé) qui sont pas dans develop. ces branches permet de </a:t>
+            </a:r>
+            <a:r>
+              <a:rPr lang="fr-FR" sz="1200" b="0" i="0" kern="1200" baseline="0" noProof="0" dirty="0" err="1" smtClean="0">
+                <a:solidFill>
+                  <a:schemeClr val="tx1"/>
+                </a:solidFill>
+                <a:effectLst/>
+                <a:latin typeface="+mn-lt"/>
+                <a:ea typeface="+mn-ea"/>
+                <a:cs typeface="+mn-cs"/>
+              </a:rPr>
+              <a:t>devisie</a:t>
+            </a:r>
+            <a:r>
+              <a:rPr lang="fr-FR" sz="1200" b="0" i="0" kern="1200" baseline="0" noProof="0" dirty="0" smtClean="0">
+                <a:solidFill>
+                  <a:schemeClr val="tx1"/>
+                </a:solidFill>
+                <a:effectLst/>
+                <a:latin typeface="+mn-lt"/>
+                <a:ea typeface="+mn-ea"/>
+                <a:cs typeface="+mn-cs"/>
+              </a:rPr>
+              <a:t> l’équipe une partie travail sur le release et l’autre pour développé des nouvelle fonctions pour la prochaine release </a:t>
+            </a:r>
+          </a:p>
+          <a:p>
+            <a:pPr marL="228600" indent="-228600" rtl="0">
+              <a:buFont typeface="+mj-lt"/>
+              <a:buAutoNum type="arabicPeriod"/>
+            </a:pPr>
+            <a:r>
+              <a:rPr lang="fr-FR" sz="1200" b="0" i="0" kern="1200" baseline="0" noProof="0" dirty="0" err="1" smtClean="0">
+                <a:solidFill>
+                  <a:schemeClr val="tx1"/>
+                </a:solidFill>
+                <a:effectLst/>
+                <a:latin typeface="+mn-lt"/>
+                <a:ea typeface="+mn-ea"/>
+                <a:cs typeface="+mn-cs"/>
+              </a:rPr>
+              <a:t>Hotfix</a:t>
+            </a:r>
+            <a:r>
+              <a:rPr lang="fr-FR" sz="1200" b="0" i="0" kern="1200" baseline="0" noProof="0" dirty="0" smtClean="0">
+                <a:solidFill>
+                  <a:schemeClr val="tx1"/>
+                </a:solidFill>
+                <a:effectLst/>
+                <a:latin typeface="+mn-lt"/>
+                <a:ea typeface="+mn-ea"/>
+                <a:cs typeface="+mn-cs"/>
+              </a:rPr>
+              <a:t>: bifurqué depuis master utilisé pour corrigé rapidement la release en </a:t>
+            </a:r>
+            <a:r>
+              <a:rPr lang="fr-FR" sz="1200" b="0" i="0" kern="1200" baseline="0" noProof="0" dirty="0" err="1" smtClean="0">
+                <a:solidFill>
+                  <a:schemeClr val="tx1"/>
+                </a:solidFill>
+                <a:effectLst/>
+                <a:latin typeface="+mn-lt"/>
+                <a:ea typeface="+mn-ea"/>
+                <a:cs typeface="+mn-cs"/>
+              </a:rPr>
+              <a:t>production.dés</a:t>
+            </a:r>
+            <a:r>
+              <a:rPr lang="fr-FR" sz="1200" b="0" i="0" kern="1200" baseline="0" noProof="0" dirty="0" smtClean="0">
+                <a:solidFill>
+                  <a:schemeClr val="tx1"/>
+                </a:solidFill>
+                <a:effectLst/>
+                <a:latin typeface="+mn-lt"/>
+                <a:ea typeface="+mn-ea"/>
+                <a:cs typeface="+mn-cs"/>
+              </a:rPr>
+              <a:t> que le correctif est </a:t>
+            </a:r>
+            <a:r>
+              <a:rPr lang="fr-FR" sz="1200" b="0" i="0" kern="1200" baseline="0" noProof="0" dirty="0" err="1" smtClean="0">
+                <a:solidFill>
+                  <a:schemeClr val="tx1"/>
+                </a:solidFill>
+                <a:effectLst/>
+                <a:latin typeface="+mn-lt"/>
+                <a:ea typeface="+mn-ea"/>
+                <a:cs typeface="+mn-cs"/>
+              </a:rPr>
+              <a:t>deployé</a:t>
+            </a:r>
+            <a:r>
+              <a:rPr lang="fr-FR" sz="1200" b="0" i="0" kern="1200" baseline="0" noProof="0" dirty="0" smtClean="0">
+                <a:solidFill>
+                  <a:schemeClr val="tx1"/>
+                </a:solidFill>
+                <a:effectLst/>
+                <a:latin typeface="+mn-lt"/>
+                <a:ea typeface="+mn-ea"/>
+                <a:cs typeface="+mn-cs"/>
+              </a:rPr>
+              <a:t> cette branche doit </a:t>
+            </a:r>
+            <a:r>
+              <a:rPr lang="fr-FR" sz="1200" b="0" i="0" kern="1200" baseline="0" noProof="0" dirty="0" err="1" smtClean="0">
+                <a:solidFill>
+                  <a:schemeClr val="tx1"/>
+                </a:solidFill>
+                <a:effectLst/>
+                <a:latin typeface="+mn-lt"/>
+                <a:ea typeface="+mn-ea"/>
+                <a:cs typeface="+mn-cs"/>
+              </a:rPr>
+              <a:t>étre</a:t>
+            </a:r>
+            <a:r>
+              <a:rPr lang="fr-FR" sz="1200" b="0" i="0" kern="1200" baseline="0" noProof="0" dirty="0" smtClean="0">
+                <a:solidFill>
+                  <a:schemeClr val="tx1"/>
+                </a:solidFill>
+                <a:effectLst/>
+                <a:latin typeface="+mn-lt"/>
+                <a:ea typeface="+mn-ea"/>
+                <a:cs typeface="+mn-cs"/>
+              </a:rPr>
+              <a:t> </a:t>
+            </a:r>
+            <a:r>
+              <a:rPr lang="fr-FR" sz="1200" b="0" i="0" kern="1200" baseline="0" noProof="0" dirty="0" err="1" smtClean="0">
+                <a:solidFill>
+                  <a:schemeClr val="tx1"/>
+                </a:solidFill>
+                <a:effectLst/>
+                <a:latin typeface="+mn-lt"/>
+                <a:ea typeface="+mn-ea"/>
+                <a:cs typeface="+mn-cs"/>
+              </a:rPr>
+              <a:t>mergé</a:t>
+            </a:r>
+            <a:r>
+              <a:rPr lang="fr-FR" sz="1200" b="0" i="0" kern="1200" baseline="0" noProof="0" dirty="0" smtClean="0">
+                <a:solidFill>
+                  <a:schemeClr val="tx1"/>
+                </a:solidFill>
+                <a:effectLst/>
+                <a:latin typeface="+mn-lt"/>
+                <a:ea typeface="+mn-ea"/>
+                <a:cs typeface="+mn-cs"/>
+              </a:rPr>
+              <a:t> vers master et </a:t>
+            </a:r>
+            <a:r>
+              <a:rPr lang="fr-FR" sz="1200" b="0" i="0" kern="1200" baseline="0" noProof="0" dirty="0" err="1" smtClean="0">
+                <a:solidFill>
+                  <a:schemeClr val="tx1"/>
+                </a:solidFill>
+                <a:effectLst/>
+                <a:latin typeface="+mn-lt"/>
+                <a:ea typeface="+mn-ea"/>
+                <a:cs typeface="+mn-cs"/>
+              </a:rPr>
+              <a:t>develop.avoir</a:t>
+            </a:r>
+            <a:r>
+              <a:rPr lang="fr-FR" sz="1200" b="0" i="0" kern="1200" baseline="0" noProof="0" dirty="0" smtClean="0">
+                <a:solidFill>
+                  <a:schemeClr val="tx1"/>
+                </a:solidFill>
+                <a:effectLst/>
+                <a:latin typeface="+mn-lt"/>
+                <a:ea typeface="+mn-ea"/>
+                <a:cs typeface="+mn-cs"/>
+              </a:rPr>
+              <a:t> </a:t>
+            </a:r>
+            <a:r>
+              <a:rPr lang="fr-FR" sz="1200" b="0" i="0" kern="1200" baseline="0" noProof="0" dirty="0" err="1" smtClean="0">
+                <a:solidFill>
+                  <a:schemeClr val="tx1"/>
+                </a:solidFill>
+                <a:effectLst/>
+                <a:latin typeface="+mn-lt"/>
+                <a:ea typeface="+mn-ea"/>
+                <a:cs typeface="+mn-cs"/>
+              </a:rPr>
+              <a:t>unr</a:t>
+            </a:r>
+            <a:r>
+              <a:rPr lang="fr-FR" sz="1200" b="0" i="0" kern="1200" baseline="0" noProof="0" dirty="0" smtClean="0">
+                <a:solidFill>
+                  <a:schemeClr val="tx1"/>
+                </a:solidFill>
+                <a:effectLst/>
+                <a:latin typeface="+mn-lt"/>
+                <a:ea typeface="+mn-ea"/>
+                <a:cs typeface="+mn-cs"/>
+              </a:rPr>
+              <a:t> line de </a:t>
+            </a:r>
+            <a:r>
+              <a:rPr lang="fr-FR" sz="1200" b="0" i="0" kern="1200" baseline="0" noProof="0" dirty="0" err="1" smtClean="0">
+                <a:solidFill>
+                  <a:schemeClr val="tx1"/>
+                </a:solidFill>
+                <a:effectLst/>
+                <a:latin typeface="+mn-lt"/>
+                <a:ea typeface="+mn-ea"/>
+                <a:cs typeface="+mn-cs"/>
+              </a:rPr>
+              <a:t>developpement</a:t>
+            </a:r>
+            <a:r>
+              <a:rPr lang="fr-FR" sz="1200" b="0" i="0" kern="1200" baseline="0" noProof="0" dirty="0" smtClean="0">
+                <a:solidFill>
+                  <a:schemeClr val="tx1"/>
+                </a:solidFill>
+                <a:effectLst/>
+                <a:latin typeface="+mn-lt"/>
+                <a:ea typeface="+mn-ea"/>
+                <a:cs typeface="+mn-cs"/>
+              </a:rPr>
+              <a:t> pour la correction des bugs  nous </a:t>
+            </a:r>
+            <a:r>
+              <a:rPr lang="fr-FR" sz="1200" b="0" i="0" kern="1200" baseline="0" noProof="0" dirty="0" err="1" smtClean="0">
+                <a:solidFill>
+                  <a:schemeClr val="tx1"/>
+                </a:solidFill>
+                <a:effectLst/>
+                <a:latin typeface="+mn-lt"/>
+                <a:ea typeface="+mn-ea"/>
+                <a:cs typeface="+mn-cs"/>
+              </a:rPr>
+              <a:t>evitent</a:t>
+            </a:r>
+            <a:r>
+              <a:rPr lang="fr-FR" sz="1200" b="0" i="0" kern="1200" baseline="0" noProof="0" dirty="0" smtClean="0">
+                <a:solidFill>
+                  <a:schemeClr val="tx1"/>
+                </a:solidFill>
+                <a:effectLst/>
+                <a:latin typeface="+mn-lt"/>
+                <a:ea typeface="+mn-ea"/>
+                <a:cs typeface="+mn-cs"/>
+              </a:rPr>
+              <a:t> l’</a:t>
+            </a:r>
+            <a:r>
+              <a:rPr lang="fr-FR" sz="1200" b="0" i="0" kern="1200" baseline="0" noProof="0" dirty="0" err="1" smtClean="0">
+                <a:solidFill>
+                  <a:schemeClr val="tx1"/>
+                </a:solidFill>
+                <a:effectLst/>
+                <a:latin typeface="+mn-lt"/>
+                <a:ea typeface="+mn-ea"/>
+                <a:cs typeface="+mn-cs"/>
+              </a:rPr>
+              <a:t>interuption</a:t>
+            </a:r>
+            <a:r>
+              <a:rPr lang="fr-FR" sz="1200" b="0" i="0" kern="1200" baseline="0" noProof="0" dirty="0" smtClean="0">
+                <a:solidFill>
+                  <a:schemeClr val="tx1"/>
+                </a:solidFill>
+                <a:effectLst/>
+                <a:latin typeface="+mn-lt"/>
+                <a:ea typeface="+mn-ea"/>
+                <a:cs typeface="+mn-cs"/>
+              </a:rPr>
+              <a:t> de reste du  workflow et attendre la </a:t>
+            </a:r>
+            <a:r>
+              <a:rPr lang="fr-FR" sz="1200" b="0" i="0" kern="1200" baseline="0" noProof="0" smtClean="0">
+                <a:solidFill>
+                  <a:schemeClr val="tx1"/>
+                </a:solidFill>
+                <a:effectLst/>
+                <a:latin typeface="+mn-lt"/>
+                <a:ea typeface="+mn-ea"/>
+                <a:cs typeface="+mn-cs"/>
+              </a:rPr>
+              <a:t>prochaine release</a:t>
+            </a:r>
+            <a:r>
+              <a:rPr lang="fr-FR" sz="1200" b="0" i="0" kern="1200" baseline="0" noProof="0" dirty="0" smtClean="0">
+                <a:solidFill>
+                  <a:schemeClr val="tx1"/>
+                </a:solidFill>
+                <a:effectLst/>
+                <a:latin typeface="+mn-lt"/>
+                <a:ea typeface="+mn-ea"/>
+                <a:cs typeface="+mn-cs"/>
+              </a:rPr>
+              <a:t>	</a:t>
+            </a:r>
+            <a:endParaRPr lang="fr-FR" b="0" noProof="0" dirty="0"/>
           </a:p>
         </p:txBody>
       </p:sp>
@@ -2002,7 +2630,7 @@
     </p:spTree>
     <p:extLst>
       <p:ext uri="{BB962C8B-B14F-4D97-AF65-F5344CB8AC3E}">
-        <p14:creationId xmlns:p14="http://schemas.microsoft.com/office/powerpoint/2010/main" val="1616699120"/>
+        <p14:creationId xmlns:p14="http://schemas.microsoft.com/office/powerpoint/2010/main" val="3661544572"/>
       </p:ext>
     </p:extLst>
   </p:cSld>
@@ -2056,6 +2684,161 @@
           <a:bodyPr/>
           <a:lstStyle/>
           <a:p>
+            <a:r>
+              <a:rPr lang="fr-FR" sz="1200" b="0" dirty="0" smtClean="0"/>
+              <a:t>Centralisé</a:t>
+            </a:r>
+            <a:r>
+              <a:rPr lang="fr-FR" sz="1200" b="0" baseline="0" dirty="0" smtClean="0"/>
+              <a:t> : travail sur master au lieu de travailler sur une autre branche puis la mergé une fois terminé. Les cas de figure ou il est adapté</a:t>
+            </a:r>
+          </a:p>
+          <a:p>
+            <a:r>
+              <a:rPr lang="fr-FR" sz="1200" b="0" baseline="0" dirty="0" smtClean="0"/>
+              <a:t>1.Le code n’à pas besoin d’</a:t>
+            </a:r>
+            <a:r>
+              <a:rPr lang="fr-FR" sz="1200" b="0" baseline="0" dirty="0" err="1" smtClean="0"/>
+              <a:t>etre</a:t>
+            </a:r>
+            <a:r>
+              <a:rPr lang="fr-FR" sz="1200" b="0" baseline="0" dirty="0" smtClean="0"/>
+              <a:t> contrôlé (on travail seule, une petite équipe chaqu'un </a:t>
+            </a:r>
+            <a:r>
+              <a:rPr lang="fr-FR" sz="1200" b="0" baseline="0" dirty="0" err="1" smtClean="0"/>
+              <a:t>specialisé</a:t>
+            </a:r>
+            <a:r>
+              <a:rPr lang="fr-FR" sz="1200" b="0" baseline="0" dirty="0" smtClean="0"/>
+              <a:t> dans un </a:t>
+            </a:r>
+            <a:r>
+              <a:rPr lang="fr-FR" sz="1200" b="0" baseline="0" dirty="0" err="1" smtClean="0"/>
+              <a:t>dommun</a:t>
+            </a:r>
+            <a:r>
+              <a:rPr lang="fr-FR" sz="1200" b="0" baseline="0" dirty="0" smtClean="0"/>
+              <a:t> (back-end, front -end),qu’on veut livré rapidement parce que </a:t>
+            </a:r>
+          </a:p>
+          <a:p>
+            <a:r>
+              <a:rPr lang="fr-FR" sz="1200" b="0" baseline="0" dirty="0" smtClean="0"/>
+              <a:t>La revue de code prend du temps)</a:t>
+            </a:r>
+          </a:p>
+          <a:p>
+            <a:r>
+              <a:rPr lang="fr-FR" dirty="0" smtClean="0"/>
+              <a:t>////</a:t>
+            </a:r>
+          </a:p>
+          <a:p>
+            <a:pPr marL="0" marR="0" lvl="0" indent="0" algn="l" defTabSz="914400" rtl="0" eaLnBrk="1" fontAlgn="auto" latinLnBrk="0" hangingPunct="1">
+              <a:lnSpc>
+                <a:spcPct val="100000"/>
+              </a:lnSpc>
+              <a:spcBef>
+                <a:spcPts val="0"/>
+              </a:spcBef>
+              <a:spcAft>
+                <a:spcPts val="0"/>
+              </a:spcAft>
+              <a:buClrTx/>
+              <a:buSzTx/>
+              <a:buFontTx/>
+              <a:buNone/>
+              <a:tabLst/>
+              <a:defRPr/>
+            </a:pPr>
+            <a:r>
+              <a:rPr lang="fr-FR" b="1" dirty="0" smtClean="0"/>
+              <a:t>Workflow de branch par fonctionnalité:</a:t>
+            </a:r>
+            <a:endParaRPr lang="fr-FR" dirty="0" smtClean="0"/>
+          </a:p>
+          <a:p>
+            <a:pPr marL="0" marR="0" lvl="0" indent="0" algn="l" defTabSz="914400" rtl="0" eaLnBrk="1" fontAlgn="auto" latinLnBrk="0" hangingPunct="1">
+              <a:lnSpc>
+                <a:spcPct val="100000"/>
+              </a:lnSpc>
+              <a:spcBef>
+                <a:spcPts val="0"/>
+              </a:spcBef>
+              <a:spcAft>
+                <a:spcPts val="0"/>
+              </a:spcAft>
+              <a:buClrTx/>
+              <a:buSzTx/>
+              <a:buFontTx/>
+              <a:buNone/>
+              <a:tabLst/>
+              <a:defRPr/>
+            </a:pPr>
+            <a:r>
+              <a:rPr lang="fr-FR" dirty="0" smtClean="0"/>
+              <a:t>permet de travailler sans perturbé le code de base et la branche principale ne contient pas d’erreur.</a:t>
+            </a:r>
+          </a:p>
+          <a:p>
+            <a:pPr marL="0" marR="0" lvl="0" indent="0" algn="l" defTabSz="914400" rtl="0" eaLnBrk="1" fontAlgn="auto" latinLnBrk="0" hangingPunct="1">
+              <a:lnSpc>
+                <a:spcPct val="100000"/>
+              </a:lnSpc>
+              <a:spcBef>
+                <a:spcPts val="0"/>
+              </a:spcBef>
+              <a:spcAft>
+                <a:spcPts val="0"/>
+              </a:spcAft>
+              <a:buClrTx/>
+              <a:buSzTx/>
+              <a:buFontTx/>
+              <a:buNone/>
+              <a:tabLst/>
+              <a:defRPr/>
+            </a:pPr>
+            <a:r>
+              <a:rPr lang="fr-FR" dirty="0" smtClean="0"/>
+              <a:t>Pusher au </a:t>
+            </a:r>
+            <a:r>
+              <a:rPr lang="fr-FR" dirty="0" err="1" smtClean="0"/>
+              <a:t>depo</a:t>
+            </a:r>
+            <a:r>
+              <a:rPr lang="fr-FR" dirty="0" smtClean="0"/>
+              <a:t> distant pour partagé</a:t>
+            </a:r>
+            <a:r>
+              <a:rPr lang="fr-FR" baseline="0" dirty="0" smtClean="0"/>
+              <a:t> la fonctionnalité avec les autres développeurs sans touche au code officiel</a:t>
+            </a:r>
+            <a:endParaRPr lang="fr-FR" dirty="0" smtClean="0"/>
+          </a:p>
+          <a:p>
+            <a:pPr marL="0" marR="0" lvl="0" indent="0" algn="l" defTabSz="914400" rtl="0" eaLnBrk="1" fontAlgn="auto" latinLnBrk="0" hangingPunct="1">
+              <a:lnSpc>
+                <a:spcPct val="100000"/>
+              </a:lnSpc>
+              <a:spcBef>
+                <a:spcPts val="0"/>
+              </a:spcBef>
+              <a:spcAft>
+                <a:spcPts val="0"/>
+              </a:spcAft>
+              <a:buClrTx/>
+              <a:buSzTx/>
+              <a:buFontTx/>
+              <a:buNone/>
+              <a:tabLst/>
+              <a:defRPr/>
+            </a:pPr>
+            <a:endParaRPr lang="fr-FR" dirty="0" smtClean="0"/>
+          </a:p>
+          <a:p>
             <a:endParaRPr lang="fr-FR" dirty="0"/>
           </a:p>
         </p:txBody>
@@ -2086,7 +2869,7 @@
     </p:spTree>
     <p:extLst>
       <p:ext uri="{BB962C8B-B14F-4D97-AF65-F5344CB8AC3E}">
-        <p14:creationId xmlns:p14="http://schemas.microsoft.com/office/powerpoint/2010/main" val="3661544572"/>
+        <p14:creationId xmlns:p14="http://schemas.microsoft.com/office/powerpoint/2010/main" val="1616699120"/>
       </p:ext>
     </p:extLst>
   </p:cSld>
@@ -5765,7 +6548,7 @@
           <a:p>
             <a:fld id="{0A206D1B-E756-4A82-9838-551DE185C738}" type="datetimeFigureOut">
               <a:rPr lang="fr-FR" smtClean="0"/>
-              <a:t>05/12/2022</a:t>
+              <a:t>06/12/2022</a:t>
             </a:fld>
             <a:endParaRPr lang="fr-FR"/>
           </a:p>
@@ -5935,7 +6718,7 @@
           <a:p>
             <a:fld id="{0A206D1B-E756-4A82-9838-551DE185C738}" type="datetimeFigureOut">
               <a:rPr lang="fr-FR" smtClean="0"/>
-              <a:t>05/12/2022</a:t>
+              <a:t>06/12/2022</a:t>
             </a:fld>
             <a:endParaRPr lang="fr-FR"/>
           </a:p>
@@ -6115,7 +6898,7 @@
           <a:p>
             <a:fld id="{0A206D1B-E756-4A82-9838-551DE185C738}" type="datetimeFigureOut">
               <a:rPr lang="fr-FR" smtClean="0"/>
-              <a:t>05/12/2022</a:t>
+              <a:t>06/12/2022</a:t>
             </a:fld>
             <a:endParaRPr lang="fr-FR"/>
           </a:p>
@@ -6285,7 +7068,7 @@
           <a:p>
             <a:fld id="{0A206D1B-E756-4A82-9838-551DE185C738}" type="datetimeFigureOut">
               <a:rPr lang="fr-FR" smtClean="0"/>
-              <a:t>05/12/2022</a:t>
+              <a:t>06/12/2022</a:t>
             </a:fld>
             <a:endParaRPr lang="fr-FR"/>
           </a:p>
@@ -6531,7 +7314,7 @@
           <a:p>
             <a:fld id="{0A206D1B-E756-4A82-9838-551DE185C738}" type="datetimeFigureOut">
               <a:rPr lang="fr-FR" smtClean="0"/>
-              <a:t>05/12/2022</a:t>
+              <a:t>06/12/2022</a:t>
             </a:fld>
             <a:endParaRPr lang="fr-FR"/>
           </a:p>
@@ -6763,7 +7546,7 @@
           <a:p>
             <a:fld id="{0A206D1B-E756-4A82-9838-551DE185C738}" type="datetimeFigureOut">
               <a:rPr lang="fr-FR" smtClean="0"/>
-              <a:t>05/12/2022</a:t>
+              <a:t>06/12/2022</a:t>
             </a:fld>
             <a:endParaRPr lang="fr-FR"/>
           </a:p>
@@ -7130,7 +7913,7 @@
           <a:p>
             <a:fld id="{0A206D1B-E756-4A82-9838-551DE185C738}" type="datetimeFigureOut">
               <a:rPr lang="fr-FR" smtClean="0"/>
-              <a:t>05/12/2022</a:t>
+              <a:t>06/12/2022</a:t>
             </a:fld>
             <a:endParaRPr lang="fr-FR"/>
           </a:p>
@@ -7248,7 +8031,7 @@
           <a:p>
             <a:fld id="{0A206D1B-E756-4A82-9838-551DE185C738}" type="datetimeFigureOut">
               <a:rPr lang="fr-FR" smtClean="0"/>
-              <a:t>05/12/2022</a:t>
+              <a:t>06/12/2022</a:t>
             </a:fld>
             <a:endParaRPr lang="fr-FR"/>
           </a:p>
@@ -7343,7 +8126,7 @@
           <a:p>
             <a:fld id="{0A206D1B-E756-4A82-9838-551DE185C738}" type="datetimeFigureOut">
               <a:rPr lang="fr-FR" smtClean="0"/>
-              <a:t>05/12/2022</a:t>
+              <a:t>06/12/2022</a:t>
             </a:fld>
             <a:endParaRPr lang="fr-FR"/>
           </a:p>
@@ -7620,7 +8403,7 @@
           <a:p>
             <a:fld id="{0A206D1B-E756-4A82-9838-551DE185C738}" type="datetimeFigureOut">
               <a:rPr lang="fr-FR" smtClean="0"/>
-              <a:t>05/12/2022</a:t>
+              <a:t>06/12/2022</a:t>
             </a:fld>
             <a:endParaRPr lang="fr-FR"/>
           </a:p>
@@ -7873,7 +8656,7 @@
           <a:p>
             <a:fld id="{0A206D1B-E756-4A82-9838-551DE185C738}" type="datetimeFigureOut">
               <a:rPr lang="fr-FR" smtClean="0"/>
-              <a:t>05/12/2022</a:t>
+              <a:t>06/12/2022</a:t>
             </a:fld>
             <a:endParaRPr lang="fr-FR"/>
           </a:p>
@@ -8086,7 +8869,7 @@
           <a:p>
             <a:fld id="{0A206D1B-E756-4A82-9838-551DE185C738}" type="datetimeFigureOut">
               <a:rPr lang="fr-FR" smtClean="0"/>
-              <a:t>05/12/2022</a:t>
+              <a:t>06/12/2022</a:t>
             </a:fld>
             <a:endParaRPr lang="fr-FR"/>
           </a:p>
@@ -8652,13 +9435,8 @@
             <a:pPr lvl="0"/>
             <a:r>
               <a:rPr lang="fr-FR" dirty="0" smtClean="0"/>
-              <a:t>Facilite le </a:t>
-            </a:r>
-            <a:r>
-              <a:rPr lang="fr-FR" dirty="0" smtClean="0"/>
-              <a:t>télétravail.</a:t>
-            </a:r>
-            <a:endParaRPr lang="fr-FR" dirty="0" smtClean="0"/>
+              <a:t>Facilite le télétravail.</a:t>
+            </a:r>
           </a:p>
           <a:p>
             <a:r>
@@ -10127,7 +10905,7 @@
         </p:nvSpPr>
         <p:spPr>
           <a:xfrm>
-            <a:off x="0" y="1162595"/>
+            <a:off x="0" y="1043842"/>
             <a:ext cx="12192000" cy="5695405"/>
           </a:xfrm>
           <a:prstGeom prst="rect">
@@ -10299,8 +11077,13 @@
             </a:r>
             <a:r>
               <a:rPr lang="fr-FR" sz="2800" dirty="0"/>
-              <a:t>une branche local</a:t>
-            </a:r>
+              <a:t>une </a:t>
+            </a:r>
+            <a:r>
+              <a:rPr lang="fr-FR" sz="2800" dirty="0" smtClean="0"/>
+              <a:t>branche</a:t>
+            </a:r>
+            <a:endParaRPr lang="fr-FR" sz="2800" dirty="0"/>
           </a:p>
           <a:p>
             <a:pPr marL="804863" lvl="1" indent="-182563">
@@ -10313,6 +11096,30 @@
             <a:r>
               <a:rPr lang="fr-FR" sz="2800" b="1" i="1" dirty="0"/>
               <a:t>git branch –d « branch </a:t>
+            </a:r>
+            <a:r>
+              <a:rPr lang="fr-FR" sz="2800" b="1" i="1" dirty="0" err="1"/>
+              <a:t>name</a:t>
+            </a:r>
+            <a:r>
+              <a:rPr lang="fr-FR" sz="2800" b="1" i="1" dirty="0"/>
+              <a:t> », git </a:t>
+            </a:r>
+            <a:r>
+              <a:rPr lang="fr-FR" sz="2800" b="1" i="1" dirty="0" smtClean="0"/>
+              <a:t>push origin --</a:t>
+            </a:r>
+            <a:r>
+              <a:rPr lang="fr-FR" sz="2800" b="1" i="1" dirty="0" err="1" smtClean="0"/>
+              <a:t>delete</a:t>
+            </a:r>
+            <a:r>
+              <a:rPr lang="fr-FR" sz="2800" b="1" i="1" dirty="0" smtClean="0"/>
+              <a:t> </a:t>
+            </a:r>
+            <a:r>
+              <a:rPr lang="fr-FR" sz="2800" b="1" i="1" dirty="0"/>
+              <a:t>« branch </a:t>
             </a:r>
             <a:r>
               <a:rPr lang="fr-FR" sz="2800" b="1" i="1" dirty="0" err="1"/>
@@ -10419,7 +11226,7 @@
               <a:t> </a:t>
             </a:r>
             <a:r>
-              <a:rPr lang="fr-FR" sz="2800" b="1" i="1" dirty="0" err="1" smtClean="0"/>
+              <a:rPr lang="fr-FR" sz="2800" b="1" i="1" dirty="0" smtClean="0"/>
               <a:t>origin</a:t>
             </a:r>
             <a:endParaRPr lang="fr-FR" sz="2800" dirty="0"/>
@@ -10540,15 +11347,7 @@
             </a:pPr>
             <a:r>
               <a:rPr lang="fr-FR" b="1" i="1" dirty="0"/>
-              <a:t>git push </a:t>
-            </a:r>
-            <a:r>
-              <a:rPr lang="fr-FR" b="1" i="1" dirty="0" err="1"/>
-              <a:t>origin</a:t>
-            </a:r>
-            <a:r>
-              <a:rPr lang="fr-FR" b="1" i="1" dirty="0"/>
-              <a:t> </a:t>
+              <a:t>git push origin </a:t>
             </a:r>
             <a:r>
               <a:rPr lang="fr-FR" b="1" i="1" dirty="0" smtClean="0"/>
@@ -10563,10 +11362,30 @@
               <a:t>brancheName</a:t>
             </a:r>
             <a:r>
+              <a:rPr lang="fr-FR" b="1" i="1" dirty="0" err="1" smtClean="0"/>
+              <a:t>»,git</a:t>
+            </a:r>
+            <a:r>
               <a:rPr lang="fr-FR" b="1" i="1" dirty="0" smtClean="0"/>
-              <a:t>»</a:t>
-            </a:r>
-            <a:endParaRPr lang="fr-FR" b="1" i="1" dirty="0"/>
+              <a:t> </a:t>
+            </a:r>
+            <a:r>
+              <a:rPr lang="fr-FR" b="1" i="1" dirty="0"/>
+              <a:t>push origin </a:t>
+            </a:r>
+            <a:r>
+              <a:rPr lang="fr-FR" b="1" i="1" dirty="0" err="1"/>
+              <a:t>localbranche</a:t>
+            </a:r>
+            <a:r>
+              <a:rPr lang="fr-FR" b="1" i="1" dirty="0"/>
+              <a:t> :</a:t>
+            </a:r>
+            <a:r>
+              <a:rPr lang="fr-FR" b="1" i="1" dirty="0" err="1" smtClean="0"/>
+              <a:t>rembranche</a:t>
+            </a:r>
+            <a:endParaRPr lang="fr-FR" b="1" i="1" dirty="0" smtClean="0"/>
           </a:p>
           <a:p>
             <a:pPr marL="804863" indent="-182563">
@@ -10575,28 +11394,16 @@
               </a:tabLst>
             </a:pPr>
             <a:r>
-              <a:rPr lang="fr-FR" b="1" i="1" dirty="0"/>
-              <a:t>git push </a:t>
-            </a:r>
-            <a:r>
-              <a:rPr lang="fr-FR" b="1" i="1" dirty="0" err="1"/>
-              <a:t>origin</a:t>
-            </a:r>
-            <a:r>
-              <a:rPr lang="fr-FR" b="1" i="1" dirty="0"/>
-              <a:t> </a:t>
-            </a:r>
-            <a:r>
-              <a:rPr lang="fr-FR" b="1" i="1" dirty="0" err="1"/>
-              <a:t>localbranche</a:t>
-            </a:r>
-            <a:r>
-              <a:rPr lang="fr-FR" b="1" i="1" dirty="0"/>
-              <a:t> :</a:t>
-            </a:r>
-            <a:r>
-              <a:rPr lang="fr-FR" b="1" i="1" dirty="0" err="1"/>
-              <a:t>rembranche</a:t>
+              <a:rPr lang="en-US" b="1" i="1" dirty="0" err="1"/>
+              <a:t>git</a:t>
+            </a:r>
+            <a:r>
+              <a:rPr lang="en-US" b="1" i="1" dirty="0"/>
+              <a:t> push --set-upstream origin </a:t>
+            </a:r>
+            <a:r>
+              <a:rPr lang="en-US" b="1" i="1" dirty="0" smtClean="0"/>
+              <a:t>master(propjet existent)</a:t>
             </a:r>
             <a:endParaRPr lang="fr-FR" b="1" i="1" dirty="0"/>
           </a:p>
@@ -10622,8 +11429,13 @@
             </a:pPr>
             <a:r>
               <a:rPr lang="fr-FR" altLang="fr-FR" b="1" i="1" dirty="0"/>
-              <a:t>git pull</a:t>
-            </a:r>
+              <a:t>git </a:t>
+            </a:r>
+            <a:r>
+              <a:rPr lang="fr-FR" altLang="fr-FR" b="1" i="1" dirty="0" smtClean="0"/>
+              <a:t>pull origin</a:t>
+            </a:r>
+            <a:endParaRPr lang="fr-FR" altLang="fr-FR" b="1" i="1" dirty="0"/>
           </a:p>
           <a:p>
             <a:pPr marL="779462" lvl="1" indent="-514350">
@@ -10698,31 +11510,27 @@
               <a:rPr lang="fr-FR" sz="2800" b="1" i="1" dirty="0" smtClean="0">
                 <a:hlinkClick r:id="rId3" action="ppaction://hlinksldjump"/>
               </a:rPr>
-              <a:t>git merge </a:t>
-            </a:r>
-            <a:r>
-              <a:rPr lang="fr-FR" sz="2800" b="1" i="1" dirty="0" err="1" smtClean="0">
-                <a:hlinkClick r:id="rId3" action="ppaction://hlinksldjump"/>
-              </a:rPr>
-              <a:t>branch</a:t>
-            </a:r>
-            <a:r>
-              <a:rPr lang="fr-FR" sz="2800" b="1" i="1" dirty="0" smtClean="0">
-                <a:hlinkClick r:id="rId3" action="ppaction://hlinksldjump"/>
-              </a:rPr>
+              <a:t>git merge branch </a:t>
+            </a:r>
+            <a:r>
+              <a:rPr lang="fr-FR" sz="2800" dirty="0" smtClean="0"/>
+              <a:t>(</a:t>
+            </a:r>
+            <a:r>
+              <a:rPr lang="fr-FR" sz="2800" dirty="0" err="1" smtClean="0"/>
+              <a:t>fast</a:t>
+            </a:r>
+            <a:r>
+              <a:rPr lang="fr-FR" sz="2800" dirty="0" smtClean="0"/>
               <a:t> </a:t>
             </a:r>
             <a:r>
+              <a:rPr lang="fr-FR" sz="2800" dirty="0" err="1" smtClean="0"/>
+              <a:t>forward</a:t>
+            </a:r>
+            <a:r>
               <a:rPr lang="fr-FR" sz="2800" dirty="0" smtClean="0"/>
-              <a:t>(pas de conflit il fait un fast forward = </a:t>
-            </a:r>
-            <a:r>
-              <a:rPr lang="fr-FR" sz="2800" dirty="0" err="1" smtClean="0"/>
-              <a:t>rebase</a:t>
-            </a:r>
-            <a:r>
-              <a:rPr lang="fr-FR" sz="2800" dirty="0" smtClean="0"/>
-              <a:t>) </a:t>
+              <a:t> dans le cas de non divergence) </a:t>
             </a:r>
             <a:endParaRPr lang="fr-FR" sz="2800" dirty="0"/>
           </a:p>
@@ -10745,15 +11553,7 @@
             </a:r>
             <a:r>
               <a:rPr lang="fr-FR" sz="2800" b="1" i="1" dirty="0" smtClean="0"/>
-              <a:t>  </a:t>
-            </a:r>
-            <a:r>
-              <a:rPr lang="fr-FR" sz="2800" b="1" i="1" dirty="0" err="1" smtClean="0"/>
-              <a:t>branch</a:t>
-            </a:r>
-            <a:r>
-              <a:rPr lang="fr-FR" sz="2800" b="1" i="1" dirty="0" smtClean="0"/>
-              <a:t> (</a:t>
+              <a:t>  branch (</a:t>
             </a:r>
             <a:r>
               <a:rPr lang="fr-FR" sz="2800" dirty="0"/>
@@ -10787,11 +11587,7 @@
             </a:r>
             <a:r>
               <a:rPr lang="fr-FR" sz="2800" b="1" i="1" dirty="0"/>
-              <a:t>« </a:t>
-            </a:r>
-            <a:r>
-              <a:rPr lang="fr-FR" sz="2800" b="1" i="1" dirty="0" err="1"/>
-              <a:t>brancheName</a:t>
+              <a:t>« brancheName</a:t>
             </a:r>
             <a:r>
               <a:rPr lang="fr-FR" sz="2800" dirty="0"/>
@@ -10905,8 +11701,8 @@
         </p:nvSpPr>
         <p:spPr>
           <a:xfrm>
-            <a:off x="1" y="1627456"/>
-            <a:ext cx="12192000" cy="5001369"/>
+            <a:off x="95002" y="994856"/>
+            <a:ext cx="12192000" cy="5863144"/>
           </a:xfrm>
           <a:prstGeom prst="rect">
             <a:avLst/>
@@ -10940,10 +11736,38 @@
             <a:endParaRPr lang="fr-FR" sz="2800" b="1" dirty="0"/>
           </a:p>
           <a:p>
+            <a:pPr marL="457200" indent="-457200" defTabSz="715963">
+              <a:buFont typeface="Arial" panose="020B0604020202020204" pitchFamily="34" charset="0"/>
+              <a:buChar char="•"/>
+            </a:pPr>
+            <a:r>
+              <a:rPr lang="fr-FR" sz="2800" dirty="0" smtClean="0"/>
+              <a:t>Branches </a:t>
+            </a:r>
+            <a:r>
+              <a:rPr lang="fr-FR" sz="2800" dirty="0"/>
+              <a:t>de longue </a:t>
+            </a:r>
+            <a:r>
+              <a:rPr lang="fr-FR" sz="2800" dirty="0" smtClean="0"/>
+              <a:t>durée</a:t>
+            </a:r>
+          </a:p>
+          <a:p>
+            <a:pPr marL="457200" indent="-457200" defTabSz="715963">
+              <a:buFont typeface="Arial" panose="020B0604020202020204" pitchFamily="34" charset="0"/>
+              <a:buChar char="•"/>
+            </a:pPr>
+            <a:r>
+              <a:rPr lang="fr-FR" sz="2800" dirty="0" smtClean="0"/>
+              <a:t>Branches de courte durée	</a:t>
+            </a:r>
+          </a:p>
+          <a:p>
             <a:pPr defTabSz="715963"/>
             <a:r>
               <a:rPr lang="fr-FR" sz="2800" dirty="0" smtClean="0"/>
-              <a:t>	le </a:t>
+              <a:t>le </a:t>
             </a:r>
             <a:r>
               <a:rPr lang="fr-FR" sz="2800" dirty="0"/>
@@ -11060,15 +11884,27 @@
               <a:buAutoNum type="arabicPeriod"/>
             </a:pPr>
             <a:r>
-              <a:rPr lang="fr-FR" sz="2800" dirty="0"/>
+              <a:rPr lang="fr-FR" sz="2800" dirty="0">
+                <a:solidFill>
+                  <a:srgbClr val="FF0000"/>
+                </a:solidFill>
+              </a:rPr>
               <a:t>stratégie de branch « </a:t>
             </a:r>
             <a:r>
-              <a:rPr lang="fr-FR" sz="2800" dirty="0" err="1"/>
+              <a:rPr lang="fr-FR" sz="2800" dirty="0" err="1">
+                <a:solidFill>
+                  <a:srgbClr val="FF0000"/>
+                </a:solidFill>
+              </a:rPr>
               <a:t>devlop</a:t>
             </a:r>
             <a:r>
-              <a:rPr lang="fr-FR" sz="2800" dirty="0"/>
+              <a:rPr lang="fr-FR" sz="2800" dirty="0">
+                <a:solidFill>
+                  <a:srgbClr val="FF0000"/>
+                </a:solidFill>
+              </a:rPr>
               <a:t> »</a:t>
             </a:r>
           </a:p>
@@ -11175,245 +12011,9 @@
           <a:chExt cx="0" cy="0"/>
         </a:xfrm>
       </p:grpSpPr>
-      <p:sp>
-        <p:nvSpPr>
-          <p:cNvPr id="3" name="Espace réservé du contenu 2"/>
-          <p:cNvSpPr>
-            <a:spLocks noGrp="1"/>
-          </p:cNvSpPr>
-          <p:nvPr>
-            <p:ph idx="1"/>
-          </p:nvPr>
-        </p:nvSpPr>
-        <p:spPr>
-          <a:xfrm>
-            <a:off x="0" y="1061314"/>
-            <a:ext cx="12191999" cy="5836752"/>
-          </a:xfrm>
-        </p:spPr>
-        <p:txBody>
-          <a:bodyPr>
-            <a:normAutofit lnSpcReduction="10000"/>
-          </a:bodyPr>
-          <a:lstStyle/>
-          <a:p>
-            <a:pPr marL="514350" indent="-514350">
-              <a:buFont typeface="+mj-lt"/>
-              <a:buAutoNum type="arabicPeriod"/>
-            </a:pPr>
-            <a:r>
-              <a:rPr lang="fr-FR" b="1" dirty="0"/>
-              <a:t>Workflow </a:t>
-            </a:r>
-            <a:r>
-              <a:rPr lang="fr-FR" b="1" dirty="0" smtClean="0"/>
-              <a:t>centralisé :</a:t>
-            </a:r>
-          </a:p>
-          <a:p>
-            <a:pPr marL="357187" indent="0">
-              <a:buNone/>
-            </a:pPr>
-            <a:r>
-              <a:rPr lang="fr-FR" dirty="0" smtClean="0"/>
-              <a:t>Toute l’équipe travail sur la branche master</a:t>
-            </a:r>
-          </a:p>
-          <a:p>
-            <a:pPr marL="622300" indent="-265113"/>
-            <a:r>
-              <a:rPr lang="fr-FR" dirty="0" smtClean="0"/>
-              <a:t>Le code n’as pas besoin d’être contrôlé.</a:t>
-            </a:r>
-          </a:p>
-          <a:p>
-            <a:pPr marL="622300" indent="-265113"/>
-            <a:r>
-              <a:rPr lang="fr-FR" dirty="0" smtClean="0"/>
-              <a:t>On travail seule ou bien équipe hétérogène (chaque membre est spécialisé front-end back-end )</a:t>
-            </a:r>
-            <a:endParaRPr lang="fr-FR" dirty="0"/>
-          </a:p>
-          <a:p>
-            <a:pPr marL="622300" indent="-265113"/>
-            <a:r>
-              <a:rPr lang="fr-FR" dirty="0"/>
-              <a:t>On veut livré rapidement</a:t>
-            </a:r>
-          </a:p>
-          <a:p>
-            <a:pPr marL="514350" indent="-514350">
-              <a:buFont typeface="+mj-lt"/>
-              <a:buAutoNum type="arabicPeriod" startAt="2"/>
-            </a:pPr>
-            <a:r>
-              <a:rPr lang="fr-FR" b="1" dirty="0"/>
-              <a:t>Workflow de </a:t>
-            </a:r>
-            <a:r>
-              <a:rPr lang="fr-FR" b="1" dirty="0" smtClean="0"/>
-              <a:t>branch </a:t>
-            </a:r>
-            <a:r>
-              <a:rPr lang="fr-FR" b="1" dirty="0"/>
-              <a:t>par </a:t>
-            </a:r>
-            <a:r>
-              <a:rPr lang="fr-FR" b="1" dirty="0" smtClean="0"/>
-              <a:t>fonctionnalité:</a:t>
-            </a:r>
-          </a:p>
-          <a:p>
-            <a:pPr marL="357188" indent="0">
-              <a:buNone/>
-            </a:pPr>
-            <a:r>
-              <a:rPr lang="fr-FR" dirty="0" smtClean="0"/>
-              <a:t>Le </a:t>
-            </a:r>
-            <a:r>
-              <a:rPr lang="fr-FR" dirty="0"/>
-              <a:t>développeur créer une </a:t>
-            </a:r>
-            <a:r>
-              <a:rPr lang="fr-FR" dirty="0" smtClean="0"/>
-              <a:t>branche </a:t>
-            </a:r>
-            <a:r>
-              <a:rPr lang="fr-FR" dirty="0"/>
-              <a:t>à chaque fois qu’il </a:t>
-            </a:r>
-            <a:r>
-              <a:rPr lang="fr-FR" dirty="0" smtClean="0"/>
-              <a:t>commencent à implémenté </a:t>
-            </a:r>
-            <a:r>
-              <a:rPr lang="fr-FR" dirty="0"/>
-              <a:t>une nouvelle </a:t>
-            </a:r>
-            <a:r>
-              <a:rPr lang="fr-FR" dirty="0" smtClean="0"/>
-              <a:t>fonctionnalité. </a:t>
-            </a:r>
-          </a:p>
-          <a:p>
-            <a:pPr marL="622300" indent="-266700"/>
-            <a:r>
-              <a:rPr lang="fr-FR" dirty="0"/>
-              <a:t>Branche master est l’historique du projet(branch pérenne)</a:t>
-            </a:r>
-          </a:p>
-          <a:p>
-            <a:pPr marL="622300" indent="-265113"/>
-            <a:r>
-              <a:rPr lang="fr-FR" dirty="0" smtClean="0"/>
-              <a:t>La nouvelle branche doit avoir un nom descriptive et pusher au dépôt centrale.</a:t>
-            </a:r>
-          </a:p>
-          <a:p>
-            <a:pPr marL="622300" indent="-265113"/>
-            <a:r>
-              <a:rPr lang="fr-FR" dirty="0" smtClean="0"/>
-              <a:t>La </a:t>
-            </a:r>
-            <a:r>
-              <a:rPr lang="fr-FR" dirty="0"/>
-              <a:t>nouvelle </a:t>
-            </a:r>
-            <a:r>
-              <a:rPr lang="fr-FR" dirty="0" smtClean="0"/>
-              <a:t>branche doit </a:t>
-            </a:r>
-            <a:r>
-              <a:rPr lang="fr-FR" dirty="0"/>
-              <a:t>être</a:t>
-            </a:r>
-            <a:r>
-              <a:rPr lang="fr-FR" dirty="0" smtClean="0"/>
-              <a:t> mergé  au master avec un pull request.</a:t>
-            </a:r>
-          </a:p>
-          <a:p>
-            <a:pPr marL="622300" indent="-265113"/>
-            <a:r>
-              <a:rPr lang="fr-FR" dirty="0" smtClean="0"/>
-              <a:t>Permet de tiré profit des pull request( discussion autours d‘une branche).</a:t>
-            </a:r>
-            <a:endParaRPr lang="fr-FR" dirty="0"/>
-          </a:p>
-        </p:txBody>
-      </p:sp>
-      <p:sp>
-        <p:nvSpPr>
-          <p:cNvPr id="5" name="ZoneTexte 4"/>
-          <p:cNvSpPr txBox="1"/>
-          <p:nvPr/>
-        </p:nvSpPr>
-        <p:spPr>
-          <a:xfrm>
-            <a:off x="3838371" y="0"/>
-            <a:ext cx="4705262" cy="707886"/>
-          </a:xfrm>
-          <a:prstGeom prst="rect">
-            <a:avLst/>
-          </a:prstGeom>
-          <a:noFill/>
-        </p:spPr>
-        <p:txBody>
-          <a:bodyPr wrap="none" rtlCol="0">
-            <a:spAutoFit/>
-          </a:bodyPr>
-          <a:lstStyle/>
-          <a:p>
-            <a:r>
-              <a:rPr lang="fr-FR" sz="4000" b="1" dirty="0">
-                <a:latin typeface="+mj-lt"/>
-                <a:ea typeface="+mj-ea"/>
-                <a:cs typeface="+mj-cs"/>
-              </a:rPr>
-              <a:t>workflow de branches</a:t>
-            </a:r>
-            <a:r>
-              <a:rPr lang="fr-FR" b="1" dirty="0" smtClean="0"/>
-              <a:t>:</a:t>
-            </a:r>
-            <a:endParaRPr lang="fr-FR" b="1" dirty="0"/>
-          </a:p>
-        </p:txBody>
-      </p:sp>
-    </p:spTree>
-    <p:extLst>
-      <p:ext uri="{BB962C8B-B14F-4D97-AF65-F5344CB8AC3E}">
-        <p14:creationId xmlns:p14="http://schemas.microsoft.com/office/powerpoint/2010/main" val="194077117"/>
-      </p:ext>
-    </p:extLst>
-  </p:cSld>
-  <p:clrMapOvr>
-    <a:masterClrMapping/>
-  </p:clrMapOvr>
-</p:sld>
-</file>
-
-<file path=ppt/slides/slide17.xml><?xml version="1.0" encoding="utf-8"?>
-<p:sld xmlns:a="http://schemas.openxmlformats.org/drawingml/2006/main" xmlns:r="http://schemas.openxmlformats.org/officeDocument/2006/relationships" xmlns:p="http://schemas.openxmlformats.org/presentationml/2006/main">
-  <p:cSld>
-    <p:spTree>
-      <p:nvGrpSpPr>
-        <p:cNvPr id="1" name=""/>
-        <p:cNvGrpSpPr/>
-        <p:nvPr/>
-      </p:nvGrpSpPr>
-      <p:grpSpPr>
-        <a:xfrm>
-          <a:off x="0" y="0"/>
-          <a:ext cx="0" cy="0"/>
-          <a:chOff x="0" y="0"/>
-          <a:chExt cx="0" cy="0"/>
-        </a:xfrm>
-      </p:grpSpPr>
       <p:pic>
         <p:nvPicPr>
-          <p:cNvPr id="5" name="Image 4"/>
+          <p:cNvPr id="2" name="Image 1"/>
           <p:cNvPicPr>
             <a:picLocks noChangeAspect="1"/>
           </p:cNvPicPr>
@@ -11427,8 +12027,8 @@
         </p:blipFill>
         <p:spPr>
           <a:xfrm>
-            <a:off x="327543" y="2129644"/>
-            <a:ext cx="10800644" cy="3439883"/>
+            <a:off x="261257" y="357187"/>
+            <a:ext cx="9916205" cy="6143625"/>
           </a:xfrm>
           <a:prstGeom prst="rect">
             <a:avLst/>
@@ -11452,6 +12052,242 @@
       </p:par>
     </p:tnLst>
   </p:timing>
+</p:sld>
+</file>
+
+<file path=ppt/slides/slide17.xml><?xml version="1.0" encoding="utf-8"?>
+<p:sld xmlns:a="http://schemas.openxmlformats.org/drawingml/2006/main" xmlns:r="http://schemas.openxmlformats.org/officeDocument/2006/relationships" xmlns:p="http://schemas.openxmlformats.org/presentationml/2006/main">
+  <p:cSld>
+    <p:spTree>
+      <p:nvGrpSpPr>
+        <p:cNvPr id="1" name=""/>
+        <p:cNvGrpSpPr/>
+        <p:nvPr/>
+      </p:nvGrpSpPr>
+      <p:grpSpPr>
+        <a:xfrm>
+          <a:off x="0" y="0"/>
+          <a:ext cx="0" cy="0"/>
+          <a:chOff x="0" y="0"/>
+          <a:chExt cx="0" cy="0"/>
+        </a:xfrm>
+      </p:grpSpPr>
+      <p:sp>
+        <p:nvSpPr>
+          <p:cNvPr id="3" name="Espace réservé du contenu 2"/>
+          <p:cNvSpPr>
+            <a:spLocks noGrp="1"/>
+          </p:cNvSpPr>
+          <p:nvPr>
+            <p:ph idx="1"/>
+          </p:nvPr>
+        </p:nvSpPr>
+        <p:spPr>
+          <a:xfrm>
+            <a:off x="0" y="1061314"/>
+            <a:ext cx="12191999" cy="5836752"/>
+          </a:xfrm>
+        </p:spPr>
+        <p:txBody>
+          <a:bodyPr>
+            <a:normAutofit lnSpcReduction="10000"/>
+          </a:bodyPr>
+          <a:lstStyle/>
+          <a:p>
+            <a:pPr marL="514350" indent="-514350">
+              <a:buFont typeface="+mj-lt"/>
+              <a:buAutoNum type="arabicPeriod"/>
+            </a:pPr>
+            <a:r>
+              <a:rPr lang="fr-FR" b="1" dirty="0"/>
+              <a:t>Workflow </a:t>
+            </a:r>
+            <a:r>
+              <a:rPr lang="fr-FR" b="1" dirty="0" smtClean="0"/>
+              <a:t>centralisé :</a:t>
+            </a:r>
+          </a:p>
+          <a:p>
+            <a:pPr marL="357187" indent="0">
+              <a:buNone/>
+            </a:pPr>
+            <a:r>
+              <a:rPr lang="fr-FR" dirty="0" smtClean="0"/>
+              <a:t>Toute l’équipe travail sur la branche master</a:t>
+            </a:r>
+          </a:p>
+          <a:p>
+            <a:pPr marL="622300" indent="-265113"/>
+            <a:r>
+              <a:rPr lang="fr-FR" dirty="0" smtClean="0"/>
+              <a:t>Le code n’as pas besoin d’être contrôlé.</a:t>
+            </a:r>
+          </a:p>
+          <a:p>
+            <a:pPr marL="622300" indent="-265113"/>
+            <a:r>
+              <a:rPr lang="fr-FR" dirty="0" smtClean="0"/>
+              <a:t>On travail seule ou bien équipe hétérogène (chaque membre est spécialisé front-end back-end )</a:t>
+            </a:r>
+            <a:endParaRPr lang="fr-FR" dirty="0"/>
+          </a:p>
+          <a:p>
+            <a:pPr marL="622300" indent="-265113"/>
+            <a:r>
+              <a:rPr lang="fr-FR" dirty="0"/>
+              <a:t>On veut livré rapidement</a:t>
+            </a:r>
+          </a:p>
+          <a:p>
+            <a:pPr marL="514350" indent="-514350">
+              <a:buFont typeface="+mj-lt"/>
+              <a:buAutoNum type="arabicPeriod" startAt="2"/>
+            </a:pPr>
+            <a:r>
+              <a:rPr lang="fr-FR" b="1" dirty="0"/>
+              <a:t>Workflow de </a:t>
+            </a:r>
+            <a:r>
+              <a:rPr lang="fr-FR" b="1" dirty="0" smtClean="0"/>
+              <a:t>branch </a:t>
+            </a:r>
+            <a:r>
+              <a:rPr lang="fr-FR" b="1" dirty="0"/>
+              <a:t>par </a:t>
+            </a:r>
+            <a:r>
+              <a:rPr lang="fr-FR" b="1" dirty="0" smtClean="0"/>
+              <a:t>fonctionnalité:</a:t>
+            </a:r>
+          </a:p>
+          <a:p>
+            <a:pPr marL="357188" indent="0">
+              <a:buNone/>
+            </a:pPr>
+            <a:r>
+              <a:rPr lang="fr-FR" dirty="0" smtClean="0"/>
+              <a:t>Le </a:t>
+            </a:r>
+            <a:r>
+              <a:rPr lang="fr-FR" dirty="0"/>
+              <a:t>développeur créer une </a:t>
+            </a:r>
+            <a:r>
+              <a:rPr lang="fr-FR" dirty="0" smtClean="0"/>
+              <a:t>branche </a:t>
+            </a:r>
+            <a:r>
+              <a:rPr lang="fr-FR" dirty="0"/>
+              <a:t>à chaque fois qu’il </a:t>
+            </a:r>
+            <a:r>
+              <a:rPr lang="fr-FR" dirty="0" smtClean="0"/>
+              <a:t>commencent à implémenté </a:t>
+            </a:r>
+            <a:r>
+              <a:rPr lang="fr-FR" dirty="0"/>
+              <a:t>une nouvelle </a:t>
+            </a:r>
+            <a:r>
+              <a:rPr lang="fr-FR" dirty="0" smtClean="0"/>
+              <a:t>fonctionnalité. </a:t>
+            </a:r>
+          </a:p>
+          <a:p>
+            <a:pPr marL="622300" indent="-266700"/>
+            <a:r>
+              <a:rPr lang="fr-FR" dirty="0"/>
+              <a:t>Branche master est l’historique du projet(branch pérenne)</a:t>
+            </a:r>
+          </a:p>
+          <a:p>
+            <a:pPr marL="622300" indent="-265113"/>
+            <a:r>
+              <a:rPr lang="fr-FR" dirty="0" smtClean="0"/>
+              <a:t>La nouvelle branche doit avoir un nom descriptive et pusher au dépôt centrale.</a:t>
+            </a:r>
+          </a:p>
+          <a:p>
+            <a:pPr marL="622300" indent="-265113"/>
+            <a:r>
+              <a:rPr lang="fr-FR" dirty="0" smtClean="0"/>
+              <a:t>La </a:t>
+            </a:r>
+            <a:r>
+              <a:rPr lang="fr-FR" dirty="0"/>
+              <a:t>nouvelle </a:t>
+            </a:r>
+            <a:r>
+              <a:rPr lang="fr-FR" dirty="0" smtClean="0"/>
+              <a:t>branche doit </a:t>
+            </a:r>
+            <a:r>
+              <a:rPr lang="fr-FR" dirty="0"/>
+              <a:t>être</a:t>
+            </a:r>
+            <a:r>
+              <a:rPr lang="fr-FR" dirty="0" smtClean="0"/>
+              <a:t> mergé  au master avec un pull request.</a:t>
+            </a:r>
+          </a:p>
+          <a:p>
+            <a:pPr marL="622300" indent="-265113"/>
+            <a:r>
+              <a:rPr lang="fr-FR" dirty="0" smtClean="0"/>
+              <a:t>Permet de tiré profit des pull request( discussion autours d‘une branche).</a:t>
+            </a:r>
+            <a:endParaRPr lang="fr-FR" dirty="0"/>
+          </a:p>
+        </p:txBody>
+      </p:sp>
+      <p:sp>
+        <p:nvSpPr>
+          <p:cNvPr id="5" name="ZoneTexte 4"/>
+          <p:cNvSpPr txBox="1"/>
+          <p:nvPr/>
+        </p:nvSpPr>
+        <p:spPr>
+          <a:xfrm>
+            <a:off x="3838371" y="0"/>
+            <a:ext cx="4705262" cy="707886"/>
+          </a:xfrm>
+          <a:prstGeom prst="rect">
+            <a:avLst/>
+          </a:prstGeom>
+          <a:noFill/>
+        </p:spPr>
+        <p:txBody>
+          <a:bodyPr wrap="none" rtlCol="0">
+            <a:spAutoFit/>
+          </a:bodyPr>
+          <a:lstStyle/>
+          <a:p>
+            <a:r>
+              <a:rPr lang="fr-FR" sz="4000" b="1" dirty="0">
+                <a:latin typeface="+mj-lt"/>
+                <a:ea typeface="+mj-ea"/>
+                <a:cs typeface="+mj-cs"/>
+              </a:rPr>
+              <a:t>workflow de branches</a:t>
+            </a:r>
+            <a:r>
+              <a:rPr lang="fr-FR" b="1" dirty="0" smtClean="0"/>
+              <a:t>:</a:t>
+            </a:r>
+            <a:endParaRPr lang="fr-FR" b="1" dirty="0"/>
+          </a:p>
+        </p:txBody>
+      </p:sp>
+    </p:spTree>
+    <p:extLst>
+      <p:ext uri="{BB962C8B-B14F-4D97-AF65-F5344CB8AC3E}">
+        <p14:creationId xmlns:p14="http://schemas.microsoft.com/office/powerpoint/2010/main" val="194077117"/>
+      </p:ext>
+    </p:extLst>
+  </p:cSld>
+  <p:clrMapOvr>
+    <a:masterClrMapping/>
+  </p:clrMapOvr>
 </p:sld>
 </file>
 
@@ -11627,7 +12463,7 @@
             </a:pPr>
             <a:r>
               <a:rPr lang="fr-FR" sz="2800" dirty="0" smtClean="0"/>
-              <a:t>Git marque le fichier en confit et arrête le processus de merge et au développeur de résoudre le conflit</a:t>
+              <a:t>Git marque le fichier en confit et arrête le processus de merge (création de nouveau commit)et au développeur de résoudre le conflit</a:t>
             </a:r>
           </a:p>
           <a:p>
@@ -12089,15 +12925,7 @@
             </a:r>
             <a:r>
               <a:rPr lang="fr-FR" dirty="0" smtClean="0"/>
-              <a:t>répéter(gestion et </a:t>
-            </a:r>
-            <a:r>
-              <a:rPr lang="fr-FR" dirty="0" smtClean="0"/>
-              <a:t>utilisation simple</a:t>
-            </a:r>
-            <a:r>
-              <a:rPr lang="fr-FR" dirty="0" smtClean="0"/>
-              <a:t>, sensible au panne, permet pas la collaboration).</a:t>
+              <a:t>répéter(gestion et utilisation simple, sensible au panne, permet pas la collaboration).</a:t>
             </a:r>
             <a:endParaRPr lang="fr-FR" dirty="0"/>
           </a:p>
@@ -12154,15 +12982,7 @@
             </a:r>
             <a:r>
               <a:rPr lang="fr-FR" dirty="0" smtClean="0"/>
-              <a:t> : le client clone le repo distant et travaillé en offline(pas besoin de connexion pour faire les changement en repo locale).si le serveur </a:t>
-            </a:r>
-            <a:r>
-              <a:rPr lang="fr-FR" dirty="0" smtClean="0"/>
-              <a:t>crashe n’importe </a:t>
-            </a:r>
-            <a:r>
-              <a:rPr lang="fr-FR" dirty="0" smtClean="0"/>
-              <a:t>qu’elle dépôt client peut copier être copier au serveur(Git, Mercurial).</a:t>
+              <a:t> : le client clone le repo distant et travaillé en offline(pas besoin de connexion pour faire les changement en repo locale).si le serveur crashe n’importe qu’elle dépôt client peut copier être copier au serveur(Git, Mercurial).</a:t>
             </a:r>
           </a:p>
           <a:p>
@@ -13786,15 +14606,7 @@
             </a:r>
             <a:r>
               <a:rPr lang="fr-FR" sz="2600" b="1" i="1" dirty="0" smtClean="0"/>
-              <a:t>’’, git push </a:t>
-            </a:r>
-            <a:r>
-              <a:rPr lang="fr-FR" sz="2600" b="1" i="1" dirty="0" err="1" smtClean="0"/>
-              <a:t>origin</a:t>
-            </a:r>
-            <a:r>
-              <a:rPr lang="fr-FR" sz="2600" b="1" i="1" dirty="0" smtClean="0"/>
-              <a:t> master</a:t>
+              <a:t>’’, git push origin master</a:t>
             </a:r>
           </a:p>
           <a:p>
@@ -14409,12 +15221,8 @@
               <a:buChar char="•"/>
             </a:pPr>
             <a:r>
-              <a:rPr lang="fr-FR" sz="2800" dirty="0" err="1" smtClean="0"/>
-              <a:t>versionnés</a:t>
-            </a:r>
-            <a:r>
               <a:rPr lang="fr-FR" sz="2800" dirty="0" smtClean="0"/>
-              <a:t> </a:t>
+              <a:t>Versionnés </a:t>
             </a:r>
             <a:r>
               <a:rPr lang="fr-FR" sz="2800" dirty="0"/>
@@ -14428,7 +15236,15 @@
             </a:pPr>
             <a:r>
               <a:rPr lang="fr-FR" sz="2800" dirty="0"/>
-              <a:t>versionnés modifié  (non prêt pour le prochaine commit)</a:t>
+              <a:t>V</a:t>
+            </a:r>
+            <a:r>
+              <a:rPr lang="fr-FR" sz="2800" dirty="0" smtClean="0"/>
+              <a:t>ersionnés </a:t>
+            </a:r>
+            <a:r>
+              <a:rPr lang="fr-FR" sz="2800" dirty="0"/>
+              <a:t>modifié  (non prêt pour le prochaine commit)</a:t>
             </a:r>
           </a:p>
           <a:p>
@@ -15741,15 +16557,7 @@
             <a:pPr marL="1160462" lvl="1" indent="-342900"/>
             <a:r>
               <a:rPr lang="fr-FR" sz="3000" b="1" i="1" dirty="0"/>
-              <a:t>git remote add </a:t>
-            </a:r>
-            <a:r>
-              <a:rPr lang="fr-FR" sz="3000" b="1" i="1" dirty="0" err="1"/>
-              <a:t>origin</a:t>
-            </a:r>
-            <a:r>
-              <a:rPr lang="fr-FR" sz="3000" b="1" i="1" dirty="0"/>
-              <a:t> url ou bien  </a:t>
+              <a:t>git remote add origin url ou bien  </a:t>
             </a:r>
           </a:p>
           <a:p>

--- a/Formation Git.pptx
+++ b/Formation Git.pptx
@@ -5,7 +5,7 @@
     <p:sldMasterId id="2147483648" r:id="rId1"/>
   </p:sldMasterIdLst>
   <p:notesMasterIdLst>
-    <p:notesMasterId r:id="rId34"/>
+    <p:notesMasterId r:id="rId36"/>
   </p:notesMasterIdLst>
   <p:sldIdLst>
     <p:sldId id="257" r:id="rId2"/>
@@ -21,25 +21,27 @@
     <p:sldId id="267" r:id="rId12"/>
     <p:sldId id="277" r:id="rId13"/>
     <p:sldId id="270" r:id="rId14"/>
-    <p:sldId id="296" r:id="rId15"/>
-    <p:sldId id="272" r:id="rId16"/>
+    <p:sldId id="272" r:id="rId15"/>
+    <p:sldId id="296" r:id="rId16"/>
     <p:sldId id="278" r:id="rId17"/>
-    <p:sldId id="279" r:id="rId18"/>
-    <p:sldId id="291" r:id="rId19"/>
-    <p:sldId id="282" r:id="rId20"/>
-    <p:sldId id="280" r:id="rId21"/>
-    <p:sldId id="281" r:id="rId22"/>
-    <p:sldId id="283" r:id="rId23"/>
-    <p:sldId id="290" r:id="rId24"/>
-    <p:sldId id="288" r:id="rId25"/>
-    <p:sldId id="286" r:id="rId26"/>
-    <p:sldId id="287" r:id="rId27"/>
-    <p:sldId id="285" r:id="rId28"/>
-    <p:sldId id="295" r:id="rId29"/>
-    <p:sldId id="271" r:id="rId30"/>
-    <p:sldId id="292" r:id="rId31"/>
-    <p:sldId id="294" r:id="rId32"/>
-    <p:sldId id="293" r:id="rId33"/>
+    <p:sldId id="291" r:id="rId18"/>
+    <p:sldId id="297" r:id="rId19"/>
+    <p:sldId id="298" r:id="rId20"/>
+    <p:sldId id="279" r:id="rId21"/>
+    <p:sldId id="282" r:id="rId22"/>
+    <p:sldId id="280" r:id="rId23"/>
+    <p:sldId id="281" r:id="rId24"/>
+    <p:sldId id="283" r:id="rId25"/>
+    <p:sldId id="290" r:id="rId26"/>
+    <p:sldId id="288" r:id="rId27"/>
+    <p:sldId id="286" r:id="rId28"/>
+    <p:sldId id="287" r:id="rId29"/>
+    <p:sldId id="285" r:id="rId30"/>
+    <p:sldId id="295" r:id="rId31"/>
+    <p:sldId id="271" r:id="rId32"/>
+    <p:sldId id="292" r:id="rId33"/>
+    <p:sldId id="294" r:id="rId34"/>
+    <p:sldId id="293" r:id="rId35"/>
   </p:sldIdLst>
   <p:sldSz cx="12192000" cy="6858000"/>
   <p:notesSz cx="6858000" cy="9144000"/>
@@ -228,7 +230,7 @@
           <a:p>
             <a:fld id="{6C11479D-E256-4744-A8DA-17425A14A154}" type="datetimeFigureOut">
               <a:rPr lang="fr-FR" smtClean="0"/>
-              <a:t>07/12/2022</a:t>
+              <a:t>11/12/2022</a:t>
             </a:fld>
             <a:endParaRPr lang="fr-FR"/>
           </a:p>
@@ -1435,18 +1437,6 @@
           <a:bodyPr/>
           <a:lstStyle/>
           <a:p>
-            <a:r>
-              <a:rPr lang="fr-FR" dirty="0" smtClean="0"/>
-              <a:t>Fetch est inoffensive on doit faire merge pour </a:t>
-            </a:r>
-            <a:r>
-              <a:rPr lang="fr-FR" dirty="0" err="1" smtClean="0"/>
-              <a:t>répurqueté</a:t>
-            </a:r>
-            <a:r>
-              <a:rPr lang="fr-FR" baseline="0" dirty="0" smtClean="0"/>
-              <a:t> les changement dans le  répertoire de travail</a:t>
-            </a:r>
             <a:endParaRPr lang="fr-FR" dirty="0"/>
           </a:p>
         </p:txBody>
@@ -1532,17 +1522,223 @@
           <a:lstStyle/>
           <a:p>
             <a:r>
+              <a:rPr lang="fr-FR" b="1" dirty="0" smtClean="0"/>
+              <a:t>Pull = </a:t>
+            </a:r>
+            <a:r>
               <a:rPr lang="fr-FR" b="1" dirty="0" err="1" smtClean="0"/>
               <a:t>fetch</a:t>
             </a:r>
             <a:r>
               <a:rPr lang="fr-FR" b="1" dirty="0" smtClean="0"/>
+              <a:t>  +merge :</a:t>
+            </a:r>
+            <a:r>
+              <a:rPr lang="fr-FR" b="1" baseline="0" dirty="0" smtClean="0"/>
+              <a:t> </a:t>
+            </a:r>
+            <a:r>
+              <a:rPr lang="fr-FR" b="0" baseline="0" dirty="0" smtClean="0"/>
+              <a:t>apportera les changements</a:t>
+            </a:r>
+            <a:r>
+              <a:rPr lang="fr-FR" b="1" baseline="0" dirty="0" smtClean="0"/>
+              <a:t>(</a:t>
+            </a:r>
+            <a:r>
+              <a:rPr lang="fr-FR" b="1" baseline="0" dirty="0" err="1" smtClean="0"/>
+              <a:t>fetch</a:t>
+            </a:r>
+            <a:r>
+              <a:rPr lang="fr-FR" b="0" baseline="0" dirty="0" smtClean="0"/>
+              <a:t>) et merge les changement de la branches distante.</a:t>
+            </a:r>
+            <a:endParaRPr lang="fr-FR" b="0" dirty="0" smtClean="0"/>
+          </a:p>
+          <a:p>
+            <a:r>
+              <a:rPr lang="fr-FR" b="1" dirty="0" err="1" smtClean="0"/>
+              <a:t>fetch</a:t>
+            </a:r>
+            <a:r>
+              <a:rPr lang="fr-FR" b="1" dirty="0" smtClean="0"/>
               <a:t>: </a:t>
             </a:r>
             <a:r>
               <a:rPr lang="fr-FR" dirty="0" smtClean="0"/>
-              <a:t>vous pouvez être assuré : fetch ne manipulera, ne détruira ou ne bousillera jamais quoi que ce soit.</a:t>
-            </a:r>
+              <a:t>vous pouvez être assuré : fetch ne manipulera, ne détruira ou ne bousillera jamais quoi que ce soit</a:t>
+            </a:r>
+            <a:r>
+              <a:rPr lang="fr-FR" dirty="0" smtClean="0"/>
+              <a:t>.</a:t>
+            </a:r>
+          </a:p>
+          <a:p>
+            <a:r>
+              <a:rPr lang="fr-FR" dirty="0" err="1" smtClean="0"/>
+              <a:t>Fetch</a:t>
+            </a:r>
+            <a:r>
+              <a:rPr lang="fr-FR" dirty="0" smtClean="0"/>
+              <a:t> est inoffensive on doit faire merge pour répurqueté</a:t>
+            </a:r>
+            <a:r>
+              <a:rPr lang="fr-FR" baseline="0" dirty="0" smtClean="0"/>
+              <a:t> les changement dans le  répertoire de travail</a:t>
+            </a:r>
+          </a:p>
+          <a:p>
+            <a:r>
+              <a:rPr lang="fr-FR" baseline="0" dirty="0" smtClean="0"/>
+              <a:t>Pour </a:t>
+            </a:r>
+            <a:r>
+              <a:rPr lang="fr-FR" baseline="0" dirty="0" err="1" smtClean="0"/>
+              <a:t>rempercuté</a:t>
+            </a:r>
+            <a:r>
+              <a:rPr lang="fr-FR" baseline="0" dirty="0" smtClean="0"/>
+              <a:t> les changement dans l’espace de travail on exécute la commande:</a:t>
+            </a:r>
+          </a:p>
+          <a:p>
+            <a:r>
+              <a:rPr lang="fr-FR" b="1" i="1" baseline="0" dirty="0" smtClean="0"/>
+              <a:t>	git merge </a:t>
+            </a:r>
+            <a:r>
+              <a:rPr lang="fr-FR" b="1" i="1" baseline="0" dirty="0" err="1" smtClean="0"/>
+              <a:t>origin</a:t>
+            </a:r>
+            <a:r>
+              <a:rPr lang="fr-FR" b="1" i="1" baseline="0" dirty="0" smtClean="0"/>
+              <a:t>/</a:t>
+            </a:r>
+            <a:r>
+              <a:rPr lang="fr-FR" b="1" i="1" baseline="0" dirty="0" err="1" smtClean="0"/>
+              <a:t>branchname</a:t>
+            </a:r>
+            <a:r>
+              <a:rPr lang="fr-FR" b="1" i="1" baseline="0" dirty="0" smtClean="0"/>
+              <a:t>  </a:t>
+            </a:r>
+            <a:r>
+              <a:rPr lang="fr-FR" b="0" i="0" u="sng" baseline="0" dirty="0" smtClean="0"/>
+              <a:t>Ou bien </a:t>
+            </a:r>
+            <a:r>
+              <a:rPr lang="fr-FR" b="1" i="1" baseline="0" dirty="0" smtClean="0"/>
+              <a:t>git </a:t>
+            </a:r>
+            <a:r>
+              <a:rPr lang="fr-FR" b="1" i="1" baseline="0" dirty="0" err="1" smtClean="0"/>
+              <a:t>rebase</a:t>
+            </a:r>
+            <a:r>
+              <a:rPr lang="fr-FR" b="1" i="1" baseline="0" dirty="0" smtClean="0"/>
+              <a:t> </a:t>
+            </a:r>
+            <a:r>
+              <a:rPr lang="fr-FR" b="1" i="1" baseline="0" dirty="0" err="1" smtClean="0"/>
+              <a:t>origin</a:t>
+            </a:r>
+            <a:r>
+              <a:rPr lang="fr-FR" b="1" i="1" baseline="0" dirty="0" smtClean="0"/>
+              <a:t> </a:t>
+            </a:r>
+            <a:r>
+              <a:rPr lang="fr-FR" b="1" i="1" baseline="0" dirty="0" err="1" smtClean="0"/>
+              <a:t>branchname</a:t>
+            </a:r>
+            <a:r>
+              <a:rPr lang="fr-FR" b="1" i="1" baseline="0" dirty="0" smtClean="0"/>
+              <a:t> </a:t>
+            </a:r>
+            <a:endParaRPr lang="fr-FR" b="0" i="0" u="sng" baseline="0" dirty="0" smtClean="0"/>
+          </a:p>
+          <a:p>
+            <a:endParaRPr lang="fr-FR" b="1" i="1" baseline="0" dirty="0" smtClean="0"/>
+          </a:p>
+          <a:p>
+            <a:r>
+              <a:rPr lang="fr-FR" baseline="0" dirty="0" smtClean="0"/>
+              <a:t>*pour voir les changement on tape «</a:t>
+            </a:r>
+            <a:r>
+              <a:rPr lang="fr-FR" b="1" i="1" baseline="0" dirty="0" smtClean="0"/>
+              <a:t> git </a:t>
+            </a:r>
+            <a:r>
+              <a:rPr lang="fr-FR" b="1" i="1" baseline="0" dirty="0" err="1" smtClean="0"/>
+              <a:t>chekcout</a:t>
+            </a:r>
+            <a:r>
+              <a:rPr lang="fr-FR" b="1" i="1" baseline="0" dirty="0" smtClean="0"/>
+              <a:t> </a:t>
+            </a:r>
+            <a:r>
+              <a:rPr lang="fr-FR" b="1" i="1" baseline="0" dirty="0" err="1" smtClean="0"/>
+              <a:t>origin</a:t>
+            </a:r>
+            <a:r>
+              <a:rPr lang="fr-FR" b="1" i="1" baseline="0" dirty="0" smtClean="0"/>
+              <a:t>/</a:t>
+            </a:r>
+            <a:r>
+              <a:rPr lang="fr-FR" b="1" i="1" baseline="0" dirty="0" err="1" smtClean="0"/>
+              <a:t>branchname</a:t>
+            </a:r>
+            <a:r>
+              <a:rPr lang="fr-FR" baseline="0" dirty="0" smtClean="0"/>
+              <a:t>» </a:t>
+            </a:r>
+          </a:p>
+          <a:p>
+            <a:r>
+              <a:rPr lang="fr-FR" dirty="0" smtClean="0"/>
+              <a:t>git </a:t>
+            </a:r>
+            <a:r>
+              <a:rPr lang="fr-FR" dirty="0" err="1" smtClean="0"/>
+              <a:t>diff</a:t>
+            </a:r>
+            <a:r>
+              <a:rPr lang="fr-FR" dirty="0" smtClean="0"/>
+              <a:t> develop </a:t>
+            </a:r>
+            <a:r>
+              <a:rPr lang="fr-FR" dirty="0" err="1" smtClean="0"/>
+              <a:t>origin</a:t>
+            </a:r>
+            <a:r>
+              <a:rPr lang="fr-FR" dirty="0" smtClean="0"/>
+              <a:t>/develop</a:t>
+            </a:r>
+          </a:p>
+          <a:p>
+            <a:r>
+              <a:rPr lang="fr-FR" dirty="0" smtClean="0"/>
+              <a:t>git log develop..</a:t>
+            </a:r>
+            <a:r>
+              <a:rPr lang="fr-FR" dirty="0" err="1" smtClean="0"/>
+              <a:t>origin</a:t>
+            </a:r>
+            <a:r>
+              <a:rPr lang="fr-FR" dirty="0" smtClean="0"/>
+              <a:t>/develop(voir les commit </a:t>
+            </a:r>
+            <a:r>
+              <a:rPr lang="fr-FR" dirty="0" err="1" smtClean="0"/>
+              <a:t>suplementaire</a:t>
+            </a:r>
+            <a:r>
+              <a:rPr lang="fr-FR" dirty="0" smtClean="0"/>
+              <a:t>)</a:t>
+            </a:r>
+          </a:p>
+          <a:p>
+            <a:endParaRPr lang="fr-FR" dirty="0" smtClean="0"/>
           </a:p>
           <a:p>
             <a:pPr rtl="0"/>
@@ -1740,7 +1936,7 @@
           <a:p>
             <a:fld id="{852BFB1F-A0B8-45F9-8B0C-AE6AABDE724A}" type="slidenum">
               <a:rPr lang="fr-FR" smtClean="0"/>
-              <a:t>15</a:t>
+              <a:t>14</a:t>
             </a:fld>
             <a:endParaRPr lang="fr-FR"/>
           </a:p>
@@ -1803,6 +1999,31 @@
           <a:bodyPr/>
           <a:lstStyle/>
           <a:p>
+            <a:pPr rtl="0"/>
+            <a:r>
+              <a:rPr lang="en-US" sz="1200" b="1" i="0" kern="1200" dirty="0" smtClean="0">
+                <a:solidFill>
+                  <a:schemeClr val="tx1"/>
+                </a:solidFill>
+                <a:effectLst/>
+                <a:latin typeface="+mn-lt"/>
+                <a:ea typeface="+mn-ea"/>
+                <a:cs typeface="+mn-cs"/>
+              </a:rPr>
+              <a:t>Definition: </a:t>
+            </a:r>
+            <a:r>
+              <a:rPr lang="en-US" sz="1200" b="0" i="0" kern="1200" dirty="0" err="1" smtClean="0">
+                <a:solidFill>
+                  <a:schemeClr val="tx1"/>
+                </a:solidFill>
+                <a:effectLst/>
+                <a:latin typeface="+mn-lt"/>
+                <a:ea typeface="+mn-ea"/>
+                <a:cs typeface="+mn-cs"/>
+              </a:rPr>
+              <a:t>est</a:t>
+            </a:r>
             <a:r>
               <a:rPr lang="en-US" sz="1200" b="0" i="0" kern="1200" dirty="0" smtClean="0">
                 <a:solidFill>
@@ -1813,7 +2034,151 @@
                 <a:ea typeface="+mn-ea"/>
                 <a:cs typeface="+mn-cs"/>
               </a:rPr>
-              <a:t>Pour profité pleinement de  </a:t>
+              <a:t> </a:t>
+            </a:r>
+            <a:r>
+              <a:rPr lang="en-US" sz="1200" b="0" i="0" kern="1200" dirty="0" err="1" smtClean="0">
+                <a:solidFill>
+                  <a:schemeClr val="tx1"/>
+                </a:solidFill>
+                <a:effectLst/>
+                <a:latin typeface="+mn-lt"/>
+                <a:ea typeface="+mn-ea"/>
+                <a:cs typeface="+mn-cs"/>
+              </a:rPr>
+              <a:t>une</a:t>
+            </a:r>
+            <a:r>
+              <a:rPr lang="en-US" sz="1200" b="0" i="0" kern="1200" dirty="0" smtClean="0">
+                <a:solidFill>
+                  <a:schemeClr val="tx1"/>
+                </a:solidFill>
+                <a:effectLst/>
+                <a:latin typeface="+mn-lt"/>
+                <a:ea typeface="+mn-ea"/>
+                <a:cs typeface="+mn-cs"/>
+              </a:rPr>
+              <a:t> recommendation</a:t>
+            </a:r>
+            <a:r>
+              <a:rPr lang="en-US" sz="1200" b="0" i="0" kern="1200" baseline="0" dirty="0" smtClean="0">
+                <a:solidFill>
+                  <a:schemeClr val="tx1"/>
+                </a:solidFill>
+                <a:effectLst/>
+                <a:latin typeface="+mn-lt"/>
+                <a:ea typeface="+mn-ea"/>
+                <a:cs typeface="+mn-cs"/>
+              </a:rPr>
+              <a:t> sur la </a:t>
+            </a:r>
+            <a:r>
+              <a:rPr lang="fr-FR" sz="1200" b="0" i="0" kern="1200" baseline="0" noProof="0" dirty="0" smtClean="0">
+                <a:solidFill>
+                  <a:schemeClr val="tx1"/>
+                </a:solidFill>
+                <a:effectLst/>
+                <a:latin typeface="+mn-lt"/>
+                <a:ea typeface="+mn-ea"/>
+                <a:cs typeface="+mn-cs"/>
+              </a:rPr>
+              <a:t>façon</a:t>
+            </a:r>
+            <a:r>
+              <a:rPr lang="en-US" sz="1200" b="0" i="0" kern="1200" baseline="0" dirty="0" smtClean="0">
+                <a:solidFill>
+                  <a:schemeClr val="tx1"/>
+                </a:solidFill>
+                <a:effectLst/>
+                <a:latin typeface="+mn-lt"/>
+                <a:ea typeface="+mn-ea"/>
+                <a:cs typeface="+mn-cs"/>
+              </a:rPr>
+              <a:t> d’utilisé </a:t>
+            </a:r>
+            <a:r>
+              <a:rPr lang="en-US" sz="1200" b="0" i="0" kern="1200" baseline="0" dirty="0" err="1" smtClean="0">
+                <a:solidFill>
+                  <a:schemeClr val="tx1"/>
+                </a:solidFill>
+                <a:effectLst/>
+                <a:latin typeface="+mn-lt"/>
+                <a:ea typeface="+mn-ea"/>
+                <a:cs typeface="+mn-cs"/>
+              </a:rPr>
+              <a:t>Git</a:t>
+            </a:r>
+            <a:r>
+              <a:rPr lang="en-US" sz="1200" b="0" i="0" kern="1200" baseline="0" dirty="0" smtClean="0">
+                <a:solidFill>
+                  <a:schemeClr val="tx1"/>
+                </a:solidFill>
+                <a:effectLst/>
+                <a:latin typeface="+mn-lt"/>
+                <a:ea typeface="+mn-ea"/>
+                <a:cs typeface="+mn-cs"/>
+              </a:rPr>
+              <a:t> </a:t>
+            </a:r>
+            <a:r>
+              <a:rPr lang="en-US" sz="1200" b="0" i="0" kern="1200" dirty="0" smtClean="0">
+                <a:solidFill>
+                  <a:schemeClr val="tx1"/>
+                </a:solidFill>
+                <a:effectLst/>
+                <a:latin typeface="+mn-lt"/>
+                <a:ea typeface="+mn-ea"/>
+                <a:cs typeface="+mn-cs"/>
+              </a:rPr>
+              <a:t> Pour </a:t>
+            </a:r>
+            <a:r>
+              <a:rPr lang="en-US" sz="1200" b="0" i="0" kern="1200" dirty="0" err="1" smtClean="0">
+                <a:solidFill>
+                  <a:schemeClr val="tx1"/>
+                </a:solidFill>
+                <a:effectLst/>
+                <a:latin typeface="+mn-lt"/>
+                <a:ea typeface="+mn-ea"/>
+                <a:cs typeface="+mn-cs"/>
+              </a:rPr>
+              <a:t>en</a:t>
+            </a:r>
+            <a:r>
+              <a:rPr lang="en-US" sz="1200" b="0" i="0" kern="1200" dirty="0" smtClean="0">
+                <a:solidFill>
+                  <a:schemeClr val="tx1"/>
+                </a:solidFill>
+                <a:effectLst/>
+                <a:latin typeface="+mn-lt"/>
+                <a:ea typeface="+mn-ea"/>
+                <a:cs typeface="+mn-cs"/>
+              </a:rPr>
+              <a:t>  </a:t>
+            </a:r>
+            <a:r>
+              <a:rPr lang="en-US" sz="1200" b="0" i="0" kern="1200" dirty="0" err="1" smtClean="0">
+                <a:solidFill>
+                  <a:schemeClr val="tx1"/>
+                </a:solidFill>
+                <a:effectLst/>
+                <a:latin typeface="+mn-lt"/>
+                <a:ea typeface="+mn-ea"/>
+                <a:cs typeface="+mn-cs"/>
+              </a:rPr>
+              <a:t>profité</a:t>
+            </a:r>
+            <a:r>
+              <a:rPr lang="en-US" sz="1200" b="0" i="0" kern="1200" dirty="0" smtClean="0">
+                <a:solidFill>
+                  <a:schemeClr val="tx1"/>
+                </a:solidFill>
+                <a:effectLst/>
+                <a:latin typeface="+mn-lt"/>
+                <a:ea typeface="+mn-ea"/>
+                <a:cs typeface="+mn-cs"/>
+              </a:rPr>
+              <a:t> </a:t>
             </a:r>
             <a:r>
               <a:rPr lang="fr-FR" sz="1200" b="0" i="0" kern="1200" noProof="0" dirty="0" smtClean="0">
@@ -1825,10 +2190,119 @@
                 <a:ea typeface="+mn-ea"/>
                 <a:cs typeface="+mn-cs"/>
               </a:rPr>
-              <a:t>git on doit le maitrisé et savoir à quoi il sert, et comment l’utilisé efficacement.</a:t>
-            </a:r>
-          </a:p>
-          <a:p>
+              <a:t>pleinement</a:t>
+            </a:r>
+            <a:r>
+              <a:rPr lang="en-US" sz="1200" b="0" i="0" kern="1200" dirty="0" smtClean="0">
+                <a:solidFill>
+                  <a:schemeClr val="tx1"/>
+                </a:solidFill>
+                <a:effectLst/>
+                <a:latin typeface="+mn-lt"/>
+                <a:ea typeface="+mn-ea"/>
+                <a:cs typeface="+mn-cs"/>
+              </a:rPr>
+              <a:t> et </a:t>
+            </a:r>
+            <a:r>
+              <a:rPr lang="en-US" sz="1200" b="0" i="0" kern="1200" dirty="0" err="1" smtClean="0">
+                <a:solidFill>
+                  <a:schemeClr val="tx1"/>
+                </a:solidFill>
+                <a:effectLst/>
+                <a:latin typeface="+mn-lt"/>
+                <a:ea typeface="+mn-ea"/>
+                <a:cs typeface="+mn-cs"/>
+              </a:rPr>
+              <a:t>étre</a:t>
+            </a:r>
+            <a:r>
+              <a:rPr lang="en-US" sz="1200" b="0" i="0" kern="1200" baseline="0" dirty="0" smtClean="0">
+                <a:solidFill>
+                  <a:schemeClr val="tx1"/>
+                </a:solidFill>
+                <a:effectLst/>
+                <a:latin typeface="+mn-lt"/>
+                <a:ea typeface="+mn-ea"/>
+                <a:cs typeface="+mn-cs"/>
+              </a:rPr>
+              <a:t> productive pour </a:t>
+            </a:r>
+            <a:r>
+              <a:rPr lang="en-US" sz="1200" b="0" i="0" kern="1200" baseline="0" dirty="0" err="1" smtClean="0">
+                <a:solidFill>
+                  <a:schemeClr val="tx1"/>
+                </a:solidFill>
+                <a:effectLst/>
+                <a:latin typeface="+mn-lt"/>
+                <a:ea typeface="+mn-ea"/>
+                <a:cs typeface="+mn-cs"/>
+              </a:rPr>
+              <a:t>cela</a:t>
+            </a:r>
+            <a:r>
+              <a:rPr lang="en-US" sz="1200" b="0" i="0" kern="1200" baseline="0" dirty="0" smtClean="0">
+                <a:solidFill>
+                  <a:schemeClr val="tx1"/>
+                </a:solidFill>
+                <a:effectLst/>
+                <a:latin typeface="+mn-lt"/>
+                <a:ea typeface="+mn-ea"/>
+                <a:cs typeface="+mn-cs"/>
+              </a:rPr>
+              <a:t> on </a:t>
+            </a:r>
+            <a:r>
+              <a:rPr lang="en-US" sz="1200" b="0" i="0" kern="1200" dirty="0" err="1" smtClean="0">
+                <a:solidFill>
+                  <a:schemeClr val="tx1"/>
+                </a:solidFill>
+                <a:effectLst/>
+                <a:latin typeface="+mn-lt"/>
+                <a:ea typeface="+mn-ea"/>
+                <a:cs typeface="+mn-cs"/>
+              </a:rPr>
+              <a:t>doit</a:t>
+            </a:r>
+            <a:r>
+              <a:rPr lang="en-US" sz="1200" b="0" i="0" kern="1200" baseline="0" dirty="0" smtClean="0">
+                <a:solidFill>
+                  <a:schemeClr val="tx1"/>
+                </a:solidFill>
+                <a:effectLst/>
+                <a:latin typeface="+mn-lt"/>
+                <a:ea typeface="+mn-ea"/>
+                <a:cs typeface="+mn-cs"/>
+              </a:rPr>
+              <a:t> le </a:t>
+            </a:r>
+            <a:r>
+              <a:rPr lang="en-US" sz="1200" b="0" i="0" kern="1200" baseline="0" dirty="0" err="1" smtClean="0">
+                <a:solidFill>
+                  <a:schemeClr val="tx1"/>
+                </a:solidFill>
+                <a:effectLst/>
+                <a:latin typeface="+mn-lt"/>
+                <a:ea typeface="+mn-ea"/>
+                <a:cs typeface="+mn-cs"/>
+              </a:rPr>
+              <a:t>maitrisé</a:t>
+            </a:r>
+            <a:r>
+              <a:rPr lang="en-US" sz="1200" b="0" i="0" kern="1200" baseline="0" dirty="0" smtClean="0">
+                <a:solidFill>
+                  <a:schemeClr val="tx1"/>
+                </a:solidFill>
+                <a:effectLst/>
+                <a:latin typeface="+mn-lt"/>
+                <a:ea typeface="+mn-ea"/>
+                <a:cs typeface="+mn-cs"/>
+              </a:rPr>
+              <a:t>..</a:t>
+            </a:r>
+          </a:p>
+          <a:p>
+            <a:pPr rtl="0"/>
             <a:r>
               <a:rPr lang="fr-FR" sz="1200" b="0" i="0" kern="1200" noProof="0" dirty="0" smtClean="0">
                 <a:solidFill>
@@ -1839,7 +2313,19 @@
                 <a:ea typeface="+mn-ea"/>
                 <a:cs typeface="+mn-cs"/>
               </a:rPr>
-              <a:t>Git nous donne une liberté a son utilisation il n’impose  pas une méthode de travail (dépend</a:t>
+              <a:t>Git </a:t>
+            </a:r>
+            <a:r>
+              <a:rPr lang="fr-FR" sz="1200" b="0" i="0" kern="1200" noProof="0" dirty="0" smtClean="0">
+                <a:solidFill>
+                  <a:schemeClr val="tx1"/>
+                </a:solidFill>
+                <a:effectLst/>
+                <a:latin typeface="+mn-lt"/>
+                <a:ea typeface="+mn-ea"/>
+                <a:cs typeface="+mn-cs"/>
+              </a:rPr>
+              <a:t>nous donne une liberté a son utilisation il n’impose  pas une méthode de travail (dépend</a:t>
             </a:r>
             <a:r>
               <a:rPr lang="fr-FR" sz="1200" b="0" i="0" kern="1200" baseline="0" noProof="0" dirty="0" smtClean="0">
@@ -1854,18 +2340,6 @@
               <a:t> de nous et de notre connaissance de la technologie) et on doit le gère d’une manière ou d’une autre c’est la ou il apparu la notion de workflow (flux de travail) qui </a:t>
             </a:r>
             <a:r>
-              <a:rPr lang="fr-FR" sz="1200" b="0" i="0" kern="1200" baseline="0" noProof="0" dirty="0" err="1" smtClean="0">
-                <a:solidFill>
-                  <a:schemeClr val="tx1"/>
-                </a:solidFill>
-                <a:effectLst/>
-                <a:latin typeface="+mn-lt"/>
-                <a:ea typeface="+mn-ea"/>
-                <a:cs typeface="+mn-cs"/>
-              </a:rPr>
-              <a:t>decrit</a:t>
-            </a:r>
-            <a:r>
               <a:rPr lang="fr-FR" sz="1200" b="0" i="0" kern="1200" baseline="0" noProof="0" dirty="0" smtClean="0">
                 <a:solidFill>
                   <a:schemeClr val="tx1"/>
@@ -1875,7 +2349,19 @@
                 <a:ea typeface="+mn-ea"/>
                 <a:cs typeface="+mn-cs"/>
               </a:rPr>
-              <a:t> ce que nous devons faire et dans quel ordre pour que le travail du l’équipe avec git se passe bien de manière cohérente et facile à  </a:t>
+              <a:t>décrit </a:t>
+            </a:r>
+            <a:r>
+              <a:rPr lang="fr-FR" sz="1200" b="0" i="0" kern="1200" baseline="0" noProof="0" dirty="0" smtClean="0">
+                <a:solidFill>
+                  <a:schemeClr val="tx1"/>
+                </a:solidFill>
+                <a:effectLst/>
+                <a:latin typeface="+mn-lt"/>
+                <a:ea typeface="+mn-ea"/>
+                <a:cs typeface="+mn-cs"/>
+              </a:rPr>
+              <a:t>ce que nous devons faire et dans quel ordre pour que le travail du l’équipe avec git se passe bien de manière cohérente et facile à  </a:t>
             </a:r>
             <a:r>
               <a:rPr lang="fr-FR" sz="1200" b="0" i="0" kern="1200" noProof="0" dirty="0" smtClean="0">
@@ -1994,19 +2480,7 @@
                 <a:ea typeface="+mn-ea"/>
                 <a:cs typeface="+mn-cs"/>
               </a:rPr>
-              <a:t> le workflow de </a:t>
-            </a:r>
-            <a:r>
-              <a:rPr lang="en-US" sz="1200" b="0" i="0" kern="1200" baseline="0" dirty="0" smtClean="0">
-                <a:solidFill>
-                  <a:schemeClr val="tx1"/>
-                </a:solidFill>
-                <a:effectLst/>
-                <a:latin typeface="+mn-lt"/>
-                <a:ea typeface="+mn-ea"/>
-                <a:cs typeface="+mn-cs"/>
-              </a:rPr>
-              <a:t>collaboration pour livre rapidement. </a:t>
+              <a:t> le workflow de collaboration pour livre rapidement. </a:t>
             </a:r>
             <a:r>
               <a:rPr lang="en-US" sz="1200" b="0" i="0" kern="1200" baseline="0" dirty="0" err="1" smtClean="0">
@@ -2267,66 +2741,47 @@
           <a:bodyPr/>
           <a:lstStyle/>
           <a:p>
-            <a:pPr marL="228600" indent="-228600">
-              <a:buFont typeface="+mj-lt"/>
-              <a:buAutoNum type="arabicPeriod"/>
-            </a:pPr>
-            <a:r>
-              <a:rPr lang="fr-FR" sz="1200" b="1" dirty="0" smtClean="0"/>
-              <a:t>Master:</a:t>
-            </a:r>
-            <a:r>
-              <a:rPr lang="fr-FR" sz="1200" b="0" dirty="0" smtClean="0"/>
-              <a:t> et stable est un avantage en</a:t>
-            </a:r>
-            <a:r>
-              <a:rPr lang="fr-FR" sz="1200" b="0" baseline="0" dirty="0" smtClean="0"/>
-              <a:t> cas de problème dans les autre branches. souvent utilisé comme branche d’intégration pour la branche develop.</a:t>
-            </a:r>
-          </a:p>
-          <a:p>
-            <a:pPr marL="228600" indent="-228600">
-              <a:buFont typeface="+mj-lt"/>
-              <a:buAutoNum type="arabicPeriod"/>
-            </a:pPr>
-            <a:r>
-              <a:rPr lang="en-US" sz="1200" b="1" i="0" kern="1200" dirty="0" smtClean="0">
-                <a:solidFill>
-                  <a:schemeClr val="tx1"/>
-                </a:solidFill>
-                <a:effectLst/>
-                <a:latin typeface="+mn-lt"/>
-                <a:ea typeface="+mn-ea"/>
-                <a:cs typeface="+mn-cs"/>
-              </a:rPr>
-              <a:t>La branch develop: </a:t>
-            </a:r>
-            <a:r>
-              <a:rPr lang="en-US" sz="1200" b="0" i="0" kern="1200" dirty="0" smtClean="0">
-                <a:solidFill>
-                  <a:schemeClr val="tx1"/>
-                </a:solidFill>
-                <a:effectLst/>
-                <a:latin typeface="+mn-lt"/>
-                <a:ea typeface="+mn-ea"/>
-                <a:cs typeface="+mn-cs"/>
-              </a:rPr>
-              <a:t>est </a:t>
-            </a:r>
-            <a:r>
-              <a:rPr lang="fr-FR" sz="1200" b="0" i="0" kern="1200" noProof="0" dirty="0" smtClean="0">
-                <a:solidFill>
-                  <a:schemeClr val="tx1"/>
-                </a:solidFill>
-                <a:effectLst/>
-                <a:latin typeface="+mn-lt"/>
-                <a:ea typeface="+mn-ea"/>
-                <a:cs typeface="+mn-cs"/>
-              </a:rPr>
-              <a:t>souvent</a:t>
-            </a:r>
-            <a:r>
-              <a:rPr lang="en-US" sz="1200" b="0" i="0" kern="1200" dirty="0" smtClean="0">
+            <a:pPr rtl="0"/>
+            <a:r>
+              <a:rPr lang="fr-FR" b="1" dirty="0" smtClean="0"/>
+              <a:t>1.Workflow Centralise </a:t>
+            </a:r>
+            <a:r>
+              <a:rPr lang="fr-FR" b="1" dirty="0" smtClean="0"/>
+              <a:t>:</a:t>
+            </a:r>
+            <a:r>
+              <a:rPr lang="fr-FR" b="0" dirty="0" smtClean="0"/>
+              <a:t>si comme</a:t>
+            </a:r>
+            <a:r>
+              <a:rPr lang="fr-FR" b="0" baseline="0" dirty="0" smtClean="0"/>
+              <a:t> ci on travail avec un CSV </a:t>
+            </a:r>
+            <a:r>
+              <a:rPr lang="fr-FR" b="0" baseline="0" dirty="0" err="1" smtClean="0"/>
+              <a:t>centralisé.</a:t>
+            </a:r>
+            <a:r>
+              <a:rPr lang="fr-FR" dirty="0" err="1" smtClean="0"/>
+              <a:t>stratégie</a:t>
+            </a:r>
+            <a:r>
+              <a:rPr lang="fr-FR" dirty="0" smtClean="0"/>
+              <a:t> 0 Branch, tout les développeurs fond des changement sur la branche principale(branche par défaut)  puis la mergé une fois terminé. Les cas de figure ou il est utilisé</a:t>
+            </a:r>
+          </a:p>
+          <a:p>
+            <a:r>
+              <a:rPr lang="fr-FR" dirty="0" smtClean="0"/>
+              <a:t>1.Le </a:t>
+            </a:r>
+            <a:r>
+              <a:rPr lang="fr-FR" dirty="0" smtClean="0"/>
+              <a:t>code n’à pas besoin d’être contrôlé (on travail seule, une petite équipe chaqu'un spécialisé</a:t>
+            </a:r>
+            <a:r>
+              <a:rPr lang="fr-FR" sz="1200" b="0" i="0" kern="1200" baseline="0" dirty="0" smtClean="0">
                 <a:solidFill>
                   <a:schemeClr val="tx1"/>
                 </a:solidFill>
@@ -2338,573 +2793,479 @@
               <a:t> </a:t>
             </a:r>
             <a:r>
-              <a:rPr lang="fr-FR" sz="1200" b="0" i="0" kern="1200" noProof="0" dirty="0" smtClean="0">
-                <a:solidFill>
-                  <a:schemeClr val="tx1"/>
-                </a:solidFill>
-                <a:effectLst/>
-                <a:latin typeface="+mn-lt"/>
-                <a:ea typeface="+mn-ea"/>
-                <a:cs typeface="+mn-cs"/>
-              </a:rPr>
-              <a:t>utilisé</a:t>
-            </a:r>
-            <a:r>
-              <a:rPr lang="en-US" sz="1200" b="0" i="0" kern="1200" dirty="0" smtClean="0">
-                <a:solidFill>
-                  <a:schemeClr val="tx1"/>
-                </a:solidFill>
-                <a:effectLst/>
-                <a:latin typeface="+mn-lt"/>
-                <a:ea typeface="+mn-ea"/>
-                <a:cs typeface="+mn-cs"/>
-              </a:rPr>
-              <a:t> </a:t>
-            </a:r>
-            <a:r>
-              <a:rPr lang="fr-FR" sz="1200" b="0" i="0" kern="1200" noProof="0" dirty="0" smtClean="0">
-                <a:solidFill>
-                  <a:schemeClr val="tx1"/>
-                </a:solidFill>
-                <a:effectLst/>
-                <a:latin typeface="+mn-lt"/>
-                <a:ea typeface="+mn-ea"/>
-                <a:cs typeface="+mn-cs"/>
-              </a:rPr>
-              <a:t>comme</a:t>
-            </a:r>
-            <a:r>
-              <a:rPr lang="en-US" sz="1200" b="0" i="0" kern="1200" baseline="0" dirty="0" smtClean="0">
-                <a:solidFill>
-                  <a:schemeClr val="tx1"/>
-                </a:solidFill>
-                <a:effectLst/>
-                <a:latin typeface="+mn-lt"/>
-                <a:ea typeface="+mn-ea"/>
-                <a:cs typeface="+mn-cs"/>
-              </a:rPr>
-              <a:t> </a:t>
-            </a:r>
-            <a:r>
-              <a:rPr lang="fr-FR" sz="1200" b="0" i="0" kern="1200" baseline="0" noProof="0" dirty="0" smtClean="0">
-                <a:solidFill>
-                  <a:schemeClr val="tx1"/>
-                </a:solidFill>
-                <a:effectLst/>
-                <a:latin typeface="+mn-lt"/>
-                <a:ea typeface="+mn-ea"/>
-                <a:cs typeface="+mn-cs"/>
-              </a:rPr>
-              <a:t>branche</a:t>
-            </a:r>
-            <a:r>
-              <a:rPr lang="en-US" sz="1200" b="0" i="0" kern="1200" baseline="0" dirty="0" smtClean="0">
-                <a:solidFill>
-                  <a:schemeClr val="tx1"/>
-                </a:solidFill>
-                <a:effectLst/>
-                <a:latin typeface="+mn-lt"/>
-                <a:ea typeface="+mn-ea"/>
-                <a:cs typeface="+mn-cs"/>
-              </a:rPr>
-              <a:t> </a:t>
-            </a:r>
-            <a:r>
-              <a:rPr lang="fr-FR" sz="1200" b="0" i="0" kern="1200" baseline="0" noProof="0" dirty="0" smtClean="0">
-                <a:solidFill>
-                  <a:schemeClr val="tx1"/>
-                </a:solidFill>
-                <a:effectLst/>
-                <a:latin typeface="+mn-lt"/>
-                <a:ea typeface="+mn-ea"/>
-                <a:cs typeface="+mn-cs"/>
-              </a:rPr>
-              <a:t>d’</a:t>
-            </a:r>
-            <a:r>
-              <a:rPr lang="fr-FR" sz="1200" b="0" i="0" kern="1200" baseline="0" noProof="0" dirty="0" err="1" smtClean="0">
-                <a:solidFill>
-                  <a:schemeClr val="tx1"/>
-                </a:solidFill>
-                <a:effectLst/>
-                <a:latin typeface="+mn-lt"/>
-                <a:ea typeface="+mn-ea"/>
-                <a:cs typeface="+mn-cs"/>
-              </a:rPr>
-              <a:t>integration</a:t>
-            </a:r>
-            <a:r>
-              <a:rPr lang="en-US" sz="1200" b="0" i="0" kern="1200" baseline="0" dirty="0" smtClean="0">
-                <a:solidFill>
-                  <a:schemeClr val="tx1"/>
-                </a:solidFill>
-                <a:effectLst/>
-                <a:latin typeface="+mn-lt"/>
-                <a:ea typeface="+mn-ea"/>
-                <a:cs typeface="+mn-cs"/>
-              </a:rPr>
-              <a:t> pour les branches de </a:t>
-            </a:r>
-            <a:r>
-              <a:rPr lang="fr-FR" sz="1200" b="0" i="0" kern="1200" baseline="0" noProof="0" dirty="0" smtClean="0">
-                <a:solidFill>
-                  <a:schemeClr val="tx1"/>
-                </a:solidFill>
-                <a:effectLst/>
-                <a:latin typeface="+mn-lt"/>
-                <a:ea typeface="+mn-ea"/>
-                <a:cs typeface="+mn-cs"/>
-              </a:rPr>
-              <a:t>fonction</a:t>
-            </a:r>
-            <a:endParaRPr lang="fr-FR" sz="1200" b="0" i="0" kern="1200" noProof="0" dirty="0" smtClean="0">
-              <a:solidFill>
-                <a:schemeClr val="tx1"/>
-              </a:solidFill>
-              <a:effectLst/>
-              <a:latin typeface="+mn-lt"/>
-              <a:ea typeface="+mn-ea"/>
-              <a:cs typeface="+mn-cs"/>
-            </a:endParaRPr>
-          </a:p>
-          <a:p>
-            <a:pPr marL="228600" indent="-228600">
-              <a:buFont typeface="+mj-lt"/>
-              <a:buAutoNum type="arabicPeriod"/>
-            </a:pPr>
-            <a:r>
-              <a:rPr lang="fr-FR" sz="1200" b="1" i="0" kern="1200" baseline="0" noProof="0" dirty="0" smtClean="0">
-                <a:solidFill>
-                  <a:schemeClr val="tx1"/>
-                </a:solidFill>
-                <a:effectLst/>
-                <a:latin typeface="+mn-lt"/>
-                <a:ea typeface="+mn-ea"/>
-                <a:cs typeface="+mn-cs"/>
-              </a:rPr>
-              <a:t>Branche  de fonction: </a:t>
-            </a:r>
-            <a:r>
-              <a:rPr lang="en-US" sz="1200" b="0" i="0" kern="1200" baseline="0" dirty="0" smtClean="0">
-                <a:solidFill>
-                  <a:schemeClr val="tx1"/>
-                </a:solidFill>
-                <a:effectLst/>
-                <a:latin typeface="+mn-lt"/>
-                <a:ea typeface="+mn-ea"/>
-                <a:cs typeface="+mn-cs"/>
-              </a:rPr>
-              <a:t>et </a:t>
-            </a:r>
-            <a:r>
-              <a:rPr lang="fr-FR" sz="1200" b="0" i="0" kern="1200" baseline="0" noProof="0" dirty="0" smtClean="0">
-                <a:solidFill>
-                  <a:schemeClr val="tx1"/>
-                </a:solidFill>
-                <a:effectLst/>
-                <a:latin typeface="+mn-lt"/>
-                <a:ea typeface="+mn-ea"/>
-                <a:cs typeface="+mn-cs"/>
-              </a:rPr>
-              <a:t>bifurqué </a:t>
-            </a:r>
-            <a:r>
-              <a:rPr lang="en-US" sz="1200" b="0" i="0" kern="1200" baseline="0" dirty="0" smtClean="0">
-                <a:solidFill>
-                  <a:schemeClr val="tx1"/>
-                </a:solidFill>
-                <a:effectLst/>
-                <a:latin typeface="+mn-lt"/>
-                <a:ea typeface="+mn-ea"/>
-                <a:cs typeface="+mn-cs"/>
-              </a:rPr>
-              <a:t>depuis </a:t>
-            </a:r>
-            <a:r>
-              <a:rPr lang="en-US" sz="1200" b="1" i="0" kern="1200" baseline="0" dirty="0" smtClean="0">
-                <a:solidFill>
-                  <a:schemeClr val="tx1"/>
-                </a:solidFill>
-                <a:effectLst/>
-                <a:latin typeface="+mn-lt"/>
-                <a:ea typeface="+mn-ea"/>
-                <a:cs typeface="+mn-cs"/>
-              </a:rPr>
-              <a:t>develop (le parent).</a:t>
-            </a:r>
-            <a:r>
-              <a:rPr lang="en-US" sz="1200" b="0" i="0" kern="1200" baseline="0" dirty="0" smtClean="0">
-                <a:solidFill>
-                  <a:schemeClr val="tx1"/>
-                </a:solidFill>
-                <a:effectLst/>
-                <a:latin typeface="+mn-lt"/>
-                <a:ea typeface="+mn-ea"/>
-                <a:cs typeface="+mn-cs"/>
-              </a:rPr>
-              <a:t>quant on </a:t>
-            </a:r>
-            <a:r>
-              <a:rPr lang="fr-FR" sz="1200" b="0" i="0" kern="1200" baseline="0" noProof="0" dirty="0" smtClean="0">
-                <a:solidFill>
-                  <a:schemeClr val="tx1"/>
-                </a:solidFill>
-                <a:effectLst/>
-                <a:latin typeface="+mn-lt"/>
-                <a:ea typeface="+mn-ea"/>
-                <a:cs typeface="+mn-cs"/>
-              </a:rPr>
-              <a:t>termine</a:t>
-            </a:r>
-            <a:r>
-              <a:rPr lang="en-US" sz="1200" b="0" i="0" kern="1200" baseline="0" dirty="0" smtClean="0">
-                <a:solidFill>
-                  <a:schemeClr val="tx1"/>
-                </a:solidFill>
-                <a:effectLst/>
-                <a:latin typeface="+mn-lt"/>
-                <a:ea typeface="+mn-ea"/>
-                <a:cs typeface="+mn-cs"/>
-              </a:rPr>
-              <a:t> de implementation de la fonction on l’intègre a </a:t>
-            </a:r>
-            <a:r>
-              <a:rPr lang="en-US" sz="1200" b="1" i="0" kern="1200" baseline="0" dirty="0" smtClean="0">
-                <a:solidFill>
-                  <a:schemeClr val="tx1"/>
-                </a:solidFill>
-                <a:effectLst/>
-                <a:latin typeface="+mn-lt"/>
-                <a:ea typeface="+mn-ea"/>
-                <a:cs typeface="+mn-cs"/>
-              </a:rPr>
-              <a:t>develop</a:t>
-            </a:r>
-            <a:r>
-              <a:rPr lang="en-US" sz="1200" b="0" i="0" kern="1200" baseline="0" dirty="0" smtClean="0">
-                <a:solidFill>
-                  <a:schemeClr val="tx1"/>
-                </a:solidFill>
-                <a:effectLst/>
-                <a:latin typeface="+mn-lt"/>
-                <a:ea typeface="+mn-ea"/>
-                <a:cs typeface="+mn-cs"/>
-              </a:rPr>
-              <a:t>. Les branches fonction </a:t>
-            </a:r>
-            <a:r>
-              <a:rPr lang="en-US" sz="1200" b="0" i="0" kern="1200" baseline="0" dirty="0" err="1" smtClean="0">
-                <a:solidFill>
-                  <a:schemeClr val="tx1"/>
-                </a:solidFill>
-                <a:effectLst/>
-                <a:latin typeface="+mn-lt"/>
-                <a:ea typeface="+mn-ea"/>
-                <a:cs typeface="+mn-cs"/>
-              </a:rPr>
-              <a:t>n’interacte</a:t>
-            </a:r>
-            <a:r>
-              <a:rPr lang="en-US" sz="1200" b="0" i="0" kern="1200" baseline="0" dirty="0" smtClean="0">
-                <a:solidFill>
-                  <a:schemeClr val="tx1"/>
-                </a:solidFill>
-                <a:effectLst/>
-                <a:latin typeface="+mn-lt"/>
-                <a:ea typeface="+mn-ea"/>
-                <a:cs typeface="+mn-cs"/>
-              </a:rPr>
-              <a:t> jamais avec le master</a:t>
-            </a:r>
-          </a:p>
-          <a:p>
-            <a:pPr marL="228600" indent="-228600">
-              <a:buFont typeface="+mj-lt"/>
-              <a:buAutoNum type="arabicPeriod"/>
-            </a:pPr>
-            <a:r>
-              <a:rPr lang="en-US" sz="1200" b="1" i="0" kern="1200" baseline="0" dirty="0" err="1" smtClean="0">
-                <a:solidFill>
-                  <a:schemeClr val="tx1"/>
-                </a:solidFill>
-                <a:effectLst/>
-                <a:latin typeface="+mn-lt"/>
-                <a:ea typeface="+mn-ea"/>
-                <a:cs typeface="+mn-cs"/>
-              </a:rPr>
-              <a:t>Branche</a:t>
-            </a:r>
-            <a:r>
-              <a:rPr lang="en-US" sz="1200" b="1" i="0" kern="1200" baseline="0" dirty="0" smtClean="0">
-                <a:solidFill>
-                  <a:schemeClr val="tx1"/>
-                </a:solidFill>
-                <a:effectLst/>
-                <a:latin typeface="+mn-lt"/>
-                <a:ea typeface="+mn-ea"/>
-                <a:cs typeface="+mn-cs"/>
-              </a:rPr>
-              <a:t> release:</a:t>
-            </a:r>
-            <a:r>
-              <a:rPr lang="fr-FR" sz="1200" b="0" i="0" kern="1200" baseline="0" noProof="0" dirty="0" smtClean="0">
-                <a:solidFill>
-                  <a:schemeClr val="tx1"/>
-                </a:solidFill>
-                <a:effectLst/>
-                <a:latin typeface="+mn-lt"/>
-                <a:ea typeface="+mn-ea"/>
-                <a:cs typeface="+mn-cs"/>
-              </a:rPr>
-              <a:t>une fois la branche develop contient suffisamment de fonctionnalités une branche release est bifurque de develop. une fois créer pour un cycle de release aucune fonction ne peut êtres ajouté  a partir de ce point juste la tache de fixation de bug et d’autre taches relatives au release peuvent ajouté à cette branche une fois le release est fait on doit mergé ce release à la branche master avec un tag d’une nouvelle versions. aussi il  faut mergé le release vers la branche develop car il peut avoir des changement(progressé) qui sont pas dans develop. ces branches permet de </a:t>
-            </a:r>
-            <a:r>
-              <a:rPr lang="fr-FR" sz="1200" b="0" i="0" kern="1200" baseline="0" noProof="0" dirty="0" err="1" smtClean="0">
-                <a:solidFill>
-                  <a:schemeClr val="tx1"/>
-                </a:solidFill>
-                <a:effectLst/>
-                <a:latin typeface="+mn-lt"/>
-                <a:ea typeface="+mn-ea"/>
-                <a:cs typeface="+mn-cs"/>
-              </a:rPr>
-              <a:t>devisie</a:t>
-            </a:r>
-            <a:r>
-              <a:rPr lang="fr-FR" sz="1200" b="0" i="0" kern="1200" baseline="0" noProof="0" dirty="0" smtClean="0">
-                <a:solidFill>
-                  <a:schemeClr val="tx1"/>
-                </a:solidFill>
-                <a:effectLst/>
-                <a:latin typeface="+mn-lt"/>
-                <a:ea typeface="+mn-ea"/>
-                <a:cs typeface="+mn-cs"/>
-              </a:rPr>
-              <a:t> l’équipe une partie travail sur le release et l’autre pour développé des nouvelle fonctions pour la prochaine release </a:t>
-            </a:r>
-          </a:p>
-          <a:p>
-            <a:pPr marL="228600" indent="-228600" rtl="0">
-              <a:buFont typeface="+mj-lt"/>
-              <a:buAutoNum type="arabicPeriod"/>
-            </a:pPr>
-            <a:r>
-              <a:rPr lang="fr-FR" sz="1200" b="0" i="0" kern="1200" baseline="0" noProof="0" dirty="0" err="1" smtClean="0">
-                <a:solidFill>
-                  <a:schemeClr val="tx1"/>
-                </a:solidFill>
-                <a:effectLst/>
-                <a:latin typeface="+mn-lt"/>
-                <a:ea typeface="+mn-ea"/>
-                <a:cs typeface="+mn-cs"/>
-              </a:rPr>
-              <a:t>Hotfix</a:t>
-            </a:r>
-            <a:r>
-              <a:rPr lang="fr-FR" sz="1200" b="0" i="0" kern="1200" baseline="0" noProof="0" dirty="0" smtClean="0">
-                <a:solidFill>
-                  <a:schemeClr val="tx1"/>
-                </a:solidFill>
-                <a:effectLst/>
-                <a:latin typeface="+mn-lt"/>
-                <a:ea typeface="+mn-ea"/>
-                <a:cs typeface="+mn-cs"/>
-              </a:rPr>
-              <a:t>: bifurqué depuis master utilisé pour corrigé rapidement la release en </a:t>
-            </a:r>
-            <a:r>
-              <a:rPr lang="fr-FR" sz="1200" b="0" i="0" kern="1200" baseline="0" noProof="0" dirty="0" err="1" smtClean="0">
-                <a:solidFill>
-                  <a:schemeClr val="tx1"/>
-                </a:solidFill>
-                <a:effectLst/>
-                <a:latin typeface="+mn-lt"/>
-                <a:ea typeface="+mn-ea"/>
-                <a:cs typeface="+mn-cs"/>
-              </a:rPr>
-              <a:t>production.dés</a:t>
-            </a:r>
-            <a:r>
-              <a:rPr lang="fr-FR" sz="1200" b="0" i="0" kern="1200" baseline="0" noProof="0" dirty="0" smtClean="0">
-                <a:solidFill>
-                  <a:schemeClr val="tx1"/>
-                </a:solidFill>
-                <a:effectLst/>
-                <a:latin typeface="+mn-lt"/>
-                <a:ea typeface="+mn-ea"/>
-                <a:cs typeface="+mn-cs"/>
-              </a:rPr>
-              <a:t> que le correctif est </a:t>
-            </a:r>
-            <a:r>
-              <a:rPr lang="fr-FR" sz="1200" b="0" i="0" kern="1200" baseline="0" noProof="0" dirty="0" err="1" smtClean="0">
-                <a:solidFill>
-                  <a:schemeClr val="tx1"/>
-                </a:solidFill>
-                <a:effectLst/>
-                <a:latin typeface="+mn-lt"/>
-                <a:ea typeface="+mn-ea"/>
-                <a:cs typeface="+mn-cs"/>
-              </a:rPr>
-              <a:t>deployé</a:t>
-            </a:r>
-            <a:r>
-              <a:rPr lang="fr-FR" sz="1200" b="0" i="0" kern="1200" baseline="0" noProof="0" dirty="0" smtClean="0">
-                <a:solidFill>
-                  <a:schemeClr val="tx1"/>
-                </a:solidFill>
-                <a:effectLst/>
-                <a:latin typeface="+mn-lt"/>
-                <a:ea typeface="+mn-ea"/>
-                <a:cs typeface="+mn-cs"/>
-              </a:rPr>
-              <a:t> cette branche doit </a:t>
-            </a:r>
-            <a:r>
-              <a:rPr lang="fr-FR" sz="1200" b="0" i="0" kern="1200" baseline="0" noProof="0" dirty="0" err="1" smtClean="0">
-                <a:solidFill>
-                  <a:schemeClr val="tx1"/>
-                </a:solidFill>
-                <a:effectLst/>
-                <a:latin typeface="+mn-lt"/>
-                <a:ea typeface="+mn-ea"/>
-                <a:cs typeface="+mn-cs"/>
-              </a:rPr>
-              <a:t>étre</a:t>
-            </a:r>
-            <a:r>
-              <a:rPr lang="fr-FR" sz="1200" b="0" i="0" kern="1200" baseline="0" noProof="0" dirty="0" smtClean="0">
-                <a:solidFill>
-                  <a:schemeClr val="tx1"/>
-                </a:solidFill>
-                <a:effectLst/>
-                <a:latin typeface="+mn-lt"/>
-                <a:ea typeface="+mn-ea"/>
-                <a:cs typeface="+mn-cs"/>
-              </a:rPr>
-              <a:t> mergé vers master et </a:t>
-            </a:r>
-            <a:r>
-              <a:rPr lang="fr-FR" sz="1200" b="0" i="0" kern="1200" baseline="0" noProof="0" dirty="0" err="1" smtClean="0">
-                <a:solidFill>
-                  <a:schemeClr val="tx1"/>
-                </a:solidFill>
-                <a:effectLst/>
-                <a:latin typeface="+mn-lt"/>
-                <a:ea typeface="+mn-ea"/>
-                <a:cs typeface="+mn-cs"/>
-              </a:rPr>
-              <a:t>develop.avoir</a:t>
-            </a:r>
-            <a:r>
-              <a:rPr lang="fr-FR" sz="1200" b="0" i="0" kern="1200" baseline="0" noProof="0" dirty="0" smtClean="0">
-                <a:solidFill>
-                  <a:schemeClr val="tx1"/>
-                </a:solidFill>
-                <a:effectLst/>
-                <a:latin typeface="+mn-lt"/>
-                <a:ea typeface="+mn-ea"/>
-                <a:cs typeface="+mn-cs"/>
-              </a:rPr>
-              <a:t> </a:t>
-            </a:r>
-            <a:r>
-              <a:rPr lang="fr-FR" sz="1200" b="0" i="0" kern="1200" baseline="0" noProof="0" dirty="0" err="1" smtClean="0">
-                <a:solidFill>
-                  <a:schemeClr val="tx1"/>
-                </a:solidFill>
-                <a:effectLst/>
-                <a:latin typeface="+mn-lt"/>
-                <a:ea typeface="+mn-ea"/>
-                <a:cs typeface="+mn-cs"/>
-              </a:rPr>
-              <a:t>unr</a:t>
-            </a:r>
-            <a:r>
-              <a:rPr lang="fr-FR" sz="1200" b="0" i="0" kern="1200" baseline="0" noProof="0" dirty="0" smtClean="0">
-                <a:solidFill>
-                  <a:schemeClr val="tx1"/>
-                </a:solidFill>
-                <a:effectLst/>
-                <a:latin typeface="+mn-lt"/>
-                <a:ea typeface="+mn-ea"/>
-                <a:cs typeface="+mn-cs"/>
-              </a:rPr>
-              <a:t> line de </a:t>
-            </a:r>
-            <a:r>
-              <a:rPr lang="fr-FR" sz="1200" b="0" i="0" kern="1200" baseline="0" noProof="0" dirty="0" err="1" smtClean="0">
-                <a:solidFill>
-                  <a:schemeClr val="tx1"/>
-                </a:solidFill>
-                <a:effectLst/>
-                <a:latin typeface="+mn-lt"/>
-                <a:ea typeface="+mn-ea"/>
-                <a:cs typeface="+mn-cs"/>
-              </a:rPr>
-              <a:t>developpement</a:t>
-            </a:r>
-            <a:r>
-              <a:rPr lang="fr-FR" sz="1200" b="0" i="0" kern="1200" baseline="0" noProof="0" dirty="0" smtClean="0">
-                <a:solidFill>
-                  <a:schemeClr val="tx1"/>
-                </a:solidFill>
-                <a:effectLst/>
-                <a:latin typeface="+mn-lt"/>
-                <a:ea typeface="+mn-ea"/>
-                <a:cs typeface="+mn-cs"/>
-              </a:rPr>
-              <a:t> pour la correction des bugs  nous </a:t>
-            </a:r>
-            <a:r>
-              <a:rPr lang="fr-FR" sz="1200" b="0" i="0" kern="1200" baseline="0" noProof="0" dirty="0" err="1" smtClean="0">
-                <a:solidFill>
-                  <a:schemeClr val="tx1"/>
-                </a:solidFill>
-                <a:effectLst/>
-                <a:latin typeface="+mn-lt"/>
-                <a:ea typeface="+mn-ea"/>
-                <a:cs typeface="+mn-cs"/>
-              </a:rPr>
-              <a:t>evitent</a:t>
-            </a:r>
-            <a:r>
-              <a:rPr lang="fr-FR" sz="1200" b="0" i="0" kern="1200" baseline="0" noProof="0" dirty="0" smtClean="0">
-                <a:solidFill>
-                  <a:schemeClr val="tx1"/>
-                </a:solidFill>
-                <a:effectLst/>
-                <a:latin typeface="+mn-lt"/>
-                <a:ea typeface="+mn-ea"/>
-                <a:cs typeface="+mn-cs"/>
-              </a:rPr>
-              <a:t> l’</a:t>
-            </a:r>
-            <a:r>
-              <a:rPr lang="fr-FR" sz="1200" b="0" i="0" kern="1200" baseline="0" noProof="0" dirty="0" err="1" smtClean="0">
-                <a:solidFill>
-                  <a:schemeClr val="tx1"/>
-                </a:solidFill>
-                <a:effectLst/>
-                <a:latin typeface="+mn-lt"/>
-                <a:ea typeface="+mn-ea"/>
-                <a:cs typeface="+mn-cs"/>
-              </a:rPr>
-              <a:t>interuption</a:t>
-            </a:r>
-            <a:r>
-              <a:rPr lang="fr-FR" sz="1200" b="0" i="0" kern="1200" baseline="0" noProof="0" dirty="0" smtClean="0">
-                <a:solidFill>
-                  <a:schemeClr val="tx1"/>
-                </a:solidFill>
-                <a:effectLst/>
-                <a:latin typeface="+mn-lt"/>
-                <a:ea typeface="+mn-ea"/>
-                <a:cs typeface="+mn-cs"/>
-              </a:rPr>
-              <a:t> de reste du  workflow et attendre la prochaine release	</a:t>
-            </a:r>
-            <a:endParaRPr lang="fr-FR" b="0" noProof="0" dirty="0"/>
+              <a:rPr lang="fr-FR" dirty="0" smtClean="0"/>
+              <a:t>dans un Domain (back-end, front -end),qu’on veut livré rapidement parce que La revue de code prend du temps).répondue dans la collaboration entre chercheur(</a:t>
+            </a:r>
+            <a:r>
+              <a:rPr lang="fr-FR" dirty="0" err="1" smtClean="0"/>
+              <a:t>domain</a:t>
+            </a:r>
+            <a:r>
+              <a:rPr lang="fr-FR" dirty="0" smtClean="0"/>
+              <a:t>  scientifique)</a:t>
+            </a:r>
+          </a:p>
+          <a:p>
+            <a:r>
+              <a:rPr lang="fr-FR" dirty="0" smtClean="0"/>
+              <a:t>-efficace pour une petite équipe( qui communique bien) parce que ils  ne modifie pas la même partie du code simultanément.</a:t>
+            </a:r>
+          </a:p>
+          <a:p>
+            <a:pPr rtl="0"/>
+            <a:r>
+              <a:rPr lang="fr-FR" dirty="0" smtClean="0"/>
+              <a:t>Avent d’envoyé les changement il</a:t>
+            </a:r>
+            <a:r>
+              <a:rPr lang="fr-FR" baseline="0" dirty="0" smtClean="0"/>
+              <a:t> fau faire un </a:t>
+            </a:r>
+            <a:r>
+              <a:rPr lang="fr-FR" baseline="0" dirty="0" err="1" smtClean="0"/>
+              <a:t>fetch</a:t>
+            </a:r>
+            <a:r>
+              <a:rPr lang="fr-FR" baseline="0" dirty="0" smtClean="0"/>
+              <a:t> et un rebase pour évité les conflits(historique </a:t>
+            </a:r>
+            <a:r>
+              <a:rPr lang="fr-FR" baseline="0" dirty="0" err="1" smtClean="0"/>
+              <a:t>lineaire</a:t>
+            </a:r>
+            <a:r>
+              <a:rPr lang="fr-FR" baseline="0" dirty="0" smtClean="0"/>
+              <a:t>).</a:t>
+            </a:r>
+          </a:p>
+          <a:p>
+            <a:pPr rtl="0"/>
+            <a:endParaRPr lang="fr-FR" dirty="0" smtClean="0"/>
+          </a:p>
+          <a:p>
+            <a:r>
+              <a:rPr lang="fr-FR" dirty="0" smtClean="0"/>
+              <a:t>*</a:t>
+            </a:r>
+            <a:r>
+              <a:rPr lang="fr-FR" b="1" dirty="0" smtClean="0"/>
+              <a:t>Etapes </a:t>
+            </a:r>
+            <a:r>
+              <a:rPr lang="fr-FR" b="1" dirty="0" err="1" smtClean="0"/>
+              <a:t>suivé</a:t>
+            </a:r>
+            <a:r>
+              <a:rPr lang="fr-FR" b="1" dirty="0" smtClean="0"/>
+              <a:t> par le </a:t>
+            </a:r>
+            <a:r>
+              <a:rPr lang="fr-FR" b="1" dirty="0" err="1" smtClean="0"/>
+              <a:t>developeur</a:t>
+            </a:r>
+            <a:r>
+              <a:rPr lang="fr-FR" b="1" dirty="0" smtClean="0"/>
+              <a:t>:</a:t>
+            </a:r>
+          </a:p>
+          <a:p>
+            <a:r>
+              <a:rPr lang="fr-FR" dirty="0" smtClean="0"/>
+              <a:t>1.cloner</a:t>
+            </a:r>
+          </a:p>
+          <a:p>
+            <a:r>
+              <a:rPr lang="fr-FR" dirty="0" smtClean="0"/>
+              <a:t>2.faire des commits dans le branche principale locale</a:t>
+            </a:r>
+          </a:p>
+          <a:p>
+            <a:r>
+              <a:rPr lang="fr-FR" dirty="0" smtClean="0"/>
+              <a:t>3.fetch la </a:t>
+            </a:r>
+            <a:r>
+              <a:rPr lang="fr-FR" dirty="0" err="1" smtClean="0"/>
+              <a:t>branhe</a:t>
+            </a:r>
+            <a:r>
+              <a:rPr lang="fr-FR" dirty="0" smtClean="0"/>
+              <a:t> principale distante</a:t>
+            </a:r>
+          </a:p>
+          <a:p>
+            <a:r>
+              <a:rPr lang="fr-FR" dirty="0" smtClean="0"/>
+              <a:t>4.meger la </a:t>
+            </a:r>
+            <a:r>
+              <a:rPr lang="fr-FR" dirty="0" err="1" smtClean="0"/>
+              <a:t>brache</a:t>
+            </a:r>
+            <a:r>
+              <a:rPr lang="fr-FR" dirty="0" smtClean="0"/>
+              <a:t> principale </a:t>
+            </a:r>
+            <a:r>
+              <a:rPr lang="fr-FR" dirty="0" smtClean="0"/>
+              <a:t>distante(</a:t>
+            </a:r>
+            <a:r>
+              <a:rPr lang="fr-FR" dirty="0" err="1" smtClean="0"/>
+              <a:t>rebase</a:t>
+            </a:r>
+            <a:r>
+              <a:rPr lang="fr-FR" dirty="0" smtClean="0"/>
+              <a:t> ces</a:t>
+            </a:r>
+            <a:r>
+              <a:rPr lang="fr-FR" baseline="0" dirty="0" smtClean="0"/>
+              <a:t> changements au top qui peut généré des conflits</a:t>
+            </a:r>
+            <a:r>
+              <a:rPr lang="fr-FR" dirty="0" smtClean="0"/>
+              <a:t>)</a:t>
+            </a:r>
+            <a:endParaRPr lang="fr-FR" dirty="0" smtClean="0"/>
+          </a:p>
+          <a:p>
+            <a:r>
+              <a:rPr lang="fr-FR" dirty="0" smtClean="0"/>
+              <a:t>5.pusher la branche principale local</a:t>
+            </a:r>
+          </a:p>
+          <a:p>
+            <a:r>
+              <a:rPr lang="fr-FR" dirty="0" smtClean="0"/>
+              <a:t>*****</a:t>
+            </a:r>
+          </a:p>
+          <a:p>
+            <a:r>
+              <a:rPr lang="fr-FR" b="1" dirty="0" err="1" smtClean="0"/>
+              <a:t>inconvignent</a:t>
+            </a:r>
+            <a:r>
+              <a:rPr lang="fr-FR" b="1" dirty="0" smtClean="0"/>
+              <a:t>:</a:t>
+            </a:r>
+          </a:p>
+          <a:p>
+            <a:r>
+              <a:rPr lang="fr-FR" b="0" dirty="0" smtClean="0"/>
+              <a:t>-utilise pas le potentiel donné par git</a:t>
+            </a:r>
+          </a:p>
+          <a:p>
+            <a:r>
+              <a:rPr lang="fr-FR" dirty="0" smtClean="0"/>
+              <a:t>-difficile de trouvé le moment stable pour faire un release de changement</a:t>
+            </a:r>
+          </a:p>
+          <a:p>
+            <a:r>
+              <a:rPr lang="fr-FR" dirty="0" smtClean="0"/>
+              <a:t>- beaucoup de conflits, développé d’autre fonctionnalité et réglé les problème</a:t>
+            </a:r>
+          </a:p>
+          <a:p>
+            <a:r>
+              <a:rPr lang="fr-FR" dirty="0" smtClean="0"/>
+              <a:t>-difficile de supprimé et de restauré des fonctionnaliste</a:t>
+            </a:r>
+          </a:p>
+          <a:p>
+            <a:r>
+              <a:rPr lang="fr-FR" dirty="0" smtClean="0"/>
+              <a:t>-Perte de temps dans le réglage de conflit au lieu le développement</a:t>
+            </a:r>
+          </a:p>
+          <a:p>
+            <a:r>
+              <a:rPr lang="fr-FR" dirty="0" smtClean="0"/>
+              <a:t>////</a:t>
+            </a:r>
+          </a:p>
+          <a:p>
+            <a:r>
+              <a:rPr lang="fr-FR" b="1" dirty="0" smtClean="0"/>
+              <a:t>Workflow de branch par fonctionnalité:</a:t>
+            </a:r>
+          </a:p>
+          <a:p>
+            <a:r>
+              <a:rPr lang="fr-FR" dirty="0" smtClean="0"/>
+              <a:t>Extension de précédant, branche master est l’historique officiel du projet contient code stable et déployable.il y’à toujours un dépôt centralisé .mais au lieu de pusher dans la branche master, Le développeur créer une nouvelle branche(branche fonctionnelle) à chaque fois qu’il commencent de créer une nouvelle fonctionnalité. La branche fonctionnelle doit avoir un nom descriptive.</a:t>
+            </a:r>
+          </a:p>
+          <a:p>
+            <a:pPr marL="0" marR="0" lvl="0" indent="0" algn="l" defTabSz="914400" rtl="0" eaLnBrk="1" fontAlgn="auto" latinLnBrk="0" hangingPunct="1">
+              <a:lnSpc>
+                <a:spcPct val="100000"/>
+              </a:lnSpc>
+              <a:spcBef>
+                <a:spcPts val="0"/>
+              </a:spcBef>
+              <a:spcAft>
+                <a:spcPts val="0"/>
+              </a:spcAft>
+              <a:buClrTx/>
+              <a:buSzTx/>
+              <a:buFontTx/>
+              <a:buNone/>
+              <a:tabLst/>
+              <a:defRPr/>
+            </a:pPr>
+            <a:r>
+              <a:rPr lang="fr-FR" dirty="0" smtClean="0"/>
+              <a:t>-Une fois la fonctionne est terminée le développeur suit les étapes ci dessous:</a:t>
+            </a:r>
+          </a:p>
+          <a:p>
+            <a:r>
+              <a:rPr lang="fr-FR" b="1" dirty="0" smtClean="0"/>
+              <a:t>I)methode1</a:t>
+            </a:r>
+          </a:p>
+          <a:p>
+            <a:r>
+              <a:rPr lang="fr-FR" dirty="0" smtClean="0"/>
+              <a:t>1.Cloner le dépôt distant</a:t>
+            </a:r>
+          </a:p>
+          <a:p>
+            <a:r>
+              <a:rPr lang="fr-FR" dirty="0" smtClean="0"/>
+              <a:t>2.Créer une branche de fonction depuis la branche principale</a:t>
+            </a:r>
+          </a:p>
+          <a:p>
+            <a:r>
+              <a:rPr lang="fr-FR" dirty="0" smtClean="0"/>
+              <a:t>3.Faire les commits dans feature branche.</a:t>
+            </a:r>
+          </a:p>
+          <a:p>
+            <a:r>
+              <a:rPr lang="fr-FR" dirty="0" smtClean="0"/>
+              <a:t>4.Pull la branche principale distante</a:t>
+            </a:r>
+          </a:p>
+          <a:p>
+            <a:r>
+              <a:rPr lang="fr-FR" dirty="0" smtClean="0"/>
+              <a:t>5.Mergé la branche de fonction on vers la branche principale</a:t>
+            </a:r>
+          </a:p>
+          <a:p>
+            <a:r>
+              <a:rPr lang="fr-FR" dirty="0" smtClean="0"/>
+              <a:t>6.Pusher la branche principale </a:t>
+            </a:r>
+          </a:p>
+          <a:p>
+            <a:r>
+              <a:rPr lang="fr-FR" dirty="0" smtClean="0"/>
+              <a:t>7.supprimé la branche fonctionnel</a:t>
+            </a:r>
+          </a:p>
+          <a:p>
+            <a:r>
+              <a:rPr lang="fr-FR" dirty="0" smtClean="0"/>
+              <a:t>II)</a:t>
+            </a:r>
+            <a:r>
+              <a:rPr lang="fr-FR" b="1" dirty="0" err="1" smtClean="0"/>
+              <a:t>Methode</a:t>
+            </a:r>
+            <a:r>
+              <a:rPr lang="fr-FR" b="1" baseline="0" dirty="0" smtClean="0"/>
+              <a:t> 2(PR)</a:t>
+            </a:r>
+          </a:p>
+          <a:p>
+            <a:r>
+              <a:rPr lang="fr-FR" dirty="0" smtClean="0"/>
+              <a:t>avant que la branche</a:t>
+            </a:r>
+            <a:r>
+              <a:rPr lang="fr-FR" baseline="0" dirty="0" smtClean="0"/>
+              <a:t> soit mergé à la branche master doit être vérifié et contrôlé qu’il contient pas d’</a:t>
+            </a:r>
+            <a:r>
+              <a:rPr lang="fr-FR" baseline="0" dirty="0" err="1" smtClean="0"/>
+              <a:t>erreur.le</a:t>
+            </a:r>
+            <a:r>
+              <a:rPr lang="fr-FR" baseline="0" dirty="0" smtClean="0"/>
+              <a:t> développeur  réer un </a:t>
+            </a:r>
+            <a:r>
+              <a:rPr lang="fr-FR" dirty="0" smtClean="0"/>
+              <a:t>pull </a:t>
+            </a:r>
+            <a:r>
+              <a:rPr lang="fr-FR" dirty="0" err="1" smtClean="0"/>
+              <a:t>request.puis</a:t>
+            </a:r>
+            <a:r>
+              <a:rPr lang="fr-FR" dirty="0" smtClean="0"/>
+              <a:t> les autre membre revoit le code et laisse des commentaires</a:t>
+            </a:r>
+            <a:r>
+              <a:rPr lang="fr-FR" baseline="0" dirty="0" smtClean="0"/>
+              <a:t> une fois c’est bon il mergent.</a:t>
+            </a:r>
+          </a:p>
+          <a:p>
+            <a:r>
+              <a:rPr lang="fr-FR" baseline="0" dirty="0" smtClean="0"/>
+              <a:t>Les étapes comme c’est dessus.</a:t>
+            </a:r>
+          </a:p>
+          <a:p>
+            <a:r>
+              <a:rPr lang="fr-FR" dirty="0" smtClean="0"/>
+              <a:t>1.Cloner le dépôt distant</a:t>
+            </a:r>
+          </a:p>
+          <a:p>
+            <a:r>
+              <a:rPr lang="fr-FR" dirty="0" smtClean="0"/>
+              <a:t>2.Créer une branche de fonction depuis la branche principale</a:t>
+            </a:r>
+          </a:p>
+          <a:p>
+            <a:r>
+              <a:rPr lang="fr-FR" dirty="0" smtClean="0"/>
+              <a:t>3.Faire les commits dans feature branche.et pusher le travail dans la branche de même nom dans le serveur</a:t>
+            </a:r>
+          </a:p>
+          <a:p>
+            <a:r>
+              <a:rPr lang="fr-FR" dirty="0" smtClean="0"/>
+              <a:t>4.Si on à</a:t>
+            </a:r>
+            <a:r>
+              <a:rPr lang="fr-FR" baseline="0" dirty="0" smtClean="0"/>
+              <a:t> besoin d’aide ou de feedback ou qu’on pense que la branche est prête pour mergé on ouvre une pull request.</a:t>
+            </a:r>
+          </a:p>
+          <a:p>
+            <a:r>
+              <a:rPr lang="fr-FR" baseline="0" dirty="0" smtClean="0"/>
+              <a:t>5.Apré que le code soit revue et signé par les </a:t>
+            </a:r>
+            <a:r>
+              <a:rPr lang="fr-FR" baseline="0" dirty="0" err="1" smtClean="0"/>
+              <a:t>reviewer</a:t>
+            </a:r>
+            <a:r>
+              <a:rPr lang="fr-FR" baseline="0" dirty="0" smtClean="0"/>
+              <a:t> on peut la mergé vers master.</a:t>
+            </a:r>
+          </a:p>
+          <a:p>
+            <a:r>
+              <a:rPr lang="fr-FR" baseline="0" dirty="0" smtClean="0"/>
+              <a:t>6.Unr fois mergé à master, la fonction est prête pour déploiement.</a:t>
+            </a:r>
+          </a:p>
+          <a:p>
+            <a:r>
+              <a:rPr lang="fr-FR" b="1" dirty="0" smtClean="0"/>
+              <a:t>Avantages:</a:t>
+            </a:r>
+          </a:p>
+          <a:p>
+            <a:r>
+              <a:rPr lang="fr-FR" dirty="0" smtClean="0"/>
+              <a:t>-Partagé une fonction sans touché au code officiel.</a:t>
+            </a:r>
+          </a:p>
+          <a:p>
+            <a:r>
+              <a:rPr lang="fr-FR" dirty="0" smtClean="0"/>
+              <a:t>-Promouvoir la collaboration  avec des pull request et </a:t>
+            </a:r>
+            <a:r>
+              <a:rPr lang="fr-FR" dirty="0" err="1" smtClean="0"/>
+              <a:t>mege</a:t>
+            </a:r>
+            <a:r>
+              <a:rPr lang="fr-FR" dirty="0" smtClean="0"/>
+              <a:t> de revue </a:t>
+            </a:r>
+          </a:p>
+          <a:p>
+            <a:r>
+              <a:rPr lang="fr-FR" dirty="0" smtClean="0"/>
+              <a:t>-permet de travailler sans perturbé le code de base et la branche principale ne contient pas d’erreur.</a:t>
+            </a:r>
+          </a:p>
+          <a:p>
+            <a:r>
+              <a:rPr lang="fr-FR" dirty="0" smtClean="0"/>
+              <a:t>-idéal quand</a:t>
+            </a:r>
+            <a:r>
+              <a:rPr lang="fr-FR" baseline="0" dirty="0" smtClean="0"/>
+              <a:t> on à besoin de maintenir une seule version dans la production.</a:t>
+            </a:r>
+          </a:p>
+          <a:p>
+            <a:r>
+              <a:rPr lang="fr-FR" b="1" baseline="0" dirty="0" err="1" smtClean="0"/>
+              <a:t>Invonvignant</a:t>
+            </a:r>
+            <a:r>
+              <a:rPr lang="fr-FR" b="1" baseline="0" dirty="0" smtClean="0"/>
+              <a:t>:</a:t>
+            </a:r>
+          </a:p>
+          <a:p>
+            <a:r>
+              <a:rPr lang="fr-FR" b="0" dirty="0" smtClean="0"/>
+              <a:t>1.Le</a:t>
+            </a:r>
+            <a:r>
+              <a:rPr lang="fr-FR" b="0" baseline="0" dirty="0" smtClean="0"/>
+              <a:t> code de production peut être instable fréquemment.</a:t>
+            </a:r>
+          </a:p>
+          <a:p>
+            <a:r>
+              <a:rPr lang="fr-FR" b="0" baseline="0" dirty="0" smtClean="0"/>
+              <a:t>2.Non adéquate quand on à besoin de plans de release.</a:t>
+            </a:r>
+          </a:p>
+          <a:p>
+            <a:r>
+              <a:rPr lang="fr-FR" b="0" baseline="0" dirty="0" smtClean="0"/>
+              <a:t>3.Résout rien en terme déploiement, environnements, et release.</a:t>
+            </a:r>
+          </a:p>
+          <a:p>
+            <a:r>
+              <a:rPr lang="fr-FR" b="0" baseline="0" dirty="0" smtClean="0"/>
+              <a:t>4.n’est pas recommandé quand à besoin de  multiple versions on production.</a:t>
+            </a:r>
+          </a:p>
+          <a:p>
+            <a:endParaRPr lang="fr-FR" b="0" baseline="0" dirty="0" smtClean="0"/>
+          </a:p>
+          <a:p>
+            <a:endParaRPr lang="fr-FR" b="0" dirty="0" smtClean="0"/>
+          </a:p>
+          <a:p>
+            <a:endParaRPr lang="fr-FR" baseline="0" dirty="0" smtClean="0"/>
+          </a:p>
+          <a:p>
+            <a:endParaRPr lang="fr-FR" dirty="0" smtClean="0"/>
+          </a:p>
+          <a:p>
+            <a:endParaRPr lang="fr-FR" dirty="0" smtClean="0"/>
           </a:p>
         </p:txBody>
       </p:sp>
@@ -2934,7 +3295,7 @@
     </p:spTree>
     <p:extLst>
       <p:ext uri="{BB962C8B-B14F-4D97-AF65-F5344CB8AC3E}">
-        <p14:creationId xmlns:p14="http://schemas.microsoft.com/office/powerpoint/2010/main" val="3661544572"/>
+        <p14:creationId xmlns:p14="http://schemas.microsoft.com/office/powerpoint/2010/main" val="1616699120"/>
       </p:ext>
     </p:extLst>
   </p:cSld>
@@ -2988,507 +3349,82 @@
           <a:bodyPr/>
           <a:lstStyle/>
           <a:p>
-            <a:pPr rtl="0"/>
-            <a:r>
-              <a:rPr lang="fr-FR" b="1" dirty="0" smtClean="0"/>
-              <a:t>1.Workflow Centralise :</a:t>
-            </a:r>
-          </a:p>
-          <a:p>
-            <a:endParaRPr lang="fr-FR" dirty="0" smtClean="0"/>
-          </a:p>
-          <a:p>
-            <a:r>
-              <a:rPr lang="fr-FR" dirty="0" smtClean="0"/>
-              <a:t>stratégie 0 Branch, tout les développeurs fond des changement sur la branche principale(branche par </a:t>
-            </a:r>
-            <a:r>
-              <a:rPr lang="fr-FR" dirty="0" err="1" smtClean="0"/>
-              <a:t>defaut</a:t>
-            </a:r>
-            <a:r>
-              <a:rPr lang="fr-FR" dirty="0" smtClean="0"/>
-              <a:t>)  puis la mergé une fois terminé. Les cas de figure ou il est utilisé</a:t>
-            </a:r>
-          </a:p>
-          <a:p>
-            <a:r>
-              <a:rPr lang="fr-FR" dirty="0" smtClean="0"/>
-              <a:t>1.Le code n’à pas besoin d’être contrôlé (on travail seule, une petite équipe chaqu'un spécialisé</a:t>
-            </a:r>
-            <a:r>
-              <a:rPr lang="fr-FR" sz="1200" b="0" i="0" kern="1200" baseline="0" dirty="0" smtClean="0">
-                <a:solidFill>
-                  <a:schemeClr val="tx1"/>
-                </a:solidFill>
-                <a:effectLst/>
-                <a:latin typeface="+mn-lt"/>
-                <a:ea typeface="+mn-ea"/>
-                <a:cs typeface="+mn-cs"/>
-              </a:rPr>
-              <a:t> </a:t>
-            </a:r>
-            <a:r>
-              <a:rPr lang="fr-FR" dirty="0" smtClean="0"/>
-              <a:t>dans un Domain (back-end, front -end),qu’on veut livré rapidement parce que La revue de code prend du temps).répondue dans la collaboration entre chercheur(</a:t>
-            </a:r>
-            <a:r>
-              <a:rPr lang="fr-FR" dirty="0" err="1" smtClean="0"/>
-              <a:t>domain</a:t>
-            </a:r>
-            <a:r>
-              <a:rPr lang="fr-FR" dirty="0" smtClean="0"/>
-              <a:t>  scientifique)</a:t>
-            </a:r>
-          </a:p>
-          <a:p>
-            <a:r>
-              <a:rPr lang="fr-FR" dirty="0" smtClean="0"/>
-              <a:t>-efficace pour une petite équipe( qui communique bien) parce que ils  ne modifie pas la même partie du code simultanément.</a:t>
-            </a:r>
-          </a:p>
-          <a:p>
-            <a:pPr rtl="0"/>
-            <a:r>
-              <a:rPr lang="fr-FR" dirty="0" smtClean="0"/>
-              <a:t>Avent d’envoyé les changement il</a:t>
-            </a:r>
-            <a:r>
-              <a:rPr lang="fr-FR" baseline="0" dirty="0" smtClean="0"/>
-              <a:t> fau faire un </a:t>
-            </a:r>
-            <a:r>
-              <a:rPr lang="fr-FR" baseline="0" dirty="0" err="1" smtClean="0"/>
-              <a:t>fetch</a:t>
-            </a:r>
-            <a:r>
-              <a:rPr lang="fr-FR" baseline="0" dirty="0" smtClean="0"/>
-              <a:t> et un rebase pour évité les conflits(historique </a:t>
-            </a:r>
-            <a:r>
-              <a:rPr lang="fr-FR" baseline="0" dirty="0" err="1" smtClean="0"/>
-              <a:t>lineaire</a:t>
-            </a:r>
-            <a:r>
-              <a:rPr lang="fr-FR" baseline="0" dirty="0" smtClean="0"/>
-              <a:t>).</a:t>
-            </a:r>
-          </a:p>
-          <a:p>
-            <a:pPr rtl="0"/>
-            <a:endParaRPr lang="fr-FR" dirty="0" smtClean="0"/>
-          </a:p>
-          <a:p>
-            <a:r>
-              <a:rPr lang="fr-FR" dirty="0" smtClean="0"/>
-              <a:t>*</a:t>
-            </a:r>
-            <a:r>
-              <a:rPr lang="fr-FR" b="1" dirty="0" smtClean="0"/>
-              <a:t>Etapes </a:t>
-            </a:r>
             <a:r>
               <a:rPr lang="fr-FR" b="1" dirty="0" err="1" smtClean="0"/>
-              <a:t>suivé</a:t>
-            </a:r>
-            <a:r>
-              <a:rPr lang="fr-FR" b="1" dirty="0" smtClean="0"/>
-              <a:t> par le </a:t>
-            </a:r>
-            <a:r>
-              <a:rPr lang="fr-FR" b="1" dirty="0" err="1" smtClean="0"/>
-              <a:t>developeur</a:t>
+              <a:t>Gitflow</a:t>
             </a:r>
             <a:r>
               <a:rPr lang="fr-FR" b="1" dirty="0" smtClean="0"/>
               <a:t>:</a:t>
             </a:r>
-          </a:p>
-          <a:p>
-            <a:r>
-              <a:rPr lang="fr-FR" dirty="0" smtClean="0"/>
-              <a:t>1.cloner</a:t>
-            </a:r>
-          </a:p>
-          <a:p>
-            <a:r>
-              <a:rPr lang="fr-FR" dirty="0" smtClean="0"/>
-              <a:t>2.faire des commits dans le branche principale locale</a:t>
-            </a:r>
-          </a:p>
-          <a:p>
-            <a:r>
-              <a:rPr lang="fr-FR" dirty="0" smtClean="0"/>
-              <a:t>3.fetch la </a:t>
-            </a:r>
-            <a:r>
-              <a:rPr lang="fr-FR" dirty="0" err="1" smtClean="0"/>
-              <a:t>branhe</a:t>
-            </a:r>
-            <a:r>
-              <a:rPr lang="fr-FR" dirty="0" smtClean="0"/>
-              <a:t> principale distante</a:t>
-            </a:r>
-          </a:p>
-          <a:p>
-            <a:r>
-              <a:rPr lang="fr-FR" dirty="0" smtClean="0"/>
-              <a:t>4.meger la </a:t>
-            </a:r>
-            <a:r>
-              <a:rPr lang="fr-FR" dirty="0" err="1" smtClean="0"/>
-              <a:t>brache</a:t>
-            </a:r>
-            <a:r>
-              <a:rPr lang="fr-FR" dirty="0" smtClean="0"/>
-              <a:t> principale distante</a:t>
-            </a:r>
-          </a:p>
-          <a:p>
-            <a:r>
-              <a:rPr lang="fr-FR" dirty="0" smtClean="0"/>
-              <a:t>5.pusher la branche principale local</a:t>
-            </a:r>
-          </a:p>
-          <a:p>
-            <a:r>
-              <a:rPr lang="fr-FR" dirty="0" smtClean="0"/>
-              <a:t>*****</a:t>
-            </a:r>
-          </a:p>
-          <a:p>
-            <a:r>
-              <a:rPr lang="fr-FR" b="1" dirty="0" err="1" smtClean="0"/>
-              <a:t>inconvignent</a:t>
-            </a:r>
-            <a:r>
-              <a:rPr lang="fr-FR" b="1" dirty="0" smtClean="0"/>
-              <a:t>:</a:t>
-            </a:r>
-          </a:p>
-          <a:p>
-            <a:r>
-              <a:rPr lang="fr-FR" b="0" dirty="0" smtClean="0"/>
-              <a:t>-utilise pas le potentiel donné par git</a:t>
-            </a:r>
-          </a:p>
-          <a:p>
-            <a:r>
-              <a:rPr lang="fr-FR" dirty="0" smtClean="0"/>
-              <a:t>-difficile de trouvé le moment stable pour faire un release de changement</a:t>
-            </a:r>
-          </a:p>
-          <a:p>
-            <a:r>
-              <a:rPr lang="fr-FR" dirty="0" smtClean="0"/>
-              <a:t>- beaucoup de conflits, développé d’autre fonctionnalité et réglé les problème</a:t>
-            </a:r>
-          </a:p>
-          <a:p>
-            <a:r>
-              <a:rPr lang="fr-FR" dirty="0" smtClean="0"/>
-              <a:t>-difficile de supprimé et de restauré des fonctionnaliste</a:t>
-            </a:r>
-          </a:p>
-          <a:p>
-            <a:r>
-              <a:rPr lang="fr-FR" dirty="0" smtClean="0"/>
-              <a:t>-Perte de temps dans le réglage de conflit au lieu le développement</a:t>
-            </a:r>
-          </a:p>
-          <a:p>
-            <a:r>
-              <a:rPr lang="fr-FR" dirty="0" smtClean="0"/>
-              <a:t>////</a:t>
-            </a:r>
-          </a:p>
-          <a:p>
-            <a:r>
-              <a:rPr lang="fr-FR" b="1" dirty="0" smtClean="0"/>
-              <a:t>Workflow de </a:t>
-            </a:r>
-            <a:r>
-              <a:rPr lang="fr-FR" b="1" dirty="0" err="1" smtClean="0"/>
-              <a:t>branch</a:t>
-            </a:r>
-            <a:r>
-              <a:rPr lang="fr-FR" b="1" dirty="0" smtClean="0"/>
-              <a:t> par fonctionnalité:</a:t>
-            </a:r>
-          </a:p>
-          <a:p>
-            <a:r>
-              <a:rPr lang="fr-FR" dirty="0" smtClean="0"/>
-              <a:t>Extension de précédant, branche master est l’historique officiel du projet contient code stable et déployable.il y’à toujours un dépôt centralisé .mais au lieu de pusher dans la branche master, Le développeur créer une nouvelle branche(branche fonctionnelle) à chaque fois qu’il commencent de créer une nouvelle fonctionnalité. La branche fonctionnelle doit avoir un nom descriptive.</a:t>
-            </a:r>
-          </a:p>
-          <a:p>
-            <a:pPr marL="0" marR="0" lvl="0" indent="0" algn="l" defTabSz="914400" rtl="0" eaLnBrk="1" fontAlgn="auto" latinLnBrk="0" hangingPunct="1">
-              <a:lnSpc>
-                <a:spcPct val="100000"/>
-              </a:lnSpc>
-              <a:spcBef>
-                <a:spcPts val="0"/>
-              </a:spcBef>
-              <a:spcAft>
-                <a:spcPts val="0"/>
-              </a:spcAft>
-              <a:buClrTx/>
-              <a:buSzTx/>
-              <a:buFontTx/>
-              <a:buNone/>
-              <a:tabLst/>
-              <a:defRPr/>
-            </a:pPr>
-            <a:r>
-              <a:rPr lang="fr-FR" dirty="0" smtClean="0"/>
-              <a:t>-Une fois la fonctionne est terminée le développeur suit les étapes ci dessous:</a:t>
-            </a:r>
-          </a:p>
-          <a:p>
-            <a:r>
-              <a:rPr lang="fr-FR" b="1" dirty="0" smtClean="0"/>
-              <a:t>I)methode1</a:t>
-            </a:r>
-          </a:p>
-          <a:p>
-            <a:r>
-              <a:rPr lang="fr-FR" dirty="0" smtClean="0"/>
-              <a:t>1.Cloner le dépôt distant</a:t>
-            </a:r>
-          </a:p>
-          <a:p>
-            <a:r>
-              <a:rPr lang="fr-FR" dirty="0" smtClean="0"/>
-              <a:t>2.Créer une branche de fonction depuis la branche principale</a:t>
-            </a:r>
-          </a:p>
-          <a:p>
-            <a:r>
-              <a:rPr lang="fr-FR" dirty="0" smtClean="0"/>
-              <a:t>3.Faire les commits dans feature branche.</a:t>
-            </a:r>
-          </a:p>
-          <a:p>
-            <a:r>
-              <a:rPr lang="fr-FR" dirty="0" smtClean="0"/>
-              <a:t>4.Pull la branche principale distante</a:t>
-            </a:r>
-          </a:p>
-          <a:p>
-            <a:r>
-              <a:rPr lang="fr-FR" dirty="0" smtClean="0"/>
-              <a:t>5.Mergé la branche de fonction on vers la branche principale</a:t>
-            </a:r>
-          </a:p>
-          <a:p>
-            <a:r>
-              <a:rPr lang="fr-FR" dirty="0" smtClean="0"/>
-              <a:t>6.Pusher la branche principale </a:t>
-            </a:r>
-          </a:p>
-          <a:p>
-            <a:r>
-              <a:rPr lang="fr-FR" dirty="0" smtClean="0"/>
-              <a:t>7.supprimé la branche fonctionnel</a:t>
-            </a:r>
-          </a:p>
-          <a:p>
-            <a:r>
-              <a:rPr lang="fr-FR" dirty="0" smtClean="0"/>
-              <a:t>II)</a:t>
-            </a:r>
-            <a:r>
-              <a:rPr lang="fr-FR" b="1" dirty="0" err="1" smtClean="0"/>
-              <a:t>Methode</a:t>
-            </a:r>
             <a:r>
               <a:rPr lang="fr-FR" b="1" baseline="0" dirty="0" smtClean="0"/>
-              <a:t> 2(PR)</a:t>
-            </a:r>
-          </a:p>
-          <a:p>
-            <a:r>
-              <a:rPr lang="fr-FR" dirty="0" smtClean="0"/>
-              <a:t>avant que la branche</a:t>
+              <a:t> </a:t>
+            </a:r>
+            <a:r>
+              <a:rPr lang="fr-FR" b="0" baseline="0" dirty="0" smtClean="0"/>
+              <a:t>modèle de branchement de projet git, </a:t>
             </a:r>
             <a:r>
               <a:rPr lang="fr-FR" baseline="0" dirty="0" smtClean="0"/>
-              <a:t> soit mergé à la branche master doit être vérifié et contrôlé qu’il contient pas d’</a:t>
+              <a:t>chaque branch à un rôle spécifique.</a:t>
+            </a:r>
+            <a:r>
+              <a:rPr lang="fr-FR" baseline="0" dirty="0" smtClean="0"/>
+              <a:t> comment et quand il faut que les branches vont interagir. Ce qui fait une grande aide dans l’implémentation de  processus d’</a:t>
             </a:r>
             <a:r>
               <a:rPr lang="fr-FR" baseline="0" dirty="0" err="1" smtClean="0"/>
-              <a:t>erreur.le</a:t>
+              <a:t>inrtégration</a:t>
             </a:r>
             <a:r>
               <a:rPr lang="fr-FR" baseline="0" dirty="0" smtClean="0"/>
-              <a:t> développeur  réer un </a:t>
-            </a:r>
-            <a:r>
-              <a:rPr lang="fr-FR" dirty="0" smtClean="0"/>
-              <a:t>pull </a:t>
-            </a:r>
-            <a:r>
-              <a:rPr lang="fr-FR" dirty="0" err="1" smtClean="0"/>
-              <a:t>request.puis</a:t>
-            </a:r>
-            <a:r>
-              <a:rPr lang="fr-FR" dirty="0" smtClean="0"/>
-              <a:t> les autre membre revoit le code et laisse des commentaires</a:t>
+              <a:t> continue et le processus de livraison continue. </a:t>
+            </a:r>
+          </a:p>
+          <a:p>
+            <a:r>
+              <a:rPr lang="fr-FR" b="1" baseline="0" dirty="0" smtClean="0"/>
+              <a:t>Main</a:t>
             </a:r>
             <a:r>
               <a:rPr lang="fr-FR" baseline="0" dirty="0" smtClean="0"/>
-              <a:t> une fois c’est bon il mergent.</a:t>
-            </a:r>
-          </a:p>
-          <a:p>
+              <a:t> :créer au </a:t>
+            </a:r>
+            <a:r>
+              <a:rPr lang="fr-FR" baseline="0" dirty="0" err="1" smtClean="0"/>
+              <a:t>debut</a:t>
+            </a:r>
             <a:r>
               <a:rPr lang="fr-FR" baseline="0" dirty="0" smtClean="0"/>
-              <a:t>Les étapes comme c’est dessus.</a:t>
-            </a:r>
-          </a:p>
-          <a:p>
-            <a:r>
-              <a:rPr lang="fr-FR" dirty="0" smtClean="0"/>
-              <a:t>1.Cloner le dépôt distant</a:t>
-            </a:r>
-          </a:p>
-          <a:p>
-            <a:r>
-              <a:rPr lang="fr-FR" dirty="0" smtClean="0"/>
-              <a:t>2.Créer une branche de fonction depuis la branche principale</a:t>
-            </a:r>
-          </a:p>
-          <a:p>
-            <a:r>
-              <a:rPr lang="fr-FR" dirty="0" smtClean="0"/>
-              <a:t>3.Faire les commits dans feature branche.et pusher le travail dans la branche de même nom dans le serveur</a:t>
-            </a:r>
-          </a:p>
-          <a:p>
-            <a:r>
-              <a:rPr lang="fr-FR" dirty="0" smtClean="0"/>
-              <a:t>4.Si on à</a:t>
+              <a:t> du projet et maintenue tout au long du processus de </a:t>
+            </a:r>
+            <a:r>
+              <a:rPr lang="fr-FR" baseline="0" dirty="0" err="1" smtClean="0"/>
+              <a:t>développent.tagé</a:t>
             </a:r>
             <a:r>
               <a:rPr lang="fr-FR" baseline="0" dirty="0" smtClean="0"/>
-              <a:t> besoin d’aide ou de feedback ou qu’on pense que la branche est prête pour mergé on ouvre une pull request.</a:t>
-            </a:r>
-          </a:p>
-          <a:p>
-            <a:r>
-              <a:rPr lang="fr-FR" baseline="0" dirty="0" smtClean="0"/>
-              <a:t>5.Apré que le code soit revue et signé par les </a:t>
-            </a:r>
-            <a:r>
-              <a:rPr lang="fr-FR" baseline="0" dirty="0" err="1" smtClean="0"/>
-              <a:t>reviewer</a:t>
-            </a:r>
-            <a:r>
-              <a:rPr lang="fr-FR" baseline="0" dirty="0" smtClean="0"/>
-              <a:t> on peut la mergé vers master.</a:t>
-            </a:r>
-          </a:p>
-          <a:p>
-            <a:r>
-              <a:rPr lang="fr-FR" baseline="0" dirty="0" smtClean="0"/>
-              <a:t>6.Unr fois mergé à master, la fonction est prête pour déploiement.</a:t>
-            </a:r>
-          </a:p>
-          <a:p>
-            <a:r>
-              <a:rPr lang="fr-FR" b="1" dirty="0" smtClean="0"/>
-              <a:t>Avantages:</a:t>
-            </a:r>
-          </a:p>
-          <a:p>
-            <a:r>
-              <a:rPr lang="fr-FR" dirty="0" smtClean="0"/>
-              <a:t>-Partagé une fonction sans touché au code officiel.</a:t>
-            </a:r>
-          </a:p>
-          <a:p>
-            <a:r>
-              <a:rPr lang="fr-FR" dirty="0" smtClean="0"/>
-              <a:t>-Promouvoir la collaboration  avec des pull request et </a:t>
-            </a:r>
-            <a:r>
-              <a:rPr lang="fr-FR" dirty="0" err="1" smtClean="0"/>
-              <a:t>mege</a:t>
-            </a:r>
-            <a:r>
-              <a:rPr lang="fr-FR" dirty="0" smtClean="0"/>
-              <a:t> de revue </a:t>
-            </a:r>
-          </a:p>
-          <a:p>
-            <a:r>
-              <a:rPr lang="fr-FR" dirty="0" smtClean="0"/>
-              <a:t>-permet de travailler sans perturbé le code de base et la branche principale ne contient pas d’erreur.</a:t>
-            </a:r>
-          </a:p>
-          <a:p>
-            <a:r>
-              <a:rPr lang="fr-FR" dirty="0" smtClean="0"/>
-              <a:t>-idéal quand</a:t>
-            </a:r>
-            <a:r>
-              <a:rPr lang="fr-FR" baseline="0" dirty="0" smtClean="0"/>
-              <a:t> on à besoin de maintenir une seule version dans la production.</a:t>
-            </a:r>
-          </a:p>
-          <a:p>
-            <a:r>
-              <a:rPr lang="fr-FR" b="1" baseline="0" dirty="0" err="1" smtClean="0"/>
-              <a:t>Invonvignant</a:t>
-            </a:r>
+              <a:t> en plusieurs commits dans le but de montré  les différentes versions </a:t>
+            </a:r>
+            <a:r>
+              <a:rPr lang="fr-FR" baseline="0" smtClean="0"/>
+              <a:t>du code.</a:t>
+            </a:r>
+            <a:endParaRPr lang="fr-FR" baseline="0" dirty="0" smtClean="0"/>
+          </a:p>
+          <a:p>
             <a:r>
               <a:rPr lang="fr-FR" b="1" baseline="0" dirty="0" smtClean="0"/>
-              <a:t>:</a:t>
-            </a:r>
-          </a:p>
-          <a:p>
-            <a:r>
-              <a:rPr lang="fr-FR" b="0" dirty="0" smtClean="0"/>
-              <a:t>1.Le</a:t>
-            </a:r>
+              <a:t>Avantages </a:t>
+            </a:r>
+          </a:p>
+          <a:p>
             <a:r>
               <a:rPr lang="fr-FR" b="0" baseline="0" dirty="0" smtClean="0"/>
-              <a:t> code de production peut être instable fréquemment.</a:t>
-            </a:r>
-          </a:p>
-          <a:p>
-            <a:r>
-              <a:rPr lang="fr-FR" b="0" baseline="0" dirty="0" smtClean="0"/>
-              <a:t>2.Non adéquate quand on à besoin de plans de release.</a:t>
-            </a:r>
-          </a:p>
-          <a:p>
-            <a:r>
-              <a:rPr lang="fr-FR" b="0" baseline="0" dirty="0" smtClean="0"/>
-              <a:t>3.Résout rien en terme déploiement, environnements, et release.</a:t>
-            </a:r>
-          </a:p>
-          <a:p>
-            <a:r>
-              <a:rPr lang="fr-FR" b="0" baseline="0" dirty="0" smtClean="0"/>
-              <a:t>4.n’est pas recommandé quand à besoin de  multiple versions on production.</a:t>
-            </a:r>
-          </a:p>
-          <a:p>
-            <a:endParaRPr lang="fr-FR" b="0" baseline="0" dirty="0" smtClean="0"/>
-          </a:p>
-          <a:p>
-            <a:endParaRPr lang="fr-FR" b="0" dirty="0" smtClean="0"/>
-          </a:p>
-          <a:p>
-            <a:endParaRPr lang="fr-FR" baseline="0" dirty="0" smtClean="0"/>
-          </a:p>
-          <a:p>
-            <a:endParaRPr lang="fr-FR" dirty="0" smtClean="0"/>
-          </a:p>
-          <a:p>
-            <a:endParaRPr lang="fr-FR" dirty="0" smtClean="0"/>
+              <a:t>Nous permet de vérifie chaque ligne de code avant qu’elle soit intégré dans les version</a:t>
+            </a:r>
+            <a:endParaRPr lang="fr-FR" b="0" dirty="0"/>
           </a:p>
         </p:txBody>
       </p:sp>
@@ -3518,7 +3454,7 @@
     </p:spTree>
     <p:extLst>
       <p:ext uri="{BB962C8B-B14F-4D97-AF65-F5344CB8AC3E}">
-        <p14:creationId xmlns:p14="http://schemas.microsoft.com/office/powerpoint/2010/main" val="1616699120"/>
+        <p14:creationId xmlns:p14="http://schemas.microsoft.com/office/powerpoint/2010/main" val="3360771940"/>
       </p:ext>
     </p:extLst>
   </p:cSld>
@@ -3573,26 +3509,38 @@
           <a:lstStyle/>
           <a:p>
             <a:r>
-              <a:rPr lang="fr-FR" dirty="0" smtClean="0"/>
-              <a:t>Deux branches distinctes  modifie</a:t>
+              <a:rPr lang="fr-FR" b="1" dirty="0" err="1" smtClean="0"/>
+              <a:t>Gitflow</a:t>
+            </a:r>
+            <a:r>
+              <a:rPr lang="fr-FR" b="1" dirty="0" smtClean="0"/>
+              <a:t>:</a:t>
+            </a:r>
+            <a:r>
+              <a:rPr lang="fr-FR" b="1" baseline="0" dirty="0" smtClean="0"/>
+              <a:t> </a:t>
             </a:r>
             <a:r>
               <a:rPr lang="fr-FR" baseline="0" dirty="0" smtClean="0"/>
-              <a:t> le me fichier</a:t>
-            </a:r>
-          </a:p>
-          <a:p>
+              <a:t>chaque branch à un rôle spécifique.</a:t>
+            </a:r>
             <a:r>
               <a:rPr lang="fr-FR" baseline="0" dirty="0" smtClean="0"/>
-              <a:t>Les conflits sont couteux et prend de temps</a:t>
-            </a:r>
-          </a:p>
-          <a:p>
-            <a:r>
-              <a:rPr lang="fr-FR" baseline="0" dirty="0" smtClean="0"/>
-              <a:t>Les conflits affecte la personne qui à fait le merge </a:t>
-            </a:r>
-            <a:endParaRPr lang="fr-FR" dirty="0"/>
+              <a:t> comment et quand il faut que les branches vont interagir</a:t>
+            </a:r>
+          </a:p>
+          <a:p>
+            <a:r>
+              <a:rPr lang="fr-FR" b="1" baseline="0" dirty="0" smtClean="0"/>
+              <a:t>Avantages </a:t>
+            </a:r>
+          </a:p>
+          <a:p>
+            <a:r>
+              <a:rPr lang="fr-FR" b="0" baseline="0" dirty="0" smtClean="0"/>
+              <a:t>Nous permet de vérifie chaque ligne de code avant qu’elle soit intégré dans les version</a:t>
+            </a:r>
+            <a:endParaRPr lang="fr-FR" b="0" dirty="0"/>
           </a:p>
         </p:txBody>
       </p:sp>
@@ -3613,7 +3561,7 @@
           <a:p>
             <a:fld id="{852BFB1F-A0B8-45F9-8B0C-AE6AABDE724A}" type="slidenum">
               <a:rPr lang="fr-FR" smtClean="0"/>
-              <a:t>20</a:t>
+              <a:t>19</a:t>
             </a:fld>
             <a:endParaRPr lang="fr-FR"/>
           </a:p>
@@ -3622,7 +3570,7 @@
     </p:spTree>
     <p:extLst>
       <p:ext uri="{BB962C8B-B14F-4D97-AF65-F5344CB8AC3E}">
-        <p14:creationId xmlns:p14="http://schemas.microsoft.com/office/powerpoint/2010/main" val="1501855701"/>
+        <p14:creationId xmlns:p14="http://schemas.microsoft.com/office/powerpoint/2010/main" val="1037720347"/>
       </p:ext>
     </p:extLst>
   </p:cSld>
@@ -3676,28 +3624,632 @@
           <a:bodyPr/>
           <a:lstStyle/>
           <a:p>
-            <a:r>
-              <a:rPr lang="fr-FR" dirty="0" smtClean="0"/>
-              <a:t>On peut toujours retourné à l’état avent le merge avec la commande « git merge –</a:t>
-            </a:r>
-            <a:r>
-              <a:rPr lang="fr-FR" dirty="0" err="1" smtClean="0"/>
-              <a:t>abort</a:t>
-            </a:r>
-            <a:r>
-              <a:rPr lang="fr-FR" dirty="0" smtClean="0"/>
-              <a:t> »</a:t>
-            </a:r>
-          </a:p>
-          <a:p>
-            <a:endParaRPr lang="fr-FR" dirty="0" smtClean="0"/>
-          </a:p>
-          <a:p>
-            <a:r>
-              <a:rPr lang="fr-FR" dirty="0" smtClean="0"/>
-              <a:t>si</a:t>
-            </a:r>
-            <a:endParaRPr lang="fr-FR" dirty="0"/>
+            <a:pPr marL="228600" indent="-228600">
+              <a:buFont typeface="+mj-lt"/>
+              <a:buAutoNum type="arabicPeriod"/>
+            </a:pPr>
+            <a:r>
+              <a:rPr lang="fr-FR" sz="1200" b="1" dirty="0" smtClean="0"/>
+              <a:t>Master:</a:t>
+            </a:r>
+            <a:r>
+              <a:rPr lang="fr-FR" sz="1200" b="0" dirty="0" smtClean="0"/>
+              <a:t> et stable est un avantage en</a:t>
+            </a:r>
+            <a:r>
+              <a:rPr lang="fr-FR" sz="1200" b="0" baseline="0" dirty="0" smtClean="0"/>
+              <a:t> cas de problème dans les autre branches. souvent utilisé comme branche d’intégration pour la branche develop.</a:t>
+            </a:r>
+          </a:p>
+          <a:p>
+            <a:pPr marL="228600" indent="-228600">
+              <a:buFont typeface="+mj-lt"/>
+              <a:buAutoNum type="arabicPeriod"/>
+            </a:pPr>
+            <a:r>
+              <a:rPr lang="en-US" sz="1200" b="1" i="0" kern="1200" dirty="0" smtClean="0">
+                <a:solidFill>
+                  <a:schemeClr val="tx1"/>
+                </a:solidFill>
+                <a:effectLst/>
+                <a:latin typeface="+mn-lt"/>
+                <a:ea typeface="+mn-ea"/>
+                <a:cs typeface="+mn-cs"/>
+              </a:rPr>
+              <a:t>La branch develop: </a:t>
+            </a:r>
+            <a:r>
+              <a:rPr lang="en-US" sz="1200" b="0" i="0" kern="1200" dirty="0" smtClean="0">
+                <a:solidFill>
+                  <a:schemeClr val="tx1"/>
+                </a:solidFill>
+                <a:effectLst/>
+                <a:latin typeface="+mn-lt"/>
+                <a:ea typeface="+mn-ea"/>
+                <a:cs typeface="+mn-cs"/>
+              </a:rPr>
+              <a:t>est </a:t>
+            </a:r>
+            <a:r>
+              <a:rPr lang="fr-FR" sz="1200" b="0" i="0" kern="1200" noProof="0" dirty="0" smtClean="0">
+                <a:solidFill>
+                  <a:schemeClr val="tx1"/>
+                </a:solidFill>
+                <a:effectLst/>
+                <a:latin typeface="+mn-lt"/>
+                <a:ea typeface="+mn-ea"/>
+                <a:cs typeface="+mn-cs"/>
+              </a:rPr>
+              <a:t>souvent</a:t>
+            </a:r>
+            <a:r>
+              <a:rPr lang="en-US" sz="1200" b="0" i="0" kern="1200" dirty="0" smtClean="0">
+                <a:solidFill>
+                  <a:schemeClr val="tx1"/>
+                </a:solidFill>
+                <a:effectLst/>
+                <a:latin typeface="+mn-lt"/>
+                <a:ea typeface="+mn-ea"/>
+                <a:cs typeface="+mn-cs"/>
+              </a:rPr>
+              <a:t> </a:t>
+            </a:r>
+            <a:r>
+              <a:rPr lang="fr-FR" sz="1200" b="0" i="0" kern="1200" noProof="0" dirty="0" smtClean="0">
+                <a:solidFill>
+                  <a:schemeClr val="tx1"/>
+                </a:solidFill>
+                <a:effectLst/>
+                <a:latin typeface="+mn-lt"/>
+                <a:ea typeface="+mn-ea"/>
+                <a:cs typeface="+mn-cs"/>
+              </a:rPr>
+              <a:t>utilisé</a:t>
+            </a:r>
+            <a:r>
+              <a:rPr lang="en-US" sz="1200" b="0" i="0" kern="1200" dirty="0" smtClean="0">
+                <a:solidFill>
+                  <a:schemeClr val="tx1"/>
+                </a:solidFill>
+                <a:effectLst/>
+                <a:latin typeface="+mn-lt"/>
+                <a:ea typeface="+mn-ea"/>
+                <a:cs typeface="+mn-cs"/>
+              </a:rPr>
+              <a:t> </a:t>
+            </a:r>
+            <a:r>
+              <a:rPr lang="fr-FR" sz="1200" b="0" i="0" kern="1200" noProof="0" dirty="0" smtClean="0">
+                <a:solidFill>
+                  <a:schemeClr val="tx1"/>
+                </a:solidFill>
+                <a:effectLst/>
+                <a:latin typeface="+mn-lt"/>
+                <a:ea typeface="+mn-ea"/>
+                <a:cs typeface="+mn-cs"/>
+              </a:rPr>
+              <a:t>comme</a:t>
+            </a:r>
+            <a:r>
+              <a:rPr lang="en-US" sz="1200" b="0" i="0" kern="1200" baseline="0" dirty="0" smtClean="0">
+                <a:solidFill>
+                  <a:schemeClr val="tx1"/>
+                </a:solidFill>
+                <a:effectLst/>
+                <a:latin typeface="+mn-lt"/>
+                <a:ea typeface="+mn-ea"/>
+                <a:cs typeface="+mn-cs"/>
+              </a:rPr>
+              <a:t> </a:t>
+            </a:r>
+            <a:r>
+              <a:rPr lang="fr-FR" sz="1200" b="0" i="0" kern="1200" baseline="0" noProof="0" dirty="0" smtClean="0">
+                <a:solidFill>
+                  <a:schemeClr val="tx1"/>
+                </a:solidFill>
+                <a:effectLst/>
+                <a:latin typeface="+mn-lt"/>
+                <a:ea typeface="+mn-ea"/>
+                <a:cs typeface="+mn-cs"/>
+              </a:rPr>
+              <a:t>branche</a:t>
+            </a:r>
+            <a:r>
+              <a:rPr lang="en-US" sz="1200" b="0" i="0" kern="1200" baseline="0" dirty="0" smtClean="0">
+                <a:solidFill>
+                  <a:schemeClr val="tx1"/>
+                </a:solidFill>
+                <a:effectLst/>
+                <a:latin typeface="+mn-lt"/>
+                <a:ea typeface="+mn-ea"/>
+                <a:cs typeface="+mn-cs"/>
+              </a:rPr>
+              <a:t> </a:t>
+            </a:r>
+            <a:r>
+              <a:rPr lang="fr-FR" sz="1200" b="0" i="0" kern="1200" baseline="0" noProof="0" dirty="0" smtClean="0">
+                <a:solidFill>
+                  <a:schemeClr val="tx1"/>
+                </a:solidFill>
+                <a:effectLst/>
+                <a:latin typeface="+mn-lt"/>
+                <a:ea typeface="+mn-ea"/>
+                <a:cs typeface="+mn-cs"/>
+              </a:rPr>
+              <a:t>d’</a:t>
+            </a:r>
+            <a:r>
+              <a:rPr lang="fr-FR" sz="1200" b="0" i="0" kern="1200" baseline="0" noProof="0" dirty="0" err="1" smtClean="0">
+                <a:solidFill>
+                  <a:schemeClr val="tx1"/>
+                </a:solidFill>
+                <a:effectLst/>
+                <a:latin typeface="+mn-lt"/>
+                <a:ea typeface="+mn-ea"/>
+                <a:cs typeface="+mn-cs"/>
+              </a:rPr>
+              <a:t>integration</a:t>
+            </a:r>
+            <a:r>
+              <a:rPr lang="en-US" sz="1200" b="0" i="0" kern="1200" baseline="0" dirty="0" smtClean="0">
+                <a:solidFill>
+                  <a:schemeClr val="tx1"/>
+                </a:solidFill>
+                <a:effectLst/>
+                <a:latin typeface="+mn-lt"/>
+                <a:ea typeface="+mn-ea"/>
+                <a:cs typeface="+mn-cs"/>
+              </a:rPr>
+              <a:t> pour les branches de </a:t>
+            </a:r>
+            <a:r>
+              <a:rPr lang="fr-FR" sz="1200" b="0" i="0" kern="1200" baseline="0" noProof="0" dirty="0" smtClean="0">
+                <a:solidFill>
+                  <a:schemeClr val="tx1"/>
+                </a:solidFill>
+                <a:effectLst/>
+                <a:latin typeface="+mn-lt"/>
+                <a:ea typeface="+mn-ea"/>
+                <a:cs typeface="+mn-cs"/>
+              </a:rPr>
+              <a:t>fonction</a:t>
+            </a:r>
+            <a:endParaRPr lang="fr-FR" sz="1200" b="0" i="0" kern="1200" noProof="0" dirty="0" smtClean="0">
+              <a:solidFill>
+                <a:schemeClr val="tx1"/>
+              </a:solidFill>
+              <a:effectLst/>
+              <a:latin typeface="+mn-lt"/>
+              <a:ea typeface="+mn-ea"/>
+              <a:cs typeface="+mn-cs"/>
+            </a:endParaRPr>
+          </a:p>
+          <a:p>
+            <a:pPr marL="228600" indent="-228600">
+              <a:buFont typeface="+mj-lt"/>
+              <a:buAutoNum type="arabicPeriod"/>
+            </a:pPr>
+            <a:r>
+              <a:rPr lang="fr-FR" sz="1200" b="1" i="0" kern="1200" baseline="0" noProof="0" dirty="0" smtClean="0">
+                <a:solidFill>
+                  <a:schemeClr val="tx1"/>
+                </a:solidFill>
+                <a:effectLst/>
+                <a:latin typeface="+mn-lt"/>
+                <a:ea typeface="+mn-ea"/>
+                <a:cs typeface="+mn-cs"/>
+              </a:rPr>
+              <a:t>Branche  de fonction: </a:t>
+            </a:r>
+            <a:r>
+              <a:rPr lang="en-US" sz="1200" b="0" i="0" kern="1200" baseline="0" dirty="0" smtClean="0">
+                <a:solidFill>
+                  <a:schemeClr val="tx1"/>
+                </a:solidFill>
+                <a:effectLst/>
+                <a:latin typeface="+mn-lt"/>
+                <a:ea typeface="+mn-ea"/>
+                <a:cs typeface="+mn-cs"/>
+              </a:rPr>
+              <a:t>et </a:t>
+            </a:r>
+            <a:r>
+              <a:rPr lang="fr-FR" sz="1200" b="0" i="0" kern="1200" baseline="0" noProof="0" dirty="0" smtClean="0">
+                <a:solidFill>
+                  <a:schemeClr val="tx1"/>
+                </a:solidFill>
+                <a:effectLst/>
+                <a:latin typeface="+mn-lt"/>
+                <a:ea typeface="+mn-ea"/>
+                <a:cs typeface="+mn-cs"/>
+              </a:rPr>
+              <a:t>bifurqué </a:t>
+            </a:r>
+            <a:r>
+              <a:rPr lang="en-US" sz="1200" b="0" i="0" kern="1200" baseline="0" dirty="0" smtClean="0">
+                <a:solidFill>
+                  <a:schemeClr val="tx1"/>
+                </a:solidFill>
+                <a:effectLst/>
+                <a:latin typeface="+mn-lt"/>
+                <a:ea typeface="+mn-ea"/>
+                <a:cs typeface="+mn-cs"/>
+              </a:rPr>
+              <a:t>depuis </a:t>
+            </a:r>
+            <a:r>
+              <a:rPr lang="en-US" sz="1200" b="1" i="0" kern="1200" baseline="0" dirty="0" smtClean="0">
+                <a:solidFill>
+                  <a:schemeClr val="tx1"/>
+                </a:solidFill>
+                <a:effectLst/>
+                <a:latin typeface="+mn-lt"/>
+                <a:ea typeface="+mn-ea"/>
+                <a:cs typeface="+mn-cs"/>
+              </a:rPr>
+              <a:t>develop (le parent).</a:t>
+            </a:r>
+            <a:r>
+              <a:rPr lang="en-US" sz="1200" b="0" i="0" kern="1200" baseline="0" dirty="0" smtClean="0">
+                <a:solidFill>
+                  <a:schemeClr val="tx1"/>
+                </a:solidFill>
+                <a:effectLst/>
+                <a:latin typeface="+mn-lt"/>
+                <a:ea typeface="+mn-ea"/>
+                <a:cs typeface="+mn-cs"/>
+              </a:rPr>
+              <a:t>quant on </a:t>
+            </a:r>
+            <a:r>
+              <a:rPr lang="fr-FR" sz="1200" b="0" i="0" kern="1200" baseline="0" noProof="0" dirty="0" smtClean="0">
+                <a:solidFill>
+                  <a:schemeClr val="tx1"/>
+                </a:solidFill>
+                <a:effectLst/>
+                <a:latin typeface="+mn-lt"/>
+                <a:ea typeface="+mn-ea"/>
+                <a:cs typeface="+mn-cs"/>
+              </a:rPr>
+              <a:t>termine</a:t>
+            </a:r>
+            <a:r>
+              <a:rPr lang="en-US" sz="1200" b="0" i="0" kern="1200" baseline="0" dirty="0" smtClean="0">
+                <a:solidFill>
+                  <a:schemeClr val="tx1"/>
+                </a:solidFill>
+                <a:effectLst/>
+                <a:latin typeface="+mn-lt"/>
+                <a:ea typeface="+mn-ea"/>
+                <a:cs typeface="+mn-cs"/>
+              </a:rPr>
+              <a:t> de implementation de la fonction on l’intègre a </a:t>
+            </a:r>
+            <a:r>
+              <a:rPr lang="en-US" sz="1200" b="1" i="0" kern="1200" baseline="0" dirty="0" smtClean="0">
+                <a:solidFill>
+                  <a:schemeClr val="tx1"/>
+                </a:solidFill>
+                <a:effectLst/>
+                <a:latin typeface="+mn-lt"/>
+                <a:ea typeface="+mn-ea"/>
+                <a:cs typeface="+mn-cs"/>
+              </a:rPr>
+              <a:t>develop</a:t>
+            </a:r>
+            <a:r>
+              <a:rPr lang="en-US" sz="1200" b="0" i="0" kern="1200" baseline="0" dirty="0" smtClean="0">
+                <a:solidFill>
+                  <a:schemeClr val="tx1"/>
+                </a:solidFill>
+                <a:effectLst/>
+                <a:latin typeface="+mn-lt"/>
+                <a:ea typeface="+mn-ea"/>
+                <a:cs typeface="+mn-cs"/>
+              </a:rPr>
+              <a:t>. Les branches fonction </a:t>
+            </a:r>
+            <a:r>
+              <a:rPr lang="en-US" sz="1200" b="0" i="0" kern="1200" baseline="0" dirty="0" err="1" smtClean="0">
+                <a:solidFill>
+                  <a:schemeClr val="tx1"/>
+                </a:solidFill>
+                <a:effectLst/>
+                <a:latin typeface="+mn-lt"/>
+                <a:ea typeface="+mn-ea"/>
+                <a:cs typeface="+mn-cs"/>
+              </a:rPr>
+              <a:t>n’interacte</a:t>
+            </a:r>
+            <a:r>
+              <a:rPr lang="en-US" sz="1200" b="0" i="0" kern="1200" baseline="0" dirty="0" smtClean="0">
+                <a:solidFill>
+                  <a:schemeClr val="tx1"/>
+                </a:solidFill>
+                <a:effectLst/>
+                <a:latin typeface="+mn-lt"/>
+                <a:ea typeface="+mn-ea"/>
+                <a:cs typeface="+mn-cs"/>
+              </a:rPr>
+              <a:t> jamais avec le master</a:t>
+            </a:r>
+          </a:p>
+          <a:p>
+            <a:pPr marL="228600" indent="-228600">
+              <a:buFont typeface="+mj-lt"/>
+              <a:buAutoNum type="arabicPeriod"/>
+            </a:pPr>
+            <a:r>
+              <a:rPr lang="en-US" sz="1200" b="1" i="0" kern="1200" baseline="0" dirty="0" err="1" smtClean="0">
+                <a:solidFill>
+                  <a:schemeClr val="tx1"/>
+                </a:solidFill>
+                <a:effectLst/>
+                <a:latin typeface="+mn-lt"/>
+                <a:ea typeface="+mn-ea"/>
+                <a:cs typeface="+mn-cs"/>
+              </a:rPr>
+              <a:t>Branche</a:t>
+            </a:r>
+            <a:r>
+              <a:rPr lang="en-US" sz="1200" b="1" i="0" kern="1200" baseline="0" dirty="0" smtClean="0">
+                <a:solidFill>
+                  <a:schemeClr val="tx1"/>
+                </a:solidFill>
+                <a:effectLst/>
+                <a:latin typeface="+mn-lt"/>
+                <a:ea typeface="+mn-ea"/>
+                <a:cs typeface="+mn-cs"/>
+              </a:rPr>
+              <a:t> release:</a:t>
+            </a:r>
+            <a:r>
+              <a:rPr lang="fr-FR" sz="1200" b="0" i="0" kern="1200" baseline="0" noProof="0" dirty="0" smtClean="0">
+                <a:solidFill>
+                  <a:schemeClr val="tx1"/>
+                </a:solidFill>
+                <a:effectLst/>
+                <a:latin typeface="+mn-lt"/>
+                <a:ea typeface="+mn-ea"/>
+                <a:cs typeface="+mn-cs"/>
+              </a:rPr>
+              <a:t>une fois la branche develop contient suffisamment de fonctionnalités une branche release est bifurque de develop. une fois créer pour un cycle de release aucune fonction ne peut êtres ajouté  a partir de ce point juste la tache de fixation de bug et d’autre taches relatives au release peuvent ajouté à cette branche une fois le release est fait on doit mergé ce release à la branche master avec un tag d’une nouvelle versions. aussi il  faut mergé le release vers la branche develop car il peut avoir des changement(progressé) qui sont pas dans develop. ces branches permet de </a:t>
+            </a:r>
+            <a:r>
+              <a:rPr lang="fr-FR" sz="1200" b="0" i="0" kern="1200" baseline="0" noProof="0" dirty="0" err="1" smtClean="0">
+                <a:solidFill>
+                  <a:schemeClr val="tx1"/>
+                </a:solidFill>
+                <a:effectLst/>
+                <a:latin typeface="+mn-lt"/>
+                <a:ea typeface="+mn-ea"/>
+                <a:cs typeface="+mn-cs"/>
+              </a:rPr>
+              <a:t>devisie</a:t>
+            </a:r>
+            <a:r>
+              <a:rPr lang="fr-FR" sz="1200" b="0" i="0" kern="1200" baseline="0" noProof="0" dirty="0" smtClean="0">
+                <a:solidFill>
+                  <a:schemeClr val="tx1"/>
+                </a:solidFill>
+                <a:effectLst/>
+                <a:latin typeface="+mn-lt"/>
+                <a:ea typeface="+mn-ea"/>
+                <a:cs typeface="+mn-cs"/>
+              </a:rPr>
+              <a:t> l’équipe une partie travail sur le release et l’autre pour développé des nouvelle fonctions pour la prochaine release </a:t>
+            </a:r>
+          </a:p>
+          <a:p>
+            <a:pPr marL="228600" indent="-228600" rtl="0">
+              <a:buFont typeface="+mj-lt"/>
+              <a:buAutoNum type="arabicPeriod"/>
+            </a:pPr>
+            <a:r>
+              <a:rPr lang="fr-FR" sz="1200" b="0" i="0" kern="1200" baseline="0" noProof="0" dirty="0" smtClean="0">
+                <a:solidFill>
+                  <a:schemeClr val="tx1"/>
+                </a:solidFill>
+                <a:effectLst/>
+                <a:latin typeface="+mn-lt"/>
+                <a:ea typeface="+mn-ea"/>
+                <a:cs typeface="+mn-cs"/>
+              </a:rPr>
+              <a:t>Hotfix: bifurqué depuis master utilisé pour corrigé rapidement la release en </a:t>
+            </a:r>
+            <a:r>
+              <a:rPr lang="fr-FR" sz="1200" b="0" i="0" kern="1200" baseline="0" noProof="0" dirty="0" err="1" smtClean="0">
+                <a:solidFill>
+                  <a:schemeClr val="tx1"/>
+                </a:solidFill>
+                <a:effectLst/>
+                <a:latin typeface="+mn-lt"/>
+                <a:ea typeface="+mn-ea"/>
+                <a:cs typeface="+mn-cs"/>
+              </a:rPr>
+              <a:t>production.dés</a:t>
+            </a:r>
+            <a:r>
+              <a:rPr lang="fr-FR" sz="1200" b="0" i="0" kern="1200" baseline="0" noProof="0" dirty="0" smtClean="0">
+                <a:solidFill>
+                  <a:schemeClr val="tx1"/>
+                </a:solidFill>
+                <a:effectLst/>
+                <a:latin typeface="+mn-lt"/>
+                <a:ea typeface="+mn-ea"/>
+                <a:cs typeface="+mn-cs"/>
+              </a:rPr>
+              <a:t> que le correctif est </a:t>
+            </a:r>
+            <a:r>
+              <a:rPr lang="fr-FR" sz="1200" b="0" i="0" kern="1200" baseline="0" noProof="0" dirty="0" err="1" smtClean="0">
+                <a:solidFill>
+                  <a:schemeClr val="tx1"/>
+                </a:solidFill>
+                <a:effectLst/>
+                <a:latin typeface="+mn-lt"/>
+                <a:ea typeface="+mn-ea"/>
+                <a:cs typeface="+mn-cs"/>
+              </a:rPr>
+              <a:t>deployé</a:t>
+            </a:r>
+            <a:r>
+              <a:rPr lang="fr-FR" sz="1200" b="0" i="0" kern="1200" baseline="0" noProof="0" dirty="0" smtClean="0">
+                <a:solidFill>
+                  <a:schemeClr val="tx1"/>
+                </a:solidFill>
+                <a:effectLst/>
+                <a:latin typeface="+mn-lt"/>
+                <a:ea typeface="+mn-ea"/>
+                <a:cs typeface="+mn-cs"/>
+              </a:rPr>
+              <a:t> cette branche doit </a:t>
+            </a:r>
+            <a:r>
+              <a:rPr lang="fr-FR" sz="1200" b="0" i="0" kern="1200" baseline="0" noProof="0" dirty="0" err="1" smtClean="0">
+                <a:solidFill>
+                  <a:schemeClr val="tx1"/>
+                </a:solidFill>
+                <a:effectLst/>
+                <a:latin typeface="+mn-lt"/>
+                <a:ea typeface="+mn-ea"/>
+                <a:cs typeface="+mn-cs"/>
+              </a:rPr>
+              <a:t>étre</a:t>
+            </a:r>
+            <a:r>
+              <a:rPr lang="fr-FR" sz="1200" b="0" i="0" kern="1200" baseline="0" noProof="0" dirty="0" smtClean="0">
+                <a:solidFill>
+                  <a:schemeClr val="tx1"/>
+                </a:solidFill>
+                <a:effectLst/>
+                <a:latin typeface="+mn-lt"/>
+                <a:ea typeface="+mn-ea"/>
+                <a:cs typeface="+mn-cs"/>
+              </a:rPr>
+              <a:t> mergé vers master et </a:t>
+            </a:r>
+            <a:r>
+              <a:rPr lang="fr-FR" sz="1200" b="0" i="0" kern="1200" baseline="0" noProof="0" dirty="0" err="1" smtClean="0">
+                <a:solidFill>
+                  <a:schemeClr val="tx1"/>
+                </a:solidFill>
+                <a:effectLst/>
+                <a:latin typeface="+mn-lt"/>
+                <a:ea typeface="+mn-ea"/>
+                <a:cs typeface="+mn-cs"/>
+              </a:rPr>
+              <a:t>develop.avoir</a:t>
+            </a:r>
+            <a:r>
+              <a:rPr lang="fr-FR" sz="1200" b="0" i="0" kern="1200" baseline="0" noProof="0" dirty="0" smtClean="0">
+                <a:solidFill>
+                  <a:schemeClr val="tx1"/>
+                </a:solidFill>
+                <a:effectLst/>
+                <a:latin typeface="+mn-lt"/>
+                <a:ea typeface="+mn-ea"/>
+                <a:cs typeface="+mn-cs"/>
+              </a:rPr>
+              <a:t> </a:t>
+            </a:r>
+            <a:r>
+              <a:rPr lang="fr-FR" sz="1200" b="0" i="0" kern="1200" baseline="0" noProof="0" dirty="0" err="1" smtClean="0">
+                <a:solidFill>
+                  <a:schemeClr val="tx1"/>
+                </a:solidFill>
+                <a:effectLst/>
+                <a:latin typeface="+mn-lt"/>
+                <a:ea typeface="+mn-ea"/>
+                <a:cs typeface="+mn-cs"/>
+              </a:rPr>
+              <a:t>unr</a:t>
+            </a:r>
+            <a:r>
+              <a:rPr lang="fr-FR" sz="1200" b="0" i="0" kern="1200" baseline="0" noProof="0" dirty="0" smtClean="0">
+                <a:solidFill>
+                  <a:schemeClr val="tx1"/>
+                </a:solidFill>
+                <a:effectLst/>
+                <a:latin typeface="+mn-lt"/>
+                <a:ea typeface="+mn-ea"/>
+                <a:cs typeface="+mn-cs"/>
+              </a:rPr>
+              <a:t> line de </a:t>
+            </a:r>
+            <a:r>
+              <a:rPr lang="fr-FR" sz="1200" b="0" i="0" kern="1200" baseline="0" noProof="0" dirty="0" err="1" smtClean="0">
+                <a:solidFill>
+                  <a:schemeClr val="tx1"/>
+                </a:solidFill>
+                <a:effectLst/>
+                <a:latin typeface="+mn-lt"/>
+                <a:ea typeface="+mn-ea"/>
+                <a:cs typeface="+mn-cs"/>
+              </a:rPr>
+              <a:t>developpement</a:t>
+            </a:r>
+            <a:r>
+              <a:rPr lang="fr-FR" sz="1200" b="0" i="0" kern="1200" baseline="0" noProof="0" dirty="0" smtClean="0">
+                <a:solidFill>
+                  <a:schemeClr val="tx1"/>
+                </a:solidFill>
+                <a:effectLst/>
+                <a:latin typeface="+mn-lt"/>
+                <a:ea typeface="+mn-ea"/>
+                <a:cs typeface="+mn-cs"/>
+              </a:rPr>
+              <a:t> pour la correction des bugs  nous </a:t>
+            </a:r>
+            <a:r>
+              <a:rPr lang="fr-FR" sz="1200" b="0" i="0" kern="1200" baseline="0" noProof="0" dirty="0" err="1" smtClean="0">
+                <a:solidFill>
+                  <a:schemeClr val="tx1"/>
+                </a:solidFill>
+                <a:effectLst/>
+                <a:latin typeface="+mn-lt"/>
+                <a:ea typeface="+mn-ea"/>
+                <a:cs typeface="+mn-cs"/>
+              </a:rPr>
+              <a:t>evitent</a:t>
+            </a:r>
+            <a:r>
+              <a:rPr lang="fr-FR" sz="1200" b="0" i="0" kern="1200" baseline="0" noProof="0" dirty="0" smtClean="0">
+                <a:solidFill>
+                  <a:schemeClr val="tx1"/>
+                </a:solidFill>
+                <a:effectLst/>
+                <a:latin typeface="+mn-lt"/>
+                <a:ea typeface="+mn-ea"/>
+                <a:cs typeface="+mn-cs"/>
+              </a:rPr>
+              <a:t> l’</a:t>
+            </a:r>
+            <a:r>
+              <a:rPr lang="fr-FR" sz="1200" b="0" i="0" kern="1200" baseline="0" noProof="0" dirty="0" err="1" smtClean="0">
+                <a:solidFill>
+                  <a:schemeClr val="tx1"/>
+                </a:solidFill>
+                <a:effectLst/>
+                <a:latin typeface="+mn-lt"/>
+                <a:ea typeface="+mn-ea"/>
+                <a:cs typeface="+mn-cs"/>
+              </a:rPr>
+              <a:t>interuption</a:t>
+            </a:r>
+            <a:r>
+              <a:rPr lang="fr-FR" sz="1200" b="0" i="0" kern="1200" baseline="0" noProof="0" dirty="0" smtClean="0">
+                <a:solidFill>
+                  <a:schemeClr val="tx1"/>
+                </a:solidFill>
+                <a:effectLst/>
+                <a:latin typeface="+mn-lt"/>
+                <a:ea typeface="+mn-ea"/>
+                <a:cs typeface="+mn-cs"/>
+              </a:rPr>
+              <a:t> de reste du  workflow et attendre la prochaine release	</a:t>
+            </a:r>
+            <a:endParaRPr lang="fr-FR" b="0" noProof="0" dirty="0"/>
           </a:p>
         </p:txBody>
       </p:sp>
@@ -3718,7 +4270,7 @@
           <a:p>
             <a:fld id="{852BFB1F-A0B8-45F9-8B0C-AE6AABDE724A}" type="slidenum">
               <a:rPr lang="fr-FR" smtClean="0"/>
-              <a:t>21</a:t>
+              <a:t>20</a:t>
             </a:fld>
             <a:endParaRPr lang="fr-FR"/>
           </a:p>
@@ -3727,7 +4279,7 @@
     </p:spTree>
     <p:extLst>
       <p:ext uri="{BB962C8B-B14F-4D97-AF65-F5344CB8AC3E}">
-        <p14:creationId xmlns:p14="http://schemas.microsoft.com/office/powerpoint/2010/main" val="1139691195"/>
+        <p14:creationId xmlns:p14="http://schemas.microsoft.com/office/powerpoint/2010/main" val="3661544572"/>
       </p:ext>
     </p:extLst>
   </p:cSld>
@@ -3783,146 +4335,23 @@
           <a:p>
             <a:r>
               <a:rPr lang="fr-FR" dirty="0" smtClean="0"/>
-              <a:t>Interface</a:t>
+              <a:t>Deux branches distinctes  modifie</a:t>
             </a:r>
             <a:r>
               <a:rPr lang="fr-FR" baseline="0" dirty="0" smtClean="0"/>
-              <a:t> conviviale pour discuté les changements proposé avant de les intégrés.</a:t>
+              <a:t> le me fichier</a:t>
             </a:r>
           </a:p>
           <a:p>
             <a:r>
               <a:rPr lang="fr-FR" baseline="0" dirty="0" smtClean="0"/>
-              <a:t>Manière d’informé les autres membres qu’il à finit le développement de la fonctionnalité </a:t>
+              <a:t>Les conflits sont couteux et prend de temps</a:t>
             </a:r>
           </a:p>
           <a:p>
             <a:r>
               <a:rPr lang="fr-FR" baseline="0" dirty="0" smtClean="0"/>
-              <a:t>PR : On lui demande de faire un pull de la branche </a:t>
-            </a:r>
-            <a:r>
-              <a:rPr lang="fr-FR" baseline="0" dirty="0" err="1" smtClean="0"/>
-              <a:t>depios</a:t>
-            </a:r>
-            <a:r>
-              <a:rPr lang="fr-FR" baseline="0" dirty="0" smtClean="0"/>
-              <a:t> notre repo </a:t>
-            </a:r>
-          </a:p>
-          <a:p>
-            <a:endParaRPr lang="fr-FR" dirty="0" smtClean="0"/>
-          </a:p>
-          <a:p>
-            <a:r>
-              <a:rPr lang="fr-FR" dirty="0" smtClean="0"/>
-              <a:t>Quand</a:t>
-            </a:r>
-            <a:r>
-              <a:rPr lang="fr-FR" baseline="0" dirty="0" smtClean="0"/>
-              <a:t> on fait un fork il apparait dans la liste des dépôt dans github et on peut le cloné dans la machine locale et modifie puis pusher dans le fork dans github</a:t>
-            </a:r>
-          </a:p>
-          <a:p>
-            <a:r>
-              <a:rPr lang="fr-FR" baseline="0" dirty="0" smtClean="0"/>
-              <a:t>Pull request offre un forum pour discuté des changement proposé avant d’</a:t>
-            </a:r>
-            <a:r>
-              <a:rPr lang="fr-FR" baseline="0" dirty="0" err="1" smtClean="0"/>
-              <a:t>étre</a:t>
-            </a:r>
-            <a:r>
-              <a:rPr lang="fr-FR" baseline="0" dirty="0" smtClean="0"/>
-              <a:t> intégré dans le branche partagé  </a:t>
-            </a:r>
-          </a:p>
-          <a:p>
-            <a:r>
-              <a:rPr lang="fr-FR" baseline="0" dirty="0" smtClean="0"/>
-              <a:t>Les 5 fonctionnalité principal qui garantis que les pull request vont fonctionné de maniéré efficace</a:t>
-            </a:r>
-          </a:p>
-          <a:p>
-            <a:r>
-              <a:rPr lang="fr-FR" baseline="0" dirty="0" smtClean="0"/>
-              <a:t>1.Ajouter un reviewer </a:t>
-            </a:r>
-          </a:p>
-          <a:p>
-            <a:r>
-              <a:rPr lang="fr-FR" baseline="0" dirty="0" smtClean="0"/>
-              <a:t>2.Ajouter des Commentaires sur toute les choses(dans un fichier a part ou bien dans le code)</a:t>
-            </a:r>
-          </a:p>
-          <a:p>
-            <a:r>
-              <a:rPr lang="fr-FR" baseline="0" dirty="0" smtClean="0"/>
-              <a:t>Reviewer peut faire des suggestions ou bien félicité le membre de l’équipe de son pièce de code brillant (commentaire sur un pull request , sur un commit , sur une ligne, sur un fichier)</a:t>
-            </a:r>
-          </a:p>
-          <a:p>
-            <a:r>
-              <a:rPr lang="fr-FR" baseline="0" dirty="0" smtClean="0"/>
-              <a:t>3.Revue itérative:</a:t>
-            </a:r>
-          </a:p>
-          <a:p>
-            <a:r>
-              <a:rPr lang="fr-FR" baseline="0" dirty="0" smtClean="0"/>
-              <a:t>Une pull request créer un boucle de </a:t>
-            </a:r>
-            <a:r>
-              <a:rPr lang="fr-FR" baseline="0" dirty="0" err="1" smtClean="0"/>
-              <a:t>feedbock</a:t>
-            </a:r>
-            <a:r>
-              <a:rPr lang="fr-FR" baseline="0" dirty="0" smtClean="0"/>
-              <a:t> (on écrit un code ,l’</a:t>
-            </a:r>
-            <a:r>
-              <a:rPr lang="fr-FR" baseline="0" dirty="0" err="1" smtClean="0"/>
-              <a:t>equipe</a:t>
-            </a:r>
-            <a:r>
-              <a:rPr lang="fr-FR" baseline="0" dirty="0" smtClean="0"/>
-              <a:t> revoie le code, on incorpore des changement) puis l’</a:t>
-            </a:r>
-            <a:r>
-              <a:rPr lang="fr-FR" baseline="0" dirty="0" err="1" smtClean="0"/>
-              <a:t>equipe</a:t>
-            </a:r>
-            <a:r>
-              <a:rPr lang="fr-FR" baseline="0" dirty="0" smtClean="0"/>
-              <a:t> approuve, puis merge</a:t>
-            </a:r>
-          </a:p>
-          <a:p>
-            <a:r>
-              <a:rPr lang="fr-FR" baseline="0" dirty="0" smtClean="0"/>
-              <a:t>Le </a:t>
-            </a:r>
-            <a:r>
-              <a:rPr lang="fr-FR" baseline="0" dirty="0" err="1" smtClean="0"/>
-              <a:t>viewer</a:t>
-            </a:r>
-            <a:r>
-              <a:rPr lang="fr-FR" baseline="0" dirty="0" smtClean="0"/>
-              <a:t> vois juste le </a:t>
-            </a:r>
-            <a:r>
-              <a:rPr lang="fr-FR" baseline="0" dirty="0" err="1" smtClean="0"/>
-              <a:t>ernier</a:t>
-            </a:r>
-            <a:r>
-              <a:rPr lang="fr-FR" baseline="0" dirty="0" smtClean="0"/>
-              <a:t> changement dans la pull request</a:t>
-            </a:r>
-          </a:p>
-          <a:p>
-            <a:r>
-              <a:rPr lang="fr-FR" baseline="0" dirty="0" smtClean="0"/>
-              <a:t>40</a:t>
+              <a:t>Les conflits affecte la personne qui à fait le merge </a:t>
             </a:r>
             <a:endParaRPr lang="fr-FR" dirty="0"/>
           </a:p>
@@ -3954,7 +4383,7 @@
     </p:spTree>
     <p:extLst>
       <p:ext uri="{BB962C8B-B14F-4D97-AF65-F5344CB8AC3E}">
-        <p14:creationId xmlns:p14="http://schemas.microsoft.com/office/powerpoint/2010/main" val="3087535905"/>
+        <p14:creationId xmlns:p14="http://schemas.microsoft.com/office/powerpoint/2010/main" val="1501855701"/>
       </p:ext>
     </p:extLst>
   </p:cSld>
@@ -4304,6 +4733,27 @@
           <a:bodyPr/>
           <a:lstStyle/>
           <a:p>
+            <a:r>
+              <a:rPr lang="fr-FR" dirty="0" smtClean="0"/>
+              <a:t>On peut toujours retourné à l’état avent le merge avec la commande « git merge –</a:t>
+            </a:r>
+            <a:r>
+              <a:rPr lang="fr-FR" dirty="0" err="1" smtClean="0"/>
+              <a:t>abort</a:t>
+            </a:r>
+            <a:r>
+              <a:rPr lang="fr-FR" dirty="0" smtClean="0"/>
+              <a:t> »</a:t>
+            </a:r>
+          </a:p>
+          <a:p>
+            <a:endParaRPr lang="fr-FR" dirty="0" smtClean="0"/>
+          </a:p>
+          <a:p>
+            <a:r>
+              <a:rPr lang="fr-FR" dirty="0" smtClean="0"/>
+              <a:t>si</a:t>
+            </a:r>
             <a:endParaRPr lang="fr-FR" dirty="0"/>
           </a:p>
         </p:txBody>
@@ -4325,7 +4775,7 @@
           <a:p>
             <a:fld id="{852BFB1F-A0B8-45F9-8B0C-AE6AABDE724A}" type="slidenum">
               <a:rPr lang="fr-FR" smtClean="0"/>
-              <a:t>24</a:t>
+              <a:t>23</a:t>
             </a:fld>
             <a:endParaRPr lang="fr-FR"/>
           </a:p>
@@ -4334,7 +4784,7 @@
     </p:spTree>
     <p:extLst>
       <p:ext uri="{BB962C8B-B14F-4D97-AF65-F5344CB8AC3E}">
-        <p14:creationId xmlns:p14="http://schemas.microsoft.com/office/powerpoint/2010/main" val="134658532"/>
+        <p14:creationId xmlns:p14="http://schemas.microsoft.com/office/powerpoint/2010/main" val="1139691195"/>
       </p:ext>
     </p:extLst>
   </p:cSld>
@@ -4390,68 +4840,147 @@
           <a:p>
             <a:r>
               <a:rPr lang="fr-FR" dirty="0" smtClean="0"/>
+              <a:t>Interface</a:t>
+            </a:r>
+            <a:r>
+              <a:rPr lang="fr-FR" baseline="0" dirty="0" smtClean="0"/>
+              <a:t> conviviale pour discuté les changements proposé avant de les intégrés.</a:t>
+            </a:r>
+          </a:p>
+          <a:p>
+            <a:r>
+              <a:rPr lang="fr-FR" baseline="0" dirty="0" smtClean="0"/>
+              <a:t>Manière d’informé les autres membres qu’il à finit le développement de la fonctionnalité </a:t>
+            </a:r>
+          </a:p>
+          <a:p>
+            <a:r>
+              <a:rPr lang="fr-FR" baseline="0" dirty="0" smtClean="0"/>
+              <a:t>PR : On lui demande de faire un pull de la branche </a:t>
+            </a:r>
+            <a:r>
+              <a:rPr lang="fr-FR" baseline="0" dirty="0" err="1" smtClean="0"/>
+              <a:t>depios</a:t>
+            </a:r>
+            <a:r>
+              <a:rPr lang="fr-FR" baseline="0" dirty="0" smtClean="0"/>
+              <a:t> notre repo </a:t>
+            </a:r>
+          </a:p>
+          <a:p>
+            <a:endParaRPr lang="fr-FR" dirty="0" smtClean="0"/>
+          </a:p>
+          <a:p>
+            <a:r>
+              <a:rPr lang="fr-FR" dirty="0" smtClean="0"/>
               <a:t>Quand</a:t>
             </a:r>
             <a:r>
               <a:rPr lang="fr-FR" baseline="0" dirty="0" smtClean="0"/>
-              <a:t> on fait un fork il apparait dans la liste des dépôt dans github et on peut le cloné dans la machine locale et modifie puis pusher dans le fork dans github </a:t>
+              <a:t> on fait un fork il apparait dans la liste des dépôt dans github et on peut le cloné dans la machine locale et modifie puis pusher dans le fork dans github</a:t>
             </a:r>
           </a:p>
           <a:p>
             <a:r>
               <a:rPr lang="fr-FR" baseline="0" dirty="0" smtClean="0"/>
-              <a:t>Deux solution </a:t>
-            </a:r>
-          </a:p>
-          <a:p>
+              <a:t>Pull request offre un forum pour discuté des changement proposé avant d’</a:t>
+            </a:r>
+            <a:r>
+              <a:rPr lang="fr-FR" baseline="0" dirty="0" err="1" smtClean="0"/>
+              <a:t>étre</a:t>
+            </a:r>
             <a:r>
               <a:rPr lang="fr-FR" baseline="0" dirty="0" smtClean="0"/>
-              <a:t>Solution 2 </a:t>
+              <a:t> intégré dans le branche partagé  </a:t>
             </a:r>
           </a:p>
           <a:p>
             <a:r>
               <a:rPr lang="fr-FR" baseline="0" dirty="0" smtClean="0"/>
-              <a:t>1.avec github le </a:t>
+              <a:t>Les 5 fonctionnalité principal qui garantis que les pull request vont fonctionné de maniéré efficace</a:t>
+            </a:r>
+          </a:p>
+          <a:p>
+            <a:r>
+              <a:rPr lang="fr-FR" baseline="0" dirty="0" smtClean="0"/>
+              <a:t>1.Ajouter un reviewer </a:t>
+            </a:r>
+          </a:p>
+          <a:p>
+            <a:r>
+              <a:rPr lang="fr-FR" baseline="0" dirty="0" smtClean="0"/>
+              <a:t>2.Ajouter des Commentaires sur toute les choses(dans un fichier a part ou bien dans le code)</a:t>
+            </a:r>
+          </a:p>
+          <a:p>
+            <a:r>
+              <a:rPr lang="fr-FR" baseline="0" dirty="0" smtClean="0"/>
+              <a:t>Reviewer peut faire des suggestions ou bien félicité le membre de l’équipe de son pièce de code brillant (commentaire sur un pull request , sur un commit , sur une ligne, sur un fichier)</a:t>
+            </a:r>
+          </a:p>
+          <a:p>
+            <a:r>
+              <a:rPr lang="fr-FR" baseline="0" dirty="0" smtClean="0"/>
+              <a:t>3.Revue itérative:</a:t>
+            </a:r>
+          </a:p>
+          <a:p>
+            <a:r>
+              <a:rPr lang="fr-FR" baseline="0" dirty="0" smtClean="0"/>
+              <a:t>Une pull request créer un boucle de </a:t>
             </a:r>
             <a:r>
               <a:rPr lang="fr-FR" baseline="0" dirty="0" err="1" smtClean="0"/>
-              <a:t>boutton</a:t>
+              <a:t>feedbock</a:t>
             </a:r>
             <a:r>
               <a:rPr lang="fr-FR" baseline="0" dirty="0" smtClean="0"/>
-              <a:t> (</a:t>
+              <a:t> (on écrit un code ,l’</a:t>
             </a:r>
             <a:r>
               <a:rPr lang="fr-FR" baseline="0" dirty="0" err="1" smtClean="0"/>
-              <a:t>sync</a:t>
+              <a:t>equipe</a:t>
             </a:r>
             <a:r>
               <a:rPr lang="fr-FR" baseline="0" dirty="0" smtClean="0"/>
-              <a:t> fork)	</a:t>
-            </a:r>
-          </a:p>
-          <a:p>
+              <a:t> revoie le code, on incorpore des changement) puis l’</a:t>
+            </a:r>
+            <a:r>
+              <a:rPr lang="fr-FR" baseline="0" dirty="0" err="1" smtClean="0"/>
+              <a:t>equipe</a:t>
+            </a:r>
             <a:r>
               <a:rPr lang="fr-FR" baseline="0" dirty="0" smtClean="0"/>
-              <a:t>2.git fetch</a:t>
+              <a:t> approuve, puis merge</a:t>
             </a:r>
           </a:p>
           <a:p>
             <a:r>
               <a:rPr lang="fr-FR" baseline="0" dirty="0" smtClean="0"/>
-              <a:t>3.git merge </a:t>
+              <a:t>Le </a:t>
             </a:r>
             <a:r>
               <a:rPr lang="fr-FR" baseline="0" dirty="0" err="1" smtClean="0"/>
-              <a:t>origin</a:t>
+              <a:t>viewer</a:t>
             </a:r>
             <a:r>
               <a:rPr lang="fr-FR" baseline="0" dirty="0" smtClean="0"/>
-              <a:t>/master</a:t>
-            </a:r>
-          </a:p>
-          <a:p>
+              <a:t> vois juste le </a:t>
+            </a:r>
+            <a:r>
+              <a:rPr lang="fr-FR" baseline="0" dirty="0" err="1" smtClean="0"/>
+              <a:t>ernier</a:t>
+            </a:r>
+            <a:r>
+              <a:rPr lang="fr-FR" baseline="0" dirty="0" smtClean="0"/>
+              <a:t> changement dans la pull request</a:t>
+            </a:r>
+          </a:p>
+          <a:p>
+            <a:r>
+              <a:rPr lang="fr-FR" baseline="0" dirty="0" smtClean="0"/>
+              <a:t>40</a:t>
+            </a:r>
             <a:endParaRPr lang="fr-FR" dirty="0"/>
           </a:p>
         </p:txBody>
@@ -4473,7 +5002,7 @@
           <a:p>
             <a:fld id="{852BFB1F-A0B8-45F9-8B0C-AE6AABDE724A}" type="slidenum">
               <a:rPr lang="fr-FR" smtClean="0"/>
-              <a:t>25</a:t>
+              <a:t>24</a:t>
             </a:fld>
             <a:endParaRPr lang="fr-FR"/>
           </a:p>
@@ -4482,7 +5011,7 @@
     </p:spTree>
     <p:extLst>
       <p:ext uri="{BB962C8B-B14F-4D97-AF65-F5344CB8AC3E}">
-        <p14:creationId xmlns:p14="http://schemas.microsoft.com/office/powerpoint/2010/main" val="4075139296"/>
+        <p14:creationId xmlns:p14="http://schemas.microsoft.com/office/powerpoint/2010/main" val="3087535905"/>
       </p:ext>
     </p:extLst>
   </p:cSld>
@@ -4536,70 +5065,6 @@
           <a:bodyPr/>
           <a:lstStyle/>
           <a:p>
-            <a:r>
-              <a:rPr lang="fr-FR" dirty="0" smtClean="0"/>
-              <a:t>Quand</a:t>
-            </a:r>
-            <a:r>
-              <a:rPr lang="fr-FR" baseline="0" dirty="0" smtClean="0"/>
-              <a:t> on fait un fork il apparait dans la liste des dépôt dans github et on peut le cloné dans la machine locale et modifie puis pusher dans le fork dans github </a:t>
-            </a:r>
-          </a:p>
-          <a:p>
-            <a:r>
-              <a:rPr lang="fr-FR" baseline="0" dirty="0" smtClean="0"/>
-              <a:t>Deux solution </a:t>
-            </a:r>
-          </a:p>
-          <a:p>
-            <a:r>
-              <a:rPr lang="fr-FR" baseline="0" dirty="0" smtClean="0"/>
-              <a:t>Solution 2 </a:t>
-            </a:r>
-          </a:p>
-          <a:p>
-            <a:r>
-              <a:rPr lang="fr-FR" baseline="0" dirty="0" smtClean="0"/>
-              <a:t>1.avec github le </a:t>
-            </a:r>
-            <a:r>
-              <a:rPr lang="fr-FR" baseline="0" dirty="0" err="1" smtClean="0"/>
-              <a:t>boutton</a:t>
-            </a:r>
-            <a:r>
-              <a:rPr lang="fr-FR" baseline="0" dirty="0" smtClean="0"/>
-              <a:t> (</a:t>
-            </a:r>
-            <a:r>
-              <a:rPr lang="fr-FR" baseline="0" dirty="0" err="1" smtClean="0"/>
-              <a:t>sync</a:t>
-            </a:r>
-            <a:r>
-              <a:rPr lang="fr-FR" baseline="0" dirty="0" smtClean="0"/>
-              <a:t> fork)	</a:t>
-            </a:r>
-          </a:p>
-          <a:p>
-            <a:r>
-              <a:rPr lang="fr-FR" baseline="0" dirty="0" smtClean="0"/>
-              <a:t>2.git fetch</a:t>
-            </a:r>
-          </a:p>
-          <a:p>
-            <a:r>
-              <a:rPr lang="fr-FR" baseline="0" dirty="0" smtClean="0"/>
-              <a:t>3.git merge </a:t>
-            </a:r>
-            <a:r>
-              <a:rPr lang="fr-FR" baseline="0" dirty="0" err="1" smtClean="0"/>
-              <a:t>origin</a:t>
-            </a:r>
-            <a:r>
-              <a:rPr lang="fr-FR" baseline="0" dirty="0" smtClean="0"/>
-              <a:t>/master</a:t>
-            </a:r>
-          </a:p>
-          <a:p>
             <a:endParaRPr lang="fr-FR" dirty="0"/>
           </a:p>
         </p:txBody>
@@ -4630,7 +5095,7 @@
     </p:spTree>
     <p:extLst>
       <p:ext uri="{BB962C8B-B14F-4D97-AF65-F5344CB8AC3E}">
-        <p14:creationId xmlns:p14="http://schemas.microsoft.com/office/powerpoint/2010/main" val="3479172898"/>
+        <p14:creationId xmlns:p14="http://schemas.microsoft.com/office/powerpoint/2010/main" val="134658532"/>
       </p:ext>
     </p:extLst>
   </p:cSld>
@@ -4778,7 +5243,7 @@
     </p:spTree>
     <p:extLst>
       <p:ext uri="{BB962C8B-B14F-4D97-AF65-F5344CB8AC3E}">
-        <p14:creationId xmlns:p14="http://schemas.microsoft.com/office/powerpoint/2010/main" val="2852578274"/>
+        <p14:creationId xmlns:p14="http://schemas.microsoft.com/office/powerpoint/2010/main" val="4075139296"/>
       </p:ext>
     </p:extLst>
   </p:cSld>
@@ -4832,6 +5297,302 @@
           <a:bodyPr/>
           <a:lstStyle/>
           <a:p>
+            <a:r>
+              <a:rPr lang="fr-FR" dirty="0" smtClean="0"/>
+              <a:t>Quand</a:t>
+            </a:r>
+            <a:r>
+              <a:rPr lang="fr-FR" baseline="0" dirty="0" smtClean="0"/>
+              <a:t> on fait un fork il apparait dans la liste des dépôt dans github et on peut le cloné dans la machine locale et modifie puis pusher dans le fork dans github </a:t>
+            </a:r>
+          </a:p>
+          <a:p>
+            <a:r>
+              <a:rPr lang="fr-FR" baseline="0" dirty="0" smtClean="0"/>
+              <a:t>Deux solution </a:t>
+            </a:r>
+          </a:p>
+          <a:p>
+            <a:r>
+              <a:rPr lang="fr-FR" baseline="0" dirty="0" smtClean="0"/>
+              <a:t>Solution 2 </a:t>
+            </a:r>
+          </a:p>
+          <a:p>
+            <a:r>
+              <a:rPr lang="fr-FR" baseline="0" dirty="0" smtClean="0"/>
+              <a:t>1.avec github le </a:t>
+            </a:r>
+            <a:r>
+              <a:rPr lang="fr-FR" baseline="0" dirty="0" err="1" smtClean="0"/>
+              <a:t>boutton</a:t>
+            </a:r>
+            <a:r>
+              <a:rPr lang="fr-FR" baseline="0" dirty="0" smtClean="0"/>
+              <a:t> (</a:t>
+            </a:r>
+            <a:r>
+              <a:rPr lang="fr-FR" baseline="0" dirty="0" err="1" smtClean="0"/>
+              <a:t>sync</a:t>
+            </a:r>
+            <a:r>
+              <a:rPr lang="fr-FR" baseline="0" dirty="0" smtClean="0"/>
+              <a:t> fork)	</a:t>
+            </a:r>
+          </a:p>
+          <a:p>
+            <a:r>
+              <a:rPr lang="fr-FR" baseline="0" dirty="0" smtClean="0"/>
+              <a:t>2.git fetch</a:t>
+            </a:r>
+          </a:p>
+          <a:p>
+            <a:r>
+              <a:rPr lang="fr-FR" baseline="0" dirty="0" smtClean="0"/>
+              <a:t>3.git merge </a:t>
+            </a:r>
+            <a:r>
+              <a:rPr lang="fr-FR" baseline="0" dirty="0" err="1" smtClean="0"/>
+              <a:t>origin</a:t>
+            </a:r>
+            <a:r>
+              <a:rPr lang="fr-FR" baseline="0" dirty="0" smtClean="0"/>
+              <a:t>/master</a:t>
+            </a:r>
+          </a:p>
+          <a:p>
+            <a:endParaRPr lang="fr-FR" dirty="0"/>
+          </a:p>
+        </p:txBody>
+      </p:sp>
+      <p:sp>
+        <p:nvSpPr>
+          <p:cNvPr id="4" name="Espace réservé du numéro de diapositive 3"/>
+          <p:cNvSpPr>
+            <a:spLocks noGrp="1"/>
+          </p:cNvSpPr>
+          <p:nvPr>
+            <p:ph type="sldNum" sz="quarter" idx="10"/>
+          </p:nvPr>
+        </p:nvSpPr>
+        <p:spPr/>
+        <p:txBody>
+          <a:bodyPr/>
+          <a:lstStyle/>
+          <a:p>
+            <a:fld id="{852BFB1F-A0B8-45F9-8B0C-AE6AABDE724A}" type="slidenum">
+              <a:rPr lang="fr-FR" smtClean="0"/>
+              <a:t>28</a:t>
+            </a:fld>
+            <a:endParaRPr lang="fr-FR"/>
+          </a:p>
+        </p:txBody>
+      </p:sp>
+    </p:spTree>
+    <p:extLst>
+      <p:ext uri="{BB962C8B-B14F-4D97-AF65-F5344CB8AC3E}">
+        <p14:creationId xmlns:p14="http://schemas.microsoft.com/office/powerpoint/2010/main" val="3479172898"/>
+      </p:ext>
+    </p:extLst>
+  </p:cSld>
+  <p:clrMapOvr>
+    <a:masterClrMapping/>
+  </p:clrMapOvr>
+</p:notes>
+</file>
+
+<file path=ppt/notesSlides/notesSlide25.xml><?xml version="1.0" encoding="utf-8"?>
+<p:notes xmlns:a="http://schemas.openxmlformats.org/drawingml/2006/main" xmlns:r="http://schemas.openxmlformats.org/officeDocument/2006/relationships" xmlns:p="http://schemas.openxmlformats.org/presentationml/2006/main">
+  <p:cSld>
+    <p:spTree>
+      <p:nvGrpSpPr>
+        <p:cNvPr id="1" name=""/>
+        <p:cNvGrpSpPr/>
+        <p:nvPr/>
+      </p:nvGrpSpPr>
+      <p:grpSpPr>
+        <a:xfrm>
+          <a:off x="0" y="0"/>
+          <a:ext cx="0" cy="0"/>
+          <a:chOff x="0" y="0"/>
+          <a:chExt cx="0" cy="0"/>
+        </a:xfrm>
+      </p:grpSpPr>
+      <p:sp>
+        <p:nvSpPr>
+          <p:cNvPr id="2" name="Espace réservé de l'image des diapositives 1"/>
+          <p:cNvSpPr>
+            <a:spLocks noGrp="1" noRot="1" noChangeAspect="1"/>
+          </p:cNvSpPr>
+          <p:nvPr>
+            <p:ph type="sldImg"/>
+          </p:nvPr>
+        </p:nvSpPr>
+        <p:spPr/>
+      </p:sp>
+      <p:sp>
+        <p:nvSpPr>
+          <p:cNvPr id="3" name="Espace réservé des commentaires 2"/>
+          <p:cNvSpPr>
+            <a:spLocks noGrp="1"/>
+          </p:cNvSpPr>
+          <p:nvPr>
+            <p:ph type="body" idx="1"/>
+          </p:nvPr>
+        </p:nvSpPr>
+        <p:spPr/>
+        <p:txBody>
+          <a:bodyPr/>
+          <a:lstStyle/>
+          <a:p>
+            <a:r>
+              <a:rPr lang="fr-FR" dirty="0" smtClean="0"/>
+              <a:t>Quand</a:t>
+            </a:r>
+            <a:r>
+              <a:rPr lang="fr-FR" baseline="0" dirty="0" smtClean="0"/>
+              <a:t> on fait un fork il apparait dans la liste des dépôt dans github et on peut le cloné dans la machine locale et modifie puis pusher dans le fork dans github </a:t>
+            </a:r>
+          </a:p>
+          <a:p>
+            <a:r>
+              <a:rPr lang="fr-FR" baseline="0" dirty="0" smtClean="0"/>
+              <a:t>Deux solution </a:t>
+            </a:r>
+          </a:p>
+          <a:p>
+            <a:r>
+              <a:rPr lang="fr-FR" baseline="0" dirty="0" smtClean="0"/>
+              <a:t>Solution 2 </a:t>
+            </a:r>
+          </a:p>
+          <a:p>
+            <a:r>
+              <a:rPr lang="fr-FR" baseline="0" dirty="0" smtClean="0"/>
+              <a:t>1.avec github le </a:t>
+            </a:r>
+            <a:r>
+              <a:rPr lang="fr-FR" baseline="0" dirty="0" err="1" smtClean="0"/>
+              <a:t>boutton</a:t>
+            </a:r>
+            <a:r>
+              <a:rPr lang="fr-FR" baseline="0" dirty="0" smtClean="0"/>
+              <a:t> (</a:t>
+            </a:r>
+            <a:r>
+              <a:rPr lang="fr-FR" baseline="0" dirty="0" err="1" smtClean="0"/>
+              <a:t>sync</a:t>
+            </a:r>
+            <a:r>
+              <a:rPr lang="fr-FR" baseline="0" dirty="0" smtClean="0"/>
+              <a:t> fork)	</a:t>
+            </a:r>
+          </a:p>
+          <a:p>
+            <a:r>
+              <a:rPr lang="fr-FR" baseline="0" dirty="0" smtClean="0"/>
+              <a:t>2.git fetch</a:t>
+            </a:r>
+          </a:p>
+          <a:p>
+            <a:r>
+              <a:rPr lang="fr-FR" baseline="0" dirty="0" smtClean="0"/>
+              <a:t>3.git merge </a:t>
+            </a:r>
+            <a:r>
+              <a:rPr lang="fr-FR" baseline="0" dirty="0" err="1" smtClean="0"/>
+              <a:t>origin</a:t>
+            </a:r>
+            <a:r>
+              <a:rPr lang="fr-FR" baseline="0" dirty="0" smtClean="0"/>
+              <a:t>/master</a:t>
+            </a:r>
+          </a:p>
+          <a:p>
+            <a:endParaRPr lang="fr-FR" dirty="0"/>
+          </a:p>
+        </p:txBody>
+      </p:sp>
+      <p:sp>
+        <p:nvSpPr>
+          <p:cNvPr id="4" name="Espace réservé du numéro de diapositive 3"/>
+          <p:cNvSpPr>
+            <a:spLocks noGrp="1"/>
+          </p:cNvSpPr>
+          <p:nvPr>
+            <p:ph type="sldNum" sz="quarter" idx="10"/>
+          </p:nvPr>
+        </p:nvSpPr>
+        <p:spPr/>
+        <p:txBody>
+          <a:bodyPr/>
+          <a:lstStyle/>
+          <a:p>
+            <a:fld id="{852BFB1F-A0B8-45F9-8B0C-AE6AABDE724A}" type="slidenum">
+              <a:rPr lang="fr-FR" smtClean="0"/>
+              <a:t>29</a:t>
+            </a:fld>
+            <a:endParaRPr lang="fr-FR"/>
+          </a:p>
+        </p:txBody>
+      </p:sp>
+    </p:spTree>
+    <p:extLst>
+      <p:ext uri="{BB962C8B-B14F-4D97-AF65-F5344CB8AC3E}">
+        <p14:creationId xmlns:p14="http://schemas.microsoft.com/office/powerpoint/2010/main" val="2852578274"/>
+      </p:ext>
+    </p:extLst>
+  </p:cSld>
+  <p:clrMapOvr>
+    <a:masterClrMapping/>
+  </p:clrMapOvr>
+</p:notes>
+</file>
+
+<file path=ppt/notesSlides/notesSlide26.xml><?xml version="1.0" encoding="utf-8"?>
+<p:notes xmlns:a="http://schemas.openxmlformats.org/drawingml/2006/main" xmlns:r="http://schemas.openxmlformats.org/officeDocument/2006/relationships" xmlns:p="http://schemas.openxmlformats.org/presentationml/2006/main">
+  <p:cSld>
+    <p:spTree>
+      <p:nvGrpSpPr>
+        <p:cNvPr id="1" name=""/>
+        <p:cNvGrpSpPr/>
+        <p:nvPr/>
+      </p:nvGrpSpPr>
+      <p:grpSpPr>
+        <a:xfrm>
+          <a:off x="0" y="0"/>
+          <a:ext cx="0" cy="0"/>
+          <a:chOff x="0" y="0"/>
+          <a:chExt cx="0" cy="0"/>
+        </a:xfrm>
+      </p:grpSpPr>
+      <p:sp>
+        <p:nvSpPr>
+          <p:cNvPr id="2" name="Espace réservé de l'image des diapositives 1"/>
+          <p:cNvSpPr>
+            <a:spLocks noGrp="1" noRot="1" noChangeAspect="1"/>
+          </p:cNvSpPr>
+          <p:nvPr>
+            <p:ph type="sldImg"/>
+          </p:nvPr>
+        </p:nvSpPr>
+        <p:spPr/>
+      </p:sp>
+      <p:sp>
+        <p:nvSpPr>
+          <p:cNvPr id="3" name="Espace réservé des commentaires 2"/>
+          <p:cNvSpPr>
+            <a:spLocks noGrp="1"/>
+          </p:cNvSpPr>
+          <p:nvPr>
+            <p:ph type="body" idx="1"/>
+          </p:nvPr>
+        </p:nvSpPr>
+        <p:spPr/>
+        <p:txBody>
+          <a:bodyPr/>
+          <a:lstStyle/>
+          <a:p>
             <a:pPr marL="0" marR="0" lvl="0" indent="0" algn="l" defTabSz="914400" rtl="0" eaLnBrk="1" fontAlgn="auto" latinLnBrk="0" hangingPunct="1">
               <a:lnSpc>
                 <a:spcPct val="100000"/>
@@ -4889,7 +5650,7 @@
           <a:p>
             <a:fld id="{852BFB1F-A0B8-45F9-8B0C-AE6AABDE724A}" type="slidenum">
               <a:rPr lang="fr-FR" smtClean="0"/>
-              <a:t>32</a:t>
+              <a:t>34</a:t>
             </a:fld>
             <a:endParaRPr lang="fr-FR"/>
           </a:p>
@@ -5215,7 +5976,30 @@
           <a:p>
             <a:r>
               <a:rPr lang="fr-FR" dirty="0" smtClean="0"/>
-              <a:t>-exécuté git checkout « </a:t>
+              <a:t>Index :est une </a:t>
+            </a:r>
+            <a:r>
+              <a:rPr lang="fr-FR" dirty="0" err="1" smtClean="0"/>
+              <a:t>maniére</a:t>
+            </a:r>
+            <a:r>
+              <a:rPr lang="fr-FR" dirty="0" smtClean="0"/>
+              <a:t> de préparé</a:t>
+            </a:r>
+            <a:r>
+              <a:rPr lang="fr-FR" baseline="0" dirty="0" smtClean="0"/>
+              <a:t> un commit sans inclure tous les changement dans notre répertoire de travail</a:t>
+            </a:r>
+            <a:endParaRPr lang="fr-FR" dirty="0" smtClean="0"/>
+          </a:p>
+          <a:p>
+            <a:r>
+              <a:rPr lang="fr-FR" dirty="0" smtClean="0"/>
+              <a:t>-</a:t>
+            </a:r>
+            <a:r>
+              <a:rPr lang="fr-FR" dirty="0" smtClean="0"/>
+              <a:t>exécuté git checkout « </a:t>
             </a:r>
             <a:r>
               <a:rPr lang="fr-FR" dirty="0" err="1" smtClean="0"/>
@@ -6955,7 +7739,7 @@
           <a:p>
             <a:fld id="{0A206D1B-E756-4A82-9838-551DE185C738}" type="datetimeFigureOut">
               <a:rPr lang="fr-FR" smtClean="0"/>
-              <a:t>07/12/2022</a:t>
+              <a:t>11/12/2022</a:t>
             </a:fld>
             <a:endParaRPr lang="fr-FR"/>
           </a:p>
@@ -7125,7 +7909,7 @@
           <a:p>
             <a:fld id="{0A206D1B-E756-4A82-9838-551DE185C738}" type="datetimeFigureOut">
               <a:rPr lang="fr-FR" smtClean="0"/>
-              <a:t>07/12/2022</a:t>
+              <a:t>11/12/2022</a:t>
             </a:fld>
             <a:endParaRPr lang="fr-FR"/>
           </a:p>
@@ -7305,7 +8089,7 @@
           <a:p>
             <a:fld id="{0A206D1B-E756-4A82-9838-551DE185C738}" type="datetimeFigureOut">
               <a:rPr lang="fr-FR" smtClean="0"/>
-              <a:t>07/12/2022</a:t>
+              <a:t>11/12/2022</a:t>
             </a:fld>
             <a:endParaRPr lang="fr-FR"/>
           </a:p>
@@ -7475,7 +8259,7 @@
           <a:p>
             <a:fld id="{0A206D1B-E756-4A82-9838-551DE185C738}" type="datetimeFigureOut">
               <a:rPr lang="fr-FR" smtClean="0"/>
-              <a:t>07/12/2022</a:t>
+              <a:t>11/12/2022</a:t>
             </a:fld>
             <a:endParaRPr lang="fr-FR"/>
           </a:p>
@@ -7721,7 +8505,7 @@
           <a:p>
             <a:fld id="{0A206D1B-E756-4A82-9838-551DE185C738}" type="datetimeFigureOut">
               <a:rPr lang="fr-FR" smtClean="0"/>
-              <a:t>07/12/2022</a:t>
+              <a:t>11/12/2022</a:t>
             </a:fld>
             <a:endParaRPr lang="fr-FR"/>
           </a:p>
@@ -7953,7 +8737,7 @@
           <a:p>
             <a:fld id="{0A206D1B-E756-4A82-9838-551DE185C738}" type="datetimeFigureOut">
               <a:rPr lang="fr-FR" smtClean="0"/>
-              <a:t>07/12/2022</a:t>
+              <a:t>11/12/2022</a:t>
             </a:fld>
             <a:endParaRPr lang="fr-FR"/>
           </a:p>
@@ -8320,7 +9104,7 @@
           <a:p>
             <a:fld id="{0A206D1B-E756-4A82-9838-551DE185C738}" type="datetimeFigureOut">
               <a:rPr lang="fr-FR" smtClean="0"/>
-              <a:t>07/12/2022</a:t>
+              <a:t>11/12/2022</a:t>
             </a:fld>
             <a:endParaRPr lang="fr-FR"/>
           </a:p>
@@ -8438,7 +9222,7 @@
           <a:p>
             <a:fld id="{0A206D1B-E756-4A82-9838-551DE185C738}" type="datetimeFigureOut">
               <a:rPr lang="fr-FR" smtClean="0"/>
-              <a:t>07/12/2022</a:t>
+              <a:t>11/12/2022</a:t>
             </a:fld>
             <a:endParaRPr lang="fr-FR"/>
           </a:p>
@@ -8533,7 +9317,7 @@
           <a:p>
             <a:fld id="{0A206D1B-E756-4A82-9838-551DE185C738}" type="datetimeFigureOut">
               <a:rPr lang="fr-FR" smtClean="0"/>
-              <a:t>07/12/2022</a:t>
+              <a:t>11/12/2022</a:t>
             </a:fld>
             <a:endParaRPr lang="fr-FR"/>
           </a:p>
@@ -8810,7 +9594,7 @@
           <a:p>
             <a:fld id="{0A206D1B-E756-4A82-9838-551DE185C738}" type="datetimeFigureOut">
               <a:rPr lang="fr-FR" smtClean="0"/>
-              <a:t>07/12/2022</a:t>
+              <a:t>11/12/2022</a:t>
             </a:fld>
             <a:endParaRPr lang="fr-FR"/>
           </a:p>
@@ -9063,7 +9847,7 @@
           <a:p>
             <a:fld id="{0A206D1B-E756-4A82-9838-551DE185C738}" type="datetimeFigureOut">
               <a:rPr lang="fr-FR" smtClean="0"/>
-              <a:t>07/12/2022</a:t>
+              <a:t>11/12/2022</a:t>
             </a:fld>
             <a:endParaRPr lang="fr-FR"/>
           </a:p>
@@ -9276,7 +10060,7 @@
           <a:p>
             <a:fld id="{0A206D1B-E756-4A82-9838-551DE185C738}" type="datetimeFigureOut">
               <a:rPr lang="fr-FR" smtClean="0"/>
-              <a:t>07/12/2022</a:t>
+              <a:t>11/12/2022</a:t>
             </a:fld>
             <a:endParaRPr lang="fr-FR"/>
           </a:p>
@@ -11134,7 +11918,7 @@
           <a:p>
             <a:pPr marL="571500" indent="-571500">
               <a:buFont typeface="+mj-lt"/>
-              <a:buAutoNum type="romanUcPeriod" startAt="7"/>
+              <a:buAutoNum type="romanUcPeriod" startAt="9"/>
             </a:pPr>
             <a:r>
               <a:rPr lang="fr-FR" b="1" dirty="0" smtClean="0"/>
@@ -11148,13 +11932,8 @@
             </a:pPr>
             <a:r>
               <a:rPr lang="fr-FR" dirty="0" smtClean="0"/>
-              <a:t>	Une autre versions de projet, une ligne de vie indépendante(linéaire</a:t>
-            </a:r>
-            <a:r>
-              <a:rPr lang="fr-FR" dirty="0" smtClean="0"/>
-              <a:t>)  est un ensemble de commits. </a:t>
-            </a:r>
-            <a:endParaRPr lang="fr-FR" dirty="0" smtClean="0"/>
+              <a:t>	Une autre versions de projet, une ligne de vie indépendante(linéaire)  est un ensemble de commits. </a:t>
+            </a:r>
           </a:p>
           <a:p>
             <a:pPr marL="514350" indent="-422275">
@@ -11227,7 +12006,6 @@
               <a:rPr lang="fr-FR" dirty="0" smtClean="0"/>
               <a:t>Efficace Pour testé autre chose</a:t>
             </a:r>
-            <a:endParaRPr lang="fr-FR" dirty="0" smtClean="0"/>
           </a:p>
           <a:p>
             <a:pPr marL="514350" indent="-244475">
@@ -11319,7 +12097,7 @@
         <p:spPr>
           <a:xfrm>
             <a:off x="0" y="1043842"/>
-            <a:ext cx="12192000" cy="5695405"/>
+            <a:ext cx="12192000" cy="5326073"/>
           </a:xfrm>
           <a:prstGeom prst="rect">
             <a:avLst/>
@@ -11373,8 +12151,33 @@
             </a:r>
             <a:r>
               <a:rPr lang="fr-FR" sz="2800" dirty="0" smtClean="0"/>
-              <a:t>(locale)</a:t>
-            </a:r>
+              <a:t>(locale</a:t>
+            </a:r>
+            <a:r>
+              <a:rPr lang="fr-FR" sz="2800" dirty="0" smtClean="0"/>
+              <a:t>),</a:t>
+            </a:r>
+            <a:r>
+              <a:rPr lang="fr-FR" sz="2800" b="1" i="1" dirty="0"/>
+              <a:t>git branch </a:t>
+            </a:r>
+            <a:r>
+              <a:rPr lang="fr-FR" sz="2800" b="1" i="1" dirty="0" smtClean="0"/>
+              <a:t>–a,</a:t>
+            </a:r>
+            <a:r>
+              <a:rPr lang="fr-FR" sz="2800" b="1" i="1" dirty="0"/>
+              <a:t> git branch –r </a:t>
+            </a:r>
+            <a:r>
+              <a:rPr lang="fr-FR" sz="2800" dirty="0"/>
+              <a:t>(distantes</a:t>
+            </a:r>
+            <a:r>
+              <a:rPr lang="fr-FR" sz="2800" dirty="0" smtClean="0"/>
+              <a:t>)</a:t>
+            </a:r>
+            <a:endParaRPr lang="fr-FR" sz="2800" b="1" i="1" dirty="0"/>
           </a:p>
           <a:p>
             <a:pPr marL="804863" indent="-182563">
@@ -11385,30 +12188,12 @@
               </a:tabLst>
             </a:pPr>
             <a:r>
-              <a:rPr lang="fr-FR" sz="2800" b="1" i="1" dirty="0" smtClean="0"/>
-              <a:t>git branch –r </a:t>
+              <a:rPr lang="fr-FR" sz="2800" dirty="0" smtClean="0"/>
+              <a:t>Ajouter </a:t>
             </a:r>
             <a:r>
               <a:rPr lang="fr-FR" sz="2800" dirty="0"/>
-              <a:t>(distantes)</a:t>
-            </a:r>
-          </a:p>
-          <a:p>
-            <a:pPr marL="622300" indent="-357188">
-              <a:buFont typeface="+mj-lt"/>
-              <a:buAutoNum type="arabicPeriod" startAt="2"/>
-              <a:tabLst>
-                <a:tab pos="363538" algn="l"/>
-                <a:tab pos="623888" algn="l"/>
-              </a:tabLst>
-            </a:pPr>
-            <a:r>
-              <a:rPr lang="fr-FR" sz="2400" dirty="0" smtClean="0"/>
-              <a:t> </a:t>
-            </a:r>
-            <a:r>
-              <a:rPr lang="fr-FR" sz="2800" dirty="0"/>
-              <a:t>Ajouter une branch</a:t>
+              <a:t>une branch</a:t>
             </a:r>
           </a:p>
           <a:p>
@@ -11573,19 +12358,19 @@
               </a:tabLst>
             </a:pPr>
             <a:r>
-              <a:rPr lang="fr-FR" sz="2400" b="1" i="1" dirty="0"/>
+              <a:rPr lang="fr-FR" sz="2800" b="1" i="1" dirty="0"/>
               <a:t>git checkout «branch </a:t>
             </a:r>
             <a:r>
-              <a:rPr lang="fr-FR" sz="2400" b="1" i="1" dirty="0" err="1"/>
+              <a:rPr lang="fr-FR" sz="2800" b="1" i="1" dirty="0" err="1"/>
               <a:t>name</a:t>
             </a:r>
             <a:r>
-              <a:rPr lang="fr-FR" sz="2400" b="1" i="1" dirty="0"/>
+              <a:rPr lang="fr-FR" sz="2800" b="1" i="1" dirty="0"/>
               <a:t>  </a:t>
             </a:r>
             <a:r>
-              <a:rPr lang="fr-FR" sz="2400" b="1" i="1" dirty="0" smtClean="0"/>
+              <a:rPr lang="fr-FR" sz="2800" b="1" i="1" dirty="0"/>
               <a:t>»</a:t>
             </a:r>
           </a:p>
@@ -11715,6 +12500,411 @@
       </p:grpSpPr>
       <p:sp>
         <p:nvSpPr>
+          <p:cNvPr id="3" name="Espace réservé du contenu 2"/>
+          <p:cNvSpPr>
+            <a:spLocks noGrp="1"/>
+          </p:cNvSpPr>
+          <p:nvPr>
+            <p:ph idx="1"/>
+          </p:nvPr>
+        </p:nvSpPr>
+        <p:spPr>
+          <a:xfrm>
+            <a:off x="0" y="819397"/>
+            <a:ext cx="12192000" cy="6038603"/>
+          </a:xfrm>
+        </p:spPr>
+        <p:txBody>
+          <a:bodyPr>
+            <a:normAutofit/>
+          </a:bodyPr>
+          <a:lstStyle/>
+          <a:p>
+            <a:pPr marL="784225" lvl="1" indent="-514350">
+              <a:buFont typeface="+mj-lt"/>
+              <a:buAutoNum type="arabicPeriod" startAt="7"/>
+              <a:tabLst>
+                <a:tab pos="363538" algn="l"/>
+                <a:tab pos="623888" algn="l"/>
+              </a:tabLst>
+            </a:pPr>
+            <a:r>
+              <a:rPr lang="fr-FR" sz="2800" dirty="0" smtClean="0"/>
+              <a:t>Uploader </a:t>
+            </a:r>
+            <a:r>
+              <a:rPr lang="fr-FR" sz="2800" dirty="0"/>
+              <a:t>(pusher) les changement dans une autre branche</a:t>
+            </a:r>
+          </a:p>
+          <a:p>
+            <a:pPr marL="804863" indent="-182563">
+              <a:tabLst>
+                <a:tab pos="901700" algn="l"/>
+              </a:tabLst>
+            </a:pPr>
+            <a:r>
+              <a:rPr lang="fr-FR" b="1" i="1" dirty="0"/>
+              <a:t>git push origin </a:t>
+            </a:r>
+            <a:r>
+              <a:rPr lang="fr-FR" b="1" i="1" dirty="0" smtClean="0"/>
+              <a:t>«</a:t>
+            </a:r>
+            <a:r>
+              <a:rPr lang="fr-FR" b="1" i="1" dirty="0"/>
+              <a:t> </a:t>
+            </a:r>
+            <a:r>
+              <a:rPr lang="fr-FR" b="1" i="1" dirty="0" err="1"/>
+              <a:t>brancheName</a:t>
+            </a:r>
+            <a:r>
+              <a:rPr lang="fr-FR" b="1" i="1" dirty="0" err="1" smtClean="0"/>
+              <a:t>»,git</a:t>
+            </a:r>
+            <a:r>
+              <a:rPr lang="fr-FR" b="1" i="1" dirty="0" smtClean="0"/>
+              <a:t> </a:t>
+            </a:r>
+            <a:r>
+              <a:rPr lang="fr-FR" b="1" i="1" dirty="0"/>
+              <a:t>push origin </a:t>
+            </a:r>
+            <a:r>
+              <a:rPr lang="fr-FR" b="1" i="1" dirty="0" err="1"/>
+              <a:t>localbranche</a:t>
+            </a:r>
+            <a:r>
+              <a:rPr lang="fr-FR" b="1" i="1" dirty="0"/>
+              <a:t> :</a:t>
+            </a:r>
+            <a:r>
+              <a:rPr lang="fr-FR" b="1" i="1" dirty="0" err="1" smtClean="0"/>
+              <a:t>rembranche</a:t>
+            </a:r>
+            <a:endParaRPr lang="fr-FR" b="1" i="1" dirty="0" smtClean="0"/>
+          </a:p>
+          <a:p>
+            <a:pPr marL="804863" indent="-182563">
+              <a:tabLst>
+                <a:tab pos="901700" algn="l"/>
+              </a:tabLst>
+            </a:pPr>
+            <a:r>
+              <a:rPr lang="en-US" b="1" i="1" dirty="0" err="1"/>
+              <a:t>git</a:t>
+            </a:r>
+            <a:r>
+              <a:rPr lang="en-US" b="1" i="1" dirty="0"/>
+              <a:t> push --set-upstream origin </a:t>
+            </a:r>
+            <a:r>
+              <a:rPr lang="en-US" b="1" i="1" dirty="0" smtClean="0"/>
+              <a:t>master(propjet existent)</a:t>
+            </a:r>
+            <a:endParaRPr lang="fr-FR" b="1" i="1" dirty="0"/>
+          </a:p>
+          <a:p>
+            <a:pPr marL="779462" indent="-514350">
+              <a:buFont typeface="+mj-lt"/>
+              <a:buAutoNum type="arabicPeriod" startAt="8"/>
+            </a:pPr>
+            <a:r>
+              <a:rPr lang="fr-FR" altLang="fr-FR" dirty="0"/>
+              <a:t>Télécharger les changement de dépôt distant dans le dépôt </a:t>
+            </a:r>
+            <a:r>
+              <a:rPr lang="fr-FR" altLang="fr-FR" dirty="0" smtClean="0"/>
+              <a:t>locale avec</a:t>
+            </a:r>
+          </a:p>
+          <a:p>
+            <a:pPr marL="804863" indent="-182563">
+              <a:tabLst>
+                <a:tab pos="901700" algn="l"/>
+              </a:tabLst>
+            </a:pPr>
+            <a:r>
+              <a:rPr lang="fr-FR" altLang="fr-FR" b="1" i="1" dirty="0"/>
+              <a:t>git </a:t>
+            </a:r>
+            <a:r>
+              <a:rPr lang="fr-FR" altLang="fr-FR" b="1" i="1" dirty="0" smtClean="0"/>
+              <a:t>pull </a:t>
+            </a:r>
+            <a:r>
+              <a:rPr lang="fr-FR" altLang="fr-FR" b="1" i="1" dirty="0" err="1" smtClean="0"/>
+              <a:t>origin</a:t>
+            </a:r>
+            <a:r>
+              <a:rPr lang="fr-FR" altLang="fr-FR" b="1" i="1" dirty="0" smtClean="0"/>
+              <a:t> </a:t>
+            </a:r>
+            <a:r>
+              <a:rPr lang="fr-FR" altLang="fr-FR" dirty="0" smtClean="0"/>
+              <a:t>(applique les commits de l’</a:t>
+            </a:r>
+            <a:r>
+              <a:rPr lang="fr-FR" altLang="fr-FR" dirty="0" err="1" smtClean="0"/>
+              <a:t>origin</a:t>
+            </a:r>
+            <a:r>
+              <a:rPr lang="fr-FR" altLang="fr-FR" dirty="0" smtClean="0"/>
+              <a:t> vers le repo local)</a:t>
+            </a:r>
+            <a:endParaRPr lang="fr-FR" altLang="fr-FR" dirty="0"/>
+          </a:p>
+          <a:p>
+            <a:pPr marL="779462" lvl="1" indent="-514350">
+              <a:spcBef>
+                <a:spcPts val="1000"/>
+              </a:spcBef>
+              <a:buFont typeface="+mj-lt"/>
+              <a:buAutoNum type="arabicPeriod" startAt="9"/>
+              <a:tabLst>
+                <a:tab pos="363538" algn="l"/>
+                <a:tab pos="623888" algn="l"/>
+              </a:tabLst>
+            </a:pPr>
+            <a:r>
+              <a:rPr lang="fr-FR" altLang="fr-FR" sz="2800" dirty="0"/>
+              <a:t>Télécharger les changement de dépôt distant dans le dépôt locale sans intégration de ces nouvelle données dans le repo locale(</a:t>
+            </a:r>
+            <a:r>
+              <a:rPr lang="fr-FR" altLang="fr-FR" sz="2800" dirty="0" err="1"/>
+              <a:t>iniffensive</a:t>
+            </a:r>
+            <a:r>
+              <a:rPr lang="fr-FR" altLang="fr-FR" sz="2800" dirty="0"/>
+              <a:t>)</a:t>
+            </a:r>
+          </a:p>
+          <a:p>
+            <a:pPr marL="820738" lvl="1" indent="-192088">
+              <a:tabLst>
+                <a:tab pos="628650" algn="l"/>
+                <a:tab pos="1163638" algn="l"/>
+              </a:tabLst>
+            </a:pPr>
+            <a:r>
+              <a:rPr lang="fr-FR" altLang="fr-FR" sz="2600" b="1" i="1" dirty="0"/>
+              <a:t>git </a:t>
+            </a:r>
+            <a:r>
+              <a:rPr lang="fr-FR" altLang="fr-FR" sz="2600" b="1" i="1" dirty="0" smtClean="0"/>
+              <a:t>fetch</a:t>
+            </a:r>
+          </a:p>
+          <a:p>
+            <a:pPr marL="779462" lvl="1" indent="-514350">
+              <a:buFont typeface="+mj-lt"/>
+              <a:buAutoNum type="arabicPeriod" startAt="10"/>
+              <a:tabLst>
+                <a:tab pos="363538" algn="l"/>
+                <a:tab pos="622300" algn="l"/>
+                <a:tab pos="623888" algn="l"/>
+              </a:tabLst>
+            </a:pPr>
+            <a:r>
+              <a:rPr lang="fr-FR" altLang="fr-FR" sz="2800" dirty="0"/>
+              <a:t> Intégrer une autre branche à la branche locale </a:t>
+            </a:r>
+            <a:r>
+              <a:rPr lang="fr-FR" altLang="fr-FR" sz="2800" dirty="0" smtClean="0"/>
+              <a:t>courante deux cas </a:t>
+            </a:r>
+          </a:p>
+          <a:p>
+            <a:pPr marL="804863" lvl="1" indent="-182563">
+              <a:spcBef>
+                <a:spcPts val="1000"/>
+              </a:spcBef>
+              <a:tabLst>
+                <a:tab pos="901700" algn="l"/>
+              </a:tabLst>
+            </a:pPr>
+            <a:r>
+              <a:rPr lang="fr-FR" sz="2800" b="1" i="1" dirty="0" smtClean="0">
+                <a:hlinkClick r:id="rId3" action="ppaction://hlinksldjump"/>
+              </a:rPr>
+              <a:t>git merge branch </a:t>
+            </a:r>
+            <a:r>
+              <a:rPr lang="fr-FR" sz="2800" dirty="0" smtClean="0"/>
+              <a:t>(</a:t>
+            </a:r>
+            <a:r>
+              <a:rPr lang="fr-FR" sz="2800" dirty="0" err="1" smtClean="0"/>
+              <a:t>fast</a:t>
+            </a:r>
+            <a:r>
+              <a:rPr lang="fr-FR" sz="2800" dirty="0" smtClean="0"/>
+              <a:t> </a:t>
+            </a:r>
+            <a:r>
+              <a:rPr lang="fr-FR" sz="2800" dirty="0" err="1" smtClean="0"/>
+              <a:t>forward</a:t>
+            </a:r>
+            <a:r>
+              <a:rPr lang="fr-FR" sz="2800" dirty="0" smtClean="0"/>
+              <a:t> dans le cas de non divergence) </a:t>
+            </a:r>
+            <a:endParaRPr lang="fr-FR" sz="2800" dirty="0"/>
+          </a:p>
+          <a:p>
+            <a:pPr marL="804863" lvl="1" indent="-182563">
+              <a:spcBef>
+                <a:spcPts val="1000"/>
+              </a:spcBef>
+              <a:tabLst>
+                <a:tab pos="901700" algn="l"/>
+              </a:tabLst>
+            </a:pPr>
+            <a:r>
+              <a:rPr lang="fr-FR" sz="2800" b="1" i="1" dirty="0" smtClean="0"/>
+              <a:t>git merge –no-</a:t>
+            </a:r>
+            <a:r>
+              <a:rPr lang="fr-FR" sz="2800" b="1" i="1" dirty="0" err="1" smtClean="0"/>
+              <a:t>ff</a:t>
+            </a:r>
+            <a:r>
+              <a:rPr lang="fr-FR" sz="2800" b="1" i="1" dirty="0" smtClean="0"/>
+              <a:t>  branch (</a:t>
+            </a:r>
+            <a:r>
+              <a:rPr lang="fr-FR" sz="2800" dirty="0"/>
+              <a:t>créer un commit pour marqué le merge</a:t>
+            </a:r>
+            <a:r>
+              <a:rPr lang="fr-FR" sz="2800" b="1" i="1" dirty="0" smtClean="0"/>
+              <a:t>)</a:t>
+            </a:r>
+          </a:p>
+          <a:p>
+            <a:pPr marL="804863" lvl="1" indent="-182563">
+              <a:spcBef>
+                <a:spcPts val="1000"/>
+              </a:spcBef>
+              <a:tabLst>
+                <a:tab pos="901700" algn="l"/>
+              </a:tabLst>
+            </a:pPr>
+            <a:r>
+              <a:rPr lang="fr-FR" sz="2800" b="1" i="1" dirty="0" smtClean="0"/>
+              <a:t>git rebase </a:t>
+            </a:r>
+            <a:r>
+              <a:rPr lang="fr-FR" sz="2800" b="1" i="1" dirty="0"/>
+              <a:t>« brancheName</a:t>
+            </a:r>
+            <a:r>
+              <a:rPr lang="fr-FR" sz="2800" dirty="0"/>
+              <a:t>»(modifie l’historique de projet </a:t>
+            </a:r>
+            <a:r>
+              <a:rPr lang="fr-FR" sz="2800" dirty="0" smtClean="0"/>
+              <a:t>)</a:t>
+            </a:r>
+            <a:r>
+              <a:rPr lang="fr-FR" sz="2800" dirty="0" smtClean="0">
+                <a:sym typeface="Wingdings" panose="05000000000000000000" pitchFamily="2" charset="2"/>
+              </a:rPr>
+              <a:t></a:t>
+            </a:r>
+            <a:r>
+              <a:rPr lang="fr-FR" sz="2800" dirty="0" smtClean="0">
+                <a:sym typeface="Wingdings" panose="05000000000000000000" pitchFamily="2" charset="2"/>
+                <a:hlinkClick r:id="rId4" action="ppaction://hlinksldjump"/>
+              </a:rPr>
+              <a:t>Exo</a:t>
+            </a:r>
+            <a:endParaRPr lang="fr-FR" sz="2800" dirty="0"/>
+          </a:p>
+          <a:p>
+            <a:pPr marL="622300" lvl="1" indent="0">
+              <a:spcBef>
+                <a:spcPts val="1000"/>
+              </a:spcBef>
+              <a:buNone/>
+              <a:tabLst>
+                <a:tab pos="901700" algn="l"/>
+              </a:tabLst>
+            </a:pPr>
+            <a:endParaRPr lang="fr-FR" sz="2800" b="1" i="1" dirty="0" smtClean="0"/>
+          </a:p>
+        </p:txBody>
+      </p:sp>
+      <p:sp>
+        <p:nvSpPr>
+          <p:cNvPr id="4" name="Titre 1"/>
+          <p:cNvSpPr>
+            <a:spLocks noGrp="1"/>
+          </p:cNvSpPr>
+          <p:nvPr>
+            <p:ph type="title"/>
+          </p:nvPr>
+        </p:nvSpPr>
+        <p:spPr>
+          <a:xfrm>
+            <a:off x="4904509" y="1"/>
+            <a:ext cx="2382982" cy="570016"/>
+          </a:xfrm>
+        </p:spPr>
+        <p:txBody>
+          <a:bodyPr>
+            <a:normAutofit fontScale="90000"/>
+          </a:bodyPr>
+          <a:lstStyle/>
+          <a:p>
+            <a:pPr algn="ctr"/>
+            <a:r>
+              <a:rPr lang="fr-FR" b="1" dirty="0"/>
+              <a:t>Branches</a:t>
+            </a:r>
+          </a:p>
+        </p:txBody>
+      </p:sp>
+    </p:spTree>
+    <p:extLst>
+      <p:ext uri="{BB962C8B-B14F-4D97-AF65-F5344CB8AC3E}">
+        <p14:creationId xmlns:p14="http://schemas.microsoft.com/office/powerpoint/2010/main" val="964864392"/>
+      </p:ext>
+    </p:extLst>
+  </p:cSld>
+  <p:clrMapOvr>
+    <a:masterClrMapping/>
+  </p:clrMapOvr>
+  <p:timing>
+    <p:tnLst>
+      <p:par>
+        <p:cTn id="1" dur="indefinite" restart="never" nodeType="tmRoot"/>
+      </p:par>
+    </p:tnLst>
+  </p:timing>
+</p:sld>
+</file>
+
+<file path=ppt/slides/slide15.xml><?xml version="1.0" encoding="utf-8"?>
+<p:sld xmlns:a="http://schemas.openxmlformats.org/drawingml/2006/main" xmlns:r="http://schemas.openxmlformats.org/officeDocument/2006/relationships" xmlns:p="http://schemas.openxmlformats.org/presentationml/2006/main">
+  <p:cSld>
+    <p:spTree>
+      <p:nvGrpSpPr>
+        <p:cNvPr id="1" name=""/>
+        <p:cNvGrpSpPr/>
+        <p:nvPr/>
+      </p:nvGrpSpPr>
+      <p:grpSpPr>
+        <a:xfrm>
+          <a:off x="0" y="0"/>
+          <a:ext cx="0" cy="0"/>
+          <a:chOff x="0" y="0"/>
+          <a:chExt cx="0" cy="0"/>
+        </a:xfrm>
+      </p:grpSpPr>
+      <p:sp>
+        <p:nvSpPr>
           <p:cNvPr id="5" name="Titre 1"/>
           <p:cNvSpPr txBox="1">
             <a:spLocks/>
@@ -11830,15 +13020,7 @@
             </a:r>
             <a:r>
               <a:rPr lang="fr-FR" dirty="0" smtClean="0"/>
-              <a:t> ou de perdre quelque changement pensant le processus. Mais git nous permet de récupérer le fichier.il est bien de </a:t>
-            </a:r>
-            <a:r>
-              <a:rPr lang="fr-FR" smtClean="0"/>
-              <a:t>se préparé </a:t>
-            </a:r>
-            <a:r>
-              <a:rPr lang="fr-FR" dirty="0" smtClean="0"/>
-              <a:t>pour ce genre de problème</a:t>
+              <a:t> ou de perdre quelque changement pensant le processus. Mais git nous permet de récupérer le fichier.il est bien de se préparé pour ce genre de problème</a:t>
             </a:r>
             <a:endParaRPr lang="fr-FR" dirty="0"/>
           </a:p>
@@ -11857,411 +13039,6 @@
   <p:clrMapOvr>
     <a:masterClrMapping/>
   </p:clrMapOvr>
-</p:sld>
-</file>
-
-<file path=ppt/slides/slide15.xml><?xml version="1.0" encoding="utf-8"?>
-<p:sld xmlns:a="http://schemas.openxmlformats.org/drawingml/2006/main" xmlns:r="http://schemas.openxmlformats.org/officeDocument/2006/relationships" xmlns:p="http://schemas.openxmlformats.org/presentationml/2006/main">
-  <p:cSld>
-    <p:spTree>
-      <p:nvGrpSpPr>
-        <p:cNvPr id="1" name=""/>
-        <p:cNvGrpSpPr/>
-        <p:nvPr/>
-      </p:nvGrpSpPr>
-      <p:grpSpPr>
-        <a:xfrm>
-          <a:off x="0" y="0"/>
-          <a:ext cx="0" cy="0"/>
-          <a:chOff x="0" y="0"/>
-          <a:chExt cx="0" cy="0"/>
-        </a:xfrm>
-      </p:grpSpPr>
-      <p:sp>
-        <p:nvSpPr>
-          <p:cNvPr id="3" name="Espace réservé du contenu 2"/>
-          <p:cNvSpPr>
-            <a:spLocks noGrp="1"/>
-          </p:cNvSpPr>
-          <p:nvPr>
-            <p:ph idx="1"/>
-          </p:nvPr>
-        </p:nvSpPr>
-        <p:spPr>
-          <a:xfrm>
-            <a:off x="0" y="819397"/>
-            <a:ext cx="12192000" cy="6038603"/>
-          </a:xfrm>
-        </p:spPr>
-        <p:txBody>
-          <a:bodyPr>
-            <a:normAutofit/>
-          </a:bodyPr>
-          <a:lstStyle/>
-          <a:p>
-            <a:pPr marL="784225" lvl="1" indent="-514350">
-              <a:buFont typeface="+mj-lt"/>
-              <a:buAutoNum type="arabicPeriod" startAt="7"/>
-              <a:tabLst>
-                <a:tab pos="363538" algn="l"/>
-                <a:tab pos="623888" algn="l"/>
-              </a:tabLst>
-            </a:pPr>
-            <a:r>
-              <a:rPr lang="fr-FR" sz="2800" dirty="0" smtClean="0"/>
-              <a:t>Uploader </a:t>
-            </a:r>
-            <a:r>
-              <a:rPr lang="fr-FR" sz="2800" dirty="0"/>
-              <a:t>(pusher) les changement dans une autre branche</a:t>
-            </a:r>
-          </a:p>
-          <a:p>
-            <a:pPr marL="804863" indent="-182563">
-              <a:tabLst>
-                <a:tab pos="901700" algn="l"/>
-              </a:tabLst>
-            </a:pPr>
-            <a:r>
-              <a:rPr lang="fr-FR" b="1" i="1" dirty="0"/>
-              <a:t>git push origin </a:t>
-            </a:r>
-            <a:r>
-              <a:rPr lang="fr-FR" b="1" i="1" dirty="0" smtClean="0"/>
-              <a:t>«</a:t>
-            </a:r>
-            <a:r>
-              <a:rPr lang="fr-FR" b="1" i="1" dirty="0"/>
-              <a:t> </a:t>
-            </a:r>
-            <a:r>
-              <a:rPr lang="fr-FR" b="1" i="1" dirty="0" err="1"/>
-              <a:t>brancheName</a:t>
-            </a:r>
-            <a:r>
-              <a:rPr lang="fr-FR" b="1" i="1" dirty="0" err="1" smtClean="0"/>
-              <a:t>»,git</a:t>
-            </a:r>
-            <a:r>
-              <a:rPr lang="fr-FR" b="1" i="1" dirty="0" smtClean="0"/>
-              <a:t> </a:t>
-            </a:r>
-            <a:r>
-              <a:rPr lang="fr-FR" b="1" i="1" dirty="0"/>
-              <a:t>push origin </a:t>
-            </a:r>
-            <a:r>
-              <a:rPr lang="fr-FR" b="1" i="1" dirty="0" err="1"/>
-              <a:t>localbranche</a:t>
-            </a:r>
-            <a:r>
-              <a:rPr lang="fr-FR" b="1" i="1" dirty="0"/>
-              <a:t> :</a:t>
-            </a:r>
-            <a:r>
-              <a:rPr lang="fr-FR" b="1" i="1" dirty="0" err="1" smtClean="0"/>
-              <a:t>rembranche</a:t>
-            </a:r>
-            <a:endParaRPr lang="fr-FR" b="1" i="1" dirty="0" smtClean="0"/>
-          </a:p>
-          <a:p>
-            <a:pPr marL="804863" indent="-182563">
-              <a:tabLst>
-                <a:tab pos="901700" algn="l"/>
-              </a:tabLst>
-            </a:pPr>
-            <a:r>
-              <a:rPr lang="en-US" b="1" i="1" dirty="0" err="1"/>
-              <a:t>git</a:t>
-            </a:r>
-            <a:r>
-              <a:rPr lang="en-US" b="1" i="1" dirty="0"/>
-              <a:t> push --set-upstream origin </a:t>
-            </a:r>
-            <a:r>
-              <a:rPr lang="en-US" b="1" i="1" dirty="0" smtClean="0"/>
-              <a:t>master(propjet existent)</a:t>
-            </a:r>
-            <a:endParaRPr lang="fr-FR" b="1" i="1" dirty="0"/>
-          </a:p>
-          <a:p>
-            <a:pPr marL="779462" indent="-514350">
-              <a:buFont typeface="+mj-lt"/>
-              <a:buAutoNum type="arabicPeriod" startAt="8"/>
-            </a:pPr>
-            <a:r>
-              <a:rPr lang="fr-FR" altLang="fr-FR" dirty="0"/>
-              <a:t>Télécharger les changement de dépôt distant dans le dépôt </a:t>
-            </a:r>
-            <a:r>
-              <a:rPr lang="fr-FR" altLang="fr-FR" dirty="0" smtClean="0"/>
-              <a:t>locale avec</a:t>
-            </a:r>
-          </a:p>
-          <a:p>
-            <a:pPr marL="804863" indent="-182563">
-              <a:tabLst>
-                <a:tab pos="901700" algn="l"/>
-              </a:tabLst>
-            </a:pPr>
-            <a:r>
-              <a:rPr lang="fr-FR" altLang="fr-FR" b="1" i="1" dirty="0"/>
-              <a:t>git </a:t>
-            </a:r>
-            <a:r>
-              <a:rPr lang="fr-FR" altLang="fr-FR" b="1" i="1" dirty="0" smtClean="0"/>
-              <a:t>pull </a:t>
-            </a:r>
-            <a:r>
-              <a:rPr lang="fr-FR" altLang="fr-FR" b="1" i="1" dirty="0" err="1" smtClean="0"/>
-              <a:t>origin</a:t>
-            </a:r>
-            <a:r>
-              <a:rPr lang="fr-FR" altLang="fr-FR" b="1" i="1" dirty="0" smtClean="0"/>
-              <a:t> </a:t>
-            </a:r>
-            <a:r>
-              <a:rPr lang="fr-FR" altLang="fr-FR" dirty="0" smtClean="0"/>
-              <a:t>(applique les commits de l’</a:t>
-            </a:r>
-            <a:r>
-              <a:rPr lang="fr-FR" altLang="fr-FR" dirty="0" err="1" smtClean="0"/>
-              <a:t>origin</a:t>
-            </a:r>
-            <a:r>
-              <a:rPr lang="fr-FR" altLang="fr-FR" dirty="0" smtClean="0"/>
-              <a:t> vers le repo local)</a:t>
-            </a:r>
-            <a:endParaRPr lang="fr-FR" altLang="fr-FR" dirty="0"/>
-          </a:p>
-          <a:p>
-            <a:pPr marL="779462" lvl="1" indent="-514350">
-              <a:spcBef>
-                <a:spcPts val="1000"/>
-              </a:spcBef>
-              <a:buFont typeface="+mj-lt"/>
-              <a:buAutoNum type="arabicPeriod" startAt="9"/>
-              <a:tabLst>
-                <a:tab pos="363538" algn="l"/>
-                <a:tab pos="623888" algn="l"/>
-              </a:tabLst>
-            </a:pPr>
-            <a:r>
-              <a:rPr lang="fr-FR" altLang="fr-FR" sz="2800" dirty="0"/>
-              <a:t>Télécharger les changement de dépôt distant dans le dépôt locale sans intégration de ces nouvelle données dans le repo locale(</a:t>
-            </a:r>
-            <a:r>
-              <a:rPr lang="fr-FR" altLang="fr-FR" sz="2800" dirty="0" err="1"/>
-              <a:t>iniffensive</a:t>
-            </a:r>
-            <a:r>
-              <a:rPr lang="fr-FR" altLang="fr-FR" sz="2800" dirty="0"/>
-              <a:t>)</a:t>
-            </a:r>
-          </a:p>
-          <a:p>
-            <a:pPr marL="820738" lvl="1" indent="-192088">
-              <a:tabLst>
-                <a:tab pos="628650" algn="l"/>
-                <a:tab pos="1163638" algn="l"/>
-              </a:tabLst>
-            </a:pPr>
-            <a:r>
-              <a:rPr lang="fr-FR" altLang="fr-FR" sz="2600" b="1" i="1" dirty="0"/>
-              <a:t>git </a:t>
-            </a:r>
-            <a:r>
-              <a:rPr lang="fr-FR" altLang="fr-FR" sz="2600" b="1" i="1" dirty="0" smtClean="0"/>
-              <a:t>fetch</a:t>
-            </a:r>
-          </a:p>
-          <a:p>
-            <a:pPr marL="779462" lvl="1" indent="-514350">
-              <a:buFont typeface="+mj-lt"/>
-              <a:buAutoNum type="arabicPeriod" startAt="10"/>
-              <a:tabLst>
-                <a:tab pos="363538" algn="l"/>
-                <a:tab pos="622300" algn="l"/>
-                <a:tab pos="623888" algn="l"/>
-              </a:tabLst>
-            </a:pPr>
-            <a:r>
-              <a:rPr lang="fr-FR" altLang="fr-FR" sz="2800" dirty="0"/>
-              <a:t> Intégrer une autre branche à la branche locale </a:t>
-            </a:r>
-            <a:r>
-              <a:rPr lang="fr-FR" altLang="fr-FR" sz="2800" dirty="0" smtClean="0"/>
-              <a:t>courante deux cas </a:t>
-            </a:r>
-          </a:p>
-          <a:p>
-            <a:pPr marL="804863" lvl="1" indent="-182563">
-              <a:spcBef>
-                <a:spcPts val="1000"/>
-              </a:spcBef>
-              <a:tabLst>
-                <a:tab pos="901700" algn="l"/>
-              </a:tabLst>
-            </a:pPr>
-            <a:r>
-              <a:rPr lang="fr-FR" sz="2800" b="1" i="1" dirty="0" smtClean="0">
-                <a:hlinkClick r:id="rId3" action="ppaction://hlinksldjump"/>
-              </a:rPr>
-              <a:t>git merge branch </a:t>
-            </a:r>
-            <a:r>
-              <a:rPr lang="fr-FR" sz="2800" dirty="0" smtClean="0"/>
-              <a:t>(</a:t>
-            </a:r>
-            <a:r>
-              <a:rPr lang="fr-FR" sz="2800" dirty="0" err="1" smtClean="0"/>
-              <a:t>fast</a:t>
-            </a:r>
-            <a:r>
-              <a:rPr lang="fr-FR" sz="2800" dirty="0" smtClean="0"/>
-              <a:t> </a:t>
-            </a:r>
-            <a:r>
-              <a:rPr lang="fr-FR" sz="2800" dirty="0" err="1" smtClean="0"/>
-              <a:t>forward</a:t>
-            </a:r>
-            <a:r>
-              <a:rPr lang="fr-FR" sz="2800" dirty="0" smtClean="0"/>
-              <a:t> dans le cas de non divergence) </a:t>
-            </a:r>
-            <a:endParaRPr lang="fr-FR" sz="2800" dirty="0"/>
-          </a:p>
-          <a:p>
-            <a:pPr marL="804863" lvl="1" indent="-182563">
-              <a:spcBef>
-                <a:spcPts val="1000"/>
-              </a:spcBef>
-              <a:tabLst>
-                <a:tab pos="901700" algn="l"/>
-              </a:tabLst>
-            </a:pPr>
-            <a:r>
-              <a:rPr lang="fr-FR" sz="2800" b="1" i="1" dirty="0" smtClean="0"/>
-              <a:t>git merge –no-</a:t>
-            </a:r>
-            <a:r>
-              <a:rPr lang="fr-FR" sz="2800" b="1" i="1" dirty="0" err="1" smtClean="0"/>
-              <a:t>ff</a:t>
-            </a:r>
-            <a:r>
-              <a:rPr lang="fr-FR" sz="2800" b="1" i="1" dirty="0" smtClean="0"/>
-              <a:t>  branch (</a:t>
-            </a:r>
-            <a:r>
-              <a:rPr lang="fr-FR" sz="2800" dirty="0"/>
-              <a:t>créer un commit pour marqué le merge</a:t>
-            </a:r>
-            <a:r>
-              <a:rPr lang="fr-FR" sz="2800" b="1" i="1" dirty="0" smtClean="0"/>
-              <a:t>)</a:t>
-            </a:r>
-          </a:p>
-          <a:p>
-            <a:pPr marL="804863" lvl="1" indent="-182563">
-              <a:spcBef>
-                <a:spcPts val="1000"/>
-              </a:spcBef>
-              <a:tabLst>
-                <a:tab pos="901700" algn="l"/>
-              </a:tabLst>
-            </a:pPr>
-            <a:r>
-              <a:rPr lang="fr-FR" sz="2800" b="1" i="1" dirty="0" smtClean="0"/>
-              <a:t>git rebase </a:t>
-            </a:r>
-            <a:r>
-              <a:rPr lang="fr-FR" sz="2800" b="1" i="1" dirty="0"/>
-              <a:t>« brancheName</a:t>
-            </a:r>
-            <a:r>
-              <a:rPr lang="fr-FR" sz="2800" dirty="0"/>
-              <a:t>»(modifie l’historique de projet </a:t>
-            </a:r>
-            <a:r>
-              <a:rPr lang="fr-FR" sz="2800" dirty="0" smtClean="0"/>
-              <a:t>)</a:t>
-            </a:r>
-            <a:r>
-              <a:rPr lang="fr-FR" sz="2800" dirty="0" smtClean="0">
-                <a:sym typeface="Wingdings" panose="05000000000000000000" pitchFamily="2" charset="2"/>
-              </a:rPr>
-              <a:t></a:t>
-            </a:r>
-            <a:r>
-              <a:rPr lang="fr-FR" sz="2800" dirty="0" smtClean="0">
-                <a:sym typeface="Wingdings" panose="05000000000000000000" pitchFamily="2" charset="2"/>
-                <a:hlinkClick r:id="rId4" action="ppaction://hlinksldjump"/>
-              </a:rPr>
-              <a:t>Exo</a:t>
-            </a:r>
-            <a:endParaRPr lang="fr-FR" sz="2800" dirty="0"/>
-          </a:p>
-          <a:p>
-            <a:pPr marL="622300" lvl="1" indent="0">
-              <a:spcBef>
-                <a:spcPts val="1000"/>
-              </a:spcBef>
-              <a:buNone/>
-              <a:tabLst>
-                <a:tab pos="901700" algn="l"/>
-              </a:tabLst>
-            </a:pPr>
-            <a:endParaRPr lang="fr-FR" sz="2800" b="1" i="1" dirty="0" smtClean="0"/>
-          </a:p>
-        </p:txBody>
-      </p:sp>
-      <p:sp>
-        <p:nvSpPr>
-          <p:cNvPr id="4" name="Titre 1"/>
-          <p:cNvSpPr>
-            <a:spLocks noGrp="1"/>
-          </p:cNvSpPr>
-          <p:nvPr>
-            <p:ph type="title"/>
-          </p:nvPr>
-        </p:nvSpPr>
-        <p:spPr>
-          <a:xfrm>
-            <a:off x="4904509" y="1"/>
-            <a:ext cx="2382982" cy="570016"/>
-          </a:xfrm>
-        </p:spPr>
-        <p:txBody>
-          <a:bodyPr>
-            <a:normAutofit fontScale="90000"/>
-          </a:bodyPr>
-          <a:lstStyle/>
-          <a:p>
-            <a:pPr algn="ctr"/>
-            <a:r>
-              <a:rPr lang="fr-FR" b="1" dirty="0"/>
-              <a:t>Branches</a:t>
-            </a:r>
-          </a:p>
-        </p:txBody>
-      </p:sp>
-    </p:spTree>
-    <p:extLst>
-      <p:ext uri="{BB962C8B-B14F-4D97-AF65-F5344CB8AC3E}">
-        <p14:creationId xmlns:p14="http://schemas.microsoft.com/office/powerpoint/2010/main" val="964864392"/>
-      </p:ext>
-    </p:extLst>
-  </p:cSld>
-  <p:clrMapOvr>
-    <a:masterClrMapping/>
-  </p:clrMapOvr>
-  <p:timing>
-    <p:tnLst>
-      <p:par>
-        <p:cTn id="1" dur="indefinite" restart="never" nodeType="tmRoot"/>
-      </p:par>
-    </p:tnLst>
-  </p:timing>
 </p:sld>
 </file>
 
@@ -12290,8 +13067,8 @@
         </p:nvSpPr>
         <p:spPr>
           <a:xfrm>
-            <a:off x="95002" y="994856"/>
-            <a:ext cx="12192000" cy="5432256"/>
+            <a:off x="0" y="909705"/>
+            <a:ext cx="12192000" cy="5948295"/>
           </a:xfrm>
           <a:prstGeom prst="rect">
             <a:avLst/>
@@ -12312,15 +13089,39 @@
                 <a:spcPts val="1000"/>
               </a:spcBef>
               <a:buFont typeface="+mj-lt"/>
-              <a:buAutoNum type="romanUcPeriod" startAt="8"/>
-            </a:pPr>
+              <a:buAutoNum type="romanUcPeriod" startAt="10"/>
+            </a:pPr>
+            <a:r>
+              <a:rPr lang="fr-FR" sz="2800" b="1" dirty="0" smtClean="0"/>
+              <a:t>workflow </a:t>
+            </a:r>
             <a:r>
               <a:rPr lang="fr-FR" sz="2800" b="1" dirty="0"/>
-              <a:t>workflow de </a:t>
+              <a:t>de </a:t>
             </a:r>
             <a:r>
               <a:rPr lang="fr-FR" sz="2800" b="1" dirty="0" smtClean="0"/>
-              <a:t>branches:</a:t>
+              <a:t>branches</a:t>
+            </a:r>
+            <a:r>
+              <a:rPr lang="fr-FR" sz="2800" b="1" dirty="0" smtClean="0"/>
+              <a:t>:</a:t>
+            </a:r>
+          </a:p>
+          <a:p>
+            <a:pPr marL="514350" indent="-423863">
+              <a:lnSpc>
+                <a:spcPct val="90000"/>
+              </a:lnSpc>
+              <a:spcBef>
+                <a:spcPts val="1000"/>
+              </a:spcBef>
+              <a:buFont typeface="+mj-lt"/>
+              <a:buAutoNum type="alphaLcPeriod"/>
+            </a:pPr>
+            <a:r>
+              <a:rPr lang="fr-FR" sz="2800" b="1" dirty="0" smtClean="0"/>
+              <a:t>Définition:</a:t>
             </a:r>
             <a:endParaRPr lang="fr-FR" sz="2800" b="1" dirty="0"/>
           </a:p>
@@ -12486,23 +13287,11 @@
             </a:r>
             <a:r>
               <a:rPr lang="fr-FR" sz="2800" dirty="0"/>
-              <a:t> </a:t>
-            </a:r>
-            <a:r>
-              <a:rPr lang="fr-FR" sz="2800" dirty="0"/>
-              <a:t>Workflow </a:t>
+              <a:t> Workflow </a:t>
             </a:r>
             <a:r>
               <a:rPr lang="fr-FR" sz="2800" dirty="0" smtClean="0"/>
-              <a:t> </a:t>
-            </a:r>
-            <a:r>
-              <a:rPr lang="fr-FR" sz="2800" dirty="0" err="1" smtClean="0"/>
-              <a:t>GitFlow</a:t>
-            </a:r>
-            <a:r>
-              <a:rPr lang="fr-FR" sz="2800" dirty="0" smtClean="0"/>
-              <a:t> </a:t>
+              <a:t> GitFlow </a:t>
             </a:r>
             <a:r>
               <a:rPr lang="fr-FR" sz="2800" dirty="0"/>
@@ -12512,6 +13301,7 @@
               <a:rPr lang="fr-FR" sz="2800" dirty="0" smtClean="0"/>
               <a:t>).</a:t>
             </a:r>
+            <a:endParaRPr lang="fr-FR" sz="2800" dirty="0" smtClean="0"/>
           </a:p>
         </p:txBody>
       </p:sp>
@@ -12590,34 +13380,234 @@
           <a:chExt cx="0" cy="0"/>
         </a:xfrm>
       </p:grpSpPr>
-      <p:pic>
-        <p:nvPicPr>
-          <p:cNvPr id="2" name="Image 1"/>
-          <p:cNvPicPr>
-            <a:picLocks noChangeAspect="1"/>
-          </p:cNvPicPr>
-          <p:nvPr/>
-        </p:nvPicPr>
-        <p:blipFill>
-          <a:blip r:embed="rId3"/>
-          <a:stretch>
-            <a:fillRect/>
-          </a:stretch>
-        </p:blipFill>
+      <p:sp>
+        <p:nvSpPr>
+          <p:cNvPr id="3" name="Espace réservé du contenu 2"/>
+          <p:cNvSpPr>
+            <a:spLocks noGrp="1"/>
+          </p:cNvSpPr>
+          <p:nvPr>
+            <p:ph idx="1"/>
+          </p:nvPr>
+        </p:nvSpPr>
         <p:spPr>
           <a:xfrm>
-            <a:off x="261257" y="357187"/>
-            <a:ext cx="9916205" cy="6143625"/>
+            <a:off x="0" y="1061314"/>
+            <a:ext cx="12191999" cy="5836752"/>
+          </a:xfrm>
+        </p:spPr>
+        <p:txBody>
+          <a:bodyPr>
+            <a:normAutofit lnSpcReduction="10000"/>
+          </a:bodyPr>
+          <a:lstStyle/>
+          <a:p>
+            <a:pPr marL="514350" indent="-514350">
+              <a:buFont typeface="+mj-lt"/>
+              <a:buAutoNum type="arabicPeriod"/>
+            </a:pPr>
+            <a:r>
+              <a:rPr lang="fr-FR" b="1" dirty="0"/>
+              <a:t>Workflow </a:t>
+            </a:r>
+            <a:r>
+              <a:rPr lang="fr-FR" b="1" dirty="0" smtClean="0"/>
+              <a:t>centralisé :</a:t>
+            </a:r>
+          </a:p>
+          <a:p>
+            <a:pPr marL="357187" indent="0">
+              <a:buNone/>
+            </a:pPr>
+            <a:r>
+              <a:rPr lang="fr-FR" dirty="0" smtClean="0"/>
+              <a:t>Toute l’équipe travail sur la branche master.</a:t>
+            </a:r>
+          </a:p>
+          <a:p>
+            <a:pPr marL="622300" indent="-265113"/>
+            <a:r>
+              <a:rPr lang="fr-FR" dirty="0" smtClean="0"/>
+              <a:t>Le code n’as pas besoin d’être contrôlé.</a:t>
+            </a:r>
+          </a:p>
+          <a:p>
+            <a:pPr marL="622300" indent="-265113"/>
+            <a:r>
+              <a:rPr lang="fr-FR" dirty="0" smtClean="0"/>
+              <a:t>On travail seule ou bien équipe hétérogène (chaque membre est spécialisé front-end back-end )</a:t>
+            </a:r>
+            <a:endParaRPr lang="fr-FR" dirty="0"/>
+          </a:p>
+          <a:p>
+            <a:pPr marL="622300" indent="-265113"/>
+            <a:r>
+              <a:rPr lang="fr-FR" dirty="0"/>
+              <a:t>On veut livré </a:t>
+            </a:r>
+            <a:r>
+              <a:rPr lang="fr-FR" dirty="0" smtClean="0"/>
+              <a:t>rapidement.</a:t>
+            </a:r>
+            <a:endParaRPr lang="fr-FR" dirty="0"/>
+          </a:p>
+          <a:p>
+            <a:pPr marL="514350" indent="-514350">
+              <a:buFont typeface="+mj-lt"/>
+              <a:buAutoNum type="arabicPeriod" startAt="2"/>
+            </a:pPr>
+            <a:r>
+              <a:rPr lang="fr-FR" b="1" dirty="0"/>
+              <a:t>Workflow de </a:t>
+            </a:r>
+            <a:r>
+              <a:rPr lang="fr-FR" b="1" dirty="0" smtClean="0"/>
+              <a:t>branch </a:t>
+            </a:r>
+            <a:r>
+              <a:rPr lang="fr-FR" b="1" dirty="0"/>
+              <a:t>par </a:t>
+            </a:r>
+            <a:r>
+              <a:rPr lang="fr-FR" b="1" dirty="0" smtClean="0"/>
+              <a:t>fonctionnalité:</a:t>
+            </a:r>
+          </a:p>
+          <a:p>
+            <a:pPr marL="357188" indent="0">
+              <a:buNone/>
+            </a:pPr>
+            <a:r>
+              <a:rPr lang="fr-FR" dirty="0" smtClean="0"/>
+              <a:t>Le </a:t>
+            </a:r>
+            <a:r>
+              <a:rPr lang="fr-FR" dirty="0"/>
+              <a:t>développeur créer une </a:t>
+            </a:r>
+            <a:r>
+              <a:rPr lang="fr-FR" dirty="0" smtClean="0"/>
+              <a:t>branche </a:t>
+            </a:r>
+            <a:r>
+              <a:rPr lang="fr-FR" dirty="0"/>
+              <a:t>à chaque fois qu’il </a:t>
+            </a:r>
+            <a:r>
+              <a:rPr lang="fr-FR" dirty="0" smtClean="0"/>
+              <a:t>commencent à implémenté </a:t>
+            </a:r>
+            <a:r>
+              <a:rPr lang="fr-FR" dirty="0"/>
+              <a:t>une nouvelle </a:t>
+            </a:r>
+            <a:r>
+              <a:rPr lang="fr-FR" dirty="0" smtClean="0"/>
+              <a:t>fonctionnalité. </a:t>
+            </a:r>
+          </a:p>
+          <a:p>
+            <a:pPr marL="622300" indent="-266700"/>
+            <a:r>
+              <a:rPr lang="fr-FR" dirty="0"/>
+              <a:t>Branche master est l’historique du projet(branch pérenne) </a:t>
+            </a:r>
+            <a:r>
+              <a:rPr lang="fr-FR" dirty="0" smtClean="0"/>
+              <a:t>testé et sans bugs.</a:t>
+            </a:r>
+            <a:endParaRPr lang="fr-FR" dirty="0"/>
+          </a:p>
+          <a:p>
+            <a:pPr marL="622300" indent="-265113"/>
+            <a:r>
+              <a:rPr lang="fr-FR" dirty="0" smtClean="0"/>
+              <a:t>La nouvelle branche doit avoir un nom descriptive et pusher au dépôt centrale.</a:t>
+            </a:r>
+          </a:p>
+          <a:p>
+            <a:pPr marL="622300" indent="-265113"/>
+            <a:r>
+              <a:rPr lang="fr-FR" dirty="0" smtClean="0"/>
+              <a:t>La </a:t>
+            </a:r>
+            <a:r>
+              <a:rPr lang="fr-FR" dirty="0"/>
+              <a:t>nouvelle </a:t>
+            </a:r>
+            <a:r>
+              <a:rPr lang="fr-FR" dirty="0" smtClean="0"/>
+              <a:t>branche doit </a:t>
+            </a:r>
+            <a:r>
+              <a:rPr lang="fr-FR" dirty="0"/>
+              <a:t>être</a:t>
+            </a:r>
+            <a:r>
+              <a:rPr lang="fr-FR" dirty="0" smtClean="0"/>
+              <a:t> mergé  au master avec un pull request.</a:t>
+            </a:r>
+          </a:p>
+          <a:p>
+            <a:pPr marL="622300" indent="-265113"/>
+            <a:r>
+              <a:rPr lang="fr-FR" dirty="0" smtClean="0"/>
+              <a:t>Permet de tiré profit des pull request( discussion autours d‘une branche).</a:t>
+            </a:r>
+            <a:endParaRPr lang="fr-FR" dirty="0"/>
+          </a:p>
+        </p:txBody>
+      </p:sp>
+      <p:sp>
+        <p:nvSpPr>
+          <p:cNvPr id="5" name="ZoneTexte 4"/>
+          <p:cNvSpPr txBox="1"/>
+          <p:nvPr/>
+        </p:nvSpPr>
+        <p:spPr>
+          <a:xfrm>
+            <a:off x="3838370" y="0"/>
+            <a:ext cx="6250010" cy="707886"/>
           </a:xfrm>
           <a:prstGeom prst="rect">
             <a:avLst/>
           </a:prstGeom>
+          <a:noFill/>
         </p:spPr>
-      </p:pic>
+        <p:txBody>
+          <a:bodyPr wrap="square" rtlCol="0">
+            <a:spAutoFit/>
+          </a:bodyPr>
+          <a:lstStyle/>
+          <a:p>
+            <a:r>
+              <a:rPr lang="fr-FR" sz="4000" b="1" dirty="0">
+                <a:latin typeface="+mj-lt"/>
+                <a:ea typeface="+mj-ea"/>
+                <a:cs typeface="+mj-cs"/>
+              </a:rPr>
+              <a:t>workflow de </a:t>
+            </a:r>
+            <a:r>
+              <a:rPr lang="fr-FR" sz="4000" b="1" dirty="0" smtClean="0">
+                <a:latin typeface="+mj-lt"/>
+                <a:ea typeface="+mj-ea"/>
+                <a:cs typeface="+mj-cs"/>
+              </a:rPr>
+              <a:t>branches (suite)</a:t>
+            </a:r>
+            <a:r>
+              <a:rPr lang="fr-FR" b="1" dirty="0" smtClean="0"/>
+              <a:t>:</a:t>
+            </a:r>
+            <a:endParaRPr lang="fr-FR" b="1" dirty="0"/>
+          </a:p>
+        </p:txBody>
+      </p:sp>
     </p:spTree>
     <p:extLst>
       <p:ext uri="{BB962C8B-B14F-4D97-AF65-F5344CB8AC3E}">
-        <p14:creationId xmlns:p14="http://schemas.microsoft.com/office/powerpoint/2010/main" val="3306142910"/>
+        <p14:creationId xmlns:p14="http://schemas.microsoft.com/office/powerpoint/2010/main" val="194077117"/>
       </p:ext>
     </p:extLst>
   </p:cSld>
@@ -12663,8 +13653,8 @@
         </p:nvSpPr>
         <p:spPr>
           <a:xfrm>
-            <a:off x="0" y="1061314"/>
-            <a:ext cx="12191999" cy="5836752"/>
+            <a:off x="0" y="869428"/>
+            <a:ext cx="12192000" cy="5988571"/>
           </a:xfrm>
         </p:spPr>
         <p:txBody>
@@ -12675,179 +13665,229 @@
           <a:p>
             <a:pPr marL="514350" indent="-514350">
               <a:buFont typeface="+mj-lt"/>
-              <a:buAutoNum type="arabicPeriod"/>
-            </a:pPr>
+              <a:buAutoNum type="arabicPeriod" startAt="3"/>
+            </a:pPr>
+            <a:r>
+              <a:rPr lang="fr-FR" b="1" dirty="0" smtClean="0"/>
+              <a:t>Workflow  GitFlow :</a:t>
+            </a:r>
+          </a:p>
+          <a:p>
+            <a:pPr marL="449263" indent="0">
+              <a:tabLst>
+                <a:tab pos="449263" algn="l"/>
+              </a:tabLst>
+            </a:pPr>
+            <a:r>
+              <a:rPr lang="fr-FR" dirty="0" smtClean="0"/>
+              <a:t>Un modèle de branchement stricte.</a:t>
+            </a:r>
+          </a:p>
+          <a:p>
+            <a:pPr marL="449263" indent="0"/>
+            <a:r>
+              <a:rPr lang="fr-FR" dirty="0" smtClean="0"/>
+              <a:t>Branches </a:t>
+            </a:r>
+            <a:r>
+              <a:rPr lang="fr-FR" dirty="0"/>
+              <a:t>de fonctions sont bifurqué depuis la branche </a:t>
+            </a:r>
+            <a:r>
+              <a:rPr lang="fr-FR" dirty="0" smtClean="0"/>
+              <a:t>«</a:t>
+            </a:r>
+            <a:r>
+              <a:rPr lang="fr-FR" b="1" dirty="0" smtClean="0"/>
+              <a:t>develop</a:t>
+            </a:r>
+            <a:r>
+              <a:rPr lang="fr-FR" dirty="0" smtClean="0"/>
+              <a:t>»</a:t>
+            </a:r>
+            <a:endParaRPr lang="fr-FR" dirty="0"/>
+          </a:p>
+          <a:p>
+            <a:pPr marL="449263" indent="0"/>
+            <a:r>
+              <a:rPr lang="fr-FR" dirty="0" smtClean="0"/>
+              <a:t>«</a:t>
+            </a:r>
+            <a:r>
+              <a:rPr lang="fr-FR" b="1" dirty="0" smtClean="0"/>
+              <a:t>Main</a:t>
+            </a:r>
+            <a:r>
+              <a:rPr lang="fr-FR" dirty="0" smtClean="0"/>
+              <a:t>» contient le code  prêt à la production qui peu être publié .</a:t>
+            </a:r>
+          </a:p>
+          <a:p>
+            <a:pPr marL="449263" indent="0"/>
+            <a:r>
+              <a:rPr lang="fr-FR" dirty="0" smtClean="0"/>
+              <a:t>«</a:t>
+            </a:r>
+            <a:r>
+              <a:rPr lang="fr-FR" b="1" dirty="0" smtClean="0"/>
+              <a:t>develop</a:t>
+            </a:r>
+            <a:r>
+              <a:rPr lang="fr-FR" dirty="0" smtClean="0"/>
+              <a:t>» branche de développement et d’intégration(zone de transit). </a:t>
+            </a:r>
+          </a:p>
+          <a:p>
+            <a:pPr marL="449263" indent="0"/>
+            <a:r>
+              <a:rPr lang="fr-FR" dirty="0" smtClean="0"/>
+              <a:t>Chaque fonction à sa propre branche à la fin sera intégré à «</a:t>
+            </a:r>
+            <a:r>
+              <a:rPr lang="fr-FR" b="1" dirty="0" smtClean="0"/>
+              <a:t>develop</a:t>
+            </a:r>
+            <a:r>
+              <a:rPr lang="fr-FR" dirty="0" smtClean="0"/>
+              <a:t>» </a:t>
+            </a:r>
+          </a:p>
+          <a:p>
+            <a:pPr marL="449263" indent="0"/>
+            <a:r>
+              <a:rPr lang="fr-FR" dirty="0" smtClean="0"/>
+              <a:t>Branches de versions sert à séparé un code préparé pour un déploiement bifurqué depuis </a:t>
+            </a:r>
+            <a:r>
+              <a:rPr lang="fr-FR" dirty="0"/>
+              <a:t>« </a:t>
+            </a:r>
             <a:r>
               <a:rPr lang="fr-FR" b="1" dirty="0"/>
-              <a:t>Workflow </a:t>
+              <a:t>develop</a:t>
+            </a:r>
+            <a:r>
+              <a:rPr lang="fr-FR" dirty="0"/>
+              <a:t> </a:t>
+            </a:r>
+            <a:r>
+              <a:rPr lang="fr-FR" dirty="0" smtClean="0"/>
+              <a:t>» et déployé dans un environnement de teste.</a:t>
+            </a:r>
+          </a:p>
+          <a:p>
+            <a:pPr marL="449263" indent="0"/>
+            <a:r>
+              <a:rPr lang="fr-FR" dirty="0" smtClean="0"/>
+              <a:t>Merger le release vers «</a:t>
             </a:r>
             <a:r>
               <a:rPr lang="fr-FR" b="1" dirty="0" smtClean="0"/>
-              <a:t>centralisé :</a:t>
-            </a:r>
-          </a:p>
-          <a:p>
-            <a:pPr marL="357187" indent="0">
-              <a:buNone/>
-            </a:pPr>
-            <a:r>
-              <a:rPr lang="fr-FR" dirty="0" smtClean="0"/>
-              <a:t>Toute l’équipe travail sur la branche </a:t>
-            </a:r>
-            <a:r>
-              <a:rPr lang="fr-FR" dirty="0" smtClean="0"/>
-              <a:t>master.</a:t>
-            </a:r>
-            <a:endParaRPr lang="fr-FR" dirty="0" smtClean="0"/>
-          </a:p>
-          <a:p>
-            <a:pPr marL="622300" indent="-265113"/>
-            <a:r>
-              <a:rPr lang="fr-FR" dirty="0" smtClean="0"/>
-              <a:t>Le code n’as pas besoin d’être contrôlé.</a:t>
-            </a:r>
-          </a:p>
-          <a:p>
-            <a:pPr marL="622300" indent="-265113"/>
-            <a:r>
-              <a:rPr lang="fr-FR" dirty="0" smtClean="0"/>
-              <a:t>On travail seule ou bien équipe hétérogène (chaque membre est spécialisé front-end back-end )</a:t>
-            </a:r>
-            <a:endParaRPr lang="fr-FR" dirty="0"/>
-          </a:p>
-          <a:p>
-            <a:pPr marL="622300" indent="-265113"/>
+              <a:t>develop</a:t>
+            </a:r>
+            <a:r>
+              <a:rPr lang="fr-FR" dirty="0" smtClean="0"/>
+              <a:t> »</a:t>
+            </a:r>
             <a:r>
               <a:rPr lang="fr-FR" dirty="0"/>
-              <a:t>On veut livré </a:t>
-            </a:r>
-            <a:r>
-              <a:rPr lang="fr-FR" dirty="0" smtClean="0"/>
-              <a:t>rapidement.</a:t>
-            </a:r>
-            <a:endParaRPr lang="fr-FR" dirty="0"/>
-          </a:p>
-          <a:p>
-            <a:pPr marL="514350" indent="-514350">
-              <a:buFont typeface="+mj-lt"/>
-              <a:buAutoNum type="arabicPeriod" startAt="2"/>
-            </a:pPr>
+              <a:t> </a:t>
+            </a:r>
+            <a:r>
+              <a:rPr lang="fr-FR" dirty="0" smtClean="0"/>
+              <a:t> et master à la fin des testes.</a:t>
+            </a:r>
+          </a:p>
+          <a:p>
+            <a:pPr marL="449263" indent="0"/>
+            <a:r>
+              <a:rPr lang="fr-FR" dirty="0" smtClean="0"/>
+              <a:t>La branche «</a:t>
+            </a:r>
             <a:r>
               <a:rPr lang="fr-FR" b="1" dirty="0"/>
-              <a:t>Workflow de </a:t>
+              <a:t>Main</a:t>
+            </a:r>
+            <a:r>
+              <a:rPr lang="fr-FR" dirty="0" smtClean="0"/>
+              <a:t>» suit uniquement les releases(les commits vers «</a:t>
             </a:r>
             <a:r>
               <a:rPr lang="fr-FR" b="1" dirty="0" smtClean="0"/>
-              <a:t>branch </a:t>
-            </a:r>
-            <a:r>
-              <a:rPr lang="fr-FR" b="1" dirty="0"/>
-              <a:t>par </a:t>
+              <a:t>Main</a:t>
+            </a:r>
+            <a:r>
+              <a:rPr lang="fr-FR" dirty="0" smtClean="0"/>
+              <a:t>» sont des merges des branches « </a:t>
             </a:r>
             <a:r>
               <a:rPr lang="fr-FR" b="1" dirty="0" smtClean="0"/>
-              <a:t>fonctionnalité:</a:t>
-            </a:r>
-          </a:p>
-          <a:p>
-            <a:pPr marL="357188" indent="0">
-              <a:buNone/>
-            </a:pPr>
-            <a:r>
-              <a:rPr lang="fr-FR" dirty="0" smtClean="0"/>
-              <a:t>Le </a:t>
-            </a:r>
-            <a:r>
-              <a:rPr lang="fr-FR" dirty="0"/>
-              <a:t>développeur créer une </a:t>
-            </a:r>
-            <a:r>
-              <a:rPr lang="fr-FR" dirty="0" smtClean="0"/>
-              <a:t>branche </a:t>
-            </a:r>
-            <a:r>
-              <a:rPr lang="fr-FR" dirty="0"/>
-              <a:t>à chaque fois qu’il </a:t>
-            </a:r>
-            <a:r>
-              <a:rPr lang="fr-FR" dirty="0" smtClean="0"/>
-              <a:t>commencent à implémenté </a:t>
-            </a:r>
-            <a:r>
-              <a:rPr lang="fr-FR" dirty="0"/>
-              <a:t>une nouvelle </a:t>
-            </a:r>
-            <a:r>
-              <a:rPr lang="fr-FR" dirty="0" smtClean="0"/>
-              <a:t>fonctionnalité. </a:t>
-            </a:r>
-          </a:p>
-          <a:p>
-            <a:pPr marL="622300" indent="-266700"/>
-            <a:r>
-              <a:rPr lang="fr-FR" dirty="0"/>
-              <a:t>Branche master est l’historique du projet(branch pérenne</a:t>
-            </a:r>
-            <a:r>
-              <a:rPr lang="fr-FR" dirty="0"/>
-              <a:t>) </a:t>
-            </a:r>
-            <a:r>
-              <a:rPr lang="fr-FR" dirty="0" smtClean="0"/>
-              <a:t>testé et sans bugs.</a:t>
-            </a:r>
-            <a:endParaRPr lang="fr-FR" dirty="0"/>
-          </a:p>
-          <a:p>
-            <a:pPr marL="622300" indent="-265113"/>
-            <a:r>
-              <a:rPr lang="fr-FR" dirty="0" smtClean="0"/>
-              <a:t>La nouvelle branche doit avoir un nom descriptive et pusher au dépôt centrale.</a:t>
-            </a:r>
-          </a:p>
-          <a:p>
-            <a:pPr marL="622300" indent="-265113"/>
-            <a:r>
-              <a:rPr lang="fr-FR" dirty="0" smtClean="0"/>
-              <a:t>La </a:t>
-            </a:r>
-            <a:r>
-              <a:rPr lang="fr-FR" dirty="0"/>
-              <a:t>nouvelle </a:t>
-            </a:r>
-            <a:r>
-              <a:rPr lang="fr-FR" dirty="0" smtClean="0"/>
-              <a:t>branche doit </a:t>
-            </a:r>
-            <a:r>
-              <a:rPr lang="fr-FR" dirty="0"/>
-              <a:t>être</a:t>
-            </a:r>
-            <a:r>
-              <a:rPr lang="fr-FR" dirty="0" smtClean="0"/>
-              <a:t> mergé  au master avec un pull request.</a:t>
-            </a:r>
-          </a:p>
-          <a:p>
-            <a:pPr marL="622300" indent="-265113"/>
-            <a:r>
-              <a:rPr lang="fr-FR" dirty="0" smtClean="0"/>
-              <a:t>Permet de tiré profit des pull request( discussion autours d‘une branche).</a:t>
-            </a:r>
-            <a:endParaRPr lang="fr-FR" dirty="0"/>
+              <a:t>release</a:t>
+            </a:r>
+            <a:r>
+              <a:rPr lang="fr-FR" dirty="0" smtClean="0"/>
+              <a:t>» et «</a:t>
+            </a:r>
+            <a:r>
+              <a:rPr lang="fr-FR" b="1" dirty="0" smtClean="0"/>
+              <a:t>hotfix</a:t>
+            </a:r>
+            <a:r>
+              <a:rPr lang="fr-FR" dirty="0" smtClean="0"/>
+              <a:t>») après contrôles et testes. </a:t>
+            </a:r>
+          </a:p>
+          <a:p>
+            <a:pPr marL="449263" indent="0"/>
+            <a:r>
+              <a:rPr lang="fr-FR" dirty="0" smtClean="0"/>
+              <a:t>Branche « </a:t>
+            </a:r>
+            <a:r>
+              <a:rPr lang="fr-FR" b="1" dirty="0" smtClean="0"/>
+              <a:t>hotfix</a:t>
+            </a:r>
+            <a:r>
+              <a:rPr lang="fr-FR" dirty="0" smtClean="0"/>
+              <a:t> » bifurqué depuis master pour fixer un bug dans « </a:t>
+            </a:r>
+            <a:r>
+              <a:rPr lang="fr-FR" b="1" dirty="0" smtClean="0"/>
+              <a:t>Main</a:t>
+            </a:r>
+            <a:r>
+              <a:rPr lang="fr-FR" dirty="0" smtClean="0"/>
+              <a:t>» . Chaque changement est mergé vers «</a:t>
+            </a:r>
+            <a:r>
+              <a:rPr lang="fr-FR" b="1" dirty="0" smtClean="0"/>
+              <a:t>Main</a:t>
+            </a:r>
+            <a:r>
+              <a:rPr lang="fr-FR" dirty="0" smtClean="0"/>
+              <a:t>» et « </a:t>
+            </a:r>
+            <a:r>
+              <a:rPr lang="fr-FR" b="1" dirty="0" smtClean="0"/>
+              <a:t>develop</a:t>
+            </a:r>
+            <a:r>
+              <a:rPr lang="fr-FR" dirty="0" smtClean="0"/>
+              <a:t> ».</a:t>
+            </a:r>
           </a:p>
         </p:txBody>
       </p:sp>
       <p:sp>
         <p:nvSpPr>
-          <p:cNvPr id="5" name="ZoneTexte 4"/>
+          <p:cNvPr id="4" name="ZoneTexte 3"/>
           <p:cNvSpPr txBox="1"/>
           <p:nvPr/>
         </p:nvSpPr>
         <p:spPr>
           <a:xfrm>
-            <a:off x="3838371" y="0"/>
-            <a:ext cx="4705262" cy="707886"/>
+            <a:off x="3838370" y="0"/>
+            <a:ext cx="6369931" cy="707886"/>
           </a:xfrm>
           <a:prstGeom prst="rect">
             <a:avLst/>
@@ -12855,7 +13895,7 @@
           <a:noFill/>
         </p:spPr>
         <p:txBody>
-          <a:bodyPr wrap="none" rtlCol="0">
+          <a:bodyPr wrap="square" rtlCol="0">
             <a:spAutoFit/>
           </a:bodyPr>
           <a:lstStyle/>
@@ -12866,7 +13906,15 @@
                 <a:ea typeface="+mj-ea"/>
                 <a:cs typeface="+mj-cs"/>
               </a:rPr>
-              <a:t>workflow de branches</a:t>
+              <a:t>workflow de </a:t>
+            </a:r>
+            <a:r>
+              <a:rPr lang="fr-FR" sz="4000" b="1" dirty="0" smtClean="0">
+                <a:latin typeface="+mj-lt"/>
+                <a:ea typeface="+mj-ea"/>
+                <a:cs typeface="+mj-cs"/>
+              </a:rPr>
+              <a:t>branches (suite)</a:t>
             </a:r>
             <a:r>
               <a:rPr lang="fr-FR" b="1" dirty="0" smtClean="0"/>
@@ -12879,7 +13927,7 @@
     </p:spTree>
     <p:extLst>
       <p:ext uri="{BB962C8B-B14F-4D97-AF65-F5344CB8AC3E}">
-        <p14:creationId xmlns:p14="http://schemas.microsoft.com/office/powerpoint/2010/main" val="194077117"/>
+        <p14:creationId xmlns:p14="http://schemas.microsoft.com/office/powerpoint/2010/main" val="3814607099"/>
       </p:ext>
     </p:extLst>
   </p:cSld>
@@ -12915,182 +13963,194 @@
       </p:grpSpPr>
       <p:sp>
         <p:nvSpPr>
-          <p:cNvPr id="4" name="Titre 1"/>
-          <p:cNvSpPr txBox="1">
-            <a:spLocks/>
-          </p:cNvSpPr>
-          <p:nvPr/>
+          <p:cNvPr id="3" name="Espace réservé du contenu 2"/>
+          <p:cNvSpPr>
+            <a:spLocks noGrp="1"/>
+          </p:cNvSpPr>
+          <p:nvPr>
+            <p:ph idx="1"/>
+          </p:nvPr>
         </p:nvSpPr>
         <p:spPr>
           <a:xfrm>
-            <a:off x="4639917" y="0"/>
-            <a:ext cx="2912165" cy="628788"/>
+            <a:off x="0" y="1139252"/>
+            <a:ext cx="12192000" cy="5718748"/>
+          </a:xfrm>
+        </p:spPr>
+        <p:txBody>
+          <a:bodyPr/>
+          <a:lstStyle/>
+          <a:p>
+            <a:pPr marL="514350" indent="-334963">
+              <a:buFont typeface="+mj-lt"/>
+              <a:buAutoNum type="alphaLcPeriod"/>
+            </a:pPr>
+            <a:r>
+              <a:rPr lang="fr-FR" b="1" dirty="0"/>
+              <a:t> Avantages:</a:t>
+            </a:r>
+          </a:p>
+          <a:p>
+            <a:pPr marL="539750" indent="-179388">
+              <a:tabLst>
+                <a:tab pos="449263" algn="l"/>
+              </a:tabLst>
+            </a:pPr>
+            <a:r>
+              <a:rPr lang="fr-FR" dirty="0"/>
+              <a:t>Vérification du code avant l’intégration dans les versions.</a:t>
+            </a:r>
+          </a:p>
+          <a:p>
+            <a:pPr marL="539750" indent="-179388"/>
+            <a:r>
+              <a:rPr lang="fr-FR" dirty="0"/>
+              <a:t>Adapté au modèle de versions traditionnel(planification des versions)</a:t>
+            </a:r>
+          </a:p>
+          <a:p>
+            <a:pPr marL="636587" indent="-457200"/>
+            <a:r>
+              <a:rPr lang="fr-FR" dirty="0"/>
+              <a:t>Adapté  quand on à plusieurs versions en production</a:t>
+            </a:r>
+            <a:r>
+              <a:rPr lang="fr-FR" dirty="0" smtClean="0"/>
+              <a:t>.</a:t>
+            </a:r>
+          </a:p>
+          <a:p>
+            <a:pPr marL="636587" indent="-457200"/>
+            <a:r>
+              <a:rPr lang="fr-FR" dirty="0" smtClean="0"/>
+              <a:t>Séparer </a:t>
+            </a:r>
+            <a:r>
+              <a:rPr lang="fr-FR" dirty="0"/>
+              <a:t>le nouveau </a:t>
+            </a:r>
+            <a:r>
+              <a:rPr lang="fr-FR" dirty="0" smtClean="0"/>
+              <a:t>développement </a:t>
+            </a:r>
+            <a:r>
+              <a:rPr lang="fr-FR" dirty="0"/>
+              <a:t>de travail </a:t>
+            </a:r>
+            <a:r>
+              <a:rPr lang="fr-FR" dirty="0" smtClean="0"/>
+              <a:t>achevé(</a:t>
+            </a:r>
+            <a:r>
+              <a:rPr lang="fr-FR" dirty="0"/>
+              <a:t>développement </a:t>
+            </a:r>
+            <a:r>
+              <a:rPr lang="fr-FR" dirty="0" smtClean="0"/>
+              <a:t> parallèle).</a:t>
+            </a:r>
+            <a:endParaRPr lang="fr-FR" dirty="0"/>
+          </a:p>
+          <a:p>
+            <a:pPr marL="514350" indent="-514350">
+              <a:buFont typeface="+mj-lt"/>
+              <a:buAutoNum type="alphaLcPeriod" startAt="2"/>
+            </a:pPr>
+            <a:r>
+              <a:rPr lang="fr-FR" b="1" dirty="0" smtClean="0"/>
+              <a:t>Inconvénients:</a:t>
+            </a:r>
+          </a:p>
+          <a:p>
+            <a:pPr marL="636587" indent="-457200"/>
+            <a:r>
+              <a:rPr lang="fr-FR" dirty="0" smtClean="0"/>
+              <a:t>Ralentir le développement lorsque on à de grandes demande d’</a:t>
+            </a:r>
+            <a:r>
+              <a:rPr lang="fr-FR" dirty="0"/>
+              <a:t>e</a:t>
+            </a:r>
+            <a:r>
+              <a:rPr lang="fr-FR" dirty="0" smtClean="0"/>
+              <a:t>xtraction (pull request).</a:t>
+            </a:r>
+          </a:p>
+          <a:p>
+            <a:pPr marL="636587" indent="-457200"/>
+            <a:r>
+              <a:rPr lang="fr-FR" dirty="0" smtClean="0"/>
+              <a:t>Perte du Temps dans l’intégration des grandes fonctionnalité  </a:t>
+            </a:r>
+            <a:r>
+              <a:rPr lang="fr-FR" dirty="0"/>
+              <a:t>e</a:t>
+            </a:r>
+            <a:r>
+              <a:rPr lang="fr-FR" dirty="0" smtClean="0"/>
+              <a:t>t la résolution des conflits et exécution de plusieurs cycle de teste (deploy, test, fix).</a:t>
+            </a:r>
+          </a:p>
+          <a:p>
+            <a:pPr marL="636587" indent="-457200"/>
+            <a:r>
+              <a:rPr lang="fr-FR" dirty="0" smtClean="0"/>
+              <a:t>L’historique de projet est rempli de commits de merge</a:t>
+            </a:r>
+            <a:endParaRPr lang="fr-FR" dirty="0"/>
+          </a:p>
+        </p:txBody>
+      </p:sp>
+      <p:sp>
+        <p:nvSpPr>
+          <p:cNvPr id="4" name="ZoneTexte 3"/>
+          <p:cNvSpPr txBox="1"/>
+          <p:nvPr/>
+        </p:nvSpPr>
+        <p:spPr>
+          <a:xfrm>
+            <a:off x="3838370" y="0"/>
+            <a:ext cx="6369931" cy="707886"/>
           </a:xfrm>
           <a:prstGeom prst="rect">
             <a:avLst/>
           </a:prstGeom>
+          <a:noFill/>
         </p:spPr>
         <p:txBody>
-          <a:bodyPr vert="horz" lIns="91440" tIns="45720" rIns="91440" bIns="45720" rtlCol="0" anchor="ctr">
-            <a:normAutofit fontScale="90000" lnSpcReduction="10000"/>
+          <a:bodyPr wrap="square" rtlCol="0">
+            <a:spAutoFit/>
           </a:bodyPr>
-          <a:lstStyle>
-            <a:lvl1pPr algn="l" defTabSz="914400" rtl="0" eaLnBrk="1" latinLnBrk="0" hangingPunct="1">
-              <a:lnSpc>
-                <a:spcPct val="90000"/>
-              </a:lnSpc>
-              <a:spcBef>
-                <a:spcPct val="0"/>
-              </a:spcBef>
-              <a:buNone/>
-              <a:defRPr sz="4400" kern="1200">
-                <a:solidFill>
-                  <a:schemeClr val="tx1"/>
-                </a:solidFill>
+          <a:lstStyle/>
+          <a:p>
+            <a:r>
+              <a:rPr lang="fr-FR" sz="4000" b="1" dirty="0">
                 <a:latin typeface="+mj-lt"/>
                 <a:ea typeface="+mj-ea"/>
                 <a:cs typeface="+mj-cs"/>
-              </a:defRPr>
-            </a:lvl1pPr>
-          </a:lstStyle>
-          <a:p>
+              </a:rPr>
+              <a:t>workflow de </a:t>
+            </a:r>
+            <a:r>
+              <a:rPr lang="fr-FR" sz="4000" b="1" dirty="0" smtClean="0">
+                <a:latin typeface="+mj-lt"/>
+                <a:ea typeface="+mj-ea"/>
+                <a:cs typeface="+mj-cs"/>
+              </a:rPr>
+              <a:t>branches (suite)</a:t>
+            </a:r>
             <a:r>
               <a:rPr lang="fr-FR" b="1" dirty="0" smtClean="0"/>
-              <a:t>Conflits</a:t>
+              <a:t>:</a:t>
             </a:r>
             <a:endParaRPr lang="fr-FR" b="1" dirty="0"/>
-          </a:p>
-        </p:txBody>
-      </p:sp>
-      <p:sp>
-        <p:nvSpPr>
-          <p:cNvPr id="5" name="Rectangle 4"/>
-          <p:cNvSpPr/>
-          <p:nvPr/>
-        </p:nvSpPr>
-        <p:spPr>
-          <a:xfrm>
-            <a:off x="198783" y="1336021"/>
-            <a:ext cx="11993217" cy="4678204"/>
-          </a:xfrm>
-          <a:prstGeom prst="rect">
-            <a:avLst/>
-          </a:prstGeom>
-        </p:spPr>
-        <p:txBody>
-          <a:bodyPr wrap="square">
-            <a:spAutoFit/>
-          </a:bodyPr>
-          <a:lstStyle/>
-          <a:p>
-            <a:pPr marL="571500" indent="-571500">
-              <a:buFont typeface="+mj-lt"/>
-              <a:buAutoNum type="romanUcPeriod" startAt="9"/>
-            </a:pPr>
-            <a:r>
-              <a:rPr lang="fr-FR" sz="2800" b="1" dirty="0" smtClean="0"/>
-              <a:t>Conflits</a:t>
-            </a:r>
-          </a:p>
-          <a:p>
-            <a:endParaRPr lang="fr-FR" sz="2800" b="1" dirty="0" smtClean="0"/>
-          </a:p>
-          <a:p>
-            <a:pPr marL="514350" indent="-514350">
-              <a:buFont typeface="+mj-lt"/>
-              <a:buAutoNum type="alphaLcPeriod"/>
-            </a:pPr>
-            <a:r>
-              <a:rPr lang="fr-FR" sz="2800" b="1" dirty="0" smtClean="0"/>
-              <a:t>Définition</a:t>
-            </a:r>
-            <a:r>
-              <a:rPr lang="fr-FR" sz="2800" dirty="0" smtClean="0"/>
-              <a:t>:	</a:t>
-            </a:r>
-          </a:p>
-          <a:p>
-            <a:r>
-              <a:rPr lang="fr-FR" sz="2800" dirty="0"/>
-              <a:t>	</a:t>
-            </a:r>
-            <a:r>
-              <a:rPr lang="fr-FR" sz="2800" dirty="0" smtClean="0"/>
-              <a:t>Deux </a:t>
-            </a:r>
-            <a:r>
-              <a:rPr lang="fr-FR" sz="2800" dirty="0"/>
-              <a:t>branches distinctes  modifie le me </a:t>
-            </a:r>
-            <a:r>
-              <a:rPr lang="fr-FR" sz="2800" dirty="0" smtClean="0"/>
-              <a:t>fichier</a:t>
-            </a:r>
-          </a:p>
-          <a:p>
-            <a:pPr marL="457200" indent="-192088">
-              <a:buFont typeface="Arial" panose="020B0604020202020204" pitchFamily="34" charset="0"/>
-              <a:buChar char="•"/>
-            </a:pPr>
-            <a:r>
-              <a:rPr lang="fr-FR" sz="2800" dirty="0"/>
-              <a:t>Les conflits sont couteux et prend de temps</a:t>
-            </a:r>
-          </a:p>
-          <a:p>
-            <a:pPr marL="457200" indent="-192088">
-              <a:buFont typeface="Arial" panose="020B0604020202020204" pitchFamily="34" charset="0"/>
-              <a:buChar char="•"/>
-            </a:pPr>
-            <a:r>
-              <a:rPr lang="fr-FR" sz="2800" dirty="0"/>
-              <a:t>Les conflits affecte la personne qui à fait le </a:t>
-            </a:r>
-            <a:r>
-              <a:rPr lang="fr-FR" sz="2800" dirty="0" smtClean="0"/>
-              <a:t>merge</a:t>
-            </a:r>
-          </a:p>
-          <a:p>
-            <a:pPr marL="457200" indent="-192088">
-              <a:buFont typeface="Arial" panose="020B0604020202020204" pitchFamily="34" charset="0"/>
-              <a:buChar char="•"/>
-            </a:pPr>
-            <a:r>
-              <a:rPr lang="fr-FR" sz="2800" dirty="0" smtClean="0"/>
-              <a:t>Les autres membres de l’équipe ignore le conflit(vont pas le percevoir)</a:t>
-            </a:r>
-          </a:p>
-          <a:p>
-            <a:pPr marL="457200" indent="-192088">
-              <a:buFont typeface="Arial" panose="020B0604020202020204" pitchFamily="34" charset="0"/>
-              <a:buChar char="•"/>
-            </a:pPr>
-            <a:r>
-              <a:rPr lang="fr-FR" sz="2800" dirty="0" smtClean="0"/>
-              <a:t>Git marque le fichier en confit et arrête le processus de merge (création de nouveau commit)et au développeur de résoudre le conflit</a:t>
-            </a:r>
-          </a:p>
-          <a:p>
-            <a:pPr marL="457200" indent="-192088">
-              <a:buFont typeface="Arial" panose="020B0604020202020204" pitchFamily="34" charset="0"/>
-              <a:buChar char="•"/>
-            </a:pPr>
-            <a:r>
-              <a:rPr lang="fr-FR" sz="2800" dirty="0" smtClean="0"/>
-              <a:t>Deux types de conflits au démarrage ou bien pendant le processus de merge</a:t>
-            </a:r>
-            <a:endParaRPr lang="fr-FR" sz="2800" dirty="0"/>
-          </a:p>
-          <a:p>
-            <a:endParaRPr lang="fr-FR" dirty="0"/>
           </a:p>
         </p:txBody>
       </p:sp>
     </p:spTree>
     <p:extLst>
       <p:ext uri="{BB962C8B-B14F-4D97-AF65-F5344CB8AC3E}">
-        <p14:creationId xmlns:p14="http://schemas.microsoft.com/office/powerpoint/2010/main" val="2060433316"/>
+        <p14:creationId xmlns:p14="http://schemas.microsoft.com/office/powerpoint/2010/main" val="3619270224"/>
       </p:ext>
     </p:extLst>
   </p:cSld>
@@ -13298,6 +14358,278 @@
 </file>
 
 <file path=ppt/slides/slide20.xml><?xml version="1.0" encoding="utf-8"?>
+<p:sld xmlns:a="http://schemas.openxmlformats.org/drawingml/2006/main" xmlns:r="http://schemas.openxmlformats.org/officeDocument/2006/relationships" xmlns:p="http://schemas.openxmlformats.org/presentationml/2006/main">
+  <p:cSld>
+    <p:spTree>
+      <p:nvGrpSpPr>
+        <p:cNvPr id="1" name=""/>
+        <p:cNvGrpSpPr/>
+        <p:nvPr/>
+      </p:nvGrpSpPr>
+      <p:grpSpPr>
+        <a:xfrm>
+          <a:off x="0" y="0"/>
+          <a:ext cx="0" cy="0"/>
+          <a:chOff x="0" y="0"/>
+          <a:chExt cx="0" cy="0"/>
+        </a:xfrm>
+      </p:grpSpPr>
+      <p:pic>
+        <p:nvPicPr>
+          <p:cNvPr id="4" name="Image 3"/>
+          <p:cNvPicPr>
+            <a:picLocks noChangeAspect="1"/>
+          </p:cNvPicPr>
+          <p:nvPr/>
+        </p:nvPicPr>
+        <p:blipFill>
+          <a:blip r:embed="rId3"/>
+          <a:stretch>
+            <a:fillRect/>
+          </a:stretch>
+        </p:blipFill>
+        <p:spPr>
+          <a:xfrm>
+            <a:off x="447675" y="242887"/>
+            <a:ext cx="11296650" cy="6372225"/>
+          </a:xfrm>
+          <a:prstGeom prst="rect">
+            <a:avLst/>
+          </a:prstGeom>
+        </p:spPr>
+      </p:pic>
+    </p:spTree>
+    <p:extLst>
+      <p:ext uri="{BB962C8B-B14F-4D97-AF65-F5344CB8AC3E}">
+        <p14:creationId xmlns:p14="http://schemas.microsoft.com/office/powerpoint/2010/main" val="3306142910"/>
+      </p:ext>
+    </p:extLst>
+  </p:cSld>
+  <p:clrMapOvr>
+    <a:masterClrMapping/>
+  </p:clrMapOvr>
+  <p:timing>
+    <p:tnLst>
+      <p:par>
+        <p:cTn id="1" dur="indefinite" restart="never" nodeType="tmRoot"/>
+      </p:par>
+    </p:tnLst>
+  </p:timing>
+</p:sld>
+</file>
+
+<file path=ppt/slides/slide21.xml><?xml version="1.0" encoding="utf-8"?>
+<p:sld xmlns:a="http://schemas.openxmlformats.org/drawingml/2006/main" xmlns:r="http://schemas.openxmlformats.org/officeDocument/2006/relationships" xmlns:p="http://schemas.openxmlformats.org/presentationml/2006/main">
+  <p:cSld>
+    <p:spTree>
+      <p:nvGrpSpPr>
+        <p:cNvPr id="1" name=""/>
+        <p:cNvGrpSpPr/>
+        <p:nvPr/>
+      </p:nvGrpSpPr>
+      <p:grpSpPr>
+        <a:xfrm>
+          <a:off x="0" y="0"/>
+          <a:ext cx="0" cy="0"/>
+          <a:chOff x="0" y="0"/>
+          <a:chExt cx="0" cy="0"/>
+        </a:xfrm>
+      </p:grpSpPr>
+      <p:sp>
+        <p:nvSpPr>
+          <p:cNvPr id="4" name="Titre 1"/>
+          <p:cNvSpPr txBox="1">
+            <a:spLocks/>
+          </p:cNvSpPr>
+          <p:nvPr/>
+        </p:nvSpPr>
+        <p:spPr>
+          <a:xfrm>
+            <a:off x="4639917" y="0"/>
+            <a:ext cx="2912165" cy="628788"/>
+          </a:xfrm>
+          <a:prstGeom prst="rect">
+            <a:avLst/>
+          </a:prstGeom>
+        </p:spPr>
+        <p:txBody>
+          <a:bodyPr vert="horz" lIns="91440" tIns="45720" rIns="91440" bIns="45720" rtlCol="0" anchor="ctr">
+            <a:normAutofit fontScale="90000" lnSpcReduction="10000"/>
+          </a:bodyPr>
+          <a:lstStyle>
+            <a:lvl1pPr algn="l" defTabSz="914400" rtl="0" eaLnBrk="1" latinLnBrk="0" hangingPunct="1">
+              <a:lnSpc>
+                <a:spcPct val="90000"/>
+              </a:lnSpc>
+              <a:spcBef>
+                <a:spcPct val="0"/>
+              </a:spcBef>
+              <a:buNone/>
+              <a:defRPr sz="4400" kern="1200">
+                <a:solidFill>
+                  <a:schemeClr val="tx1"/>
+                </a:solidFill>
+                <a:latin typeface="+mj-lt"/>
+                <a:ea typeface="+mj-ea"/>
+                <a:cs typeface="+mj-cs"/>
+              </a:defRPr>
+            </a:lvl1pPr>
+          </a:lstStyle>
+          <a:p>
+            <a:r>
+              <a:rPr lang="fr-FR" b="1" dirty="0" smtClean="0"/>
+              <a:t>Conflits</a:t>
+            </a:r>
+            <a:endParaRPr lang="fr-FR" b="1" dirty="0"/>
+          </a:p>
+        </p:txBody>
+      </p:sp>
+      <p:sp>
+        <p:nvSpPr>
+          <p:cNvPr id="5" name="Rectangle 4"/>
+          <p:cNvSpPr/>
+          <p:nvPr/>
+        </p:nvSpPr>
+        <p:spPr>
+          <a:xfrm>
+            <a:off x="198783" y="1336021"/>
+            <a:ext cx="11993217" cy="4678204"/>
+          </a:xfrm>
+          <a:prstGeom prst="rect">
+            <a:avLst/>
+          </a:prstGeom>
+        </p:spPr>
+        <p:txBody>
+          <a:bodyPr wrap="square">
+            <a:spAutoFit/>
+          </a:bodyPr>
+          <a:lstStyle/>
+          <a:p>
+            <a:pPr marL="571500" indent="-571500">
+              <a:buFont typeface="+mj-lt"/>
+              <a:buAutoNum type="romanUcPeriod" startAt="9"/>
+            </a:pPr>
+            <a:r>
+              <a:rPr lang="fr-FR" sz="2800" b="1" dirty="0" smtClean="0"/>
+              <a:t>Conflits</a:t>
+            </a:r>
+          </a:p>
+          <a:p>
+            <a:endParaRPr lang="fr-FR" sz="2800" b="1" dirty="0" smtClean="0"/>
+          </a:p>
+          <a:p>
+            <a:pPr marL="514350" indent="-514350">
+              <a:buFont typeface="+mj-lt"/>
+              <a:buAutoNum type="alphaLcPeriod"/>
+            </a:pPr>
+            <a:r>
+              <a:rPr lang="fr-FR" sz="2800" b="1" dirty="0" smtClean="0"/>
+              <a:t>Définition</a:t>
+            </a:r>
+            <a:r>
+              <a:rPr lang="fr-FR" sz="2800" dirty="0" smtClean="0"/>
+              <a:t>:	</a:t>
+            </a:r>
+          </a:p>
+          <a:p>
+            <a:r>
+              <a:rPr lang="fr-FR" sz="2800" dirty="0"/>
+              <a:t>	</a:t>
+            </a:r>
+            <a:r>
+              <a:rPr lang="fr-FR" sz="2800" dirty="0" smtClean="0"/>
+              <a:t>Deux </a:t>
+            </a:r>
+            <a:r>
+              <a:rPr lang="fr-FR" sz="2800" dirty="0"/>
+              <a:t>branches distinctes  modifie le me </a:t>
+            </a:r>
+            <a:r>
+              <a:rPr lang="fr-FR" sz="2800" dirty="0" smtClean="0"/>
+              <a:t>fichier</a:t>
+            </a:r>
+          </a:p>
+          <a:p>
+            <a:pPr marL="457200" indent="-192088">
+              <a:buFont typeface="Arial" panose="020B0604020202020204" pitchFamily="34" charset="0"/>
+              <a:buChar char="•"/>
+            </a:pPr>
+            <a:r>
+              <a:rPr lang="fr-FR" sz="2800" dirty="0"/>
+              <a:t>Les conflits sont couteux et prend de temps</a:t>
+            </a:r>
+          </a:p>
+          <a:p>
+            <a:pPr marL="457200" indent="-192088">
+              <a:buFont typeface="Arial" panose="020B0604020202020204" pitchFamily="34" charset="0"/>
+              <a:buChar char="•"/>
+            </a:pPr>
+            <a:r>
+              <a:rPr lang="fr-FR" sz="2800" dirty="0"/>
+              <a:t>Les conflits affecte la personne qui à fait le </a:t>
+            </a:r>
+            <a:r>
+              <a:rPr lang="fr-FR" sz="2800" dirty="0" smtClean="0"/>
+              <a:t>merge</a:t>
+            </a:r>
+          </a:p>
+          <a:p>
+            <a:pPr marL="457200" indent="-192088">
+              <a:buFont typeface="Arial" panose="020B0604020202020204" pitchFamily="34" charset="0"/>
+              <a:buChar char="•"/>
+            </a:pPr>
+            <a:r>
+              <a:rPr lang="fr-FR" sz="2800" dirty="0" smtClean="0"/>
+              <a:t>Les autres membres de l’équipe ignore le conflit(vont pas le percevoir)</a:t>
+            </a:r>
+          </a:p>
+          <a:p>
+            <a:pPr marL="457200" indent="-192088">
+              <a:buFont typeface="Arial" panose="020B0604020202020204" pitchFamily="34" charset="0"/>
+              <a:buChar char="•"/>
+            </a:pPr>
+            <a:r>
+              <a:rPr lang="fr-FR" sz="2800" dirty="0" smtClean="0"/>
+              <a:t>Git marque le fichier en confit et arrête le processus de merge (création de nouveau commit)et au développeur de résoudre le conflit</a:t>
+            </a:r>
+          </a:p>
+          <a:p>
+            <a:pPr marL="457200" indent="-192088">
+              <a:buFont typeface="Arial" panose="020B0604020202020204" pitchFamily="34" charset="0"/>
+              <a:buChar char="•"/>
+            </a:pPr>
+            <a:r>
+              <a:rPr lang="fr-FR" sz="2800" dirty="0" smtClean="0"/>
+              <a:t>Deux types de conflits au démarrage ou bien pendant le processus de merge</a:t>
+            </a:r>
+            <a:endParaRPr lang="fr-FR" sz="2800" dirty="0"/>
+          </a:p>
+          <a:p>
+            <a:endParaRPr lang="fr-FR" dirty="0"/>
+          </a:p>
+        </p:txBody>
+      </p:sp>
+    </p:spTree>
+    <p:extLst>
+      <p:ext uri="{BB962C8B-B14F-4D97-AF65-F5344CB8AC3E}">
+        <p14:creationId xmlns:p14="http://schemas.microsoft.com/office/powerpoint/2010/main" val="2060433316"/>
+      </p:ext>
+    </p:extLst>
+  </p:cSld>
+  <p:clrMapOvr>
+    <a:masterClrMapping/>
+  </p:clrMapOvr>
+  <p:timing>
+    <p:tnLst>
+      <p:par>
+        <p:cTn id="1" dur="indefinite" restart="never" nodeType="tmRoot"/>
+      </p:par>
+    </p:tnLst>
+  </p:timing>
+</p:sld>
+</file>
+
+<file path=ppt/slides/slide22.xml><?xml version="1.0" encoding="utf-8"?>
 <p:sld xmlns:a="http://schemas.openxmlformats.org/drawingml/2006/main" xmlns:r="http://schemas.openxmlformats.org/officeDocument/2006/relationships" xmlns:p="http://schemas.openxmlformats.org/presentationml/2006/main">
   <p:cSld>
     <p:spTree>
@@ -13615,421 +14947,6 @@
 </p:sld>
 </file>
 
-<file path=ppt/slides/slide21.xml><?xml version="1.0" encoding="utf-8"?>
-<p:sld xmlns:a="http://schemas.openxmlformats.org/drawingml/2006/main" xmlns:r="http://schemas.openxmlformats.org/officeDocument/2006/relationships" xmlns:p="http://schemas.openxmlformats.org/presentationml/2006/main">
-  <p:cSld>
-    <p:spTree>
-      <p:nvGrpSpPr>
-        <p:cNvPr id="1" name=""/>
-        <p:cNvGrpSpPr/>
-        <p:nvPr/>
-      </p:nvGrpSpPr>
-      <p:grpSpPr>
-        <a:xfrm>
-          <a:off x="0" y="0"/>
-          <a:ext cx="0" cy="0"/>
-          <a:chOff x="0" y="0"/>
-          <a:chExt cx="0" cy="0"/>
-        </a:xfrm>
-      </p:grpSpPr>
-      <p:sp>
-        <p:nvSpPr>
-          <p:cNvPr id="3" name="Espace réservé du contenu 2"/>
-          <p:cNvSpPr>
-            <a:spLocks noGrp="1"/>
-          </p:cNvSpPr>
-          <p:nvPr>
-            <p:ph idx="1"/>
-          </p:nvPr>
-        </p:nvSpPr>
-        <p:spPr>
-          <a:xfrm>
-            <a:off x="106017" y="821635"/>
-            <a:ext cx="12085983" cy="6036365"/>
-          </a:xfrm>
-        </p:spPr>
-        <p:txBody>
-          <a:bodyPr>
-            <a:normAutofit/>
-          </a:bodyPr>
-          <a:lstStyle/>
-          <a:p>
-            <a:r>
-              <a:rPr lang="fr-FR" altLang="fr-FR" dirty="0" smtClean="0"/>
-              <a:t>Cette marque ‘’&gt;&gt;&gt;autre_nom_branche’’ pour indiqué de qu’elle branch vient  </a:t>
-            </a:r>
-            <a:r>
-              <a:rPr lang="fr-FR" dirty="0" smtClean="0"/>
-              <a:t> le changement</a:t>
-            </a:r>
-          </a:p>
-          <a:p>
-            <a:r>
-              <a:rPr lang="fr-FR" dirty="0" smtClean="0"/>
-              <a:t>Il faut nettoyé les lignes pour ce la </a:t>
-            </a:r>
-          </a:p>
-          <a:p>
-            <a:r>
-              <a:rPr lang="fr-FR" dirty="0" smtClean="0"/>
-              <a:t>Consulté le collègue qui à écrit le code qui à généré le conflit pour décédé quel code est correcte (peut être son code ou bien notre code peut être une mixture des deux)</a:t>
-            </a:r>
-          </a:p>
-          <a:p>
-            <a:r>
-              <a:rPr lang="fr-FR" dirty="0" smtClean="0"/>
-              <a:t>Une fois nettoyé il faut sauvegardé le fichier puis l’indexé (stagged )et faire un commit.</a:t>
-            </a:r>
-          </a:p>
-          <a:p>
-            <a:pPr marL="514350" indent="-514350">
-              <a:buFont typeface="+mj-lt"/>
-              <a:buAutoNum type="arabicPeriod" startAt="2"/>
-            </a:pPr>
-            <a:r>
-              <a:rPr lang="fr-FR" altLang="fr-FR" b="1" dirty="0"/>
-              <a:t>Réglé un conflit </a:t>
-            </a:r>
-            <a:r>
-              <a:rPr lang="fr-FR" altLang="fr-FR" b="1" dirty="0" smtClean="0"/>
-              <a:t>avec retour en arrière :</a:t>
-            </a:r>
-            <a:endParaRPr lang="fr-FR" altLang="fr-FR" b="1" dirty="0"/>
-          </a:p>
-          <a:p>
-            <a:pPr marL="820738" lvl="1" indent="-192088">
-              <a:tabLst>
-                <a:tab pos="628650" algn="l"/>
-                <a:tab pos="1163638" algn="l"/>
-              </a:tabLst>
-            </a:pPr>
-            <a:r>
-              <a:rPr lang="fr-FR" sz="2800" b="1" i="1" dirty="0"/>
-              <a:t>git merge --</a:t>
-            </a:r>
-            <a:r>
-              <a:rPr lang="fr-FR" sz="2800" b="1" i="1" dirty="0" err="1"/>
-              <a:t>abort</a:t>
-            </a:r>
-            <a:endParaRPr lang="fr-FR" sz="2800" b="1" i="1" dirty="0"/>
-          </a:p>
-          <a:p>
-            <a:pPr marL="450850" indent="0">
-              <a:buNone/>
-            </a:pPr>
-            <a:r>
-              <a:rPr lang="fr-FR" dirty="0" smtClean="0"/>
-              <a:t>Si on commit une erreur l’hors de la résolution d’un conflit</a:t>
-            </a:r>
-          </a:p>
-          <a:p>
-            <a:pPr marL="542925" indent="-92075"/>
-            <a:endParaRPr lang="fr-FR" dirty="0"/>
-          </a:p>
-        </p:txBody>
-      </p:sp>
-      <p:sp>
-        <p:nvSpPr>
-          <p:cNvPr id="4" name="Titre 1"/>
-          <p:cNvSpPr>
-            <a:spLocks noGrp="1"/>
-          </p:cNvSpPr>
-          <p:nvPr>
-            <p:ph type="title"/>
-          </p:nvPr>
-        </p:nvSpPr>
-        <p:spPr>
-          <a:xfrm>
-            <a:off x="4268858" y="0"/>
-            <a:ext cx="3680790" cy="628788"/>
-          </a:xfrm>
-        </p:spPr>
-        <p:txBody>
-          <a:bodyPr>
-            <a:normAutofit fontScale="90000"/>
-          </a:bodyPr>
-          <a:lstStyle/>
-          <a:p>
-            <a:r>
-              <a:rPr lang="fr-FR" b="1" dirty="0" smtClean="0"/>
-              <a:t>Conflits </a:t>
-            </a:r>
-            <a:r>
-              <a:rPr lang="fr-FR" dirty="0" smtClean="0"/>
-              <a:t>«</a:t>
-            </a:r>
-            <a:r>
-              <a:rPr lang="fr-FR" b="1" dirty="0" smtClean="0"/>
-              <a:t>suite »</a:t>
-            </a:r>
-            <a:endParaRPr lang="fr-FR" b="1" dirty="0"/>
-          </a:p>
-        </p:txBody>
-      </p:sp>
-    </p:spTree>
-    <p:extLst>
-      <p:ext uri="{BB962C8B-B14F-4D97-AF65-F5344CB8AC3E}">
-        <p14:creationId xmlns:p14="http://schemas.microsoft.com/office/powerpoint/2010/main" val="2879360514"/>
-      </p:ext>
-    </p:extLst>
-  </p:cSld>
-  <p:clrMapOvr>
-    <a:masterClrMapping/>
-  </p:clrMapOvr>
-  <p:timing>
-    <p:tnLst>
-      <p:par>
-        <p:cTn id="1" dur="indefinite" restart="never" nodeType="tmRoot"/>
-      </p:par>
-    </p:tnLst>
-  </p:timing>
-</p:sld>
-</file>
-
-<file path=ppt/slides/slide22.xml><?xml version="1.0" encoding="utf-8"?>
-<p:sld xmlns:a="http://schemas.openxmlformats.org/drawingml/2006/main" xmlns:r="http://schemas.openxmlformats.org/officeDocument/2006/relationships" xmlns:p="http://schemas.openxmlformats.org/presentationml/2006/main">
-  <p:cSld>
-    <p:spTree>
-      <p:nvGrpSpPr>
-        <p:cNvPr id="1" name=""/>
-        <p:cNvGrpSpPr/>
-        <p:nvPr/>
-      </p:nvGrpSpPr>
-      <p:grpSpPr>
-        <a:xfrm>
-          <a:off x="0" y="0"/>
-          <a:ext cx="0" cy="0"/>
-          <a:chOff x="0" y="0"/>
-          <a:chExt cx="0" cy="0"/>
-        </a:xfrm>
-      </p:grpSpPr>
-      <p:sp>
-        <p:nvSpPr>
-          <p:cNvPr id="2" name="Titre 1"/>
-          <p:cNvSpPr>
-            <a:spLocks noGrp="1"/>
-          </p:cNvSpPr>
-          <p:nvPr>
-            <p:ph type="title"/>
-          </p:nvPr>
-        </p:nvSpPr>
-        <p:spPr>
-          <a:xfrm>
-            <a:off x="4564132" y="-39757"/>
-            <a:ext cx="3063737" cy="742122"/>
-          </a:xfrm>
-        </p:spPr>
-        <p:txBody>
-          <a:bodyPr>
-            <a:normAutofit/>
-          </a:bodyPr>
-          <a:lstStyle/>
-          <a:p>
-            <a:r>
-              <a:rPr lang="fr-FR" sz="4000" b="1" dirty="0" smtClean="0"/>
-              <a:t>Collaboration</a:t>
-            </a:r>
-            <a:endParaRPr lang="fr-FR" sz="4000" b="1" dirty="0"/>
-          </a:p>
-        </p:txBody>
-      </p:sp>
-      <p:sp>
-        <p:nvSpPr>
-          <p:cNvPr id="3" name="Espace réservé du contenu 2"/>
-          <p:cNvSpPr>
-            <a:spLocks noGrp="1"/>
-          </p:cNvSpPr>
-          <p:nvPr>
-            <p:ph idx="1"/>
-          </p:nvPr>
-        </p:nvSpPr>
-        <p:spPr>
-          <a:xfrm>
-            <a:off x="1" y="914399"/>
-            <a:ext cx="12192000" cy="5943601"/>
-          </a:xfrm>
-        </p:spPr>
-        <p:txBody>
-          <a:bodyPr>
-            <a:normAutofit lnSpcReduction="10000"/>
-          </a:bodyPr>
-          <a:lstStyle/>
-          <a:p>
-            <a:pPr marL="357188" indent="-357188">
-              <a:buFont typeface="+mj-lt"/>
-              <a:buAutoNum type="romanUcPeriod" startAt="10"/>
-            </a:pPr>
-            <a:r>
-              <a:rPr lang="fr-FR" b="1" dirty="0" smtClean="0"/>
-              <a:t> Requête Pull (pull request)</a:t>
-            </a:r>
-            <a:r>
-              <a:rPr lang="fr-FR" b="1" dirty="0" smtClean="0">
-                <a:sym typeface="Wingdings" panose="05000000000000000000" pitchFamily="2" charset="2"/>
-              </a:rPr>
-              <a:t>:</a:t>
-            </a:r>
-          </a:p>
-          <a:p>
-            <a:pPr marL="0" indent="0">
-              <a:buNone/>
-            </a:pPr>
-            <a:r>
-              <a:rPr lang="fr-FR" dirty="0" smtClean="0">
-                <a:sym typeface="Wingdings" panose="05000000000000000000" pitchFamily="2" charset="2"/>
-              </a:rPr>
-              <a:t>Est un moyen qui facilite la collaboration entre les	développeurs(demande au propriétaire de faire un pull). </a:t>
-            </a:r>
-          </a:p>
-          <a:p>
-            <a:pPr marL="542925" lvl="1" indent="-358775">
-              <a:buFont typeface="+mj-lt"/>
-              <a:buAutoNum type="alphaLcPeriod"/>
-              <a:tabLst>
-                <a:tab pos="265113" algn="l"/>
-                <a:tab pos="542925" algn="l"/>
-                <a:tab pos="623888" algn="l"/>
-              </a:tabLst>
-            </a:pPr>
-            <a:r>
-              <a:rPr lang="fr-FR" sz="2800" b="1" dirty="0" smtClean="0">
-                <a:sym typeface="Wingdings" panose="05000000000000000000" pitchFamily="2" charset="2"/>
-              </a:rPr>
-              <a:t>Les avantages:</a:t>
-            </a:r>
-          </a:p>
-          <a:p>
-            <a:pPr marL="514350" indent="-63500">
-              <a:buFont typeface="+mj-lt"/>
-              <a:buAutoNum type="arabicPeriod"/>
-            </a:pPr>
-            <a:r>
-              <a:rPr lang="fr-FR" dirty="0" smtClean="0">
-                <a:sym typeface="Wingdings" panose="05000000000000000000" pitchFamily="2" charset="2"/>
-              </a:rPr>
-              <a:t>Ralentis pas le projet et augmente la vitesse de développement.</a:t>
-            </a:r>
-            <a:endParaRPr lang="fr-FR" b="1" dirty="0" smtClean="0">
-              <a:sym typeface="Wingdings" panose="05000000000000000000" pitchFamily="2" charset="2"/>
-            </a:endParaRPr>
-          </a:p>
-          <a:p>
-            <a:pPr marL="514350" indent="-63500">
-              <a:buFont typeface="+mj-lt"/>
-              <a:buAutoNum type="arabicPeriod"/>
-            </a:pPr>
-            <a:r>
-              <a:rPr lang="fr-FR" dirty="0">
-                <a:sym typeface="Wingdings" panose="05000000000000000000" pitchFamily="2" charset="2"/>
-              </a:rPr>
-              <a:t>Code de haute </a:t>
-            </a:r>
-            <a:r>
-              <a:rPr lang="fr-FR" dirty="0" smtClean="0">
-                <a:sym typeface="Wingdings" panose="05000000000000000000" pitchFamily="2" charset="2"/>
-              </a:rPr>
-              <a:t>qualité à cause de revue itérative du code.</a:t>
-            </a:r>
-          </a:p>
-          <a:p>
-            <a:pPr marL="514350" indent="-63500">
-              <a:buFont typeface="+mj-lt"/>
-              <a:buAutoNum type="arabicPeriod"/>
-            </a:pPr>
-            <a:r>
-              <a:rPr lang="fr-FR" dirty="0" smtClean="0">
-                <a:sym typeface="Wingdings" panose="05000000000000000000" pitchFamily="2" charset="2"/>
-              </a:rPr>
-              <a:t>Partage de savoir entre  les membre de l’équipe.</a:t>
-            </a:r>
-            <a:endParaRPr lang="fr-FR" dirty="0">
-              <a:sym typeface="Wingdings" panose="05000000000000000000" pitchFamily="2" charset="2"/>
-            </a:endParaRPr>
-          </a:p>
-          <a:p>
-            <a:pPr marL="514350" indent="-63500">
-              <a:buFont typeface="+mj-lt"/>
-              <a:buAutoNum type="arabicPeriod"/>
-            </a:pPr>
-            <a:r>
-              <a:rPr lang="fr-FR" dirty="0" smtClean="0">
-                <a:sym typeface="Wingdings" panose="05000000000000000000" pitchFamily="2" charset="2"/>
-              </a:rPr>
-              <a:t>Opportunité d’approuvé  ou non une fonctionnalité avant qu'elle soit intégré dans le projet officiel.</a:t>
-            </a:r>
-          </a:p>
-          <a:p>
-            <a:pPr marL="514350" indent="-63500">
-              <a:buFont typeface="+mj-lt"/>
-              <a:buAutoNum type="arabicPeriod"/>
-            </a:pPr>
-            <a:r>
-              <a:rPr lang="fr-FR" dirty="0" smtClean="0">
-                <a:sym typeface="Wingdings" panose="05000000000000000000" pitchFamily="2" charset="2"/>
-              </a:rPr>
-              <a:t>partage du sentiment appartenance.</a:t>
-            </a:r>
-          </a:p>
-          <a:p>
-            <a:pPr marL="698500" lvl="1" indent="-514350">
-              <a:buFont typeface="+mj-lt"/>
-              <a:buAutoNum type="alphaLcPeriod" startAt="2"/>
-              <a:tabLst>
-                <a:tab pos="265113" algn="l"/>
-                <a:tab pos="542925" algn="l"/>
-                <a:tab pos="623888" algn="l"/>
-              </a:tabLst>
-            </a:pPr>
-            <a:r>
-              <a:rPr lang="fr-FR" sz="2800" b="1" dirty="0" smtClean="0">
-                <a:sym typeface="Wingdings" panose="05000000000000000000" pitchFamily="2" charset="2"/>
-              </a:rPr>
-              <a:t>Utilisation:</a:t>
-            </a:r>
-          </a:p>
-          <a:p>
-            <a:pPr marL="450850" indent="0">
-              <a:buNone/>
-            </a:pPr>
-            <a:r>
-              <a:rPr lang="fr-FR" b="1" dirty="0" smtClean="0">
-                <a:sym typeface="Wingdings" panose="05000000000000000000" pitchFamily="2" charset="2"/>
-              </a:rPr>
-              <a:t> </a:t>
-            </a:r>
-            <a:r>
-              <a:rPr lang="fr-FR" dirty="0" smtClean="0"/>
-              <a:t>La manière d’utilisé les requêtes pull dépend de modèle de développement utilisé dans le projet mais le processus en général est comme suit.</a:t>
-            </a:r>
-          </a:p>
-          <a:p>
-            <a:pPr marL="0" indent="0">
-              <a:buNone/>
-            </a:pPr>
-            <a:endParaRPr lang="fr-FR" b="1" dirty="0"/>
-          </a:p>
-        </p:txBody>
-      </p:sp>
-    </p:spTree>
-    <p:extLst>
-      <p:ext uri="{BB962C8B-B14F-4D97-AF65-F5344CB8AC3E}">
-        <p14:creationId xmlns:p14="http://schemas.microsoft.com/office/powerpoint/2010/main" val="156296265"/>
-      </p:ext>
-    </p:extLst>
-  </p:cSld>
-  <p:clrMapOvr>
-    <a:masterClrMapping/>
-  </p:clrMapOvr>
-  <p:timing>
-    <p:tnLst>
-      <p:par>
-        <p:cTn id="1" dur="indefinite" restart="never" nodeType="tmRoot"/>
-      </p:par>
-    </p:tnLst>
-  </p:timing>
-</p:sld>
-</file>
-
 <file path=ppt/slides/slide23.xml><?xml version="1.0" encoding="utf-8"?>
 <p:sld xmlns:a="http://schemas.openxmlformats.org/drawingml/2006/main" xmlns:r="http://schemas.openxmlformats.org/officeDocument/2006/relationships" xmlns:p="http://schemas.openxmlformats.org/presentationml/2006/main">
   <p:cSld>
@@ -14059,90 +14976,8 @@
         </p:nvSpPr>
         <p:spPr>
           <a:xfrm>
-            <a:off x="0" y="1007164"/>
-            <a:ext cx="12099236" cy="5850835"/>
-          </a:xfrm>
-        </p:spPr>
-        <p:txBody>
-          <a:bodyPr/>
-          <a:lstStyle/>
-          <a:p>
-            <a:pPr marL="514350" indent="-514350">
-              <a:buFont typeface="+mj-lt"/>
-              <a:buAutoNum type="arabicPeriod"/>
-            </a:pPr>
-            <a:r>
-              <a:rPr lang="fr-FR" dirty="0" smtClean="0"/>
-              <a:t>Le développeur crée la fonctionnalité dans une branche dédié dans le dépôt locale.</a:t>
-            </a:r>
-          </a:p>
-          <a:p>
-            <a:pPr marL="514350" indent="-514350">
-              <a:buFont typeface="+mj-lt"/>
-              <a:buAutoNum type="arabicPeriod"/>
-            </a:pPr>
-            <a:r>
-              <a:rPr lang="fr-FR" dirty="0" smtClean="0"/>
-              <a:t>Le développeur push la branche dans le dépôt distant ( github, bitbucket,…)</a:t>
-            </a:r>
-          </a:p>
-          <a:p>
-            <a:pPr marL="514350" indent="-514350">
-              <a:buFont typeface="+mj-lt"/>
-              <a:buAutoNum type="arabicPeriod"/>
-            </a:pPr>
-            <a:r>
-              <a:rPr lang="fr-FR" dirty="0"/>
-              <a:t>Le </a:t>
-            </a:r>
-            <a:r>
-              <a:rPr lang="fr-FR" dirty="0" smtClean="0"/>
-              <a:t>développeur crée une pull request via le site distant</a:t>
-            </a:r>
-          </a:p>
-          <a:p>
-            <a:pPr marL="514350" indent="-514350">
-              <a:buFont typeface="+mj-lt"/>
-              <a:buAutoNum type="arabicPeriod"/>
-            </a:pPr>
-            <a:r>
-              <a:rPr lang="fr-FR" dirty="0" smtClean="0"/>
-              <a:t>Le reste des développeurs de l’équipe  relisent le code, le discute ,le modifie (commit de suivit).</a:t>
-            </a:r>
-          </a:p>
-          <a:p>
-            <a:pPr marL="514350" indent="-514350">
-              <a:buFont typeface="+mj-lt"/>
-              <a:buAutoNum type="arabicPeriod"/>
-            </a:pPr>
-            <a:r>
-              <a:rPr lang="fr-FR" dirty="0" smtClean="0"/>
-              <a:t>Le mainteneur de projet merge la fonctionnalité dans le dépôt officiel(branche master) et ferment le pull request.</a:t>
-            </a:r>
-          </a:p>
-          <a:p>
-            <a:pPr marL="514350" indent="-514350">
-              <a:buFont typeface="+mj-lt"/>
-              <a:buAutoNum type="arabicPeriod"/>
-            </a:pPr>
-            <a:endParaRPr lang="fr-FR" dirty="0"/>
-          </a:p>
-        </p:txBody>
-      </p:sp>
-      <p:sp>
-        <p:nvSpPr>
-          <p:cNvPr id="4" name="Titre 1"/>
-          <p:cNvSpPr>
-            <a:spLocks noGrp="1"/>
-          </p:cNvSpPr>
-          <p:nvPr>
-            <p:ph type="title"/>
-          </p:nvPr>
-        </p:nvSpPr>
-        <p:spPr>
-          <a:xfrm>
-            <a:off x="4564132" y="-39757"/>
-            <a:ext cx="3063737" cy="742122"/>
+            <a:off x="106017" y="821635"/>
+            <a:ext cx="12085983" cy="6036365"/>
           </a:xfrm>
         </p:spPr>
         <p:txBody>
@@ -14152,17 +14987,121 @@
           <a:lstStyle/>
           <a:p>
             <a:r>
-              <a:rPr lang="fr-FR" sz="4000" b="1" dirty="0" smtClean="0"/>
-              <a:t>Collaboration</a:t>
-            </a:r>
-            <a:endParaRPr lang="fr-FR" sz="4000" b="1" dirty="0"/>
+              <a:rPr lang="fr-FR" altLang="fr-FR" dirty="0" smtClean="0"/>
+              <a:t>Cette marque ‘’&gt;&gt;&gt;autre_nom_branche’’ pour indiqué de qu’elle branch vient  </a:t>
+            </a:r>
+            <a:r>
+              <a:rPr lang="fr-FR" dirty="0" smtClean="0"/>
+              <a:t> le changement</a:t>
+            </a:r>
+          </a:p>
+          <a:p>
+            <a:r>
+              <a:rPr lang="fr-FR" dirty="0" smtClean="0"/>
+              <a:t>Il faut nettoyé les lignes pour ce la </a:t>
+            </a:r>
+          </a:p>
+          <a:p>
+            <a:r>
+              <a:rPr lang="fr-FR" dirty="0" smtClean="0"/>
+              <a:t>Consulté le collègue qui à écrit le code qui à généré le conflit pour décédé quel code est correcte (peut être son code ou bien notre code peut être une mixture des deux)</a:t>
+            </a:r>
+          </a:p>
+          <a:p>
+            <a:r>
+              <a:rPr lang="fr-FR" dirty="0" smtClean="0"/>
+              <a:t>Une fois nettoyé il faut sauvegardé le fichier puis l’indexé (stagged )et faire un commit.</a:t>
+            </a:r>
+          </a:p>
+          <a:p>
+            <a:pPr marL="514350" indent="-514350">
+              <a:buFont typeface="+mj-lt"/>
+              <a:buAutoNum type="arabicPeriod" startAt="2"/>
+            </a:pPr>
+            <a:r>
+              <a:rPr lang="fr-FR" altLang="fr-FR" b="1" dirty="0"/>
+              <a:t>Réglé un conflit </a:t>
+            </a:r>
+            <a:r>
+              <a:rPr lang="fr-FR" altLang="fr-FR" b="1" dirty="0" smtClean="0"/>
+              <a:t>avec retour en arrière :</a:t>
+            </a:r>
+            <a:endParaRPr lang="fr-FR" altLang="fr-FR" b="1" dirty="0"/>
+          </a:p>
+          <a:p>
+            <a:pPr marL="820738" lvl="1" indent="-192088">
+              <a:tabLst>
+                <a:tab pos="628650" algn="l"/>
+                <a:tab pos="1163638" algn="l"/>
+              </a:tabLst>
+            </a:pPr>
+            <a:r>
+              <a:rPr lang="fr-FR" sz="2800" b="1" i="1" dirty="0"/>
+              <a:t>git merge --</a:t>
+            </a:r>
+            <a:r>
+              <a:rPr lang="fr-FR" sz="2800" b="1" i="1" dirty="0" err="1"/>
+              <a:t>abort</a:t>
+            </a:r>
+            <a:endParaRPr lang="fr-FR" sz="2800" b="1" i="1" dirty="0"/>
+          </a:p>
+          <a:p>
+            <a:pPr marL="450850" indent="0">
+              <a:buNone/>
+            </a:pPr>
+            <a:r>
+              <a:rPr lang="fr-FR" dirty="0" smtClean="0"/>
+              <a:t>Si on commit une erreur l’hors de la résolution d’un conflit</a:t>
+            </a:r>
+          </a:p>
+          <a:p>
+            <a:pPr marL="542925" indent="-92075"/>
+            <a:endParaRPr lang="fr-FR" dirty="0"/>
+          </a:p>
+        </p:txBody>
+      </p:sp>
+      <p:sp>
+        <p:nvSpPr>
+          <p:cNvPr id="4" name="Titre 1"/>
+          <p:cNvSpPr>
+            <a:spLocks noGrp="1"/>
+          </p:cNvSpPr>
+          <p:nvPr>
+            <p:ph type="title"/>
+          </p:nvPr>
+        </p:nvSpPr>
+        <p:spPr>
+          <a:xfrm>
+            <a:off x="4268858" y="0"/>
+            <a:ext cx="3680790" cy="628788"/>
+          </a:xfrm>
+        </p:spPr>
+        <p:txBody>
+          <a:bodyPr>
+            <a:normAutofit fontScale="90000"/>
+          </a:bodyPr>
+          <a:lstStyle/>
+          <a:p>
+            <a:r>
+              <a:rPr lang="fr-FR" b="1" dirty="0" smtClean="0"/>
+              <a:t>Conflits </a:t>
+            </a:r>
+            <a:r>
+              <a:rPr lang="fr-FR" dirty="0" smtClean="0"/>
+              <a:t>«</a:t>
+            </a:r>
+            <a:r>
+              <a:rPr lang="fr-FR" b="1" dirty="0" smtClean="0"/>
+              <a:t>suite »</a:t>
+            </a:r>
+            <a:endParaRPr lang="fr-FR" b="1" dirty="0"/>
           </a:p>
         </p:txBody>
       </p:sp>
     </p:spTree>
     <p:extLst>
       <p:ext uri="{BB962C8B-B14F-4D97-AF65-F5344CB8AC3E}">
-        <p14:creationId xmlns:p14="http://schemas.microsoft.com/office/powerpoint/2010/main" val="250578535"/>
+        <p14:creationId xmlns:p14="http://schemas.microsoft.com/office/powerpoint/2010/main" val="2879360514"/>
       </p:ext>
     </p:extLst>
   </p:cSld>
@@ -14198,65 +15137,7 @@
       </p:grpSpPr>
       <p:sp>
         <p:nvSpPr>
-          <p:cNvPr id="4" name="Rectangle 3"/>
-          <p:cNvSpPr/>
-          <p:nvPr/>
-        </p:nvSpPr>
-        <p:spPr>
-          <a:xfrm>
-            <a:off x="92765" y="1443841"/>
-            <a:ext cx="12099235" cy="4401205"/>
-          </a:xfrm>
-          <a:prstGeom prst="rect">
-            <a:avLst/>
-          </a:prstGeom>
-        </p:spPr>
-        <p:txBody>
-          <a:bodyPr wrap="square">
-            <a:spAutoFit/>
-          </a:bodyPr>
-          <a:lstStyle/>
-          <a:p>
-            <a:pPr marL="514350" indent="-514350">
-              <a:buFont typeface="+mj-lt"/>
-              <a:buAutoNum type="arabicPeriod"/>
-            </a:pPr>
-            <a:r>
-              <a:rPr lang="fr-FR" sz="2800" b="1" dirty="0"/>
-              <a:t>Bifurquer le dépôt (fork): </a:t>
-            </a:r>
-            <a:r>
-              <a:rPr lang="fr-FR" sz="2800" dirty="0"/>
-              <a:t>le collaborateur bifurque un dépôt  existant et fait des </a:t>
-            </a:r>
-            <a:r>
-              <a:rPr lang="fr-FR" sz="2800" dirty="0" err="1"/>
-              <a:t>PUSHs</a:t>
-            </a:r>
-            <a:r>
-              <a:rPr lang="fr-FR" sz="2800" dirty="0"/>
-              <a:t> à son dépôt personnel(sans permission).les changement peuvent être intégré au dépôt source que par le mainteneur de projet(populaire en projet open source).les requêtes pull est utilisé pour informe le mainteneur des changement des changements (à mergé si des changements significatif). </a:t>
-            </a:r>
-          </a:p>
-          <a:p>
-            <a:pPr marL="514350" indent="-514350">
-              <a:buFont typeface="+mj-lt"/>
-              <a:buAutoNum type="arabicPeriod" startAt="2"/>
-            </a:pPr>
-            <a:r>
-              <a:rPr lang="fr-FR" sz="2800" b="1" dirty="0"/>
-              <a:t>Dépôt partagé:</a:t>
-            </a:r>
-            <a:r>
-              <a:rPr lang="fr-FR" sz="2800" dirty="0"/>
-              <a:t>	les collaborateurs on un accès à un dépôt partagé. Les requêtes pull sont utiles puisque elles  inities la revue de code avant que les changements soit mergé dans la branches principale de développement. Utilisé dans les petites équipes et organisations et collabore sur des projets privés.</a:t>
-            </a:r>
-          </a:p>
-        </p:txBody>
-      </p:sp>
-      <p:sp>
-        <p:nvSpPr>
-          <p:cNvPr id="5" name="Titre 1"/>
+          <p:cNvPr id="2" name="Titre 1"/>
           <p:cNvSpPr>
             <a:spLocks noGrp="1"/>
           </p:cNvSpPr>
@@ -14266,8 +15147,8 @@
         </p:nvSpPr>
         <p:spPr>
           <a:xfrm>
-            <a:off x="4610513" y="-92766"/>
-            <a:ext cx="3063737" cy="715618"/>
+            <a:off x="4564132" y="-39757"/>
+            <a:ext cx="3063737" cy="742122"/>
           </a:xfrm>
         </p:spPr>
         <p:txBody>
@@ -14284,10 +15165,187 @@
           </a:p>
         </p:txBody>
       </p:sp>
+      <p:sp>
+        <p:nvSpPr>
+          <p:cNvPr id="3" name="Espace réservé du contenu 2"/>
+          <p:cNvSpPr>
+            <a:spLocks noGrp="1"/>
+          </p:cNvSpPr>
+          <p:nvPr>
+            <p:ph idx="1"/>
+          </p:nvPr>
+        </p:nvSpPr>
+        <p:spPr>
+          <a:xfrm>
+            <a:off x="1" y="914399"/>
+            <a:ext cx="12192000" cy="5943601"/>
+          </a:xfrm>
+        </p:spPr>
+        <p:txBody>
+          <a:bodyPr>
+            <a:normAutofit lnSpcReduction="10000"/>
+          </a:bodyPr>
+          <a:lstStyle/>
+          <a:p>
+            <a:pPr marL="357188" indent="-357188">
+              <a:buFont typeface="+mj-lt"/>
+              <a:buAutoNum type="romanUcPeriod" startAt="10"/>
+            </a:pPr>
+            <a:r>
+              <a:rPr lang="fr-FR" b="1" dirty="0" smtClean="0"/>
+              <a:t> Requête Pull (pull request)</a:t>
+            </a:r>
+            <a:r>
+              <a:rPr lang="fr-FR" b="1" dirty="0" smtClean="0">
+                <a:sym typeface="Wingdings" panose="05000000000000000000" pitchFamily="2" charset="2"/>
+              </a:rPr>
+              <a:t>:</a:t>
+            </a:r>
+          </a:p>
+          <a:p>
+            <a:pPr marL="0" indent="0">
+              <a:buNone/>
+            </a:pPr>
+            <a:r>
+              <a:rPr lang="fr-FR" dirty="0" smtClean="0">
+                <a:sym typeface="Wingdings" panose="05000000000000000000" pitchFamily="2" charset="2"/>
+              </a:rPr>
+              <a:t>Est un moyen qui facilite la collaboration entre les	développeurs(demande au propriétaire de faire un pull). </a:t>
+            </a:r>
+          </a:p>
+          <a:p>
+            <a:pPr marL="542925" lvl="1" indent="-358775">
+              <a:buFont typeface="+mj-lt"/>
+              <a:buAutoNum type="alphaLcPeriod"/>
+              <a:tabLst>
+                <a:tab pos="265113" algn="l"/>
+                <a:tab pos="542925" algn="l"/>
+                <a:tab pos="623888" algn="l"/>
+              </a:tabLst>
+            </a:pPr>
+            <a:r>
+              <a:rPr lang="fr-FR" sz="2800" b="1" dirty="0" smtClean="0">
+                <a:sym typeface="Wingdings" panose="05000000000000000000" pitchFamily="2" charset="2"/>
+              </a:rPr>
+              <a:t>Les avantages:</a:t>
+            </a:r>
+          </a:p>
+          <a:p>
+            <a:pPr marL="514350" indent="-63500">
+              <a:buFont typeface="+mj-lt"/>
+              <a:buAutoNum type="arabicPeriod"/>
+            </a:pPr>
+            <a:r>
+              <a:rPr lang="fr-FR" dirty="0" smtClean="0">
+                <a:sym typeface="Wingdings" panose="05000000000000000000" pitchFamily="2" charset="2"/>
+              </a:rPr>
+              <a:t>Ralentis pas le projet et augmente la vitesse de développement.</a:t>
+            </a:r>
+            <a:endParaRPr lang="fr-FR" b="1" dirty="0" smtClean="0">
+              <a:sym typeface="Wingdings" panose="05000000000000000000" pitchFamily="2" charset="2"/>
+            </a:endParaRPr>
+          </a:p>
+          <a:p>
+            <a:pPr marL="514350" indent="-63500">
+              <a:buFont typeface="+mj-lt"/>
+              <a:buAutoNum type="arabicPeriod"/>
+            </a:pPr>
+            <a:r>
+              <a:rPr lang="fr-FR" dirty="0">
+                <a:sym typeface="Wingdings" panose="05000000000000000000" pitchFamily="2" charset="2"/>
+              </a:rPr>
+              <a:t>Code de haute </a:t>
+            </a:r>
+            <a:r>
+              <a:rPr lang="fr-FR" dirty="0" smtClean="0">
+                <a:sym typeface="Wingdings" panose="05000000000000000000" pitchFamily="2" charset="2"/>
+              </a:rPr>
+              <a:t>qualité à cause de revue itérative du code.</a:t>
+            </a:r>
+          </a:p>
+          <a:p>
+            <a:pPr marL="514350" indent="-63500">
+              <a:buFont typeface="+mj-lt"/>
+              <a:buAutoNum type="arabicPeriod"/>
+            </a:pPr>
+            <a:r>
+              <a:rPr lang="fr-FR" dirty="0" smtClean="0">
+                <a:sym typeface="Wingdings" panose="05000000000000000000" pitchFamily="2" charset="2"/>
+              </a:rPr>
+              <a:t>Partage de savoir entre  les membre de l’équipe.</a:t>
+            </a:r>
+            <a:endParaRPr lang="fr-FR" dirty="0">
+              <a:sym typeface="Wingdings" panose="05000000000000000000" pitchFamily="2" charset="2"/>
+            </a:endParaRPr>
+          </a:p>
+          <a:p>
+            <a:pPr marL="514350" indent="-63500">
+              <a:buFont typeface="+mj-lt"/>
+              <a:buAutoNum type="arabicPeriod"/>
+            </a:pPr>
+            <a:r>
+              <a:rPr lang="fr-FR" dirty="0" smtClean="0">
+                <a:sym typeface="Wingdings" panose="05000000000000000000" pitchFamily="2" charset="2"/>
+              </a:rPr>
+              <a:t>Opportunité d’approuvé  ou non une fonctionnalité avant qu'elle soit intégré dans le projet officiel.</a:t>
+            </a:r>
+          </a:p>
+          <a:p>
+            <a:pPr marL="514350" indent="-63500">
+              <a:buFont typeface="+mj-lt"/>
+              <a:buAutoNum type="arabicPeriod"/>
+            </a:pPr>
+            <a:r>
+              <a:rPr lang="fr-FR" dirty="0" smtClean="0">
+                <a:sym typeface="Wingdings" panose="05000000000000000000" pitchFamily="2" charset="2"/>
+              </a:rPr>
+              <a:t>partage du sentiment appartenance.</a:t>
+            </a:r>
+          </a:p>
+          <a:p>
+            <a:pPr marL="698500" lvl="1" indent="-514350">
+              <a:buFont typeface="+mj-lt"/>
+              <a:buAutoNum type="alphaLcPeriod" startAt="2"/>
+              <a:tabLst>
+                <a:tab pos="265113" algn="l"/>
+                <a:tab pos="542925" algn="l"/>
+                <a:tab pos="623888" algn="l"/>
+              </a:tabLst>
+            </a:pPr>
+            <a:r>
+              <a:rPr lang="fr-FR" sz="2800" b="1" dirty="0" smtClean="0">
+                <a:sym typeface="Wingdings" panose="05000000000000000000" pitchFamily="2" charset="2"/>
+              </a:rPr>
+              <a:t>Utilisation:</a:t>
+            </a:r>
+          </a:p>
+          <a:p>
+            <a:pPr marL="450850" indent="0">
+              <a:buNone/>
+            </a:pPr>
+            <a:r>
+              <a:rPr lang="fr-FR" b="1" dirty="0" smtClean="0">
+                <a:sym typeface="Wingdings" panose="05000000000000000000" pitchFamily="2" charset="2"/>
+              </a:rPr>
+              <a:t> </a:t>
+            </a:r>
+            <a:r>
+              <a:rPr lang="fr-FR" dirty="0" smtClean="0"/>
+              <a:t>La manière d’utilisé les requêtes pull dépend de modèle de développement utilisé dans le projet mais le processus en général est comme suit.</a:t>
+            </a:r>
+          </a:p>
+          <a:p>
+            <a:pPr marL="0" indent="0">
+              <a:buNone/>
+            </a:pPr>
+            <a:endParaRPr lang="fr-FR" b="1" dirty="0"/>
+          </a:p>
+        </p:txBody>
+      </p:sp>
     </p:spTree>
     <p:extLst>
       <p:ext uri="{BB962C8B-B14F-4D97-AF65-F5344CB8AC3E}">
-        <p14:creationId xmlns:p14="http://schemas.microsoft.com/office/powerpoint/2010/main" val="2616827436"/>
+        <p14:creationId xmlns:p14="http://schemas.microsoft.com/office/powerpoint/2010/main" val="156296265"/>
       </p:ext>
     </p:extLst>
   </p:cSld>
@@ -14323,7 +15381,89 @@
       </p:grpSpPr>
       <p:sp>
         <p:nvSpPr>
-          <p:cNvPr id="2" name="Titre 1"/>
+          <p:cNvPr id="3" name="Espace réservé du contenu 2"/>
+          <p:cNvSpPr>
+            <a:spLocks noGrp="1"/>
+          </p:cNvSpPr>
+          <p:nvPr>
+            <p:ph idx="1"/>
+          </p:nvPr>
+        </p:nvSpPr>
+        <p:spPr>
+          <a:xfrm>
+            <a:off x="0" y="1007164"/>
+            <a:ext cx="12099236" cy="5850835"/>
+          </a:xfrm>
+        </p:spPr>
+        <p:txBody>
+          <a:bodyPr/>
+          <a:lstStyle/>
+          <a:p>
+            <a:pPr marL="514350" indent="-514350">
+              <a:buFont typeface="+mj-lt"/>
+              <a:buAutoNum type="arabicPeriod"/>
+            </a:pPr>
+            <a:r>
+              <a:rPr lang="fr-FR" dirty="0" smtClean="0"/>
+              <a:t>Le développeur crée la fonctionnalité dans une branche dédié dans le dépôt locale.</a:t>
+            </a:r>
+          </a:p>
+          <a:p>
+            <a:pPr marL="514350" indent="-514350">
+              <a:buFont typeface="+mj-lt"/>
+              <a:buAutoNum type="arabicPeriod"/>
+            </a:pPr>
+            <a:r>
+              <a:rPr lang="fr-FR" dirty="0" smtClean="0"/>
+              <a:t>Le développeur push la branche dans le dépôt distant ( github, bitbucket,…)</a:t>
+            </a:r>
+          </a:p>
+          <a:p>
+            <a:pPr marL="514350" indent="-514350">
+              <a:buFont typeface="+mj-lt"/>
+              <a:buAutoNum type="arabicPeriod"/>
+            </a:pPr>
+            <a:r>
+              <a:rPr lang="fr-FR" dirty="0"/>
+              <a:t>Le </a:t>
+            </a:r>
+            <a:r>
+              <a:rPr lang="fr-FR" dirty="0" smtClean="0"/>
+              <a:t>développeur crée une pull request via le site distant</a:t>
+            </a:r>
+          </a:p>
+          <a:p>
+            <a:pPr marL="514350" indent="-514350">
+              <a:buFont typeface="+mj-lt"/>
+              <a:buAutoNum type="arabicPeriod"/>
+            </a:pPr>
+            <a:r>
+              <a:rPr lang="fr-FR" dirty="0" smtClean="0"/>
+              <a:t>Le reste des développeurs de l’équipe  relisent le code, le discute ,le modifie (commit de suivit).</a:t>
+            </a:r>
+          </a:p>
+          <a:p>
+            <a:pPr marL="514350" indent="-514350">
+              <a:buFont typeface="+mj-lt"/>
+              <a:buAutoNum type="arabicPeriod"/>
+            </a:pPr>
+            <a:r>
+              <a:rPr lang="fr-FR" dirty="0" smtClean="0"/>
+              <a:t>Le mainteneur de projet merge la fonctionnalité dans le dépôt officiel(branche master) et ferment le pull request.</a:t>
+            </a:r>
+          </a:p>
+          <a:p>
+            <a:pPr marL="514350" indent="-514350">
+              <a:buFont typeface="+mj-lt"/>
+              <a:buAutoNum type="arabicPeriod"/>
+            </a:pPr>
+            <a:endParaRPr lang="fr-FR" dirty="0"/>
+          </a:p>
+        </p:txBody>
+      </p:sp>
+      <p:sp>
+        <p:nvSpPr>
+          <p:cNvPr id="4" name="Titre 1"/>
           <p:cNvSpPr>
             <a:spLocks noGrp="1"/>
           </p:cNvSpPr>
@@ -14333,8 +15473,8 @@
         </p:nvSpPr>
         <p:spPr>
           <a:xfrm>
-            <a:off x="2473601" y="-1"/>
-            <a:ext cx="7244798" cy="954156"/>
+            <a:off x="4564132" y="-39757"/>
+            <a:ext cx="3063737" cy="742122"/>
           </a:xfrm>
         </p:spPr>
         <p:txBody>
@@ -14345,218 +15485,16 @@
           <a:p>
             <a:r>
               <a:rPr lang="fr-FR" sz="4000" b="1" dirty="0" smtClean="0"/>
-              <a:t>Collaboration dans un open source</a:t>
+              <a:t>Collaboration</a:t>
             </a:r>
             <a:endParaRPr lang="fr-FR" sz="4000" b="1" dirty="0"/>
-          </a:p>
-        </p:txBody>
-      </p:sp>
-      <p:sp>
-        <p:nvSpPr>
-          <p:cNvPr id="3" name="Espace réservé du contenu 2"/>
-          <p:cNvSpPr>
-            <a:spLocks noGrp="1"/>
-          </p:cNvSpPr>
-          <p:nvPr>
-            <p:ph idx="1"/>
-          </p:nvPr>
-        </p:nvSpPr>
-        <p:spPr>
-          <a:xfrm>
-            <a:off x="0" y="954155"/>
-            <a:ext cx="12192000" cy="6029741"/>
-          </a:xfrm>
-        </p:spPr>
-        <p:txBody>
-          <a:bodyPr>
-            <a:normAutofit/>
-          </a:bodyPr>
-          <a:lstStyle/>
-          <a:p>
-            <a:pPr marL="265113" lvl="1" indent="0">
-              <a:lnSpc>
-                <a:spcPct val="100000"/>
-              </a:lnSpc>
-              <a:buNone/>
-              <a:tabLst>
-                <a:tab pos="265113" algn="l"/>
-                <a:tab pos="1163638" algn="l"/>
-              </a:tabLst>
-            </a:pPr>
-            <a:r>
-              <a:rPr lang="fr-FR" sz="2800" dirty="0" smtClean="0"/>
-              <a:t>On veut contribué dans un open source bifurque le dépôt et ajouté une fonctionnalité ou une mis à jours n faire une requête pull(pull request) mas la question comment  gardé à jour le dépôt bifurqué avec le dépôt principale(ou on à </a:t>
-            </a:r>
-            <a:r>
-              <a:rPr lang="fr-FR" sz="2800" dirty="0"/>
-              <a:t>bifurqué </a:t>
-            </a:r>
-            <a:r>
-              <a:rPr lang="fr-FR" sz="2800" dirty="0" smtClean="0"/>
-              <a:t>) donc on à trois étapes.</a:t>
-            </a:r>
-          </a:p>
-          <a:p>
-            <a:pPr marL="901700" lvl="1" indent="-273050">
-              <a:lnSpc>
-                <a:spcPct val="100000"/>
-              </a:lnSpc>
-              <a:tabLst>
-                <a:tab pos="628650" algn="l"/>
-                <a:tab pos="1163638" algn="l"/>
-              </a:tabLst>
-            </a:pPr>
-            <a:r>
-              <a:rPr lang="fr-FR" sz="2800" dirty="0" smtClean="0"/>
-              <a:t>Bifurqué le dépôt </a:t>
-            </a:r>
-          </a:p>
-          <a:p>
-            <a:pPr marL="901700" lvl="1" indent="-273050">
-              <a:lnSpc>
-                <a:spcPct val="100000"/>
-              </a:lnSpc>
-              <a:tabLst>
-                <a:tab pos="628650" algn="l"/>
-                <a:tab pos="1163638" algn="l"/>
-              </a:tabLst>
-            </a:pPr>
-            <a:r>
-              <a:rPr lang="fr-FR" sz="2800" dirty="0" smtClean="0"/>
-              <a:t>Faire un changement et </a:t>
-            </a:r>
-            <a:r>
-              <a:rPr lang="fr-FR" sz="2800" dirty="0"/>
-              <a:t>faire un requête  pull(pull request</a:t>
-            </a:r>
-            <a:r>
-              <a:rPr lang="fr-FR" sz="2800" dirty="0" smtClean="0"/>
-              <a:t>)</a:t>
-            </a:r>
-          </a:p>
-          <a:p>
-            <a:pPr marL="901700" lvl="1" indent="-273050">
-              <a:lnSpc>
-                <a:spcPct val="100000"/>
-              </a:lnSpc>
-              <a:tabLst>
-                <a:tab pos="628650" algn="l"/>
-                <a:tab pos="1163638" algn="l"/>
-              </a:tabLst>
-            </a:pPr>
-            <a:r>
-              <a:rPr lang="fr-FR" sz="2800" dirty="0" smtClean="0"/>
-              <a:t>Gardé le dépôt bifurqué à jour avec dépôt principale</a:t>
-            </a:r>
-            <a:endParaRPr lang="fr-FR" sz="2800" dirty="0"/>
-          </a:p>
-          <a:p>
-            <a:pPr marL="715963" lvl="1" indent="-530225">
-              <a:lnSpc>
-                <a:spcPct val="100000"/>
-              </a:lnSpc>
-              <a:buFont typeface="+mj-lt"/>
-              <a:buAutoNum type="alphaLcPeriod"/>
-              <a:tabLst>
-                <a:tab pos="622300" algn="l"/>
-                <a:tab pos="628650" algn="l"/>
-              </a:tabLst>
-            </a:pPr>
-            <a:r>
-              <a:rPr lang="fr-FR" sz="2800" b="1" dirty="0"/>
-              <a:t>Bifurqué le dépôt:</a:t>
-            </a:r>
-          </a:p>
-          <a:p>
-            <a:pPr marL="622300" lvl="1" indent="0">
-              <a:lnSpc>
-                <a:spcPct val="100000"/>
-              </a:lnSpc>
-              <a:buFont typeface="+mj-lt"/>
-              <a:buAutoNum type="arabicPeriod"/>
-              <a:tabLst>
-                <a:tab pos="542925" algn="l"/>
-                <a:tab pos="628650" algn="l"/>
-              </a:tabLst>
-            </a:pPr>
-            <a:r>
-              <a:rPr lang="fr-FR" sz="2800" dirty="0" smtClean="0"/>
-              <a:t>Depuis github cherché le projet puis bifurqué.</a:t>
-            </a:r>
-          </a:p>
-          <a:p>
-            <a:pPr marL="622300" lvl="1" indent="0">
-              <a:lnSpc>
-                <a:spcPct val="100000"/>
-              </a:lnSpc>
-              <a:buFont typeface="+mj-lt"/>
-              <a:buAutoNum type="arabicPeriod"/>
-              <a:tabLst>
-                <a:tab pos="542925" algn="l"/>
-                <a:tab pos="628650" algn="l"/>
-              </a:tabLst>
-            </a:pPr>
-            <a:r>
-              <a:rPr lang="fr-FR" sz="2800" dirty="0"/>
-              <a:t>Cloné le dépôt bifurqué puis faire les changements  avec ’’git clone «  url </a:t>
-            </a:r>
-            <a:r>
-              <a:rPr lang="fr-FR" sz="2800" dirty="0" smtClean="0"/>
-              <a:t>» </a:t>
-            </a:r>
-          </a:p>
-          <a:p>
-            <a:pPr marL="622300" lvl="1" indent="0">
-              <a:lnSpc>
-                <a:spcPct val="100000"/>
-              </a:lnSpc>
-              <a:buFont typeface="+mj-lt"/>
-              <a:buAutoNum type="arabicPeriod"/>
-              <a:tabLst>
-                <a:tab pos="542925" algn="l"/>
-                <a:tab pos="628650" algn="l"/>
-                <a:tab pos="981075" algn="l"/>
-              </a:tabLst>
-            </a:pPr>
-            <a:r>
-              <a:rPr lang="fr-FR" sz="2800" dirty="0" smtClean="0"/>
-              <a:t>Ajoute un autre </a:t>
-            </a:r>
-            <a:r>
-              <a:rPr lang="fr-FR" sz="2800" dirty="0" err="1" smtClean="0"/>
-              <a:t>remote</a:t>
-            </a:r>
-            <a:r>
-              <a:rPr lang="fr-FR" sz="2800" dirty="0" smtClean="0"/>
-              <a:t>  « </a:t>
-            </a:r>
-            <a:r>
-              <a:rPr lang="fr-FR" sz="2800" b="1" dirty="0" err="1" smtClean="0"/>
-              <a:t>upstream</a:t>
-            </a:r>
-            <a:r>
-              <a:rPr lang="fr-FR" sz="2800" dirty="0" smtClean="0"/>
-              <a:t> » qui pointe vers le dépôt principale</a:t>
-            </a:r>
-            <a:endParaRPr lang="fr-FR" sz="2800" dirty="0"/>
-          </a:p>
-          <a:p>
-            <a:pPr marL="514350" lvl="1" indent="-514350">
-              <a:buFont typeface="+mj-lt"/>
-              <a:buAutoNum type="arabicPeriod" startAt="4"/>
-              <a:tabLst>
-                <a:tab pos="628650" algn="l"/>
-                <a:tab pos="1163638" algn="l"/>
-              </a:tabLst>
-            </a:pPr>
-            <a:endParaRPr lang="fr-FR" sz="2800" dirty="0"/>
           </a:p>
         </p:txBody>
       </p:sp>
     </p:spTree>
     <p:extLst>
       <p:ext uri="{BB962C8B-B14F-4D97-AF65-F5344CB8AC3E}">
-        <p14:creationId xmlns:p14="http://schemas.microsoft.com/office/powerpoint/2010/main" val="1280823834"/>
+        <p14:creationId xmlns:p14="http://schemas.microsoft.com/office/powerpoint/2010/main" val="250578535"/>
       </p:ext>
     </p:extLst>
   </p:cSld>
@@ -14592,106 +15530,14 @@
       </p:grpSpPr>
       <p:sp>
         <p:nvSpPr>
-          <p:cNvPr id="2" name="Titre 1"/>
-          <p:cNvSpPr>
-            <a:spLocks noGrp="1"/>
-          </p:cNvSpPr>
-          <p:nvPr>
-            <p:ph type="title"/>
-          </p:nvPr>
-        </p:nvSpPr>
-        <p:spPr>
-          <a:xfrm>
-            <a:off x="2104612" y="13252"/>
-            <a:ext cx="7238172" cy="940903"/>
-          </a:xfrm>
-        </p:spPr>
-        <p:txBody>
-          <a:bodyPr>
-            <a:normAutofit/>
-          </a:bodyPr>
-          <a:lstStyle/>
-          <a:p>
-            <a:r>
-              <a:rPr lang="fr-FR" sz="4000" b="1" dirty="0"/>
-              <a:t>Collaboration dans un open source</a:t>
-            </a:r>
-          </a:p>
-        </p:txBody>
-      </p:sp>
-      <p:sp>
-        <p:nvSpPr>
-          <p:cNvPr id="3" name="Espace réservé du contenu 2"/>
-          <p:cNvSpPr>
-            <a:spLocks noGrp="1"/>
-          </p:cNvSpPr>
-          <p:nvPr>
-            <p:ph idx="1"/>
-          </p:nvPr>
-        </p:nvSpPr>
-        <p:spPr>
-          <a:xfrm>
-            <a:off x="1" y="954155"/>
-            <a:ext cx="12192000" cy="5903845"/>
-          </a:xfrm>
-        </p:spPr>
-        <p:txBody>
-          <a:bodyPr>
-            <a:normAutofit/>
-          </a:bodyPr>
-          <a:lstStyle/>
-          <a:p>
-            <a:pPr marL="628650" lvl="1" indent="0">
-              <a:lnSpc>
-                <a:spcPct val="100000"/>
-              </a:lnSpc>
-              <a:buNone/>
-              <a:tabLst>
-                <a:tab pos="628650" algn="l"/>
-                <a:tab pos="1163638" algn="l"/>
-              </a:tabLst>
-            </a:pPr>
-            <a:endParaRPr lang="fr-FR" sz="2800" dirty="0"/>
-          </a:p>
-          <a:p>
-            <a:pPr marL="628650" lvl="1" indent="0">
-              <a:lnSpc>
-                <a:spcPct val="100000"/>
-              </a:lnSpc>
-              <a:buNone/>
-              <a:tabLst>
-                <a:tab pos="628650" algn="l"/>
-                <a:tab pos="1163638" algn="l"/>
-              </a:tabLst>
-            </a:pPr>
-            <a:endParaRPr lang="fr-FR" sz="2600" dirty="0"/>
-          </a:p>
-          <a:p>
-            <a:pPr marL="700088" lvl="1" indent="-514350">
-              <a:lnSpc>
-                <a:spcPct val="100000"/>
-              </a:lnSpc>
-              <a:buFont typeface="+mj-lt"/>
-              <a:buAutoNum type="alphaLcPeriod"/>
-              <a:tabLst>
-                <a:tab pos="628650" algn="l"/>
-                <a:tab pos="1163638" algn="l"/>
-              </a:tabLst>
-            </a:pPr>
-            <a:endParaRPr lang="fr-FR" sz="2800" dirty="0"/>
-          </a:p>
-        </p:txBody>
-      </p:sp>
-      <p:sp>
-        <p:nvSpPr>
           <p:cNvPr id="4" name="Rectangle 3"/>
           <p:cNvSpPr/>
           <p:nvPr/>
         </p:nvSpPr>
         <p:spPr>
           <a:xfrm>
-            <a:off x="0" y="1093543"/>
-            <a:ext cx="12192000" cy="6933693"/>
+            <a:off x="92765" y="1443841"/>
+            <a:ext cx="12099235" cy="4401205"/>
           </a:xfrm>
           <a:prstGeom prst="rect">
             <a:avLst/>
@@ -14703,247 +15549,77 @@
           </a:bodyPr>
           <a:lstStyle/>
           <a:p>
-            <a:pPr marL="700088" lvl="1" indent="-514350">
-              <a:spcBef>
-                <a:spcPts val="500"/>
-              </a:spcBef>
-              <a:buFont typeface="+mj-lt"/>
-              <a:buAutoNum type="alphaLcPeriod" startAt="2"/>
-              <a:tabLst>
-                <a:tab pos="622300" algn="l"/>
-                <a:tab pos="628650" algn="l"/>
-              </a:tabLst>
-            </a:pPr>
-            <a:r>
-              <a:rPr lang="fr-FR" sz="2800" b="1" dirty="0"/>
-              <a:t>Faire un changement et faire un requête  pull(pull request):</a:t>
-            </a:r>
-          </a:p>
-          <a:p>
-            <a:pPr marL="185738" lvl="1">
-              <a:lnSpc>
-                <a:spcPct val="100000"/>
-              </a:lnSpc>
-              <a:tabLst>
-                <a:tab pos="628650" algn="l"/>
-                <a:tab pos="1163638" algn="l"/>
-              </a:tabLst>
-            </a:pPr>
-            <a:r>
-              <a:rPr lang="fr-FR" sz="2800" dirty="0" smtClean="0"/>
-              <a:t>master de dépôt bifurqué et le miroir du master du dépôt principale</a:t>
-            </a:r>
-          </a:p>
-          <a:p>
-            <a:pPr marL="901700" lvl="1" indent="-279400">
-              <a:spcBef>
-                <a:spcPts val="500"/>
-              </a:spcBef>
+            <a:pPr marL="514350" indent="-514350">
               <a:buFont typeface="+mj-lt"/>
               <a:buAutoNum type="arabicPeriod"/>
-              <a:tabLst>
-                <a:tab pos="628650" algn="l"/>
-                <a:tab pos="1163638" algn="l"/>
-              </a:tabLst>
-            </a:pPr>
+            </a:pPr>
+            <a:r>
+              <a:rPr lang="fr-FR" sz="2800" b="1" dirty="0"/>
+              <a:t>Bifurquer le dépôt (fork): </a:t>
+            </a:r>
             <a:r>
               <a:rPr lang="fr-FR" sz="2800" dirty="0"/>
-              <a:t>Créer une nouvelle  branche (git branch  « newFeature ») </a:t>
-            </a:r>
-          </a:p>
-          <a:p>
-            <a:pPr marL="622300" lvl="1">
-              <a:spcBef>
-                <a:spcPts val="500"/>
-              </a:spcBef>
+              <a:t>le collaborateur bifurque un dépôt  existant et fait des </a:t>
+            </a:r>
+            <a:r>
+              <a:rPr lang="fr-FR" sz="2800" dirty="0" err="1"/>
+              <a:t>PUSHs</a:t>
+            </a:r>
+            <a:r>
+              <a:rPr lang="fr-FR" sz="2800" dirty="0"/>
+              <a:t> à son dépôt personnel(sans permission).les changement peuvent être intégré au dépôt source que par le mainteneur de projet(populaire en projet open source).les requêtes pull est utilisé pour informe le mainteneur des changement des changements (à mergé si des changements significatif). </a:t>
+            </a:r>
+          </a:p>
+          <a:p>
+            <a:pPr marL="514350" indent="-514350">
               <a:buFont typeface="+mj-lt"/>
-              <a:buAutoNum type="arabicPeriod"/>
-              <a:tabLst>
-                <a:tab pos="628650" algn="l"/>
-                <a:tab pos="1163638" algn="l"/>
-              </a:tabLst>
-            </a:pPr>
+              <a:buAutoNum type="arabicPeriod" startAt="2"/>
+            </a:pPr>
+            <a:r>
+              <a:rPr lang="fr-FR" sz="2800" b="1" dirty="0"/>
+              <a:t>Dépôt partagé:</a:t>
+            </a:r>
             <a:r>
               <a:rPr lang="fr-FR" sz="2800" dirty="0"/>
-              <a:t>Ajouté notre nouvelle fonctionnalité.</a:t>
-            </a:r>
-          </a:p>
-          <a:p>
-            <a:pPr marL="622300" lvl="1">
-              <a:spcBef>
-                <a:spcPts val="500"/>
-              </a:spcBef>
-              <a:buFont typeface="+mj-lt"/>
-              <a:buAutoNum type="arabicPeriod"/>
-              <a:tabLst>
-                <a:tab pos="628650" algn="l"/>
-                <a:tab pos="1163638" algn="l"/>
-              </a:tabLst>
-            </a:pPr>
-            <a:r>
-              <a:rPr lang="fr-FR" sz="2800" dirty="0"/>
-              <a:t>Commit et pusher vers le dépôt bifurqué (dans la branche « newFeature »)</a:t>
-            </a:r>
-          </a:p>
-          <a:p>
-            <a:pPr marL="622300" lvl="1">
-              <a:spcBef>
-                <a:spcPts val="500"/>
-              </a:spcBef>
-              <a:buFont typeface="+mj-lt"/>
-              <a:buAutoNum type="arabicPeriod"/>
-              <a:tabLst>
-                <a:tab pos="628650" algn="l"/>
-                <a:tab pos="1163638" algn="l"/>
-              </a:tabLst>
-            </a:pPr>
-            <a:r>
-              <a:rPr lang="fr-FR" sz="2800" dirty="0"/>
-              <a:t>Dans github apparait un bouton « 	 »</a:t>
-            </a:r>
-          </a:p>
-          <a:p>
-            <a:pPr marL="622300" lvl="1">
-              <a:spcBef>
-                <a:spcPts val="500"/>
-              </a:spcBef>
-              <a:buFont typeface="+mj-lt"/>
-              <a:buAutoNum type="arabicPeriod"/>
-              <a:tabLst>
-                <a:tab pos="628650" algn="l"/>
-                <a:tab pos="1163638" algn="l"/>
-              </a:tabLst>
-            </a:pPr>
-            <a:r>
-              <a:rPr lang="fr-FR" sz="2800" dirty="0"/>
-              <a:t>Une foie accepté par le propriétaire du dépôt on voit quelle(PR)  à changé de statut à accepté et fermé.</a:t>
-            </a:r>
-          </a:p>
-          <a:p>
-            <a:pPr marL="700088" lvl="1" indent="-514350">
-              <a:spcBef>
-                <a:spcPts val="500"/>
-              </a:spcBef>
-              <a:buFont typeface="+mj-lt"/>
-              <a:buAutoNum type="alphaLcPeriod" startAt="3"/>
-              <a:tabLst>
-                <a:tab pos="622300" algn="l"/>
-                <a:tab pos="628650" algn="l"/>
-              </a:tabLst>
-            </a:pPr>
-            <a:r>
-              <a:rPr lang="fr-FR" sz="2800" b="1" dirty="0" smtClean="0"/>
-              <a:t>Mettre </a:t>
-            </a:r>
-            <a:r>
-              <a:rPr lang="fr-FR" sz="2800" b="1" dirty="0"/>
-              <a:t>à jour le dépôt bifurqué en locale:</a:t>
-            </a:r>
-          </a:p>
-          <a:p>
-            <a:pPr marL="622300" lvl="1">
-              <a:spcBef>
-                <a:spcPts val="500"/>
-              </a:spcBef>
-              <a:buFont typeface="+mj-lt"/>
-              <a:buAutoNum type="arabicPeriod"/>
-              <a:tabLst>
-                <a:tab pos="628650" algn="l"/>
-                <a:tab pos="1163638" algn="l"/>
-              </a:tabLst>
-            </a:pPr>
-            <a:r>
-              <a:rPr lang="fr-FR" sz="2800" dirty="0"/>
-              <a:t>Ajouté un autre remonte à notre dépôt locale qui va pointé vers le dépôt d’origine(la on à bifurqué)	</a:t>
-            </a:r>
-          </a:p>
-          <a:p>
-            <a:pPr marL="1073150" lvl="1" indent="-92075">
-              <a:lnSpc>
-                <a:spcPct val="90000"/>
-              </a:lnSpc>
-              <a:spcBef>
-                <a:spcPts val="500"/>
-              </a:spcBef>
-              <a:buFont typeface="Arial" panose="020B0604020202020204" pitchFamily="34" charset="0"/>
-              <a:buChar char="•"/>
-              <a:tabLst>
-                <a:tab pos="628650" algn="l"/>
-                <a:tab pos="1163638" algn="l"/>
-              </a:tabLst>
-            </a:pPr>
-            <a:r>
-              <a:rPr lang="fr-FR" sz="2600" b="1" i="1" dirty="0"/>
-              <a:t>git </a:t>
-            </a:r>
-            <a:r>
-              <a:rPr lang="fr-FR" sz="2600" b="1" i="1" dirty="0" err="1"/>
-              <a:t>add</a:t>
-            </a:r>
-            <a:r>
-              <a:rPr lang="fr-FR" sz="2600" b="1" i="1" dirty="0"/>
-              <a:t> upstrem « url de repo d’</a:t>
-            </a:r>
-            <a:r>
-              <a:rPr lang="fr-FR" sz="2600" b="1" i="1" dirty="0" err="1"/>
-              <a:t>origin</a:t>
-            </a:r>
-            <a:r>
-              <a:rPr lang="fr-FR" sz="2600" b="1" i="1" dirty="0"/>
-              <a:t> ou on à </a:t>
-            </a:r>
-            <a:r>
-              <a:rPr lang="fr-FR" sz="2600" b="1" i="1" dirty="0" err="1"/>
-              <a:t>forker</a:t>
-            </a:r>
-            <a:r>
-              <a:rPr lang="fr-FR" sz="2600" b="1" i="1" dirty="0"/>
-              <a:t> »</a:t>
-            </a:r>
-          </a:p>
-          <a:p>
-            <a:pPr marL="700088" lvl="1" indent="-514350">
-              <a:buFont typeface="+mj-lt"/>
-              <a:buAutoNum type="alphaLcPeriod"/>
-              <a:tabLst>
-                <a:tab pos="628650" algn="l"/>
-                <a:tab pos="1163638" algn="l"/>
-              </a:tabLst>
-            </a:pPr>
-            <a:endParaRPr lang="fr-FR" sz="2800" dirty="0"/>
-          </a:p>
-          <a:p>
-            <a:pPr marL="700088" lvl="1" indent="-514350">
-              <a:lnSpc>
-                <a:spcPct val="100000"/>
-              </a:lnSpc>
-              <a:buFont typeface="+mj-lt"/>
-              <a:buAutoNum type="alphaLcPeriod"/>
-              <a:tabLst>
-                <a:tab pos="628650" algn="l"/>
-                <a:tab pos="1163638" algn="l"/>
-              </a:tabLst>
-            </a:pPr>
-            <a:endParaRPr lang="fr-FR" sz="2800" dirty="0"/>
-          </a:p>
-          <a:p>
-            <a:pPr marL="185738" lvl="1">
-              <a:lnSpc>
-                <a:spcPct val="100000"/>
-              </a:lnSpc>
-              <a:tabLst>
-                <a:tab pos="628650" algn="l"/>
-                <a:tab pos="1163638" algn="l"/>
-              </a:tabLst>
-            </a:pPr>
-            <a:endParaRPr lang="fr-FR" sz="2800" dirty="0"/>
+              <a:t>	les collaborateurs on un accès à un dépôt partagé. Les requêtes pull sont utiles puisque elles  inities la revue de code avant que les changements soit mergé dans la branches principale de développement. Utilisé dans les petites équipes et organisations et collabore sur des projets privés.</a:t>
+            </a:r>
+          </a:p>
+        </p:txBody>
+      </p:sp>
+      <p:sp>
+        <p:nvSpPr>
+          <p:cNvPr id="5" name="Titre 1"/>
+          <p:cNvSpPr>
+            <a:spLocks noGrp="1"/>
+          </p:cNvSpPr>
+          <p:nvPr>
+            <p:ph type="title"/>
+          </p:nvPr>
+        </p:nvSpPr>
+        <p:spPr>
+          <a:xfrm>
+            <a:off x="4610513" y="-92766"/>
+            <a:ext cx="3063737" cy="715618"/>
+          </a:xfrm>
+        </p:spPr>
+        <p:txBody>
+          <a:bodyPr>
+            <a:normAutofit/>
+          </a:bodyPr>
+          <a:lstStyle/>
+          <a:p>
+            <a:r>
+              <a:rPr lang="fr-FR" sz="4000" b="1" dirty="0" smtClean="0"/>
+              <a:t>Collaboration</a:t>
+            </a:r>
+            <a:endParaRPr lang="fr-FR" sz="4000" b="1" dirty="0"/>
           </a:p>
         </p:txBody>
       </p:sp>
     </p:spTree>
     <p:extLst>
       <p:ext uri="{BB962C8B-B14F-4D97-AF65-F5344CB8AC3E}">
-        <p14:creationId xmlns:p14="http://schemas.microsoft.com/office/powerpoint/2010/main" val="1396076491"/>
+        <p14:creationId xmlns:p14="http://schemas.microsoft.com/office/powerpoint/2010/main" val="2616827436"/>
       </p:ext>
     </p:extLst>
   </p:cSld>
@@ -14989,6 +15665,662 @@
         </p:nvSpPr>
         <p:spPr>
           <a:xfrm>
+            <a:off x="2473601" y="-1"/>
+            <a:ext cx="7244798" cy="954156"/>
+          </a:xfrm>
+        </p:spPr>
+        <p:txBody>
+          <a:bodyPr>
+            <a:normAutofit/>
+          </a:bodyPr>
+          <a:lstStyle/>
+          <a:p>
+            <a:r>
+              <a:rPr lang="fr-FR" sz="4000" b="1" dirty="0" smtClean="0"/>
+              <a:t>Collaboration dans un open source</a:t>
+            </a:r>
+            <a:endParaRPr lang="fr-FR" sz="4000" b="1" dirty="0"/>
+          </a:p>
+        </p:txBody>
+      </p:sp>
+      <p:sp>
+        <p:nvSpPr>
+          <p:cNvPr id="3" name="Espace réservé du contenu 2"/>
+          <p:cNvSpPr>
+            <a:spLocks noGrp="1"/>
+          </p:cNvSpPr>
+          <p:nvPr>
+            <p:ph idx="1"/>
+          </p:nvPr>
+        </p:nvSpPr>
+        <p:spPr>
+          <a:xfrm>
+            <a:off x="0" y="954155"/>
+            <a:ext cx="12192000" cy="6029741"/>
+          </a:xfrm>
+        </p:spPr>
+        <p:txBody>
+          <a:bodyPr>
+            <a:normAutofit/>
+          </a:bodyPr>
+          <a:lstStyle/>
+          <a:p>
+            <a:pPr marL="265113" lvl="1" indent="0">
+              <a:lnSpc>
+                <a:spcPct val="100000"/>
+              </a:lnSpc>
+              <a:buNone/>
+              <a:tabLst>
+                <a:tab pos="265113" algn="l"/>
+                <a:tab pos="1163638" algn="l"/>
+              </a:tabLst>
+            </a:pPr>
+            <a:r>
+              <a:rPr lang="fr-FR" sz="2800" dirty="0" smtClean="0"/>
+              <a:t>On veut contribué dans un open source bifurque le dépôt et ajouté une fonctionnalité ou une mis à jours n faire une requête pull(pull request) mas la question comment  gardé à jour le dépôt bifurqué avec le dépôt principale(ou on à </a:t>
+            </a:r>
+            <a:r>
+              <a:rPr lang="fr-FR" sz="2800" dirty="0"/>
+              <a:t>bifurqué </a:t>
+            </a:r>
+            <a:r>
+              <a:rPr lang="fr-FR" sz="2800" dirty="0" smtClean="0"/>
+              <a:t>) donc on à trois étapes.</a:t>
+            </a:r>
+          </a:p>
+          <a:p>
+            <a:pPr marL="901700" lvl="1" indent="-273050">
+              <a:lnSpc>
+                <a:spcPct val="100000"/>
+              </a:lnSpc>
+              <a:tabLst>
+                <a:tab pos="628650" algn="l"/>
+                <a:tab pos="1163638" algn="l"/>
+              </a:tabLst>
+            </a:pPr>
+            <a:r>
+              <a:rPr lang="fr-FR" sz="2800" dirty="0" smtClean="0"/>
+              <a:t>Bifurqué le dépôt </a:t>
+            </a:r>
+          </a:p>
+          <a:p>
+            <a:pPr marL="901700" lvl="1" indent="-273050">
+              <a:lnSpc>
+                <a:spcPct val="100000"/>
+              </a:lnSpc>
+              <a:tabLst>
+                <a:tab pos="628650" algn="l"/>
+                <a:tab pos="1163638" algn="l"/>
+              </a:tabLst>
+            </a:pPr>
+            <a:r>
+              <a:rPr lang="fr-FR" sz="2800" dirty="0" smtClean="0"/>
+              <a:t>Faire un changement et </a:t>
+            </a:r>
+            <a:r>
+              <a:rPr lang="fr-FR" sz="2800" dirty="0"/>
+              <a:t>faire un requête  pull(pull request</a:t>
+            </a:r>
+            <a:r>
+              <a:rPr lang="fr-FR" sz="2800" dirty="0" smtClean="0"/>
+              <a:t>)</a:t>
+            </a:r>
+          </a:p>
+          <a:p>
+            <a:pPr marL="901700" lvl="1" indent="-273050">
+              <a:lnSpc>
+                <a:spcPct val="100000"/>
+              </a:lnSpc>
+              <a:tabLst>
+                <a:tab pos="628650" algn="l"/>
+                <a:tab pos="1163638" algn="l"/>
+              </a:tabLst>
+            </a:pPr>
+            <a:r>
+              <a:rPr lang="fr-FR" sz="2800" dirty="0" smtClean="0"/>
+              <a:t>Gardé le dépôt bifurqué à jour avec dépôt principale</a:t>
+            </a:r>
+            <a:endParaRPr lang="fr-FR" sz="2800" dirty="0"/>
+          </a:p>
+          <a:p>
+            <a:pPr marL="715963" lvl="1" indent="-530225">
+              <a:lnSpc>
+                <a:spcPct val="100000"/>
+              </a:lnSpc>
+              <a:buFont typeface="+mj-lt"/>
+              <a:buAutoNum type="alphaLcPeriod"/>
+              <a:tabLst>
+                <a:tab pos="622300" algn="l"/>
+                <a:tab pos="628650" algn="l"/>
+              </a:tabLst>
+            </a:pPr>
+            <a:r>
+              <a:rPr lang="fr-FR" sz="2800" b="1" dirty="0"/>
+              <a:t>Bifurqué le dépôt:</a:t>
+            </a:r>
+          </a:p>
+          <a:p>
+            <a:pPr marL="622300" lvl="1" indent="0">
+              <a:lnSpc>
+                <a:spcPct val="100000"/>
+              </a:lnSpc>
+              <a:buFont typeface="+mj-lt"/>
+              <a:buAutoNum type="arabicPeriod"/>
+              <a:tabLst>
+                <a:tab pos="542925" algn="l"/>
+                <a:tab pos="628650" algn="l"/>
+              </a:tabLst>
+            </a:pPr>
+            <a:r>
+              <a:rPr lang="fr-FR" sz="2800" dirty="0" smtClean="0"/>
+              <a:t>Depuis github cherché le projet puis bifurqué.</a:t>
+            </a:r>
+          </a:p>
+          <a:p>
+            <a:pPr marL="622300" lvl="1" indent="0">
+              <a:lnSpc>
+                <a:spcPct val="100000"/>
+              </a:lnSpc>
+              <a:buFont typeface="+mj-lt"/>
+              <a:buAutoNum type="arabicPeriod"/>
+              <a:tabLst>
+                <a:tab pos="542925" algn="l"/>
+                <a:tab pos="628650" algn="l"/>
+              </a:tabLst>
+            </a:pPr>
+            <a:r>
+              <a:rPr lang="fr-FR" sz="2800" dirty="0"/>
+              <a:t>Cloné le dépôt bifurqué puis faire les changements  avec ’’git clone «  url </a:t>
+            </a:r>
+            <a:r>
+              <a:rPr lang="fr-FR" sz="2800" dirty="0" smtClean="0"/>
+              <a:t>» </a:t>
+            </a:r>
+          </a:p>
+          <a:p>
+            <a:pPr marL="622300" lvl="1" indent="0">
+              <a:lnSpc>
+                <a:spcPct val="100000"/>
+              </a:lnSpc>
+              <a:buFont typeface="+mj-lt"/>
+              <a:buAutoNum type="arabicPeriod"/>
+              <a:tabLst>
+                <a:tab pos="542925" algn="l"/>
+                <a:tab pos="628650" algn="l"/>
+                <a:tab pos="981075" algn="l"/>
+              </a:tabLst>
+            </a:pPr>
+            <a:r>
+              <a:rPr lang="fr-FR" sz="2800" dirty="0" smtClean="0"/>
+              <a:t>Ajoute un autre </a:t>
+            </a:r>
+            <a:r>
+              <a:rPr lang="fr-FR" sz="2800" dirty="0" err="1" smtClean="0"/>
+              <a:t>remote</a:t>
+            </a:r>
+            <a:r>
+              <a:rPr lang="fr-FR" sz="2800" dirty="0" smtClean="0"/>
+              <a:t>  « </a:t>
+            </a:r>
+            <a:r>
+              <a:rPr lang="fr-FR" sz="2800" b="1" dirty="0" err="1" smtClean="0"/>
+              <a:t>upstream</a:t>
+            </a:r>
+            <a:r>
+              <a:rPr lang="fr-FR" sz="2800" dirty="0" smtClean="0"/>
+              <a:t> » qui pointe vers le dépôt principale</a:t>
+            </a:r>
+            <a:endParaRPr lang="fr-FR" sz="2800" dirty="0"/>
+          </a:p>
+          <a:p>
+            <a:pPr marL="514350" lvl="1" indent="-514350">
+              <a:buFont typeface="+mj-lt"/>
+              <a:buAutoNum type="arabicPeriod" startAt="4"/>
+              <a:tabLst>
+                <a:tab pos="628650" algn="l"/>
+                <a:tab pos="1163638" algn="l"/>
+              </a:tabLst>
+            </a:pPr>
+            <a:endParaRPr lang="fr-FR" sz="2800" dirty="0"/>
+          </a:p>
+        </p:txBody>
+      </p:sp>
+    </p:spTree>
+    <p:extLst>
+      <p:ext uri="{BB962C8B-B14F-4D97-AF65-F5344CB8AC3E}">
+        <p14:creationId xmlns:p14="http://schemas.microsoft.com/office/powerpoint/2010/main" val="1280823834"/>
+      </p:ext>
+    </p:extLst>
+  </p:cSld>
+  <p:clrMapOvr>
+    <a:masterClrMapping/>
+  </p:clrMapOvr>
+  <p:timing>
+    <p:tnLst>
+      <p:par>
+        <p:cTn id="1" dur="indefinite" restart="never" nodeType="tmRoot"/>
+      </p:par>
+    </p:tnLst>
+  </p:timing>
+</p:sld>
+</file>
+
+<file path=ppt/slides/slide28.xml><?xml version="1.0" encoding="utf-8"?>
+<p:sld xmlns:a="http://schemas.openxmlformats.org/drawingml/2006/main" xmlns:r="http://schemas.openxmlformats.org/officeDocument/2006/relationships" xmlns:p="http://schemas.openxmlformats.org/presentationml/2006/main">
+  <p:cSld>
+    <p:spTree>
+      <p:nvGrpSpPr>
+        <p:cNvPr id="1" name=""/>
+        <p:cNvGrpSpPr/>
+        <p:nvPr/>
+      </p:nvGrpSpPr>
+      <p:grpSpPr>
+        <a:xfrm>
+          <a:off x="0" y="0"/>
+          <a:ext cx="0" cy="0"/>
+          <a:chOff x="0" y="0"/>
+          <a:chExt cx="0" cy="0"/>
+        </a:xfrm>
+      </p:grpSpPr>
+      <p:sp>
+        <p:nvSpPr>
+          <p:cNvPr id="2" name="Titre 1"/>
+          <p:cNvSpPr>
+            <a:spLocks noGrp="1"/>
+          </p:cNvSpPr>
+          <p:nvPr>
+            <p:ph type="title"/>
+          </p:nvPr>
+        </p:nvSpPr>
+        <p:spPr>
+          <a:xfrm>
+            <a:off x="2104612" y="13252"/>
+            <a:ext cx="7238172" cy="940903"/>
+          </a:xfrm>
+        </p:spPr>
+        <p:txBody>
+          <a:bodyPr>
+            <a:normAutofit/>
+          </a:bodyPr>
+          <a:lstStyle/>
+          <a:p>
+            <a:r>
+              <a:rPr lang="fr-FR" sz="4000" b="1" dirty="0"/>
+              <a:t>Collaboration dans un open source</a:t>
+            </a:r>
+          </a:p>
+        </p:txBody>
+      </p:sp>
+      <p:sp>
+        <p:nvSpPr>
+          <p:cNvPr id="3" name="Espace réservé du contenu 2"/>
+          <p:cNvSpPr>
+            <a:spLocks noGrp="1"/>
+          </p:cNvSpPr>
+          <p:nvPr>
+            <p:ph idx="1"/>
+          </p:nvPr>
+        </p:nvSpPr>
+        <p:spPr>
+          <a:xfrm>
+            <a:off x="1" y="954155"/>
+            <a:ext cx="12192000" cy="5903845"/>
+          </a:xfrm>
+        </p:spPr>
+        <p:txBody>
+          <a:bodyPr>
+            <a:normAutofit/>
+          </a:bodyPr>
+          <a:lstStyle/>
+          <a:p>
+            <a:pPr marL="628650" lvl="1" indent="0">
+              <a:lnSpc>
+                <a:spcPct val="100000"/>
+              </a:lnSpc>
+              <a:buNone/>
+              <a:tabLst>
+                <a:tab pos="628650" algn="l"/>
+                <a:tab pos="1163638" algn="l"/>
+              </a:tabLst>
+            </a:pPr>
+            <a:endParaRPr lang="fr-FR" sz="2800" dirty="0"/>
+          </a:p>
+          <a:p>
+            <a:pPr marL="628650" lvl="1" indent="0">
+              <a:lnSpc>
+                <a:spcPct val="100000"/>
+              </a:lnSpc>
+              <a:buNone/>
+              <a:tabLst>
+                <a:tab pos="628650" algn="l"/>
+                <a:tab pos="1163638" algn="l"/>
+              </a:tabLst>
+            </a:pPr>
+            <a:endParaRPr lang="fr-FR" sz="2600" dirty="0"/>
+          </a:p>
+          <a:p>
+            <a:pPr marL="700088" lvl="1" indent="-514350">
+              <a:lnSpc>
+                <a:spcPct val="100000"/>
+              </a:lnSpc>
+              <a:buFont typeface="+mj-lt"/>
+              <a:buAutoNum type="alphaLcPeriod"/>
+              <a:tabLst>
+                <a:tab pos="628650" algn="l"/>
+                <a:tab pos="1163638" algn="l"/>
+              </a:tabLst>
+            </a:pPr>
+            <a:endParaRPr lang="fr-FR" sz="2800" dirty="0"/>
+          </a:p>
+        </p:txBody>
+      </p:sp>
+      <p:sp>
+        <p:nvSpPr>
+          <p:cNvPr id="4" name="Rectangle 3"/>
+          <p:cNvSpPr/>
+          <p:nvPr/>
+        </p:nvSpPr>
+        <p:spPr>
+          <a:xfrm>
+            <a:off x="0" y="1093543"/>
+            <a:ext cx="12192000" cy="6933693"/>
+          </a:xfrm>
+          <a:prstGeom prst="rect">
+            <a:avLst/>
+          </a:prstGeom>
+        </p:spPr>
+        <p:txBody>
+          <a:bodyPr wrap="square">
+            <a:spAutoFit/>
+          </a:bodyPr>
+          <a:lstStyle/>
+          <a:p>
+            <a:pPr marL="700088" lvl="1" indent="-514350">
+              <a:spcBef>
+                <a:spcPts val="500"/>
+              </a:spcBef>
+              <a:buFont typeface="+mj-lt"/>
+              <a:buAutoNum type="alphaLcPeriod" startAt="2"/>
+              <a:tabLst>
+                <a:tab pos="622300" algn="l"/>
+                <a:tab pos="628650" algn="l"/>
+              </a:tabLst>
+            </a:pPr>
+            <a:r>
+              <a:rPr lang="fr-FR" sz="2800" b="1" dirty="0"/>
+              <a:t>Faire un changement et faire un requête  pull(pull request):</a:t>
+            </a:r>
+          </a:p>
+          <a:p>
+            <a:pPr marL="185738" lvl="1">
+              <a:lnSpc>
+                <a:spcPct val="100000"/>
+              </a:lnSpc>
+              <a:tabLst>
+                <a:tab pos="628650" algn="l"/>
+                <a:tab pos="1163638" algn="l"/>
+              </a:tabLst>
+            </a:pPr>
+            <a:r>
+              <a:rPr lang="fr-FR" sz="2800" dirty="0" smtClean="0"/>
+              <a:t>master de dépôt bifurqué et le miroir du master du dépôt principale</a:t>
+            </a:r>
+          </a:p>
+          <a:p>
+            <a:pPr marL="901700" lvl="1" indent="-279400">
+              <a:spcBef>
+                <a:spcPts val="500"/>
+              </a:spcBef>
+              <a:buFont typeface="+mj-lt"/>
+              <a:buAutoNum type="arabicPeriod"/>
+              <a:tabLst>
+                <a:tab pos="628650" algn="l"/>
+                <a:tab pos="1163638" algn="l"/>
+              </a:tabLst>
+            </a:pPr>
+            <a:r>
+              <a:rPr lang="fr-FR" sz="2800" dirty="0"/>
+              <a:t>Créer une nouvelle  branche (git branch  « newFeature ») </a:t>
+            </a:r>
+          </a:p>
+          <a:p>
+            <a:pPr marL="622300" lvl="1">
+              <a:spcBef>
+                <a:spcPts val="500"/>
+              </a:spcBef>
+              <a:buFont typeface="+mj-lt"/>
+              <a:buAutoNum type="arabicPeriod"/>
+              <a:tabLst>
+                <a:tab pos="628650" algn="l"/>
+                <a:tab pos="1163638" algn="l"/>
+              </a:tabLst>
+            </a:pPr>
+            <a:r>
+              <a:rPr lang="fr-FR" sz="2800" dirty="0"/>
+              <a:t>Ajouté notre nouvelle fonctionnalité.</a:t>
+            </a:r>
+          </a:p>
+          <a:p>
+            <a:pPr marL="622300" lvl="1">
+              <a:spcBef>
+                <a:spcPts val="500"/>
+              </a:spcBef>
+              <a:buFont typeface="+mj-lt"/>
+              <a:buAutoNum type="arabicPeriod"/>
+              <a:tabLst>
+                <a:tab pos="628650" algn="l"/>
+                <a:tab pos="1163638" algn="l"/>
+              </a:tabLst>
+            </a:pPr>
+            <a:r>
+              <a:rPr lang="fr-FR" sz="2800" dirty="0"/>
+              <a:t>Commit et pusher vers le dépôt bifurqué (dans la branche « newFeature »)</a:t>
+            </a:r>
+          </a:p>
+          <a:p>
+            <a:pPr marL="622300" lvl="1">
+              <a:spcBef>
+                <a:spcPts val="500"/>
+              </a:spcBef>
+              <a:buFont typeface="+mj-lt"/>
+              <a:buAutoNum type="arabicPeriod"/>
+              <a:tabLst>
+                <a:tab pos="628650" algn="l"/>
+                <a:tab pos="1163638" algn="l"/>
+              </a:tabLst>
+            </a:pPr>
+            <a:r>
+              <a:rPr lang="fr-FR" sz="2800" dirty="0"/>
+              <a:t>Dans github apparait un bouton « 	 »</a:t>
+            </a:r>
+          </a:p>
+          <a:p>
+            <a:pPr marL="622300" lvl="1">
+              <a:spcBef>
+                <a:spcPts val="500"/>
+              </a:spcBef>
+              <a:buFont typeface="+mj-lt"/>
+              <a:buAutoNum type="arabicPeriod"/>
+              <a:tabLst>
+                <a:tab pos="628650" algn="l"/>
+                <a:tab pos="1163638" algn="l"/>
+              </a:tabLst>
+            </a:pPr>
+            <a:r>
+              <a:rPr lang="fr-FR" sz="2800" dirty="0"/>
+              <a:t>Une foie accepté par le propriétaire du dépôt on voit quelle(PR)  à changé de statut à accepté et fermé.</a:t>
+            </a:r>
+          </a:p>
+          <a:p>
+            <a:pPr marL="700088" lvl="1" indent="-514350">
+              <a:spcBef>
+                <a:spcPts val="500"/>
+              </a:spcBef>
+              <a:buFont typeface="+mj-lt"/>
+              <a:buAutoNum type="alphaLcPeriod" startAt="3"/>
+              <a:tabLst>
+                <a:tab pos="622300" algn="l"/>
+                <a:tab pos="628650" algn="l"/>
+              </a:tabLst>
+            </a:pPr>
+            <a:r>
+              <a:rPr lang="fr-FR" sz="2800" b="1" dirty="0" smtClean="0"/>
+              <a:t>Mettre </a:t>
+            </a:r>
+            <a:r>
+              <a:rPr lang="fr-FR" sz="2800" b="1" dirty="0"/>
+              <a:t>à jour le dépôt bifurqué en locale:</a:t>
+            </a:r>
+          </a:p>
+          <a:p>
+            <a:pPr marL="622300" lvl="1">
+              <a:spcBef>
+                <a:spcPts val="500"/>
+              </a:spcBef>
+              <a:buFont typeface="+mj-lt"/>
+              <a:buAutoNum type="arabicPeriod"/>
+              <a:tabLst>
+                <a:tab pos="628650" algn="l"/>
+                <a:tab pos="1163638" algn="l"/>
+              </a:tabLst>
+            </a:pPr>
+            <a:r>
+              <a:rPr lang="fr-FR" sz="2800" dirty="0"/>
+              <a:t>Ajouté un autre remonte à notre dépôt locale qui va pointé vers le dépôt d’origine(la on à bifurqué)	</a:t>
+            </a:r>
+          </a:p>
+          <a:p>
+            <a:pPr marL="1073150" lvl="1" indent="-92075">
+              <a:lnSpc>
+                <a:spcPct val="90000"/>
+              </a:lnSpc>
+              <a:spcBef>
+                <a:spcPts val="500"/>
+              </a:spcBef>
+              <a:buFont typeface="Arial" panose="020B0604020202020204" pitchFamily="34" charset="0"/>
+              <a:buChar char="•"/>
+              <a:tabLst>
+                <a:tab pos="628650" algn="l"/>
+                <a:tab pos="1163638" algn="l"/>
+              </a:tabLst>
+            </a:pPr>
+            <a:r>
+              <a:rPr lang="fr-FR" sz="2600" b="1" i="1" dirty="0"/>
+              <a:t>git </a:t>
+            </a:r>
+            <a:r>
+              <a:rPr lang="fr-FR" sz="2600" b="1" i="1" dirty="0" err="1"/>
+              <a:t>add</a:t>
+            </a:r>
+            <a:r>
+              <a:rPr lang="fr-FR" sz="2600" b="1" i="1" dirty="0"/>
+              <a:t> upstrem « url de repo d’</a:t>
+            </a:r>
+            <a:r>
+              <a:rPr lang="fr-FR" sz="2600" b="1" i="1" dirty="0" err="1"/>
+              <a:t>origin</a:t>
+            </a:r>
+            <a:r>
+              <a:rPr lang="fr-FR" sz="2600" b="1" i="1" dirty="0"/>
+              <a:t> ou on à </a:t>
+            </a:r>
+            <a:r>
+              <a:rPr lang="fr-FR" sz="2600" b="1" i="1" dirty="0" err="1"/>
+              <a:t>forker</a:t>
+            </a:r>
+            <a:r>
+              <a:rPr lang="fr-FR" sz="2600" b="1" i="1" dirty="0"/>
+              <a:t> »</a:t>
+            </a:r>
+          </a:p>
+          <a:p>
+            <a:pPr marL="700088" lvl="1" indent="-514350">
+              <a:buFont typeface="+mj-lt"/>
+              <a:buAutoNum type="alphaLcPeriod"/>
+              <a:tabLst>
+                <a:tab pos="628650" algn="l"/>
+                <a:tab pos="1163638" algn="l"/>
+              </a:tabLst>
+            </a:pPr>
+            <a:endParaRPr lang="fr-FR" sz="2800" dirty="0"/>
+          </a:p>
+          <a:p>
+            <a:pPr marL="700088" lvl="1" indent="-514350">
+              <a:lnSpc>
+                <a:spcPct val="100000"/>
+              </a:lnSpc>
+              <a:buFont typeface="+mj-lt"/>
+              <a:buAutoNum type="alphaLcPeriod"/>
+              <a:tabLst>
+                <a:tab pos="628650" algn="l"/>
+                <a:tab pos="1163638" algn="l"/>
+              </a:tabLst>
+            </a:pPr>
+            <a:endParaRPr lang="fr-FR" sz="2800" dirty="0"/>
+          </a:p>
+          <a:p>
+            <a:pPr marL="185738" lvl="1">
+              <a:lnSpc>
+                <a:spcPct val="100000"/>
+              </a:lnSpc>
+              <a:tabLst>
+                <a:tab pos="628650" algn="l"/>
+                <a:tab pos="1163638" algn="l"/>
+              </a:tabLst>
+            </a:pPr>
+            <a:endParaRPr lang="fr-FR" sz="2800" dirty="0"/>
+          </a:p>
+        </p:txBody>
+      </p:sp>
+    </p:spTree>
+    <p:extLst>
+      <p:ext uri="{BB962C8B-B14F-4D97-AF65-F5344CB8AC3E}">
+        <p14:creationId xmlns:p14="http://schemas.microsoft.com/office/powerpoint/2010/main" val="1396076491"/>
+      </p:ext>
+    </p:extLst>
+  </p:cSld>
+  <p:clrMapOvr>
+    <a:masterClrMapping/>
+  </p:clrMapOvr>
+  <p:timing>
+    <p:tnLst>
+      <p:par>
+        <p:cTn id="1" dur="indefinite" restart="never" nodeType="tmRoot"/>
+      </p:par>
+    </p:tnLst>
+  </p:timing>
+</p:sld>
+</file>
+
+<file path=ppt/slides/slide29.xml><?xml version="1.0" encoding="utf-8"?>
+<p:sld xmlns:a="http://schemas.openxmlformats.org/drawingml/2006/main" xmlns:r="http://schemas.openxmlformats.org/officeDocument/2006/relationships" xmlns:p="http://schemas.openxmlformats.org/presentationml/2006/main">
+  <p:cSld>
+    <p:spTree>
+      <p:nvGrpSpPr>
+        <p:cNvPr id="1" name=""/>
+        <p:cNvGrpSpPr/>
+        <p:nvPr/>
+      </p:nvGrpSpPr>
+      <p:grpSpPr>
+        <a:xfrm>
+          <a:off x="0" y="0"/>
+          <a:ext cx="0" cy="0"/>
+          <a:chOff x="0" y="0"/>
+          <a:chExt cx="0" cy="0"/>
+        </a:xfrm>
+      </p:grpSpPr>
+      <p:sp>
+        <p:nvSpPr>
+          <p:cNvPr id="2" name="Titre 1"/>
+          <p:cNvSpPr>
+            <a:spLocks noGrp="1"/>
+          </p:cNvSpPr>
+          <p:nvPr>
+            <p:ph type="title"/>
+          </p:nvPr>
+        </p:nvSpPr>
+        <p:spPr>
+          <a:xfrm>
             <a:off x="1161221" y="-1"/>
             <a:ext cx="7890014" cy="954156"/>
           </a:xfrm>
@@ -15294,7 +16626,264 @@
 </p:sld>
 </file>
 
-<file path=ppt/slides/slide28.xml><?xml version="1.0" encoding="utf-8"?>
+<file path=ppt/slides/slide3.xml><?xml version="1.0" encoding="utf-8"?>
+<p:sld xmlns:a="http://schemas.openxmlformats.org/drawingml/2006/main" xmlns:r="http://schemas.openxmlformats.org/officeDocument/2006/relationships" xmlns:p="http://schemas.openxmlformats.org/presentationml/2006/main">
+  <p:cSld>
+    <p:spTree>
+      <p:nvGrpSpPr>
+        <p:cNvPr id="1" name=""/>
+        <p:cNvGrpSpPr/>
+        <p:nvPr/>
+      </p:nvGrpSpPr>
+      <p:grpSpPr>
+        <a:xfrm>
+          <a:off x="0" y="0"/>
+          <a:ext cx="0" cy="0"/>
+          <a:chOff x="0" y="0"/>
+          <a:chExt cx="0" cy="0"/>
+        </a:xfrm>
+      </p:grpSpPr>
+      <p:sp>
+        <p:nvSpPr>
+          <p:cNvPr id="2" name="Titre 1"/>
+          <p:cNvSpPr>
+            <a:spLocks noGrp="1"/>
+          </p:cNvSpPr>
+          <p:nvPr>
+            <p:ph type="ctrTitle"/>
+          </p:nvPr>
+        </p:nvSpPr>
+        <p:spPr>
+          <a:xfrm>
+            <a:off x="5256944" y="10274"/>
+            <a:ext cx="1678112" cy="577648"/>
+          </a:xfrm>
+        </p:spPr>
+        <p:txBody>
+          <a:bodyPr>
+            <a:noAutofit/>
+          </a:bodyPr>
+          <a:lstStyle/>
+          <a:p>
+            <a:r>
+              <a:rPr lang="fr-FR" sz="4000" b="1" dirty="0" smtClean="0"/>
+              <a:t>Git</a:t>
+            </a:r>
+            <a:r>
+              <a:rPr lang="fr-FR" sz="3600" dirty="0" smtClean="0"/>
+              <a:t>	</a:t>
+            </a:r>
+            <a:endParaRPr lang="fr-FR" sz="3600" dirty="0"/>
+          </a:p>
+        </p:txBody>
+      </p:sp>
+      <p:sp>
+        <p:nvSpPr>
+          <p:cNvPr id="3" name="Sous-titre 2"/>
+          <p:cNvSpPr>
+            <a:spLocks noGrp="1"/>
+          </p:cNvSpPr>
+          <p:nvPr>
+            <p:ph type="subTitle" idx="1"/>
+          </p:nvPr>
+        </p:nvSpPr>
+        <p:spPr>
+          <a:xfrm>
+            <a:off x="154379" y="587923"/>
+            <a:ext cx="12037621" cy="6495708"/>
+          </a:xfrm>
+        </p:spPr>
+        <p:txBody>
+          <a:bodyPr>
+            <a:normAutofit/>
+          </a:bodyPr>
+          <a:lstStyle/>
+          <a:p>
+            <a:pPr marL="571500" indent="-571500" algn="l">
+              <a:buFont typeface="+mj-lt"/>
+              <a:buAutoNum type="romanUcPeriod" startAt="4"/>
+            </a:pPr>
+            <a:r>
+              <a:rPr lang="fr-FR" sz="2800" b="1" dirty="0" smtClean="0"/>
+              <a:t>Git:</a:t>
+            </a:r>
+            <a:endParaRPr lang="fr-FR" sz="2800" b="1" dirty="0" smtClean="0"/>
+          </a:p>
+          <a:p>
+            <a:pPr marL="514350" indent="-514350" algn="l">
+              <a:buFont typeface="+mj-lt"/>
+              <a:buAutoNum type="alphaLcPeriod"/>
+            </a:pPr>
+            <a:r>
+              <a:rPr lang="fr-FR" sz="2800" b="1" dirty="0"/>
+              <a:t>Définition: </a:t>
+            </a:r>
+            <a:r>
+              <a:rPr lang="fr-FR" sz="2800" dirty="0" smtClean="0"/>
+              <a:t>est un logiciel qui  enregistre les  médications (versions) d’un ensemble de fichiers d’un projet souvent  utilisé pour la collaboration . </a:t>
+            </a:r>
+            <a:r>
+              <a:rPr lang="fr-FR" dirty="0" smtClean="0"/>
+              <a:t>.</a:t>
+            </a:r>
+          </a:p>
+          <a:p>
+            <a:pPr marL="514350" indent="-514350" algn="l">
+              <a:buFont typeface="+mj-lt"/>
+              <a:buAutoNum type="alphaLcPeriod"/>
+            </a:pPr>
+            <a:r>
+              <a:rPr lang="fr-FR" sz="2800" b="1" dirty="0"/>
+              <a:t>Fonctionnement:</a:t>
+            </a:r>
+          </a:p>
+          <a:p>
+            <a:pPr marL="342900" indent="17463" algn="l">
+              <a:buFont typeface="Arial" panose="020B0604020202020204" pitchFamily="34" charset="0"/>
+              <a:buChar char="•"/>
+            </a:pPr>
+            <a:r>
+              <a:rPr lang="fr-FR" sz="2800" dirty="0" smtClean="0"/>
+              <a:t>Répertoire de travail (Workspace, </a:t>
+            </a:r>
+            <a:r>
+              <a:rPr lang="fr-FR" sz="2800" dirty="0"/>
+              <a:t>w</a:t>
+            </a:r>
+            <a:r>
+              <a:rPr lang="fr-FR" sz="2800" dirty="0" smtClean="0"/>
+              <a:t>ork tree).</a:t>
+            </a:r>
+          </a:p>
+          <a:p>
+            <a:pPr marL="342900" indent="17463" algn="l">
+              <a:buFont typeface="Arial" panose="020B0604020202020204" pitchFamily="34" charset="0"/>
+              <a:buChar char="•"/>
+            </a:pPr>
+            <a:r>
+              <a:rPr lang="fr-FR" sz="2500" dirty="0" smtClean="0"/>
+              <a:t> </a:t>
+            </a:r>
+            <a:r>
+              <a:rPr lang="fr-FR" sz="2800" dirty="0"/>
+              <a:t>La zone de transit/d’index (stagged area )</a:t>
+            </a:r>
+          </a:p>
+          <a:p>
+            <a:pPr marL="342900" indent="17463" algn="l">
+              <a:buFont typeface="Arial" panose="020B0604020202020204" pitchFamily="34" charset="0"/>
+              <a:buChar char="•"/>
+            </a:pPr>
+            <a:r>
+              <a:rPr lang="fr-FR" sz="2800" dirty="0" smtClean="0"/>
+              <a:t>Repo </a:t>
+            </a:r>
+            <a:r>
+              <a:rPr lang="fr-FR" sz="2800" dirty="0"/>
+              <a:t>Git </a:t>
+            </a:r>
+            <a:r>
+              <a:rPr lang="fr-FR" sz="2800" dirty="0" smtClean="0"/>
+              <a:t>locale( clone).</a:t>
+            </a:r>
+            <a:endParaRPr lang="fr-FR" sz="2800" dirty="0"/>
+          </a:p>
+          <a:p>
+            <a:pPr marL="514350" indent="-514350" algn="l">
+              <a:buFont typeface="+mj-lt"/>
+              <a:buAutoNum type="alphaLcPeriod" startAt="3"/>
+            </a:pPr>
+            <a:r>
+              <a:rPr lang="fr-FR" sz="2800" b="1" dirty="0"/>
+              <a:t>Différentes Etats d’un fichier:</a:t>
+            </a:r>
+          </a:p>
+          <a:p>
+            <a:pPr marL="685800" indent="-342900" algn="l">
+              <a:buFont typeface="Arial" panose="020B0604020202020204" pitchFamily="34" charset="0"/>
+              <a:buChar char="•"/>
+            </a:pPr>
+            <a:r>
+              <a:rPr lang="fr-FR" sz="2800" dirty="0"/>
+              <a:t>Non versionnés (untracked)</a:t>
+            </a:r>
+          </a:p>
+          <a:p>
+            <a:pPr marL="685800" indent="-342900" algn="l">
+              <a:buFont typeface="Arial" panose="020B0604020202020204" pitchFamily="34" charset="0"/>
+              <a:buChar char="•"/>
+            </a:pPr>
+            <a:r>
+              <a:rPr lang="fr-FR" sz="2800" dirty="0" smtClean="0"/>
+              <a:t>Versionnés </a:t>
+            </a:r>
+            <a:r>
+              <a:rPr lang="fr-FR" sz="2800" dirty="0"/>
+              <a:t>non modifié (commit contient ce qui a été changé)</a:t>
+            </a:r>
+          </a:p>
+          <a:p>
+            <a:pPr marL="685800" indent="-342900" algn="l">
+              <a:buFont typeface="Arial" panose="020B0604020202020204" pitchFamily="34" charset="0"/>
+              <a:buChar char="•"/>
+            </a:pPr>
+            <a:r>
+              <a:rPr lang="fr-FR" sz="2800" dirty="0"/>
+              <a:t>V</a:t>
+            </a:r>
+            <a:r>
+              <a:rPr lang="fr-FR" sz="2800" dirty="0" smtClean="0"/>
+              <a:t>ersionnés </a:t>
+            </a:r>
+            <a:r>
+              <a:rPr lang="fr-FR" sz="2800" dirty="0"/>
+              <a:t>modifié  (non prêt pour le prochaine commit)</a:t>
+            </a:r>
+          </a:p>
+          <a:p>
+            <a:pPr marL="685800" indent="-342900" algn="l">
+              <a:buFont typeface="Arial" panose="020B0604020202020204" pitchFamily="34" charset="0"/>
+              <a:buChar char="•"/>
+            </a:pPr>
+            <a:r>
+              <a:rPr lang="fr-FR" sz="2800" dirty="0"/>
+              <a:t>Indexé (staged)  (prêt pour le prochaine commit)</a:t>
+            </a:r>
+          </a:p>
+          <a:p>
+            <a:pPr marL="685800" indent="-342900" algn="l">
+              <a:buFont typeface="Arial" panose="020B0604020202020204" pitchFamily="34" charset="0"/>
+              <a:buChar char="•"/>
+            </a:pPr>
+            <a:endParaRPr lang="fr-FR" sz="2500" dirty="0" smtClean="0"/>
+          </a:p>
+          <a:p>
+            <a:pPr marL="342900" algn="l"/>
+            <a:endParaRPr lang="fr-FR" sz="2500" b="1" dirty="0"/>
+          </a:p>
+        </p:txBody>
+      </p:sp>
+    </p:spTree>
+    <p:extLst>
+      <p:ext uri="{BB962C8B-B14F-4D97-AF65-F5344CB8AC3E}">
+        <p14:creationId xmlns:p14="http://schemas.microsoft.com/office/powerpoint/2010/main" val="3886133043"/>
+      </p:ext>
+    </p:extLst>
+  </p:cSld>
+  <p:clrMapOvr>
+    <a:masterClrMapping/>
+  </p:clrMapOvr>
+  <p:timing>
+    <p:tnLst>
+      <p:par>
+        <p:cTn id="1" dur="indefinite" restart="never" nodeType="tmRoot"/>
+      </p:par>
+    </p:tnLst>
+  </p:timing>
+</p:sld>
+</file>
+
+<file path=ppt/slides/slide30.xml><?xml version="1.0" encoding="utf-8"?>
 <p:sld xmlns:a="http://schemas.openxmlformats.org/drawingml/2006/main" xmlns:r="http://schemas.openxmlformats.org/officeDocument/2006/relationships" xmlns:p="http://schemas.openxmlformats.org/presentationml/2006/main">
   <p:cSld>
     <p:spTree>
@@ -15378,7 +16967,7 @@
         <p:spPr>
           <a:xfrm>
             <a:off x="920567" y="2880531"/>
-            <a:ext cx="6753225" cy="3705225"/>
+            <a:ext cx="8733099" cy="3705225"/>
           </a:xfrm>
           <a:prstGeom prst="rect">
             <a:avLst/>
@@ -15405,7 +16994,7 @@
 </p:sld>
 </file>
 
-<file path=ppt/slides/slide29.xml><?xml version="1.0" encoding="utf-8"?>
+<file path=ppt/slides/slide31.xml><?xml version="1.0" encoding="utf-8"?>
 <p:sld xmlns:a="http://schemas.openxmlformats.org/drawingml/2006/main" xmlns:r="http://schemas.openxmlformats.org/officeDocument/2006/relationships" xmlns:p="http://schemas.openxmlformats.org/presentationml/2006/main">
   <p:cSld>
     <p:spTree>
@@ -15490,280 +17079,7 @@
 </p:sld>
 </file>
 
-<file path=ppt/slides/slide3.xml><?xml version="1.0" encoding="utf-8"?>
-<p:sld xmlns:a="http://schemas.openxmlformats.org/drawingml/2006/main" xmlns:r="http://schemas.openxmlformats.org/officeDocument/2006/relationships" xmlns:p="http://schemas.openxmlformats.org/presentationml/2006/main">
-  <p:cSld>
-    <p:spTree>
-      <p:nvGrpSpPr>
-        <p:cNvPr id="1" name=""/>
-        <p:cNvGrpSpPr/>
-        <p:nvPr/>
-      </p:nvGrpSpPr>
-      <p:grpSpPr>
-        <a:xfrm>
-          <a:off x="0" y="0"/>
-          <a:ext cx="0" cy="0"/>
-          <a:chOff x="0" y="0"/>
-          <a:chExt cx="0" cy="0"/>
-        </a:xfrm>
-      </p:grpSpPr>
-      <p:sp>
-        <p:nvSpPr>
-          <p:cNvPr id="2" name="Titre 1"/>
-          <p:cNvSpPr>
-            <a:spLocks noGrp="1"/>
-          </p:cNvSpPr>
-          <p:nvPr>
-            <p:ph type="ctrTitle"/>
-          </p:nvPr>
-        </p:nvSpPr>
-        <p:spPr>
-          <a:xfrm>
-            <a:off x="5256944" y="10274"/>
-            <a:ext cx="1678112" cy="577648"/>
-          </a:xfrm>
-        </p:spPr>
-        <p:txBody>
-          <a:bodyPr>
-            <a:noAutofit/>
-          </a:bodyPr>
-          <a:lstStyle/>
-          <a:p>
-            <a:r>
-              <a:rPr lang="fr-FR" sz="4000" b="1" dirty="0" smtClean="0"/>
-              <a:t>Git</a:t>
-            </a:r>
-            <a:r>
-              <a:rPr lang="fr-FR" sz="3600" dirty="0" smtClean="0"/>
-              <a:t>	</a:t>
-            </a:r>
-            <a:endParaRPr lang="fr-FR" sz="3600" dirty="0"/>
-          </a:p>
-        </p:txBody>
-      </p:sp>
-      <p:sp>
-        <p:nvSpPr>
-          <p:cNvPr id="3" name="Sous-titre 2"/>
-          <p:cNvSpPr>
-            <a:spLocks noGrp="1"/>
-          </p:cNvSpPr>
-          <p:nvPr>
-            <p:ph type="subTitle" idx="1"/>
-          </p:nvPr>
-        </p:nvSpPr>
-        <p:spPr>
-          <a:xfrm>
-            <a:off x="154379" y="890649"/>
-            <a:ext cx="12037621" cy="6192981"/>
-          </a:xfrm>
-        </p:spPr>
-        <p:txBody>
-          <a:bodyPr>
-            <a:normAutofit/>
-          </a:bodyPr>
-          <a:lstStyle/>
-          <a:p>
-            <a:pPr marL="514350" indent="-514350" algn="l">
-              <a:buFont typeface="+mj-lt"/>
-              <a:buAutoNum type="romanUcPeriod"/>
-            </a:pPr>
-            <a:r>
-              <a:rPr lang="fr-FR" sz="2800" b="1" dirty="0" smtClean="0"/>
-              <a:t>Historique:</a:t>
-            </a:r>
-          </a:p>
-          <a:p>
-            <a:pPr marL="514350" indent="-514350" algn="l">
-              <a:buFont typeface="+mj-lt"/>
-              <a:buAutoNum type="romanUcPeriod"/>
-            </a:pPr>
-            <a:r>
-              <a:rPr lang="fr-FR" sz="2800" b="1" dirty="0"/>
-              <a:t>Définition: </a:t>
-            </a:r>
-            <a:r>
-              <a:rPr lang="fr-FR" sz="2800" dirty="0" smtClean="0"/>
-              <a:t>est un logiciel qui  enregistre </a:t>
-            </a:r>
-            <a:r>
-              <a:rPr lang="fr-FR" sz="2800" dirty="0" smtClean="0"/>
-              <a:t>les </a:t>
-            </a:r>
-            <a:r>
-              <a:rPr lang="fr-FR" sz="2800" dirty="0" smtClean="0"/>
-              <a:t> médications (versions) d’un ensemble de fichiers </a:t>
-            </a:r>
-            <a:r>
-              <a:rPr lang="fr-FR" sz="2800" dirty="0" smtClean="0"/>
-              <a:t>d’un </a:t>
-            </a:r>
-            <a:r>
-              <a:rPr lang="fr-FR" sz="2800" dirty="0" smtClean="0"/>
-              <a:t>projet souvent  utilisé pour la collaboration . </a:t>
-            </a:r>
-            <a:r>
-              <a:rPr lang="fr-FR" dirty="0" smtClean="0"/>
-              <a:t>.</a:t>
-            </a:r>
-            <a:endParaRPr lang="fr-FR" dirty="0" smtClean="0"/>
-          </a:p>
-          <a:p>
-            <a:pPr marL="514350" indent="-514350" algn="l">
-              <a:buFont typeface="+mj-lt"/>
-              <a:buAutoNum type="romanUcPeriod"/>
-            </a:pPr>
-            <a:r>
-              <a:rPr lang="fr-FR" sz="2800" b="1" dirty="0"/>
-              <a:t>Fonctionnement:</a:t>
-            </a:r>
-          </a:p>
-          <a:p>
-            <a:pPr marL="342900" indent="17463" algn="l">
-              <a:buFont typeface="Arial" panose="020B0604020202020204" pitchFamily="34" charset="0"/>
-              <a:buChar char="•"/>
-            </a:pPr>
-            <a:r>
-              <a:rPr lang="fr-FR" sz="2800" dirty="0" smtClean="0"/>
-              <a:t>Répertoire de travail (Workspace, </a:t>
-            </a:r>
-            <a:r>
-              <a:rPr lang="fr-FR" sz="2800" dirty="0"/>
-              <a:t>w</a:t>
-            </a:r>
-            <a:r>
-              <a:rPr lang="fr-FR" sz="2800" dirty="0" smtClean="0"/>
-              <a:t>ork tree).</a:t>
-            </a:r>
-          </a:p>
-          <a:p>
-            <a:pPr marL="342900" indent="17463" algn="l">
-              <a:buFont typeface="Arial" panose="020B0604020202020204" pitchFamily="34" charset="0"/>
-              <a:buChar char="•"/>
-            </a:pPr>
-            <a:r>
-              <a:rPr lang="fr-FR" sz="2500" dirty="0" smtClean="0"/>
-              <a:t> </a:t>
-            </a:r>
-            <a:r>
-              <a:rPr lang="fr-FR" sz="2800" dirty="0"/>
-              <a:t>La zone de transit/d’index (stagged area )</a:t>
-            </a:r>
-          </a:p>
-          <a:p>
-            <a:pPr marL="342900" indent="17463" algn="l">
-              <a:buFont typeface="Arial" panose="020B0604020202020204" pitchFamily="34" charset="0"/>
-              <a:buChar char="•"/>
-            </a:pPr>
-            <a:r>
-              <a:rPr lang="fr-FR" sz="2800" dirty="0" smtClean="0"/>
-              <a:t>Repo </a:t>
-            </a:r>
-            <a:r>
-              <a:rPr lang="fr-FR" sz="2800" dirty="0"/>
-              <a:t>Git </a:t>
-            </a:r>
-            <a:r>
-              <a:rPr lang="fr-FR" sz="2800" dirty="0" smtClean="0"/>
-              <a:t>locale( clone).</a:t>
-            </a:r>
-            <a:endParaRPr lang="fr-FR" sz="2800" dirty="0"/>
-          </a:p>
-          <a:p>
-            <a:pPr marL="571500" indent="-571500" algn="l">
-              <a:buFont typeface="+mj-lt"/>
-              <a:buAutoNum type="romanUcPeriod" startAt="4"/>
-            </a:pPr>
-            <a:r>
-              <a:rPr lang="fr-FR" sz="2800" b="1" dirty="0"/>
-              <a:t>Différentes Etats d’un fichier:</a:t>
-            </a:r>
-          </a:p>
-          <a:p>
-            <a:pPr marL="685800" indent="-342900" algn="l">
-              <a:buFont typeface="Arial" panose="020B0604020202020204" pitchFamily="34" charset="0"/>
-              <a:buChar char="•"/>
-            </a:pPr>
-            <a:r>
-              <a:rPr lang="fr-FR" sz="2800" dirty="0"/>
-              <a:t>Non versionnés (untracked)</a:t>
-            </a:r>
-          </a:p>
-          <a:p>
-            <a:pPr marL="685800" indent="-342900" algn="l">
-              <a:buFont typeface="Arial" panose="020B0604020202020204" pitchFamily="34" charset="0"/>
-              <a:buChar char="•"/>
-            </a:pPr>
-            <a:r>
-              <a:rPr lang="fr-FR" sz="2800" dirty="0" smtClean="0"/>
-              <a:t>Versionnés </a:t>
-            </a:r>
-            <a:r>
-              <a:rPr lang="fr-FR" sz="2800" dirty="0"/>
-              <a:t>non modifié (commit contient ce qui a été changé)</a:t>
-            </a:r>
-          </a:p>
-          <a:p>
-            <a:pPr marL="685800" indent="-342900" algn="l">
-              <a:buFont typeface="Arial" panose="020B0604020202020204" pitchFamily="34" charset="0"/>
-              <a:buChar char="•"/>
-            </a:pPr>
-            <a:r>
-              <a:rPr lang="fr-FR" sz="2800" dirty="0"/>
-              <a:t>V</a:t>
-            </a:r>
-            <a:r>
-              <a:rPr lang="fr-FR" sz="2800" dirty="0" smtClean="0"/>
-              <a:t>ersionnés </a:t>
-            </a:r>
-            <a:r>
-              <a:rPr lang="fr-FR" sz="2800" dirty="0"/>
-              <a:t>modifié  (non prêt pour le prochaine commit)</a:t>
-            </a:r>
-          </a:p>
-          <a:p>
-            <a:pPr marL="685800" indent="-342900" algn="l">
-              <a:buFont typeface="Arial" panose="020B0604020202020204" pitchFamily="34" charset="0"/>
-              <a:buChar char="•"/>
-            </a:pPr>
-            <a:r>
-              <a:rPr lang="fr-FR" sz="2800" dirty="0"/>
-              <a:t>Indexé (staged)  (prêt pour le prochaine commit)</a:t>
-            </a:r>
-          </a:p>
-          <a:p>
-            <a:pPr marL="685800" indent="-342900" algn="l">
-              <a:buFont typeface="Arial" panose="020B0604020202020204" pitchFamily="34" charset="0"/>
-              <a:buChar char="•"/>
-            </a:pPr>
-            <a:endParaRPr lang="fr-FR" sz="2500" dirty="0" smtClean="0"/>
-          </a:p>
-          <a:p>
-            <a:pPr marL="342900" algn="l"/>
-            <a:endParaRPr lang="fr-FR" sz="2500" b="1" dirty="0"/>
-          </a:p>
-        </p:txBody>
-      </p:sp>
-    </p:spTree>
-    <p:extLst>
-      <p:ext uri="{BB962C8B-B14F-4D97-AF65-F5344CB8AC3E}">
-        <p14:creationId xmlns:p14="http://schemas.microsoft.com/office/powerpoint/2010/main" val="3886133043"/>
-      </p:ext>
-    </p:extLst>
-  </p:cSld>
-  <p:clrMapOvr>
-    <a:masterClrMapping/>
-  </p:clrMapOvr>
-  <p:timing>
-    <p:tnLst>
-      <p:par>
-        <p:cTn id="1" dur="indefinite" restart="never" nodeType="tmRoot"/>
-      </p:par>
-    </p:tnLst>
-  </p:timing>
-</p:sld>
-</file>
-
-<file path=ppt/slides/slide30.xml><?xml version="1.0" encoding="utf-8"?>
+<file path=ppt/slides/slide32.xml><?xml version="1.0" encoding="utf-8"?>
 <p:sld xmlns:a="http://schemas.openxmlformats.org/drawingml/2006/main" xmlns:r="http://schemas.openxmlformats.org/officeDocument/2006/relationships" xmlns:p="http://schemas.openxmlformats.org/presentationml/2006/main">
   <p:cSld>
     <p:spTree>
@@ -15804,8 +17120,8 @@
         </p:blipFill>
         <p:spPr>
           <a:xfrm>
-            <a:off x="344385" y="570016"/>
-            <a:ext cx="11483438" cy="5807035"/>
+            <a:off x="344384" y="570017"/>
+            <a:ext cx="11648973" cy="5890744"/>
           </a:xfrm>
           <a:prstGeom prst="rect">
             <a:avLst/>
@@ -15832,7 +17148,7 @@
 </p:sld>
 </file>
 
-<file path=ppt/slides/slide31.xml><?xml version="1.0" encoding="utf-8"?>
+<file path=ppt/slides/slide33.xml><?xml version="1.0" encoding="utf-8"?>
 <p:sld xmlns:a="http://schemas.openxmlformats.org/drawingml/2006/main" xmlns:r="http://schemas.openxmlformats.org/officeDocument/2006/relationships" xmlns:p="http://schemas.openxmlformats.org/presentationml/2006/main">
   <p:cSld>
     <p:spTree>
@@ -15917,7 +17233,7 @@
 </p:sld>
 </file>
 
-<file path=ppt/slides/slide32.xml><?xml version="1.0" encoding="utf-8"?>
+<file path=ppt/slides/slide34.xml><?xml version="1.0" encoding="utf-8"?>
 <p:sld xmlns:a="http://schemas.openxmlformats.org/drawingml/2006/main" xmlns:r="http://schemas.openxmlformats.org/officeDocument/2006/relationships" xmlns:p="http://schemas.openxmlformats.org/presentationml/2006/main">
   <p:cSld>
     <p:spTree>
@@ -16175,20 +17491,35 @@
           <a:bodyPr/>
           <a:lstStyle/>
           <a:p>
-            <a:pPr marL="0" indent="0">
-              <a:buNone/>
+            <a:pPr marL="571500" indent="-571500">
+              <a:lnSpc>
+                <a:spcPct val="70000"/>
+              </a:lnSpc>
+              <a:buFont typeface="+mj-lt"/>
+              <a:buAutoNum type="romanUcPeriod" startAt="5"/>
             </a:pPr>
             <a:r>
               <a:rPr lang="fr-FR" b="1" dirty="0" smtClean="0"/>
-              <a:t>Commit:</a:t>
-            </a:r>
-            <a:r>
-              <a:rPr lang="fr-FR" dirty="0" smtClean="0"/>
-              <a:t> unité</a:t>
-            </a:r>
-            <a:r>
-              <a:rPr lang="fr-FR" dirty="0" smtClean="0"/>
-              <a:t> </a:t>
+              <a:t>Notions:</a:t>
+            </a:r>
+            <a:endParaRPr lang="fr-FR" b="1" dirty="0"/>
+          </a:p>
+          <a:p>
+            <a:pPr marL="514350" indent="-244475">
+              <a:buFont typeface="+mj-lt"/>
+              <a:buAutoNum type="alphaLcPeriod"/>
+            </a:pPr>
+            <a:r>
+              <a:rPr lang="fr-FR" b="1" dirty="0" smtClean="0"/>
+              <a:t>Commit</a:t>
+            </a:r>
+            <a:r>
+              <a:rPr lang="fr-FR" b="1" dirty="0" smtClean="0"/>
+              <a:t>:</a:t>
+            </a:r>
+            <a:r>
+              <a:rPr lang="fr-FR" dirty="0" smtClean="0"/>
+              <a:t> unité </a:t>
             </a:r>
             <a:r>
               <a:rPr lang="fr-FR" dirty="0"/>
@@ -16201,32 +17532,41 @@
             <a:endParaRPr lang="fr-FR" dirty="0"/>
           </a:p>
           <a:p>
-            <a:pPr marL="0" indent="0">
-              <a:buNone/>
-            </a:pPr>
+            <a:pPr marL="514350" indent="-244475">
+              <a:buFont typeface="+mj-lt"/>
+              <a:buAutoNum type="alphaLcPeriod"/>
+            </a:pPr>
+            <a:r>
+              <a:rPr lang="fr-FR" b="1" dirty="0"/>
+              <a:t>HEAD</a:t>
+            </a:r>
             <a:r>
               <a:rPr lang="fr-FR" b="1" dirty="0" smtClean="0"/>
-              <a:t>HEAD :</a:t>
-            </a:r>
-            <a:r>
-              <a:rPr lang="fr-FR" dirty="0" smtClean="0"/>
-              <a:t>Fichier </a:t>
-            </a:r>
-            <a:r>
-              <a:rPr lang="fr-FR" dirty="0" smtClean="0"/>
-              <a:t>texte  pointe vers le dernier commit référencé par le nom de la branche.</a:t>
-            </a:r>
-          </a:p>
-          <a:p>
-            <a:r>
-              <a:rPr lang="fr-FR" dirty="0" smtClean="0"/>
-              <a:t>Index fichier binaire qui représente le stagged area (sous forme d’un arbre</a:t>
-            </a:r>
-            <a:r>
-              <a:rPr lang="fr-FR" dirty="0" smtClean="0"/>
-              <a:t>)</a:t>
-            </a:r>
-            <a:endParaRPr lang="fr-FR" dirty="0"/>
+              <a:t> :</a:t>
+            </a:r>
+            <a:r>
+              <a:rPr lang="fr-FR" dirty="0" smtClean="0"/>
+              <a:t>Fichier texte  pointe vers le dernier commit référencé par le nom de la branche.</a:t>
+            </a:r>
+          </a:p>
+          <a:p>
+            <a:pPr marL="514350" indent="-244475">
+              <a:buFont typeface="+mj-lt"/>
+              <a:buAutoNum type="alphaLcPeriod"/>
+            </a:pPr>
+            <a:r>
+              <a:rPr lang="fr-FR" b="1" dirty="0" smtClean="0"/>
+              <a:t>Index: </a:t>
+            </a:r>
+            <a:r>
+              <a:rPr lang="fr-FR" b="1" dirty="0"/>
+              <a:t>fichier binaire qui représente le </a:t>
+            </a:r>
+            <a:r>
+              <a:rPr lang="fr-FR" b="1" dirty="0"/>
+              <a:t>stagged area (sous forme d’un arbre)</a:t>
+            </a:r>
+            <a:endParaRPr lang="fr-FR" b="1" dirty="0"/>
           </a:p>
           <a:p>
             <a:pPr marL="571500" indent="-571500">
@@ -16235,20 +17575,11 @@
             </a:pPr>
             <a:r>
               <a:rPr lang="fr-FR" dirty="0" smtClean="0"/>
-              <a:t>Git </a:t>
-            </a:r>
-            <a:r>
-              <a:rPr lang="fr-FR" dirty="0" smtClean="0"/>
-              <a:t>checkout HASH </a:t>
-            </a:r>
-            <a:r>
-              <a:rPr lang="fr-FR" dirty="0" smtClean="0"/>
-              <a:t>commit.</a:t>
-            </a:r>
-            <a:endParaRPr lang="fr-FR" dirty="0" smtClean="0"/>
-          </a:p>
-          <a:p>
-            <a:pPr marL="514350" indent="-514350">
+              <a:t>Git checkout HASH commit.</a:t>
+            </a:r>
+          </a:p>
+          <a:p>
+            <a:pPr marL="514350" indent="-244475">
               <a:buFont typeface="+mj-lt"/>
               <a:buAutoNum type="arabicPeriod"/>
             </a:pPr>
@@ -16258,7 +17589,7 @@
             </a:r>
           </a:p>
           <a:p>
-            <a:pPr marL="514350" indent="-514350">
+            <a:pPr marL="514350" indent="-244475">
               <a:buFont typeface="+mj-lt"/>
               <a:buAutoNum type="arabicPeriod"/>
             </a:pPr>
@@ -16268,17 +17599,13 @@
             </a:r>
           </a:p>
           <a:p>
-            <a:pPr marL="514350" indent="-514350">
+            <a:pPr marL="514350" indent="-244475">
               <a:buFont typeface="+mj-lt"/>
               <a:buAutoNum type="arabicPeriod"/>
             </a:pPr>
             <a:r>
               <a:rPr lang="fr-FR" dirty="0" smtClean="0"/>
-              <a:t>Mettre à jour le fichier HEAD à cette commit </a:t>
-            </a:r>
-            <a:r>
-              <a:rPr lang="fr-FR" dirty="0" smtClean="0"/>
-              <a:t>( detached </a:t>
+              <a:t>Mettre à jour le fichier HEAD à cette commit ( detached </a:t>
             </a:r>
             <a:r>
               <a:rPr lang="fr-FR" dirty="0" err="1" smtClean="0"/>
@@ -16288,7 +17615,6 @@
               <a:rPr lang="fr-FR" dirty="0" smtClean="0"/>
               <a:t> )</a:t>
             </a:r>
-            <a:endParaRPr lang="fr-FR" dirty="0" smtClean="0"/>
           </a:p>
           <a:p>
             <a:pPr marL="514350" indent="-514350">
@@ -16487,7 +17813,7 @@
           <a:p>
             <a:pPr marL="571500" indent="-571500">
               <a:buFont typeface="+mj-lt"/>
-              <a:buAutoNum type="romanUcPeriod" startAt="5"/>
+              <a:buAutoNum type="romanUcPeriod" startAt="6"/>
             </a:pPr>
             <a:r>
               <a:rPr lang="fr-FR" sz="3300" b="1" dirty="0" smtClean="0"/>
@@ -16562,7 +17888,7 @@
           <a:p>
             <a:pPr marL="571500" indent="-571500">
               <a:buFont typeface="+mj-lt"/>
-              <a:buAutoNum type="romanUcPeriod" startAt="5"/>
+              <a:buAutoNum type="romanUcPeriod" startAt="7"/>
             </a:pPr>
             <a:r>
               <a:rPr lang="fr-FR" sz="3300" b="1" dirty="0"/>
@@ -17015,11 +18341,7 @@
             <a:pPr lvl="0"/>
             <a:r>
               <a:rPr lang="fr-FR" sz="4000" b="1" dirty="0"/>
-              <a:t>Génération </a:t>
-            </a:r>
-            <a:r>
-              <a:rPr lang="fr-FR" sz="4000" b="1" dirty="0" smtClean="0"/>
-              <a:t>&amp; SSH</a:t>
+              <a:t>Utilisation</a:t>
             </a:r>
             <a:endParaRPr lang="fr-FR" sz="4000" b="1" dirty="0"/>
           </a:p>
@@ -17122,7 +18444,7 @@
           <a:p>
             <a:pPr marL="571500" indent="-571500">
               <a:buFont typeface="+mj-lt"/>
-              <a:buAutoNum type="romanUcPeriod" startAt="6"/>
+              <a:buAutoNum type="romanUcPeriod" startAt="8"/>
             </a:pPr>
             <a:r>
               <a:rPr lang="fr-FR" sz="3000" b="1" dirty="0" smtClean="0"/>

--- a/Formation Git.pptx
+++ b/Formation Git.pptx
@@ -5,7 +5,7 @@
     <p:sldMasterId id="2147483648" r:id="rId1"/>
   </p:sldMasterIdLst>
   <p:notesMasterIdLst>
-    <p:notesMasterId r:id="rId38"/>
+    <p:notesMasterId r:id="rId39"/>
   </p:notesMasterIdLst>
   <p:sldIdLst>
     <p:sldId id="257" r:id="rId2"/>
@@ -17,8 +17,8 @@
     <p:sldId id="284" r:id="rId8"/>
     <p:sldId id="263" r:id="rId9"/>
     <p:sldId id="299" r:id="rId10"/>
-    <p:sldId id="266" r:id="rId11"/>
-    <p:sldId id="267" r:id="rId12"/>
+    <p:sldId id="303" r:id="rId11"/>
+    <p:sldId id="266" r:id="rId12"/>
     <p:sldId id="277" r:id="rId13"/>
     <p:sldId id="270" r:id="rId14"/>
     <p:sldId id="272" r:id="rId15"/>
@@ -40,10 +40,11 @@
     <p:sldId id="300" r:id="rId31"/>
     <p:sldId id="295" r:id="rId32"/>
     <p:sldId id="292" r:id="rId33"/>
-    <p:sldId id="294" r:id="rId34"/>
-    <p:sldId id="271" r:id="rId35"/>
-    <p:sldId id="301" r:id="rId36"/>
-    <p:sldId id="293" r:id="rId37"/>
+    <p:sldId id="304" r:id="rId34"/>
+    <p:sldId id="294" r:id="rId35"/>
+    <p:sldId id="271" r:id="rId36"/>
+    <p:sldId id="301" r:id="rId37"/>
+    <p:sldId id="293" r:id="rId38"/>
   </p:sldIdLst>
   <p:sldSz cx="12192000" cy="6858000"/>
   <p:notesSz cx="6858000" cy="9144000"/>
@@ -232,7 +233,7 @@
           <a:p>
             <a:fld id="{6C11479D-E256-4744-A8DA-17425A14A154}" type="datetimeFigureOut">
               <a:rPr lang="fr-FR" smtClean="0"/>
-              <a:t>12/12/2022</a:t>
+              <a:t>13/12/2022</a:t>
             </a:fld>
             <a:endParaRPr lang="fr-FR"/>
           </a:p>
@@ -1017,6 +1018,252 @@
           <a:bodyPr/>
           <a:lstStyle/>
           <a:p>
+            <a:r>
+              <a:rPr lang="fr-FR" dirty="0" smtClean="0"/>
+              <a:t>Git </a:t>
+            </a:r>
+            <a:r>
+              <a:rPr lang="fr-FR" dirty="0" err="1" smtClean="0"/>
+              <a:t>diff</a:t>
+            </a:r>
+            <a:r>
+              <a:rPr lang="fr-FR" dirty="0" smtClean="0"/>
+              <a:t> –cached</a:t>
+            </a:r>
+            <a:r>
+              <a:rPr lang="fr-FR" baseline="0" dirty="0" smtClean="0"/>
+              <a:t> (index – commit pointé par </a:t>
+            </a:r>
+            <a:r>
+              <a:rPr lang="fr-FR" baseline="0" dirty="0" err="1" smtClean="0"/>
+              <a:t>head</a:t>
+            </a:r>
+            <a:r>
+              <a:rPr lang="fr-FR" baseline="0" dirty="0" smtClean="0"/>
+              <a:t>) </a:t>
+            </a:r>
+            <a:endParaRPr lang="fr-FR" dirty="0" smtClean="0"/>
+          </a:p>
+          <a:p>
+            <a:r>
+              <a:rPr lang="fr-FR" dirty="0" smtClean="0"/>
+              <a:t>Git</a:t>
+            </a:r>
+            <a:r>
+              <a:rPr lang="fr-FR" baseline="0" dirty="0" smtClean="0"/>
+              <a:t> status affiche (non track ,indexé ,non indexé)</a:t>
+            </a:r>
+          </a:p>
+          <a:p>
+            <a:r>
+              <a:rPr lang="fr-FR" dirty="0" smtClean="0"/>
+              <a:t>Git reset –soft</a:t>
+            </a:r>
+            <a:r>
+              <a:rPr lang="fr-FR" baseline="0" dirty="0" smtClean="0"/>
+              <a:t> </a:t>
+            </a:r>
+            <a:r>
+              <a:rPr lang="fr-FR" sz="1200" b="1" kern="1200" dirty="0" smtClean="0">
+                <a:solidFill>
+                  <a:schemeClr val="tx1"/>
+                </a:solidFill>
+                <a:effectLst/>
+                <a:latin typeface="+mn-lt"/>
+                <a:ea typeface="+mn-ea"/>
+                <a:cs typeface="+mn-cs"/>
+              </a:rPr>
+              <a:t>HEAD^ : </a:t>
+            </a:r>
+            <a:r>
+              <a:rPr lang="fr-FR" sz="1200" b="1" kern="1200" dirty="0" err="1" smtClean="0">
+                <a:solidFill>
+                  <a:schemeClr val="tx1"/>
+                </a:solidFill>
+                <a:effectLst/>
+                <a:latin typeface="+mn-lt"/>
+                <a:ea typeface="+mn-ea"/>
+                <a:cs typeface="+mn-cs"/>
+              </a:rPr>
+              <a:t>suprime</a:t>
+            </a:r>
+            <a:r>
+              <a:rPr lang="fr-FR" sz="1200" b="1" kern="1200" baseline="0" dirty="0" smtClean="0">
+                <a:solidFill>
+                  <a:schemeClr val="tx1"/>
+                </a:solidFill>
+                <a:effectLst/>
+                <a:latin typeface="+mn-lt"/>
+                <a:ea typeface="+mn-ea"/>
+                <a:cs typeface="+mn-cs"/>
+              </a:rPr>
+              <a:t> le dernier commit et </a:t>
+            </a:r>
+            <a:r>
+              <a:rPr lang="fr-FR" sz="1200" b="1" kern="1200" baseline="0" dirty="0" err="1" smtClean="0">
+                <a:solidFill>
+                  <a:schemeClr val="tx1"/>
+                </a:solidFill>
+                <a:effectLst/>
+                <a:latin typeface="+mn-lt"/>
+                <a:ea typeface="+mn-ea"/>
+                <a:cs typeface="+mn-cs"/>
+              </a:rPr>
+              <a:t>retourn</a:t>
+            </a:r>
+            <a:r>
+              <a:rPr lang="fr-FR" sz="1200" b="1" kern="1200" baseline="0" dirty="0" smtClean="0">
+                <a:solidFill>
+                  <a:schemeClr val="tx1"/>
+                </a:solidFill>
+                <a:effectLst/>
+                <a:latin typeface="+mn-lt"/>
+                <a:ea typeface="+mn-ea"/>
+                <a:cs typeface="+mn-cs"/>
+              </a:rPr>
+              <a:t> a </a:t>
+            </a:r>
+            <a:r>
+              <a:rPr lang="fr-FR" sz="1200" b="1" kern="1200" baseline="0" dirty="0" err="1" smtClean="0">
+                <a:solidFill>
+                  <a:schemeClr val="tx1"/>
+                </a:solidFill>
+                <a:effectLst/>
+                <a:latin typeface="+mn-lt"/>
+                <a:ea typeface="+mn-ea"/>
+                <a:cs typeface="+mn-cs"/>
+              </a:rPr>
+              <a:t>etat</a:t>
+            </a:r>
+            <a:r>
+              <a:rPr lang="fr-FR" sz="1200" b="1" kern="1200" baseline="0" dirty="0" smtClean="0">
+                <a:solidFill>
+                  <a:schemeClr val="tx1"/>
+                </a:solidFill>
+                <a:effectLst/>
+                <a:latin typeface="+mn-lt"/>
+                <a:ea typeface="+mn-ea"/>
+                <a:cs typeface="+mn-cs"/>
+              </a:rPr>
+              <a:t> staged </a:t>
+            </a:r>
+          </a:p>
+          <a:p>
+            <a:r>
+              <a:rPr lang="fr-FR" dirty="0" smtClean="0"/>
+              <a:t>Git reset </a:t>
+            </a:r>
+            <a:r>
+              <a:rPr lang="fr-FR" sz="1200" b="1" kern="1200" dirty="0" smtClean="0">
+                <a:solidFill>
+                  <a:schemeClr val="tx1"/>
+                </a:solidFill>
+                <a:effectLst/>
+                <a:latin typeface="+mn-lt"/>
+                <a:ea typeface="+mn-ea"/>
+                <a:cs typeface="+mn-cs"/>
+              </a:rPr>
+              <a:t>HEAD^:</a:t>
+            </a:r>
+            <a:r>
+              <a:rPr lang="fr-FR" sz="1200" b="1" kern="1200" baseline="0" dirty="0" smtClean="0">
+                <a:solidFill>
+                  <a:schemeClr val="tx1"/>
+                </a:solidFill>
+                <a:effectLst/>
+                <a:latin typeface="+mn-lt"/>
+                <a:ea typeface="+mn-ea"/>
+                <a:cs typeface="+mn-cs"/>
+              </a:rPr>
+              <a:t> mixed par </a:t>
+            </a:r>
+            <a:r>
+              <a:rPr lang="fr-FR" sz="1200" b="1" kern="1200" baseline="0" dirty="0" err="1" smtClean="0">
+                <a:solidFill>
+                  <a:schemeClr val="tx1"/>
+                </a:solidFill>
+                <a:effectLst/>
+                <a:latin typeface="+mn-lt"/>
+                <a:ea typeface="+mn-ea"/>
+                <a:cs typeface="+mn-cs"/>
+              </a:rPr>
+              <a:t>defaut</a:t>
+            </a:r>
+            <a:r>
+              <a:rPr lang="fr-FR" sz="1200" b="1" kern="1200" baseline="0" dirty="0" smtClean="0">
+                <a:solidFill>
+                  <a:schemeClr val="tx1"/>
+                </a:solidFill>
+                <a:effectLst/>
+                <a:latin typeface="+mn-lt"/>
+                <a:ea typeface="+mn-ea"/>
+                <a:cs typeface="+mn-cs"/>
+              </a:rPr>
+              <a:t> </a:t>
+            </a:r>
+            <a:r>
+              <a:rPr lang="fr-FR" sz="1200" b="1" kern="1200" dirty="0" err="1" smtClean="0">
+                <a:solidFill>
+                  <a:schemeClr val="tx1"/>
+                </a:solidFill>
+                <a:effectLst/>
+                <a:latin typeface="+mn-lt"/>
+                <a:ea typeface="+mn-ea"/>
+                <a:cs typeface="+mn-cs"/>
+              </a:rPr>
+              <a:t>suprime</a:t>
+            </a:r>
+            <a:r>
+              <a:rPr lang="fr-FR" sz="1200" b="1" kern="1200" baseline="0" dirty="0" smtClean="0">
+                <a:solidFill>
+                  <a:schemeClr val="tx1"/>
+                </a:solidFill>
+                <a:effectLst/>
+                <a:latin typeface="+mn-lt"/>
+                <a:ea typeface="+mn-ea"/>
+                <a:cs typeface="+mn-cs"/>
+              </a:rPr>
+              <a:t> le dernier commit  et retourne à l’</a:t>
+            </a:r>
+            <a:r>
+              <a:rPr lang="fr-FR" sz="1200" b="1" kern="1200" baseline="0" dirty="0" err="1" smtClean="0">
+                <a:solidFill>
+                  <a:schemeClr val="tx1"/>
+                </a:solidFill>
+                <a:effectLst/>
+                <a:latin typeface="+mn-lt"/>
+                <a:ea typeface="+mn-ea"/>
+                <a:cs typeface="+mn-cs"/>
+              </a:rPr>
+              <a:t>etat</a:t>
+            </a:r>
+            <a:r>
+              <a:rPr lang="fr-FR" sz="1200" b="1" kern="1200" baseline="0" dirty="0" smtClean="0">
+                <a:solidFill>
+                  <a:schemeClr val="tx1"/>
+                </a:solidFill>
+                <a:effectLst/>
+                <a:latin typeface="+mn-lt"/>
+                <a:ea typeface="+mn-ea"/>
+                <a:cs typeface="+mn-cs"/>
+              </a:rPr>
+              <a:t> </a:t>
+            </a:r>
+            <a:r>
+              <a:rPr lang="fr-FR" sz="1200" b="1" kern="1200" baseline="0" dirty="0" err="1" smtClean="0">
+                <a:solidFill>
+                  <a:schemeClr val="tx1"/>
+                </a:solidFill>
+                <a:effectLst/>
+                <a:latin typeface="+mn-lt"/>
+                <a:ea typeface="+mn-ea"/>
+                <a:cs typeface="+mn-cs"/>
+              </a:rPr>
+              <a:t>unsatagé</a:t>
+            </a:r>
+            <a:endParaRPr lang="fr-FR" dirty="0" smtClean="0"/>
+          </a:p>
+          <a:p>
             <a:pPr marL="0" marR="0" lvl="0" indent="0" algn="l" defTabSz="914400" rtl="0" eaLnBrk="1" fontAlgn="auto" latinLnBrk="0" hangingPunct="1">
               <a:lnSpc>
                 <a:spcPct val="100000"/>
@@ -1036,18 +1283,10 @@
             </a:pPr>
             <a:r>
               <a:rPr lang="fr-FR" dirty="0" smtClean="0"/>
-              <a:t>git checkout « </a:t>
-            </a:r>
-            <a:r>
-              <a:rPr lang="fr-FR" dirty="0" err="1" smtClean="0"/>
-              <a:t>commit_hash</a:t>
-            </a:r>
-            <a:r>
-              <a:rPr lang="fr-FR" dirty="0" smtClean="0"/>
-              <a:t> » :</a:t>
-            </a:r>
-            <a:r>
-              <a:rPr lang="fr-FR" sz="1200" kern="1200" dirty="0" smtClean="0">
+              <a:t>Git reset –hard  </a:t>
+            </a:r>
+            <a:r>
+              <a:rPr lang="fr-FR" sz="1200" b="1" kern="1200" dirty="0" smtClean="0">
                 <a:solidFill>
                   <a:schemeClr val="tx1"/>
                 </a:solidFill>
@@ -1056,10 +1295,10 @@
                 <a:ea typeface="+mn-ea"/>
                 <a:cs typeface="+mn-cs"/>
               </a:rPr>
-              <a:t>voir le fichier comment il est avant ce commit,</a:t>
-            </a:r>
-            <a:r>
-              <a:rPr lang="fr-FR" sz="1200" kern="1200" baseline="0" dirty="0" smtClean="0">
+              <a:t>HEAD^: </a:t>
+            </a:r>
+            <a:r>
+              <a:rPr lang="fr-FR" sz="1200" b="1" kern="1200" dirty="0" err="1" smtClean="0">
                 <a:solidFill>
                   <a:schemeClr val="tx1"/>
                 </a:solidFill>
@@ -1068,10 +1307,10 @@
                 <a:ea typeface="+mn-ea"/>
                 <a:cs typeface="+mn-cs"/>
               </a:rPr>
-              <a:t> il va déplacer le </a:t>
-            </a:r>
-            <a:r>
-              <a:rPr lang="fr-FR" sz="1200" kern="1200" baseline="0" dirty="0" err="1" smtClean="0">
+              <a:t>suprime</a:t>
+            </a:r>
+            <a:r>
+              <a:rPr lang="fr-FR" sz="1200" b="1" kern="1200" baseline="0" dirty="0" smtClean="0">
                 <a:solidFill>
                   <a:schemeClr val="tx1"/>
                 </a:solidFill>
@@ -1080,29 +1319,8 @@
                 <a:ea typeface="+mn-ea"/>
                 <a:cs typeface="+mn-cs"/>
               </a:rPr>
-              <a:t>ponteur</a:t>
-            </a:r>
-            <a:r>
-              <a:rPr lang="fr-FR" sz="1200" kern="1200" baseline="0" dirty="0" smtClean="0">
-                <a:solidFill>
-                  <a:schemeClr val="tx1"/>
-                </a:solidFill>
-                <a:effectLst/>
-                <a:latin typeface="+mn-lt"/>
-                <a:ea typeface="+mn-ea"/>
-                <a:cs typeface="+mn-cs"/>
-              </a:rPr>
-              <a:t> HEAD à cette commit ()</a:t>
-            </a:r>
-            <a:endParaRPr lang="fr-FR" sz="1200" kern="1200" dirty="0" smtClean="0">
-              <a:solidFill>
-                <a:schemeClr val="tx1"/>
-              </a:solidFill>
-              <a:effectLst/>
-              <a:latin typeface="+mn-lt"/>
-              <a:ea typeface="+mn-ea"/>
-              <a:cs typeface="+mn-cs"/>
-            </a:endParaRPr>
+              <a:t> le dernier commit  et supprime les modification</a:t>
+            </a:r>
           </a:p>
           <a:p>
             <a:pPr marL="0" marR="0" lvl="0" indent="0" algn="l" defTabSz="914400" rtl="0" eaLnBrk="1" fontAlgn="auto" latinLnBrk="0" hangingPunct="1">
@@ -1122,38 +1340,15 @@
               <a:tabLst/>
               <a:defRPr/>
             </a:pPr>
-            <a:r>
-              <a:rPr lang="fr-FR" sz="1200" kern="1200" dirty="0" err="1" smtClean="0">
-                <a:solidFill>
-                  <a:schemeClr val="tx1"/>
-                </a:solidFill>
-                <a:effectLst/>
-                <a:latin typeface="+mn-lt"/>
-                <a:ea typeface="+mn-ea"/>
-                <a:cs typeface="+mn-cs"/>
-              </a:rPr>
-              <a:t>Revert</a:t>
-            </a:r>
-            <a:r>
-              <a:rPr lang="fr-FR" sz="1200" kern="1200" dirty="0" smtClean="0">
-                <a:solidFill>
-                  <a:schemeClr val="tx1"/>
-                </a:solidFill>
-                <a:effectLst/>
-                <a:latin typeface="+mn-lt"/>
-                <a:ea typeface="+mn-ea"/>
-                <a:cs typeface="+mn-cs"/>
-              </a:rPr>
-              <a:t> :</a:t>
-            </a:r>
-            <a:r>
-              <a:rPr lang="fr-FR" sz="1200" dirty="0" err="1" smtClean="0"/>
-              <a:t>revert</a:t>
-            </a:r>
-            <a:r>
-              <a:rPr lang="fr-FR" sz="1200" dirty="0" smtClean="0"/>
-              <a:t> et ajouté à l’historique</a:t>
-            </a:r>
+            <a:endParaRPr lang="fr-FR" sz="1200" b="1" kern="1200" baseline="0" dirty="0" smtClean="0">
+              <a:solidFill>
+                <a:schemeClr val="tx1"/>
+              </a:solidFill>
+              <a:effectLst/>
+              <a:latin typeface="+mn-lt"/>
+              <a:ea typeface="+mn-ea"/>
+              <a:cs typeface="+mn-cs"/>
+            </a:endParaRPr>
           </a:p>
           <a:p>
             <a:pPr marL="0" marR="0" lvl="0" indent="0" algn="l" defTabSz="914400" rtl="0" eaLnBrk="1" fontAlgn="auto" latinLnBrk="0" hangingPunct="1">
@@ -1174,7 +1369,7 @@
               <a:defRPr/>
             </a:pPr>
             <a:r>
-              <a:rPr lang="fr-FR" sz="1200" kern="1200" dirty="0" err="1" smtClean="0">
+              <a:rPr lang="fr-FR" sz="1200" b="1" kern="1200" baseline="0" dirty="0" smtClean="0">
                 <a:solidFill>
                   <a:schemeClr val="tx1"/>
                 </a:solidFill>
@@ -1183,31 +1378,7 @@
                 <a:ea typeface="+mn-ea"/>
                 <a:cs typeface="+mn-cs"/>
               </a:rPr>
-              <a:t>Blame</a:t>
-            </a:r>
-            <a:r>
-              <a:rPr lang="fr-FR" sz="1200" kern="1200" dirty="0" smtClean="0">
-                <a:solidFill>
-                  <a:schemeClr val="tx1"/>
-                </a:solidFill>
-                <a:effectLst/>
-                <a:latin typeface="+mn-lt"/>
-                <a:ea typeface="+mn-ea"/>
-                <a:cs typeface="+mn-cs"/>
-              </a:rPr>
-              <a:t>:</a:t>
-            </a:r>
-            <a:r>
-              <a:rPr lang="fr-FR" sz="1200" kern="1200" baseline="0" dirty="0" smtClean="0">
-                <a:solidFill>
-                  <a:schemeClr val="tx1"/>
-                </a:solidFill>
-                <a:effectLst/>
-                <a:latin typeface="+mn-lt"/>
-                <a:ea typeface="+mn-ea"/>
-                <a:cs typeface="+mn-cs"/>
-              </a:rPr>
-              <a:t> commande de  débogage ajout des annotation a chaque ligne de fichier avec les métadonnées du dénier utilisateur qui modifier la ligne plus  la date de ce commit.</a:t>
+              <a:t>-Le message de commit peut contenir les infos suivantes:</a:t>
             </a:r>
           </a:p>
           <a:p>
@@ -1229,7 +1400,7 @@
               <a:defRPr/>
             </a:pPr>
             <a:r>
-              <a:rPr lang="fr-FR" sz="1200" kern="1200" baseline="0" dirty="0" smtClean="0">
+              <a:rPr lang="fr-FR" sz="1200" b="0" kern="1200" baseline="0" dirty="0" smtClean="0">
                 <a:solidFill>
                   <a:schemeClr val="tx1"/>
                 </a:solidFill>
@@ -1238,9 +1409,59 @@
                 <a:ea typeface="+mn-ea"/>
                 <a:cs typeface="+mn-cs"/>
               </a:rPr>
-              <a:t>Sans pas en ordre chronologique</a:t>
-            </a:r>
-            <a:endParaRPr lang="fr-FR" sz="1200" kern="1200" dirty="0" smtClean="0">
+              <a:t>1.Ce qui est nouveau</a:t>
+            </a:r>
+          </a:p>
+          <a:p>
+            <a:pPr marL="0" marR="0" lvl="0" indent="0" algn="l" defTabSz="914400" rtl="0" eaLnBrk="1" fontAlgn="auto" latinLnBrk="0" hangingPunct="1">
+              <a:lnSpc>
+                <a:spcPct val="100000"/>
+              </a:lnSpc>
+              <a:spcBef>
+                <a:spcPts val="0"/>
+              </a:spcBef>
+              <a:spcAft>
+                <a:spcPts val="0"/>
+              </a:spcAft>
+              <a:buClrTx/>
+              <a:buSzTx/>
+              <a:buFontTx/>
+              <a:buNone/>
+              <a:tabLst/>
+              <a:defRPr/>
+            </a:pPr>
+            <a:r>
+              <a:rPr lang="fr-FR" sz="1200" b="0" kern="1200" baseline="0" dirty="0" smtClean="0">
+                <a:solidFill>
+                  <a:schemeClr val="tx1"/>
+                </a:solidFill>
+                <a:effectLst/>
+                <a:latin typeface="+mn-lt"/>
+                <a:ea typeface="+mn-ea"/>
+                <a:cs typeface="+mn-cs"/>
+              </a:rPr>
+              <a:t>2.Les raisons de changements</a:t>
+            </a:r>
+          </a:p>
+          <a:p>
+            <a:pPr marL="0" marR="0" lvl="0" indent="0" algn="l" defTabSz="914400" rtl="0" eaLnBrk="1" fontAlgn="auto" latinLnBrk="0" hangingPunct="1">
+              <a:lnSpc>
+                <a:spcPct val="100000"/>
+              </a:lnSpc>
+              <a:spcBef>
+                <a:spcPts val="0"/>
+              </a:spcBef>
+              <a:spcAft>
+                <a:spcPts val="0"/>
+              </a:spcAft>
+              <a:buClrTx/>
+              <a:buSzTx/>
+              <a:buFontTx/>
+              <a:buNone/>
+              <a:tabLst/>
+              <a:defRPr/>
+            </a:pPr>
+            <a:endParaRPr lang="fr-FR" sz="1200" b="0" kern="1200" baseline="0" dirty="0" smtClean="0">
               <a:solidFill>
                 <a:schemeClr val="tx1"/>
               </a:solidFill>
@@ -1251,6 +1472,43 @@
             </a:endParaRPr>
           </a:p>
           <a:p>
+            <a:pPr marL="0" marR="0" lvl="0" indent="0" algn="l" defTabSz="914400" rtl="0" eaLnBrk="1" fontAlgn="auto" latinLnBrk="0" hangingPunct="1">
+              <a:lnSpc>
+                <a:spcPct val="100000"/>
+              </a:lnSpc>
+              <a:spcBef>
+                <a:spcPts val="0"/>
+              </a:spcBef>
+              <a:spcAft>
+                <a:spcPts val="0"/>
+              </a:spcAft>
+              <a:buClrTx/>
+              <a:buSzTx/>
+              <a:buFontTx/>
+              <a:buNone/>
+              <a:tabLst/>
+              <a:defRPr/>
+            </a:pPr>
+            <a:endParaRPr lang="fr-FR" dirty="0" smtClean="0"/>
+          </a:p>
+          <a:p>
+            <a:pPr marL="0" marR="0" lvl="0" indent="0" algn="l" defTabSz="914400" rtl="0" eaLnBrk="1" fontAlgn="auto" latinLnBrk="0" hangingPunct="1">
+              <a:lnSpc>
+                <a:spcPct val="100000"/>
+              </a:lnSpc>
+              <a:spcBef>
+                <a:spcPts val="0"/>
+              </a:spcBef>
+              <a:spcAft>
+                <a:spcPts val="0"/>
+              </a:spcAft>
+              <a:buClrTx/>
+              <a:buSzTx/>
+              <a:buFontTx/>
+              <a:buNone/>
+              <a:tabLst/>
+              <a:defRPr/>
+            </a:pPr>
             <a:endParaRPr lang="fr-FR" dirty="0"/>
           </a:p>
         </p:txBody>
@@ -1281,7 +1539,7 @@
     </p:spTree>
     <p:extLst>
       <p:ext uri="{BB962C8B-B14F-4D97-AF65-F5344CB8AC3E}">
-        <p14:creationId xmlns:p14="http://schemas.microsoft.com/office/powerpoint/2010/main" val="1616214430"/>
+        <p14:creationId xmlns:p14="http://schemas.microsoft.com/office/powerpoint/2010/main" val="809342340"/>
       </p:ext>
     </p:extLst>
   </p:cSld>
@@ -5731,7 +5989,7 @@
           <a:p>
             <a:fld id="{852BFB1F-A0B8-45F9-8B0C-AE6AABDE724A}" type="slidenum">
               <a:rPr lang="fr-FR" smtClean="0"/>
-              <a:t>35</a:t>
+              <a:t>36</a:t>
             </a:fld>
             <a:endParaRPr lang="fr-FR"/>
           </a:p>
@@ -5851,7 +6109,7 @@
           <a:p>
             <a:fld id="{852BFB1F-A0B8-45F9-8B0C-AE6AABDE724A}" type="slidenum">
               <a:rPr lang="fr-FR" smtClean="0"/>
-              <a:t>36</a:t>
+              <a:t>37</a:t>
             </a:fld>
             <a:endParaRPr lang="fr-FR"/>
           </a:p>
@@ -5992,15 +6250,7 @@
             </a:r>
             <a:r>
               <a:rPr lang="fr-FR" dirty="0" smtClean="0"/>
-              <a:t>contient les </a:t>
-            </a:r>
-            <a:r>
-              <a:rPr lang="fr-FR" dirty="0" err="1" smtClean="0"/>
-              <a:t>méta-données</a:t>
-            </a:r>
-            <a:r>
-              <a:rPr lang="fr-FR" dirty="0" smtClean="0"/>
-              <a:t> et la base de données des objets du projet</a:t>
+              <a:t>contient les méta-données et la base de données des objets du projet</a:t>
             </a:r>
           </a:p>
           <a:p>
@@ -6635,28 +6885,12 @@
             </a:r>
             <a:r>
               <a:rPr lang="fr-FR" b="0" baseline="0" dirty="0" smtClean="0"/>
-              <a:t> vers le dernier commit</a:t>
-            </a:r>
-            <a:endParaRPr lang="fr-FR" b="0" dirty="0" smtClean="0"/>
-          </a:p>
-          <a:p>
-            <a:pPr marL="0" marR="0" lvl="0" indent="0" algn="l" defTabSz="914400" rtl="0" eaLnBrk="1" fontAlgn="auto" latinLnBrk="0" hangingPunct="1">
-              <a:lnSpc>
-                <a:spcPct val="100000"/>
-              </a:lnSpc>
-              <a:spcBef>
-                <a:spcPts val="0"/>
-              </a:spcBef>
-              <a:spcAft>
-                <a:spcPts val="0"/>
-              </a:spcAft>
-              <a:buClrTx/>
-              <a:buSzTx/>
-              <a:buFontTx/>
-              <a:buNone/>
-              <a:tabLst/>
-              <a:defRPr/>
-            </a:pPr>
+              <a:t> vers le dernier </a:t>
+            </a:r>
+            <a:r>
+              <a:rPr lang="fr-FR" b="0" baseline="0" dirty="0" smtClean="0"/>
+              <a:t>commit</a:t>
+            </a:r>
             <a:endParaRPr lang="fr-FR" b="1" dirty="0" smtClean="0"/>
           </a:p>
           <a:p>
@@ -7167,6 +7401,33 @@
             </a:r>
             <a:r>
               <a:rPr lang="fr-FR" b="1" baseline="0" dirty="0" err="1" smtClean="0"/>
+              <a:t>add</a:t>
+            </a:r>
+            <a:r>
+              <a:rPr lang="fr-FR" b="1" baseline="0" dirty="0" smtClean="0"/>
+              <a:t>: </a:t>
+            </a:r>
+            <a:r>
+              <a:rPr lang="fr-FR" b="0" baseline="0" dirty="0" smtClean="0"/>
+              <a:t>importante pour git commit (étape pour sélectionner ce qui va être </a:t>
+            </a:r>
+            <a:r>
+              <a:rPr lang="fr-FR" b="0" baseline="0" dirty="0" err="1" smtClean="0"/>
+              <a:t>commité</a:t>
+            </a:r>
+            <a:r>
+              <a:rPr lang="fr-FR" b="0" baseline="0" dirty="0" smtClean="0"/>
+              <a:t>) marque les fichiers à inclure dans le commit suivant.la commande n’affecte pas le repo locale</a:t>
+            </a:r>
+          </a:p>
+          <a:p>
+            <a:pPr rtl="0"/>
+            <a:r>
+              <a:rPr lang="fr-FR" b="1" baseline="0" dirty="0" smtClean="0"/>
+              <a:t>Git </a:t>
+            </a:r>
+            <a:r>
+              <a:rPr lang="fr-FR" b="1" baseline="0" dirty="0" err="1" smtClean="0"/>
               <a:t>revert</a:t>
             </a:r>
             <a:r>
@@ -7174,21 +7435,86 @@
               <a:t> </a:t>
             </a:r>
             <a:r>
+              <a:rPr lang="fr-FR" b="1" baseline="0" dirty="0" smtClean="0"/>
+              <a:t>(mal comprise) :</a:t>
+            </a:r>
+            <a:r>
               <a:rPr lang="fr-FR" b="0" baseline="0" dirty="0" smtClean="0"/>
-              <a:t>ne supprime pas de commit dans l’historique de projet. On détecte une erreur introduit par un commit au lieu de corrigé manuellement on peut faire git reverse pour corrigé authomatiquement.il prend le commit en question et inverse les changement puis créer un nouveau commit de reverse et  </a:t>
-            </a:r>
-          </a:p>
-          <a:p>
-            <a:pPr rtl="0"/>
+              <a:t>ne </a:t>
+            </a:r>
+            <a:r>
+              <a:rPr lang="fr-FR" b="0" baseline="0" dirty="0" smtClean="0"/>
+              <a:t>supprime pas </a:t>
+            </a:r>
+            <a:r>
+              <a:rPr lang="fr-FR" b="0" baseline="0" dirty="0" smtClean="0"/>
+              <a:t>le </a:t>
+            </a:r>
+            <a:r>
+              <a:rPr lang="fr-FR" b="0" baseline="0" dirty="0" smtClean="0"/>
+              <a:t>commit dans l’historique de </a:t>
+            </a:r>
+            <a:r>
+              <a:rPr lang="fr-FR" b="0" baseline="0" dirty="0" smtClean="0"/>
+              <a:t>projet(dépôt local) mail il le supprime de répertoire de travail. </a:t>
+            </a:r>
+            <a:r>
+              <a:rPr lang="fr-FR" b="0" baseline="0" dirty="0" smtClean="0"/>
+              <a:t>On détecte une erreur introduit par un commit au lieu de corrigé manuellement on peut faire git reverse pour corrigé authomatiquement.il prend le commit en question et inverse les </a:t>
+            </a:r>
+            <a:r>
+              <a:rPr lang="fr-FR" b="0" baseline="0" dirty="0" smtClean="0"/>
+              <a:t>changement(file </a:t>
+            </a:r>
+            <a:r>
+              <a:rPr lang="fr-FR" b="0" baseline="0" dirty="0" err="1" smtClean="0"/>
+              <a:t>creation</a:t>
+            </a:r>
+            <a:r>
+              <a:rPr lang="fr-FR" b="0" baseline="0" dirty="0" smtClean="0"/>
+              <a:t> =&gt;file suppression, </a:t>
+            </a:r>
+            <a:r>
+              <a:rPr lang="fr-FR" b="0" baseline="0" dirty="0" err="1" smtClean="0"/>
+              <a:t>text</a:t>
+            </a:r>
+            <a:r>
+              <a:rPr lang="fr-FR" b="0" baseline="0" dirty="0" smtClean="0"/>
+              <a:t> </a:t>
+            </a:r>
+            <a:r>
+              <a:rPr lang="fr-FR" b="0" baseline="0" dirty="0" err="1" smtClean="0"/>
+              <a:t>added</a:t>
+            </a:r>
+            <a:r>
+              <a:rPr lang="fr-FR" b="0" baseline="0" dirty="0" smtClean="0"/>
+              <a:t>=&gt;</a:t>
+            </a:r>
+            <a:r>
+              <a:rPr lang="fr-FR" b="0" baseline="0" dirty="0" err="1" smtClean="0"/>
+              <a:t>text</a:t>
+            </a:r>
+            <a:r>
+              <a:rPr lang="fr-FR" b="0" baseline="0" dirty="0" smtClean="0"/>
+              <a:t> </a:t>
+            </a:r>
+            <a:r>
+              <a:rPr lang="fr-FR" b="0" baseline="0" dirty="0" err="1" smtClean="0"/>
+              <a:t>removed</a:t>
+            </a:r>
+            <a:r>
+              <a:rPr lang="fr-FR" b="0" baseline="0" dirty="0" smtClean="0"/>
+              <a:t>) </a:t>
+            </a:r>
+            <a:r>
+              <a:rPr lang="fr-FR" b="0" baseline="0" dirty="0" smtClean="0"/>
+              <a:t>puis créer un nouveau commit de </a:t>
+            </a:r>
+            <a:r>
+              <a:rPr lang="fr-FR" b="0" baseline="0" dirty="0" smtClean="0"/>
+              <a:t>reverse.  </a:t>
+            </a:r>
             <a:endParaRPr lang="fr-FR" b="0" baseline="0" dirty="0" smtClean="0"/>
-          </a:p>
-          <a:p>
-            <a:pPr rtl="0"/>
-            <a:r>
-              <a:rPr lang="fr-FR" b="0" dirty="0" smtClean="0"/>
-              <a:t>Git </a:t>
-            </a:r>
-            <a:endParaRPr lang="fr-FR" b="0" dirty="0"/>
           </a:p>
         </p:txBody>
       </p:sp>
@@ -7273,52 +7599,119 @@
           <a:lstStyle/>
           <a:p>
             <a:r>
+              <a:rPr lang="fr-FR" b="1" dirty="0" smtClean="0"/>
+              <a:t>Git</a:t>
+            </a:r>
+            <a:r>
+              <a:rPr lang="fr-FR" b="1" baseline="0" dirty="0" smtClean="0"/>
+              <a:t> </a:t>
+            </a:r>
+            <a:r>
+              <a:rPr lang="fr-FR" b="1" dirty="0" err="1" smtClean="0"/>
+              <a:t>Stash</a:t>
+            </a:r>
+            <a:r>
               <a:rPr lang="fr-FR" dirty="0" smtClean="0"/>
+              <a:t>: prend</a:t>
+            </a:r>
+            <a:r>
+              <a:rPr lang="fr-FR" baseline="0" dirty="0" smtClean="0"/>
+              <a:t> les changements non commuté(indexé ou bien non indexé) les sauvegarde(planque) pour le reprendre après(prend pas en charge les fichier qui non jamais été </a:t>
+            </a:r>
+            <a:r>
+              <a:rPr lang="fr-FR" baseline="0" dirty="0" err="1" smtClean="0"/>
+              <a:t>indixé</a:t>
+            </a:r>
+            <a:r>
+              <a:rPr lang="fr-FR" baseline="0" dirty="0" smtClean="0"/>
+              <a:t>).</a:t>
+            </a:r>
+          </a:p>
+          <a:p>
+            <a:r>
+              <a:rPr lang="fr-FR" b="1" baseline="0" dirty="0" smtClean="0"/>
               <a:t>Git </a:t>
             </a:r>
             <a:r>
-              <a:rPr lang="fr-FR" dirty="0" err="1" smtClean="0"/>
-              <a:t>diff</a:t>
-            </a:r>
-            <a:r>
-              <a:rPr lang="fr-FR" dirty="0" smtClean="0"/>
-              <a:t> –cached</a:t>
-            </a:r>
-            <a:r>
-              <a:rPr lang="fr-FR" baseline="0" dirty="0" smtClean="0"/>
-              <a:t> (index – commit pointé par </a:t>
-            </a:r>
-            <a:r>
-              <a:rPr lang="fr-FR" baseline="0" dirty="0" err="1" smtClean="0"/>
-              <a:t>head</a:t>
-            </a:r>
-            <a:r>
-              <a:rPr lang="fr-FR" baseline="0" dirty="0" smtClean="0"/>
-              <a:t>) </a:t>
-            </a:r>
-            <a:endParaRPr lang="fr-FR" dirty="0" smtClean="0"/>
-          </a:p>
-          <a:p>
-            <a:r>
-              <a:rPr lang="fr-FR" dirty="0" smtClean="0"/>
-              <a:t>Git</a:t>
-            </a:r>
-            <a:r>
-              <a:rPr lang="fr-FR" baseline="0" dirty="0" smtClean="0"/>
-              <a:t> status affiche (non track ,indexé ,non indexé)</a:t>
-            </a:r>
-          </a:p>
-          <a:p>
-            <a:r>
-              <a:rPr lang="fr-FR" dirty="0" smtClean="0"/>
-              <a:t>Git reset –soft</a:t>
-            </a:r>
-            <a:r>
-              <a:rPr lang="fr-FR" baseline="0" dirty="0" smtClean="0"/>
+              <a:rPr lang="fr-FR" b="1" baseline="0" dirty="0" err="1" smtClean="0"/>
+              <a:t>stash</a:t>
+            </a:r>
+            <a:r>
+              <a:rPr lang="fr-FR" b="1" baseline="0" dirty="0" smtClean="0"/>
+              <a:t> pop: </a:t>
+            </a:r>
+            <a:r>
+              <a:rPr lang="fr-FR" b="0" baseline="0" dirty="0" smtClean="0"/>
+              <a:t>reprendre le code </a:t>
+            </a:r>
+            <a:r>
+              <a:rPr lang="fr-FR" b="0" baseline="0" dirty="0" err="1" smtClean="0"/>
+              <a:t>cahé</a:t>
+            </a:r>
+            <a:r>
+              <a:rPr lang="fr-FR" b="0" baseline="0" dirty="0" smtClean="0"/>
+              <a:t> et le supprime dans </a:t>
+            </a:r>
+            <a:r>
+              <a:rPr lang="fr-FR" b="0" baseline="0" dirty="0" err="1" smtClean="0"/>
+              <a:t>stash</a:t>
+            </a:r>
+            <a:r>
+              <a:rPr lang="fr-FR" b="0" baseline="0" dirty="0" smtClean="0"/>
               <a:t> </a:t>
             </a:r>
-            <a:r>
-              <a:rPr lang="fr-FR" sz="1200" b="1" kern="1200" dirty="0" smtClean="0">
+          </a:p>
+          <a:p>
+            <a:r>
+              <a:rPr lang="fr-FR" b="1" baseline="0" dirty="0" smtClean="0"/>
+              <a:t>Git </a:t>
+            </a:r>
+            <a:r>
+              <a:rPr lang="fr-FR" b="1" baseline="0" dirty="0" err="1" smtClean="0"/>
+              <a:t>stash</a:t>
+            </a:r>
+            <a:r>
+              <a:rPr lang="fr-FR" b="1" baseline="0" dirty="0" smtClean="0"/>
+              <a:t> </a:t>
+            </a:r>
+            <a:r>
+              <a:rPr lang="fr-FR" b="1" baseline="0" dirty="0" err="1" smtClean="0"/>
+              <a:t>applay:</a:t>
+            </a:r>
+            <a:r>
+              <a:rPr lang="fr-FR" b="0" baseline="0" dirty="0" err="1" smtClean="0"/>
+              <a:t>reprendre</a:t>
+            </a:r>
+            <a:r>
+              <a:rPr lang="fr-FR" b="0" baseline="0" dirty="0" smtClean="0"/>
+              <a:t> le code et le garde dans </a:t>
+            </a:r>
+            <a:r>
+              <a:rPr lang="fr-FR" b="0" baseline="0" dirty="0" err="1" smtClean="0"/>
+              <a:t>stash</a:t>
+            </a:r>
+            <a:r>
+              <a:rPr lang="fr-FR" b="0" baseline="0" dirty="0" smtClean="0"/>
+              <a:t> (utile lorsque on veut appliqué le </a:t>
+            </a:r>
+            <a:r>
+              <a:rPr lang="fr-FR" b="0" baseline="0" dirty="0" err="1" smtClean="0"/>
+              <a:t>meme</a:t>
+            </a:r>
+            <a:r>
+              <a:rPr lang="fr-FR" b="0" baseline="0" dirty="0" smtClean="0"/>
+              <a:t> code </a:t>
+            </a:r>
+            <a:r>
+              <a:rPr lang="fr-FR" b="0" baseline="0" dirty="0" err="1" smtClean="0"/>
+              <a:t>stashé</a:t>
+            </a:r>
+            <a:r>
+              <a:rPr lang="fr-FR" b="0" baseline="0" dirty="0" smtClean="0"/>
+              <a:t>)  </a:t>
+            </a:r>
+            <a:r>
+              <a:rPr lang="en-US" sz="1200" b="0" i="0" kern="1200" dirty="0" smtClean="0">
                 <a:solidFill>
                   <a:schemeClr val="tx1"/>
                 </a:solidFill>
@@ -7327,10 +7720,12 @@
                 <a:ea typeface="+mn-ea"/>
                 <a:cs typeface="+mn-cs"/>
               </a:rPr>
-              <a:t>HEAD^ : </a:t>
-            </a:r>
-            <a:r>
-              <a:rPr lang="fr-FR" sz="1200" b="1" kern="1200" dirty="0" err="1" smtClean="0">
+              <a:t>This is useful if you want to apply the same stashed changes to multiple branches.</a:t>
+            </a:r>
+          </a:p>
+          <a:p>
+            <a:r>
+              <a:rPr lang="en-US" sz="1200" b="1" i="0" kern="1200" dirty="0" err="1" smtClean="0">
                 <a:solidFill>
                   <a:schemeClr val="tx1"/>
                 </a:solidFill>
@@ -7339,10 +7734,10 @@
                 <a:ea typeface="+mn-ea"/>
                 <a:cs typeface="+mn-cs"/>
               </a:rPr>
-              <a:t>suprime</a:t>
-            </a:r>
-            <a:r>
-              <a:rPr lang="fr-FR" sz="1200" b="1" kern="1200" baseline="0" dirty="0" smtClean="0">
+              <a:t>Git</a:t>
+            </a:r>
+            <a:r>
+              <a:rPr lang="en-US" sz="1200" b="1" i="0" kern="1200" dirty="0" smtClean="0">
                 <a:solidFill>
                   <a:schemeClr val="tx1"/>
                 </a:solidFill>
@@ -7351,10 +7746,10 @@
                 <a:ea typeface="+mn-ea"/>
                 <a:cs typeface="+mn-cs"/>
               </a:rPr>
-              <a:t> le dernier commit et </a:t>
-            </a:r>
-            <a:r>
-              <a:rPr lang="fr-FR" sz="1200" b="1" kern="1200" baseline="0" dirty="0" err="1" smtClean="0">
+              <a:t> ignore(.</a:t>
+            </a:r>
+            <a:r>
+              <a:rPr lang="en-US" sz="1200" b="1" i="0" kern="1200" dirty="0" err="1" smtClean="0">
                 <a:solidFill>
                   <a:schemeClr val="tx1"/>
                 </a:solidFill>
@@ -7363,10 +7758,10 @@
                 <a:ea typeface="+mn-ea"/>
                 <a:cs typeface="+mn-cs"/>
               </a:rPr>
-              <a:t>retourn</a:t>
-            </a:r>
-            <a:r>
-              <a:rPr lang="fr-FR" sz="1200" b="1" kern="1200" baseline="0" dirty="0" smtClean="0">
+              <a:t>gitignore</a:t>
+            </a:r>
+            <a:r>
+              <a:rPr lang="en-US" sz="1200" b="1" i="0" kern="1200" dirty="0" smtClean="0">
                 <a:solidFill>
                   <a:schemeClr val="tx1"/>
                 </a:solidFill>
@@ -7375,10 +7770,10 @@
                 <a:ea typeface="+mn-ea"/>
                 <a:cs typeface="+mn-cs"/>
               </a:rPr>
-              <a:t> a </a:t>
-            </a:r>
-            <a:r>
-              <a:rPr lang="fr-FR" sz="1200" b="1" kern="1200" baseline="0" dirty="0" err="1" smtClean="0">
+              <a:t>): </a:t>
+            </a:r>
+            <a:r>
+              <a:rPr lang="en-US" sz="1200" b="0" i="0" kern="1200" dirty="0" smtClean="0">
                 <a:solidFill>
                   <a:schemeClr val="tx1"/>
                 </a:solidFill>
@@ -7387,10 +7782,10 @@
                 <a:ea typeface="+mn-ea"/>
                 <a:cs typeface="+mn-cs"/>
               </a:rPr>
-              <a:t>etat</a:t>
-            </a:r>
-            <a:r>
-              <a:rPr lang="fr-FR" sz="1200" b="1" kern="1200" baseline="0" dirty="0" smtClean="0">
+              <a:t>on </a:t>
+            </a:r>
+            <a:r>
+              <a:rPr lang="fr-FR" sz="1200" b="0" i="0" kern="1200" noProof="0" dirty="0" smtClean="0">
                 <a:solidFill>
                   <a:schemeClr val="tx1"/>
                 </a:solidFill>
@@ -7399,16 +7794,10 @@
                 <a:ea typeface="+mn-ea"/>
                 <a:cs typeface="+mn-cs"/>
               </a:rPr>
-              <a:t> staged </a:t>
-            </a:r>
-          </a:p>
-          <a:p>
-            <a:r>
-              <a:rPr lang="fr-FR" dirty="0" smtClean="0"/>
-              <a:t>Git reset </a:t>
-            </a:r>
-            <a:r>
-              <a:rPr lang="fr-FR" sz="1200" b="1" kern="1200" dirty="0" smtClean="0">
+              <a:t>veut</a:t>
+            </a:r>
+            <a:r>
+              <a:rPr lang="en-US" sz="1200" b="0" i="0" kern="1200" dirty="0" smtClean="0">
                 <a:solidFill>
                   <a:schemeClr val="tx1"/>
                 </a:solidFill>
@@ -7417,10 +7806,10 @@
                 <a:ea typeface="+mn-ea"/>
                 <a:cs typeface="+mn-cs"/>
               </a:rPr>
-              <a:t>HEAD^:</a:t>
-            </a:r>
-            <a:r>
-              <a:rPr lang="fr-FR" sz="1200" b="1" kern="1200" baseline="0" dirty="0" smtClean="0">
+              <a:t> que des fichiers</a:t>
+            </a:r>
+            <a:r>
+              <a:rPr lang="en-US" sz="1200" b="0" i="0" kern="1200" baseline="0" dirty="0" smtClean="0">
                 <a:solidFill>
                   <a:schemeClr val="tx1"/>
                 </a:solidFill>
@@ -7429,10 +7818,10 @@
                 <a:ea typeface="+mn-ea"/>
                 <a:cs typeface="+mn-cs"/>
               </a:rPr>
-              <a:t> mixed par </a:t>
-            </a:r>
-            <a:r>
-              <a:rPr lang="fr-FR" sz="1200" b="1" kern="1200" baseline="0" dirty="0" err="1" smtClean="0">
+              <a:t> soit ignore (log,temp,.</a:t>
+            </a:r>
+            <a:r>
+              <a:rPr lang="en-US" sz="1200" b="0" i="0" kern="1200" baseline="0" dirty="0" err="1" smtClean="0">
                 <a:solidFill>
                   <a:schemeClr val="tx1"/>
                 </a:solidFill>
@@ -7441,10 +7830,10 @@
                 <a:ea typeface="+mn-ea"/>
                 <a:cs typeface="+mn-cs"/>
               </a:rPr>
-              <a:t>defaut</a:t>
-            </a:r>
-            <a:r>
-              <a:rPr lang="fr-FR" sz="1200" b="1" kern="1200" baseline="0" dirty="0" smtClean="0">
+              <a:t>tmp,code</a:t>
+            </a:r>
+            <a:r>
+              <a:rPr lang="en-US" sz="1200" b="0" i="0" kern="1200" baseline="0" dirty="0" smtClean="0">
                 <a:solidFill>
                   <a:schemeClr val="tx1"/>
                 </a:solidFill>
@@ -7456,7 +7845,7 @@
               <a:t> </a:t>
             </a:r>
             <a:r>
-              <a:rPr lang="fr-FR" sz="1200" b="1" kern="1200" dirty="0" err="1" smtClean="0">
+              <a:rPr lang="en-US" sz="1200" b="0" i="0" kern="1200" baseline="0" dirty="0" err="1" smtClean="0">
                 <a:solidFill>
                   <a:schemeClr val="tx1"/>
                 </a:solidFill>
@@ -7465,10 +7854,10 @@
                 <a:ea typeface="+mn-ea"/>
                 <a:cs typeface="+mn-cs"/>
               </a:rPr>
-              <a:t>suprime</a:t>
-            </a:r>
-            <a:r>
-              <a:rPr lang="fr-FR" sz="1200" b="1" kern="1200" baseline="0" dirty="0" smtClean="0">
+              <a:t>compilé,repertoire</a:t>
+            </a:r>
+            <a:r>
+              <a:rPr lang="en-US" sz="1200" b="0" i="0" kern="1200" baseline="0" dirty="0" smtClean="0">
                 <a:solidFill>
                   <a:schemeClr val="tx1"/>
                 </a:solidFill>
@@ -7477,10 +7866,10 @@
                 <a:ea typeface="+mn-ea"/>
                 <a:cs typeface="+mn-cs"/>
               </a:rPr>
-              <a:t> le dernier commit  et retourne à l’</a:t>
-            </a:r>
-            <a:r>
-              <a:rPr lang="fr-FR" sz="1200" b="1" kern="1200" baseline="0" dirty="0" err="1" smtClean="0">
+              <a:t> de sortie de build,).le </a:t>
+            </a:r>
+            <a:r>
+              <a:rPr lang="en-US" sz="1200" b="0" i="0" kern="1200" baseline="0" dirty="0" err="1" smtClean="0">
                 <a:solidFill>
                   <a:schemeClr val="tx1"/>
                 </a:solidFill>
@@ -7489,10 +7878,10 @@
                 <a:ea typeface="+mn-ea"/>
                 <a:cs typeface="+mn-cs"/>
               </a:rPr>
-              <a:t>etat</a:t>
-            </a:r>
-            <a:r>
-              <a:rPr lang="fr-FR" sz="1200" b="1" kern="1200" baseline="0" dirty="0" smtClean="0">
+              <a:t>fichier</a:t>
+            </a:r>
+            <a:r>
+              <a:rPr lang="en-US" sz="1200" b="0" i="0" kern="1200" baseline="0" dirty="0" smtClean="0">
                 <a:solidFill>
                   <a:schemeClr val="tx1"/>
                 </a:solidFill>
@@ -7501,10 +7890,10 @@
                 <a:ea typeface="+mn-ea"/>
                 <a:cs typeface="+mn-cs"/>
               </a:rPr>
-              <a:t> </a:t>
-            </a:r>
-            <a:r>
-              <a:rPr lang="fr-FR" sz="1200" b="1" kern="1200" baseline="0" dirty="0" err="1" smtClean="0">
+              <a:t> et </a:t>
+            </a:r>
+            <a:r>
+              <a:rPr lang="en-US" sz="1200" b="0" i="0" kern="1200" baseline="0" dirty="0" err="1" smtClean="0">
                 <a:solidFill>
                   <a:schemeClr val="tx1"/>
                 </a:solidFill>
@@ -7513,34 +7902,10 @@
                 <a:ea typeface="+mn-ea"/>
                 <a:cs typeface="+mn-cs"/>
               </a:rPr>
-              <a:t>unsatagé</a:t>
-            </a:r>
-            <a:endParaRPr lang="fr-FR" dirty="0" smtClean="0"/>
-          </a:p>
-          <a:p>
-            <a:pPr marL="0" marR="0" lvl="0" indent="0" algn="l" defTabSz="914400" rtl="0" eaLnBrk="1" fontAlgn="auto" latinLnBrk="0" hangingPunct="1">
-              <a:lnSpc>
-                <a:spcPct val="100000"/>
-              </a:lnSpc>
-              <a:spcBef>
-                <a:spcPts val="0"/>
-              </a:spcBef>
-              <a:spcAft>
-                <a:spcPts val="0"/>
-              </a:spcAft>
-              <a:buClrTx/>
-              <a:buSzTx/>
-              <a:buFontTx/>
-              <a:buNone/>
-              <a:tabLst/>
-              <a:defRPr/>
-            </a:pPr>
-            <a:r>
-              <a:rPr lang="fr-FR" dirty="0" smtClean="0"/>
-              <a:t>Git reset –hard  </a:t>
-            </a:r>
-            <a:r>
-              <a:rPr lang="fr-FR" sz="1200" b="1" kern="1200" dirty="0" smtClean="0">
+              <a:t>enregistré</a:t>
+            </a:r>
+            <a:r>
+              <a:rPr lang="en-US" sz="1200" b="0" i="0" kern="1200" baseline="0" dirty="0" smtClean="0">
                 <a:solidFill>
                   <a:schemeClr val="tx1"/>
                 </a:solidFill>
@@ -7549,10 +7914,10 @@
                 <a:ea typeface="+mn-ea"/>
                 <a:cs typeface="+mn-cs"/>
               </a:rPr>
-              <a:t>HEAD^: </a:t>
-            </a:r>
-            <a:r>
-              <a:rPr lang="fr-FR" sz="1200" b="1" kern="1200" dirty="0" err="1" smtClean="0">
+              <a:t> </a:t>
+            </a:r>
+            <a:r>
+              <a:rPr lang="en-US" sz="1200" b="0" i="0" kern="1200" baseline="0" dirty="0" err="1" smtClean="0">
                 <a:solidFill>
                   <a:schemeClr val="tx1"/>
                 </a:solidFill>
@@ -7561,10 +7926,10 @@
                 <a:ea typeface="+mn-ea"/>
                 <a:cs typeface="+mn-cs"/>
               </a:rPr>
-              <a:t>suprime</a:t>
-            </a:r>
-            <a:r>
-              <a:rPr lang="fr-FR" sz="1200" b="1" kern="1200" baseline="0" dirty="0" smtClean="0">
+              <a:t>dans</a:t>
+            </a:r>
+            <a:r>
+              <a:rPr lang="en-US" sz="1200" b="0" i="0" kern="1200" baseline="0" dirty="0" smtClean="0">
                 <a:solidFill>
                   <a:schemeClr val="tx1"/>
                 </a:solidFill>
@@ -7573,57 +7938,10 @@
                 <a:ea typeface="+mn-ea"/>
                 <a:cs typeface="+mn-cs"/>
               </a:rPr>
-              <a:t> le dernier commit  et supprime les modification</a:t>
-            </a:r>
-          </a:p>
-          <a:p>
-            <a:pPr marL="0" marR="0" lvl="0" indent="0" algn="l" defTabSz="914400" rtl="0" eaLnBrk="1" fontAlgn="auto" latinLnBrk="0" hangingPunct="1">
-              <a:lnSpc>
-                <a:spcPct val="100000"/>
-              </a:lnSpc>
-              <a:spcBef>
-                <a:spcPts val="0"/>
-              </a:spcBef>
-              <a:spcAft>
-                <a:spcPts val="0"/>
-              </a:spcAft>
-              <a:buClrTx/>
-              <a:buSzTx/>
-              <a:buFontTx/>
-              <a:buNone/>
-              <a:tabLst/>
-              <a:defRPr/>
-            </a:pPr>
-            <a:endParaRPr lang="fr-FR" sz="1200" b="1" kern="1200" baseline="0" dirty="0" smtClean="0">
-              <a:solidFill>
-                <a:schemeClr val="tx1"/>
-              </a:solidFill>
-              <a:effectLst/>
-              <a:latin typeface="+mn-lt"/>
-              <a:ea typeface="+mn-ea"/>
-              <a:cs typeface="+mn-cs"/>
-            </a:endParaRPr>
-          </a:p>
-          <a:p>
-            <a:pPr marL="0" marR="0" lvl="0" indent="0" algn="l" defTabSz="914400" rtl="0" eaLnBrk="1" fontAlgn="auto" latinLnBrk="0" hangingPunct="1">
-              <a:lnSpc>
-                <a:spcPct val="100000"/>
-              </a:lnSpc>
-              <a:spcBef>
-                <a:spcPts val="0"/>
-              </a:spcBef>
-              <a:spcAft>
-                <a:spcPts val="0"/>
-              </a:spcAft>
-              <a:buClrTx/>
-              <a:buSzTx/>
-              <a:buFontTx/>
-              <a:buNone/>
-              <a:tabLst/>
-              <a:defRPr/>
-            </a:pPr>
-            <a:r>
-              <a:rPr lang="fr-FR" sz="1200" b="1" kern="1200" baseline="0" dirty="0" smtClean="0">
+              <a:t> la </a:t>
+            </a:r>
+            <a:r>
+              <a:rPr lang="en-US" sz="1200" b="0" i="0" kern="1200" baseline="0" dirty="0" err="1" smtClean="0">
                 <a:solidFill>
                   <a:schemeClr val="tx1"/>
                 </a:solidFill>
@@ -7632,29 +7950,10 @@
                 <a:ea typeface="+mn-ea"/>
                 <a:cs typeface="+mn-cs"/>
               </a:rPr>
-              <a:t>-Le message de commit peut contenir les infos suivantes:</a:t>
-            </a:r>
-          </a:p>
-          <a:p>
-            <a:pPr marL="0" marR="0" lvl="0" indent="0" algn="l" defTabSz="914400" rtl="0" eaLnBrk="1" fontAlgn="auto" latinLnBrk="0" hangingPunct="1">
-              <a:lnSpc>
-                <a:spcPct val="100000"/>
-              </a:lnSpc>
-              <a:spcBef>
-                <a:spcPts val="0"/>
-              </a:spcBef>
-              <a:spcAft>
-                <a:spcPts val="0"/>
-              </a:spcAft>
-              <a:buClrTx/>
-              <a:buSzTx/>
-              <a:buFontTx/>
-              <a:buNone/>
-              <a:tabLst/>
-              <a:defRPr/>
-            </a:pPr>
-            <a:r>
-              <a:rPr lang="fr-FR" sz="1200" b="0" kern="1200" baseline="0" dirty="0" smtClean="0">
+              <a:t>racine</a:t>
+            </a:r>
+            <a:r>
+              <a:rPr lang="en-US" sz="1200" b="0" i="0" kern="1200" baseline="0" dirty="0" smtClean="0">
                 <a:solidFill>
                   <a:schemeClr val="tx1"/>
                 </a:solidFill>
@@ -7663,29 +7962,10 @@
                 <a:ea typeface="+mn-ea"/>
                 <a:cs typeface="+mn-cs"/>
               </a:rPr>
-              <a:t>1.Ce qui est nouveau</a:t>
-            </a:r>
-          </a:p>
-          <a:p>
-            <a:pPr marL="0" marR="0" lvl="0" indent="0" algn="l" defTabSz="914400" rtl="0" eaLnBrk="1" fontAlgn="auto" latinLnBrk="0" hangingPunct="1">
-              <a:lnSpc>
-                <a:spcPct val="100000"/>
-              </a:lnSpc>
-              <a:spcBef>
-                <a:spcPts val="0"/>
-              </a:spcBef>
-              <a:spcAft>
-                <a:spcPts val="0"/>
-              </a:spcAft>
-              <a:buClrTx/>
-              <a:buSzTx/>
-              <a:buFontTx/>
-              <a:buNone/>
-              <a:tabLst/>
-              <a:defRPr/>
-            </a:pPr>
-            <a:r>
-              <a:rPr lang="fr-FR" sz="1200" b="0" kern="1200" baseline="0" dirty="0" smtClean="0">
+              <a:t> de dépo locale(</a:t>
+            </a:r>
+            <a:r>
+              <a:rPr lang="fr-FR" sz="1200" b="0" i="0" kern="1200" dirty="0" smtClean="0">
                 <a:solidFill>
                   <a:schemeClr val="tx1"/>
                 </a:solidFill>
@@ -7694,76 +7974,305 @@
                 <a:ea typeface="+mn-ea"/>
                 <a:cs typeface="+mn-cs"/>
               </a:rPr>
-              <a:t>2.Les raisons de changements</a:t>
-            </a:r>
-          </a:p>
-          <a:p>
-            <a:pPr marL="0" marR="0" lvl="0" indent="0" algn="l" defTabSz="914400" rtl="0" eaLnBrk="1" fontAlgn="auto" latinLnBrk="0" hangingPunct="1">
-              <a:lnSpc>
-                <a:spcPct val="100000"/>
-              </a:lnSpc>
-              <a:spcBef>
-                <a:spcPts val="0"/>
-              </a:spcBef>
-              <a:spcAft>
-                <a:spcPts val="0"/>
-              </a:spcAft>
-              <a:buClrTx/>
-              <a:buSzTx/>
-              <a:buFontTx/>
-              <a:buNone/>
-              <a:tabLst/>
-              <a:defRPr/>
-            </a:pPr>
-            <a:endParaRPr lang="fr-FR" sz="1200" b="0" kern="1200" baseline="0" dirty="0" smtClean="0">
-              <a:solidFill>
-                <a:schemeClr val="tx1"/>
-              </a:solidFill>
-              <a:effectLst/>
-              <a:latin typeface="+mn-lt"/>
-              <a:ea typeface="+mn-ea"/>
-              <a:cs typeface="+mn-cs"/>
-            </a:endParaRPr>
-          </a:p>
-          <a:p>
-            <a:pPr marL="0" marR="0" lvl="0" indent="0" algn="l" defTabSz="914400" rtl="0" eaLnBrk="1" fontAlgn="auto" latinLnBrk="0" hangingPunct="1">
-              <a:lnSpc>
-                <a:spcPct val="100000"/>
-              </a:lnSpc>
-              <a:spcBef>
-                <a:spcPts val="0"/>
-              </a:spcBef>
-              <a:spcAft>
-                <a:spcPts val="0"/>
-              </a:spcAft>
-              <a:buClrTx/>
-              <a:buSzTx/>
-              <a:buFontTx/>
-              <a:buNone/>
-              <a:tabLst/>
-              <a:defRPr/>
-            </a:pPr>
-            <a:endParaRPr lang="fr-FR" dirty="0" smtClean="0"/>
-          </a:p>
-          <a:p>
-            <a:pPr marL="0" marR="0" lvl="0" indent="0" algn="l" defTabSz="914400" rtl="0" eaLnBrk="1" fontAlgn="auto" latinLnBrk="0" hangingPunct="1">
-              <a:lnSpc>
-                <a:spcPct val="100000"/>
-              </a:lnSpc>
-              <a:spcBef>
-                <a:spcPts val="0"/>
-              </a:spcBef>
-              <a:spcAft>
-                <a:spcPts val="0"/>
-              </a:spcAft>
-              <a:buClrTx/>
-              <a:buSzTx/>
-              <a:buFontTx/>
-              <a:buNone/>
-              <a:tabLst/>
-              <a:defRPr/>
-            </a:pPr>
-            <a:endParaRPr lang="fr-FR" dirty="0"/>
+              <a:t>**/</a:t>
+            </a:r>
+            <a:r>
+              <a:rPr lang="fr-FR" sz="1200" b="0" i="0" kern="1200" dirty="0" err="1" smtClean="0">
+                <a:solidFill>
+                  <a:schemeClr val="tx1"/>
+                </a:solidFill>
+                <a:effectLst/>
+                <a:latin typeface="+mn-lt"/>
+                <a:ea typeface="+mn-ea"/>
+                <a:cs typeface="+mn-cs"/>
+              </a:rPr>
+              <a:t>logs:un</a:t>
+            </a:r>
+            <a:r>
+              <a:rPr lang="fr-FR" sz="1200" b="0" i="0" kern="1200" dirty="0" smtClean="0">
+                <a:solidFill>
+                  <a:schemeClr val="tx1"/>
+                </a:solidFill>
+                <a:effectLst/>
+                <a:latin typeface="+mn-lt"/>
+                <a:ea typeface="+mn-ea"/>
+                <a:cs typeface="+mn-cs"/>
+              </a:rPr>
+              <a:t> </a:t>
+            </a:r>
+            <a:r>
+              <a:rPr lang="fr-FR" sz="1200" b="0" i="0" kern="1200" dirty="0" err="1" smtClean="0">
+                <a:solidFill>
+                  <a:schemeClr val="tx1"/>
+                </a:solidFill>
+                <a:effectLst/>
+                <a:latin typeface="+mn-lt"/>
+                <a:ea typeface="+mn-ea"/>
+                <a:cs typeface="+mn-cs"/>
+              </a:rPr>
+              <a:t>reperoire</a:t>
+            </a:r>
+            <a:r>
+              <a:rPr lang="fr-FR" sz="1200" b="0" i="0" kern="1200" baseline="0" dirty="0" smtClean="0">
+                <a:solidFill>
+                  <a:schemeClr val="tx1"/>
+                </a:solidFill>
+                <a:effectLst/>
+                <a:latin typeface="+mn-lt"/>
+                <a:ea typeface="+mn-ea"/>
+                <a:cs typeface="+mn-cs"/>
+              </a:rPr>
+              <a:t> n’importe ou dans RL)</a:t>
+            </a:r>
+            <a:r>
+              <a:rPr lang="fr-FR" sz="1200" b="0" i="0" kern="1200" dirty="0" smtClean="0">
+                <a:solidFill>
+                  <a:schemeClr val="tx1"/>
+                </a:solidFill>
+                <a:effectLst/>
+                <a:latin typeface="+mn-lt"/>
+                <a:ea typeface="+mn-ea"/>
+                <a:cs typeface="+mn-cs"/>
+              </a:rPr>
+              <a:t> !important/*.log</a:t>
+            </a:r>
+          </a:p>
+          <a:p>
+            <a:r>
+              <a:rPr lang="fr-FR" sz="1200" b="1" i="0" kern="1200" dirty="0" smtClean="0">
+                <a:solidFill>
+                  <a:schemeClr val="tx1"/>
+                </a:solidFill>
+                <a:effectLst/>
+                <a:latin typeface="+mn-lt"/>
+                <a:ea typeface="+mn-ea"/>
+                <a:cs typeface="+mn-cs"/>
+              </a:rPr>
+              <a:t>Git </a:t>
+            </a:r>
+            <a:r>
+              <a:rPr lang="fr-FR" sz="1200" b="1" i="0" kern="1200" dirty="0" err="1" smtClean="0">
+                <a:solidFill>
+                  <a:schemeClr val="tx1"/>
+                </a:solidFill>
+                <a:effectLst/>
+                <a:latin typeface="+mn-lt"/>
+                <a:ea typeface="+mn-ea"/>
+                <a:cs typeface="+mn-cs"/>
+              </a:rPr>
+              <a:t>blame</a:t>
+            </a:r>
+            <a:r>
+              <a:rPr lang="fr-FR" sz="1200" b="1" i="0" kern="1200" dirty="0" smtClean="0">
+                <a:solidFill>
+                  <a:schemeClr val="tx1"/>
+                </a:solidFill>
+                <a:effectLst/>
+                <a:latin typeface="+mn-lt"/>
+                <a:ea typeface="+mn-ea"/>
+                <a:cs typeface="+mn-cs"/>
+              </a:rPr>
+              <a:t>: </a:t>
+            </a:r>
+            <a:r>
+              <a:rPr lang="fr-FR" sz="1200" b="0" i="0" kern="1200" dirty="0" smtClean="0">
+                <a:solidFill>
+                  <a:schemeClr val="tx1"/>
+                </a:solidFill>
+                <a:effectLst/>
+                <a:latin typeface="+mn-lt"/>
+                <a:ea typeface="+mn-ea"/>
+                <a:cs typeface="+mn-cs"/>
+              </a:rPr>
+              <a:t>affiche</a:t>
+            </a:r>
+            <a:r>
+              <a:rPr lang="fr-FR" sz="1200" b="0" i="0" kern="1200" baseline="0" dirty="0" smtClean="0">
+                <a:solidFill>
+                  <a:schemeClr val="tx1"/>
+                </a:solidFill>
+                <a:effectLst/>
+                <a:latin typeface="+mn-lt"/>
+                <a:ea typeface="+mn-ea"/>
+                <a:cs typeface="+mn-cs"/>
+              </a:rPr>
+              <a:t> les </a:t>
+            </a:r>
+            <a:r>
+              <a:rPr lang="fr-FR" sz="1200" b="0" i="0" kern="1200" baseline="0" dirty="0" err="1" smtClean="0">
+                <a:solidFill>
+                  <a:schemeClr val="tx1"/>
+                </a:solidFill>
+                <a:effectLst/>
+                <a:latin typeface="+mn-lt"/>
+                <a:ea typeface="+mn-ea"/>
+                <a:cs typeface="+mn-cs"/>
+              </a:rPr>
+              <a:t>metadonné</a:t>
+            </a:r>
+            <a:r>
+              <a:rPr lang="fr-FR" sz="1200" b="0" i="0" kern="1200" baseline="0" dirty="0" smtClean="0">
+                <a:solidFill>
+                  <a:schemeClr val="tx1"/>
+                </a:solidFill>
+                <a:effectLst/>
+                <a:latin typeface="+mn-lt"/>
+                <a:ea typeface="+mn-ea"/>
+                <a:cs typeface="+mn-cs"/>
+              </a:rPr>
+              <a:t> du l’</a:t>
+            </a:r>
+            <a:r>
+              <a:rPr lang="fr-FR" sz="1200" b="0" i="0" kern="1200" baseline="0" dirty="0" err="1" smtClean="0">
+                <a:solidFill>
+                  <a:schemeClr val="tx1"/>
+                </a:solidFill>
+                <a:effectLst/>
+                <a:latin typeface="+mn-lt"/>
+                <a:ea typeface="+mn-ea"/>
+                <a:cs typeface="+mn-cs"/>
+              </a:rPr>
+              <a:t>autheur</a:t>
+            </a:r>
+            <a:r>
+              <a:rPr lang="fr-FR" sz="1200" b="0" i="0" kern="1200" baseline="0" dirty="0" smtClean="0">
+                <a:solidFill>
+                  <a:schemeClr val="tx1"/>
+                </a:solidFill>
+                <a:effectLst/>
+                <a:latin typeface="+mn-lt"/>
+                <a:ea typeface="+mn-ea"/>
+                <a:cs typeface="+mn-cs"/>
+              </a:rPr>
+              <a:t> du commit(examiné les points spécifique de l’historique du fichier et obtenir par exemple celui qui a modifié le fichier en dernier) utilisé pour explorer l’historique d’un code spécifique et répondre au question quoi et comment et pourquoi un code à été ajouté a l’historique</a:t>
+            </a:r>
+          </a:p>
+          <a:p>
+            <a:r>
+              <a:rPr lang="fr-FR" sz="1200" b="0" i="0" kern="1200" baseline="0" dirty="0" smtClean="0">
+                <a:solidFill>
+                  <a:schemeClr val="tx1"/>
+                </a:solidFill>
+                <a:effectLst/>
+                <a:latin typeface="+mn-lt"/>
+                <a:ea typeface="+mn-ea"/>
+                <a:cs typeface="+mn-cs"/>
+              </a:rPr>
+              <a:t>Opère sur un seule fichier affiche(l’</a:t>
+            </a:r>
+            <a:r>
+              <a:rPr lang="fr-FR" sz="1200" b="0" i="0" kern="1200" baseline="0" dirty="0" err="1" smtClean="0">
+                <a:solidFill>
+                  <a:schemeClr val="tx1"/>
+                </a:solidFill>
+                <a:effectLst/>
+                <a:latin typeface="+mn-lt"/>
+                <a:ea typeface="+mn-ea"/>
+                <a:cs typeface="+mn-cs"/>
+              </a:rPr>
+              <a:t>autheur,date,numéro</a:t>
+            </a:r>
+            <a:r>
+              <a:rPr lang="fr-FR" sz="1200" b="0" i="0" kern="1200" baseline="0" dirty="0" smtClean="0">
+                <a:solidFill>
+                  <a:schemeClr val="tx1"/>
+                </a:solidFill>
+                <a:effectLst/>
+                <a:latin typeface="+mn-lt"/>
+                <a:ea typeface="+mn-ea"/>
+                <a:cs typeface="+mn-cs"/>
+              </a:rPr>
+              <a:t> ligne, contenue ligne)</a:t>
+            </a:r>
+          </a:p>
+          <a:p>
+            <a:r>
+              <a:rPr lang="fr-FR" sz="1200" b="0" i="0" kern="1200" baseline="0" dirty="0" smtClean="0">
+                <a:solidFill>
+                  <a:schemeClr val="tx1"/>
+                </a:solidFill>
+                <a:effectLst/>
+                <a:latin typeface="+mn-lt"/>
+                <a:ea typeface="+mn-ea"/>
+                <a:cs typeface="+mn-cs"/>
+              </a:rPr>
+              <a:t>Examine le fichier ligne par </a:t>
+            </a:r>
+            <a:r>
+              <a:rPr lang="fr-FR" sz="1200" b="0" i="0" kern="1200" baseline="0" dirty="0" err="1" smtClean="0">
+                <a:solidFill>
+                  <a:schemeClr val="tx1"/>
+                </a:solidFill>
+                <a:effectLst/>
+                <a:latin typeface="+mn-lt"/>
+                <a:ea typeface="+mn-ea"/>
+                <a:cs typeface="+mn-cs"/>
+              </a:rPr>
+              <a:t>lignepour</a:t>
+            </a:r>
+            <a:r>
+              <a:rPr lang="fr-FR" sz="1200" b="0" i="0" kern="1200" baseline="0" dirty="0" smtClean="0">
+                <a:solidFill>
+                  <a:schemeClr val="tx1"/>
+                </a:solidFill>
+                <a:effectLst/>
+                <a:latin typeface="+mn-lt"/>
+                <a:ea typeface="+mn-ea"/>
+                <a:cs typeface="+mn-cs"/>
+              </a:rPr>
+              <a:t> savoir pour chaque ligne quand est ce que à été modifié en dernier et qui est l’</a:t>
+            </a:r>
+            <a:r>
+              <a:rPr lang="fr-FR" sz="1200" b="0" i="0" kern="1200" baseline="0" dirty="0" err="1" smtClean="0">
+                <a:solidFill>
+                  <a:schemeClr val="tx1"/>
+                </a:solidFill>
+                <a:effectLst/>
+                <a:latin typeface="+mn-lt"/>
+                <a:ea typeface="+mn-ea"/>
+                <a:cs typeface="+mn-cs"/>
+              </a:rPr>
+              <a:t>autheur</a:t>
+            </a:r>
+            <a:r>
+              <a:rPr lang="fr-FR" sz="1200" b="0" i="0" kern="1200" baseline="0" dirty="0" smtClean="0">
+                <a:solidFill>
+                  <a:schemeClr val="tx1"/>
+                </a:solidFill>
+                <a:effectLst/>
+                <a:latin typeface="+mn-lt"/>
+                <a:ea typeface="+mn-ea"/>
+                <a:cs typeface="+mn-cs"/>
+              </a:rPr>
+              <a:t> de ces modification(sortie de la commande personnalisé selon les options).investigation quand et comment le bug à été introduit(contacté l’</a:t>
+            </a:r>
+            <a:r>
+              <a:rPr lang="fr-FR" sz="1200" b="0" i="0" kern="1200" baseline="0" dirty="0" err="1" smtClean="0">
+                <a:solidFill>
+                  <a:schemeClr val="tx1"/>
+                </a:solidFill>
+                <a:effectLst/>
+                <a:latin typeface="+mn-lt"/>
+                <a:ea typeface="+mn-ea"/>
+                <a:cs typeface="+mn-cs"/>
+              </a:rPr>
+              <a:t>autheur</a:t>
+            </a:r>
+            <a:r>
+              <a:rPr lang="fr-FR" sz="1200" b="0" i="0" kern="1200" baseline="0" dirty="0" smtClean="0">
+                <a:solidFill>
+                  <a:schemeClr val="tx1"/>
+                </a:solidFill>
+                <a:effectLst/>
+                <a:latin typeface="+mn-lt"/>
+                <a:ea typeface="+mn-ea"/>
+                <a:cs typeface="+mn-cs"/>
+              </a:rPr>
+              <a:t> pour des explication sur un morceau de code)</a:t>
+            </a:r>
+          </a:p>
+          <a:p>
+            <a:endParaRPr lang="fr-FR" b="0" dirty="0"/>
           </a:p>
         </p:txBody>
       </p:sp>
@@ -7793,7 +8302,7 @@
     </p:spTree>
     <p:extLst>
       <p:ext uri="{BB962C8B-B14F-4D97-AF65-F5344CB8AC3E}">
-        <p14:creationId xmlns:p14="http://schemas.microsoft.com/office/powerpoint/2010/main" val="809342340"/>
+        <p14:creationId xmlns:p14="http://schemas.microsoft.com/office/powerpoint/2010/main" val="4253459836"/>
       </p:ext>
     </p:extLst>
   </p:cSld>
@@ -7934,7 +8443,7 @@
           <a:p>
             <a:fld id="{0A206D1B-E756-4A82-9838-551DE185C738}" type="datetimeFigureOut">
               <a:rPr lang="fr-FR" smtClean="0"/>
-              <a:t>12/12/2022</a:t>
+              <a:t>13/12/2022</a:t>
             </a:fld>
             <a:endParaRPr lang="fr-FR"/>
           </a:p>
@@ -8104,7 +8613,7 @@
           <a:p>
             <a:fld id="{0A206D1B-E756-4A82-9838-551DE185C738}" type="datetimeFigureOut">
               <a:rPr lang="fr-FR" smtClean="0"/>
-              <a:t>12/12/2022</a:t>
+              <a:t>13/12/2022</a:t>
             </a:fld>
             <a:endParaRPr lang="fr-FR"/>
           </a:p>
@@ -8284,7 +8793,7 @@
           <a:p>
             <a:fld id="{0A206D1B-E756-4A82-9838-551DE185C738}" type="datetimeFigureOut">
               <a:rPr lang="fr-FR" smtClean="0"/>
-              <a:t>12/12/2022</a:t>
+              <a:t>13/12/2022</a:t>
             </a:fld>
             <a:endParaRPr lang="fr-FR"/>
           </a:p>
@@ -8454,7 +8963,7 @@
           <a:p>
             <a:fld id="{0A206D1B-E756-4A82-9838-551DE185C738}" type="datetimeFigureOut">
               <a:rPr lang="fr-FR" smtClean="0"/>
-              <a:t>12/12/2022</a:t>
+              <a:t>13/12/2022</a:t>
             </a:fld>
             <a:endParaRPr lang="fr-FR"/>
           </a:p>
@@ -8700,7 +9209,7 @@
           <a:p>
             <a:fld id="{0A206D1B-E756-4A82-9838-551DE185C738}" type="datetimeFigureOut">
               <a:rPr lang="fr-FR" smtClean="0"/>
-              <a:t>12/12/2022</a:t>
+              <a:t>13/12/2022</a:t>
             </a:fld>
             <a:endParaRPr lang="fr-FR"/>
           </a:p>
@@ -8932,7 +9441,7 @@
           <a:p>
             <a:fld id="{0A206D1B-E756-4A82-9838-551DE185C738}" type="datetimeFigureOut">
               <a:rPr lang="fr-FR" smtClean="0"/>
-              <a:t>12/12/2022</a:t>
+              <a:t>13/12/2022</a:t>
             </a:fld>
             <a:endParaRPr lang="fr-FR"/>
           </a:p>
@@ -9299,7 +9808,7 @@
           <a:p>
             <a:fld id="{0A206D1B-E756-4A82-9838-551DE185C738}" type="datetimeFigureOut">
               <a:rPr lang="fr-FR" smtClean="0"/>
-              <a:t>12/12/2022</a:t>
+              <a:t>13/12/2022</a:t>
             </a:fld>
             <a:endParaRPr lang="fr-FR"/>
           </a:p>
@@ -9417,7 +9926,7 @@
           <a:p>
             <a:fld id="{0A206D1B-E756-4A82-9838-551DE185C738}" type="datetimeFigureOut">
               <a:rPr lang="fr-FR" smtClean="0"/>
-              <a:t>12/12/2022</a:t>
+              <a:t>13/12/2022</a:t>
             </a:fld>
             <a:endParaRPr lang="fr-FR"/>
           </a:p>
@@ -9512,7 +10021,7 @@
           <a:p>
             <a:fld id="{0A206D1B-E756-4A82-9838-551DE185C738}" type="datetimeFigureOut">
               <a:rPr lang="fr-FR" smtClean="0"/>
-              <a:t>12/12/2022</a:t>
+              <a:t>13/12/2022</a:t>
             </a:fld>
             <a:endParaRPr lang="fr-FR"/>
           </a:p>
@@ -9789,7 +10298,7 @@
           <a:p>
             <a:fld id="{0A206D1B-E756-4A82-9838-551DE185C738}" type="datetimeFigureOut">
               <a:rPr lang="fr-FR" smtClean="0"/>
-              <a:t>12/12/2022</a:t>
+              <a:t>13/12/2022</a:t>
             </a:fld>
             <a:endParaRPr lang="fr-FR"/>
           </a:p>
@@ -10042,7 +10551,7 @@
           <a:p>
             <a:fld id="{0A206D1B-E756-4A82-9838-551DE185C738}" type="datetimeFigureOut">
               <a:rPr lang="fr-FR" smtClean="0"/>
-              <a:t>12/12/2022</a:t>
+              <a:t>13/12/2022</a:t>
             </a:fld>
             <a:endParaRPr lang="fr-FR"/>
           </a:p>
@@ -10255,7 +10764,7 @@
           <a:p>
             <a:fld id="{0A206D1B-E756-4A82-9838-551DE185C738}" type="datetimeFigureOut">
               <a:rPr lang="fr-FR" smtClean="0"/>
-              <a:t>12/12/2022</a:t>
+              <a:t>13/12/2022</a:t>
             </a:fld>
             <a:endParaRPr lang="fr-FR"/>
           </a:p>
@@ -11172,83 +11681,309 @@
         </p:nvSpPr>
         <p:spPr>
           <a:xfrm>
-            <a:off x="0" y="914399"/>
-            <a:ext cx="12192000" cy="5943601"/>
+            <a:off x="0" y="795855"/>
+            <a:ext cx="12192000" cy="6062145"/>
           </a:xfrm>
         </p:spPr>
         <p:txBody>
           <a:bodyPr>
-            <a:normAutofit/>
+            <a:normAutofit fontScale="92500" lnSpcReduction="10000"/>
           </a:bodyPr>
           <a:lstStyle/>
           <a:p>
-            <a:pPr marL="874712" indent="-514350" defTabSz="447675">
+            <a:pPr marL="719138" lvl="1" indent="-539750">
+              <a:buFont typeface="+mj-lt"/>
+              <a:buAutoNum type="arabicPeriod" startAt="12"/>
+              <a:tabLst>
+                <a:tab pos="363538" algn="l"/>
+                <a:tab pos="811213" algn="l"/>
+                <a:tab pos="1163638" algn="l"/>
+              </a:tabLst>
+            </a:pPr>
+            <a:r>
+              <a:rPr lang="fr-FR" sz="3000" dirty="0" smtClean="0"/>
+              <a:t>Suspendre temporairement  un </a:t>
+            </a:r>
+            <a:r>
+              <a:rPr lang="fr-FR" sz="3000" dirty="0"/>
+              <a:t>travail </a:t>
+            </a:r>
+            <a:r>
+              <a:rPr lang="fr-FR" sz="3000" dirty="0" smtClean="0"/>
+              <a:t>(index&amp;  non indexé) et le cach</a:t>
+            </a:r>
+            <a:r>
+              <a:rPr lang="fr-FR" sz="2800" dirty="0" smtClean="0"/>
+              <a:t>e</a:t>
+            </a:r>
+          </a:p>
+          <a:p>
+            <a:pPr marL="819150" lvl="1" indent="-7938">
+              <a:tabLst>
+                <a:tab pos="363538" algn="l"/>
+                <a:tab pos="811213" algn="l"/>
+                <a:tab pos="1163638" algn="l"/>
+              </a:tabLst>
+            </a:pPr>
+            <a:r>
+              <a:rPr lang="fr-FR" sz="2800" b="1" i="1" dirty="0" smtClean="0"/>
+              <a:t>	</a:t>
+            </a:r>
+            <a:r>
+              <a:rPr lang="fr-FR" sz="3000" b="1" i="1" dirty="0"/>
+              <a:t>git</a:t>
+            </a:r>
+            <a:r>
+              <a:rPr lang="fr-FR" sz="3000" b="1" i="1" dirty="0" smtClean="0"/>
+              <a:t> </a:t>
+            </a:r>
+            <a:r>
+              <a:rPr lang="fr-FR" sz="3000" b="1" i="1" dirty="0" err="1"/>
+              <a:t>stash</a:t>
+            </a:r>
+            <a:r>
+              <a:rPr lang="fr-FR" sz="3000" b="1" i="1" dirty="0"/>
+              <a:t> [-u]</a:t>
+            </a:r>
+          </a:p>
+          <a:p>
+            <a:pPr marL="782638" lvl="1" indent="-603250">
               <a:buFont typeface="+mj-lt"/>
               <a:buAutoNum type="arabicPeriod" startAt="13"/>
               <a:tabLst>
+                <a:tab pos="363538" algn="l"/>
                 <a:tab pos="811213" algn="l"/>
+                <a:tab pos="1163638" algn="l"/>
               </a:tabLst>
             </a:pPr>
             <a:r>
-              <a:rPr lang="fr-FR" dirty="0"/>
-              <a:t>	Afficher </a:t>
-            </a:r>
-            <a:r>
-              <a:rPr lang="fr-FR" dirty="0" smtClean="0"/>
-              <a:t>la différence entre les deux versions (work </a:t>
-            </a:r>
-            <a:r>
-              <a:rPr lang="fr-FR" dirty="0" smtClean="0"/>
-              <a:t>directory-index):</a:t>
-            </a:r>
-          </a:p>
-          <a:p>
-            <a:pPr marL="1158875" lvl="1" indent="-347663"/>
+              <a:rPr lang="fr-FR" sz="3000" dirty="0"/>
+              <a:t>Reprendre  et appliqué un </a:t>
+            </a:r>
+            <a:r>
+              <a:rPr lang="fr-FR" sz="3000" dirty="0"/>
+              <a:t>travail qui à été </a:t>
+            </a:r>
+            <a:r>
+              <a:rPr lang="fr-FR" sz="3000" dirty="0"/>
+              <a:t>suspendu[et le gardé dans </a:t>
+            </a:r>
+            <a:r>
+              <a:rPr lang="fr-FR" sz="3000" dirty="0" err="1"/>
+              <a:t>stash</a:t>
+            </a:r>
+            <a:r>
+              <a:rPr lang="fr-FR" sz="3000" dirty="0"/>
+              <a:t>]</a:t>
+            </a:r>
+            <a:endParaRPr lang="fr-FR" sz="3000" dirty="0"/>
+          </a:p>
+          <a:p>
+            <a:pPr marL="819150" lvl="1" indent="-7938">
+              <a:tabLst>
+                <a:tab pos="363538" algn="l"/>
+                <a:tab pos="811213" algn="l"/>
+                <a:tab pos="1163638" algn="l"/>
+              </a:tabLst>
+            </a:pPr>
             <a:r>
               <a:rPr lang="fr-FR" sz="3000" b="1" i="1" dirty="0"/>
               <a:t>git </a:t>
             </a:r>
             <a:r>
               <a:rPr lang="fr-FR" sz="3000" b="1" i="1" dirty="0" err="1"/>
-              <a:t>diff</a:t>
-            </a:r>
-            <a:endParaRPr lang="fr-FR" sz="3000" b="1" i="1" dirty="0"/>
-          </a:p>
-          <a:p>
-            <a:pPr marL="877888" lvl="1" indent="-514350">
+              <a:t>stash</a:t>
+            </a:r>
+            <a:r>
+              <a:rPr lang="fr-FR" sz="3000" b="1" i="1" dirty="0"/>
+              <a:t> pop,[git </a:t>
+            </a:r>
+            <a:r>
+              <a:rPr lang="fr-FR" sz="3000" b="1" i="1" dirty="0" err="1"/>
+              <a:t>tash</a:t>
+            </a:r>
+            <a:r>
+              <a:rPr lang="fr-FR" sz="3000" b="1" i="1" dirty="0"/>
+              <a:t> </a:t>
+            </a:r>
+            <a:r>
+              <a:rPr lang="fr-FR" sz="3000" b="1" i="1" dirty="0" err="1"/>
+              <a:t>apply</a:t>
+            </a:r>
+            <a:r>
+              <a:rPr lang="fr-FR" sz="3000" b="1" i="1" dirty="0"/>
+              <a:t>]</a:t>
+            </a:r>
+          </a:p>
+          <a:p>
+            <a:pPr marL="719138" lvl="1" indent="-539750">
+              <a:lnSpc>
+                <a:spcPct val="100000"/>
+              </a:lnSpc>
               <a:buFont typeface="+mj-lt"/>
               <a:buAutoNum type="arabicPeriod" startAt="14"/>
               <a:tabLst>
+                <a:tab pos="363538" algn="l"/>
                 <a:tab pos="811213" algn="l"/>
+                <a:tab pos="1163638" algn="l"/>
               </a:tabLst>
+            </a:pPr>
+            <a:r>
+              <a:rPr lang="fr-FR" sz="3000" dirty="0"/>
+              <a:t>Supprimé un </a:t>
+            </a:r>
+            <a:r>
+              <a:rPr lang="fr-FR" sz="3000" dirty="0" err="1"/>
+              <a:t>stash</a:t>
+            </a:r>
+            <a:r>
+              <a:rPr lang="fr-FR" sz="3000" dirty="0"/>
+              <a:t> </a:t>
+            </a:r>
+          </a:p>
+          <a:p>
+            <a:pPr marL="819150" lvl="1" indent="-7938">
+              <a:lnSpc>
+                <a:spcPct val="110000"/>
+              </a:lnSpc>
+              <a:tabLst>
+                <a:tab pos="363538" algn="l"/>
+                <a:tab pos="811213" algn="l"/>
+                <a:tab pos="1163638" algn="l"/>
+              </a:tabLst>
+            </a:pPr>
+            <a:r>
+              <a:rPr lang="fr-FR" sz="3000" b="1" i="1" dirty="0"/>
+              <a:t>git </a:t>
+            </a:r>
+            <a:r>
+              <a:rPr lang="fr-FR" sz="3000" b="1" i="1" dirty="0" err="1"/>
+              <a:t>stash</a:t>
+            </a:r>
+            <a:r>
+              <a:rPr lang="fr-FR" sz="3000" b="1" i="1" dirty="0"/>
+              <a:t> drop</a:t>
+            </a:r>
+          </a:p>
+          <a:p>
+            <a:pPr marL="790575" lvl="1" indent="-520700">
+              <a:buFont typeface="+mj-lt"/>
+              <a:buAutoNum type="arabicPeriod" startAt="15"/>
+            </a:pPr>
+            <a:r>
+              <a:rPr lang="fr-FR" sz="3000" dirty="0"/>
+              <a:t>Ajouter une liste de fichiers et de répertoire à ignoré par </a:t>
+            </a:r>
+            <a:r>
+              <a:rPr lang="fr-FR" sz="3000" dirty="0"/>
+              <a:t>git.</a:t>
+            </a:r>
+          </a:p>
+          <a:p>
+            <a:pPr marL="819150" lvl="1" indent="-7938">
+              <a:lnSpc>
+                <a:spcPct val="110000"/>
+              </a:lnSpc>
+              <a:tabLst>
+                <a:tab pos="363538" algn="l"/>
+                <a:tab pos="811213" algn="l"/>
+                <a:tab pos="1163638" algn="l"/>
+              </a:tabLst>
+            </a:pPr>
+            <a:r>
+              <a:rPr lang="fr-FR" sz="3000" b="1" i="1" dirty="0" err="1"/>
+              <a:t>Touch</a:t>
+            </a:r>
+            <a:r>
+              <a:rPr lang="fr-FR" sz="3000" b="1" i="1" dirty="0"/>
+              <a:t> .</a:t>
+            </a:r>
+            <a:r>
+              <a:rPr lang="fr-FR" sz="3000" b="1" i="1" dirty="0" err="1"/>
+              <a:t>gitignore</a:t>
+            </a:r>
+            <a:endParaRPr lang="fr-FR" sz="3000" b="1" i="1" dirty="0"/>
+          </a:p>
+          <a:p>
+            <a:pPr marL="719138" lvl="1" indent="-539750">
+              <a:buFont typeface="+mj-lt"/>
+              <a:buAutoNum type="arabicPeriod" startAt="16"/>
             </a:pPr>
             <a:r>
               <a:rPr lang="fr-FR" sz="3000" dirty="0"/>
               <a:t>Afficher </a:t>
             </a:r>
             <a:r>
-              <a:rPr lang="fr-FR" sz="3200" dirty="0"/>
-              <a:t>la différence entre les deux versions </a:t>
+              <a:rPr lang="fr-FR" sz="3000" dirty="0"/>
+              <a:t>l’historique des </a:t>
+            </a:r>
+            <a:r>
+              <a:rPr lang="fr-FR" sz="3000" dirty="0"/>
+              <a:t>commits(historique du projet):</a:t>
+            </a:r>
+            <a:endParaRPr lang="fr-FR" sz="3000" dirty="0"/>
+          </a:p>
+          <a:p>
+            <a:pPr marL="819150" lvl="1" indent="-7938">
+              <a:lnSpc>
+                <a:spcPct val="110000"/>
+              </a:lnSpc>
+              <a:tabLst>
+                <a:tab pos="363538" algn="l"/>
+                <a:tab pos="811213" algn="l"/>
+                <a:tab pos="1163638" algn="l"/>
+              </a:tabLst>
+            </a:pPr>
+            <a:r>
+              <a:rPr lang="fr-FR" sz="3000" b="1" i="1" dirty="0"/>
+              <a:t>git log, git log –n 2 , git log –</a:t>
+            </a:r>
+            <a:r>
+              <a:rPr lang="fr-FR" sz="3000" b="1" i="1" dirty="0" err="1"/>
+              <a:t>oneline,git</a:t>
+            </a:r>
+            <a:r>
+              <a:rPr lang="fr-FR" sz="3000" b="1" i="1" dirty="0"/>
+              <a:t> log --graph, git log –p </a:t>
+            </a:r>
+            <a:r>
+              <a:rPr lang="fr-FR" sz="3000" b="1" i="1" dirty="0" smtClean="0"/>
+              <a:t>fichier</a:t>
+            </a:r>
+            <a:endParaRPr lang="fr-FR" sz="3000" dirty="0"/>
+          </a:p>
+          <a:p>
+            <a:pPr marL="811213" lvl="1" indent="-447675">
+              <a:buNone/>
+              <a:tabLst>
+                <a:tab pos="363538" algn="l"/>
+                <a:tab pos="1163638" algn="l"/>
+              </a:tabLst>
+            </a:pPr>
+            <a:r>
+              <a:rPr lang="fr-FR" sz="3000" dirty="0"/>
+              <a:t>21 qui à changé le fichier est quand et </a:t>
             </a:r>
             <a:r>
               <a:rPr lang="fr-FR" sz="3000" dirty="0" smtClean="0"/>
-              <a:t>(</a:t>
-            </a:r>
-            <a:r>
-              <a:rPr lang="fr-FR" sz="3000" dirty="0" smtClean="0"/>
-              <a:t>index-HEAD):</a:t>
+              <a:t>comment(méta-données des commits) </a:t>
             </a:r>
             <a:endParaRPr lang="fr-FR" sz="3000" dirty="0"/>
           </a:p>
           <a:p>
-            <a:pPr marL="1158875" lvl="1" indent="-347663"/>
+            <a:pPr marL="1162050" lvl="1" indent="-361950">
+              <a:tabLst>
+                <a:tab pos="363538" algn="l"/>
+                <a:tab pos="1163638" algn="l"/>
+              </a:tabLst>
+            </a:pPr>
             <a:r>
               <a:rPr lang="fr-FR" sz="3000" b="1" i="1" dirty="0"/>
               <a:t>git </a:t>
             </a:r>
             <a:r>
               <a:rPr lang="fr-FR" sz="3000" b="1" i="1" dirty="0" err="1"/>
-              <a:t>diff</a:t>
+              <a:t>blame</a:t>
             </a:r>
             <a:r>
               <a:rPr lang="fr-FR" sz="3000" b="1" i="1" dirty="0"/>
@@ -11256,170 +11991,75 @@
             </a:r>
             <a:r>
               <a:rPr lang="fr-FR" sz="3000" b="1" i="1" dirty="0" smtClean="0"/>
-              <a:t>--</a:t>
-            </a:r>
-            <a:r>
-              <a:rPr lang="fr-FR" sz="3000" b="1" i="1" dirty="0" err="1" smtClean="0"/>
-              <a:t>staged</a:t>
-            </a:r>
-            <a:endParaRPr lang="fr-FR" sz="3000" b="1" i="1" dirty="0"/>
+              <a:t> [</a:t>
+            </a:r>
+            <a:r>
+              <a:rPr lang="fr-FR" sz="3200" dirty="0" smtClean="0"/>
+              <a:t>-</a:t>
+            </a:r>
+            <a:r>
+              <a:rPr lang="fr-FR" sz="3200" dirty="0"/>
+              <a:t>L </a:t>
+            </a:r>
+            <a:r>
+              <a:rPr lang="fr-FR" sz="3200" dirty="0" err="1" smtClean="0"/>
+              <a:t>start,end</a:t>
+            </a:r>
+            <a:r>
+              <a:rPr lang="fr-FR" sz="3000" b="1" i="1" dirty="0" smtClean="0"/>
+              <a:t>] «</a:t>
+            </a:r>
+            <a:r>
+              <a:rPr lang="fr-FR" sz="3000" b="1" i="1" dirty="0"/>
+              <a:t> file </a:t>
+            </a:r>
+            <a:r>
+              <a:rPr lang="fr-FR" sz="3000" b="1" i="1" dirty="0" smtClean="0"/>
+              <a:t>»</a:t>
+            </a:r>
+            <a:endParaRPr lang="fr-FR" sz="3000" dirty="0"/>
           </a:p>
           <a:p>
             <a:pPr marL="877887" lvl="1" indent="-514350">
               <a:buFont typeface="+mj-lt"/>
-              <a:buAutoNum type="arabicPeriod" startAt="15"/>
+              <a:buAutoNum type="arabicPeriod" startAt="9"/>
             </a:pPr>
             <a:r>
               <a:rPr lang="fr-FR" sz="3000" dirty="0"/>
-              <a:t>Envoyer les modification </a:t>
-            </a:r>
-            <a:r>
-              <a:rPr lang="fr-FR" sz="3000" dirty="0" smtClean="0"/>
-              <a:t>indexés(</a:t>
-            </a:r>
-            <a:r>
-              <a:rPr lang="fr-FR" sz="3000" dirty="0" err="1" smtClean="0"/>
-              <a:t>snapshot</a:t>
-            </a:r>
-            <a:r>
-              <a:rPr lang="fr-FR" sz="3000" dirty="0" smtClean="0"/>
-              <a:t>) </a:t>
+              <a:t>Annuler </a:t>
             </a:r>
             <a:r>
               <a:rPr lang="fr-FR" sz="3000" dirty="0"/>
-              <a:t>en zone de </a:t>
-            </a:r>
-            <a:r>
-              <a:rPr lang="fr-FR" sz="3000" dirty="0" smtClean="0"/>
-              <a:t>transit(backup):</a:t>
-            </a:r>
-            <a:endParaRPr lang="fr-FR" sz="3000" dirty="0"/>
-          </a:p>
-          <a:p>
-            <a:pPr marL="1158875" lvl="1" indent="-347663"/>
-            <a:r>
-              <a:rPr lang="fr-FR" sz="3000" b="1" i="1" dirty="0">
-                <a:hlinkClick r:id="rId3" action="ppaction://hlinksldjump"/>
-              </a:rPr>
-              <a:t>git commit –m «  message»</a:t>
-            </a:r>
-            <a:endParaRPr lang="fr-FR" sz="3000" b="1" i="1" dirty="0"/>
-          </a:p>
-          <a:p>
-            <a:pPr marL="877887" lvl="1" indent="-514350">
-              <a:buFont typeface="+mj-lt"/>
-              <a:buAutoNum type="arabicPeriod" startAt="16"/>
+              <a:t>les modification dans le Répertoire de travail:</a:t>
+            </a:r>
+          </a:p>
+          <a:p>
+            <a:pPr marL="1160462" lvl="1" indent="-342900">
+              <a:lnSpc>
+                <a:spcPct val="70000"/>
+              </a:lnSpc>
             </a:pPr>
             <a:r>
               <a:rPr lang="fr-FR" sz="3000" dirty="0"/>
-              <a:t>Afficher l’historique des commits:</a:t>
-            </a:r>
-          </a:p>
-          <a:p>
-            <a:pPr marL="1158875" lvl="1" indent="-347663"/>
-            <a:r>
-              <a:rPr lang="fr-FR" sz="3000" b="1" i="1" dirty="0"/>
-              <a:t>git log, git log –n 2 , git log –</a:t>
-            </a:r>
-            <a:r>
-              <a:rPr lang="fr-FR" sz="3000" b="1" i="1" dirty="0" err="1" smtClean="0"/>
-              <a:t>oneline,git</a:t>
-            </a:r>
-            <a:r>
-              <a:rPr lang="fr-FR" sz="3000" b="1" i="1" dirty="0" smtClean="0"/>
-              <a:t> log --graph, git </a:t>
-            </a:r>
-            <a:r>
-              <a:rPr lang="fr-FR" sz="3000" b="1" i="1" dirty="0"/>
-              <a:t>log –p </a:t>
-            </a:r>
-            <a:r>
-              <a:rPr lang="fr-FR" sz="3000" b="1" i="1" dirty="0" smtClean="0"/>
-              <a:t>fichier</a:t>
-            </a:r>
-            <a:endParaRPr lang="fr-FR" sz="3000" b="1" i="1" dirty="0"/>
-          </a:p>
-          <a:p>
-            <a:pPr marL="877887" lvl="1" indent="-514350">
-              <a:buFont typeface="+mj-lt"/>
-              <a:buAutoNum type="arabicPeriod" startAt="17"/>
-            </a:pPr>
+              <a:t>git </a:t>
+            </a:r>
+            <a:r>
+              <a:rPr lang="fr-FR" sz="3000" dirty="0" err="1"/>
+              <a:t>checkout</a:t>
+            </a:r>
             <a:r>
               <a:rPr lang="fr-FR" sz="3000" dirty="0"/>
-              <a:t>supprimer toutes les </a:t>
-            </a:r>
-            <a:r>
-              <a:rPr lang="fr-FR" sz="3000" dirty="0" smtClean="0"/>
-              <a:t>commites (historique) </a:t>
-            </a:r>
-            <a:r>
-              <a:rPr lang="fr-FR" sz="3000" dirty="0"/>
-              <a:t>postérieurs à « </a:t>
-            </a:r>
-            <a:r>
-              <a:rPr lang="fr-FR" sz="3000" dirty="0" err="1" smtClean="0"/>
-              <a:t>commit_hash</a:t>
-            </a:r>
-            <a:r>
-              <a:rPr lang="fr-FR" sz="3000" dirty="0"/>
-              <a:t> » mais garde l’espace de travail </a:t>
-            </a:r>
-            <a:r>
-              <a:rPr lang="fr-FR" sz="3000" dirty="0" smtClean="0"/>
-              <a:t>intacte(</a:t>
-            </a:r>
-            <a:r>
-              <a:rPr lang="fr-FR" sz="3000" dirty="0" smtClean="0">
-                <a:solidFill>
-                  <a:srgbClr val="FF0000"/>
-                </a:solidFill>
-              </a:rPr>
-              <a:t>danger</a:t>
-            </a:r>
-            <a:r>
-              <a:rPr lang="fr-FR" sz="3000" dirty="0" smtClean="0"/>
-              <a:t>).</a:t>
-            </a:r>
-            <a:endParaRPr lang="fr-FR" sz="3000" dirty="0"/>
-          </a:p>
-          <a:p>
-            <a:pPr marL="1158875" lvl="1" indent="-347663"/>
-            <a:r>
-              <a:rPr lang="fr-FR" sz="3000" b="1" i="1" dirty="0"/>
-              <a:t>git reset </a:t>
-            </a:r>
-            <a:r>
-              <a:rPr lang="fr-FR" sz="3000" b="1" i="1" dirty="0" err="1"/>
-              <a:t>commit_hash</a:t>
-            </a:r>
-            <a:r>
-              <a:rPr lang="fr-FR" sz="3000" b="1" i="1" dirty="0"/>
-              <a:t> ,git reset HEAD^ (</a:t>
-            </a:r>
-            <a:r>
-              <a:rPr lang="fr-FR" sz="3000" b="1" i="1" dirty="0" err="1"/>
-              <a:t>soft,mixes,hard</a:t>
-            </a:r>
-            <a:r>
-              <a:rPr lang="fr-FR" sz="3000" b="1" i="1" dirty="0"/>
-              <a:t>)</a:t>
-            </a:r>
-          </a:p>
-          <a:p>
-            <a:pPr marL="1160462" lvl="1" indent="-342900"/>
-            <a:endParaRPr lang="fr-FR" sz="2800" dirty="0"/>
-          </a:p>
-          <a:p>
-            <a:pPr marL="817562" lvl="1" indent="0">
-              <a:buNone/>
-            </a:pPr>
-            <a:endParaRPr lang="fr-FR" b="1" i="1" dirty="0" smtClean="0"/>
+              <a:t>  --  « fichier », git restore « fichier »</a:t>
+            </a:r>
+          </a:p>
+          <a:p>
+            <a:endParaRPr lang="fr-FR" dirty="0"/>
           </a:p>
         </p:txBody>
       </p:sp>
       <p:sp>
         <p:nvSpPr>
-          <p:cNvPr id="5" name="Titre 1"/>
+          <p:cNvPr id="4" name="Titre 1"/>
           <p:cNvSpPr>
             <a:spLocks noGrp="1"/>
           </p:cNvSpPr>
@@ -11455,20 +12095,13 @@
     </p:spTree>
     <p:extLst>
       <p:ext uri="{BB962C8B-B14F-4D97-AF65-F5344CB8AC3E}">
-        <p14:creationId xmlns:p14="http://schemas.microsoft.com/office/powerpoint/2010/main" val="3375970332"/>
+        <p14:creationId xmlns:p14="http://schemas.microsoft.com/office/powerpoint/2010/main" val="3735215091"/>
       </p:ext>
     </p:extLst>
   </p:cSld>
   <p:clrMapOvr>
     <a:masterClrMapping/>
   </p:clrMapOvr>
-  <p:timing>
-    <p:tnLst>
-      <p:par>
-        <p:cTn id="1" dur="indefinite" restart="never" nodeType="tmRoot"/>
-      </p:par>
-    </p:tnLst>
-  </p:timing>
 </p:sld>
 </file>
 
@@ -11491,18 +12124,18 @@
       </p:grpSpPr>
       <p:sp>
         <p:nvSpPr>
-          <p:cNvPr id="2" name="Titre 1"/>
+          <p:cNvPr id="3" name="Espace réservé du contenu 2"/>
           <p:cNvSpPr>
             <a:spLocks noGrp="1"/>
           </p:cNvSpPr>
           <p:nvPr>
-            <p:ph type="title"/>
+            <p:ph idx="1"/>
           </p:nvPr>
         </p:nvSpPr>
         <p:spPr>
           <a:xfrm>
-            <a:off x="2744856" y="-9115"/>
-            <a:ext cx="6702287" cy="795855"/>
+            <a:off x="0" y="914399"/>
+            <a:ext cx="12192000" cy="5943601"/>
           </a:xfrm>
         </p:spPr>
         <p:txBody>
@@ -11511,61 +12144,177 @@
           </a:bodyPr>
           <a:lstStyle/>
           <a:p>
-            <a:pPr algn="ctr"/>
-            <a:r>
-              <a:rPr lang="fr-FR" sz="4000" b="1" dirty="0"/>
-              <a:t>Les commandes de </a:t>
-            </a:r>
-            <a:r>
-              <a:rPr lang="fr-FR" sz="4000" b="1" dirty="0" smtClean="0"/>
-              <a:t>base (Suite)</a:t>
-            </a:r>
-            <a:endParaRPr lang="fr-FR" sz="4000" b="1" dirty="0"/>
-          </a:p>
-        </p:txBody>
-      </p:sp>
-      <p:sp>
-        <p:nvSpPr>
-          <p:cNvPr id="3" name="Espace réservé du contenu 2"/>
-          <p:cNvSpPr>
-            <a:spLocks noGrp="1"/>
-          </p:cNvSpPr>
-          <p:nvPr>
-            <p:ph idx="1"/>
-          </p:nvPr>
-        </p:nvSpPr>
-        <p:spPr>
-          <a:xfrm>
-            <a:off x="0" y="1116280"/>
-            <a:ext cx="12192000" cy="5533902"/>
-          </a:xfrm>
-        </p:spPr>
-        <p:txBody>
-          <a:bodyPr>
-            <a:normAutofit lnSpcReduction="10000"/>
-          </a:bodyPr>
-          <a:lstStyle/>
+            <a:pPr marL="969963" lvl="1" indent="-609600">
+              <a:buFont typeface="+mj-lt"/>
+              <a:buAutoNum type="arabicPeriod" startAt="11"/>
+            </a:pPr>
+            <a:r>
+              <a:rPr lang="fr-FR" sz="2800" dirty="0" smtClean="0"/>
+              <a:t>Inverse </a:t>
+            </a:r>
+            <a:r>
+              <a:rPr lang="fr-FR" sz="2800" dirty="0"/>
+              <a:t>les changement s d’un commit  et ajout un commit opposée</a:t>
+            </a:r>
+          </a:p>
+          <a:p>
+            <a:pPr marL="1274762" lvl="1" indent="-457200"/>
+            <a:r>
+              <a:rPr lang="fr-FR" sz="2800" b="1" i="1" dirty="0"/>
+              <a:t>git </a:t>
+            </a:r>
+            <a:r>
+              <a:rPr lang="fr-FR" sz="2800" b="1" i="1" dirty="0" err="1"/>
+              <a:t>revert</a:t>
+            </a:r>
+            <a:r>
+              <a:rPr lang="fr-FR" sz="2800" b="1" i="1" dirty="0"/>
+              <a:t> « commit hash »;</a:t>
+            </a:r>
+            <a:r>
+              <a:rPr lang="fr-FR" sz="2800" dirty="0"/>
+              <a:t> </a:t>
+            </a:r>
+            <a:r>
+              <a:rPr lang="fr-FR" sz="2800" b="1" i="1" dirty="0"/>
+              <a:t>git </a:t>
+            </a:r>
+            <a:r>
+              <a:rPr lang="fr-FR" sz="2800" b="1" i="1" dirty="0" err="1"/>
+              <a:t>revert</a:t>
+            </a:r>
+            <a:r>
+              <a:rPr lang="fr-FR" sz="2800" b="1" i="1" dirty="0"/>
+              <a:t> HEAD  (Exp4</a:t>
+            </a:r>
+            <a:r>
+              <a:rPr lang="fr-FR" sz="2800" b="1" i="1" dirty="0" smtClean="0"/>
+              <a:t>)</a:t>
+            </a:r>
+            <a:endParaRPr lang="fr-FR" sz="2800" b="1" i="1" dirty="0"/>
+          </a:p>
+          <a:p>
+            <a:pPr marL="877887" lvl="1" indent="-514350">
+              <a:buFont typeface="+mj-lt"/>
+              <a:buAutoNum type="arabicPeriod" startAt="16"/>
+            </a:pPr>
+            <a:r>
+              <a:rPr lang="fr-FR" sz="2800" dirty="0" smtClean="0"/>
+              <a:t>supprimer les </a:t>
+            </a:r>
+            <a:r>
+              <a:rPr lang="fr-FR" sz="2800" dirty="0"/>
+              <a:t>commites</a:t>
+            </a:r>
+            <a:r>
+              <a:rPr lang="fr-FR" sz="2800" dirty="0"/>
+              <a:t> (historique) </a:t>
+            </a:r>
+            <a:r>
+              <a:rPr lang="fr-FR" sz="2800" dirty="0"/>
+              <a:t>postérieurs à </a:t>
+            </a:r>
+            <a:r>
+              <a:rPr lang="fr-FR" sz="2800" dirty="0"/>
+              <a:t>« </a:t>
+            </a:r>
+            <a:r>
+              <a:rPr lang="fr-FR" sz="2800" dirty="0" err="1" smtClean="0"/>
+              <a:t>commit_hash</a:t>
+            </a:r>
+            <a:r>
+              <a:rPr lang="fr-FR" sz="2800" dirty="0"/>
+              <a:t> » </a:t>
+            </a:r>
+            <a:r>
+              <a:rPr lang="fr-FR" sz="3000" dirty="0"/>
+              <a:t>mais garde l’espace de travail </a:t>
+            </a:r>
+            <a:r>
+              <a:rPr lang="fr-FR" sz="3000" dirty="0" smtClean="0"/>
+              <a:t>intacte(</a:t>
+            </a:r>
+            <a:r>
+              <a:rPr lang="fr-FR" sz="3000" dirty="0" smtClean="0">
+                <a:solidFill>
+                  <a:srgbClr val="FF0000"/>
+                </a:solidFill>
+              </a:rPr>
+              <a:t>danger</a:t>
+            </a:r>
+            <a:r>
+              <a:rPr lang="fr-FR" sz="3000" dirty="0" smtClean="0"/>
+              <a:t>).</a:t>
+            </a:r>
+            <a:endParaRPr lang="fr-FR" sz="3000" dirty="0"/>
+          </a:p>
+          <a:p>
+            <a:pPr marL="1158875" lvl="1" indent="-347663"/>
+            <a:r>
+              <a:rPr lang="fr-FR" sz="3000" b="1" i="1" dirty="0"/>
+              <a:t>git reset </a:t>
+            </a:r>
+            <a:r>
+              <a:rPr lang="fr-FR" sz="3000" b="1" i="1" dirty="0" err="1"/>
+              <a:t>commit_hash</a:t>
+            </a:r>
+            <a:r>
+              <a:rPr lang="fr-FR" sz="3000" b="1" i="1" dirty="0"/>
+              <a:t> ,git reset HEAD^ (</a:t>
+            </a:r>
+            <a:r>
+              <a:rPr lang="fr-FR" sz="3000" b="1" i="1" dirty="0" err="1"/>
+              <a:t>soft,mixes,hard</a:t>
+            </a:r>
+            <a:r>
+              <a:rPr lang="fr-FR" sz="3000" b="1" i="1" dirty="0" smtClean="0"/>
+              <a:t>)</a:t>
+            </a:r>
+          </a:p>
+          <a:p>
+            <a:pPr marL="1158875" lvl="1" indent="-347663"/>
+            <a:r>
+              <a:rPr lang="fr-FR" sz="3200" b="1" i="1" dirty="0" smtClean="0"/>
+              <a:t>git </a:t>
+            </a:r>
+            <a:r>
+              <a:rPr lang="fr-FR" sz="3200" b="1" i="1" dirty="0"/>
+              <a:t>reset –(soft/</a:t>
+            </a:r>
+            <a:r>
+              <a:rPr lang="fr-FR" sz="3200" b="1" i="1" dirty="0" err="1"/>
+              <a:t>mixed,hard</a:t>
+            </a:r>
+            <a:r>
+              <a:rPr lang="fr-FR" sz="3200" b="1" i="1" dirty="0"/>
+              <a:t>);git reset HEAD  « </a:t>
+            </a:r>
+            <a:r>
+              <a:rPr lang="fr-FR" sz="3200" b="1" i="1" dirty="0" err="1"/>
+              <a:t>filename</a:t>
+            </a:r>
+            <a:r>
+              <a:rPr lang="fr-FR" sz="3200" b="1" i="1" dirty="0"/>
+              <a:t> </a:t>
+            </a:r>
+            <a:r>
+              <a:rPr lang="fr-FR" sz="3200" b="1" i="1" dirty="0" smtClean="0"/>
+              <a:t>»</a:t>
+            </a:r>
+            <a:endParaRPr lang="fr-FR" sz="3000" b="1" i="1" dirty="0" smtClean="0"/>
+          </a:p>
           <a:p>
             <a:pPr marL="877887" lvl="1" indent="-514350">
               <a:lnSpc>
                 <a:spcPct val="70000"/>
               </a:lnSpc>
               <a:buFont typeface="+mj-lt"/>
-              <a:buAutoNum type="arabicPeriod" startAt="18"/>
-            </a:pPr>
-            <a:r>
-              <a:rPr lang="fr-FR" sz="2800" dirty="0" smtClean="0"/>
-              <a:t>Navigué </a:t>
-            </a:r>
+              <a:buAutoNum type="arabicPeriod" startAt="17"/>
+            </a:pPr>
             <a:r>
               <a:rPr lang="fr-FR" sz="2800" dirty="0"/>
-              <a:t>dans l’historique des </a:t>
-            </a:r>
-            <a:r>
-              <a:rPr lang="fr-FR" sz="2800" dirty="0" smtClean="0"/>
-              <a:t>commit (voir le contenu avent un commit ):</a:t>
-            </a:r>
-            <a:endParaRPr lang="fr-FR" sz="2800" dirty="0"/>
+              <a:t>Navigué dans l’historique des commit (voir le contenu avent un commit ):</a:t>
+            </a:r>
           </a:p>
           <a:p>
             <a:pPr marL="1158875" lvl="1" indent="-347663">
@@ -11574,102 +12323,56 @@
               </a:lnSpc>
             </a:pPr>
             <a:r>
-              <a:rPr lang="fr-FR" sz="2600" b="1" i="1" dirty="0"/>
-              <a:t>git checkout « </a:t>
-            </a:r>
-            <a:r>
-              <a:rPr lang="fr-FR" sz="2600" b="1" i="1" dirty="0" err="1" smtClean="0"/>
+              <a:rPr lang="fr-FR" sz="2800" b="1" i="1" dirty="0"/>
+              <a:t>git </a:t>
+            </a:r>
+            <a:r>
+              <a:rPr lang="fr-FR" sz="2800" b="1" i="1" dirty="0" err="1"/>
+              <a:t>checkout</a:t>
+            </a:r>
+            <a:r>
+              <a:rPr lang="fr-FR" sz="2800" b="1" i="1" dirty="0"/>
+              <a:t> « </a:t>
+            </a:r>
+            <a:r>
+              <a:rPr lang="fr-FR" sz="2800" b="1" i="1" dirty="0" err="1"/>
               <a:t>commit_hash</a:t>
             </a:r>
             <a:r>
-              <a:rPr lang="fr-FR" sz="2600" b="1" i="1" dirty="0"/>
-              <a:t> », </a:t>
-            </a:r>
-            <a:r>
-              <a:rPr lang="fr-FR" sz="2600" b="1" i="1" dirty="0" smtClean="0"/>
-              <a:t>git checkout «  </a:t>
-            </a:r>
-            <a:r>
-              <a:rPr lang="fr-FR" sz="2600" b="1" i="1" dirty="0" err="1" smtClean="0"/>
-              <a:t>commit_hash</a:t>
-            </a:r>
-            <a:r>
-              <a:rPr lang="fr-FR" sz="2600" b="1" i="1" dirty="0" smtClean="0"/>
-              <a:t>» «</a:t>
-            </a:r>
-            <a:r>
-              <a:rPr lang="fr-FR" sz="2600" b="1" i="1" dirty="0"/>
+              <a:rPr lang="fr-FR" sz="2800" b="1" i="1" dirty="0"/>
               <a:t> </a:t>
             </a:r>
             <a:r>
-              <a:rPr lang="fr-FR" sz="2600" b="1" i="1" dirty="0" smtClean="0"/>
-              <a:t>fichier</a:t>
-            </a:r>
-            <a:r>
-              <a:rPr lang="fr-FR" sz="2600" b="1" i="1" dirty="0"/>
-              <a:t> »</a:t>
-            </a:r>
-          </a:p>
-          <a:p>
-            <a:pPr marL="893763" lvl="1" indent="-530225">
+              <a:rPr lang="fr-FR" sz="2800" b="1" i="1" dirty="0" smtClean="0"/>
+              <a:t>» [ </a:t>
+            </a:r>
+            <a:r>
+              <a:rPr lang="fr-FR" sz="2800" b="1" i="1" dirty="0"/>
+              <a:t>« fichier </a:t>
+            </a:r>
+            <a:r>
+              <a:rPr lang="fr-FR" sz="2800" b="1" i="1" dirty="0" smtClean="0"/>
+              <a:t>»]</a:t>
+            </a:r>
+          </a:p>
+          <a:p>
+            <a:pPr marL="962025" lvl="1" indent="-598488">
               <a:buFont typeface="+mj-lt"/>
-              <a:buAutoNum type="arabicPeriod" startAt="19"/>
-            </a:pPr>
-            <a:r>
-              <a:rPr lang="fr-FR" sz="2800" dirty="0"/>
-              <a:t>défit un commit (supprimer les changements de ce commit</a:t>
-            </a:r>
-            <a:r>
-              <a:rPr lang="fr-FR" sz="2800" dirty="0" smtClean="0"/>
-              <a:t>)</a:t>
-            </a:r>
-          </a:p>
-          <a:p>
-            <a:pPr marL="820738" lvl="1" indent="-9525">
+              <a:buAutoNum type="arabicPeriod" startAt="18"/>
               <a:tabLst>
                 <a:tab pos="811213" algn="l"/>
                 <a:tab pos="1163638" algn="l"/>
               </a:tabLst>
             </a:pPr>
             <a:r>
+              <a:rPr lang="fr-FR" sz="2800" dirty="0"/>
+              <a:t>Voir les détails d’un commit(contribution</a:t>
+            </a:r>
+            <a:r>
               <a:rPr lang="fr-FR" sz="2800" dirty="0" smtClean="0"/>
-              <a:t>	</a:t>
-            </a:r>
-            <a:r>
-              <a:rPr lang="fr-FR" sz="2600" b="1" i="1" dirty="0"/>
-              <a:t>git </a:t>
-            </a:r>
-            <a:r>
-              <a:rPr lang="fr-FR" sz="2600" b="1" i="1" dirty="0" err="1"/>
-              <a:t>revert</a:t>
-            </a:r>
-            <a:r>
-              <a:rPr lang="fr-FR" sz="2600" b="1" i="1" dirty="0"/>
-              <a:t> </a:t>
-            </a:r>
-            <a:r>
-              <a:rPr lang="fr-FR" sz="2600" b="1" i="1" dirty="0" err="1" smtClean="0"/>
-              <a:t>commit_hash</a:t>
-            </a:r>
-            <a:r>
-              <a:rPr lang="fr-FR" sz="2600" b="1" i="1" dirty="0"/>
-              <a:t> </a:t>
-            </a:r>
-            <a:endParaRPr lang="fr-FR" sz="2600" b="1" i="1" dirty="0" smtClean="0"/>
-          </a:p>
-          <a:p>
-            <a:pPr marL="962025" lvl="1" indent="-598488">
-              <a:buFont typeface="+mj-lt"/>
-              <a:buAutoNum type="arabicPeriod" startAt="20"/>
-              <a:tabLst>
-                <a:tab pos="811213" algn="l"/>
-                <a:tab pos="1163638" algn="l"/>
-              </a:tabLst>
-            </a:pPr>
-            <a:r>
-              <a:rPr lang="fr-FR" sz="2800" dirty="0"/>
-              <a:t>Voir les détails d’un commit(contribution)</a:t>
-            </a:r>
+              <a:t>):</a:t>
+            </a:r>
+            <a:endParaRPr lang="fr-FR" sz="2800" dirty="0"/>
           </a:p>
           <a:p>
             <a:pPr marL="1169988" lvl="1" indent="-365125">
@@ -11679,282 +12382,78 @@
               </a:tabLst>
             </a:pPr>
             <a:r>
-              <a:rPr lang="fr-FR" sz="2600" b="1" i="1" dirty="0"/>
+              <a:rPr lang="fr-FR" sz="2800" b="1" i="1" dirty="0"/>
               <a:t>git show « </a:t>
             </a:r>
             <a:r>
-              <a:rPr lang="fr-FR" sz="2600" b="1" i="1" dirty="0" err="1"/>
+              <a:rPr lang="fr-FR" sz="2800" b="1" i="1" dirty="0" err="1"/>
               <a:t>commit_hash</a:t>
             </a:r>
             <a:r>
-              <a:rPr lang="fr-FR" sz="2600" b="1" i="1" dirty="0"/>
-              <a:t> »</a:t>
-            </a:r>
-          </a:p>
-          <a:p>
-            <a:pPr marL="811213" lvl="1" indent="-447675">
+              <a:rPr lang="fr-FR" sz="2800" b="1" i="1" dirty="0"/>
+              <a:t> </a:t>
+            </a:r>
+            <a:r>
+              <a:rPr lang="fr-FR" sz="2800" b="1" i="1" dirty="0" smtClean="0"/>
+              <a:t>»</a:t>
+            </a:r>
+            <a:endParaRPr lang="fr-FR" sz="2800" b="1" i="1" dirty="0"/>
+          </a:p>
+          <a:p>
+            <a:pPr marL="1158875" lvl="1" indent="-347663"/>
+            <a:endParaRPr lang="fr-FR" sz="3000" b="1" i="1" dirty="0"/>
+          </a:p>
+          <a:p>
+            <a:pPr marL="1160462" lvl="1" indent="-342900"/>
+            <a:endParaRPr lang="fr-FR" sz="2800" dirty="0"/>
+          </a:p>
+          <a:p>
+            <a:pPr marL="817562" lvl="1" indent="0">
               <a:buNone/>
-              <a:tabLst>
-                <a:tab pos="363538" algn="l"/>
-                <a:tab pos="1163638" algn="l"/>
-              </a:tabLst>
-            </a:pPr>
-            <a:r>
-              <a:rPr lang="fr-FR" sz="2800" dirty="0" smtClean="0"/>
-              <a:t>21 </a:t>
-            </a:r>
-            <a:r>
-              <a:rPr lang="fr-FR" sz="2800" dirty="0"/>
-              <a:t>qui à changé le </a:t>
-            </a:r>
-            <a:r>
-              <a:rPr lang="fr-FR" sz="2800" dirty="0" err="1" smtClean="0"/>
-              <a:t>fichierest</a:t>
-            </a:r>
-            <a:r>
-              <a:rPr lang="fr-FR" sz="2800" dirty="0" smtClean="0"/>
-              <a:t> quand et quoi </a:t>
-            </a:r>
-          </a:p>
-          <a:p>
-            <a:pPr marL="1162050" lvl="1" indent="-361950">
-              <a:tabLst>
-                <a:tab pos="363538" algn="l"/>
-                <a:tab pos="1163638" algn="l"/>
-              </a:tabLst>
-            </a:pPr>
-            <a:r>
-              <a:rPr lang="fr-FR" sz="2800" b="1" i="1" dirty="0" smtClean="0"/>
-              <a:t>git </a:t>
-            </a:r>
-            <a:r>
-              <a:rPr lang="fr-FR" sz="2800" b="1" i="1" dirty="0" err="1" smtClean="0"/>
-              <a:t>blame</a:t>
-            </a:r>
-            <a:r>
-              <a:rPr lang="fr-FR" sz="2800" b="1" i="1" dirty="0" smtClean="0"/>
-              <a:t> « file »</a:t>
-            </a:r>
-            <a:endParaRPr lang="fr-FR" sz="2600" b="1" i="1" dirty="0" smtClean="0"/>
-          </a:p>
-          <a:p>
-            <a:pPr marL="962025" lvl="1" indent="-598488">
-              <a:buFont typeface="+mj-lt"/>
-              <a:buAutoNum type="arabicPeriod" startAt="20"/>
-              <a:tabLst>
-                <a:tab pos="363538" algn="l"/>
-                <a:tab pos="811213" algn="l"/>
-                <a:tab pos="1163638" algn="l"/>
-              </a:tabLst>
-            </a:pPr>
-            <a:r>
-              <a:rPr lang="fr-FR" sz="2800" dirty="0" smtClean="0"/>
-              <a:t>Sauvegardé </a:t>
-            </a:r>
-            <a:r>
-              <a:rPr lang="fr-FR" sz="2800" dirty="0"/>
-              <a:t>un travail puis le </a:t>
-            </a:r>
-            <a:r>
-              <a:rPr lang="fr-FR" sz="2800" dirty="0" smtClean="0"/>
-              <a:t>reprendre</a:t>
-            </a:r>
-          </a:p>
-          <a:p>
-            <a:pPr marL="819150" lvl="1" indent="-7938">
-              <a:tabLst>
-                <a:tab pos="363538" algn="l"/>
-                <a:tab pos="811213" algn="l"/>
-                <a:tab pos="1163638" algn="l"/>
-              </a:tabLst>
-            </a:pPr>
-            <a:r>
-              <a:rPr lang="fr-FR" sz="2600" b="1" i="1" dirty="0"/>
-              <a:t>	git </a:t>
-            </a:r>
-            <a:r>
-              <a:rPr lang="fr-FR" sz="2600" b="1" i="1" dirty="0" err="1" smtClean="0"/>
-              <a:t>stash</a:t>
-            </a:r>
-            <a:endParaRPr lang="fr-FR" sz="2600" b="1" i="1" dirty="0" smtClean="0"/>
-          </a:p>
-          <a:p>
-            <a:pPr marL="962025" lvl="1" indent="-598488">
-              <a:buFont typeface="+mj-lt"/>
-              <a:buAutoNum type="arabicPeriod" startAt="20"/>
-              <a:tabLst>
-                <a:tab pos="363538" algn="l"/>
-                <a:tab pos="811213" algn="l"/>
-                <a:tab pos="1163638" algn="l"/>
-              </a:tabLst>
-            </a:pPr>
-            <a:r>
-              <a:rPr lang="fr-FR" sz="2800" dirty="0"/>
-              <a:t>Reprendre un travail qui à été suspendu</a:t>
-            </a:r>
-          </a:p>
-          <a:p>
-            <a:pPr marL="819150" lvl="1" indent="-7938">
-              <a:tabLst>
-                <a:tab pos="363538" algn="l"/>
-                <a:tab pos="811213" algn="l"/>
-                <a:tab pos="1163638" algn="l"/>
-              </a:tabLst>
-            </a:pPr>
-            <a:r>
-              <a:rPr lang="fr-FR" sz="2600" b="1" i="1" dirty="0" smtClean="0"/>
-              <a:t>git </a:t>
-            </a:r>
-            <a:r>
-              <a:rPr lang="fr-FR" sz="2600" b="1" i="1" dirty="0" err="1" smtClean="0"/>
-              <a:t>stash</a:t>
-            </a:r>
-            <a:r>
-              <a:rPr lang="fr-FR" sz="2600" b="1" i="1" dirty="0" smtClean="0"/>
-              <a:t> pop</a:t>
-            </a:r>
-          </a:p>
-          <a:p>
-            <a:pPr marL="962025" lvl="1" indent="-598488">
-              <a:lnSpc>
-                <a:spcPct val="100000"/>
-              </a:lnSpc>
-              <a:buFont typeface="+mj-lt"/>
-              <a:buAutoNum type="arabicPeriod" startAt="20"/>
-              <a:tabLst>
-                <a:tab pos="363538" algn="l"/>
-                <a:tab pos="811213" algn="l"/>
-                <a:tab pos="1163638" algn="l"/>
-              </a:tabLst>
-            </a:pPr>
-            <a:r>
-              <a:rPr lang="fr-FR" sz="2800" dirty="0"/>
-              <a:t>Supprimé un </a:t>
-            </a:r>
-            <a:r>
-              <a:rPr lang="fr-FR" sz="2800" dirty="0" err="1"/>
-              <a:t>stash</a:t>
-            </a:r>
-            <a:r>
-              <a:rPr lang="fr-FR" sz="2800" dirty="0"/>
-              <a:t> </a:t>
-            </a:r>
-          </a:p>
-          <a:p>
-            <a:pPr marL="819150" lvl="1" indent="-7938">
-              <a:tabLst>
-                <a:tab pos="363538" algn="l"/>
-                <a:tab pos="811213" algn="l"/>
-                <a:tab pos="1163638" algn="l"/>
-              </a:tabLst>
-            </a:pPr>
-            <a:r>
-              <a:rPr lang="fr-FR" sz="2600" b="1" i="1" dirty="0" smtClean="0"/>
-              <a:t>Git </a:t>
-            </a:r>
-            <a:r>
-              <a:rPr lang="fr-FR" sz="2600" b="1" i="1" dirty="0" err="1" smtClean="0"/>
-              <a:t>stash</a:t>
-            </a:r>
-            <a:r>
-              <a:rPr lang="fr-FR" sz="2600" b="1" i="1" dirty="0" smtClean="0"/>
-              <a:t> drop</a:t>
-            </a:r>
+            </a:pPr>
+            <a:endParaRPr lang="fr-FR" b="1" i="1" dirty="0" smtClean="0"/>
           </a:p>
         </p:txBody>
       </p:sp>
       <p:sp>
         <p:nvSpPr>
-          <p:cNvPr id="4" name="Rectangle 2"/>
+          <p:cNvPr id="5" name="Titre 1"/>
           <p:cNvSpPr>
-            <a:spLocks noChangeArrowheads="1"/>
+            <a:spLocks noGrp="1"/>
           </p:cNvSpPr>
-          <p:nvPr/>
-        </p:nvSpPr>
-        <p:spPr bwMode="auto">
+          <p:nvPr>
+            <p:ph type="title"/>
+          </p:nvPr>
+        </p:nvSpPr>
+        <p:spPr>
           <a:xfrm>
-            <a:off x="0" y="0"/>
-            <a:ext cx="12192000" cy="457200"/>
+            <a:off x="2738229" y="0"/>
+            <a:ext cx="6715539" cy="795855"/>
           </a:xfrm>
-          <a:prstGeom prst="rect">
-            <a:avLst/>
-          </a:prstGeom>
-          <a:noFill/>
-          <a:ln>
-            <a:noFill/>
-          </a:ln>
-          <a:effectLst/>
-          <a:extLst>
-            <a:ext uri="{909E8E84-426E-40DD-AFC4-6F175D3DCCD1}">
-              <a14:hiddenFill xmlns:a14="http://schemas.microsoft.com/office/drawing/2010/main">
-                <a:solidFill>
-                  <a:schemeClr val="accent1"/>
-                </a:solidFill>
-              </a14:hiddenFill>
-            </a:ext>
-            <a:ext uri="{91240B29-F687-4F45-9708-019B960494DF}">
-              <a14:hiddenLine xmlns:a14="http://schemas.microsoft.com/office/drawing/2010/main" w="9525">
-                <a:solidFill>
-                  <a:schemeClr val="tx1"/>
-                </a:solidFill>
-                <a:miter lim="800000"/>
-                <a:headEnd/>
-                <a:tailEnd/>
-              </a14:hiddenLine>
-            </a:ext>
-            <a:ext uri="{AF507438-7753-43E0-B8FC-AC1667EBCBE1}">
-              <a14:hiddenEffects xmlns:a14="http://schemas.microsoft.com/office/drawing/2010/main">
-                <a:effectLst>
-                  <a:outerShdw dist="35921" dir="2700000" algn="ctr" rotWithShape="0">
-                    <a:schemeClr val="bg2"/>
-                  </a:outerShdw>
-                </a:effectLst>
-              </a14:hiddenEffects>
-            </a:ext>
-          </a:extLst>
         </p:spPr>
         <p:txBody>
-          <a:bodyPr vert="horz" wrap="none" lIns="91440" tIns="45720" rIns="91440" bIns="45720" numCol="1" anchor="ctr" anchorCtr="0" compatLnSpc="1">
-            <a:prstTxWarp prst="textNoShape">
-              <a:avLst/>
-            </a:prstTxWarp>
-            <a:spAutoFit/>
+          <a:bodyPr>
+            <a:normAutofit/>
           </a:bodyPr>
           <a:lstStyle/>
           <a:p>
-            <a:pPr marL="0" marR="0" lvl="0" indent="0" algn="l" defTabSz="914400" rtl="0" eaLnBrk="0" fontAlgn="base" latinLnBrk="0" hangingPunct="0">
-              <a:lnSpc>
-                <a:spcPct val="100000"/>
-              </a:lnSpc>
-              <a:spcBef>
-                <a:spcPct val="0"/>
-              </a:spcBef>
-              <a:spcAft>
-                <a:spcPct val="0"/>
-              </a:spcAft>
-              <a:buClrTx/>
-              <a:buSzTx/>
-              <a:buFontTx/>
-              <a:buNone/>
-              <a:tabLst/>
-            </a:pPr>
-            <a:endParaRPr kumimoji="0" lang="fr-FR" altLang="fr-FR" sz="1800" b="0" i="0" u="none" strike="noStrike" cap="none" normalizeH="0" baseline="0" smtClean="0">
-              <a:ln>
-                <a:noFill/>
-              </a:ln>
-              <a:solidFill>
-                <a:schemeClr val="tx1"/>
-              </a:solidFill>
-              <a:effectLst/>
-              <a:latin typeface="Arial" panose="020B0604020202020204" pitchFamily="34" charset="0"/>
-            </a:endParaRPr>
+            <a:pPr algn="ctr"/>
+            <a:r>
+              <a:rPr lang="fr-FR" sz="4000" b="1" dirty="0"/>
+              <a:t>Les commandes de </a:t>
+            </a:r>
+            <a:r>
+              <a:rPr lang="fr-FR" sz="4000" b="1" dirty="0" smtClean="0"/>
+              <a:t>base (Suite)</a:t>
+            </a:r>
+            <a:endParaRPr lang="fr-FR" sz="4000" b="1" dirty="0"/>
           </a:p>
         </p:txBody>
       </p:sp>
     </p:spTree>
     <p:extLst>
       <p:ext uri="{BB962C8B-B14F-4D97-AF65-F5344CB8AC3E}">
-        <p14:creationId xmlns:p14="http://schemas.microsoft.com/office/powerpoint/2010/main" val="3328790107"/>
+        <p14:creationId xmlns:p14="http://schemas.microsoft.com/office/powerpoint/2010/main" val="3375970332"/>
       </p:ext>
     </p:extLst>
   </p:cSld>
@@ -16809,7 +17308,7 @@
         </p:nvSpPr>
         <p:spPr>
           <a:xfrm>
-            <a:off x="154379" y="587923"/>
+            <a:off x="77189" y="362292"/>
             <a:ext cx="12037621" cy="6495708"/>
           </a:xfrm>
         </p:spPr>
@@ -16966,8 +17465,23 @@
             </a:r>
             <a:r>
               <a:rPr lang="fr-FR" sz="2800" dirty="0"/>
-              <a:t>(staged)  (prêt pour le prochaine commit)</a:t>
-            </a:r>
+              <a:t>(staged)  (prêt pour le prochaine commit</a:t>
+            </a:r>
+            <a:r>
+              <a:rPr lang="fr-FR" sz="2800" dirty="0" smtClean="0"/>
+              <a:t>)</a:t>
+            </a:r>
+          </a:p>
+          <a:p>
+            <a:pPr marL="685800" indent="-342900" algn="l">
+              <a:buFont typeface="Arial" panose="020B0604020202020204" pitchFamily="34" charset="0"/>
+              <a:buChar char="•"/>
+            </a:pPr>
+            <a:r>
+              <a:rPr lang="fr-FR" sz="2800" dirty="0" smtClean="0"/>
+              <a:t>ignorée</a:t>
+            </a:r>
+            <a:endParaRPr lang="fr-FR" sz="2800" dirty="0"/>
           </a:p>
           <a:p>
             <a:pPr marL="685800" indent="-342900" algn="l">
@@ -17264,6 +17778,270 @@
       </p:grpSpPr>
       <p:pic>
         <p:nvPicPr>
+          <p:cNvPr id="4" name="Image 3"/>
+          <p:cNvPicPr>
+            <a:picLocks noChangeAspect="1"/>
+          </p:cNvPicPr>
+          <p:nvPr/>
+        </p:nvPicPr>
+        <p:blipFill>
+          <a:blip r:embed="rId2"/>
+          <a:stretch>
+            <a:fillRect/>
+          </a:stretch>
+        </p:blipFill>
+        <p:spPr>
+          <a:xfrm>
+            <a:off x="126906" y="492443"/>
+            <a:ext cx="5899140" cy="3629025"/>
+          </a:xfrm>
+          <a:prstGeom prst="rect">
+            <a:avLst/>
+          </a:prstGeom>
+        </p:spPr>
+      </p:pic>
+      <p:sp>
+        <p:nvSpPr>
+          <p:cNvPr id="5" name="ZoneTexte 4"/>
+          <p:cNvSpPr txBox="1"/>
+          <p:nvPr/>
+        </p:nvSpPr>
+        <p:spPr>
+          <a:xfrm>
+            <a:off x="126906" y="0"/>
+            <a:ext cx="2302618" cy="492443"/>
+          </a:xfrm>
+          <a:prstGeom prst="rect">
+            <a:avLst/>
+          </a:prstGeom>
+          <a:noFill/>
+        </p:spPr>
+        <p:txBody>
+          <a:bodyPr wrap="none" rtlCol="0">
+            <a:spAutoFit/>
+          </a:bodyPr>
+          <a:lstStyle/>
+          <a:p>
+            <a:r>
+              <a:rPr lang="fr-FR" sz="2600" dirty="0" smtClean="0"/>
+              <a:t>Démo git </a:t>
+            </a:r>
+            <a:r>
+              <a:rPr lang="fr-FR" sz="2600" dirty="0" err="1" smtClean="0"/>
+              <a:t>status</a:t>
+            </a:r>
+            <a:endParaRPr lang="fr-FR" sz="2600" dirty="0"/>
+          </a:p>
+        </p:txBody>
+      </p:sp>
+      <p:sp>
+        <p:nvSpPr>
+          <p:cNvPr id="6" name="ZoneTexte 5"/>
+          <p:cNvSpPr txBox="1"/>
+          <p:nvPr/>
+        </p:nvSpPr>
+        <p:spPr>
+          <a:xfrm>
+            <a:off x="6475752" y="492443"/>
+            <a:ext cx="3372786" cy="4154984"/>
+          </a:xfrm>
+          <a:prstGeom prst="rect">
+            <a:avLst/>
+          </a:prstGeom>
+          <a:noFill/>
+        </p:spPr>
+        <p:txBody>
+          <a:bodyPr wrap="square" rtlCol="0">
+            <a:spAutoFit/>
+          </a:bodyPr>
+          <a:lstStyle/>
+          <a:p>
+            <a:r>
+              <a:rPr lang="fr-FR" sz="2200" dirty="0"/>
+              <a:t>/</a:t>
+            </a:r>
+            <a:r>
+              <a:rPr lang="fr-FR" sz="2200" dirty="0" err="1"/>
+              <a:t>node_modules</a:t>
+            </a:r>
+            <a:endParaRPr lang="fr-FR" sz="2200" dirty="0"/>
+          </a:p>
+          <a:p>
+            <a:r>
+              <a:rPr lang="fr-FR" sz="2200" dirty="0"/>
+              <a:t>/public/hot</a:t>
+            </a:r>
+          </a:p>
+          <a:p>
+            <a:r>
+              <a:rPr lang="fr-FR" sz="2200" dirty="0"/>
+              <a:t>/public/</a:t>
+            </a:r>
+            <a:r>
+              <a:rPr lang="fr-FR" sz="2200" dirty="0" err="1"/>
+              <a:t>storage</a:t>
+            </a:r>
+            <a:endParaRPr lang="fr-FR" sz="2200" dirty="0"/>
+          </a:p>
+          <a:p>
+            <a:r>
+              <a:rPr lang="fr-FR" sz="2200" dirty="0"/>
+              <a:t>/</a:t>
+            </a:r>
+            <a:r>
+              <a:rPr lang="fr-FR" sz="2200" dirty="0" err="1"/>
+              <a:t>storage</a:t>
+            </a:r>
+            <a:r>
+              <a:rPr lang="fr-FR" sz="2200" dirty="0"/>
+              <a:t>/*.key</a:t>
+            </a:r>
+          </a:p>
+          <a:p>
+            <a:r>
+              <a:rPr lang="fr-FR" sz="2200" dirty="0"/>
+              <a:t>/</a:t>
+            </a:r>
+            <a:r>
+              <a:rPr lang="fr-FR" sz="2200" dirty="0" err="1"/>
+              <a:t>vendor</a:t>
+            </a:r>
+            <a:endParaRPr lang="fr-FR" sz="2200" dirty="0"/>
+          </a:p>
+          <a:p>
+            <a:r>
+              <a:rPr lang="fr-FR" sz="2200" dirty="0"/>
+              <a:t>.</a:t>
+            </a:r>
+            <a:r>
+              <a:rPr lang="fr-FR" sz="2200" dirty="0" err="1"/>
+              <a:t>env</a:t>
+            </a:r>
+            <a:endParaRPr lang="fr-FR" sz="2200" dirty="0"/>
+          </a:p>
+          <a:p>
+            <a:r>
+              <a:rPr lang="fr-FR" sz="2200" dirty="0"/>
+              <a:t>.</a:t>
+            </a:r>
+            <a:r>
+              <a:rPr lang="fr-FR" sz="2200" dirty="0" err="1"/>
+              <a:t>env.backup</a:t>
+            </a:r>
+            <a:endParaRPr lang="fr-FR" sz="2200" dirty="0"/>
+          </a:p>
+          <a:p>
+            <a:r>
+              <a:rPr lang="fr-FR" sz="2200" dirty="0"/>
+              <a:t>.</a:t>
+            </a:r>
+            <a:r>
+              <a:rPr lang="fr-FR" sz="2200" dirty="0" err="1"/>
+              <a:t>phpunit.result.cache</a:t>
+            </a:r>
+            <a:endParaRPr lang="fr-FR" sz="2200" dirty="0"/>
+          </a:p>
+          <a:p>
+            <a:r>
+              <a:rPr lang="fr-FR" sz="2200" dirty="0" err="1"/>
+              <a:t>Homestead.json</a:t>
+            </a:r>
+            <a:endParaRPr lang="fr-FR" sz="2200" dirty="0"/>
+          </a:p>
+          <a:p>
+            <a:r>
+              <a:rPr lang="fr-FR" sz="2200" dirty="0" err="1"/>
+              <a:t>Homestead.yaml</a:t>
+            </a:r>
+            <a:endParaRPr lang="fr-FR" sz="2200" dirty="0"/>
+          </a:p>
+          <a:p>
+            <a:r>
+              <a:rPr lang="fr-FR" sz="2200" dirty="0"/>
+              <a:t>npm-debug.log</a:t>
+            </a:r>
+          </a:p>
+          <a:p>
+            <a:r>
+              <a:rPr lang="fr-FR" sz="2200" dirty="0"/>
+              <a:t>yarn-error.log</a:t>
+            </a:r>
+          </a:p>
+        </p:txBody>
+      </p:sp>
+      <p:sp>
+        <p:nvSpPr>
+          <p:cNvPr id="8" name="ZoneTexte 7"/>
+          <p:cNvSpPr txBox="1"/>
+          <p:nvPr/>
+        </p:nvSpPr>
+        <p:spPr>
+          <a:xfrm>
+            <a:off x="6583153" y="-30777"/>
+            <a:ext cx="1616468" cy="523220"/>
+          </a:xfrm>
+          <a:prstGeom prst="rect">
+            <a:avLst/>
+          </a:prstGeom>
+          <a:noFill/>
+        </p:spPr>
+        <p:txBody>
+          <a:bodyPr wrap="none" rtlCol="0">
+            <a:spAutoFit/>
+          </a:bodyPr>
+          <a:lstStyle/>
+          <a:p>
+            <a:r>
+              <a:rPr lang="fr-FR" sz="2800" b="1" dirty="0" smtClean="0"/>
+              <a:t>.</a:t>
+            </a:r>
+            <a:r>
+              <a:rPr lang="fr-FR" sz="2800" b="1" dirty="0" err="1" smtClean="0"/>
+              <a:t>gitignore</a:t>
+            </a:r>
+            <a:endParaRPr lang="fr-FR" sz="2800" b="1" dirty="0"/>
+          </a:p>
+        </p:txBody>
+      </p:sp>
+    </p:spTree>
+    <p:extLst>
+      <p:ext uri="{BB962C8B-B14F-4D97-AF65-F5344CB8AC3E}">
+        <p14:creationId xmlns:p14="http://schemas.microsoft.com/office/powerpoint/2010/main" val="1627218616"/>
+      </p:ext>
+    </p:extLst>
+  </p:cSld>
+  <p:clrMapOvr>
+    <a:masterClrMapping/>
+  </p:clrMapOvr>
+  <p:timing>
+    <p:tnLst>
+      <p:par>
+        <p:cTn id="1" dur="indefinite" restart="never" nodeType="tmRoot"/>
+      </p:par>
+    </p:tnLst>
+  </p:timing>
+</p:sld>
+</file>
+
+<file path=ppt/slides/slide34.xml><?xml version="1.0" encoding="utf-8"?>
+<p:sld xmlns:a="http://schemas.openxmlformats.org/drawingml/2006/main" xmlns:r="http://schemas.openxmlformats.org/officeDocument/2006/relationships" xmlns:p="http://schemas.openxmlformats.org/presentationml/2006/main">
+  <p:cSld>
+    <p:spTree>
+      <p:nvGrpSpPr>
+        <p:cNvPr id="1" name=""/>
+        <p:cNvGrpSpPr/>
+        <p:nvPr/>
+      </p:nvGrpSpPr>
+      <p:grpSpPr>
+        <a:xfrm>
+          <a:off x="0" y="0"/>
+          <a:ext cx="0" cy="0"/>
+          <a:chOff x="0" y="0"/>
+          <a:chExt cx="0" cy="0"/>
+        </a:xfrm>
+      </p:grpSpPr>
+      <p:pic>
+        <p:nvPicPr>
           <p:cNvPr id="6" name="Image 5"/>
           <p:cNvPicPr>
             <a:picLocks noChangeAspect="1"/>
@@ -17330,7 +18108,7 @@
 </p:sld>
 </file>
 
-<file path=ppt/slides/slide34.xml><?xml version="1.0" encoding="utf-8"?>
+<file path=ppt/slides/slide35.xml><?xml version="1.0" encoding="utf-8"?>
 <p:sld xmlns:a="http://schemas.openxmlformats.org/drawingml/2006/main" xmlns:r="http://schemas.openxmlformats.org/officeDocument/2006/relationships" xmlns:p="http://schemas.openxmlformats.org/presentationml/2006/main">
   <p:cSld>
     <p:spTree>
@@ -17415,7 +18193,7 @@
 </p:sld>
 </file>
 
-<file path=ppt/slides/slide35.xml><?xml version="1.0" encoding="utf-8"?>
+<file path=ppt/slides/slide36.xml><?xml version="1.0" encoding="utf-8"?>
 <p:sld xmlns:a="http://schemas.openxmlformats.org/drawingml/2006/main" xmlns:r="http://schemas.openxmlformats.org/officeDocument/2006/relationships" xmlns:p="http://schemas.openxmlformats.org/presentationml/2006/main">
   <p:cSld>
     <p:spTree>
@@ -17840,7 +18618,7 @@
         <p:spPr>
           <a:xfrm>
             <a:off x="7256264" y="4084703"/>
-            <a:ext cx="1602170" cy="523220"/>
+            <a:ext cx="4138056" cy="523220"/>
           </a:xfrm>
           <a:prstGeom prst="rect">
             <a:avLst/>
@@ -17858,13 +18636,34 @@
               <a:buAutoNum type="romanUcPeriod" startAt="3"/>
             </a:pPr>
             <a:r>
-              <a:rPr lang="fr-FR" sz="2800" b="1" dirty="0">
+              <a:rPr lang="fr-FR" sz="2800" b="1" dirty="0" smtClean="0">
                 <a:solidFill>
                   <a:srgbClr val="FF0000"/>
                 </a:solidFill>
               </a:rPr>
-              <a:t>HEAD</a:t>
-            </a:r>
+              <a:t>(local </a:t>
+            </a:r>
+            <a:r>
+              <a:rPr lang="fr-FR" sz="2800" b="1" dirty="0" err="1" smtClean="0">
+                <a:solidFill>
+                  <a:srgbClr val="FF0000"/>
+                </a:solidFill>
+              </a:rPr>
+              <a:t>repository</a:t>
+            </a:r>
+            <a:r>
+              <a:rPr lang="fr-FR" sz="2800" b="1" dirty="0" smtClean="0">
+                <a:solidFill>
+                  <a:srgbClr val="FF0000"/>
+                </a:solidFill>
+              </a:rPr>
+              <a:t>)HEAD</a:t>
+            </a:r>
+            <a:endParaRPr lang="fr-FR" sz="2800" b="1" dirty="0">
+              <a:solidFill>
+                <a:srgbClr val="FF0000"/>
+              </a:solidFill>
+            </a:endParaRPr>
           </a:p>
         </p:txBody>
       </p:sp>
@@ -17888,7 +18687,7 @@
 </p:sld>
 </file>
 
-<file path=ppt/slides/slide36.xml><?xml version="1.0" encoding="utf-8"?>
+<file path=ppt/slides/slide37.xml><?xml version="1.0" encoding="utf-8"?>
 <p:sld xmlns:a="http://schemas.openxmlformats.org/drawingml/2006/main" xmlns:r="http://schemas.openxmlformats.org/officeDocument/2006/relationships" xmlns:p="http://schemas.openxmlformats.org/presentationml/2006/main">
   <p:cSld>
     <p:spTree>
@@ -17917,7 +18716,7 @@
         </p:nvSpPr>
         <p:spPr>
           <a:xfrm>
-            <a:off x="3612630" y="0"/>
+            <a:off x="494676" y="44970"/>
             <a:ext cx="3880700" cy="605642"/>
           </a:xfrm>
         </p:spPr>
@@ -17952,12 +18751,14 @@
         </p:nvSpPr>
         <p:spPr>
           <a:xfrm>
-            <a:off x="0" y="866899"/>
-            <a:ext cx="12192000" cy="5310064"/>
+            <a:off x="1" y="866899"/>
+            <a:ext cx="6625652" cy="2385967"/>
           </a:xfrm>
         </p:spPr>
         <p:txBody>
-          <a:bodyPr/>
+          <a:bodyPr>
+            <a:normAutofit/>
+          </a:bodyPr>
           <a:lstStyle/>
           <a:p>
             <a:pPr marL="514350" indent="-514350">
@@ -17965,28 +18766,28 @@
               <a:buAutoNum type="arabicPeriod"/>
             </a:pPr>
             <a:r>
-              <a:rPr lang="fr-FR" dirty="0" smtClean="0"/>
+              <a:rPr lang="fr-FR" sz="2000" dirty="0" smtClean="0"/>
               <a:t>cloner </a:t>
             </a:r>
             <a:r>
-              <a:rPr lang="fr-FR" dirty="0" err="1" smtClean="0">
+              <a:rPr lang="fr-FR" sz="2000" dirty="0" err="1" smtClean="0">
                 <a:hlinkClick r:id="rId3"/>
               </a:rPr>
               <a:t>git@github.com:cameronmcnz</a:t>
             </a:r>
             <a:r>
-              <a:rPr lang="fr-FR" dirty="0" smtClean="0">
+              <a:rPr lang="fr-FR" sz="2000" dirty="0" smtClean="0">
                 <a:hlinkClick r:id="rId3"/>
               </a:rPr>
               <a:t>/</a:t>
             </a:r>
             <a:r>
-              <a:rPr lang="fr-FR" dirty="0" err="1" smtClean="0">
+              <a:rPr lang="fr-FR" sz="2000" dirty="0" err="1" smtClean="0">
                 <a:hlinkClick r:id="rId3"/>
               </a:rPr>
               <a:t>rebase-github.git</a:t>
             </a:r>
-            <a:endParaRPr lang="fr-FR" dirty="0" smtClean="0"/>
+            <a:endParaRPr lang="fr-FR" sz="2000" dirty="0" smtClean="0"/>
           </a:p>
           <a:p>
             <a:pPr marL="514350" indent="-514350">
@@ -17994,14 +18795,14 @@
               <a:buAutoNum type="arabicPeriod"/>
             </a:pPr>
             <a:r>
-              <a:rPr lang="fr-FR" dirty="0"/>
+              <a:rPr lang="fr-FR" sz="2000" dirty="0"/>
               <a:t>Switcher vers la </a:t>
             </a:r>
             <a:r>
-              <a:rPr lang="fr-FR" dirty="0" smtClean="0"/>
+              <a:rPr lang="fr-FR" sz="2000" dirty="0" smtClean="0"/>
               <a:t>branche feature</a:t>
             </a:r>
-            <a:endParaRPr lang="fr-FR" dirty="0"/>
+            <a:endParaRPr lang="fr-FR" sz="2000" dirty="0"/>
           </a:p>
           <a:p>
             <a:pPr marL="514350" indent="-514350">
@@ -18009,11 +18810,11 @@
               <a:buAutoNum type="arabicPeriod"/>
             </a:pPr>
             <a:r>
-              <a:rPr lang="fr-FR" dirty="0"/>
+              <a:rPr lang="fr-FR" sz="2000" dirty="0"/>
               <a:t>Afficher le </a:t>
             </a:r>
             <a:r>
-              <a:rPr lang="fr-FR" dirty="0" smtClean="0"/>
+              <a:rPr lang="fr-FR" sz="2000" dirty="0" smtClean="0"/>
               <a:t>log</a:t>
             </a:r>
           </a:p>
@@ -18023,11 +18824,11 @@
               <a:buAutoNum type="arabicPeriod"/>
             </a:pPr>
             <a:r>
-              <a:rPr lang="fr-FR" dirty="0" err="1" smtClean="0"/>
+              <a:rPr lang="fr-FR" sz="2000" dirty="0" err="1" smtClean="0"/>
               <a:t>ls</a:t>
             </a:r>
             <a:r>
-              <a:rPr lang="fr-FR" dirty="0" smtClean="0"/>
+              <a:rPr lang="fr-FR" sz="2000" dirty="0" smtClean="0"/>
               <a:t> voir les fichier</a:t>
             </a:r>
           </a:p>
@@ -18037,11 +18838,11 @@
               <a:buAutoNum type="arabicPeriod"/>
             </a:pPr>
             <a:r>
-              <a:rPr lang="fr-FR" dirty="0"/>
+              <a:rPr lang="fr-FR" sz="2000" dirty="0"/>
               <a:t>Rebase master dans </a:t>
             </a:r>
             <a:r>
-              <a:rPr lang="fr-FR" dirty="0" smtClean="0"/>
+              <a:rPr lang="fr-FR" sz="2000" dirty="0" smtClean="0"/>
               <a:t>feature</a:t>
             </a:r>
           </a:p>
@@ -18051,13 +18852,211 @@
               <a:buAutoNum type="arabicPeriod"/>
             </a:pPr>
             <a:r>
-              <a:rPr lang="fr-FR" dirty="0"/>
+              <a:rPr lang="fr-FR" sz="2000" dirty="0"/>
               <a:t>Rebase </a:t>
             </a:r>
             <a:r>
-              <a:rPr lang="fr-FR" dirty="0" smtClean="0"/>
+              <a:rPr lang="fr-FR" sz="2000" dirty="0" smtClean="0"/>
               <a:t>feature Dans master</a:t>
             </a:r>
+            <a:endParaRPr lang="fr-FR" sz="2000" dirty="0"/>
+          </a:p>
+        </p:txBody>
+      </p:sp>
+      <p:sp>
+        <p:nvSpPr>
+          <p:cNvPr id="4" name="ZoneTexte 3"/>
+          <p:cNvSpPr txBox="1"/>
+          <p:nvPr/>
+        </p:nvSpPr>
+        <p:spPr>
+          <a:xfrm>
+            <a:off x="6970426" y="866899"/>
+            <a:ext cx="4901784" cy="3236784"/>
+          </a:xfrm>
+          <a:prstGeom prst="rect">
+            <a:avLst/>
+          </a:prstGeom>
+          <a:noFill/>
+        </p:spPr>
+        <p:txBody>
+          <a:bodyPr wrap="square" rtlCol="0">
+            <a:spAutoFit/>
+          </a:bodyPr>
+          <a:lstStyle/>
+          <a:p>
+            <a:r>
+              <a:rPr lang="fr-FR" sz="2000" b="1" u="sng" dirty="0" smtClean="0"/>
+              <a:t>Démo </a:t>
+            </a:r>
+            <a:r>
+              <a:rPr lang="fr-FR" sz="2000" b="1" u="sng" dirty="0" err="1" smtClean="0"/>
+              <a:t>Revert</a:t>
+            </a:r>
+            <a:endParaRPr lang="fr-FR" sz="2000" b="1" u="sng" dirty="0" smtClean="0"/>
+          </a:p>
+          <a:p>
+            <a:pPr marL="514350" indent="-514350">
+              <a:lnSpc>
+                <a:spcPct val="90000"/>
+              </a:lnSpc>
+              <a:spcBef>
+                <a:spcPts val="1000"/>
+              </a:spcBef>
+              <a:buFont typeface="+mj-lt"/>
+              <a:buAutoNum type="arabicPeriod"/>
+            </a:pPr>
+            <a:r>
+              <a:rPr lang="fr-FR" sz="2000" dirty="0"/>
+              <a:t>1.Git </a:t>
+            </a:r>
+            <a:r>
+              <a:rPr lang="fr-FR" sz="2000" dirty="0" err="1" smtClean="0"/>
+              <a:t>init</a:t>
+            </a:r>
+            <a:endParaRPr lang="fr-FR" sz="2000" dirty="0" smtClean="0"/>
+          </a:p>
+          <a:p>
+            <a:pPr marL="457200" indent="-457200">
+              <a:buFont typeface="+mj-lt"/>
+              <a:buAutoNum type="arabicPeriod"/>
+            </a:pPr>
+            <a:r>
+              <a:rPr lang="fr-FR" sz="2000" dirty="0" err="1" smtClean="0"/>
+              <a:t>echo</a:t>
+            </a:r>
+            <a:r>
+              <a:rPr lang="fr-FR" sz="2000" dirty="0" smtClean="0"/>
+              <a:t>(</a:t>
+            </a:r>
+            <a:r>
+              <a:rPr lang="fr-FR" sz="2000" dirty="0" err="1" smtClean="0"/>
+              <a:t>some</a:t>
+            </a:r>
+            <a:r>
+              <a:rPr lang="fr-FR" sz="2000" dirty="0" smtClean="0"/>
+              <a:t> </a:t>
+            </a:r>
+            <a:r>
+              <a:rPr lang="fr-FR" sz="2000" dirty="0" err="1" smtClean="0"/>
+              <a:t>text</a:t>
+            </a:r>
+            <a:r>
+              <a:rPr lang="fr-FR" sz="2000" dirty="0" smtClean="0"/>
+              <a:t>) &gt;&gt; README.md</a:t>
+            </a:r>
+          </a:p>
+          <a:p>
+            <a:pPr marL="457200" indent="-457200">
+              <a:buFont typeface="+mj-lt"/>
+              <a:buAutoNum type="arabicPeriod"/>
+            </a:pPr>
+            <a:r>
+              <a:rPr lang="fr-FR" sz="2000" dirty="0" smtClean="0"/>
+              <a:t>git </a:t>
+            </a:r>
+            <a:r>
+              <a:rPr lang="fr-FR" sz="2000" dirty="0" err="1" smtClean="0"/>
+              <a:t>add</a:t>
+            </a:r>
+            <a:r>
+              <a:rPr lang="fr-FR" sz="2000" dirty="0" smtClean="0"/>
+              <a:t> .</a:t>
+            </a:r>
+          </a:p>
+          <a:p>
+            <a:pPr marL="457200" indent="-457200">
+              <a:buFont typeface="+mj-lt"/>
+              <a:buAutoNum type="arabicPeriod"/>
+            </a:pPr>
+            <a:r>
+              <a:rPr lang="fr-FR" sz="2000" dirty="0" smtClean="0"/>
+              <a:t>Git commit –m « </a:t>
+            </a:r>
+            <a:r>
+              <a:rPr lang="fr-FR" sz="2000" dirty="0" err="1" smtClean="0"/>
+              <a:t>iniyial</a:t>
+            </a:r>
+            <a:r>
+              <a:rPr lang="fr-FR" sz="2000" dirty="0" smtClean="0"/>
+              <a:t> commit »</a:t>
+            </a:r>
+          </a:p>
+          <a:p>
+            <a:pPr marL="457200" indent="-457200">
+              <a:buFont typeface="+mj-lt"/>
+              <a:buAutoNum type="arabicPeriod"/>
+            </a:pPr>
+            <a:r>
+              <a:rPr lang="fr-FR" sz="2000" dirty="0"/>
+              <a:t>Echo ‘bas update’ &gt;&gt;</a:t>
+            </a:r>
+            <a:r>
+              <a:rPr lang="fr-FR" sz="2000" dirty="0"/>
+              <a:t> README.md</a:t>
+            </a:r>
+            <a:endParaRPr lang="fr-FR" sz="2000" dirty="0"/>
+          </a:p>
+          <a:p>
+            <a:pPr marL="457200" indent="-457200">
+              <a:buFont typeface="+mj-lt"/>
+              <a:buAutoNum type="arabicPeriod"/>
+            </a:pPr>
+            <a:r>
+              <a:rPr lang="fr-FR" sz="2000" dirty="0"/>
+              <a:t>git </a:t>
+            </a:r>
+            <a:r>
+              <a:rPr lang="fr-FR" sz="2000" dirty="0"/>
+              <a:t>commit –</a:t>
+            </a:r>
+            <a:r>
+              <a:rPr lang="fr-FR" sz="2000" dirty="0"/>
+              <a:t>m ’’ </a:t>
+            </a:r>
+            <a:r>
+              <a:rPr lang="fr-FR" sz="2000" dirty="0"/>
+              <a:t>bas </a:t>
+            </a:r>
+            <a:r>
+              <a:rPr lang="fr-FR" sz="2000" dirty="0"/>
+              <a:t>update’’</a:t>
+            </a:r>
+          </a:p>
+          <a:p>
+            <a:pPr marL="457200" indent="-457200">
+              <a:buFont typeface="+mj-lt"/>
+              <a:buAutoNum type="arabicPeriod"/>
+            </a:pPr>
+            <a:r>
+              <a:rPr lang="fr-FR" sz="2000" dirty="0" smtClean="0"/>
+              <a:t>git </a:t>
+            </a:r>
+            <a:r>
+              <a:rPr lang="fr-FR" sz="2000" dirty="0" err="1"/>
+              <a:t>revert</a:t>
+            </a:r>
+            <a:r>
+              <a:rPr lang="fr-FR" sz="2000" dirty="0"/>
+              <a:t> </a:t>
+            </a:r>
+            <a:r>
+              <a:rPr lang="fr-FR" sz="2000" dirty="0" smtClean="0"/>
+              <a:t>SHA-1(faire le changement)</a:t>
+            </a:r>
+            <a:endParaRPr lang="fr-FR" sz="2000" dirty="0"/>
+          </a:p>
+          <a:p>
+            <a:pPr marL="457200" indent="-457200">
+              <a:buFont typeface="+mj-lt"/>
+              <a:buAutoNum type="arabicPeriod"/>
+            </a:pPr>
+            <a:r>
+              <a:rPr lang="fr-FR" sz="2000" dirty="0"/>
+              <a:t>Git commit -a</a:t>
+            </a:r>
+          </a:p>
+          <a:p>
             <a:endParaRPr lang="fr-FR" dirty="0"/>
           </a:p>
         </p:txBody>
@@ -19087,7 +20086,7 @@
         </p:spPr>
         <p:txBody>
           <a:bodyPr>
-            <a:normAutofit fontScale="85000" lnSpcReduction="20000"/>
+            <a:normAutofit fontScale="92500" lnSpcReduction="10000"/>
           </a:bodyPr>
           <a:lstStyle/>
           <a:p>
@@ -19274,35 +20273,11 @@
             </a:pPr>
             <a:r>
               <a:rPr lang="fr-FR" sz="3300" dirty="0" smtClean="0"/>
-              <a:t>Affiches </a:t>
+              <a:t>Lister  </a:t>
             </a:r>
             <a:r>
               <a:rPr lang="fr-FR" sz="3300" dirty="0"/>
-              <a:t>l’état du répertoire de travail</a:t>
-            </a:r>
-            <a:r>
-              <a:rPr lang="fr-FR" sz="3000" dirty="0"/>
-              <a:t>:</a:t>
-            </a:r>
-          </a:p>
-          <a:p>
-            <a:pPr marL="1160462" lvl="1" indent="-342900"/>
-            <a:r>
-              <a:rPr lang="fr-FR" sz="3300" b="1" i="1" dirty="0"/>
-              <a:t>git status</a:t>
-            </a:r>
-          </a:p>
-          <a:p>
-            <a:pPr marL="712788" lvl="1" indent="-534988">
-              <a:spcBef>
-                <a:spcPts val="1000"/>
-              </a:spcBef>
-              <a:buFont typeface="+mj-lt"/>
-              <a:buAutoNum type="arabicPeriod" startAt="6"/>
-            </a:pPr>
-            <a:r>
-              <a:rPr lang="fr-FR" sz="3300" dirty="0"/>
-              <a:t>Lister  Les variables de configuration</a:t>
+              <a:t>Les variables de configuration</a:t>
             </a:r>
           </a:p>
           <a:p>
@@ -19557,7 +20532,7 @@
         <p:spPr>
           <a:xfrm>
             <a:off x="36818" y="926379"/>
-            <a:ext cx="12155182" cy="5564600"/>
+            <a:ext cx="12155182" cy="5391219"/>
           </a:xfrm>
           <a:prstGeom prst="rect">
             <a:avLst/>
@@ -19570,9 +20545,9 @@
           </a:bodyPr>
           <a:lstStyle/>
           <a:p>
-            <a:pPr marL="877887" lvl="1" indent="-514350">
+            <a:pPr marL="696913" lvl="1" indent="-517525">
               <a:buFont typeface="+mj-lt"/>
-              <a:buAutoNum type="arabicPeriod" startAt="7"/>
+              <a:buAutoNum type="arabicPeriod" startAt="6"/>
             </a:pPr>
             <a:r>
               <a:rPr lang="fr-FR" sz="2800" dirty="0"/>
@@ -19598,9 +20573,12 @@
             </a:r>
           </a:p>
           <a:p>
-            <a:pPr marL="877887" lvl="1" indent="-514350">
+            <a:pPr marL="696913" lvl="1" indent="-517525">
               <a:buFont typeface="+mj-lt"/>
-              <a:buAutoNum type="arabicPeriod" startAt="8"/>
+              <a:buAutoNum type="arabicPeriod" startAt="7"/>
+              <a:tabLst>
+                <a:tab pos="630238" algn="l"/>
+              </a:tabLst>
             </a:pPr>
             <a:r>
               <a:rPr lang="fr-FR" sz="2800" dirty="0"/>
@@ -19643,23 +20621,31 @@
             </a:r>
             <a:r>
               <a:rPr lang="fr-FR" sz="2800" b="1" i="1" dirty="0"/>
-              <a:t> –cached « fichier</a:t>
+              <a:t> </a:t>
             </a:r>
             <a:r>
               <a:rPr lang="fr-FR" sz="2800" b="1" i="1" dirty="0" smtClean="0"/>
-              <a:t>»(</a:t>
+              <a:t>[–</a:t>
+            </a:r>
+            <a:r>
+              <a:rPr lang="fr-FR" sz="2800" b="1" i="1" dirty="0" err="1" smtClean="0"/>
+              <a:t>cached</a:t>
+            </a:r>
+            <a:r>
+              <a:rPr lang="fr-FR" sz="2800" b="1" i="1" dirty="0" smtClean="0"/>
+              <a:t>]  </a:t>
+            </a:r>
+            <a:r>
+              <a:rPr lang="fr-FR" sz="2800" b="1" i="1" dirty="0"/>
+              <a:t>« fichier</a:t>
+            </a:r>
+            <a:r>
+              <a:rPr lang="fr-FR" sz="2800" b="1" i="1" dirty="0"/>
+              <a:t>»(s</a:t>
             </a:r>
             <a:r>
               <a:rPr lang="fr-FR" sz="2800" dirty="0"/>
-              <a:t>on veut pas le </a:t>
-            </a:r>
-            <a:r>
-              <a:rPr lang="fr-FR" sz="2800" dirty="0" smtClean="0"/>
-              <a:t>partagé avec </a:t>
-            </a:r>
-            <a:r>
-              <a:rPr lang="fr-FR" sz="2800" dirty="0"/>
-              <a:t>git);</a:t>
+              <a:t>upprime de WD et de l’index);</a:t>
             </a:r>
             <a:r>
               <a:rPr lang="fr-FR" sz="2800" b="1" i="1" dirty="0" smtClean="0"/>
@@ -19667,7 +20653,37 @@
             </a:r>
           </a:p>
           <a:p>
-            <a:pPr marL="1274762" lvl="1" indent="-457200">
+            <a:pPr marL="719138" lvl="1" indent="-539750">
+              <a:buFont typeface="+mj-lt"/>
+              <a:buAutoNum type="arabicPeriod" startAt="8"/>
+            </a:pPr>
+            <a:r>
+              <a:rPr lang="fr-FR" sz="2800" dirty="0"/>
+              <a:t>Ajouter les changement du répertoire de </a:t>
+            </a:r>
+            <a:r>
+              <a:rPr lang="fr-FR" sz="2800" dirty="0" smtClean="0"/>
+              <a:t>travail </a:t>
+            </a:r>
+            <a:r>
+              <a:rPr lang="fr-FR" sz="2800" dirty="0"/>
+              <a:t>vers </a:t>
+            </a:r>
+            <a:r>
+              <a:rPr lang="fr-FR" sz="2800" dirty="0" smtClean="0"/>
+              <a:t>l’index(</a:t>
+            </a:r>
+            <a:r>
+              <a:rPr lang="fr-FR" sz="2800" dirty="0" err="1" smtClean="0"/>
+              <a:t>stagging</a:t>
+            </a:r>
+            <a:r>
+              <a:rPr lang="fr-FR" sz="2800" dirty="0" smtClean="0"/>
+              <a:t> area)</a:t>
+            </a:r>
+          </a:p>
+          <a:p>
+            <a:pPr marL="819150" lvl="1" indent="-9525">
               <a:buFont typeface="Arial" panose="020B0604020202020204" pitchFamily="34" charset="0"/>
               <a:buChar char="•"/>
             </a:pPr>
@@ -19677,185 +20693,181 @@
             </a:r>
             <a:r>
               <a:rPr lang="fr-FR" sz="2800" b="1" i="1" dirty="0" err="1" smtClean="0"/>
-              <a:t>rm</a:t>
+              <a:t>add</a:t>
             </a:r>
             <a:r>
               <a:rPr lang="fr-FR" sz="2800" b="1" i="1" dirty="0" smtClean="0"/>
-              <a:t> «</a:t>
+              <a:t>  </a:t>
             </a:r>
             <a:r>
               <a:rPr lang="fr-FR" sz="2800" b="1" i="1" dirty="0"/>
-              <a:t> fichier» </a:t>
-            </a:r>
-            <a:r>
-              <a:rPr lang="fr-FR" sz="2800" i="1" dirty="0" smtClean="0"/>
-              <a:t>(</a:t>
+              <a:t>file1 </a:t>
             </a:r>
             <a:r>
               <a:rPr lang="fr-FR" sz="2800" b="1" i="1" dirty="0" smtClean="0"/>
-              <a:t>s</a:t>
-            </a:r>
-            <a:r>
-              <a:rPr lang="fr-FR" sz="2800" dirty="0"/>
-              <a:t>upprime de </a:t>
-            </a:r>
-            <a:r>
-              <a:rPr lang="fr-FR" sz="2800" dirty="0" smtClean="0"/>
-              <a:t>WD et de l’index</a:t>
-            </a:r>
-            <a:r>
-              <a:rPr lang="fr-FR" sz="2800" dirty="0" smtClean="0"/>
-              <a:t>)</a:t>
-            </a:r>
-          </a:p>
-          <a:p>
-            <a:pPr marL="877887" lvl="1" indent="-514350">
+              <a:t>file2, git </a:t>
+            </a:r>
+            <a:r>
+              <a:rPr lang="fr-FR" sz="2800" b="1" i="1" dirty="0" err="1" smtClean="0"/>
+              <a:t>add</a:t>
+            </a:r>
+            <a:r>
+              <a:rPr lang="fr-FR" sz="2800" b="1" i="1" dirty="0" smtClean="0"/>
+              <a:t> «  </a:t>
+            </a:r>
+            <a:r>
+              <a:rPr lang="fr-FR" sz="2800" b="1" i="1" dirty="0" err="1" smtClean="0"/>
+              <a:t>Folder</a:t>
+            </a:r>
+            <a:r>
+              <a:rPr lang="fr-FR" sz="2800" b="1" i="1" dirty="0" smtClean="0"/>
+              <a:t>/»,git </a:t>
+            </a:r>
+            <a:r>
+              <a:rPr lang="fr-FR" sz="2800" b="1" i="1" dirty="0" err="1"/>
+              <a:t>add</a:t>
+            </a:r>
+            <a:r>
+              <a:rPr lang="fr-FR" sz="2800" b="1" i="1" dirty="0"/>
+              <a:t> </a:t>
+            </a:r>
+            <a:r>
+              <a:rPr lang="fr-FR" sz="2800" b="1" i="1" dirty="0" smtClean="0"/>
+              <a:t>A, git </a:t>
+            </a:r>
+            <a:r>
+              <a:rPr lang="fr-FR" sz="2800" b="1" i="1" dirty="0" err="1" smtClean="0"/>
+              <a:t>add</a:t>
+            </a:r>
+            <a:r>
+              <a:rPr lang="fr-FR" sz="2800" b="1" i="1" dirty="0" smtClean="0"/>
+              <a:t> .</a:t>
+            </a:r>
+          </a:p>
+          <a:p>
+            <a:pPr marL="712788" lvl="1" indent="-534988">
+              <a:spcBef>
+                <a:spcPts val="1000"/>
+              </a:spcBef>
               <a:buFont typeface="+mj-lt"/>
               <a:buAutoNum type="arabicPeriod" startAt="9"/>
             </a:pPr>
             <a:r>
               <a:rPr lang="fr-FR" sz="2800" dirty="0"/>
-              <a:t>Annuler les modification dans le Répertoire de travail:</a:t>
-            </a:r>
-          </a:p>
-          <a:p>
-            <a:pPr marL="1160462" lvl="1" indent="-342900">
-              <a:lnSpc>
-                <a:spcPct val="70000"/>
-              </a:lnSpc>
-            </a:pPr>
+              <a:t>Affiches l’état du répertoire de </a:t>
+            </a:r>
+            <a:r>
+              <a:rPr lang="fr-FR" sz="2800" dirty="0" smtClean="0"/>
+              <a:t>travail et de l’index</a:t>
+            </a:r>
+            <a:r>
+              <a:rPr lang="fr-FR" sz="2400" dirty="0" smtClean="0"/>
+              <a:t>:</a:t>
+            </a:r>
+            <a:endParaRPr lang="fr-FR" sz="2400" dirty="0"/>
+          </a:p>
+          <a:p>
+            <a:pPr marL="1160462" lvl="1" indent="-342900"/>
             <a:r>
               <a:rPr lang="fr-FR" sz="2800" b="1" i="1" dirty="0"/>
               <a:t>git </a:t>
             </a:r>
             <a:r>
-              <a:rPr lang="fr-FR" sz="2800" b="1" i="1" dirty="0" err="1"/>
-              <a:t>checkout</a:t>
-            </a:r>
-            <a:r>
-              <a:rPr lang="fr-FR" sz="2800" b="1" i="1" dirty="0"/>
-              <a:t>  --  « fichier », git restore « fichier »</a:t>
-            </a:r>
-          </a:p>
-          <a:p>
-            <a:pPr marL="877887" lvl="1" indent="-514350">
+              <a:rPr lang="fr-FR" sz="2800" b="1" i="1" dirty="0" err="1" smtClean="0"/>
+              <a:t>status</a:t>
+            </a:r>
+            <a:endParaRPr lang="fr-FR" sz="2800" b="1" i="1" dirty="0"/>
+          </a:p>
+          <a:p>
+            <a:pPr marL="719138" lvl="1" indent="-539750">
               <a:buFont typeface="+mj-lt"/>
               <a:buAutoNum type="arabicPeriod" startAt="10"/>
+              <a:tabLst>
+                <a:tab pos="719138" algn="l"/>
+              </a:tabLst>
             </a:pPr>
             <a:r>
               <a:rPr lang="fr-FR" sz="2800" dirty="0"/>
-              <a:t>Annuler les </a:t>
-            </a:r>
-            <a:r>
-              <a:rPr lang="fr-FR" sz="2800" dirty="0" smtClean="0"/>
-              <a:t>modifications indexé (restauré le contenu de dernier commit):</a:t>
-            </a:r>
-            <a:endParaRPr lang="fr-FR" sz="2800" dirty="0"/>
+              <a:t>Envoyer les modification indexés(</a:t>
+            </a:r>
+            <a:r>
+              <a:rPr lang="fr-FR" sz="2800" dirty="0" err="1"/>
+              <a:t>snapshot</a:t>
+            </a:r>
+            <a:r>
+              <a:rPr lang="fr-FR" sz="2800" dirty="0"/>
+              <a:t>) en zone de transit(backup):</a:t>
+            </a:r>
           </a:p>
           <a:p>
             <a:pPr marL="1158875" lvl="1" indent="-347663"/>
             <a:r>
-              <a:rPr lang="fr-FR" sz="2800" b="1" i="1" dirty="0"/>
-              <a:t>git reset –(soft/</a:t>
-            </a:r>
-            <a:r>
-              <a:rPr lang="fr-FR" sz="2800" b="1" i="1" dirty="0" err="1"/>
-              <a:t>mixed,hard</a:t>
-            </a:r>
-            <a:r>
-              <a:rPr lang="fr-FR" sz="2800" b="1" i="1" dirty="0" smtClean="0"/>
-              <a:t>);git reset HEAD  « </a:t>
-            </a:r>
-            <a:r>
-              <a:rPr lang="fr-FR" sz="2800" b="1" i="1" dirty="0" err="1" smtClean="0"/>
-              <a:t>filename</a:t>
-            </a:r>
-            <a:r>
-              <a:rPr lang="fr-FR" sz="2800" b="1" i="1" dirty="0" smtClean="0"/>
-              <a:t> »</a:t>
-            </a:r>
-            <a:endParaRPr lang="fr-FR" sz="2800" dirty="0" smtClean="0"/>
-          </a:p>
-          <a:p>
-            <a:pPr marL="969963" lvl="1" indent="-609600">
+              <a:rPr lang="fr-FR" sz="2800" b="1" i="1" dirty="0">
+                <a:hlinkClick r:id="rId3" action="ppaction://hlinksldjump"/>
+              </a:rPr>
+              <a:t>git commit –m «  message</a:t>
+            </a:r>
+            <a:r>
+              <a:rPr lang="fr-FR" sz="2800" b="1" i="1" dirty="0" smtClean="0">
+                <a:hlinkClick r:id="rId3" action="ppaction://hlinksldjump"/>
+              </a:rPr>
+              <a:t>»</a:t>
+            </a:r>
+            <a:endParaRPr lang="fr-FR" sz="2800" b="1" i="1" dirty="0" smtClean="0"/>
+          </a:p>
+          <a:p>
+            <a:pPr marL="719138" lvl="1" indent="-539750">
               <a:buFont typeface="+mj-lt"/>
               <a:buAutoNum type="arabicPeriod" startAt="11"/>
-            </a:pPr>
+              <a:tabLst>
+                <a:tab pos="811213" algn="l"/>
+              </a:tabLst>
+            </a:pPr>
+            <a:r>
+              <a:rPr lang="fr-FR" sz="2800" dirty="0"/>
+              <a:t>Afficher la différence entre les deux versions  </a:t>
+            </a:r>
             <a:r>
               <a:rPr lang="fr-FR" sz="2800" dirty="0" smtClean="0"/>
-              <a:t>Inverse les changement s d’un commit  et ajout un nouveau  commit</a:t>
-            </a:r>
-          </a:p>
-          <a:p>
-            <a:pPr marL="1274762" lvl="1" indent="-457200">
-              <a:buFont typeface="Arial" panose="020B0604020202020204" pitchFamily="34" charset="0"/>
-              <a:buChar char="•"/>
-            </a:pPr>
+              <a:t>WD-index [</a:t>
+            </a:r>
+            <a:r>
+              <a:rPr lang="fr-FR" sz="2800" dirty="0"/>
+              <a:t>index-HEAD</a:t>
+            </a:r>
+            <a:r>
+              <a:rPr lang="fr-FR" sz="2800" dirty="0" smtClean="0"/>
+              <a:t>]:</a:t>
+            </a:r>
+            <a:endParaRPr lang="fr-FR" sz="2800" dirty="0"/>
+          </a:p>
+          <a:p>
+            <a:pPr marL="1268412" lvl="1" indent="-457200"/>
             <a:r>
               <a:rPr lang="fr-FR" sz="2800" b="1" i="1" dirty="0"/>
               <a:t>git </a:t>
             </a:r>
             <a:r>
+              <a:rPr lang="fr-FR" sz="2800" b="1" i="1" dirty="0" err="1" smtClean="0"/>
+              <a:t>diff</a:t>
+            </a:r>
+            <a:r>
+              <a:rPr lang="fr-FR" sz="2800" b="1" i="1" dirty="0" smtClean="0"/>
+              <a:t> [</a:t>
+            </a:r>
+            <a:r>
+              <a:rPr lang="fr-FR" sz="2800" b="1" i="1" dirty="0"/>
+              <a:t>--</a:t>
+            </a:r>
+            <a:r>
               <a:rPr lang="fr-FR" sz="2800" b="1" i="1" dirty="0" err="1"/>
-              <a:t>revert</a:t>
-            </a:r>
-            <a:r>
-              <a:rPr lang="fr-FR" sz="2800" b="1" i="1" dirty="0"/>
-              <a:t> </a:t>
+              <a:t>staged</a:t>
             </a:r>
             <a:r>
               <a:rPr lang="fr-FR" sz="2800" b="1" i="1" dirty="0" smtClean="0"/>
-              <a:t>« commit hash »;</a:t>
-            </a:r>
-            <a:r>
-              <a:rPr lang="fr-FR" sz="2800" dirty="0"/>
-              <a:t> </a:t>
-            </a:r>
-            <a:r>
-              <a:rPr lang="fr-FR" sz="2800" b="1" i="1" dirty="0"/>
-              <a:t>git </a:t>
-            </a:r>
-            <a:r>
-              <a:rPr lang="fr-FR" sz="2800" b="1" i="1" dirty="0" err="1"/>
-              <a:t>revert</a:t>
-            </a:r>
-            <a:r>
-              <a:rPr lang="fr-FR" sz="2800" b="1" i="1" dirty="0"/>
-              <a:t> </a:t>
-            </a:r>
-            <a:r>
-              <a:rPr lang="fr-FR" sz="2800" b="1" i="1" dirty="0" smtClean="0"/>
-              <a:t>HEAD</a:t>
-            </a:r>
-          </a:p>
-          <a:p>
-            <a:pPr marL="969963" lvl="1" indent="-609600">
-              <a:buFont typeface="+mj-lt"/>
-              <a:buAutoNum type="arabicPeriod" startAt="12"/>
-            </a:pPr>
-            <a:r>
-              <a:rPr lang="fr-FR" sz="2800" dirty="0"/>
-              <a:t>Ajouter </a:t>
-            </a:r>
-            <a:r>
-              <a:rPr lang="fr-FR" sz="2800" dirty="0" smtClean="0"/>
-              <a:t>une liste de fichiers et de répertoire à ignoré par git</a:t>
-            </a:r>
-          </a:p>
-          <a:p>
-            <a:pPr marL="1274762" lvl="1" indent="-457200">
-              <a:buFont typeface="Arial" panose="020B0604020202020204" pitchFamily="34" charset="0"/>
-              <a:buChar char="•"/>
-            </a:pPr>
-            <a:r>
-              <a:rPr lang="fr-FR" sz="2800" b="1" i="1" dirty="0" err="1"/>
-              <a:t>Touch</a:t>
-            </a:r>
-            <a:r>
-              <a:rPr lang="fr-FR" sz="2800" b="1" i="1" dirty="0"/>
-              <a:t> .gitignore</a:t>
-            </a:r>
-            <a:endParaRPr lang="fr-FR" sz="2800" b="1" i="1" dirty="0"/>
+              <a:t>]</a:t>
+            </a:r>
+            <a:endParaRPr lang="fr-FR" sz="2800" dirty="0"/>
           </a:p>
         </p:txBody>
       </p:sp>

--- a/Formation Git.pptx
+++ b/Formation Git.pptx
@@ -5,7 +5,7 @@
     <p:sldMasterId id="2147483648" r:id="rId1"/>
   </p:sldMasterIdLst>
   <p:notesMasterIdLst>
-    <p:notesMasterId r:id="rId39"/>
+    <p:notesMasterId r:id="rId40"/>
   </p:notesMasterIdLst>
   <p:sldIdLst>
     <p:sldId id="257" r:id="rId2"/>
@@ -45,6 +45,7 @@
     <p:sldId id="271" r:id="rId36"/>
     <p:sldId id="301" r:id="rId37"/>
     <p:sldId id="293" r:id="rId38"/>
+    <p:sldId id="305" r:id="rId39"/>
   </p:sldIdLst>
   <p:sldSz cx="12192000" cy="6858000"/>
   <p:notesSz cx="6858000" cy="9144000"/>
@@ -233,7 +234,7 @@
           <a:p>
             <a:fld id="{6C11479D-E256-4744-A8DA-17425A14A154}" type="datetimeFigureOut">
               <a:rPr lang="fr-FR" smtClean="0"/>
-              <a:t>13/12/2022</a:t>
+              <a:t>14/12/2022</a:t>
             </a:fld>
             <a:endParaRPr lang="fr-FR"/>
           </a:p>
@@ -1018,252 +1019,6 @@
           <a:bodyPr/>
           <a:lstStyle/>
           <a:p>
-            <a:r>
-              <a:rPr lang="fr-FR" dirty="0" smtClean="0"/>
-              <a:t>Git </a:t>
-            </a:r>
-            <a:r>
-              <a:rPr lang="fr-FR" dirty="0" err="1" smtClean="0"/>
-              <a:t>diff</a:t>
-            </a:r>
-            <a:r>
-              <a:rPr lang="fr-FR" dirty="0" smtClean="0"/>
-              <a:t> –cached</a:t>
-            </a:r>
-            <a:r>
-              <a:rPr lang="fr-FR" baseline="0" dirty="0" smtClean="0"/>
-              <a:t> (index – commit pointé par </a:t>
-            </a:r>
-            <a:r>
-              <a:rPr lang="fr-FR" baseline="0" dirty="0" err="1" smtClean="0"/>
-              <a:t>head</a:t>
-            </a:r>
-            <a:r>
-              <a:rPr lang="fr-FR" baseline="0" dirty="0" smtClean="0"/>
-              <a:t>) </a:t>
-            </a:r>
-            <a:endParaRPr lang="fr-FR" dirty="0" smtClean="0"/>
-          </a:p>
-          <a:p>
-            <a:r>
-              <a:rPr lang="fr-FR" dirty="0" smtClean="0"/>
-              <a:t>Git</a:t>
-            </a:r>
-            <a:r>
-              <a:rPr lang="fr-FR" baseline="0" dirty="0" smtClean="0"/>
-              <a:t> status affiche (non track ,indexé ,non indexé)</a:t>
-            </a:r>
-          </a:p>
-          <a:p>
-            <a:r>
-              <a:rPr lang="fr-FR" dirty="0" smtClean="0"/>
-              <a:t>Git reset –soft</a:t>
-            </a:r>
-            <a:r>
-              <a:rPr lang="fr-FR" baseline="0" dirty="0" smtClean="0"/>
-              <a:t> </a:t>
-            </a:r>
-            <a:r>
-              <a:rPr lang="fr-FR" sz="1200" b="1" kern="1200" dirty="0" smtClean="0">
-                <a:solidFill>
-                  <a:schemeClr val="tx1"/>
-                </a:solidFill>
-                <a:effectLst/>
-                <a:latin typeface="+mn-lt"/>
-                <a:ea typeface="+mn-ea"/>
-                <a:cs typeface="+mn-cs"/>
-              </a:rPr>
-              <a:t>HEAD^ : </a:t>
-            </a:r>
-            <a:r>
-              <a:rPr lang="fr-FR" sz="1200" b="1" kern="1200" dirty="0" err="1" smtClean="0">
-                <a:solidFill>
-                  <a:schemeClr val="tx1"/>
-                </a:solidFill>
-                <a:effectLst/>
-                <a:latin typeface="+mn-lt"/>
-                <a:ea typeface="+mn-ea"/>
-                <a:cs typeface="+mn-cs"/>
-              </a:rPr>
-              <a:t>suprime</a:t>
-            </a:r>
-            <a:r>
-              <a:rPr lang="fr-FR" sz="1200" b="1" kern="1200" baseline="0" dirty="0" smtClean="0">
-                <a:solidFill>
-                  <a:schemeClr val="tx1"/>
-                </a:solidFill>
-                <a:effectLst/>
-                <a:latin typeface="+mn-lt"/>
-                <a:ea typeface="+mn-ea"/>
-                <a:cs typeface="+mn-cs"/>
-              </a:rPr>
-              <a:t> le dernier commit et </a:t>
-            </a:r>
-            <a:r>
-              <a:rPr lang="fr-FR" sz="1200" b="1" kern="1200" baseline="0" dirty="0" err="1" smtClean="0">
-                <a:solidFill>
-                  <a:schemeClr val="tx1"/>
-                </a:solidFill>
-                <a:effectLst/>
-                <a:latin typeface="+mn-lt"/>
-                <a:ea typeface="+mn-ea"/>
-                <a:cs typeface="+mn-cs"/>
-              </a:rPr>
-              <a:t>retourn</a:t>
-            </a:r>
-            <a:r>
-              <a:rPr lang="fr-FR" sz="1200" b="1" kern="1200" baseline="0" dirty="0" smtClean="0">
-                <a:solidFill>
-                  <a:schemeClr val="tx1"/>
-                </a:solidFill>
-                <a:effectLst/>
-                <a:latin typeface="+mn-lt"/>
-                <a:ea typeface="+mn-ea"/>
-                <a:cs typeface="+mn-cs"/>
-              </a:rPr>
-              <a:t> a </a:t>
-            </a:r>
-            <a:r>
-              <a:rPr lang="fr-FR" sz="1200" b="1" kern="1200" baseline="0" dirty="0" err="1" smtClean="0">
-                <a:solidFill>
-                  <a:schemeClr val="tx1"/>
-                </a:solidFill>
-                <a:effectLst/>
-                <a:latin typeface="+mn-lt"/>
-                <a:ea typeface="+mn-ea"/>
-                <a:cs typeface="+mn-cs"/>
-              </a:rPr>
-              <a:t>etat</a:t>
-            </a:r>
-            <a:r>
-              <a:rPr lang="fr-FR" sz="1200" b="1" kern="1200" baseline="0" dirty="0" smtClean="0">
-                <a:solidFill>
-                  <a:schemeClr val="tx1"/>
-                </a:solidFill>
-                <a:effectLst/>
-                <a:latin typeface="+mn-lt"/>
-                <a:ea typeface="+mn-ea"/>
-                <a:cs typeface="+mn-cs"/>
-              </a:rPr>
-              <a:t> staged </a:t>
-            </a:r>
-          </a:p>
-          <a:p>
-            <a:r>
-              <a:rPr lang="fr-FR" dirty="0" smtClean="0"/>
-              <a:t>Git reset </a:t>
-            </a:r>
-            <a:r>
-              <a:rPr lang="fr-FR" sz="1200" b="1" kern="1200" dirty="0" smtClean="0">
-                <a:solidFill>
-                  <a:schemeClr val="tx1"/>
-                </a:solidFill>
-                <a:effectLst/>
-                <a:latin typeface="+mn-lt"/>
-                <a:ea typeface="+mn-ea"/>
-                <a:cs typeface="+mn-cs"/>
-              </a:rPr>
-              <a:t>HEAD^:</a:t>
-            </a:r>
-            <a:r>
-              <a:rPr lang="fr-FR" sz="1200" b="1" kern="1200" baseline="0" dirty="0" smtClean="0">
-                <a:solidFill>
-                  <a:schemeClr val="tx1"/>
-                </a:solidFill>
-                <a:effectLst/>
-                <a:latin typeface="+mn-lt"/>
-                <a:ea typeface="+mn-ea"/>
-                <a:cs typeface="+mn-cs"/>
-              </a:rPr>
-              <a:t> mixed par </a:t>
-            </a:r>
-            <a:r>
-              <a:rPr lang="fr-FR" sz="1200" b="1" kern="1200" baseline="0" dirty="0" err="1" smtClean="0">
-                <a:solidFill>
-                  <a:schemeClr val="tx1"/>
-                </a:solidFill>
-                <a:effectLst/>
-                <a:latin typeface="+mn-lt"/>
-                <a:ea typeface="+mn-ea"/>
-                <a:cs typeface="+mn-cs"/>
-              </a:rPr>
-              <a:t>defaut</a:t>
-            </a:r>
-            <a:r>
-              <a:rPr lang="fr-FR" sz="1200" b="1" kern="1200" baseline="0" dirty="0" smtClean="0">
-                <a:solidFill>
-                  <a:schemeClr val="tx1"/>
-                </a:solidFill>
-                <a:effectLst/>
-                <a:latin typeface="+mn-lt"/>
-                <a:ea typeface="+mn-ea"/>
-                <a:cs typeface="+mn-cs"/>
-              </a:rPr>
-              <a:t> </a:t>
-            </a:r>
-            <a:r>
-              <a:rPr lang="fr-FR" sz="1200" b="1" kern="1200" dirty="0" err="1" smtClean="0">
-                <a:solidFill>
-                  <a:schemeClr val="tx1"/>
-                </a:solidFill>
-                <a:effectLst/>
-                <a:latin typeface="+mn-lt"/>
-                <a:ea typeface="+mn-ea"/>
-                <a:cs typeface="+mn-cs"/>
-              </a:rPr>
-              <a:t>suprime</a:t>
-            </a:r>
-            <a:r>
-              <a:rPr lang="fr-FR" sz="1200" b="1" kern="1200" baseline="0" dirty="0" smtClean="0">
-                <a:solidFill>
-                  <a:schemeClr val="tx1"/>
-                </a:solidFill>
-                <a:effectLst/>
-                <a:latin typeface="+mn-lt"/>
-                <a:ea typeface="+mn-ea"/>
-                <a:cs typeface="+mn-cs"/>
-              </a:rPr>
-              <a:t> le dernier commit  et retourne à l’</a:t>
-            </a:r>
-            <a:r>
-              <a:rPr lang="fr-FR" sz="1200" b="1" kern="1200" baseline="0" dirty="0" err="1" smtClean="0">
-                <a:solidFill>
-                  <a:schemeClr val="tx1"/>
-                </a:solidFill>
-                <a:effectLst/>
-                <a:latin typeface="+mn-lt"/>
-                <a:ea typeface="+mn-ea"/>
-                <a:cs typeface="+mn-cs"/>
-              </a:rPr>
-              <a:t>etat</a:t>
-            </a:r>
-            <a:r>
-              <a:rPr lang="fr-FR" sz="1200" b="1" kern="1200" baseline="0" dirty="0" smtClean="0">
-                <a:solidFill>
-                  <a:schemeClr val="tx1"/>
-                </a:solidFill>
-                <a:effectLst/>
-                <a:latin typeface="+mn-lt"/>
-                <a:ea typeface="+mn-ea"/>
-                <a:cs typeface="+mn-cs"/>
-              </a:rPr>
-              <a:t> </a:t>
-            </a:r>
-            <a:r>
-              <a:rPr lang="fr-FR" sz="1200" b="1" kern="1200" baseline="0" dirty="0" err="1" smtClean="0">
-                <a:solidFill>
-                  <a:schemeClr val="tx1"/>
-                </a:solidFill>
-                <a:effectLst/>
-                <a:latin typeface="+mn-lt"/>
-                <a:ea typeface="+mn-ea"/>
-                <a:cs typeface="+mn-cs"/>
-              </a:rPr>
-              <a:t>unsatagé</a:t>
-            </a:r>
-            <a:endParaRPr lang="fr-FR" dirty="0" smtClean="0"/>
-          </a:p>
-          <a:p>
             <a:pPr marL="0" marR="0" lvl="0" indent="0" algn="l" defTabSz="914400" rtl="0" eaLnBrk="1" fontAlgn="auto" latinLnBrk="0" hangingPunct="1">
               <a:lnSpc>
                 <a:spcPct val="100000"/>
@@ -1283,44 +1038,286 @@
             </a:pPr>
             <a:r>
               <a:rPr lang="fr-FR" dirty="0" smtClean="0"/>
-              <a:t>Git reset –hard  </a:t>
-            </a:r>
+              <a:t>un autre mécanisme pour créer des snapshot de dépôt git. Est utilisé pour créer des  numéros de versions  avec sens correspondant au cycles de production de logiciels(</a:t>
+            </a:r>
+            <a:r>
+              <a:rPr lang="fr-FR" dirty="0" err="1" smtClean="0"/>
+              <a:t>major,minor,patch</a:t>
+            </a:r>
+            <a:r>
+              <a:rPr lang="fr-FR" dirty="0" smtClean="0"/>
+              <a:t>) </a:t>
+            </a:r>
+          </a:p>
+          <a:p>
+            <a:r>
+              <a:rPr lang="fr-FR" dirty="0" smtClean="0"/>
+              <a:t>--tag d'annotation</a:t>
+            </a:r>
+          </a:p>
+          <a:p>
+            <a:r>
+              <a:rPr lang="fr-FR" dirty="0" smtClean="0"/>
+              <a:t>--</a:t>
+            </a:r>
+            <a:r>
+              <a:rPr lang="fr-FR" dirty="0" err="1" smtClean="0"/>
+              <a:t>lightweight</a:t>
+            </a:r>
+            <a:r>
+              <a:rPr lang="fr-FR" dirty="0" smtClean="0"/>
+              <a:t> tag </a:t>
+            </a:r>
+          </a:p>
+          <a:p>
+            <a:r>
+              <a:rPr lang="fr-FR" dirty="0" smtClean="0"/>
+              <a:t>tag utilisé comme les branches pout  pointé un commit spécifique(tag),on utilise pas les options on don juste le nom</a:t>
+            </a:r>
+          </a:p>
+          <a:p>
+            <a:r>
+              <a:rPr lang="fr-FR" dirty="0" smtClean="0"/>
+              <a:t>--tag d'annotation</a:t>
+            </a:r>
+          </a:p>
+          <a:p>
+            <a:r>
+              <a:rPr lang="fr-FR" dirty="0" smtClean="0"/>
+              <a:t>peut être utilisé pour annotation stocké </a:t>
+            </a:r>
+            <a:r>
+              <a:rPr lang="fr-FR" dirty="0" err="1" smtClean="0"/>
+              <a:t>commme</a:t>
+            </a:r>
+            <a:r>
+              <a:rPr lang="fr-FR" dirty="0" smtClean="0"/>
+              <a:t> </a:t>
+            </a:r>
+            <a:r>
+              <a:rPr lang="fr-FR" dirty="0" err="1" smtClean="0"/>
+              <a:t>ensmble</a:t>
+            </a:r>
+            <a:r>
+              <a:rPr lang="fr-FR" dirty="0" smtClean="0"/>
+              <a:t> d'objets dans la base de donnée de Git,(nom tag, </a:t>
+            </a:r>
+            <a:r>
+              <a:rPr lang="fr-FR" dirty="0" err="1" smtClean="0"/>
+              <a:t>email,date,message,signature</a:t>
+            </a:r>
+            <a:r>
+              <a:rPr lang="fr-FR" dirty="0" smtClean="0"/>
+              <a:t> GPG) </a:t>
+            </a:r>
+          </a:p>
+          <a:p>
+            <a:r>
+              <a:rPr lang="fr-FR" dirty="0" smtClean="0"/>
+              <a:t>pour la créer on utilise -a</a:t>
+            </a:r>
+          </a:p>
+          <a:p>
+            <a:r>
+              <a:rPr lang="fr-FR" dirty="0" smtClean="0"/>
+              <a:t>-m </a:t>
+            </a:r>
+            <a:r>
+              <a:rPr lang="fr-FR" dirty="0" err="1" smtClean="0"/>
+              <a:t>specifie</a:t>
+            </a:r>
+            <a:r>
+              <a:rPr lang="fr-FR" dirty="0" smtClean="0"/>
+              <a:t> un message</a:t>
+            </a:r>
+          </a:p>
+          <a:p>
+            <a:r>
+              <a:rPr lang="fr-FR" dirty="0" smtClean="0"/>
+              <a:t>on peut </a:t>
+            </a:r>
+            <a:r>
+              <a:rPr lang="fr-FR" dirty="0" err="1" smtClean="0"/>
+              <a:t>tagé</a:t>
+            </a:r>
+            <a:r>
+              <a:rPr lang="fr-FR" dirty="0" smtClean="0"/>
+              <a:t> un commit </a:t>
+            </a:r>
+            <a:r>
+              <a:rPr lang="fr-FR" dirty="0" err="1" smtClean="0"/>
+              <a:t>meme</a:t>
+            </a:r>
+            <a:r>
+              <a:rPr lang="fr-FR" dirty="0" smtClean="0"/>
+              <a:t> on la dépassons</a:t>
+            </a:r>
+          </a:p>
+          <a:p>
+            <a:r>
+              <a:rPr lang="fr-FR" dirty="0" smtClean="0"/>
+              <a:t>elle peut avoir un message l'</a:t>
+            </a:r>
+            <a:r>
+              <a:rPr lang="fr-FR" dirty="0" err="1" smtClean="0"/>
+              <a:t>autheur</a:t>
+            </a:r>
+            <a:r>
+              <a:rPr lang="fr-FR" dirty="0" smtClean="0"/>
+              <a:t>, et date </a:t>
+            </a:r>
+            <a:r>
+              <a:rPr lang="fr-FR" dirty="0" err="1" smtClean="0"/>
+              <a:t>different</a:t>
+            </a:r>
+            <a:r>
+              <a:rPr lang="fr-FR" dirty="0" smtClean="0"/>
+              <a:t> du commit sur </a:t>
+            </a:r>
+            <a:r>
+              <a:rPr lang="fr-FR" dirty="0" err="1" smtClean="0"/>
+              <a:t>laquel</a:t>
+            </a:r>
+            <a:r>
+              <a:rPr lang="fr-FR" dirty="0" smtClean="0"/>
+              <a:t> elle point(</a:t>
+            </a:r>
+            <a:r>
+              <a:rPr lang="fr-FR" dirty="0" err="1" smtClean="0"/>
+              <a:t>decrire</a:t>
+            </a:r>
+            <a:r>
+              <a:rPr lang="fr-FR" dirty="0" smtClean="0"/>
+              <a:t> un release sans créer un commit de release)</a:t>
+            </a:r>
+          </a:p>
+          <a:p>
+            <a:r>
+              <a:rPr lang="fr-FR" dirty="0" smtClean="0"/>
+              <a:t>/////////</a:t>
+            </a:r>
+          </a:p>
+          <a:p>
+            <a:r>
+              <a:rPr lang="fr-FR" dirty="0" smtClean="0"/>
+              <a:t>git push </a:t>
+            </a:r>
+            <a:r>
+              <a:rPr lang="fr-FR" dirty="0" err="1" smtClean="0"/>
+              <a:t>transfer</a:t>
+            </a:r>
+            <a:r>
+              <a:rPr lang="fr-FR" dirty="0" smtClean="0"/>
+              <a:t> pas les tags au server distant, pour transféré git push "</a:t>
+            </a:r>
+            <a:r>
+              <a:rPr lang="fr-FR" dirty="0" err="1" smtClean="0"/>
+              <a:t>tagname</a:t>
+            </a:r>
+            <a:r>
+              <a:rPr lang="fr-FR" dirty="0" smtClean="0"/>
+              <a:t>"</a:t>
+            </a:r>
+          </a:p>
+          <a:p>
             <a:r>
               <a:rPr lang="fr-FR" sz="1200" b="1" kern="1200" dirty="0" smtClean="0">
                 <a:solidFill>
                   <a:schemeClr val="tx1"/>
                 </a:solidFill>
-                <a:effectLst/>
-                <a:latin typeface="+mn-lt"/>
-                <a:ea typeface="+mn-ea"/>
-                <a:cs typeface="+mn-cs"/>
-              </a:rPr>
-              <a:t>HEAD^: </a:t>
-            </a:r>
-            <a:r>
-              <a:rPr lang="fr-FR" sz="1200" b="1" kern="1200" dirty="0" err="1" smtClean="0">
-                <a:solidFill>
-                  <a:schemeClr val="tx1"/>
-                </a:solidFill>
-                <a:effectLst/>
-                <a:latin typeface="+mn-lt"/>
-                <a:ea typeface="+mn-ea"/>
-                <a:cs typeface="+mn-cs"/>
-              </a:rPr>
-              <a:t>suprime</a:t>
+                <a:latin typeface="+mn-lt"/>
+                <a:ea typeface="+mn-ea"/>
+                <a:cs typeface="+mn-cs"/>
+              </a:rPr>
+              <a:t>git tag –n: affiche les tags</a:t>
             </a:r>
             <a:r>
               <a:rPr lang="fr-FR" sz="1200" b="1" kern="1200" baseline="0" dirty="0" smtClean="0">
                 <a:solidFill>
                   <a:schemeClr val="tx1"/>
                 </a:solidFill>
-                <a:effectLst/>
-                <a:latin typeface="+mn-lt"/>
-                <a:ea typeface="+mn-ea"/>
-                <a:cs typeface="+mn-cs"/>
-              </a:rPr>
-              <a:t> le dernier commit  et supprime les modification</a:t>
-            </a:r>
+                <a:latin typeface="+mn-lt"/>
+                <a:ea typeface="+mn-ea"/>
+                <a:cs typeface="+mn-cs"/>
+              </a:rPr>
+              <a:t> avec les message</a:t>
+            </a:r>
+            <a:endParaRPr lang="fr-FR" b="1" dirty="0" smtClean="0"/>
+          </a:p>
+          <a:p>
+            <a:r>
+              <a:rPr lang="fr-FR" dirty="0" smtClean="0"/>
+              <a:t>--supprimé un tag</a:t>
+            </a:r>
+          </a:p>
+          <a:p>
+            <a:r>
+              <a:rPr lang="fr-FR" b="1" dirty="0" smtClean="0"/>
+              <a:t>git tag -d </a:t>
+            </a:r>
+            <a:r>
+              <a:rPr lang="fr-FR" b="1" dirty="0" err="1" smtClean="0"/>
+              <a:t>tagname</a:t>
+            </a:r>
+            <a:endParaRPr lang="fr-FR" b="1" dirty="0" smtClean="0"/>
+          </a:p>
+          <a:p>
+            <a:r>
+              <a:rPr lang="fr-FR" b="1" dirty="0" smtClean="0"/>
+              <a:t>/////////////</a:t>
+            </a:r>
+          </a:p>
+          <a:p>
+            <a:pPr rtl="0"/>
+            <a:r>
+              <a:rPr lang="fr-FR" b="1" baseline="0" dirty="0" smtClean="0"/>
+              <a:t>Git </a:t>
+            </a:r>
+            <a:r>
+              <a:rPr lang="fr-FR" b="1" baseline="0" dirty="0" err="1" smtClean="0"/>
+              <a:t>revert</a:t>
+            </a:r>
+            <a:r>
+              <a:rPr lang="fr-FR" b="1" baseline="0" dirty="0" smtClean="0"/>
+              <a:t> (mal comprise) : </a:t>
+            </a:r>
+            <a:r>
+              <a:rPr lang="fr-FR" b="0" baseline="0" dirty="0" smtClean="0"/>
+              <a:t>s’applique uniquement sur des commits ne supprime pas le commit dans l’historique de projet(dépôt local) mail il le supprime de répertoire de travail. On détecte une erreur introduit par un commit au lieu de corrigé manuellement on peut faire git reverse pour corrigé authomatiquement.il prend le commit en question et inverse les changement(file création =&gt;file suppression, </a:t>
+            </a:r>
+            <a:r>
+              <a:rPr lang="fr-FR" b="0" baseline="0" dirty="0" err="1" smtClean="0"/>
+              <a:t>text</a:t>
+            </a:r>
+            <a:r>
+              <a:rPr lang="fr-FR" b="0" baseline="0" dirty="0" smtClean="0"/>
+              <a:t> </a:t>
+            </a:r>
+            <a:r>
+              <a:rPr lang="fr-FR" b="0" baseline="0" dirty="0" err="1" smtClean="0"/>
+              <a:t>added</a:t>
+            </a:r>
+            <a:r>
+              <a:rPr lang="fr-FR" b="0" baseline="0" dirty="0" smtClean="0"/>
+              <a:t>=&gt;</a:t>
+            </a:r>
+            <a:r>
+              <a:rPr lang="fr-FR" b="0" baseline="0" dirty="0" err="1" smtClean="0"/>
+              <a:t>text</a:t>
+            </a:r>
+            <a:r>
+              <a:rPr lang="fr-FR" b="0" baseline="0" dirty="0" smtClean="0"/>
+              <a:t> </a:t>
+            </a:r>
+            <a:r>
+              <a:rPr lang="fr-FR" b="0" baseline="0" dirty="0" err="1" smtClean="0"/>
+              <a:t>removed</a:t>
+            </a:r>
+            <a:r>
+              <a:rPr lang="fr-FR" b="0" baseline="0" dirty="0" smtClean="0"/>
+              <a:t>) puis créer un nouveau commit de reverse.  </a:t>
+            </a:r>
+            <a:endParaRPr lang="fr-FR" b="0" baseline="0" dirty="0" smtClean="0"/>
           </a:p>
           <a:p>
             <a:pPr marL="0" marR="0" lvl="0" indent="0" algn="l" defTabSz="914400" rtl="0" eaLnBrk="1" fontAlgn="auto" latinLnBrk="0" hangingPunct="1">
@@ -1340,7 +1337,644 @@
               <a:tabLst/>
               <a:defRPr/>
             </a:pPr>
-            <a:endParaRPr lang="fr-FR" sz="1200" b="1" kern="1200" baseline="0" dirty="0" smtClean="0">
+            <a:r>
+              <a:rPr lang="fr-FR" sz="1200" b="1" kern="1200" baseline="0" dirty="0" smtClean="0">
+                <a:solidFill>
+                  <a:schemeClr val="tx1"/>
+                </a:solidFill>
+                <a:effectLst/>
+                <a:latin typeface="+mn-lt"/>
+                <a:ea typeface="+mn-ea"/>
+                <a:cs typeface="+mn-cs"/>
+              </a:rPr>
+              <a:t>///</a:t>
+            </a:r>
+            <a:r>
+              <a:rPr lang="fr-FR" b="1" baseline="0" dirty="0" smtClean="0">
+                <a:solidFill>
+                  <a:srgbClr val="FF0000"/>
+                </a:solidFill>
+              </a:rPr>
+              <a:t>Quand on veut fixé un commit public on utilise </a:t>
+            </a:r>
+            <a:r>
+              <a:rPr lang="fr-FR" b="1" baseline="0" dirty="0" err="1" smtClean="0">
+                <a:solidFill>
+                  <a:srgbClr val="FF0000"/>
+                </a:solidFill>
+              </a:rPr>
+              <a:t>revert</a:t>
+            </a:r>
+            <a:r>
+              <a:rPr lang="fr-FR" b="1" baseline="0" dirty="0" smtClean="0">
+                <a:solidFill>
+                  <a:srgbClr val="FF0000"/>
+                </a:solidFill>
+              </a:rPr>
+              <a:t> on utilise pas reset</a:t>
+            </a:r>
+            <a:endParaRPr lang="fr-FR" b="1" dirty="0" smtClean="0">
+              <a:solidFill>
+                <a:srgbClr val="FF0000"/>
+              </a:solidFill>
+            </a:endParaRPr>
+          </a:p>
+          <a:p>
+            <a:r>
+              <a:rPr lang="fr-FR" sz="1200" b="1" kern="1200" baseline="0" dirty="0" smtClean="0">
+                <a:solidFill>
+                  <a:schemeClr val="tx1"/>
+                </a:solidFill>
+                <a:effectLst/>
+                <a:latin typeface="+mn-lt"/>
+                <a:ea typeface="+mn-ea"/>
+                <a:cs typeface="+mn-cs"/>
+              </a:rPr>
+              <a:t>////////////////</a:t>
+            </a:r>
+          </a:p>
+          <a:p>
+            <a:r>
+              <a:rPr lang="fr-FR" sz="1200" b="0" kern="1200" baseline="0" dirty="0" smtClean="0">
+                <a:solidFill>
+                  <a:schemeClr val="tx1"/>
+                </a:solidFill>
+                <a:effectLst/>
+                <a:latin typeface="+mn-lt"/>
+                <a:ea typeface="+mn-ea"/>
+                <a:cs typeface="+mn-cs"/>
+              </a:rPr>
+              <a:t>on veut </a:t>
+            </a:r>
+            <a:r>
+              <a:rPr lang="fr-FR" sz="1200" b="0" kern="1200" baseline="0" dirty="0" err="1" smtClean="0">
+                <a:solidFill>
+                  <a:schemeClr val="tx1"/>
+                </a:solidFill>
+                <a:effectLst/>
+                <a:latin typeface="+mn-lt"/>
+                <a:ea typeface="+mn-ea"/>
+                <a:cs typeface="+mn-cs"/>
+              </a:rPr>
+              <a:t>deplacer</a:t>
+            </a:r>
+            <a:r>
+              <a:rPr lang="fr-FR" sz="1200" b="0" kern="1200" baseline="0" dirty="0" smtClean="0">
+                <a:solidFill>
+                  <a:schemeClr val="tx1"/>
+                </a:solidFill>
+                <a:effectLst/>
+                <a:latin typeface="+mn-lt"/>
+                <a:ea typeface="+mn-ea"/>
+                <a:cs typeface="+mn-cs"/>
+              </a:rPr>
+              <a:t> le pointeur la branche(</a:t>
+            </a:r>
+            <a:r>
+              <a:rPr lang="fr-FR" sz="1200" b="0" kern="1200" baseline="0" dirty="0" err="1" smtClean="0">
+                <a:solidFill>
+                  <a:schemeClr val="tx1"/>
+                </a:solidFill>
+                <a:effectLst/>
+                <a:latin typeface="+mn-lt"/>
+                <a:ea typeface="+mn-ea"/>
+                <a:cs typeface="+mn-cs"/>
+              </a:rPr>
+              <a:t>reinitialisé</a:t>
+            </a:r>
+            <a:r>
+              <a:rPr lang="fr-FR" sz="1200" b="0" kern="1200" baseline="0" dirty="0" smtClean="0">
+                <a:solidFill>
+                  <a:schemeClr val="tx1"/>
+                </a:solidFill>
+                <a:effectLst/>
+                <a:latin typeface="+mn-lt"/>
+                <a:ea typeface="+mn-ea"/>
+                <a:cs typeface="+mn-cs"/>
+              </a:rPr>
+              <a:t>  le </a:t>
+            </a:r>
+            <a:r>
+              <a:rPr lang="fr-FR" sz="1200" b="0" kern="1200" baseline="0" dirty="0" err="1" smtClean="0">
+                <a:solidFill>
+                  <a:schemeClr val="tx1"/>
+                </a:solidFill>
+                <a:effectLst/>
+                <a:latin typeface="+mn-lt"/>
+                <a:ea typeface="+mn-ea"/>
+                <a:cs typeface="+mn-cs"/>
+              </a:rPr>
+              <a:t>depot</a:t>
+            </a:r>
+            <a:r>
+              <a:rPr lang="fr-FR" sz="1200" b="0" kern="1200" baseline="0" dirty="0" smtClean="0">
+                <a:solidFill>
+                  <a:schemeClr val="tx1"/>
+                </a:solidFill>
+                <a:effectLst/>
+                <a:latin typeface="+mn-lt"/>
+                <a:ea typeface="+mn-ea"/>
+                <a:cs typeface="+mn-cs"/>
+              </a:rPr>
+              <a:t>) vers une commit postérieure, </a:t>
+            </a:r>
+            <a:r>
+              <a:rPr lang="fr-FR" sz="1200" b="0" kern="1200" baseline="0" dirty="0" err="1" smtClean="0">
+                <a:solidFill>
+                  <a:schemeClr val="tx1"/>
+                </a:solidFill>
+                <a:effectLst/>
+                <a:latin typeface="+mn-lt"/>
+                <a:ea typeface="+mn-ea"/>
+                <a:cs typeface="+mn-cs"/>
+              </a:rPr>
+              <a:t>annul</a:t>
+            </a:r>
+            <a:r>
+              <a:rPr lang="fr-FR" sz="1200" b="0" kern="1200" baseline="0" dirty="0" smtClean="0">
+                <a:solidFill>
+                  <a:schemeClr val="tx1"/>
+                </a:solidFill>
+                <a:effectLst/>
+                <a:latin typeface="+mn-lt"/>
+                <a:ea typeface="+mn-ea"/>
+                <a:cs typeface="+mn-cs"/>
+              </a:rPr>
+              <a:t> les commit qui suis cette commit mas le </a:t>
+            </a:r>
+            <a:r>
+              <a:rPr lang="fr-FR" sz="1200" b="0" kern="1200" baseline="0" dirty="0" err="1" smtClean="0">
+                <a:solidFill>
+                  <a:schemeClr val="tx1"/>
+                </a:solidFill>
+                <a:effectLst/>
+                <a:latin typeface="+mn-lt"/>
+                <a:ea typeface="+mn-ea"/>
+                <a:cs typeface="+mn-cs"/>
+              </a:rPr>
+              <a:t>répertoie</a:t>
+            </a:r>
+            <a:r>
+              <a:rPr lang="fr-FR" sz="1200" b="0" kern="1200" baseline="0" dirty="0" smtClean="0">
+                <a:solidFill>
+                  <a:schemeClr val="tx1"/>
+                </a:solidFill>
+                <a:effectLst/>
+                <a:latin typeface="+mn-lt"/>
+                <a:ea typeface="+mn-ea"/>
+                <a:cs typeface="+mn-cs"/>
+              </a:rPr>
+              <a:t> de travail reste le </a:t>
+            </a:r>
+            <a:r>
+              <a:rPr lang="fr-FR" sz="1200" b="0" kern="1200" baseline="0" dirty="0" err="1" smtClean="0">
+                <a:solidFill>
+                  <a:schemeClr val="tx1"/>
+                </a:solidFill>
+                <a:effectLst/>
+                <a:latin typeface="+mn-lt"/>
+                <a:ea typeface="+mn-ea"/>
+                <a:cs typeface="+mn-cs"/>
+              </a:rPr>
+              <a:t>meme.tout</a:t>
+            </a:r>
+            <a:r>
+              <a:rPr lang="fr-FR" sz="1200" b="0" kern="1200" baseline="0" dirty="0" smtClean="0">
+                <a:solidFill>
+                  <a:schemeClr val="tx1"/>
+                </a:solidFill>
+                <a:effectLst/>
+                <a:latin typeface="+mn-lt"/>
+                <a:ea typeface="+mn-ea"/>
+                <a:cs typeface="+mn-cs"/>
+              </a:rPr>
+              <a:t> d'abord on localise la commit ou on a envie de retourné(git log).</a:t>
+            </a:r>
+          </a:p>
+          <a:p>
+            <a:r>
+              <a:rPr lang="fr-FR" sz="1200" b="0" kern="1200" baseline="0" dirty="0" smtClean="0">
+                <a:solidFill>
+                  <a:schemeClr val="tx1"/>
+                </a:solidFill>
+                <a:effectLst/>
+                <a:latin typeface="+mn-lt"/>
+                <a:ea typeface="+mn-ea"/>
+                <a:cs typeface="+mn-cs"/>
+              </a:rPr>
+              <a:t>il est </a:t>
+            </a:r>
+            <a:r>
+              <a:rPr lang="fr-FR" sz="1200" b="0" kern="1200" baseline="0" dirty="0" err="1" smtClean="0">
+                <a:solidFill>
+                  <a:schemeClr val="tx1"/>
+                </a:solidFill>
+                <a:effectLst/>
+                <a:latin typeface="+mn-lt"/>
+                <a:ea typeface="+mn-ea"/>
+                <a:cs typeface="+mn-cs"/>
+              </a:rPr>
+              <a:t>tolérabble</a:t>
+            </a:r>
+            <a:r>
+              <a:rPr lang="fr-FR" sz="1200" b="0" kern="1200" baseline="0" dirty="0" smtClean="0">
+                <a:solidFill>
+                  <a:schemeClr val="tx1"/>
+                </a:solidFill>
+                <a:effectLst/>
+                <a:latin typeface="+mn-lt"/>
+                <a:ea typeface="+mn-ea"/>
+                <a:cs typeface="+mn-cs"/>
+              </a:rPr>
+              <a:t> d'</a:t>
+            </a:r>
+            <a:r>
+              <a:rPr lang="fr-FR" sz="1200" b="0" kern="1200" baseline="0" dirty="0" err="1" smtClean="0">
+                <a:solidFill>
+                  <a:schemeClr val="tx1"/>
+                </a:solidFill>
+                <a:effectLst/>
+                <a:latin typeface="+mn-lt"/>
+                <a:ea typeface="+mn-ea"/>
+                <a:cs typeface="+mn-cs"/>
+              </a:rPr>
+              <a:t>aporté</a:t>
+            </a:r>
+            <a:r>
+              <a:rPr lang="fr-FR" sz="1200" b="0" kern="1200" baseline="0" dirty="0" smtClean="0">
+                <a:solidFill>
+                  <a:schemeClr val="tx1"/>
+                </a:solidFill>
+                <a:effectLst/>
+                <a:latin typeface="+mn-lt"/>
+                <a:ea typeface="+mn-ea"/>
+                <a:cs typeface="+mn-cs"/>
+              </a:rPr>
+              <a:t> ce type de modification à notre </a:t>
+            </a:r>
+            <a:r>
+              <a:rPr lang="fr-FR" sz="1200" b="0" kern="1200" baseline="0" dirty="0" err="1" smtClean="0">
+                <a:solidFill>
+                  <a:schemeClr val="tx1"/>
+                </a:solidFill>
+                <a:effectLst/>
+                <a:latin typeface="+mn-lt"/>
+                <a:ea typeface="+mn-ea"/>
+                <a:cs typeface="+mn-cs"/>
+              </a:rPr>
+              <a:t>dépot</a:t>
+            </a:r>
+            <a:r>
+              <a:rPr lang="fr-FR" sz="1200" b="0" kern="1200" baseline="0" dirty="0" smtClean="0">
+                <a:solidFill>
+                  <a:schemeClr val="tx1"/>
+                </a:solidFill>
+                <a:effectLst/>
+                <a:latin typeface="+mn-lt"/>
+                <a:ea typeface="+mn-ea"/>
+                <a:cs typeface="+mn-cs"/>
+              </a:rPr>
+              <a:t> </a:t>
+            </a:r>
+            <a:r>
+              <a:rPr lang="fr-FR" sz="1200" b="0" kern="1200" baseline="0" dirty="0" err="1" smtClean="0">
+                <a:solidFill>
+                  <a:schemeClr val="tx1"/>
+                </a:solidFill>
+                <a:effectLst/>
+                <a:latin typeface="+mn-lt"/>
+                <a:ea typeface="+mn-ea"/>
+                <a:cs typeface="+mn-cs"/>
+              </a:rPr>
+              <a:t>locale.mais</a:t>
+            </a:r>
+            <a:r>
+              <a:rPr lang="fr-FR" sz="1200" b="0" kern="1200" baseline="0" dirty="0" smtClean="0">
+                <a:solidFill>
+                  <a:schemeClr val="tx1"/>
+                </a:solidFill>
+                <a:effectLst/>
+                <a:latin typeface="+mn-lt"/>
+                <a:ea typeface="+mn-ea"/>
+                <a:cs typeface="+mn-cs"/>
+              </a:rPr>
+              <a:t> à </a:t>
+            </a:r>
+            <a:r>
+              <a:rPr lang="fr-FR" sz="1200" b="0" kern="1200" baseline="0" dirty="0" err="1" smtClean="0">
+                <a:solidFill>
+                  <a:schemeClr val="tx1"/>
+                </a:solidFill>
+                <a:effectLst/>
+                <a:latin typeface="+mn-lt"/>
+                <a:ea typeface="+mn-ea"/>
+                <a:cs typeface="+mn-cs"/>
+              </a:rPr>
+              <a:t>evité</a:t>
+            </a:r>
+            <a:r>
+              <a:rPr lang="fr-FR" sz="1200" b="0" kern="1200" baseline="0" dirty="0" smtClean="0">
+                <a:solidFill>
+                  <a:schemeClr val="tx1"/>
+                </a:solidFill>
+                <a:effectLst/>
+                <a:latin typeface="+mn-lt"/>
+                <a:ea typeface="+mn-ea"/>
+                <a:cs typeface="+mn-cs"/>
+              </a:rPr>
+              <a:t> de faire ces changement et </a:t>
+            </a:r>
+            <a:r>
+              <a:rPr lang="fr-FR" sz="1200" b="0" kern="1200" baseline="0" dirty="0" err="1" smtClean="0">
+                <a:solidFill>
+                  <a:schemeClr val="tx1"/>
+                </a:solidFill>
+                <a:effectLst/>
+                <a:latin typeface="+mn-lt"/>
+                <a:ea typeface="+mn-ea"/>
+                <a:cs typeface="+mn-cs"/>
+              </a:rPr>
+              <a:t>reécrire</a:t>
+            </a:r>
+            <a:r>
+              <a:rPr lang="fr-FR" sz="1200" b="0" kern="1200" baseline="0" dirty="0" smtClean="0">
+                <a:solidFill>
+                  <a:schemeClr val="tx1"/>
+                </a:solidFill>
+                <a:effectLst/>
+                <a:latin typeface="+mn-lt"/>
+                <a:ea typeface="+mn-ea"/>
+                <a:cs typeface="+mn-cs"/>
+              </a:rPr>
+              <a:t> l'historique de </a:t>
+            </a:r>
+            <a:r>
+              <a:rPr lang="fr-FR" sz="1200" b="0" kern="1200" baseline="0" dirty="0" err="1" smtClean="0">
+                <a:solidFill>
+                  <a:schemeClr val="tx1"/>
+                </a:solidFill>
+                <a:effectLst/>
+                <a:latin typeface="+mn-lt"/>
+                <a:ea typeface="+mn-ea"/>
+                <a:cs typeface="+mn-cs"/>
+              </a:rPr>
+              <a:t>dépot</a:t>
+            </a:r>
+            <a:r>
+              <a:rPr lang="fr-FR" sz="1200" b="0" kern="1200" baseline="0" dirty="0" smtClean="0">
+                <a:solidFill>
+                  <a:schemeClr val="tx1"/>
+                </a:solidFill>
+                <a:effectLst/>
+                <a:latin typeface="+mn-lt"/>
+                <a:ea typeface="+mn-ea"/>
+                <a:cs typeface="+mn-cs"/>
+              </a:rPr>
+              <a:t> distant surtout si d'autre </a:t>
+            </a:r>
+            <a:r>
+              <a:rPr lang="fr-FR" sz="1200" b="0" kern="1200" baseline="0" dirty="0" err="1" smtClean="0">
+                <a:solidFill>
+                  <a:schemeClr val="tx1"/>
+                </a:solidFill>
+                <a:effectLst/>
+                <a:latin typeface="+mn-lt"/>
+                <a:ea typeface="+mn-ea"/>
+                <a:cs typeface="+mn-cs"/>
+              </a:rPr>
+              <a:t>devloppeur</a:t>
+            </a:r>
+            <a:r>
+              <a:rPr lang="fr-FR" sz="1200" b="0" kern="1200" baseline="0" dirty="0" smtClean="0">
+                <a:solidFill>
+                  <a:schemeClr val="tx1"/>
+                </a:solidFill>
+                <a:effectLst/>
+                <a:latin typeface="+mn-lt"/>
+                <a:ea typeface="+mn-ea"/>
+                <a:cs typeface="+mn-cs"/>
+              </a:rPr>
+              <a:t> travail dessus.</a:t>
+            </a:r>
+          </a:p>
+          <a:p>
+            <a:r>
+              <a:rPr lang="fr-FR" sz="1200" b="0" kern="1200" baseline="0" dirty="0" err="1" smtClean="0">
+                <a:solidFill>
+                  <a:schemeClr val="tx1"/>
+                </a:solidFill>
+                <a:effectLst/>
+                <a:latin typeface="+mn-lt"/>
+                <a:ea typeface="+mn-ea"/>
+                <a:cs typeface="+mn-cs"/>
+              </a:rPr>
+              <a:t>meme</a:t>
+            </a:r>
+            <a:r>
+              <a:rPr lang="fr-FR" sz="1200" b="0" kern="1200" baseline="0" dirty="0" smtClean="0">
+                <a:solidFill>
+                  <a:schemeClr val="tx1"/>
+                </a:solidFill>
+                <a:effectLst/>
+                <a:latin typeface="+mn-lt"/>
+                <a:ea typeface="+mn-ea"/>
+                <a:cs typeface="+mn-cs"/>
+              </a:rPr>
+              <a:t> si les </a:t>
+            </a:r>
+            <a:r>
+              <a:rPr lang="fr-FR" sz="1200" b="0" kern="1200" baseline="0" dirty="0" err="1" smtClean="0">
+                <a:solidFill>
+                  <a:schemeClr val="tx1"/>
+                </a:solidFill>
+                <a:effectLst/>
+                <a:latin typeface="+mn-lt"/>
+                <a:ea typeface="+mn-ea"/>
+                <a:cs typeface="+mn-cs"/>
+              </a:rPr>
+              <a:t>commits</a:t>
+            </a:r>
+            <a:r>
+              <a:rPr lang="fr-FR" sz="1200" b="0" kern="1200" baseline="0" dirty="0" smtClean="0">
+                <a:solidFill>
+                  <a:schemeClr val="tx1"/>
+                </a:solidFill>
+                <a:effectLst/>
+                <a:latin typeface="+mn-lt"/>
+                <a:ea typeface="+mn-ea"/>
+                <a:cs typeface="+mn-cs"/>
+              </a:rPr>
+              <a:t> n'apparaissent plus dans le </a:t>
+            </a:r>
+            <a:r>
+              <a:rPr lang="fr-FR" sz="1200" b="0" kern="1200" baseline="0" dirty="0" err="1" smtClean="0">
+                <a:solidFill>
+                  <a:schemeClr val="tx1"/>
+                </a:solidFill>
+                <a:effectLst/>
+                <a:latin typeface="+mn-lt"/>
+                <a:ea typeface="+mn-ea"/>
+                <a:cs typeface="+mn-cs"/>
+              </a:rPr>
+              <a:t>journal,elles</a:t>
+            </a:r>
+            <a:r>
+              <a:rPr lang="fr-FR" sz="1200" b="0" kern="1200" baseline="0" dirty="0" smtClean="0">
+                <a:solidFill>
+                  <a:schemeClr val="tx1"/>
+                </a:solidFill>
+                <a:effectLst/>
+                <a:latin typeface="+mn-lt"/>
+                <a:ea typeface="+mn-ea"/>
+                <a:cs typeface="+mn-cs"/>
+              </a:rPr>
+              <a:t> sont pas supprimé du Git (devient orphelin).avec hard </a:t>
+            </a:r>
+            <a:r>
+              <a:rPr lang="fr-FR" sz="1200" b="0" kern="1200" baseline="0" dirty="0" err="1" smtClean="0">
+                <a:solidFill>
+                  <a:schemeClr val="tx1"/>
+                </a:solidFill>
+                <a:effectLst/>
+                <a:latin typeface="+mn-lt"/>
+                <a:ea typeface="+mn-ea"/>
+                <a:cs typeface="+mn-cs"/>
+              </a:rPr>
+              <a:t>meme</a:t>
+            </a:r>
+            <a:r>
+              <a:rPr lang="fr-FR" sz="1200" b="0" kern="1200" baseline="0" dirty="0" smtClean="0">
+                <a:solidFill>
+                  <a:schemeClr val="tx1"/>
+                </a:solidFill>
+                <a:effectLst/>
+                <a:latin typeface="+mn-lt"/>
+                <a:ea typeface="+mn-ea"/>
+                <a:cs typeface="+mn-cs"/>
+              </a:rPr>
+              <a:t> je revient au dernier commit  mais je perd les </a:t>
+            </a:r>
+            <a:r>
+              <a:rPr lang="fr-FR" sz="1200" b="0" kern="1200" baseline="0" dirty="0" err="1" smtClean="0">
+                <a:solidFill>
+                  <a:schemeClr val="tx1"/>
+                </a:solidFill>
+                <a:effectLst/>
+                <a:latin typeface="+mn-lt"/>
+                <a:ea typeface="+mn-ea"/>
+                <a:cs typeface="+mn-cs"/>
+              </a:rPr>
+              <a:t>modifications.utilise</a:t>
+            </a:r>
+            <a:r>
+              <a:rPr lang="fr-FR" sz="1200" b="0" kern="1200" baseline="0" dirty="0" smtClean="0">
+                <a:solidFill>
+                  <a:schemeClr val="tx1"/>
+                </a:solidFill>
+                <a:effectLst/>
+                <a:latin typeface="+mn-lt"/>
+                <a:ea typeface="+mn-ea"/>
+                <a:cs typeface="+mn-cs"/>
+              </a:rPr>
+              <a:t> pour </a:t>
+            </a:r>
+            <a:r>
+              <a:rPr lang="fr-FR" sz="1200" b="0" kern="1200" baseline="0" dirty="0" err="1" smtClean="0">
+                <a:solidFill>
+                  <a:schemeClr val="tx1"/>
+                </a:solidFill>
+                <a:effectLst/>
+                <a:latin typeface="+mn-lt"/>
+                <a:ea typeface="+mn-ea"/>
+                <a:cs typeface="+mn-cs"/>
+              </a:rPr>
+              <a:t>unstage</a:t>
+            </a:r>
+            <a:r>
+              <a:rPr lang="fr-FR" sz="1200" b="0" kern="1200" baseline="0" dirty="0" smtClean="0">
+                <a:solidFill>
+                  <a:schemeClr val="tx1"/>
+                </a:solidFill>
+                <a:effectLst/>
+                <a:latin typeface="+mn-lt"/>
+                <a:ea typeface="+mn-ea"/>
+                <a:cs typeface="+mn-cs"/>
+              </a:rPr>
+              <a:t> des changements rien avoir avec le commit </a:t>
+            </a:r>
+            <a:r>
+              <a:rPr lang="fr-FR" sz="1200" b="0" kern="1200" baseline="0" dirty="0" err="1" smtClean="0">
+                <a:solidFill>
+                  <a:schemeClr val="tx1"/>
+                </a:solidFill>
+                <a:effectLst/>
+                <a:latin typeface="+mn-lt"/>
+                <a:ea typeface="+mn-ea"/>
+                <a:cs typeface="+mn-cs"/>
+              </a:rPr>
+              <a:t>prochain.annulé</a:t>
+            </a:r>
+            <a:r>
+              <a:rPr lang="fr-FR" sz="1200" b="0" kern="1200" baseline="0" dirty="0" smtClean="0">
+                <a:solidFill>
+                  <a:schemeClr val="tx1"/>
+                </a:solidFill>
+                <a:effectLst/>
+                <a:latin typeface="+mn-lt"/>
+                <a:ea typeface="+mn-ea"/>
+                <a:cs typeface="+mn-cs"/>
+              </a:rPr>
+              <a:t> des </a:t>
+            </a:r>
+            <a:r>
+              <a:rPr lang="fr-FR" sz="1200" b="0" kern="1200" baseline="0" dirty="0" err="1" smtClean="0">
+                <a:solidFill>
+                  <a:schemeClr val="tx1"/>
+                </a:solidFill>
+                <a:effectLst/>
+                <a:latin typeface="+mn-lt"/>
+                <a:ea typeface="+mn-ea"/>
+                <a:cs typeface="+mn-cs"/>
+              </a:rPr>
+              <a:t>changemnt</a:t>
+            </a:r>
+            <a:r>
+              <a:rPr lang="fr-FR" sz="1200" b="0" kern="1200" baseline="0" dirty="0" smtClean="0">
+                <a:solidFill>
+                  <a:schemeClr val="tx1"/>
+                </a:solidFill>
+                <a:effectLst/>
+                <a:latin typeface="+mn-lt"/>
+                <a:ea typeface="+mn-ea"/>
+                <a:cs typeface="+mn-cs"/>
+              </a:rPr>
+              <a:t> fait dans une </a:t>
+            </a:r>
+            <a:r>
+              <a:rPr lang="fr-FR" sz="1200" b="0" kern="1200" baseline="0" dirty="0" err="1" smtClean="0">
+                <a:solidFill>
+                  <a:schemeClr val="tx1"/>
+                </a:solidFill>
+                <a:effectLst/>
+                <a:latin typeface="+mn-lt"/>
+                <a:ea typeface="+mn-ea"/>
+                <a:cs typeface="+mn-cs"/>
+              </a:rPr>
+              <a:t>experementation</a:t>
+            </a:r>
+            <a:r>
+              <a:rPr lang="fr-FR" sz="1200" b="0" kern="1200" baseline="0" dirty="0" smtClean="0">
+                <a:solidFill>
+                  <a:schemeClr val="tx1"/>
+                </a:solidFill>
+                <a:effectLst/>
+                <a:latin typeface="+mn-lt"/>
+                <a:ea typeface="+mn-ea"/>
+                <a:cs typeface="+mn-cs"/>
+              </a:rPr>
+              <a:t> locale</a:t>
+            </a:r>
+            <a:endParaRPr lang="fr-FR" sz="1200" b="0" kern="1200" baseline="0" dirty="0" smtClean="0">
               <a:solidFill>
                 <a:schemeClr val="tx1"/>
               </a:solidFill>
@@ -1349,6 +1983,239 @@
               <a:ea typeface="+mn-ea"/>
               <a:cs typeface="+mn-cs"/>
             </a:endParaRPr>
+          </a:p>
+          <a:p>
+            <a:r>
+              <a:rPr lang="fr-FR" dirty="0" smtClean="0"/>
+              <a:t>Git reset –soft</a:t>
+            </a:r>
+            <a:r>
+              <a:rPr lang="fr-FR" baseline="0" dirty="0" smtClean="0"/>
+              <a:t> </a:t>
+            </a:r>
+            <a:r>
+              <a:rPr lang="fr-FR" sz="1200" b="1" kern="1200" dirty="0" smtClean="0">
+                <a:solidFill>
+                  <a:schemeClr val="tx1"/>
+                </a:solidFill>
+                <a:effectLst/>
+                <a:latin typeface="+mn-lt"/>
+                <a:ea typeface="+mn-ea"/>
+                <a:cs typeface="+mn-cs"/>
+              </a:rPr>
+              <a:t>HEAD^ : </a:t>
+            </a:r>
+            <a:r>
+              <a:rPr lang="fr-FR" sz="1200" b="1" kern="1200" dirty="0" err="1" smtClean="0">
+                <a:solidFill>
+                  <a:schemeClr val="tx1"/>
+                </a:solidFill>
+                <a:effectLst/>
+                <a:latin typeface="+mn-lt"/>
+                <a:ea typeface="+mn-ea"/>
+                <a:cs typeface="+mn-cs"/>
+              </a:rPr>
+              <a:t>suprime</a:t>
+            </a:r>
+            <a:r>
+              <a:rPr lang="fr-FR" sz="1200" b="1" kern="1200" baseline="0" dirty="0" smtClean="0">
+                <a:solidFill>
+                  <a:schemeClr val="tx1"/>
+                </a:solidFill>
+                <a:effectLst/>
+                <a:latin typeface="+mn-lt"/>
+                <a:ea typeface="+mn-ea"/>
+                <a:cs typeface="+mn-cs"/>
+              </a:rPr>
+              <a:t> le dernier commit et </a:t>
+            </a:r>
+            <a:r>
+              <a:rPr lang="fr-FR" sz="1200" b="1" kern="1200" baseline="0" dirty="0" err="1" smtClean="0">
+                <a:solidFill>
+                  <a:schemeClr val="tx1"/>
+                </a:solidFill>
+                <a:effectLst/>
+                <a:latin typeface="+mn-lt"/>
+                <a:ea typeface="+mn-ea"/>
+                <a:cs typeface="+mn-cs"/>
+              </a:rPr>
+              <a:t>retourn</a:t>
+            </a:r>
+            <a:r>
+              <a:rPr lang="fr-FR" sz="1200" b="1" kern="1200" baseline="0" dirty="0" smtClean="0">
+                <a:solidFill>
+                  <a:schemeClr val="tx1"/>
+                </a:solidFill>
+                <a:effectLst/>
+                <a:latin typeface="+mn-lt"/>
+                <a:ea typeface="+mn-ea"/>
+                <a:cs typeface="+mn-cs"/>
+              </a:rPr>
+              <a:t> a </a:t>
+            </a:r>
+            <a:r>
+              <a:rPr lang="fr-FR" sz="1200" b="1" kern="1200" baseline="0" dirty="0" err="1" smtClean="0">
+                <a:solidFill>
+                  <a:schemeClr val="tx1"/>
+                </a:solidFill>
+                <a:effectLst/>
+                <a:latin typeface="+mn-lt"/>
+                <a:ea typeface="+mn-ea"/>
+                <a:cs typeface="+mn-cs"/>
+              </a:rPr>
+              <a:t>etat</a:t>
+            </a:r>
+            <a:r>
+              <a:rPr lang="fr-FR" sz="1200" b="1" kern="1200" baseline="0" dirty="0" smtClean="0">
+                <a:solidFill>
+                  <a:schemeClr val="tx1"/>
+                </a:solidFill>
+                <a:effectLst/>
+                <a:latin typeface="+mn-lt"/>
+                <a:ea typeface="+mn-ea"/>
+                <a:cs typeface="+mn-cs"/>
+              </a:rPr>
+              <a:t> </a:t>
+            </a:r>
+            <a:r>
+              <a:rPr lang="fr-FR" sz="1200" b="1" kern="1200" baseline="0" dirty="0" err="1" smtClean="0">
+                <a:solidFill>
+                  <a:schemeClr val="tx1"/>
+                </a:solidFill>
+                <a:effectLst/>
+                <a:latin typeface="+mn-lt"/>
+                <a:ea typeface="+mn-ea"/>
+                <a:cs typeface="+mn-cs"/>
+              </a:rPr>
+              <a:t>staged</a:t>
+            </a:r>
+            <a:r>
+              <a:rPr lang="fr-FR" sz="1200" b="1" kern="1200" baseline="0" dirty="0" smtClean="0">
+                <a:solidFill>
+                  <a:schemeClr val="tx1"/>
+                </a:solidFill>
+                <a:effectLst/>
+                <a:latin typeface="+mn-lt"/>
+                <a:ea typeface="+mn-ea"/>
+                <a:cs typeface="+mn-cs"/>
+              </a:rPr>
+              <a:t> </a:t>
+            </a:r>
+          </a:p>
+          <a:p>
+            <a:r>
+              <a:rPr lang="fr-FR" dirty="0" smtClean="0"/>
+              <a:t>Git reset </a:t>
+            </a:r>
+            <a:r>
+              <a:rPr lang="fr-FR" sz="1200" b="1" kern="1200" dirty="0" smtClean="0">
+                <a:solidFill>
+                  <a:schemeClr val="tx1"/>
+                </a:solidFill>
+                <a:effectLst/>
+                <a:latin typeface="+mn-lt"/>
+                <a:ea typeface="+mn-ea"/>
+                <a:cs typeface="+mn-cs"/>
+              </a:rPr>
+              <a:t>HEAD^:</a:t>
+            </a:r>
+            <a:r>
+              <a:rPr lang="fr-FR" sz="1200" b="1" kern="1200" baseline="0" dirty="0" smtClean="0">
+                <a:solidFill>
+                  <a:schemeClr val="tx1"/>
+                </a:solidFill>
+                <a:effectLst/>
+                <a:latin typeface="+mn-lt"/>
+                <a:ea typeface="+mn-ea"/>
+                <a:cs typeface="+mn-cs"/>
+              </a:rPr>
+              <a:t> mixed par </a:t>
+            </a:r>
+            <a:r>
+              <a:rPr lang="fr-FR" sz="1200" b="1" kern="1200" baseline="0" dirty="0" err="1" smtClean="0">
+                <a:solidFill>
+                  <a:schemeClr val="tx1"/>
+                </a:solidFill>
+                <a:effectLst/>
+                <a:latin typeface="+mn-lt"/>
+                <a:ea typeface="+mn-ea"/>
+                <a:cs typeface="+mn-cs"/>
+              </a:rPr>
+              <a:t>defaut</a:t>
+            </a:r>
+            <a:r>
+              <a:rPr lang="fr-FR" sz="1200" b="1" kern="1200" baseline="0" dirty="0" smtClean="0">
+                <a:solidFill>
+                  <a:schemeClr val="tx1"/>
+                </a:solidFill>
+                <a:effectLst/>
+                <a:latin typeface="+mn-lt"/>
+                <a:ea typeface="+mn-ea"/>
+                <a:cs typeface="+mn-cs"/>
+              </a:rPr>
+              <a:t> </a:t>
+            </a:r>
+            <a:r>
+              <a:rPr lang="fr-FR" sz="1200" b="1" kern="1200" dirty="0" err="1" smtClean="0">
+                <a:solidFill>
+                  <a:schemeClr val="tx1"/>
+                </a:solidFill>
+                <a:effectLst/>
+                <a:latin typeface="+mn-lt"/>
+                <a:ea typeface="+mn-ea"/>
+                <a:cs typeface="+mn-cs"/>
+              </a:rPr>
+              <a:t>suprime</a:t>
+            </a:r>
+            <a:r>
+              <a:rPr lang="fr-FR" sz="1200" b="1" kern="1200" baseline="0" dirty="0" smtClean="0">
+                <a:solidFill>
+                  <a:schemeClr val="tx1"/>
+                </a:solidFill>
+                <a:effectLst/>
+                <a:latin typeface="+mn-lt"/>
+                <a:ea typeface="+mn-ea"/>
+                <a:cs typeface="+mn-cs"/>
+              </a:rPr>
+              <a:t> le dernier commit  et retourne à l’</a:t>
+            </a:r>
+            <a:r>
+              <a:rPr lang="fr-FR" sz="1200" b="1" kern="1200" baseline="0" dirty="0" err="1" smtClean="0">
+                <a:solidFill>
+                  <a:schemeClr val="tx1"/>
+                </a:solidFill>
+                <a:effectLst/>
+                <a:latin typeface="+mn-lt"/>
+                <a:ea typeface="+mn-ea"/>
+                <a:cs typeface="+mn-cs"/>
+              </a:rPr>
+              <a:t>etat</a:t>
+            </a:r>
+            <a:r>
+              <a:rPr lang="fr-FR" sz="1200" b="1" kern="1200" baseline="0" dirty="0" smtClean="0">
+                <a:solidFill>
+                  <a:schemeClr val="tx1"/>
+                </a:solidFill>
+                <a:effectLst/>
+                <a:latin typeface="+mn-lt"/>
+                <a:ea typeface="+mn-ea"/>
+                <a:cs typeface="+mn-cs"/>
+              </a:rPr>
+              <a:t> </a:t>
+            </a:r>
+            <a:r>
+              <a:rPr lang="fr-FR" sz="1200" b="1" kern="1200" baseline="0" dirty="0" err="1" smtClean="0">
+                <a:solidFill>
+                  <a:schemeClr val="tx1"/>
+                </a:solidFill>
+                <a:effectLst/>
+                <a:latin typeface="+mn-lt"/>
+                <a:ea typeface="+mn-ea"/>
+                <a:cs typeface="+mn-cs"/>
+              </a:rPr>
+              <a:t>unsatagé</a:t>
+            </a:r>
+            <a:endParaRPr lang="fr-FR" dirty="0" smtClean="0"/>
           </a:p>
           <a:p>
             <a:pPr marL="0" marR="0" lvl="0" indent="0" algn="l" defTabSz="914400" rtl="0" eaLnBrk="1" fontAlgn="auto" latinLnBrk="0" hangingPunct="1">
@@ -1369,6 +2236,34 @@
               <a:defRPr/>
             </a:pPr>
             <a:r>
+              <a:rPr lang="fr-FR" dirty="0" smtClean="0"/>
+              <a:t>Git reset –hard  </a:t>
+            </a:r>
+            <a:r>
+              <a:rPr lang="fr-FR" sz="1200" b="1" kern="1200" dirty="0" smtClean="0">
+                <a:solidFill>
+                  <a:schemeClr val="tx1"/>
+                </a:solidFill>
+                <a:effectLst/>
+                <a:latin typeface="+mn-lt"/>
+                <a:ea typeface="+mn-ea"/>
+                <a:cs typeface="+mn-cs"/>
+              </a:rPr>
+              <a:t>HEAD^: </a:t>
+            </a:r>
+            <a:r>
+              <a:rPr lang="fr-FR" sz="1200" b="1" kern="1200" dirty="0" err="1" smtClean="0">
+                <a:solidFill>
+                  <a:schemeClr val="tx1"/>
+                </a:solidFill>
+                <a:effectLst/>
+                <a:latin typeface="+mn-lt"/>
+                <a:ea typeface="+mn-ea"/>
+                <a:cs typeface="+mn-cs"/>
+              </a:rPr>
+              <a:t>suprime</a:t>
+            </a:r>
+            <a:r>
               <a:rPr lang="fr-FR" sz="1200" b="1" kern="1200" baseline="0" dirty="0" smtClean="0">
                 <a:solidFill>
                   <a:schemeClr val="tx1"/>
@@ -1378,89 +2273,8 @@
                 <a:ea typeface="+mn-ea"/>
                 <a:cs typeface="+mn-cs"/>
               </a:rPr>
-              <a:t>-Le message de commit peut contenir les infos suivantes:</a:t>
-            </a:r>
-          </a:p>
-          <a:p>
-            <a:pPr marL="0" marR="0" lvl="0" indent="0" algn="l" defTabSz="914400" rtl="0" eaLnBrk="1" fontAlgn="auto" latinLnBrk="0" hangingPunct="1">
-              <a:lnSpc>
-                <a:spcPct val="100000"/>
-              </a:lnSpc>
-              <a:spcBef>
-                <a:spcPts val="0"/>
-              </a:spcBef>
-              <a:spcAft>
-                <a:spcPts val="0"/>
-              </a:spcAft>
-              <a:buClrTx/>
-              <a:buSzTx/>
-              <a:buFontTx/>
-              <a:buNone/>
-              <a:tabLst/>
-              <a:defRPr/>
-            </a:pPr>
-            <a:r>
-              <a:rPr lang="fr-FR" sz="1200" b="0" kern="1200" baseline="0" dirty="0" smtClean="0">
-                <a:solidFill>
-                  <a:schemeClr val="tx1"/>
-                </a:solidFill>
-                <a:effectLst/>
-                <a:latin typeface="+mn-lt"/>
-                <a:ea typeface="+mn-ea"/>
-                <a:cs typeface="+mn-cs"/>
-              </a:rPr>
-              <a:t>1.Ce qui est nouveau</a:t>
-            </a:r>
-          </a:p>
-          <a:p>
-            <a:pPr marL="0" marR="0" lvl="0" indent="0" algn="l" defTabSz="914400" rtl="0" eaLnBrk="1" fontAlgn="auto" latinLnBrk="0" hangingPunct="1">
-              <a:lnSpc>
-                <a:spcPct val="100000"/>
-              </a:lnSpc>
-              <a:spcBef>
-                <a:spcPts val="0"/>
-              </a:spcBef>
-              <a:spcAft>
-                <a:spcPts val="0"/>
-              </a:spcAft>
-              <a:buClrTx/>
-              <a:buSzTx/>
-              <a:buFontTx/>
-              <a:buNone/>
-              <a:tabLst/>
-              <a:defRPr/>
-            </a:pPr>
-            <a:r>
-              <a:rPr lang="fr-FR" sz="1200" b="0" kern="1200" baseline="0" dirty="0" smtClean="0">
-                <a:solidFill>
-                  <a:schemeClr val="tx1"/>
-                </a:solidFill>
-                <a:effectLst/>
-                <a:latin typeface="+mn-lt"/>
-                <a:ea typeface="+mn-ea"/>
-                <a:cs typeface="+mn-cs"/>
-              </a:rPr>
-              <a:t>2.Les raisons de changements</a:t>
-            </a:r>
-          </a:p>
-          <a:p>
-            <a:pPr marL="0" marR="0" lvl="0" indent="0" algn="l" defTabSz="914400" rtl="0" eaLnBrk="1" fontAlgn="auto" latinLnBrk="0" hangingPunct="1">
-              <a:lnSpc>
-                <a:spcPct val="100000"/>
-              </a:lnSpc>
-              <a:spcBef>
-                <a:spcPts val="0"/>
-              </a:spcBef>
-              <a:spcAft>
-                <a:spcPts val="0"/>
-              </a:spcAft>
-              <a:buClrTx/>
-              <a:buSzTx/>
-              <a:buFontTx/>
-              <a:buNone/>
-              <a:tabLst/>
-              <a:defRPr/>
-            </a:pPr>
+              <a:t> le dernier commit  et supprime les modification</a:t>
+            </a:r>
             <a:endParaRPr lang="fr-FR" sz="1200" b="0" kern="1200" baseline="0" dirty="0" smtClean="0">
               <a:solidFill>
                 <a:schemeClr val="tx1"/>
@@ -1470,46 +2284,6 @@
               <a:ea typeface="+mn-ea"/>
               <a:cs typeface="+mn-cs"/>
             </a:endParaRPr>
-          </a:p>
-          <a:p>
-            <a:pPr marL="0" marR="0" lvl="0" indent="0" algn="l" defTabSz="914400" rtl="0" eaLnBrk="1" fontAlgn="auto" latinLnBrk="0" hangingPunct="1">
-              <a:lnSpc>
-                <a:spcPct val="100000"/>
-              </a:lnSpc>
-              <a:spcBef>
-                <a:spcPts val="0"/>
-              </a:spcBef>
-              <a:spcAft>
-                <a:spcPts val="0"/>
-              </a:spcAft>
-              <a:buClrTx/>
-              <a:buSzTx/>
-              <a:buFontTx/>
-              <a:buNone/>
-              <a:tabLst/>
-              <a:defRPr/>
-            </a:pPr>
-            <a:endParaRPr lang="fr-FR" dirty="0" smtClean="0"/>
-          </a:p>
-          <a:p>
-            <a:pPr marL="0" marR="0" lvl="0" indent="0" algn="l" defTabSz="914400" rtl="0" eaLnBrk="1" fontAlgn="auto" latinLnBrk="0" hangingPunct="1">
-              <a:lnSpc>
-                <a:spcPct val="100000"/>
-              </a:lnSpc>
-              <a:spcBef>
-                <a:spcPts val="0"/>
-              </a:spcBef>
-              <a:spcAft>
-                <a:spcPts val="0"/>
-              </a:spcAft>
-              <a:buClrTx/>
-              <a:buSzTx/>
-              <a:buFontTx/>
-              <a:buNone/>
-              <a:tabLst/>
-              <a:defRPr/>
-            </a:pPr>
-            <a:endParaRPr lang="fr-FR" dirty="0"/>
           </a:p>
         </p:txBody>
       </p:sp>
@@ -5964,7 +6738,15 @@
             </a:r>
             <a:r>
               <a:rPr lang="fr-FR" baseline="0" dirty="0" smtClean="0"/>
-              <a:t> qui vont être stocké le commit suivant(second valeur est le hash de contenue du file1</a:t>
+              <a:t> qui vont être stocké dans le commit prochaine(second valeur est le hash de contenue du file1) </a:t>
+            </a:r>
+            <a:r>
+              <a:rPr lang="fr-FR" baseline="0" dirty="0" err="1" smtClean="0"/>
+              <a:t>mecanise</a:t>
+            </a:r>
+            <a:r>
+              <a:rPr lang="fr-FR" baseline="0" dirty="0" smtClean="0"/>
+              <a:t> de cache interne complexe</a:t>
             </a:r>
           </a:p>
           <a:p>
@@ -6128,6 +6910,241 @@
 </p:notes>
 </file>
 
+<file path=ppt/notesSlides/notesSlide28.xml><?xml version="1.0" encoding="utf-8"?>
+<p:notes xmlns:a="http://schemas.openxmlformats.org/drawingml/2006/main" xmlns:r="http://schemas.openxmlformats.org/officeDocument/2006/relationships" xmlns:p="http://schemas.openxmlformats.org/presentationml/2006/main">
+  <p:cSld>
+    <p:spTree>
+      <p:nvGrpSpPr>
+        <p:cNvPr id="1" name=""/>
+        <p:cNvGrpSpPr/>
+        <p:nvPr/>
+      </p:nvGrpSpPr>
+      <p:grpSpPr>
+        <a:xfrm>
+          <a:off x="0" y="0"/>
+          <a:ext cx="0" cy="0"/>
+          <a:chOff x="0" y="0"/>
+          <a:chExt cx="0" cy="0"/>
+        </a:xfrm>
+      </p:grpSpPr>
+      <p:sp>
+        <p:nvSpPr>
+          <p:cNvPr id="2" name="Espace réservé de l'image des diapositives 1"/>
+          <p:cNvSpPr>
+            <a:spLocks noGrp="1" noRot="1" noChangeAspect="1"/>
+          </p:cNvSpPr>
+          <p:nvPr>
+            <p:ph type="sldImg"/>
+          </p:nvPr>
+        </p:nvSpPr>
+        <p:spPr/>
+      </p:sp>
+      <p:sp>
+        <p:nvSpPr>
+          <p:cNvPr id="3" name="Espace réservé des commentaires 2"/>
+          <p:cNvSpPr>
+            <a:spLocks noGrp="1"/>
+          </p:cNvSpPr>
+          <p:nvPr>
+            <p:ph type="body" idx="1"/>
+          </p:nvPr>
+        </p:nvSpPr>
+        <p:spPr/>
+        <p:txBody>
+          <a:bodyPr/>
+          <a:lstStyle/>
+          <a:p>
+            <a:r>
+              <a:rPr lang="fr-FR" b="1" dirty="0" smtClean="0"/>
+              <a:t>Pour –soft basculer vers initial commit</a:t>
+            </a:r>
+            <a:r>
+              <a:rPr lang="fr-FR" dirty="0" smtClean="0"/>
+              <a:t> </a:t>
+            </a:r>
+          </a:p>
+          <a:p>
+            <a:r>
+              <a:rPr lang="fr-FR" dirty="0" smtClean="0"/>
+              <a:t>1.gs</a:t>
+            </a:r>
+            <a:r>
+              <a:rPr lang="fr-FR" baseline="0" dirty="0" smtClean="0"/>
+              <a:t> &amp;&amp; git </a:t>
+            </a:r>
+            <a:r>
+              <a:rPr lang="fr-FR" baseline="0" dirty="0" err="1" smtClean="0"/>
+              <a:t>ls</a:t>
+            </a:r>
+            <a:r>
+              <a:rPr lang="fr-FR" baseline="0" dirty="0" smtClean="0"/>
+              <a:t>-files - s</a:t>
+            </a:r>
+            <a:endParaRPr lang="fr-FR" dirty="0" smtClean="0"/>
+          </a:p>
+          <a:p>
+            <a:pPr marL="0" indent="0">
+              <a:buFont typeface="+mj-lt"/>
+              <a:buNone/>
+            </a:pPr>
+            <a:r>
+              <a:rPr lang="fr-FR" dirty="0" smtClean="0"/>
+              <a:t>2.git</a:t>
+            </a:r>
+            <a:r>
+              <a:rPr lang="fr-FR" baseline="0" dirty="0" smtClean="0"/>
+              <a:t> reset –soft </a:t>
+            </a:r>
+            <a:r>
+              <a:rPr lang="fr-FR" baseline="0" dirty="0" err="1" smtClean="0"/>
+              <a:t>commitID</a:t>
+            </a:r>
+            <a:endParaRPr lang="fr-FR" baseline="0" dirty="0" smtClean="0"/>
+          </a:p>
+          <a:p>
+            <a:pPr marL="0" marR="0" lvl="0" indent="0" algn="l" defTabSz="914400" rtl="0" eaLnBrk="1" fontAlgn="auto" latinLnBrk="0" hangingPunct="1">
+              <a:lnSpc>
+                <a:spcPct val="100000"/>
+              </a:lnSpc>
+              <a:spcBef>
+                <a:spcPts val="0"/>
+              </a:spcBef>
+              <a:spcAft>
+                <a:spcPts val="0"/>
+              </a:spcAft>
+              <a:buClrTx/>
+              <a:buSzTx/>
+              <a:buFont typeface="+mj-lt"/>
+              <a:buNone/>
+              <a:tabLst/>
+              <a:defRPr/>
+            </a:pPr>
+            <a:r>
+              <a:rPr lang="fr-FR" baseline="0" dirty="0" smtClean="0"/>
+              <a:t>3.</a:t>
+            </a:r>
+            <a:r>
+              <a:rPr lang="fr-FR" dirty="0" smtClean="0"/>
+              <a:t> 1.gs</a:t>
+            </a:r>
+            <a:r>
+              <a:rPr lang="fr-FR" baseline="0" dirty="0" smtClean="0"/>
+              <a:t> &amp;&amp; git </a:t>
+            </a:r>
+            <a:r>
+              <a:rPr lang="fr-FR" baseline="0" dirty="0" err="1" smtClean="0"/>
+              <a:t>ls</a:t>
+            </a:r>
+            <a:r>
+              <a:rPr lang="fr-FR" baseline="0" dirty="0" smtClean="0"/>
+              <a:t>-files – s</a:t>
+            </a:r>
+          </a:p>
+          <a:p>
+            <a:pPr marL="0" marR="0" lvl="0" indent="0" algn="l" defTabSz="914400" rtl="0" eaLnBrk="1" fontAlgn="auto" latinLnBrk="0" hangingPunct="1">
+              <a:lnSpc>
+                <a:spcPct val="100000"/>
+              </a:lnSpc>
+              <a:spcBef>
+                <a:spcPts val="0"/>
+              </a:spcBef>
+              <a:spcAft>
+                <a:spcPts val="0"/>
+              </a:spcAft>
+              <a:buClrTx/>
+              <a:buSzTx/>
+              <a:buFont typeface="+mj-lt"/>
+              <a:buNone/>
+              <a:tabLst/>
+              <a:defRPr/>
+            </a:pPr>
+            <a:r>
+              <a:rPr lang="fr-FR" b="1" baseline="0" dirty="0" smtClean="0"/>
+              <a:t>RQ</a:t>
+            </a:r>
+            <a:r>
+              <a:rPr lang="fr-FR" baseline="0" dirty="0" smtClean="0"/>
+              <a:t>: On </a:t>
+            </a:r>
+            <a:r>
+              <a:rPr lang="fr-FR" baseline="0" dirty="0" smtClean="0"/>
+              <a:t>voit comme quoi des ficher sont prêt pour le commit(déjà dans l’index).la </a:t>
+            </a:r>
+            <a:r>
+              <a:rPr lang="fr-FR" baseline="0" dirty="0" smtClean="0"/>
+              <a:t>deuxième </a:t>
+            </a:r>
+            <a:r>
+              <a:rPr lang="fr-FR" baseline="0" dirty="0" smtClean="0"/>
+              <a:t>command indique que l’index n’a pas </a:t>
+            </a:r>
+            <a:r>
+              <a:rPr lang="fr-FR" baseline="0" dirty="0" smtClean="0"/>
+              <a:t>changé. Exécute </a:t>
+            </a:r>
+            <a:r>
+              <a:rPr lang="fr-FR" baseline="0" dirty="0" smtClean="0"/>
+              <a:t>git log on remarque une seul commit dans le journal</a:t>
+            </a:r>
+          </a:p>
+          <a:p>
+            <a:pPr marL="0" marR="0" lvl="0" indent="0" algn="l" defTabSz="914400" rtl="0" eaLnBrk="1" fontAlgn="auto" latinLnBrk="0" hangingPunct="1">
+              <a:lnSpc>
+                <a:spcPct val="100000"/>
+              </a:lnSpc>
+              <a:spcBef>
+                <a:spcPts val="0"/>
+              </a:spcBef>
+              <a:spcAft>
+                <a:spcPts val="0"/>
+              </a:spcAft>
+              <a:buClrTx/>
+              <a:buSzTx/>
+              <a:buFont typeface="+mj-lt"/>
+              <a:buNone/>
+              <a:tabLst/>
+              <a:defRPr/>
+            </a:pPr>
+            <a:endParaRPr lang="fr-FR" dirty="0" smtClean="0"/>
+          </a:p>
+        </p:txBody>
+      </p:sp>
+      <p:sp>
+        <p:nvSpPr>
+          <p:cNvPr id="4" name="Espace réservé du numéro de diapositive 3"/>
+          <p:cNvSpPr>
+            <a:spLocks noGrp="1"/>
+          </p:cNvSpPr>
+          <p:nvPr>
+            <p:ph type="sldNum" sz="quarter" idx="10"/>
+          </p:nvPr>
+        </p:nvSpPr>
+        <p:spPr/>
+        <p:txBody>
+          <a:bodyPr/>
+          <a:lstStyle/>
+          <a:p>
+            <a:fld id="{852BFB1F-A0B8-45F9-8B0C-AE6AABDE724A}" type="slidenum">
+              <a:rPr lang="fr-FR" smtClean="0"/>
+              <a:t>38</a:t>
+            </a:fld>
+            <a:endParaRPr lang="fr-FR"/>
+          </a:p>
+        </p:txBody>
+      </p:sp>
+    </p:spTree>
+    <p:extLst>
+      <p:ext uri="{BB962C8B-B14F-4D97-AF65-F5344CB8AC3E}">
+        <p14:creationId xmlns:p14="http://schemas.microsoft.com/office/powerpoint/2010/main" val="946935002"/>
+      </p:ext>
+    </p:extLst>
+  </p:cSld>
+  <p:clrMapOvr>
+    <a:masterClrMapping/>
+  </p:clrMapOvr>
+</p:notes>
+</file>
+
 <file path=ppt/notesSlides/notesSlide3.xml><?xml version="1.0" encoding="utf-8"?>
 <p:notes xmlns:a="http://schemas.openxmlformats.org/drawingml/2006/main" xmlns:r="http://schemas.openxmlformats.org/officeDocument/2006/relationships" xmlns:p="http://schemas.openxmlformats.org/presentationml/2006/main">
   <p:cSld>
@@ -6502,15 +7519,7 @@
             </a:pPr>
             <a:r>
               <a:rPr lang="fr-FR" dirty="0" smtClean="0"/>
-              <a:t>git checkout « </a:t>
-            </a:r>
-            <a:r>
-              <a:rPr lang="fr-FR" dirty="0" err="1" smtClean="0"/>
-              <a:t>commit_hash</a:t>
-            </a:r>
-            <a:r>
-              <a:rPr lang="fr-FR" dirty="0" smtClean="0"/>
-              <a:t> » :</a:t>
+              <a:t>git checkout « commit_hash » :</a:t>
             </a:r>
             <a:r>
               <a:rPr lang="fr-FR" sz="1200" kern="1200" dirty="0" smtClean="0">
@@ -6885,11 +7894,7 @@
             </a:r>
             <a:r>
               <a:rPr lang="fr-FR" b="0" baseline="0" dirty="0" smtClean="0"/>
-              <a:t> vers le dernier </a:t>
-            </a:r>
-            <a:r>
-              <a:rPr lang="fr-FR" b="0" baseline="0" dirty="0" smtClean="0"/>
-              <a:t>commit</a:t>
+              <a:t> vers le dernier commit</a:t>
             </a:r>
             <a:endParaRPr lang="fr-FR" b="1" dirty="0" smtClean="0"/>
           </a:p>
@@ -7421,100 +8426,135 @@
             </a:r>
           </a:p>
           <a:p>
-            <a:pPr rtl="0"/>
-            <a:r>
-              <a:rPr lang="fr-FR" b="1" baseline="0" dirty="0" smtClean="0"/>
+            <a:r>
+              <a:rPr lang="fr-FR" dirty="0" smtClean="0"/>
+              <a:t>//////////</a:t>
+            </a:r>
+          </a:p>
+          <a:p>
+            <a:pPr marL="0" marR="0" lvl="0" indent="0" algn="l" defTabSz="914400" rtl="0" eaLnBrk="1" fontAlgn="auto" latinLnBrk="0" hangingPunct="1">
+              <a:lnSpc>
+                <a:spcPct val="100000"/>
+              </a:lnSpc>
+              <a:spcBef>
+                <a:spcPts val="0"/>
+              </a:spcBef>
+              <a:spcAft>
+                <a:spcPts val="0"/>
+              </a:spcAft>
+              <a:buClrTx/>
+              <a:buSzTx/>
+              <a:buFontTx/>
+              <a:buNone/>
+              <a:tabLst/>
+              <a:defRPr/>
+            </a:pPr>
+            <a:r>
+              <a:rPr lang="fr-FR" sz="1200" b="1" kern="1200" baseline="0" dirty="0" smtClean="0">
+                <a:solidFill>
+                  <a:schemeClr val="tx1"/>
+                </a:solidFill>
+                <a:effectLst/>
+                <a:latin typeface="+mn-lt"/>
+                <a:ea typeface="+mn-ea"/>
+                <a:cs typeface="+mn-cs"/>
+              </a:rPr>
+              <a:t>-Le message de commit peut contenir les infos suivantes:</a:t>
+            </a:r>
+          </a:p>
+          <a:p>
+            <a:pPr marL="0" marR="0" lvl="0" indent="0" algn="l" defTabSz="914400" rtl="0" eaLnBrk="1" fontAlgn="auto" latinLnBrk="0" hangingPunct="1">
+              <a:lnSpc>
+                <a:spcPct val="100000"/>
+              </a:lnSpc>
+              <a:spcBef>
+                <a:spcPts val="0"/>
+              </a:spcBef>
+              <a:spcAft>
+                <a:spcPts val="0"/>
+              </a:spcAft>
+              <a:buClrTx/>
+              <a:buSzTx/>
+              <a:buFontTx/>
+              <a:buNone/>
+              <a:tabLst/>
+              <a:defRPr/>
+            </a:pPr>
+            <a:r>
+              <a:rPr lang="fr-FR" sz="1200" b="0" kern="1200" baseline="0" dirty="0" smtClean="0">
+                <a:solidFill>
+                  <a:schemeClr val="tx1"/>
+                </a:solidFill>
+                <a:effectLst/>
+                <a:latin typeface="+mn-lt"/>
+                <a:ea typeface="+mn-ea"/>
+                <a:cs typeface="+mn-cs"/>
+              </a:rPr>
+              <a:t>1.Ce qui est nouveau 2.Les raisons de changements</a:t>
+            </a:r>
+          </a:p>
+          <a:p>
+            <a:r>
+              <a:rPr lang="fr-FR" dirty="0" smtClean="0"/>
+              <a:t>////</a:t>
+            </a:r>
+          </a:p>
+          <a:p>
+            <a:r>
+              <a:rPr lang="fr-FR" dirty="0" smtClean="0"/>
               <a:t>Git </a:t>
             </a:r>
             <a:r>
-              <a:rPr lang="fr-FR" b="1" baseline="0" dirty="0" err="1" smtClean="0"/>
-              <a:t>revert</a:t>
-            </a:r>
-            <a:r>
-              <a:rPr lang="fr-FR" b="1" baseline="0" dirty="0" smtClean="0"/>
+              <a:rPr lang="fr-FR" dirty="0" err="1" smtClean="0"/>
+              <a:t>diff</a:t>
+            </a:r>
+            <a:r>
+              <a:rPr lang="fr-FR" dirty="0" smtClean="0"/>
+              <a:t> –</a:t>
+            </a:r>
+            <a:r>
+              <a:rPr lang="fr-FR" dirty="0" err="1" smtClean="0"/>
+              <a:t>cached</a:t>
+            </a:r>
+            <a:r>
+              <a:rPr lang="fr-FR" baseline="0" dirty="0" smtClean="0"/>
+              <a:t> (index – commit pointé par </a:t>
+            </a:r>
+            <a:r>
+              <a:rPr lang="fr-FR" baseline="0" dirty="0" err="1" smtClean="0"/>
+              <a:t>head</a:t>
+            </a:r>
+            <a:r>
+              <a:rPr lang="fr-FR" baseline="0" dirty="0" smtClean="0"/>
+              <a:t>) </a:t>
+            </a:r>
+            <a:endParaRPr lang="fr-FR" dirty="0" smtClean="0"/>
+          </a:p>
+          <a:p>
+            <a:r>
+              <a:rPr lang="fr-FR" dirty="0" smtClean="0"/>
+              <a:t>Git</a:t>
+            </a:r>
+            <a:r>
+              <a:rPr lang="fr-FR" baseline="0" dirty="0" smtClean="0"/>
               <a:t> </a:t>
             </a:r>
             <a:r>
-              <a:rPr lang="fr-FR" b="1" baseline="0" dirty="0" smtClean="0"/>
-              <a:t>(mal comprise) :</a:t>
-            </a:r>
-            <a:r>
-              <a:rPr lang="fr-FR" b="0" baseline="0" dirty="0" smtClean="0"/>
-              <a:t>ne </a:t>
-            </a:r>
-            <a:r>
-              <a:rPr lang="fr-FR" b="0" baseline="0" dirty="0" smtClean="0"/>
-              <a:t>supprime pas </a:t>
-            </a:r>
-            <a:r>
-              <a:rPr lang="fr-FR" b="0" baseline="0" dirty="0" smtClean="0"/>
-              <a:t>le </a:t>
-            </a:r>
-            <a:r>
-              <a:rPr lang="fr-FR" b="0" baseline="0" dirty="0" smtClean="0"/>
-              <a:t>commit dans l’historique de </a:t>
-            </a:r>
-            <a:r>
-              <a:rPr lang="fr-FR" b="0" baseline="0" dirty="0" smtClean="0"/>
-              <a:t>projet(dépôt local) mail il le supprime de répertoire de travail. </a:t>
-            </a:r>
-            <a:r>
-              <a:rPr lang="fr-FR" b="0" baseline="0" dirty="0" smtClean="0"/>
-              <a:t>On détecte une erreur introduit par un commit au lieu de corrigé manuellement on peut faire git reverse pour corrigé authomatiquement.il prend le commit en question et inverse les </a:t>
-            </a:r>
-            <a:r>
-              <a:rPr lang="fr-FR" b="0" baseline="0" dirty="0" smtClean="0"/>
-              <a:t>changement(file </a:t>
-            </a:r>
-            <a:r>
-              <a:rPr lang="fr-FR" b="0" baseline="0" dirty="0" err="1" smtClean="0"/>
-              <a:t>creation</a:t>
-            </a:r>
-            <a:r>
-              <a:rPr lang="fr-FR" b="0" baseline="0" dirty="0" smtClean="0"/>
-              <a:t> =&gt;file suppression, </a:t>
-            </a:r>
-            <a:r>
-              <a:rPr lang="fr-FR" b="0" baseline="0" dirty="0" err="1" smtClean="0"/>
-              <a:t>text</a:t>
-            </a:r>
-            <a:r>
-              <a:rPr lang="fr-FR" b="0" baseline="0" dirty="0" smtClean="0"/>
-              <a:t> </a:t>
-            </a:r>
-            <a:r>
-              <a:rPr lang="fr-FR" b="0" baseline="0" dirty="0" err="1" smtClean="0"/>
-              <a:t>added</a:t>
-            </a:r>
-            <a:r>
-              <a:rPr lang="fr-FR" b="0" baseline="0" dirty="0" smtClean="0"/>
-              <a:t>=&gt;</a:t>
-            </a:r>
-            <a:r>
-              <a:rPr lang="fr-FR" b="0" baseline="0" dirty="0" err="1" smtClean="0"/>
-              <a:t>text</a:t>
-            </a:r>
-            <a:r>
-              <a:rPr lang="fr-FR" b="0" baseline="0" dirty="0" smtClean="0"/>
-              <a:t> </a:t>
-            </a:r>
-            <a:r>
-              <a:rPr lang="fr-FR" b="0" baseline="0" dirty="0" err="1" smtClean="0"/>
-              <a:t>removed</a:t>
-            </a:r>
-            <a:r>
-              <a:rPr lang="fr-FR" b="0" baseline="0" dirty="0" smtClean="0"/>
-              <a:t>) </a:t>
-            </a:r>
-            <a:r>
-              <a:rPr lang="fr-FR" b="0" baseline="0" dirty="0" smtClean="0"/>
-              <a:t>puis créer un nouveau commit de </a:t>
-            </a:r>
-            <a:r>
-              <a:rPr lang="fr-FR" b="0" baseline="0" dirty="0" smtClean="0"/>
-              <a:t>reverse.  </a:t>
-            </a:r>
-            <a:endParaRPr lang="fr-FR" b="0" baseline="0" dirty="0" smtClean="0"/>
+              <a:rPr lang="fr-FR" baseline="0" dirty="0" err="1" smtClean="0"/>
+              <a:t>status</a:t>
+            </a:r>
+            <a:r>
+              <a:rPr lang="fr-FR" baseline="0" dirty="0" smtClean="0"/>
+              <a:t> affiche (non </a:t>
+            </a:r>
+            <a:r>
+              <a:rPr lang="fr-FR" baseline="0" dirty="0" err="1" smtClean="0"/>
+              <a:t>track</a:t>
+            </a:r>
+            <a:r>
+              <a:rPr lang="fr-FR" baseline="0" dirty="0" smtClean="0"/>
+              <a:t> ,indexé ,non indexé)</a:t>
+            </a:r>
           </a:p>
         </p:txBody>
       </p:sp>
@@ -8039,239 +9079,65 @@
           </a:p>
           <a:p>
             <a:r>
-              <a:rPr lang="fr-FR" sz="1200" b="1" i="0" kern="1200" dirty="0" smtClean="0">
-                <a:solidFill>
-                  <a:schemeClr val="tx1"/>
-                </a:solidFill>
-                <a:effectLst/>
-                <a:latin typeface="+mn-lt"/>
-                <a:ea typeface="+mn-ea"/>
-                <a:cs typeface="+mn-cs"/>
-              </a:rPr>
-              <a:t>Git </a:t>
-            </a:r>
-            <a:r>
-              <a:rPr lang="fr-FR" sz="1200" b="1" i="0" kern="1200" dirty="0" err="1" smtClean="0">
-                <a:solidFill>
-                  <a:schemeClr val="tx1"/>
-                </a:solidFill>
-                <a:effectLst/>
-                <a:latin typeface="+mn-lt"/>
-                <a:ea typeface="+mn-ea"/>
-                <a:cs typeface="+mn-cs"/>
-              </a:rPr>
-              <a:t>blame</a:t>
-            </a:r>
-            <a:r>
-              <a:rPr lang="fr-FR" sz="1200" b="1" i="0" kern="1200" dirty="0" smtClean="0">
-                <a:solidFill>
-                  <a:schemeClr val="tx1"/>
-                </a:solidFill>
-                <a:effectLst/>
-                <a:latin typeface="+mn-lt"/>
-                <a:ea typeface="+mn-ea"/>
-                <a:cs typeface="+mn-cs"/>
-              </a:rPr>
-              <a:t>: </a:t>
-            </a:r>
-            <a:r>
-              <a:rPr lang="fr-FR" sz="1200" b="0" i="0" kern="1200" dirty="0" smtClean="0">
-                <a:solidFill>
-                  <a:schemeClr val="tx1"/>
-                </a:solidFill>
-                <a:effectLst/>
-                <a:latin typeface="+mn-lt"/>
-                <a:ea typeface="+mn-ea"/>
-                <a:cs typeface="+mn-cs"/>
-              </a:rPr>
-              <a:t>affiche</a:t>
-            </a:r>
-            <a:r>
-              <a:rPr lang="fr-FR" sz="1200" b="0" i="0" kern="1200" baseline="0" dirty="0" smtClean="0">
-                <a:solidFill>
-                  <a:schemeClr val="tx1"/>
-                </a:solidFill>
-                <a:effectLst/>
-                <a:latin typeface="+mn-lt"/>
-                <a:ea typeface="+mn-ea"/>
-                <a:cs typeface="+mn-cs"/>
-              </a:rPr>
-              <a:t> les </a:t>
-            </a:r>
-            <a:r>
-              <a:rPr lang="fr-FR" sz="1200" b="0" i="0" kern="1200" baseline="0" dirty="0" err="1" smtClean="0">
-                <a:solidFill>
-                  <a:schemeClr val="tx1"/>
-                </a:solidFill>
-                <a:effectLst/>
-                <a:latin typeface="+mn-lt"/>
-                <a:ea typeface="+mn-ea"/>
-                <a:cs typeface="+mn-cs"/>
-              </a:rPr>
-              <a:t>metadonné</a:t>
-            </a:r>
-            <a:r>
-              <a:rPr lang="fr-FR" sz="1200" b="0" i="0" kern="1200" baseline="0" dirty="0" smtClean="0">
-                <a:solidFill>
-                  <a:schemeClr val="tx1"/>
-                </a:solidFill>
-                <a:effectLst/>
-                <a:latin typeface="+mn-lt"/>
-                <a:ea typeface="+mn-ea"/>
-                <a:cs typeface="+mn-cs"/>
-              </a:rPr>
-              <a:t> du l’</a:t>
-            </a:r>
-            <a:r>
-              <a:rPr lang="fr-FR" sz="1200" b="0" i="0" kern="1200" baseline="0" dirty="0" err="1" smtClean="0">
-                <a:solidFill>
-                  <a:schemeClr val="tx1"/>
-                </a:solidFill>
-                <a:effectLst/>
-                <a:latin typeface="+mn-lt"/>
-                <a:ea typeface="+mn-ea"/>
-                <a:cs typeface="+mn-cs"/>
-              </a:rPr>
+              <a:rPr lang="fr-FR" b="1" dirty="0" smtClean="0"/>
+              <a:t>Git blame: </a:t>
+            </a:r>
+            <a:r>
+              <a:rPr lang="fr-FR" b="0" dirty="0" smtClean="0"/>
+              <a:t>affiche les métadonnée du l’</a:t>
+            </a:r>
+            <a:r>
+              <a:rPr lang="fr-FR" b="0" dirty="0" err="1" smtClean="0"/>
               <a:t>autheur</a:t>
             </a:r>
             <a:r>
-              <a:rPr lang="fr-FR" sz="1200" b="0" i="0" kern="1200" baseline="0" dirty="0" smtClean="0">
-                <a:solidFill>
-                  <a:schemeClr val="tx1"/>
-                </a:solidFill>
-                <a:effectLst/>
-                <a:latin typeface="+mn-lt"/>
-                <a:ea typeface="+mn-ea"/>
-                <a:cs typeface="+mn-cs"/>
-              </a:rPr>
-              <a:t> du commit(examiné les points spécifique de l’historique du fichier et obtenir par exemple celui qui a modifié le fichier en dernier) utilisé pour explorer l’historique d’un code spécifique et répondre au question quoi et comment et pourquoi un code à été ajouté a l’historique</a:t>
-            </a:r>
-          </a:p>
-          <a:p>
-            <a:r>
-              <a:rPr lang="fr-FR" sz="1200" b="0" i="0" kern="1200" baseline="0" dirty="0" smtClean="0">
-                <a:solidFill>
-                  <a:schemeClr val="tx1"/>
-                </a:solidFill>
-                <a:effectLst/>
-                <a:latin typeface="+mn-lt"/>
-                <a:ea typeface="+mn-ea"/>
-                <a:cs typeface="+mn-cs"/>
-              </a:rPr>
+              <a:rPr lang="fr-FR" b="0" dirty="0" smtClean="0"/>
+              <a:t> du commit, utilisé pour explorer l’historique d’un code spécifique et répondre au question quoi et comment et pourquoi un code à été ajouté a l’historique</a:t>
+            </a:r>
+          </a:p>
+          <a:p>
+            <a:r>
+              <a:rPr lang="fr-FR" b="0" dirty="0" smtClean="0"/>
               <a:t>Opère sur un seule fichier affiche(l’</a:t>
             </a:r>
             <a:r>
-              <a:rPr lang="fr-FR" sz="1200" b="0" i="0" kern="1200" baseline="0" dirty="0" err="1" smtClean="0">
-                <a:solidFill>
-                  <a:schemeClr val="tx1"/>
-                </a:solidFill>
-                <a:effectLst/>
-                <a:latin typeface="+mn-lt"/>
-                <a:ea typeface="+mn-ea"/>
-                <a:cs typeface="+mn-cs"/>
-              </a:rPr>
+              <a:rPr lang="fr-FR" b="0" dirty="0" err="1" smtClean="0"/>
               <a:t>autheur,date,numéro</a:t>
             </a:r>
             <a:r>
-              <a:rPr lang="fr-FR" sz="1200" b="0" i="0" kern="1200" baseline="0" dirty="0" smtClean="0">
-                <a:solidFill>
-                  <a:schemeClr val="tx1"/>
-                </a:solidFill>
-                <a:effectLst/>
-                <a:latin typeface="+mn-lt"/>
-                <a:ea typeface="+mn-ea"/>
-                <a:cs typeface="+mn-cs"/>
-              </a:rPr>
+              <a:rPr lang="fr-FR" b="0" dirty="0" smtClean="0"/>
               <a:t> ligne, contenue ligne)</a:t>
             </a:r>
           </a:p>
           <a:p>
             <a:r>
-              <a:rPr lang="fr-FR" sz="1200" b="0" i="0" kern="1200" baseline="0" dirty="0" smtClean="0">
-                <a:solidFill>
-                  <a:schemeClr val="tx1"/>
-                </a:solidFill>
-                <a:effectLst/>
-                <a:latin typeface="+mn-lt"/>
-                <a:ea typeface="+mn-ea"/>
-                <a:cs typeface="+mn-cs"/>
-              </a:rPr>
-              <a:t>Examine le fichier ligne par </a:t>
-            </a:r>
-            <a:r>
-              <a:rPr lang="fr-FR" sz="1200" b="0" i="0" kern="1200" baseline="0" dirty="0" err="1" smtClean="0">
-                <a:solidFill>
-                  <a:schemeClr val="tx1"/>
-                </a:solidFill>
-                <a:effectLst/>
-                <a:latin typeface="+mn-lt"/>
-                <a:ea typeface="+mn-ea"/>
-                <a:cs typeface="+mn-cs"/>
-              </a:rPr>
-              <a:t>lignepour</a:t>
-            </a:r>
-            <a:r>
-              <a:rPr lang="fr-FR" sz="1200" b="0" i="0" kern="1200" baseline="0" dirty="0" smtClean="0">
-                <a:solidFill>
-                  <a:schemeClr val="tx1"/>
-                </a:solidFill>
-                <a:effectLst/>
-                <a:latin typeface="+mn-lt"/>
-                <a:ea typeface="+mn-ea"/>
-                <a:cs typeface="+mn-cs"/>
-              </a:rPr>
-              <a:t> savoir pour chaque ligne quand est ce que à été modifié en dernier et qui est l’</a:t>
-            </a:r>
-            <a:r>
-              <a:rPr lang="fr-FR" sz="1200" b="0" i="0" kern="1200" baseline="0" dirty="0" err="1" smtClean="0">
-                <a:solidFill>
-                  <a:schemeClr val="tx1"/>
-                </a:solidFill>
-                <a:effectLst/>
-                <a:latin typeface="+mn-lt"/>
-                <a:ea typeface="+mn-ea"/>
-                <a:cs typeface="+mn-cs"/>
-              </a:rPr>
+              <a:rPr lang="fr-FR" b="0" dirty="0" smtClean="0"/>
+              <a:t>Examine le fichier ligne par ligne pour savoir pour chaque ligne quand est la dernier modifications et qui est l’</a:t>
+            </a:r>
+            <a:r>
+              <a:rPr lang="fr-FR" b="0" dirty="0" err="1" smtClean="0"/>
               <a:t>autheur</a:t>
             </a:r>
             <a:r>
-              <a:rPr lang="fr-FR" sz="1200" b="0" i="0" kern="1200" baseline="0" dirty="0" smtClean="0">
-                <a:solidFill>
-                  <a:schemeClr val="tx1"/>
-                </a:solidFill>
-                <a:effectLst/>
-                <a:latin typeface="+mn-lt"/>
-                <a:ea typeface="+mn-ea"/>
-                <a:cs typeface="+mn-cs"/>
-              </a:rPr>
-              <a:t> de ces modification(sortie de la commande personnalisé selon les options).investigation quand et comment le bug à été introduit(contacté l’</a:t>
-            </a:r>
-            <a:r>
-              <a:rPr lang="fr-FR" sz="1200" b="0" i="0" kern="1200" baseline="0" dirty="0" err="1" smtClean="0">
-                <a:solidFill>
-                  <a:schemeClr val="tx1"/>
-                </a:solidFill>
-                <a:effectLst/>
-                <a:latin typeface="+mn-lt"/>
-                <a:ea typeface="+mn-ea"/>
-                <a:cs typeface="+mn-cs"/>
-              </a:rPr>
+              <a:rPr lang="fr-FR" b="0" dirty="0" smtClean="0"/>
+              <a:t> de ces modification(sortie de la commande personnalisé selon les options).investigation quand et comment le bug à été introduit </a:t>
+            </a:r>
+            <a:r>
+              <a:rPr lang="fr-FR" b="0" dirty="0" err="1" smtClean="0"/>
+              <a:t>etcontacté</a:t>
+            </a:r>
+            <a:r>
+              <a:rPr lang="fr-FR" b="0" dirty="0" smtClean="0"/>
+              <a:t> l’</a:t>
+            </a:r>
+            <a:r>
+              <a:rPr lang="fr-FR" b="0" dirty="0" err="1" smtClean="0"/>
               <a:t>autheur</a:t>
             </a:r>
             <a:r>
-              <a:rPr lang="fr-FR" sz="1200" b="0" i="0" kern="1200" baseline="0" dirty="0" smtClean="0">
-                <a:solidFill>
-                  <a:schemeClr val="tx1"/>
-                </a:solidFill>
-                <a:effectLst/>
-                <a:latin typeface="+mn-lt"/>
-                <a:ea typeface="+mn-ea"/>
-                <a:cs typeface="+mn-cs"/>
-              </a:rPr>
-              <a:t> pour des explication sur un morceau de code)</a:t>
-            </a:r>
-          </a:p>
-          <a:p>
+              <a:rPr lang="fr-FR" b="0" dirty="0" smtClean="0"/>
+              <a:t> pour des explication sur un morceau de code.</a:t>
+            </a:r>
             <a:endParaRPr lang="fr-FR" b="0" dirty="0"/>
           </a:p>
         </p:txBody>
@@ -8443,7 +9309,7 @@
           <a:p>
             <a:fld id="{0A206D1B-E756-4A82-9838-551DE185C738}" type="datetimeFigureOut">
               <a:rPr lang="fr-FR" smtClean="0"/>
-              <a:t>13/12/2022</a:t>
+              <a:t>14/12/2022</a:t>
             </a:fld>
             <a:endParaRPr lang="fr-FR"/>
           </a:p>
@@ -8613,7 +9479,7 @@
           <a:p>
             <a:fld id="{0A206D1B-E756-4A82-9838-551DE185C738}" type="datetimeFigureOut">
               <a:rPr lang="fr-FR" smtClean="0"/>
-              <a:t>13/12/2022</a:t>
+              <a:t>14/12/2022</a:t>
             </a:fld>
             <a:endParaRPr lang="fr-FR"/>
           </a:p>
@@ -8793,7 +9659,7 @@
           <a:p>
             <a:fld id="{0A206D1B-E756-4A82-9838-551DE185C738}" type="datetimeFigureOut">
               <a:rPr lang="fr-FR" smtClean="0"/>
-              <a:t>13/12/2022</a:t>
+              <a:t>14/12/2022</a:t>
             </a:fld>
             <a:endParaRPr lang="fr-FR"/>
           </a:p>
@@ -8963,7 +9829,7 @@
           <a:p>
             <a:fld id="{0A206D1B-E756-4A82-9838-551DE185C738}" type="datetimeFigureOut">
               <a:rPr lang="fr-FR" smtClean="0"/>
-              <a:t>13/12/2022</a:t>
+              <a:t>14/12/2022</a:t>
             </a:fld>
             <a:endParaRPr lang="fr-FR"/>
           </a:p>
@@ -9209,7 +10075,7 @@
           <a:p>
             <a:fld id="{0A206D1B-E756-4A82-9838-551DE185C738}" type="datetimeFigureOut">
               <a:rPr lang="fr-FR" smtClean="0"/>
-              <a:t>13/12/2022</a:t>
+              <a:t>14/12/2022</a:t>
             </a:fld>
             <a:endParaRPr lang="fr-FR"/>
           </a:p>
@@ -9441,7 +10307,7 @@
           <a:p>
             <a:fld id="{0A206D1B-E756-4A82-9838-551DE185C738}" type="datetimeFigureOut">
               <a:rPr lang="fr-FR" smtClean="0"/>
-              <a:t>13/12/2022</a:t>
+              <a:t>14/12/2022</a:t>
             </a:fld>
             <a:endParaRPr lang="fr-FR"/>
           </a:p>
@@ -9808,7 +10674,7 @@
           <a:p>
             <a:fld id="{0A206D1B-E756-4A82-9838-551DE185C738}" type="datetimeFigureOut">
               <a:rPr lang="fr-FR" smtClean="0"/>
-              <a:t>13/12/2022</a:t>
+              <a:t>14/12/2022</a:t>
             </a:fld>
             <a:endParaRPr lang="fr-FR"/>
           </a:p>
@@ -9926,7 +10792,7 @@
           <a:p>
             <a:fld id="{0A206D1B-E756-4A82-9838-551DE185C738}" type="datetimeFigureOut">
               <a:rPr lang="fr-FR" smtClean="0"/>
-              <a:t>13/12/2022</a:t>
+              <a:t>14/12/2022</a:t>
             </a:fld>
             <a:endParaRPr lang="fr-FR"/>
           </a:p>
@@ -10021,7 +10887,7 @@
           <a:p>
             <a:fld id="{0A206D1B-E756-4A82-9838-551DE185C738}" type="datetimeFigureOut">
               <a:rPr lang="fr-FR" smtClean="0"/>
-              <a:t>13/12/2022</a:t>
+              <a:t>14/12/2022</a:t>
             </a:fld>
             <a:endParaRPr lang="fr-FR"/>
           </a:p>
@@ -10298,7 +11164,7 @@
           <a:p>
             <a:fld id="{0A206D1B-E756-4A82-9838-551DE185C738}" type="datetimeFigureOut">
               <a:rPr lang="fr-FR" smtClean="0"/>
-              <a:t>13/12/2022</a:t>
+              <a:t>14/12/2022</a:t>
             </a:fld>
             <a:endParaRPr lang="fr-FR"/>
           </a:p>
@@ -10551,7 +11417,7 @@
           <a:p>
             <a:fld id="{0A206D1B-E756-4A82-9838-551DE185C738}" type="datetimeFigureOut">
               <a:rPr lang="fr-FR" smtClean="0"/>
-              <a:t>13/12/2022</a:t>
+              <a:t>14/12/2022</a:t>
             </a:fld>
             <a:endParaRPr lang="fr-FR"/>
           </a:p>
@@ -10764,7 +11630,7 @@
           <a:p>
             <a:fld id="{0A206D1B-E756-4A82-9838-551DE185C738}" type="datetimeFigureOut">
               <a:rPr lang="fr-FR" smtClean="0"/>
-              <a:t>13/12/2022</a:t>
+              <a:t>14/12/2022</a:t>
             </a:fld>
             <a:endParaRPr lang="fr-FR"/>
           </a:p>
@@ -11687,7 +12553,7 @@
         </p:spPr>
         <p:txBody>
           <a:bodyPr>
-            <a:normAutofit fontScale="92500" lnSpcReduction="10000"/>
+            <a:normAutofit lnSpcReduction="10000"/>
           </a:bodyPr>
           <a:lstStyle/>
           <a:p>
@@ -11758,15 +12624,7 @@
             </a:pPr>
             <a:r>
               <a:rPr lang="fr-FR" sz="3000" dirty="0"/>
-              <a:t>Reprendre  et appliqué un </a:t>
-            </a:r>
-            <a:r>
-              <a:rPr lang="fr-FR" sz="3000" dirty="0"/>
-              <a:t>travail qui à été </a:t>
-            </a:r>
-            <a:r>
-              <a:rPr lang="fr-FR" sz="3000" dirty="0"/>
-              <a:t>suspendu[et le gardé dans </a:t>
+              <a:t>Reprendre  et appliqué un travail qui à été suspendu[et le gardé dans </a:t>
             </a:r>
             <a:r>
               <a:rPr lang="fr-FR" sz="3000" dirty="0" err="1"/>
@@ -11776,7 +12634,6 @@
               <a:rPr lang="fr-FR" sz="3000" dirty="0"/>
               <a:t>]</a:t>
             </a:r>
-            <a:endParaRPr lang="fr-FR" sz="3000" dirty="0"/>
           </a:p>
           <a:p>
             <a:pPr marL="819150" lvl="1" indent="-7938">
@@ -11872,11 +12729,7 @@
             </a:pPr>
             <a:r>
               <a:rPr lang="fr-FR" sz="3000" dirty="0"/>
-              <a:t>Ajouter une liste de fichiers et de répertoire à ignoré par </a:t>
-            </a:r>
-            <a:r>
-              <a:rPr lang="fr-FR" sz="3000" dirty="0"/>
-              <a:t>git.</a:t>
+              <a:t>Ajouter une liste de fichiers et de répertoire à ignoré par git.</a:t>
             </a:r>
           </a:p>
           <a:p>
@@ -11911,17 +12764,8 @@
             </a:pPr>
             <a:r>
               <a:rPr lang="fr-FR" sz="3000" dirty="0"/>
-              <a:t>Afficher </a:t>
-            </a:r>
-            <a:r>
-              <a:rPr lang="fr-FR" sz="3000" dirty="0"/>
-              <a:t>l’historique des </a:t>
-            </a:r>
-            <a:r>
-              <a:rPr lang="fr-FR" sz="3000" dirty="0"/>
-              <a:t>commits(historique du projet):</a:t>
-            </a:r>
-            <a:endParaRPr lang="fr-FR" sz="3000" dirty="0"/>
+              <a:t>Afficher l’historique des commits(historique du projet):</a:t>
+            </a:r>
           </a:p>
           <a:p>
             <a:pPr marL="819150" lvl="1" indent="-7938">
@@ -11953,16 +12797,33 @@
             <a:endParaRPr lang="fr-FR" sz="3000" dirty="0"/>
           </a:p>
           <a:p>
-            <a:pPr marL="811213" lvl="1" indent="-447675">
-              <a:buNone/>
+            <a:pPr marL="719138" lvl="1" indent="-539750">
+              <a:lnSpc>
+                <a:spcPct val="110000"/>
+              </a:lnSpc>
+              <a:buFont typeface="+mj-lt"/>
+              <a:buAutoNum type="arabicPeriod" startAt="17"/>
               <a:tabLst>
                 <a:tab pos="363538" algn="l"/>
+                <a:tab pos="811213" algn="l"/>
                 <a:tab pos="1163638" algn="l"/>
               </a:tabLst>
             </a:pPr>
             <a:r>
+              <a:rPr lang="fr-FR" sz="3000" dirty="0" smtClean="0"/>
+              <a:t>Qui </a:t>
+            </a:r>
+            <a:r>
               <a:rPr lang="fr-FR" sz="3000" dirty="0"/>
-              <a:t>21 qui à changé le fichier est quand et </a:t>
+              <a:t>à changé </a:t>
+            </a:r>
+            <a:r>
+              <a:rPr lang="fr-FR" sz="3000" dirty="0" smtClean="0"/>
+              <a:t>la ligne ,quand </a:t>
+            </a:r>
+            <a:r>
+              <a:rPr lang="fr-FR" sz="3000" dirty="0"/>
+              <a:t>et </a:t>
             </a:r>
             <a:r>
               <a:rPr lang="fr-FR" sz="3000" dirty="0" smtClean="0"/>
@@ -11979,15 +12840,7 @@
             </a:pPr>
             <a:r>
               <a:rPr lang="fr-FR" sz="3000" b="1" i="1" dirty="0"/>
-              <a:t>git </a:t>
-            </a:r>
-            <a:r>
-              <a:rPr lang="fr-FR" sz="3000" b="1" i="1" dirty="0" err="1"/>
-              <a:t>blame</a:t>
-            </a:r>
-            <a:r>
-              <a:rPr lang="fr-FR" sz="3000" b="1" i="1" dirty="0"/>
-              <a:t> </a:t>
+              <a:t>git blame </a:t>
             </a:r>
             <a:r>
               <a:rPr lang="fr-FR" sz="3000" b="1" i="1" dirty="0" smtClean="0"/>
@@ -12018,42 +12871,6 @@
               <a:t>»</a:t>
             </a:r>
             <a:endParaRPr lang="fr-FR" sz="3000" dirty="0"/>
-          </a:p>
-          <a:p>
-            <a:pPr marL="877887" lvl="1" indent="-514350">
-              <a:buFont typeface="+mj-lt"/>
-              <a:buAutoNum type="arabicPeriod" startAt="9"/>
-            </a:pPr>
-            <a:r>
-              <a:rPr lang="fr-FR" sz="3000" dirty="0"/>
-              <a:t>Annuler </a:t>
-            </a:r>
-            <a:r>
-              <a:rPr lang="fr-FR" sz="3000" dirty="0"/>
-              <a:t>les modification dans le Répertoire de travail:</a:t>
-            </a:r>
-          </a:p>
-          <a:p>
-            <a:pPr marL="1160462" lvl="1" indent="-342900">
-              <a:lnSpc>
-                <a:spcPct val="70000"/>
-              </a:lnSpc>
-            </a:pPr>
-            <a:r>
-              <a:rPr lang="fr-FR" sz="3000" dirty="0"/>
-              <a:t>git </a:t>
-            </a:r>
-            <a:r>
-              <a:rPr lang="fr-FR" sz="3000" dirty="0" err="1"/>
-              <a:t>checkout</a:t>
-            </a:r>
-            <a:r>
-              <a:rPr lang="fr-FR" sz="3000" dirty="0"/>
-              <a:t>  --  « fichier », git restore « fichier »</a:t>
-            </a:r>
-          </a:p>
-          <a:p>
-            <a:endParaRPr lang="fr-FR" dirty="0"/>
           </a:p>
         </p:txBody>
       </p:sp>
@@ -12134,8 +12951,8 @@
         </p:nvSpPr>
         <p:spPr>
           <a:xfrm>
-            <a:off x="0" y="914399"/>
-            <a:ext cx="12192000" cy="5943601"/>
+            <a:off x="0" y="795855"/>
+            <a:ext cx="12192000" cy="6062145"/>
           </a:xfrm>
         </p:spPr>
         <p:txBody>
@@ -12144,23 +12961,85 @@
           </a:bodyPr>
           <a:lstStyle/>
           <a:p>
+            <a:pPr marL="874713" lvl="1" indent="-514350">
+              <a:buFont typeface="+mj-lt"/>
+              <a:buAutoNum type="arabicPeriod" startAt="18"/>
+            </a:pPr>
+            <a:r>
+              <a:rPr lang="fr-FR" sz="2800" dirty="0"/>
+              <a:t>Etiqueté </a:t>
+            </a:r>
+            <a:r>
+              <a:rPr lang="fr-FR" sz="2800" dirty="0" smtClean="0"/>
+              <a:t>(</a:t>
+            </a:r>
+            <a:r>
+              <a:rPr lang="fr-FR" sz="2800" b="1" dirty="0" err="1" smtClean="0"/>
+              <a:t>vX.Y.Z</a:t>
+            </a:r>
+            <a:r>
+              <a:rPr lang="fr-FR" sz="2800" dirty="0" smtClean="0"/>
+              <a:t>)les commits pour facilité la lecture de l’historique de dépôt </a:t>
+            </a:r>
+            <a:endParaRPr lang="fr-FR" sz="2800" dirty="0"/>
+          </a:p>
+          <a:p>
+            <a:pPr marL="817563" lvl="1" indent="-457200"/>
+            <a:r>
+              <a:rPr lang="fr-FR" sz="2800" b="1" i="1" dirty="0" smtClean="0"/>
+              <a:t>git tag  [-a] «</a:t>
+            </a:r>
+            <a:r>
+              <a:rPr lang="fr-FR" sz="2800" b="1" i="1" dirty="0" err="1" smtClean="0"/>
+              <a:t>tagname</a:t>
+            </a:r>
+            <a:r>
+              <a:rPr lang="fr-FR" sz="2800" b="1" i="1" dirty="0" smtClean="0"/>
+              <a:t>» [–m ’&lt;mes&gt;’ ], git push </a:t>
+            </a:r>
+            <a:r>
+              <a:rPr lang="fr-FR" sz="2800" b="1" i="1" dirty="0" err="1" smtClean="0"/>
+              <a:t>origin</a:t>
+            </a:r>
+            <a:r>
+              <a:rPr lang="fr-FR" sz="2800" b="1" i="1" dirty="0" smtClean="0"/>
+              <a:t> –</a:t>
+            </a:r>
+            <a:r>
+              <a:rPr lang="fr-FR" sz="2800" b="1" i="1" dirty="0" err="1" smtClean="0"/>
+              <a:t>delete</a:t>
+            </a:r>
+            <a:r>
+              <a:rPr lang="fr-FR" sz="2800" b="1" i="1" dirty="0" smtClean="0"/>
+              <a:t> «</a:t>
+            </a:r>
+            <a:r>
+              <a:rPr lang="fr-FR" sz="2800" b="1" i="1" dirty="0" err="1" smtClean="0"/>
+              <a:t>Tagname</a:t>
+            </a:r>
+            <a:r>
+              <a:rPr lang="fr-FR" sz="2800" b="1" i="1" dirty="0" smtClean="0"/>
+              <a:t>»</a:t>
+            </a:r>
+          </a:p>
+          <a:p>
             <a:pPr marL="969963" lvl="1" indent="-609600">
               <a:buFont typeface="+mj-lt"/>
               <a:buAutoNum type="arabicPeriod" startAt="11"/>
             </a:pPr>
             <a:r>
+              <a:rPr lang="fr-FR" sz="2800" dirty="0"/>
+              <a:t>Annuler les </a:t>
+            </a:r>
+            <a:r>
               <a:rPr lang="fr-FR" sz="2800" dirty="0" smtClean="0"/>
-              <a:t>Inverse </a:t>
-            </a:r>
-            <a:r>
-              <a:rPr lang="fr-FR" sz="2800" dirty="0"/>
-              <a:t>les changement s d’un commit  et ajout un commit opposée</a:t>
+              <a:t>changement s d’un commit  et ajout un commit opposée</a:t>
             </a:r>
           </a:p>
           <a:p>
             <a:pPr marL="1274762" lvl="1" indent="-457200"/>
             <a:r>
-              <a:rPr lang="fr-FR" sz="2800" b="1" i="1" dirty="0"/>
+              <a:rPr lang="fr-FR" sz="2800" b="1" i="1" dirty="0" smtClean="0"/>
               <a:t>git </a:t>
             </a:r>
             <a:r>
@@ -12200,108 +13079,73 @@
             </a:pPr>
             <a:r>
               <a:rPr lang="fr-FR" sz="2800" dirty="0" smtClean="0"/>
-              <a:t>supprimer les </a:t>
+              <a:t>Annuler les </a:t>
             </a:r>
             <a:r>
               <a:rPr lang="fr-FR" sz="2800" dirty="0"/>
-              <a:t>commites</a:t>
+              <a:t>changement s </a:t>
+            </a:r>
+            <a:r>
+              <a:rPr lang="fr-FR" sz="2800" dirty="0" smtClean="0"/>
+              <a:t> postérieurs </a:t>
             </a:r>
             <a:r>
               <a:rPr lang="fr-FR" sz="2800" dirty="0"/>
-              <a:t> (historique) </a:t>
+              <a:t>à « </a:t>
+            </a:r>
+            <a:r>
+              <a:rPr lang="fr-FR" sz="2800" dirty="0" smtClean="0"/>
+              <a:t>commit_hash</a:t>
             </a:r>
             <a:r>
               <a:rPr lang="fr-FR" sz="2800" dirty="0"/>
-              <a:t>postérieurs à </a:t>
-            </a:r>
-            <a:r>
-              <a:rPr lang="fr-FR" sz="2800" dirty="0"/>
-              <a:t>« </a:t>
+              <a:t> </a:t>
+            </a:r>
+            <a:r>
+              <a:rPr lang="fr-FR" sz="2800" dirty="0" smtClean="0"/>
+              <a:t>»(</a:t>
             </a:r>
             <a:r>
               <a:rPr lang="fr-FR" sz="2800" dirty="0" err="1" smtClean="0"/>
-              <a:t>commit_hash</a:t>
-            </a:r>
-            <a:r>
-              <a:rPr lang="fr-FR" sz="2800" dirty="0"/>
-              <a:t> » </a:t>
-            </a:r>
-            <a:r>
-              <a:rPr lang="fr-FR" sz="3000" dirty="0"/>
-              <a:t>mais garde l’espace de travail </a:t>
-            </a:r>
-            <a:r>
-              <a:rPr lang="fr-FR" sz="3000" dirty="0" smtClean="0"/>
-              <a:t>intacte(</a:t>
-            </a:r>
-            <a:r>
-              <a:rPr lang="fr-FR" sz="3000" dirty="0" smtClean="0">
-                <a:solidFill>
-                  <a:srgbClr val="FF0000"/>
-                </a:solidFill>
-              </a:rPr>
-              <a:t>danger</a:t>
-            </a:r>
-            <a:r>
-              <a:rPr lang="fr-FR" sz="3000" dirty="0" smtClean="0"/>
-              <a:t>).</a:t>
-            </a:r>
-            <a:endParaRPr lang="fr-FR" sz="3000" dirty="0"/>
-          </a:p>
-          <a:p>
-            <a:pPr marL="1158875" lvl="1" indent="-347663"/>
-            <a:r>
-              <a:rPr lang="fr-FR" sz="3000" b="1" i="1" dirty="0"/>
-              <a:t>git reset </a:t>
-            </a:r>
-            <a:r>
-              <a:rPr lang="fr-FR" sz="3000" b="1" i="1" dirty="0" err="1"/>
-              <a:t>commit_hash</a:t>
-            </a:r>
-            <a:r>
-              <a:rPr lang="fr-FR" sz="3000" b="1" i="1" dirty="0"/>
-              <a:t> ,git reset HEAD^ (</a:t>
-            </a:r>
-            <a:r>
-              <a:rPr lang="fr-FR" sz="3000" b="1" i="1" dirty="0" err="1"/>
-              <a:t>soft,mixes,hard</a:t>
-            </a:r>
-            <a:r>
-              <a:rPr lang="fr-FR" sz="3000" b="1" i="1" dirty="0" smtClean="0"/>
-              <a:t>)</a:t>
-            </a:r>
-          </a:p>
-          <a:p>
-            <a:pPr marL="1158875" lvl="1" indent="-347663"/>
-            <a:r>
-              <a:rPr lang="fr-FR" sz="3200" b="1" i="1" dirty="0" smtClean="0"/>
+              <a:t>WD,index,Repo</a:t>
+            </a:r>
+            <a:r>
+              <a:rPr lang="fr-FR" sz="2800" dirty="0" smtClean="0"/>
+              <a:t>) </a:t>
+            </a:r>
+            <a:endParaRPr lang="fr-FR" sz="3000" dirty="0" smtClean="0"/>
+          </a:p>
+          <a:p>
+            <a:pPr marL="1268412" lvl="1" indent="-457200"/>
+            <a:r>
+              <a:rPr lang="fr-FR" sz="2800" b="1" i="1" dirty="0" smtClean="0"/>
               <a:t>git </a:t>
             </a:r>
             <a:r>
-              <a:rPr lang="fr-FR" sz="3200" b="1" i="1" dirty="0"/>
-              <a:t>reset –(soft/</a:t>
-            </a:r>
-            <a:r>
-              <a:rPr lang="fr-FR" sz="3200" b="1" i="1" dirty="0" err="1"/>
-              <a:t>mixed,hard</a:t>
-            </a:r>
-            <a:r>
-              <a:rPr lang="fr-FR" sz="3200" b="1" i="1" dirty="0"/>
-              <a:t>);git reset HEAD  « </a:t>
-            </a:r>
-            <a:r>
-              <a:rPr lang="fr-FR" sz="3200" b="1" i="1" dirty="0" err="1"/>
+              <a:rPr lang="fr-FR" sz="2800" b="1" i="1" dirty="0" smtClean="0"/>
+              <a:t>reset  --[</a:t>
+            </a:r>
+            <a:r>
+              <a:rPr lang="fr-FR" sz="2800" b="1" i="1" dirty="0" err="1" smtClean="0"/>
+              <a:t>soft|mixed|hard</a:t>
+            </a:r>
+            <a:r>
+              <a:rPr lang="fr-FR" sz="2800" b="1" i="1" dirty="0" smtClean="0"/>
+              <a:t>]  [SHA-1] | </a:t>
+            </a:r>
+            <a:r>
+              <a:rPr lang="fr-FR" sz="2800" b="1" i="1" smtClean="0"/>
+              <a:t>git reset [</a:t>
+            </a:r>
+            <a:r>
+              <a:rPr lang="fr-FR" sz="2800" b="1" i="1" dirty="0" err="1" smtClean="0"/>
               <a:t>filename</a:t>
             </a:r>
             <a:r>
-              <a:rPr lang="fr-FR" sz="3200" b="1" i="1" dirty="0"/>
-              <a:t> </a:t>
-            </a:r>
-            <a:r>
-              <a:rPr lang="fr-FR" sz="3200" b="1" i="1" dirty="0" smtClean="0"/>
-              <a:t>»</a:t>
-            </a:r>
-            <a:endParaRPr lang="fr-FR" sz="3000" b="1" i="1" dirty="0" smtClean="0"/>
+              <a:rPr lang="fr-FR" sz="2800" b="1" i="1" dirty="0" smtClean="0"/>
+              <a:t>]</a:t>
+            </a:r>
+            <a:endParaRPr lang="fr-FR" sz="2800" b="1" i="1" dirty="0" smtClean="0"/>
           </a:p>
           <a:p>
             <a:pPr marL="877887" lvl="1" indent="-514350">
@@ -12312,9 +13156,18 @@
               <a:buAutoNum type="arabicPeriod" startAt="17"/>
             </a:pPr>
             <a:r>
+              <a:rPr lang="fr-FR" sz="2800" dirty="0" smtClean="0"/>
+              <a:t>Navigué </a:t>
+            </a:r>
+            <a:r>
               <a:rPr lang="fr-FR" sz="2800" dirty="0"/>
-              <a:t>Navigué dans l’historique des commit (voir le contenu avent un commit ):</a:t>
-            </a:r>
+              <a:t>dans l’historique des commit (voir le contenu avent un commit </a:t>
+            </a:r>
+            <a:r>
+              <a:rPr lang="fr-FR" sz="2800" dirty="0" smtClean="0"/>
+              <a:t>)</a:t>
+            </a:r>
+            <a:endParaRPr lang="fr-FR" sz="2800" dirty="0"/>
           </a:p>
           <a:p>
             <a:pPr marL="1158875" lvl="1" indent="-347663">
@@ -12332,15 +13185,7 @@
             </a:r>
             <a:r>
               <a:rPr lang="fr-FR" sz="2800" b="1" i="1" dirty="0"/>
-              <a:t> « </a:t>
-            </a:r>
-            <a:r>
-              <a:rPr lang="fr-FR" sz="2800" b="1" i="1" dirty="0" err="1"/>
-              <a:t>commit_hash</a:t>
-            </a:r>
-            <a:r>
-              <a:rPr lang="fr-FR" sz="2800" b="1" i="1" dirty="0"/>
-              <a:t> </a:t>
+              <a:t> « commit_hash </a:t>
             </a:r>
             <a:r>
               <a:rPr lang="fr-FR" sz="2800" b="1" i="1" dirty="0" smtClean="0"/>
@@ -12354,6 +13199,45 @@
               <a:rPr lang="fr-FR" sz="2800" b="1" i="1" dirty="0" smtClean="0"/>
               <a:t>»]</a:t>
             </a:r>
+          </a:p>
+          <a:p>
+            <a:pPr marL="877887" lvl="1" indent="-514350">
+              <a:buFont typeface="+mj-lt"/>
+              <a:buAutoNum type="arabicPeriod" startAt="9"/>
+            </a:pPr>
+            <a:r>
+              <a:rPr lang="fr-FR" sz="2800" dirty="0"/>
+              <a:t>Annuler les modification </a:t>
+            </a:r>
+            <a:r>
+              <a:rPr lang="fr-FR" sz="2800" dirty="0" smtClean="0"/>
+              <a:t>d’un fichier ou commit dans le répertoire de travail</a:t>
+            </a:r>
+            <a:endParaRPr lang="fr-FR" sz="2800" dirty="0"/>
+          </a:p>
+          <a:p>
+            <a:pPr marL="1160462" lvl="1" indent="-342900">
+              <a:lnSpc>
+                <a:spcPct val="70000"/>
+              </a:lnSpc>
+            </a:pPr>
+            <a:r>
+              <a:rPr lang="fr-FR" sz="2800" dirty="0"/>
+              <a:t>git </a:t>
+            </a:r>
+            <a:r>
+              <a:rPr lang="fr-FR" sz="2800" dirty="0" err="1"/>
+              <a:t>checkout</a:t>
+            </a:r>
+            <a:r>
+              <a:rPr lang="fr-FR" sz="2800" dirty="0"/>
+              <a:t>  --  « fichier », git restore « fichier </a:t>
+            </a:r>
+            <a:r>
+              <a:rPr lang="fr-FR" sz="2800" dirty="0" smtClean="0"/>
+              <a:t>»</a:t>
+            </a:r>
+            <a:endParaRPr lang="fr-FR" sz="2800" b="1" i="1" dirty="0" smtClean="0"/>
           </a:p>
           <a:p>
             <a:pPr marL="962025" lvl="1" indent="-598488">
@@ -12383,15 +13267,7 @@
             </a:pPr>
             <a:r>
               <a:rPr lang="fr-FR" sz="2800" b="1" i="1" dirty="0"/>
-              <a:t>git show « </a:t>
-            </a:r>
-            <a:r>
-              <a:rPr lang="fr-FR" sz="2800" b="1" i="1" dirty="0" err="1"/>
-              <a:t>commit_hash</a:t>
-            </a:r>
-            <a:r>
-              <a:rPr lang="fr-FR" sz="2800" b="1" i="1" dirty="0"/>
-              <a:t> </a:t>
+              <a:t>git show « commit_hash </a:t>
             </a:r>
             <a:r>
               <a:rPr lang="fr-FR" sz="2800" b="1" i="1" dirty="0" smtClean="0"/>
@@ -12862,15 +13738,7 @@
             </a:r>
             <a:r>
               <a:rPr lang="fr-FR" altLang="fr-FR" sz="2800" b="1" i="1" dirty="0"/>
-              <a:t>] [</a:t>
-            </a:r>
-            <a:r>
-              <a:rPr lang="fr-FR" altLang="fr-FR" sz="2800" b="1" i="1" dirty="0" err="1"/>
-              <a:t>commit_hash</a:t>
-            </a:r>
-            <a:r>
-              <a:rPr lang="fr-FR" altLang="fr-FR" sz="2800" b="1" i="1" dirty="0"/>
-              <a:t>] </a:t>
+              <a:t>] [commit_hash] </a:t>
             </a:r>
           </a:p>
           <a:p>
@@ -18502,7 +19370,7 @@
         <p:spPr>
           <a:xfrm>
             <a:off x="314793" y="4324587"/>
-            <a:ext cx="4582921" cy="2246769"/>
+            <a:ext cx="5336500" cy="1815882"/>
           </a:xfrm>
           <a:prstGeom prst="rect">
             <a:avLst/>
@@ -18510,7 +19378,7 @@
           <a:noFill/>
         </p:spPr>
         <p:txBody>
-          <a:bodyPr wrap="none" rtlCol="0">
+          <a:bodyPr wrap="square" rtlCol="0">
             <a:spAutoFit/>
           </a:bodyPr>
           <a:lstStyle/>
@@ -18564,13 +19432,6 @@
               <a:buAutoNum type="arabicPeriod"/>
             </a:pPr>
             <a:endParaRPr lang="fr-FR" sz="2800" b="1" i="1" dirty="0"/>
-          </a:p>
-          <a:p>
-            <a:pPr marL="342900" indent="-163513">
-              <a:buFont typeface="+mj-lt"/>
-              <a:buAutoNum type="arabicPeriod"/>
-            </a:pPr>
-            <a:endParaRPr lang="fr-FR" sz="2800" b="1" i="1" dirty="0" smtClean="0"/>
           </a:p>
           <a:p>
             <a:pPr marL="342900" indent="-163513">
@@ -18601,8 +19462,8 @@
         </p:blipFill>
         <p:spPr>
           <a:xfrm>
-            <a:off x="524656" y="5233332"/>
-            <a:ext cx="5126637" cy="476250"/>
+            <a:off x="419724" y="5276538"/>
+            <a:ext cx="5126637" cy="359763"/>
           </a:xfrm>
           <a:prstGeom prst="rect">
             <a:avLst/>
@@ -18617,8 +19478,8 @@
         </p:nvSpPr>
         <p:spPr>
           <a:xfrm>
-            <a:off x="7256264" y="4084703"/>
-            <a:ext cx="4138056" cy="523220"/>
+            <a:off x="6115987" y="3392206"/>
+            <a:ext cx="5801194" cy="954107"/>
           </a:xfrm>
           <a:prstGeom prst="rect">
             <a:avLst/>
@@ -18626,7 +19487,7 @@
           <a:noFill/>
         </p:spPr>
         <p:txBody>
-          <a:bodyPr wrap="none" rtlCol="0">
+          <a:bodyPr wrap="square" rtlCol="0">
             <a:spAutoFit/>
           </a:bodyPr>
           <a:lstStyle/>
@@ -18657,7 +19518,23 @@
                   <a:srgbClr val="FF0000"/>
                 </a:solidFill>
               </a:rPr>
-              <a:t>)HEAD</a:t>
+              <a:t>)(commit </a:t>
+            </a:r>
+            <a:r>
+              <a:rPr lang="fr-FR" sz="2800" b="1" dirty="0" err="1" smtClean="0">
+                <a:solidFill>
+                  <a:srgbClr val="FF0000"/>
+                </a:solidFill>
+              </a:rPr>
+              <a:t>history</a:t>
+            </a:r>
+            <a:r>
+              <a:rPr lang="fr-FR" sz="2800" b="1" dirty="0" smtClean="0">
+                <a:solidFill>
+                  <a:srgbClr val="FF0000"/>
+                </a:solidFill>
+              </a:rPr>
+              <a:t>) HEAD</a:t>
             </a:r>
             <a:endParaRPr lang="fr-FR" sz="2800" b="1" dirty="0">
               <a:solidFill>
@@ -18706,41 +19583,6 @@
       </p:grpSpPr>
       <p:sp>
         <p:nvSpPr>
-          <p:cNvPr id="2" name="Titre 1"/>
-          <p:cNvSpPr>
-            <a:spLocks noGrp="1"/>
-          </p:cNvSpPr>
-          <p:nvPr>
-            <p:ph type="title"/>
-          </p:nvPr>
-        </p:nvSpPr>
-        <p:spPr>
-          <a:xfrm>
-            <a:off x="494676" y="44970"/>
-            <a:ext cx="3880700" cy="605642"/>
-          </a:xfrm>
-        </p:spPr>
-        <p:txBody>
-          <a:bodyPr>
-            <a:normAutofit fontScale="90000"/>
-          </a:bodyPr>
-          <a:lstStyle/>
-          <a:p>
-            <a:pPr algn="ctr"/>
-            <a:r>
-              <a:rPr lang="fr-FR" b="1" dirty="0" smtClean="0"/>
-              <a:t>Démo </a:t>
-            </a:r>
-            <a:r>
-              <a:rPr lang="fr-FR" b="1" dirty="0" err="1" smtClean="0"/>
-              <a:t>rebase</a:t>
-            </a:r>
-            <a:endParaRPr lang="fr-FR" b="1" dirty="0"/>
-          </a:p>
-        </p:txBody>
-      </p:sp>
-      <p:sp>
-        <p:nvSpPr>
           <p:cNvPr id="3" name="Espace réservé du contenu 2"/>
           <p:cNvSpPr>
             <a:spLocks noGrp="1"/>
@@ -18751,15 +19593,33 @@
         </p:nvSpPr>
         <p:spPr>
           <a:xfrm>
-            <a:off x="1" y="866899"/>
+            <a:off x="0" y="171744"/>
             <a:ext cx="6625652" cy="2385967"/>
           </a:xfrm>
         </p:spPr>
         <p:txBody>
           <a:bodyPr>
-            <a:normAutofit/>
+            <a:normAutofit fontScale="92500" lnSpcReduction="20000"/>
           </a:bodyPr>
           <a:lstStyle/>
+          <a:p>
+            <a:pPr marL="0" indent="0">
+              <a:buNone/>
+            </a:pPr>
+            <a:r>
+              <a:rPr lang="fr-FR" sz="2600" b="1" u="sng" dirty="0"/>
+              <a:t>Démo</a:t>
+            </a:r>
+            <a:r>
+              <a:rPr lang="fr-FR" sz="2600" b="1" dirty="0"/>
+              <a:t> </a:t>
+            </a:r>
+            <a:r>
+              <a:rPr lang="fr-FR" sz="2600" b="1" u="sng" dirty="0" err="1"/>
+              <a:t>rebase</a:t>
+            </a:r>
+            <a:endParaRPr lang="fr-FR" sz="2600" u="sng" dirty="0" smtClean="0"/>
+          </a:p>
           <a:p>
             <a:pPr marL="514350" indent="-514350">
               <a:buFont typeface="+mj-lt"/>
@@ -18871,7 +19731,7 @@
         </p:nvSpPr>
         <p:spPr>
           <a:xfrm>
-            <a:off x="6970426" y="866899"/>
+            <a:off x="6925456" y="171744"/>
             <a:ext cx="4901784" cy="3236784"/>
           </a:xfrm>
           <a:prstGeom prst="rect">
@@ -18989,13 +19849,8 @@
             </a:pPr>
             <a:r>
               <a:rPr lang="fr-FR" sz="2000" dirty="0"/>
-              <a:t>Echo ‘bas update’ &gt;&gt;</a:t>
-            </a:r>
-            <a:r>
-              <a:rPr lang="fr-FR" sz="2000" dirty="0"/>
-              <a:t> README.md</a:t>
-            </a:r>
-            <a:endParaRPr lang="fr-FR" sz="2000" dirty="0"/>
+              <a:t>Echo ‘bas update’ &gt;&gt; README.md</a:t>
+            </a:r>
           </a:p>
           <a:p>
             <a:pPr marL="457200" indent="-457200">
@@ -19004,23 +19859,7 @@
             </a:pPr>
             <a:r>
               <a:rPr lang="fr-FR" sz="2000" dirty="0"/>
-              <a:t>git </a:t>
-            </a:r>
-            <a:r>
-              <a:rPr lang="fr-FR" sz="2000" dirty="0"/>
-              <a:t>commit –</a:t>
-            </a:r>
-            <a:r>
-              <a:rPr lang="fr-FR" sz="2000" dirty="0"/>
-              <a:t>m ’’ </a:t>
-            </a:r>
-            <a:r>
-              <a:rPr lang="fr-FR" sz="2000" dirty="0"/>
-              <a:t>bas </a:t>
-            </a:r>
-            <a:r>
-              <a:rPr lang="fr-FR" sz="2000" dirty="0"/>
-              <a:t>update’’</a:t>
+              <a:t>git commit –m ’’ bas update’’</a:t>
             </a:r>
           </a:p>
           <a:p>
@@ -19054,6 +19893,91 @@
             <a:r>
               <a:rPr lang="fr-FR" sz="2000" dirty="0"/>
               <a:t>Git commit -a</a:t>
+            </a:r>
+          </a:p>
+          <a:p>
+            <a:endParaRPr lang="fr-FR" dirty="0"/>
+          </a:p>
+        </p:txBody>
+      </p:sp>
+      <p:sp>
+        <p:nvSpPr>
+          <p:cNvPr id="5" name="ZoneTexte 4"/>
+          <p:cNvSpPr txBox="1"/>
+          <p:nvPr/>
+        </p:nvSpPr>
+        <p:spPr>
+          <a:xfrm>
+            <a:off x="269823" y="2859499"/>
+            <a:ext cx="5306518" cy="1477328"/>
+          </a:xfrm>
+          <a:prstGeom prst="rect">
+            <a:avLst/>
+          </a:prstGeom>
+          <a:noFill/>
+        </p:spPr>
+        <p:txBody>
+          <a:bodyPr wrap="square" rtlCol="0">
+            <a:spAutoFit/>
+          </a:bodyPr>
+          <a:lstStyle/>
+          <a:p>
+            <a:r>
+              <a:rPr lang="fr-FR" dirty="0" smtClean="0"/>
+              <a:t>Démo blame</a:t>
+            </a:r>
+          </a:p>
+          <a:p>
+            <a:pPr marL="342900" indent="-342900">
+              <a:buFont typeface="+mj-lt"/>
+              <a:buAutoNum type="arabicPeriod"/>
+            </a:pPr>
+            <a:r>
+              <a:rPr lang="fr-FR" dirty="0" err="1" smtClean="0">
+                <a:hlinkClick r:id="rId4"/>
+              </a:rPr>
+              <a:t>git@github.com:facebook</a:t>
+            </a:r>
+            <a:r>
+              <a:rPr lang="fr-FR" dirty="0" smtClean="0">
+                <a:hlinkClick r:id="rId4"/>
+              </a:rPr>
+              <a:t>/</a:t>
+            </a:r>
+            <a:r>
+              <a:rPr lang="fr-FR" dirty="0" err="1" smtClean="0">
+                <a:hlinkClick r:id="rId4"/>
+              </a:rPr>
+              <a:t>create-react-app.git</a:t>
+            </a:r>
+            <a:endParaRPr lang="fr-FR" dirty="0" smtClean="0"/>
+          </a:p>
+          <a:p>
+            <a:pPr marL="342900" indent="-342900">
+              <a:buFont typeface="+mj-lt"/>
+              <a:buAutoNum type="arabicPeriod"/>
+            </a:pPr>
+            <a:r>
+              <a:rPr lang="fr-FR" dirty="0" smtClean="0"/>
+              <a:t>Fit blame file</a:t>
+            </a:r>
+          </a:p>
+          <a:p>
+            <a:pPr marL="342900" indent="-342900">
+              <a:buFont typeface="+mj-lt"/>
+              <a:buAutoNum type="arabicPeriod"/>
+            </a:pPr>
+            <a:r>
+              <a:rPr lang="fr-FR" dirty="0" smtClean="0"/>
+              <a:t>Git log –p « </a:t>
+            </a:r>
+            <a:r>
+              <a:rPr lang="fr-FR" dirty="0" err="1" smtClean="0"/>
+              <a:t>commit_id</a:t>
+            </a:r>
+            <a:r>
+              <a:rPr lang="fr-FR" dirty="0" smtClean="0"/>
+              <a:t> »</a:t>
             </a:r>
           </a:p>
           <a:p>
@@ -19065,6 +19989,858 @@
     <p:extLst>
       <p:ext uri="{BB962C8B-B14F-4D97-AF65-F5344CB8AC3E}">
         <p14:creationId xmlns:p14="http://schemas.microsoft.com/office/powerpoint/2010/main" val="2420021955"/>
+      </p:ext>
+    </p:extLst>
+  </p:cSld>
+  <p:clrMapOvr>
+    <a:masterClrMapping/>
+  </p:clrMapOvr>
+  <p:timing>
+    <p:tnLst>
+      <p:par>
+        <p:cTn id="1" dur="indefinite" restart="never" nodeType="tmRoot"/>
+      </p:par>
+    </p:tnLst>
+  </p:timing>
+</p:sld>
+</file>
+
+<file path=ppt/slides/slide38.xml><?xml version="1.0" encoding="utf-8"?>
+<p:sld xmlns:a="http://schemas.openxmlformats.org/drawingml/2006/main" xmlns:r="http://schemas.openxmlformats.org/officeDocument/2006/relationships" xmlns:p="http://schemas.openxmlformats.org/presentationml/2006/main">
+  <p:cSld>
+    <p:spTree>
+      <p:nvGrpSpPr>
+        <p:cNvPr id="1" name=""/>
+        <p:cNvGrpSpPr/>
+        <p:nvPr/>
+      </p:nvGrpSpPr>
+      <p:grpSpPr>
+        <a:xfrm>
+          <a:off x="0" y="0"/>
+          <a:ext cx="0" cy="0"/>
+          <a:chOff x="0" y="0"/>
+          <a:chExt cx="0" cy="0"/>
+        </a:xfrm>
+      </p:grpSpPr>
+      <p:graphicFrame>
+        <p:nvGraphicFramePr>
+          <p:cNvPr id="5" name="Tableau 4"/>
+          <p:cNvGraphicFramePr>
+            <a:graphicFrameLocks noGrp="1"/>
+          </p:cNvGraphicFramePr>
+          <p:nvPr>
+            <p:extLst>
+              <p:ext uri="{D42A27DB-BD31-4B8C-83A1-F6EECF244321}">
+                <p14:modId xmlns:p14="http://schemas.microsoft.com/office/powerpoint/2010/main" val="1069617550"/>
+              </p:ext>
+            </p:extLst>
+          </p:nvPr>
+        </p:nvGraphicFramePr>
+        <p:xfrm>
+          <a:off x="269822" y="3870960"/>
+          <a:ext cx="11422506" cy="2987040"/>
+        </p:xfrm>
+        <a:graphic>
+          <a:graphicData uri="http://schemas.openxmlformats.org/drawingml/2006/table">
+            <a:tbl>
+              <a:tblPr firstRow="1" bandRow="1">
+                <a:tableStyleId>{35758FB7-9AC5-4552-8A53-C91805E547FA}</a:tableStyleId>
+              </a:tblPr>
+              <a:tblGrid>
+                <a:gridCol w="1424066"/>
+                <a:gridCol w="1274164"/>
+                <a:gridCol w="8724276"/>
+              </a:tblGrid>
+              <a:tr h="404585">
+                <a:tc>
+                  <a:txBody>
+                    <a:bodyPr/>
+                    <a:lstStyle/>
+                    <a:p>
+                      <a:pPr algn="ctr"/>
+                      <a:r>
+                        <a:rPr lang="fr-FR" sz="2200" dirty="0" smtClean="0"/>
+                        <a:t>CMD</a:t>
+                      </a:r>
+                      <a:endParaRPr lang="fr-FR" sz="2200" dirty="0"/>
+                    </a:p>
+                  </a:txBody>
+                  <a:tcPr/>
+                </a:tc>
+                <a:tc>
+                  <a:txBody>
+                    <a:bodyPr/>
+                    <a:lstStyle/>
+                    <a:p>
+                      <a:pPr algn="ctr"/>
+                      <a:r>
+                        <a:rPr lang="fr-FR" sz="2200" dirty="0" smtClean="0"/>
+                        <a:t>Objet</a:t>
+                      </a:r>
+                      <a:endParaRPr lang="fr-FR" sz="2200" dirty="0"/>
+                    </a:p>
+                  </a:txBody>
+                  <a:tcPr/>
+                </a:tc>
+                <a:tc>
+                  <a:txBody>
+                    <a:bodyPr/>
+                    <a:lstStyle/>
+                    <a:p>
+                      <a:r>
+                        <a:rPr lang="fr-FR" sz="2200" b="0" i="0" kern="1200" dirty="0" smtClean="0">
+                          <a:solidFill>
+                            <a:schemeClr val="lt1"/>
+                          </a:solidFill>
+                          <a:effectLst/>
+                          <a:latin typeface="+mn-lt"/>
+                          <a:ea typeface="+mn-ea"/>
+                          <a:cs typeface="+mn-cs"/>
+                        </a:rPr>
+                        <a:t>Cas d'utilisation courants</a:t>
+                      </a:r>
+                      <a:endParaRPr lang="fr-FR" sz="2200" dirty="0"/>
+                    </a:p>
+                  </a:txBody>
+                  <a:tcPr/>
+                </a:tc>
+              </a:tr>
+              <a:tr h="404585">
+                <a:tc>
+                  <a:txBody>
+                    <a:bodyPr/>
+                    <a:lstStyle/>
+                    <a:p>
+                      <a:pPr algn="ctr"/>
+                      <a:r>
+                        <a:rPr lang="fr-FR" sz="2200" dirty="0" smtClean="0"/>
+                        <a:t>reset</a:t>
+                      </a:r>
+                      <a:endParaRPr lang="fr-FR" sz="2200" dirty="0"/>
+                    </a:p>
+                  </a:txBody>
+                  <a:tcPr/>
+                </a:tc>
+                <a:tc>
+                  <a:txBody>
+                    <a:bodyPr/>
+                    <a:lstStyle/>
+                    <a:p>
+                      <a:pPr algn="ctr"/>
+                      <a:r>
+                        <a:rPr lang="fr-FR" sz="2200" dirty="0" smtClean="0"/>
+                        <a:t>Commit</a:t>
+                      </a:r>
+                      <a:endParaRPr lang="fr-FR" sz="2200" dirty="0"/>
+                    </a:p>
+                  </a:txBody>
+                  <a:tcPr/>
+                </a:tc>
+                <a:tc>
+                  <a:txBody>
+                    <a:bodyPr/>
+                    <a:lstStyle/>
+                    <a:p>
+                      <a:endParaRPr lang="fr-FR" dirty="0"/>
+                    </a:p>
+                  </a:txBody>
+                  <a:tcPr/>
+                </a:tc>
+              </a:tr>
+              <a:tr h="404585">
+                <a:tc>
+                  <a:txBody>
+                    <a:bodyPr/>
+                    <a:lstStyle/>
+                    <a:p>
+                      <a:pPr marL="0" marR="0" lvl="0" indent="0" algn="ctr" defTabSz="914400" rtl="0" eaLnBrk="1" fontAlgn="auto" latinLnBrk="0" hangingPunct="1">
+                        <a:lnSpc>
+                          <a:spcPct val="100000"/>
+                        </a:lnSpc>
+                        <a:spcBef>
+                          <a:spcPts val="0"/>
+                        </a:spcBef>
+                        <a:spcAft>
+                          <a:spcPts val="0"/>
+                        </a:spcAft>
+                        <a:buClrTx/>
+                        <a:buSzTx/>
+                        <a:buFontTx/>
+                        <a:buNone/>
+                        <a:tabLst/>
+                        <a:defRPr/>
+                      </a:pPr>
+                      <a:r>
+                        <a:rPr lang="fr-FR" sz="2200" b="0" dirty="0" smtClean="0"/>
+                        <a:t>reset</a:t>
+                      </a:r>
+                    </a:p>
+                  </a:txBody>
+                  <a:tcPr/>
+                </a:tc>
+                <a:tc>
+                  <a:txBody>
+                    <a:bodyPr/>
+                    <a:lstStyle/>
+                    <a:p>
+                      <a:pPr algn="ctr"/>
+                      <a:r>
+                        <a:rPr lang="fr-FR" sz="2200" b="0" dirty="0" smtClean="0"/>
+                        <a:t>File</a:t>
+                      </a:r>
+                      <a:endParaRPr lang="fr-FR" sz="2200" b="0" dirty="0"/>
+                    </a:p>
+                  </a:txBody>
+                  <a:tcPr/>
+                </a:tc>
+                <a:tc>
+                  <a:txBody>
+                    <a:bodyPr/>
+                    <a:lstStyle/>
+                    <a:p>
+                      <a:r>
+                        <a:rPr lang="fr-FR" sz="2200" b="0" dirty="0" smtClean="0"/>
+                        <a:t>Supprimer les changements</a:t>
+                      </a:r>
+                      <a:r>
+                        <a:rPr lang="fr-FR" sz="2200" b="0" baseline="0" dirty="0" smtClean="0"/>
+                        <a:t> de fichier de l’index (</a:t>
+                      </a:r>
+                      <a:r>
+                        <a:rPr lang="fr-FR" sz="2200" b="0" kern="1200" dirty="0" err="1" smtClean="0">
+                          <a:solidFill>
+                            <a:schemeClr val="dk1"/>
+                          </a:solidFill>
+                          <a:latin typeface="+mn-lt"/>
+                          <a:ea typeface="+mn-ea"/>
+                          <a:cs typeface="+mn-cs"/>
+                        </a:rPr>
+                        <a:t>Unstaged</a:t>
+                      </a:r>
+                      <a:r>
+                        <a:rPr lang="fr-FR" sz="2200" b="0" kern="1200" dirty="0" smtClean="0">
+                          <a:solidFill>
+                            <a:schemeClr val="dk1"/>
+                          </a:solidFill>
+                          <a:latin typeface="+mn-lt"/>
+                          <a:ea typeface="+mn-ea"/>
+                          <a:cs typeface="+mn-cs"/>
+                        </a:rPr>
+                        <a:t> changes)</a:t>
+                      </a:r>
+                      <a:endParaRPr lang="fr-FR" sz="2200" b="0" kern="1200" dirty="0">
+                        <a:solidFill>
+                          <a:schemeClr val="dk1"/>
+                        </a:solidFill>
+                        <a:latin typeface="+mn-lt"/>
+                        <a:ea typeface="+mn-ea"/>
+                        <a:cs typeface="+mn-cs"/>
+                      </a:endParaRPr>
+                    </a:p>
+                  </a:txBody>
+                  <a:tcPr/>
+                </a:tc>
+              </a:tr>
+              <a:tr h="404585">
+                <a:tc>
+                  <a:txBody>
+                    <a:bodyPr/>
+                    <a:lstStyle/>
+                    <a:p>
+                      <a:pPr algn="ctr"/>
+                      <a:r>
+                        <a:rPr lang="fr-FR" sz="2200" b="0" dirty="0" err="1" smtClean="0"/>
+                        <a:t>Checkout</a:t>
+                      </a:r>
+                      <a:endParaRPr lang="fr-FR" sz="2200" b="0" dirty="0"/>
+                    </a:p>
+                  </a:txBody>
+                  <a:tcPr/>
+                </a:tc>
+                <a:tc>
+                  <a:txBody>
+                    <a:bodyPr/>
+                    <a:lstStyle/>
+                    <a:p>
+                      <a:pPr marL="0" marR="0" lvl="0" indent="0" algn="ctr" defTabSz="914400" rtl="0" eaLnBrk="1" fontAlgn="auto" latinLnBrk="0" hangingPunct="1">
+                        <a:lnSpc>
+                          <a:spcPct val="100000"/>
+                        </a:lnSpc>
+                        <a:spcBef>
+                          <a:spcPts val="0"/>
+                        </a:spcBef>
+                        <a:spcAft>
+                          <a:spcPts val="0"/>
+                        </a:spcAft>
+                        <a:buClrTx/>
+                        <a:buSzTx/>
+                        <a:buFontTx/>
+                        <a:buNone/>
+                        <a:tabLst/>
+                        <a:defRPr/>
+                      </a:pPr>
+                      <a:r>
+                        <a:rPr lang="fr-FR" sz="2200" b="0" dirty="0" smtClean="0"/>
+                        <a:t>Commit</a:t>
+                      </a:r>
+                    </a:p>
+                  </a:txBody>
+                  <a:tcPr/>
+                </a:tc>
+                <a:tc>
+                  <a:txBody>
+                    <a:bodyPr/>
+                    <a:lstStyle/>
+                    <a:p>
+                      <a:r>
+                        <a:rPr lang="fr-FR" sz="2200" b="0" kern="1200" dirty="0" smtClean="0">
+                          <a:solidFill>
+                            <a:schemeClr val="dk1"/>
+                          </a:solidFill>
+                          <a:latin typeface="+mn-lt"/>
+                          <a:ea typeface="+mn-ea"/>
+                          <a:cs typeface="+mn-cs"/>
+                        </a:rPr>
+                        <a:t>Basculer entre branches ou inspecté les anciens commits</a:t>
+                      </a:r>
+                      <a:endParaRPr lang="fr-FR" sz="2200" b="0" kern="1200" dirty="0">
+                        <a:solidFill>
+                          <a:schemeClr val="dk1"/>
+                        </a:solidFill>
+                        <a:latin typeface="+mn-lt"/>
+                        <a:ea typeface="+mn-ea"/>
+                        <a:cs typeface="+mn-cs"/>
+                      </a:endParaRPr>
+                    </a:p>
+                  </a:txBody>
+                  <a:tcPr/>
+                </a:tc>
+              </a:tr>
+              <a:tr h="404585">
+                <a:tc>
+                  <a:txBody>
+                    <a:bodyPr/>
+                    <a:lstStyle/>
+                    <a:p>
+                      <a:pPr algn="ctr"/>
+                      <a:r>
+                        <a:rPr lang="fr-FR" sz="2200" b="0" dirty="0" err="1" smtClean="0"/>
+                        <a:t>Checkout</a:t>
+                      </a:r>
+                      <a:endParaRPr lang="fr-FR" sz="2200" b="0" dirty="0"/>
+                    </a:p>
+                  </a:txBody>
+                  <a:tcPr/>
+                </a:tc>
+                <a:tc>
+                  <a:txBody>
+                    <a:bodyPr/>
+                    <a:lstStyle/>
+                    <a:p>
+                      <a:pPr algn="ctr"/>
+                      <a:r>
+                        <a:rPr lang="fr-FR" sz="2200" b="0" kern="1200" dirty="0" smtClean="0">
+                          <a:solidFill>
+                            <a:schemeClr val="dk1"/>
+                          </a:solidFill>
+                          <a:latin typeface="+mn-lt"/>
+                          <a:ea typeface="+mn-ea"/>
+                          <a:cs typeface="+mn-cs"/>
+                        </a:rPr>
+                        <a:t>File</a:t>
+                      </a:r>
+                      <a:endParaRPr lang="fr-FR" sz="2200" b="0" kern="1200" dirty="0">
+                        <a:solidFill>
+                          <a:schemeClr val="dk1"/>
+                        </a:solidFill>
+                        <a:latin typeface="+mn-lt"/>
+                        <a:ea typeface="+mn-ea"/>
+                        <a:cs typeface="+mn-cs"/>
+                      </a:endParaRPr>
+                    </a:p>
+                  </a:txBody>
+                  <a:tcPr/>
+                </a:tc>
+                <a:tc>
+                  <a:txBody>
+                    <a:bodyPr/>
+                    <a:lstStyle/>
+                    <a:p>
+                      <a:r>
+                        <a:rPr lang="fr-FR" sz="2200" b="0" kern="1200" dirty="0" smtClean="0">
+                          <a:solidFill>
+                            <a:schemeClr val="dk1"/>
+                          </a:solidFill>
+                          <a:latin typeface="+mn-lt"/>
+                          <a:ea typeface="+mn-ea"/>
+                          <a:cs typeface="+mn-cs"/>
+                        </a:rPr>
+                        <a:t>Supprime</a:t>
+                      </a:r>
+                      <a:r>
+                        <a:rPr lang="fr-FR" sz="2200" b="0" kern="1200" baseline="0" dirty="0" smtClean="0">
+                          <a:solidFill>
+                            <a:schemeClr val="dk1"/>
+                          </a:solidFill>
+                          <a:latin typeface="+mn-lt"/>
+                          <a:ea typeface="+mn-ea"/>
+                          <a:cs typeface="+mn-cs"/>
+                        </a:rPr>
+                        <a:t> </a:t>
+                      </a:r>
+                      <a:r>
+                        <a:rPr lang="fr-FR" sz="2200" b="0" kern="1200" dirty="0" smtClean="0">
+                          <a:solidFill>
+                            <a:schemeClr val="dk1"/>
+                          </a:solidFill>
+                          <a:latin typeface="+mn-lt"/>
+                          <a:ea typeface="+mn-ea"/>
+                          <a:cs typeface="+mn-cs"/>
+                        </a:rPr>
+                        <a:t>les modifications dans le Répertoire de travail</a:t>
+                      </a:r>
+                      <a:endParaRPr lang="fr-FR" sz="2200" b="0" kern="1200" dirty="0">
+                        <a:solidFill>
+                          <a:schemeClr val="dk1"/>
+                        </a:solidFill>
+                        <a:latin typeface="+mn-lt"/>
+                        <a:ea typeface="+mn-ea"/>
+                        <a:cs typeface="+mn-cs"/>
+                      </a:endParaRPr>
+                    </a:p>
+                  </a:txBody>
+                  <a:tcPr/>
+                </a:tc>
+              </a:tr>
+              <a:tr h="404585">
+                <a:tc>
+                  <a:txBody>
+                    <a:bodyPr/>
+                    <a:lstStyle/>
+                    <a:p>
+                      <a:pPr algn="ctr"/>
+                      <a:r>
+                        <a:rPr lang="fr-FR" sz="2200" b="0" i="0" kern="1200" dirty="0" err="1" smtClean="0">
+                          <a:solidFill>
+                            <a:schemeClr val="dk1"/>
+                          </a:solidFill>
+                          <a:effectLst/>
+                          <a:latin typeface="+mn-lt"/>
+                          <a:ea typeface="+mn-ea"/>
+                          <a:cs typeface="+mn-cs"/>
+                        </a:rPr>
+                        <a:t>revert</a:t>
+                      </a:r>
+                      <a:endParaRPr lang="fr-FR" sz="2200" b="0" dirty="0"/>
+                    </a:p>
+                  </a:txBody>
+                  <a:tcPr/>
+                </a:tc>
+                <a:tc>
+                  <a:txBody>
+                    <a:bodyPr/>
+                    <a:lstStyle/>
+                    <a:p>
+                      <a:pPr marL="0" marR="0" lvl="0" indent="0" algn="ctr" defTabSz="914400" rtl="0" eaLnBrk="1" fontAlgn="auto" latinLnBrk="0" hangingPunct="1">
+                        <a:lnSpc>
+                          <a:spcPct val="100000"/>
+                        </a:lnSpc>
+                        <a:spcBef>
+                          <a:spcPts val="0"/>
+                        </a:spcBef>
+                        <a:spcAft>
+                          <a:spcPts val="0"/>
+                        </a:spcAft>
+                        <a:buClrTx/>
+                        <a:buSzTx/>
+                        <a:buFontTx/>
+                        <a:buNone/>
+                        <a:tabLst/>
+                        <a:defRPr/>
+                      </a:pPr>
+                      <a:r>
+                        <a:rPr lang="fr-FR" sz="2200" b="0" dirty="0" smtClean="0"/>
+                        <a:t>Commit</a:t>
+                      </a:r>
+                    </a:p>
+                  </a:txBody>
+                  <a:tcPr/>
+                </a:tc>
+                <a:tc>
+                  <a:txBody>
+                    <a:bodyPr/>
+                    <a:lstStyle/>
+                    <a:p>
+                      <a:r>
+                        <a:rPr lang="fr-FR" sz="2200" b="0" kern="1200" dirty="0" smtClean="0">
+                          <a:solidFill>
+                            <a:schemeClr val="dk1"/>
+                          </a:solidFill>
+                          <a:latin typeface="+mn-lt"/>
+                          <a:ea typeface="+mn-ea"/>
+                          <a:cs typeface="+mn-cs"/>
+                        </a:rPr>
+                        <a:t>Annule les commits dans une branche</a:t>
+                      </a:r>
+                      <a:endParaRPr lang="fr-FR" sz="2200" b="0" kern="1200" dirty="0">
+                        <a:solidFill>
+                          <a:schemeClr val="dk1"/>
+                        </a:solidFill>
+                        <a:latin typeface="+mn-lt"/>
+                        <a:ea typeface="+mn-ea"/>
+                        <a:cs typeface="+mn-cs"/>
+                      </a:endParaRPr>
+                    </a:p>
+                  </a:txBody>
+                  <a:tcPr/>
+                </a:tc>
+              </a:tr>
+              <a:tr h="404585">
+                <a:tc>
+                  <a:txBody>
+                    <a:bodyPr/>
+                    <a:lstStyle/>
+                    <a:p>
+                      <a:pPr algn="ctr"/>
+                      <a:r>
+                        <a:rPr lang="fr-FR" sz="2200" b="0" i="0" kern="1200" dirty="0" err="1" smtClean="0">
+                          <a:solidFill>
+                            <a:schemeClr val="dk1"/>
+                          </a:solidFill>
+                          <a:effectLst/>
+                          <a:latin typeface="+mn-lt"/>
+                          <a:ea typeface="+mn-ea"/>
+                          <a:cs typeface="+mn-cs"/>
+                        </a:rPr>
+                        <a:t>revert</a:t>
+                      </a:r>
+                      <a:endParaRPr lang="fr-FR" sz="2200" b="0" dirty="0"/>
+                    </a:p>
+                  </a:txBody>
+                  <a:tcPr/>
+                </a:tc>
+                <a:tc>
+                  <a:txBody>
+                    <a:bodyPr/>
+                    <a:lstStyle/>
+                    <a:p>
+                      <a:pPr algn="ctr"/>
+                      <a:r>
+                        <a:rPr lang="fr-FR" sz="2200" b="0" dirty="0" smtClean="0"/>
+                        <a:t>File</a:t>
+                      </a:r>
+                      <a:endParaRPr lang="fr-FR" sz="2200" b="0" dirty="0"/>
+                    </a:p>
+                  </a:txBody>
+                  <a:tcPr/>
+                </a:tc>
+                <a:tc>
+                  <a:txBody>
+                    <a:bodyPr/>
+                    <a:lstStyle/>
+                    <a:p>
+                      <a:r>
+                        <a:rPr lang="fr-FR" b="0" dirty="0" smtClean="0"/>
+                        <a:t>/</a:t>
+                      </a:r>
+                      <a:endParaRPr lang="fr-FR" b="0" dirty="0"/>
+                    </a:p>
+                  </a:txBody>
+                  <a:tcPr/>
+                </a:tc>
+              </a:tr>
+            </a:tbl>
+          </a:graphicData>
+        </a:graphic>
+      </p:graphicFrame>
+      <p:sp>
+        <p:nvSpPr>
+          <p:cNvPr id="6" name="ZoneTexte 5"/>
+          <p:cNvSpPr txBox="1"/>
+          <p:nvPr/>
+        </p:nvSpPr>
+        <p:spPr>
+          <a:xfrm>
+            <a:off x="299802" y="164891"/>
+            <a:ext cx="11392526" cy="3754874"/>
+          </a:xfrm>
+          <a:prstGeom prst="rect">
+            <a:avLst/>
+          </a:prstGeom>
+          <a:noFill/>
+        </p:spPr>
+        <p:txBody>
+          <a:bodyPr wrap="square" rtlCol="0">
+            <a:spAutoFit/>
+          </a:bodyPr>
+          <a:lstStyle/>
+          <a:p>
+            <a:r>
+              <a:rPr lang="fr-FR" sz="2200" b="1" u="sng" dirty="0" err="1" smtClean="0"/>
+              <a:t>Demo</a:t>
+            </a:r>
+            <a:r>
+              <a:rPr lang="fr-FR" sz="2200" b="1" u="sng" dirty="0" smtClean="0"/>
+              <a:t> reset</a:t>
+            </a:r>
+          </a:p>
+          <a:p>
+            <a:pPr marL="269875" indent="-269875">
+              <a:buFont typeface="+mj-lt"/>
+              <a:buAutoNum type="arabicPeriod"/>
+            </a:pPr>
+            <a:r>
+              <a:rPr lang="fr-FR" sz="2200" dirty="0" smtClean="0"/>
+              <a:t>Echo ‘reset’ &gt;&gt;</a:t>
+            </a:r>
+            <a:r>
+              <a:rPr lang="fr-FR" sz="2400" dirty="0" smtClean="0"/>
+              <a:t> a.txt		                   8.	</a:t>
+            </a:r>
+            <a:r>
+              <a:rPr lang="fr-FR" sz="2400" dirty="0"/>
+              <a:t>git </a:t>
+            </a:r>
+            <a:r>
+              <a:rPr lang="fr-FR" sz="2400" dirty="0" err="1"/>
+              <a:t>ls</a:t>
+            </a:r>
+            <a:r>
+              <a:rPr lang="fr-FR" sz="2400" dirty="0"/>
+              <a:t>-files –</a:t>
+            </a:r>
+            <a:r>
+              <a:rPr lang="fr-FR" sz="2400" dirty="0" smtClean="0"/>
+              <a:t>s		</a:t>
+            </a:r>
+          </a:p>
+          <a:p>
+            <a:pPr marL="269875" indent="-269875">
+              <a:buFont typeface="+mj-lt"/>
+              <a:buAutoNum type="arabicPeriod"/>
+            </a:pPr>
+            <a:r>
+              <a:rPr lang="fr-FR" sz="2400" dirty="0"/>
+              <a:t>git </a:t>
+            </a:r>
+            <a:r>
+              <a:rPr lang="fr-FR" sz="2400" dirty="0" err="1"/>
+              <a:t>ls</a:t>
+            </a:r>
+            <a:r>
+              <a:rPr lang="fr-FR" sz="2400" dirty="0"/>
+              <a:t>-files –</a:t>
+            </a:r>
+            <a:r>
+              <a:rPr lang="fr-FR" sz="2400" dirty="0" smtClean="0"/>
+              <a:t>s				</a:t>
+            </a:r>
+            <a:r>
+              <a:rPr lang="fr-FR" sz="2400" dirty="0"/>
+              <a:t>     9.gs	</a:t>
+            </a:r>
+            <a:r>
+              <a:rPr lang="fr-FR" sz="2400" dirty="0" smtClean="0"/>
+              <a:t>				</a:t>
+            </a:r>
+          </a:p>
+          <a:p>
+            <a:pPr marL="269875" indent="-269875">
+              <a:buFont typeface="+mj-lt"/>
+              <a:buAutoNum type="arabicPeriod"/>
+            </a:pPr>
+            <a:r>
+              <a:rPr lang="fr-FR" sz="2400" dirty="0" smtClean="0"/>
+              <a:t>Git </a:t>
+            </a:r>
+            <a:r>
+              <a:rPr lang="fr-FR" sz="2400" dirty="0" err="1" smtClean="0"/>
+              <a:t>add</a:t>
+            </a:r>
+            <a:r>
+              <a:rPr lang="fr-FR" sz="2400" dirty="0" smtClean="0"/>
+              <a:t> a.txt				    10.</a:t>
+            </a:r>
+            <a:r>
+              <a:rPr lang="fr-FR" sz="2400" dirty="0"/>
+              <a:t> git reset --</a:t>
+            </a:r>
+            <a:r>
+              <a:rPr lang="fr-FR" sz="2400" dirty="0" smtClean="0"/>
+              <a:t>hard	</a:t>
+            </a:r>
+          </a:p>
+          <a:p>
+            <a:pPr marL="269875" indent="-269875">
+              <a:buFont typeface="+mj-lt"/>
+              <a:buAutoNum type="arabicPeriod"/>
+            </a:pPr>
+            <a:r>
+              <a:rPr lang="fr-FR" sz="2400" dirty="0"/>
+              <a:t>git </a:t>
+            </a:r>
+            <a:r>
+              <a:rPr lang="fr-FR" sz="2400" dirty="0" err="1"/>
+              <a:t>ls</a:t>
+            </a:r>
+            <a:r>
+              <a:rPr lang="fr-FR" sz="2400" dirty="0"/>
+              <a:t>-files </a:t>
+            </a:r>
+            <a:r>
+              <a:rPr lang="fr-FR" sz="2400" dirty="0" smtClean="0"/>
+              <a:t>–s</a:t>
+            </a:r>
+          </a:p>
+          <a:p>
+            <a:pPr marL="269875" indent="-269875">
+              <a:buFont typeface="+mj-lt"/>
+              <a:buAutoNum type="arabicPeriod"/>
+            </a:pPr>
+            <a:r>
+              <a:rPr lang="en-US" sz="2400" dirty="0" err="1"/>
+              <a:t>git</a:t>
+            </a:r>
+            <a:r>
+              <a:rPr lang="en-US" sz="2400" dirty="0"/>
+              <a:t> commit -</a:t>
+            </a:r>
+            <a:r>
+              <a:rPr lang="en-US" sz="2400" dirty="0" err="1"/>
+              <a:t>am"update</a:t>
+            </a:r>
+            <a:r>
+              <a:rPr lang="en-US" sz="2400" dirty="0"/>
+              <a:t> content </a:t>
+            </a:r>
+            <a:r>
+              <a:rPr lang="en-US" sz="2400" dirty="0" smtClean="0"/>
+              <a:t>of a.txt“   </a:t>
+            </a:r>
+          </a:p>
+          <a:p>
+            <a:r>
+              <a:rPr lang="en-US" sz="2400" u="sng" dirty="0" smtClean="0"/>
+              <a:t>//--hard                                                           //soft </a:t>
+            </a:r>
+          </a:p>
+          <a:p>
+            <a:pPr marL="457200" indent="-457200">
+              <a:buFont typeface="+mj-lt"/>
+              <a:buAutoNum type="arabicPeriod" startAt="5"/>
+            </a:pPr>
+            <a:r>
+              <a:rPr lang="en-US" sz="2400" dirty="0" smtClean="0"/>
+              <a:t>echo</a:t>
+            </a:r>
+            <a:r>
+              <a:rPr lang="en-US" sz="2400" dirty="0"/>
+              <a:t> 'new file content' </a:t>
+            </a:r>
+            <a:r>
+              <a:rPr lang="en-US" sz="2400" dirty="0" smtClean="0"/>
+              <a:t>&gt;&gt;</a:t>
+            </a:r>
+            <a:r>
+              <a:rPr lang="en-US" sz="2400" dirty="0"/>
+              <a:t> </a:t>
+            </a:r>
+            <a:r>
+              <a:rPr lang="en-US" sz="2400" dirty="0" err="1" smtClean="0"/>
+              <a:t>new_file</a:t>
+            </a:r>
+            <a:r>
+              <a:rPr lang="en-US" sz="2400" dirty="0" smtClean="0"/>
+              <a:t>   --11.     5 et 6 et 7 +</a:t>
+            </a:r>
+            <a:endParaRPr lang="fr-FR" sz="2200" u="sng" dirty="0" smtClean="0"/>
+          </a:p>
+          <a:p>
+            <a:pPr marL="457200" indent="-457200">
+              <a:buFont typeface="+mj-lt"/>
+              <a:buAutoNum type="arabicPeriod" startAt="5"/>
+            </a:pPr>
+            <a:r>
+              <a:rPr lang="fr-FR" sz="2400" dirty="0"/>
+              <a:t>git </a:t>
+            </a:r>
+            <a:r>
+              <a:rPr lang="fr-FR" sz="2400" dirty="0" err="1"/>
+              <a:t>add</a:t>
+            </a:r>
+            <a:r>
+              <a:rPr lang="fr-FR" sz="2400" dirty="0"/>
+              <a:t> </a:t>
+            </a:r>
+            <a:r>
+              <a:rPr lang="fr-FR" sz="2400" dirty="0" err="1" smtClean="0"/>
+              <a:t>new_file</a:t>
+            </a:r>
+            <a:r>
+              <a:rPr lang="fr-FR" sz="2400" dirty="0" smtClean="0"/>
+              <a:t>                                     12.</a:t>
+            </a:r>
+            <a:r>
+              <a:rPr lang="fr-FR" sz="2400" dirty="0"/>
+              <a:t> git </a:t>
+            </a:r>
+            <a:r>
+              <a:rPr lang="fr-FR" sz="2400" dirty="0" err="1"/>
+              <a:t>add</a:t>
+            </a:r>
+            <a:r>
+              <a:rPr lang="fr-FR" sz="2400" dirty="0"/>
+              <a:t> </a:t>
+            </a:r>
+            <a:r>
+              <a:rPr lang="fr-FR" sz="2400" dirty="0" smtClean="0"/>
+              <a:t>a.txt</a:t>
+            </a:r>
+          </a:p>
+          <a:p>
+            <a:pPr marL="457200" indent="-457200">
+              <a:buFont typeface="+mj-lt"/>
+              <a:buAutoNum type="arabicPeriod" startAt="5"/>
+            </a:pPr>
+            <a:r>
+              <a:rPr lang="fr-FR" sz="2400" dirty="0" err="1"/>
+              <a:t>echo</a:t>
+            </a:r>
+            <a:r>
+              <a:rPr lang="fr-FR" sz="2400" dirty="0"/>
+              <a:t> '</a:t>
+            </a:r>
+            <a:r>
+              <a:rPr lang="fr-FR" sz="2400" dirty="0" err="1"/>
+              <a:t>changed</a:t>
+            </a:r>
+            <a:r>
+              <a:rPr lang="fr-FR" sz="2400" dirty="0"/>
+              <a:t> content' &gt;&gt; </a:t>
+            </a:r>
+            <a:r>
+              <a:rPr lang="fr-FR" sz="2400" dirty="0" smtClean="0"/>
+              <a:t>a.txt         13. </a:t>
+            </a:r>
+            <a:r>
+              <a:rPr lang="fr-FR" sz="2400" dirty="0"/>
+              <a:t>git </a:t>
+            </a:r>
+            <a:r>
+              <a:rPr lang="fr-FR" sz="2400" dirty="0" err="1"/>
+              <a:t>ls</a:t>
+            </a:r>
+            <a:r>
+              <a:rPr lang="fr-FR" sz="2400" dirty="0"/>
+              <a:t>-files –s</a:t>
+            </a:r>
+          </a:p>
+        </p:txBody>
+      </p:sp>
+    </p:spTree>
+    <p:extLst>
+      <p:ext uri="{BB962C8B-B14F-4D97-AF65-F5344CB8AC3E}">
+        <p14:creationId xmlns:p14="http://schemas.microsoft.com/office/powerpoint/2010/main" val="1190727528"/>
       </p:ext>
     </p:extLst>
   </p:cSld>
@@ -20637,11 +22413,7 @@
             </a:r>
             <a:r>
               <a:rPr lang="fr-FR" sz="2800" b="1" i="1" dirty="0"/>
-              <a:t>« fichier</a:t>
-            </a:r>
-            <a:r>
-              <a:rPr lang="fr-FR" sz="2800" b="1" i="1" dirty="0"/>
-              <a:t>»(s</a:t>
+              <a:t>« fichier»(s</a:t>
             </a:r>
             <a:r>
               <a:rPr lang="fr-FR" sz="2800" dirty="0"/>
@@ -20788,15 +22560,15 @@
             </a:pPr>
             <a:r>
               <a:rPr lang="fr-FR" sz="2800" dirty="0"/>
-              <a:t>Envoyer les modification indexés(</a:t>
-            </a:r>
-            <a:r>
-              <a:rPr lang="fr-FR" sz="2800" dirty="0" err="1"/>
-              <a:t>snapshot</a:t>
+              <a:t>Envoyer les modification indexés(snapshot) </a:t>
+            </a:r>
+            <a:r>
+              <a:rPr lang="fr-FR" sz="2800" dirty="0" smtClean="0"/>
+              <a:t> vers le dépôt locale(backup</a:t>
             </a:r>
             <a:r>
               <a:rPr lang="fr-FR" sz="2800" dirty="0"/>
-              <a:t>) en zone de transit(backup):</a:t>
+              <a:t>):</a:t>
             </a:r>
           </a:p>
           <a:p>

--- a/Formation Git.pptx
+++ b/Formation Git.pptx
@@ -5,7 +5,7 @@
     <p:sldMasterId id="2147483648" r:id="rId1"/>
   </p:sldMasterIdLst>
   <p:notesMasterIdLst>
-    <p:notesMasterId r:id="rId40"/>
+    <p:notesMasterId r:id="rId42"/>
   </p:notesMasterIdLst>
   <p:sldIdLst>
     <p:sldId id="257" r:id="rId2"/>
@@ -41,11 +41,13 @@
     <p:sldId id="295" r:id="rId32"/>
     <p:sldId id="292" r:id="rId33"/>
     <p:sldId id="304" r:id="rId34"/>
-    <p:sldId id="294" r:id="rId35"/>
-    <p:sldId id="271" r:id="rId36"/>
-    <p:sldId id="301" r:id="rId37"/>
-    <p:sldId id="293" r:id="rId38"/>
-    <p:sldId id="305" r:id="rId39"/>
+    <p:sldId id="271" r:id="rId35"/>
+    <p:sldId id="301" r:id="rId36"/>
+    <p:sldId id="293" r:id="rId37"/>
+    <p:sldId id="305" r:id="rId38"/>
+    <p:sldId id="306" r:id="rId39"/>
+    <p:sldId id="294" r:id="rId40"/>
+    <p:sldId id="307" r:id="rId41"/>
   </p:sldIdLst>
   <p:sldSz cx="12192000" cy="6858000"/>
   <p:notesSz cx="6858000" cy="9144000"/>
@@ -234,7 +236,7 @@
           <a:p>
             <a:fld id="{6C11479D-E256-4744-A8DA-17425A14A154}" type="datetimeFigureOut">
               <a:rPr lang="fr-FR" smtClean="0"/>
-              <a:t>14/12/2022</a:t>
+              <a:t>15/12/2022</a:t>
             </a:fld>
             <a:endParaRPr lang="fr-FR"/>
           </a:p>
@@ -1317,7 +1319,6 @@
               <a:rPr lang="fr-FR" b="0" baseline="0" dirty="0" smtClean="0"/>
               <a:t>) puis créer un nouveau commit de reverse.  </a:t>
             </a:r>
-            <a:endParaRPr lang="fr-FR" b="0" baseline="0" dirty="0" smtClean="0"/>
           </a:p>
           <a:p>
             <a:pPr marL="0" marR="0" lvl="0" indent="0" algn="l" defTabSz="914400" rtl="0" eaLnBrk="1" fontAlgn="auto" latinLnBrk="0" hangingPunct="1">
@@ -1974,15 +1975,6 @@
               </a:rPr>
               <a:t> locale</a:t>
             </a:r>
-            <a:endParaRPr lang="fr-FR" sz="1200" b="0" kern="1200" baseline="0" dirty="0" smtClean="0">
-              <a:solidFill>
-                <a:schemeClr val="tx1"/>
-              </a:solidFill>
-              <a:effectLst/>
-              <a:latin typeface="+mn-lt"/>
-              <a:ea typeface="+mn-ea"/>
-              <a:cs typeface="+mn-cs"/>
-            </a:endParaRPr>
           </a:p>
           <a:p>
             <a:r>
@@ -2790,15 +2782,7 @@
             </a:r>
             <a:r>
               <a:rPr lang="fr-FR" baseline="0" dirty="0" smtClean="0"/>
-              <a:t> plus de téléchargement il intègre les changement dans l’espace de travail (peut généré des conflits)(pull doit être utilisé avec une copie local propre son changement un </a:t>
-            </a:r>
-            <a:r>
-              <a:rPr lang="fr-FR" baseline="0" dirty="0" err="1" smtClean="0"/>
-              <a:t>commité</a:t>
-            </a:r>
-            <a:r>
-              <a:rPr lang="fr-FR" baseline="0" dirty="0" smtClean="0"/>
-              <a:t>) </a:t>
+              <a:t> plus de téléchargement il intègre les changement dans l’espace de travail (peut généré des conflits)(pull doit être utilisé avec une copie local propre son changement un commité) </a:t>
             </a:r>
           </a:p>
           <a:p>
@@ -6771,7 +6755,7 @@
           <a:p>
             <a:fld id="{852BFB1F-A0B8-45F9-8B0C-AE6AABDE724A}" type="slidenum">
               <a:rPr lang="fr-FR" smtClean="0"/>
-              <a:t>36</a:t>
+              <a:t>35</a:t>
             </a:fld>
             <a:endParaRPr lang="fr-FR"/>
           </a:p>
@@ -6891,7 +6875,7 @@
           <a:p>
             <a:fld id="{852BFB1F-A0B8-45F9-8B0C-AE6AABDE724A}" type="slidenum">
               <a:rPr lang="fr-FR" smtClean="0"/>
-              <a:t>37</a:t>
+              <a:t>36</a:t>
             </a:fld>
             <a:endParaRPr lang="fr-FR"/>
           </a:p>
@@ -7064,27 +7048,7 @@
             </a:r>
             <a:r>
               <a:rPr lang="fr-FR" baseline="0" dirty="0" smtClean="0"/>
-              <a:t>: On </a:t>
-            </a:r>
-            <a:r>
-              <a:rPr lang="fr-FR" baseline="0" dirty="0" smtClean="0"/>
-              <a:t>voit comme quoi des ficher sont prêt pour le commit(déjà dans l’index).la </a:t>
-            </a:r>
-            <a:r>
-              <a:rPr lang="fr-FR" baseline="0" dirty="0" smtClean="0"/>
-              <a:t>deuxième </a:t>
-            </a:r>
-            <a:r>
-              <a:rPr lang="fr-FR" baseline="0" dirty="0" smtClean="0"/>
-              <a:t>command indique que l’index n’a pas </a:t>
-            </a:r>
-            <a:r>
-              <a:rPr lang="fr-FR" baseline="0" dirty="0" smtClean="0"/>
-              <a:t>changé. Exécute </a:t>
-            </a:r>
-            <a:r>
-              <a:rPr lang="fr-FR" baseline="0" dirty="0" smtClean="0"/>
-              <a:t>git log on remarque une seul commit dans le journal</a:t>
+              <a:t>: On voit comme quoi des ficher sont prêt pour le commit(déjà dans l’index).la deuxième command indique que l’index n’a pas changé. Exécute git log on remarque une seul commit dans le journal</a:t>
             </a:r>
           </a:p>
           <a:p>
@@ -7126,7 +7090,7 @@
           <a:p>
             <a:fld id="{852BFB1F-A0B8-45F9-8B0C-AE6AABDE724A}" type="slidenum">
               <a:rPr lang="fr-FR" smtClean="0"/>
-              <a:t>38</a:t>
+              <a:t>37</a:t>
             </a:fld>
             <a:endParaRPr lang="fr-FR"/>
           </a:p>
@@ -8414,16 +8378,33 @@
             </a:r>
             <a:r>
               <a:rPr lang="fr-FR" b="0" baseline="0" dirty="0" smtClean="0"/>
-              <a:t>importante pour git commit (étape pour sélectionner ce qui va être </a:t>
+              <a:t>importante pour git commit (étape pour sélectionner ce qui va être commité) marque les fichiers à inclure dans le commit suivant.la commande n’affecte pas le repo </a:t>
             </a:r>
             <a:r>
               <a:rPr lang="fr-FR" b="0" baseline="0" dirty="0" err="1" smtClean="0"/>
-              <a:t>commité</a:t>
+              <a:t>locale.git</a:t>
             </a:r>
             <a:r>
               <a:rPr lang="fr-FR" b="0" baseline="0" dirty="0" smtClean="0"/>
-              <a:t>) marque les fichiers à inclure dans le commit suivant.la commande n’affecte pas le repo locale</a:t>
-            </a:r>
+              <a:t> </a:t>
+            </a:r>
+            <a:r>
+              <a:rPr lang="fr-FR" b="0" baseline="0" dirty="0" err="1" smtClean="0"/>
+              <a:t>add</a:t>
+            </a:r>
+            <a:r>
+              <a:rPr lang="fr-FR" b="0" baseline="0" dirty="0" smtClean="0"/>
+              <a:t> *(ignore celui qui commence avec « </a:t>
+            </a:r>
+            <a:r>
+              <a:rPr lang="fr-FR" b="1" baseline="0" dirty="0" smtClean="0"/>
+              <a:t>. </a:t>
+            </a:r>
+            <a:r>
+              <a:rPr lang="fr-FR" b="0" baseline="0" dirty="0" smtClean="0"/>
+              <a:t>»)</a:t>
+            </a:r>
+            <a:endParaRPr lang="fr-FR" b="0" baseline="0" dirty="0" smtClean="0"/>
           </a:p>
           <a:p>
             <a:r>
@@ -9309,7 +9290,7 @@
           <a:p>
             <a:fld id="{0A206D1B-E756-4A82-9838-551DE185C738}" type="datetimeFigureOut">
               <a:rPr lang="fr-FR" smtClean="0"/>
-              <a:t>14/12/2022</a:t>
+              <a:t>15/12/2022</a:t>
             </a:fld>
             <a:endParaRPr lang="fr-FR"/>
           </a:p>
@@ -9479,7 +9460,7 @@
           <a:p>
             <a:fld id="{0A206D1B-E756-4A82-9838-551DE185C738}" type="datetimeFigureOut">
               <a:rPr lang="fr-FR" smtClean="0"/>
-              <a:t>14/12/2022</a:t>
+              <a:t>15/12/2022</a:t>
             </a:fld>
             <a:endParaRPr lang="fr-FR"/>
           </a:p>
@@ -9659,7 +9640,7 @@
           <a:p>
             <a:fld id="{0A206D1B-E756-4A82-9838-551DE185C738}" type="datetimeFigureOut">
               <a:rPr lang="fr-FR" smtClean="0"/>
-              <a:t>14/12/2022</a:t>
+              <a:t>15/12/2022</a:t>
             </a:fld>
             <a:endParaRPr lang="fr-FR"/>
           </a:p>
@@ -9829,7 +9810,7 @@
           <a:p>
             <a:fld id="{0A206D1B-E756-4A82-9838-551DE185C738}" type="datetimeFigureOut">
               <a:rPr lang="fr-FR" smtClean="0"/>
-              <a:t>14/12/2022</a:t>
+              <a:t>15/12/2022</a:t>
             </a:fld>
             <a:endParaRPr lang="fr-FR"/>
           </a:p>
@@ -10075,7 +10056,7 @@
           <a:p>
             <a:fld id="{0A206D1B-E756-4A82-9838-551DE185C738}" type="datetimeFigureOut">
               <a:rPr lang="fr-FR" smtClean="0"/>
-              <a:t>14/12/2022</a:t>
+              <a:t>15/12/2022</a:t>
             </a:fld>
             <a:endParaRPr lang="fr-FR"/>
           </a:p>
@@ -10307,7 +10288,7 @@
           <a:p>
             <a:fld id="{0A206D1B-E756-4A82-9838-551DE185C738}" type="datetimeFigureOut">
               <a:rPr lang="fr-FR" smtClean="0"/>
-              <a:t>14/12/2022</a:t>
+              <a:t>15/12/2022</a:t>
             </a:fld>
             <a:endParaRPr lang="fr-FR"/>
           </a:p>
@@ -10674,7 +10655,7 @@
           <a:p>
             <a:fld id="{0A206D1B-E756-4A82-9838-551DE185C738}" type="datetimeFigureOut">
               <a:rPr lang="fr-FR" smtClean="0"/>
-              <a:t>14/12/2022</a:t>
+              <a:t>15/12/2022</a:t>
             </a:fld>
             <a:endParaRPr lang="fr-FR"/>
           </a:p>
@@ -10792,7 +10773,7 @@
           <a:p>
             <a:fld id="{0A206D1B-E756-4A82-9838-551DE185C738}" type="datetimeFigureOut">
               <a:rPr lang="fr-FR" smtClean="0"/>
-              <a:t>14/12/2022</a:t>
+              <a:t>15/12/2022</a:t>
             </a:fld>
             <a:endParaRPr lang="fr-FR"/>
           </a:p>
@@ -10887,7 +10868,7 @@
           <a:p>
             <a:fld id="{0A206D1B-E756-4A82-9838-551DE185C738}" type="datetimeFigureOut">
               <a:rPr lang="fr-FR" smtClean="0"/>
-              <a:t>14/12/2022</a:t>
+              <a:t>15/12/2022</a:t>
             </a:fld>
             <a:endParaRPr lang="fr-FR"/>
           </a:p>
@@ -11164,7 +11145,7 @@
           <a:p>
             <a:fld id="{0A206D1B-E756-4A82-9838-551DE185C738}" type="datetimeFigureOut">
               <a:rPr lang="fr-FR" smtClean="0"/>
-              <a:t>14/12/2022</a:t>
+              <a:t>15/12/2022</a:t>
             </a:fld>
             <a:endParaRPr lang="fr-FR"/>
           </a:p>
@@ -11417,7 +11398,7 @@
           <a:p>
             <a:fld id="{0A206D1B-E756-4A82-9838-551DE185C738}" type="datetimeFigureOut">
               <a:rPr lang="fr-FR" smtClean="0"/>
-              <a:t>14/12/2022</a:t>
+              <a:t>15/12/2022</a:t>
             </a:fld>
             <a:endParaRPr lang="fr-FR"/>
           </a:p>
@@ -11630,7 +11611,7 @@
           <a:p>
             <a:fld id="{0A206D1B-E756-4A82-9838-551DE185C738}" type="datetimeFigureOut">
               <a:rPr lang="fr-FR" smtClean="0"/>
-              <a:t>14/12/2022</a:t>
+              <a:t>15/12/2022</a:t>
             </a:fld>
             <a:endParaRPr lang="fr-FR"/>
           </a:p>
@@ -12723,7 +12704,7 @@
             </a:r>
           </a:p>
           <a:p>
-            <a:pPr marL="790575" lvl="1" indent="-520700">
+            <a:pPr marL="790575" lvl="1" indent="-611188">
               <a:buFont typeface="+mj-lt"/>
               <a:buAutoNum type="arabicPeriod" startAt="15"/>
             </a:pPr>
@@ -12961,7 +12942,7 @@
           </a:bodyPr>
           <a:lstStyle/>
           <a:p>
-            <a:pPr marL="874713" lvl="1" indent="-514350">
+            <a:pPr marL="874713" lvl="1" indent="-604838">
               <a:buFont typeface="+mj-lt"/>
               <a:buAutoNum type="arabicPeriod" startAt="18"/>
             </a:pPr>
@@ -13023,9 +13004,9 @@
             </a:r>
           </a:p>
           <a:p>
-            <a:pPr marL="969963" lvl="1" indent="-609600">
+            <a:pPr marL="790575" lvl="1" indent="-611188">
               <a:buFont typeface="+mj-lt"/>
-              <a:buAutoNum type="arabicPeriod" startAt="11"/>
+              <a:buAutoNum type="arabicPeriod" startAt="19"/>
             </a:pPr>
             <a:r>
               <a:rPr lang="fr-FR" sz="2800" dirty="0"/>
@@ -13073,9 +13054,9 @@
             <a:endParaRPr lang="fr-FR" sz="2800" b="1" i="1" dirty="0"/>
           </a:p>
           <a:p>
-            <a:pPr marL="877887" lvl="1" indent="-514350">
+            <a:pPr marL="876300" lvl="1" indent="-696913">
               <a:buFont typeface="+mj-lt"/>
-              <a:buAutoNum type="arabicPeriod" startAt="16"/>
+              <a:buAutoNum type="arabicPeriod" startAt="20"/>
             </a:pPr>
             <a:r>
               <a:rPr lang="fr-FR" sz="2800" dirty="0" smtClean="0"/>
@@ -13116,145 +13097,51 @@
             <a:endParaRPr lang="fr-FR" sz="3000" dirty="0" smtClean="0"/>
           </a:p>
           <a:p>
-            <a:pPr marL="1268412" lvl="1" indent="-457200"/>
-            <a:r>
-              <a:rPr lang="fr-FR" sz="2800" b="1" i="1" dirty="0" smtClean="0"/>
-              <a:t>git </a:t>
-            </a:r>
-            <a:r>
-              <a:rPr lang="fr-FR" sz="2800" b="1" i="1" dirty="0" smtClean="0"/>
-              <a:t>reset  --[</a:t>
-            </a:r>
-            <a:r>
-              <a:rPr lang="fr-FR" sz="2800" b="1" i="1" dirty="0" err="1" smtClean="0"/>
+            <a:pPr marL="1274762" lvl="1" indent="-457200">
+              <a:lnSpc>
+                <a:spcPct val="100000"/>
+              </a:lnSpc>
+            </a:pPr>
+            <a:r>
+              <a:rPr lang="fr-FR" sz="2800" b="1" i="1" dirty="0"/>
+              <a:t>git reset  --[</a:t>
+            </a:r>
+            <a:r>
+              <a:rPr lang="fr-FR" sz="2800" b="1" i="1" dirty="0" err="1"/>
               <a:t>soft|mixed|hard</a:t>
             </a:r>
             <a:r>
-              <a:rPr lang="fr-FR" sz="2800" b="1" i="1" dirty="0" smtClean="0"/>
-              <a:t>]  [SHA-1] | </a:t>
-            </a:r>
-            <a:r>
-              <a:rPr lang="fr-FR" sz="2800" b="1" i="1" smtClean="0"/>
-              <a:t>git reset [</a:t>
-            </a:r>
-            <a:r>
-              <a:rPr lang="fr-FR" sz="2800" b="1" i="1" dirty="0" err="1" smtClean="0"/>
+              <a:rPr lang="fr-FR" sz="2800" b="1" i="1" dirty="0"/>
+              <a:t>]  [SHA-1] | git reset [</a:t>
+            </a:r>
+            <a:r>
+              <a:rPr lang="fr-FR" sz="2800" b="1" i="1" dirty="0" err="1"/>
               <a:t>filename</a:t>
             </a:r>
             <a:r>
-              <a:rPr lang="fr-FR" sz="2800" b="1" i="1" dirty="0" smtClean="0"/>
+              <a:rPr lang="fr-FR" sz="2800" b="1" i="1" dirty="0"/>
               <a:t>]</a:t>
             </a:r>
-            <a:endParaRPr lang="fr-FR" sz="2800" b="1" i="1" dirty="0" smtClean="0"/>
-          </a:p>
-          <a:p>
-            <a:pPr marL="877887" lvl="1" indent="-514350">
+          </a:p>
+          <a:p>
+            <a:pPr marL="693737" lvl="1" indent="-514350">
               <a:lnSpc>
                 <a:spcPct val="70000"/>
               </a:lnSpc>
               <a:buFont typeface="+mj-lt"/>
-              <a:buAutoNum type="arabicPeriod" startAt="17"/>
-            </a:pPr>
-            <a:r>
-              <a:rPr lang="fr-FR" sz="2800" dirty="0" smtClean="0"/>
-              <a:t>Navigué </a:t>
-            </a:r>
+              <a:buAutoNum type="arabicPeriod" startAt="21"/>
+            </a:pPr>
             <a:r>
               <a:rPr lang="fr-FR" sz="2800" dirty="0"/>
-              <a:t>dans l’historique des commit (voir le contenu avent un commit </a:t>
-            </a:r>
-            <a:r>
-              <a:rPr lang="fr-FR" sz="2800" dirty="0" smtClean="0"/>
-              <a:t>)</a:t>
-            </a:r>
-            <a:endParaRPr lang="fr-FR" sz="2800" dirty="0"/>
-          </a:p>
-          <a:p>
-            <a:pPr marL="1158875" lvl="1" indent="-347663">
-              <a:lnSpc>
-                <a:spcPct val="70000"/>
-              </a:lnSpc>
-            </a:pPr>
-            <a:r>
-              <a:rPr lang="fr-FR" sz="2800" b="1" i="1" dirty="0"/>
-              <a:t>git </a:t>
-            </a:r>
-            <a:r>
-              <a:rPr lang="fr-FR" sz="2800" b="1" i="1" dirty="0" err="1"/>
-              <a:t>checkout</a:t>
-            </a:r>
-            <a:r>
-              <a:rPr lang="fr-FR" sz="2800" b="1" i="1" dirty="0"/>
-              <a:t> « commit_hash </a:t>
-            </a:r>
-            <a:r>
-              <a:rPr lang="fr-FR" sz="2800" b="1" i="1" dirty="0" smtClean="0"/>
-              <a:t>» [ </a:t>
-            </a:r>
-            <a:r>
-              <a:rPr lang="fr-FR" sz="2800" b="1" i="1" dirty="0"/>
-              <a:t>« fichier </a:t>
-            </a:r>
-            <a:r>
-              <a:rPr lang="fr-FR" sz="2800" b="1" i="1" dirty="0" smtClean="0"/>
-              <a:t>»]</a:t>
-            </a:r>
-          </a:p>
-          <a:p>
-            <a:pPr marL="877887" lvl="1" indent="-514350">
-              <a:buFont typeface="+mj-lt"/>
-              <a:buAutoNum type="arabicPeriod" startAt="9"/>
-            </a:pPr>
+              <a:t>Basculé entre branche  et navigué </a:t>
+            </a:r>
             <a:r>
               <a:rPr lang="fr-FR" sz="2800" dirty="0"/>
-              <a:t>Annuler les modification </a:t>
-            </a:r>
-            <a:r>
-              <a:rPr lang="fr-FR" sz="2800" dirty="0" smtClean="0"/>
-              <a:t>d’un fichier ou commit dans le répertoire de travail</a:t>
-            </a:r>
-            <a:endParaRPr lang="fr-FR" sz="2800" dirty="0"/>
-          </a:p>
-          <a:p>
-            <a:pPr marL="1160462" lvl="1" indent="-342900">
-              <a:lnSpc>
-                <a:spcPct val="70000"/>
-              </a:lnSpc>
-            </a:pPr>
-            <a:r>
-              <a:rPr lang="fr-FR" sz="2800" dirty="0"/>
-              <a:t>git </a:t>
-            </a:r>
-            <a:r>
-              <a:rPr lang="fr-FR" sz="2800" dirty="0" err="1"/>
-              <a:t>checkout</a:t>
-            </a:r>
-            <a:r>
-              <a:rPr lang="fr-FR" sz="2800" dirty="0"/>
-              <a:t>  --  « fichier », git restore « fichier </a:t>
-            </a:r>
-            <a:r>
-              <a:rPr lang="fr-FR" sz="2800" dirty="0" smtClean="0"/>
-              <a:t>»</a:t>
-            </a:r>
-            <a:endParaRPr lang="fr-FR" sz="2800" b="1" i="1" dirty="0" smtClean="0"/>
-          </a:p>
-          <a:p>
-            <a:pPr marL="962025" lvl="1" indent="-598488">
-              <a:buFont typeface="+mj-lt"/>
-              <a:buAutoNum type="arabicPeriod" startAt="18"/>
-              <a:tabLst>
-                <a:tab pos="811213" algn="l"/>
-                <a:tab pos="1163638" algn="l"/>
-              </a:tabLst>
-            </a:pPr>
-            <a:r>
-              <a:rPr lang="fr-FR" sz="2800" dirty="0"/>
-              <a:t>Voir les détails d’un commit(contribution</a:t>
-            </a:r>
-            <a:r>
-              <a:rPr lang="fr-FR" sz="2800" dirty="0" smtClean="0"/>
-              <a:t>):</a:t>
+              <a:t>dans l’historique des </a:t>
+            </a:r>
+            <a:r>
+              <a:rPr lang="fr-FR" sz="2800" dirty="0" err="1" smtClean="0"/>
+              <a:t>commits</a:t>
             </a:r>
             <a:endParaRPr lang="fr-FR" sz="2800" dirty="0"/>
           </a:p>
@@ -13267,7 +13154,132 @@
             </a:pPr>
             <a:r>
               <a:rPr lang="fr-FR" sz="2800" b="1" i="1" dirty="0"/>
-              <a:t>git show « commit_hash </a:t>
+              <a:t>git </a:t>
+            </a:r>
+            <a:r>
+              <a:rPr lang="fr-FR" sz="2800" b="1" i="1" dirty="0" err="1"/>
+              <a:t>checkout</a:t>
+            </a:r>
+            <a:r>
+              <a:rPr lang="fr-FR" sz="2800" b="1" i="1" dirty="0"/>
+              <a:t> </a:t>
+            </a:r>
+            <a:r>
+              <a:rPr lang="fr-FR" sz="2800" b="1" i="1" dirty="0"/>
+              <a:t> [</a:t>
+            </a:r>
+            <a:r>
+              <a:rPr lang="fr-FR" sz="2800" b="1" i="1" dirty="0" err="1"/>
+              <a:t>branch</a:t>
+            </a:r>
+            <a:r>
+              <a:rPr lang="fr-FR" sz="2800" b="1" i="1" dirty="0"/>
+              <a:t>] [</a:t>
+            </a:r>
+            <a:r>
+              <a:rPr lang="fr-FR" sz="2800" b="1" i="1" dirty="0"/>
+              <a:t> </a:t>
+            </a:r>
+            <a:r>
+              <a:rPr lang="fr-FR" sz="2800" b="1" i="1" dirty="0" err="1"/>
+              <a:t>commit_hash</a:t>
+            </a:r>
+            <a:r>
+              <a:rPr lang="fr-FR" sz="2800" b="1" i="1" dirty="0"/>
+              <a:t>] [</a:t>
+            </a:r>
+            <a:r>
+              <a:rPr lang="fr-FR" sz="2800" b="1" i="1" dirty="0" err="1"/>
+              <a:t>filename</a:t>
+            </a:r>
+            <a:r>
+              <a:rPr lang="fr-FR" sz="2800" b="1" i="1" dirty="0"/>
+              <a:t>]</a:t>
+            </a:r>
+          </a:p>
+          <a:p>
+            <a:pPr marL="809625" lvl="1" indent="-630238">
+              <a:lnSpc>
+                <a:spcPct val="70000"/>
+              </a:lnSpc>
+              <a:buFont typeface="+mj-lt"/>
+              <a:buAutoNum type="arabicPeriod" startAt="22"/>
+            </a:pPr>
+            <a:r>
+              <a:rPr lang="fr-FR" sz="2800" b="1" i="1" dirty="0" smtClean="0"/>
+              <a:t>Restaurer le contenue dans l’index ou WD ou bien les deux</a:t>
+            </a:r>
+          </a:p>
+          <a:p>
+            <a:pPr marL="1274762" lvl="1" indent="-457200">
+              <a:lnSpc>
+                <a:spcPct val="70000"/>
+              </a:lnSpc>
+            </a:pPr>
+            <a:r>
+              <a:rPr lang="fr-FR" sz="2800" b="1" i="1" dirty="0"/>
+              <a:t>git</a:t>
+            </a:r>
+            <a:r>
+              <a:rPr lang="fr-FR" sz="2800" b="1" i="1" dirty="0"/>
+              <a:t> restore </a:t>
+            </a:r>
+            <a:r>
+              <a:rPr lang="fr-FR" sz="2800" b="1" i="1" dirty="0" smtClean="0"/>
+              <a:t> [--source SHA-1]  [optio</a:t>
+            </a:r>
+            <a:r>
+              <a:rPr lang="fr-FR" sz="2800" b="1" i="1" dirty="0"/>
+              <a:t>n</a:t>
+            </a:r>
+            <a:r>
+              <a:rPr lang="fr-FR" sz="2800" b="1" i="1" dirty="0" smtClean="0"/>
+              <a:t>] [</a:t>
+            </a:r>
+            <a:r>
+              <a:rPr lang="fr-FR" sz="2800" b="1" i="1" dirty="0" err="1" smtClean="0"/>
+              <a:t>filename</a:t>
+            </a:r>
+            <a:r>
+              <a:rPr lang="fr-FR" sz="2800" b="1" i="1" dirty="0" smtClean="0"/>
+              <a:t>]</a:t>
+            </a:r>
+            <a:endParaRPr lang="fr-FR" sz="2800" b="1" i="1" dirty="0"/>
+          </a:p>
+          <a:p>
+            <a:pPr marL="812800" lvl="1" indent="-638175">
+              <a:buFont typeface="+mj-lt"/>
+              <a:buAutoNum type="arabicPeriod" startAt="23"/>
+              <a:tabLst>
+                <a:tab pos="174625" algn="l"/>
+                <a:tab pos="811213" algn="l"/>
+                <a:tab pos="1163638" algn="l"/>
+              </a:tabLst>
+            </a:pPr>
+            <a:r>
+              <a:rPr lang="fr-FR" sz="2800" dirty="0"/>
+              <a:t>Voir les détails d’un commit(contribution</a:t>
+            </a:r>
+            <a:r>
+              <a:rPr lang="fr-FR" sz="2800" dirty="0" smtClean="0"/>
+              <a:t>):</a:t>
+            </a:r>
+            <a:endParaRPr lang="fr-FR" sz="2800" dirty="0"/>
+          </a:p>
+          <a:p>
+            <a:pPr marL="1169988" lvl="1" indent="-365125">
+              <a:tabLst>
+                <a:tab pos="811213" algn="l"/>
+                <a:tab pos="1169988" algn="l"/>
+              </a:tabLst>
+            </a:pPr>
+            <a:r>
+              <a:rPr lang="fr-FR" sz="2800" b="1" i="1" dirty="0" smtClean="0"/>
+              <a:t>git </a:t>
+            </a:r>
+            <a:r>
+              <a:rPr lang="fr-FR" sz="2800" b="1" i="1" dirty="0"/>
+              <a:t>show « commit_hash </a:t>
             </a:r>
             <a:r>
               <a:rPr lang="fr-FR" sz="2800" b="1" i="1" dirty="0" smtClean="0"/>
@@ -18910,91 +18922,6 @@
       </p:grpSpPr>
       <p:pic>
         <p:nvPicPr>
-          <p:cNvPr id="6" name="Image 5"/>
-          <p:cNvPicPr>
-            <a:picLocks noChangeAspect="1"/>
-          </p:cNvPicPr>
-          <p:nvPr/>
-        </p:nvPicPr>
-        <p:blipFill>
-          <a:blip r:embed="rId2"/>
-          <a:stretch>
-            <a:fillRect/>
-          </a:stretch>
-        </p:blipFill>
-        <p:spPr>
-          <a:xfrm>
-            <a:off x="6317673" y="213756"/>
-            <a:ext cx="5542745" cy="6644244"/>
-          </a:xfrm>
-          <a:prstGeom prst="rect">
-            <a:avLst/>
-          </a:prstGeom>
-        </p:spPr>
-      </p:pic>
-      <p:pic>
-        <p:nvPicPr>
-          <p:cNvPr id="8" name="Image 7"/>
-          <p:cNvPicPr>
-            <a:picLocks noChangeAspect="1"/>
-          </p:cNvPicPr>
-          <p:nvPr/>
-        </p:nvPicPr>
-        <p:blipFill>
-          <a:blip r:embed="rId3"/>
-          <a:stretch>
-            <a:fillRect/>
-          </a:stretch>
-        </p:blipFill>
-        <p:spPr>
-          <a:xfrm>
-            <a:off x="90673" y="356260"/>
-            <a:ext cx="6001369" cy="6305797"/>
-          </a:xfrm>
-          <a:prstGeom prst="rect">
-            <a:avLst/>
-          </a:prstGeom>
-        </p:spPr>
-      </p:pic>
-    </p:spTree>
-    <p:extLst>
-      <p:ext uri="{BB962C8B-B14F-4D97-AF65-F5344CB8AC3E}">
-        <p14:creationId xmlns:p14="http://schemas.microsoft.com/office/powerpoint/2010/main" val="2675622958"/>
-      </p:ext>
-    </p:extLst>
-  </p:cSld>
-  <p:clrMapOvr>
-    <a:masterClrMapping/>
-  </p:clrMapOvr>
-  <p:timing>
-    <p:tnLst>
-      <p:par>
-        <p:cTn id="1" dur="indefinite" restart="never" nodeType="tmRoot"/>
-      </p:par>
-    </p:tnLst>
-  </p:timing>
-</p:sld>
-</file>
-
-<file path=ppt/slides/slide35.xml><?xml version="1.0" encoding="utf-8"?>
-<p:sld xmlns:a="http://schemas.openxmlformats.org/drawingml/2006/main" xmlns:r="http://schemas.openxmlformats.org/officeDocument/2006/relationships" xmlns:p="http://schemas.openxmlformats.org/presentationml/2006/main">
-  <p:cSld>
-    <p:spTree>
-      <p:nvGrpSpPr>
-        <p:cNvPr id="1" name=""/>
-        <p:cNvGrpSpPr/>
-        <p:nvPr/>
-      </p:nvGrpSpPr>
-      <p:grpSpPr>
-        <a:xfrm>
-          <a:off x="0" y="0"/>
-          <a:ext cx="0" cy="0"/>
-          <a:chOff x="0" y="0"/>
-          <a:chExt cx="0" cy="0"/>
-        </a:xfrm>
-      </p:grpSpPr>
-      <p:pic>
-        <p:nvPicPr>
           <p:cNvPr id="4" name="Image 3"/>
           <p:cNvPicPr>
             <a:picLocks noChangeAspect="1"/>
@@ -19061,7 +18988,7 @@
 </p:sld>
 </file>
 
-<file path=ppt/slides/slide36.xml><?xml version="1.0" encoding="utf-8"?>
+<file path=ppt/slides/slide35.xml><?xml version="1.0" encoding="utf-8"?>
 <p:sld xmlns:a="http://schemas.openxmlformats.org/drawingml/2006/main" xmlns:r="http://schemas.openxmlformats.org/officeDocument/2006/relationships" xmlns:p="http://schemas.openxmlformats.org/presentationml/2006/main">
   <p:cSld>
     <p:spTree>
@@ -19479,7 +19406,7 @@
         <p:spPr>
           <a:xfrm>
             <a:off x="6115987" y="3392206"/>
-            <a:ext cx="5801194" cy="954107"/>
+            <a:ext cx="5801194" cy="523220"/>
           </a:xfrm>
           <a:prstGeom prst="rect">
             <a:avLst/>
@@ -19497,44 +19424,28 @@
               <a:buAutoNum type="romanUcPeriod" startAt="3"/>
             </a:pPr>
             <a:r>
-              <a:rPr lang="fr-FR" sz="2800" b="1" dirty="0" smtClean="0">
+              <a:rPr lang="fr-FR" sz="2800" b="1" dirty="0">
                 <a:solidFill>
                   <a:srgbClr val="FF0000"/>
                 </a:solidFill>
               </a:rPr>
-              <a:t>(local </a:t>
-            </a:r>
-            <a:r>
-              <a:rPr lang="fr-FR" sz="2800" b="1" dirty="0" err="1" smtClean="0">
+              <a:t>HEAD (commit </a:t>
+            </a:r>
+            <a:r>
+              <a:rPr lang="fr-FR" sz="2800" b="1" dirty="0" err="1">
                 <a:solidFill>
                   <a:srgbClr val="FF0000"/>
                 </a:solidFill>
               </a:rPr>
-              <a:t>repository</a:t>
-            </a:r>
-            <a:r>
-              <a:rPr lang="fr-FR" sz="2800" b="1" dirty="0" smtClean="0">
+              <a:t>history</a:t>
+            </a:r>
+            <a:r>
+              <a:rPr lang="fr-FR" sz="2800" b="1" dirty="0">
                 <a:solidFill>
                   <a:srgbClr val="FF0000"/>
                 </a:solidFill>
               </a:rPr>
-              <a:t>)(commit </a:t>
-            </a:r>
-            <a:r>
-              <a:rPr lang="fr-FR" sz="2800" b="1" dirty="0" err="1" smtClean="0">
-                <a:solidFill>
-                  <a:srgbClr val="FF0000"/>
-                </a:solidFill>
-              </a:rPr>
-              <a:t>history</a:t>
-            </a:r>
-            <a:r>
-              <a:rPr lang="fr-FR" sz="2800" b="1" dirty="0" smtClean="0">
-                <a:solidFill>
-                  <a:srgbClr val="FF0000"/>
-                </a:solidFill>
-              </a:rPr>
-              <a:t>) HEAD</a:t>
+              <a:t>) </a:t>
             </a:r>
             <a:endParaRPr lang="fr-FR" sz="2800" b="1" dirty="0">
               <a:solidFill>
@@ -19564,7 +19475,7 @@
 </p:sld>
 </file>
 
-<file path=ppt/slides/slide37.xml><?xml version="1.0" encoding="utf-8"?>
+<file path=ppt/slides/slide36.xml><?xml version="1.0" encoding="utf-8"?>
 <p:sld xmlns:a="http://schemas.openxmlformats.org/drawingml/2006/main" xmlns:r="http://schemas.openxmlformats.org/officeDocument/2006/relationships" xmlns:p="http://schemas.openxmlformats.org/presentationml/2006/main">
   <p:cSld>
     <p:spTree>
@@ -19593,7 +19504,7 @@
         </p:nvSpPr>
         <p:spPr>
           <a:xfrm>
-            <a:off x="0" y="171744"/>
+            <a:off x="0" y="411586"/>
             <a:ext cx="6625652" cy="2385967"/>
           </a:xfrm>
         </p:spPr>
@@ -19731,8 +19642,8 @@
         </p:nvSpPr>
         <p:spPr>
           <a:xfrm>
-            <a:off x="6925456" y="171744"/>
-            <a:ext cx="4901784" cy="3236784"/>
+            <a:off x="6925455" y="171744"/>
+            <a:ext cx="5266543" cy="3236784"/>
           </a:xfrm>
           <a:prstGeom prst="rect">
             <a:avLst/>
@@ -19908,7 +19819,7 @@
         </p:nvSpPr>
         <p:spPr>
           <a:xfrm>
-            <a:off x="269823" y="2859499"/>
+            <a:off x="224853" y="3408528"/>
             <a:ext cx="5306518" cy="1477328"/>
           </a:xfrm>
           <a:prstGeom prst="rect">
@@ -20005,7 +19916,7 @@
 </p:sld>
 </file>
 
-<file path=ppt/slides/slide38.xml><?xml version="1.0" encoding="utf-8"?>
+<file path=ppt/slides/slide37.xml><?xml version="1.0" encoding="utf-8"?>
 <p:sld xmlns:a="http://schemas.openxmlformats.org/drawingml/2006/main" xmlns:r="http://schemas.openxmlformats.org/officeDocument/2006/relationships" xmlns:p="http://schemas.openxmlformats.org/presentationml/2006/main">
   <p:cSld>
     <p:spTree>
@@ -20857,6 +20768,563 @@
 </p:sld>
 </file>
 
+<file path=ppt/slides/slide38.xml><?xml version="1.0" encoding="utf-8"?>
+<p:sld xmlns:a="http://schemas.openxmlformats.org/drawingml/2006/main" xmlns:r="http://schemas.openxmlformats.org/officeDocument/2006/relationships" xmlns:p="http://schemas.openxmlformats.org/presentationml/2006/main">
+  <p:cSld>
+    <p:spTree>
+      <p:nvGrpSpPr>
+        <p:cNvPr id="1" name=""/>
+        <p:cNvGrpSpPr/>
+        <p:nvPr/>
+      </p:nvGrpSpPr>
+      <p:grpSpPr>
+        <a:xfrm>
+          <a:off x="0" y="0"/>
+          <a:ext cx="0" cy="0"/>
+          <a:chOff x="0" y="0"/>
+          <a:chExt cx="0" cy="0"/>
+        </a:xfrm>
+      </p:grpSpPr>
+      <p:sp>
+        <p:nvSpPr>
+          <p:cNvPr id="2" name="Titre 1"/>
+          <p:cNvSpPr>
+            <a:spLocks noGrp="1"/>
+          </p:cNvSpPr>
+          <p:nvPr>
+            <p:ph type="title"/>
+          </p:nvPr>
+        </p:nvSpPr>
+        <p:spPr>
+          <a:xfrm>
+            <a:off x="3611381" y="0"/>
+            <a:ext cx="4198495" cy="579255"/>
+          </a:xfrm>
+        </p:spPr>
+        <p:txBody>
+          <a:bodyPr>
+            <a:normAutofit fontScale="90000"/>
+          </a:bodyPr>
+          <a:lstStyle/>
+          <a:p>
+            <a:r>
+              <a:rPr lang="fr-FR" dirty="0" smtClean="0"/>
+              <a:t>Restore deleted file</a:t>
+            </a:r>
+            <a:endParaRPr lang="fr-FR" dirty="0"/>
+          </a:p>
+        </p:txBody>
+      </p:sp>
+      <p:sp>
+        <p:nvSpPr>
+          <p:cNvPr id="4" name="ZoneTexte 3"/>
+          <p:cNvSpPr txBox="1"/>
+          <p:nvPr/>
+        </p:nvSpPr>
+        <p:spPr>
+          <a:xfrm>
+            <a:off x="182379" y="803828"/>
+            <a:ext cx="5413947" cy="3513782"/>
+          </a:xfrm>
+          <a:prstGeom prst="rect">
+            <a:avLst/>
+          </a:prstGeom>
+          <a:noFill/>
+        </p:spPr>
+        <p:txBody>
+          <a:bodyPr wrap="square" rtlCol="0">
+            <a:spAutoFit/>
+          </a:bodyPr>
+          <a:lstStyle/>
+          <a:p>
+            <a:r>
+              <a:rPr lang="fr-FR" sz="2000" b="1" u="sng" dirty="0" err="1" smtClean="0"/>
+              <a:t>recupere</a:t>
+            </a:r>
+            <a:r>
+              <a:rPr lang="fr-FR" sz="2000" b="1" u="sng" dirty="0" smtClean="0"/>
+              <a:t> un </a:t>
+            </a:r>
+            <a:r>
+              <a:rPr lang="fr-FR" sz="2000" b="1" u="sng" dirty="0"/>
+              <a:t>fichier </a:t>
+            </a:r>
+            <a:r>
+              <a:rPr lang="fr-FR" sz="2000" b="1" u="sng" dirty="0" smtClean="0"/>
+              <a:t>supprimé(</a:t>
+            </a:r>
+            <a:r>
+              <a:rPr lang="fr-FR" sz="2000" b="1" u="sng" dirty="0" err="1" smtClean="0"/>
+              <a:t>Revert</a:t>
+            </a:r>
+            <a:r>
+              <a:rPr lang="fr-FR" sz="2000" b="1" u="sng" dirty="0" smtClean="0"/>
+              <a:t>)</a:t>
+            </a:r>
+            <a:endParaRPr lang="fr-FR" sz="2000" b="1" u="sng" dirty="0" smtClean="0"/>
+          </a:p>
+          <a:p>
+            <a:pPr marL="514350" indent="-514350">
+              <a:lnSpc>
+                <a:spcPct val="90000"/>
+              </a:lnSpc>
+              <a:spcBef>
+                <a:spcPts val="1000"/>
+              </a:spcBef>
+              <a:buFont typeface="+mj-lt"/>
+              <a:buAutoNum type="arabicPeriod"/>
+            </a:pPr>
+            <a:r>
+              <a:rPr lang="fr-FR" sz="2000" dirty="0"/>
+              <a:t>1.Git </a:t>
+            </a:r>
+            <a:r>
+              <a:rPr lang="fr-FR" sz="2000" dirty="0" err="1" smtClean="0"/>
+              <a:t>init</a:t>
+            </a:r>
+            <a:endParaRPr lang="fr-FR" sz="2000" dirty="0" smtClean="0"/>
+          </a:p>
+          <a:p>
+            <a:pPr marL="514350" indent="-514350">
+              <a:lnSpc>
+                <a:spcPct val="90000"/>
+              </a:lnSpc>
+              <a:spcBef>
+                <a:spcPts val="1000"/>
+              </a:spcBef>
+              <a:buFont typeface="+mj-lt"/>
+              <a:buAutoNum type="arabicPeriod"/>
+            </a:pPr>
+            <a:r>
+              <a:rPr lang="fr-FR" sz="2000" dirty="0" smtClean="0"/>
+              <a:t>Faire des </a:t>
+            </a:r>
+            <a:r>
+              <a:rPr lang="fr-FR" sz="2000" dirty="0" err="1" smtClean="0"/>
+              <a:t>comit</a:t>
+            </a:r>
+            <a:r>
+              <a:rPr lang="fr-FR" sz="2000" dirty="0" smtClean="0"/>
+              <a:t> s</a:t>
+            </a:r>
+          </a:p>
+          <a:p>
+            <a:pPr marL="514350" indent="-514350">
+              <a:lnSpc>
+                <a:spcPct val="90000"/>
+              </a:lnSpc>
+              <a:spcBef>
+                <a:spcPts val="1000"/>
+              </a:spcBef>
+              <a:buFont typeface="+mj-lt"/>
+              <a:buAutoNum type="arabicPeriod"/>
+            </a:pPr>
+            <a:r>
+              <a:rPr lang="fr-FR" sz="2000" dirty="0" smtClean="0"/>
+              <a:t>Supprimer un fichier + commit</a:t>
+            </a:r>
+          </a:p>
+          <a:p>
+            <a:pPr marL="514350" indent="-514350">
+              <a:lnSpc>
+                <a:spcPct val="90000"/>
+              </a:lnSpc>
+              <a:spcBef>
+                <a:spcPts val="1000"/>
+              </a:spcBef>
+              <a:buFont typeface="+mj-lt"/>
+              <a:buAutoNum type="arabicPeriod"/>
+            </a:pPr>
+            <a:r>
+              <a:rPr lang="fr-FR" sz="2000" dirty="0" smtClean="0"/>
+              <a:t>Faire des </a:t>
+            </a:r>
+            <a:r>
+              <a:rPr lang="fr-FR" sz="2000" dirty="0" err="1" smtClean="0"/>
+              <a:t>commits</a:t>
+            </a:r>
+            <a:endParaRPr lang="fr-FR" sz="2000" dirty="0" smtClean="0"/>
+          </a:p>
+          <a:p>
+            <a:pPr marL="514350" indent="-514350">
+              <a:lnSpc>
+                <a:spcPct val="90000"/>
+              </a:lnSpc>
+              <a:spcBef>
+                <a:spcPts val="1000"/>
+              </a:spcBef>
+              <a:buFont typeface="+mj-lt"/>
+              <a:buAutoNum type="arabicPeriod"/>
+            </a:pPr>
+            <a:r>
+              <a:rPr lang="fr-FR" sz="2000" dirty="0" err="1" smtClean="0"/>
+              <a:t>Recherch</a:t>
+            </a:r>
+            <a:r>
+              <a:rPr lang="fr-FR" sz="2000" dirty="0" smtClean="0"/>
+              <a:t> commit qui a supprimer le fich</a:t>
+            </a:r>
+          </a:p>
+          <a:p>
+            <a:pPr marL="342900" indent="-342900">
+              <a:lnSpc>
+                <a:spcPct val="90000"/>
+              </a:lnSpc>
+              <a:spcBef>
+                <a:spcPts val="1000"/>
+              </a:spcBef>
+              <a:buFont typeface="Arial" panose="020B0604020202020204" pitchFamily="34" charset="0"/>
+              <a:buChar char="•"/>
+            </a:pPr>
+            <a:r>
+              <a:rPr lang="fr-FR" sz="2000" dirty="0"/>
+              <a:t>g</a:t>
+            </a:r>
+            <a:r>
+              <a:rPr lang="fr-FR" sz="2000" dirty="0" smtClean="0"/>
+              <a:t>it log  --</a:t>
+            </a:r>
+            <a:r>
+              <a:rPr lang="fr-FR" sz="2000" dirty="0" err="1" smtClean="0"/>
+              <a:t>diff-filter</a:t>
+            </a:r>
+            <a:r>
+              <a:rPr lang="fr-FR" sz="2000" dirty="0" smtClean="0"/>
+              <a:t>=D –</a:t>
+            </a:r>
+            <a:r>
+              <a:rPr lang="fr-FR" sz="2000" dirty="0" err="1" smtClean="0"/>
+              <a:t>summary</a:t>
+            </a:r>
+            <a:endParaRPr lang="fr-FR" sz="2000" dirty="0" smtClean="0"/>
+          </a:p>
+          <a:p>
+            <a:pPr marL="342900" indent="-342900">
+              <a:lnSpc>
+                <a:spcPct val="90000"/>
+              </a:lnSpc>
+              <a:spcBef>
+                <a:spcPts val="1000"/>
+              </a:spcBef>
+              <a:buFont typeface="Arial" panose="020B0604020202020204" pitchFamily="34" charset="0"/>
+              <a:buChar char="•"/>
+            </a:pPr>
+            <a:r>
+              <a:rPr lang="fr-FR" sz="2000" dirty="0" smtClean="0"/>
+              <a:t>git </a:t>
+            </a:r>
+            <a:r>
+              <a:rPr lang="fr-FR" sz="2000" dirty="0" err="1" smtClean="0"/>
+              <a:t>revert</a:t>
+            </a:r>
+            <a:r>
+              <a:rPr lang="fr-FR" sz="2000" dirty="0" smtClean="0"/>
+              <a:t> SHA-1</a:t>
+            </a:r>
+            <a:endParaRPr lang="fr-FR" sz="2000" dirty="0" smtClean="0"/>
+          </a:p>
+          <a:p>
+            <a:endParaRPr lang="fr-FR" dirty="0"/>
+          </a:p>
+        </p:txBody>
+      </p:sp>
+      <p:sp>
+        <p:nvSpPr>
+          <p:cNvPr id="5" name="ZoneTexte 4"/>
+          <p:cNvSpPr txBox="1"/>
+          <p:nvPr/>
+        </p:nvSpPr>
+        <p:spPr>
+          <a:xfrm>
+            <a:off x="5296524" y="579255"/>
+            <a:ext cx="6895476" cy="3108543"/>
+          </a:xfrm>
+          <a:prstGeom prst="rect">
+            <a:avLst/>
+          </a:prstGeom>
+          <a:noFill/>
+        </p:spPr>
+        <p:txBody>
+          <a:bodyPr wrap="square" rtlCol="0">
+            <a:spAutoFit/>
+          </a:bodyPr>
+          <a:lstStyle/>
+          <a:p>
+            <a:r>
+              <a:rPr lang="fr-FR" sz="2000" b="1" u="sng" dirty="0" err="1" smtClean="0"/>
+              <a:t>recupere</a:t>
+            </a:r>
+            <a:r>
+              <a:rPr lang="fr-FR" sz="2000" b="1" u="sng" dirty="0" smtClean="0"/>
+              <a:t> un </a:t>
+            </a:r>
+            <a:r>
+              <a:rPr lang="fr-FR" sz="2000" b="1" u="sng" dirty="0"/>
+              <a:t>fichier </a:t>
+            </a:r>
+            <a:r>
+              <a:rPr lang="fr-FR" sz="2000" b="1" u="sng" dirty="0" smtClean="0"/>
+              <a:t>supprimé(</a:t>
+            </a:r>
+            <a:r>
+              <a:rPr lang="fr-FR" sz="2000" b="1" u="sng" dirty="0" err="1" smtClean="0"/>
+              <a:t>Checkout</a:t>
+            </a:r>
+            <a:r>
+              <a:rPr lang="fr-FR" sz="2000" b="1" u="sng" dirty="0" smtClean="0"/>
+              <a:t>)</a:t>
+            </a:r>
+            <a:endParaRPr lang="fr-FR" sz="2000" b="1" u="sng" dirty="0" smtClean="0"/>
+          </a:p>
+          <a:p>
+            <a:pPr marL="514350" indent="-514350">
+              <a:lnSpc>
+                <a:spcPct val="90000"/>
+              </a:lnSpc>
+              <a:spcBef>
+                <a:spcPts val="1000"/>
+              </a:spcBef>
+              <a:buFont typeface="+mj-lt"/>
+              <a:buAutoNum type="arabicPeriod"/>
+            </a:pPr>
+            <a:r>
+              <a:rPr lang="fr-FR" sz="2000" dirty="0" smtClean="0"/>
+              <a:t>Faire des </a:t>
+            </a:r>
+            <a:r>
+              <a:rPr lang="fr-FR" sz="2000" dirty="0" err="1" smtClean="0"/>
+              <a:t>comit</a:t>
+            </a:r>
+            <a:r>
+              <a:rPr lang="fr-FR" sz="2000" dirty="0" smtClean="0"/>
+              <a:t> s</a:t>
+            </a:r>
+          </a:p>
+          <a:p>
+            <a:pPr marL="514350" indent="-514350">
+              <a:lnSpc>
+                <a:spcPct val="90000"/>
+              </a:lnSpc>
+              <a:spcBef>
+                <a:spcPts val="1000"/>
+              </a:spcBef>
+              <a:buFont typeface="+mj-lt"/>
+              <a:buAutoNum type="arabicPeriod"/>
+            </a:pPr>
+            <a:r>
+              <a:rPr lang="fr-FR" sz="2000" dirty="0" smtClean="0"/>
+              <a:t>Supprimer un fichier + commit</a:t>
+            </a:r>
+          </a:p>
+          <a:p>
+            <a:pPr marL="514350" indent="-514350">
+              <a:lnSpc>
+                <a:spcPct val="90000"/>
+              </a:lnSpc>
+              <a:spcBef>
+                <a:spcPts val="1000"/>
+              </a:spcBef>
+              <a:buFont typeface="+mj-lt"/>
+              <a:buAutoNum type="arabicPeriod"/>
+            </a:pPr>
+            <a:r>
+              <a:rPr lang="fr-FR" sz="2000" dirty="0" smtClean="0"/>
+              <a:t>Faire des </a:t>
+            </a:r>
+            <a:r>
+              <a:rPr lang="fr-FR" sz="2000" dirty="0" err="1" smtClean="0"/>
+              <a:t>commits</a:t>
+            </a:r>
+            <a:endParaRPr lang="fr-FR" sz="2000" dirty="0" smtClean="0"/>
+          </a:p>
+          <a:p>
+            <a:pPr marL="514350" indent="-514350">
+              <a:lnSpc>
+                <a:spcPct val="90000"/>
+              </a:lnSpc>
+              <a:spcBef>
+                <a:spcPts val="1000"/>
+              </a:spcBef>
+              <a:buFont typeface="+mj-lt"/>
+              <a:buAutoNum type="arabicPeriod"/>
+            </a:pPr>
+            <a:r>
+              <a:rPr lang="fr-FR" sz="2000" dirty="0" err="1" smtClean="0"/>
+              <a:t>Recherch</a:t>
+            </a:r>
+            <a:r>
+              <a:rPr lang="fr-FR" sz="2000" dirty="0" smtClean="0"/>
+              <a:t> commit qui a supprimer le fich</a:t>
+            </a:r>
+          </a:p>
+          <a:p>
+            <a:pPr marL="342900" indent="-342900">
+              <a:lnSpc>
+                <a:spcPct val="90000"/>
+              </a:lnSpc>
+              <a:spcBef>
+                <a:spcPts val="1000"/>
+              </a:spcBef>
+              <a:buFont typeface="Arial" panose="020B0604020202020204" pitchFamily="34" charset="0"/>
+              <a:buChar char="•"/>
+            </a:pPr>
+            <a:r>
+              <a:rPr lang="fr-FR" sz="2000" dirty="0"/>
+              <a:t>g</a:t>
+            </a:r>
+            <a:r>
+              <a:rPr lang="fr-FR" sz="2000" dirty="0" smtClean="0"/>
+              <a:t>it log  --</a:t>
+            </a:r>
+            <a:r>
+              <a:rPr lang="fr-FR" sz="2000" dirty="0" err="1" smtClean="0"/>
+              <a:t>diff-filter</a:t>
+            </a:r>
+            <a:r>
+              <a:rPr lang="fr-FR" sz="2000" dirty="0" smtClean="0"/>
+              <a:t>=D –</a:t>
+            </a:r>
+            <a:r>
+              <a:rPr lang="fr-FR" sz="2000" dirty="0" err="1" smtClean="0"/>
+              <a:t>summary</a:t>
+            </a:r>
+            <a:r>
+              <a:rPr lang="fr-FR" sz="2000" dirty="0" smtClean="0"/>
+              <a:t> / git log  -n 5</a:t>
+            </a:r>
+          </a:p>
+          <a:p>
+            <a:pPr marL="342900" indent="-342900">
+              <a:lnSpc>
+                <a:spcPct val="90000"/>
+              </a:lnSpc>
+              <a:spcBef>
+                <a:spcPts val="1000"/>
+              </a:spcBef>
+              <a:buFont typeface="Arial" panose="020B0604020202020204" pitchFamily="34" charset="0"/>
+              <a:buChar char="•"/>
+            </a:pPr>
+            <a:r>
+              <a:rPr lang="fr-FR" sz="2000" dirty="0" smtClean="0"/>
+              <a:t>git  </a:t>
+            </a:r>
+            <a:r>
+              <a:rPr lang="fr-FR" sz="2000" dirty="0" err="1" smtClean="0"/>
+              <a:t>checkout</a:t>
+            </a:r>
+            <a:r>
+              <a:rPr lang="fr-FR" sz="2000" dirty="0" smtClean="0"/>
+              <a:t> SHA-1~1 </a:t>
+            </a:r>
+            <a:r>
+              <a:rPr lang="fr-FR" sz="2000" dirty="0" err="1" smtClean="0"/>
+              <a:t>filename</a:t>
+            </a:r>
+            <a:endParaRPr lang="fr-FR" sz="2000" dirty="0" smtClean="0"/>
+          </a:p>
+          <a:p>
+            <a:endParaRPr lang="fr-FR" dirty="0"/>
+          </a:p>
+        </p:txBody>
+      </p:sp>
+    </p:spTree>
+    <p:extLst>
+      <p:ext uri="{BB962C8B-B14F-4D97-AF65-F5344CB8AC3E}">
+        <p14:creationId xmlns:p14="http://schemas.microsoft.com/office/powerpoint/2010/main" val="1885346825"/>
+      </p:ext>
+    </p:extLst>
+  </p:cSld>
+  <p:clrMapOvr>
+    <a:masterClrMapping/>
+  </p:clrMapOvr>
+</p:sld>
+</file>
+
+<file path=ppt/slides/slide39.xml><?xml version="1.0" encoding="utf-8"?>
+<p:sld xmlns:a="http://schemas.openxmlformats.org/drawingml/2006/main" xmlns:r="http://schemas.openxmlformats.org/officeDocument/2006/relationships" xmlns:p="http://schemas.openxmlformats.org/presentationml/2006/main">
+  <p:cSld>
+    <p:spTree>
+      <p:nvGrpSpPr>
+        <p:cNvPr id="1" name=""/>
+        <p:cNvGrpSpPr/>
+        <p:nvPr/>
+      </p:nvGrpSpPr>
+      <p:grpSpPr>
+        <a:xfrm>
+          <a:off x="0" y="0"/>
+          <a:ext cx="0" cy="0"/>
+          <a:chOff x="0" y="0"/>
+          <a:chExt cx="0" cy="0"/>
+        </a:xfrm>
+      </p:grpSpPr>
+      <p:pic>
+        <p:nvPicPr>
+          <p:cNvPr id="6" name="Image 5"/>
+          <p:cNvPicPr>
+            <a:picLocks noChangeAspect="1"/>
+          </p:cNvPicPr>
+          <p:nvPr/>
+        </p:nvPicPr>
+        <p:blipFill>
+          <a:blip r:embed="rId2"/>
+          <a:stretch>
+            <a:fillRect/>
+          </a:stretch>
+        </p:blipFill>
+        <p:spPr>
+          <a:xfrm>
+            <a:off x="6317673" y="213756"/>
+            <a:ext cx="5542745" cy="6644244"/>
+          </a:xfrm>
+          <a:prstGeom prst="rect">
+            <a:avLst/>
+          </a:prstGeom>
+        </p:spPr>
+      </p:pic>
+      <p:pic>
+        <p:nvPicPr>
+          <p:cNvPr id="8" name="Image 7"/>
+          <p:cNvPicPr>
+            <a:picLocks noChangeAspect="1"/>
+          </p:cNvPicPr>
+          <p:nvPr/>
+        </p:nvPicPr>
+        <p:blipFill>
+          <a:blip r:embed="rId3"/>
+          <a:stretch>
+            <a:fillRect/>
+          </a:stretch>
+        </p:blipFill>
+        <p:spPr>
+          <a:xfrm>
+            <a:off x="90673" y="356260"/>
+            <a:ext cx="6001369" cy="6305797"/>
+          </a:xfrm>
+          <a:prstGeom prst="rect">
+            <a:avLst/>
+          </a:prstGeom>
+        </p:spPr>
+      </p:pic>
+    </p:spTree>
+    <p:extLst>
+      <p:ext uri="{BB962C8B-B14F-4D97-AF65-F5344CB8AC3E}">
+        <p14:creationId xmlns:p14="http://schemas.microsoft.com/office/powerpoint/2010/main" val="2675622958"/>
+      </p:ext>
+    </p:extLst>
+  </p:cSld>
+  <p:clrMapOvr>
+    <a:masterClrMapping/>
+  </p:clrMapOvr>
+  <p:timing>
+    <p:tnLst>
+      <p:par>
+        <p:cTn id="1" dur="indefinite" restart="never" nodeType="tmRoot"/>
+      </p:par>
+    </p:tnLst>
+  </p:timing>
+</p:sld>
+</file>
+
 <file path=ppt/slides/slide4.xml><?xml version="1.0" encoding="utf-8"?>
 <p:sld xmlns:a="http://schemas.openxmlformats.org/drawingml/2006/main" xmlns:r="http://schemas.openxmlformats.org/officeDocument/2006/relationships" xmlns:p="http://schemas.openxmlformats.org/presentationml/2006/main">
   <p:cSld>
@@ -21073,6 +21541,60 @@
       </p:par>
     </p:tnLst>
   </p:timing>
+</p:sld>
+</file>
+
+<file path=ppt/slides/slide40.xml><?xml version="1.0" encoding="utf-8"?>
+<p:sld xmlns:a="http://schemas.openxmlformats.org/drawingml/2006/main" xmlns:r="http://schemas.openxmlformats.org/officeDocument/2006/relationships" xmlns:p="http://schemas.openxmlformats.org/presentationml/2006/main">
+  <p:cSld>
+    <p:spTree>
+      <p:nvGrpSpPr>
+        <p:cNvPr id="1" name=""/>
+        <p:cNvGrpSpPr/>
+        <p:nvPr/>
+      </p:nvGrpSpPr>
+      <p:grpSpPr>
+        <a:xfrm>
+          <a:off x="0" y="0"/>
+          <a:ext cx="0" cy="0"/>
+          <a:chOff x="0" y="0"/>
+          <a:chExt cx="0" cy="0"/>
+        </a:xfrm>
+      </p:grpSpPr>
+      <p:pic>
+        <p:nvPicPr>
+          <p:cNvPr id="5" name="Image 4"/>
+          <p:cNvPicPr>
+            <a:picLocks noChangeAspect="1"/>
+          </p:cNvPicPr>
+          <p:nvPr/>
+        </p:nvPicPr>
+        <p:blipFill>
+          <a:blip r:embed="rId2"/>
+          <a:stretch>
+            <a:fillRect/>
+          </a:stretch>
+        </p:blipFill>
+        <p:spPr>
+          <a:xfrm>
+            <a:off x="126319" y="155348"/>
+            <a:ext cx="5214938" cy="3971925"/>
+          </a:xfrm>
+          <a:prstGeom prst="rect">
+            <a:avLst/>
+          </a:prstGeom>
+        </p:spPr>
+      </p:pic>
+    </p:spTree>
+    <p:extLst>
+      <p:ext uri="{BB962C8B-B14F-4D97-AF65-F5344CB8AC3E}">
+        <p14:creationId xmlns:p14="http://schemas.microsoft.com/office/powerpoint/2010/main" val="3660079780"/>
+      </p:ext>
+    </p:extLst>
+  </p:cSld>
+  <p:clrMapOvr>
+    <a:masterClrMapping/>
+  </p:clrMapOvr>
 </p:sld>
 </file>
 

--- a/Formation Git.pptx
+++ b/Formation Git.pptx
@@ -5,7 +5,7 @@
     <p:sldMasterId id="2147483648" r:id="rId1"/>
   </p:sldMasterIdLst>
   <p:notesMasterIdLst>
-    <p:notesMasterId r:id="rId42"/>
+    <p:notesMasterId r:id="rId43"/>
   </p:notesMasterIdLst>
   <p:sldIdLst>
     <p:sldId id="257" r:id="rId2"/>
@@ -38,16 +38,17 @@
     <p:sldId id="285" r:id="rId29"/>
     <p:sldId id="300" r:id="rId30"/>
     <p:sldId id="271" r:id="rId31"/>
-    <p:sldId id="305" r:id="rId32"/>
-    <p:sldId id="306" r:id="rId33"/>
-    <p:sldId id="309" r:id="rId34"/>
-    <p:sldId id="304" r:id="rId35"/>
-    <p:sldId id="293" r:id="rId36"/>
-    <p:sldId id="295" r:id="rId37"/>
-    <p:sldId id="301" r:id="rId38"/>
-    <p:sldId id="308" r:id="rId39"/>
-    <p:sldId id="294" r:id="rId40"/>
-    <p:sldId id="307" r:id="rId41"/>
+    <p:sldId id="311" r:id="rId32"/>
+    <p:sldId id="305" r:id="rId33"/>
+    <p:sldId id="306" r:id="rId34"/>
+    <p:sldId id="309" r:id="rId35"/>
+    <p:sldId id="304" r:id="rId36"/>
+    <p:sldId id="293" r:id="rId37"/>
+    <p:sldId id="295" r:id="rId38"/>
+    <p:sldId id="301" r:id="rId39"/>
+    <p:sldId id="308" r:id="rId40"/>
+    <p:sldId id="294" r:id="rId41"/>
+    <p:sldId id="307" r:id="rId42"/>
   </p:sldIdLst>
   <p:sldSz cx="12192000" cy="6858000"/>
   <p:notesSz cx="6858000" cy="9144000"/>
@@ -236,7 +237,7 @@
           <a:p>
             <a:fld id="{6C11479D-E256-4744-A8DA-17425A14A154}" type="datetimeFigureOut">
               <a:rPr lang="fr-FR" smtClean="0"/>
-              <a:t>17/12/2022</a:t>
+              <a:t>18/12/2022</a:t>
             </a:fld>
             <a:endParaRPr lang="fr-FR"/>
           </a:p>
@@ -5431,7 +5432,7 @@
           <a:p>
             <a:fld id="{852BFB1F-A0B8-45F9-8B0C-AE6AABDE724A}" type="slidenum">
               <a:rPr lang="fr-FR" smtClean="0"/>
-              <a:t>31</a:t>
+              <a:t>32</a:t>
             </a:fld>
             <a:endParaRPr lang="fr-FR"/>
           </a:p>
@@ -5551,7 +5552,7 @@
           <a:p>
             <a:fld id="{852BFB1F-A0B8-45F9-8B0C-AE6AABDE724A}" type="slidenum">
               <a:rPr lang="fr-FR" smtClean="0"/>
-              <a:t>35</a:t>
+              <a:t>36</a:t>
             </a:fld>
             <a:endParaRPr lang="fr-FR"/>
           </a:p>
@@ -5684,7 +5685,7 @@
           <a:p>
             <a:fld id="{852BFB1F-A0B8-45F9-8B0C-AE6AABDE724A}" type="slidenum">
               <a:rPr lang="fr-FR" smtClean="0"/>
-              <a:t>37</a:t>
+              <a:t>38</a:t>
             </a:fld>
             <a:endParaRPr lang="fr-FR"/>
           </a:p>
@@ -5835,11 +5836,7 @@
             </a:r>
             <a:r>
               <a:rPr lang="fr-FR" dirty="0" smtClean="0"/>
-              <a:t>:fichier </a:t>
-            </a:r>
-            <a:r>
-              <a:rPr lang="fr-FR" dirty="0" smtClean="0"/>
-              <a:t> </a:t>
+              <a:t>:fichier  </a:t>
             </a:r>
             <a:r>
               <a:rPr lang="fr-FR" b="1" dirty="0" smtClean="0"/>
@@ -5847,21 +5844,12 @@
             </a:r>
             <a:r>
               <a:rPr lang="fr-FR" dirty="0" smtClean="0"/>
-              <a:t>contenant </a:t>
-            </a:r>
-            <a:r>
-              <a:rPr lang="fr-FR" dirty="0" smtClean="0"/>
-              <a:t>des informations à propos de ce qui sera pris en compte lors de la prochaine</a:t>
+              <a:t>contenant des informations à propos de ce qui sera pris en compte lors de la prochaine</a:t>
             </a:r>
             <a:r>
               <a:rPr lang="fr-FR" baseline="0" dirty="0" smtClean="0"/>
-              <a:t> commit (espace ou en peut éditer notre changement avant de l’intégrer dans le nouveau commit (commit par sujet)et les stocké dans le dépôt git). On fait des commit par sujet pour bien comprendre les modification au </a:t>
-            </a:r>
-            <a:r>
-              <a:rPr lang="fr-FR" baseline="0" dirty="0" smtClean="0"/>
-              <a:t>futur</a:t>
-            </a:r>
-            <a:endParaRPr lang="fr-FR" baseline="0" dirty="0" smtClean="0"/>
+              <a:t> commit (espace ou en peut éditer notre changement avant de l’intégrer dans le nouveau commit (commit par sujet)et les stocké dans le dépôt git). On fait des commit par sujet pour bien comprendre les modification au futur</a:t>
+            </a:r>
           </a:p>
           <a:p>
             <a:r>
@@ -6296,11 +6284,7 @@
             </a:r>
             <a:r>
               <a:rPr lang="fr-FR" b="0" baseline="0" dirty="0" smtClean="0"/>
-              <a:t> vers le dernier </a:t>
-            </a:r>
-            <a:r>
-              <a:rPr lang="fr-FR" b="0" baseline="0" dirty="0" smtClean="0"/>
-              <a:t>commit</a:t>
+              <a:t> vers le dernier commit</a:t>
             </a:r>
             <a:endParaRPr lang="fr-FR" b="1" dirty="0" smtClean="0"/>
           </a:p>
@@ -6324,11 +6308,7 @@
             </a:pPr>
             <a:r>
               <a:rPr lang="fr-FR" b="1" dirty="0" smtClean="0"/>
-              <a:t>Avec </a:t>
-            </a:r>
-            <a:r>
-              <a:rPr lang="fr-FR" b="1" dirty="0" smtClean="0"/>
-              <a:t>git clone : </a:t>
+              <a:t>Avec git clone : </a:t>
             </a:r>
             <a:r>
               <a:rPr lang="fr-FR" b="0" dirty="0" smtClean="0"/>
@@ -6644,18 +6624,7 @@
                 <a:ea typeface="+mn-ea"/>
                 <a:cs typeface="+mn-cs"/>
               </a:rPr>
-              <a:t> </a:t>
-            </a:r>
-            <a:r>
-              <a:rPr lang="fr-FR" sz="1200" kern="1200" dirty="0" smtClean="0">
-                <a:solidFill>
-                  <a:schemeClr val="tx1"/>
-                </a:solidFill>
-                <a:latin typeface="+mn-lt"/>
-                <a:ea typeface="+mn-ea"/>
-                <a:cs typeface="+mn-cs"/>
-              </a:rPr>
-              <a:t>une variable git config --</a:t>
+              <a:t> une variable git config --</a:t>
             </a:r>
             <a:r>
               <a:rPr lang="fr-FR" sz="1200" kern="1200" dirty="0" err="1" smtClean="0">
@@ -7025,11 +6994,7 @@
             </a:r>
             <a:r>
               <a:rPr lang="fr-FR" baseline="0" dirty="0" smtClean="0"/>
-              <a:t> ,indexé ,non indexé</a:t>
-            </a:r>
-            <a:r>
-              <a:rPr lang="fr-FR" baseline="0" dirty="0" smtClean="0"/>
-              <a:t>)</a:t>
+              <a:t> ,indexé ,non indexé)</a:t>
             </a:r>
           </a:p>
           <a:p>
@@ -9204,7 +9169,7 @@
           <a:p>
             <a:fld id="{0A206D1B-E756-4A82-9838-551DE185C738}" type="datetimeFigureOut">
               <a:rPr lang="fr-FR" smtClean="0"/>
-              <a:t>17/12/2022</a:t>
+              <a:t>18/12/2022</a:t>
             </a:fld>
             <a:endParaRPr lang="fr-FR"/>
           </a:p>
@@ -9374,7 +9339,7 @@
           <a:p>
             <a:fld id="{0A206D1B-E756-4A82-9838-551DE185C738}" type="datetimeFigureOut">
               <a:rPr lang="fr-FR" smtClean="0"/>
-              <a:t>17/12/2022</a:t>
+              <a:t>18/12/2022</a:t>
             </a:fld>
             <a:endParaRPr lang="fr-FR"/>
           </a:p>
@@ -9554,7 +9519,7 @@
           <a:p>
             <a:fld id="{0A206D1B-E756-4A82-9838-551DE185C738}" type="datetimeFigureOut">
               <a:rPr lang="fr-FR" smtClean="0"/>
-              <a:t>17/12/2022</a:t>
+              <a:t>18/12/2022</a:t>
             </a:fld>
             <a:endParaRPr lang="fr-FR"/>
           </a:p>
@@ -9724,7 +9689,7 @@
           <a:p>
             <a:fld id="{0A206D1B-E756-4A82-9838-551DE185C738}" type="datetimeFigureOut">
               <a:rPr lang="fr-FR" smtClean="0"/>
-              <a:t>17/12/2022</a:t>
+              <a:t>18/12/2022</a:t>
             </a:fld>
             <a:endParaRPr lang="fr-FR"/>
           </a:p>
@@ -9970,7 +9935,7 @@
           <a:p>
             <a:fld id="{0A206D1B-E756-4A82-9838-551DE185C738}" type="datetimeFigureOut">
               <a:rPr lang="fr-FR" smtClean="0"/>
-              <a:t>17/12/2022</a:t>
+              <a:t>18/12/2022</a:t>
             </a:fld>
             <a:endParaRPr lang="fr-FR"/>
           </a:p>
@@ -10202,7 +10167,7 @@
           <a:p>
             <a:fld id="{0A206D1B-E756-4A82-9838-551DE185C738}" type="datetimeFigureOut">
               <a:rPr lang="fr-FR" smtClean="0"/>
-              <a:t>17/12/2022</a:t>
+              <a:t>18/12/2022</a:t>
             </a:fld>
             <a:endParaRPr lang="fr-FR"/>
           </a:p>
@@ -10569,7 +10534,7 @@
           <a:p>
             <a:fld id="{0A206D1B-E756-4A82-9838-551DE185C738}" type="datetimeFigureOut">
               <a:rPr lang="fr-FR" smtClean="0"/>
-              <a:t>17/12/2022</a:t>
+              <a:t>18/12/2022</a:t>
             </a:fld>
             <a:endParaRPr lang="fr-FR"/>
           </a:p>
@@ -10687,7 +10652,7 @@
           <a:p>
             <a:fld id="{0A206D1B-E756-4A82-9838-551DE185C738}" type="datetimeFigureOut">
               <a:rPr lang="fr-FR" smtClean="0"/>
-              <a:t>17/12/2022</a:t>
+              <a:t>18/12/2022</a:t>
             </a:fld>
             <a:endParaRPr lang="fr-FR"/>
           </a:p>
@@ -10782,7 +10747,7 @@
           <a:p>
             <a:fld id="{0A206D1B-E756-4A82-9838-551DE185C738}" type="datetimeFigureOut">
               <a:rPr lang="fr-FR" smtClean="0"/>
-              <a:t>17/12/2022</a:t>
+              <a:t>18/12/2022</a:t>
             </a:fld>
             <a:endParaRPr lang="fr-FR"/>
           </a:p>
@@ -11059,7 +11024,7 @@
           <a:p>
             <a:fld id="{0A206D1B-E756-4A82-9838-551DE185C738}" type="datetimeFigureOut">
               <a:rPr lang="fr-FR" smtClean="0"/>
-              <a:t>17/12/2022</a:t>
+              <a:t>18/12/2022</a:t>
             </a:fld>
             <a:endParaRPr lang="fr-FR"/>
           </a:p>
@@ -11312,7 +11277,7 @@
           <a:p>
             <a:fld id="{0A206D1B-E756-4A82-9838-551DE185C738}" type="datetimeFigureOut">
               <a:rPr lang="fr-FR" smtClean="0"/>
-              <a:t>17/12/2022</a:t>
+              <a:t>18/12/2022</a:t>
             </a:fld>
             <a:endParaRPr lang="fr-FR"/>
           </a:p>
@@ -11525,7 +11490,7 @@
           <a:p>
             <a:fld id="{0A206D1B-E756-4A82-9838-551DE185C738}" type="datetimeFigureOut">
               <a:rPr lang="fr-FR" smtClean="0"/>
-              <a:t>17/12/2022</a:t>
+              <a:t>18/12/2022</a:t>
             </a:fld>
             <a:endParaRPr lang="fr-FR"/>
           </a:p>
@@ -16365,15 +16330,7 @@
             </a:r>
             <a:r>
               <a:rPr lang="fr-FR" b="1" dirty="0" smtClean="0"/>
-              <a:t>suite</a:t>
-            </a:r>
-            <a:r>
-              <a:rPr lang="fr-FR" b="1" dirty="0" smtClean="0"/>
-              <a:t> </a:t>
-            </a:r>
-            <a:r>
-              <a:rPr lang="fr-FR" b="1" dirty="0" smtClean="0"/>
-              <a:t>)</a:t>
+              <a:t>suite )</a:t>
             </a:r>
             <a:endParaRPr lang="fr-FR" b="1" dirty="0"/>
           </a:p>
@@ -18322,6 +18279,661 @@
 </file>
 
 <file path=ppt/slides/slide31.xml><?xml version="1.0" encoding="utf-8"?>
+<p:sld xmlns:a="http://schemas.openxmlformats.org/drawingml/2006/main" xmlns:r="http://schemas.openxmlformats.org/officeDocument/2006/relationships" xmlns:p="http://schemas.openxmlformats.org/presentationml/2006/main">
+  <p:cSld>
+    <p:spTree>
+      <p:nvGrpSpPr>
+        <p:cNvPr id="1" name=""/>
+        <p:cNvGrpSpPr/>
+        <p:nvPr/>
+      </p:nvGrpSpPr>
+      <p:grpSpPr>
+        <a:xfrm>
+          <a:off x="0" y="0"/>
+          <a:ext cx="0" cy="0"/>
+          <a:chOff x="0" y="0"/>
+          <a:chExt cx="0" cy="0"/>
+        </a:xfrm>
+      </p:grpSpPr>
+      <p:sp>
+        <p:nvSpPr>
+          <p:cNvPr id="4" name="ZoneTexte 3">
+            <a:hlinkClick r:id="rId2" action="ppaction://hlinksldjump"/>
+          </p:cNvPr>
+          <p:cNvSpPr txBox="1"/>
+          <p:nvPr/>
+        </p:nvSpPr>
+        <p:spPr>
+          <a:xfrm>
+            <a:off x="0" y="46106"/>
+            <a:ext cx="4838700" cy="3323987"/>
+          </a:xfrm>
+          <a:prstGeom prst="rect">
+            <a:avLst/>
+          </a:prstGeom>
+          <a:noFill/>
+        </p:spPr>
+        <p:txBody>
+          <a:bodyPr wrap="square" rtlCol="0">
+            <a:spAutoFit/>
+          </a:bodyPr>
+          <a:lstStyle/>
+          <a:p>
+            <a:r>
+              <a:rPr lang="fr-FR" sz="2400" b="1" dirty="0" smtClean="0"/>
+              <a:t>Démo CLEAN</a:t>
+            </a:r>
+          </a:p>
+          <a:p>
+            <a:pPr marL="342900" indent="-342900">
+              <a:buFont typeface="+mj-lt"/>
+              <a:buAutoNum type="arabicPeriod"/>
+            </a:pPr>
+            <a:r>
+              <a:rPr lang="fr-FR" sz="2400" dirty="0" smtClean="0"/>
+              <a:t>Créer repo local</a:t>
+            </a:r>
+          </a:p>
+          <a:p>
+            <a:pPr marL="342900" indent="-342900">
+              <a:buFont typeface="+mj-lt"/>
+              <a:buAutoNum type="arabicPeriod"/>
+            </a:pPr>
+            <a:r>
+              <a:rPr lang="en-US" sz="2400" dirty="0"/>
+              <a:t>echo "tracked" &gt; ./</a:t>
+            </a:r>
+            <a:r>
+              <a:rPr lang="en-US" sz="2400" dirty="0" err="1"/>
+              <a:t>tracked_file</a:t>
+            </a:r>
+            <a:r>
+              <a:rPr lang="en-US" sz="2400" dirty="0"/>
+              <a:t> </a:t>
+            </a:r>
+            <a:endParaRPr lang="en-US" sz="2400" dirty="0" smtClean="0"/>
+          </a:p>
+          <a:p>
+            <a:pPr marL="342900" indent="-342900">
+              <a:buFont typeface="+mj-lt"/>
+              <a:buAutoNum type="arabicPeriod"/>
+            </a:pPr>
+            <a:r>
+              <a:rPr lang="en-US" sz="2400" dirty="0"/>
+              <a:t> </a:t>
+            </a:r>
+            <a:r>
+              <a:rPr lang="en-US" sz="2400" dirty="0" err="1"/>
+              <a:t>git</a:t>
+            </a:r>
+            <a:r>
+              <a:rPr lang="en-US" sz="2400" dirty="0"/>
+              <a:t> add ./</a:t>
+            </a:r>
+            <a:r>
+              <a:rPr lang="en-US" sz="2400" dirty="0" err="1" smtClean="0"/>
+              <a:t>tracked_file</a:t>
+            </a:r>
+            <a:endParaRPr lang="en-US" sz="2400" dirty="0" smtClean="0"/>
+          </a:p>
+          <a:p>
+            <a:pPr marL="342900" indent="-342900">
+              <a:buFont typeface="+mj-lt"/>
+              <a:buAutoNum type="arabicPeriod"/>
+            </a:pPr>
+            <a:r>
+              <a:rPr lang="fr-FR" sz="2400" dirty="0"/>
+              <a:t> </a:t>
+            </a:r>
+            <a:r>
+              <a:rPr lang="fr-FR" sz="2400" dirty="0" err="1"/>
+              <a:t>echo</a:t>
+            </a:r>
+            <a:r>
+              <a:rPr lang="fr-FR" sz="2400" dirty="0"/>
+              <a:t> "</a:t>
+            </a:r>
+            <a:r>
+              <a:rPr lang="fr-FR" sz="2400" dirty="0" err="1"/>
+              <a:t>untracked</a:t>
+            </a:r>
+            <a:r>
+              <a:rPr lang="fr-FR" sz="2400" dirty="0"/>
+              <a:t>" &gt; ./</a:t>
+            </a:r>
+            <a:r>
+              <a:rPr lang="fr-FR" sz="2400" dirty="0" err="1" smtClean="0"/>
+              <a:t>untracked_file</a:t>
+            </a:r>
+            <a:endParaRPr lang="fr-FR" sz="2400" dirty="0" smtClean="0"/>
+          </a:p>
+          <a:p>
+            <a:pPr marL="342900" indent="-342900">
+              <a:buFont typeface="+mj-lt"/>
+              <a:buAutoNum type="arabicPeriod"/>
+            </a:pPr>
+            <a:r>
+              <a:rPr lang="fr-FR" sz="2400" dirty="0"/>
+              <a:t> git </a:t>
+            </a:r>
+            <a:r>
+              <a:rPr lang="fr-FR" sz="2400" dirty="0" err="1" smtClean="0"/>
+              <a:t>status</a:t>
+            </a:r>
+            <a:endParaRPr lang="fr-FR" sz="2400" dirty="0" smtClean="0"/>
+          </a:p>
+          <a:p>
+            <a:pPr marL="342900" indent="-342900">
+              <a:buFont typeface="+mj-lt"/>
+              <a:buAutoNum type="arabicPeriod"/>
+            </a:pPr>
+            <a:r>
+              <a:rPr lang="fr-FR" sz="2400" dirty="0" smtClean="0"/>
+              <a:t>Git clean -f</a:t>
+            </a:r>
+          </a:p>
+          <a:p>
+            <a:pPr marL="342900" indent="-342900">
+              <a:buFont typeface="+mj-lt"/>
+              <a:buAutoNum type="arabicPeriod"/>
+            </a:pPr>
+            <a:endParaRPr lang="fr-FR" dirty="0"/>
+          </a:p>
+        </p:txBody>
+      </p:sp>
+      <p:sp>
+        <p:nvSpPr>
+          <p:cNvPr id="5" name="ZoneTexte 4">
+            <a:hlinkClick r:id="rId2" action="ppaction://hlinksldjump"/>
+          </p:cNvPr>
+          <p:cNvSpPr txBox="1"/>
+          <p:nvPr/>
+        </p:nvSpPr>
+        <p:spPr>
+          <a:xfrm>
+            <a:off x="6096000" y="46106"/>
+            <a:ext cx="5924550" cy="3046988"/>
+          </a:xfrm>
+          <a:prstGeom prst="rect">
+            <a:avLst/>
+          </a:prstGeom>
+          <a:noFill/>
+        </p:spPr>
+        <p:txBody>
+          <a:bodyPr wrap="square" rtlCol="0">
+            <a:spAutoFit/>
+          </a:bodyPr>
+          <a:lstStyle/>
+          <a:p>
+            <a:r>
+              <a:rPr lang="fr-FR" sz="2400" b="1" dirty="0" err="1" smtClean="0"/>
+              <a:t>Demo</a:t>
+            </a:r>
+            <a:r>
+              <a:rPr lang="fr-FR" sz="2400" b="1" dirty="0" smtClean="0"/>
+              <a:t> RM</a:t>
+            </a:r>
+          </a:p>
+          <a:p>
+            <a:pPr marL="342900" indent="-342900">
+              <a:buFont typeface="+mj-lt"/>
+              <a:buAutoNum type="arabicPeriod"/>
+            </a:pPr>
+            <a:r>
+              <a:rPr lang="fr-FR" sz="2400" dirty="0" smtClean="0"/>
+              <a:t>Git </a:t>
+            </a:r>
+            <a:r>
+              <a:rPr lang="fr-FR" sz="2400" dirty="0" err="1" smtClean="0"/>
+              <a:t>init</a:t>
+            </a:r>
+            <a:endParaRPr lang="fr-FR" sz="2400" dirty="0" smtClean="0"/>
+          </a:p>
+          <a:p>
+            <a:pPr marL="342900" indent="-342900">
+              <a:buFont typeface="+mj-lt"/>
+              <a:buAutoNum type="arabicPeriod"/>
+            </a:pPr>
+            <a:r>
+              <a:rPr lang="fr-FR" sz="2400" dirty="0" err="1" smtClean="0"/>
+              <a:t>Touch</a:t>
+            </a:r>
+            <a:r>
+              <a:rPr lang="fr-FR" sz="2400" dirty="0" smtClean="0"/>
+              <a:t> file1 file2</a:t>
+            </a:r>
+          </a:p>
+          <a:p>
+            <a:pPr marL="342900" indent="-342900">
+              <a:buFont typeface="+mj-lt"/>
+              <a:buAutoNum type="arabicPeriod"/>
+            </a:pPr>
+            <a:r>
+              <a:rPr lang="fr-FR" sz="2400" dirty="0" smtClean="0"/>
+              <a:t>Git </a:t>
+            </a:r>
+            <a:r>
+              <a:rPr lang="fr-FR" sz="2400" dirty="0" err="1" smtClean="0"/>
+              <a:t>add</a:t>
+            </a:r>
+            <a:r>
+              <a:rPr lang="fr-FR" sz="2400" dirty="0" smtClean="0"/>
+              <a:t> .</a:t>
+            </a:r>
+          </a:p>
+          <a:p>
+            <a:pPr marL="342900" indent="-342900">
+              <a:buFont typeface="+mj-lt"/>
+              <a:buAutoNum type="arabicPeriod"/>
+            </a:pPr>
+            <a:r>
+              <a:rPr lang="fr-FR" sz="2400" dirty="0" smtClean="0"/>
+              <a:t>Git </a:t>
+            </a:r>
+            <a:r>
+              <a:rPr lang="fr-FR" sz="2400" dirty="0" err="1" smtClean="0"/>
+              <a:t>rm</a:t>
+            </a:r>
+            <a:r>
+              <a:rPr lang="fr-FR" sz="2400" dirty="0" smtClean="0"/>
+              <a:t> file1 (</a:t>
+            </a:r>
+            <a:r>
+              <a:rPr lang="fr-FR" sz="2400" dirty="0" err="1" smtClean="0">
+                <a:solidFill>
+                  <a:srgbClr val="FF0000"/>
+                </a:solidFill>
+              </a:rPr>
+              <a:t>error</a:t>
+            </a:r>
+            <a:r>
+              <a:rPr lang="fr-FR" sz="2400" dirty="0" smtClean="0">
+                <a:solidFill>
+                  <a:srgbClr val="FF0000"/>
+                </a:solidFill>
+              </a:rPr>
+              <a:t> il faut commité</a:t>
+            </a:r>
+            <a:r>
+              <a:rPr lang="fr-FR" sz="2400" dirty="0" smtClean="0"/>
+              <a:t>)</a:t>
+            </a:r>
+          </a:p>
+          <a:p>
+            <a:pPr marL="342900" indent="-342900">
+              <a:buFont typeface="+mj-lt"/>
+              <a:buAutoNum type="arabicPeriod"/>
+            </a:pPr>
+            <a:r>
+              <a:rPr lang="fr-FR" sz="2400" dirty="0" smtClean="0"/>
+              <a:t>Git commit –m « </a:t>
+            </a:r>
+            <a:r>
+              <a:rPr lang="fr-FR" sz="2400" dirty="0" err="1" smtClean="0"/>
+              <a:t>inital</a:t>
+            </a:r>
+            <a:r>
+              <a:rPr lang="fr-FR" sz="2400" dirty="0" smtClean="0"/>
+              <a:t> commit »</a:t>
+            </a:r>
+          </a:p>
+          <a:p>
+            <a:pPr marL="342900" indent="-342900">
+              <a:buFont typeface="+mj-lt"/>
+              <a:buAutoNum type="arabicPeriod"/>
+            </a:pPr>
+            <a:r>
+              <a:rPr lang="fr-FR" sz="2400" dirty="0" smtClean="0"/>
+              <a:t>Git </a:t>
+            </a:r>
+            <a:r>
+              <a:rPr lang="fr-FR" sz="2400" dirty="0" err="1" smtClean="0"/>
+              <a:t>rm</a:t>
+            </a:r>
+            <a:r>
+              <a:rPr lang="fr-FR" sz="2400" dirty="0" smtClean="0"/>
+              <a:t> file 1</a:t>
+            </a:r>
+          </a:p>
+          <a:p>
+            <a:pPr marL="342900" indent="-342900">
+              <a:buFont typeface="+mj-lt"/>
+              <a:buAutoNum type="arabicPeriod"/>
+            </a:pPr>
+            <a:r>
+              <a:rPr lang="fr-FR" sz="2400" dirty="0" smtClean="0"/>
+              <a:t>Git </a:t>
+            </a:r>
+            <a:r>
+              <a:rPr lang="fr-FR" sz="2400" dirty="0" err="1" smtClean="0"/>
+              <a:t>status</a:t>
+            </a:r>
+            <a:endParaRPr lang="fr-FR" sz="2400" dirty="0"/>
+          </a:p>
+        </p:txBody>
+      </p:sp>
+      <p:sp>
+        <p:nvSpPr>
+          <p:cNvPr id="6" name="ZoneTexte 5">
+            <a:hlinkClick r:id="rId2" action="ppaction://hlinksldjump"/>
+          </p:cNvPr>
+          <p:cNvSpPr txBox="1"/>
+          <p:nvPr/>
+        </p:nvSpPr>
+        <p:spPr>
+          <a:xfrm>
+            <a:off x="0" y="3093094"/>
+            <a:ext cx="4338367" cy="3816429"/>
+          </a:xfrm>
+          <a:prstGeom prst="rect">
+            <a:avLst/>
+          </a:prstGeom>
+          <a:noFill/>
+        </p:spPr>
+        <p:txBody>
+          <a:bodyPr wrap="none" rtlCol="0">
+            <a:spAutoFit/>
+          </a:bodyPr>
+          <a:lstStyle/>
+          <a:p>
+            <a:r>
+              <a:rPr lang="fr-FR" sz="2600" b="1" dirty="0" err="1" smtClean="0"/>
+              <a:t>Demo</a:t>
+            </a:r>
+            <a:r>
+              <a:rPr lang="fr-FR" sz="2600" b="1" dirty="0" smtClean="0"/>
+              <a:t> </a:t>
+            </a:r>
+            <a:r>
+              <a:rPr lang="fr-FR" sz="2600" b="1" dirty="0" err="1" smtClean="0"/>
+              <a:t>Status</a:t>
+            </a:r>
+            <a:endParaRPr lang="fr-FR" sz="2600" b="1" dirty="0" smtClean="0"/>
+          </a:p>
+          <a:p>
+            <a:pPr marL="342900" indent="-342900">
+              <a:buFont typeface="+mj-lt"/>
+              <a:buAutoNum type="arabicPeriod"/>
+            </a:pPr>
+            <a:r>
+              <a:rPr lang="fr-FR" sz="2400" dirty="0" smtClean="0"/>
+              <a:t>git </a:t>
+            </a:r>
+            <a:r>
+              <a:rPr lang="fr-FR" sz="2400" dirty="0" err="1" smtClean="0"/>
+              <a:t>init</a:t>
+            </a:r>
+            <a:endParaRPr lang="fr-FR" sz="2400" dirty="0" smtClean="0"/>
+          </a:p>
+          <a:p>
+            <a:pPr marL="342900" indent="-342900">
+              <a:buFont typeface="+mj-lt"/>
+              <a:buAutoNum type="arabicPeriod"/>
+            </a:pPr>
+            <a:r>
+              <a:rPr lang="fr-FR" sz="2400" dirty="0" err="1" smtClean="0"/>
+              <a:t>Touch</a:t>
+            </a:r>
+            <a:r>
+              <a:rPr lang="fr-FR" sz="2400" dirty="0" smtClean="0"/>
+              <a:t> index.html</a:t>
+            </a:r>
+          </a:p>
+          <a:p>
+            <a:pPr marL="342900" indent="-342900">
+              <a:buFont typeface="+mj-lt"/>
+              <a:buAutoNum type="arabicPeriod"/>
+            </a:pPr>
+            <a:r>
+              <a:rPr lang="fr-FR" sz="2400" dirty="0" err="1" smtClean="0"/>
+              <a:t>gs</a:t>
+            </a:r>
+            <a:endParaRPr lang="fr-FR" sz="2400" dirty="0" smtClean="0"/>
+          </a:p>
+          <a:p>
+            <a:pPr marL="342900" indent="-342900">
+              <a:buFont typeface="+mj-lt"/>
+              <a:buAutoNum type="arabicPeriod"/>
+            </a:pPr>
+            <a:r>
+              <a:rPr lang="fr-FR" sz="2400" dirty="0" smtClean="0"/>
+              <a:t>Git </a:t>
+            </a:r>
+            <a:r>
+              <a:rPr lang="fr-FR" sz="2400" dirty="0" err="1" smtClean="0"/>
+              <a:t>add</a:t>
+            </a:r>
+            <a:r>
+              <a:rPr lang="fr-FR" sz="2400" dirty="0" smtClean="0"/>
+              <a:t> index.html</a:t>
+            </a:r>
+          </a:p>
+          <a:p>
+            <a:pPr marL="342900" indent="-342900">
+              <a:buFont typeface="+mj-lt"/>
+              <a:buAutoNum type="arabicPeriod"/>
+            </a:pPr>
+            <a:r>
+              <a:rPr lang="fr-FR" sz="2400" dirty="0" err="1" smtClean="0"/>
+              <a:t>Gs</a:t>
+            </a:r>
+            <a:endParaRPr lang="fr-FR" sz="2400" dirty="0" smtClean="0"/>
+          </a:p>
+          <a:p>
+            <a:pPr marL="342900" indent="-342900">
+              <a:buFont typeface="+mj-lt"/>
+              <a:buAutoNum type="arabicPeriod"/>
+            </a:pPr>
+            <a:r>
+              <a:rPr lang="fr-FR" sz="2400" dirty="0" smtClean="0"/>
+              <a:t>Git commit –m ’initial commit’</a:t>
+            </a:r>
+          </a:p>
+          <a:p>
+            <a:pPr marL="342900" indent="-342900">
+              <a:buFont typeface="+mj-lt"/>
+              <a:buAutoNum type="arabicPeriod"/>
+            </a:pPr>
+            <a:r>
+              <a:rPr lang="fr-FR" sz="2400" dirty="0" err="1" smtClean="0"/>
+              <a:t>Gs</a:t>
+            </a:r>
+            <a:endParaRPr lang="fr-FR" sz="2400" dirty="0" smtClean="0"/>
+          </a:p>
+          <a:p>
+            <a:pPr marL="342900" indent="-342900">
+              <a:buFont typeface="+mj-lt"/>
+              <a:buAutoNum type="arabicPeriod"/>
+            </a:pPr>
+            <a:r>
+              <a:rPr lang="fr-FR" sz="2400" dirty="0" smtClean="0"/>
+              <a:t>Git </a:t>
+            </a:r>
+            <a:r>
+              <a:rPr lang="fr-FR" sz="2400" dirty="0" err="1" smtClean="0"/>
+              <a:t>rm</a:t>
+            </a:r>
+            <a:r>
+              <a:rPr lang="fr-FR" sz="2400" dirty="0" smtClean="0"/>
+              <a:t> index.html</a:t>
+            </a:r>
+          </a:p>
+          <a:p>
+            <a:pPr marL="342900" indent="-342900">
+              <a:buFont typeface="+mj-lt"/>
+              <a:buAutoNum type="arabicPeriod"/>
+            </a:pPr>
+            <a:r>
+              <a:rPr lang="fr-FR" sz="2400" dirty="0" err="1" smtClean="0"/>
+              <a:t>gs</a:t>
+            </a:r>
+            <a:endParaRPr lang="fr-FR" dirty="0"/>
+          </a:p>
+        </p:txBody>
+      </p:sp>
+      <p:sp>
+        <p:nvSpPr>
+          <p:cNvPr id="7" name="ZoneTexte 6">
+            <a:hlinkClick r:id="rId2" action="ppaction://hlinksldjump"/>
+          </p:cNvPr>
+          <p:cNvSpPr txBox="1"/>
+          <p:nvPr/>
+        </p:nvSpPr>
+        <p:spPr>
+          <a:xfrm>
+            <a:off x="6220190" y="3093094"/>
+            <a:ext cx="3085140" cy="3416320"/>
+          </a:xfrm>
+          <a:prstGeom prst="rect">
+            <a:avLst/>
+          </a:prstGeom>
+          <a:noFill/>
+        </p:spPr>
+        <p:txBody>
+          <a:bodyPr wrap="none" rtlCol="0">
+            <a:spAutoFit/>
+          </a:bodyPr>
+          <a:lstStyle/>
+          <a:p>
+            <a:r>
+              <a:rPr lang="fr-FR" sz="2400" b="1" dirty="0" smtClean="0"/>
+              <a:t>Démo commit</a:t>
+            </a:r>
+          </a:p>
+          <a:p>
+            <a:pPr marL="342900" indent="-342900">
+              <a:buFont typeface="+mj-lt"/>
+              <a:buAutoNum type="arabicPeriod"/>
+            </a:pPr>
+            <a:r>
+              <a:rPr lang="fr-FR" sz="2400" dirty="0" smtClean="0"/>
+              <a:t>Git </a:t>
+            </a:r>
+            <a:r>
+              <a:rPr lang="fr-FR" sz="2400" dirty="0" err="1" smtClean="0"/>
+              <a:t>init</a:t>
+            </a:r>
+            <a:endParaRPr lang="fr-FR" sz="2400" dirty="0" smtClean="0"/>
+          </a:p>
+          <a:p>
+            <a:pPr marL="342900" indent="-342900">
+              <a:buFont typeface="+mj-lt"/>
+              <a:buAutoNum type="arabicPeriod"/>
+            </a:pPr>
+            <a:r>
+              <a:rPr lang="fr-FR" sz="2400" dirty="0" err="1" smtClean="0"/>
+              <a:t>Touch</a:t>
+            </a:r>
+            <a:r>
+              <a:rPr lang="fr-FR" sz="2400" dirty="0" smtClean="0"/>
+              <a:t> index.html</a:t>
+            </a:r>
+          </a:p>
+          <a:p>
+            <a:pPr marL="342900" indent="-342900">
+              <a:buFont typeface="+mj-lt"/>
+              <a:buAutoNum type="arabicPeriod"/>
+            </a:pPr>
+            <a:r>
+              <a:rPr lang="fr-FR" sz="2400" dirty="0" smtClean="0"/>
+              <a:t>Git </a:t>
+            </a:r>
+            <a:r>
+              <a:rPr lang="fr-FR" sz="2400" dirty="0" err="1" smtClean="0"/>
+              <a:t>add</a:t>
+            </a:r>
+            <a:r>
+              <a:rPr lang="fr-FR" sz="2400" dirty="0" smtClean="0"/>
+              <a:t> index.html</a:t>
+            </a:r>
+          </a:p>
+          <a:p>
+            <a:pPr marL="342900" indent="-342900">
+              <a:buFont typeface="+mj-lt"/>
+              <a:buAutoNum type="arabicPeriod"/>
+            </a:pPr>
+            <a:r>
+              <a:rPr lang="fr-FR" sz="2400" dirty="0" err="1" smtClean="0"/>
+              <a:t>Gs</a:t>
+            </a:r>
+            <a:endParaRPr lang="fr-FR" sz="2400" dirty="0" smtClean="0"/>
+          </a:p>
+          <a:p>
+            <a:pPr marL="342900" indent="-342900">
+              <a:buFont typeface="+mj-lt"/>
+              <a:buAutoNum type="arabicPeriod"/>
+            </a:pPr>
+            <a:r>
+              <a:rPr lang="fr-FR" sz="2400" dirty="0" smtClean="0"/>
+              <a:t>Git commit</a:t>
+            </a:r>
+          </a:p>
+          <a:p>
+            <a:pPr marL="342900" indent="-342900">
+              <a:buFont typeface="+mj-lt"/>
+              <a:buAutoNum type="arabicPeriod"/>
+            </a:pPr>
+            <a:r>
+              <a:rPr lang="fr-FR" sz="2400" dirty="0" smtClean="0"/>
+              <a:t>Git log</a:t>
+            </a:r>
+          </a:p>
+          <a:p>
+            <a:pPr marL="342900" indent="-342900">
+              <a:buFont typeface="+mj-lt"/>
+              <a:buAutoNum type="arabicPeriod"/>
+            </a:pPr>
+            <a:r>
+              <a:rPr lang="fr-FR" sz="2400" dirty="0" smtClean="0"/>
+              <a:t>Changer index.html</a:t>
+            </a:r>
+          </a:p>
+          <a:p>
+            <a:pPr marL="342900" indent="-342900">
+              <a:buFont typeface="+mj-lt"/>
+              <a:buAutoNum type="arabicPeriod"/>
+            </a:pPr>
+            <a:r>
+              <a:rPr lang="fr-FR" sz="2400" dirty="0" smtClean="0"/>
+              <a:t>Git </a:t>
+            </a:r>
+            <a:r>
+              <a:rPr lang="fr-FR" sz="2400" dirty="0" err="1" smtClean="0"/>
+              <a:t>commiy</a:t>
+            </a:r>
+            <a:r>
+              <a:rPr lang="fr-FR" sz="2400" dirty="0" smtClean="0"/>
+              <a:t> --</a:t>
+            </a:r>
+            <a:r>
+              <a:rPr lang="fr-FR" sz="2400" dirty="0" err="1" smtClean="0"/>
+              <a:t>amend</a:t>
+            </a:r>
+            <a:endParaRPr lang="fr-FR" sz="2400" dirty="0"/>
+          </a:p>
+        </p:txBody>
+      </p:sp>
+    </p:spTree>
+    <p:extLst>
+      <p:ext uri="{BB962C8B-B14F-4D97-AF65-F5344CB8AC3E}">
+        <p14:creationId xmlns:p14="http://schemas.microsoft.com/office/powerpoint/2010/main" val="2132542950"/>
+      </p:ext>
+    </p:extLst>
+  </p:cSld>
+  <p:clrMapOvr>
+    <a:masterClrMapping/>
+  </p:clrMapOvr>
+  <p:timing>
+    <p:tnLst>
+      <p:par>
+        <p:cTn id="1" dur="indefinite" restart="never" nodeType="tmRoot"/>
+      </p:par>
+    </p:tnLst>
+  </p:timing>
+</p:sld>
+</file>
+
+<file path=ppt/slides/slide32.xml><?xml version="1.0" encoding="utf-8"?>
 <p:sld xmlns:a="http://schemas.openxmlformats.org/drawingml/2006/main" xmlns:r="http://schemas.openxmlformats.org/officeDocument/2006/relationships" xmlns:p="http://schemas.openxmlformats.org/presentationml/2006/main">
   <p:cSld>
     <p:spTree>
@@ -18895,11 +19507,7 @@
           <a:p>
             <a:r>
               <a:rPr lang="fr-FR" sz="2200" b="1" u="sng" dirty="0" smtClean="0"/>
-              <a:t>Démo </a:t>
-            </a:r>
-            <a:r>
-              <a:rPr lang="fr-FR" sz="2200" b="1" u="sng" dirty="0" smtClean="0"/>
-              <a:t>reset</a:t>
+              <a:t>Démo reset</a:t>
             </a:r>
           </a:p>
           <a:p>
@@ -19175,7 +19783,7 @@
 </p:sld>
 </file>
 
-<file path=ppt/slides/slide32.xml><?xml version="1.0" encoding="utf-8"?>
+<file path=ppt/slides/slide33.xml><?xml version="1.0" encoding="utf-8"?>
 <p:sld xmlns:a="http://schemas.openxmlformats.org/drawingml/2006/main" xmlns:r="http://schemas.openxmlformats.org/officeDocument/2006/relationships" xmlns:p="http://schemas.openxmlformats.org/presentationml/2006/main">
   <p:cSld>
     <p:spTree>
@@ -19252,11 +19860,7 @@
           <a:p>
             <a:r>
               <a:rPr lang="fr-FR" sz="2800" b="1" u="sng" dirty="0" smtClean="0"/>
-              <a:t>récupère </a:t>
-            </a:r>
-            <a:r>
-              <a:rPr lang="fr-FR" sz="2800" b="1" u="sng" dirty="0" smtClean="0"/>
-              <a:t>un </a:t>
+              <a:t>récupère un </a:t>
             </a:r>
             <a:r>
               <a:rPr lang="fr-FR" sz="2800" b="1" u="sng" dirty="0"/>
@@ -19634,7 +20238,7 @@
 </p:sld>
 </file>
 
-<file path=ppt/slides/slide33.xml><?xml version="1.0" encoding="utf-8"?>
+<file path=ppt/slides/slide34.xml><?xml version="1.0" encoding="utf-8"?>
 <p:sld xmlns:a="http://schemas.openxmlformats.org/drawingml/2006/main" xmlns:r="http://schemas.openxmlformats.org/officeDocument/2006/relationships" xmlns:p="http://schemas.openxmlformats.org/presentationml/2006/main">
   <p:cSld>
     <p:spTree>
@@ -19869,7 +20473,7 @@
 </p:sld>
 </file>
 
-<file path=ppt/slides/slide34.xml><?xml version="1.0" encoding="utf-8"?>
+<file path=ppt/slides/slide35.xml><?xml version="1.0" encoding="utf-8"?>
 <p:sld xmlns:a="http://schemas.openxmlformats.org/drawingml/2006/main" xmlns:r="http://schemas.openxmlformats.org/officeDocument/2006/relationships" xmlns:p="http://schemas.openxmlformats.org/presentationml/2006/main">
   <p:cSld>
     <p:spTree>
@@ -20065,8 +20669,8 @@
         </p:nvSpPr>
         <p:spPr>
           <a:xfrm>
-            <a:off x="6115050" y="1730693"/>
-            <a:ext cx="5543550" cy="2585323"/>
+            <a:off x="6000750" y="244674"/>
+            <a:ext cx="5543550" cy="3062377"/>
           </a:xfrm>
           <a:prstGeom prst="rect">
             <a:avLst/>
@@ -20080,14 +20684,14 @@
           <a:lstStyle/>
           <a:p>
             <a:r>
-              <a:rPr lang="fr-FR" sz="2400" b="1" dirty="0" smtClean="0"/>
+              <a:rPr lang="fr-FR" sz="2500" b="1" dirty="0" smtClean="0"/>
               <a:t>Démo </a:t>
             </a:r>
             <a:r>
-              <a:rPr lang="fr-FR" sz="2400" b="1" dirty="0" err="1" smtClean="0"/>
+              <a:rPr lang="fr-FR" sz="2500" b="1" dirty="0" err="1" smtClean="0"/>
               <a:t>diff</a:t>
             </a:r>
-            <a:endParaRPr lang="fr-FR" sz="2400" b="1" dirty="0" smtClean="0"/>
+            <a:endParaRPr lang="fr-FR" sz="2500" b="1" dirty="0" smtClean="0"/>
           </a:p>
           <a:p>
             <a:pPr marL="342900" indent="-342900">
@@ -20095,15 +20699,15 @@
               <a:buAutoNum type="arabicPeriod"/>
             </a:pPr>
             <a:r>
-              <a:rPr lang="fr-FR" sz="2400" dirty="0" smtClean="0"/>
+              <a:rPr lang="fr-FR" sz="2500" dirty="0" smtClean="0"/>
               <a:t>créer un </a:t>
             </a:r>
             <a:r>
-              <a:rPr lang="fr-FR" sz="2400" dirty="0" err="1" smtClean="0"/>
+              <a:rPr lang="fr-FR" sz="2500" dirty="0" err="1" smtClean="0"/>
               <a:t>remo</a:t>
             </a:r>
             <a:r>
-              <a:rPr lang="fr-FR" sz="2400" dirty="0" smtClean="0"/>
+              <a:rPr lang="fr-FR" sz="2500" dirty="0" smtClean="0"/>
               <a:t> local</a:t>
             </a:r>
           </a:p>
@@ -20113,22 +20717,22 @@
               <a:buAutoNum type="arabicPeriod"/>
             </a:pPr>
             <a:r>
-              <a:rPr lang="fr-FR" sz="2400" dirty="0" smtClean="0"/>
+              <a:rPr lang="fr-FR" sz="2500" dirty="0" smtClean="0"/>
               <a:t>Créer un fichier </a:t>
             </a:r>
             <a:r>
-              <a:rPr lang="fr-FR" sz="2400" dirty="0" err="1" smtClean="0"/>
+              <a:rPr lang="fr-FR" sz="2500" dirty="0" err="1" smtClean="0"/>
               <a:t>text</a:t>
             </a:r>
             <a:r>
-              <a:rPr lang="fr-FR" sz="2400" dirty="0" smtClean="0"/>
+              <a:rPr lang="fr-FR" sz="2500" dirty="0" smtClean="0"/>
               <a:t> et on le </a:t>
             </a:r>
             <a:r>
-              <a:rPr lang="fr-FR" sz="2400" dirty="0" err="1" smtClean="0"/>
+              <a:rPr lang="fr-FR" sz="2500" dirty="0" err="1" smtClean="0"/>
               <a:t>ommit</a:t>
             </a:r>
-            <a:endParaRPr lang="fr-FR" sz="2400" dirty="0" smtClean="0"/>
+            <a:endParaRPr lang="fr-FR" sz="2500" dirty="0" smtClean="0"/>
           </a:p>
           <a:p>
             <a:pPr marL="342900" indent="-342900">
@@ -20136,15 +20740,15 @@
               <a:buAutoNum type="arabicPeriod"/>
             </a:pPr>
             <a:r>
-              <a:rPr lang="fr-FR" sz="2400" dirty="0" smtClean="0"/>
+              <a:rPr lang="fr-FR" sz="2500" dirty="0" smtClean="0"/>
               <a:t>Exécuté </a:t>
             </a:r>
             <a:r>
-              <a:rPr lang="fr-FR" sz="2400" dirty="0" err="1" smtClean="0"/>
+              <a:rPr lang="fr-FR" sz="2500" dirty="0" err="1" smtClean="0"/>
               <a:t>diff</a:t>
             </a:r>
             <a:r>
-              <a:rPr lang="fr-FR" sz="2400" dirty="0" smtClean="0"/>
+              <a:rPr lang="fr-FR" sz="2500" dirty="0" smtClean="0"/>
               <a:t> commande (rien e s’affiche)</a:t>
             </a:r>
           </a:p>
@@ -20154,18 +20758,18 @@
               <a:buAutoNum type="arabicPeriod"/>
             </a:pPr>
             <a:r>
-              <a:rPr lang="fr-FR" sz="2400" dirty="0" err="1" smtClean="0"/>
-              <a:t>Mofifié</a:t>
-            </a:r>
-            <a:r>
-              <a:rPr lang="fr-FR" sz="2400" dirty="0" smtClean="0"/>
-              <a:t> le fichier </a:t>
-            </a:r>
-            <a:r>
-              <a:rPr lang="fr-FR" sz="2400" dirty="0" err="1" smtClean="0"/>
+              <a:rPr lang="fr-FR" sz="2500" dirty="0" smtClean="0"/>
+              <a:t>Modifié </a:t>
+            </a:r>
+            <a:r>
+              <a:rPr lang="fr-FR" sz="2500" dirty="0" smtClean="0"/>
+              <a:t>le fichier </a:t>
+            </a:r>
+            <a:r>
+              <a:rPr lang="fr-FR" sz="2500" dirty="0" err="1" smtClean="0"/>
               <a:t>text</a:t>
             </a:r>
-            <a:endParaRPr lang="fr-FR" sz="2400" dirty="0" smtClean="0"/>
+            <a:endParaRPr lang="fr-FR" sz="2500" dirty="0" smtClean="0"/>
           </a:p>
           <a:p>
             <a:pPr marL="342900" indent="-342900">
@@ -20173,18 +20777,18 @@
               <a:buAutoNum type="arabicPeriod"/>
             </a:pPr>
             <a:r>
-              <a:rPr lang="fr-FR" sz="2400" dirty="0" err="1" smtClean="0"/>
-              <a:t>Ececuté</a:t>
-            </a:r>
-            <a:r>
-              <a:rPr lang="fr-FR" sz="2400" dirty="0" smtClean="0"/>
-              <a:t> la commande </a:t>
-            </a:r>
-            <a:r>
-              <a:rPr lang="fr-FR" sz="2400" dirty="0" err="1" smtClean="0"/>
-              <a:t>diif</a:t>
-            </a:r>
-            <a:endParaRPr lang="fr-FR" sz="2400" dirty="0" smtClean="0"/>
+              <a:rPr lang="fr-FR" sz="2500" dirty="0" smtClean="0"/>
+              <a:t>Exécuté </a:t>
+            </a:r>
+            <a:r>
+              <a:rPr lang="fr-FR" sz="2500" dirty="0" smtClean="0"/>
+              <a:t>la commande </a:t>
+            </a:r>
+            <a:r>
+              <a:rPr lang="fr-FR" sz="2500" dirty="0" err="1" smtClean="0"/>
+              <a:t>dif</a:t>
+            </a:r>
+            <a:endParaRPr lang="fr-FR" sz="2500" dirty="0" smtClean="0"/>
           </a:p>
           <a:p>
             <a:endParaRPr lang="fr-FR" dirty="0"/>
@@ -20211,7 +20815,7 @@
 </p:sld>
 </file>
 
-<file path=ppt/slides/slide35.xml><?xml version="1.0" encoding="utf-8"?>
+<file path=ppt/slides/slide36.xml><?xml version="1.0" encoding="utf-8"?>
 <p:sld xmlns:a="http://schemas.openxmlformats.org/drawingml/2006/main" xmlns:r="http://schemas.openxmlformats.org/officeDocument/2006/relationships" xmlns:p="http://schemas.openxmlformats.org/presentationml/2006/main">
   <p:cSld>
     <p:spTree>
@@ -20439,11 +21043,7 @@
             </a:pPr>
             <a:r>
               <a:rPr lang="fr-FR" sz="2400" dirty="0" smtClean="0"/>
-              <a:t>git </a:t>
-            </a:r>
-            <a:r>
-              <a:rPr lang="fr-FR" sz="2400" dirty="0" smtClean="0"/>
-              <a:t>blame file</a:t>
+              <a:t>git blame file</a:t>
             </a:r>
           </a:p>
           <a:p>
@@ -20457,11 +21057,7 @@
             </a:r>
             <a:r>
               <a:rPr lang="fr-FR" sz="2400" dirty="0" smtClean="0"/>
-              <a:t>it </a:t>
-            </a:r>
-            <a:r>
-              <a:rPr lang="fr-FR" sz="2400" dirty="0" smtClean="0"/>
-              <a:t>log –p « </a:t>
+              <a:t>it log –p « </a:t>
             </a:r>
             <a:r>
               <a:rPr lang="fr-FR" sz="2400" dirty="0" err="1" smtClean="0"/>
@@ -20497,7 +21093,7 @@
 </p:sld>
 </file>
 
-<file path=ppt/slides/slide36.xml><?xml version="1.0" encoding="utf-8"?>
+<file path=ppt/slides/slide37.xml><?xml version="1.0" encoding="utf-8"?>
 <p:sld xmlns:a="http://schemas.openxmlformats.org/drawingml/2006/main" xmlns:r="http://schemas.openxmlformats.org/officeDocument/2006/relationships" xmlns:p="http://schemas.openxmlformats.org/presentationml/2006/main">
   <p:cSld>
     <p:spTree>
@@ -20582,7 +21178,7 @@
 </p:sld>
 </file>
 
-<file path=ppt/slides/slide37.xml><?xml version="1.0" encoding="utf-8"?>
+<file path=ppt/slides/slide38.xml><?xml version="1.0" encoding="utf-8"?>
 <p:sld xmlns:a="http://schemas.openxmlformats.org/drawingml/2006/main" xmlns:r="http://schemas.openxmlformats.org/officeDocument/2006/relationships" xmlns:p="http://schemas.openxmlformats.org/presentationml/2006/main">
   <p:cSld>
     <p:spTree>
@@ -21051,7 +21647,7 @@
 </p:sld>
 </file>
 
-<file path=ppt/slides/slide38.xml><?xml version="1.0" encoding="utf-8"?>
+<file path=ppt/slides/slide39.xml><?xml version="1.0" encoding="utf-8"?>
 <p:sld xmlns:a="http://schemas.openxmlformats.org/drawingml/2006/main" xmlns:r="http://schemas.openxmlformats.org/officeDocument/2006/relationships" xmlns:p="http://schemas.openxmlformats.org/presentationml/2006/main">
   <p:cSld>
     <p:spTree>
@@ -21112,7 +21708,99 @@
 </p:sld>
 </file>
 
-<file path=ppt/slides/slide39.xml><?xml version="1.0" encoding="utf-8"?>
+<file path=ppt/slides/slide4.xml><?xml version="1.0" encoding="utf-8"?>
+<p:sld xmlns:a="http://schemas.openxmlformats.org/drawingml/2006/main" xmlns:r="http://schemas.openxmlformats.org/officeDocument/2006/relationships" xmlns:p="http://schemas.openxmlformats.org/presentationml/2006/main">
+  <p:cSld>
+    <p:spTree>
+      <p:nvGrpSpPr>
+        <p:cNvPr id="1" name=""/>
+        <p:cNvGrpSpPr/>
+        <p:nvPr/>
+      </p:nvGrpSpPr>
+      <p:grpSpPr>
+        <a:xfrm>
+          <a:off x="0" y="0"/>
+          <a:ext cx="0" cy="0"/>
+          <a:chOff x="0" y="0"/>
+          <a:chExt cx="0" cy="0"/>
+        </a:xfrm>
+      </p:grpSpPr>
+      <p:sp>
+        <p:nvSpPr>
+          <p:cNvPr id="2" name="Titre 1"/>
+          <p:cNvSpPr>
+            <a:spLocks noGrp="1"/>
+          </p:cNvSpPr>
+          <p:nvPr>
+            <p:ph type="title"/>
+          </p:nvPr>
+        </p:nvSpPr>
+        <p:spPr>
+          <a:xfrm>
+            <a:off x="3712029" y="0"/>
+            <a:ext cx="5158839" cy="668028"/>
+          </a:xfrm>
+        </p:spPr>
+        <p:txBody>
+          <a:bodyPr>
+            <a:normAutofit fontScale="90000"/>
+          </a:bodyPr>
+          <a:lstStyle/>
+          <a:p>
+            <a:pPr algn="ctr"/>
+            <a:r>
+              <a:rPr lang="fr-FR" b="1" dirty="0" smtClean="0"/>
+              <a:t>Architecture de Git</a:t>
+            </a:r>
+            <a:endParaRPr lang="fr-FR" b="1" dirty="0"/>
+          </a:p>
+        </p:txBody>
+      </p:sp>
+      <p:pic>
+        <p:nvPicPr>
+          <p:cNvPr id="3" name="Image 2"/>
+          <p:cNvPicPr>
+            <a:picLocks noChangeAspect="1"/>
+          </p:cNvPicPr>
+          <p:nvPr/>
+        </p:nvPicPr>
+        <p:blipFill>
+          <a:blip r:embed="rId2"/>
+          <a:stretch>
+            <a:fillRect/>
+          </a:stretch>
+        </p:blipFill>
+        <p:spPr>
+          <a:xfrm>
+            <a:off x="2228850" y="109537"/>
+            <a:ext cx="7734300" cy="6638925"/>
+          </a:xfrm>
+          <a:prstGeom prst="rect">
+            <a:avLst/>
+          </a:prstGeom>
+        </p:spPr>
+      </p:pic>
+    </p:spTree>
+    <p:extLst>
+      <p:ext uri="{BB962C8B-B14F-4D97-AF65-F5344CB8AC3E}">
+        <p14:creationId xmlns:p14="http://schemas.microsoft.com/office/powerpoint/2010/main" val="3816600838"/>
+      </p:ext>
+    </p:extLst>
+  </p:cSld>
+  <p:clrMapOvr>
+    <a:masterClrMapping/>
+  </p:clrMapOvr>
+  <p:timing>
+    <p:tnLst>
+      <p:par>
+        <p:cTn id="1" dur="indefinite" restart="never" nodeType="tmRoot"/>
+      </p:par>
+    </p:tnLst>
+  </p:timing>
+</p:sld>
+</file>
+
+<file path=ppt/slides/slide40.xml><?xml version="1.0" encoding="utf-8"?>
 <p:sld xmlns:a="http://schemas.openxmlformats.org/drawingml/2006/main" xmlns:r="http://schemas.openxmlformats.org/officeDocument/2006/relationships" xmlns:p="http://schemas.openxmlformats.org/presentationml/2006/main">
   <p:cSld>
     <p:spTree>
@@ -21197,99 +21885,7 @@
 </p:sld>
 </file>
 
-<file path=ppt/slides/slide4.xml><?xml version="1.0" encoding="utf-8"?>
-<p:sld xmlns:a="http://schemas.openxmlformats.org/drawingml/2006/main" xmlns:r="http://schemas.openxmlformats.org/officeDocument/2006/relationships" xmlns:p="http://schemas.openxmlformats.org/presentationml/2006/main">
-  <p:cSld>
-    <p:spTree>
-      <p:nvGrpSpPr>
-        <p:cNvPr id="1" name=""/>
-        <p:cNvGrpSpPr/>
-        <p:nvPr/>
-      </p:nvGrpSpPr>
-      <p:grpSpPr>
-        <a:xfrm>
-          <a:off x="0" y="0"/>
-          <a:ext cx="0" cy="0"/>
-          <a:chOff x="0" y="0"/>
-          <a:chExt cx="0" cy="0"/>
-        </a:xfrm>
-      </p:grpSpPr>
-      <p:sp>
-        <p:nvSpPr>
-          <p:cNvPr id="2" name="Titre 1"/>
-          <p:cNvSpPr>
-            <a:spLocks noGrp="1"/>
-          </p:cNvSpPr>
-          <p:nvPr>
-            <p:ph type="title"/>
-          </p:nvPr>
-        </p:nvSpPr>
-        <p:spPr>
-          <a:xfrm>
-            <a:off x="3712029" y="0"/>
-            <a:ext cx="5158839" cy="668028"/>
-          </a:xfrm>
-        </p:spPr>
-        <p:txBody>
-          <a:bodyPr>
-            <a:normAutofit fontScale="90000"/>
-          </a:bodyPr>
-          <a:lstStyle/>
-          <a:p>
-            <a:pPr algn="ctr"/>
-            <a:r>
-              <a:rPr lang="fr-FR" b="1" dirty="0" smtClean="0"/>
-              <a:t>Architecture de Git</a:t>
-            </a:r>
-            <a:endParaRPr lang="fr-FR" b="1" dirty="0"/>
-          </a:p>
-        </p:txBody>
-      </p:sp>
-      <p:pic>
-        <p:nvPicPr>
-          <p:cNvPr id="3" name="Image 2"/>
-          <p:cNvPicPr>
-            <a:picLocks noChangeAspect="1"/>
-          </p:cNvPicPr>
-          <p:nvPr/>
-        </p:nvPicPr>
-        <p:blipFill>
-          <a:blip r:embed="rId2"/>
-          <a:stretch>
-            <a:fillRect/>
-          </a:stretch>
-        </p:blipFill>
-        <p:spPr>
-          <a:xfrm>
-            <a:off x="2228850" y="109537"/>
-            <a:ext cx="7734300" cy="6638925"/>
-          </a:xfrm>
-          <a:prstGeom prst="rect">
-            <a:avLst/>
-          </a:prstGeom>
-        </p:spPr>
-      </p:pic>
-    </p:spTree>
-    <p:extLst>
-      <p:ext uri="{BB962C8B-B14F-4D97-AF65-F5344CB8AC3E}">
-        <p14:creationId xmlns:p14="http://schemas.microsoft.com/office/powerpoint/2010/main" val="3816600838"/>
-      </p:ext>
-    </p:extLst>
-  </p:cSld>
-  <p:clrMapOvr>
-    <a:masterClrMapping/>
-  </p:clrMapOvr>
-  <p:timing>
-    <p:tnLst>
-      <p:par>
-        <p:cTn id="1" dur="indefinite" restart="never" nodeType="tmRoot"/>
-      </p:par>
-    </p:tnLst>
-  </p:timing>
-</p:sld>
-</file>
-
-<file path=ppt/slides/slide40.xml><?xml version="1.0" encoding="utf-8"?>
+<file path=ppt/slides/slide41.xml><?xml version="1.0" encoding="utf-8"?>
 <p:sld xmlns:a="http://schemas.openxmlformats.org/drawingml/2006/main" xmlns:r="http://schemas.openxmlformats.org/officeDocument/2006/relationships" xmlns:p="http://schemas.openxmlformats.org/presentationml/2006/main">
   <p:cSld>
     <p:spTree>
@@ -22167,11 +22763,7 @@
             </a:r>
             <a:r>
               <a:rPr lang="fr-FR" altLang="fr-FR" sz="3000" b="1" i="1" dirty="0" smtClean="0"/>
-              <a:t>clone </a:t>
-            </a:r>
-            <a:r>
-              <a:rPr lang="fr-FR" altLang="fr-FR" sz="3000" b="1" i="1" dirty="0" smtClean="0"/>
-              <a:t>url, git clone –b «</a:t>
+              <a:t>clone url, git clone –b «</a:t>
             </a:r>
             <a:r>
               <a:rPr lang="fr-FR" altLang="fr-FR" sz="3000" b="1" i="1" dirty="0" err="1" smtClean="0"/>
@@ -22179,11 +22771,7 @@
             </a:r>
             <a:r>
               <a:rPr lang="fr-FR" altLang="fr-FR" sz="3000" b="1" i="1" dirty="0" smtClean="0"/>
-              <a:t>»</a:t>
-            </a:r>
-            <a:r>
-              <a:rPr lang="fr-FR" altLang="fr-FR" sz="3000" b="1" i="1" dirty="0" smtClean="0"/>
-              <a:t> url </a:t>
+              <a:t>» url </a:t>
             </a:r>
             <a:endParaRPr lang="fr-FR" altLang="fr-FR" sz="3000" dirty="0"/>
           </a:p>
@@ -22224,7 +22812,6 @@
               <a:rPr lang="fr-FR" sz="3000" b="1" i="1" dirty="0" smtClean="0"/>
               <a:t>url </a:t>
             </a:r>
-            <a:endParaRPr lang="fr-FR" sz="3000" b="1" i="1" dirty="0" smtClean="0"/>
           </a:p>
           <a:p>
             <a:pPr marL="700087" lvl="1" indent="-514350" fontAlgn="base">
@@ -22314,11 +22901,7 @@
             </a:pPr>
             <a:r>
               <a:rPr lang="fr-FR" sz="3000" dirty="0"/>
-              <a:t>Changer l’url  du </a:t>
-            </a:r>
-            <a:r>
-              <a:rPr lang="fr-FR" sz="3000" dirty="0"/>
-              <a:t>pointeur vers le dépôt  distant </a:t>
+              <a:t>Changer l’url  du pointeur vers le dépôt  distant </a:t>
             </a:r>
           </a:p>
           <a:p>
@@ -22429,7 +23012,6 @@
               <a:rPr lang="fr-FR" sz="3000" b="1" i="1" dirty="0" smtClean="0"/>
               <a:t>’’</a:t>
             </a:r>
-            <a:endParaRPr lang="fr-FR" sz="3000" b="1" i="1" dirty="0" smtClean="0"/>
           </a:p>
           <a:p>
             <a:pPr marL="817562" lvl="1" indent="0">
@@ -23113,8 +23695,13 @@
             </a:r>
             <a:r>
               <a:rPr lang="fr-FR" sz="2800" dirty="0"/>
-              <a:t>et répertoire non versionnés (untracked state)</a:t>
-            </a:r>
+              <a:t>et répertoire non versionnés (untracked state</a:t>
+            </a:r>
+            <a:r>
+              <a:rPr lang="fr-FR" sz="2800" dirty="0" smtClean="0"/>
+              <a:t>) du WD</a:t>
+            </a:r>
+            <a:endParaRPr lang="fr-FR" sz="2800" dirty="0"/>
           </a:p>
           <a:p>
             <a:pPr marL="1274762" lvl="1" indent="-457200">
@@ -23123,13 +23710,114 @@
             </a:pPr>
             <a:r>
               <a:rPr lang="fr-FR" sz="2800" b="1" i="1" dirty="0"/>
-              <a:t>Git clean –f</a:t>
-            </a:r>
+              <a:t>Git clean –</a:t>
+            </a:r>
+            <a:r>
+              <a:rPr lang="fr-FR" sz="2800" b="1" i="1" dirty="0" smtClean="0"/>
+              <a:t>f  file1 file2,…</a:t>
+            </a:r>
+            <a:r>
+              <a:rPr lang="fr-FR" sz="2800" b="1" i="1" dirty="0" err="1" smtClean="0"/>
+              <a:t>filen</a:t>
+            </a:r>
+            <a:r>
+              <a:rPr lang="fr-FR" sz="2800" b="1" i="1" dirty="0" smtClean="0">
+                <a:sym typeface="Wingdings" panose="05000000000000000000" pitchFamily="2" charset="2"/>
+              </a:rPr>
+              <a:t> </a:t>
+            </a:r>
+            <a:r>
+              <a:rPr lang="fr-FR" sz="2800" b="1" i="1" dirty="0" smtClean="0">
+                <a:sym typeface="Wingdings" panose="05000000000000000000" pitchFamily="2" charset="2"/>
+                <a:hlinkClick r:id="rId3" action="ppaction://hlinksldjump"/>
+              </a:rPr>
+              <a:t>Démo</a:t>
+            </a:r>
+            <a:r>
+              <a:rPr lang="fr-FR" sz="2800" b="1" i="1" dirty="0" smtClean="0">
+                <a:hlinkClick r:id="rId3" action="ppaction://hlinksldjump"/>
+              </a:rPr>
+              <a:t> </a:t>
+            </a:r>
+            <a:endParaRPr lang="fr-FR" sz="2800" b="1" i="1" dirty="0" smtClean="0"/>
+          </a:p>
+          <a:p>
+            <a:pPr marL="719138" lvl="1" indent="-539750">
+              <a:buFont typeface="+mj-lt"/>
+              <a:buAutoNum type="arabicPeriod" startAt="13"/>
+            </a:pPr>
+            <a:r>
+              <a:rPr lang="fr-FR" sz="2800" dirty="0"/>
+              <a:t>Ajouter les changement du répertoire de travail vers l’index(</a:t>
+            </a:r>
+            <a:r>
+              <a:rPr lang="fr-FR" sz="2800" dirty="0" err="1"/>
+              <a:t>stagging</a:t>
+            </a:r>
+            <a:r>
+              <a:rPr lang="fr-FR" sz="2800" dirty="0"/>
+              <a:t> area)</a:t>
+            </a:r>
+          </a:p>
+          <a:p>
+            <a:pPr marL="819150" lvl="1" indent="-9525">
+              <a:buFont typeface="Arial" panose="020B0604020202020204" pitchFamily="34" charset="0"/>
+              <a:buChar char="•"/>
+            </a:pPr>
+            <a:r>
+              <a:rPr lang="fr-FR" sz="2800" b="1" i="1" dirty="0"/>
+              <a:t>git </a:t>
+            </a:r>
+            <a:r>
+              <a:rPr lang="fr-FR" sz="2800" b="1" i="1" dirty="0" err="1"/>
+              <a:t>add</a:t>
+            </a:r>
+            <a:r>
+              <a:rPr lang="fr-FR" sz="2800" b="1" i="1" dirty="0"/>
+              <a:t>  file1 file2, git </a:t>
+            </a:r>
+            <a:r>
+              <a:rPr lang="fr-FR" sz="2800" b="1" i="1" dirty="0" err="1"/>
+              <a:t>add</a:t>
+            </a:r>
+            <a:r>
+              <a:rPr lang="fr-FR" sz="2800" b="1" i="1" dirty="0"/>
+              <a:t> «  </a:t>
+            </a:r>
+            <a:r>
+              <a:rPr lang="fr-FR" sz="2800" b="1" i="1" dirty="0" err="1"/>
+              <a:t>Folder</a:t>
+            </a:r>
+            <a:r>
+              <a:rPr lang="fr-FR" sz="2800" b="1" i="1" dirty="0"/>
+              <a:t>/»,git </a:t>
+            </a:r>
+            <a:r>
+              <a:rPr lang="fr-FR" sz="2800" b="1" i="1" dirty="0" err="1"/>
+              <a:t>add</a:t>
+            </a:r>
+            <a:r>
+              <a:rPr lang="fr-FR" sz="2800" b="1" i="1" dirty="0"/>
+              <a:t> A, git </a:t>
+            </a:r>
+            <a:r>
+              <a:rPr lang="fr-FR" sz="2800" b="1" i="1" dirty="0" err="1"/>
+              <a:t>add</a:t>
+            </a:r>
+            <a:r>
+              <a:rPr lang="fr-FR" sz="2800" b="1" i="1" dirty="0"/>
+              <a:t> </a:t>
+            </a:r>
+            <a:r>
+              <a:rPr lang="fr-FR" sz="2800" b="1" i="1" dirty="0" smtClean="0"/>
+              <a:t>.</a:t>
+            </a:r>
+            <a:endParaRPr lang="fr-FR" sz="2800" b="1" i="1" dirty="0"/>
           </a:p>
           <a:p>
             <a:pPr marL="696913" lvl="1" indent="-517525">
               <a:buFont typeface="+mj-lt"/>
-              <a:buAutoNum type="arabicPeriod" startAt="13"/>
+              <a:buAutoNum type="arabicPeriod" startAt="14"/>
               <a:tabLst>
                 <a:tab pos="630238" algn="l"/>
               </a:tabLst>
@@ -23140,15 +23828,7 @@
             </a:r>
             <a:r>
               <a:rPr lang="fr-FR" sz="2800" dirty="0" smtClean="0"/>
-              <a:t> </a:t>
-            </a:r>
-            <a:r>
-              <a:rPr lang="fr-FR" sz="2800" dirty="0" err="1" smtClean="0"/>
-              <a:t>tracké</a:t>
-            </a:r>
-            <a:r>
-              <a:rPr lang="fr-FR" sz="2800" dirty="0" smtClean="0"/>
-              <a:t> de l’index</a:t>
+              <a:t> tracké de l’index</a:t>
             </a:r>
             <a:r>
               <a:rPr lang="fr-FR" sz="2800" dirty="0"/>
@@ -23195,104 +23875,30 @@
             </a:r>
             <a:r>
               <a:rPr lang="fr-FR" sz="2800" dirty="0"/>
-              <a:t>upprime de WD et de l’index);</a:t>
+              <a:t>upprime de </a:t>
+            </a:r>
+            <a:r>
+              <a:rPr lang="fr-FR" sz="2800" dirty="0" smtClean="0"/>
+              <a:t>l’index)</a:t>
             </a:r>
             <a:r>
               <a:rPr lang="fr-FR" sz="2800" b="1" i="1" dirty="0" smtClean="0"/>
               <a:t> </a:t>
             </a:r>
-          </a:p>
-          <a:p>
-            <a:pPr marL="719138" lvl="1" indent="-539750">
-              <a:buFont typeface="+mj-lt"/>
-              <a:buAutoNum type="arabicPeriod" startAt="14"/>
-            </a:pPr>
-            <a:r>
-              <a:rPr lang="fr-FR" sz="2800" dirty="0"/>
-              <a:t>Ajouter les changement du répertoire de </a:t>
-            </a:r>
-            <a:r>
-              <a:rPr lang="fr-FR" sz="2800" dirty="0" smtClean="0"/>
-              <a:t>travail </a:t>
-            </a:r>
-            <a:r>
-              <a:rPr lang="fr-FR" sz="2800" dirty="0"/>
-              <a:t>vers </a:t>
-            </a:r>
-            <a:r>
-              <a:rPr lang="fr-FR" sz="2800" dirty="0" smtClean="0"/>
-              <a:t>l’index(</a:t>
-            </a:r>
-            <a:r>
-              <a:rPr lang="fr-FR" sz="2800" dirty="0" err="1" smtClean="0"/>
-              <a:t>stagging</a:t>
-            </a:r>
-            <a:r>
-              <a:rPr lang="fr-FR" sz="2800" dirty="0" smtClean="0"/>
-              <a:t> area)</a:t>
-            </a:r>
-          </a:p>
-          <a:p>
-            <a:pPr marL="819150" lvl="1" indent="-9525">
-              <a:buFont typeface="Arial" panose="020B0604020202020204" pitchFamily="34" charset="0"/>
-              <a:buChar char="•"/>
-            </a:pPr>
-            <a:r>
-              <a:rPr lang="fr-FR" sz="2800" b="1" i="1" dirty="0" smtClean="0"/>
-              <a:t>git </a:t>
-            </a:r>
-            <a:r>
-              <a:rPr lang="fr-FR" sz="2800" b="1" i="1" dirty="0" err="1" smtClean="0"/>
-              <a:t>add</a:t>
-            </a:r>
-            <a:r>
-              <a:rPr lang="fr-FR" sz="2800" b="1" i="1" dirty="0" smtClean="0"/>
-              <a:t>  </a:t>
-            </a:r>
-            <a:r>
-              <a:rPr lang="fr-FR" sz="2800" b="1" i="1" dirty="0"/>
-              <a:t>file1 </a:t>
-            </a:r>
-            <a:r>
-              <a:rPr lang="fr-FR" sz="2800" b="1" i="1" dirty="0" smtClean="0"/>
-              <a:t>file2, git </a:t>
-            </a:r>
-            <a:r>
-              <a:rPr lang="fr-FR" sz="2800" b="1" i="1" dirty="0" err="1" smtClean="0"/>
-              <a:t>add</a:t>
-            </a:r>
-            <a:r>
-              <a:rPr lang="fr-FR" sz="2800" b="1" i="1" dirty="0" smtClean="0"/>
-              <a:t> «  </a:t>
-            </a:r>
-            <a:r>
-              <a:rPr lang="fr-FR" sz="2800" b="1" i="1" dirty="0" err="1" smtClean="0"/>
-              <a:t>Folder</a:t>
-            </a:r>
-            <a:r>
-              <a:rPr lang="fr-FR" sz="2800" b="1" i="1" dirty="0" smtClean="0"/>
-              <a:t>/»,git </a:t>
-            </a:r>
-            <a:r>
-              <a:rPr lang="fr-FR" sz="2800" b="1" i="1" dirty="0" err="1"/>
-              <a:t>add</a:t>
-            </a:r>
-            <a:r>
-              <a:rPr lang="fr-FR" sz="2800" b="1" i="1" dirty="0"/>
-              <a:t> </a:t>
-            </a:r>
-            <a:r>
-              <a:rPr lang="fr-FR" sz="2800" b="1" i="1" dirty="0" smtClean="0"/>
-              <a:t>A, git </a:t>
-            </a:r>
-            <a:r>
-              <a:rPr lang="fr-FR" sz="2800" b="1" i="1" dirty="0" err="1" smtClean="0"/>
-              <a:t>add</a:t>
-            </a:r>
-            <a:r>
-              <a:rPr lang="fr-FR" sz="2800" b="1" i="1" dirty="0" smtClean="0"/>
-              <a:t> .</a:t>
-            </a:r>
+            <a:r>
+              <a:rPr lang="fr-FR" sz="2800" b="1" i="1" dirty="0" smtClean="0">
+                <a:sym typeface="Wingdings" panose="05000000000000000000" pitchFamily="2" charset="2"/>
+              </a:rPr>
+              <a:t></a:t>
+            </a:r>
+            <a:r>
+              <a:rPr lang="fr-FR" sz="2800" b="1" i="1" dirty="0" smtClean="0">
+                <a:sym typeface="Wingdings" panose="05000000000000000000" pitchFamily="2" charset="2"/>
+                <a:hlinkClick r:id="rId3" action="ppaction://hlinksldjump"/>
+              </a:rPr>
+              <a:t>Démo</a:t>
+            </a:r>
+            <a:endParaRPr lang="fr-FR" sz="2800" b="1" i="1" dirty="0" smtClean="0"/>
           </a:p>
           <a:p>
             <a:pPr marL="712788" lvl="1" indent="-534988">
@@ -23303,8 +23909,12 @@
               <a:buAutoNum type="arabicPeriod" startAt="15"/>
             </a:pPr>
             <a:r>
+              <a:rPr lang="fr-FR" sz="2800" dirty="0" smtClean="0"/>
+              <a:t>Affiches </a:t>
+            </a:r>
+            <a:r>
               <a:rPr lang="fr-FR" sz="2800" dirty="0"/>
-              <a:t>Affiches l’état du répertoire de </a:t>
+              <a:t>l’état du répertoire de </a:t>
             </a:r>
             <a:r>
               <a:rPr lang="fr-FR" sz="2800" dirty="0" smtClean="0"/>
@@ -23331,7 +23941,24 @@
             </a:r>
             <a:r>
               <a:rPr lang="fr-FR" sz="2800" b="1" i="1" dirty="0" smtClean="0"/>
-              <a:t> [-s]</a:t>
+              <a:t> [-s</a:t>
+            </a:r>
+            <a:r>
+              <a:rPr lang="fr-FR" sz="2800" b="1" i="1" dirty="0" smtClean="0"/>
+              <a:t>]  </a:t>
+            </a:r>
+            <a:r>
+              <a:rPr lang="fr-FR" sz="2800" b="1" i="1" dirty="0" smtClean="0">
+                <a:sym typeface="Wingdings" panose="05000000000000000000" pitchFamily="2" charset="2"/>
+              </a:rPr>
+              <a:t></a:t>
+            </a:r>
+            <a:r>
+              <a:rPr lang="fr-FR" sz="2800" b="1" i="1" dirty="0" smtClean="0">
+                <a:sym typeface="Wingdings" panose="05000000000000000000" pitchFamily="2" charset="2"/>
+                <a:hlinkClick r:id="rId3" action="ppaction://hlinksldjump"/>
+              </a:rPr>
+              <a:t>Démo</a:t>
             </a:r>
             <a:endParaRPr lang="fr-FR" sz="2800" b="1" i="1" dirty="0"/>
           </a:p>
@@ -23344,8 +23971,12 @@
               </a:tabLst>
             </a:pPr>
             <a:r>
+              <a:rPr lang="fr-FR" sz="2800" dirty="0" smtClean="0"/>
+              <a:t>Enregistre </a:t>
+            </a:r>
+            <a:r>
               <a:rPr lang="fr-FR" sz="2800" dirty="0"/>
-              <a:t>Envoyer les modification indexés(snapshot) </a:t>
+              <a:t>les modification indexés(snapshot) </a:t>
             </a:r>
             <a:r>
               <a:rPr lang="fr-FR" sz="2800" dirty="0" smtClean="0"/>
@@ -23367,8 +23998,22 @@
             </a:r>
             <a:r>
               <a:rPr lang="fr-FR" sz="2800" b="1" i="1" dirty="0" smtClean="0"/>
-              <a:t>»</a:t>
-            </a:r>
+              <a:t>» </a:t>
+            </a:r>
+            <a:r>
+              <a:rPr lang="fr-FR" sz="2800" b="1" i="1" dirty="0" smtClean="0">
+                <a:sym typeface="Wingdings" panose="05000000000000000000" pitchFamily="2" charset="2"/>
+              </a:rPr>
+              <a:t></a:t>
+            </a:r>
+            <a:r>
+              <a:rPr lang="fr-FR" sz="2800" b="1" i="1" dirty="0" smtClean="0">
+                <a:sym typeface="Wingdings" panose="05000000000000000000" pitchFamily="2" charset="2"/>
+                <a:hlinkClick r:id="rId3" action="ppaction://hlinksldjump"/>
+              </a:rPr>
+              <a:t>Démo</a:t>
+            </a:r>
+            <a:endParaRPr lang="fr-FR" sz="2800" b="1" i="1" dirty="0" smtClean="0"/>
           </a:p>
           <a:p>
             <a:pPr marL="719138" lvl="1" indent="-539750">
@@ -23442,13 +24087,13 @@
             <a:r>
               <a:rPr lang="fr-FR" sz="2800" b="1" i="1" dirty="0" smtClean="0">
                 <a:sym typeface="Wingdings" panose="05000000000000000000" pitchFamily="2" charset="2"/>
-                <a:hlinkClick r:id="rId3" action="ppaction://hlinksldjump"/>
+                <a:hlinkClick r:id="rId4" action="ppaction://hlinksldjump"/>
               </a:rPr>
               <a:t>Démo</a:t>
             </a:r>
             <a:r>
               <a:rPr lang="fr-FR" sz="2800" b="1" i="1" dirty="0" smtClean="0">
-                <a:hlinkClick r:id="rId3" action="ppaction://hlinksldjump"/>
+                <a:hlinkClick r:id="rId4" action="ppaction://hlinksldjump"/>
               </a:rPr>
               <a:t> </a:t>
             </a:r>

--- a/Formation Git.pptx
+++ b/Formation Git.pptx
@@ -5,7 +5,7 @@
     <p:sldMasterId id="2147483648" r:id="rId1"/>
   </p:sldMasterIdLst>
   <p:notesMasterIdLst>
-    <p:notesMasterId r:id="rId43"/>
+    <p:notesMasterId r:id="rId44"/>
   </p:notesMasterIdLst>
   <p:sldIdLst>
     <p:sldId id="257" r:id="rId2"/>
@@ -39,16 +39,17 @@
     <p:sldId id="300" r:id="rId30"/>
     <p:sldId id="271" r:id="rId31"/>
     <p:sldId id="311" r:id="rId32"/>
-    <p:sldId id="305" r:id="rId33"/>
-    <p:sldId id="306" r:id="rId34"/>
-    <p:sldId id="309" r:id="rId35"/>
-    <p:sldId id="304" r:id="rId36"/>
-    <p:sldId id="293" r:id="rId37"/>
-    <p:sldId id="295" r:id="rId38"/>
-    <p:sldId id="301" r:id="rId39"/>
-    <p:sldId id="308" r:id="rId40"/>
-    <p:sldId id="294" r:id="rId41"/>
-    <p:sldId id="307" r:id="rId42"/>
+    <p:sldId id="312" r:id="rId33"/>
+    <p:sldId id="305" r:id="rId34"/>
+    <p:sldId id="306" r:id="rId35"/>
+    <p:sldId id="309" r:id="rId36"/>
+    <p:sldId id="304" r:id="rId37"/>
+    <p:sldId id="293" r:id="rId38"/>
+    <p:sldId id="295" r:id="rId39"/>
+    <p:sldId id="301" r:id="rId40"/>
+    <p:sldId id="308" r:id="rId41"/>
+    <p:sldId id="294" r:id="rId42"/>
+    <p:sldId id="307" r:id="rId43"/>
   </p:sldIdLst>
   <p:sldSz cx="12192000" cy="6858000"/>
   <p:notesSz cx="6858000" cy="9144000"/>
@@ -237,7 +238,7 @@
           <a:p>
             <a:fld id="{6C11479D-E256-4744-A8DA-17425A14A154}" type="datetimeFigureOut">
               <a:rPr lang="fr-FR" smtClean="0"/>
-              <a:t>18/12/2022</a:t>
+              <a:t>19/12/2022</a:t>
             </a:fld>
             <a:endParaRPr lang="fr-FR"/>
           </a:p>
@@ -5432,7 +5433,7 @@
           <a:p>
             <a:fld id="{852BFB1F-A0B8-45F9-8B0C-AE6AABDE724A}" type="slidenum">
               <a:rPr lang="fr-FR" smtClean="0"/>
-              <a:t>32</a:t>
+              <a:t>33</a:t>
             </a:fld>
             <a:endParaRPr lang="fr-FR"/>
           </a:p>
@@ -5552,7 +5553,7 @@
           <a:p>
             <a:fld id="{852BFB1F-A0B8-45F9-8B0C-AE6AABDE724A}" type="slidenum">
               <a:rPr lang="fr-FR" smtClean="0"/>
-              <a:t>36</a:t>
+              <a:t>37</a:t>
             </a:fld>
             <a:endParaRPr lang="fr-FR"/>
           </a:p>
@@ -5685,7 +5686,7 @@
           <a:p>
             <a:fld id="{852BFB1F-A0B8-45F9-8B0C-AE6AABDE724A}" type="slidenum">
               <a:rPr lang="fr-FR" smtClean="0"/>
-              <a:t>38</a:t>
+              <a:t>39</a:t>
             </a:fld>
             <a:endParaRPr lang="fr-FR"/>
           </a:p>
@@ -9169,7 +9170,7 @@
           <a:p>
             <a:fld id="{0A206D1B-E756-4A82-9838-551DE185C738}" type="datetimeFigureOut">
               <a:rPr lang="fr-FR" smtClean="0"/>
-              <a:t>18/12/2022</a:t>
+              <a:t>19/12/2022</a:t>
             </a:fld>
             <a:endParaRPr lang="fr-FR"/>
           </a:p>
@@ -9339,7 +9340,7 @@
           <a:p>
             <a:fld id="{0A206D1B-E756-4A82-9838-551DE185C738}" type="datetimeFigureOut">
               <a:rPr lang="fr-FR" smtClean="0"/>
-              <a:t>18/12/2022</a:t>
+              <a:t>19/12/2022</a:t>
             </a:fld>
             <a:endParaRPr lang="fr-FR"/>
           </a:p>
@@ -9519,7 +9520,7 @@
           <a:p>
             <a:fld id="{0A206D1B-E756-4A82-9838-551DE185C738}" type="datetimeFigureOut">
               <a:rPr lang="fr-FR" smtClean="0"/>
-              <a:t>18/12/2022</a:t>
+              <a:t>19/12/2022</a:t>
             </a:fld>
             <a:endParaRPr lang="fr-FR"/>
           </a:p>
@@ -9689,7 +9690,7 @@
           <a:p>
             <a:fld id="{0A206D1B-E756-4A82-9838-551DE185C738}" type="datetimeFigureOut">
               <a:rPr lang="fr-FR" smtClean="0"/>
-              <a:t>18/12/2022</a:t>
+              <a:t>19/12/2022</a:t>
             </a:fld>
             <a:endParaRPr lang="fr-FR"/>
           </a:p>
@@ -9935,7 +9936,7 @@
           <a:p>
             <a:fld id="{0A206D1B-E756-4A82-9838-551DE185C738}" type="datetimeFigureOut">
               <a:rPr lang="fr-FR" smtClean="0"/>
-              <a:t>18/12/2022</a:t>
+              <a:t>19/12/2022</a:t>
             </a:fld>
             <a:endParaRPr lang="fr-FR"/>
           </a:p>
@@ -10167,7 +10168,7 @@
           <a:p>
             <a:fld id="{0A206D1B-E756-4A82-9838-551DE185C738}" type="datetimeFigureOut">
               <a:rPr lang="fr-FR" smtClean="0"/>
-              <a:t>18/12/2022</a:t>
+              <a:t>19/12/2022</a:t>
             </a:fld>
             <a:endParaRPr lang="fr-FR"/>
           </a:p>
@@ -10534,7 +10535,7 @@
           <a:p>
             <a:fld id="{0A206D1B-E756-4A82-9838-551DE185C738}" type="datetimeFigureOut">
               <a:rPr lang="fr-FR" smtClean="0"/>
-              <a:t>18/12/2022</a:t>
+              <a:t>19/12/2022</a:t>
             </a:fld>
             <a:endParaRPr lang="fr-FR"/>
           </a:p>
@@ -10652,7 +10653,7 @@
           <a:p>
             <a:fld id="{0A206D1B-E756-4A82-9838-551DE185C738}" type="datetimeFigureOut">
               <a:rPr lang="fr-FR" smtClean="0"/>
-              <a:t>18/12/2022</a:t>
+              <a:t>19/12/2022</a:t>
             </a:fld>
             <a:endParaRPr lang="fr-FR"/>
           </a:p>
@@ -10747,7 +10748,7 @@
           <a:p>
             <a:fld id="{0A206D1B-E756-4A82-9838-551DE185C738}" type="datetimeFigureOut">
               <a:rPr lang="fr-FR" smtClean="0"/>
-              <a:t>18/12/2022</a:t>
+              <a:t>19/12/2022</a:t>
             </a:fld>
             <a:endParaRPr lang="fr-FR"/>
           </a:p>
@@ -11024,7 +11025,7 @@
           <a:p>
             <a:fld id="{0A206D1B-E756-4A82-9838-551DE185C738}" type="datetimeFigureOut">
               <a:rPr lang="fr-FR" smtClean="0"/>
-              <a:t>18/12/2022</a:t>
+              <a:t>19/12/2022</a:t>
             </a:fld>
             <a:endParaRPr lang="fr-FR"/>
           </a:p>
@@ -11277,7 +11278,7 @@
           <a:p>
             <a:fld id="{0A206D1B-E756-4A82-9838-551DE185C738}" type="datetimeFigureOut">
               <a:rPr lang="fr-FR" smtClean="0"/>
-              <a:t>18/12/2022</a:t>
+              <a:t>19/12/2022</a:t>
             </a:fld>
             <a:endParaRPr lang="fr-FR"/>
           </a:p>
@@ -11490,7 +11491,7 @@
           <a:p>
             <a:fld id="{0A206D1B-E756-4A82-9838-551DE185C738}" type="datetimeFigureOut">
               <a:rPr lang="fr-FR" smtClean="0"/>
-              <a:t>18/12/2022</a:t>
+              <a:t>19/12/2022</a:t>
             </a:fld>
             <a:endParaRPr lang="fr-FR"/>
           </a:p>
@@ -18934,6 +18935,81 @@
 </file>
 
 <file path=ppt/slides/slide32.xml><?xml version="1.0" encoding="utf-8"?>
+<p:sld xmlns:a="http://schemas.openxmlformats.org/drawingml/2006/main" xmlns:r="http://schemas.openxmlformats.org/officeDocument/2006/relationships" xmlns:p="http://schemas.openxmlformats.org/presentationml/2006/main">
+  <p:cSld>
+    <p:spTree>
+      <p:nvGrpSpPr>
+        <p:cNvPr id="1" name=""/>
+        <p:cNvGrpSpPr/>
+        <p:nvPr/>
+      </p:nvGrpSpPr>
+      <p:grpSpPr>
+        <a:xfrm>
+          <a:off x="0" y="0"/>
+          <a:ext cx="0" cy="0"/>
+          <a:chOff x="0" y="0"/>
+          <a:chExt cx="0" cy="0"/>
+        </a:xfrm>
+      </p:grpSpPr>
+      <p:sp>
+        <p:nvSpPr>
+          <p:cNvPr id="2" name="Titre 1"/>
+          <p:cNvSpPr>
+            <a:spLocks noGrp="1"/>
+          </p:cNvSpPr>
+          <p:nvPr>
+            <p:ph type="title"/>
+          </p:nvPr>
+        </p:nvSpPr>
+        <p:spPr/>
+        <p:txBody>
+          <a:bodyPr/>
+          <a:lstStyle/>
+          <a:p>
+            <a:endParaRPr lang="fr-FR"/>
+          </a:p>
+        </p:txBody>
+      </p:sp>
+      <p:sp>
+        <p:nvSpPr>
+          <p:cNvPr id="3" name="Espace réservé du contenu 2"/>
+          <p:cNvSpPr>
+            <a:spLocks noGrp="1"/>
+          </p:cNvSpPr>
+          <p:nvPr>
+            <p:ph idx="1"/>
+          </p:nvPr>
+        </p:nvSpPr>
+        <p:spPr/>
+        <p:txBody>
+          <a:bodyPr/>
+          <a:lstStyle/>
+          <a:p>
+            <a:endParaRPr lang="fr-FR"/>
+          </a:p>
+        </p:txBody>
+      </p:sp>
+    </p:spTree>
+    <p:extLst>
+      <p:ext uri="{BB962C8B-B14F-4D97-AF65-F5344CB8AC3E}">
+        <p14:creationId xmlns:p14="http://schemas.microsoft.com/office/powerpoint/2010/main" val="2706174514"/>
+      </p:ext>
+    </p:extLst>
+  </p:cSld>
+  <p:clrMapOvr>
+    <a:masterClrMapping/>
+  </p:clrMapOvr>
+  <p:timing>
+    <p:tnLst>
+      <p:par>
+        <p:cTn id="1" dur="indefinite" restart="never" nodeType="tmRoot"/>
+      </p:par>
+    </p:tnLst>
+  </p:timing>
+</p:sld>
+</file>
+
+<file path=ppt/slides/slide33.xml><?xml version="1.0" encoding="utf-8"?>
 <p:sld xmlns:a="http://schemas.openxmlformats.org/drawingml/2006/main" xmlns:r="http://schemas.openxmlformats.org/officeDocument/2006/relationships" xmlns:p="http://schemas.openxmlformats.org/presentationml/2006/main">
   <p:cSld>
     <p:spTree>
@@ -19783,7 +19859,7 @@
 </p:sld>
 </file>
 
-<file path=ppt/slides/slide33.xml><?xml version="1.0" encoding="utf-8"?>
+<file path=ppt/slides/slide34.xml><?xml version="1.0" encoding="utf-8"?>
 <p:sld xmlns:a="http://schemas.openxmlformats.org/drawingml/2006/main" xmlns:r="http://schemas.openxmlformats.org/officeDocument/2006/relationships" xmlns:p="http://schemas.openxmlformats.org/presentationml/2006/main">
   <p:cSld>
     <p:spTree>
@@ -20238,7 +20314,7 @@
 </p:sld>
 </file>
 
-<file path=ppt/slides/slide34.xml><?xml version="1.0" encoding="utf-8"?>
+<file path=ppt/slides/slide35.xml><?xml version="1.0" encoding="utf-8"?>
 <p:sld xmlns:a="http://schemas.openxmlformats.org/drawingml/2006/main" xmlns:r="http://schemas.openxmlformats.org/officeDocument/2006/relationships" xmlns:p="http://schemas.openxmlformats.org/presentationml/2006/main">
   <p:cSld>
     <p:spTree>
@@ -20473,7 +20549,7 @@
 </p:sld>
 </file>
 
-<file path=ppt/slides/slide35.xml><?xml version="1.0" encoding="utf-8"?>
+<file path=ppt/slides/slide36.xml><?xml version="1.0" encoding="utf-8"?>
 <p:sld xmlns:a="http://schemas.openxmlformats.org/drawingml/2006/main" xmlns:r="http://schemas.openxmlformats.org/officeDocument/2006/relationships" xmlns:p="http://schemas.openxmlformats.org/presentationml/2006/main">
   <p:cSld>
     <p:spTree>
@@ -20759,11 +20835,7 @@
             </a:pPr>
             <a:r>
               <a:rPr lang="fr-FR" sz="2500" dirty="0" smtClean="0"/>
-              <a:t>Modifié </a:t>
-            </a:r>
-            <a:r>
-              <a:rPr lang="fr-FR" sz="2500" dirty="0" smtClean="0"/>
-              <a:t>le fichier </a:t>
+              <a:t>Modifié le fichier </a:t>
             </a:r>
             <a:r>
               <a:rPr lang="fr-FR" sz="2500" dirty="0" err="1" smtClean="0"/>
@@ -20778,11 +20850,7 @@
             </a:pPr>
             <a:r>
               <a:rPr lang="fr-FR" sz="2500" dirty="0" smtClean="0"/>
-              <a:t>Exécuté </a:t>
-            </a:r>
-            <a:r>
-              <a:rPr lang="fr-FR" sz="2500" dirty="0" smtClean="0"/>
-              <a:t>la commande </a:t>
+              <a:t>Exécuté la commande </a:t>
             </a:r>
             <a:r>
               <a:rPr lang="fr-FR" sz="2500" dirty="0" err="1" smtClean="0"/>
@@ -20815,7 +20883,7 @@
 </p:sld>
 </file>
 
-<file path=ppt/slides/slide36.xml><?xml version="1.0" encoding="utf-8"?>
+<file path=ppt/slides/slide37.xml><?xml version="1.0" encoding="utf-8"?>
 <p:sld xmlns:a="http://schemas.openxmlformats.org/drawingml/2006/main" xmlns:r="http://schemas.openxmlformats.org/officeDocument/2006/relationships" xmlns:p="http://schemas.openxmlformats.org/presentationml/2006/main">
   <p:cSld>
     <p:spTree>
@@ -21093,7 +21161,7 @@
 </p:sld>
 </file>
 
-<file path=ppt/slides/slide37.xml><?xml version="1.0" encoding="utf-8"?>
+<file path=ppt/slides/slide38.xml><?xml version="1.0" encoding="utf-8"?>
 <p:sld xmlns:a="http://schemas.openxmlformats.org/drawingml/2006/main" xmlns:r="http://schemas.openxmlformats.org/officeDocument/2006/relationships" xmlns:p="http://schemas.openxmlformats.org/presentationml/2006/main">
   <p:cSld>
     <p:spTree>
@@ -21178,7 +21246,7 @@
 </p:sld>
 </file>
 
-<file path=ppt/slides/slide38.xml><?xml version="1.0" encoding="utf-8"?>
+<file path=ppt/slides/slide39.xml><?xml version="1.0" encoding="utf-8"?>
 <p:sld xmlns:a="http://schemas.openxmlformats.org/drawingml/2006/main" xmlns:r="http://schemas.openxmlformats.org/officeDocument/2006/relationships" xmlns:p="http://schemas.openxmlformats.org/presentationml/2006/main">
   <p:cSld>
     <p:spTree>
@@ -21647,7 +21715,99 @@
 </p:sld>
 </file>
 
-<file path=ppt/slides/slide39.xml><?xml version="1.0" encoding="utf-8"?>
+<file path=ppt/slides/slide4.xml><?xml version="1.0" encoding="utf-8"?>
+<p:sld xmlns:a="http://schemas.openxmlformats.org/drawingml/2006/main" xmlns:r="http://schemas.openxmlformats.org/officeDocument/2006/relationships" xmlns:p="http://schemas.openxmlformats.org/presentationml/2006/main">
+  <p:cSld>
+    <p:spTree>
+      <p:nvGrpSpPr>
+        <p:cNvPr id="1" name=""/>
+        <p:cNvGrpSpPr/>
+        <p:nvPr/>
+      </p:nvGrpSpPr>
+      <p:grpSpPr>
+        <a:xfrm>
+          <a:off x="0" y="0"/>
+          <a:ext cx="0" cy="0"/>
+          <a:chOff x="0" y="0"/>
+          <a:chExt cx="0" cy="0"/>
+        </a:xfrm>
+      </p:grpSpPr>
+      <p:sp>
+        <p:nvSpPr>
+          <p:cNvPr id="2" name="Titre 1"/>
+          <p:cNvSpPr>
+            <a:spLocks noGrp="1"/>
+          </p:cNvSpPr>
+          <p:nvPr>
+            <p:ph type="title"/>
+          </p:nvPr>
+        </p:nvSpPr>
+        <p:spPr>
+          <a:xfrm>
+            <a:off x="3712029" y="0"/>
+            <a:ext cx="5158839" cy="668028"/>
+          </a:xfrm>
+        </p:spPr>
+        <p:txBody>
+          <a:bodyPr>
+            <a:normAutofit fontScale="90000"/>
+          </a:bodyPr>
+          <a:lstStyle/>
+          <a:p>
+            <a:pPr algn="ctr"/>
+            <a:r>
+              <a:rPr lang="fr-FR" b="1" dirty="0" smtClean="0"/>
+              <a:t>Architecture de Git</a:t>
+            </a:r>
+            <a:endParaRPr lang="fr-FR" b="1" dirty="0"/>
+          </a:p>
+        </p:txBody>
+      </p:sp>
+      <p:pic>
+        <p:nvPicPr>
+          <p:cNvPr id="3" name="Image 2"/>
+          <p:cNvPicPr>
+            <a:picLocks noChangeAspect="1"/>
+          </p:cNvPicPr>
+          <p:nvPr/>
+        </p:nvPicPr>
+        <p:blipFill>
+          <a:blip r:embed="rId2"/>
+          <a:stretch>
+            <a:fillRect/>
+          </a:stretch>
+        </p:blipFill>
+        <p:spPr>
+          <a:xfrm>
+            <a:off x="2228850" y="109537"/>
+            <a:ext cx="7734300" cy="6638925"/>
+          </a:xfrm>
+          <a:prstGeom prst="rect">
+            <a:avLst/>
+          </a:prstGeom>
+        </p:spPr>
+      </p:pic>
+    </p:spTree>
+    <p:extLst>
+      <p:ext uri="{BB962C8B-B14F-4D97-AF65-F5344CB8AC3E}">
+        <p14:creationId xmlns:p14="http://schemas.microsoft.com/office/powerpoint/2010/main" val="3816600838"/>
+      </p:ext>
+    </p:extLst>
+  </p:cSld>
+  <p:clrMapOvr>
+    <a:masterClrMapping/>
+  </p:clrMapOvr>
+  <p:timing>
+    <p:tnLst>
+      <p:par>
+        <p:cTn id="1" dur="indefinite" restart="never" nodeType="tmRoot"/>
+      </p:par>
+    </p:tnLst>
+  </p:timing>
+</p:sld>
+</file>
+
+<file path=ppt/slides/slide40.xml><?xml version="1.0" encoding="utf-8"?>
 <p:sld xmlns:a="http://schemas.openxmlformats.org/drawingml/2006/main" xmlns:r="http://schemas.openxmlformats.org/officeDocument/2006/relationships" xmlns:p="http://schemas.openxmlformats.org/presentationml/2006/main">
   <p:cSld>
     <p:spTree>
@@ -21708,99 +21868,7 @@
 </p:sld>
 </file>
 
-<file path=ppt/slides/slide4.xml><?xml version="1.0" encoding="utf-8"?>
-<p:sld xmlns:a="http://schemas.openxmlformats.org/drawingml/2006/main" xmlns:r="http://schemas.openxmlformats.org/officeDocument/2006/relationships" xmlns:p="http://schemas.openxmlformats.org/presentationml/2006/main">
-  <p:cSld>
-    <p:spTree>
-      <p:nvGrpSpPr>
-        <p:cNvPr id="1" name=""/>
-        <p:cNvGrpSpPr/>
-        <p:nvPr/>
-      </p:nvGrpSpPr>
-      <p:grpSpPr>
-        <a:xfrm>
-          <a:off x="0" y="0"/>
-          <a:ext cx="0" cy="0"/>
-          <a:chOff x="0" y="0"/>
-          <a:chExt cx="0" cy="0"/>
-        </a:xfrm>
-      </p:grpSpPr>
-      <p:sp>
-        <p:nvSpPr>
-          <p:cNvPr id="2" name="Titre 1"/>
-          <p:cNvSpPr>
-            <a:spLocks noGrp="1"/>
-          </p:cNvSpPr>
-          <p:nvPr>
-            <p:ph type="title"/>
-          </p:nvPr>
-        </p:nvSpPr>
-        <p:spPr>
-          <a:xfrm>
-            <a:off x="3712029" y="0"/>
-            <a:ext cx="5158839" cy="668028"/>
-          </a:xfrm>
-        </p:spPr>
-        <p:txBody>
-          <a:bodyPr>
-            <a:normAutofit fontScale="90000"/>
-          </a:bodyPr>
-          <a:lstStyle/>
-          <a:p>
-            <a:pPr algn="ctr"/>
-            <a:r>
-              <a:rPr lang="fr-FR" b="1" dirty="0" smtClean="0"/>
-              <a:t>Architecture de Git</a:t>
-            </a:r>
-            <a:endParaRPr lang="fr-FR" b="1" dirty="0"/>
-          </a:p>
-        </p:txBody>
-      </p:sp>
-      <p:pic>
-        <p:nvPicPr>
-          <p:cNvPr id="3" name="Image 2"/>
-          <p:cNvPicPr>
-            <a:picLocks noChangeAspect="1"/>
-          </p:cNvPicPr>
-          <p:nvPr/>
-        </p:nvPicPr>
-        <p:blipFill>
-          <a:blip r:embed="rId2"/>
-          <a:stretch>
-            <a:fillRect/>
-          </a:stretch>
-        </p:blipFill>
-        <p:spPr>
-          <a:xfrm>
-            <a:off x="2228850" y="109537"/>
-            <a:ext cx="7734300" cy="6638925"/>
-          </a:xfrm>
-          <a:prstGeom prst="rect">
-            <a:avLst/>
-          </a:prstGeom>
-        </p:spPr>
-      </p:pic>
-    </p:spTree>
-    <p:extLst>
-      <p:ext uri="{BB962C8B-B14F-4D97-AF65-F5344CB8AC3E}">
-        <p14:creationId xmlns:p14="http://schemas.microsoft.com/office/powerpoint/2010/main" val="3816600838"/>
-      </p:ext>
-    </p:extLst>
-  </p:cSld>
-  <p:clrMapOvr>
-    <a:masterClrMapping/>
-  </p:clrMapOvr>
-  <p:timing>
-    <p:tnLst>
-      <p:par>
-        <p:cTn id="1" dur="indefinite" restart="never" nodeType="tmRoot"/>
-      </p:par>
-    </p:tnLst>
-  </p:timing>
-</p:sld>
-</file>
-
-<file path=ppt/slides/slide40.xml><?xml version="1.0" encoding="utf-8"?>
+<file path=ppt/slides/slide41.xml><?xml version="1.0" encoding="utf-8"?>
 <p:sld xmlns:a="http://schemas.openxmlformats.org/drawingml/2006/main" xmlns:r="http://schemas.openxmlformats.org/officeDocument/2006/relationships" xmlns:p="http://schemas.openxmlformats.org/presentationml/2006/main">
   <p:cSld>
     <p:spTree>
@@ -21885,7 +21953,7 @@
 </p:sld>
 </file>
 
-<file path=ppt/slides/slide41.xml><?xml version="1.0" encoding="utf-8"?>
+<file path=ppt/slides/slide42.xml><?xml version="1.0" encoding="utf-8"?>
 <p:sld xmlns:a="http://schemas.openxmlformats.org/drawingml/2006/main" xmlns:r="http://schemas.openxmlformats.org/officeDocument/2006/relationships" xmlns:p="http://schemas.openxmlformats.org/presentationml/2006/main">
   <p:cSld>
     <p:spTree>
@@ -23664,7 +23732,7 @@
         <p:spPr>
           <a:xfrm>
             <a:off x="36818" y="655085"/>
-            <a:ext cx="12155182" cy="5391219"/>
+            <a:ext cx="12155182" cy="6252994"/>
           </a:xfrm>
           <a:prstGeom prst="rect">
             <a:avLst/>
@@ -23898,7 +23966,50 @@
               </a:rPr>
               <a:t>Démo</a:t>
             </a:r>
-            <a:endParaRPr lang="fr-FR" sz="2800" b="1" i="1" dirty="0" smtClean="0"/>
+            <a:endParaRPr lang="fr-FR" sz="2800" b="1" i="1" dirty="0">
+              <a:sym typeface="Wingdings" panose="05000000000000000000" pitchFamily="2" charset="2"/>
+            </a:endParaRPr>
+          </a:p>
+          <a:p>
+            <a:pPr marL="900113" lvl="1" indent="-720725">
+              <a:buFont typeface="+mj-lt"/>
+              <a:buAutoNum type="arabicPeriod" startAt="13"/>
+            </a:pPr>
+            <a:r>
+              <a:rPr lang="fr-FR" sz="2800" dirty="0">
+                <a:sym typeface="Wingdings" panose="05000000000000000000" pitchFamily="2" charset="2"/>
+              </a:rPr>
+              <a:t>Afficher  l’aide de la commande </a:t>
+            </a:r>
+            <a:endParaRPr lang="fr-FR" sz="2800" dirty="0" smtClean="0">
+              <a:sym typeface="Wingdings" panose="05000000000000000000" pitchFamily="2" charset="2"/>
+            </a:endParaRPr>
+          </a:p>
+          <a:p>
+            <a:pPr marL="1169988" lvl="1" indent="-269875">
+              <a:buFont typeface="Arial" panose="020B0604020202020204" pitchFamily="34" charset="0"/>
+              <a:buChar char="•"/>
+            </a:pPr>
+            <a:r>
+              <a:rPr lang="fr-FR" sz="2800" b="1" i="1" dirty="0">
+                <a:sym typeface="Wingdings" panose="05000000000000000000" pitchFamily="2" charset="2"/>
+              </a:rPr>
+              <a:t>git commande --help </a:t>
+            </a:r>
+            <a:r>
+              <a:rPr lang="fr-FR" sz="2800" b="1" i="1" dirty="0" smtClean="0">
+                <a:sym typeface="Wingdings" panose="05000000000000000000" pitchFamily="2" charset="2"/>
+              </a:rPr>
+              <a:t>;</a:t>
+            </a:r>
+            <a:r>
+              <a:rPr lang="fr-FR" sz="2800" dirty="0"/>
+              <a:t> </a:t>
+            </a:r>
+            <a:r>
+              <a:rPr lang="fr-FR" sz="2800" b="1" i="1" dirty="0"/>
+              <a:t>git help --all</a:t>
+            </a:r>
           </a:p>
           <a:p>
             <a:pPr marL="712788" lvl="1" indent="-534988">
@@ -23941,11 +24052,7 @@
             </a:r>
             <a:r>
               <a:rPr lang="fr-FR" sz="2800" b="1" i="1" dirty="0" smtClean="0"/>
-              <a:t> [-s</a:t>
-            </a:r>
-            <a:r>
-              <a:rPr lang="fr-FR" sz="2800" b="1" i="1" dirty="0" smtClean="0"/>
-              <a:t>]  </a:t>
+              <a:t> [-s]  </a:t>
             </a:r>
             <a:r>
               <a:rPr lang="fr-FR" sz="2800" b="1" i="1" dirty="0" smtClean="0">

--- a/Formation Git.pptx
+++ b/Formation Git.pptx
@@ -5,7 +5,7 @@
     <p:sldMasterId id="2147483648" r:id="rId1"/>
   </p:sldMasterIdLst>
   <p:notesMasterIdLst>
-    <p:notesMasterId r:id="rId44"/>
+    <p:notesMasterId r:id="rId43"/>
   </p:notesMasterIdLst>
   <p:sldIdLst>
     <p:sldId id="257" r:id="rId2"/>
@@ -40,16 +40,15 @@
     <p:sldId id="271" r:id="rId31"/>
     <p:sldId id="311" r:id="rId32"/>
     <p:sldId id="312" r:id="rId33"/>
-    <p:sldId id="305" r:id="rId34"/>
-    <p:sldId id="306" r:id="rId35"/>
-    <p:sldId id="309" r:id="rId36"/>
-    <p:sldId id="304" r:id="rId37"/>
+    <p:sldId id="304" r:id="rId34"/>
+    <p:sldId id="305" r:id="rId35"/>
+    <p:sldId id="306" r:id="rId36"/>
+    <p:sldId id="309" r:id="rId37"/>
     <p:sldId id="293" r:id="rId38"/>
     <p:sldId id="295" r:id="rId39"/>
     <p:sldId id="301" r:id="rId40"/>
-    <p:sldId id="308" r:id="rId41"/>
-    <p:sldId id="294" r:id="rId42"/>
-    <p:sldId id="307" r:id="rId43"/>
+    <p:sldId id="294" r:id="rId41"/>
+    <p:sldId id="307" r:id="rId42"/>
   </p:sldIdLst>
   <p:sldSz cx="12192000" cy="6858000"/>
   <p:notesSz cx="6858000" cy="9144000"/>
@@ -238,7 +237,7 @@
           <a:p>
             <a:fld id="{6C11479D-E256-4744-A8DA-17425A14A154}" type="datetimeFigureOut">
               <a:rPr lang="fr-FR" smtClean="0"/>
-              <a:t>19/12/2022</a:t>
+              <a:t>20/12/2022</a:t>
             </a:fld>
             <a:endParaRPr lang="fr-FR"/>
           </a:p>
@@ -5433,7 +5432,7 @@
           <a:p>
             <a:fld id="{852BFB1F-A0B8-45F9-8B0C-AE6AABDE724A}" type="slidenum">
               <a:rPr lang="fr-FR" smtClean="0"/>
-              <a:t>33</a:t>
+              <a:t>34</a:t>
             </a:fld>
             <a:endParaRPr lang="fr-FR"/>
           </a:p>
@@ -9170,7 +9169,7 @@
           <a:p>
             <a:fld id="{0A206D1B-E756-4A82-9838-551DE185C738}" type="datetimeFigureOut">
               <a:rPr lang="fr-FR" smtClean="0"/>
-              <a:t>19/12/2022</a:t>
+              <a:t>20/12/2022</a:t>
             </a:fld>
             <a:endParaRPr lang="fr-FR"/>
           </a:p>
@@ -9340,7 +9339,7 @@
           <a:p>
             <a:fld id="{0A206D1B-E756-4A82-9838-551DE185C738}" type="datetimeFigureOut">
               <a:rPr lang="fr-FR" smtClean="0"/>
-              <a:t>19/12/2022</a:t>
+              <a:t>20/12/2022</a:t>
             </a:fld>
             <a:endParaRPr lang="fr-FR"/>
           </a:p>
@@ -9520,7 +9519,7 @@
           <a:p>
             <a:fld id="{0A206D1B-E756-4A82-9838-551DE185C738}" type="datetimeFigureOut">
               <a:rPr lang="fr-FR" smtClean="0"/>
-              <a:t>19/12/2022</a:t>
+              <a:t>20/12/2022</a:t>
             </a:fld>
             <a:endParaRPr lang="fr-FR"/>
           </a:p>
@@ -9690,7 +9689,7 @@
           <a:p>
             <a:fld id="{0A206D1B-E756-4A82-9838-551DE185C738}" type="datetimeFigureOut">
               <a:rPr lang="fr-FR" smtClean="0"/>
-              <a:t>19/12/2022</a:t>
+              <a:t>20/12/2022</a:t>
             </a:fld>
             <a:endParaRPr lang="fr-FR"/>
           </a:p>
@@ -9936,7 +9935,7 @@
           <a:p>
             <a:fld id="{0A206D1B-E756-4A82-9838-551DE185C738}" type="datetimeFigureOut">
               <a:rPr lang="fr-FR" smtClean="0"/>
-              <a:t>19/12/2022</a:t>
+              <a:t>20/12/2022</a:t>
             </a:fld>
             <a:endParaRPr lang="fr-FR"/>
           </a:p>
@@ -10168,7 +10167,7 @@
           <a:p>
             <a:fld id="{0A206D1B-E756-4A82-9838-551DE185C738}" type="datetimeFigureOut">
               <a:rPr lang="fr-FR" smtClean="0"/>
-              <a:t>19/12/2022</a:t>
+              <a:t>20/12/2022</a:t>
             </a:fld>
             <a:endParaRPr lang="fr-FR"/>
           </a:p>
@@ -10535,7 +10534,7 @@
           <a:p>
             <a:fld id="{0A206D1B-E756-4A82-9838-551DE185C738}" type="datetimeFigureOut">
               <a:rPr lang="fr-FR" smtClean="0"/>
-              <a:t>19/12/2022</a:t>
+              <a:t>20/12/2022</a:t>
             </a:fld>
             <a:endParaRPr lang="fr-FR"/>
           </a:p>
@@ -10653,7 +10652,7 @@
           <a:p>
             <a:fld id="{0A206D1B-E756-4A82-9838-551DE185C738}" type="datetimeFigureOut">
               <a:rPr lang="fr-FR" smtClean="0"/>
-              <a:t>19/12/2022</a:t>
+              <a:t>20/12/2022</a:t>
             </a:fld>
             <a:endParaRPr lang="fr-FR"/>
           </a:p>
@@ -10748,7 +10747,7 @@
           <a:p>
             <a:fld id="{0A206D1B-E756-4A82-9838-551DE185C738}" type="datetimeFigureOut">
               <a:rPr lang="fr-FR" smtClean="0"/>
-              <a:t>19/12/2022</a:t>
+              <a:t>20/12/2022</a:t>
             </a:fld>
             <a:endParaRPr lang="fr-FR"/>
           </a:p>
@@ -11025,7 +11024,7 @@
           <a:p>
             <a:fld id="{0A206D1B-E756-4A82-9838-551DE185C738}" type="datetimeFigureOut">
               <a:rPr lang="fr-FR" smtClean="0"/>
-              <a:t>19/12/2022</a:t>
+              <a:t>20/12/2022</a:t>
             </a:fld>
             <a:endParaRPr lang="fr-FR"/>
           </a:p>
@@ -11278,7 +11277,7 @@
           <a:p>
             <a:fld id="{0A206D1B-E756-4A82-9838-551DE185C738}" type="datetimeFigureOut">
               <a:rPr lang="fr-FR" smtClean="0"/>
-              <a:t>19/12/2022</a:t>
+              <a:t>20/12/2022</a:t>
             </a:fld>
             <a:endParaRPr lang="fr-FR"/>
           </a:p>
@@ -11491,7 +11490,7 @@
           <a:p>
             <a:fld id="{0A206D1B-E756-4A82-9838-551DE185C738}" type="datetimeFigureOut">
               <a:rPr lang="fr-FR" smtClean="0"/>
-              <a:t>19/12/2022</a:t>
+              <a:t>20/12/2022</a:t>
             </a:fld>
             <a:endParaRPr lang="fr-FR"/>
           </a:p>
@@ -12420,7 +12419,7 @@
           <a:p>
             <a:pPr marL="719138" lvl="1" indent="-539750">
               <a:buFont typeface="+mj-lt"/>
-              <a:buAutoNum type="arabicPeriod" startAt="18"/>
+              <a:buAutoNum type="arabicPeriod" startAt="19"/>
               <a:tabLst>
                 <a:tab pos="363538" algn="l"/>
                 <a:tab pos="811213" algn="l"/>
@@ -12470,13 +12469,31 @@
             </a:r>
             <a:r>
               <a:rPr lang="fr-FR" sz="3000" b="1" i="1" dirty="0"/>
-              <a:t> [-u]</a:t>
-            </a:r>
+              <a:t> [-u</a:t>
+            </a:r>
+            <a:r>
+              <a:rPr lang="fr-FR" sz="3000" b="1" i="1" dirty="0" smtClean="0"/>
+              <a:t>] </a:t>
+            </a:r>
+            <a:r>
+              <a:rPr lang="fr-FR" sz="3000" b="1" i="1" dirty="0" smtClean="0">
+                <a:sym typeface="Wingdings" panose="05000000000000000000" pitchFamily="2" charset="2"/>
+              </a:rPr>
+              <a:t></a:t>
+            </a:r>
+            <a:r>
+              <a:rPr lang="fr-FR" sz="3000" b="1" i="1" dirty="0" smtClean="0">
+                <a:sym typeface="Wingdings" panose="05000000000000000000" pitchFamily="2" charset="2"/>
+                <a:hlinkClick r:id="rId3" action="ppaction://hlinksldjump"/>
+              </a:rPr>
+              <a:t>Démo</a:t>
+            </a:r>
+            <a:endParaRPr lang="fr-FR" sz="3000" b="1" i="1" dirty="0"/>
           </a:p>
           <a:p>
             <a:pPr marL="782638" lvl="1" indent="-603250">
               <a:buFont typeface="+mj-lt"/>
-              <a:buAutoNum type="arabicPeriod" startAt="19"/>
+              <a:buAutoNum type="arabicPeriod" startAt="20"/>
               <a:tabLst>
                 <a:tab pos="363538" algn="l"/>
                 <a:tab pos="811213" algn="l"/>
@@ -12539,7 +12556,7 @@
                 <a:spcPct val="100000"/>
               </a:lnSpc>
               <a:buFont typeface="+mj-lt"/>
-              <a:buAutoNum type="arabicPeriod" startAt="20"/>
+              <a:buAutoNum type="arabicPeriod" startAt="21"/>
               <a:tabLst>
                 <a:tab pos="363538" algn="l"/>
                 <a:tab pos="811213" algn="l"/>
@@ -12586,7 +12603,7 @@
           <a:p>
             <a:pPr marL="790575" lvl="1" indent="-611188">
               <a:buFont typeface="+mj-lt"/>
-              <a:buAutoNum type="arabicPeriod" startAt="21"/>
+              <a:buAutoNum type="arabicPeriod" startAt="22"/>
             </a:pPr>
             <a:r>
               <a:rPr lang="fr-FR" sz="3000" dirty="0"/>
@@ -12613,20 +12630,55 @@
               <a:t> .</a:t>
             </a:r>
             <a:r>
-              <a:rPr lang="fr-FR" sz="3000" b="1" i="1" dirty="0" err="1"/>
+              <a:rPr lang="fr-FR" sz="3000" b="1" i="1" dirty="0" err="1" smtClean="0"/>
               <a:t>gitignore</a:t>
             </a:r>
+            <a:r>
+              <a:rPr lang="fr-FR" sz="3000" b="1" i="1" dirty="0" smtClean="0"/>
+              <a:t> </a:t>
+            </a:r>
+            <a:r>
+              <a:rPr lang="fr-FR" sz="3000" b="1" i="1" dirty="0" smtClean="0">
+                <a:sym typeface="Wingdings" panose="05000000000000000000" pitchFamily="2" charset="2"/>
+              </a:rPr>
+              <a:t></a:t>
+            </a:r>
+            <a:r>
+              <a:rPr lang="fr-FR" sz="3000" b="1" i="1" dirty="0" smtClean="0">
+                <a:sym typeface="Wingdings" panose="05000000000000000000" pitchFamily="2" charset="2"/>
+                <a:hlinkClick r:id="rId3" action="ppaction://hlinksldjump"/>
+              </a:rPr>
+              <a:t>Démo</a:t>
+            </a:r>
             <a:endParaRPr lang="fr-FR" sz="3000" b="1" i="1" dirty="0"/>
           </a:p>
           <a:p>
             <a:pPr marL="719138" lvl="1" indent="-539750">
               <a:buFont typeface="+mj-lt"/>
-              <a:buAutoNum type="arabicPeriod" startAt="22"/>
+              <a:buAutoNum type="arabicPeriod" startAt="23"/>
             </a:pPr>
             <a:r>
               <a:rPr lang="fr-FR" sz="3000" dirty="0"/>
-              <a:t>Afficher l’historique des commits(historique du projet):</a:t>
-            </a:r>
+              <a:t>Afficher l’historique des commits(historique du projet</a:t>
+            </a:r>
+            <a:r>
+              <a:rPr lang="fr-FR" sz="3000" dirty="0" smtClean="0"/>
+              <a:t>):</a:t>
+            </a:r>
+            <a:r>
+              <a:rPr lang="fr-FR" sz="3000" dirty="0" smtClean="0">
+                <a:sym typeface="Wingdings" panose="05000000000000000000" pitchFamily="2" charset="2"/>
+              </a:rPr>
+              <a:t></a:t>
+            </a:r>
+            <a:r>
+              <a:rPr lang="fr-FR" sz="3000" dirty="0" smtClean="0">
+                <a:sym typeface="Wingdings" panose="05000000000000000000" pitchFamily="2" charset="2"/>
+                <a:hlinkClick r:id="rId4" action="ppaction://hlinksldjump"/>
+              </a:rPr>
+              <a:t>Démo</a:t>
+            </a:r>
+            <a:endParaRPr lang="fr-FR" sz="3000" dirty="0"/>
           </a:p>
           <a:p>
             <a:pPr marL="819150" lvl="1" indent="-7938">
@@ -12663,7 +12715,7 @@
                 <a:spcPct val="110000"/>
               </a:lnSpc>
               <a:buFont typeface="+mj-lt"/>
-              <a:buAutoNum type="arabicPeriod" startAt="23"/>
+              <a:buAutoNum type="arabicPeriod" startAt="24"/>
               <a:tabLst>
                 <a:tab pos="363538" algn="l"/>
                 <a:tab pos="811213" algn="l"/>
@@ -12740,7 +12792,7 @@
             <a:r>
               <a:rPr lang="fr-FR" sz="3000" b="1" i="1" dirty="0" smtClean="0">
                 <a:sym typeface="Wingdings" panose="05000000000000000000" pitchFamily="2" charset="2"/>
-                <a:hlinkClick r:id="rId3" action="ppaction://hlinksldjump"/>
+                <a:hlinkClick r:id="rId5" action="ppaction://hlinksldjump"/>
               </a:rPr>
               <a:t>Démo</a:t>
             </a:r>
@@ -12844,7 +12896,7 @@
           <a:p>
             <a:pPr marL="723900" lvl="1" indent="-552450">
               <a:buFont typeface="+mj-lt"/>
-              <a:buAutoNum type="arabicPeriod" startAt="24"/>
+              <a:buAutoNum type="arabicPeriod" startAt="25"/>
             </a:pPr>
             <a:r>
               <a:rPr lang="fr-FR" sz="2800" dirty="0"/>
@@ -12865,18 +12917,32 @@
             <a:endParaRPr lang="fr-FR" sz="2800" dirty="0"/>
           </a:p>
           <a:p>
-            <a:pPr marL="817563" lvl="1" indent="-457200"/>
+            <a:pPr marL="817563" lvl="1" indent="-93663">
+              <a:tabLst>
+                <a:tab pos="723900" algn="l"/>
+              </a:tabLst>
+            </a:pPr>
+            <a:r>
+              <a:rPr lang="fr-FR" sz="2800" b="1" i="1" dirty="0" smtClean="0">
+                <a:hlinkClick r:id="rId3" action="ppaction://hlinksldjump"/>
+              </a:rPr>
+              <a:t>git tag  [-a] «</a:t>
+            </a:r>
+            <a:r>
+              <a:rPr lang="fr-FR" sz="2800" b="1" i="1" dirty="0" err="1" smtClean="0">
+                <a:hlinkClick r:id="rId3" action="ppaction://hlinksldjump"/>
+              </a:rPr>
+              <a:t>tagname</a:t>
+            </a:r>
+            <a:r>
+              <a:rPr lang="fr-FR" sz="2800" b="1" i="1" dirty="0" smtClean="0">
+                <a:hlinkClick r:id="rId3" action="ppaction://hlinksldjump"/>
+              </a:rPr>
+              <a:t>» [–m ’&lt;mes&gt;’ ], </a:t>
+            </a:r>
             <a:r>
               <a:rPr lang="fr-FR" sz="2800" b="1" i="1" dirty="0" smtClean="0"/>
-              <a:t>git tag  [-a] «</a:t>
-            </a:r>
-            <a:r>
-              <a:rPr lang="fr-FR" sz="2800" b="1" i="1" dirty="0" err="1" smtClean="0"/>
-              <a:t>tagname</a:t>
-            </a:r>
-            <a:r>
-              <a:rPr lang="fr-FR" sz="2800" b="1" i="1" dirty="0" smtClean="0"/>
-              <a:t>» [–m ’&lt;mes&gt;’ ], git push </a:t>
+              <a:t>git push </a:t>
             </a:r>
             <a:r>
               <a:rPr lang="fr-FR" sz="2800" b="1" i="1" dirty="0" err="1" smtClean="0"/>
@@ -12906,7 +12972,7 @@
           <a:p>
             <a:pPr marL="790575" lvl="1" indent="-611188">
               <a:buFont typeface="+mj-lt"/>
-              <a:buAutoNum type="arabicPeriod" startAt="25"/>
+              <a:buAutoNum type="arabicPeriod" startAt="26"/>
             </a:pPr>
             <a:r>
               <a:rPr lang="fr-FR" sz="2800" dirty="0"/>
@@ -12956,7 +13022,7 @@
             <a:r>
               <a:rPr lang="fr-FR" sz="2800" b="1" i="1" dirty="0" smtClean="0">
                 <a:sym typeface="Wingdings" panose="05000000000000000000" pitchFamily="2" charset="2"/>
-                <a:hlinkClick r:id="rId3" action="ppaction://hlinksldjump"/>
+                <a:hlinkClick r:id="rId4" action="ppaction://hlinksldjump"/>
               </a:rPr>
               <a:t>Démo</a:t>
             </a:r>
@@ -12965,7 +13031,7 @@
           <a:p>
             <a:pPr marL="723900" lvl="1" indent="-552450">
               <a:buFont typeface="+mj-lt"/>
-              <a:buAutoNum type="arabicPeriod" startAt="26"/>
+              <a:buAutoNum type="arabicPeriod" startAt="27"/>
             </a:pPr>
             <a:r>
               <a:rPr lang="fr-FR" sz="2800" dirty="0" smtClean="0"/>
@@ -13040,7 +13106,7 @@
             <a:r>
               <a:rPr lang="fr-FR" sz="2800" b="1" i="1" dirty="0" smtClean="0">
                 <a:sym typeface="Wingdings" panose="05000000000000000000" pitchFamily="2" charset="2"/>
-                <a:hlinkClick r:id="rId4" action="ppaction://hlinksldjump"/>
+                <a:hlinkClick r:id="rId5" action="ppaction://hlinksldjump"/>
               </a:rPr>
               <a:t>Démo</a:t>
             </a:r>
@@ -13052,7 +13118,7 @@
                 <a:spcPct val="70000"/>
               </a:lnSpc>
               <a:buFont typeface="+mj-lt"/>
-              <a:buAutoNum type="arabicPeriod" startAt="27"/>
+              <a:buAutoNum type="arabicPeriod" startAt="28"/>
             </a:pPr>
             <a:r>
               <a:rPr lang="fr-FR" sz="2800" dirty="0"/>
@@ -13114,7 +13180,7 @@
                 <a:spcPct val="70000"/>
               </a:lnSpc>
               <a:buFont typeface="+mj-lt"/>
-              <a:buAutoNum type="arabicPeriod" startAt="28"/>
+              <a:buAutoNum type="arabicPeriod" startAt="29"/>
             </a:pPr>
             <a:r>
               <a:rPr lang="fr-FR" sz="2800" b="1" i="1" dirty="0" smtClean="0"/>
@@ -13156,7 +13222,7 @@
           <a:p>
             <a:pPr marL="812800" lvl="1" indent="-638175">
               <a:buFont typeface="+mj-lt"/>
-              <a:buAutoNum type="arabicPeriod" startAt="29"/>
+              <a:buAutoNum type="arabicPeriod" startAt="30"/>
               <a:tabLst>
                 <a:tab pos="174625" algn="l"/>
                 <a:tab pos="811213" algn="l"/>
@@ -18953,39 +19019,603 @@
       </p:grpSpPr>
       <p:sp>
         <p:nvSpPr>
-          <p:cNvPr id="2" name="Titre 1"/>
-          <p:cNvSpPr>
-            <a:spLocks noGrp="1"/>
-          </p:cNvSpPr>
-          <p:nvPr>
-            <p:ph type="title"/>
-          </p:nvPr>
+          <p:cNvPr id="4" name="ZoneTexte 3">
+            <a:hlinkClick r:id="rId2" action="ppaction://hlinksldjump"/>
+          </p:cNvPr>
+          <p:cNvSpPr txBox="1"/>
+          <p:nvPr/>
         </p:nvSpPr>
-        <p:spPr/>
+        <p:spPr>
+          <a:xfrm>
+            <a:off x="53788" y="0"/>
+            <a:ext cx="5459506" cy="5940088"/>
+          </a:xfrm>
+          <a:prstGeom prst="rect">
+            <a:avLst/>
+          </a:prstGeom>
+          <a:noFill/>
+        </p:spPr>
         <p:txBody>
-          <a:bodyPr/>
+          <a:bodyPr wrap="square" rtlCol="0">
+            <a:spAutoFit/>
+          </a:bodyPr>
           <a:lstStyle/>
           <a:p>
-            <a:endParaRPr lang="fr-FR"/>
+            <a:r>
+              <a:rPr lang="fr-FR" sz="1900" b="1" dirty="0" smtClean="0"/>
+              <a:t>Démo </a:t>
+            </a:r>
+            <a:r>
+              <a:rPr lang="fr-FR" sz="1900" b="1" dirty="0" err="1" smtClean="0"/>
+              <a:t>stash</a:t>
+            </a:r>
+            <a:endParaRPr lang="fr-FR" sz="1900" b="1" dirty="0" smtClean="0"/>
+          </a:p>
+          <a:p>
+            <a:pPr marL="342900" indent="-342900">
+              <a:buFont typeface="+mj-lt"/>
+              <a:buAutoNum type="arabicPeriod"/>
+            </a:pPr>
+            <a:r>
+              <a:rPr lang="fr-FR" sz="1900" dirty="0" smtClean="0"/>
+              <a:t>Créer </a:t>
+            </a:r>
+            <a:r>
+              <a:rPr lang="fr-FR" sz="1900" dirty="0" err="1" smtClean="0"/>
+              <a:t>depo</a:t>
+            </a:r>
+            <a:r>
+              <a:rPr lang="fr-FR" sz="1900" dirty="0" smtClean="0"/>
+              <a:t> </a:t>
+            </a:r>
+            <a:r>
+              <a:rPr lang="fr-FR" sz="1900" dirty="0" err="1" smtClean="0"/>
+              <a:t>stash</a:t>
+            </a:r>
+            <a:endParaRPr lang="fr-FR" sz="1900" dirty="0" smtClean="0"/>
+          </a:p>
+          <a:p>
+            <a:pPr marL="342900" indent="-342900">
+              <a:buFont typeface="+mj-lt"/>
+              <a:buAutoNum type="arabicPeriod"/>
+            </a:pPr>
+            <a:r>
+              <a:rPr lang="fr-FR" sz="1900" dirty="0" smtClean="0"/>
+              <a:t>Créer une configuration la configuration suivante</a:t>
+            </a:r>
+          </a:p>
+          <a:p>
+            <a:pPr marL="285750" indent="-285750">
+              <a:buFont typeface="Arial" panose="020B0604020202020204" pitchFamily="34" charset="0"/>
+              <a:buChar char="•"/>
+            </a:pPr>
+            <a:r>
+              <a:rPr lang="fr-FR" sz="1900" dirty="0" smtClean="0"/>
+              <a:t>Index.html v1 indexé,v2 an </a:t>
+            </a:r>
+            <a:r>
+              <a:rPr lang="fr-FR" sz="1900" dirty="0" err="1" smtClean="0"/>
+              <a:t>wd</a:t>
+            </a:r>
+            <a:endParaRPr lang="fr-FR" sz="1900" dirty="0" smtClean="0"/>
+          </a:p>
+          <a:p>
+            <a:pPr marL="342900" indent="-342900">
+              <a:buFont typeface="+mj-lt"/>
+              <a:buAutoNum type="arabicPeriod" startAt="3"/>
+            </a:pPr>
+            <a:r>
+              <a:rPr lang="fr-FR" sz="1900" dirty="0" smtClean="0"/>
+              <a:t>Git </a:t>
+            </a:r>
+            <a:r>
+              <a:rPr lang="fr-FR" sz="1900" dirty="0" err="1" smtClean="0"/>
+              <a:t>stash</a:t>
+            </a:r>
+            <a:r>
+              <a:rPr lang="fr-FR" sz="1900" dirty="0" smtClean="0"/>
+              <a:t> </a:t>
+            </a:r>
+            <a:r>
+              <a:rPr lang="fr-FR" sz="1900" dirty="0" err="1" smtClean="0"/>
+              <a:t>push</a:t>
+            </a:r>
+            <a:r>
+              <a:rPr lang="fr-FR" sz="1900" dirty="0" err="1" smtClean="0">
+                <a:hlinkClick r:id="rId2" action="ppaction://hlinksldjump"/>
+              </a:rPr>
+              <a:t>Les</a:t>
+            </a:r>
+            <a:r>
+              <a:rPr lang="fr-FR" sz="1900" dirty="0" smtClean="0">
+                <a:hlinkClick r:id="rId2" action="ppaction://hlinksldjump"/>
+              </a:rPr>
+              <a:t> commandes de base (Suite)</a:t>
+            </a:r>
+            <a:endParaRPr lang="fr-FR" sz="1900" dirty="0" smtClean="0"/>
+          </a:p>
+          <a:p>
+            <a:pPr marL="342900" indent="-342900">
+              <a:buFont typeface="+mj-lt"/>
+              <a:buAutoNum type="arabicPeriod" startAt="3"/>
+            </a:pPr>
+            <a:r>
+              <a:rPr lang="fr-FR" sz="1900" dirty="0" smtClean="0"/>
+              <a:t>Git </a:t>
+            </a:r>
+            <a:r>
+              <a:rPr lang="fr-FR" sz="1900" dirty="0" err="1" smtClean="0"/>
+              <a:t>add</a:t>
+            </a:r>
+            <a:r>
+              <a:rPr lang="fr-FR" sz="1900" dirty="0" smtClean="0"/>
+              <a:t> .,git commit </a:t>
+            </a:r>
+          </a:p>
+          <a:p>
+            <a:pPr marL="342900" indent="-342900">
+              <a:buFont typeface="+mj-lt"/>
+              <a:buAutoNum type="arabicPeriod" startAt="5"/>
+            </a:pPr>
+            <a:r>
+              <a:rPr lang="fr-FR" sz="1900" dirty="0" smtClean="0"/>
+              <a:t>Créer une configuration la configuration suivante</a:t>
+            </a:r>
+          </a:p>
+          <a:p>
+            <a:pPr marL="285750" indent="-285750">
+              <a:buFont typeface="Arial" panose="020B0604020202020204" pitchFamily="34" charset="0"/>
+              <a:buChar char="•"/>
+            </a:pPr>
+            <a:r>
+              <a:rPr lang="fr-FR" sz="1900" dirty="0" smtClean="0"/>
+              <a:t>Index.html v1 indexé,v2 an wd,Style.css en </a:t>
+            </a:r>
+            <a:r>
+              <a:rPr lang="fr-FR" sz="1900" dirty="0" err="1" smtClean="0"/>
+              <a:t>wd</a:t>
+            </a:r>
+            <a:endParaRPr lang="fr-FR" sz="1900" dirty="0" smtClean="0"/>
+          </a:p>
+          <a:p>
+            <a:pPr marL="342900" indent="-342900">
+              <a:buFont typeface="+mj-lt"/>
+              <a:buAutoNum type="arabicPeriod" startAt="6"/>
+            </a:pPr>
+            <a:r>
+              <a:rPr lang="fr-FR" sz="1900" dirty="0" smtClean="0"/>
+              <a:t>Git </a:t>
+            </a:r>
+            <a:r>
+              <a:rPr lang="fr-FR" sz="1900" dirty="0" err="1"/>
+              <a:t>stash</a:t>
+            </a:r>
+            <a:r>
+              <a:rPr lang="fr-FR" sz="1900" dirty="0"/>
+              <a:t> push</a:t>
+            </a:r>
+          </a:p>
+          <a:p>
+            <a:pPr marL="342900" indent="-342900">
+              <a:buFont typeface="+mj-lt"/>
+              <a:buAutoNum type="arabicPeriod" startAt="7"/>
+            </a:pPr>
+            <a:r>
+              <a:rPr lang="fr-FR" sz="1900" dirty="0" err="1" smtClean="0"/>
+              <a:t>Gs</a:t>
+            </a:r>
+            <a:endParaRPr lang="fr-FR" sz="1900" dirty="0" smtClean="0"/>
+          </a:p>
+          <a:p>
+            <a:pPr marL="342900" indent="-342900">
+              <a:buFont typeface="+mj-lt"/>
+              <a:buAutoNum type="arabicPeriod" startAt="7"/>
+            </a:pPr>
+            <a:r>
+              <a:rPr lang="fr-FR" sz="1900" dirty="0" smtClean="0"/>
+              <a:t>Git </a:t>
+            </a:r>
+            <a:r>
+              <a:rPr lang="fr-FR" sz="1900" dirty="0" err="1" smtClean="0"/>
+              <a:t>stash</a:t>
+            </a:r>
+            <a:r>
+              <a:rPr lang="fr-FR" sz="1900" dirty="0" smtClean="0"/>
+              <a:t> show</a:t>
+            </a:r>
+          </a:p>
+          <a:p>
+            <a:pPr marL="342900" indent="-342900">
+              <a:buFont typeface="+mj-lt"/>
+              <a:buAutoNum type="arabicPeriod" startAt="7"/>
+            </a:pPr>
+            <a:r>
+              <a:rPr lang="fr-FR" sz="1900" dirty="0" smtClean="0"/>
+              <a:t>Git </a:t>
+            </a:r>
+            <a:r>
+              <a:rPr lang="fr-FR" sz="1900" dirty="0" err="1" smtClean="0"/>
+              <a:t>stash</a:t>
+            </a:r>
+            <a:r>
+              <a:rPr lang="fr-FR" sz="1900" dirty="0" smtClean="0"/>
+              <a:t> pop</a:t>
+            </a:r>
+          </a:p>
+          <a:p>
+            <a:pPr marL="342900" indent="-342900">
+              <a:buFont typeface="+mj-lt"/>
+              <a:buAutoNum type="arabicPeriod" startAt="7"/>
+            </a:pPr>
+            <a:r>
+              <a:rPr lang="fr-FR" sz="1900" dirty="0"/>
+              <a:t>git </a:t>
+            </a:r>
+            <a:r>
+              <a:rPr lang="fr-FR" sz="1900" dirty="0" err="1"/>
+              <a:t>stash</a:t>
+            </a:r>
+            <a:r>
+              <a:rPr lang="fr-FR" sz="1900" dirty="0"/>
+              <a:t> </a:t>
+            </a:r>
+            <a:r>
+              <a:rPr lang="fr-FR" sz="1900" dirty="0" smtClean="0"/>
+              <a:t>show</a:t>
+            </a:r>
+          </a:p>
+          <a:p>
+            <a:pPr marL="342900" indent="-342900">
+              <a:buFont typeface="+mj-lt"/>
+              <a:buAutoNum type="arabicPeriod" startAt="11"/>
+            </a:pPr>
+            <a:r>
+              <a:rPr lang="fr-FR" sz="1900" dirty="0"/>
+              <a:t>Créer une configuration la configuration suivante</a:t>
+            </a:r>
+          </a:p>
+          <a:p>
+            <a:pPr marL="285750" indent="-285750">
+              <a:buFont typeface="Arial" panose="020B0604020202020204" pitchFamily="34" charset="0"/>
+              <a:buChar char="•"/>
+            </a:pPr>
+            <a:r>
+              <a:rPr lang="fr-FR" sz="1900" dirty="0"/>
+              <a:t>Index.html v1 indexé,v2 an wd,Style.css en </a:t>
+            </a:r>
+            <a:r>
+              <a:rPr lang="fr-FR" sz="1900" dirty="0" err="1" smtClean="0"/>
+              <a:t>wd</a:t>
+            </a:r>
+            <a:endParaRPr lang="fr-FR" sz="1900" dirty="0" smtClean="0"/>
+          </a:p>
+          <a:p>
+            <a:pPr marL="342900" indent="-342900">
+              <a:buFont typeface="+mj-lt"/>
+              <a:buAutoNum type="arabicPeriod" startAt="12"/>
+            </a:pPr>
+            <a:r>
+              <a:rPr lang="fr-FR" sz="1900" dirty="0" smtClean="0"/>
+              <a:t>Git </a:t>
+            </a:r>
+            <a:r>
+              <a:rPr lang="fr-FR" sz="1900" dirty="0" err="1" smtClean="0"/>
+              <a:t>stash</a:t>
+            </a:r>
+            <a:r>
+              <a:rPr lang="fr-FR" sz="1900" dirty="0" smtClean="0"/>
+              <a:t> push –u</a:t>
+            </a:r>
+          </a:p>
+          <a:p>
+            <a:pPr marL="342900" indent="-342900">
+              <a:buFont typeface="+mj-lt"/>
+              <a:buAutoNum type="arabicPeriod" startAt="12"/>
+            </a:pPr>
+            <a:r>
+              <a:rPr lang="fr-FR" sz="1900" dirty="0" smtClean="0"/>
+              <a:t>Git </a:t>
+            </a:r>
+            <a:r>
+              <a:rPr lang="fr-FR" sz="1900" dirty="0" err="1" smtClean="0"/>
+              <a:t>stash</a:t>
+            </a:r>
+            <a:r>
+              <a:rPr lang="fr-FR" sz="1900" dirty="0" smtClean="0"/>
+              <a:t> </a:t>
+            </a:r>
+            <a:r>
+              <a:rPr lang="fr-FR" sz="1900" dirty="0" err="1" smtClean="0"/>
+              <a:t>applay</a:t>
+            </a:r>
+            <a:endParaRPr lang="fr-FR" sz="1900" dirty="0" smtClean="0"/>
+          </a:p>
+          <a:p>
+            <a:pPr marL="342900" indent="-342900">
+              <a:buFont typeface="+mj-lt"/>
+              <a:buAutoNum type="arabicPeriod" startAt="12"/>
+            </a:pPr>
+            <a:r>
+              <a:rPr lang="fr-FR" sz="1900" dirty="0" smtClean="0"/>
+              <a:t>git </a:t>
+            </a:r>
+            <a:r>
+              <a:rPr lang="fr-FR" sz="1900" dirty="0" err="1" smtClean="0"/>
+              <a:t>stash</a:t>
+            </a:r>
+            <a:r>
+              <a:rPr lang="fr-FR" sz="1900" dirty="0" smtClean="0"/>
+              <a:t> show</a:t>
+            </a:r>
+          </a:p>
+          <a:p>
+            <a:pPr marL="342900" indent="-342900">
+              <a:buFont typeface="+mj-lt"/>
+              <a:buAutoNum type="arabicPeriod" startAt="15"/>
+            </a:pPr>
+            <a:r>
+              <a:rPr lang="fr-FR" sz="1900" dirty="0" smtClean="0"/>
+              <a:t>Git </a:t>
+            </a:r>
+            <a:r>
+              <a:rPr lang="fr-FR" sz="1900" dirty="0" err="1" smtClean="0"/>
+              <a:t>stash</a:t>
+            </a:r>
+            <a:r>
+              <a:rPr lang="fr-FR" sz="1900" dirty="0" smtClean="0"/>
+              <a:t> drop</a:t>
+            </a:r>
+          </a:p>
+          <a:p>
+            <a:pPr marL="342900" indent="-342900">
+              <a:buFont typeface="+mj-lt"/>
+              <a:buAutoNum type="arabicPeriod" startAt="15"/>
+            </a:pPr>
+            <a:r>
+              <a:rPr lang="fr-FR" sz="1900" dirty="0"/>
+              <a:t>git </a:t>
+            </a:r>
+            <a:r>
+              <a:rPr lang="fr-FR" sz="1900" dirty="0" err="1"/>
+              <a:t>stash</a:t>
+            </a:r>
+            <a:r>
+              <a:rPr lang="fr-FR" sz="1900" dirty="0"/>
+              <a:t> </a:t>
+            </a:r>
+            <a:r>
+              <a:rPr lang="fr-FR" sz="1900" dirty="0" smtClean="0"/>
+              <a:t>show</a:t>
+            </a:r>
+            <a:endParaRPr lang="fr-FR" sz="1900" dirty="0"/>
           </a:p>
         </p:txBody>
       </p:sp>
       <p:sp>
         <p:nvSpPr>
-          <p:cNvPr id="3" name="Espace réservé du contenu 2"/>
-          <p:cNvSpPr>
-            <a:spLocks noGrp="1"/>
-          </p:cNvSpPr>
-          <p:nvPr>
-            <p:ph idx="1"/>
-          </p:nvPr>
+          <p:cNvPr id="5" name="ZoneTexte 4">
+            <a:hlinkClick r:id="rId2" action="ppaction://hlinksldjump"/>
+          </p:cNvPr>
+          <p:cNvSpPr txBox="1"/>
+          <p:nvPr/>
         </p:nvSpPr>
-        <p:spPr/>
+        <p:spPr>
+          <a:xfrm>
+            <a:off x="5957047" y="0"/>
+            <a:ext cx="4827494" cy="3477875"/>
+          </a:xfrm>
+          <a:prstGeom prst="rect">
+            <a:avLst/>
+          </a:prstGeom>
+          <a:noFill/>
+        </p:spPr>
         <p:txBody>
-          <a:bodyPr/>
+          <a:bodyPr wrap="square" rtlCol="0">
+            <a:spAutoFit/>
+          </a:bodyPr>
           <a:lstStyle/>
           <a:p>
-            <a:endParaRPr lang="fr-FR"/>
+            <a:r>
+              <a:rPr lang="fr-FR" sz="2000" b="1" dirty="0" smtClean="0"/>
+              <a:t>Ignoré un fichier déjà commité</a:t>
+            </a:r>
+          </a:p>
+          <a:p>
+            <a:pPr marL="342900" indent="-342900">
+              <a:buFont typeface="+mj-lt"/>
+              <a:buAutoNum type="arabicPeriod"/>
+            </a:pPr>
+            <a:r>
+              <a:rPr lang="fr-FR" sz="2000" dirty="0" err="1" smtClean="0"/>
+              <a:t>Init</a:t>
+            </a:r>
+            <a:endParaRPr lang="fr-FR" sz="2000" dirty="0" smtClean="0"/>
+          </a:p>
+          <a:p>
+            <a:pPr marL="342900" indent="-342900">
+              <a:buFont typeface="+mj-lt"/>
+              <a:buAutoNum type="arabicPeriod"/>
+            </a:pPr>
+            <a:r>
+              <a:rPr lang="fr-FR" sz="2000" dirty="0" err="1" smtClean="0"/>
+              <a:t>echo</a:t>
+            </a:r>
+            <a:r>
+              <a:rPr lang="fr-FR" sz="2000" dirty="0" smtClean="0"/>
+              <a:t> /</a:t>
+            </a:r>
+            <a:r>
+              <a:rPr lang="fr-FR" sz="2000" dirty="0" err="1" smtClean="0"/>
+              <a:t>vendor</a:t>
+            </a:r>
+            <a:r>
+              <a:rPr lang="fr-FR" sz="2000" dirty="0" smtClean="0"/>
+              <a:t>  &gt;&gt; .</a:t>
+            </a:r>
+            <a:r>
+              <a:rPr lang="fr-FR" sz="2000" dirty="0" err="1" smtClean="0"/>
+              <a:t>gitignore</a:t>
+            </a:r>
+            <a:endParaRPr lang="fr-FR" sz="2000" dirty="0" smtClean="0"/>
+          </a:p>
+          <a:p>
+            <a:pPr marL="342900" indent="-342900">
+              <a:buFont typeface="+mj-lt"/>
+              <a:buAutoNum type="arabicPeriod"/>
+            </a:pPr>
+            <a:r>
+              <a:rPr lang="fr-FR" sz="2000" dirty="0" err="1" smtClean="0"/>
+              <a:t>echo</a:t>
+            </a:r>
+            <a:r>
+              <a:rPr lang="fr-FR" sz="2000" dirty="0" smtClean="0"/>
+              <a:t> *.log  &gt;&gt; .</a:t>
+            </a:r>
+            <a:r>
+              <a:rPr lang="fr-FR" sz="2000" dirty="0" err="1" smtClean="0"/>
+              <a:t>gitignore</a:t>
+            </a:r>
+            <a:endParaRPr lang="fr-FR" sz="2000" dirty="0" smtClean="0"/>
+          </a:p>
+          <a:p>
+            <a:pPr marL="342900" indent="-342900">
+              <a:buFont typeface="+mj-lt"/>
+              <a:buAutoNum type="arabicPeriod"/>
+            </a:pPr>
+            <a:r>
+              <a:rPr lang="fr-FR" sz="2000" dirty="0" err="1" smtClean="0"/>
+              <a:t>echo</a:t>
+            </a:r>
+            <a:r>
+              <a:rPr lang="fr-FR" sz="2000" dirty="0" smtClean="0"/>
+              <a:t>   DBNAME=</a:t>
+            </a:r>
+            <a:r>
+              <a:rPr lang="fr-FR" sz="2000" dirty="0" err="1" smtClean="0"/>
+              <a:t>db</a:t>
+            </a:r>
+            <a:r>
+              <a:rPr lang="fr-FR" sz="2000" dirty="0" smtClean="0"/>
+              <a:t>&gt;&gt; .</a:t>
+            </a:r>
+            <a:r>
+              <a:rPr lang="fr-FR" sz="2000" dirty="0" err="1" smtClean="0"/>
+              <a:t>env</a:t>
+            </a:r>
+            <a:endParaRPr lang="fr-FR" sz="2000" dirty="0" smtClean="0"/>
+          </a:p>
+          <a:p>
+            <a:pPr marL="342900" indent="-342900">
+              <a:buFont typeface="+mj-lt"/>
+              <a:buAutoNum type="arabicPeriod"/>
+            </a:pPr>
+            <a:r>
+              <a:rPr lang="fr-FR" sz="2000" dirty="0" err="1" smtClean="0"/>
+              <a:t>touch</a:t>
+            </a:r>
+            <a:r>
+              <a:rPr lang="fr-FR" sz="2000" dirty="0" smtClean="0"/>
+              <a:t> </a:t>
+            </a:r>
+            <a:r>
+              <a:rPr lang="fr-FR" sz="2000" dirty="0" err="1" smtClean="0"/>
+              <a:t>app,log</a:t>
+            </a:r>
+            <a:endParaRPr lang="fr-FR" sz="2000" dirty="0" smtClean="0"/>
+          </a:p>
+          <a:p>
+            <a:pPr marL="342900" indent="-342900">
+              <a:buFont typeface="+mj-lt"/>
+              <a:buAutoNum type="arabicPeriod"/>
+            </a:pPr>
+            <a:r>
+              <a:rPr lang="fr-FR" sz="2000" dirty="0" smtClean="0"/>
+              <a:t>Git </a:t>
+            </a:r>
+            <a:r>
+              <a:rPr lang="fr-FR" sz="2000" dirty="0" err="1" smtClean="0"/>
+              <a:t>add</a:t>
+            </a:r>
+            <a:r>
+              <a:rPr lang="fr-FR" sz="2000" dirty="0" smtClean="0"/>
+              <a:t> .</a:t>
+            </a:r>
+          </a:p>
+          <a:p>
+            <a:pPr marL="342900" indent="-342900">
+              <a:buFont typeface="+mj-lt"/>
+              <a:buAutoNum type="arabicPeriod"/>
+            </a:pPr>
+            <a:r>
+              <a:rPr lang="fr-FR" sz="2000" dirty="0" err="1" smtClean="0"/>
+              <a:t>gs</a:t>
+            </a:r>
+            <a:endParaRPr lang="fr-FR" sz="2000" dirty="0" smtClean="0"/>
+          </a:p>
+          <a:p>
+            <a:pPr marL="342900" indent="-342900">
+              <a:buFont typeface="+mj-lt"/>
+              <a:buAutoNum type="arabicPeriod"/>
+            </a:pPr>
+            <a:r>
+              <a:rPr lang="fr-FR" sz="2000" dirty="0" err="1" smtClean="0"/>
+              <a:t>Commiter</a:t>
+            </a:r>
+            <a:endParaRPr lang="fr-FR" sz="2000" dirty="0" smtClean="0"/>
+          </a:p>
+          <a:p>
+            <a:pPr marL="342900" indent="-342900">
+              <a:buFont typeface="+mj-lt"/>
+              <a:buAutoNum type="arabicPeriod"/>
+            </a:pPr>
+            <a:r>
+              <a:rPr lang="fr-FR" sz="2000" dirty="0" smtClean="0"/>
+              <a:t>git </a:t>
+            </a:r>
+            <a:r>
+              <a:rPr lang="fr-FR" sz="2000" dirty="0" err="1" smtClean="0"/>
+              <a:t>rm</a:t>
+            </a:r>
+            <a:r>
+              <a:rPr lang="fr-FR" sz="2000" dirty="0" smtClean="0"/>
+              <a:t> --</a:t>
+            </a:r>
+            <a:r>
+              <a:rPr lang="fr-FR" sz="2000" dirty="0" err="1" smtClean="0"/>
+              <a:t>cached</a:t>
+            </a:r>
+            <a:r>
+              <a:rPr lang="fr-FR" sz="2000" dirty="0" smtClean="0"/>
+              <a:t> .</a:t>
+            </a:r>
+            <a:r>
+              <a:rPr lang="fr-FR" sz="2000" dirty="0" err="1" smtClean="0"/>
+              <a:t>env</a:t>
+            </a:r>
+            <a:endParaRPr lang="fr-FR" sz="2000" dirty="0" smtClean="0"/>
+          </a:p>
+          <a:p>
+            <a:pPr marL="342900" indent="-342900">
+              <a:buFont typeface="+mj-lt"/>
+              <a:buAutoNum type="arabicPeriod"/>
+            </a:pPr>
+            <a:r>
+              <a:rPr lang="en-US" sz="2000" dirty="0" err="1" smtClean="0"/>
+              <a:t>git</a:t>
+            </a:r>
+            <a:r>
+              <a:rPr lang="en-US" sz="2000" dirty="0" smtClean="0"/>
+              <a:t> commit -m "Start ignoring .</a:t>
+            </a:r>
+            <a:r>
+              <a:rPr lang="en-US" sz="2000" dirty="0" err="1" smtClean="0"/>
+              <a:t>env</a:t>
+            </a:r>
+            <a:r>
+              <a:rPr lang="en-US" sz="2000" dirty="0" smtClean="0"/>
+              <a:t>"</a:t>
+            </a:r>
+            <a:endParaRPr lang="fr-FR" sz="2000" dirty="0" smtClean="0"/>
           </a:p>
         </p:txBody>
       </p:sp>
@@ -19010,6 +19640,382 @@
 </file>
 
 <file path=ppt/slides/slide33.xml><?xml version="1.0" encoding="utf-8"?>
+<p:sld xmlns:a="http://schemas.openxmlformats.org/drawingml/2006/main" xmlns:r="http://schemas.openxmlformats.org/officeDocument/2006/relationships" xmlns:p="http://schemas.openxmlformats.org/presentationml/2006/main">
+  <p:cSld>
+    <p:bg>
+      <p:bgPr>
+        <a:noFill/>
+        <a:effectLst/>
+      </p:bgPr>
+    </p:bg>
+    <p:spTree>
+      <p:nvGrpSpPr>
+        <p:cNvPr id="1" name=""/>
+        <p:cNvGrpSpPr/>
+        <p:nvPr/>
+      </p:nvGrpSpPr>
+      <p:grpSpPr>
+        <a:xfrm>
+          <a:off x="0" y="0"/>
+          <a:ext cx="0" cy="0"/>
+          <a:chOff x="0" y="0"/>
+          <a:chExt cx="0" cy="0"/>
+        </a:xfrm>
+      </p:grpSpPr>
+      <p:sp>
+        <p:nvSpPr>
+          <p:cNvPr id="3" name="ZoneTexte 2">
+            <a:hlinkClick r:id="rId2" action="ppaction://hlinksldjump"/>
+          </p:cNvPr>
+          <p:cNvSpPr txBox="1"/>
+          <p:nvPr/>
+        </p:nvSpPr>
+        <p:spPr>
+          <a:xfrm>
+            <a:off x="164727" y="177439"/>
+            <a:ext cx="5187202" cy="3062377"/>
+          </a:xfrm>
+          <a:prstGeom prst="rect">
+            <a:avLst/>
+          </a:prstGeom>
+          <a:noFill/>
+        </p:spPr>
+        <p:txBody>
+          <a:bodyPr wrap="square" rtlCol="0">
+            <a:spAutoFit/>
+          </a:bodyPr>
+          <a:lstStyle/>
+          <a:p>
+            <a:r>
+              <a:rPr lang="fr-FR" sz="2500" b="1" dirty="0" smtClean="0"/>
+              <a:t>Démo </a:t>
+            </a:r>
+            <a:r>
+              <a:rPr lang="fr-FR" sz="2500" b="1" dirty="0" err="1" smtClean="0"/>
+              <a:t>diff</a:t>
+            </a:r>
+            <a:endParaRPr lang="fr-FR" sz="2500" b="1" dirty="0" smtClean="0"/>
+          </a:p>
+          <a:p>
+            <a:pPr marL="342900" indent="-342900">
+              <a:buFont typeface="+mj-lt"/>
+              <a:buAutoNum type="arabicPeriod"/>
+            </a:pPr>
+            <a:r>
+              <a:rPr lang="fr-FR" sz="2500" dirty="0" smtClean="0"/>
+              <a:t>créer un </a:t>
+            </a:r>
+            <a:r>
+              <a:rPr lang="fr-FR" sz="2500" dirty="0" err="1" smtClean="0"/>
+              <a:t>remo</a:t>
+            </a:r>
+            <a:r>
+              <a:rPr lang="fr-FR" sz="2500" dirty="0" smtClean="0"/>
+              <a:t> local</a:t>
+            </a:r>
+          </a:p>
+          <a:p>
+            <a:pPr marL="342900" indent="-342900">
+              <a:buFont typeface="+mj-lt"/>
+              <a:buAutoNum type="arabicPeriod"/>
+            </a:pPr>
+            <a:r>
+              <a:rPr lang="fr-FR" sz="2500" dirty="0" smtClean="0"/>
+              <a:t>Créer un fichier </a:t>
+            </a:r>
+            <a:r>
+              <a:rPr lang="fr-FR" sz="2500" dirty="0" err="1" smtClean="0"/>
+              <a:t>text</a:t>
+            </a:r>
+            <a:r>
+              <a:rPr lang="fr-FR" sz="2500" dirty="0" smtClean="0"/>
+              <a:t> et on le </a:t>
+            </a:r>
+            <a:r>
+              <a:rPr lang="fr-FR" sz="2500" dirty="0" err="1" smtClean="0"/>
+              <a:t>ommit</a:t>
+            </a:r>
+            <a:endParaRPr lang="fr-FR" sz="2500" dirty="0" smtClean="0"/>
+          </a:p>
+          <a:p>
+            <a:pPr marL="342900" indent="-342900">
+              <a:buFont typeface="+mj-lt"/>
+              <a:buAutoNum type="arabicPeriod"/>
+            </a:pPr>
+            <a:r>
+              <a:rPr lang="fr-FR" sz="2500" dirty="0" smtClean="0"/>
+              <a:t>Exécuté </a:t>
+            </a:r>
+            <a:r>
+              <a:rPr lang="fr-FR" sz="2500" dirty="0" err="1" smtClean="0"/>
+              <a:t>diff</a:t>
+            </a:r>
+            <a:r>
+              <a:rPr lang="fr-FR" sz="2500" dirty="0" smtClean="0"/>
+              <a:t> commande (rien e s’affiche)</a:t>
+            </a:r>
+          </a:p>
+          <a:p>
+            <a:pPr marL="342900" indent="-342900">
+              <a:buFont typeface="+mj-lt"/>
+              <a:buAutoNum type="arabicPeriod"/>
+            </a:pPr>
+            <a:r>
+              <a:rPr lang="fr-FR" sz="2500" dirty="0" smtClean="0"/>
+              <a:t>Modifié le fichier </a:t>
+            </a:r>
+            <a:r>
+              <a:rPr lang="fr-FR" sz="2500" dirty="0" err="1" smtClean="0"/>
+              <a:t>text</a:t>
+            </a:r>
+            <a:endParaRPr lang="fr-FR" sz="2500" dirty="0" smtClean="0"/>
+          </a:p>
+          <a:p>
+            <a:pPr marL="342900" indent="-342900">
+              <a:buFont typeface="+mj-lt"/>
+              <a:buAutoNum type="arabicPeriod"/>
+            </a:pPr>
+            <a:r>
+              <a:rPr lang="fr-FR" sz="2500" dirty="0" smtClean="0"/>
+              <a:t>Exécuté la commande </a:t>
+            </a:r>
+            <a:r>
+              <a:rPr lang="fr-FR" sz="2500" dirty="0" err="1" smtClean="0"/>
+              <a:t>dif</a:t>
+            </a:r>
+            <a:endParaRPr lang="fr-FR" sz="2500" dirty="0" smtClean="0"/>
+          </a:p>
+          <a:p>
+            <a:endParaRPr lang="fr-FR" dirty="0"/>
+          </a:p>
+        </p:txBody>
+      </p:sp>
+      <p:sp>
+        <p:nvSpPr>
+          <p:cNvPr id="2" name="ZoneTexte 1">
+            <a:hlinkClick r:id="rId3" action="ppaction://hlinksldjump"/>
+          </p:cNvPr>
+          <p:cNvSpPr txBox="1"/>
+          <p:nvPr/>
+        </p:nvSpPr>
+        <p:spPr>
+          <a:xfrm>
+            <a:off x="5351929" y="0"/>
+            <a:ext cx="6840071" cy="3508653"/>
+          </a:xfrm>
+          <a:prstGeom prst="rect">
+            <a:avLst/>
+          </a:prstGeom>
+          <a:noFill/>
+        </p:spPr>
+        <p:txBody>
+          <a:bodyPr wrap="square" rtlCol="0">
+            <a:spAutoFit/>
+          </a:bodyPr>
+          <a:lstStyle/>
+          <a:p>
+            <a:r>
+              <a:rPr lang="fr-FR" b="1" dirty="0" smtClean="0"/>
+              <a:t>Démo Log</a:t>
+            </a:r>
+          </a:p>
+          <a:p>
+            <a:pPr marL="342900" indent="-342900">
+              <a:buFont typeface="+mj-lt"/>
+              <a:buAutoNum type="arabicPeriod"/>
+            </a:pPr>
+            <a:r>
+              <a:rPr lang="fr-FR" dirty="0" err="1" smtClean="0"/>
+              <a:t>Predre</a:t>
+            </a:r>
+            <a:r>
+              <a:rPr lang="fr-FR" dirty="0" smtClean="0"/>
+              <a:t> projet </a:t>
+            </a:r>
+            <a:r>
+              <a:rPr lang="fr-FR" dirty="0" err="1" smtClean="0"/>
+              <a:t>stash</a:t>
+            </a:r>
+            <a:r>
+              <a:rPr lang="fr-FR" dirty="0" smtClean="0"/>
+              <a:t> ou bien clone </a:t>
+            </a:r>
+            <a:r>
+              <a:rPr lang="fr-FR" dirty="0" err="1">
+                <a:hlinkClick r:id="rId4"/>
+              </a:rPr>
+              <a:t>git@github.com:facebook</a:t>
+            </a:r>
+            <a:r>
+              <a:rPr lang="fr-FR" dirty="0">
+                <a:hlinkClick r:id="rId4"/>
+              </a:rPr>
+              <a:t>/</a:t>
+            </a:r>
+            <a:r>
+              <a:rPr lang="fr-FR" dirty="0" err="1">
+                <a:hlinkClick r:id="rId4"/>
+              </a:rPr>
+              <a:t>create-react-app.git</a:t>
+            </a:r>
+            <a:endParaRPr lang="fr-FR" dirty="0"/>
+          </a:p>
+          <a:p>
+            <a:endParaRPr lang="fr-FR" dirty="0" smtClean="0"/>
+          </a:p>
+          <a:p>
+            <a:pPr marL="342900" indent="-342900">
+              <a:buFont typeface="+mj-lt"/>
+              <a:buAutoNum type="arabicPeriod"/>
+            </a:pPr>
+            <a:r>
+              <a:rPr lang="fr-FR" dirty="0" err="1" smtClean="0"/>
+              <a:t>Workspace</a:t>
+            </a:r>
+            <a:r>
+              <a:rPr lang="fr-FR" dirty="0" smtClean="0"/>
+              <a:t> avec (file1.html,file2.html ,</a:t>
+            </a:r>
+            <a:r>
+              <a:rPr lang="fr-FR" dirty="0" err="1" smtClean="0"/>
+              <a:t>css</a:t>
+            </a:r>
+            <a:r>
+              <a:rPr lang="fr-FR" dirty="0" smtClean="0"/>
+              <a:t>/style.css)</a:t>
+            </a:r>
+          </a:p>
+          <a:p>
+            <a:pPr marL="342900" indent="-342900">
+              <a:buFont typeface="+mj-lt"/>
+              <a:buAutoNum type="arabicPeriod"/>
+            </a:pPr>
+            <a:r>
+              <a:rPr lang="fr-FR" dirty="0" err="1" smtClean="0"/>
+              <a:t>commite</a:t>
+            </a:r>
+            <a:r>
+              <a:rPr lang="fr-FR" dirty="0" smtClean="0"/>
+              <a:t> r « </a:t>
+            </a:r>
+            <a:r>
+              <a:rPr lang="fr-FR" dirty="0" err="1" smtClean="0"/>
+              <a:t>add</a:t>
+            </a:r>
+            <a:r>
+              <a:rPr lang="fr-FR" dirty="0" smtClean="0"/>
+              <a:t>  file1,file2,style»</a:t>
+            </a:r>
+          </a:p>
+          <a:p>
+            <a:pPr marL="342900" indent="-342900">
+              <a:buFont typeface="+mj-lt"/>
+              <a:buAutoNum type="arabicPeriod"/>
+            </a:pPr>
+            <a:r>
+              <a:rPr lang="fr-FR" dirty="0" smtClean="0"/>
+              <a:t>Changer file1,html indexer et </a:t>
+            </a:r>
+            <a:r>
+              <a:rPr lang="fr-FR" dirty="0" err="1" smtClean="0"/>
+              <a:t>commite</a:t>
+            </a:r>
+            <a:r>
+              <a:rPr lang="fr-FR" dirty="0" smtClean="0"/>
+              <a:t> </a:t>
+            </a:r>
+          </a:p>
+          <a:p>
+            <a:pPr marL="342900" indent="-342900">
+              <a:buFont typeface="+mj-lt"/>
+              <a:buAutoNum type="arabicPeriod"/>
+            </a:pPr>
+            <a:r>
+              <a:rPr lang="fr-FR" dirty="0" smtClean="0"/>
+              <a:t>Git log –n 1,git log ,git log --</a:t>
+            </a:r>
+            <a:r>
+              <a:rPr lang="fr-FR" dirty="0" err="1" smtClean="0"/>
+              <a:t>before</a:t>
+            </a:r>
+            <a:r>
+              <a:rPr lang="fr-FR" dirty="0" smtClean="0"/>
+              <a:t> 2022-12-19,git log –</a:t>
+            </a:r>
+            <a:r>
+              <a:rPr lang="fr-FR" dirty="0" err="1" smtClean="0"/>
+              <a:t>after</a:t>
+            </a:r>
+            <a:r>
+              <a:rPr lang="fr-FR" dirty="0" smtClean="0"/>
+              <a:t> 2022-12-20, git log –</a:t>
+            </a:r>
+            <a:r>
+              <a:rPr lang="fr-FR" dirty="0" err="1" smtClean="0"/>
+              <a:t>autor</a:t>
+            </a:r>
+            <a:r>
+              <a:rPr lang="fr-FR" dirty="0" smtClean="0"/>
+              <a:t>=‘’</a:t>
+            </a:r>
+            <a:r>
+              <a:rPr lang="fr-FR" dirty="0" err="1" smtClean="0"/>
+              <a:t>username</a:t>
+            </a:r>
+            <a:r>
+              <a:rPr lang="fr-FR" dirty="0" smtClean="0"/>
+              <a:t>’’, git  log – file1.html,git log </a:t>
+            </a:r>
+            <a:r>
+              <a:rPr lang="fr-FR" dirty="0" err="1" smtClean="0"/>
+              <a:t>com_id</a:t>
+            </a:r>
+            <a:r>
+              <a:rPr lang="fr-FR" dirty="0" smtClean="0"/>
+              <a:t> </a:t>
+            </a:r>
+            <a:r>
+              <a:rPr lang="fr-FR" dirty="0" err="1" smtClean="0"/>
+              <a:t>HEAD,git</a:t>
+            </a:r>
+            <a:r>
+              <a:rPr lang="fr-FR" dirty="0" smtClean="0"/>
+              <a:t> log –stat, git log --reverse</a:t>
+            </a:r>
+          </a:p>
+          <a:p>
+            <a:pPr marL="342900" indent="-342900">
+              <a:buFont typeface="+mj-lt"/>
+              <a:buAutoNum type="arabicPeriod"/>
+            </a:pPr>
+            <a:endParaRPr lang="fr-FR" dirty="0" smtClean="0"/>
+          </a:p>
+          <a:p>
+            <a:endParaRPr lang="fr-FR" b="1" dirty="0"/>
+          </a:p>
+        </p:txBody>
+      </p:sp>
+    </p:spTree>
+    <p:extLst>
+      <p:ext uri="{BB962C8B-B14F-4D97-AF65-F5344CB8AC3E}">
+        <p14:creationId xmlns:p14="http://schemas.microsoft.com/office/powerpoint/2010/main" val="1627218616"/>
+      </p:ext>
+    </p:extLst>
+  </p:cSld>
+  <p:clrMapOvr>
+    <a:masterClrMapping/>
+  </p:clrMapOvr>
+  <p:timing>
+    <p:tnLst>
+      <p:par>
+        <p:cTn id="1" dur="indefinite" restart="never" nodeType="tmRoot"/>
+      </p:par>
+    </p:tnLst>
+  </p:timing>
+</p:sld>
+</file>
+
+<file path=ppt/slides/slide34.xml><?xml version="1.0" encoding="utf-8"?>
 <p:sld xmlns:a="http://schemas.openxmlformats.org/drawingml/2006/main" xmlns:r="http://schemas.openxmlformats.org/officeDocument/2006/relationships" xmlns:p="http://schemas.openxmlformats.org/presentationml/2006/main">
   <p:cSld>
     <p:spTree>
@@ -19567,7 +20573,7 @@
         </p:nvSpPr>
         <p:spPr>
           <a:xfrm>
-            <a:off x="299802" y="164891"/>
+            <a:off x="299802" y="0"/>
             <a:ext cx="11392526" cy="3754874"/>
           </a:xfrm>
           <a:prstGeom prst="rect">
@@ -19843,461 +20849,6 @@
     <p:extLst>
       <p:ext uri="{BB962C8B-B14F-4D97-AF65-F5344CB8AC3E}">
         <p14:creationId xmlns:p14="http://schemas.microsoft.com/office/powerpoint/2010/main" val="1190727528"/>
-      </p:ext>
-    </p:extLst>
-  </p:cSld>
-  <p:clrMapOvr>
-    <a:masterClrMapping/>
-  </p:clrMapOvr>
-  <p:timing>
-    <p:tnLst>
-      <p:par>
-        <p:cTn id="1" dur="indefinite" restart="never" nodeType="tmRoot"/>
-      </p:par>
-    </p:tnLst>
-  </p:timing>
-</p:sld>
-</file>
-
-<file path=ppt/slides/slide34.xml><?xml version="1.0" encoding="utf-8"?>
-<p:sld xmlns:a="http://schemas.openxmlformats.org/drawingml/2006/main" xmlns:r="http://schemas.openxmlformats.org/officeDocument/2006/relationships" xmlns:p="http://schemas.openxmlformats.org/presentationml/2006/main">
-  <p:cSld>
-    <p:spTree>
-      <p:nvGrpSpPr>
-        <p:cNvPr id="1" name=""/>
-        <p:cNvGrpSpPr/>
-        <p:nvPr/>
-      </p:nvGrpSpPr>
-      <p:grpSpPr>
-        <a:xfrm>
-          <a:off x="0" y="0"/>
-          <a:ext cx="0" cy="0"/>
-          <a:chOff x="0" y="0"/>
-          <a:chExt cx="0" cy="0"/>
-        </a:xfrm>
-      </p:grpSpPr>
-      <p:sp>
-        <p:nvSpPr>
-          <p:cNvPr id="2" name="Titre 1"/>
-          <p:cNvSpPr>
-            <a:spLocks noGrp="1"/>
-          </p:cNvSpPr>
-          <p:nvPr>
-            <p:ph type="title"/>
-          </p:nvPr>
-        </p:nvSpPr>
-        <p:spPr>
-          <a:xfrm>
-            <a:off x="3611381" y="0"/>
-            <a:ext cx="4198495" cy="579255"/>
-          </a:xfrm>
-        </p:spPr>
-        <p:txBody>
-          <a:bodyPr>
-            <a:normAutofit fontScale="90000"/>
-          </a:bodyPr>
-          <a:lstStyle/>
-          <a:p>
-            <a:r>
-              <a:rPr lang="fr-FR" dirty="0" err="1" smtClean="0"/>
-              <a:t>Revert</a:t>
-            </a:r>
-            <a:r>
-              <a:rPr lang="fr-FR" dirty="0" smtClean="0"/>
-              <a:t> Commande</a:t>
-            </a:r>
-            <a:endParaRPr lang="fr-FR" dirty="0"/>
-          </a:p>
-        </p:txBody>
-      </p:sp>
-      <p:sp>
-        <p:nvSpPr>
-          <p:cNvPr id="4" name="ZoneTexte 3">
-            <a:hlinkClick r:id="rId2" action="ppaction://hlinksldjump"/>
-          </p:cNvPr>
-          <p:cNvSpPr txBox="1"/>
-          <p:nvPr/>
-        </p:nvSpPr>
-        <p:spPr>
-          <a:xfrm>
-            <a:off x="182379" y="803828"/>
-            <a:ext cx="8504421" cy="4412490"/>
-          </a:xfrm>
-          <a:prstGeom prst="rect">
-            <a:avLst/>
-          </a:prstGeom>
-          <a:noFill/>
-        </p:spPr>
-        <p:txBody>
-          <a:bodyPr wrap="square" rtlCol="0">
-            <a:spAutoFit/>
-          </a:bodyPr>
-          <a:lstStyle/>
-          <a:p>
-            <a:r>
-              <a:rPr lang="fr-FR" sz="2800" b="1" u="sng" dirty="0" smtClean="0"/>
-              <a:t>récupère un </a:t>
-            </a:r>
-            <a:r>
-              <a:rPr lang="fr-FR" sz="2800" b="1" u="sng" dirty="0"/>
-              <a:t>fichier </a:t>
-            </a:r>
-            <a:r>
-              <a:rPr lang="fr-FR" sz="2800" b="1" u="sng" dirty="0" smtClean="0"/>
-              <a:t>supprimé(</a:t>
-            </a:r>
-            <a:r>
-              <a:rPr lang="fr-FR" sz="2800" b="1" u="sng" dirty="0" err="1" smtClean="0"/>
-              <a:t>Revert</a:t>
-            </a:r>
-            <a:r>
-              <a:rPr lang="fr-FR" sz="2800" b="1" u="sng" dirty="0" smtClean="0"/>
-              <a:t>)</a:t>
-            </a:r>
-          </a:p>
-          <a:p>
-            <a:pPr marL="514350" indent="-514350">
-              <a:lnSpc>
-                <a:spcPct val="90000"/>
-              </a:lnSpc>
-              <a:spcBef>
-                <a:spcPts val="1000"/>
-              </a:spcBef>
-              <a:buFont typeface="+mj-lt"/>
-              <a:buAutoNum type="arabicPeriod"/>
-            </a:pPr>
-            <a:r>
-              <a:rPr lang="fr-FR" sz="2800" dirty="0"/>
-              <a:t>1.Git </a:t>
-            </a:r>
-            <a:r>
-              <a:rPr lang="fr-FR" sz="2800" dirty="0" smtClean="0"/>
-              <a:t>init</a:t>
-            </a:r>
-          </a:p>
-          <a:p>
-            <a:pPr marL="514350" indent="-514350">
-              <a:lnSpc>
-                <a:spcPct val="90000"/>
-              </a:lnSpc>
-              <a:spcBef>
-                <a:spcPts val="1000"/>
-              </a:spcBef>
-              <a:buFont typeface="+mj-lt"/>
-              <a:buAutoNum type="arabicPeriod"/>
-            </a:pPr>
-            <a:r>
-              <a:rPr lang="fr-FR" sz="2800" dirty="0" smtClean="0"/>
-              <a:t>Faire des </a:t>
-            </a:r>
-            <a:r>
-              <a:rPr lang="fr-FR" sz="2800" dirty="0" err="1" smtClean="0"/>
-              <a:t>comit</a:t>
-            </a:r>
-            <a:r>
-              <a:rPr lang="fr-FR" sz="2800" dirty="0" smtClean="0"/>
-              <a:t> s</a:t>
-            </a:r>
-          </a:p>
-          <a:p>
-            <a:pPr marL="514350" indent="-514350">
-              <a:lnSpc>
-                <a:spcPct val="90000"/>
-              </a:lnSpc>
-              <a:spcBef>
-                <a:spcPts val="1000"/>
-              </a:spcBef>
-              <a:buFont typeface="+mj-lt"/>
-              <a:buAutoNum type="arabicPeriod"/>
-            </a:pPr>
-            <a:r>
-              <a:rPr lang="fr-FR" sz="2800" dirty="0" smtClean="0"/>
-              <a:t>Supprimer un fichier + commit</a:t>
-            </a:r>
-          </a:p>
-          <a:p>
-            <a:pPr marL="514350" indent="-514350">
-              <a:lnSpc>
-                <a:spcPct val="90000"/>
-              </a:lnSpc>
-              <a:spcBef>
-                <a:spcPts val="1000"/>
-              </a:spcBef>
-              <a:buFont typeface="+mj-lt"/>
-              <a:buAutoNum type="arabicPeriod"/>
-            </a:pPr>
-            <a:r>
-              <a:rPr lang="fr-FR" sz="2800" dirty="0" smtClean="0"/>
-              <a:t>Faire des </a:t>
-            </a:r>
-            <a:r>
-              <a:rPr lang="fr-FR" sz="2800" dirty="0" err="1" smtClean="0"/>
-              <a:t>commits</a:t>
-            </a:r>
-            <a:endParaRPr lang="fr-FR" sz="2800" dirty="0" smtClean="0"/>
-          </a:p>
-          <a:p>
-            <a:pPr marL="514350" indent="-514350">
-              <a:lnSpc>
-                <a:spcPct val="90000"/>
-              </a:lnSpc>
-              <a:spcBef>
-                <a:spcPts val="1000"/>
-              </a:spcBef>
-              <a:buFont typeface="+mj-lt"/>
-              <a:buAutoNum type="arabicPeriod"/>
-            </a:pPr>
-            <a:r>
-              <a:rPr lang="fr-FR" sz="2800" dirty="0" err="1" smtClean="0"/>
-              <a:t>Recherch</a:t>
-            </a:r>
-            <a:r>
-              <a:rPr lang="fr-FR" sz="2800" dirty="0" smtClean="0"/>
-              <a:t> commit qui a supprimer le fich</a:t>
-            </a:r>
-          </a:p>
-          <a:p>
-            <a:pPr marL="342900" indent="-342900">
-              <a:lnSpc>
-                <a:spcPct val="90000"/>
-              </a:lnSpc>
-              <a:spcBef>
-                <a:spcPts val="1000"/>
-              </a:spcBef>
-              <a:buFont typeface="Arial" panose="020B0604020202020204" pitchFamily="34" charset="0"/>
-              <a:buChar char="•"/>
-            </a:pPr>
-            <a:r>
-              <a:rPr lang="fr-FR" sz="2800" dirty="0"/>
-              <a:t>g</a:t>
-            </a:r>
-            <a:r>
-              <a:rPr lang="fr-FR" sz="2800" dirty="0" smtClean="0"/>
-              <a:t>it log  --</a:t>
-            </a:r>
-            <a:r>
-              <a:rPr lang="fr-FR" sz="2800" dirty="0" err="1" smtClean="0"/>
-              <a:t>diff-filter</a:t>
-            </a:r>
-            <a:r>
-              <a:rPr lang="fr-FR" sz="2800" dirty="0" smtClean="0"/>
-              <a:t>=D –</a:t>
-            </a:r>
-            <a:r>
-              <a:rPr lang="fr-FR" sz="2800" dirty="0" err="1" smtClean="0"/>
-              <a:t>summary</a:t>
-            </a:r>
-            <a:endParaRPr lang="fr-FR" sz="2800" dirty="0" smtClean="0"/>
-          </a:p>
-          <a:p>
-            <a:pPr marL="342900" indent="-342900">
-              <a:lnSpc>
-                <a:spcPct val="90000"/>
-              </a:lnSpc>
-              <a:spcBef>
-                <a:spcPts val="1000"/>
-              </a:spcBef>
-              <a:buFont typeface="Arial" panose="020B0604020202020204" pitchFamily="34" charset="0"/>
-              <a:buChar char="•"/>
-            </a:pPr>
-            <a:r>
-              <a:rPr lang="fr-FR" sz="2800" dirty="0" smtClean="0"/>
-              <a:t>git </a:t>
-            </a:r>
-            <a:r>
-              <a:rPr lang="fr-FR" sz="2800" dirty="0" err="1" smtClean="0"/>
-              <a:t>revert</a:t>
-            </a:r>
-            <a:r>
-              <a:rPr lang="fr-FR" sz="2800" dirty="0" smtClean="0"/>
-              <a:t> SHA-1</a:t>
-            </a:r>
-          </a:p>
-          <a:p>
-            <a:endParaRPr lang="fr-FR" dirty="0"/>
-          </a:p>
-        </p:txBody>
-      </p:sp>
-      <p:sp>
-        <p:nvSpPr>
-          <p:cNvPr id="6" name="ZoneTexte 5"/>
-          <p:cNvSpPr txBox="1"/>
-          <p:nvPr/>
-        </p:nvSpPr>
-        <p:spPr>
-          <a:xfrm>
-            <a:off x="6715905" y="1117760"/>
-            <a:ext cx="5266543" cy="3784626"/>
-          </a:xfrm>
-          <a:prstGeom prst="rect">
-            <a:avLst/>
-          </a:prstGeom>
-          <a:noFill/>
-        </p:spPr>
-        <p:txBody>
-          <a:bodyPr wrap="square" rtlCol="0">
-            <a:spAutoFit/>
-          </a:bodyPr>
-          <a:lstStyle/>
-          <a:p>
-            <a:r>
-              <a:rPr lang="fr-FR" sz="2400" b="1" u="sng" dirty="0" smtClean="0"/>
-              <a:t>Démo </a:t>
-            </a:r>
-            <a:r>
-              <a:rPr lang="fr-FR" sz="2400" b="1" u="sng" dirty="0" err="1" smtClean="0"/>
-              <a:t>Revert</a:t>
-            </a:r>
-            <a:endParaRPr lang="fr-FR" sz="2400" b="1" u="sng" dirty="0" smtClean="0"/>
-          </a:p>
-          <a:p>
-            <a:pPr marL="514350" indent="-514350">
-              <a:lnSpc>
-                <a:spcPct val="90000"/>
-              </a:lnSpc>
-              <a:spcBef>
-                <a:spcPts val="1000"/>
-              </a:spcBef>
-              <a:buFont typeface="+mj-lt"/>
-              <a:buAutoNum type="arabicPeriod"/>
-            </a:pPr>
-            <a:r>
-              <a:rPr lang="fr-FR" sz="2400" dirty="0"/>
-              <a:t>1.Git </a:t>
-            </a:r>
-            <a:r>
-              <a:rPr lang="fr-FR" sz="2400" dirty="0" smtClean="0"/>
-              <a:t>init</a:t>
-            </a:r>
-          </a:p>
-          <a:p>
-            <a:pPr marL="457200" indent="-457200">
-              <a:buFont typeface="+mj-lt"/>
-              <a:buAutoNum type="arabicPeriod"/>
-            </a:pPr>
-            <a:r>
-              <a:rPr lang="fr-FR" sz="2400" dirty="0" err="1" smtClean="0"/>
-              <a:t>echo</a:t>
-            </a:r>
-            <a:r>
-              <a:rPr lang="fr-FR" sz="2400" dirty="0" smtClean="0"/>
-              <a:t>(</a:t>
-            </a:r>
-            <a:r>
-              <a:rPr lang="fr-FR" sz="2400" dirty="0" err="1" smtClean="0"/>
-              <a:t>some</a:t>
-            </a:r>
-            <a:r>
-              <a:rPr lang="fr-FR" sz="2400" dirty="0" smtClean="0"/>
-              <a:t> </a:t>
-            </a:r>
-            <a:r>
-              <a:rPr lang="fr-FR" sz="2400" dirty="0" err="1" smtClean="0"/>
-              <a:t>text</a:t>
-            </a:r>
-            <a:r>
-              <a:rPr lang="fr-FR" sz="2400" dirty="0" smtClean="0"/>
-              <a:t>) &gt;&gt; README.md</a:t>
-            </a:r>
-          </a:p>
-          <a:p>
-            <a:pPr marL="457200" indent="-457200">
-              <a:buFont typeface="+mj-lt"/>
-              <a:buAutoNum type="arabicPeriod"/>
-            </a:pPr>
-            <a:r>
-              <a:rPr lang="fr-FR" sz="2400" dirty="0" smtClean="0"/>
-              <a:t>git </a:t>
-            </a:r>
-            <a:r>
-              <a:rPr lang="fr-FR" sz="2400" dirty="0" err="1" smtClean="0"/>
-              <a:t>add</a:t>
-            </a:r>
-            <a:r>
-              <a:rPr lang="fr-FR" sz="2400" dirty="0" smtClean="0"/>
-              <a:t> .</a:t>
-            </a:r>
-          </a:p>
-          <a:p>
-            <a:pPr marL="457200" indent="-457200">
-              <a:buFont typeface="+mj-lt"/>
-              <a:buAutoNum type="arabicPeriod"/>
-            </a:pPr>
-            <a:r>
-              <a:rPr lang="fr-FR" sz="2400" dirty="0" smtClean="0"/>
-              <a:t>Git commit –m « </a:t>
-            </a:r>
-            <a:r>
-              <a:rPr lang="fr-FR" sz="2400" dirty="0" err="1" smtClean="0"/>
-              <a:t>iniyial</a:t>
-            </a:r>
-            <a:r>
-              <a:rPr lang="fr-FR" sz="2400" dirty="0" smtClean="0"/>
-              <a:t> commit »</a:t>
-            </a:r>
-          </a:p>
-          <a:p>
-            <a:pPr marL="457200" indent="-457200">
-              <a:buFont typeface="+mj-lt"/>
-              <a:buAutoNum type="arabicPeriod"/>
-            </a:pPr>
-            <a:r>
-              <a:rPr lang="fr-FR" sz="2400" dirty="0"/>
-              <a:t>Echo ‘bas update’ &gt;&gt; README.md</a:t>
-            </a:r>
-          </a:p>
-          <a:p>
-            <a:pPr marL="457200" indent="-457200">
-              <a:buFont typeface="+mj-lt"/>
-              <a:buAutoNum type="arabicPeriod"/>
-            </a:pPr>
-            <a:r>
-              <a:rPr lang="fr-FR" sz="2400" dirty="0"/>
-              <a:t>git commit –m ’’ bas update’’</a:t>
-            </a:r>
-          </a:p>
-          <a:p>
-            <a:pPr marL="457200" indent="-457200">
-              <a:buFont typeface="+mj-lt"/>
-              <a:buAutoNum type="arabicPeriod"/>
-            </a:pPr>
-            <a:r>
-              <a:rPr lang="fr-FR" sz="2400" dirty="0" smtClean="0"/>
-              <a:t>git </a:t>
-            </a:r>
-            <a:r>
-              <a:rPr lang="fr-FR" sz="2400" dirty="0" err="1"/>
-              <a:t>revert</a:t>
-            </a:r>
-            <a:r>
-              <a:rPr lang="fr-FR" sz="2400" dirty="0"/>
-              <a:t> </a:t>
-            </a:r>
-            <a:r>
-              <a:rPr lang="fr-FR" sz="2400" dirty="0" smtClean="0"/>
-              <a:t>SHA-1(faire le changement)</a:t>
-            </a:r>
-            <a:endParaRPr lang="fr-FR" sz="2400" dirty="0"/>
-          </a:p>
-          <a:p>
-            <a:pPr marL="457200" indent="-457200">
-              <a:buFont typeface="+mj-lt"/>
-              <a:buAutoNum type="arabicPeriod"/>
-            </a:pPr>
-            <a:r>
-              <a:rPr lang="fr-FR" sz="2400" dirty="0"/>
-              <a:t>Git commit -a</a:t>
-            </a:r>
-          </a:p>
-          <a:p>
-            <a:endParaRPr lang="fr-FR" dirty="0"/>
-          </a:p>
-        </p:txBody>
-      </p:sp>
-    </p:spTree>
-    <p:extLst>
-      <p:ext uri="{BB962C8B-B14F-4D97-AF65-F5344CB8AC3E}">
-        <p14:creationId xmlns:p14="http://schemas.microsoft.com/office/powerpoint/2010/main" val="1885346825"/>
       </p:ext>
     </p:extLst>
   </p:cSld>
@@ -20333,14 +20884,50 @@
       </p:grpSpPr>
       <p:sp>
         <p:nvSpPr>
-          <p:cNvPr id="4" name="ZoneTexte 3"/>
+          <p:cNvPr id="2" name="Titre 1"/>
+          <p:cNvSpPr>
+            <a:spLocks noGrp="1"/>
+          </p:cNvSpPr>
+          <p:nvPr>
+            <p:ph type="title"/>
+          </p:nvPr>
+        </p:nvSpPr>
+        <p:spPr>
+          <a:xfrm>
+            <a:off x="10236299" y="0"/>
+            <a:ext cx="1955701" cy="579255"/>
+          </a:xfrm>
+        </p:spPr>
+        <p:txBody>
+          <a:bodyPr>
+            <a:normAutofit/>
+          </a:bodyPr>
+          <a:lstStyle/>
+          <a:p>
+            <a:r>
+              <a:rPr lang="fr-FR" sz="1800" dirty="0" err="1" smtClean="0"/>
+              <a:t>Revert</a:t>
+            </a:r>
+            <a:r>
+              <a:rPr lang="fr-FR" sz="1800" dirty="0" smtClean="0"/>
+              <a:t> Commande</a:t>
+            </a:r>
+            <a:endParaRPr lang="fr-FR" sz="1800" dirty="0"/>
+          </a:p>
+        </p:txBody>
+      </p:sp>
+      <p:sp>
+        <p:nvSpPr>
+          <p:cNvPr id="4" name="ZoneTexte 3">
+            <a:hlinkClick r:id="rId2" action="ppaction://hlinksldjump"/>
+          </p:cNvPr>
           <p:cNvSpPr txBox="1"/>
           <p:nvPr/>
         </p:nvSpPr>
         <p:spPr>
           <a:xfrm>
-            <a:off x="1276350" y="735383"/>
-            <a:ext cx="8648700" cy="3896451"/>
+            <a:off x="0" y="0"/>
+            <a:ext cx="4779585" cy="3289106"/>
           </a:xfrm>
           <a:prstGeom prst="rect">
             <a:avLst/>
@@ -20354,27 +20941,23 @@
           <a:lstStyle/>
           <a:p>
             <a:r>
-              <a:rPr lang="fr-FR" sz="2800" b="1" u="sng" dirty="0" err="1" smtClean="0"/>
-              <a:t>recupere</a:t>
-            </a:r>
-            <a:r>
-              <a:rPr lang="fr-FR" sz="2800" b="1" u="sng" dirty="0" smtClean="0"/>
-              <a:t> un </a:t>
-            </a:r>
-            <a:r>
-              <a:rPr lang="fr-FR" sz="2800" b="1" u="sng" dirty="0"/>
+              <a:rPr lang="fr-FR" b="1" u="sng" dirty="0" smtClean="0"/>
+              <a:t>récupère un </a:t>
+            </a:r>
+            <a:r>
+              <a:rPr lang="fr-FR" b="1" u="sng" dirty="0"/>
               <a:t>fichier </a:t>
             </a:r>
             <a:r>
-              <a:rPr lang="fr-FR" sz="2800" b="1" u="sng" dirty="0" smtClean="0"/>
+              <a:rPr lang="fr-FR" b="1" u="sng" dirty="0" smtClean="0"/>
               <a:t>supprimé(</a:t>
             </a:r>
             <a:r>
-              <a:rPr lang="fr-FR" sz="2800" b="1" u="sng" dirty="0" err="1" smtClean="0"/>
-              <a:t>Checkout</a:t>
-            </a:r>
-            <a:r>
-              <a:rPr lang="fr-FR" sz="2800" b="1" u="sng" dirty="0" smtClean="0"/>
+              <a:rPr lang="fr-FR" b="1" u="sng" dirty="0" err="1" smtClean="0"/>
+              <a:t>Revert</a:t>
+            </a:r>
+            <a:r>
+              <a:rPr lang="fr-FR" b="1" u="sng" dirty="0" smtClean="0"/>
               <a:t>)</a:t>
             </a:r>
           </a:p>
@@ -20390,16 +20973,12 @@
               <a:buAutoNum type="arabicPeriod"/>
             </a:pPr>
             <a:r>
-              <a:rPr lang="fr-FR" sz="2800" dirty="0" smtClean="0"/>
-              <a:t>Faire des </a:t>
-            </a:r>
-            <a:r>
-              <a:rPr lang="fr-FR" sz="2800" dirty="0" err="1" smtClean="0"/>
-              <a:t>comit</a:t>
-            </a:r>
-            <a:r>
-              <a:rPr lang="fr-FR" sz="2800" dirty="0" smtClean="0"/>
-              <a:t> s</a:t>
+              <a:rPr lang="fr-FR" dirty="0"/>
+              <a:t>1.Git </a:t>
+            </a:r>
+            <a:r>
+              <a:rPr lang="fr-FR" dirty="0" smtClean="0"/>
+              <a:t>init</a:t>
             </a:r>
           </a:p>
           <a:p>
@@ -20414,8 +20993,16 @@
               <a:buAutoNum type="arabicPeriod"/>
             </a:pPr>
             <a:r>
-              <a:rPr lang="fr-FR" sz="2800" dirty="0" smtClean="0"/>
-              <a:t>Supprimer un fichier + commit</a:t>
+              <a:rPr lang="fr-FR" dirty="0" smtClean="0"/>
+              <a:t>Faire des </a:t>
+            </a:r>
+            <a:r>
+              <a:rPr lang="fr-FR" dirty="0" err="1" smtClean="0"/>
+              <a:t>comit</a:t>
+            </a:r>
+            <a:r>
+              <a:rPr lang="fr-FR" dirty="0" smtClean="0"/>
+              <a:t> s</a:t>
             </a:r>
           </a:p>
           <a:p>
@@ -20430,14 +21017,9 @@
               <a:buAutoNum type="arabicPeriod"/>
             </a:pPr>
             <a:r>
-              <a:rPr lang="fr-FR" sz="2800" dirty="0" smtClean="0"/>
-              <a:t>Faire des </a:t>
-            </a:r>
-            <a:r>
-              <a:rPr lang="fr-FR" sz="2800" dirty="0" err="1" smtClean="0"/>
-              <a:t>commits</a:t>
-            </a:r>
-            <a:endParaRPr lang="fr-FR" sz="2800" dirty="0" smtClean="0"/>
+              <a:rPr lang="fr-FR" dirty="0" smtClean="0"/>
+              <a:t>Supprimer un fichier + commit</a:t>
+            </a:r>
           </a:p>
           <a:p>
             <a:pPr marL="514350" indent="-514350">
@@ -20451,13 +21033,39 @@
               <a:buAutoNum type="arabicPeriod"/>
             </a:pPr>
             <a:r>
-              <a:rPr lang="fr-FR" sz="2800" dirty="0" err="1" smtClean="0"/>
+              <a:rPr lang="fr-FR" dirty="0" smtClean="0"/>
+              <a:t>Faire des </a:t>
+            </a:r>
+            <a:r>
+              <a:rPr lang="fr-FR" dirty="0" err="1" smtClean="0"/>
+              <a:t>commits</a:t>
+            </a:r>
+            <a:endParaRPr lang="fr-FR" dirty="0" smtClean="0"/>
+          </a:p>
+          <a:p>
+            <a:pPr marL="514350" indent="-514350">
+              <a:lnSpc>
+                <a:spcPct val="90000"/>
+              </a:lnSpc>
+              <a:spcBef>
+                <a:spcPts val="1000"/>
+              </a:spcBef>
+              <a:buFont typeface="+mj-lt"/>
+              <a:buAutoNum type="arabicPeriod"/>
+            </a:pPr>
+            <a:r>
+              <a:rPr lang="fr-FR" dirty="0" err="1" smtClean="0"/>
               <a:t>Recherch</a:t>
             </a:r>
             <a:r>
-              <a:rPr lang="fr-FR" sz="2800" dirty="0" smtClean="0"/>
-              <a:t> commit qui a supprimer le fich</a:t>
-            </a:r>
+              <a:rPr lang="fr-FR" dirty="0" smtClean="0"/>
+              <a:t> commit qui a supprimer le </a:t>
+            </a:r>
+            <a:r>
+              <a:rPr lang="fr-FR" dirty="0" smtClean="0"/>
+              <a:t>fichier</a:t>
+            </a:r>
+            <a:endParaRPr lang="fr-FR" dirty="0" smtClean="0"/>
           </a:p>
           <a:p>
             <a:pPr marL="342900" indent="-342900">
@@ -20471,29 +21079,26 @@
               <a:buChar char="•"/>
             </a:pPr>
             <a:r>
-              <a:rPr lang="fr-FR" sz="2800" dirty="0"/>
+              <a:rPr lang="fr-FR" dirty="0"/>
               <a:t>g</a:t>
             </a:r>
             <a:r>
-              <a:rPr lang="fr-FR" sz="2800" dirty="0" smtClean="0"/>
+              <a:rPr lang="fr-FR" dirty="0" smtClean="0"/>
               <a:t>it log  --</a:t>
             </a:r>
             <a:r>
-              <a:rPr lang="fr-FR" sz="2800" dirty="0" err="1" smtClean="0"/>
+              <a:rPr lang="fr-FR" dirty="0" err="1" smtClean="0"/>
               <a:t>diff-filter</a:t>
             </a:r>
             <a:r>
-              <a:rPr lang="fr-FR" sz="2800" dirty="0" smtClean="0"/>
+              <a:rPr lang="fr-FR" dirty="0" smtClean="0"/>
               <a:t>=D –</a:t>
             </a:r>
             <a:r>
-              <a:rPr lang="fr-FR" sz="2800" dirty="0" err="1" smtClean="0"/>
+              <a:rPr lang="fr-FR" dirty="0" err="1" smtClean="0"/>
               <a:t>summary</a:t>
             </a:r>
-            <a:r>
-              <a:rPr lang="fr-FR" sz="2800" dirty="0" smtClean="0"/>
-              <a:t> / git log  -n 5</a:t>
-            </a:r>
+            <a:endParaRPr lang="fr-FR" dirty="0" smtClean="0"/>
           </a:p>
           <a:p>
             <a:pPr marL="342900" indent="-342900">
@@ -20507,24 +21112,533 @@
               <a:buChar char="•"/>
             </a:pPr>
             <a:r>
-              <a:rPr lang="fr-FR" sz="2800" dirty="0" smtClean="0"/>
-              <a:t>git  </a:t>
-            </a:r>
-            <a:r>
-              <a:rPr lang="fr-FR" sz="2800" dirty="0" err="1" smtClean="0"/>
-              <a:t>checkout</a:t>
-            </a:r>
-            <a:r>
-              <a:rPr lang="fr-FR" sz="2800" dirty="0" smtClean="0"/>
-              <a:t> SHA-1~1 </a:t>
-            </a:r>
-            <a:r>
-              <a:rPr lang="fr-FR" sz="2800" dirty="0" err="1" smtClean="0"/>
-              <a:t>filename</a:t>
-            </a:r>
-            <a:endParaRPr lang="fr-FR" sz="2800" dirty="0" smtClean="0"/>
-          </a:p>
-          <a:p>
+              <a:rPr lang="fr-FR" dirty="0" smtClean="0"/>
+              <a:t>git </a:t>
+            </a:r>
+            <a:r>
+              <a:rPr lang="fr-FR" dirty="0" err="1" smtClean="0"/>
+              <a:t>revert</a:t>
+            </a:r>
+            <a:r>
+              <a:rPr lang="fr-FR" dirty="0" smtClean="0"/>
+              <a:t> SHA-1</a:t>
+            </a:r>
+          </a:p>
+          <a:p>
+            <a:endParaRPr lang="fr-FR" dirty="0"/>
+          </a:p>
+        </p:txBody>
+      </p:sp>
+      <p:sp>
+        <p:nvSpPr>
+          <p:cNvPr id="6" name="ZoneTexte 5">
+            <a:hlinkClick r:id="rId2" action="ppaction://hlinksldjump"/>
+          </p:cNvPr>
+          <p:cNvSpPr txBox="1"/>
+          <p:nvPr/>
+        </p:nvSpPr>
+        <p:spPr>
+          <a:xfrm>
+            <a:off x="5757694" y="83735"/>
+            <a:ext cx="4085553" cy="3239861"/>
+          </a:xfrm>
+          <a:prstGeom prst="rect">
+            <a:avLst/>
+          </a:prstGeom>
+          <a:noFill/>
+        </p:spPr>
+        <p:txBody>
+          <a:bodyPr wrap="square" rtlCol="0">
+            <a:spAutoFit/>
+          </a:bodyPr>
+          <a:lstStyle/>
+          <a:p>
+            <a:r>
+              <a:rPr lang="fr-FR" b="1" u="sng" dirty="0" smtClean="0"/>
+              <a:t>Démo </a:t>
+            </a:r>
+            <a:r>
+              <a:rPr lang="fr-FR" b="1" u="sng" dirty="0" err="1" smtClean="0"/>
+              <a:t>Revert</a:t>
+            </a:r>
+            <a:endParaRPr lang="fr-FR" b="1" u="sng" dirty="0" smtClean="0"/>
+          </a:p>
+          <a:p>
+            <a:pPr marL="514350" indent="-514350">
+              <a:lnSpc>
+                <a:spcPct val="90000"/>
+              </a:lnSpc>
+              <a:spcBef>
+                <a:spcPts val="1000"/>
+              </a:spcBef>
+              <a:buFont typeface="+mj-lt"/>
+              <a:buAutoNum type="arabicPeriod"/>
+            </a:pPr>
+            <a:r>
+              <a:rPr lang="fr-FR" dirty="0"/>
+              <a:t>1.Git </a:t>
+            </a:r>
+            <a:r>
+              <a:rPr lang="fr-FR" dirty="0" smtClean="0"/>
+              <a:t>init</a:t>
+            </a:r>
+          </a:p>
+          <a:p>
+            <a:pPr marL="457200" indent="-457200">
+              <a:buFont typeface="+mj-lt"/>
+              <a:buAutoNum type="arabicPeriod"/>
+            </a:pPr>
+            <a:r>
+              <a:rPr lang="fr-FR" dirty="0" err="1" smtClean="0"/>
+              <a:t>echo</a:t>
+            </a:r>
+            <a:r>
+              <a:rPr lang="fr-FR" dirty="0" smtClean="0"/>
+              <a:t>(</a:t>
+            </a:r>
+            <a:r>
+              <a:rPr lang="fr-FR" dirty="0" err="1" smtClean="0"/>
+              <a:t>some</a:t>
+            </a:r>
+            <a:r>
+              <a:rPr lang="fr-FR" dirty="0" smtClean="0"/>
+              <a:t> </a:t>
+            </a:r>
+            <a:r>
+              <a:rPr lang="fr-FR" dirty="0" err="1" smtClean="0"/>
+              <a:t>text</a:t>
+            </a:r>
+            <a:r>
+              <a:rPr lang="fr-FR" dirty="0" smtClean="0"/>
+              <a:t>) &gt;&gt; README.md</a:t>
+            </a:r>
+          </a:p>
+          <a:p>
+            <a:pPr marL="457200" indent="-457200">
+              <a:buFont typeface="+mj-lt"/>
+              <a:buAutoNum type="arabicPeriod"/>
+            </a:pPr>
+            <a:r>
+              <a:rPr lang="fr-FR" dirty="0" smtClean="0"/>
+              <a:t>git </a:t>
+            </a:r>
+            <a:r>
+              <a:rPr lang="fr-FR" dirty="0" err="1" smtClean="0"/>
+              <a:t>add</a:t>
+            </a:r>
+            <a:r>
+              <a:rPr lang="fr-FR" dirty="0" smtClean="0"/>
+              <a:t> .</a:t>
+            </a:r>
+          </a:p>
+          <a:p>
+            <a:pPr marL="457200" indent="-457200">
+              <a:buFont typeface="+mj-lt"/>
+              <a:buAutoNum type="arabicPeriod"/>
+            </a:pPr>
+            <a:r>
+              <a:rPr lang="fr-FR" dirty="0" smtClean="0"/>
+              <a:t>Git commit –m « </a:t>
+            </a:r>
+            <a:r>
+              <a:rPr lang="fr-FR" dirty="0" smtClean="0"/>
+              <a:t>initial </a:t>
+            </a:r>
+            <a:r>
+              <a:rPr lang="fr-FR" dirty="0" smtClean="0"/>
+              <a:t>commit »</a:t>
+            </a:r>
+          </a:p>
+          <a:p>
+            <a:pPr marL="457200" indent="-457200">
+              <a:buFont typeface="+mj-lt"/>
+              <a:buAutoNum type="arabicPeriod"/>
+            </a:pPr>
+            <a:r>
+              <a:rPr lang="fr-FR" dirty="0"/>
+              <a:t>Echo ‘bas update’ &gt;&gt; README.md</a:t>
+            </a:r>
+          </a:p>
+          <a:p>
+            <a:pPr marL="457200" indent="-457200">
+              <a:buFont typeface="+mj-lt"/>
+              <a:buAutoNum type="arabicPeriod"/>
+            </a:pPr>
+            <a:r>
+              <a:rPr lang="fr-FR" dirty="0"/>
+              <a:t>git commit –m ’’ </a:t>
+            </a:r>
+            <a:r>
+              <a:rPr lang="fr-FR" dirty="0" err="1" smtClean="0"/>
+              <a:t>bad</a:t>
+            </a:r>
+            <a:r>
+              <a:rPr lang="fr-FR" dirty="0" smtClean="0"/>
+              <a:t> </a:t>
+            </a:r>
+            <a:r>
+              <a:rPr lang="fr-FR" dirty="0"/>
+              <a:t>update’’</a:t>
+            </a:r>
+          </a:p>
+          <a:p>
+            <a:pPr marL="457200" indent="-457200">
+              <a:buFont typeface="+mj-lt"/>
+              <a:buAutoNum type="arabicPeriod"/>
+            </a:pPr>
+            <a:r>
+              <a:rPr lang="fr-FR" dirty="0" smtClean="0"/>
+              <a:t>git </a:t>
+            </a:r>
+            <a:r>
+              <a:rPr lang="fr-FR" dirty="0" err="1"/>
+              <a:t>revert</a:t>
+            </a:r>
+            <a:r>
+              <a:rPr lang="fr-FR" dirty="0"/>
+              <a:t> </a:t>
+            </a:r>
+            <a:r>
+              <a:rPr lang="fr-FR" dirty="0" smtClean="0"/>
+              <a:t>SHA-1(faire le changement)</a:t>
+            </a:r>
+            <a:endParaRPr lang="fr-FR" dirty="0"/>
+          </a:p>
+          <a:p>
+            <a:pPr marL="457200" indent="-457200">
+              <a:buFont typeface="+mj-lt"/>
+              <a:buAutoNum type="arabicPeriod"/>
+            </a:pPr>
+            <a:r>
+              <a:rPr lang="fr-FR" dirty="0"/>
+              <a:t>Git commit -a</a:t>
+            </a:r>
+          </a:p>
+          <a:p>
+            <a:endParaRPr lang="fr-FR" dirty="0"/>
+          </a:p>
+        </p:txBody>
+      </p:sp>
+      <p:sp>
+        <p:nvSpPr>
+          <p:cNvPr id="3" name="ZoneTexte 2"/>
+          <p:cNvSpPr txBox="1"/>
+          <p:nvPr/>
+        </p:nvSpPr>
+        <p:spPr>
+          <a:xfrm>
+            <a:off x="94130" y="3181529"/>
+            <a:ext cx="5970494" cy="3693319"/>
+          </a:xfrm>
+          <a:prstGeom prst="rect">
+            <a:avLst/>
+          </a:prstGeom>
+          <a:noFill/>
+        </p:spPr>
+        <p:txBody>
+          <a:bodyPr wrap="square" rtlCol="0">
+            <a:spAutoFit/>
+          </a:bodyPr>
+          <a:lstStyle/>
+          <a:p>
+            <a:r>
+              <a:rPr lang="fr-FR" b="1" dirty="0" smtClean="0"/>
+              <a:t>Démo rever1</a:t>
+            </a:r>
+          </a:p>
+          <a:p>
+            <a:pPr marL="342900" indent="-342900">
+              <a:buFont typeface="+mj-lt"/>
+              <a:buAutoNum type="arabicPeriod"/>
+            </a:pPr>
+            <a:r>
+              <a:rPr lang="fr-FR" dirty="0" err="1" smtClean="0"/>
+              <a:t>mkdir</a:t>
+            </a:r>
+            <a:r>
+              <a:rPr lang="fr-FR" dirty="0" smtClean="0"/>
+              <a:t> </a:t>
+            </a:r>
+            <a:r>
+              <a:rPr lang="fr-FR" dirty="0" err="1" smtClean="0"/>
+              <a:t>revert_project</a:t>
+            </a:r>
+            <a:r>
+              <a:rPr lang="fr-FR" dirty="0" smtClean="0"/>
+              <a:t>                        13.git log --</a:t>
+            </a:r>
+            <a:r>
+              <a:rPr lang="fr-FR" dirty="0" err="1" smtClean="0"/>
+              <a:t>oneline</a:t>
+            </a:r>
+            <a:endParaRPr lang="fr-FR" dirty="0" smtClean="0"/>
+          </a:p>
+          <a:p>
+            <a:pPr marL="342900" indent="-342900">
+              <a:buFont typeface="+mj-lt"/>
+              <a:buAutoNum type="arabicPeriod"/>
+            </a:pPr>
+            <a:r>
+              <a:rPr lang="fr-FR" dirty="0" smtClean="0"/>
+              <a:t> </a:t>
+            </a:r>
+            <a:r>
+              <a:rPr lang="fr-FR" dirty="0"/>
+              <a:t>cd git</a:t>
+            </a:r>
+            <a:r>
+              <a:rPr lang="fr-FR" dirty="0"/>
+              <a:t>_</a:t>
+            </a:r>
+            <a:r>
+              <a:rPr lang="fr-FR" dirty="0"/>
+              <a:t> </a:t>
+            </a:r>
+            <a:r>
+              <a:rPr lang="fr-FR" dirty="0" err="1"/>
+              <a:t>revert_project</a:t>
+            </a:r>
+            <a:r>
+              <a:rPr lang="fr-FR" dirty="0"/>
+              <a:t> </a:t>
+            </a:r>
+            <a:r>
+              <a:rPr lang="fr-FR" dirty="0"/>
+              <a:t>/</a:t>
+            </a:r>
+          </a:p>
+          <a:p>
+            <a:pPr marL="342900" indent="-342900">
+              <a:buFont typeface="+mj-lt"/>
+              <a:buAutoNum type="arabicPeriod"/>
+            </a:pPr>
+            <a:r>
+              <a:rPr lang="fr-FR" dirty="0"/>
+              <a:t> </a:t>
+            </a:r>
+            <a:r>
+              <a:rPr lang="fr-FR" dirty="0"/>
+              <a:t>git </a:t>
+            </a:r>
+            <a:r>
+              <a:rPr lang="fr-FR" dirty="0" err="1"/>
+              <a:t>init</a:t>
+            </a:r>
+            <a:r>
+              <a:rPr lang="fr-FR" dirty="0"/>
+              <a:t> </a:t>
+            </a:r>
+            <a:r>
+              <a:rPr lang="fr-FR" dirty="0"/>
+              <a:t>.</a:t>
+            </a:r>
+          </a:p>
+          <a:p>
+            <a:pPr marL="342900" indent="-342900">
+              <a:buFont typeface="+mj-lt"/>
+              <a:buAutoNum type="arabicPeriod"/>
+            </a:pPr>
+            <a:r>
+              <a:rPr lang="fr-FR" dirty="0" err="1"/>
+              <a:t>touch</a:t>
+            </a:r>
+            <a:r>
+              <a:rPr lang="fr-FR" dirty="0"/>
+              <a:t> </a:t>
+            </a:r>
+            <a:r>
+              <a:rPr lang="fr-FR" dirty="0" smtClean="0"/>
+              <a:t>file1 </a:t>
+            </a:r>
+          </a:p>
+          <a:p>
+            <a:pPr marL="342900" indent="-342900">
+              <a:buFont typeface="+mj-lt"/>
+              <a:buAutoNum type="arabicPeriod"/>
+            </a:pPr>
+            <a:r>
+              <a:rPr lang="fr-FR" dirty="0" smtClean="0"/>
+              <a:t>git </a:t>
+            </a:r>
+            <a:r>
+              <a:rPr lang="fr-FR" dirty="0" err="1"/>
+              <a:t>add</a:t>
+            </a:r>
+            <a:r>
+              <a:rPr lang="fr-FR" dirty="0"/>
+              <a:t> </a:t>
+            </a:r>
+            <a:r>
+              <a:rPr lang="fr-FR" dirty="0" smtClean="0"/>
+              <a:t>file</a:t>
+            </a:r>
+          </a:p>
+          <a:p>
+            <a:pPr marL="342900" indent="-342900">
+              <a:buFont typeface="+mj-lt"/>
+              <a:buAutoNum type="arabicPeriod"/>
+            </a:pPr>
+            <a:r>
+              <a:rPr lang="fr-FR" dirty="0" smtClean="0"/>
+              <a:t>git </a:t>
+            </a:r>
+            <a:r>
+              <a:rPr lang="fr-FR" dirty="0"/>
+              <a:t>commit -</a:t>
+            </a:r>
+            <a:r>
+              <a:rPr lang="fr-FR" dirty="0" err="1"/>
+              <a:t>am</a:t>
+            </a:r>
+            <a:r>
+              <a:rPr lang="fr-FR" dirty="0"/>
+              <a:t> </a:t>
+            </a:r>
+            <a:r>
+              <a:rPr lang="fr-FR" dirty="0" smtClean="0"/>
+              <a:t>« initial commit« </a:t>
+            </a:r>
+          </a:p>
+          <a:p>
+            <a:pPr marL="342900" indent="-342900">
+              <a:buFont typeface="+mj-lt"/>
+              <a:buAutoNum type="arabicPeriod"/>
+            </a:pPr>
+            <a:r>
+              <a:rPr lang="en-US" dirty="0"/>
+              <a:t>echo </a:t>
+            </a:r>
+            <a:r>
+              <a:rPr lang="en-US" dirty="0" smtClean="0"/>
+              <a:t>“content" </a:t>
+            </a:r>
+            <a:r>
+              <a:rPr lang="en-US" dirty="0"/>
+              <a:t>&gt;&gt; </a:t>
+            </a:r>
+            <a:r>
+              <a:rPr lang="en-US" dirty="0" smtClean="0"/>
+              <a:t>file1</a:t>
+            </a:r>
+          </a:p>
+          <a:p>
+            <a:pPr marL="342900" indent="-342900">
+              <a:buFont typeface="+mj-lt"/>
+              <a:buAutoNum type="arabicPeriod"/>
+            </a:pPr>
+            <a:r>
+              <a:rPr lang="en-US" dirty="0" smtClean="0"/>
+              <a:t> </a:t>
+            </a:r>
+            <a:r>
+              <a:rPr lang="en-US" dirty="0" err="1"/>
+              <a:t>git</a:t>
+            </a:r>
+            <a:r>
+              <a:rPr lang="en-US" dirty="0"/>
+              <a:t> commit -am "add new content to </a:t>
+            </a:r>
+            <a:r>
+              <a:rPr lang="en-US" dirty="0" smtClean="0"/>
+              <a:t>file1“</a:t>
+            </a:r>
+          </a:p>
+          <a:p>
+            <a:pPr marL="342900" indent="-342900">
+              <a:buFont typeface="+mj-lt"/>
+              <a:buAutoNum type="arabicPeriod"/>
+            </a:pPr>
+            <a:r>
+              <a:rPr lang="en-US" dirty="0"/>
+              <a:t>echo </a:t>
+            </a:r>
+            <a:r>
+              <a:rPr lang="en-US" dirty="0" smtClean="0"/>
+              <a:t>“add line </a:t>
+            </a:r>
+            <a:r>
+              <a:rPr lang="en-US" dirty="0"/>
+              <a:t>content" &gt;&gt; </a:t>
+            </a:r>
+            <a:r>
+              <a:rPr lang="en-US" dirty="0" smtClean="0"/>
+              <a:t>file1</a:t>
+            </a:r>
+          </a:p>
+          <a:p>
+            <a:pPr marL="342900" indent="-342900">
+              <a:buFont typeface="+mj-lt"/>
+              <a:buAutoNum type="arabicPeriod"/>
+            </a:pPr>
+            <a:r>
+              <a:rPr lang="en-US" dirty="0" smtClean="0"/>
+              <a:t> </a:t>
+            </a:r>
+            <a:r>
+              <a:rPr lang="en-US" dirty="0" err="1"/>
+              <a:t>git</a:t>
+            </a:r>
+            <a:r>
+              <a:rPr lang="en-US" dirty="0"/>
+              <a:t> commit -</a:t>
+            </a:r>
+            <a:r>
+              <a:rPr lang="en-US" dirty="0" err="1" smtClean="0"/>
+              <a:t>am“add</a:t>
+            </a:r>
+            <a:r>
+              <a:rPr lang="en-US" dirty="0" smtClean="0"/>
+              <a:t> </a:t>
+            </a:r>
+            <a:r>
+              <a:rPr lang="en-US" dirty="0"/>
+              <a:t>content to </a:t>
+            </a:r>
+            <a:r>
+              <a:rPr lang="en-US" dirty="0" smtClean="0"/>
+              <a:t>file1“</a:t>
+            </a:r>
+          </a:p>
+          <a:p>
+            <a:pPr marL="342900" indent="-342900">
+              <a:buFont typeface="+mj-lt"/>
+              <a:buAutoNum type="arabicPeriod"/>
+            </a:pPr>
+            <a:r>
+              <a:rPr lang="fr-FR" dirty="0"/>
+              <a:t> </a:t>
+            </a:r>
+            <a:r>
+              <a:rPr lang="fr-FR" dirty="0">
+                <a:hlinkClick r:id="rId3"/>
+              </a:rPr>
+              <a:t>git </a:t>
+            </a:r>
+            <a:r>
+              <a:rPr lang="fr-FR" dirty="0" smtClean="0">
+                <a:hlinkClick r:id="rId3"/>
+              </a:rPr>
+              <a:t>log</a:t>
+            </a:r>
+            <a:endParaRPr lang="fr-FR" dirty="0" smtClean="0"/>
+          </a:p>
+          <a:p>
+            <a:pPr marL="342900" indent="-342900">
+              <a:buFont typeface="+mj-lt"/>
+              <a:buAutoNum type="arabicPeriod"/>
+            </a:pPr>
+            <a:r>
+              <a:rPr lang="fr-FR" dirty="0"/>
+              <a:t>git </a:t>
+            </a:r>
+            <a:r>
+              <a:rPr lang="fr-FR" dirty="0" err="1"/>
+              <a:t>revert</a:t>
+            </a:r>
+            <a:r>
+              <a:rPr lang="fr-FR" dirty="0"/>
+              <a:t> HEAD</a:t>
+            </a:r>
             <a:endParaRPr lang="fr-FR" dirty="0"/>
           </a:p>
         </p:txBody>
@@ -20532,7 +21646,7 @@
     </p:spTree>
     <p:extLst>
       <p:ext uri="{BB962C8B-B14F-4D97-AF65-F5344CB8AC3E}">
-        <p14:creationId xmlns:p14="http://schemas.microsoft.com/office/powerpoint/2010/main" val="2042150366"/>
+        <p14:creationId xmlns:p14="http://schemas.microsoft.com/office/powerpoint/2010/main" val="1885346825"/>
       </p:ext>
     </p:extLst>
   </p:cSld>
@@ -20568,14 +21682,14 @@
       </p:grpSpPr>
       <p:sp>
         <p:nvSpPr>
-          <p:cNvPr id="6" name="ZoneTexte 5"/>
+          <p:cNvPr id="4" name="ZoneTexte 3"/>
           <p:cNvSpPr txBox="1"/>
           <p:nvPr/>
         </p:nvSpPr>
         <p:spPr>
           <a:xfrm>
-            <a:off x="315391" y="1730693"/>
-            <a:ext cx="3372786" cy="4154984"/>
+            <a:off x="106455" y="0"/>
+            <a:ext cx="5608545" cy="3305520"/>
           </a:xfrm>
           <a:prstGeom prst="rect">
             <a:avLst/>
@@ -20589,155 +21703,184 @@
           <a:lstStyle/>
           <a:p>
             <a:r>
+              <a:rPr lang="fr-FR" sz="2200" b="1" u="sng" dirty="0" smtClean="0"/>
+              <a:t>récupère </a:t>
+            </a:r>
+            <a:r>
+              <a:rPr lang="fr-FR" sz="2200" b="1" u="sng" dirty="0" smtClean="0"/>
+              <a:t>un </a:t>
+            </a:r>
+            <a:r>
+              <a:rPr lang="fr-FR" sz="2200" b="1" u="sng" dirty="0"/>
+              <a:t>fichier </a:t>
+            </a:r>
+            <a:r>
+              <a:rPr lang="fr-FR" sz="2200" b="1" u="sng" dirty="0" smtClean="0"/>
+              <a:t>supprimé(</a:t>
+            </a:r>
+            <a:r>
+              <a:rPr lang="fr-FR" sz="2200" b="1" u="sng" dirty="0" err="1" smtClean="0"/>
+              <a:t>Checkout</a:t>
+            </a:r>
+            <a:r>
+              <a:rPr lang="fr-FR" sz="2200" b="1" u="sng" dirty="0" smtClean="0"/>
+              <a:t>)</a:t>
+            </a:r>
+          </a:p>
+          <a:p>
+            <a:pPr marL="514350" indent="-514350">
+              <a:lnSpc>
+                <a:spcPct val="90000"/>
+              </a:lnSpc>
+              <a:spcBef>
+                <a:spcPts val="1000"/>
+              </a:spcBef>
+              <a:buFont typeface="+mj-lt"/>
+              <a:buAutoNum type="arabicPeriod"/>
+            </a:pPr>
+            <a:r>
+              <a:rPr lang="fr-FR" sz="2200" dirty="0" smtClean="0"/>
+              <a:t>Faire des </a:t>
+            </a:r>
+            <a:r>
+              <a:rPr lang="fr-FR" sz="2200" dirty="0" err="1" smtClean="0"/>
+              <a:t>comit</a:t>
+            </a:r>
+            <a:r>
+              <a:rPr lang="fr-FR" sz="2200" dirty="0" smtClean="0"/>
+              <a:t> s</a:t>
+            </a:r>
+          </a:p>
+          <a:p>
+            <a:pPr marL="514350" indent="-514350">
+              <a:lnSpc>
+                <a:spcPct val="90000"/>
+              </a:lnSpc>
+              <a:spcBef>
+                <a:spcPts val="1000"/>
+              </a:spcBef>
+              <a:buFont typeface="+mj-lt"/>
+              <a:buAutoNum type="arabicPeriod"/>
+            </a:pPr>
+            <a:r>
+              <a:rPr lang="fr-FR" sz="2200" dirty="0" smtClean="0"/>
+              <a:t>Supprimer un fichier + commit</a:t>
+            </a:r>
+          </a:p>
+          <a:p>
+            <a:pPr marL="514350" indent="-514350">
+              <a:lnSpc>
+                <a:spcPct val="90000"/>
+              </a:lnSpc>
+              <a:spcBef>
+                <a:spcPts val="1000"/>
+              </a:spcBef>
+              <a:buFont typeface="+mj-lt"/>
+              <a:buAutoNum type="arabicPeriod"/>
+            </a:pPr>
+            <a:r>
+              <a:rPr lang="fr-FR" sz="2200" dirty="0" smtClean="0"/>
+              <a:t>Faire des </a:t>
+            </a:r>
+            <a:r>
+              <a:rPr lang="fr-FR" sz="2200" dirty="0" err="1" smtClean="0"/>
+              <a:t>commits</a:t>
+            </a:r>
+            <a:endParaRPr lang="fr-FR" sz="2200" dirty="0" smtClean="0"/>
+          </a:p>
+          <a:p>
+            <a:pPr marL="514350" indent="-514350">
+              <a:lnSpc>
+                <a:spcPct val="90000"/>
+              </a:lnSpc>
+              <a:spcBef>
+                <a:spcPts val="1000"/>
+              </a:spcBef>
+              <a:buFont typeface="+mj-lt"/>
+              <a:buAutoNum type="arabicPeriod"/>
+            </a:pPr>
+            <a:r>
+              <a:rPr lang="fr-FR" sz="2200" dirty="0" err="1" smtClean="0"/>
+              <a:t>Recherch</a:t>
+            </a:r>
+            <a:r>
+              <a:rPr lang="fr-FR" sz="2200" dirty="0" smtClean="0"/>
+              <a:t> commit qui a supprimer le fich</a:t>
+            </a:r>
+          </a:p>
+          <a:p>
+            <a:pPr marL="342900" indent="-342900">
+              <a:lnSpc>
+                <a:spcPct val="90000"/>
+              </a:lnSpc>
+              <a:spcBef>
+                <a:spcPts val="1000"/>
+              </a:spcBef>
+              <a:buFont typeface="Arial" panose="020B0604020202020204" pitchFamily="34" charset="0"/>
+              <a:buChar char="•"/>
+            </a:pPr>
+            <a:r>
               <a:rPr lang="fr-FR" sz="2200" dirty="0"/>
-              <a:t>/</a:t>
-            </a:r>
-            <a:r>
-              <a:rPr lang="fr-FR" sz="2200" dirty="0" err="1"/>
-              <a:t>node_modules</a:t>
-            </a:r>
-            <a:endParaRPr lang="fr-FR" sz="2200" dirty="0"/>
-          </a:p>
-          <a:p>
-            <a:r>
-              <a:rPr lang="fr-FR" sz="2200" dirty="0"/>
-              <a:t>/public/hot</a:t>
-            </a:r>
-          </a:p>
-          <a:p>
-            <a:r>
-              <a:rPr lang="fr-FR" sz="2200" dirty="0"/>
-              <a:t>/public/</a:t>
-            </a:r>
-            <a:r>
-              <a:rPr lang="fr-FR" sz="2200" dirty="0" err="1"/>
-              <a:t>storage</a:t>
-            </a:r>
-            <a:endParaRPr lang="fr-FR" sz="2200" dirty="0"/>
-          </a:p>
-          <a:p>
-            <a:r>
-              <a:rPr lang="fr-FR" sz="2200" dirty="0"/>
-              <a:t>/</a:t>
-            </a:r>
-            <a:r>
-              <a:rPr lang="fr-FR" sz="2200" dirty="0" err="1"/>
-              <a:t>storage</a:t>
-            </a:r>
-            <a:r>
-              <a:rPr lang="fr-FR" sz="2200" dirty="0"/>
-              <a:t>/*.key</a:t>
-            </a:r>
-          </a:p>
-          <a:p>
-            <a:r>
-              <a:rPr lang="fr-FR" sz="2200" dirty="0"/>
-              <a:t>/</a:t>
-            </a:r>
-            <a:r>
-              <a:rPr lang="fr-FR" sz="2200" dirty="0" err="1"/>
-              <a:t>vendor</a:t>
-            </a:r>
-            <a:endParaRPr lang="fr-FR" sz="2200" dirty="0"/>
-          </a:p>
-          <a:p>
-            <a:r>
-              <a:rPr lang="fr-FR" sz="2200" dirty="0"/>
-              <a:t>.</a:t>
-            </a:r>
-            <a:r>
-              <a:rPr lang="fr-FR" sz="2200" dirty="0" err="1"/>
-              <a:t>env</a:t>
-            </a:r>
-            <a:endParaRPr lang="fr-FR" sz="2200" dirty="0"/>
-          </a:p>
-          <a:p>
-            <a:r>
-              <a:rPr lang="fr-FR" sz="2200" dirty="0"/>
-              <a:t>.</a:t>
-            </a:r>
-            <a:r>
-              <a:rPr lang="fr-FR" sz="2200" dirty="0" err="1"/>
-              <a:t>env.backup</a:t>
-            </a:r>
-            <a:endParaRPr lang="fr-FR" sz="2200" dirty="0"/>
-          </a:p>
-          <a:p>
-            <a:r>
-              <a:rPr lang="fr-FR" sz="2200" dirty="0"/>
-              <a:t>.</a:t>
-            </a:r>
-            <a:r>
-              <a:rPr lang="fr-FR" sz="2200" dirty="0" err="1"/>
-              <a:t>phpunit.result.cache</a:t>
-            </a:r>
-            <a:endParaRPr lang="fr-FR" sz="2200" dirty="0"/>
-          </a:p>
-          <a:p>
-            <a:r>
-              <a:rPr lang="fr-FR" sz="2200" dirty="0" err="1"/>
-              <a:t>Homestead.json</a:t>
-            </a:r>
-            <a:endParaRPr lang="fr-FR" sz="2200" dirty="0"/>
-          </a:p>
-          <a:p>
-            <a:r>
-              <a:rPr lang="fr-FR" sz="2200" dirty="0" err="1"/>
-              <a:t>Homestead.yaml</a:t>
-            </a:r>
-            <a:endParaRPr lang="fr-FR" sz="2200" dirty="0"/>
-          </a:p>
-          <a:p>
-            <a:r>
-              <a:rPr lang="fr-FR" sz="2200" dirty="0"/>
-              <a:t>npm-debug.log</a:t>
-            </a:r>
-          </a:p>
-          <a:p>
-            <a:r>
-              <a:rPr lang="fr-FR" sz="2200" dirty="0"/>
-              <a:t>yarn-error.log</a:t>
-            </a:r>
+              <a:t>g</a:t>
+            </a:r>
+            <a:r>
+              <a:rPr lang="fr-FR" sz="2200" dirty="0" smtClean="0"/>
+              <a:t>it log  --</a:t>
+            </a:r>
+            <a:r>
+              <a:rPr lang="fr-FR" sz="2200" dirty="0" err="1" smtClean="0"/>
+              <a:t>diff-filter</a:t>
+            </a:r>
+            <a:r>
+              <a:rPr lang="fr-FR" sz="2200" dirty="0" smtClean="0"/>
+              <a:t>=D –</a:t>
+            </a:r>
+            <a:r>
+              <a:rPr lang="fr-FR" sz="2200" dirty="0" err="1" smtClean="0"/>
+              <a:t>summary</a:t>
+            </a:r>
+            <a:r>
+              <a:rPr lang="fr-FR" sz="2200" dirty="0" smtClean="0"/>
+              <a:t> / git log  -n 5</a:t>
+            </a:r>
+          </a:p>
+          <a:p>
+            <a:pPr marL="342900" indent="-342900">
+              <a:lnSpc>
+                <a:spcPct val="90000"/>
+              </a:lnSpc>
+              <a:spcBef>
+                <a:spcPts val="1000"/>
+              </a:spcBef>
+              <a:buFont typeface="Arial" panose="020B0604020202020204" pitchFamily="34" charset="0"/>
+              <a:buChar char="•"/>
+            </a:pPr>
+            <a:r>
+              <a:rPr lang="fr-FR" sz="2200" dirty="0" smtClean="0"/>
+              <a:t>git  </a:t>
+            </a:r>
+            <a:r>
+              <a:rPr lang="fr-FR" sz="2200" dirty="0" err="1" smtClean="0"/>
+              <a:t>checkout</a:t>
+            </a:r>
+            <a:r>
+              <a:rPr lang="fr-FR" sz="2200" dirty="0" smtClean="0"/>
+              <a:t> SHA-1~1 </a:t>
+            </a:r>
+            <a:r>
+              <a:rPr lang="fr-FR" sz="2200" dirty="0" err="1" smtClean="0"/>
+              <a:t>filename</a:t>
+            </a:r>
+            <a:endParaRPr lang="fr-FR" sz="2200" dirty="0" smtClean="0"/>
+          </a:p>
+          <a:p>
+            <a:endParaRPr lang="fr-FR" dirty="0"/>
           </a:p>
         </p:txBody>
       </p:sp>
       <p:sp>
         <p:nvSpPr>
-          <p:cNvPr id="8" name="ZoneTexte 7"/>
-          <p:cNvSpPr txBox="1"/>
-          <p:nvPr/>
-        </p:nvSpPr>
-        <p:spPr>
-          <a:xfrm>
-            <a:off x="385316" y="1014116"/>
-            <a:ext cx="1616468" cy="523220"/>
-          </a:xfrm>
-          <a:prstGeom prst="rect">
-            <a:avLst/>
-          </a:prstGeom>
-          <a:noFill/>
-        </p:spPr>
-        <p:txBody>
-          <a:bodyPr wrap="none" rtlCol="0">
-            <a:spAutoFit/>
-          </a:bodyPr>
-          <a:lstStyle/>
-          <a:p>
-            <a:r>
-              <a:rPr lang="fr-FR" sz="2800" b="1" dirty="0" smtClean="0"/>
-              <a:t>.</a:t>
-            </a:r>
-            <a:r>
-              <a:rPr lang="fr-FR" sz="2800" b="1" dirty="0" err="1" smtClean="0"/>
-              <a:t>gitignore</a:t>
-            </a:r>
-            <a:endParaRPr lang="fr-FR" sz="2800" b="1" dirty="0"/>
-          </a:p>
-        </p:txBody>
-      </p:sp>
-      <p:sp>
-        <p:nvSpPr>
-          <p:cNvPr id="3" name="ZoneTexte 2">
+          <p:cNvPr id="2" name="ZoneTexte 1">
             <a:hlinkClick r:id="rId2" action="ppaction://hlinksldjump"/>
           </p:cNvPr>
           <p:cNvSpPr txBox="1"/>
@@ -20745,8 +21888,8 @@
         </p:nvSpPr>
         <p:spPr>
           <a:xfrm>
-            <a:off x="6000750" y="244674"/>
-            <a:ext cx="5543550" cy="3062377"/>
+            <a:off x="6131860" y="175432"/>
+            <a:ext cx="5163670" cy="2862322"/>
           </a:xfrm>
           <a:prstGeom prst="rect">
             <a:avLst/>
@@ -20760,14 +21903,13 @@
           <a:lstStyle/>
           <a:p>
             <a:r>
-              <a:rPr lang="fr-FR" sz="2500" b="1" dirty="0" smtClean="0"/>
-              <a:t>Démo </a:t>
-            </a:r>
-            <a:r>
-              <a:rPr lang="fr-FR" sz="2500" b="1" dirty="0" err="1" smtClean="0"/>
-              <a:t>diff</a:t>
-            </a:r>
-            <a:endParaRPr lang="fr-FR" sz="2500" b="1" dirty="0" smtClean="0"/>
+              <a:rPr lang="fr-FR" b="1" u="sng" dirty="0" err="1" smtClean="0"/>
+              <a:t>Demo</a:t>
+            </a:r>
+            <a:r>
+              <a:rPr lang="fr-FR" b="1" u="sng" dirty="0" smtClean="0"/>
+              <a:t> Tag</a:t>
+            </a:r>
           </a:p>
           <a:p>
             <a:pPr marL="342900" indent="-342900">
@@ -20775,16 +21917,12 @@
               <a:buAutoNum type="arabicPeriod"/>
             </a:pPr>
             <a:r>
-              <a:rPr lang="fr-FR" sz="2500" dirty="0" smtClean="0"/>
-              <a:t>créer un </a:t>
-            </a:r>
-            <a:r>
-              <a:rPr lang="fr-FR" sz="2500" dirty="0" err="1" smtClean="0"/>
-              <a:t>remo</a:t>
-            </a:r>
-            <a:r>
-              <a:rPr lang="fr-FR" sz="2500" dirty="0" smtClean="0"/>
-              <a:t> local</a:t>
+              <a:rPr lang="fr-FR" dirty="0" err="1" smtClean="0"/>
+              <a:t>Creér</a:t>
+            </a:r>
+            <a:r>
+              <a:rPr lang="fr-FR" dirty="0" smtClean="0"/>
+              <a:t> initial commit</a:t>
             </a:r>
           </a:p>
           <a:p>
@@ -20793,22 +21931,9 @@
               <a:buAutoNum type="arabicPeriod"/>
             </a:pPr>
             <a:r>
-              <a:rPr lang="fr-FR" sz="2500" dirty="0" smtClean="0"/>
-              <a:t>Créer un fichier </a:t>
-            </a:r>
-            <a:r>
-              <a:rPr lang="fr-FR" sz="2500" dirty="0" err="1" smtClean="0"/>
-              <a:t>text</a:t>
-            </a:r>
-            <a:r>
-              <a:rPr lang="fr-FR" sz="2500" dirty="0" smtClean="0"/>
-              <a:t> et on le </a:t>
-            </a:r>
-            <a:r>
-              <a:rPr lang="fr-FR" sz="2500" dirty="0" err="1" smtClean="0"/>
-              <a:t>ommit</a:t>
-            </a:r>
-            <a:endParaRPr lang="fr-FR" sz="2500" dirty="0" smtClean="0"/>
+              <a:rPr lang="fr-FR" dirty="0" smtClean="0"/>
+              <a:t>Créer un deuxième comite</a:t>
+            </a:r>
           </a:p>
           <a:p>
             <a:pPr marL="342900" indent="-342900">
@@ -20816,16 +21941,8 @@
               <a:buAutoNum type="arabicPeriod"/>
             </a:pPr>
             <a:r>
-              <a:rPr lang="fr-FR" sz="2500" dirty="0" smtClean="0"/>
-              <a:t>Exécuté </a:t>
-            </a:r>
-            <a:r>
-              <a:rPr lang="fr-FR" sz="2500" dirty="0" err="1" smtClean="0"/>
-              <a:t>diff</a:t>
-            </a:r>
-            <a:r>
-              <a:rPr lang="fr-FR" sz="2500" dirty="0" smtClean="0"/>
-              <a:t> commande (rien e s’affiche)</a:t>
+              <a:rPr lang="fr-FR" dirty="0" smtClean="0"/>
+              <a:t>Git tag –a  v1,0 –m ’ tag1message’</a:t>
             </a:r>
           </a:p>
           <a:p>
@@ -20834,14 +21951,9 @@
               <a:buAutoNum type="arabicPeriod"/>
             </a:pPr>
             <a:r>
-              <a:rPr lang="fr-FR" sz="2500" dirty="0" smtClean="0"/>
-              <a:t>Modifié le fichier </a:t>
-            </a:r>
-            <a:r>
-              <a:rPr lang="fr-FR" sz="2500" dirty="0" err="1" smtClean="0"/>
-              <a:t>text</a:t>
-            </a:r>
-            <a:endParaRPr lang="fr-FR" sz="2500" dirty="0" smtClean="0"/>
+              <a:rPr lang="fr-FR" dirty="0" smtClean="0"/>
+              <a:t>créer 3éme commit</a:t>
+            </a:r>
           </a:p>
           <a:p>
             <a:pPr marL="342900" indent="-342900">
@@ -20849,16 +21961,54 @@
               <a:buAutoNum type="arabicPeriod"/>
             </a:pPr>
             <a:r>
-              <a:rPr lang="fr-FR" sz="2500" dirty="0" smtClean="0"/>
-              <a:t>Exécuté la commande </a:t>
-            </a:r>
-            <a:r>
-              <a:rPr lang="fr-FR" sz="2500" dirty="0" err="1" smtClean="0"/>
-              <a:t>dif</a:t>
-            </a:r>
-            <a:endParaRPr lang="fr-FR" sz="2500" dirty="0" smtClean="0"/>
-          </a:p>
-          <a:p>
+              <a:rPr lang="fr-FR" dirty="0" smtClean="0"/>
+              <a:t>Git tag v2,0</a:t>
+            </a:r>
+          </a:p>
+          <a:p>
+            <a:pPr marL="342900" indent="-342900">
+              <a:buFont typeface="+mj-lt"/>
+              <a:buAutoNum type="arabicPeriod"/>
+            </a:pPr>
+            <a:r>
+              <a:rPr lang="fr-FR" dirty="0" smtClean="0"/>
+              <a:t>Git tag -n</a:t>
+            </a:r>
+          </a:p>
+          <a:p>
+            <a:pPr marL="342900" indent="-342900">
+              <a:buFont typeface="+mj-lt"/>
+              <a:buAutoNum type="arabicPeriod"/>
+            </a:pPr>
+            <a:r>
+              <a:rPr lang="fr-FR" dirty="0" smtClean="0"/>
+              <a:t>Faire un 4éme commit</a:t>
+            </a:r>
+          </a:p>
+          <a:p>
+            <a:pPr marL="342900" indent="-342900">
+              <a:buFont typeface="+mj-lt"/>
+              <a:buAutoNum type="arabicPeriod"/>
+            </a:pPr>
+            <a:r>
+              <a:rPr lang="en-US" dirty="0" err="1" smtClean="0"/>
+              <a:t>git</a:t>
+            </a:r>
+            <a:r>
+              <a:rPr lang="en-US" dirty="0" smtClean="0"/>
+              <a:t> tag -a v3.0 -m "New release for </a:t>
+            </a:r>
+            <a:r>
+              <a:rPr lang="en-US" dirty="0"/>
+              <a:t>v3.0"</a:t>
+            </a:r>
+            <a:endParaRPr lang="fr-FR" dirty="0" smtClean="0"/>
+          </a:p>
+          <a:p>
+            <a:pPr marL="342900" indent="-342900">
+              <a:buFont typeface="+mj-lt"/>
+              <a:buAutoNum type="arabicPeriod"/>
+            </a:pPr>
             <a:endParaRPr lang="fr-FR" dirty="0"/>
           </a:p>
         </p:txBody>
@@ -20866,7 +22016,7 @@
     </p:spTree>
     <p:extLst>
       <p:ext uri="{BB962C8B-B14F-4D97-AF65-F5344CB8AC3E}">
-        <p14:creationId xmlns:p14="http://schemas.microsoft.com/office/powerpoint/2010/main" val="1627218616"/>
+        <p14:creationId xmlns:p14="http://schemas.microsoft.com/office/powerpoint/2010/main" val="2042150366"/>
       </p:ext>
     </p:extLst>
   </p:cSld>
@@ -21052,8 +22202,8 @@
         </p:nvSpPr>
         <p:spPr>
           <a:xfrm>
-            <a:off x="152400" y="4152900"/>
-            <a:ext cx="7715250" cy="1846659"/>
+            <a:off x="206188" y="4152900"/>
+            <a:ext cx="7715250" cy="2400657"/>
           </a:xfrm>
           <a:prstGeom prst="rect">
             <a:avLst/>
@@ -21067,74 +22217,170 @@
           <a:lstStyle/>
           <a:p>
             <a:r>
+              <a:rPr lang="fr-FR" dirty="0" smtClean="0"/>
+              <a:t>Démo blame</a:t>
+            </a:r>
+          </a:p>
+          <a:p>
+            <a:pPr marL="342900" indent="-342900">
+              <a:buFont typeface="+mj-lt"/>
+              <a:buAutoNum type="arabicPeriod"/>
+            </a:pPr>
+            <a:r>
+              <a:rPr lang="fr-FR" dirty="0"/>
+              <a:t>cloner </a:t>
+            </a:r>
+            <a:r>
+              <a:rPr lang="fr-FR" dirty="0" smtClean="0"/>
+              <a:t> </a:t>
+            </a:r>
+            <a:r>
+              <a:rPr lang="fr-FR" dirty="0" err="1" smtClean="0">
+                <a:hlinkClick r:id="rId5"/>
+              </a:rPr>
+              <a:t>git@github.com:facebook</a:t>
+            </a:r>
+            <a:r>
+              <a:rPr lang="fr-FR" dirty="0" smtClean="0">
+                <a:hlinkClick r:id="rId5"/>
+              </a:rPr>
+              <a:t>/</a:t>
+            </a:r>
+            <a:r>
+              <a:rPr lang="fr-FR" dirty="0" err="1" smtClean="0">
+                <a:hlinkClick r:id="rId5"/>
+              </a:rPr>
+              <a:t>create-react-app.git</a:t>
+            </a:r>
+            <a:endParaRPr lang="fr-FR" dirty="0" smtClean="0"/>
+          </a:p>
+          <a:p>
+            <a:pPr marL="342900" indent="-342900">
+              <a:buFont typeface="+mj-lt"/>
+              <a:buAutoNum type="arabicPeriod"/>
+            </a:pPr>
+            <a:r>
+              <a:rPr lang="fr-FR" dirty="0" smtClean="0"/>
+              <a:t>git </a:t>
+            </a:r>
+            <a:r>
+              <a:rPr lang="fr-FR" dirty="0" err="1" smtClean="0"/>
+              <a:t>blame</a:t>
+            </a:r>
+            <a:r>
+              <a:rPr lang="fr-FR" dirty="0" smtClean="0"/>
+              <a:t> </a:t>
+            </a:r>
+            <a:r>
+              <a:rPr lang="fr-FR" dirty="0" smtClean="0"/>
+              <a:t>README.md</a:t>
+            </a:r>
+          </a:p>
+          <a:p>
+            <a:pPr marL="342900" indent="-342900">
+              <a:buFont typeface="+mj-lt"/>
+              <a:buAutoNum type="arabicPeriod"/>
+            </a:pPr>
+            <a:r>
+              <a:rPr lang="fr-FR" dirty="0"/>
+              <a:t>git </a:t>
+            </a:r>
+            <a:r>
+              <a:rPr lang="fr-FR" dirty="0" err="1"/>
+              <a:t>blame</a:t>
+            </a:r>
+            <a:r>
+              <a:rPr lang="fr-FR" dirty="0"/>
+              <a:t> -L 1,5 README.md</a:t>
+            </a:r>
+            <a:endParaRPr lang="fr-FR" dirty="0" smtClean="0"/>
+          </a:p>
+          <a:p>
+            <a:pPr marL="342900" indent="-342900">
+              <a:buFont typeface="+mj-lt"/>
+              <a:buAutoNum type="arabicPeriod"/>
+            </a:pPr>
+            <a:r>
+              <a:rPr lang="fr-FR" dirty="0"/>
+              <a:t>git </a:t>
+            </a:r>
+            <a:r>
+              <a:rPr lang="fr-FR" dirty="0" err="1"/>
+              <a:t>blame</a:t>
+            </a:r>
+            <a:r>
+              <a:rPr lang="fr-FR" dirty="0"/>
+              <a:t> -</a:t>
+            </a:r>
+            <a:r>
+              <a:rPr lang="fr-FR" dirty="0" smtClean="0"/>
+              <a:t>e </a:t>
+            </a:r>
+            <a:r>
+              <a:rPr lang="fr-FR" dirty="0"/>
+              <a:t>-L 1,5  </a:t>
+            </a:r>
+            <a:r>
+              <a:rPr lang="fr-FR" dirty="0" smtClean="0"/>
+              <a:t>README.md</a:t>
+            </a:r>
+          </a:p>
+          <a:p>
+            <a:pPr marL="342900" indent="-342900">
+              <a:buFont typeface="+mj-lt"/>
+              <a:buAutoNum type="arabicPeriod"/>
+            </a:pPr>
+            <a:r>
+              <a:rPr lang="fr-FR" dirty="0" smtClean="0"/>
+              <a:t>git </a:t>
+            </a:r>
+            <a:r>
+              <a:rPr lang="fr-FR" dirty="0" smtClean="0"/>
+              <a:t>log –p « </a:t>
+            </a:r>
+            <a:r>
+              <a:rPr lang="fr-FR" dirty="0" err="1" smtClean="0"/>
+              <a:t>commit_id</a:t>
+            </a:r>
+            <a:r>
+              <a:rPr lang="fr-FR" dirty="0" smtClean="0"/>
+              <a:t> </a:t>
+            </a:r>
+            <a:r>
+              <a:rPr lang="fr-FR" dirty="0" smtClean="0"/>
+              <a:t>»</a:t>
+            </a:r>
+          </a:p>
+          <a:p>
+            <a:pPr marL="400050" indent="-400050">
+              <a:buFont typeface="+mj-lt"/>
+              <a:buAutoNum type="romanUcPeriod"/>
+            </a:pPr>
+            <a:r>
               <a:rPr lang="fr-FR" sz="2400" dirty="0" smtClean="0"/>
-              <a:t>Démo blame</a:t>
-            </a:r>
-          </a:p>
-          <a:p>
-            <a:pPr marL="342900" indent="-342900">
-              <a:buFont typeface="+mj-lt"/>
-              <a:buAutoNum type="arabicPeriod"/>
-            </a:pPr>
-            <a:r>
-              <a:rPr lang="fr-FR" sz="2400" dirty="0"/>
-              <a:t>cloner </a:t>
+              <a:t>Faire une démo de </a:t>
+            </a:r>
+            <a:r>
+              <a:rPr lang="fr-FR" sz="2400" dirty="0" err="1" smtClean="0"/>
+              <a:t>blame</a:t>
             </a:r>
             <a:r>
               <a:rPr lang="fr-FR" sz="2400" dirty="0" smtClean="0"/>
-              <a:t> </a:t>
-            </a:r>
-            <a:r>
-              <a:rPr lang="fr-FR" sz="2400" dirty="0" err="1" smtClean="0">
-                <a:hlinkClick r:id="rId5"/>
-              </a:rPr>
-              <a:t>git@github.com:facebook</a:t>
-            </a:r>
-            <a:r>
-              <a:rPr lang="fr-FR" sz="2400" dirty="0" smtClean="0">
-                <a:hlinkClick r:id="rId5"/>
-              </a:rPr>
-              <a:t>/</a:t>
-            </a:r>
-            <a:r>
-              <a:rPr lang="fr-FR" sz="2400" dirty="0" err="1" smtClean="0">
-                <a:hlinkClick r:id="rId5"/>
-              </a:rPr>
-              <a:t>create-react-app.git</a:t>
+              <a:t> dans </a:t>
+            </a:r>
+            <a:r>
+              <a:rPr lang="fr-FR" sz="2400" dirty="0" err="1" smtClean="0"/>
+              <a:t>github</a:t>
+            </a:r>
+            <a:r>
+              <a:rPr lang="fr-FR" sz="2400" dirty="0" smtClean="0"/>
+              <a:t> avec projet </a:t>
+            </a:r>
+            <a:r>
+              <a:rPr lang="fr-FR" sz="2400" dirty="0" err="1" smtClean="0"/>
+              <a:t>xibo</a:t>
             </a:r>
             <a:endParaRPr lang="fr-FR" sz="2400" dirty="0" smtClean="0"/>
-          </a:p>
-          <a:p>
-            <a:pPr marL="342900" indent="-342900">
-              <a:buFont typeface="+mj-lt"/>
-              <a:buAutoNum type="arabicPeriod"/>
-            </a:pPr>
-            <a:r>
-              <a:rPr lang="fr-FR" sz="2400" dirty="0" smtClean="0"/>
-              <a:t>git blame file</a:t>
-            </a:r>
-          </a:p>
-          <a:p>
-            <a:pPr marL="342900" indent="-342900">
-              <a:buFont typeface="+mj-lt"/>
-              <a:buAutoNum type="arabicPeriod"/>
-            </a:pPr>
-            <a:r>
-              <a:rPr lang="fr-FR" sz="2400" dirty="0"/>
-              <a:t>g</a:t>
-            </a:r>
-            <a:r>
-              <a:rPr lang="fr-FR" sz="2400" dirty="0" smtClean="0"/>
-              <a:t>it log –p « </a:t>
-            </a:r>
-            <a:r>
-              <a:rPr lang="fr-FR" sz="2400" dirty="0" err="1" smtClean="0"/>
-              <a:t>commit_id</a:t>
-            </a:r>
-            <a:r>
-              <a:rPr lang="fr-FR" sz="2400" dirty="0" smtClean="0"/>
-              <a:t> »</a:t>
-            </a:r>
           </a:p>
           <a:p>
             <a:endParaRPr lang="fr-FR" dirty="0"/>
@@ -21826,67 +23072,6 @@
       </p:grpSpPr>
       <p:pic>
         <p:nvPicPr>
-          <p:cNvPr id="4" name="Image 3"/>
-          <p:cNvPicPr>
-            <a:picLocks noChangeAspect="1"/>
-          </p:cNvPicPr>
-          <p:nvPr/>
-        </p:nvPicPr>
-        <p:blipFill>
-          <a:blip r:embed="rId2"/>
-          <a:stretch>
-            <a:fillRect/>
-          </a:stretch>
-        </p:blipFill>
-        <p:spPr>
-          <a:xfrm>
-            <a:off x="3461656" y="1227486"/>
-            <a:ext cx="7244443" cy="3623831"/>
-          </a:xfrm>
-          <a:prstGeom prst="rect">
-            <a:avLst/>
-          </a:prstGeom>
-        </p:spPr>
-      </p:pic>
-    </p:spTree>
-    <p:extLst>
-      <p:ext uri="{BB962C8B-B14F-4D97-AF65-F5344CB8AC3E}">
-        <p14:creationId xmlns:p14="http://schemas.microsoft.com/office/powerpoint/2010/main" val="3262699011"/>
-      </p:ext>
-    </p:extLst>
-  </p:cSld>
-  <p:clrMapOvr>
-    <a:masterClrMapping/>
-  </p:clrMapOvr>
-  <p:timing>
-    <p:tnLst>
-      <p:par>
-        <p:cTn id="1" dur="indefinite" restart="never" nodeType="tmRoot"/>
-      </p:par>
-    </p:tnLst>
-  </p:timing>
-</p:sld>
-</file>
-
-<file path=ppt/slides/slide41.xml><?xml version="1.0" encoding="utf-8"?>
-<p:sld xmlns:a="http://schemas.openxmlformats.org/drawingml/2006/main" xmlns:r="http://schemas.openxmlformats.org/officeDocument/2006/relationships" xmlns:p="http://schemas.openxmlformats.org/presentationml/2006/main">
-  <p:cSld>
-    <p:spTree>
-      <p:nvGrpSpPr>
-        <p:cNvPr id="1" name=""/>
-        <p:cNvGrpSpPr/>
-        <p:nvPr/>
-      </p:nvGrpSpPr>
-      <p:grpSpPr>
-        <a:xfrm>
-          <a:off x="0" y="0"/>
-          <a:ext cx="0" cy="0"/>
-          <a:chOff x="0" y="0"/>
-          <a:chExt cx="0" cy="0"/>
-        </a:xfrm>
-      </p:grpSpPr>
-      <p:pic>
-        <p:nvPicPr>
           <p:cNvPr id="6" name="Image 5"/>
           <p:cNvPicPr>
             <a:picLocks noChangeAspect="1"/>
@@ -21953,7 +23138,7 @@
 </p:sld>
 </file>
 
-<file path=ppt/slides/slide42.xml><?xml version="1.0" encoding="utf-8"?>
+<file path=ppt/slides/slide41.xml><?xml version="1.0" encoding="utf-8"?>
 <p:sld xmlns:a="http://schemas.openxmlformats.org/drawingml/2006/main" xmlns:r="http://schemas.openxmlformats.org/officeDocument/2006/relationships" xmlns:p="http://schemas.openxmlformats.org/presentationml/2006/main">
   <p:cSld>
     <p:spTree>
@@ -23973,7 +25158,7 @@
           <a:p>
             <a:pPr marL="900113" lvl="1" indent="-720725">
               <a:buFont typeface="+mj-lt"/>
-              <a:buAutoNum type="arabicPeriod" startAt="13"/>
+              <a:buAutoNum type="arabicPeriod" startAt="15"/>
             </a:pPr>
             <a:r>
               <a:rPr lang="fr-FR" sz="2800" dirty="0">
@@ -24017,7 +25202,7 @@
                 <a:spcPts val="1000"/>
               </a:spcBef>
               <a:buFont typeface="+mj-lt"/>
-              <a:buAutoNum type="arabicPeriod" startAt="15"/>
+              <a:buAutoNum type="arabicPeriod" startAt="16"/>
             </a:pPr>
             <a:r>
               <a:rPr lang="fr-FR" sz="2800" dirty="0" smtClean="0"/>
@@ -24072,7 +25257,7 @@
           <a:p>
             <a:pPr marL="719138" lvl="1" indent="-539750">
               <a:buFont typeface="+mj-lt"/>
-              <a:buAutoNum type="arabicPeriod" startAt="16"/>
+              <a:buAutoNum type="arabicPeriod" startAt="17"/>
               <a:tabLst>
                 <a:tab pos="719138" algn="l"/>
               </a:tabLst>
@@ -24125,7 +25310,7 @@
           <a:p>
             <a:pPr marL="719138" lvl="1" indent="-539750">
               <a:buFont typeface="+mj-lt"/>
-              <a:buAutoNum type="arabicPeriod" startAt="17"/>
+              <a:buAutoNum type="arabicPeriod" startAt="18"/>
               <a:tabLst>
                 <a:tab pos="811213" algn="l"/>
               </a:tabLst>

--- a/Formation Git.pptx
+++ b/Formation Git.pptx
@@ -21059,13 +21059,8 @@
             </a:r>
             <a:r>
               <a:rPr lang="fr-FR" dirty="0" smtClean="0"/>
-              <a:t> commit qui a supprimer le </a:t>
-            </a:r>
-            <a:r>
-              <a:rPr lang="fr-FR" dirty="0" smtClean="0"/>
-              <a:t>fichier</a:t>
-            </a:r>
-            <a:endParaRPr lang="fr-FR" dirty="0" smtClean="0"/>
+              <a:t> commit qui a supprimer le fichier</a:t>
+            </a:r>
           </a:p>
           <a:p>
             <a:pPr marL="342900" indent="-342900">
@@ -21238,15 +21233,7 @@
             </a:pPr>
             <a:r>
               <a:rPr lang="fr-FR" dirty="0" smtClean="0"/>
-              <a:t>Git commit –m « </a:t>
-            </a:r>
-            <a:r>
-              <a:rPr lang="fr-FR" dirty="0" smtClean="0"/>
-              <a:t>initial </a:t>
-            </a:r>
-            <a:r>
-              <a:rPr lang="fr-FR" dirty="0" smtClean="0"/>
-              <a:t>commit »</a:t>
+              <a:t>Git commit –m « initial commit »</a:t>
             </a:r>
           </a:p>
           <a:p>
@@ -21384,262 +21371,241 @@
             </a:r>
             <a:r>
               <a:rPr lang="fr-FR" dirty="0"/>
-              <a:t>cd git</a:t>
+              <a:t>cd git_ </a:t>
+            </a:r>
+            <a:r>
+              <a:rPr lang="fr-FR" dirty="0" err="1"/>
+              <a:t>revert_project</a:t>
             </a:r>
             <a:r>
               <a:rPr lang="fr-FR" dirty="0"/>
-              <a:t>_</a:t>
+              <a:t> /</a:t>
+            </a:r>
+          </a:p>
+          <a:p>
+            <a:pPr marL="342900" indent="-342900">
+              <a:buFont typeface="+mj-lt"/>
+              <a:buAutoNum type="arabicPeriod"/>
+            </a:pPr>
+            <a:r>
+              <a:rPr lang="fr-FR" dirty="0"/>
+              <a:t> git </a:t>
+            </a:r>
+            <a:r>
+              <a:rPr lang="fr-FR" dirty="0" err="1"/>
+              <a:t>init</a:t>
+            </a:r>
+            <a:r>
+              <a:rPr lang="fr-FR" dirty="0"/>
+              <a:t> .</a:t>
+            </a:r>
+          </a:p>
+          <a:p>
+            <a:pPr marL="342900" indent="-342900">
+              <a:buFont typeface="+mj-lt"/>
+              <a:buAutoNum type="arabicPeriod"/>
+            </a:pPr>
+            <a:r>
+              <a:rPr lang="fr-FR" dirty="0" err="1"/>
+              <a:t>touch</a:t>
             </a:r>
             <a:r>
               <a:rPr lang="fr-FR" dirty="0"/>
               <a:t> </a:t>
             </a:r>
             <a:r>
+              <a:rPr lang="fr-FR" dirty="0" smtClean="0"/>
+              <a:t>file1 </a:t>
+            </a:r>
+          </a:p>
+          <a:p>
+            <a:pPr marL="342900" indent="-342900">
+              <a:buFont typeface="+mj-lt"/>
+              <a:buAutoNum type="arabicPeriod"/>
+            </a:pPr>
+            <a:r>
+              <a:rPr lang="fr-FR" dirty="0" smtClean="0"/>
+              <a:t>git </a:t>
+            </a:r>
+            <a:r>
               <a:rPr lang="fr-FR" dirty="0" err="1"/>
-              <a:t>revert_project</a:t>
+              <a:t>add</a:t>
             </a:r>
             <a:r>
               <a:rPr lang="fr-FR" dirty="0"/>
               <a:t> </a:t>
             </a:r>
             <a:r>
+              <a:rPr lang="fr-FR" dirty="0" smtClean="0"/>
+              <a:t>file</a:t>
+            </a:r>
+          </a:p>
+          <a:p>
+            <a:pPr marL="342900" indent="-342900">
+              <a:buFont typeface="+mj-lt"/>
+              <a:buAutoNum type="arabicPeriod"/>
+            </a:pPr>
+            <a:r>
+              <a:rPr lang="fr-FR" dirty="0" smtClean="0"/>
+              <a:t>git </a:t>
+            </a:r>
+            <a:r>
               <a:rPr lang="fr-FR" dirty="0"/>
-              <a:t>/</a:t>
-            </a:r>
-          </a:p>
-          <a:p>
-            <a:pPr marL="342900" indent="-342900">
-              <a:buFont typeface="+mj-lt"/>
-              <a:buAutoNum type="arabicPeriod"/>
-            </a:pPr>
+              <a:t>commit -</a:t>
+            </a:r>
+            <a:r>
+              <a:rPr lang="fr-FR" dirty="0" err="1"/>
+              <a:t>am</a:t>
+            </a:r>
             <a:r>
               <a:rPr lang="fr-FR" dirty="0"/>
               <a:t> </a:t>
             </a:r>
             <a:r>
+              <a:rPr lang="fr-FR" dirty="0" smtClean="0"/>
+              <a:t>« initial commit« </a:t>
+            </a:r>
+          </a:p>
+          <a:p>
+            <a:pPr marL="342900" indent="-342900">
+              <a:buFont typeface="+mj-lt"/>
+              <a:buAutoNum type="arabicPeriod"/>
+            </a:pPr>
+            <a:r>
+              <a:rPr lang="en-US" dirty="0"/>
+              <a:t>echo </a:t>
+            </a:r>
+            <a:r>
+              <a:rPr lang="en-US" dirty="0" smtClean="0"/>
+              <a:t>“content" </a:t>
+            </a:r>
+            <a:r>
+              <a:rPr lang="en-US" dirty="0"/>
+              <a:t>&gt;&gt; </a:t>
+            </a:r>
+            <a:r>
+              <a:rPr lang="en-US" dirty="0" smtClean="0"/>
+              <a:t>file1</a:t>
+            </a:r>
+          </a:p>
+          <a:p>
+            <a:pPr marL="342900" indent="-342900">
+              <a:buFont typeface="+mj-lt"/>
+              <a:buAutoNum type="arabicPeriod"/>
+            </a:pPr>
+            <a:r>
+              <a:rPr lang="en-US" dirty="0" smtClean="0"/>
+              <a:t> </a:t>
+            </a:r>
+            <a:r>
+              <a:rPr lang="en-US" dirty="0" err="1"/>
+              <a:t>git</a:t>
+            </a:r>
+            <a:r>
+              <a:rPr lang="en-US" dirty="0"/>
+              <a:t> commit -am "add new content to </a:t>
+            </a:r>
+            <a:r>
+              <a:rPr lang="en-US" dirty="0" smtClean="0"/>
+              <a:t>file1“</a:t>
+            </a:r>
+          </a:p>
+          <a:p>
+            <a:pPr marL="342900" indent="-342900">
+              <a:buFont typeface="+mj-lt"/>
+              <a:buAutoNum type="arabicPeriod"/>
+            </a:pPr>
+            <a:r>
+              <a:rPr lang="en-US" dirty="0"/>
+              <a:t>echo </a:t>
+            </a:r>
+            <a:r>
+              <a:rPr lang="en-US" dirty="0" smtClean="0"/>
+              <a:t>“add line </a:t>
+            </a:r>
+            <a:r>
+              <a:rPr lang="en-US" dirty="0"/>
+              <a:t>content" &gt;&gt; </a:t>
+            </a:r>
+            <a:r>
+              <a:rPr lang="en-US" dirty="0" smtClean="0"/>
+              <a:t>file1</a:t>
+            </a:r>
+          </a:p>
+          <a:p>
+            <a:pPr marL="342900" indent="-342900">
+              <a:buFont typeface="+mj-lt"/>
+              <a:buAutoNum type="arabicPeriod"/>
+            </a:pPr>
+            <a:r>
+              <a:rPr lang="en-US" dirty="0" smtClean="0"/>
+              <a:t> </a:t>
+            </a:r>
+            <a:r>
+              <a:rPr lang="en-US" dirty="0" err="1"/>
+              <a:t>git</a:t>
+            </a:r>
+            <a:r>
+              <a:rPr lang="en-US" dirty="0"/>
+              <a:t> commit -</a:t>
+            </a:r>
+            <a:r>
+              <a:rPr lang="en-US" dirty="0" err="1" smtClean="0"/>
+              <a:t>am“add</a:t>
+            </a:r>
+            <a:r>
+              <a:rPr lang="en-US" dirty="0" smtClean="0"/>
+              <a:t> </a:t>
+            </a:r>
+            <a:r>
+              <a:rPr lang="en-US" dirty="0"/>
+              <a:t>content to </a:t>
+            </a:r>
+            <a:r>
+              <a:rPr lang="en-US" dirty="0" smtClean="0"/>
+              <a:t>file1“</a:t>
+            </a:r>
+          </a:p>
+          <a:p>
+            <a:pPr marL="342900" indent="-342900">
+              <a:buFont typeface="+mj-lt"/>
+              <a:buAutoNum type="arabicPeriod"/>
+            </a:pPr>
+            <a:r>
+              <a:rPr lang="fr-FR" dirty="0"/>
+              <a:t> </a:t>
+            </a:r>
+            <a:r>
+              <a:rPr lang="fr-FR" dirty="0">
+                <a:hlinkClick r:id="rId3"/>
+              </a:rPr>
+              <a:t>git </a:t>
+            </a:r>
+            <a:r>
+              <a:rPr lang="fr-FR" dirty="0" smtClean="0">
+                <a:hlinkClick r:id="rId3"/>
+              </a:rPr>
+              <a:t>log</a:t>
+            </a:r>
+            <a:endParaRPr lang="fr-FR" dirty="0" smtClean="0"/>
+          </a:p>
+          <a:p>
+            <a:pPr marL="342900" indent="-342900">
+              <a:buFont typeface="+mj-lt"/>
+              <a:buAutoNum type="arabicPeriod"/>
+            </a:pPr>
+            <a:r>
               <a:rPr lang="fr-FR" dirty="0"/>
               <a:t>git </a:t>
             </a:r>
             <a:r>
               <a:rPr lang="fr-FR" dirty="0" err="1"/>
-              <a:t>init</a:t>
-            </a:r>
-            <a:r>
-              <a:rPr lang="fr-FR" dirty="0"/>
-              <a:t> </a:t>
-            </a:r>
-            <a:r>
-              <a:rPr lang="fr-FR" dirty="0"/>
-              <a:t>.</a:t>
-            </a:r>
-          </a:p>
-     